--- a/Abgabe/Dokumentation/Präsentation.pptx
+++ b/Abgabe/Dokumentation/Präsentation.pptx
@@ -13,13 +13,14 @@
     <p:sldId id="271" r:id="rId7"/>
     <p:sldId id="266" r:id="rId8"/>
     <p:sldId id="269" r:id="rId9"/>
-    <p:sldId id="268" r:id="rId10"/>
-    <p:sldId id="267" r:id="rId11"/>
-    <p:sldId id="262" r:id="rId12"/>
-    <p:sldId id="261" r:id="rId13"/>
-    <p:sldId id="264" r:id="rId14"/>
-    <p:sldId id="265" r:id="rId15"/>
-    <p:sldId id="258" r:id="rId16"/>
+    <p:sldId id="272" r:id="rId10"/>
+    <p:sldId id="268" r:id="rId11"/>
+    <p:sldId id="267" r:id="rId12"/>
+    <p:sldId id="262" r:id="rId13"/>
+    <p:sldId id="261" r:id="rId14"/>
+    <p:sldId id="264" r:id="rId15"/>
+    <p:sldId id="265" r:id="rId16"/>
+    <p:sldId id="258" r:id="rId17"/>
   </p:sldIdLst>
   <p:sldSz cx="12192000" cy="6858000"/>
   <p:notesSz cx="6858000" cy="9144000"/>
@@ -124,6 +125,4938 @@
     </p:ext>
   </p:extLst>
 </p:presentation>
+</file>
+
+<file path=ppt/charts/chart1.xml><?xml version="1.0" encoding="utf-8"?>
+<c:chartSpace xmlns:c="http://schemas.openxmlformats.org/drawingml/2006/chart" xmlns:a="http://schemas.openxmlformats.org/drawingml/2006/main" xmlns:r="http://schemas.openxmlformats.org/officeDocument/2006/relationships" xmlns:c16r2="http://schemas.microsoft.com/office/drawing/2015/06/chart">
+  <c:date1904 val="0"/>
+  <c:lang val="de-DE"/>
+  <c:roundedCorners val="0"/>
+  <mc:AlternateContent xmlns:mc="http://schemas.openxmlformats.org/markup-compatibility/2006">
+    <mc:Choice xmlns:c14="http://schemas.microsoft.com/office/drawing/2007/8/2/chart" Requires="c14">
+      <c14:style val="102"/>
+    </mc:Choice>
+    <mc:Fallback>
+      <c:style val="2"/>
+    </mc:Fallback>
+  </mc:AlternateContent>
+  <c:pivotSource>
+    <c:name>[Kostenanalyse.xlsx]Tabelle2!PivotTable1</c:name>
+    <c:fmtId val="23"/>
+  </c:pivotSource>
+  <c:chart>
+    <c:autoTitleDeleted val="0"/>
+    <c:pivotFmts>
+      <c:pivotFmt>
+        <c:idx val="0"/>
+        <c:spPr>
+          <a:solidFill>
+            <a:schemeClr val="accent1"/>
+          </a:solidFill>
+          <a:ln>
+            <a:noFill/>
+          </a:ln>
+          <a:effectLst/>
+        </c:spPr>
+        <c:marker>
+          <c:symbol val="circle"/>
+          <c:size val="5"/>
+          <c:spPr>
+            <a:solidFill>
+              <a:schemeClr val="accent1"/>
+            </a:solidFill>
+            <a:ln w="9525">
+              <a:solidFill>
+                <a:schemeClr val="accent1"/>
+              </a:solidFill>
+            </a:ln>
+            <a:effectLst/>
+          </c:spPr>
+        </c:marker>
+        <c:dLbl>
+          <c:idx val="0"/>
+          <c:spPr>
+            <a:noFill/>
+            <a:ln>
+              <a:noFill/>
+            </a:ln>
+            <a:effectLst/>
+          </c:spPr>
+          <c:txPr>
+            <a:bodyPr rot="0" spcFirstLastPara="1" vertOverflow="ellipsis" vert="horz" wrap="square" lIns="38100" tIns="19050" rIns="38100" bIns="19050" anchor="ctr" anchorCtr="1">
+              <a:spAutoFit/>
+            </a:bodyPr>
+            <a:lstStyle/>
+            <a:p>
+              <a:pPr>
+                <a:defRPr sz="900" b="0" i="0" u="none" strike="noStrike" kern="1200" baseline="0">
+                  <a:solidFill>
+                    <a:schemeClr val="tx1">
+                      <a:lumMod val="75000"/>
+                      <a:lumOff val="25000"/>
+                    </a:schemeClr>
+                  </a:solidFill>
+                  <a:latin typeface="+mn-lt"/>
+                  <a:ea typeface="+mn-ea"/>
+                  <a:cs typeface="+mn-cs"/>
+                </a:defRPr>
+              </a:pPr>
+              <a:endParaRPr lang="de-DE"/>
+            </a:p>
+          </c:txPr>
+          <c:dLblPos val="outEnd"/>
+          <c:showLegendKey val="0"/>
+          <c:showVal val="1"/>
+          <c:showCatName val="0"/>
+          <c:showSerName val="0"/>
+          <c:showPercent val="0"/>
+          <c:showBubbleSize val="0"/>
+          <c:extLst>
+            <c:ext xmlns:c15="http://schemas.microsoft.com/office/drawing/2012/chart" uri="{CE6537A1-D6FC-4f65-9D91-7224C49458BB}"/>
+          </c:extLst>
+        </c:dLbl>
+      </c:pivotFmt>
+      <c:pivotFmt>
+        <c:idx val="1"/>
+        <c:dLbl>
+          <c:idx val="0"/>
+          <c:showLegendKey val="0"/>
+          <c:showVal val="0"/>
+          <c:showCatName val="0"/>
+          <c:showSerName val="0"/>
+          <c:showPercent val="0"/>
+          <c:showBubbleSize val="0"/>
+          <c:extLst>
+            <c:ext xmlns:c15="http://schemas.microsoft.com/office/drawing/2012/chart" uri="{CE6537A1-D6FC-4f65-9D91-7224C49458BB}"/>
+          </c:extLst>
+        </c:dLbl>
+      </c:pivotFmt>
+      <c:pivotFmt>
+        <c:idx val="2"/>
+        <c:dLbl>
+          <c:idx val="0"/>
+          <c:showLegendKey val="0"/>
+          <c:showVal val="0"/>
+          <c:showCatName val="0"/>
+          <c:showSerName val="0"/>
+          <c:showPercent val="0"/>
+          <c:showBubbleSize val="0"/>
+          <c:extLst>
+            <c:ext xmlns:c15="http://schemas.microsoft.com/office/drawing/2012/chart" uri="{CE6537A1-D6FC-4f65-9D91-7224C49458BB}"/>
+          </c:extLst>
+        </c:dLbl>
+      </c:pivotFmt>
+      <c:pivotFmt>
+        <c:idx val="3"/>
+        <c:spPr>
+          <a:solidFill>
+            <a:schemeClr val="accent1"/>
+          </a:solidFill>
+          <a:ln>
+            <a:noFill/>
+          </a:ln>
+          <a:effectLst/>
+        </c:spPr>
+        <c:marker>
+          <c:symbol val="circle"/>
+          <c:size val="5"/>
+          <c:spPr>
+            <a:solidFill>
+              <a:schemeClr val="accent2"/>
+            </a:solidFill>
+            <a:ln w="9525">
+              <a:solidFill>
+                <a:schemeClr val="accent2"/>
+              </a:solidFill>
+            </a:ln>
+            <a:effectLst/>
+          </c:spPr>
+        </c:marker>
+        <c:dLbl>
+          <c:idx val="0"/>
+          <c:spPr>
+            <a:noFill/>
+            <a:ln>
+              <a:noFill/>
+            </a:ln>
+            <a:effectLst/>
+          </c:spPr>
+          <c:txPr>
+            <a:bodyPr rot="0" spcFirstLastPara="1" vertOverflow="ellipsis" vert="horz" wrap="square" lIns="38100" tIns="19050" rIns="38100" bIns="19050" anchor="ctr" anchorCtr="1">
+              <a:spAutoFit/>
+            </a:bodyPr>
+            <a:lstStyle/>
+            <a:p>
+              <a:pPr>
+                <a:defRPr sz="900" b="0" i="0" u="none" strike="noStrike" kern="1200" baseline="0">
+                  <a:solidFill>
+                    <a:schemeClr val="tx1">
+                      <a:lumMod val="75000"/>
+                      <a:lumOff val="25000"/>
+                    </a:schemeClr>
+                  </a:solidFill>
+                  <a:latin typeface="+mn-lt"/>
+                  <a:ea typeface="+mn-ea"/>
+                  <a:cs typeface="+mn-cs"/>
+                </a:defRPr>
+              </a:pPr>
+              <a:endParaRPr lang="de-DE"/>
+            </a:p>
+          </c:txPr>
+          <c:dLblPos val="outEnd"/>
+          <c:showLegendKey val="0"/>
+          <c:showVal val="1"/>
+          <c:showCatName val="0"/>
+          <c:showSerName val="0"/>
+          <c:showPercent val="0"/>
+          <c:showBubbleSize val="0"/>
+          <c:extLst>
+            <c:ext xmlns:c15="http://schemas.microsoft.com/office/drawing/2012/chart" uri="{CE6537A1-D6FC-4f65-9D91-7224C49458BB}"/>
+          </c:extLst>
+        </c:dLbl>
+      </c:pivotFmt>
+      <c:pivotFmt>
+        <c:idx val="4"/>
+        <c:spPr>
+          <a:solidFill>
+            <a:schemeClr val="accent1"/>
+          </a:solidFill>
+          <a:ln>
+            <a:noFill/>
+          </a:ln>
+          <a:effectLst/>
+        </c:spPr>
+        <c:marker>
+          <c:symbol val="circle"/>
+          <c:size val="5"/>
+          <c:spPr>
+            <a:solidFill>
+              <a:schemeClr val="accent3"/>
+            </a:solidFill>
+            <a:ln w="9525">
+              <a:solidFill>
+                <a:schemeClr val="accent3"/>
+              </a:solidFill>
+            </a:ln>
+            <a:effectLst/>
+          </c:spPr>
+        </c:marker>
+        <c:dLbl>
+          <c:idx val="0"/>
+          <c:spPr>
+            <a:noFill/>
+            <a:ln>
+              <a:noFill/>
+            </a:ln>
+            <a:effectLst/>
+          </c:spPr>
+          <c:txPr>
+            <a:bodyPr rot="0" spcFirstLastPara="1" vertOverflow="ellipsis" vert="horz" wrap="square" lIns="38100" tIns="19050" rIns="38100" bIns="19050" anchor="ctr" anchorCtr="1">
+              <a:spAutoFit/>
+            </a:bodyPr>
+            <a:lstStyle/>
+            <a:p>
+              <a:pPr>
+                <a:defRPr sz="900" b="0" i="0" u="none" strike="noStrike" kern="1200" baseline="0">
+                  <a:solidFill>
+                    <a:schemeClr val="tx1">
+                      <a:lumMod val="75000"/>
+                      <a:lumOff val="25000"/>
+                    </a:schemeClr>
+                  </a:solidFill>
+                  <a:latin typeface="+mn-lt"/>
+                  <a:ea typeface="+mn-ea"/>
+                  <a:cs typeface="+mn-cs"/>
+                </a:defRPr>
+              </a:pPr>
+              <a:endParaRPr lang="de-DE"/>
+            </a:p>
+          </c:txPr>
+          <c:dLblPos val="outEnd"/>
+          <c:showLegendKey val="0"/>
+          <c:showVal val="1"/>
+          <c:showCatName val="0"/>
+          <c:showSerName val="0"/>
+          <c:showPercent val="0"/>
+          <c:showBubbleSize val="0"/>
+          <c:extLst>
+            <c:ext xmlns:c15="http://schemas.microsoft.com/office/drawing/2012/chart" uri="{CE6537A1-D6FC-4f65-9D91-7224C49458BB}"/>
+          </c:extLst>
+        </c:dLbl>
+      </c:pivotFmt>
+      <c:pivotFmt>
+        <c:idx val="5"/>
+        <c:spPr>
+          <a:solidFill>
+            <a:schemeClr val="accent1"/>
+          </a:solidFill>
+          <a:ln>
+            <a:noFill/>
+          </a:ln>
+          <a:effectLst/>
+        </c:spPr>
+        <c:marker>
+          <c:symbol val="circle"/>
+          <c:size val="5"/>
+          <c:spPr>
+            <a:solidFill>
+              <a:schemeClr val="accent4"/>
+            </a:solidFill>
+            <a:ln w="9525">
+              <a:solidFill>
+                <a:schemeClr val="accent4"/>
+              </a:solidFill>
+            </a:ln>
+            <a:effectLst/>
+          </c:spPr>
+        </c:marker>
+        <c:dLbl>
+          <c:idx val="0"/>
+          <c:spPr>
+            <a:noFill/>
+            <a:ln>
+              <a:noFill/>
+            </a:ln>
+            <a:effectLst/>
+          </c:spPr>
+          <c:txPr>
+            <a:bodyPr rot="0" spcFirstLastPara="1" vertOverflow="ellipsis" vert="horz" wrap="square" lIns="38100" tIns="19050" rIns="38100" bIns="19050" anchor="ctr" anchorCtr="1">
+              <a:spAutoFit/>
+            </a:bodyPr>
+            <a:lstStyle/>
+            <a:p>
+              <a:pPr>
+                <a:defRPr sz="900" b="0" i="0" u="none" strike="noStrike" kern="1200" baseline="0">
+                  <a:solidFill>
+                    <a:schemeClr val="tx1">
+                      <a:lumMod val="75000"/>
+                      <a:lumOff val="25000"/>
+                    </a:schemeClr>
+                  </a:solidFill>
+                  <a:latin typeface="+mn-lt"/>
+                  <a:ea typeface="+mn-ea"/>
+                  <a:cs typeface="+mn-cs"/>
+                </a:defRPr>
+              </a:pPr>
+              <a:endParaRPr lang="de-DE"/>
+            </a:p>
+          </c:txPr>
+          <c:dLblPos val="outEnd"/>
+          <c:showLegendKey val="0"/>
+          <c:showVal val="1"/>
+          <c:showCatName val="0"/>
+          <c:showSerName val="0"/>
+          <c:showPercent val="0"/>
+          <c:showBubbleSize val="0"/>
+          <c:extLst>
+            <c:ext xmlns:c15="http://schemas.microsoft.com/office/drawing/2012/chart" uri="{CE6537A1-D6FC-4f65-9D91-7224C49458BB}"/>
+          </c:extLst>
+        </c:dLbl>
+      </c:pivotFmt>
+      <c:pivotFmt>
+        <c:idx val="6"/>
+        <c:spPr>
+          <a:solidFill>
+            <a:schemeClr val="accent1"/>
+          </a:solidFill>
+          <a:ln>
+            <a:noFill/>
+          </a:ln>
+          <a:effectLst/>
+        </c:spPr>
+        <c:marker>
+          <c:symbol val="circle"/>
+          <c:size val="5"/>
+          <c:spPr>
+            <a:solidFill>
+              <a:schemeClr val="accent5"/>
+            </a:solidFill>
+            <a:ln w="9525">
+              <a:solidFill>
+                <a:schemeClr val="accent5"/>
+              </a:solidFill>
+            </a:ln>
+            <a:effectLst/>
+          </c:spPr>
+        </c:marker>
+        <c:dLbl>
+          <c:idx val="0"/>
+          <c:spPr>
+            <a:noFill/>
+            <a:ln>
+              <a:noFill/>
+            </a:ln>
+            <a:effectLst/>
+          </c:spPr>
+          <c:txPr>
+            <a:bodyPr rot="0" spcFirstLastPara="1" vertOverflow="ellipsis" vert="horz" wrap="square" lIns="38100" tIns="19050" rIns="38100" bIns="19050" anchor="ctr" anchorCtr="1">
+              <a:spAutoFit/>
+            </a:bodyPr>
+            <a:lstStyle/>
+            <a:p>
+              <a:pPr>
+                <a:defRPr sz="900" b="0" i="0" u="none" strike="noStrike" kern="1200" baseline="0">
+                  <a:solidFill>
+                    <a:schemeClr val="tx1">
+                      <a:lumMod val="75000"/>
+                      <a:lumOff val="25000"/>
+                    </a:schemeClr>
+                  </a:solidFill>
+                  <a:latin typeface="+mn-lt"/>
+                  <a:ea typeface="+mn-ea"/>
+                  <a:cs typeface="+mn-cs"/>
+                </a:defRPr>
+              </a:pPr>
+              <a:endParaRPr lang="de-DE"/>
+            </a:p>
+          </c:txPr>
+          <c:dLblPos val="outEnd"/>
+          <c:showLegendKey val="0"/>
+          <c:showVal val="1"/>
+          <c:showCatName val="0"/>
+          <c:showSerName val="0"/>
+          <c:showPercent val="0"/>
+          <c:showBubbleSize val="0"/>
+          <c:extLst>
+            <c:ext xmlns:c15="http://schemas.microsoft.com/office/drawing/2012/chart" uri="{CE6537A1-D6FC-4f65-9D91-7224C49458BB}"/>
+          </c:extLst>
+        </c:dLbl>
+      </c:pivotFmt>
+      <c:pivotFmt>
+        <c:idx val="7"/>
+        <c:spPr>
+          <a:solidFill>
+            <a:schemeClr val="accent1"/>
+          </a:solidFill>
+          <a:ln>
+            <a:noFill/>
+          </a:ln>
+          <a:effectLst/>
+        </c:spPr>
+        <c:marker>
+          <c:symbol val="circle"/>
+          <c:size val="5"/>
+          <c:spPr>
+            <a:solidFill>
+              <a:schemeClr val="accent6"/>
+            </a:solidFill>
+            <a:ln w="9525">
+              <a:solidFill>
+                <a:schemeClr val="accent6"/>
+              </a:solidFill>
+            </a:ln>
+            <a:effectLst/>
+          </c:spPr>
+        </c:marker>
+        <c:dLbl>
+          <c:idx val="0"/>
+          <c:spPr>
+            <a:noFill/>
+            <a:ln>
+              <a:noFill/>
+            </a:ln>
+            <a:effectLst/>
+          </c:spPr>
+          <c:txPr>
+            <a:bodyPr rot="0" spcFirstLastPara="1" vertOverflow="ellipsis" vert="horz" wrap="square" lIns="38100" tIns="19050" rIns="38100" bIns="19050" anchor="ctr" anchorCtr="1">
+              <a:spAutoFit/>
+            </a:bodyPr>
+            <a:lstStyle/>
+            <a:p>
+              <a:pPr>
+                <a:defRPr sz="900" b="0" i="0" u="none" strike="noStrike" kern="1200" baseline="0">
+                  <a:solidFill>
+                    <a:schemeClr val="tx1">
+                      <a:lumMod val="75000"/>
+                      <a:lumOff val="25000"/>
+                    </a:schemeClr>
+                  </a:solidFill>
+                  <a:latin typeface="+mn-lt"/>
+                  <a:ea typeface="+mn-ea"/>
+                  <a:cs typeface="+mn-cs"/>
+                </a:defRPr>
+              </a:pPr>
+              <a:endParaRPr lang="de-DE"/>
+            </a:p>
+          </c:txPr>
+          <c:dLblPos val="outEnd"/>
+          <c:showLegendKey val="0"/>
+          <c:showVal val="1"/>
+          <c:showCatName val="0"/>
+          <c:showSerName val="0"/>
+          <c:showPercent val="0"/>
+          <c:showBubbleSize val="0"/>
+          <c:extLst>
+            <c:ext xmlns:c15="http://schemas.microsoft.com/office/drawing/2012/chart" uri="{CE6537A1-D6FC-4f65-9D91-7224C49458BB}"/>
+          </c:extLst>
+        </c:dLbl>
+      </c:pivotFmt>
+      <c:pivotFmt>
+        <c:idx val="8"/>
+        <c:spPr>
+          <a:solidFill>
+            <a:schemeClr val="accent1"/>
+          </a:solidFill>
+          <a:ln>
+            <a:noFill/>
+          </a:ln>
+          <a:effectLst/>
+        </c:spPr>
+        <c:marker>
+          <c:symbol val="circle"/>
+          <c:size val="5"/>
+          <c:spPr>
+            <a:solidFill>
+              <a:schemeClr val="accent1">
+                <a:lumMod val="60000"/>
+              </a:schemeClr>
+            </a:solidFill>
+            <a:ln w="9525">
+              <a:solidFill>
+                <a:schemeClr val="accent1">
+                  <a:lumMod val="60000"/>
+                </a:schemeClr>
+              </a:solidFill>
+            </a:ln>
+            <a:effectLst/>
+          </c:spPr>
+        </c:marker>
+        <c:dLbl>
+          <c:idx val="0"/>
+          <c:spPr>
+            <a:noFill/>
+            <a:ln>
+              <a:noFill/>
+            </a:ln>
+            <a:effectLst/>
+          </c:spPr>
+          <c:txPr>
+            <a:bodyPr rot="0" spcFirstLastPara="1" vertOverflow="ellipsis" vert="horz" wrap="square" lIns="38100" tIns="19050" rIns="38100" bIns="19050" anchor="ctr" anchorCtr="1">
+              <a:spAutoFit/>
+            </a:bodyPr>
+            <a:lstStyle/>
+            <a:p>
+              <a:pPr>
+                <a:defRPr sz="900" b="0" i="0" u="none" strike="noStrike" kern="1200" baseline="0">
+                  <a:solidFill>
+                    <a:schemeClr val="tx1">
+                      <a:lumMod val="75000"/>
+                      <a:lumOff val="25000"/>
+                    </a:schemeClr>
+                  </a:solidFill>
+                  <a:latin typeface="+mn-lt"/>
+                  <a:ea typeface="+mn-ea"/>
+                  <a:cs typeface="+mn-cs"/>
+                </a:defRPr>
+              </a:pPr>
+              <a:endParaRPr lang="de-DE"/>
+            </a:p>
+          </c:txPr>
+          <c:dLblPos val="outEnd"/>
+          <c:showLegendKey val="0"/>
+          <c:showVal val="1"/>
+          <c:showCatName val="0"/>
+          <c:showSerName val="0"/>
+          <c:showPercent val="0"/>
+          <c:showBubbleSize val="0"/>
+          <c:extLst>
+            <c:ext xmlns:c15="http://schemas.microsoft.com/office/drawing/2012/chart" uri="{CE6537A1-D6FC-4f65-9D91-7224C49458BB}"/>
+          </c:extLst>
+        </c:dLbl>
+      </c:pivotFmt>
+      <c:pivotFmt>
+        <c:idx val="9"/>
+        <c:spPr>
+          <a:solidFill>
+            <a:schemeClr val="accent1"/>
+          </a:solidFill>
+          <a:ln>
+            <a:noFill/>
+          </a:ln>
+          <a:effectLst/>
+        </c:spPr>
+        <c:marker>
+          <c:symbol val="circle"/>
+          <c:size val="5"/>
+          <c:spPr>
+            <a:solidFill>
+              <a:schemeClr val="accent2">
+                <a:lumMod val="60000"/>
+              </a:schemeClr>
+            </a:solidFill>
+            <a:ln w="9525">
+              <a:solidFill>
+                <a:schemeClr val="accent2">
+                  <a:lumMod val="60000"/>
+                </a:schemeClr>
+              </a:solidFill>
+            </a:ln>
+            <a:effectLst/>
+          </c:spPr>
+        </c:marker>
+        <c:dLbl>
+          <c:idx val="0"/>
+          <c:spPr>
+            <a:noFill/>
+            <a:ln>
+              <a:noFill/>
+            </a:ln>
+            <a:effectLst/>
+          </c:spPr>
+          <c:txPr>
+            <a:bodyPr rot="0" spcFirstLastPara="1" vertOverflow="ellipsis" vert="horz" wrap="square" lIns="38100" tIns="19050" rIns="38100" bIns="19050" anchor="ctr" anchorCtr="1">
+              <a:spAutoFit/>
+            </a:bodyPr>
+            <a:lstStyle/>
+            <a:p>
+              <a:pPr>
+                <a:defRPr sz="900" b="0" i="0" u="none" strike="noStrike" kern="1200" baseline="0">
+                  <a:solidFill>
+                    <a:schemeClr val="tx1">
+                      <a:lumMod val="75000"/>
+                      <a:lumOff val="25000"/>
+                    </a:schemeClr>
+                  </a:solidFill>
+                  <a:latin typeface="+mn-lt"/>
+                  <a:ea typeface="+mn-ea"/>
+                  <a:cs typeface="+mn-cs"/>
+                </a:defRPr>
+              </a:pPr>
+              <a:endParaRPr lang="de-DE"/>
+            </a:p>
+          </c:txPr>
+          <c:dLblPos val="outEnd"/>
+          <c:showLegendKey val="0"/>
+          <c:showVal val="1"/>
+          <c:showCatName val="0"/>
+          <c:showSerName val="0"/>
+          <c:showPercent val="0"/>
+          <c:showBubbleSize val="0"/>
+          <c:extLst>
+            <c:ext xmlns:c15="http://schemas.microsoft.com/office/drawing/2012/chart" uri="{CE6537A1-D6FC-4f65-9D91-7224C49458BB}"/>
+          </c:extLst>
+        </c:dLbl>
+      </c:pivotFmt>
+      <c:pivotFmt>
+        <c:idx val="10"/>
+        <c:spPr>
+          <a:solidFill>
+            <a:schemeClr val="accent1"/>
+          </a:solidFill>
+          <a:ln>
+            <a:noFill/>
+          </a:ln>
+          <a:effectLst/>
+        </c:spPr>
+        <c:marker>
+          <c:symbol val="circle"/>
+          <c:size val="5"/>
+          <c:spPr>
+            <a:solidFill>
+              <a:schemeClr val="accent3">
+                <a:lumMod val="60000"/>
+              </a:schemeClr>
+            </a:solidFill>
+            <a:ln w="9525">
+              <a:solidFill>
+                <a:schemeClr val="accent3">
+                  <a:lumMod val="60000"/>
+                </a:schemeClr>
+              </a:solidFill>
+            </a:ln>
+            <a:effectLst/>
+          </c:spPr>
+        </c:marker>
+        <c:dLbl>
+          <c:idx val="0"/>
+          <c:spPr>
+            <a:noFill/>
+            <a:ln>
+              <a:noFill/>
+            </a:ln>
+            <a:effectLst/>
+          </c:spPr>
+          <c:txPr>
+            <a:bodyPr rot="0" spcFirstLastPara="1" vertOverflow="ellipsis" vert="horz" wrap="square" lIns="38100" tIns="19050" rIns="38100" bIns="19050" anchor="ctr" anchorCtr="1">
+              <a:spAutoFit/>
+            </a:bodyPr>
+            <a:lstStyle/>
+            <a:p>
+              <a:pPr>
+                <a:defRPr sz="900" b="0" i="0" u="none" strike="noStrike" kern="1200" baseline="0">
+                  <a:solidFill>
+                    <a:schemeClr val="tx1">
+                      <a:lumMod val="75000"/>
+                      <a:lumOff val="25000"/>
+                    </a:schemeClr>
+                  </a:solidFill>
+                  <a:latin typeface="+mn-lt"/>
+                  <a:ea typeface="+mn-ea"/>
+                  <a:cs typeface="+mn-cs"/>
+                </a:defRPr>
+              </a:pPr>
+              <a:endParaRPr lang="de-DE"/>
+            </a:p>
+          </c:txPr>
+          <c:dLblPos val="outEnd"/>
+          <c:showLegendKey val="0"/>
+          <c:showVal val="1"/>
+          <c:showCatName val="0"/>
+          <c:showSerName val="0"/>
+          <c:showPercent val="0"/>
+          <c:showBubbleSize val="0"/>
+          <c:extLst>
+            <c:ext xmlns:c15="http://schemas.microsoft.com/office/drawing/2012/chart" uri="{CE6537A1-D6FC-4f65-9D91-7224C49458BB}"/>
+          </c:extLst>
+        </c:dLbl>
+      </c:pivotFmt>
+      <c:pivotFmt>
+        <c:idx val="11"/>
+        <c:spPr>
+          <a:solidFill>
+            <a:schemeClr val="accent1"/>
+          </a:solidFill>
+          <a:ln>
+            <a:noFill/>
+          </a:ln>
+          <a:effectLst/>
+        </c:spPr>
+        <c:marker>
+          <c:symbol val="circle"/>
+          <c:size val="5"/>
+          <c:spPr>
+            <a:solidFill>
+              <a:schemeClr val="accent4">
+                <a:lumMod val="60000"/>
+              </a:schemeClr>
+            </a:solidFill>
+            <a:ln w="9525">
+              <a:solidFill>
+                <a:schemeClr val="accent4">
+                  <a:lumMod val="60000"/>
+                </a:schemeClr>
+              </a:solidFill>
+            </a:ln>
+            <a:effectLst/>
+          </c:spPr>
+        </c:marker>
+        <c:dLbl>
+          <c:idx val="0"/>
+          <c:spPr>
+            <a:noFill/>
+            <a:ln>
+              <a:noFill/>
+            </a:ln>
+            <a:effectLst/>
+          </c:spPr>
+          <c:txPr>
+            <a:bodyPr rot="0" spcFirstLastPara="1" vertOverflow="ellipsis" vert="horz" wrap="square" lIns="38100" tIns="19050" rIns="38100" bIns="19050" anchor="ctr" anchorCtr="1">
+              <a:spAutoFit/>
+            </a:bodyPr>
+            <a:lstStyle/>
+            <a:p>
+              <a:pPr>
+                <a:defRPr sz="900" b="0" i="0" u="none" strike="noStrike" kern="1200" baseline="0">
+                  <a:solidFill>
+                    <a:schemeClr val="tx1">
+                      <a:lumMod val="75000"/>
+                      <a:lumOff val="25000"/>
+                    </a:schemeClr>
+                  </a:solidFill>
+                  <a:latin typeface="+mn-lt"/>
+                  <a:ea typeface="+mn-ea"/>
+                  <a:cs typeface="+mn-cs"/>
+                </a:defRPr>
+              </a:pPr>
+              <a:endParaRPr lang="de-DE"/>
+            </a:p>
+          </c:txPr>
+          <c:dLblPos val="outEnd"/>
+          <c:showLegendKey val="0"/>
+          <c:showVal val="1"/>
+          <c:showCatName val="0"/>
+          <c:showSerName val="0"/>
+          <c:showPercent val="0"/>
+          <c:showBubbleSize val="0"/>
+          <c:extLst>
+            <c:ext xmlns:c15="http://schemas.microsoft.com/office/drawing/2012/chart" uri="{CE6537A1-D6FC-4f65-9D91-7224C49458BB}"/>
+          </c:extLst>
+        </c:dLbl>
+      </c:pivotFmt>
+      <c:pivotFmt>
+        <c:idx val="12"/>
+        <c:spPr>
+          <a:solidFill>
+            <a:schemeClr val="accent1"/>
+          </a:solidFill>
+          <a:ln>
+            <a:noFill/>
+          </a:ln>
+          <a:effectLst/>
+        </c:spPr>
+        <c:marker>
+          <c:symbol val="none"/>
+        </c:marker>
+        <c:dLbl>
+          <c:idx val="0"/>
+          <c:spPr>
+            <a:noFill/>
+            <a:ln>
+              <a:noFill/>
+            </a:ln>
+            <a:effectLst/>
+          </c:spPr>
+          <c:txPr>
+            <a:bodyPr rot="0" spcFirstLastPara="1" vertOverflow="ellipsis" vert="horz" wrap="square" lIns="38100" tIns="19050" rIns="38100" bIns="19050" anchor="ctr" anchorCtr="1">
+              <a:spAutoFit/>
+            </a:bodyPr>
+            <a:lstStyle/>
+            <a:p>
+              <a:pPr>
+                <a:defRPr sz="900" b="0" i="0" u="none" strike="noStrike" kern="1200" baseline="0">
+                  <a:solidFill>
+                    <a:schemeClr val="tx1">
+                      <a:lumMod val="75000"/>
+                      <a:lumOff val="25000"/>
+                    </a:schemeClr>
+                  </a:solidFill>
+                  <a:latin typeface="+mn-lt"/>
+                  <a:ea typeface="+mn-ea"/>
+                  <a:cs typeface="+mn-cs"/>
+                </a:defRPr>
+              </a:pPr>
+              <a:endParaRPr lang="de-DE"/>
+            </a:p>
+          </c:txPr>
+          <c:dLblPos val="outEnd"/>
+          <c:showLegendKey val="0"/>
+          <c:showVal val="1"/>
+          <c:showCatName val="0"/>
+          <c:showSerName val="0"/>
+          <c:showPercent val="0"/>
+          <c:showBubbleSize val="0"/>
+          <c:extLst>
+            <c:ext xmlns:c15="http://schemas.microsoft.com/office/drawing/2012/chart" uri="{CE6537A1-D6FC-4f65-9D91-7224C49458BB}"/>
+          </c:extLst>
+        </c:dLbl>
+      </c:pivotFmt>
+      <c:pivotFmt>
+        <c:idx val="13"/>
+        <c:spPr>
+          <a:solidFill>
+            <a:schemeClr val="accent1"/>
+          </a:solidFill>
+          <a:ln>
+            <a:noFill/>
+          </a:ln>
+          <a:effectLst/>
+        </c:spPr>
+        <c:marker>
+          <c:symbol val="none"/>
+        </c:marker>
+        <c:dLbl>
+          <c:idx val="0"/>
+          <c:spPr>
+            <a:noFill/>
+            <a:ln>
+              <a:noFill/>
+            </a:ln>
+            <a:effectLst/>
+          </c:spPr>
+          <c:txPr>
+            <a:bodyPr rot="0" spcFirstLastPara="1" vertOverflow="ellipsis" vert="horz" wrap="square" lIns="38100" tIns="19050" rIns="38100" bIns="19050" anchor="ctr" anchorCtr="1">
+              <a:spAutoFit/>
+            </a:bodyPr>
+            <a:lstStyle/>
+            <a:p>
+              <a:pPr>
+                <a:defRPr sz="900" b="0" i="0" u="none" strike="noStrike" kern="1200" baseline="0">
+                  <a:solidFill>
+                    <a:schemeClr val="tx1">
+                      <a:lumMod val="75000"/>
+                      <a:lumOff val="25000"/>
+                    </a:schemeClr>
+                  </a:solidFill>
+                  <a:latin typeface="+mn-lt"/>
+                  <a:ea typeface="+mn-ea"/>
+                  <a:cs typeface="+mn-cs"/>
+                </a:defRPr>
+              </a:pPr>
+              <a:endParaRPr lang="de-DE"/>
+            </a:p>
+          </c:txPr>
+          <c:dLblPos val="outEnd"/>
+          <c:showLegendKey val="0"/>
+          <c:showVal val="1"/>
+          <c:showCatName val="0"/>
+          <c:showSerName val="0"/>
+          <c:showPercent val="0"/>
+          <c:showBubbleSize val="0"/>
+          <c:extLst>
+            <c:ext xmlns:c15="http://schemas.microsoft.com/office/drawing/2012/chart" uri="{CE6537A1-D6FC-4f65-9D91-7224C49458BB}"/>
+          </c:extLst>
+        </c:dLbl>
+      </c:pivotFmt>
+      <c:pivotFmt>
+        <c:idx val="14"/>
+        <c:spPr>
+          <a:solidFill>
+            <a:schemeClr val="accent1"/>
+          </a:solidFill>
+          <a:ln>
+            <a:noFill/>
+          </a:ln>
+          <a:effectLst/>
+        </c:spPr>
+        <c:marker>
+          <c:symbol val="none"/>
+        </c:marker>
+        <c:dLbl>
+          <c:idx val="0"/>
+          <c:spPr>
+            <a:noFill/>
+            <a:ln>
+              <a:noFill/>
+            </a:ln>
+            <a:effectLst/>
+          </c:spPr>
+          <c:txPr>
+            <a:bodyPr rot="0" spcFirstLastPara="1" vertOverflow="ellipsis" vert="horz" wrap="square" lIns="38100" tIns="19050" rIns="38100" bIns="19050" anchor="ctr" anchorCtr="1">
+              <a:spAutoFit/>
+            </a:bodyPr>
+            <a:lstStyle/>
+            <a:p>
+              <a:pPr>
+                <a:defRPr sz="900" b="0" i="0" u="none" strike="noStrike" kern="1200" baseline="0">
+                  <a:solidFill>
+                    <a:schemeClr val="tx1">
+                      <a:lumMod val="75000"/>
+                      <a:lumOff val="25000"/>
+                    </a:schemeClr>
+                  </a:solidFill>
+                  <a:latin typeface="+mn-lt"/>
+                  <a:ea typeface="+mn-ea"/>
+                  <a:cs typeface="+mn-cs"/>
+                </a:defRPr>
+              </a:pPr>
+              <a:endParaRPr lang="de-DE"/>
+            </a:p>
+          </c:txPr>
+          <c:dLblPos val="outEnd"/>
+          <c:showLegendKey val="0"/>
+          <c:showVal val="1"/>
+          <c:showCatName val="0"/>
+          <c:showSerName val="0"/>
+          <c:showPercent val="0"/>
+          <c:showBubbleSize val="0"/>
+          <c:extLst>
+            <c:ext xmlns:c15="http://schemas.microsoft.com/office/drawing/2012/chart" uri="{CE6537A1-D6FC-4f65-9D91-7224C49458BB}"/>
+          </c:extLst>
+        </c:dLbl>
+      </c:pivotFmt>
+      <c:pivotFmt>
+        <c:idx val="15"/>
+        <c:spPr>
+          <a:solidFill>
+            <a:schemeClr val="accent1"/>
+          </a:solidFill>
+          <a:ln>
+            <a:noFill/>
+          </a:ln>
+          <a:effectLst/>
+        </c:spPr>
+        <c:marker>
+          <c:symbol val="none"/>
+        </c:marker>
+        <c:dLbl>
+          <c:idx val="0"/>
+          <c:spPr>
+            <a:noFill/>
+            <a:ln>
+              <a:noFill/>
+            </a:ln>
+            <a:effectLst/>
+          </c:spPr>
+          <c:txPr>
+            <a:bodyPr rot="0" spcFirstLastPara="1" vertOverflow="ellipsis" vert="horz" wrap="square" lIns="38100" tIns="19050" rIns="38100" bIns="19050" anchor="ctr" anchorCtr="1">
+              <a:spAutoFit/>
+            </a:bodyPr>
+            <a:lstStyle/>
+            <a:p>
+              <a:pPr>
+                <a:defRPr sz="900" b="0" i="0" u="none" strike="noStrike" kern="1200" baseline="0">
+                  <a:solidFill>
+                    <a:schemeClr val="tx1">
+                      <a:lumMod val="75000"/>
+                      <a:lumOff val="25000"/>
+                    </a:schemeClr>
+                  </a:solidFill>
+                  <a:latin typeface="+mn-lt"/>
+                  <a:ea typeface="+mn-ea"/>
+                  <a:cs typeface="+mn-cs"/>
+                </a:defRPr>
+              </a:pPr>
+              <a:endParaRPr lang="de-DE"/>
+            </a:p>
+          </c:txPr>
+          <c:dLblPos val="outEnd"/>
+          <c:showLegendKey val="0"/>
+          <c:showVal val="1"/>
+          <c:showCatName val="0"/>
+          <c:showSerName val="0"/>
+          <c:showPercent val="0"/>
+          <c:showBubbleSize val="0"/>
+          <c:extLst>
+            <c:ext xmlns:c15="http://schemas.microsoft.com/office/drawing/2012/chart" uri="{CE6537A1-D6FC-4f65-9D91-7224C49458BB}"/>
+          </c:extLst>
+        </c:dLbl>
+      </c:pivotFmt>
+      <c:pivotFmt>
+        <c:idx val="16"/>
+        <c:spPr>
+          <a:solidFill>
+            <a:schemeClr val="accent1"/>
+          </a:solidFill>
+          <a:ln>
+            <a:noFill/>
+          </a:ln>
+          <a:effectLst/>
+        </c:spPr>
+        <c:marker>
+          <c:symbol val="none"/>
+        </c:marker>
+        <c:dLbl>
+          <c:idx val="0"/>
+          <c:spPr>
+            <a:noFill/>
+            <a:ln>
+              <a:noFill/>
+            </a:ln>
+            <a:effectLst/>
+          </c:spPr>
+          <c:txPr>
+            <a:bodyPr rot="0" spcFirstLastPara="1" vertOverflow="ellipsis" vert="horz" wrap="square" lIns="38100" tIns="19050" rIns="38100" bIns="19050" anchor="ctr" anchorCtr="1">
+              <a:spAutoFit/>
+            </a:bodyPr>
+            <a:lstStyle/>
+            <a:p>
+              <a:pPr>
+                <a:defRPr sz="900" b="0" i="0" u="none" strike="noStrike" kern="1200" baseline="0">
+                  <a:solidFill>
+                    <a:schemeClr val="tx1">
+                      <a:lumMod val="75000"/>
+                      <a:lumOff val="25000"/>
+                    </a:schemeClr>
+                  </a:solidFill>
+                  <a:latin typeface="+mn-lt"/>
+                  <a:ea typeface="+mn-ea"/>
+                  <a:cs typeface="+mn-cs"/>
+                </a:defRPr>
+              </a:pPr>
+              <a:endParaRPr lang="de-DE"/>
+            </a:p>
+          </c:txPr>
+          <c:dLblPos val="outEnd"/>
+          <c:showLegendKey val="0"/>
+          <c:showVal val="1"/>
+          <c:showCatName val="0"/>
+          <c:showSerName val="0"/>
+          <c:showPercent val="0"/>
+          <c:showBubbleSize val="0"/>
+          <c:extLst>
+            <c:ext xmlns:c15="http://schemas.microsoft.com/office/drawing/2012/chart" uri="{CE6537A1-D6FC-4f65-9D91-7224C49458BB}"/>
+          </c:extLst>
+        </c:dLbl>
+      </c:pivotFmt>
+      <c:pivotFmt>
+        <c:idx val="17"/>
+        <c:spPr>
+          <a:solidFill>
+            <a:schemeClr val="accent1"/>
+          </a:solidFill>
+          <a:ln>
+            <a:noFill/>
+          </a:ln>
+          <a:effectLst/>
+        </c:spPr>
+        <c:marker>
+          <c:symbol val="none"/>
+        </c:marker>
+        <c:dLbl>
+          <c:idx val="0"/>
+          <c:spPr>
+            <a:noFill/>
+            <a:ln>
+              <a:noFill/>
+            </a:ln>
+            <a:effectLst/>
+          </c:spPr>
+          <c:txPr>
+            <a:bodyPr rot="0" spcFirstLastPara="1" vertOverflow="ellipsis" vert="horz" wrap="square" lIns="38100" tIns="19050" rIns="38100" bIns="19050" anchor="ctr" anchorCtr="1">
+              <a:spAutoFit/>
+            </a:bodyPr>
+            <a:lstStyle/>
+            <a:p>
+              <a:pPr>
+                <a:defRPr sz="900" b="0" i="0" u="none" strike="noStrike" kern="1200" baseline="0">
+                  <a:solidFill>
+                    <a:schemeClr val="tx1">
+                      <a:lumMod val="75000"/>
+                      <a:lumOff val="25000"/>
+                    </a:schemeClr>
+                  </a:solidFill>
+                  <a:latin typeface="+mn-lt"/>
+                  <a:ea typeface="+mn-ea"/>
+                  <a:cs typeface="+mn-cs"/>
+                </a:defRPr>
+              </a:pPr>
+              <a:endParaRPr lang="de-DE"/>
+            </a:p>
+          </c:txPr>
+          <c:dLblPos val="outEnd"/>
+          <c:showLegendKey val="0"/>
+          <c:showVal val="1"/>
+          <c:showCatName val="0"/>
+          <c:showSerName val="0"/>
+          <c:showPercent val="0"/>
+          <c:showBubbleSize val="0"/>
+          <c:extLst>
+            <c:ext xmlns:c15="http://schemas.microsoft.com/office/drawing/2012/chart" uri="{CE6537A1-D6FC-4f65-9D91-7224C49458BB}"/>
+          </c:extLst>
+        </c:dLbl>
+      </c:pivotFmt>
+      <c:pivotFmt>
+        <c:idx val="18"/>
+        <c:spPr>
+          <a:solidFill>
+            <a:schemeClr val="accent1"/>
+          </a:solidFill>
+          <a:ln>
+            <a:noFill/>
+          </a:ln>
+          <a:effectLst/>
+        </c:spPr>
+        <c:marker>
+          <c:symbol val="none"/>
+        </c:marker>
+        <c:dLbl>
+          <c:idx val="0"/>
+          <c:spPr>
+            <a:noFill/>
+            <a:ln>
+              <a:noFill/>
+            </a:ln>
+            <a:effectLst/>
+          </c:spPr>
+          <c:txPr>
+            <a:bodyPr rot="0" spcFirstLastPara="1" vertOverflow="ellipsis" vert="horz" wrap="square" lIns="38100" tIns="19050" rIns="38100" bIns="19050" anchor="ctr" anchorCtr="1">
+              <a:spAutoFit/>
+            </a:bodyPr>
+            <a:lstStyle/>
+            <a:p>
+              <a:pPr>
+                <a:defRPr sz="900" b="0" i="0" u="none" strike="noStrike" kern="1200" baseline="0">
+                  <a:solidFill>
+                    <a:schemeClr val="tx1">
+                      <a:lumMod val="75000"/>
+                      <a:lumOff val="25000"/>
+                    </a:schemeClr>
+                  </a:solidFill>
+                  <a:latin typeface="+mn-lt"/>
+                  <a:ea typeface="+mn-ea"/>
+                  <a:cs typeface="+mn-cs"/>
+                </a:defRPr>
+              </a:pPr>
+              <a:endParaRPr lang="de-DE"/>
+            </a:p>
+          </c:txPr>
+          <c:dLblPos val="outEnd"/>
+          <c:showLegendKey val="0"/>
+          <c:showVal val="1"/>
+          <c:showCatName val="0"/>
+          <c:showSerName val="0"/>
+          <c:showPercent val="0"/>
+          <c:showBubbleSize val="0"/>
+          <c:extLst>
+            <c:ext xmlns:c15="http://schemas.microsoft.com/office/drawing/2012/chart" uri="{CE6537A1-D6FC-4f65-9D91-7224C49458BB}"/>
+          </c:extLst>
+        </c:dLbl>
+      </c:pivotFmt>
+      <c:pivotFmt>
+        <c:idx val="19"/>
+        <c:spPr>
+          <a:solidFill>
+            <a:schemeClr val="accent1"/>
+          </a:solidFill>
+          <a:ln>
+            <a:noFill/>
+          </a:ln>
+          <a:effectLst/>
+        </c:spPr>
+        <c:marker>
+          <c:symbol val="none"/>
+        </c:marker>
+        <c:dLbl>
+          <c:idx val="0"/>
+          <c:spPr>
+            <a:noFill/>
+            <a:ln>
+              <a:noFill/>
+            </a:ln>
+            <a:effectLst/>
+          </c:spPr>
+          <c:txPr>
+            <a:bodyPr rot="0" spcFirstLastPara="1" vertOverflow="ellipsis" vert="horz" wrap="square" lIns="38100" tIns="19050" rIns="38100" bIns="19050" anchor="ctr" anchorCtr="1">
+              <a:spAutoFit/>
+            </a:bodyPr>
+            <a:lstStyle/>
+            <a:p>
+              <a:pPr>
+                <a:defRPr sz="900" b="0" i="0" u="none" strike="noStrike" kern="1200" baseline="0">
+                  <a:solidFill>
+                    <a:schemeClr val="tx1">
+                      <a:lumMod val="75000"/>
+                      <a:lumOff val="25000"/>
+                    </a:schemeClr>
+                  </a:solidFill>
+                  <a:latin typeface="+mn-lt"/>
+                  <a:ea typeface="+mn-ea"/>
+                  <a:cs typeface="+mn-cs"/>
+                </a:defRPr>
+              </a:pPr>
+              <a:endParaRPr lang="de-DE"/>
+            </a:p>
+          </c:txPr>
+          <c:dLblPos val="outEnd"/>
+          <c:showLegendKey val="0"/>
+          <c:showVal val="1"/>
+          <c:showCatName val="0"/>
+          <c:showSerName val="0"/>
+          <c:showPercent val="0"/>
+          <c:showBubbleSize val="0"/>
+          <c:extLst>
+            <c:ext xmlns:c15="http://schemas.microsoft.com/office/drawing/2012/chart" uri="{CE6537A1-D6FC-4f65-9D91-7224C49458BB}"/>
+          </c:extLst>
+        </c:dLbl>
+      </c:pivotFmt>
+      <c:pivotFmt>
+        <c:idx val="20"/>
+        <c:spPr>
+          <a:solidFill>
+            <a:schemeClr val="accent1"/>
+          </a:solidFill>
+          <a:ln>
+            <a:noFill/>
+          </a:ln>
+          <a:effectLst/>
+        </c:spPr>
+        <c:marker>
+          <c:symbol val="none"/>
+        </c:marker>
+        <c:dLbl>
+          <c:idx val="0"/>
+          <c:spPr>
+            <a:noFill/>
+            <a:ln>
+              <a:noFill/>
+            </a:ln>
+            <a:effectLst/>
+          </c:spPr>
+          <c:txPr>
+            <a:bodyPr rot="0" spcFirstLastPara="1" vertOverflow="ellipsis" vert="horz" wrap="square" lIns="38100" tIns="19050" rIns="38100" bIns="19050" anchor="ctr" anchorCtr="1">
+              <a:spAutoFit/>
+            </a:bodyPr>
+            <a:lstStyle/>
+            <a:p>
+              <a:pPr>
+                <a:defRPr sz="900" b="0" i="0" u="none" strike="noStrike" kern="1200" baseline="0">
+                  <a:solidFill>
+                    <a:schemeClr val="tx1">
+                      <a:lumMod val="75000"/>
+                      <a:lumOff val="25000"/>
+                    </a:schemeClr>
+                  </a:solidFill>
+                  <a:latin typeface="+mn-lt"/>
+                  <a:ea typeface="+mn-ea"/>
+                  <a:cs typeface="+mn-cs"/>
+                </a:defRPr>
+              </a:pPr>
+              <a:endParaRPr lang="de-DE"/>
+            </a:p>
+          </c:txPr>
+          <c:dLblPos val="outEnd"/>
+          <c:showLegendKey val="0"/>
+          <c:showVal val="1"/>
+          <c:showCatName val="0"/>
+          <c:showSerName val="0"/>
+          <c:showPercent val="0"/>
+          <c:showBubbleSize val="0"/>
+          <c:extLst>
+            <c:ext xmlns:c15="http://schemas.microsoft.com/office/drawing/2012/chart" uri="{CE6537A1-D6FC-4f65-9D91-7224C49458BB}"/>
+          </c:extLst>
+        </c:dLbl>
+      </c:pivotFmt>
+      <c:pivotFmt>
+        <c:idx val="21"/>
+        <c:spPr>
+          <a:solidFill>
+            <a:schemeClr val="accent1"/>
+          </a:solidFill>
+          <a:ln>
+            <a:noFill/>
+          </a:ln>
+          <a:effectLst/>
+        </c:spPr>
+        <c:marker>
+          <c:symbol val="none"/>
+        </c:marker>
+        <c:dLbl>
+          <c:idx val="0"/>
+          <c:spPr>
+            <a:noFill/>
+            <a:ln>
+              <a:noFill/>
+            </a:ln>
+            <a:effectLst/>
+          </c:spPr>
+          <c:txPr>
+            <a:bodyPr rot="0" spcFirstLastPara="1" vertOverflow="ellipsis" vert="horz" wrap="square" lIns="38100" tIns="19050" rIns="38100" bIns="19050" anchor="ctr" anchorCtr="1">
+              <a:spAutoFit/>
+            </a:bodyPr>
+            <a:lstStyle/>
+            <a:p>
+              <a:pPr>
+                <a:defRPr sz="900" b="0" i="0" u="none" strike="noStrike" kern="1200" baseline="0">
+                  <a:solidFill>
+                    <a:schemeClr val="tx1">
+                      <a:lumMod val="75000"/>
+                      <a:lumOff val="25000"/>
+                    </a:schemeClr>
+                  </a:solidFill>
+                  <a:latin typeface="+mn-lt"/>
+                  <a:ea typeface="+mn-ea"/>
+                  <a:cs typeface="+mn-cs"/>
+                </a:defRPr>
+              </a:pPr>
+              <a:endParaRPr lang="de-DE"/>
+            </a:p>
+          </c:txPr>
+          <c:dLblPos val="outEnd"/>
+          <c:showLegendKey val="0"/>
+          <c:showVal val="1"/>
+          <c:showCatName val="0"/>
+          <c:showSerName val="0"/>
+          <c:showPercent val="0"/>
+          <c:showBubbleSize val="0"/>
+          <c:extLst>
+            <c:ext xmlns:c15="http://schemas.microsoft.com/office/drawing/2012/chart" uri="{CE6537A1-D6FC-4f65-9D91-7224C49458BB}"/>
+          </c:extLst>
+        </c:dLbl>
+      </c:pivotFmt>
+      <c:pivotFmt>
+        <c:idx val="22"/>
+        <c:spPr>
+          <a:solidFill>
+            <a:schemeClr val="accent1"/>
+          </a:solidFill>
+          <a:ln>
+            <a:noFill/>
+          </a:ln>
+          <a:effectLst/>
+        </c:spPr>
+        <c:marker>
+          <c:symbol val="none"/>
+        </c:marker>
+        <c:dLbl>
+          <c:idx val="0"/>
+          <c:spPr>
+            <a:noFill/>
+            <a:ln>
+              <a:noFill/>
+            </a:ln>
+            <a:effectLst/>
+          </c:spPr>
+          <c:txPr>
+            <a:bodyPr rot="0" spcFirstLastPara="1" vertOverflow="ellipsis" vert="horz" wrap="square" lIns="38100" tIns="19050" rIns="38100" bIns="19050" anchor="ctr" anchorCtr="1">
+              <a:spAutoFit/>
+            </a:bodyPr>
+            <a:lstStyle/>
+            <a:p>
+              <a:pPr>
+                <a:defRPr sz="900" b="0" i="0" u="none" strike="noStrike" kern="1200" baseline="0">
+                  <a:solidFill>
+                    <a:schemeClr val="tx1">
+                      <a:lumMod val="75000"/>
+                      <a:lumOff val="25000"/>
+                    </a:schemeClr>
+                  </a:solidFill>
+                  <a:latin typeface="+mn-lt"/>
+                  <a:ea typeface="+mn-ea"/>
+                  <a:cs typeface="+mn-cs"/>
+                </a:defRPr>
+              </a:pPr>
+              <a:endParaRPr lang="de-DE"/>
+            </a:p>
+          </c:txPr>
+          <c:dLblPos val="outEnd"/>
+          <c:showLegendKey val="0"/>
+          <c:showVal val="1"/>
+          <c:showCatName val="0"/>
+          <c:showSerName val="0"/>
+          <c:showPercent val="0"/>
+          <c:showBubbleSize val="0"/>
+          <c:extLst>
+            <c:ext xmlns:c15="http://schemas.microsoft.com/office/drawing/2012/chart" uri="{CE6537A1-D6FC-4f65-9D91-7224C49458BB}"/>
+          </c:extLst>
+        </c:dLbl>
+      </c:pivotFmt>
+      <c:pivotFmt>
+        <c:idx val="23"/>
+        <c:spPr>
+          <a:solidFill>
+            <a:schemeClr val="accent1"/>
+          </a:solidFill>
+          <a:ln>
+            <a:noFill/>
+          </a:ln>
+          <a:effectLst/>
+        </c:spPr>
+        <c:marker>
+          <c:symbol val="none"/>
+        </c:marker>
+        <c:dLbl>
+          <c:idx val="0"/>
+          <c:spPr>
+            <a:noFill/>
+            <a:ln>
+              <a:noFill/>
+            </a:ln>
+            <a:effectLst/>
+          </c:spPr>
+          <c:txPr>
+            <a:bodyPr rot="0" spcFirstLastPara="1" vertOverflow="ellipsis" vert="horz" wrap="square" lIns="38100" tIns="19050" rIns="38100" bIns="19050" anchor="ctr" anchorCtr="1">
+              <a:spAutoFit/>
+            </a:bodyPr>
+            <a:lstStyle/>
+            <a:p>
+              <a:pPr>
+                <a:defRPr sz="900" b="0" i="0" u="none" strike="noStrike" kern="1200" baseline="0">
+                  <a:solidFill>
+                    <a:schemeClr val="tx1">
+                      <a:lumMod val="75000"/>
+                      <a:lumOff val="25000"/>
+                    </a:schemeClr>
+                  </a:solidFill>
+                  <a:latin typeface="+mn-lt"/>
+                  <a:ea typeface="+mn-ea"/>
+                  <a:cs typeface="+mn-cs"/>
+                </a:defRPr>
+              </a:pPr>
+              <a:endParaRPr lang="de-DE"/>
+            </a:p>
+          </c:txPr>
+          <c:dLblPos val="outEnd"/>
+          <c:showLegendKey val="0"/>
+          <c:showVal val="1"/>
+          <c:showCatName val="0"/>
+          <c:showSerName val="0"/>
+          <c:showPercent val="0"/>
+          <c:showBubbleSize val="0"/>
+          <c:extLst>
+            <c:ext xmlns:c15="http://schemas.microsoft.com/office/drawing/2012/chart" uri="{CE6537A1-D6FC-4f65-9D91-7224C49458BB}"/>
+          </c:extLst>
+        </c:dLbl>
+      </c:pivotFmt>
+      <c:pivotFmt>
+        <c:idx val="24"/>
+        <c:spPr>
+          <a:solidFill>
+            <a:schemeClr val="accent1"/>
+          </a:solidFill>
+          <a:ln>
+            <a:noFill/>
+          </a:ln>
+          <a:effectLst/>
+        </c:spPr>
+        <c:marker>
+          <c:symbol val="none"/>
+        </c:marker>
+        <c:dLbl>
+          <c:idx val="0"/>
+          <c:spPr>
+            <a:noFill/>
+            <a:ln>
+              <a:noFill/>
+            </a:ln>
+            <a:effectLst/>
+          </c:spPr>
+          <c:txPr>
+            <a:bodyPr rot="0" spcFirstLastPara="1" vertOverflow="ellipsis" vert="horz" wrap="square" lIns="38100" tIns="19050" rIns="38100" bIns="19050" anchor="ctr" anchorCtr="1">
+              <a:spAutoFit/>
+            </a:bodyPr>
+            <a:lstStyle/>
+            <a:p>
+              <a:pPr>
+                <a:defRPr sz="900" b="0" i="0" u="none" strike="noStrike" kern="1200" baseline="0">
+                  <a:solidFill>
+                    <a:schemeClr val="tx1">
+                      <a:lumMod val="75000"/>
+                      <a:lumOff val="25000"/>
+                    </a:schemeClr>
+                  </a:solidFill>
+                  <a:latin typeface="+mn-lt"/>
+                  <a:ea typeface="+mn-ea"/>
+                  <a:cs typeface="+mn-cs"/>
+                </a:defRPr>
+              </a:pPr>
+              <a:endParaRPr lang="de-DE"/>
+            </a:p>
+          </c:txPr>
+          <c:dLblPos val="outEnd"/>
+          <c:showLegendKey val="0"/>
+          <c:showVal val="1"/>
+          <c:showCatName val="0"/>
+          <c:showSerName val="0"/>
+          <c:showPercent val="0"/>
+          <c:showBubbleSize val="0"/>
+          <c:extLst>
+            <c:ext xmlns:c15="http://schemas.microsoft.com/office/drawing/2012/chart" uri="{CE6537A1-D6FC-4f65-9D91-7224C49458BB}"/>
+          </c:extLst>
+        </c:dLbl>
+      </c:pivotFmt>
+      <c:pivotFmt>
+        <c:idx val="25"/>
+        <c:spPr>
+          <a:solidFill>
+            <a:schemeClr val="accent1"/>
+          </a:solidFill>
+          <a:ln>
+            <a:noFill/>
+          </a:ln>
+          <a:effectLst/>
+        </c:spPr>
+        <c:marker>
+          <c:symbol val="none"/>
+        </c:marker>
+        <c:dLbl>
+          <c:idx val="0"/>
+          <c:spPr>
+            <a:noFill/>
+            <a:ln>
+              <a:noFill/>
+            </a:ln>
+            <a:effectLst/>
+          </c:spPr>
+          <c:txPr>
+            <a:bodyPr rot="0" spcFirstLastPara="1" vertOverflow="ellipsis" vert="horz" wrap="square" lIns="38100" tIns="19050" rIns="38100" bIns="19050" anchor="ctr" anchorCtr="1">
+              <a:spAutoFit/>
+            </a:bodyPr>
+            <a:lstStyle/>
+            <a:p>
+              <a:pPr>
+                <a:defRPr sz="900" b="0" i="0" u="none" strike="noStrike" kern="1200" baseline="0">
+                  <a:solidFill>
+                    <a:schemeClr val="tx1">
+                      <a:lumMod val="75000"/>
+                      <a:lumOff val="25000"/>
+                    </a:schemeClr>
+                  </a:solidFill>
+                  <a:latin typeface="+mn-lt"/>
+                  <a:ea typeface="+mn-ea"/>
+                  <a:cs typeface="+mn-cs"/>
+                </a:defRPr>
+              </a:pPr>
+              <a:endParaRPr lang="de-DE"/>
+            </a:p>
+          </c:txPr>
+          <c:dLblPos val="outEnd"/>
+          <c:showLegendKey val="0"/>
+          <c:showVal val="1"/>
+          <c:showCatName val="0"/>
+          <c:showSerName val="0"/>
+          <c:showPercent val="0"/>
+          <c:showBubbleSize val="0"/>
+          <c:extLst>
+            <c:ext xmlns:c15="http://schemas.microsoft.com/office/drawing/2012/chart" uri="{CE6537A1-D6FC-4f65-9D91-7224C49458BB}"/>
+          </c:extLst>
+        </c:dLbl>
+      </c:pivotFmt>
+      <c:pivotFmt>
+        <c:idx val="26"/>
+        <c:spPr>
+          <a:solidFill>
+            <a:schemeClr val="accent1"/>
+          </a:solidFill>
+          <a:ln>
+            <a:noFill/>
+          </a:ln>
+          <a:effectLst/>
+        </c:spPr>
+        <c:marker>
+          <c:symbol val="none"/>
+        </c:marker>
+        <c:dLbl>
+          <c:idx val="0"/>
+          <c:spPr>
+            <a:noFill/>
+            <a:ln>
+              <a:noFill/>
+            </a:ln>
+            <a:effectLst/>
+          </c:spPr>
+          <c:txPr>
+            <a:bodyPr rot="0" spcFirstLastPara="1" vertOverflow="ellipsis" vert="horz" wrap="square" lIns="38100" tIns="19050" rIns="38100" bIns="19050" anchor="ctr" anchorCtr="1">
+              <a:spAutoFit/>
+            </a:bodyPr>
+            <a:lstStyle/>
+            <a:p>
+              <a:pPr>
+                <a:defRPr sz="900" b="0" i="0" u="none" strike="noStrike" kern="1200" baseline="0">
+                  <a:solidFill>
+                    <a:schemeClr val="tx1">
+                      <a:lumMod val="75000"/>
+                      <a:lumOff val="25000"/>
+                    </a:schemeClr>
+                  </a:solidFill>
+                  <a:latin typeface="+mn-lt"/>
+                  <a:ea typeface="+mn-ea"/>
+                  <a:cs typeface="+mn-cs"/>
+                </a:defRPr>
+              </a:pPr>
+              <a:endParaRPr lang="de-DE"/>
+            </a:p>
+          </c:txPr>
+          <c:dLblPos val="outEnd"/>
+          <c:showLegendKey val="0"/>
+          <c:showVal val="1"/>
+          <c:showCatName val="0"/>
+          <c:showSerName val="0"/>
+          <c:showPercent val="0"/>
+          <c:showBubbleSize val="0"/>
+          <c:extLst>
+            <c:ext xmlns:c15="http://schemas.microsoft.com/office/drawing/2012/chart" uri="{CE6537A1-D6FC-4f65-9D91-7224C49458BB}"/>
+          </c:extLst>
+        </c:dLbl>
+      </c:pivotFmt>
+      <c:pivotFmt>
+        <c:idx val="27"/>
+        <c:spPr>
+          <a:solidFill>
+            <a:schemeClr val="accent1"/>
+          </a:solidFill>
+          <a:ln>
+            <a:noFill/>
+          </a:ln>
+          <a:effectLst/>
+        </c:spPr>
+        <c:marker>
+          <c:symbol val="none"/>
+        </c:marker>
+        <c:dLbl>
+          <c:idx val="0"/>
+          <c:spPr>
+            <a:noFill/>
+            <a:ln>
+              <a:noFill/>
+            </a:ln>
+            <a:effectLst/>
+          </c:spPr>
+          <c:txPr>
+            <a:bodyPr rot="0" spcFirstLastPara="1" vertOverflow="ellipsis" vert="horz" wrap="square" lIns="38100" tIns="19050" rIns="38100" bIns="19050" anchor="ctr" anchorCtr="1">
+              <a:spAutoFit/>
+            </a:bodyPr>
+            <a:lstStyle/>
+            <a:p>
+              <a:pPr>
+                <a:defRPr sz="900" b="0" i="0" u="none" strike="noStrike" kern="1200" baseline="0">
+                  <a:solidFill>
+                    <a:schemeClr val="tx1">
+                      <a:lumMod val="75000"/>
+                      <a:lumOff val="25000"/>
+                    </a:schemeClr>
+                  </a:solidFill>
+                  <a:latin typeface="+mn-lt"/>
+                  <a:ea typeface="+mn-ea"/>
+                  <a:cs typeface="+mn-cs"/>
+                </a:defRPr>
+              </a:pPr>
+              <a:endParaRPr lang="de-DE"/>
+            </a:p>
+          </c:txPr>
+          <c:dLblPos val="outEnd"/>
+          <c:showLegendKey val="0"/>
+          <c:showVal val="1"/>
+          <c:showCatName val="0"/>
+          <c:showSerName val="0"/>
+          <c:showPercent val="0"/>
+          <c:showBubbleSize val="0"/>
+          <c:extLst>
+            <c:ext xmlns:c15="http://schemas.microsoft.com/office/drawing/2012/chart" uri="{CE6537A1-D6FC-4f65-9D91-7224C49458BB}"/>
+          </c:extLst>
+        </c:dLbl>
+      </c:pivotFmt>
+      <c:pivotFmt>
+        <c:idx val="28"/>
+        <c:spPr>
+          <a:solidFill>
+            <a:schemeClr val="accent1"/>
+          </a:solidFill>
+          <a:ln>
+            <a:noFill/>
+          </a:ln>
+          <a:effectLst/>
+        </c:spPr>
+        <c:marker>
+          <c:symbol val="none"/>
+        </c:marker>
+        <c:dLbl>
+          <c:idx val="0"/>
+          <c:spPr>
+            <a:noFill/>
+            <a:ln>
+              <a:noFill/>
+            </a:ln>
+            <a:effectLst/>
+          </c:spPr>
+          <c:txPr>
+            <a:bodyPr rot="0" spcFirstLastPara="1" vertOverflow="ellipsis" vert="horz" wrap="square" lIns="38100" tIns="19050" rIns="38100" bIns="19050" anchor="ctr" anchorCtr="1">
+              <a:spAutoFit/>
+            </a:bodyPr>
+            <a:lstStyle/>
+            <a:p>
+              <a:pPr>
+                <a:defRPr sz="900" b="0" i="0" u="none" strike="noStrike" kern="1200" baseline="0">
+                  <a:solidFill>
+                    <a:schemeClr val="tx1">
+                      <a:lumMod val="75000"/>
+                      <a:lumOff val="25000"/>
+                    </a:schemeClr>
+                  </a:solidFill>
+                  <a:latin typeface="+mn-lt"/>
+                  <a:ea typeface="+mn-ea"/>
+                  <a:cs typeface="+mn-cs"/>
+                </a:defRPr>
+              </a:pPr>
+              <a:endParaRPr lang="de-DE"/>
+            </a:p>
+          </c:txPr>
+          <c:dLblPos val="outEnd"/>
+          <c:showLegendKey val="0"/>
+          <c:showVal val="1"/>
+          <c:showCatName val="0"/>
+          <c:showSerName val="0"/>
+          <c:showPercent val="0"/>
+          <c:showBubbleSize val="0"/>
+          <c:extLst>
+            <c:ext xmlns:c15="http://schemas.microsoft.com/office/drawing/2012/chart" uri="{CE6537A1-D6FC-4f65-9D91-7224C49458BB}"/>
+          </c:extLst>
+        </c:dLbl>
+      </c:pivotFmt>
+      <c:pivotFmt>
+        <c:idx val="29"/>
+        <c:spPr>
+          <a:solidFill>
+            <a:schemeClr val="accent1"/>
+          </a:solidFill>
+          <a:ln>
+            <a:noFill/>
+          </a:ln>
+          <a:effectLst/>
+        </c:spPr>
+        <c:marker>
+          <c:symbol val="none"/>
+        </c:marker>
+        <c:dLbl>
+          <c:idx val="0"/>
+          <c:spPr>
+            <a:noFill/>
+            <a:ln>
+              <a:noFill/>
+            </a:ln>
+            <a:effectLst/>
+          </c:spPr>
+          <c:txPr>
+            <a:bodyPr rot="0" spcFirstLastPara="1" vertOverflow="ellipsis" vert="horz" wrap="square" lIns="38100" tIns="19050" rIns="38100" bIns="19050" anchor="ctr" anchorCtr="1">
+              <a:spAutoFit/>
+            </a:bodyPr>
+            <a:lstStyle/>
+            <a:p>
+              <a:pPr>
+                <a:defRPr sz="900" b="0" i="0" u="none" strike="noStrike" kern="1200" baseline="0">
+                  <a:solidFill>
+                    <a:schemeClr val="tx1">
+                      <a:lumMod val="75000"/>
+                      <a:lumOff val="25000"/>
+                    </a:schemeClr>
+                  </a:solidFill>
+                  <a:latin typeface="+mn-lt"/>
+                  <a:ea typeface="+mn-ea"/>
+                  <a:cs typeface="+mn-cs"/>
+                </a:defRPr>
+              </a:pPr>
+              <a:endParaRPr lang="de-DE"/>
+            </a:p>
+          </c:txPr>
+          <c:dLblPos val="outEnd"/>
+          <c:showLegendKey val="0"/>
+          <c:showVal val="1"/>
+          <c:showCatName val="0"/>
+          <c:showSerName val="0"/>
+          <c:showPercent val="0"/>
+          <c:showBubbleSize val="0"/>
+          <c:extLst>
+            <c:ext xmlns:c15="http://schemas.microsoft.com/office/drawing/2012/chart" uri="{CE6537A1-D6FC-4f65-9D91-7224C49458BB}"/>
+          </c:extLst>
+        </c:dLbl>
+      </c:pivotFmt>
+      <c:pivotFmt>
+        <c:idx val="30"/>
+        <c:spPr>
+          <a:solidFill>
+            <a:schemeClr val="accent1"/>
+          </a:solidFill>
+          <a:ln>
+            <a:noFill/>
+          </a:ln>
+          <a:effectLst/>
+        </c:spPr>
+        <c:marker>
+          <c:symbol val="none"/>
+        </c:marker>
+        <c:dLbl>
+          <c:idx val="0"/>
+          <c:spPr>
+            <a:noFill/>
+            <a:ln>
+              <a:noFill/>
+            </a:ln>
+            <a:effectLst/>
+          </c:spPr>
+          <c:txPr>
+            <a:bodyPr rot="0" spcFirstLastPara="1" vertOverflow="ellipsis" vert="horz" wrap="square" lIns="38100" tIns="19050" rIns="38100" bIns="19050" anchor="ctr" anchorCtr="1">
+              <a:spAutoFit/>
+            </a:bodyPr>
+            <a:lstStyle/>
+            <a:p>
+              <a:pPr>
+                <a:defRPr sz="900" b="0" i="0" u="none" strike="noStrike" kern="1200" baseline="0">
+                  <a:solidFill>
+                    <a:schemeClr val="tx1">
+                      <a:lumMod val="75000"/>
+                      <a:lumOff val="25000"/>
+                    </a:schemeClr>
+                  </a:solidFill>
+                  <a:latin typeface="+mn-lt"/>
+                  <a:ea typeface="+mn-ea"/>
+                  <a:cs typeface="+mn-cs"/>
+                </a:defRPr>
+              </a:pPr>
+              <a:endParaRPr lang="de-DE"/>
+            </a:p>
+          </c:txPr>
+          <c:dLblPos val="outEnd"/>
+          <c:showLegendKey val="0"/>
+          <c:showVal val="1"/>
+          <c:showCatName val="0"/>
+          <c:showSerName val="0"/>
+          <c:showPercent val="0"/>
+          <c:showBubbleSize val="0"/>
+          <c:extLst>
+            <c:ext xmlns:c15="http://schemas.microsoft.com/office/drawing/2012/chart" uri="{CE6537A1-D6FC-4f65-9D91-7224C49458BB}"/>
+          </c:extLst>
+        </c:dLbl>
+      </c:pivotFmt>
+      <c:pivotFmt>
+        <c:idx val="31"/>
+        <c:spPr>
+          <a:solidFill>
+            <a:schemeClr val="accent1"/>
+          </a:solidFill>
+          <a:ln>
+            <a:noFill/>
+          </a:ln>
+          <a:effectLst/>
+        </c:spPr>
+        <c:marker>
+          <c:symbol val="none"/>
+        </c:marker>
+        <c:dLbl>
+          <c:idx val="0"/>
+          <c:spPr>
+            <a:noFill/>
+            <a:ln>
+              <a:noFill/>
+            </a:ln>
+            <a:effectLst/>
+          </c:spPr>
+          <c:txPr>
+            <a:bodyPr rot="0" spcFirstLastPara="1" vertOverflow="ellipsis" vert="horz" wrap="square" lIns="38100" tIns="19050" rIns="38100" bIns="19050" anchor="ctr" anchorCtr="1">
+              <a:spAutoFit/>
+            </a:bodyPr>
+            <a:lstStyle/>
+            <a:p>
+              <a:pPr>
+                <a:defRPr sz="900" b="0" i="0" u="none" strike="noStrike" kern="1200" baseline="0">
+                  <a:solidFill>
+                    <a:schemeClr val="tx1">
+                      <a:lumMod val="75000"/>
+                      <a:lumOff val="25000"/>
+                    </a:schemeClr>
+                  </a:solidFill>
+                  <a:latin typeface="+mn-lt"/>
+                  <a:ea typeface="+mn-ea"/>
+                  <a:cs typeface="+mn-cs"/>
+                </a:defRPr>
+              </a:pPr>
+              <a:endParaRPr lang="de-DE"/>
+            </a:p>
+          </c:txPr>
+          <c:dLblPos val="outEnd"/>
+          <c:showLegendKey val="0"/>
+          <c:showVal val="1"/>
+          <c:showCatName val="0"/>
+          <c:showSerName val="0"/>
+          <c:showPercent val="0"/>
+          <c:showBubbleSize val="0"/>
+          <c:extLst>
+            <c:ext xmlns:c15="http://schemas.microsoft.com/office/drawing/2012/chart" uri="{CE6537A1-D6FC-4f65-9D91-7224C49458BB}"/>
+          </c:extLst>
+        </c:dLbl>
+      </c:pivotFmt>
+    </c:pivotFmts>
+    <c:plotArea>
+      <c:layout/>
+      <c:barChart>
+        <c:barDir val="col"/>
+        <c:grouping val="clustered"/>
+        <c:varyColors val="0"/>
+        <c:ser>
+          <c:idx val="0"/>
+          <c:order val="0"/>
+          <c:tx>
+            <c:strRef>
+              <c:f>Tabelle2!$B$3:$B$4</c:f>
+              <c:strCache>
+                <c:ptCount val="1"/>
+                <c:pt idx="0">
+                  <c:v>Datenbank-Installation</c:v>
+                </c:pt>
+              </c:strCache>
+            </c:strRef>
+          </c:tx>
+          <c:spPr>
+            <a:solidFill>
+              <a:schemeClr val="accent1"/>
+            </a:solidFill>
+            <a:ln>
+              <a:noFill/>
+            </a:ln>
+            <a:effectLst/>
+          </c:spPr>
+          <c:invertIfNegative val="0"/>
+          <c:dLbls>
+            <c:spPr>
+              <a:noFill/>
+              <a:ln>
+                <a:noFill/>
+              </a:ln>
+              <a:effectLst/>
+            </c:spPr>
+            <c:txPr>
+              <a:bodyPr rot="0" spcFirstLastPara="1" vertOverflow="ellipsis" vert="horz" wrap="square" lIns="38100" tIns="19050" rIns="38100" bIns="19050" anchor="ctr" anchorCtr="1">
+                <a:spAutoFit/>
+              </a:bodyPr>
+              <a:lstStyle/>
+              <a:p>
+                <a:pPr>
+                  <a:defRPr sz="900" b="0" i="0" u="none" strike="noStrike" kern="1200" baseline="0">
+                    <a:solidFill>
+                      <a:schemeClr val="tx1">
+                        <a:lumMod val="75000"/>
+                        <a:lumOff val="25000"/>
+                      </a:schemeClr>
+                    </a:solidFill>
+                    <a:latin typeface="+mn-lt"/>
+                    <a:ea typeface="+mn-ea"/>
+                    <a:cs typeface="+mn-cs"/>
+                  </a:defRPr>
+                </a:pPr>
+                <a:endParaRPr lang="de-DE"/>
+              </a:p>
+            </c:txPr>
+            <c:dLblPos val="outEnd"/>
+            <c:showLegendKey val="0"/>
+            <c:showVal val="1"/>
+            <c:showCatName val="0"/>
+            <c:showSerName val="0"/>
+            <c:showPercent val="0"/>
+            <c:showBubbleSize val="0"/>
+            <c:showLeaderLines val="0"/>
+            <c:extLst>
+              <c:ext xmlns:c15="http://schemas.microsoft.com/office/drawing/2012/chart" uri="{CE6537A1-D6FC-4f65-9D91-7224C49458BB}">
+                <c15:showLeaderLines val="1"/>
+                <c15:leaderLines>
+                  <c:spPr>
+                    <a:ln w="9525" cap="flat" cmpd="sng" algn="ctr">
+                      <a:solidFill>
+                        <a:schemeClr val="tx1">
+                          <a:lumMod val="35000"/>
+                          <a:lumOff val="65000"/>
+                        </a:schemeClr>
+                      </a:solidFill>
+                      <a:round/>
+                    </a:ln>
+                    <a:effectLst/>
+                  </c:spPr>
+                </c15:leaderLines>
+              </c:ext>
+            </c:extLst>
+          </c:dLbls>
+          <c:cat>
+            <c:strRef>
+              <c:f>Tabelle2!$A$5</c:f>
+              <c:strCache>
+                <c:ptCount val="1"/>
+                <c:pt idx="0">
+                  <c:v>Ergebnis</c:v>
+                </c:pt>
+              </c:strCache>
+            </c:strRef>
+          </c:cat>
+          <c:val>
+            <c:numRef>
+              <c:f>Tabelle2!$B$5</c:f>
+              <c:numCache>
+                <c:formatCode>#,##0.00\ "€"</c:formatCode>
+                <c:ptCount val="1"/>
+                <c:pt idx="0">
+                  <c:v>500</c:v>
+                </c:pt>
+              </c:numCache>
+            </c:numRef>
+          </c:val>
+          <c:extLst>
+            <c:ext xmlns:c16="http://schemas.microsoft.com/office/drawing/2014/chart" uri="{C3380CC4-5D6E-409C-BE32-E72D297353CC}">
+              <c16:uniqueId val="{00000000-1096-A849-8BDF-C6728D41D0F3}"/>
+            </c:ext>
+          </c:extLst>
+        </c:ser>
+        <c:ser>
+          <c:idx val="1"/>
+          <c:order val="1"/>
+          <c:tx>
+            <c:strRef>
+              <c:f>Tabelle2!$C$3:$C$4</c:f>
+              <c:strCache>
+                <c:ptCount val="1"/>
+                <c:pt idx="0">
+                  <c:v>Entwicklungssupport (1 Jahr)</c:v>
+                </c:pt>
+              </c:strCache>
+            </c:strRef>
+          </c:tx>
+          <c:spPr>
+            <a:solidFill>
+              <a:schemeClr val="accent2"/>
+            </a:solidFill>
+            <a:ln>
+              <a:noFill/>
+            </a:ln>
+            <a:effectLst/>
+          </c:spPr>
+          <c:invertIfNegative val="0"/>
+          <c:dLbls>
+            <c:spPr>
+              <a:noFill/>
+              <a:ln>
+                <a:noFill/>
+              </a:ln>
+              <a:effectLst/>
+            </c:spPr>
+            <c:txPr>
+              <a:bodyPr rot="0" spcFirstLastPara="1" vertOverflow="ellipsis" vert="horz" wrap="square" lIns="38100" tIns="19050" rIns="38100" bIns="19050" anchor="ctr" anchorCtr="1">
+                <a:spAutoFit/>
+              </a:bodyPr>
+              <a:lstStyle/>
+              <a:p>
+                <a:pPr>
+                  <a:defRPr sz="900" b="0" i="0" u="none" strike="noStrike" kern="1200" baseline="0">
+                    <a:solidFill>
+                      <a:schemeClr val="tx1">
+                        <a:lumMod val="75000"/>
+                        <a:lumOff val="25000"/>
+                      </a:schemeClr>
+                    </a:solidFill>
+                    <a:latin typeface="+mn-lt"/>
+                    <a:ea typeface="+mn-ea"/>
+                    <a:cs typeface="+mn-cs"/>
+                  </a:defRPr>
+                </a:pPr>
+                <a:endParaRPr lang="de-DE"/>
+              </a:p>
+            </c:txPr>
+            <c:dLblPos val="outEnd"/>
+            <c:showLegendKey val="0"/>
+            <c:showVal val="1"/>
+            <c:showCatName val="0"/>
+            <c:showSerName val="0"/>
+            <c:showPercent val="0"/>
+            <c:showBubbleSize val="0"/>
+            <c:showLeaderLines val="0"/>
+            <c:extLst>
+              <c:ext xmlns:c15="http://schemas.microsoft.com/office/drawing/2012/chart" uri="{CE6537A1-D6FC-4f65-9D91-7224C49458BB}">
+                <c15:showLeaderLines val="1"/>
+                <c15:leaderLines>
+                  <c:spPr>
+                    <a:ln w="9525" cap="flat" cmpd="sng" algn="ctr">
+                      <a:solidFill>
+                        <a:schemeClr val="tx1">
+                          <a:lumMod val="35000"/>
+                          <a:lumOff val="65000"/>
+                        </a:schemeClr>
+                      </a:solidFill>
+                      <a:round/>
+                    </a:ln>
+                    <a:effectLst/>
+                  </c:spPr>
+                </c15:leaderLines>
+              </c:ext>
+            </c:extLst>
+          </c:dLbls>
+          <c:cat>
+            <c:strRef>
+              <c:f>Tabelle2!$A$5</c:f>
+              <c:strCache>
+                <c:ptCount val="1"/>
+                <c:pt idx="0">
+                  <c:v>Ergebnis</c:v>
+                </c:pt>
+              </c:strCache>
+            </c:strRef>
+          </c:cat>
+          <c:val>
+            <c:numRef>
+              <c:f>Tabelle2!$C$5</c:f>
+              <c:numCache>
+                <c:formatCode>#,##0.00\ "€"</c:formatCode>
+                <c:ptCount val="1"/>
+                <c:pt idx="0">
+                  <c:v>18000</c:v>
+                </c:pt>
+              </c:numCache>
+            </c:numRef>
+          </c:val>
+          <c:extLst>
+            <c:ext xmlns:c16="http://schemas.microsoft.com/office/drawing/2014/chart" uri="{C3380CC4-5D6E-409C-BE32-E72D297353CC}">
+              <c16:uniqueId val="{00000001-1096-A849-8BDF-C6728D41D0F3}"/>
+            </c:ext>
+          </c:extLst>
+        </c:ser>
+        <c:ser>
+          <c:idx val="2"/>
+          <c:order val="2"/>
+          <c:tx>
+            <c:strRef>
+              <c:f>Tabelle2!$D$3:$D$4</c:f>
+              <c:strCache>
+                <c:ptCount val="1"/>
+                <c:pt idx="0">
+                  <c:v>Hardware Kosten</c:v>
+                </c:pt>
+              </c:strCache>
+            </c:strRef>
+          </c:tx>
+          <c:spPr>
+            <a:solidFill>
+              <a:schemeClr val="accent3"/>
+            </a:solidFill>
+            <a:ln>
+              <a:noFill/>
+            </a:ln>
+            <a:effectLst/>
+          </c:spPr>
+          <c:invertIfNegative val="0"/>
+          <c:dLbls>
+            <c:spPr>
+              <a:noFill/>
+              <a:ln>
+                <a:noFill/>
+              </a:ln>
+              <a:effectLst/>
+            </c:spPr>
+            <c:txPr>
+              <a:bodyPr rot="0" spcFirstLastPara="1" vertOverflow="ellipsis" vert="horz" wrap="square" lIns="38100" tIns="19050" rIns="38100" bIns="19050" anchor="ctr" anchorCtr="1">
+                <a:spAutoFit/>
+              </a:bodyPr>
+              <a:lstStyle/>
+              <a:p>
+                <a:pPr>
+                  <a:defRPr sz="900" b="0" i="0" u="none" strike="noStrike" kern="1200" baseline="0">
+                    <a:solidFill>
+                      <a:schemeClr val="tx1">
+                        <a:lumMod val="75000"/>
+                        <a:lumOff val="25000"/>
+                      </a:schemeClr>
+                    </a:solidFill>
+                    <a:latin typeface="+mn-lt"/>
+                    <a:ea typeface="+mn-ea"/>
+                    <a:cs typeface="+mn-cs"/>
+                  </a:defRPr>
+                </a:pPr>
+                <a:endParaRPr lang="de-DE"/>
+              </a:p>
+            </c:txPr>
+            <c:dLblPos val="outEnd"/>
+            <c:showLegendKey val="0"/>
+            <c:showVal val="1"/>
+            <c:showCatName val="0"/>
+            <c:showSerName val="0"/>
+            <c:showPercent val="0"/>
+            <c:showBubbleSize val="0"/>
+            <c:showLeaderLines val="0"/>
+            <c:extLst>
+              <c:ext xmlns:c15="http://schemas.microsoft.com/office/drawing/2012/chart" uri="{CE6537A1-D6FC-4f65-9D91-7224C49458BB}">
+                <c15:showLeaderLines val="1"/>
+                <c15:leaderLines>
+                  <c:spPr>
+                    <a:ln w="9525" cap="flat" cmpd="sng" algn="ctr">
+                      <a:solidFill>
+                        <a:schemeClr val="tx1">
+                          <a:lumMod val="35000"/>
+                          <a:lumOff val="65000"/>
+                        </a:schemeClr>
+                      </a:solidFill>
+                      <a:round/>
+                    </a:ln>
+                    <a:effectLst/>
+                  </c:spPr>
+                </c15:leaderLines>
+              </c:ext>
+            </c:extLst>
+          </c:dLbls>
+          <c:cat>
+            <c:strRef>
+              <c:f>Tabelle2!$A$5</c:f>
+              <c:strCache>
+                <c:ptCount val="1"/>
+                <c:pt idx="0">
+                  <c:v>Ergebnis</c:v>
+                </c:pt>
+              </c:strCache>
+            </c:strRef>
+          </c:cat>
+          <c:val>
+            <c:numRef>
+              <c:f>Tabelle2!$D$5</c:f>
+              <c:numCache>
+                <c:formatCode>#,##0.00\ "€"</c:formatCode>
+                <c:ptCount val="1"/>
+                <c:pt idx="0">
+                  <c:v>3000</c:v>
+                </c:pt>
+              </c:numCache>
+            </c:numRef>
+          </c:val>
+          <c:extLst>
+            <c:ext xmlns:c16="http://schemas.microsoft.com/office/drawing/2014/chart" uri="{C3380CC4-5D6E-409C-BE32-E72D297353CC}">
+              <c16:uniqueId val="{00000002-1096-A849-8BDF-C6728D41D0F3}"/>
+            </c:ext>
+          </c:extLst>
+        </c:ser>
+        <c:ser>
+          <c:idx val="3"/>
+          <c:order val="3"/>
+          <c:tx>
+            <c:strRef>
+              <c:f>Tabelle2!$E$3:$E$4</c:f>
+              <c:strCache>
+                <c:ptCount val="1"/>
+                <c:pt idx="0">
+                  <c:v>Projektplanung</c:v>
+                </c:pt>
+              </c:strCache>
+            </c:strRef>
+          </c:tx>
+          <c:spPr>
+            <a:solidFill>
+              <a:schemeClr val="accent4"/>
+            </a:solidFill>
+            <a:ln>
+              <a:noFill/>
+            </a:ln>
+            <a:effectLst/>
+          </c:spPr>
+          <c:invertIfNegative val="0"/>
+          <c:dLbls>
+            <c:spPr>
+              <a:noFill/>
+              <a:ln>
+                <a:noFill/>
+              </a:ln>
+              <a:effectLst/>
+            </c:spPr>
+            <c:txPr>
+              <a:bodyPr rot="0" spcFirstLastPara="1" vertOverflow="ellipsis" vert="horz" wrap="square" lIns="38100" tIns="19050" rIns="38100" bIns="19050" anchor="ctr" anchorCtr="1">
+                <a:spAutoFit/>
+              </a:bodyPr>
+              <a:lstStyle/>
+              <a:p>
+                <a:pPr>
+                  <a:defRPr sz="900" b="0" i="0" u="none" strike="noStrike" kern="1200" baseline="0">
+                    <a:solidFill>
+                      <a:schemeClr val="tx1">
+                        <a:lumMod val="75000"/>
+                        <a:lumOff val="25000"/>
+                      </a:schemeClr>
+                    </a:solidFill>
+                    <a:latin typeface="+mn-lt"/>
+                    <a:ea typeface="+mn-ea"/>
+                    <a:cs typeface="+mn-cs"/>
+                  </a:defRPr>
+                </a:pPr>
+                <a:endParaRPr lang="de-DE"/>
+              </a:p>
+            </c:txPr>
+            <c:dLblPos val="outEnd"/>
+            <c:showLegendKey val="0"/>
+            <c:showVal val="1"/>
+            <c:showCatName val="0"/>
+            <c:showSerName val="0"/>
+            <c:showPercent val="0"/>
+            <c:showBubbleSize val="0"/>
+            <c:showLeaderLines val="0"/>
+            <c:extLst>
+              <c:ext xmlns:c15="http://schemas.microsoft.com/office/drawing/2012/chart" uri="{CE6537A1-D6FC-4f65-9D91-7224C49458BB}">
+                <c15:showLeaderLines val="1"/>
+                <c15:leaderLines>
+                  <c:spPr>
+                    <a:ln w="9525" cap="flat" cmpd="sng" algn="ctr">
+                      <a:solidFill>
+                        <a:schemeClr val="tx1">
+                          <a:lumMod val="35000"/>
+                          <a:lumOff val="65000"/>
+                        </a:schemeClr>
+                      </a:solidFill>
+                      <a:round/>
+                    </a:ln>
+                    <a:effectLst/>
+                  </c:spPr>
+                </c15:leaderLines>
+              </c:ext>
+            </c:extLst>
+          </c:dLbls>
+          <c:cat>
+            <c:strRef>
+              <c:f>Tabelle2!$A$5</c:f>
+              <c:strCache>
+                <c:ptCount val="1"/>
+                <c:pt idx="0">
+                  <c:v>Ergebnis</c:v>
+                </c:pt>
+              </c:strCache>
+            </c:strRef>
+          </c:cat>
+          <c:val>
+            <c:numRef>
+              <c:f>Tabelle2!$E$5</c:f>
+              <c:numCache>
+                <c:formatCode>#,##0.00\ "€"</c:formatCode>
+                <c:ptCount val="1"/>
+                <c:pt idx="0">
+                  <c:v>6000</c:v>
+                </c:pt>
+              </c:numCache>
+            </c:numRef>
+          </c:val>
+          <c:extLst>
+            <c:ext xmlns:c16="http://schemas.microsoft.com/office/drawing/2014/chart" uri="{C3380CC4-5D6E-409C-BE32-E72D297353CC}">
+              <c16:uniqueId val="{00000003-1096-A849-8BDF-C6728D41D0F3}"/>
+            </c:ext>
+          </c:extLst>
+        </c:ser>
+        <c:ser>
+          <c:idx val="4"/>
+          <c:order val="4"/>
+          <c:tx>
+            <c:strRef>
+              <c:f>Tabelle2!$F$3:$F$4</c:f>
+              <c:strCache>
+                <c:ptCount val="1"/>
+                <c:pt idx="0">
+                  <c:v>Puffer</c:v>
+                </c:pt>
+              </c:strCache>
+            </c:strRef>
+          </c:tx>
+          <c:spPr>
+            <a:solidFill>
+              <a:schemeClr val="accent5"/>
+            </a:solidFill>
+            <a:ln>
+              <a:noFill/>
+            </a:ln>
+            <a:effectLst/>
+          </c:spPr>
+          <c:invertIfNegative val="0"/>
+          <c:dLbls>
+            <c:spPr>
+              <a:noFill/>
+              <a:ln>
+                <a:noFill/>
+              </a:ln>
+              <a:effectLst/>
+            </c:spPr>
+            <c:txPr>
+              <a:bodyPr rot="0" spcFirstLastPara="1" vertOverflow="ellipsis" vert="horz" wrap="square" lIns="38100" tIns="19050" rIns="38100" bIns="19050" anchor="ctr" anchorCtr="1">
+                <a:spAutoFit/>
+              </a:bodyPr>
+              <a:lstStyle/>
+              <a:p>
+                <a:pPr>
+                  <a:defRPr sz="900" b="0" i="0" u="none" strike="noStrike" kern="1200" baseline="0">
+                    <a:solidFill>
+                      <a:schemeClr val="tx1">
+                        <a:lumMod val="75000"/>
+                        <a:lumOff val="25000"/>
+                      </a:schemeClr>
+                    </a:solidFill>
+                    <a:latin typeface="+mn-lt"/>
+                    <a:ea typeface="+mn-ea"/>
+                    <a:cs typeface="+mn-cs"/>
+                  </a:defRPr>
+                </a:pPr>
+                <a:endParaRPr lang="de-DE"/>
+              </a:p>
+            </c:txPr>
+            <c:dLblPos val="outEnd"/>
+            <c:showLegendKey val="0"/>
+            <c:showVal val="1"/>
+            <c:showCatName val="0"/>
+            <c:showSerName val="0"/>
+            <c:showPercent val="0"/>
+            <c:showBubbleSize val="0"/>
+            <c:showLeaderLines val="0"/>
+            <c:extLst>
+              <c:ext xmlns:c15="http://schemas.microsoft.com/office/drawing/2012/chart" uri="{CE6537A1-D6FC-4f65-9D91-7224C49458BB}">
+                <c15:showLeaderLines val="1"/>
+                <c15:leaderLines>
+                  <c:spPr>
+                    <a:ln w="9525" cap="flat" cmpd="sng" algn="ctr">
+                      <a:solidFill>
+                        <a:schemeClr val="tx1">
+                          <a:lumMod val="35000"/>
+                          <a:lumOff val="65000"/>
+                        </a:schemeClr>
+                      </a:solidFill>
+                      <a:round/>
+                    </a:ln>
+                    <a:effectLst/>
+                  </c:spPr>
+                </c15:leaderLines>
+              </c:ext>
+            </c:extLst>
+          </c:dLbls>
+          <c:cat>
+            <c:strRef>
+              <c:f>Tabelle2!$A$5</c:f>
+              <c:strCache>
+                <c:ptCount val="1"/>
+                <c:pt idx="0">
+                  <c:v>Ergebnis</c:v>
+                </c:pt>
+              </c:strCache>
+            </c:strRef>
+          </c:cat>
+          <c:val>
+            <c:numRef>
+              <c:f>Tabelle2!$F$5</c:f>
+              <c:numCache>
+                <c:formatCode>#,##0.00\ "€"</c:formatCode>
+                <c:ptCount val="1"/>
+                <c:pt idx="0">
+                  <c:v>1000</c:v>
+                </c:pt>
+              </c:numCache>
+            </c:numRef>
+          </c:val>
+          <c:extLst>
+            <c:ext xmlns:c16="http://schemas.microsoft.com/office/drawing/2014/chart" uri="{C3380CC4-5D6E-409C-BE32-E72D297353CC}">
+              <c16:uniqueId val="{00000004-1096-A849-8BDF-C6728D41D0F3}"/>
+            </c:ext>
+          </c:extLst>
+        </c:ser>
+        <c:ser>
+          <c:idx val="5"/>
+          <c:order val="5"/>
+          <c:tx>
+            <c:strRef>
+              <c:f>Tabelle2!$G$3:$G$4</c:f>
+              <c:strCache>
+                <c:ptCount val="1"/>
+                <c:pt idx="0">
+                  <c:v>Schulungsmaterial</c:v>
+                </c:pt>
+              </c:strCache>
+            </c:strRef>
+          </c:tx>
+          <c:spPr>
+            <a:solidFill>
+              <a:schemeClr val="accent6"/>
+            </a:solidFill>
+            <a:ln>
+              <a:noFill/>
+            </a:ln>
+            <a:effectLst/>
+          </c:spPr>
+          <c:invertIfNegative val="0"/>
+          <c:dLbls>
+            <c:spPr>
+              <a:noFill/>
+              <a:ln>
+                <a:noFill/>
+              </a:ln>
+              <a:effectLst/>
+            </c:spPr>
+            <c:txPr>
+              <a:bodyPr rot="0" spcFirstLastPara="1" vertOverflow="ellipsis" vert="horz" wrap="square" lIns="38100" tIns="19050" rIns="38100" bIns="19050" anchor="ctr" anchorCtr="1">
+                <a:spAutoFit/>
+              </a:bodyPr>
+              <a:lstStyle/>
+              <a:p>
+                <a:pPr>
+                  <a:defRPr sz="900" b="0" i="0" u="none" strike="noStrike" kern="1200" baseline="0">
+                    <a:solidFill>
+                      <a:schemeClr val="tx1">
+                        <a:lumMod val="75000"/>
+                        <a:lumOff val="25000"/>
+                      </a:schemeClr>
+                    </a:solidFill>
+                    <a:latin typeface="+mn-lt"/>
+                    <a:ea typeface="+mn-ea"/>
+                    <a:cs typeface="+mn-cs"/>
+                  </a:defRPr>
+                </a:pPr>
+                <a:endParaRPr lang="de-DE"/>
+              </a:p>
+            </c:txPr>
+            <c:dLblPos val="outEnd"/>
+            <c:showLegendKey val="0"/>
+            <c:showVal val="1"/>
+            <c:showCatName val="0"/>
+            <c:showSerName val="0"/>
+            <c:showPercent val="0"/>
+            <c:showBubbleSize val="0"/>
+            <c:showLeaderLines val="0"/>
+            <c:extLst>
+              <c:ext xmlns:c15="http://schemas.microsoft.com/office/drawing/2012/chart" uri="{CE6537A1-D6FC-4f65-9D91-7224C49458BB}">
+                <c15:showLeaderLines val="1"/>
+                <c15:leaderLines>
+                  <c:spPr>
+                    <a:ln w="9525" cap="flat" cmpd="sng" algn="ctr">
+                      <a:solidFill>
+                        <a:schemeClr val="tx1">
+                          <a:lumMod val="35000"/>
+                          <a:lumOff val="65000"/>
+                        </a:schemeClr>
+                      </a:solidFill>
+                      <a:round/>
+                    </a:ln>
+                    <a:effectLst/>
+                  </c:spPr>
+                </c15:leaderLines>
+              </c:ext>
+            </c:extLst>
+          </c:dLbls>
+          <c:cat>
+            <c:strRef>
+              <c:f>Tabelle2!$A$5</c:f>
+              <c:strCache>
+                <c:ptCount val="1"/>
+                <c:pt idx="0">
+                  <c:v>Ergebnis</c:v>
+                </c:pt>
+              </c:strCache>
+            </c:strRef>
+          </c:cat>
+          <c:val>
+            <c:numRef>
+              <c:f>Tabelle2!$G$5</c:f>
+              <c:numCache>
+                <c:formatCode>#,##0.00\ "€"</c:formatCode>
+                <c:ptCount val="1"/>
+                <c:pt idx="0">
+                  <c:v>500</c:v>
+                </c:pt>
+              </c:numCache>
+            </c:numRef>
+          </c:val>
+          <c:extLst>
+            <c:ext xmlns:c16="http://schemas.microsoft.com/office/drawing/2014/chart" uri="{C3380CC4-5D6E-409C-BE32-E72D297353CC}">
+              <c16:uniqueId val="{00000005-1096-A849-8BDF-C6728D41D0F3}"/>
+            </c:ext>
+          </c:extLst>
+        </c:ser>
+        <c:ser>
+          <c:idx val="6"/>
+          <c:order val="6"/>
+          <c:tx>
+            <c:strRef>
+              <c:f>Tabelle2!$H$3:$H$4</c:f>
+              <c:strCache>
+                <c:ptCount val="1"/>
+                <c:pt idx="0">
+                  <c:v>Scrum-Master Gehalt</c:v>
+                </c:pt>
+              </c:strCache>
+            </c:strRef>
+          </c:tx>
+          <c:spPr>
+            <a:solidFill>
+              <a:schemeClr val="accent1">
+                <a:lumMod val="60000"/>
+              </a:schemeClr>
+            </a:solidFill>
+            <a:ln>
+              <a:noFill/>
+            </a:ln>
+            <a:effectLst/>
+          </c:spPr>
+          <c:invertIfNegative val="0"/>
+          <c:dLbls>
+            <c:spPr>
+              <a:noFill/>
+              <a:ln>
+                <a:noFill/>
+              </a:ln>
+              <a:effectLst/>
+            </c:spPr>
+            <c:txPr>
+              <a:bodyPr rot="0" spcFirstLastPara="1" vertOverflow="ellipsis" vert="horz" wrap="square" lIns="38100" tIns="19050" rIns="38100" bIns="19050" anchor="ctr" anchorCtr="1">
+                <a:spAutoFit/>
+              </a:bodyPr>
+              <a:lstStyle/>
+              <a:p>
+                <a:pPr>
+                  <a:defRPr sz="900" b="0" i="0" u="none" strike="noStrike" kern="1200" baseline="0">
+                    <a:solidFill>
+                      <a:schemeClr val="tx1">
+                        <a:lumMod val="75000"/>
+                        <a:lumOff val="25000"/>
+                      </a:schemeClr>
+                    </a:solidFill>
+                    <a:latin typeface="+mn-lt"/>
+                    <a:ea typeface="+mn-ea"/>
+                    <a:cs typeface="+mn-cs"/>
+                  </a:defRPr>
+                </a:pPr>
+                <a:endParaRPr lang="de-DE"/>
+              </a:p>
+            </c:txPr>
+            <c:dLblPos val="outEnd"/>
+            <c:showLegendKey val="0"/>
+            <c:showVal val="1"/>
+            <c:showCatName val="0"/>
+            <c:showSerName val="0"/>
+            <c:showPercent val="0"/>
+            <c:showBubbleSize val="0"/>
+            <c:showLeaderLines val="0"/>
+            <c:extLst>
+              <c:ext xmlns:c15="http://schemas.microsoft.com/office/drawing/2012/chart" uri="{CE6537A1-D6FC-4f65-9D91-7224C49458BB}">
+                <c15:showLeaderLines val="1"/>
+                <c15:leaderLines>
+                  <c:spPr>
+                    <a:ln w="9525" cap="flat" cmpd="sng" algn="ctr">
+                      <a:solidFill>
+                        <a:schemeClr val="tx1">
+                          <a:lumMod val="35000"/>
+                          <a:lumOff val="65000"/>
+                        </a:schemeClr>
+                      </a:solidFill>
+                      <a:round/>
+                    </a:ln>
+                    <a:effectLst/>
+                  </c:spPr>
+                </c15:leaderLines>
+              </c:ext>
+            </c:extLst>
+          </c:dLbls>
+          <c:cat>
+            <c:strRef>
+              <c:f>Tabelle2!$A$5</c:f>
+              <c:strCache>
+                <c:ptCount val="1"/>
+                <c:pt idx="0">
+                  <c:v>Ergebnis</c:v>
+                </c:pt>
+              </c:strCache>
+            </c:strRef>
+          </c:cat>
+          <c:val>
+            <c:numRef>
+              <c:f>Tabelle2!$H$5</c:f>
+              <c:numCache>
+                <c:formatCode>#,##0.00\ "€"</c:formatCode>
+                <c:ptCount val="1"/>
+                <c:pt idx="0">
+                  <c:v>30000</c:v>
+                </c:pt>
+              </c:numCache>
+            </c:numRef>
+          </c:val>
+          <c:extLst>
+            <c:ext xmlns:c16="http://schemas.microsoft.com/office/drawing/2014/chart" uri="{C3380CC4-5D6E-409C-BE32-E72D297353CC}">
+              <c16:uniqueId val="{00000006-1096-A849-8BDF-C6728D41D0F3}"/>
+            </c:ext>
+          </c:extLst>
+        </c:ser>
+        <c:ser>
+          <c:idx val="7"/>
+          <c:order val="7"/>
+          <c:tx>
+            <c:strRef>
+              <c:f>Tabelle2!$I$3:$I$4</c:f>
+              <c:strCache>
+                <c:ptCount val="1"/>
+                <c:pt idx="0">
+                  <c:v>Software-Installation</c:v>
+                </c:pt>
+              </c:strCache>
+            </c:strRef>
+          </c:tx>
+          <c:spPr>
+            <a:solidFill>
+              <a:schemeClr val="accent2">
+                <a:lumMod val="60000"/>
+              </a:schemeClr>
+            </a:solidFill>
+            <a:ln>
+              <a:noFill/>
+            </a:ln>
+            <a:effectLst/>
+          </c:spPr>
+          <c:invertIfNegative val="0"/>
+          <c:dLbls>
+            <c:spPr>
+              <a:noFill/>
+              <a:ln>
+                <a:noFill/>
+              </a:ln>
+              <a:effectLst/>
+            </c:spPr>
+            <c:txPr>
+              <a:bodyPr rot="0" spcFirstLastPara="1" vertOverflow="ellipsis" vert="horz" wrap="square" lIns="38100" tIns="19050" rIns="38100" bIns="19050" anchor="ctr" anchorCtr="1">
+                <a:spAutoFit/>
+              </a:bodyPr>
+              <a:lstStyle/>
+              <a:p>
+                <a:pPr>
+                  <a:defRPr sz="900" b="0" i="0" u="none" strike="noStrike" kern="1200" baseline="0">
+                    <a:solidFill>
+                      <a:schemeClr val="tx1">
+                        <a:lumMod val="75000"/>
+                        <a:lumOff val="25000"/>
+                      </a:schemeClr>
+                    </a:solidFill>
+                    <a:latin typeface="+mn-lt"/>
+                    <a:ea typeface="+mn-ea"/>
+                    <a:cs typeface="+mn-cs"/>
+                  </a:defRPr>
+                </a:pPr>
+                <a:endParaRPr lang="de-DE"/>
+              </a:p>
+            </c:txPr>
+            <c:dLblPos val="outEnd"/>
+            <c:showLegendKey val="0"/>
+            <c:showVal val="1"/>
+            <c:showCatName val="0"/>
+            <c:showSerName val="0"/>
+            <c:showPercent val="0"/>
+            <c:showBubbleSize val="0"/>
+            <c:showLeaderLines val="0"/>
+            <c:extLst>
+              <c:ext xmlns:c15="http://schemas.microsoft.com/office/drawing/2012/chart" uri="{CE6537A1-D6FC-4f65-9D91-7224C49458BB}">
+                <c15:showLeaderLines val="1"/>
+                <c15:leaderLines>
+                  <c:spPr>
+                    <a:ln w="9525" cap="flat" cmpd="sng" algn="ctr">
+                      <a:solidFill>
+                        <a:schemeClr val="tx1">
+                          <a:lumMod val="35000"/>
+                          <a:lumOff val="65000"/>
+                        </a:schemeClr>
+                      </a:solidFill>
+                      <a:round/>
+                    </a:ln>
+                    <a:effectLst/>
+                  </c:spPr>
+                </c15:leaderLines>
+              </c:ext>
+            </c:extLst>
+          </c:dLbls>
+          <c:cat>
+            <c:strRef>
+              <c:f>Tabelle2!$A$5</c:f>
+              <c:strCache>
+                <c:ptCount val="1"/>
+                <c:pt idx="0">
+                  <c:v>Ergebnis</c:v>
+                </c:pt>
+              </c:strCache>
+            </c:strRef>
+          </c:cat>
+          <c:val>
+            <c:numRef>
+              <c:f>Tabelle2!$I$5</c:f>
+              <c:numCache>
+                <c:formatCode>#,##0.00\ "€"</c:formatCode>
+                <c:ptCount val="1"/>
+                <c:pt idx="0">
+                  <c:v>1000</c:v>
+                </c:pt>
+              </c:numCache>
+            </c:numRef>
+          </c:val>
+          <c:extLst>
+            <c:ext xmlns:c16="http://schemas.microsoft.com/office/drawing/2014/chart" uri="{C3380CC4-5D6E-409C-BE32-E72D297353CC}">
+              <c16:uniqueId val="{00000007-1096-A849-8BDF-C6728D41D0F3}"/>
+            </c:ext>
+          </c:extLst>
+        </c:ser>
+        <c:ser>
+          <c:idx val="8"/>
+          <c:order val="8"/>
+          <c:tx>
+            <c:strRef>
+              <c:f>Tabelle2!$J$3:$J$4</c:f>
+              <c:strCache>
+                <c:ptCount val="1"/>
+                <c:pt idx="0">
+                  <c:v>Wartung Hardware (1 Jahr)</c:v>
+                </c:pt>
+              </c:strCache>
+            </c:strRef>
+          </c:tx>
+          <c:spPr>
+            <a:solidFill>
+              <a:schemeClr val="accent3">
+                <a:lumMod val="60000"/>
+              </a:schemeClr>
+            </a:solidFill>
+            <a:ln>
+              <a:noFill/>
+            </a:ln>
+            <a:effectLst/>
+          </c:spPr>
+          <c:invertIfNegative val="0"/>
+          <c:dLbls>
+            <c:spPr>
+              <a:noFill/>
+              <a:ln>
+                <a:noFill/>
+              </a:ln>
+              <a:effectLst/>
+            </c:spPr>
+            <c:txPr>
+              <a:bodyPr rot="0" spcFirstLastPara="1" vertOverflow="ellipsis" vert="horz" wrap="square" lIns="38100" tIns="19050" rIns="38100" bIns="19050" anchor="ctr" anchorCtr="1">
+                <a:spAutoFit/>
+              </a:bodyPr>
+              <a:lstStyle/>
+              <a:p>
+                <a:pPr>
+                  <a:defRPr sz="900" b="0" i="0" u="none" strike="noStrike" kern="1200" baseline="0">
+                    <a:solidFill>
+                      <a:schemeClr val="tx1">
+                        <a:lumMod val="75000"/>
+                        <a:lumOff val="25000"/>
+                      </a:schemeClr>
+                    </a:solidFill>
+                    <a:latin typeface="+mn-lt"/>
+                    <a:ea typeface="+mn-ea"/>
+                    <a:cs typeface="+mn-cs"/>
+                  </a:defRPr>
+                </a:pPr>
+                <a:endParaRPr lang="de-DE"/>
+              </a:p>
+            </c:txPr>
+            <c:dLblPos val="outEnd"/>
+            <c:showLegendKey val="0"/>
+            <c:showVal val="1"/>
+            <c:showCatName val="0"/>
+            <c:showSerName val="0"/>
+            <c:showPercent val="0"/>
+            <c:showBubbleSize val="0"/>
+            <c:showLeaderLines val="0"/>
+            <c:extLst>
+              <c:ext xmlns:c15="http://schemas.microsoft.com/office/drawing/2012/chart" uri="{CE6537A1-D6FC-4f65-9D91-7224C49458BB}">
+                <c15:showLeaderLines val="1"/>
+                <c15:leaderLines>
+                  <c:spPr>
+                    <a:ln w="9525" cap="flat" cmpd="sng" algn="ctr">
+                      <a:solidFill>
+                        <a:schemeClr val="tx1">
+                          <a:lumMod val="35000"/>
+                          <a:lumOff val="65000"/>
+                        </a:schemeClr>
+                      </a:solidFill>
+                      <a:round/>
+                    </a:ln>
+                    <a:effectLst/>
+                  </c:spPr>
+                </c15:leaderLines>
+              </c:ext>
+            </c:extLst>
+          </c:dLbls>
+          <c:cat>
+            <c:strRef>
+              <c:f>Tabelle2!$A$5</c:f>
+              <c:strCache>
+                <c:ptCount val="1"/>
+                <c:pt idx="0">
+                  <c:v>Ergebnis</c:v>
+                </c:pt>
+              </c:strCache>
+            </c:strRef>
+          </c:cat>
+          <c:val>
+            <c:numRef>
+              <c:f>Tabelle2!$J$5</c:f>
+              <c:numCache>
+                <c:formatCode>#,##0.00\ "€"</c:formatCode>
+                <c:ptCount val="1"/>
+                <c:pt idx="0">
+                  <c:v>12000</c:v>
+                </c:pt>
+              </c:numCache>
+            </c:numRef>
+          </c:val>
+          <c:extLst>
+            <c:ext xmlns:c16="http://schemas.microsoft.com/office/drawing/2014/chart" uri="{C3380CC4-5D6E-409C-BE32-E72D297353CC}">
+              <c16:uniqueId val="{00000008-1096-A849-8BDF-C6728D41D0F3}"/>
+            </c:ext>
+          </c:extLst>
+        </c:ser>
+        <c:ser>
+          <c:idx val="9"/>
+          <c:order val="9"/>
+          <c:tx>
+            <c:strRef>
+              <c:f>Tabelle2!$K$3:$K$4</c:f>
+              <c:strCache>
+                <c:ptCount val="1"/>
+                <c:pt idx="0">
+                  <c:v>Developer Gehalt</c:v>
+                </c:pt>
+              </c:strCache>
+            </c:strRef>
+          </c:tx>
+          <c:spPr>
+            <a:solidFill>
+              <a:schemeClr val="accent4">
+                <a:lumMod val="60000"/>
+              </a:schemeClr>
+            </a:solidFill>
+            <a:ln>
+              <a:noFill/>
+            </a:ln>
+            <a:effectLst/>
+          </c:spPr>
+          <c:invertIfNegative val="0"/>
+          <c:dLbls>
+            <c:spPr>
+              <a:noFill/>
+              <a:ln>
+                <a:noFill/>
+              </a:ln>
+              <a:effectLst/>
+            </c:spPr>
+            <c:txPr>
+              <a:bodyPr rot="0" spcFirstLastPara="1" vertOverflow="ellipsis" vert="horz" wrap="square" lIns="38100" tIns="19050" rIns="38100" bIns="19050" anchor="ctr" anchorCtr="1">
+                <a:spAutoFit/>
+              </a:bodyPr>
+              <a:lstStyle/>
+              <a:p>
+                <a:pPr>
+                  <a:defRPr sz="900" b="0" i="0" u="none" strike="noStrike" kern="1200" baseline="0">
+                    <a:solidFill>
+                      <a:schemeClr val="tx1">
+                        <a:lumMod val="75000"/>
+                        <a:lumOff val="25000"/>
+                      </a:schemeClr>
+                    </a:solidFill>
+                    <a:latin typeface="+mn-lt"/>
+                    <a:ea typeface="+mn-ea"/>
+                    <a:cs typeface="+mn-cs"/>
+                  </a:defRPr>
+                </a:pPr>
+                <a:endParaRPr lang="de-DE"/>
+              </a:p>
+            </c:txPr>
+            <c:dLblPos val="outEnd"/>
+            <c:showLegendKey val="0"/>
+            <c:showVal val="1"/>
+            <c:showCatName val="0"/>
+            <c:showSerName val="0"/>
+            <c:showPercent val="0"/>
+            <c:showBubbleSize val="0"/>
+            <c:showLeaderLines val="0"/>
+            <c:extLst>
+              <c:ext xmlns:c15="http://schemas.microsoft.com/office/drawing/2012/chart" uri="{CE6537A1-D6FC-4f65-9D91-7224C49458BB}">
+                <c15:showLeaderLines val="1"/>
+                <c15:leaderLines>
+                  <c:spPr>
+                    <a:ln w="9525" cap="flat" cmpd="sng" algn="ctr">
+                      <a:solidFill>
+                        <a:schemeClr val="tx1">
+                          <a:lumMod val="35000"/>
+                          <a:lumOff val="65000"/>
+                        </a:schemeClr>
+                      </a:solidFill>
+                      <a:round/>
+                    </a:ln>
+                    <a:effectLst/>
+                  </c:spPr>
+                </c15:leaderLines>
+              </c:ext>
+            </c:extLst>
+          </c:dLbls>
+          <c:cat>
+            <c:strRef>
+              <c:f>Tabelle2!$A$5</c:f>
+              <c:strCache>
+                <c:ptCount val="1"/>
+                <c:pt idx="0">
+                  <c:v>Ergebnis</c:v>
+                </c:pt>
+              </c:strCache>
+            </c:strRef>
+          </c:cat>
+          <c:val>
+            <c:numRef>
+              <c:f>Tabelle2!$K$5</c:f>
+              <c:numCache>
+                <c:formatCode>#,##0.00\ "€"</c:formatCode>
+                <c:ptCount val="1"/>
+                <c:pt idx="0">
+                  <c:v>48000</c:v>
+                </c:pt>
+              </c:numCache>
+            </c:numRef>
+          </c:val>
+          <c:extLst>
+            <c:ext xmlns:c16="http://schemas.microsoft.com/office/drawing/2014/chart" uri="{C3380CC4-5D6E-409C-BE32-E72D297353CC}">
+              <c16:uniqueId val="{00000009-1096-A849-8BDF-C6728D41D0F3}"/>
+            </c:ext>
+          </c:extLst>
+        </c:ser>
+        <c:dLbls>
+          <c:dLblPos val="outEnd"/>
+          <c:showLegendKey val="0"/>
+          <c:showVal val="1"/>
+          <c:showCatName val="0"/>
+          <c:showSerName val="0"/>
+          <c:showPercent val="0"/>
+          <c:showBubbleSize val="0"/>
+        </c:dLbls>
+        <c:gapWidth val="219"/>
+        <c:overlap val="-27"/>
+        <c:axId val="1936143088"/>
+        <c:axId val="1936048256"/>
+      </c:barChart>
+      <c:catAx>
+        <c:axId val="1936143088"/>
+        <c:scaling>
+          <c:orientation val="minMax"/>
+        </c:scaling>
+        <c:delete val="1"/>
+        <c:axPos val="b"/>
+        <c:numFmt formatCode="General" sourceLinked="1"/>
+        <c:majorTickMark val="none"/>
+        <c:minorTickMark val="none"/>
+        <c:tickLblPos val="nextTo"/>
+        <c:crossAx val="1936048256"/>
+        <c:crosses val="autoZero"/>
+        <c:auto val="1"/>
+        <c:lblAlgn val="ctr"/>
+        <c:lblOffset val="100"/>
+        <c:noMultiLvlLbl val="0"/>
+      </c:catAx>
+      <c:valAx>
+        <c:axId val="1936048256"/>
+        <c:scaling>
+          <c:orientation val="minMax"/>
+        </c:scaling>
+        <c:delete val="0"/>
+        <c:axPos val="l"/>
+        <c:majorGridlines>
+          <c:spPr>
+            <a:ln w="9525" cap="flat" cmpd="sng" algn="ctr">
+              <a:solidFill>
+                <a:schemeClr val="tx1">
+                  <a:lumMod val="15000"/>
+                  <a:lumOff val="85000"/>
+                </a:schemeClr>
+              </a:solidFill>
+              <a:round/>
+            </a:ln>
+            <a:effectLst/>
+          </c:spPr>
+        </c:majorGridlines>
+        <c:numFmt formatCode="#,##0.00\ &quot;€&quot;" sourceLinked="1"/>
+        <c:majorTickMark val="none"/>
+        <c:minorTickMark val="none"/>
+        <c:tickLblPos val="nextTo"/>
+        <c:spPr>
+          <a:noFill/>
+          <a:ln>
+            <a:noFill/>
+          </a:ln>
+          <a:effectLst/>
+        </c:spPr>
+        <c:txPr>
+          <a:bodyPr rot="-60000000" spcFirstLastPara="1" vertOverflow="ellipsis" vert="horz" wrap="square" anchor="ctr" anchorCtr="1"/>
+          <a:lstStyle/>
+          <a:p>
+            <a:pPr>
+              <a:defRPr sz="900" b="0" i="0" u="none" strike="noStrike" kern="1200" baseline="0">
+                <a:solidFill>
+                  <a:schemeClr val="tx1">
+                    <a:lumMod val="65000"/>
+                    <a:lumOff val="35000"/>
+                  </a:schemeClr>
+                </a:solidFill>
+                <a:latin typeface="+mn-lt"/>
+                <a:ea typeface="+mn-ea"/>
+                <a:cs typeface="+mn-cs"/>
+              </a:defRPr>
+            </a:pPr>
+            <a:endParaRPr lang="de-DE"/>
+          </a:p>
+        </c:txPr>
+        <c:crossAx val="1936143088"/>
+        <c:crosses val="autoZero"/>
+        <c:crossBetween val="between"/>
+      </c:valAx>
+      <c:spPr>
+        <a:noFill/>
+        <a:ln>
+          <a:noFill/>
+        </a:ln>
+        <a:effectLst/>
+      </c:spPr>
+    </c:plotArea>
+    <c:legend>
+      <c:legendPos val="r"/>
+      <c:overlay val="0"/>
+      <c:spPr>
+        <a:noFill/>
+        <a:ln>
+          <a:noFill/>
+        </a:ln>
+        <a:effectLst/>
+      </c:spPr>
+      <c:txPr>
+        <a:bodyPr rot="0" spcFirstLastPara="1" vertOverflow="ellipsis" vert="horz" wrap="square" anchor="ctr" anchorCtr="1"/>
+        <a:lstStyle/>
+        <a:p>
+          <a:pPr>
+            <a:defRPr sz="900" b="0" i="0" u="none" strike="noStrike" kern="1200" baseline="0">
+              <a:solidFill>
+                <a:schemeClr val="tx1">
+                  <a:lumMod val="65000"/>
+                  <a:lumOff val="35000"/>
+                </a:schemeClr>
+              </a:solidFill>
+              <a:latin typeface="+mn-lt"/>
+              <a:ea typeface="+mn-ea"/>
+              <a:cs typeface="+mn-cs"/>
+            </a:defRPr>
+          </a:pPr>
+          <a:endParaRPr lang="de-DE"/>
+        </a:p>
+      </c:txPr>
+    </c:legend>
+    <c:plotVisOnly val="1"/>
+    <c:dispBlanksAs val="gap"/>
+    <c:extLst>
+      <c:ext xmlns:c16r3="http://schemas.microsoft.com/office/drawing/2017/03/chart" uri="{56B9EC1D-385E-4148-901F-78D8002777C0}">
+        <c16r3:dataDisplayOptions16>
+          <c16r3:dispNaAsBlank val="1"/>
+        </c16r3:dataDisplayOptions16>
+      </c:ext>
+    </c:extLst>
+    <c:showDLblsOverMax val="0"/>
+  </c:chart>
+  <c:spPr>
+    <a:noFill/>
+    <a:ln>
+      <a:noFill/>
+    </a:ln>
+    <a:effectLst/>
+  </c:spPr>
+  <c:txPr>
+    <a:bodyPr/>
+    <a:lstStyle/>
+    <a:p>
+      <a:pPr>
+        <a:defRPr/>
+      </a:pPr>
+      <a:endParaRPr lang="de-DE"/>
+    </a:p>
+  </c:txPr>
+  <c:externalData r:id="rId3">
+    <c:autoUpdate val="0"/>
+  </c:externalData>
+  <c:extLst>
+    <c:ext xmlns:c14="http://schemas.microsoft.com/office/drawing/2007/8/2/chart" uri="{781A3756-C4B2-4CAC-9D66-4F8BD8637D16}">
+      <c14:pivotOptions>
+        <c14:dropZoneFilter val="1"/>
+        <c14:dropZoneCategories val="1"/>
+        <c14:dropZoneData val="1"/>
+        <c14:dropZoneSeries val="1"/>
+        <c14:dropZonesVisible val="1"/>
+      </c14:pivotOptions>
+    </c:ext>
+    <c:ext xmlns:c16="http://schemas.microsoft.com/office/drawing/2014/chart" uri="{E28EC0CA-F0BB-4C9C-879D-F8772B89E7AC}">
+      <c16:pivotOptions16>
+        <c16:showExpandCollapseFieldButtons val="1"/>
+      </c16:pivotOptions16>
+    </c:ext>
+  </c:extLst>
+</c:chartSpace>
+</file>
+
+<file path=ppt/charts/chart2.xml><?xml version="1.0" encoding="utf-8"?>
+<c:chartSpace xmlns:c="http://schemas.openxmlformats.org/drawingml/2006/chart" xmlns:a="http://schemas.openxmlformats.org/drawingml/2006/main" xmlns:r="http://schemas.openxmlformats.org/officeDocument/2006/relationships" xmlns:c16r2="http://schemas.microsoft.com/office/drawing/2015/06/chart">
+  <c:date1904 val="0"/>
+  <c:lang val="de-DE"/>
+  <c:roundedCorners val="0"/>
+  <mc:AlternateContent xmlns:mc="http://schemas.openxmlformats.org/markup-compatibility/2006">
+    <mc:Choice xmlns:c14="http://schemas.microsoft.com/office/drawing/2007/8/2/chart" Requires="c14">
+      <c14:style val="102"/>
+    </mc:Choice>
+    <mc:Fallback>
+      <c:style val="2"/>
+    </mc:Fallback>
+  </mc:AlternateContent>
+  <c:chart>
+    <c:autoTitleDeleted val="1"/>
+    <c:plotArea>
+      <c:layout/>
+      <c:pieChart>
+        <c:varyColors val="1"/>
+        <c:ser>
+          <c:idx val="0"/>
+          <c:order val="0"/>
+          <c:tx>
+            <c:strRef>
+              <c:f>Tabelle1!$C$2</c:f>
+              <c:strCache>
+                <c:ptCount val="1"/>
+                <c:pt idx="0">
+                  <c:v>Kostenhöhe</c:v>
+                </c:pt>
+              </c:strCache>
+            </c:strRef>
+          </c:tx>
+          <c:dPt>
+            <c:idx val="0"/>
+            <c:bubble3D val="0"/>
+            <c:spPr>
+              <a:solidFill>
+                <a:schemeClr val="accent1"/>
+              </a:solidFill>
+              <a:ln w="19050">
+                <a:solidFill>
+                  <a:schemeClr val="lt1"/>
+                </a:solidFill>
+              </a:ln>
+              <a:effectLst/>
+            </c:spPr>
+            <c:extLst>
+              <c:ext xmlns:c16="http://schemas.microsoft.com/office/drawing/2014/chart" uri="{C3380CC4-5D6E-409C-BE32-E72D297353CC}">
+                <c16:uniqueId val="{00000001-2667-424C-8DA3-A5101E7CA30C}"/>
+              </c:ext>
+            </c:extLst>
+          </c:dPt>
+          <c:dPt>
+            <c:idx val="1"/>
+            <c:bubble3D val="0"/>
+            <c:spPr>
+              <a:solidFill>
+                <a:schemeClr val="accent2"/>
+              </a:solidFill>
+              <a:ln w="19050">
+                <a:solidFill>
+                  <a:schemeClr val="lt1"/>
+                </a:solidFill>
+              </a:ln>
+              <a:effectLst/>
+            </c:spPr>
+            <c:extLst>
+              <c:ext xmlns:c16="http://schemas.microsoft.com/office/drawing/2014/chart" uri="{C3380CC4-5D6E-409C-BE32-E72D297353CC}">
+                <c16:uniqueId val="{00000003-2667-424C-8DA3-A5101E7CA30C}"/>
+              </c:ext>
+            </c:extLst>
+          </c:dPt>
+          <c:dPt>
+            <c:idx val="2"/>
+            <c:bubble3D val="0"/>
+            <c:spPr>
+              <a:solidFill>
+                <a:schemeClr val="accent3"/>
+              </a:solidFill>
+              <a:ln w="19050">
+                <a:solidFill>
+                  <a:schemeClr val="lt1"/>
+                </a:solidFill>
+              </a:ln>
+              <a:effectLst/>
+            </c:spPr>
+            <c:extLst>
+              <c:ext xmlns:c16="http://schemas.microsoft.com/office/drawing/2014/chart" uri="{C3380CC4-5D6E-409C-BE32-E72D297353CC}">
+                <c16:uniqueId val="{00000005-2667-424C-8DA3-A5101E7CA30C}"/>
+              </c:ext>
+            </c:extLst>
+          </c:dPt>
+          <c:dPt>
+            <c:idx val="3"/>
+            <c:bubble3D val="0"/>
+            <c:spPr>
+              <a:solidFill>
+                <a:schemeClr val="accent4"/>
+              </a:solidFill>
+              <a:ln w="19050">
+                <a:solidFill>
+                  <a:schemeClr val="lt1"/>
+                </a:solidFill>
+              </a:ln>
+              <a:effectLst/>
+            </c:spPr>
+            <c:extLst>
+              <c:ext xmlns:c16="http://schemas.microsoft.com/office/drawing/2014/chart" uri="{C3380CC4-5D6E-409C-BE32-E72D297353CC}">
+                <c16:uniqueId val="{00000007-2667-424C-8DA3-A5101E7CA30C}"/>
+              </c:ext>
+            </c:extLst>
+          </c:dPt>
+          <c:dPt>
+            <c:idx val="4"/>
+            <c:bubble3D val="0"/>
+            <c:spPr>
+              <a:solidFill>
+                <a:schemeClr val="accent5"/>
+              </a:solidFill>
+              <a:ln w="19050">
+                <a:solidFill>
+                  <a:schemeClr val="lt1"/>
+                </a:solidFill>
+              </a:ln>
+              <a:effectLst/>
+            </c:spPr>
+            <c:extLst>
+              <c:ext xmlns:c16="http://schemas.microsoft.com/office/drawing/2014/chart" uri="{C3380CC4-5D6E-409C-BE32-E72D297353CC}">
+                <c16:uniqueId val="{00000009-2667-424C-8DA3-A5101E7CA30C}"/>
+              </c:ext>
+            </c:extLst>
+          </c:dPt>
+          <c:dPt>
+            <c:idx val="5"/>
+            <c:bubble3D val="0"/>
+            <c:spPr>
+              <a:solidFill>
+                <a:schemeClr val="accent6"/>
+              </a:solidFill>
+              <a:ln w="19050">
+                <a:solidFill>
+                  <a:schemeClr val="lt1"/>
+                </a:solidFill>
+              </a:ln>
+              <a:effectLst/>
+            </c:spPr>
+            <c:extLst>
+              <c:ext xmlns:c16="http://schemas.microsoft.com/office/drawing/2014/chart" uri="{C3380CC4-5D6E-409C-BE32-E72D297353CC}">
+                <c16:uniqueId val="{0000000B-2667-424C-8DA3-A5101E7CA30C}"/>
+              </c:ext>
+            </c:extLst>
+          </c:dPt>
+          <c:dPt>
+            <c:idx val="6"/>
+            <c:bubble3D val="0"/>
+            <c:spPr>
+              <a:solidFill>
+                <a:schemeClr val="accent1">
+                  <a:lumMod val="60000"/>
+                </a:schemeClr>
+              </a:solidFill>
+              <a:ln w="19050">
+                <a:solidFill>
+                  <a:schemeClr val="lt1"/>
+                </a:solidFill>
+              </a:ln>
+              <a:effectLst/>
+            </c:spPr>
+            <c:extLst>
+              <c:ext xmlns:c16="http://schemas.microsoft.com/office/drawing/2014/chart" uri="{C3380CC4-5D6E-409C-BE32-E72D297353CC}">
+                <c16:uniqueId val="{0000000D-2667-424C-8DA3-A5101E7CA30C}"/>
+              </c:ext>
+            </c:extLst>
+          </c:dPt>
+          <c:dPt>
+            <c:idx val="7"/>
+            <c:bubble3D val="0"/>
+            <c:spPr>
+              <a:solidFill>
+                <a:schemeClr val="accent2">
+                  <a:lumMod val="60000"/>
+                </a:schemeClr>
+              </a:solidFill>
+              <a:ln w="19050">
+                <a:solidFill>
+                  <a:schemeClr val="lt1"/>
+                </a:solidFill>
+              </a:ln>
+              <a:effectLst/>
+            </c:spPr>
+            <c:extLst>
+              <c:ext xmlns:c16="http://schemas.microsoft.com/office/drawing/2014/chart" uri="{C3380CC4-5D6E-409C-BE32-E72D297353CC}">
+                <c16:uniqueId val="{0000000F-2667-424C-8DA3-A5101E7CA30C}"/>
+              </c:ext>
+            </c:extLst>
+          </c:dPt>
+          <c:dPt>
+            <c:idx val="8"/>
+            <c:bubble3D val="0"/>
+            <c:spPr>
+              <a:solidFill>
+                <a:schemeClr val="accent3">
+                  <a:lumMod val="60000"/>
+                </a:schemeClr>
+              </a:solidFill>
+              <a:ln w="19050">
+                <a:solidFill>
+                  <a:schemeClr val="lt1"/>
+                </a:solidFill>
+              </a:ln>
+              <a:effectLst/>
+            </c:spPr>
+            <c:extLst>
+              <c:ext xmlns:c16="http://schemas.microsoft.com/office/drawing/2014/chart" uri="{C3380CC4-5D6E-409C-BE32-E72D297353CC}">
+                <c16:uniqueId val="{00000011-2667-424C-8DA3-A5101E7CA30C}"/>
+              </c:ext>
+            </c:extLst>
+          </c:dPt>
+          <c:dPt>
+            <c:idx val="9"/>
+            <c:bubble3D val="0"/>
+            <c:spPr>
+              <a:solidFill>
+                <a:schemeClr val="accent4">
+                  <a:lumMod val="60000"/>
+                </a:schemeClr>
+              </a:solidFill>
+              <a:ln w="19050">
+                <a:solidFill>
+                  <a:schemeClr val="lt1"/>
+                </a:solidFill>
+              </a:ln>
+              <a:effectLst/>
+            </c:spPr>
+            <c:extLst>
+              <c:ext xmlns:c16="http://schemas.microsoft.com/office/drawing/2014/chart" uri="{C3380CC4-5D6E-409C-BE32-E72D297353CC}">
+                <c16:uniqueId val="{00000013-2667-424C-8DA3-A5101E7CA30C}"/>
+              </c:ext>
+            </c:extLst>
+          </c:dPt>
+          <c:dLbls>
+            <c:dLbl>
+              <c:idx val="0"/>
+              <c:spPr>
+                <a:noFill/>
+                <a:ln>
+                  <a:noFill/>
+                </a:ln>
+                <a:effectLst/>
+              </c:spPr>
+              <c:txPr>
+                <a:bodyPr rot="0" spcFirstLastPara="1" vertOverflow="ellipsis" vert="horz" wrap="square" lIns="38100" tIns="19050" rIns="38100" bIns="19050" anchor="ctr" anchorCtr="1">
+                  <a:spAutoFit/>
+                </a:bodyPr>
+                <a:lstStyle/>
+                <a:p>
+                  <a:pPr>
+                    <a:defRPr sz="900" b="0" i="0" u="none" strike="noStrike" kern="1200" baseline="0">
+                      <a:solidFill>
+                        <a:schemeClr val="bg1"/>
+                      </a:solidFill>
+                      <a:latin typeface="+mn-lt"/>
+                      <a:ea typeface="+mn-ea"/>
+                      <a:cs typeface="+mn-cs"/>
+                    </a:defRPr>
+                  </a:pPr>
+                  <a:endParaRPr lang="de-DE"/>
+                </a:p>
+              </c:txPr>
+              <c:showLegendKey val="0"/>
+              <c:showVal val="0"/>
+              <c:showCatName val="0"/>
+              <c:showSerName val="0"/>
+              <c:showPercent val="1"/>
+              <c:showBubbleSize val="0"/>
+              <c:extLst>
+                <c:ext xmlns:c16="http://schemas.microsoft.com/office/drawing/2014/chart" uri="{C3380CC4-5D6E-409C-BE32-E72D297353CC}">
+                  <c16:uniqueId val="{00000001-2667-424C-8DA3-A5101E7CA30C}"/>
+                </c:ext>
+              </c:extLst>
+            </c:dLbl>
+            <c:dLbl>
+              <c:idx val="1"/>
+              <c:spPr>
+                <a:noFill/>
+                <a:ln>
+                  <a:noFill/>
+                </a:ln>
+                <a:effectLst/>
+              </c:spPr>
+              <c:txPr>
+                <a:bodyPr rot="0" spcFirstLastPara="1" vertOverflow="ellipsis" vert="horz" wrap="square" lIns="38100" tIns="19050" rIns="38100" bIns="19050" anchor="ctr" anchorCtr="1">
+                  <a:spAutoFit/>
+                </a:bodyPr>
+                <a:lstStyle/>
+                <a:p>
+                  <a:pPr>
+                    <a:defRPr sz="900" b="0" i="0" u="none" strike="noStrike" kern="1200" baseline="0">
+                      <a:solidFill>
+                        <a:schemeClr val="bg1"/>
+                      </a:solidFill>
+                      <a:latin typeface="+mn-lt"/>
+                      <a:ea typeface="+mn-ea"/>
+                      <a:cs typeface="+mn-cs"/>
+                    </a:defRPr>
+                  </a:pPr>
+                  <a:endParaRPr lang="de-DE"/>
+                </a:p>
+              </c:txPr>
+              <c:showLegendKey val="0"/>
+              <c:showVal val="0"/>
+              <c:showCatName val="0"/>
+              <c:showSerName val="0"/>
+              <c:showPercent val="1"/>
+              <c:showBubbleSize val="0"/>
+              <c:extLst>
+                <c:ext xmlns:c16="http://schemas.microsoft.com/office/drawing/2014/chart" uri="{C3380CC4-5D6E-409C-BE32-E72D297353CC}">
+                  <c16:uniqueId val="{00000003-2667-424C-8DA3-A5101E7CA30C}"/>
+                </c:ext>
+              </c:extLst>
+            </c:dLbl>
+            <c:dLbl>
+              <c:idx val="2"/>
+              <c:spPr>
+                <a:noFill/>
+                <a:ln>
+                  <a:noFill/>
+                </a:ln>
+                <a:effectLst/>
+              </c:spPr>
+              <c:txPr>
+                <a:bodyPr rot="0" spcFirstLastPara="1" vertOverflow="ellipsis" vert="horz" wrap="square" lIns="38100" tIns="19050" rIns="38100" bIns="19050" anchor="ctr" anchorCtr="1">
+                  <a:spAutoFit/>
+                </a:bodyPr>
+                <a:lstStyle/>
+                <a:p>
+                  <a:pPr>
+                    <a:defRPr sz="900" b="0" i="0" u="none" strike="noStrike" kern="1200" baseline="0">
+                      <a:solidFill>
+                        <a:schemeClr val="bg1"/>
+                      </a:solidFill>
+                      <a:latin typeface="+mn-lt"/>
+                      <a:ea typeface="+mn-ea"/>
+                      <a:cs typeface="+mn-cs"/>
+                    </a:defRPr>
+                  </a:pPr>
+                  <a:endParaRPr lang="de-DE"/>
+                </a:p>
+              </c:txPr>
+              <c:showLegendKey val="0"/>
+              <c:showVal val="0"/>
+              <c:showCatName val="0"/>
+              <c:showSerName val="0"/>
+              <c:showPercent val="1"/>
+              <c:showBubbleSize val="0"/>
+              <c:extLst>
+                <c:ext xmlns:c16="http://schemas.microsoft.com/office/drawing/2014/chart" uri="{C3380CC4-5D6E-409C-BE32-E72D297353CC}">
+                  <c16:uniqueId val="{00000005-2667-424C-8DA3-A5101E7CA30C}"/>
+                </c:ext>
+              </c:extLst>
+            </c:dLbl>
+            <c:dLbl>
+              <c:idx val="6"/>
+              <c:spPr>
+                <a:noFill/>
+                <a:ln>
+                  <a:noFill/>
+                </a:ln>
+                <a:effectLst/>
+              </c:spPr>
+              <c:txPr>
+                <a:bodyPr rot="0" spcFirstLastPara="1" vertOverflow="ellipsis" vert="horz" wrap="square" lIns="38100" tIns="19050" rIns="38100" bIns="19050" anchor="ctr" anchorCtr="1">
+                  <a:spAutoFit/>
+                </a:bodyPr>
+                <a:lstStyle/>
+                <a:p>
+                  <a:pPr>
+                    <a:defRPr sz="900" b="0" i="0" u="none" strike="noStrike" kern="1200" baseline="0">
+                      <a:solidFill>
+                        <a:schemeClr val="bg1"/>
+                      </a:solidFill>
+                      <a:latin typeface="+mn-lt"/>
+                      <a:ea typeface="+mn-ea"/>
+                      <a:cs typeface="+mn-cs"/>
+                    </a:defRPr>
+                  </a:pPr>
+                  <a:endParaRPr lang="de-DE"/>
+                </a:p>
+              </c:txPr>
+              <c:showLegendKey val="0"/>
+              <c:showVal val="0"/>
+              <c:showCatName val="0"/>
+              <c:showSerName val="0"/>
+              <c:showPercent val="1"/>
+              <c:showBubbleSize val="0"/>
+              <c:extLst>
+                <c:ext xmlns:c16="http://schemas.microsoft.com/office/drawing/2014/chart" uri="{C3380CC4-5D6E-409C-BE32-E72D297353CC}">
+                  <c16:uniqueId val="{0000000D-2667-424C-8DA3-A5101E7CA30C}"/>
+                </c:ext>
+              </c:extLst>
+            </c:dLbl>
+            <c:dLbl>
+              <c:idx val="7"/>
+              <c:spPr>
+                <a:noFill/>
+                <a:ln>
+                  <a:noFill/>
+                </a:ln>
+                <a:effectLst/>
+              </c:spPr>
+              <c:txPr>
+                <a:bodyPr rot="0" spcFirstLastPara="1" vertOverflow="ellipsis" vert="horz" wrap="square" lIns="38100" tIns="19050" rIns="38100" bIns="19050" anchor="ctr" anchorCtr="1">
+                  <a:spAutoFit/>
+                </a:bodyPr>
+                <a:lstStyle/>
+                <a:p>
+                  <a:pPr>
+                    <a:defRPr sz="900" b="0" i="0" u="none" strike="noStrike" kern="1200" baseline="0">
+                      <a:solidFill>
+                        <a:schemeClr val="bg1"/>
+                      </a:solidFill>
+                      <a:latin typeface="+mn-lt"/>
+                      <a:ea typeface="+mn-ea"/>
+                      <a:cs typeface="+mn-cs"/>
+                    </a:defRPr>
+                  </a:pPr>
+                  <a:endParaRPr lang="de-DE"/>
+                </a:p>
+              </c:txPr>
+              <c:showLegendKey val="0"/>
+              <c:showVal val="0"/>
+              <c:showCatName val="0"/>
+              <c:showSerName val="0"/>
+              <c:showPercent val="1"/>
+              <c:showBubbleSize val="0"/>
+              <c:extLst>
+                <c:ext xmlns:c16="http://schemas.microsoft.com/office/drawing/2014/chart" uri="{C3380CC4-5D6E-409C-BE32-E72D297353CC}">
+                  <c16:uniqueId val="{0000000F-2667-424C-8DA3-A5101E7CA30C}"/>
+                </c:ext>
+              </c:extLst>
+            </c:dLbl>
+            <c:spPr>
+              <a:noFill/>
+              <a:ln>
+                <a:noFill/>
+              </a:ln>
+              <a:effectLst/>
+            </c:spPr>
+            <c:txPr>
+              <a:bodyPr rot="0" spcFirstLastPara="1" vertOverflow="ellipsis" vert="horz" wrap="square" lIns="38100" tIns="19050" rIns="38100" bIns="19050" anchor="ctr" anchorCtr="1">
+                <a:spAutoFit/>
+              </a:bodyPr>
+              <a:lstStyle/>
+              <a:p>
+                <a:pPr>
+                  <a:defRPr sz="900" b="0" i="0" u="none" strike="noStrike" kern="1200" baseline="0">
+                    <a:solidFill>
+                      <a:schemeClr val="tx1">
+                        <a:lumMod val="75000"/>
+                        <a:lumOff val="25000"/>
+                      </a:schemeClr>
+                    </a:solidFill>
+                    <a:latin typeface="+mn-lt"/>
+                    <a:ea typeface="+mn-ea"/>
+                    <a:cs typeface="+mn-cs"/>
+                  </a:defRPr>
+                </a:pPr>
+                <a:endParaRPr lang="de-DE"/>
+              </a:p>
+            </c:txPr>
+            <c:showLegendKey val="0"/>
+            <c:showVal val="0"/>
+            <c:showCatName val="0"/>
+            <c:showSerName val="0"/>
+            <c:showPercent val="1"/>
+            <c:showBubbleSize val="0"/>
+            <c:showLeaderLines val="1"/>
+            <c:leaderLines>
+              <c:spPr>
+                <a:ln w="9525" cap="flat" cmpd="sng" algn="ctr">
+                  <a:solidFill>
+                    <a:schemeClr val="tx1">
+                      <a:lumMod val="35000"/>
+                      <a:lumOff val="65000"/>
+                    </a:schemeClr>
+                  </a:solidFill>
+                  <a:round/>
+                </a:ln>
+                <a:effectLst/>
+              </c:spPr>
+            </c:leaderLines>
+            <c:extLst>
+              <c:ext xmlns:c15="http://schemas.microsoft.com/office/drawing/2012/chart" uri="{CE6537A1-D6FC-4f65-9D91-7224C49458BB}"/>
+            </c:extLst>
+          </c:dLbls>
+          <c:cat>
+            <c:strRef>
+              <c:f>Tabelle1!$B$3:$B$12</c:f>
+              <c:strCache>
+                <c:ptCount val="10"/>
+                <c:pt idx="0">
+                  <c:v>Projektplanung</c:v>
+                </c:pt>
+                <c:pt idx="1">
+                  <c:v>Scrum-Master Gehalt</c:v>
+                </c:pt>
+                <c:pt idx="2">
+                  <c:v>Developer Gehalt</c:v>
+                </c:pt>
+                <c:pt idx="3">
+                  <c:v>Hardware Kosten</c:v>
+                </c:pt>
+                <c:pt idx="4">
+                  <c:v>Software-Installation</c:v>
+                </c:pt>
+                <c:pt idx="5">
+                  <c:v>Datenbank-Installation</c:v>
+                </c:pt>
+                <c:pt idx="6">
+                  <c:v>Wartung Hardware (1 Jahr)</c:v>
+                </c:pt>
+                <c:pt idx="7">
+                  <c:v>Entwicklungssupport (1 Jahr)</c:v>
+                </c:pt>
+                <c:pt idx="8">
+                  <c:v>Schulungsmaterial</c:v>
+                </c:pt>
+                <c:pt idx="9">
+                  <c:v>Puffer</c:v>
+                </c:pt>
+              </c:strCache>
+            </c:strRef>
+          </c:cat>
+          <c:val>
+            <c:numRef>
+              <c:f>Tabelle1!$C$3:$C$12</c:f>
+              <c:numCache>
+                <c:formatCode>#,##0.00\ "€"</c:formatCode>
+                <c:ptCount val="10"/>
+                <c:pt idx="0">
+                  <c:v>6000</c:v>
+                </c:pt>
+                <c:pt idx="1">
+                  <c:v>30000</c:v>
+                </c:pt>
+                <c:pt idx="2">
+                  <c:v>48000</c:v>
+                </c:pt>
+                <c:pt idx="3">
+                  <c:v>3000</c:v>
+                </c:pt>
+                <c:pt idx="4">
+                  <c:v>1000</c:v>
+                </c:pt>
+                <c:pt idx="5">
+                  <c:v>500</c:v>
+                </c:pt>
+                <c:pt idx="6">
+                  <c:v>12000</c:v>
+                </c:pt>
+                <c:pt idx="7">
+                  <c:v>18000</c:v>
+                </c:pt>
+                <c:pt idx="8">
+                  <c:v>500</c:v>
+                </c:pt>
+                <c:pt idx="9">
+                  <c:v>1000</c:v>
+                </c:pt>
+              </c:numCache>
+            </c:numRef>
+          </c:val>
+          <c:extLst>
+            <c:ext xmlns:c16="http://schemas.microsoft.com/office/drawing/2014/chart" uri="{C3380CC4-5D6E-409C-BE32-E72D297353CC}">
+              <c16:uniqueId val="{00000014-2667-424C-8DA3-A5101E7CA30C}"/>
+            </c:ext>
+          </c:extLst>
+        </c:ser>
+        <c:dLbls>
+          <c:showLegendKey val="0"/>
+          <c:showVal val="0"/>
+          <c:showCatName val="0"/>
+          <c:showSerName val="0"/>
+          <c:showPercent val="0"/>
+          <c:showBubbleSize val="0"/>
+          <c:showLeaderLines val="1"/>
+        </c:dLbls>
+        <c:firstSliceAng val="0"/>
+      </c:pieChart>
+      <c:spPr>
+        <a:noFill/>
+        <a:ln>
+          <a:noFill/>
+        </a:ln>
+        <a:effectLst/>
+      </c:spPr>
+    </c:plotArea>
+    <c:plotVisOnly val="1"/>
+    <c:dispBlanksAs val="gap"/>
+    <c:extLst>
+      <c:ext xmlns:c16r3="http://schemas.microsoft.com/office/drawing/2017/03/chart" uri="{56B9EC1D-385E-4148-901F-78D8002777C0}">
+        <c16r3:dataDisplayOptions16>
+          <c16r3:dispNaAsBlank val="1"/>
+        </c16r3:dataDisplayOptions16>
+      </c:ext>
+    </c:extLst>
+    <c:showDLblsOverMax val="0"/>
+  </c:chart>
+  <c:spPr>
+    <a:noFill/>
+    <a:ln>
+      <a:noFill/>
+    </a:ln>
+    <a:effectLst/>
+  </c:spPr>
+  <c:txPr>
+    <a:bodyPr/>
+    <a:lstStyle/>
+    <a:p>
+      <a:pPr>
+        <a:defRPr/>
+      </a:pPr>
+      <a:endParaRPr lang="de-DE"/>
+    </a:p>
+  </c:txPr>
+  <c:externalData r:id="rId3">
+    <c:autoUpdate val="0"/>
+  </c:externalData>
+</c:chartSpace>
+</file>
+
+<file path=ppt/charts/colors1.xml><?xml version="1.0" encoding="utf-8"?>
+<cs:colorStyle xmlns:cs="http://schemas.microsoft.com/office/drawing/2012/chartStyle" xmlns:a="http://schemas.openxmlformats.org/drawingml/2006/main" meth="cycle" id="10">
+  <a:schemeClr val="accent1"/>
+  <a:schemeClr val="accent2"/>
+  <a:schemeClr val="accent3"/>
+  <a:schemeClr val="accent4"/>
+  <a:schemeClr val="accent5"/>
+  <a:schemeClr val="accent6"/>
+  <cs:variation/>
+  <cs:variation>
+    <a:lumMod val="60000"/>
+  </cs:variation>
+  <cs:variation>
+    <a:lumMod val="80000"/>
+    <a:lumOff val="20000"/>
+  </cs:variation>
+  <cs:variation>
+    <a:lumMod val="80000"/>
+  </cs:variation>
+  <cs:variation>
+    <a:lumMod val="60000"/>
+    <a:lumOff val="40000"/>
+  </cs:variation>
+  <cs:variation>
+    <a:lumMod val="50000"/>
+  </cs:variation>
+  <cs:variation>
+    <a:lumMod val="70000"/>
+    <a:lumOff val="30000"/>
+  </cs:variation>
+  <cs:variation>
+    <a:lumMod val="70000"/>
+  </cs:variation>
+  <cs:variation>
+    <a:lumMod val="50000"/>
+    <a:lumOff val="50000"/>
+  </cs:variation>
+</cs:colorStyle>
+</file>
+
+<file path=ppt/charts/colors2.xml><?xml version="1.0" encoding="utf-8"?>
+<cs:colorStyle xmlns:cs="http://schemas.microsoft.com/office/drawing/2012/chartStyle" xmlns:a="http://schemas.openxmlformats.org/drawingml/2006/main" meth="cycle" id="10">
+  <a:schemeClr val="accent1"/>
+  <a:schemeClr val="accent2"/>
+  <a:schemeClr val="accent3"/>
+  <a:schemeClr val="accent4"/>
+  <a:schemeClr val="accent5"/>
+  <a:schemeClr val="accent6"/>
+  <cs:variation/>
+  <cs:variation>
+    <a:lumMod val="60000"/>
+  </cs:variation>
+  <cs:variation>
+    <a:lumMod val="80000"/>
+    <a:lumOff val="20000"/>
+  </cs:variation>
+  <cs:variation>
+    <a:lumMod val="80000"/>
+  </cs:variation>
+  <cs:variation>
+    <a:lumMod val="60000"/>
+    <a:lumOff val="40000"/>
+  </cs:variation>
+  <cs:variation>
+    <a:lumMod val="50000"/>
+  </cs:variation>
+  <cs:variation>
+    <a:lumMod val="70000"/>
+    <a:lumOff val="30000"/>
+  </cs:variation>
+  <cs:variation>
+    <a:lumMod val="70000"/>
+  </cs:variation>
+  <cs:variation>
+    <a:lumMod val="50000"/>
+    <a:lumOff val="50000"/>
+  </cs:variation>
+</cs:colorStyle>
+</file>
+
+<file path=ppt/charts/style1.xml><?xml version="1.0" encoding="utf-8"?>
+<cs:chartStyle xmlns:cs="http://schemas.microsoft.com/office/drawing/2012/chartStyle" xmlns:a="http://schemas.openxmlformats.org/drawingml/2006/main" id="201">
+  <cs:axisTitle>
+    <cs:lnRef idx="0"/>
+    <cs:fillRef idx="0"/>
+    <cs:effectRef idx="0"/>
+    <cs:fontRef idx="minor">
+      <a:schemeClr val="tx1">
+        <a:lumMod val="65000"/>
+        <a:lumOff val="35000"/>
+      </a:schemeClr>
+    </cs:fontRef>
+    <cs:defRPr sz="1000" kern="1200"/>
+  </cs:axisTitle>
+  <cs:categoryAxis>
+    <cs:lnRef idx="0"/>
+    <cs:fillRef idx="0"/>
+    <cs:effectRef idx="0"/>
+    <cs:fontRef idx="minor">
+      <a:schemeClr val="tx1">
+        <a:lumMod val="65000"/>
+        <a:lumOff val="35000"/>
+      </a:schemeClr>
+    </cs:fontRef>
+    <cs:spPr>
+      <a:ln w="9525" cap="flat" cmpd="sng" algn="ctr">
+        <a:solidFill>
+          <a:schemeClr val="tx1">
+            <a:lumMod val="15000"/>
+            <a:lumOff val="85000"/>
+          </a:schemeClr>
+        </a:solidFill>
+        <a:round/>
+      </a:ln>
+    </cs:spPr>
+    <cs:defRPr sz="900" kern="1200"/>
+  </cs:categoryAxis>
+  <cs:chartArea mods="allowNoFillOverride allowNoLineOverride">
+    <cs:lnRef idx="0"/>
+    <cs:fillRef idx="0"/>
+    <cs:effectRef idx="0"/>
+    <cs:fontRef idx="minor">
+      <a:schemeClr val="tx1"/>
+    </cs:fontRef>
+    <cs:spPr>
+      <a:solidFill>
+        <a:schemeClr val="bg1"/>
+      </a:solidFill>
+      <a:ln w="9525" cap="flat" cmpd="sng" algn="ctr">
+        <a:solidFill>
+          <a:schemeClr val="tx1">
+            <a:lumMod val="15000"/>
+            <a:lumOff val="85000"/>
+          </a:schemeClr>
+        </a:solidFill>
+        <a:round/>
+      </a:ln>
+    </cs:spPr>
+    <cs:defRPr sz="1000" kern="1200"/>
+  </cs:chartArea>
+  <cs:dataLabel>
+    <cs:lnRef idx="0"/>
+    <cs:fillRef idx="0"/>
+    <cs:effectRef idx="0"/>
+    <cs:fontRef idx="minor">
+      <a:schemeClr val="tx1">
+        <a:lumMod val="75000"/>
+        <a:lumOff val="25000"/>
+      </a:schemeClr>
+    </cs:fontRef>
+    <cs:defRPr sz="900" kern="1200"/>
+  </cs:dataLabel>
+  <cs:dataLabelCallout>
+    <cs:lnRef idx="0"/>
+    <cs:fillRef idx="0"/>
+    <cs:effectRef idx="0"/>
+    <cs:fontRef idx="minor">
+      <a:schemeClr val="dk1">
+        <a:lumMod val="65000"/>
+        <a:lumOff val="35000"/>
+      </a:schemeClr>
+    </cs:fontRef>
+    <cs:spPr>
+      <a:solidFill>
+        <a:schemeClr val="lt1"/>
+      </a:solidFill>
+      <a:ln>
+        <a:solidFill>
+          <a:schemeClr val="dk1">
+            <a:lumMod val="25000"/>
+            <a:lumOff val="75000"/>
+          </a:schemeClr>
+        </a:solidFill>
+      </a:ln>
+    </cs:spPr>
+    <cs:defRPr sz="900" kern="1200"/>
+    <cs:bodyPr rot="0" spcFirstLastPara="1" vertOverflow="clip" horzOverflow="clip" vert="horz" wrap="square" lIns="36576" tIns="18288" rIns="36576" bIns="18288" anchor="ctr" anchorCtr="1">
+      <a:spAutoFit/>
+    </cs:bodyPr>
+  </cs:dataLabelCallout>
+  <cs:dataPoint>
+    <cs:lnRef idx="0"/>
+    <cs:fillRef idx="1">
+      <cs:styleClr val="auto"/>
+    </cs:fillRef>
+    <cs:effectRef idx="0"/>
+    <cs:fontRef idx="minor">
+      <a:schemeClr val="tx1"/>
+    </cs:fontRef>
+  </cs:dataPoint>
+  <cs:dataPoint3D>
+    <cs:lnRef idx="0"/>
+    <cs:fillRef idx="1">
+      <cs:styleClr val="auto"/>
+    </cs:fillRef>
+    <cs:effectRef idx="0"/>
+    <cs:fontRef idx="minor">
+      <a:schemeClr val="tx1"/>
+    </cs:fontRef>
+  </cs:dataPoint3D>
+  <cs:dataPointLine>
+    <cs:lnRef idx="0">
+      <cs:styleClr val="auto"/>
+    </cs:lnRef>
+    <cs:fillRef idx="1"/>
+    <cs:effectRef idx="0"/>
+    <cs:fontRef idx="minor">
+      <a:schemeClr val="tx1"/>
+    </cs:fontRef>
+    <cs:spPr>
+      <a:ln w="28575" cap="rnd">
+        <a:solidFill>
+          <a:schemeClr val="phClr"/>
+        </a:solidFill>
+        <a:round/>
+      </a:ln>
+    </cs:spPr>
+  </cs:dataPointLine>
+  <cs:dataPointMarker>
+    <cs:lnRef idx="0">
+      <cs:styleClr val="auto"/>
+    </cs:lnRef>
+    <cs:fillRef idx="1">
+      <cs:styleClr val="auto"/>
+    </cs:fillRef>
+    <cs:effectRef idx="0"/>
+    <cs:fontRef idx="minor">
+      <a:schemeClr val="tx1"/>
+    </cs:fontRef>
+    <cs:spPr>
+      <a:ln w="9525">
+        <a:solidFill>
+          <a:schemeClr val="phClr"/>
+        </a:solidFill>
+      </a:ln>
+    </cs:spPr>
+  </cs:dataPointMarker>
+  <cs:dataPointMarkerLayout symbol="circle" size="5"/>
+  <cs:dataPointWireframe>
+    <cs:lnRef idx="0">
+      <cs:styleClr val="auto"/>
+    </cs:lnRef>
+    <cs:fillRef idx="1"/>
+    <cs:effectRef idx="0"/>
+    <cs:fontRef idx="minor">
+      <a:schemeClr val="tx1"/>
+    </cs:fontRef>
+    <cs:spPr>
+      <a:ln w="9525" cap="rnd">
+        <a:solidFill>
+          <a:schemeClr val="phClr"/>
+        </a:solidFill>
+        <a:round/>
+      </a:ln>
+    </cs:spPr>
+  </cs:dataPointWireframe>
+  <cs:dataTable>
+    <cs:lnRef idx="0"/>
+    <cs:fillRef idx="0"/>
+    <cs:effectRef idx="0"/>
+    <cs:fontRef idx="minor">
+      <a:schemeClr val="tx1">
+        <a:lumMod val="65000"/>
+        <a:lumOff val="35000"/>
+      </a:schemeClr>
+    </cs:fontRef>
+    <cs:spPr>
+      <a:noFill/>
+      <a:ln w="9525" cap="flat" cmpd="sng" algn="ctr">
+        <a:solidFill>
+          <a:schemeClr val="tx1">
+            <a:lumMod val="15000"/>
+            <a:lumOff val="85000"/>
+          </a:schemeClr>
+        </a:solidFill>
+        <a:round/>
+      </a:ln>
+    </cs:spPr>
+    <cs:defRPr sz="900" kern="1200"/>
+  </cs:dataTable>
+  <cs:downBar>
+    <cs:lnRef idx="0"/>
+    <cs:fillRef idx="0"/>
+    <cs:effectRef idx="0"/>
+    <cs:fontRef idx="minor">
+      <a:schemeClr val="dk1"/>
+    </cs:fontRef>
+    <cs:spPr>
+      <a:solidFill>
+        <a:schemeClr val="dk1">
+          <a:lumMod val="65000"/>
+          <a:lumOff val="35000"/>
+        </a:schemeClr>
+      </a:solidFill>
+      <a:ln w="9525">
+        <a:solidFill>
+          <a:schemeClr val="tx1">
+            <a:lumMod val="65000"/>
+            <a:lumOff val="35000"/>
+          </a:schemeClr>
+        </a:solidFill>
+      </a:ln>
+    </cs:spPr>
+  </cs:downBar>
+  <cs:dropLine>
+    <cs:lnRef idx="0"/>
+    <cs:fillRef idx="0"/>
+    <cs:effectRef idx="0"/>
+    <cs:fontRef idx="minor">
+      <a:schemeClr val="tx1"/>
+    </cs:fontRef>
+    <cs:spPr>
+      <a:ln w="9525" cap="flat" cmpd="sng" algn="ctr">
+        <a:solidFill>
+          <a:schemeClr val="tx1">
+            <a:lumMod val="35000"/>
+            <a:lumOff val="65000"/>
+          </a:schemeClr>
+        </a:solidFill>
+        <a:round/>
+      </a:ln>
+    </cs:spPr>
+  </cs:dropLine>
+  <cs:errorBar>
+    <cs:lnRef idx="0"/>
+    <cs:fillRef idx="0"/>
+    <cs:effectRef idx="0"/>
+    <cs:fontRef idx="minor">
+      <a:schemeClr val="tx1"/>
+    </cs:fontRef>
+    <cs:spPr>
+      <a:ln w="9525" cap="flat" cmpd="sng" algn="ctr">
+        <a:solidFill>
+          <a:schemeClr val="tx1">
+            <a:lumMod val="65000"/>
+            <a:lumOff val="35000"/>
+          </a:schemeClr>
+        </a:solidFill>
+        <a:round/>
+      </a:ln>
+    </cs:spPr>
+  </cs:errorBar>
+  <cs:floor>
+    <cs:lnRef idx="0"/>
+    <cs:fillRef idx="0"/>
+    <cs:effectRef idx="0"/>
+    <cs:fontRef idx="minor">
+      <a:schemeClr val="tx1"/>
+    </cs:fontRef>
+    <cs:spPr>
+      <a:noFill/>
+      <a:ln>
+        <a:noFill/>
+      </a:ln>
+    </cs:spPr>
+  </cs:floor>
+  <cs:gridlineMajor>
+    <cs:lnRef idx="0"/>
+    <cs:fillRef idx="0"/>
+    <cs:effectRef idx="0"/>
+    <cs:fontRef idx="minor">
+      <a:schemeClr val="tx1"/>
+    </cs:fontRef>
+    <cs:spPr>
+      <a:ln w="9525" cap="flat" cmpd="sng" algn="ctr">
+        <a:solidFill>
+          <a:schemeClr val="tx1">
+            <a:lumMod val="15000"/>
+            <a:lumOff val="85000"/>
+          </a:schemeClr>
+        </a:solidFill>
+        <a:round/>
+      </a:ln>
+    </cs:spPr>
+  </cs:gridlineMajor>
+  <cs:gridlineMinor>
+    <cs:lnRef idx="0"/>
+    <cs:fillRef idx="0"/>
+    <cs:effectRef idx="0"/>
+    <cs:fontRef idx="minor">
+      <a:schemeClr val="tx1"/>
+    </cs:fontRef>
+    <cs:spPr>
+      <a:ln w="9525" cap="flat" cmpd="sng" algn="ctr">
+        <a:solidFill>
+          <a:schemeClr val="tx1">
+            <a:lumMod val="5000"/>
+            <a:lumOff val="95000"/>
+          </a:schemeClr>
+        </a:solidFill>
+        <a:round/>
+      </a:ln>
+    </cs:spPr>
+  </cs:gridlineMinor>
+  <cs:hiLoLine>
+    <cs:lnRef idx="0"/>
+    <cs:fillRef idx="0"/>
+    <cs:effectRef idx="0"/>
+    <cs:fontRef idx="minor">
+      <a:schemeClr val="tx1"/>
+    </cs:fontRef>
+    <cs:spPr>
+      <a:ln w="9525" cap="flat" cmpd="sng" algn="ctr">
+        <a:solidFill>
+          <a:schemeClr val="tx1">
+            <a:lumMod val="75000"/>
+            <a:lumOff val="25000"/>
+          </a:schemeClr>
+        </a:solidFill>
+        <a:round/>
+      </a:ln>
+    </cs:spPr>
+  </cs:hiLoLine>
+  <cs:leaderLine>
+    <cs:lnRef idx="0"/>
+    <cs:fillRef idx="0"/>
+    <cs:effectRef idx="0"/>
+    <cs:fontRef idx="minor">
+      <a:schemeClr val="tx1"/>
+    </cs:fontRef>
+    <cs:spPr>
+      <a:ln w="9525" cap="flat" cmpd="sng" algn="ctr">
+        <a:solidFill>
+          <a:schemeClr val="tx1">
+            <a:lumMod val="35000"/>
+            <a:lumOff val="65000"/>
+          </a:schemeClr>
+        </a:solidFill>
+        <a:round/>
+      </a:ln>
+    </cs:spPr>
+  </cs:leaderLine>
+  <cs:legend>
+    <cs:lnRef idx="0"/>
+    <cs:fillRef idx="0"/>
+    <cs:effectRef idx="0"/>
+    <cs:fontRef idx="minor">
+      <a:schemeClr val="tx1">
+        <a:lumMod val="65000"/>
+        <a:lumOff val="35000"/>
+      </a:schemeClr>
+    </cs:fontRef>
+    <cs:defRPr sz="900" kern="1200"/>
+  </cs:legend>
+  <cs:plotArea mods="allowNoFillOverride allowNoLineOverride">
+    <cs:lnRef idx="0"/>
+    <cs:fillRef idx="0"/>
+    <cs:effectRef idx="0"/>
+    <cs:fontRef idx="minor">
+      <a:schemeClr val="tx1"/>
+    </cs:fontRef>
+  </cs:plotArea>
+  <cs:plotArea3D mods="allowNoFillOverride allowNoLineOverride">
+    <cs:lnRef idx="0"/>
+    <cs:fillRef idx="0"/>
+    <cs:effectRef idx="0"/>
+    <cs:fontRef idx="minor">
+      <a:schemeClr val="tx1"/>
+    </cs:fontRef>
+  </cs:plotArea3D>
+  <cs:seriesAxis>
+    <cs:lnRef idx="0"/>
+    <cs:fillRef idx="0"/>
+    <cs:effectRef idx="0"/>
+    <cs:fontRef idx="minor">
+      <a:schemeClr val="tx1">
+        <a:lumMod val="65000"/>
+        <a:lumOff val="35000"/>
+      </a:schemeClr>
+    </cs:fontRef>
+    <cs:defRPr sz="900" kern="1200"/>
+  </cs:seriesAxis>
+  <cs:seriesLine>
+    <cs:lnRef idx="0"/>
+    <cs:fillRef idx="0"/>
+    <cs:effectRef idx="0"/>
+    <cs:fontRef idx="minor">
+      <a:schemeClr val="tx1"/>
+    </cs:fontRef>
+    <cs:spPr>
+      <a:ln w="9525" cap="flat" cmpd="sng" algn="ctr">
+        <a:solidFill>
+          <a:schemeClr val="tx1">
+            <a:lumMod val="35000"/>
+            <a:lumOff val="65000"/>
+          </a:schemeClr>
+        </a:solidFill>
+        <a:round/>
+      </a:ln>
+    </cs:spPr>
+  </cs:seriesLine>
+  <cs:title>
+    <cs:lnRef idx="0"/>
+    <cs:fillRef idx="0"/>
+    <cs:effectRef idx="0"/>
+    <cs:fontRef idx="minor">
+      <a:schemeClr val="tx1">
+        <a:lumMod val="65000"/>
+        <a:lumOff val="35000"/>
+      </a:schemeClr>
+    </cs:fontRef>
+    <cs:defRPr sz="1400" b="0" kern="1200" spc="0" baseline="0"/>
+  </cs:title>
+  <cs:trendline>
+    <cs:lnRef idx="0">
+      <cs:styleClr val="auto"/>
+    </cs:lnRef>
+    <cs:fillRef idx="0"/>
+    <cs:effectRef idx="0"/>
+    <cs:fontRef idx="minor">
+      <a:schemeClr val="tx1"/>
+    </cs:fontRef>
+    <cs:spPr>
+      <a:ln w="19050" cap="rnd">
+        <a:solidFill>
+          <a:schemeClr val="phClr"/>
+        </a:solidFill>
+        <a:prstDash val="sysDot"/>
+      </a:ln>
+    </cs:spPr>
+  </cs:trendline>
+  <cs:trendlineLabel>
+    <cs:lnRef idx="0"/>
+    <cs:fillRef idx="0"/>
+    <cs:effectRef idx="0"/>
+    <cs:fontRef idx="minor">
+      <a:schemeClr val="tx1">
+        <a:lumMod val="65000"/>
+        <a:lumOff val="35000"/>
+      </a:schemeClr>
+    </cs:fontRef>
+    <cs:defRPr sz="900" kern="1200"/>
+  </cs:trendlineLabel>
+  <cs:upBar>
+    <cs:lnRef idx="0"/>
+    <cs:fillRef idx="0"/>
+    <cs:effectRef idx="0"/>
+    <cs:fontRef idx="minor">
+      <a:schemeClr val="dk1"/>
+    </cs:fontRef>
+    <cs:spPr>
+      <a:solidFill>
+        <a:schemeClr val="lt1"/>
+      </a:solidFill>
+      <a:ln w="9525">
+        <a:solidFill>
+          <a:schemeClr val="tx1">
+            <a:lumMod val="15000"/>
+            <a:lumOff val="85000"/>
+          </a:schemeClr>
+        </a:solidFill>
+      </a:ln>
+    </cs:spPr>
+  </cs:upBar>
+  <cs:valueAxis>
+    <cs:lnRef idx="0"/>
+    <cs:fillRef idx="0"/>
+    <cs:effectRef idx="0"/>
+    <cs:fontRef idx="minor">
+      <a:schemeClr val="tx1">
+        <a:lumMod val="65000"/>
+        <a:lumOff val="35000"/>
+      </a:schemeClr>
+    </cs:fontRef>
+    <cs:defRPr sz="900" kern="1200"/>
+  </cs:valueAxis>
+  <cs:wall>
+    <cs:lnRef idx="0"/>
+    <cs:fillRef idx="0"/>
+    <cs:effectRef idx="0"/>
+    <cs:fontRef idx="minor">
+      <a:schemeClr val="tx1"/>
+    </cs:fontRef>
+    <cs:spPr>
+      <a:noFill/>
+      <a:ln>
+        <a:noFill/>
+      </a:ln>
+    </cs:spPr>
+  </cs:wall>
+</cs:chartStyle>
+</file>
+
+<file path=ppt/charts/style2.xml><?xml version="1.0" encoding="utf-8"?>
+<cs:chartStyle xmlns:cs="http://schemas.microsoft.com/office/drawing/2012/chartStyle" xmlns:a="http://schemas.openxmlformats.org/drawingml/2006/main" id="251">
+  <cs:axisTitle>
+    <cs:lnRef idx="0"/>
+    <cs:fillRef idx="0"/>
+    <cs:effectRef idx="0"/>
+    <cs:fontRef idx="minor">
+      <a:schemeClr val="tx1">
+        <a:lumMod val="65000"/>
+        <a:lumOff val="35000"/>
+      </a:schemeClr>
+    </cs:fontRef>
+    <cs:defRPr sz="1000" kern="1200"/>
+  </cs:axisTitle>
+  <cs:categoryAxis>
+    <cs:lnRef idx="0"/>
+    <cs:fillRef idx="0"/>
+    <cs:effectRef idx="0"/>
+    <cs:fontRef idx="minor">
+      <a:schemeClr val="tx1">
+        <a:lumMod val="65000"/>
+        <a:lumOff val="35000"/>
+      </a:schemeClr>
+    </cs:fontRef>
+    <cs:spPr>
+      <a:ln w="9525" cap="flat" cmpd="sng" algn="ctr">
+        <a:solidFill>
+          <a:schemeClr val="tx1">
+            <a:lumMod val="15000"/>
+            <a:lumOff val="85000"/>
+          </a:schemeClr>
+        </a:solidFill>
+        <a:round/>
+      </a:ln>
+    </cs:spPr>
+    <cs:defRPr sz="900" kern="1200"/>
+  </cs:categoryAxis>
+  <cs:chartArea mods="allowNoFillOverride allowNoLineOverride">
+    <cs:lnRef idx="0"/>
+    <cs:fillRef idx="0"/>
+    <cs:effectRef idx="0"/>
+    <cs:fontRef idx="minor">
+      <a:schemeClr val="tx1"/>
+    </cs:fontRef>
+    <cs:spPr>
+      <a:solidFill>
+        <a:schemeClr val="bg1"/>
+      </a:solidFill>
+      <a:ln w="9525" cap="flat" cmpd="sng" algn="ctr">
+        <a:solidFill>
+          <a:schemeClr val="tx1">
+            <a:lumMod val="15000"/>
+            <a:lumOff val="85000"/>
+          </a:schemeClr>
+        </a:solidFill>
+        <a:round/>
+      </a:ln>
+    </cs:spPr>
+    <cs:defRPr sz="900" kern="1200"/>
+  </cs:chartArea>
+  <cs:dataLabel>
+    <cs:lnRef idx="0"/>
+    <cs:fillRef idx="0"/>
+    <cs:effectRef idx="0"/>
+    <cs:fontRef idx="minor">
+      <a:schemeClr val="tx1">
+        <a:lumMod val="75000"/>
+        <a:lumOff val="25000"/>
+      </a:schemeClr>
+    </cs:fontRef>
+    <cs:defRPr sz="900" kern="1200"/>
+  </cs:dataLabel>
+  <cs:dataLabelCallout>
+    <cs:lnRef idx="0"/>
+    <cs:fillRef idx="0"/>
+    <cs:effectRef idx="0"/>
+    <cs:fontRef idx="minor">
+      <a:schemeClr val="dk1">
+        <a:lumMod val="65000"/>
+        <a:lumOff val="35000"/>
+      </a:schemeClr>
+    </cs:fontRef>
+    <cs:spPr>
+      <a:solidFill>
+        <a:schemeClr val="lt1"/>
+      </a:solidFill>
+      <a:ln>
+        <a:solidFill>
+          <a:schemeClr val="dk1">
+            <a:lumMod val="25000"/>
+            <a:lumOff val="75000"/>
+          </a:schemeClr>
+        </a:solidFill>
+      </a:ln>
+    </cs:spPr>
+    <cs:defRPr sz="900" kern="1200"/>
+    <cs:bodyPr rot="0" spcFirstLastPara="1" vertOverflow="clip" horzOverflow="clip" vert="horz" wrap="square" lIns="36576" tIns="18288" rIns="36576" bIns="18288" anchor="ctr" anchorCtr="1">
+      <a:spAutoFit/>
+    </cs:bodyPr>
+  </cs:dataLabelCallout>
+  <cs:dataPoint>
+    <cs:lnRef idx="0"/>
+    <cs:fillRef idx="1">
+      <cs:styleClr val="auto"/>
+    </cs:fillRef>
+    <cs:effectRef idx="0"/>
+    <cs:fontRef idx="minor">
+      <a:schemeClr val="tx1"/>
+    </cs:fontRef>
+    <cs:spPr>
+      <a:ln w="19050">
+        <a:solidFill>
+          <a:schemeClr val="lt1"/>
+        </a:solidFill>
+      </a:ln>
+    </cs:spPr>
+  </cs:dataPoint>
+  <cs:dataPoint3D>
+    <cs:lnRef idx="0"/>
+    <cs:fillRef idx="1">
+      <cs:styleClr val="auto"/>
+    </cs:fillRef>
+    <cs:effectRef idx="0"/>
+    <cs:fontRef idx="minor">
+      <a:schemeClr val="tx1"/>
+    </cs:fontRef>
+    <cs:spPr>
+      <a:ln w="25400">
+        <a:solidFill>
+          <a:schemeClr val="lt1"/>
+        </a:solidFill>
+      </a:ln>
+    </cs:spPr>
+  </cs:dataPoint3D>
+  <cs:dataPointLine>
+    <cs:lnRef idx="0">
+      <cs:styleClr val="auto"/>
+    </cs:lnRef>
+    <cs:fillRef idx="0"/>
+    <cs:effectRef idx="0"/>
+    <cs:fontRef idx="minor">
+      <a:schemeClr val="tx1"/>
+    </cs:fontRef>
+    <cs:spPr>
+      <a:ln w="28575" cap="rnd">
+        <a:solidFill>
+          <a:schemeClr val="phClr"/>
+        </a:solidFill>
+        <a:round/>
+      </a:ln>
+    </cs:spPr>
+  </cs:dataPointLine>
+  <cs:dataPointMarker>
+    <cs:lnRef idx="0">
+      <cs:styleClr val="auto"/>
+    </cs:lnRef>
+    <cs:fillRef idx="1">
+      <cs:styleClr val="auto"/>
+    </cs:fillRef>
+    <cs:effectRef idx="0"/>
+    <cs:fontRef idx="minor">
+      <a:schemeClr val="tx1"/>
+    </cs:fontRef>
+    <cs:spPr>
+      <a:ln w="9525">
+        <a:solidFill>
+          <a:schemeClr val="phClr"/>
+        </a:solidFill>
+      </a:ln>
+    </cs:spPr>
+  </cs:dataPointMarker>
+  <cs:dataPointMarkerLayout symbol="circle" size="5"/>
+  <cs:dataPointWireframe>
+    <cs:lnRef idx="0">
+      <cs:styleClr val="auto"/>
+    </cs:lnRef>
+    <cs:fillRef idx="0"/>
+    <cs:effectRef idx="0"/>
+    <cs:fontRef idx="minor">
+      <a:schemeClr val="tx1"/>
+    </cs:fontRef>
+    <cs:spPr>
+      <a:ln w="9525" cap="rnd">
+        <a:solidFill>
+          <a:schemeClr val="phClr"/>
+        </a:solidFill>
+        <a:round/>
+      </a:ln>
+    </cs:spPr>
+  </cs:dataPointWireframe>
+  <cs:dataTable>
+    <cs:lnRef idx="0"/>
+    <cs:fillRef idx="0"/>
+    <cs:effectRef idx="0"/>
+    <cs:fontRef idx="minor">
+      <a:schemeClr val="tx1">
+        <a:lumMod val="65000"/>
+        <a:lumOff val="35000"/>
+      </a:schemeClr>
+    </cs:fontRef>
+    <cs:spPr>
+      <a:noFill/>
+      <a:ln w="9525" cap="flat" cmpd="sng" algn="ctr">
+        <a:solidFill>
+          <a:schemeClr val="tx1">
+            <a:lumMod val="15000"/>
+            <a:lumOff val="85000"/>
+          </a:schemeClr>
+        </a:solidFill>
+        <a:round/>
+      </a:ln>
+    </cs:spPr>
+    <cs:defRPr sz="900" kern="1200"/>
+  </cs:dataTable>
+  <cs:downBar>
+    <cs:lnRef idx="0"/>
+    <cs:fillRef idx="0"/>
+    <cs:effectRef idx="0"/>
+    <cs:fontRef idx="minor">
+      <a:schemeClr val="tx1"/>
+    </cs:fontRef>
+    <cs:spPr>
+      <a:solidFill>
+        <a:schemeClr val="dk1">
+          <a:lumMod val="75000"/>
+          <a:lumOff val="25000"/>
+        </a:schemeClr>
+      </a:solidFill>
+      <a:ln w="9525" cap="flat" cmpd="sng" algn="ctr">
+        <a:solidFill>
+          <a:schemeClr val="tx1">
+            <a:lumMod val="65000"/>
+            <a:lumOff val="35000"/>
+          </a:schemeClr>
+        </a:solidFill>
+        <a:round/>
+      </a:ln>
+    </cs:spPr>
+  </cs:downBar>
+  <cs:dropLine>
+    <cs:lnRef idx="0"/>
+    <cs:fillRef idx="0"/>
+    <cs:effectRef idx="0"/>
+    <cs:fontRef idx="minor">
+      <a:schemeClr val="tx1"/>
+    </cs:fontRef>
+    <cs:spPr>
+      <a:ln w="9525" cap="flat" cmpd="sng" algn="ctr">
+        <a:solidFill>
+          <a:schemeClr val="tx1">
+            <a:lumMod val="35000"/>
+            <a:lumOff val="65000"/>
+          </a:schemeClr>
+        </a:solidFill>
+        <a:round/>
+      </a:ln>
+    </cs:spPr>
+  </cs:dropLine>
+  <cs:errorBar>
+    <cs:lnRef idx="0"/>
+    <cs:fillRef idx="0"/>
+    <cs:effectRef idx="0"/>
+    <cs:fontRef idx="minor">
+      <a:schemeClr val="tx1"/>
+    </cs:fontRef>
+    <cs:spPr>
+      <a:ln w="9525" cap="flat" cmpd="sng" algn="ctr">
+        <a:solidFill>
+          <a:schemeClr val="tx1">
+            <a:lumMod val="65000"/>
+            <a:lumOff val="35000"/>
+          </a:schemeClr>
+        </a:solidFill>
+        <a:round/>
+      </a:ln>
+    </cs:spPr>
+  </cs:errorBar>
+  <cs:floor>
+    <cs:lnRef idx="0"/>
+    <cs:fillRef idx="0"/>
+    <cs:effectRef idx="0"/>
+    <cs:fontRef idx="minor">
+      <a:schemeClr val="tx1"/>
+    </cs:fontRef>
+    <cs:spPr>
+      <a:noFill/>
+      <a:ln>
+        <a:noFill/>
+      </a:ln>
+    </cs:spPr>
+  </cs:floor>
+  <cs:gridlineMajor>
+    <cs:lnRef idx="0"/>
+    <cs:fillRef idx="0"/>
+    <cs:effectRef idx="0"/>
+    <cs:fontRef idx="minor">
+      <a:schemeClr val="tx1"/>
+    </cs:fontRef>
+    <cs:spPr>
+      <a:ln w="9525" cap="flat" cmpd="sng" algn="ctr">
+        <a:solidFill>
+          <a:schemeClr val="tx1">
+            <a:lumMod val="15000"/>
+            <a:lumOff val="85000"/>
+          </a:schemeClr>
+        </a:solidFill>
+        <a:round/>
+      </a:ln>
+    </cs:spPr>
+  </cs:gridlineMajor>
+  <cs:gridlineMinor>
+    <cs:lnRef idx="0"/>
+    <cs:fillRef idx="0"/>
+    <cs:effectRef idx="0"/>
+    <cs:fontRef idx="minor">
+      <a:schemeClr val="tx1"/>
+    </cs:fontRef>
+    <cs:spPr>
+      <a:ln w="9525" cap="flat" cmpd="sng" algn="ctr">
+        <a:solidFill>
+          <a:schemeClr val="tx1">
+            <a:lumMod val="5000"/>
+            <a:lumOff val="95000"/>
+          </a:schemeClr>
+        </a:solidFill>
+        <a:round/>
+      </a:ln>
+    </cs:spPr>
+  </cs:gridlineMinor>
+  <cs:hiLoLine>
+    <cs:lnRef idx="0"/>
+    <cs:fillRef idx="0"/>
+    <cs:effectRef idx="0"/>
+    <cs:fontRef idx="minor">
+      <a:schemeClr val="tx1"/>
+    </cs:fontRef>
+    <cs:spPr>
+      <a:ln w="9525" cap="flat" cmpd="sng" algn="ctr">
+        <a:solidFill>
+          <a:schemeClr val="tx1">
+            <a:lumMod val="50000"/>
+            <a:lumOff val="50000"/>
+          </a:schemeClr>
+        </a:solidFill>
+        <a:round/>
+      </a:ln>
+    </cs:spPr>
+  </cs:hiLoLine>
+  <cs:leaderLine>
+    <cs:lnRef idx="0"/>
+    <cs:fillRef idx="0"/>
+    <cs:effectRef idx="0"/>
+    <cs:fontRef idx="minor">
+      <a:schemeClr val="tx1"/>
+    </cs:fontRef>
+    <cs:spPr>
+      <a:ln w="9525" cap="flat" cmpd="sng" algn="ctr">
+        <a:solidFill>
+          <a:schemeClr val="tx1">
+            <a:lumMod val="35000"/>
+            <a:lumOff val="65000"/>
+          </a:schemeClr>
+        </a:solidFill>
+        <a:round/>
+      </a:ln>
+    </cs:spPr>
+  </cs:leaderLine>
+  <cs:legend>
+    <cs:lnRef idx="0"/>
+    <cs:fillRef idx="0"/>
+    <cs:effectRef idx="0"/>
+    <cs:fontRef idx="minor">
+      <a:schemeClr val="tx1">
+        <a:lumMod val="65000"/>
+        <a:lumOff val="35000"/>
+      </a:schemeClr>
+    </cs:fontRef>
+    <cs:defRPr sz="900" kern="1200"/>
+  </cs:legend>
+  <cs:plotArea mods="allowNoFillOverride allowNoLineOverride">
+    <cs:lnRef idx="0"/>
+    <cs:fillRef idx="0"/>
+    <cs:effectRef idx="0"/>
+    <cs:fontRef idx="minor">
+      <a:schemeClr val="tx1"/>
+    </cs:fontRef>
+  </cs:plotArea>
+  <cs:plotArea3D mods="allowNoFillOverride allowNoLineOverride">
+    <cs:lnRef idx="0"/>
+    <cs:fillRef idx="0"/>
+    <cs:effectRef idx="0"/>
+    <cs:fontRef idx="minor">
+      <a:schemeClr val="tx1"/>
+    </cs:fontRef>
+  </cs:plotArea3D>
+  <cs:seriesAxis>
+    <cs:lnRef idx="0"/>
+    <cs:fillRef idx="0"/>
+    <cs:effectRef idx="0"/>
+    <cs:fontRef idx="minor">
+      <a:schemeClr val="tx1">
+        <a:lumMod val="65000"/>
+        <a:lumOff val="35000"/>
+      </a:schemeClr>
+    </cs:fontRef>
+    <cs:defRPr sz="900" kern="1200"/>
+  </cs:seriesAxis>
+  <cs:seriesLine>
+    <cs:lnRef idx="0"/>
+    <cs:fillRef idx="0"/>
+    <cs:effectRef idx="0"/>
+    <cs:fontRef idx="minor">
+      <a:schemeClr val="tx1"/>
+    </cs:fontRef>
+    <cs:spPr>
+      <a:ln w="9525" cap="flat" cmpd="sng" algn="ctr">
+        <a:solidFill>
+          <a:schemeClr val="tx1">
+            <a:lumMod val="35000"/>
+            <a:lumOff val="65000"/>
+          </a:schemeClr>
+        </a:solidFill>
+        <a:round/>
+      </a:ln>
+    </cs:spPr>
+  </cs:seriesLine>
+  <cs:title>
+    <cs:lnRef idx="0"/>
+    <cs:fillRef idx="0"/>
+    <cs:effectRef idx="0"/>
+    <cs:fontRef idx="minor">
+      <a:schemeClr val="tx1">
+        <a:lumMod val="65000"/>
+        <a:lumOff val="35000"/>
+      </a:schemeClr>
+    </cs:fontRef>
+    <cs:defRPr sz="1400" b="0" kern="1200" spc="0" baseline="0"/>
+  </cs:title>
+  <cs:trendline>
+    <cs:lnRef idx="0">
+      <cs:styleClr val="auto"/>
+    </cs:lnRef>
+    <cs:fillRef idx="0"/>
+    <cs:effectRef idx="0"/>
+    <cs:fontRef idx="minor">
+      <a:schemeClr val="tx1"/>
+    </cs:fontRef>
+    <cs:spPr>
+      <a:ln w="19050" cap="rnd">
+        <a:solidFill>
+          <a:schemeClr val="phClr"/>
+        </a:solidFill>
+        <a:prstDash val="sysDot"/>
+      </a:ln>
+    </cs:spPr>
+  </cs:trendline>
+  <cs:trendlineLabel>
+    <cs:lnRef idx="0"/>
+    <cs:fillRef idx="0"/>
+    <cs:effectRef idx="0"/>
+    <cs:fontRef idx="minor">
+      <a:schemeClr val="tx1">
+        <a:lumMod val="65000"/>
+        <a:lumOff val="35000"/>
+      </a:schemeClr>
+    </cs:fontRef>
+    <cs:defRPr sz="900" kern="1200"/>
+  </cs:trendlineLabel>
+  <cs:upBar>
+    <cs:lnRef idx="0"/>
+    <cs:fillRef idx="0"/>
+    <cs:effectRef idx="0"/>
+    <cs:fontRef idx="minor">
+      <a:schemeClr val="tx1"/>
+    </cs:fontRef>
+    <cs:spPr>
+      <a:solidFill>
+        <a:schemeClr val="lt1"/>
+      </a:solidFill>
+      <a:ln w="9525" cap="flat" cmpd="sng" algn="ctr">
+        <a:solidFill>
+          <a:schemeClr val="tx1">
+            <a:lumMod val="65000"/>
+            <a:lumOff val="35000"/>
+          </a:schemeClr>
+        </a:solidFill>
+        <a:round/>
+      </a:ln>
+    </cs:spPr>
+  </cs:upBar>
+  <cs:valueAxis>
+    <cs:lnRef idx="0"/>
+    <cs:fillRef idx="0"/>
+    <cs:effectRef idx="0"/>
+    <cs:fontRef idx="minor">
+      <a:schemeClr val="tx1">
+        <a:lumMod val="65000"/>
+        <a:lumOff val="35000"/>
+      </a:schemeClr>
+    </cs:fontRef>
+    <cs:defRPr sz="900" kern="1200"/>
+  </cs:valueAxis>
+  <cs:wall>
+    <cs:lnRef idx="0"/>
+    <cs:fillRef idx="0"/>
+    <cs:effectRef idx="0"/>
+    <cs:fontRef idx="minor">
+      <a:schemeClr val="tx1"/>
+    </cs:fontRef>
+    <cs:spPr>
+      <a:noFill/>
+      <a:ln>
+        <a:noFill/>
+      </a:ln>
+    </cs:spPr>
+  </cs:wall>
+</cs:chartStyle>
 </file>
 
 <file path=ppt/diagrams/colors1.xml><?xml version="1.0" encoding="utf-8"?>
@@ -3310,7 +8243,7 @@
           <a:p>
             <a:fld id="{D1D1EADE-8E88-4C7C-8AC5-FB148DE4940E}" type="datetime1">
               <a:rPr lang="en-US" smtClean="0"/>
-              <a:t>6/4/2025</a:t>
+              <a:t>6/5/25</a:t>
             </a:fld>
             <a:endParaRPr lang="en-US"/>
           </a:p>
@@ -3510,7 +8443,7 @@
           <a:p>
             <a:fld id="{EC3C8B9C-477D-492A-96AD-1FC2CC997A73}" type="datetime1">
               <a:rPr lang="en-US" smtClean="0"/>
-              <a:t>6/4/2025</a:t>
+              <a:t>6/5/25</a:t>
             </a:fld>
             <a:endParaRPr lang="en-US"/>
           </a:p>
@@ -3720,7 +8653,7 @@
           <a:p>
             <a:fld id="{42D3AED5-E26D-4E29-B1B3-7847B6779594}" type="datetime1">
               <a:rPr lang="en-US" smtClean="0"/>
-              <a:t>6/4/2025</a:t>
+              <a:t>6/5/25</a:t>
             </a:fld>
             <a:endParaRPr lang="en-US"/>
           </a:p>
@@ -3920,7 +8853,7 @@
           <a:p>
             <a:fld id="{157B6794-849E-4626-908B-D15793550EFB}" type="datetime1">
               <a:rPr lang="en-US" smtClean="0"/>
-              <a:t>6/4/2025</a:t>
+              <a:t>6/5/25</a:t>
             </a:fld>
             <a:endParaRPr lang="en-US"/>
           </a:p>
@@ -4196,7 +9129,7 @@
           <a:p>
             <a:fld id="{63DB64E7-5594-42A3-ADBF-E95A7ACEAD64}" type="datetime1">
               <a:rPr lang="en-US" smtClean="0"/>
-              <a:t>6/4/2025</a:t>
+              <a:t>6/5/25</a:t>
             </a:fld>
             <a:endParaRPr lang="en-US"/>
           </a:p>
@@ -4469,7 +9402,7 @@
           <a:p>
             <a:fld id="{18462B0B-D248-4FFB-8695-AD7FA4B1284A}" type="datetime1">
               <a:rPr lang="en-US" smtClean="0"/>
-              <a:t>6/4/2025</a:t>
+              <a:t>6/5/25</a:t>
             </a:fld>
             <a:endParaRPr lang="en-US"/>
           </a:p>
@@ -4892,7 +9825,7 @@
           <a:p>
             <a:fld id="{D0378EFB-9159-4510-B73F-4F0409ADE937}" type="datetime1">
               <a:rPr lang="en-US" smtClean="0"/>
-              <a:t>6/4/2025</a:t>
+              <a:t>6/5/25</a:t>
             </a:fld>
             <a:endParaRPr lang="en-US"/>
           </a:p>
@@ -5034,7 +9967,7 @@
           <a:p>
             <a:fld id="{89BC9412-2452-4BED-A324-9D8C115361AD}" type="datetime1">
               <a:rPr lang="en-US" smtClean="0"/>
-              <a:t>6/4/2025</a:t>
+              <a:t>6/5/25</a:t>
             </a:fld>
             <a:endParaRPr lang="en-US"/>
           </a:p>
@@ -5147,7 +10080,7 @@
           <a:p>
             <a:fld id="{F5318F62-D251-40E8-A23C-F4CFE9FEAB41}" type="datetime1">
               <a:rPr lang="en-US" smtClean="0"/>
-              <a:t>6/4/2025</a:t>
+              <a:t>6/5/25</a:t>
             </a:fld>
             <a:endParaRPr lang="en-US"/>
           </a:p>
@@ -5460,7 +10393,7 @@
           <a:p>
             <a:fld id="{44F76144-149E-4874-93A5-554A0357CF82}" type="datetime1">
               <a:rPr lang="en-US" smtClean="0"/>
-              <a:t>6/4/2025</a:t>
+              <a:t>6/5/25</a:t>
             </a:fld>
             <a:endParaRPr lang="en-US"/>
           </a:p>
@@ -5753,7 +10686,7 @@
           <a:p>
             <a:fld id="{50BA65D8-0540-4835-AE5C-25D29DBA01BE}" type="datetime1">
               <a:rPr lang="en-US" smtClean="0"/>
-              <a:t>6/4/2025</a:t>
+              <a:t>6/5/25</a:t>
             </a:fld>
             <a:endParaRPr lang="en-US"/>
           </a:p>
@@ -5995,7 +10928,7 @@
           <a:p>
             <a:fld id="{E31BA835-12AC-4E8F-955A-EA3F4DE2791F}" type="datetime1">
               <a:rPr lang="en-US" smtClean="0"/>
-              <a:t>6/4/2025</a:t>
+              <a:t>6/5/25</a:t>
             </a:fld>
             <a:endParaRPr lang="en-US"/>
           </a:p>
@@ -7033,8 +11966,13 @@
           <a:p>
             <a:r>
               <a:rPr lang="de-DE" dirty="0"/>
-              <a:t>6. Risikomanagement</a:t>
+              <a:t>5. </a:t>
             </a:r>
+            <a:r>
+              <a:rPr lang="de-DE" dirty="0" err="1"/>
+              <a:t>Qualitätsicherung</a:t>
+            </a:r>
+            <a:endParaRPr lang="de-DE" dirty="0"/>
           </a:p>
         </p:txBody>
       </p:sp>
@@ -7063,11 +12001,747 @@
           <a:p>
             <a:r>
               <a:rPr lang="de-DE" dirty="0"/>
-              <a:t>Risikos</a:t>
+              <a:t>Kontinuierliche Arbeit mit GitHub</a:t>
+            </a:r>
+          </a:p>
+          <a:p>
+            <a:pPr lvl="1"/>
+            <a:r>
+              <a:rPr lang="de-DE" dirty="0"/>
+              <a:t>Code Reviews</a:t>
+            </a:r>
+          </a:p>
+          <a:p>
+            <a:r>
+              <a:rPr lang="de-DE" dirty="0"/>
+              <a:t>Code Tests</a:t>
             </a:r>
           </a:p>
         </p:txBody>
       </p:sp>
+    </p:spTree>
+    <p:extLst>
+      <p:ext uri="{BB962C8B-B14F-4D97-AF65-F5344CB8AC3E}">
+        <p14:creationId xmlns:p14="http://schemas.microsoft.com/office/powerpoint/2010/main" val="3194861235"/>
+      </p:ext>
+    </p:extLst>
+  </p:cSld>
+  <p:clrMapOvr>
+    <a:masterClrMapping/>
+  </p:clrMapOvr>
+</p:sld>
+</file>
+
+<file path=ppt/slides/slide11.xml><?xml version="1.0" encoding="utf-8"?>
+<p:sld xmlns:a="http://schemas.openxmlformats.org/drawingml/2006/main" xmlns:r="http://schemas.openxmlformats.org/officeDocument/2006/relationships" xmlns:p="http://schemas.openxmlformats.org/presentationml/2006/main">
+  <p:cSld>
+    <p:spTree>
+      <p:nvGrpSpPr>
+        <p:cNvPr id="1" name=""/>
+        <p:cNvGrpSpPr/>
+        <p:nvPr/>
+      </p:nvGrpSpPr>
+      <p:grpSpPr>
+        <a:xfrm>
+          <a:off x="0" y="0"/>
+          <a:ext cx="0" cy="0"/>
+          <a:chOff x="0" y="0"/>
+          <a:chExt cx="0" cy="0"/>
+        </a:xfrm>
+      </p:grpSpPr>
+      <p:pic>
+        <p:nvPicPr>
+          <p:cNvPr id="154" name="Grafik 153">
+            <a:extLst>
+              <a:ext uri="{FF2B5EF4-FFF2-40B4-BE49-F238E27FC236}">
+                <a16:creationId xmlns:a16="http://schemas.microsoft.com/office/drawing/2014/main" id="{D875B4BD-9566-A9D0-98D1-7048F2F1AF5C}"/>
+              </a:ext>
+            </a:extLst>
+          </p:cNvPr>
+          <p:cNvPicPr>
+            <a:picLocks noChangeAspect="1"/>
+          </p:cNvPicPr>
+          <p:nvPr/>
+        </p:nvPicPr>
+        <p:blipFill>
+          <a:blip r:embed="rId2"/>
+          <a:stretch>
+            <a:fillRect/>
+          </a:stretch>
+        </p:blipFill>
+        <p:spPr>
+          <a:xfrm>
+            <a:off x="0" y="1568196"/>
+            <a:ext cx="8090452" cy="4550879"/>
+          </a:xfrm>
+          <a:prstGeom prst="rect">
+            <a:avLst/>
+          </a:prstGeom>
+        </p:spPr>
+      </p:pic>
+      <p:sp>
+        <p:nvSpPr>
+          <p:cNvPr id="2" name="Titel 1">
+            <a:extLst>
+              <a:ext uri="{FF2B5EF4-FFF2-40B4-BE49-F238E27FC236}">
+                <a16:creationId xmlns:a16="http://schemas.microsoft.com/office/drawing/2014/main" id="{E270CDBE-DC94-2BA5-367F-C7B7346981A6}"/>
+              </a:ext>
+            </a:extLst>
+          </p:cNvPr>
+          <p:cNvSpPr>
+            <a:spLocks noGrp="1"/>
+          </p:cNvSpPr>
+          <p:nvPr>
+            <p:ph type="title"/>
+          </p:nvPr>
+        </p:nvSpPr>
+        <p:spPr/>
+        <p:txBody>
+          <a:bodyPr>
+            <a:normAutofit/>
+          </a:bodyPr>
+          <a:lstStyle/>
+          <a:p>
+            <a:r>
+              <a:rPr lang="de-DE" dirty="0"/>
+              <a:t>6. Risikomanagement</a:t>
+            </a:r>
+          </a:p>
+        </p:txBody>
+      </p:sp>
+      <p:graphicFrame>
+        <p:nvGraphicFramePr>
+          <p:cNvPr id="155" name="Tabelle 154">
+            <a:extLst>
+              <a:ext uri="{FF2B5EF4-FFF2-40B4-BE49-F238E27FC236}">
+                <a16:creationId xmlns:a16="http://schemas.microsoft.com/office/drawing/2014/main" id="{A8318F43-4CED-CFC6-8C2A-ABD26F1782DE}"/>
+              </a:ext>
+            </a:extLst>
+          </p:cNvPr>
+          <p:cNvGraphicFramePr>
+            <a:graphicFrameLocks noGrp="1"/>
+          </p:cNvGraphicFramePr>
+          <p:nvPr>
+            <p:extLst>
+              <p:ext uri="{D42A27DB-BD31-4B8C-83A1-F6EECF244321}">
+                <p14:modId xmlns:p14="http://schemas.microsoft.com/office/powerpoint/2010/main" val="971018349"/>
+              </p:ext>
+            </p:extLst>
+          </p:nvPr>
+        </p:nvGraphicFramePr>
+        <p:xfrm>
+          <a:off x="6257016" y="1954495"/>
+          <a:ext cx="5234349" cy="3152930"/>
+        </p:xfrm>
+        <a:graphic>
+          <a:graphicData uri="http://schemas.openxmlformats.org/drawingml/2006/table">
+            <a:tbl>
+              <a:tblPr firstRow="1" bandRow="1">
+                <a:tableStyleId>{5C22544A-7EE6-4342-B048-85BDC9FD1C3A}</a:tableStyleId>
+              </a:tblPr>
+              <a:tblGrid>
+                <a:gridCol w="1744783">
+                  <a:extLst>
+                    <a:ext uri="{9D8B030D-6E8A-4147-A177-3AD203B41FA5}">
+                      <a16:colId xmlns:a16="http://schemas.microsoft.com/office/drawing/2014/main" val="2036290"/>
+                    </a:ext>
+                  </a:extLst>
+                </a:gridCol>
+                <a:gridCol w="1744783">
+                  <a:extLst>
+                    <a:ext uri="{9D8B030D-6E8A-4147-A177-3AD203B41FA5}">
+                      <a16:colId xmlns:a16="http://schemas.microsoft.com/office/drawing/2014/main" val="2332163050"/>
+                    </a:ext>
+                  </a:extLst>
+                </a:gridCol>
+                <a:gridCol w="1744783">
+                  <a:extLst>
+                    <a:ext uri="{9D8B030D-6E8A-4147-A177-3AD203B41FA5}">
+                      <a16:colId xmlns:a16="http://schemas.microsoft.com/office/drawing/2014/main" val="412770504"/>
+                    </a:ext>
+                  </a:extLst>
+                </a:gridCol>
+              </a:tblGrid>
+              <a:tr h="286630">
+                <a:tc>
+                  <a:txBody>
+                    <a:bodyPr/>
+                    <a:lstStyle/>
+                    <a:p>
+                      <a:r>
+                        <a:rPr lang="de-DE" sz="1400" dirty="0"/>
+                        <a:t>Risikonummer</a:t>
+                      </a:r>
+                    </a:p>
+                  </a:txBody>
+                  <a:tcPr marL="70676" marR="70676" marT="35338" marB="35338"/>
+                </a:tc>
+                <a:tc>
+                  <a:txBody>
+                    <a:bodyPr/>
+                    <a:lstStyle/>
+                    <a:p>
+                      <a:r>
+                        <a:rPr lang="de-DE" sz="1400" dirty="0"/>
+                        <a:t>Risiko-Titel</a:t>
+                      </a:r>
+                    </a:p>
+                  </a:txBody>
+                  <a:tcPr marL="70676" marR="70676" marT="35338" marB="35338"/>
+                </a:tc>
+                <a:tc>
+                  <a:txBody>
+                    <a:bodyPr/>
+                    <a:lstStyle/>
+                    <a:p>
+                      <a:r>
+                        <a:rPr lang="de-DE" sz="1400" dirty="0"/>
+                        <a:t>Projektstatus</a:t>
+                      </a:r>
+                    </a:p>
+                  </a:txBody>
+                  <a:tcPr marL="70676" marR="70676" marT="35338" marB="35338"/>
+                </a:tc>
+                <a:extLst>
+                  <a:ext uri="{0D108BD9-81ED-4DB2-BD59-A6C34878D82A}">
+                    <a16:rowId xmlns:a16="http://schemas.microsoft.com/office/drawing/2014/main" val="4921862"/>
+                  </a:ext>
+                </a:extLst>
+              </a:tr>
+              <a:tr h="286630">
+                <a:tc>
+                  <a:txBody>
+                    <a:bodyPr/>
+                    <a:lstStyle/>
+                    <a:p>
+                      <a:r>
+                        <a:rPr lang="de-DE" sz="1400" dirty="0"/>
+                        <a:t>1</a:t>
+                      </a:r>
+                    </a:p>
+                  </a:txBody>
+                  <a:tcPr marL="70676" marR="70676" marT="35338" marB="35338"/>
+                </a:tc>
+                <a:tc>
+                  <a:txBody>
+                    <a:bodyPr/>
+                    <a:lstStyle/>
+                    <a:p>
+                      <a:pPr algn="l" fontAlgn="b"/>
+                      <a:r>
+                        <a:rPr lang="de-DE" sz="1200" b="0" i="0" u="none" strike="noStrike" dirty="0">
+                          <a:solidFill>
+                            <a:srgbClr val="000000"/>
+                          </a:solidFill>
+                          <a:effectLst/>
+                          <a:latin typeface="Aptos Narrow" panose="020B0004020202020204" pitchFamily="34" charset="0"/>
+                        </a:rPr>
+                        <a:t>Umwelteinflüsse</a:t>
+                      </a:r>
+                    </a:p>
+                  </a:txBody>
+                  <a:tcPr marL="9525" marR="9525" marT="9525" marB="0" anchor="b"/>
+                </a:tc>
+                <a:tc>
+                  <a:txBody>
+                    <a:bodyPr/>
+                    <a:lstStyle/>
+                    <a:p>
+                      <a:r>
+                        <a:rPr lang="de-DE" sz="1400" dirty="0"/>
+                        <a:t>Projektabbruch</a:t>
+                      </a:r>
+                    </a:p>
+                  </a:txBody>
+                  <a:tcPr marL="70676" marR="70676" marT="35338" marB="35338"/>
+                </a:tc>
+                <a:extLst>
+                  <a:ext uri="{0D108BD9-81ED-4DB2-BD59-A6C34878D82A}">
+                    <a16:rowId xmlns:a16="http://schemas.microsoft.com/office/drawing/2014/main" val="83125103"/>
+                  </a:ext>
+                </a:extLst>
+              </a:tr>
+              <a:tr h="286630">
+                <a:tc>
+                  <a:txBody>
+                    <a:bodyPr/>
+                    <a:lstStyle/>
+                    <a:p>
+                      <a:r>
+                        <a:rPr lang="de-DE" sz="1400" dirty="0"/>
+                        <a:t>2</a:t>
+                      </a:r>
+                    </a:p>
+                  </a:txBody>
+                  <a:tcPr marL="70676" marR="70676" marT="35338" marB="35338"/>
+                </a:tc>
+                <a:tc>
+                  <a:txBody>
+                    <a:bodyPr/>
+                    <a:lstStyle/>
+                    <a:p>
+                      <a:pPr algn="l" fontAlgn="b"/>
+                      <a:r>
+                        <a:rPr lang="de-DE" sz="1200" b="0" i="0" u="none" strike="noStrike">
+                          <a:solidFill>
+                            <a:srgbClr val="000000"/>
+                          </a:solidFill>
+                          <a:effectLst/>
+                          <a:latin typeface="Aptos Narrow" panose="020B0004020202020204" pitchFamily="34" charset="0"/>
+                        </a:rPr>
+                        <a:t>Krankheiten</a:t>
+                      </a:r>
+                    </a:p>
+                  </a:txBody>
+                  <a:tcPr marL="9525" marR="9525" marT="9525" marB="0" anchor="b"/>
+                </a:tc>
+                <a:tc>
+                  <a:txBody>
+                    <a:bodyPr/>
+                    <a:lstStyle/>
+                    <a:p>
+                      <a:r>
+                        <a:rPr lang="de-DE" sz="1400" dirty="0"/>
+                        <a:t>Verzögerung</a:t>
+                      </a:r>
+                    </a:p>
+                  </a:txBody>
+                  <a:tcPr marL="70676" marR="70676" marT="35338" marB="35338"/>
+                </a:tc>
+                <a:extLst>
+                  <a:ext uri="{0D108BD9-81ED-4DB2-BD59-A6C34878D82A}">
+                    <a16:rowId xmlns:a16="http://schemas.microsoft.com/office/drawing/2014/main" val="1599323635"/>
+                  </a:ext>
+                </a:extLst>
+              </a:tr>
+              <a:tr h="286630">
+                <a:tc>
+                  <a:txBody>
+                    <a:bodyPr/>
+                    <a:lstStyle/>
+                    <a:p>
+                      <a:r>
+                        <a:rPr lang="de-DE" sz="1400" dirty="0"/>
+                        <a:t>3</a:t>
+                      </a:r>
+                    </a:p>
+                  </a:txBody>
+                  <a:tcPr marL="70676" marR="70676" marT="35338" marB="35338"/>
+                </a:tc>
+                <a:tc>
+                  <a:txBody>
+                    <a:bodyPr/>
+                    <a:lstStyle/>
+                    <a:p>
+                      <a:pPr algn="l" fontAlgn="b"/>
+                      <a:r>
+                        <a:rPr lang="de-DE" sz="1200" b="0" i="0" u="none" strike="noStrike">
+                          <a:solidFill>
+                            <a:srgbClr val="000000"/>
+                          </a:solidFill>
+                          <a:effectLst/>
+                          <a:latin typeface="Aptos Narrow" panose="020B0004020202020204" pitchFamily="34" charset="0"/>
+                        </a:rPr>
+                        <a:t>Budgetüberschreitung</a:t>
+                      </a:r>
+                    </a:p>
+                  </a:txBody>
+                  <a:tcPr marL="9525" marR="9525" marT="9525" marB="0" anchor="b"/>
+                </a:tc>
+                <a:tc>
+                  <a:txBody>
+                    <a:bodyPr/>
+                    <a:lstStyle/>
+                    <a:p>
+                      <a:r>
+                        <a:rPr lang="de-DE" sz="1400" dirty="0"/>
+                        <a:t>Projektabbruch</a:t>
+                      </a:r>
+                    </a:p>
+                  </a:txBody>
+                  <a:tcPr marL="70676" marR="70676" marT="35338" marB="35338"/>
+                </a:tc>
+                <a:extLst>
+                  <a:ext uri="{0D108BD9-81ED-4DB2-BD59-A6C34878D82A}">
+                    <a16:rowId xmlns:a16="http://schemas.microsoft.com/office/drawing/2014/main" val="267751497"/>
+                  </a:ext>
+                </a:extLst>
+              </a:tr>
+              <a:tr h="286630">
+                <a:tc>
+                  <a:txBody>
+                    <a:bodyPr/>
+                    <a:lstStyle/>
+                    <a:p>
+                      <a:r>
+                        <a:rPr lang="de-DE" sz="1400" dirty="0"/>
+                        <a:t>4</a:t>
+                      </a:r>
+                    </a:p>
+                  </a:txBody>
+                  <a:tcPr marL="70676" marR="70676" marT="35338" marB="35338"/>
+                </a:tc>
+                <a:tc>
+                  <a:txBody>
+                    <a:bodyPr/>
+                    <a:lstStyle/>
+                    <a:p>
+                      <a:pPr algn="l" fontAlgn="b"/>
+                      <a:r>
+                        <a:rPr lang="de-DE" sz="1200" b="0" i="0" u="none" strike="noStrike">
+                          <a:solidFill>
+                            <a:srgbClr val="000000"/>
+                          </a:solidFill>
+                          <a:effectLst/>
+                          <a:latin typeface="Aptos Narrow" panose="020B0004020202020204" pitchFamily="34" charset="0"/>
+                        </a:rPr>
+                        <a:t>Entwicklungszeit</a:t>
+                      </a:r>
+                    </a:p>
+                  </a:txBody>
+                  <a:tcPr marL="9525" marR="9525" marT="9525" marB="0" anchor="b"/>
+                </a:tc>
+                <a:tc>
+                  <a:txBody>
+                    <a:bodyPr/>
+                    <a:lstStyle/>
+                    <a:p>
+                      <a:r>
+                        <a:rPr lang="de-DE" sz="1400" dirty="0"/>
+                        <a:t>Verzögerung</a:t>
+                      </a:r>
+                    </a:p>
+                  </a:txBody>
+                  <a:tcPr marL="70676" marR="70676" marT="35338" marB="35338"/>
+                </a:tc>
+                <a:extLst>
+                  <a:ext uri="{0D108BD9-81ED-4DB2-BD59-A6C34878D82A}">
+                    <a16:rowId xmlns:a16="http://schemas.microsoft.com/office/drawing/2014/main" val="250809531"/>
+                  </a:ext>
+                </a:extLst>
+              </a:tr>
+              <a:tr h="286630">
+                <a:tc>
+                  <a:txBody>
+                    <a:bodyPr/>
+                    <a:lstStyle/>
+                    <a:p>
+                      <a:r>
+                        <a:rPr lang="de-DE" sz="1400" dirty="0"/>
+                        <a:t>5</a:t>
+                      </a:r>
+                    </a:p>
+                  </a:txBody>
+                  <a:tcPr marL="70676" marR="70676" marT="35338" marB="35338"/>
+                </a:tc>
+                <a:tc>
+                  <a:txBody>
+                    <a:bodyPr/>
+                    <a:lstStyle/>
+                    <a:p>
+                      <a:pPr algn="l" fontAlgn="b"/>
+                      <a:r>
+                        <a:rPr lang="de-DE" sz="1200" b="0" i="0" u="none" strike="noStrike">
+                          <a:solidFill>
+                            <a:srgbClr val="000000"/>
+                          </a:solidFill>
+                          <a:effectLst/>
+                          <a:latin typeface="Aptos Narrow" panose="020B0004020202020204" pitchFamily="34" charset="0"/>
+                        </a:rPr>
+                        <a:t>Cyberangriff</a:t>
+                      </a:r>
+                    </a:p>
+                  </a:txBody>
+                  <a:tcPr marL="9525" marR="9525" marT="9525" marB="0" anchor="b"/>
+                </a:tc>
+                <a:tc>
+                  <a:txBody>
+                    <a:bodyPr/>
+                    <a:lstStyle/>
+                    <a:p>
+                      <a:r>
+                        <a:rPr lang="de-DE" sz="1400" dirty="0"/>
+                        <a:t>Projektabbruch</a:t>
+                      </a:r>
+                    </a:p>
+                  </a:txBody>
+                  <a:tcPr marL="70676" marR="70676" marT="35338" marB="35338"/>
+                </a:tc>
+                <a:extLst>
+                  <a:ext uri="{0D108BD9-81ED-4DB2-BD59-A6C34878D82A}">
+                    <a16:rowId xmlns:a16="http://schemas.microsoft.com/office/drawing/2014/main" val="4155527555"/>
+                  </a:ext>
+                </a:extLst>
+              </a:tr>
+              <a:tr h="286630">
+                <a:tc>
+                  <a:txBody>
+                    <a:bodyPr/>
+                    <a:lstStyle/>
+                    <a:p>
+                      <a:r>
+                        <a:rPr lang="de-DE" sz="1400" dirty="0"/>
+                        <a:t>6</a:t>
+                      </a:r>
+                    </a:p>
+                  </a:txBody>
+                  <a:tcPr marL="70676" marR="70676" marT="35338" marB="35338"/>
+                </a:tc>
+                <a:tc>
+                  <a:txBody>
+                    <a:bodyPr/>
+                    <a:lstStyle/>
+                    <a:p>
+                      <a:pPr algn="l" fontAlgn="b"/>
+                      <a:r>
+                        <a:rPr lang="de-DE" sz="1200" b="0" i="0" u="none" strike="noStrike">
+                          <a:solidFill>
+                            <a:srgbClr val="000000"/>
+                          </a:solidFill>
+                          <a:effectLst/>
+                          <a:latin typeface="Aptos Narrow" panose="020B0004020202020204" pitchFamily="34" charset="0"/>
+                        </a:rPr>
+                        <a:t>Unerwartete Bugs</a:t>
+                      </a:r>
+                    </a:p>
+                  </a:txBody>
+                  <a:tcPr marL="9525" marR="9525" marT="9525" marB="0" anchor="b"/>
+                </a:tc>
+                <a:tc>
+                  <a:txBody>
+                    <a:bodyPr/>
+                    <a:lstStyle/>
+                    <a:p>
+                      <a:r>
+                        <a:rPr lang="de-DE" sz="1400" dirty="0"/>
+                        <a:t>Verzögerung</a:t>
+                      </a:r>
+                    </a:p>
+                  </a:txBody>
+                  <a:tcPr marL="70676" marR="70676" marT="35338" marB="35338"/>
+                </a:tc>
+                <a:extLst>
+                  <a:ext uri="{0D108BD9-81ED-4DB2-BD59-A6C34878D82A}">
+                    <a16:rowId xmlns:a16="http://schemas.microsoft.com/office/drawing/2014/main" val="3927391180"/>
+                  </a:ext>
+                </a:extLst>
+              </a:tr>
+              <a:tr h="286630">
+                <a:tc>
+                  <a:txBody>
+                    <a:bodyPr/>
+                    <a:lstStyle/>
+                    <a:p>
+                      <a:r>
+                        <a:rPr lang="de-DE" sz="1400" dirty="0"/>
+                        <a:t>7</a:t>
+                      </a:r>
+                    </a:p>
+                  </a:txBody>
+                  <a:tcPr marL="70676" marR="70676" marT="35338" marB="35338"/>
+                </a:tc>
+                <a:tc>
+                  <a:txBody>
+                    <a:bodyPr/>
+                    <a:lstStyle/>
+                    <a:p>
+                      <a:pPr algn="l" fontAlgn="b"/>
+                      <a:r>
+                        <a:rPr lang="de-DE" sz="1200" b="0" i="0" u="none" strike="noStrike" dirty="0">
+                          <a:solidFill>
+                            <a:srgbClr val="000000"/>
+                          </a:solidFill>
+                          <a:effectLst/>
+                          <a:latin typeface="Aptos Narrow" panose="020B0004020202020204" pitchFamily="34" charset="0"/>
+                        </a:rPr>
+                        <a:t>Auftrag storniert</a:t>
+                      </a:r>
+                    </a:p>
+                  </a:txBody>
+                  <a:tcPr marL="9525" marR="9525" marT="9525" marB="0" anchor="b"/>
+                </a:tc>
+                <a:tc>
+                  <a:txBody>
+                    <a:bodyPr/>
+                    <a:lstStyle/>
+                    <a:p>
+                      <a:r>
+                        <a:rPr lang="de-DE" sz="1400" dirty="0"/>
+                        <a:t>Projektabbruch</a:t>
+                      </a:r>
+                    </a:p>
+                  </a:txBody>
+                  <a:tcPr marL="70676" marR="70676" marT="35338" marB="35338"/>
+                </a:tc>
+                <a:extLst>
+                  <a:ext uri="{0D108BD9-81ED-4DB2-BD59-A6C34878D82A}">
+                    <a16:rowId xmlns:a16="http://schemas.microsoft.com/office/drawing/2014/main" val="3506387784"/>
+                  </a:ext>
+                </a:extLst>
+              </a:tr>
+              <a:tr h="286630">
+                <a:tc>
+                  <a:txBody>
+                    <a:bodyPr/>
+                    <a:lstStyle/>
+                    <a:p>
+                      <a:r>
+                        <a:rPr lang="de-DE" sz="1400" dirty="0"/>
+                        <a:t>8</a:t>
+                      </a:r>
+                    </a:p>
+                  </a:txBody>
+                  <a:tcPr marL="70676" marR="70676" marT="35338" marB="35338"/>
+                </a:tc>
+                <a:tc>
+                  <a:txBody>
+                    <a:bodyPr/>
+                    <a:lstStyle/>
+                    <a:p>
+                      <a:pPr algn="l" fontAlgn="b"/>
+                      <a:r>
+                        <a:rPr lang="de-DE" sz="1200" b="0" i="0" u="none" strike="noStrike" dirty="0">
+                          <a:solidFill>
+                            <a:srgbClr val="000000"/>
+                          </a:solidFill>
+                          <a:effectLst/>
+                          <a:latin typeface="Aptos Narrow" panose="020B0004020202020204" pitchFamily="34" charset="0"/>
+                        </a:rPr>
+                        <a:t>Lieferzeiten</a:t>
+                      </a:r>
+                    </a:p>
+                  </a:txBody>
+                  <a:tcPr marL="9525" marR="9525" marT="9525" marB="0" anchor="b"/>
+                </a:tc>
+                <a:tc>
+                  <a:txBody>
+                    <a:bodyPr/>
+                    <a:lstStyle/>
+                    <a:p>
+                      <a:r>
+                        <a:rPr lang="de-DE" sz="1400" dirty="0"/>
+                        <a:t>Verzögerung</a:t>
+                      </a:r>
+                    </a:p>
+                  </a:txBody>
+                  <a:tcPr marL="70676" marR="70676" marT="35338" marB="35338"/>
+                </a:tc>
+                <a:extLst>
+                  <a:ext uri="{0D108BD9-81ED-4DB2-BD59-A6C34878D82A}">
+                    <a16:rowId xmlns:a16="http://schemas.microsoft.com/office/drawing/2014/main" val="2149943524"/>
+                  </a:ext>
+                </a:extLst>
+              </a:tr>
+              <a:tr h="286630">
+                <a:tc>
+                  <a:txBody>
+                    <a:bodyPr/>
+                    <a:lstStyle/>
+                    <a:p>
+                      <a:r>
+                        <a:rPr lang="de-DE" sz="1400" dirty="0"/>
+                        <a:t>9</a:t>
+                      </a:r>
+                    </a:p>
+                  </a:txBody>
+                  <a:tcPr marL="70676" marR="70676" marT="35338" marB="35338"/>
+                </a:tc>
+                <a:tc>
+                  <a:txBody>
+                    <a:bodyPr/>
+                    <a:lstStyle/>
+                    <a:p>
+                      <a:pPr algn="l" fontAlgn="b"/>
+                      <a:r>
+                        <a:rPr lang="de-DE" sz="1200" b="0" i="0" u="none" strike="noStrike">
+                          <a:solidFill>
+                            <a:srgbClr val="000000"/>
+                          </a:solidFill>
+                          <a:effectLst/>
+                          <a:latin typeface="Aptos Narrow" panose="020B0004020202020204" pitchFamily="34" charset="0"/>
+                        </a:rPr>
+                        <a:t>Finanzielle Mittel</a:t>
+                      </a:r>
+                    </a:p>
+                  </a:txBody>
+                  <a:tcPr marL="9525" marR="9525" marT="9525" marB="0" anchor="b"/>
+                </a:tc>
+                <a:tc>
+                  <a:txBody>
+                    <a:bodyPr/>
+                    <a:lstStyle/>
+                    <a:p>
+                      <a:r>
+                        <a:rPr lang="de-DE" sz="1400" dirty="0"/>
+                        <a:t>Projektabbruch</a:t>
+                      </a:r>
+                    </a:p>
+                  </a:txBody>
+                  <a:tcPr marL="70676" marR="70676" marT="35338" marB="35338"/>
+                </a:tc>
+                <a:extLst>
+                  <a:ext uri="{0D108BD9-81ED-4DB2-BD59-A6C34878D82A}">
+                    <a16:rowId xmlns:a16="http://schemas.microsoft.com/office/drawing/2014/main" val="1743453149"/>
+                  </a:ext>
+                </a:extLst>
+              </a:tr>
+              <a:tr h="286630">
+                <a:tc>
+                  <a:txBody>
+                    <a:bodyPr/>
+                    <a:lstStyle/>
+                    <a:p>
+                      <a:r>
+                        <a:rPr lang="de-DE" sz="1400" dirty="0"/>
+                        <a:t>10</a:t>
+                      </a:r>
+                    </a:p>
+                  </a:txBody>
+                  <a:tcPr marL="70676" marR="70676" marT="35338" marB="35338"/>
+                </a:tc>
+                <a:tc>
+                  <a:txBody>
+                    <a:bodyPr/>
+                    <a:lstStyle/>
+                    <a:p>
+                      <a:pPr algn="l" fontAlgn="b"/>
+                      <a:r>
+                        <a:rPr lang="de-DE" sz="1200" b="0" i="0" u="none" strike="noStrike" dirty="0">
+                          <a:solidFill>
+                            <a:srgbClr val="000000"/>
+                          </a:solidFill>
+                          <a:effectLst/>
+                          <a:latin typeface="Aptos Narrow" panose="020B0004020202020204" pitchFamily="34" charset="0"/>
+                        </a:rPr>
+                        <a:t>Unerwartete Anforderungen</a:t>
+                      </a:r>
+                    </a:p>
+                  </a:txBody>
+                  <a:tcPr marL="9525" marR="9525" marT="9525" marB="0" anchor="b"/>
+                </a:tc>
+                <a:tc>
+                  <a:txBody>
+                    <a:bodyPr/>
+                    <a:lstStyle/>
+                    <a:p>
+                      <a:r>
+                        <a:rPr lang="de-DE" sz="1400" dirty="0"/>
+                        <a:t>Verzögerung</a:t>
+                      </a:r>
+                    </a:p>
+                  </a:txBody>
+                  <a:tcPr marL="70676" marR="70676" marT="35338" marB="35338"/>
+                </a:tc>
+                <a:extLst>
+                  <a:ext uri="{0D108BD9-81ED-4DB2-BD59-A6C34878D82A}">
+                    <a16:rowId xmlns:a16="http://schemas.microsoft.com/office/drawing/2014/main" val="3197947918"/>
+                  </a:ext>
+                </a:extLst>
+              </a:tr>
+            </a:tbl>
+          </a:graphicData>
+        </a:graphic>
+      </p:graphicFrame>
     </p:spTree>
     <p:extLst>
       <p:ext uri="{BB962C8B-B14F-4D97-AF65-F5344CB8AC3E}">
@@ -7081,7 +12755,7 @@
 </p:sld>
 </file>
 
-<file path=ppt/slides/slide11.xml><?xml version="1.0" encoding="utf-8"?>
+<file path=ppt/slides/slide12.xml><?xml version="1.0" encoding="utf-8"?>
 <p:sld xmlns:a="http://schemas.openxmlformats.org/drawingml/2006/main" xmlns:r="http://schemas.openxmlformats.org/officeDocument/2006/relationships" xmlns:p="http://schemas.openxmlformats.org/presentationml/2006/main">
   <p:cSld>
     <p:bg>
@@ -7380,7 +13054,7 @@
 </p:sld>
 </file>
 
-<file path=ppt/slides/slide12.xml><?xml version="1.0" encoding="utf-8"?>
+<file path=ppt/slides/slide13.xml><?xml version="1.0" encoding="utf-8"?>
 <p:sld xmlns:a="http://schemas.openxmlformats.org/drawingml/2006/main" xmlns:r="http://schemas.openxmlformats.org/officeDocument/2006/relationships" xmlns:p="http://schemas.openxmlformats.org/presentationml/2006/main">
   <p:cSld>
     <p:bg>
@@ -7663,7 +13337,7 @@
 </p:sld>
 </file>
 
-<file path=ppt/slides/slide13.xml><?xml version="1.0" encoding="utf-8"?>
+<file path=ppt/slides/slide14.xml><?xml version="1.0" encoding="utf-8"?>
 <p:sld xmlns:a="http://schemas.openxmlformats.org/drawingml/2006/main" xmlns:r="http://schemas.openxmlformats.org/officeDocument/2006/relationships" xmlns:p="http://schemas.openxmlformats.org/presentationml/2006/main">
   <p:cSld>
     <p:bg>
@@ -7936,7 +13610,7 @@
 </p:sld>
 </file>
 
-<file path=ppt/slides/slide14.xml><?xml version="1.0" encoding="utf-8"?>
+<file path=ppt/slides/slide15.xml><?xml version="1.0" encoding="utf-8"?>
 <p:sld xmlns:a="http://schemas.openxmlformats.org/drawingml/2006/main" xmlns:r="http://schemas.openxmlformats.org/officeDocument/2006/relationships" xmlns:p="http://schemas.openxmlformats.org/presentationml/2006/main">
   <p:cSld>
     <p:bg>
@@ -8232,7 +13906,7 @@
 </p:sld>
 </file>
 
-<file path=ppt/slides/slide15.xml><?xml version="1.0" encoding="utf-8"?>
+<file path=ppt/slides/slide16.xml><?xml version="1.0" encoding="utf-8"?>
 <p:sld xmlns:a="http://schemas.openxmlformats.org/drawingml/2006/main" xmlns:r="http://schemas.openxmlformats.org/officeDocument/2006/relationships" xmlns:p="http://schemas.openxmlformats.org/presentationml/2006/main">
   <p:cSld>
     <p:bg>
@@ -10179,39 +15853,66 @@
           </a:p>
         </p:txBody>
       </p:sp>
-      <p:sp>
-        <p:nvSpPr>
-          <p:cNvPr id="3" name="Inhaltsplatzhalter 2">
+      <p:graphicFrame>
+        <p:nvGraphicFramePr>
+          <p:cNvPr id="7" name="Diagramm 6">
             <a:extLst>
               <a:ext uri="{FF2B5EF4-FFF2-40B4-BE49-F238E27FC236}">
-                <a16:creationId xmlns:a16="http://schemas.microsoft.com/office/drawing/2014/main" id="{F8405153-1C41-5EFD-13E9-A652E0731F14}"/>
+                <a16:creationId xmlns:a16="http://schemas.microsoft.com/office/drawing/2014/main" id="{8A019A19-CEA3-E797-747E-93040850D0E4}"/>
               </a:ext>
             </a:extLst>
           </p:cNvPr>
-          <p:cNvSpPr>
-            <a:spLocks noGrp="1"/>
-          </p:cNvSpPr>
+          <p:cNvGraphicFramePr>
+            <a:graphicFrameLocks/>
+          </p:cNvGraphicFramePr>
           <p:nvPr>
-            <p:ph idx="1"/>
+            <p:extLst>
+              <p:ext uri="{D42A27DB-BD31-4B8C-83A1-F6EECF244321}">
+                <p14:modId xmlns:p14="http://schemas.microsoft.com/office/powerpoint/2010/main" val="3369696971"/>
+              </p:ext>
+            </p:extLst>
           </p:nvPr>
-        </p:nvSpPr>
-        <p:spPr/>
-        <p:txBody>
-          <a:bodyPr>
-            <a:normAutofit/>
-          </a:bodyPr>
-          <a:lstStyle/>
-          <a:p>
-            <a:pPr marL="0" indent="0">
-              <a:buNone/>
-            </a:pPr>
-            <a:r>
-              <a:rPr lang="de-DE" dirty="0"/>
-              <a:t>Noch machen</a:t>
-            </a:r>
-          </a:p>
-        </p:txBody>
-      </p:sp>
+        </p:nvGraphicFramePr>
+        <p:xfrm>
+          <a:off x="4254067" y="1737360"/>
+          <a:ext cx="7633134" cy="4383744"/>
+        </p:xfrm>
+        <a:graphic>
+          <a:graphicData uri="http://schemas.openxmlformats.org/drawingml/2006/chart">
+            <c:chart xmlns:c="http://schemas.openxmlformats.org/drawingml/2006/chart" xmlns:r="http://schemas.openxmlformats.org/officeDocument/2006/relationships" r:id="rId2"/>
+          </a:graphicData>
+        </a:graphic>
+      </p:graphicFrame>
+      <p:graphicFrame>
+        <p:nvGraphicFramePr>
+          <p:cNvPr id="9" name="Diagramm 8">
+            <a:extLst>
+              <a:ext uri="{FF2B5EF4-FFF2-40B4-BE49-F238E27FC236}">
+                <a16:creationId xmlns:a16="http://schemas.microsoft.com/office/drawing/2014/main" id="{38FDEA9C-3DF1-7C3F-9F7D-05974B232DCA}"/>
+              </a:ext>
+            </a:extLst>
+          </p:cNvPr>
+          <p:cNvGraphicFramePr>
+            <a:graphicFrameLocks/>
+          </p:cNvGraphicFramePr>
+          <p:nvPr>
+            <p:extLst>
+              <p:ext uri="{D42A27DB-BD31-4B8C-83A1-F6EECF244321}">
+                <p14:modId xmlns:p14="http://schemas.microsoft.com/office/powerpoint/2010/main" val="2090882814"/>
+              </p:ext>
+            </p:extLst>
+          </p:nvPr>
+        </p:nvGraphicFramePr>
+        <p:xfrm>
+          <a:off x="-327993" y="2221992"/>
+          <a:ext cx="4860235" cy="3025869"/>
+        </p:xfrm>
+        <a:graphic>
+          <a:graphicData uri="http://schemas.openxmlformats.org/drawingml/2006/chart">
+            <c:chart xmlns:c="http://schemas.openxmlformats.org/drawingml/2006/chart" xmlns:r="http://schemas.openxmlformats.org/officeDocument/2006/relationships" r:id="rId3"/>
+          </a:graphicData>
+        </a:graphic>
+      </p:graphicFrame>
     </p:spTree>
     <p:extLst>
       <p:ext uri="{BB962C8B-B14F-4D97-AF65-F5344CB8AC3E}">
@@ -10230,7 +15931,13 @@
   <p:cSld>
     <p:spTree>
       <p:nvGrpSpPr>
-        <p:cNvPr id="1" name=""/>
+        <p:cNvPr id="1" name="">
+          <a:extLst>
+            <a:ext uri="{FF2B5EF4-FFF2-40B4-BE49-F238E27FC236}">
+              <a16:creationId xmlns:a16="http://schemas.microsoft.com/office/drawing/2014/main" id="{4EFA4D3E-140A-C5F1-1C0B-87AB10BEE74D}"/>
+            </a:ext>
+          </a:extLst>
+        </p:cNvPr>
         <p:cNvGrpSpPr/>
         <p:nvPr/>
       </p:nvGrpSpPr>
@@ -10247,7 +15954,7 @@
           <p:cNvPr id="2" name="Titel 1">
             <a:extLst>
               <a:ext uri="{FF2B5EF4-FFF2-40B4-BE49-F238E27FC236}">
-                <a16:creationId xmlns:a16="http://schemas.microsoft.com/office/drawing/2014/main" id="{E270CDBE-DC94-2BA5-367F-C7B7346981A6}"/>
+                <a16:creationId xmlns:a16="http://schemas.microsoft.com/office/drawing/2014/main" id="{ADC122D4-ECC3-129F-9383-92295FEDD352}"/>
               </a:ext>
             </a:extLst>
           </p:cNvPr>
@@ -10267,63 +15974,56 @@
           <a:p>
             <a:r>
               <a:rPr lang="de-DE" dirty="0"/>
-              <a:t>5. </a:t>
+              <a:t>4. Zeitplanung und </a:t>
             </a:r>
             <a:r>
-              <a:rPr lang="de-DE" dirty="0" err="1"/>
-              <a:t>Qualitätsicherung</a:t>
+              <a:rPr lang="de-DE" sz="4000" dirty="0"/>
+              <a:t>Budgetanalyse</a:t>
             </a:r>
             <a:endParaRPr lang="de-DE" dirty="0"/>
           </a:p>
         </p:txBody>
       </p:sp>
-      <p:sp>
-        <p:nvSpPr>
-          <p:cNvPr id="3" name="Inhaltsplatzhalter 2">
+      <p:pic>
+        <p:nvPicPr>
+          <p:cNvPr id="12" name="Grafik 11">
             <a:extLst>
               <a:ext uri="{FF2B5EF4-FFF2-40B4-BE49-F238E27FC236}">
-                <a16:creationId xmlns:a16="http://schemas.microsoft.com/office/drawing/2014/main" id="{F8405153-1C41-5EFD-13E9-A652E0731F14}"/>
+                <a16:creationId xmlns:a16="http://schemas.microsoft.com/office/drawing/2014/main" id="{8D2417EB-8253-D5FE-4A26-3A71B678C329}"/>
               </a:ext>
             </a:extLst>
           </p:cNvPr>
-          <p:cNvSpPr>
-            <a:spLocks noGrp="1"/>
-          </p:cNvSpPr>
-          <p:nvPr>
-            <p:ph idx="1"/>
-          </p:nvPr>
-        </p:nvSpPr>
-        <p:spPr/>
-        <p:txBody>
-          <a:bodyPr>
-            <a:normAutofit/>
-          </a:bodyPr>
-          <a:lstStyle/>
-          <a:p>
-            <a:r>
-              <a:rPr lang="de-DE" dirty="0"/>
-              <a:t>Kontinuierliche Arbeit mit GitHub</a:t>
-            </a:r>
-          </a:p>
-          <a:p>
-            <a:pPr lvl="1"/>
-            <a:r>
-              <a:rPr lang="de-DE" dirty="0"/>
-              <a:t>Code Reviews</a:t>
-            </a:r>
-          </a:p>
-          <a:p>
-            <a:r>
-              <a:rPr lang="de-DE" dirty="0"/>
-              <a:t>Code Tests</a:t>
-            </a:r>
-          </a:p>
-        </p:txBody>
-      </p:sp>
+          <p:cNvPicPr>
+            <a:picLocks noChangeAspect="1"/>
+          </p:cNvPicPr>
+          <p:nvPr/>
+        </p:nvPicPr>
+        <p:blipFill>
+          <a:blip r:embed="rId2">
+            <a:extLst>
+              <a:ext uri="{96DAC541-7B7A-43D3-8B79-37D633B846F1}">
+                <asvg:svgBlip xmlns:asvg="http://schemas.microsoft.com/office/drawing/2016/SVG/main" r:embed="rId3"/>
+              </a:ext>
+            </a:extLst>
+          </a:blip>
+          <a:stretch>
+            <a:fillRect/>
+          </a:stretch>
+        </p:blipFill>
+        <p:spPr>
+          <a:xfrm>
+            <a:off x="393871" y="2968625"/>
+            <a:ext cx="11632857" cy="4146550"/>
+          </a:xfrm>
+          <a:prstGeom prst="rect">
+            <a:avLst/>
+          </a:prstGeom>
+        </p:spPr>
+      </p:pic>
     </p:spTree>
     <p:extLst>
       <p:ext uri="{BB962C8B-B14F-4D97-AF65-F5344CB8AC3E}">
-        <p14:creationId xmlns:p14="http://schemas.microsoft.com/office/powerpoint/2010/main" val="3194861235"/>
+        <p14:creationId xmlns:p14="http://schemas.microsoft.com/office/powerpoint/2010/main" val="3572583917"/>
       </p:ext>
     </p:extLst>
   </p:cSld>

--- a/Abgabe/Dokumentation/Präsentation.pptx
+++ b/Abgabe/Dokumentation/Präsentation.pptx
@@ -8243,7 +8243,7 @@
           <a:p>
             <a:fld id="{D1D1EADE-8E88-4C7C-8AC5-FB148DE4940E}" type="datetime1">
               <a:rPr lang="en-US" smtClean="0"/>
-              <a:t>6/5/25</a:t>
+              <a:t>6/6/25</a:t>
             </a:fld>
             <a:endParaRPr lang="en-US"/>
           </a:p>
@@ -8443,7 +8443,7 @@
           <a:p>
             <a:fld id="{EC3C8B9C-477D-492A-96AD-1FC2CC997A73}" type="datetime1">
               <a:rPr lang="en-US" smtClean="0"/>
-              <a:t>6/5/25</a:t>
+              <a:t>6/6/25</a:t>
             </a:fld>
             <a:endParaRPr lang="en-US"/>
           </a:p>
@@ -8653,7 +8653,7 @@
           <a:p>
             <a:fld id="{42D3AED5-E26D-4E29-B1B3-7847B6779594}" type="datetime1">
               <a:rPr lang="en-US" smtClean="0"/>
-              <a:t>6/5/25</a:t>
+              <a:t>6/6/25</a:t>
             </a:fld>
             <a:endParaRPr lang="en-US"/>
           </a:p>
@@ -8853,7 +8853,7 @@
           <a:p>
             <a:fld id="{157B6794-849E-4626-908B-D15793550EFB}" type="datetime1">
               <a:rPr lang="en-US" smtClean="0"/>
-              <a:t>6/5/25</a:t>
+              <a:t>6/6/25</a:t>
             </a:fld>
             <a:endParaRPr lang="en-US"/>
           </a:p>
@@ -9129,7 +9129,7 @@
           <a:p>
             <a:fld id="{63DB64E7-5594-42A3-ADBF-E95A7ACEAD64}" type="datetime1">
               <a:rPr lang="en-US" smtClean="0"/>
-              <a:t>6/5/25</a:t>
+              <a:t>6/6/25</a:t>
             </a:fld>
             <a:endParaRPr lang="en-US"/>
           </a:p>
@@ -9402,7 +9402,7 @@
           <a:p>
             <a:fld id="{18462B0B-D248-4FFB-8695-AD7FA4B1284A}" type="datetime1">
               <a:rPr lang="en-US" smtClean="0"/>
-              <a:t>6/5/25</a:t>
+              <a:t>6/6/25</a:t>
             </a:fld>
             <a:endParaRPr lang="en-US"/>
           </a:p>
@@ -9825,7 +9825,7 @@
           <a:p>
             <a:fld id="{D0378EFB-9159-4510-B73F-4F0409ADE937}" type="datetime1">
               <a:rPr lang="en-US" smtClean="0"/>
-              <a:t>6/5/25</a:t>
+              <a:t>6/6/25</a:t>
             </a:fld>
             <a:endParaRPr lang="en-US"/>
           </a:p>
@@ -9967,7 +9967,7 @@
           <a:p>
             <a:fld id="{89BC9412-2452-4BED-A324-9D8C115361AD}" type="datetime1">
               <a:rPr lang="en-US" smtClean="0"/>
-              <a:t>6/5/25</a:t>
+              <a:t>6/6/25</a:t>
             </a:fld>
             <a:endParaRPr lang="en-US"/>
           </a:p>
@@ -10080,7 +10080,7 @@
           <a:p>
             <a:fld id="{F5318F62-D251-40E8-A23C-F4CFE9FEAB41}" type="datetime1">
               <a:rPr lang="en-US" smtClean="0"/>
-              <a:t>6/5/25</a:t>
+              <a:t>6/6/25</a:t>
             </a:fld>
             <a:endParaRPr lang="en-US"/>
           </a:p>
@@ -10393,7 +10393,7 @@
           <a:p>
             <a:fld id="{44F76144-149E-4874-93A5-554A0357CF82}" type="datetime1">
               <a:rPr lang="en-US" smtClean="0"/>
-              <a:t>6/5/25</a:t>
+              <a:t>6/6/25</a:t>
             </a:fld>
             <a:endParaRPr lang="en-US"/>
           </a:p>
@@ -10686,7 +10686,7 @@
           <a:p>
             <a:fld id="{50BA65D8-0540-4835-AE5C-25D29DBA01BE}" type="datetime1">
               <a:rPr lang="en-US" smtClean="0"/>
-              <a:t>6/5/25</a:t>
+              <a:t>6/6/25</a:t>
             </a:fld>
             <a:endParaRPr lang="en-US"/>
           </a:p>
@@ -10928,7 +10928,7 @@
           <a:p>
             <a:fld id="{E31BA835-12AC-4E8F-955A-EA3F4DE2791F}" type="datetime1">
               <a:rPr lang="en-US" smtClean="0"/>
-              <a:t>6/5/25</a:t>
+              <a:t>6/6/25</a:t>
             </a:fld>
             <a:endParaRPr lang="en-US"/>
           </a:p>
@@ -14492,19 +14492,6 @@
             </a:r>
           </a:p>
           <a:p>
-            <a:pPr marL="914400" lvl="1" indent="-457200">
-              <a:lnSpc>
-                <a:spcPct val="100000"/>
-              </a:lnSpc>
-              <a:buFont typeface="+mj-lt"/>
-              <a:buAutoNum type="arabicPeriod"/>
-            </a:pPr>
-            <a:r>
-              <a:rPr lang="de-DE" sz="1500" dirty="0"/>
-              <a:t>Schulungskonzept</a:t>
-            </a:r>
-          </a:p>
-          <a:p>
             <a:pPr marL="457200" indent="-457200">
               <a:lnSpc>
                 <a:spcPct val="100000"/>
@@ -14514,7 +14501,7 @@
             </a:pPr>
             <a:r>
               <a:rPr lang="de-DE" sz="1500" dirty="0"/>
-              <a:t>Stakeholder und Anforderungsanalyse</a:t>
+              <a:t>Anforderungsanalyse und Stakeholder</a:t>
             </a:r>
           </a:p>
           <a:p>
@@ -15251,7 +15238,7 @@
             </a:pPr>
             <a:r>
               <a:rPr lang="de-DE" dirty="0"/>
-              <a:t>Agile Methode /</a:t>
+              <a:t>Agile Methode / </a:t>
             </a:r>
             <a:r>
               <a:rPr lang="de-DE" dirty="0" err="1"/>
@@ -15749,45 +15736,71 @@
                 <a:ea typeface="+mn-ea"/>
                 <a:cs typeface="+mn-cs"/>
               </a:rPr>
-              <a:t>Stakeholder und Anforderungsanalyse</a:t>
+              <a:t>Anforderungsanalyse</a:t>
+            </a:r>
+            <a:br>
+              <a:rPr lang="de-DE" sz="4000" kern="1200" dirty="0">
+                <a:solidFill>
+                  <a:srgbClr val="000000"/>
+                </a:solidFill>
+                <a:effectLst/>
+                <a:latin typeface="Calisto MT" panose="02040603050505030304" pitchFamily="18" charset="0"/>
+                <a:ea typeface="+mn-ea"/>
+                <a:cs typeface="+mn-cs"/>
+              </a:rPr>
+            </a:br>
+            <a:r>
+              <a:rPr lang="de-DE" sz="4000" kern="1200" dirty="0">
+                <a:solidFill>
+                  <a:srgbClr val="000000"/>
+                </a:solidFill>
+                <a:effectLst/>
+                <a:latin typeface="Calisto MT" panose="02040603050505030304" pitchFamily="18" charset="0"/>
+                <a:ea typeface="+mn-ea"/>
+                <a:cs typeface="+mn-cs"/>
+              </a:rPr>
+              <a:t>und Stakeholder</a:t>
             </a:r>
             <a:endParaRPr lang="de-DE" dirty="0"/>
           </a:p>
         </p:txBody>
       </p:sp>
-      <p:sp>
-        <p:nvSpPr>
-          <p:cNvPr id="3" name="Inhaltsplatzhalter 2">
+      <p:pic>
+        <p:nvPicPr>
+          <p:cNvPr id="7" name="Grafik 6">
             <a:extLst>
               <a:ext uri="{FF2B5EF4-FFF2-40B4-BE49-F238E27FC236}">
-                <a16:creationId xmlns:a16="http://schemas.microsoft.com/office/drawing/2014/main" id="{F8405153-1C41-5EFD-13E9-A652E0731F14}"/>
+                <a16:creationId xmlns:a16="http://schemas.microsoft.com/office/drawing/2014/main" id="{254AB493-E7CC-E4EF-0EF4-847FE68569E1}"/>
               </a:ext>
             </a:extLst>
           </p:cNvPr>
-          <p:cNvSpPr>
-            <a:spLocks noGrp="1"/>
-          </p:cNvSpPr>
-          <p:nvPr>
-            <p:ph idx="1"/>
-          </p:nvPr>
-        </p:nvSpPr>
-        <p:spPr/>
-        <p:txBody>
-          <a:bodyPr>
-            <a:normAutofit/>
-          </a:bodyPr>
-          <a:lstStyle/>
-          <a:p>
-            <a:pPr marL="0" indent="0">
-              <a:buNone/>
-            </a:pPr>
-            <a:r>
-              <a:rPr lang="de-DE" dirty="0"/>
-              <a:t>Steak</a:t>
-            </a:r>
-          </a:p>
-        </p:txBody>
-      </p:sp>
+          <p:cNvPicPr>
+            <a:picLocks noChangeAspect="1"/>
+          </p:cNvPicPr>
+          <p:nvPr/>
+        </p:nvPicPr>
+        <p:blipFill>
+          <a:blip r:embed="rId2">
+            <a:extLst>
+              <a:ext uri="{96DAC541-7B7A-43D3-8B79-37D633B846F1}">
+                <asvg:svgBlip xmlns:asvg="http://schemas.microsoft.com/office/drawing/2016/SVG/main" r:embed="rId3"/>
+              </a:ext>
+            </a:extLst>
+          </a:blip>
+          <a:stretch>
+            <a:fillRect/>
+          </a:stretch>
+        </p:blipFill>
+        <p:spPr>
+          <a:xfrm>
+            <a:off x="7165427" y="1308538"/>
+            <a:ext cx="4635062" cy="4635062"/>
+          </a:xfrm>
+          <a:prstGeom prst="rect">
+            <a:avLst/>
+          </a:prstGeom>
+        </p:spPr>
+      </p:pic>
     </p:spTree>
     <p:extLst>
       <p:ext uri="{BB962C8B-B14F-4D97-AF65-F5344CB8AC3E}">

--- a/Abgabe/Dokumentation/Präsentation.pptx
+++ b/Abgabe/Dokumentation/Präsentation.pptx
@@ -11966,13 +11966,8 @@
           <a:p>
             <a:r>
               <a:rPr lang="de-DE" dirty="0"/>
-              <a:t>5. </a:t>
+              <a:t>5. Qualitätssicherung</a:t>
             </a:r>
-            <a:r>
-              <a:rPr lang="de-DE" dirty="0" err="1"/>
-              <a:t>Qualitätsicherung</a:t>
-            </a:r>
-            <a:endParaRPr lang="de-DE" dirty="0"/>
           </a:p>
         </p:txBody>
       </p:sp>
@@ -15801,6 +15796,87 @@
           </a:prstGeom>
         </p:spPr>
       </p:pic>
+      <p:sp>
+        <p:nvSpPr>
+          <p:cNvPr id="8" name="Textfeld 7">
+            <a:extLst>
+              <a:ext uri="{FF2B5EF4-FFF2-40B4-BE49-F238E27FC236}">
+                <a16:creationId xmlns:a16="http://schemas.microsoft.com/office/drawing/2014/main" id="{8AE8F1D4-FBF1-A359-050A-F497A7F6C624}"/>
+              </a:ext>
+            </a:extLst>
+          </p:cNvPr>
+          <p:cNvSpPr txBox="1"/>
+          <p:nvPr/>
+        </p:nvSpPr>
+        <p:spPr>
+          <a:xfrm>
+            <a:off x="798787" y="2606782"/>
+            <a:ext cx="5475890" cy="2952027"/>
+          </a:xfrm>
+          <a:prstGeom prst="rect">
+            <a:avLst/>
+          </a:prstGeom>
+          <a:noFill/>
+        </p:spPr>
+        <p:txBody>
+          <a:bodyPr wrap="square" rtlCol="0">
+            <a:spAutoFit/>
+          </a:bodyPr>
+          <a:lstStyle/>
+          <a:p>
+            <a:pPr marL="285750" indent="-285750">
+              <a:lnSpc>
+                <a:spcPct val="150000"/>
+              </a:lnSpc>
+              <a:buFont typeface="Arial" panose="020B0604020202020204" pitchFamily="34" charset="0"/>
+              <a:buChar char="•"/>
+            </a:pPr>
+            <a:r>
+              <a:rPr lang="de-DE" dirty="0"/>
+              <a:t>Product-Backlog wurde basierend auf den Stakeholdern rechts erstellt.</a:t>
+            </a:r>
+          </a:p>
+          <a:p>
+            <a:pPr marL="285750" indent="-285750">
+              <a:lnSpc>
+                <a:spcPct val="150000"/>
+              </a:lnSpc>
+              <a:buFont typeface="Arial" panose="020B0604020202020204" pitchFamily="34" charset="0"/>
+              <a:buChar char="•"/>
+            </a:pPr>
+            <a:r>
+              <a:rPr lang="de-DE" dirty="0"/>
+              <a:t>Diese wurden befragt, ihre Geschichten wurden als User Storys aufgenommen</a:t>
+            </a:r>
+          </a:p>
+          <a:p>
+            <a:pPr marL="285750" indent="-285750">
+              <a:lnSpc>
+                <a:spcPct val="150000"/>
+              </a:lnSpc>
+              <a:buFont typeface="Arial" panose="020B0604020202020204" pitchFamily="34" charset="0"/>
+              <a:buChar char="•"/>
+            </a:pPr>
+            <a:r>
+              <a:rPr lang="de-DE" dirty="0"/>
+              <a:t>Diese User Storys stellen die Anforderungen dar.</a:t>
+            </a:r>
+          </a:p>
+          <a:p>
+            <a:pPr marL="285750" indent="-285750">
+              <a:lnSpc>
+                <a:spcPct val="150000"/>
+              </a:lnSpc>
+              <a:buFont typeface="Arial" panose="020B0604020202020204" pitchFamily="34" charset="0"/>
+              <a:buChar char="•"/>
+            </a:pPr>
+            <a:r>
+              <a:rPr lang="de-DE" dirty="0"/>
+              <a:t>Zusätzlich zu den User-Storys wurden Anforderungen aus dem Auftrag entnommen.</a:t>
+            </a:r>
+          </a:p>
+        </p:txBody>
+      </p:sp>
     </p:spTree>
     <p:extLst>
       <p:ext uri="{BB962C8B-B14F-4D97-AF65-F5344CB8AC3E}">

--- a/Abgabe/Dokumentation/Präsentation.pptx
+++ b/Abgabe/Dokumentation/Präsentation.pptx
@@ -15303,270 +15303,42 @@
           </a:p>
         </p:txBody>
       </p:sp>
-      <p:sp>
-        <p:nvSpPr>
-          <p:cNvPr id="3" name="Inhaltsplatzhalter 2">
+      <p:pic>
+        <p:nvPicPr>
+          <p:cNvPr id="12" name="Grafik 11">
             <a:extLst>
               <a:ext uri="{FF2B5EF4-FFF2-40B4-BE49-F238E27FC236}">
-                <a16:creationId xmlns:a16="http://schemas.microsoft.com/office/drawing/2014/main" id="{F8405153-1C41-5EFD-13E9-A652E0731F14}"/>
+                <a16:creationId xmlns:a16="http://schemas.microsoft.com/office/drawing/2014/main" id="{B0E82D56-4FE2-320A-B9E7-9B3CDA895613}"/>
               </a:ext>
             </a:extLst>
           </p:cNvPr>
-          <p:cNvSpPr>
-            <a:spLocks noGrp="1"/>
-          </p:cNvSpPr>
-          <p:nvPr>
-            <p:ph idx="1"/>
-          </p:nvPr>
-        </p:nvSpPr>
-        <p:spPr/>
-        <p:txBody>
-          <a:bodyPr>
-            <a:normAutofit/>
-          </a:bodyPr>
-          <a:lstStyle/>
-          <a:p>
-            <a:pPr marL="0" indent="0">
-              <a:buNone/>
-            </a:pPr>
-            <a:r>
-              <a:rPr lang="de-DE" sz="2000" dirty="0"/>
-              <a:t>Liefergegenstände und Meilensteine</a:t>
-            </a:r>
-            <a:r>
-              <a:rPr lang="de-DE" dirty="0"/>
-              <a:t>:</a:t>
-            </a:r>
-          </a:p>
-          <a:p>
-            <a:pPr marL="0" indent="0">
-              <a:buNone/>
-            </a:pPr>
-            <a:r>
-              <a:rPr lang="de-DE" dirty="0" err="1"/>
-              <a:t>bla</a:t>
-            </a:r>
-            <a:endParaRPr lang="de-DE" dirty="0"/>
-          </a:p>
-        </p:txBody>
-      </p:sp>
-      <p:sp>
-        <p:nvSpPr>
-          <p:cNvPr id="4" name="Inhaltsplatzhalter 2">
+          <p:cNvPicPr>
+            <a:picLocks noChangeAspect="1"/>
+          </p:cNvPicPr>
+          <p:nvPr/>
+        </p:nvPicPr>
+        <p:blipFill>
+          <a:blip r:embed="rId2">
             <a:extLst>
-              <a:ext uri="{FF2B5EF4-FFF2-40B4-BE49-F238E27FC236}">
-                <a16:creationId xmlns:a16="http://schemas.microsoft.com/office/drawing/2014/main" id="{D7B6AB27-E91F-C2A1-A639-3B904442FBAC}"/>
+              <a:ext uri="{96DAC541-7B7A-43D3-8B79-37D633B846F1}">
+                <asvg:svgBlip xmlns:asvg="http://schemas.microsoft.com/office/drawing/2016/SVG/main" r:embed="rId3"/>
               </a:ext>
             </a:extLst>
-          </p:cNvPr>
-          <p:cNvSpPr txBox="1">
-            <a:spLocks/>
-          </p:cNvSpPr>
-          <p:nvPr/>
-        </p:nvSpPr>
+          </a:blip>
+          <a:stretch>
+            <a:fillRect/>
+          </a:stretch>
+        </p:blipFill>
         <p:spPr>
           <a:xfrm>
-            <a:off x="6046267" y="2222153"/>
-            <a:ext cx="7718257" cy="3739896"/>
+            <a:off x="980938" y="2342413"/>
+            <a:ext cx="10230124" cy="6330815"/>
           </a:xfrm>
           <a:prstGeom prst="rect">
             <a:avLst/>
           </a:prstGeom>
         </p:spPr>
-        <p:txBody>
-          <a:bodyPr vert="horz" lIns="91440" tIns="45720" rIns="91440" bIns="45720" rtlCol="0">
-            <a:normAutofit/>
-          </a:bodyPr>
-          <a:lstStyle>
-            <a:lvl1pPr marL="228600" indent="-228600" algn="l" defTabSz="914400" rtl="0" eaLnBrk="1" latinLnBrk="0" hangingPunct="1">
-              <a:lnSpc>
-                <a:spcPct val="110000"/>
-              </a:lnSpc>
-              <a:spcBef>
-                <a:spcPts val="1000"/>
-              </a:spcBef>
-              <a:buFont typeface="Arial" panose="020B0604020202020204" pitchFamily="34" charset="0"/>
-              <a:buChar char="•"/>
-              <a:defRPr sz="2000" kern="1200">
-                <a:solidFill>
-                  <a:schemeClr val="tx1"/>
-                </a:solidFill>
-                <a:latin typeface="+mn-lt"/>
-                <a:ea typeface="+mn-ea"/>
-                <a:cs typeface="+mn-cs"/>
-              </a:defRPr>
-            </a:lvl1pPr>
-            <a:lvl2pPr marL="685800" indent="-228600" algn="l" defTabSz="914400" rtl="0" eaLnBrk="1" latinLnBrk="0" hangingPunct="1">
-              <a:lnSpc>
-                <a:spcPct val="110000"/>
-              </a:lnSpc>
-              <a:spcBef>
-                <a:spcPts val="500"/>
-              </a:spcBef>
-              <a:buFont typeface="Arial" panose="020B0604020202020204" pitchFamily="34" charset="0"/>
-              <a:buChar char="•"/>
-              <a:defRPr sz="1800" kern="1200">
-                <a:solidFill>
-                  <a:schemeClr val="tx1"/>
-                </a:solidFill>
-                <a:latin typeface="+mn-lt"/>
-                <a:ea typeface="+mn-ea"/>
-                <a:cs typeface="+mn-cs"/>
-              </a:defRPr>
-            </a:lvl2pPr>
-            <a:lvl3pPr marL="1143000" indent="-228600" algn="l" defTabSz="914400" rtl="0" eaLnBrk="1" latinLnBrk="0" hangingPunct="1">
-              <a:lnSpc>
-                <a:spcPct val="110000"/>
-              </a:lnSpc>
-              <a:spcBef>
-                <a:spcPts val="500"/>
-              </a:spcBef>
-              <a:buFont typeface="Arial" panose="020B0604020202020204" pitchFamily="34" charset="0"/>
-              <a:buChar char="•"/>
-              <a:defRPr sz="1600" kern="1200">
-                <a:solidFill>
-                  <a:schemeClr val="tx1"/>
-                </a:solidFill>
-                <a:latin typeface="+mn-lt"/>
-                <a:ea typeface="+mn-ea"/>
-                <a:cs typeface="+mn-cs"/>
-              </a:defRPr>
-            </a:lvl3pPr>
-            <a:lvl4pPr marL="1600200" indent="-228600" algn="l" defTabSz="914400" rtl="0" eaLnBrk="1" latinLnBrk="0" hangingPunct="1">
-              <a:lnSpc>
-                <a:spcPct val="110000"/>
-              </a:lnSpc>
-              <a:spcBef>
-                <a:spcPts val="500"/>
-              </a:spcBef>
-              <a:buFont typeface="Arial" panose="020B0604020202020204" pitchFamily="34" charset="0"/>
-              <a:buChar char="•"/>
-              <a:defRPr sz="1400" kern="1200">
-                <a:solidFill>
-                  <a:schemeClr val="tx1"/>
-                </a:solidFill>
-                <a:latin typeface="+mn-lt"/>
-                <a:ea typeface="+mn-ea"/>
-                <a:cs typeface="+mn-cs"/>
-              </a:defRPr>
-            </a:lvl4pPr>
-            <a:lvl5pPr marL="2057400" indent="-228600" algn="l" defTabSz="914400" rtl="0" eaLnBrk="1" latinLnBrk="0" hangingPunct="1">
-              <a:lnSpc>
-                <a:spcPct val="110000"/>
-              </a:lnSpc>
-              <a:spcBef>
-                <a:spcPts val="500"/>
-              </a:spcBef>
-              <a:buFont typeface="Arial" panose="020B0604020202020204" pitchFamily="34" charset="0"/>
-              <a:buChar char="•"/>
-              <a:defRPr sz="1400" kern="1200">
-                <a:solidFill>
-                  <a:schemeClr val="tx1"/>
-                </a:solidFill>
-                <a:latin typeface="+mn-lt"/>
-                <a:ea typeface="+mn-ea"/>
-                <a:cs typeface="+mn-cs"/>
-              </a:defRPr>
-            </a:lvl5pPr>
-            <a:lvl6pPr marL="2514600" indent="-228600" algn="l" defTabSz="914400" rtl="0" eaLnBrk="1" latinLnBrk="0" hangingPunct="1">
-              <a:lnSpc>
-                <a:spcPct val="90000"/>
-              </a:lnSpc>
-              <a:spcBef>
-                <a:spcPts val="500"/>
-              </a:spcBef>
-              <a:buFont typeface="Arial" panose="020B0604020202020204" pitchFamily="34" charset="0"/>
-              <a:buChar char="•"/>
-              <a:defRPr sz="1800" kern="1200">
-                <a:solidFill>
-                  <a:schemeClr val="tx1"/>
-                </a:solidFill>
-                <a:latin typeface="+mn-lt"/>
-                <a:ea typeface="+mn-ea"/>
-                <a:cs typeface="+mn-cs"/>
-              </a:defRPr>
-            </a:lvl6pPr>
-            <a:lvl7pPr marL="2971800" indent="-228600" algn="l" defTabSz="914400" rtl="0" eaLnBrk="1" latinLnBrk="0" hangingPunct="1">
-              <a:lnSpc>
-                <a:spcPct val="90000"/>
-              </a:lnSpc>
-              <a:spcBef>
-                <a:spcPts val="500"/>
-              </a:spcBef>
-              <a:buFont typeface="Arial" panose="020B0604020202020204" pitchFamily="34" charset="0"/>
-              <a:buChar char="•"/>
-              <a:defRPr sz="1800" kern="1200">
-                <a:solidFill>
-                  <a:schemeClr val="tx1"/>
-                </a:solidFill>
-                <a:latin typeface="+mn-lt"/>
-                <a:ea typeface="+mn-ea"/>
-                <a:cs typeface="+mn-cs"/>
-              </a:defRPr>
-            </a:lvl7pPr>
-            <a:lvl8pPr marL="3429000" indent="-228600" algn="l" defTabSz="914400" rtl="0" eaLnBrk="1" latinLnBrk="0" hangingPunct="1">
-              <a:lnSpc>
-                <a:spcPct val="90000"/>
-              </a:lnSpc>
-              <a:spcBef>
-                <a:spcPts val="500"/>
-              </a:spcBef>
-              <a:buFont typeface="Arial" panose="020B0604020202020204" pitchFamily="34" charset="0"/>
-              <a:buChar char="•"/>
-              <a:defRPr sz="1800" kern="1200">
-                <a:solidFill>
-                  <a:schemeClr val="tx1"/>
-                </a:solidFill>
-                <a:latin typeface="+mn-lt"/>
-                <a:ea typeface="+mn-ea"/>
-                <a:cs typeface="+mn-cs"/>
-              </a:defRPr>
-            </a:lvl8pPr>
-            <a:lvl9pPr marL="3886200" indent="-228600" algn="l" defTabSz="914400" rtl="0" eaLnBrk="1" latinLnBrk="0" hangingPunct="1">
-              <a:lnSpc>
-                <a:spcPct val="90000"/>
-              </a:lnSpc>
-              <a:spcBef>
-                <a:spcPts val="500"/>
-              </a:spcBef>
-              <a:buFont typeface="Arial" panose="020B0604020202020204" pitchFamily="34" charset="0"/>
-              <a:buChar char="•"/>
-              <a:defRPr sz="1800" kern="1200">
-                <a:solidFill>
-                  <a:schemeClr val="tx1"/>
-                </a:solidFill>
-                <a:latin typeface="+mn-lt"/>
-                <a:ea typeface="+mn-ea"/>
-                <a:cs typeface="+mn-cs"/>
-              </a:defRPr>
-            </a:lvl9pPr>
-          </a:lstStyle>
-          <a:p>
-            <a:pPr marL="0" indent="0">
-              <a:buNone/>
-            </a:pPr>
-            <a:r>
-              <a:rPr lang="de-DE" sz="2000" dirty="0"/>
-              <a:t>Wireframes</a:t>
-            </a:r>
-            <a:r>
-              <a:rPr lang="de-DE" dirty="0"/>
-              <a:t>:</a:t>
-            </a:r>
-          </a:p>
-          <a:p>
-            <a:pPr marL="0" indent="0">
-              <a:buFont typeface="Arial" panose="020B0604020202020204" pitchFamily="34" charset="0"/>
-              <a:buNone/>
-            </a:pPr>
-            <a:r>
-              <a:rPr lang="de-DE" dirty="0" err="1"/>
-              <a:t>blabal</a:t>
-            </a:r>
-            <a:endParaRPr lang="de-DE" dirty="0"/>
-          </a:p>
-        </p:txBody>
-      </p:sp>
+      </p:pic>
     </p:spTree>
     <p:extLst>
       <p:ext uri="{BB962C8B-B14F-4D97-AF65-F5344CB8AC3E}">

--- a/Abgabe/Dokumentation/Präsentation.pptx
+++ b/Abgabe/Dokumentation/Präsentation.pptx
@@ -20246,10 +20246,10 @@
       </p:sp>
       <p:pic>
         <p:nvPicPr>
-          <p:cNvPr id="5" name="Grafik 4">
+          <p:cNvPr id="7" name="Grafik 6">
             <a:extLst>
               <a:ext uri="{FF2B5EF4-FFF2-40B4-BE49-F238E27FC236}">
-                <a16:creationId xmlns:a16="http://schemas.microsoft.com/office/drawing/2014/main" id="{83E34559-C68A-2A1D-AB0B-7AB1180437C3}"/>
+                <a16:creationId xmlns:a16="http://schemas.microsoft.com/office/drawing/2014/main" id="{89B468C8-D31E-96C9-1538-0429724E13C2}"/>
               </a:ext>
             </a:extLst>
           </p:cNvPr>
@@ -20272,8 +20272,8 @@
         </p:blipFill>
         <p:spPr>
           <a:xfrm>
-            <a:off x="893621" y="1846964"/>
-            <a:ext cx="10196138" cy="4181562"/>
+            <a:off x="1142767" y="1783168"/>
+            <a:ext cx="9906466" cy="4062764"/>
           </a:xfrm>
           <a:prstGeom prst="rect">
             <a:avLst/>

--- a/Abgabe/Dokumentation/Präsentation.pptx
+++ b/Abgabe/Dokumentation/Präsentation.pptx
@@ -2945,8 +2945,8 @@
       </dsp:nvSpPr>
       <dsp:spPr>
         <a:xfrm>
-          <a:off x="0" y="2113904"/>
-          <a:ext cx="1596628" cy="1013858"/>
+          <a:off x="0" y="2113707"/>
+          <a:ext cx="1596510" cy="1013783"/>
         </a:xfrm>
         <a:prstGeom prst="roundRect">
           <a:avLst>
@@ -2989,8 +2989,8 @@
       </dsp:nvSpPr>
       <dsp:spPr>
         <a:xfrm>
-          <a:off x="177403" y="2282437"/>
-          <a:ext cx="1596628" cy="1013858"/>
+          <a:off x="177389" y="2282228"/>
+          <a:ext cx="1596510" cy="1013783"/>
         </a:xfrm>
         <a:prstGeom prst="roundRect">
           <a:avLst>
@@ -3050,8 +3050,8 @@
         </a:p>
       </dsp:txBody>
       <dsp:txXfrm>
-        <a:off x="207098" y="2312132"/>
-        <a:ext cx="1537238" cy="954468"/>
+        <a:off x="207082" y="2311921"/>
+        <a:ext cx="1537124" cy="954397"/>
       </dsp:txXfrm>
     </dsp:sp>
     <dsp:sp modelId="{1602D753-0A2A-4664-906C-1E8B679210E1}">
@@ -3061,8 +3061,8 @@
       </dsp:nvSpPr>
       <dsp:spPr>
         <a:xfrm>
-          <a:off x="1951434" y="2113904"/>
-          <a:ext cx="1596628" cy="1013858"/>
+          <a:off x="1951289" y="2113707"/>
+          <a:ext cx="1596510" cy="1013783"/>
         </a:xfrm>
         <a:prstGeom prst="roundRect">
           <a:avLst>
@@ -3105,8 +3105,8 @@
       </dsp:nvSpPr>
       <dsp:spPr>
         <a:xfrm>
-          <a:off x="2128837" y="2282437"/>
-          <a:ext cx="1596628" cy="1013858"/>
+          <a:off x="2128680" y="2282228"/>
+          <a:ext cx="1596510" cy="1013783"/>
         </a:xfrm>
         <a:prstGeom prst="roundRect">
           <a:avLst>
@@ -3166,8 +3166,8 @@
         </a:p>
       </dsp:txBody>
       <dsp:txXfrm>
-        <a:off x="2158532" y="2312132"/>
-        <a:ext cx="1537238" cy="954468"/>
+        <a:off x="2158373" y="2311921"/>
+        <a:ext cx="1537124" cy="954397"/>
       </dsp:txXfrm>
     </dsp:sp>
     <dsp:sp modelId="{5FD1654B-2CA7-4B4F-BFDC-404BB2B06524}">
@@ -3177,8 +3177,8 @@
       </dsp:nvSpPr>
       <dsp:spPr>
         <a:xfrm>
-          <a:off x="3902868" y="2113904"/>
-          <a:ext cx="1596628" cy="1013858"/>
+          <a:off x="3902580" y="2113707"/>
+          <a:ext cx="1596510" cy="1013783"/>
         </a:xfrm>
         <a:prstGeom prst="roundRect">
           <a:avLst>
@@ -3221,8 +3221,8 @@
       </dsp:nvSpPr>
       <dsp:spPr>
         <a:xfrm>
-          <a:off x="4080271" y="2282437"/>
-          <a:ext cx="1596628" cy="1013858"/>
+          <a:off x="4079970" y="2282228"/>
+          <a:ext cx="1596510" cy="1013783"/>
         </a:xfrm>
         <a:prstGeom prst="roundRect">
           <a:avLst>
@@ -3282,8 +3282,8 @@
         </a:p>
       </dsp:txBody>
       <dsp:txXfrm>
-        <a:off x="4109966" y="2312132"/>
-        <a:ext cx="1537238" cy="954468"/>
+        <a:off x="4109663" y="2311921"/>
+        <a:ext cx="1537124" cy="954397"/>
       </dsp:txXfrm>
     </dsp:sp>
   </dsp:spTree>
@@ -11595,7 +11595,7 @@
         <p:spPr>
           <a:xfrm>
             <a:off x="700560" y="1800000"/>
-            <a:ext cx="10690920" cy="4161600"/>
+            <a:ext cx="5239440" cy="4161600"/>
           </a:xfrm>
           <a:prstGeom prst="rect">
             <a:avLst/>
@@ -11624,7 +11624,7 @@
               </a:tabLst>
             </a:pPr>
             <a:r>
-              <a:rPr lang="de-DE" sz="2000" b="0" u="none" strike="noStrike">
+              <a:rPr lang="de-DE" sz="2000" b="0" u="none" strike="noStrike" dirty="0">
                 <a:solidFill>
                   <a:schemeClr val="dk1"/>
                 </a:solidFill>
@@ -11648,7 +11648,7 @@
                 <a:tab pos="0" algn="l"/>
               </a:tabLst>
             </a:pPr>
-            <a:endParaRPr lang="de-DE" sz="2000" b="0" u="none" strike="noStrike">
+            <a:endParaRPr lang="de-DE" sz="2000" b="0" u="none" strike="noStrike" dirty="0">
               <a:solidFill>
                 <a:schemeClr val="dk1"/>
               </a:solidFill>
@@ -11671,7 +11671,7 @@
               </a:tabLst>
             </a:pPr>
             <a:r>
-              <a:rPr lang="de-DE" sz="2000" b="0" u="none" strike="noStrike">
+              <a:rPr lang="de-DE" sz="2000" b="0" u="none" strike="noStrike" dirty="0">
                 <a:solidFill>
                   <a:schemeClr val="dk1"/>
                 </a:solidFill>
@@ -11695,7 +11695,7 @@
                 <a:tab pos="0" algn="l"/>
               </a:tabLst>
             </a:pPr>
-            <a:endParaRPr lang="de-DE" sz="2000" b="0" u="none" strike="noStrike">
+            <a:endParaRPr lang="de-DE" sz="2000" b="0" u="none" strike="noStrike" dirty="0">
               <a:solidFill>
                 <a:schemeClr val="dk1"/>
               </a:solidFill>
@@ -11718,7 +11718,7 @@
               </a:tabLst>
             </a:pPr>
             <a:r>
-              <a:rPr lang="de-DE" sz="2000" b="0" u="none" strike="noStrike">
+              <a:rPr lang="de-DE" sz="2000" b="0" u="none" strike="noStrike" dirty="0">
                 <a:solidFill>
                   <a:schemeClr val="dk1"/>
                 </a:solidFill>
@@ -11742,7 +11742,7 @@
                 <a:tab pos="0" algn="l"/>
               </a:tabLst>
             </a:pPr>
-            <a:endParaRPr lang="de-DE" sz="2000" b="0" u="none" strike="noStrike">
+            <a:endParaRPr lang="de-DE" sz="2000" b="0" u="none" strike="noStrike" dirty="0">
               <a:solidFill>
                 <a:schemeClr val="dk1"/>
               </a:solidFill>
@@ -11765,7 +11765,7 @@
               </a:tabLst>
             </a:pPr>
             <a:r>
-              <a:rPr lang="de-DE" sz="2000" b="0" u="none" strike="noStrike">
+              <a:rPr lang="de-DE" sz="2000" b="0" u="none" strike="noStrike" dirty="0">
                 <a:solidFill>
                   <a:schemeClr val="dk1"/>
                 </a:solidFill>
@@ -11789,7 +11789,7 @@
                 <a:tab pos="0" algn="l"/>
               </a:tabLst>
             </a:pPr>
-            <a:endParaRPr lang="de-DE" sz="2000" b="0" u="none" strike="noStrike">
+            <a:endParaRPr lang="de-DE" sz="2000" b="0" u="none" strike="noStrike" dirty="0">
               <a:solidFill>
                 <a:schemeClr val="dk1"/>
               </a:solidFill>
@@ -11812,7 +11812,7 @@
               </a:tabLst>
             </a:pPr>
             <a:r>
-              <a:rPr lang="de-DE" sz="2000" b="0" u="none" strike="noStrike">
+              <a:rPr lang="de-DE" sz="2000" b="0" u="none" strike="noStrike" dirty="0">
                 <a:solidFill>
                   <a:schemeClr val="dk1"/>
                 </a:solidFill>
@@ -11836,7 +11836,7 @@
                 <a:tab pos="0" algn="l"/>
               </a:tabLst>
             </a:pPr>
-            <a:endParaRPr lang="de-DE" sz="2000" b="0" u="none" strike="noStrike">
+            <a:endParaRPr lang="de-DE" sz="2000" b="0" u="none" strike="noStrike" dirty="0">
               <a:solidFill>
                 <a:schemeClr val="dk1"/>
               </a:solidFill>
@@ -11859,7 +11859,7 @@
               </a:tabLst>
             </a:pPr>
             <a:r>
-              <a:rPr lang="de-DE" sz="2000" b="0" u="none" strike="noStrike">
+              <a:rPr lang="de-DE" sz="2000" b="0" u="none" strike="noStrike" dirty="0">
                 <a:solidFill>
                   <a:schemeClr val="dk1"/>
                 </a:solidFill>
@@ -11883,7 +11883,7 @@
                 <a:tab pos="0" algn="l"/>
               </a:tabLst>
             </a:pPr>
-            <a:endParaRPr lang="de-DE" sz="2000" b="0" u="none" strike="noStrike">
+            <a:endParaRPr lang="de-DE" sz="2000" b="0" u="none" strike="noStrike" dirty="0">
               <a:solidFill>
                 <a:schemeClr val="dk1"/>
               </a:solidFill>
@@ -11905,7 +11905,7 @@
                 <a:tab pos="0" algn="l"/>
               </a:tabLst>
             </a:pPr>
-            <a:endParaRPr lang="de-DE" sz="2000" b="0" u="none" strike="noStrike">
+            <a:endParaRPr lang="de-DE" sz="2000" b="0" u="none" strike="noStrike" dirty="0">
               <a:solidFill>
                 <a:schemeClr val="dk1"/>
               </a:solidFill>
@@ -11928,7 +11928,7 @@
         </p:blipFill>
         <p:spPr>
           <a:xfrm>
-            <a:off x="6480000" y="1800360"/>
+            <a:off x="5940000" y="1800000"/>
             <a:ext cx="5760000" cy="4071960"/>
           </a:xfrm>
           <a:prstGeom prst="rect">
@@ -11952,31 +11952,7 @@
         </p:blipFill>
         <p:spPr>
           <a:xfrm>
-            <a:off x="6480000" y="1800360"/>
-            <a:ext cx="5712120" cy="4038120"/>
-          </a:xfrm>
-          <a:prstGeom prst="rect">
-            <a:avLst/>
-          </a:prstGeom>
-          <a:noFill/>
-          <a:ln w="0">
-            <a:noFill/>
-          </a:ln>
-        </p:spPr>
-      </p:pic>
-      <p:pic>
-        <p:nvPicPr>
-          <p:cNvPr id="112" name="Grafik 111"/>
-          <p:cNvPicPr/>
-          <p:nvPr/>
-        </p:nvPicPr>
-        <p:blipFill>
-          <a:blip r:embed="rId4"/>
-          <a:stretch/>
-        </p:blipFill>
-        <p:spPr>
-          <a:xfrm>
-            <a:off x="6480000" y="1800000"/>
+            <a:off x="5940000" y="1816920"/>
             <a:ext cx="5712120" cy="4038120"/>
           </a:xfrm>
           <a:prstGeom prst="rect">
@@ -11993,6 +11969,89 @@
   <p:clrMapOvr>
     <a:masterClrMapping/>
   </p:clrMapOvr>
+  <p:timing>
+    <p:tnLst>
+      <p:par>
+        <p:cTn id="1" dur="indefinite" restart="never" nodeType="tmRoot">
+          <p:childTnLst>
+            <p:seq concurrent="1" nextAc="seek">
+              <p:cTn id="2" dur="indefinite" nodeType="mainSeq">
+                <p:childTnLst>
+                  <p:par>
+                    <p:cTn id="3" fill="hold">
+                      <p:stCondLst>
+                        <p:cond delay="indefinite"/>
+                      </p:stCondLst>
+                      <p:childTnLst>
+                        <p:par>
+                          <p:cTn id="4" fill="hold">
+                            <p:stCondLst>
+                              <p:cond delay="0"/>
+                            </p:stCondLst>
+                            <p:childTnLst>
+                              <p:par>
+                                <p:cTn id="5" presetID="9" presetClass="entr" presetSubtype="0" fill="hold" nodeType="clickEffect">
+                                  <p:stCondLst>
+                                    <p:cond delay="0"/>
+                                  </p:stCondLst>
+                                  <p:childTnLst>
+                                    <p:set>
+                                      <p:cBhvr>
+                                        <p:cTn id="6" dur="1" fill="hold">
+                                          <p:stCondLst>
+                                            <p:cond delay="0"/>
+                                          </p:stCondLst>
+                                        </p:cTn>
+                                        <p:tgtEl>
+                                          <p:spTgt spid="111"/>
+                                        </p:tgtEl>
+                                        <p:attrNameLst>
+                                          <p:attrName>style.visibility</p:attrName>
+                                        </p:attrNameLst>
+                                      </p:cBhvr>
+                                      <p:to>
+                                        <p:strVal val="visible"/>
+                                      </p:to>
+                                    </p:set>
+                                    <p:animEffect transition="in" filter="dissolve">
+                                      <p:cBhvr>
+                                        <p:cTn id="7" dur="500"/>
+                                        <p:tgtEl>
+                                          <p:spTgt spid="111"/>
+                                        </p:tgtEl>
+                                      </p:cBhvr>
+                                    </p:animEffect>
+                                  </p:childTnLst>
+                                </p:cTn>
+                              </p:par>
+                            </p:childTnLst>
+                          </p:cTn>
+                        </p:par>
+                      </p:childTnLst>
+                    </p:cTn>
+                  </p:par>
+                </p:childTnLst>
+              </p:cTn>
+              <p:prevCondLst>
+                <p:cond evt="onPrev" delay="0">
+                  <p:tgtEl>
+                    <p:sldTgt/>
+                  </p:tgtEl>
+                </p:cond>
+              </p:prevCondLst>
+              <p:nextCondLst>
+                <p:cond evt="onNext" delay="0">
+                  <p:tgtEl>
+                    <p:sldTgt/>
+                  </p:tgtEl>
+                </p:cond>
+              </p:nextCondLst>
+            </p:seq>
+          </p:childTnLst>
+        </p:cTn>
+      </p:par>
+    </p:tnLst>
+  </p:timing>
 </p:sld>
 </file>
 
@@ -12369,7 +12428,7 @@
         </p:blipFill>
         <p:spPr>
           <a:xfrm>
-            <a:off x="6480360" y="1800360"/>
+            <a:off x="5833620" y="1800000"/>
             <a:ext cx="5712120" cy="4038120"/>
           </a:xfrm>
           <a:prstGeom prst="rect">
@@ -12476,7 +12535,7 @@
         <p:spPr>
           <a:xfrm>
             <a:off x="700560" y="1800000"/>
-            <a:ext cx="10690920" cy="4161600"/>
+            <a:ext cx="5395440" cy="4161600"/>
           </a:xfrm>
           <a:prstGeom prst="rect">
             <a:avLst/>
@@ -12505,7 +12564,7 @@
               </a:tabLst>
             </a:pPr>
             <a:r>
-              <a:rPr lang="de-DE" sz="2000" b="0" u="none" strike="noStrike">
+              <a:rPr lang="de-DE" sz="2000" b="0" u="none" strike="noStrike" dirty="0">
                 <a:solidFill>
                   <a:schemeClr val="dk1"/>
                 </a:solidFill>
@@ -12529,7 +12588,7 @@
                 <a:tab pos="0" algn="l"/>
               </a:tabLst>
             </a:pPr>
-            <a:endParaRPr lang="de-DE" sz="2000" b="0" u="none" strike="noStrike">
+            <a:endParaRPr lang="de-DE" sz="2000" b="0" u="none" strike="noStrike" dirty="0">
               <a:solidFill>
                 <a:schemeClr val="dk1"/>
               </a:solidFill>
@@ -12552,7 +12611,7 @@
               </a:tabLst>
             </a:pPr>
             <a:r>
-              <a:rPr lang="de-DE" sz="2000" b="0" u="none" strike="noStrike">
+              <a:rPr lang="de-DE" sz="2000" b="0" u="none" strike="noStrike" dirty="0">
                 <a:solidFill>
                   <a:schemeClr val="dk1"/>
                 </a:solidFill>
@@ -12576,7 +12635,7 @@
                 <a:tab pos="0" algn="l"/>
               </a:tabLst>
             </a:pPr>
-            <a:endParaRPr lang="de-DE" sz="2000" b="0" u="none" strike="noStrike">
+            <a:endParaRPr lang="de-DE" sz="2000" b="0" u="none" strike="noStrike" dirty="0">
               <a:solidFill>
                 <a:schemeClr val="dk1"/>
               </a:solidFill>
@@ -12598,7 +12657,7 @@
                 <a:tab pos="0" algn="l"/>
               </a:tabLst>
             </a:pPr>
-            <a:endParaRPr lang="de-DE" sz="2000" b="0" u="none" strike="noStrike">
+            <a:endParaRPr lang="de-DE" sz="2000" b="0" u="none" strike="noStrike" dirty="0">
               <a:solidFill>
                 <a:schemeClr val="dk1"/>
               </a:solidFill>
@@ -12621,7 +12680,7 @@
         </p:blipFill>
         <p:spPr>
           <a:xfrm>
-            <a:off x="6480360" y="1800360"/>
+            <a:off x="5779320" y="1688262"/>
             <a:ext cx="5712120" cy="4038120"/>
           </a:xfrm>
           <a:prstGeom prst="rect">
@@ -12645,7 +12704,7 @@
         </p:blipFill>
         <p:spPr>
           <a:xfrm>
-            <a:off x="6480360" y="1800000"/>
+            <a:off x="5755560" y="1688262"/>
             <a:ext cx="5759640" cy="4071960"/>
           </a:xfrm>
           <a:prstGeom prst="rect">
@@ -12662,6 +12721,134 @@
   <p:clrMapOvr>
     <a:masterClrMapping/>
   </p:clrMapOvr>
+  <p:timing>
+    <p:tnLst>
+      <p:par>
+        <p:cTn id="1" dur="indefinite" restart="never" nodeType="tmRoot">
+          <p:childTnLst>
+            <p:seq concurrent="1" nextAc="seek">
+              <p:cTn id="2" dur="indefinite" nodeType="mainSeq">
+                <p:childTnLst>
+                  <p:par>
+                    <p:cTn id="3" fill="hold">
+                      <p:stCondLst>
+                        <p:cond delay="indefinite"/>
+                      </p:stCondLst>
+                      <p:childTnLst>
+                        <p:par>
+                          <p:cTn id="4" fill="hold">
+                            <p:stCondLst>
+                              <p:cond delay="0"/>
+                            </p:stCondLst>
+                            <p:childTnLst>
+                              <p:par>
+                                <p:cTn id="5" presetID="1" presetClass="entr" presetSubtype="0" fill="hold" nodeType="clickEffect">
+                                  <p:stCondLst>
+                                    <p:cond delay="0"/>
+                                  </p:stCondLst>
+                                  <p:childTnLst>
+                                    <p:set>
+                                      <p:cBhvr>
+                                        <p:cTn id="6" dur="1" fill="hold">
+                                          <p:stCondLst>
+                                            <p:cond delay="0"/>
+                                          </p:stCondLst>
+                                        </p:cTn>
+                                        <p:tgtEl>
+                                          <p:spTgt spid="118"/>
+                                        </p:tgtEl>
+                                        <p:attrNameLst>
+                                          <p:attrName>style.visibility</p:attrName>
+                                        </p:attrNameLst>
+                                      </p:cBhvr>
+                                      <p:to>
+                                        <p:strVal val="visible"/>
+                                      </p:to>
+                                    </p:set>
+                                  </p:childTnLst>
+                                </p:cTn>
+                              </p:par>
+                            </p:childTnLst>
+                          </p:cTn>
+                        </p:par>
+                      </p:childTnLst>
+                    </p:cTn>
+                  </p:par>
+                  <p:par>
+                    <p:cTn id="7" fill="hold">
+                      <p:stCondLst>
+                        <p:cond delay="indefinite"/>
+                      </p:stCondLst>
+                      <p:childTnLst>
+                        <p:par>
+                          <p:cTn id="8" fill="hold">
+                            <p:stCondLst>
+                              <p:cond delay="0"/>
+                            </p:stCondLst>
+                            <p:childTnLst>
+                              <p:par>
+                                <p:cTn id="9" presetID="9" presetClass="entr" presetSubtype="0" fill="hold" nodeType="clickEffect">
+                                  <p:stCondLst>
+                                    <p:cond delay="0"/>
+                                  </p:stCondLst>
+                                  <p:childTnLst>
+                                    <p:set>
+                                      <p:cBhvr>
+                                        <p:cTn id="10" dur="1" fill="hold">
+                                          <p:stCondLst>
+                                            <p:cond delay="0"/>
+                                          </p:stCondLst>
+                                        </p:cTn>
+                                        <p:tgtEl>
+                                          <p:spTgt spid="119"/>
+                                        </p:tgtEl>
+                                        <p:attrNameLst>
+                                          <p:attrName>style.visibility</p:attrName>
+                                        </p:attrNameLst>
+                                      </p:cBhvr>
+                                      <p:to>
+                                        <p:strVal val="visible"/>
+                                      </p:to>
+                                    </p:set>
+                                    <p:animEffect transition="in" filter="dissolve">
+                                      <p:cBhvr>
+                                        <p:cTn id="11" dur="500"/>
+                                        <p:tgtEl>
+                                          <p:spTgt spid="119"/>
+                                        </p:tgtEl>
+                                      </p:cBhvr>
+                                    </p:animEffect>
+                                  </p:childTnLst>
+                                </p:cTn>
+                              </p:par>
+                            </p:childTnLst>
+                          </p:cTn>
+                        </p:par>
+                      </p:childTnLst>
+                    </p:cTn>
+                  </p:par>
+                </p:childTnLst>
+              </p:cTn>
+              <p:prevCondLst>
+                <p:cond evt="onPrev" delay="0">
+                  <p:tgtEl>
+                    <p:sldTgt/>
+                  </p:tgtEl>
+                </p:cond>
+              </p:prevCondLst>
+              <p:nextCondLst>
+                <p:cond evt="onNext" delay="0">
+                  <p:tgtEl>
+                    <p:sldTgt/>
+                  </p:tgtEl>
+                </p:cond>
+              </p:nextCondLst>
+            </p:seq>
+          </p:childTnLst>
+        </p:cTn>
+      </p:par>
+    </p:tnLst>
+  </p:timing>
 </p:sld>
 </file>
 
@@ -12752,7 +12939,7 @@
         <p:spPr>
           <a:xfrm>
             <a:off x="700560" y="1800000"/>
-            <a:ext cx="10690920" cy="4161600"/>
+            <a:ext cx="5395440" cy="4161600"/>
           </a:xfrm>
           <a:prstGeom prst="rect">
             <a:avLst/>
@@ -12781,7 +12968,7 @@
               </a:tabLst>
             </a:pPr>
             <a:r>
-              <a:rPr lang="de-DE" sz="2000" b="0" u="none" strike="noStrike">
+              <a:rPr lang="de-DE" sz="2000" b="0" u="none" strike="noStrike" dirty="0">
                 <a:solidFill>
                   <a:schemeClr val="dk1"/>
                 </a:solidFill>
@@ -12805,7 +12992,7 @@
                 <a:tab pos="0" algn="l"/>
               </a:tabLst>
             </a:pPr>
-            <a:endParaRPr lang="de-DE" sz="2000" b="0" u="none" strike="noStrike">
+            <a:endParaRPr lang="de-DE" sz="2000" b="0" u="none" strike="noStrike" dirty="0">
               <a:solidFill>
                 <a:schemeClr val="dk1"/>
               </a:solidFill>
@@ -12828,7 +13015,7 @@
               </a:tabLst>
             </a:pPr>
             <a:r>
-              <a:rPr lang="de-DE" sz="2000" b="0" u="none" strike="noStrike">
+              <a:rPr lang="de-DE" sz="2000" b="0" u="none" strike="noStrike" dirty="0">
                 <a:solidFill>
                   <a:schemeClr val="dk1"/>
                 </a:solidFill>
@@ -12852,7 +13039,7 @@
                 <a:tab pos="0" algn="l"/>
               </a:tabLst>
             </a:pPr>
-            <a:endParaRPr lang="de-DE" sz="2000" b="0" u="none" strike="noStrike">
+            <a:endParaRPr lang="de-DE" sz="2000" b="0" u="none" strike="noStrike" dirty="0">
               <a:solidFill>
                 <a:schemeClr val="dk1"/>
               </a:solidFill>
@@ -12875,7 +13062,7 @@
               </a:tabLst>
             </a:pPr>
             <a:r>
-              <a:rPr lang="de-DE" sz="2000" b="0" u="none" strike="noStrike">
+              <a:rPr lang="de-DE" sz="2000" b="0" u="none" strike="noStrike" dirty="0">
                 <a:solidFill>
                   <a:schemeClr val="dk1"/>
                 </a:solidFill>
@@ -12899,7 +13086,7 @@
                 <a:tab pos="0" algn="l"/>
               </a:tabLst>
             </a:pPr>
-            <a:endParaRPr lang="de-DE" sz="2000" b="0" u="none" strike="noStrike">
+            <a:endParaRPr lang="de-DE" sz="2000" b="0" u="none" strike="noStrike" dirty="0">
               <a:solidFill>
                 <a:schemeClr val="dk1"/>
               </a:solidFill>
@@ -12921,7 +13108,7 @@
                 <a:tab pos="0" algn="l"/>
               </a:tabLst>
             </a:pPr>
-            <a:endParaRPr lang="de-DE" sz="2000" b="0" u="none" strike="noStrike">
+            <a:endParaRPr lang="de-DE" sz="2000" b="0" u="none" strike="noStrike" dirty="0">
               <a:solidFill>
                 <a:schemeClr val="dk1"/>
               </a:solidFill>
@@ -12944,32 +13131,8 @@
         </p:blipFill>
         <p:spPr>
           <a:xfrm>
-            <a:off x="6480360" y="1800360"/>
+            <a:off x="5833620" y="1685716"/>
             <a:ext cx="5712120" cy="4038120"/>
-          </a:xfrm>
-          <a:prstGeom prst="rect">
-            <a:avLst/>
-          </a:prstGeom>
-          <a:noFill/>
-          <a:ln w="0">
-            <a:noFill/>
-          </a:ln>
-        </p:spPr>
-      </p:pic>
-      <p:pic>
-        <p:nvPicPr>
-          <p:cNvPr id="123" name="Grafik 122"/>
-          <p:cNvPicPr/>
-          <p:nvPr/>
-        </p:nvPicPr>
-        <p:blipFill>
-          <a:blip r:embed="rId3"/>
-          <a:stretch/>
-        </p:blipFill>
-        <p:spPr>
-          <a:xfrm>
-            <a:off x="6480360" y="1800000"/>
-            <a:ext cx="5759640" cy="4071960"/>
           </a:xfrm>
           <a:prstGeom prst="rect">
             <a:avLst/>
@@ -12987,12 +13150,12 @@
           <p:nvPr/>
         </p:nvPicPr>
         <p:blipFill>
-          <a:blip r:embed="rId4"/>
+          <a:blip r:embed="rId3"/>
           <a:stretch/>
         </p:blipFill>
         <p:spPr>
           <a:xfrm>
-            <a:off x="6480360" y="1766880"/>
+            <a:off x="5940360" y="1748727"/>
             <a:ext cx="5759640" cy="4071960"/>
           </a:xfrm>
           <a:prstGeom prst="rect">
@@ -13009,6 +13172,89 @@
   <p:clrMapOvr>
     <a:masterClrMapping/>
   </p:clrMapOvr>
+  <p:timing>
+    <p:tnLst>
+      <p:par>
+        <p:cTn id="1" dur="indefinite" restart="never" nodeType="tmRoot">
+          <p:childTnLst>
+            <p:seq concurrent="1" nextAc="seek">
+              <p:cTn id="2" dur="indefinite" nodeType="mainSeq">
+                <p:childTnLst>
+                  <p:par>
+                    <p:cTn id="3" fill="hold">
+                      <p:stCondLst>
+                        <p:cond delay="indefinite"/>
+                      </p:stCondLst>
+                      <p:childTnLst>
+                        <p:par>
+                          <p:cTn id="4" fill="hold">
+                            <p:stCondLst>
+                              <p:cond delay="0"/>
+                            </p:stCondLst>
+                            <p:childTnLst>
+                              <p:par>
+                                <p:cTn id="5" presetID="9" presetClass="entr" presetSubtype="0" fill="hold" nodeType="clickEffect">
+                                  <p:stCondLst>
+                                    <p:cond delay="0"/>
+                                  </p:stCondLst>
+                                  <p:childTnLst>
+                                    <p:set>
+                                      <p:cBhvr>
+                                        <p:cTn id="6" dur="1" fill="hold">
+                                          <p:stCondLst>
+                                            <p:cond delay="0"/>
+                                          </p:stCondLst>
+                                        </p:cTn>
+                                        <p:tgtEl>
+                                          <p:spTgt spid="124"/>
+                                        </p:tgtEl>
+                                        <p:attrNameLst>
+                                          <p:attrName>style.visibility</p:attrName>
+                                        </p:attrNameLst>
+                                      </p:cBhvr>
+                                      <p:to>
+                                        <p:strVal val="visible"/>
+                                      </p:to>
+                                    </p:set>
+                                    <p:animEffect transition="in" filter="dissolve">
+                                      <p:cBhvr>
+                                        <p:cTn id="7" dur="500"/>
+                                        <p:tgtEl>
+                                          <p:spTgt spid="124"/>
+                                        </p:tgtEl>
+                                      </p:cBhvr>
+                                    </p:animEffect>
+                                  </p:childTnLst>
+                                </p:cTn>
+                              </p:par>
+                            </p:childTnLst>
+                          </p:cTn>
+                        </p:par>
+                      </p:childTnLst>
+                    </p:cTn>
+                  </p:par>
+                </p:childTnLst>
+              </p:cTn>
+              <p:prevCondLst>
+                <p:cond evt="onPrev" delay="0">
+                  <p:tgtEl>
+                    <p:sldTgt/>
+                  </p:tgtEl>
+                </p:cond>
+              </p:prevCondLst>
+              <p:nextCondLst>
+                <p:cond evt="onNext" delay="0">
+                  <p:tgtEl>
+                    <p:sldTgt/>
+                  </p:tgtEl>
+                </p:cond>
+              </p:nextCondLst>
+            </p:seq>
+          </p:childTnLst>
+        </p:cTn>
+      </p:par>
+    </p:tnLst>
+  </p:timing>
 </p:sld>
 </file>
 
@@ -13350,7 +13596,7 @@
       </p:sp>
       <p:pic>
         <p:nvPicPr>
-          <p:cNvPr id="127" name="Grafik 126"/>
+          <p:cNvPr id="130" name="Grafik 129"/>
           <p:cNvPicPr/>
           <p:nvPr/>
         </p:nvPicPr>
@@ -13360,79 +13606,7 @@
         </p:blipFill>
         <p:spPr>
           <a:xfrm>
-            <a:off x="6480360" y="1800360"/>
-            <a:ext cx="5712120" cy="4038120"/>
-          </a:xfrm>
-          <a:prstGeom prst="rect">
-            <a:avLst/>
-          </a:prstGeom>
-          <a:noFill/>
-          <a:ln w="0">
-            <a:noFill/>
-          </a:ln>
-        </p:spPr>
-      </p:pic>
-      <p:pic>
-        <p:nvPicPr>
-          <p:cNvPr id="128" name="Grafik 127"/>
-          <p:cNvPicPr/>
-          <p:nvPr/>
-        </p:nvPicPr>
-        <p:blipFill>
-          <a:blip r:embed="rId3"/>
-          <a:stretch/>
-        </p:blipFill>
-        <p:spPr>
-          <a:xfrm>
-            <a:off x="6480360" y="1800000"/>
-            <a:ext cx="5759640" cy="4071960"/>
-          </a:xfrm>
-          <a:prstGeom prst="rect">
-            <a:avLst/>
-          </a:prstGeom>
-          <a:noFill/>
-          <a:ln w="0">
-            <a:noFill/>
-          </a:ln>
-        </p:spPr>
-      </p:pic>
-      <p:pic>
-        <p:nvPicPr>
-          <p:cNvPr id="129" name="Grafik 128"/>
-          <p:cNvPicPr/>
-          <p:nvPr/>
-        </p:nvPicPr>
-        <p:blipFill>
-          <a:blip r:embed="rId4"/>
-          <a:stretch/>
-        </p:blipFill>
-        <p:spPr>
-          <a:xfrm>
-            <a:off x="6480360" y="1766880"/>
-            <a:ext cx="5759640" cy="4071960"/>
-          </a:xfrm>
-          <a:prstGeom prst="rect">
-            <a:avLst/>
-          </a:prstGeom>
-          <a:noFill/>
-          <a:ln w="0">
-            <a:noFill/>
-          </a:ln>
-        </p:spPr>
-      </p:pic>
-      <p:pic>
-        <p:nvPicPr>
-          <p:cNvPr id="130" name="Grafik 129"/>
-          <p:cNvPicPr/>
-          <p:nvPr/>
-        </p:nvPicPr>
-        <p:blipFill>
-          <a:blip r:embed="rId5"/>
-          <a:stretch/>
-        </p:blipFill>
-        <p:spPr>
-          <a:xfrm>
-            <a:off x="6480000" y="1729440"/>
+            <a:off x="5731440" y="1800000"/>
             <a:ext cx="5760000" cy="4071960"/>
           </a:xfrm>
           <a:prstGeom prst="rect">
@@ -14273,7 +14447,7 @@
         </p:nvGraphicFramePr>
         <p:xfrm>
           <a:off x="6257160" y="1954440"/>
-          <a:ext cx="5234040" cy="3232440"/>
+          <a:ext cx="5233680" cy="3352800"/>
         </p:xfrm>
         <a:graphic>
           <a:graphicData uri="http://schemas.openxmlformats.org/drawingml/2006/table">
@@ -17249,17 +17423,26 @@
               <a:buNone/>
             </a:pPr>
             <a:r>
-              <a:rPr lang="de-DE" sz="4000" b="0" u="none" strike="noStrike" cap="all" spc="31">
+              <a:rPr lang="de-DE" sz="4000" cap="all" spc="31" dirty="0">
                 <a:solidFill>
                   <a:schemeClr val="dk1"/>
                 </a:solidFill>
-                <a:effectLst/>
-                <a:uFillTx/>
                 <a:latin typeface="Univers Condensed"/>
               </a:rPr>
-              <a:t>7. Aufgetretene Probleme</a:t>
+              <a:t>8</a:t>
             </a:r>
-            <a:endParaRPr lang="de-DE" sz="4000" b="0" u="none" strike="noStrike">
+            <a:r>
+              <a:rPr lang="de-DE" sz="4000" b="0" u="none" strike="noStrike" cap="all" spc="31" dirty="0">
+                <a:solidFill>
+                  <a:schemeClr val="dk1"/>
+                </a:solidFill>
+                <a:effectLst/>
+                <a:uFillTx/>
+                <a:latin typeface="Univers Condensed"/>
+              </a:rPr>
+              <a:t>. Aufgetretene Probleme</a:t>
+            </a:r>
+            <a:endParaRPr lang="de-DE" sz="4000" b="0" u="none" strike="noStrike" dirty="0">
               <a:solidFill>
                 <a:schemeClr val="dk1"/>
               </a:solidFill>
@@ -17628,17 +17811,26 @@
               <a:buNone/>
             </a:pPr>
             <a:r>
-              <a:rPr lang="de-DE" sz="4000" b="0" u="none" strike="noStrike" cap="all" spc="31">
+              <a:rPr lang="de-DE" sz="4000" cap="all" spc="31" dirty="0">
                 <a:solidFill>
                   <a:schemeClr val="dk1"/>
                 </a:solidFill>
-                <a:effectLst/>
-                <a:uFillTx/>
                 <a:latin typeface="Univers Condensed"/>
               </a:rPr>
-              <a:t>8. Live Demo</a:t>
+              <a:t>9</a:t>
             </a:r>
-            <a:endParaRPr lang="de-DE" sz="4000" b="0" u="none" strike="noStrike">
+            <a:r>
+              <a:rPr lang="de-DE" sz="4000" b="0" u="none" strike="noStrike" cap="all" spc="31" dirty="0">
+                <a:solidFill>
+                  <a:schemeClr val="dk1"/>
+                </a:solidFill>
+                <a:effectLst/>
+                <a:uFillTx/>
+                <a:latin typeface="Univers Condensed"/>
+              </a:rPr>
+              <a:t>. Live Demo</a:t>
+            </a:r>
+            <a:endParaRPr lang="de-DE" sz="4000" b="0" u="none" strike="noStrike" dirty="0">
               <a:solidFill>
                 <a:schemeClr val="dk1"/>
               </a:solidFill>
@@ -17922,17 +18114,26 @@
               <a:buNone/>
             </a:pPr>
             <a:r>
-              <a:rPr lang="de-DE" sz="4000" b="0" u="none" strike="noStrike" cap="all" spc="31">
+              <a:rPr lang="de-DE" sz="4000" cap="all" spc="31" dirty="0">
                 <a:solidFill>
                   <a:schemeClr val="dk1"/>
                 </a:solidFill>
-                <a:effectLst/>
-                <a:uFillTx/>
                 <a:latin typeface="Univers Condensed"/>
               </a:rPr>
-              <a:t>8. Live Demo – Control Panel</a:t>
+              <a:t>9</a:t>
             </a:r>
-            <a:endParaRPr lang="de-DE" sz="4000" b="0" u="none" strike="noStrike">
+            <a:r>
+              <a:rPr lang="de-DE" sz="4000" b="0" u="none" strike="noStrike" cap="all" spc="31" dirty="0">
+                <a:solidFill>
+                  <a:schemeClr val="dk1"/>
+                </a:solidFill>
+                <a:effectLst/>
+                <a:uFillTx/>
+                <a:latin typeface="Univers Condensed"/>
+              </a:rPr>
+              <a:t>. Live Demo – Control Panel</a:t>
+            </a:r>
+            <a:endParaRPr lang="de-DE" sz="4000" b="0" u="none" strike="noStrike" dirty="0">
               <a:solidFill>
                 <a:schemeClr val="dk1"/>
               </a:solidFill>
@@ -18329,17 +18530,26 @@
               <a:buNone/>
             </a:pPr>
             <a:r>
-              <a:rPr lang="de-DE" sz="4000" b="0" u="none" strike="noStrike" cap="all" spc="31">
+              <a:rPr lang="de-DE" sz="4000" cap="all" spc="31" dirty="0">
                 <a:solidFill>
                   <a:schemeClr val="dk1"/>
                 </a:solidFill>
-                <a:effectLst/>
-                <a:uFillTx/>
                 <a:latin typeface="Univers Condensed"/>
               </a:rPr>
-              <a:t>8. Live Demo – User Dashboard</a:t>
+              <a:t>9</a:t>
             </a:r>
-            <a:endParaRPr lang="de-DE" sz="4000" b="0" u="none" strike="noStrike">
+            <a:r>
+              <a:rPr lang="de-DE" sz="4000" b="0" u="none" strike="noStrike" cap="all" spc="31" dirty="0">
+                <a:solidFill>
+                  <a:schemeClr val="dk1"/>
+                </a:solidFill>
+                <a:effectLst/>
+                <a:uFillTx/>
+                <a:latin typeface="Univers Condensed"/>
+              </a:rPr>
+              <a:t>. Live Demo – User Dashboard</a:t>
+            </a:r>
+            <a:endParaRPr lang="de-DE" sz="4000" b="0" u="none" strike="noStrike" dirty="0">
               <a:solidFill>
                 <a:schemeClr val="dk1"/>
               </a:solidFill>
@@ -18375,7 +18585,7 @@
         </p:spPr>
         <p:txBody>
           <a:bodyPr lIns="91440" tIns="45720" rIns="91440" bIns="45720" anchor="t">
-            <a:normAutofit fontScale="77500" lnSpcReduction="20000"/>
+            <a:normAutofit fontScale="70000" lnSpcReduction="20000"/>
           </a:bodyPr>
           <a:lstStyle/>
           <a:p>
@@ -18933,17 +19143,26 @@
               <a:buNone/>
             </a:pPr>
             <a:r>
-              <a:rPr lang="de-DE" sz="4000" b="0" u="none" strike="noStrike" cap="all" spc="31">
+              <a:rPr lang="de-DE" sz="4000" cap="all" spc="31" dirty="0">
                 <a:solidFill>
                   <a:schemeClr val="dk1"/>
                 </a:solidFill>
-                <a:effectLst/>
-                <a:uFillTx/>
                 <a:latin typeface="Univers Condensed"/>
               </a:rPr>
-              <a:t>9. Erweiterungspotenzial</a:t>
+              <a:t>10</a:t>
             </a:r>
-            <a:endParaRPr lang="de-DE" sz="4000" b="0" u="none" strike="noStrike">
+            <a:r>
+              <a:rPr lang="de-DE" sz="4000" b="0" u="none" strike="noStrike" cap="all" spc="31" dirty="0">
+                <a:solidFill>
+                  <a:schemeClr val="dk1"/>
+                </a:solidFill>
+                <a:effectLst/>
+                <a:uFillTx/>
+                <a:latin typeface="Univers Condensed"/>
+              </a:rPr>
+              <a:t>. Erweiterungspotenzial</a:t>
+            </a:r>
+            <a:endParaRPr lang="de-DE" sz="4000" b="0" u="none" strike="noStrike" dirty="0">
               <a:solidFill>
                 <a:schemeClr val="dk1"/>
               </a:solidFill>
@@ -19411,7 +19630,7 @@
               <a:buNone/>
             </a:pPr>
             <a:r>
-              <a:rPr lang="de-DE" sz="4000" b="0" u="none" strike="noStrike" cap="all" spc="31">
+              <a:rPr lang="de-DE" sz="4000" b="0" u="none" strike="noStrike" cap="all" spc="31" dirty="0">
                 <a:solidFill>
                   <a:schemeClr val="lt1"/>
                 </a:solidFill>
@@ -19419,9 +19638,42 @@
                 <a:uFillTx/>
                 <a:latin typeface="Univers Condensed"/>
               </a:rPr>
-              <a:t>10. Lessons Learned</a:t>
+              <a:t>11. </a:t>
             </a:r>
-            <a:endParaRPr lang="de-DE" sz="4000" b="0" u="none" strike="noStrike">
+            <a:r>
+              <a:rPr lang="de-DE" sz="4000" b="0" u="none" strike="noStrike" cap="all" spc="31" dirty="0" err="1">
+                <a:solidFill>
+                  <a:schemeClr val="lt1"/>
+                </a:solidFill>
+                <a:effectLst/>
+                <a:uFillTx/>
+                <a:latin typeface="Univers Condensed"/>
+              </a:rPr>
+              <a:t>Lessons</a:t>
+            </a:r>
+            <a:r>
+              <a:rPr lang="de-DE" sz="4000" b="0" u="none" strike="noStrike" cap="all" spc="31" dirty="0">
+                <a:solidFill>
+                  <a:schemeClr val="lt1"/>
+                </a:solidFill>
+                <a:effectLst/>
+                <a:uFillTx/>
+                <a:latin typeface="Univers Condensed"/>
+              </a:rPr>
+              <a:t> </a:t>
+            </a:r>
+            <a:r>
+              <a:rPr lang="de-DE" sz="4000" b="0" u="none" strike="noStrike" cap="all" spc="31" dirty="0" err="1">
+                <a:solidFill>
+                  <a:schemeClr val="lt1"/>
+                </a:solidFill>
+                <a:effectLst/>
+                <a:uFillTx/>
+                <a:latin typeface="Univers Condensed"/>
+              </a:rPr>
+              <a:t>Learned</a:t>
+            </a:r>
+            <a:endParaRPr lang="de-DE" sz="4000" b="0" u="none" strike="noStrike" dirty="0">
               <a:solidFill>
                 <a:schemeClr val="dk1"/>
               </a:solidFill>
@@ -20362,41 +20614,1162 @@
           </a:p>
         </p:txBody>
       </p:sp>
-      <p:pic>
-        <p:nvPicPr>
-          <p:cNvPr id="97" name="Grafik 11"/>
-          <p:cNvPicPr/>
-          <p:nvPr/>
-        </p:nvPicPr>
-        <p:blipFill>
-          <a:blip r:embed="rId2">
+      <p:sp>
+        <p:nvSpPr>
+          <p:cNvPr id="2" name="Chevron 2">
             <a:extLst>
-              <a:ext uri="{96DAC541-7B7A-43D3-8B79-37D633B846F1}">
-                <asvg:svgBlip xmlns:asvg="http://schemas.microsoft.com/office/drawing/2016/SVG/main" r:embed="rId3"/>
+              <a:ext uri="{FF2B5EF4-FFF2-40B4-BE49-F238E27FC236}">
+                <a16:creationId xmlns:a16="http://schemas.microsoft.com/office/drawing/2014/main" id="{25B3F955-2B8E-DB45-A12D-3DF0824F287F}"/>
               </a:ext>
             </a:extLst>
-          </a:blip>
-          <a:stretch/>
-        </p:blipFill>
+          </p:cNvPr>
+          <p:cNvSpPr/>
+          <p:nvPr/>
+        </p:nvSpPr>
         <p:spPr>
           <a:xfrm>
-            <a:off x="981000" y="2342520"/>
-            <a:ext cx="10229760" cy="6330600"/>
+            <a:off x="953852" y="2221560"/>
+            <a:ext cx="1983319" cy="882256"/>
+          </a:xfrm>
+          <a:prstGeom prst="chevron">
+            <a:avLst/>
+          </a:prstGeom>
+          <a:solidFill>
+            <a:srgbClr val="A5B4CF"/>
+          </a:solidFill>
+          <a:ln>
+            <a:noFill/>
+          </a:ln>
+        </p:spPr>
+        <p:style>
+          <a:lnRef idx="1">
+            <a:schemeClr val="accent1"/>
+          </a:lnRef>
+          <a:fillRef idx="3">
+            <a:schemeClr val="accent1"/>
+          </a:fillRef>
+          <a:effectRef idx="2">
+            <a:schemeClr val="accent1"/>
+          </a:effectRef>
+          <a:fontRef idx="minor">
+            <a:schemeClr val="lt1"/>
+          </a:fontRef>
+        </p:style>
+        <p:txBody>
+          <a:bodyPr rtlCol="0" anchor="ctr"/>
+          <a:lstStyle/>
+          <a:p>
+            <a:pPr algn="ctr">
+              <a:defRPr sz="1600" b="1">
+                <a:solidFill>
+                  <a:srgbClr val="FFFFFF"/>
+                </a:solidFill>
+              </a:defRPr>
+            </a:pPr>
+            <a:r>
+              <a:rPr sz="2400" dirty="0">
+                <a:cs typeface="Arial" panose="020B0604020202020204" pitchFamily="34" charset="0"/>
+              </a:rPr>
+              <a:t>1</a:t>
+            </a:r>
+          </a:p>
+        </p:txBody>
+      </p:sp>
+      <p:sp>
+        <p:nvSpPr>
+          <p:cNvPr id="3" name="Chevron 3">
+            <a:extLst>
+              <a:ext uri="{FF2B5EF4-FFF2-40B4-BE49-F238E27FC236}">
+                <a16:creationId xmlns:a16="http://schemas.microsoft.com/office/drawing/2014/main" id="{EC7DD2B8-21A1-F7A7-61AB-EA5B95A40182}"/>
+              </a:ext>
+            </a:extLst>
+          </p:cNvPr>
+          <p:cNvSpPr/>
+          <p:nvPr/>
+        </p:nvSpPr>
+        <p:spPr>
+          <a:xfrm>
+            <a:off x="2615408" y="2221560"/>
+            <a:ext cx="1983320" cy="882256"/>
+          </a:xfrm>
+          <a:prstGeom prst="chevron">
+            <a:avLst/>
+          </a:prstGeom>
+          <a:solidFill>
+            <a:srgbClr val="687999"/>
+          </a:solidFill>
+          <a:ln>
+            <a:noFill/>
+          </a:ln>
+        </p:spPr>
+        <p:style>
+          <a:lnRef idx="1">
+            <a:schemeClr val="accent1"/>
+          </a:lnRef>
+          <a:fillRef idx="3">
+            <a:schemeClr val="accent1"/>
+          </a:fillRef>
+          <a:effectRef idx="2">
+            <a:schemeClr val="accent1"/>
+          </a:effectRef>
+          <a:fontRef idx="minor">
+            <a:schemeClr val="lt1"/>
+          </a:fontRef>
+        </p:style>
+        <p:txBody>
+          <a:bodyPr rtlCol="0" anchor="ctr"/>
+          <a:lstStyle/>
+          <a:p>
+            <a:pPr algn="ctr">
+              <a:defRPr sz="1600" b="1">
+                <a:solidFill>
+                  <a:srgbClr val="FFFFFF"/>
+                </a:solidFill>
+              </a:defRPr>
+            </a:pPr>
+            <a:r>
+              <a:rPr sz="2400" dirty="0"/>
+              <a:t>2</a:t>
+            </a:r>
+          </a:p>
+        </p:txBody>
+      </p:sp>
+      <p:sp>
+        <p:nvSpPr>
+          <p:cNvPr id="4" name="Chevron 4">
+            <a:extLst>
+              <a:ext uri="{FF2B5EF4-FFF2-40B4-BE49-F238E27FC236}">
+                <a16:creationId xmlns:a16="http://schemas.microsoft.com/office/drawing/2014/main" id="{C8AF5745-CAAC-EB54-CD7B-8AEAA86BB11F}"/>
+              </a:ext>
+            </a:extLst>
+          </p:cNvPr>
+          <p:cNvSpPr/>
+          <p:nvPr/>
+        </p:nvSpPr>
+        <p:spPr>
+          <a:xfrm>
+            <a:off x="4274052" y="2221560"/>
+            <a:ext cx="1983320" cy="882256"/>
+          </a:xfrm>
+          <a:prstGeom prst="chevron">
+            <a:avLst/>
+          </a:prstGeom>
+          <a:solidFill>
+            <a:srgbClr val="535C81"/>
+          </a:solidFill>
+          <a:ln>
+            <a:noFill/>
+          </a:ln>
+        </p:spPr>
+        <p:style>
+          <a:lnRef idx="1">
+            <a:schemeClr val="accent1"/>
+          </a:lnRef>
+          <a:fillRef idx="3">
+            <a:schemeClr val="accent1"/>
+          </a:fillRef>
+          <a:effectRef idx="2">
+            <a:schemeClr val="accent1"/>
+          </a:effectRef>
+          <a:fontRef idx="minor">
+            <a:schemeClr val="lt1"/>
+          </a:fontRef>
+        </p:style>
+        <p:txBody>
+          <a:bodyPr rtlCol="0" anchor="ctr"/>
+          <a:lstStyle/>
+          <a:p>
+            <a:pPr algn="ctr">
+              <a:defRPr sz="1600" b="1">
+                <a:solidFill>
+                  <a:srgbClr val="FFFFFF"/>
+                </a:solidFill>
+              </a:defRPr>
+            </a:pPr>
+            <a:r>
+              <a:rPr sz="2400" dirty="0"/>
+              <a:t>3</a:t>
+            </a:r>
+          </a:p>
+        </p:txBody>
+      </p:sp>
+      <p:sp>
+        <p:nvSpPr>
+          <p:cNvPr id="5" name="Chevron 5">
+            <a:extLst>
+              <a:ext uri="{FF2B5EF4-FFF2-40B4-BE49-F238E27FC236}">
+                <a16:creationId xmlns:a16="http://schemas.microsoft.com/office/drawing/2014/main" id="{350A67FE-BC2A-77CD-BC85-BB6F07403718}"/>
+              </a:ext>
+            </a:extLst>
+          </p:cNvPr>
+          <p:cNvSpPr/>
+          <p:nvPr/>
+        </p:nvSpPr>
+        <p:spPr>
+          <a:xfrm>
+            <a:off x="5935609" y="2221560"/>
+            <a:ext cx="1983320" cy="882256"/>
+          </a:xfrm>
+          <a:prstGeom prst="chevron">
+            <a:avLst/>
+          </a:prstGeom>
+          <a:solidFill>
+            <a:srgbClr val="42364B"/>
+          </a:solidFill>
+          <a:ln>
+            <a:noFill/>
+          </a:ln>
+        </p:spPr>
+        <p:style>
+          <a:lnRef idx="1">
+            <a:schemeClr val="accent1"/>
+          </a:lnRef>
+          <a:fillRef idx="3">
+            <a:schemeClr val="accent1"/>
+          </a:fillRef>
+          <a:effectRef idx="2">
+            <a:schemeClr val="accent1"/>
+          </a:effectRef>
+          <a:fontRef idx="minor">
+            <a:schemeClr val="lt1"/>
+          </a:fontRef>
+        </p:style>
+        <p:txBody>
+          <a:bodyPr rtlCol="0" anchor="ctr"/>
+          <a:lstStyle/>
+          <a:p>
+            <a:pPr algn="ctr">
+              <a:defRPr sz="1600" b="1">
+                <a:solidFill>
+                  <a:srgbClr val="FFFFFF"/>
+                </a:solidFill>
+              </a:defRPr>
+            </a:pPr>
+            <a:r>
+              <a:rPr sz="2400" dirty="0"/>
+              <a:t>4</a:t>
+            </a:r>
+          </a:p>
+        </p:txBody>
+      </p:sp>
+      <p:sp>
+        <p:nvSpPr>
+          <p:cNvPr id="6" name="Chevron 6">
+            <a:extLst>
+              <a:ext uri="{FF2B5EF4-FFF2-40B4-BE49-F238E27FC236}">
+                <a16:creationId xmlns:a16="http://schemas.microsoft.com/office/drawing/2014/main" id="{2555B320-D0C6-E98F-F522-579670EF7DAA}"/>
+              </a:ext>
+            </a:extLst>
+          </p:cNvPr>
+          <p:cNvSpPr/>
+          <p:nvPr/>
+        </p:nvSpPr>
+        <p:spPr>
+          <a:xfrm>
+            <a:off x="7594253" y="2221560"/>
+            <a:ext cx="1983320" cy="882256"/>
+          </a:xfrm>
+          <a:prstGeom prst="chevron">
+            <a:avLst/>
+          </a:prstGeom>
+          <a:solidFill>
+            <a:srgbClr val="5B4059"/>
+          </a:solidFill>
+          <a:ln>
+            <a:noFill/>
+          </a:ln>
+        </p:spPr>
+        <p:style>
+          <a:lnRef idx="1">
+            <a:schemeClr val="accent1"/>
+          </a:lnRef>
+          <a:fillRef idx="3">
+            <a:schemeClr val="accent1"/>
+          </a:fillRef>
+          <a:effectRef idx="2">
+            <a:schemeClr val="accent1"/>
+          </a:effectRef>
+          <a:fontRef idx="minor">
+            <a:schemeClr val="lt1"/>
+          </a:fontRef>
+        </p:style>
+        <p:txBody>
+          <a:bodyPr rtlCol="0" anchor="ctr"/>
+          <a:lstStyle/>
+          <a:p>
+            <a:pPr algn="ctr">
+              <a:defRPr sz="1600" b="1">
+                <a:solidFill>
+                  <a:srgbClr val="FFFFFF"/>
+                </a:solidFill>
+              </a:defRPr>
+            </a:pPr>
+            <a:r>
+              <a:rPr sz="2400" dirty="0"/>
+              <a:t>5</a:t>
+            </a:r>
+          </a:p>
+        </p:txBody>
+      </p:sp>
+      <p:sp>
+        <p:nvSpPr>
+          <p:cNvPr id="7" name="Chevron 7">
+            <a:extLst>
+              <a:ext uri="{FF2B5EF4-FFF2-40B4-BE49-F238E27FC236}">
+                <a16:creationId xmlns:a16="http://schemas.microsoft.com/office/drawing/2014/main" id="{31471923-BA78-752F-BB90-9725138E1064}"/>
+              </a:ext>
+            </a:extLst>
+          </p:cNvPr>
+          <p:cNvSpPr/>
+          <p:nvPr/>
+        </p:nvSpPr>
+        <p:spPr>
+          <a:xfrm>
+            <a:off x="9255810" y="2221560"/>
+            <a:ext cx="1983320" cy="882256"/>
+          </a:xfrm>
+          <a:prstGeom prst="chevron">
+            <a:avLst/>
+          </a:prstGeom>
+          <a:solidFill>
+            <a:srgbClr val="988594"/>
+          </a:solidFill>
+          <a:ln>
+            <a:noFill/>
+          </a:ln>
+        </p:spPr>
+        <p:style>
+          <a:lnRef idx="1">
+            <a:schemeClr val="accent1"/>
+          </a:lnRef>
+          <a:fillRef idx="3">
+            <a:schemeClr val="accent1"/>
+          </a:fillRef>
+          <a:effectRef idx="2">
+            <a:schemeClr val="accent1"/>
+          </a:effectRef>
+          <a:fontRef idx="minor">
+            <a:schemeClr val="lt1"/>
+          </a:fontRef>
+        </p:style>
+        <p:txBody>
+          <a:bodyPr rtlCol="0" anchor="ctr"/>
+          <a:lstStyle/>
+          <a:p>
+            <a:pPr algn="ctr">
+              <a:defRPr sz="1600" b="1">
+                <a:solidFill>
+                  <a:srgbClr val="FFFFFF"/>
+                </a:solidFill>
+              </a:defRPr>
+            </a:pPr>
+            <a:r>
+              <a:rPr sz="2400" dirty="0"/>
+              <a:t>6</a:t>
+            </a:r>
+          </a:p>
+        </p:txBody>
+      </p:sp>
+      <p:sp>
+        <p:nvSpPr>
+          <p:cNvPr id="8" name="Textfeld 7">
+            <a:extLst>
+              <a:ext uri="{FF2B5EF4-FFF2-40B4-BE49-F238E27FC236}">
+                <a16:creationId xmlns:a16="http://schemas.microsoft.com/office/drawing/2014/main" id="{EF949F10-B5F3-31FC-B3E2-0653BA27AF58}"/>
+              </a:ext>
+            </a:extLst>
+          </p:cNvPr>
+          <p:cNvSpPr txBox="1"/>
+          <p:nvPr/>
+        </p:nvSpPr>
+        <p:spPr>
+          <a:xfrm>
+            <a:off x="952395" y="3203543"/>
+            <a:ext cx="1538444" cy="1384995"/>
           </a:xfrm>
           <a:prstGeom prst="rect">
             <a:avLst/>
           </a:prstGeom>
           <a:noFill/>
-          <a:ln w="0">
-            <a:noFill/>
-          </a:ln>
         </p:spPr>
-      </p:pic>
+        <p:txBody>
+          <a:bodyPr wrap="square" rtlCol="0">
+            <a:spAutoFit/>
+          </a:bodyPr>
+          <a:lstStyle/>
+          <a:p>
+            <a:r>
+              <a:rPr lang="de-DE" sz="1200" dirty="0">
+                <a:cs typeface="Arial" panose="020B0604020202020204" pitchFamily="34" charset="0"/>
+              </a:rPr>
+              <a:t>Ein vollständiger </a:t>
+            </a:r>
+            <a:r>
+              <a:rPr lang="de-DE" sz="1200" dirty="0" err="1">
+                <a:cs typeface="Arial" panose="020B0604020202020204" pitchFamily="34" charset="0"/>
+              </a:rPr>
+              <a:t>Product</a:t>
+            </a:r>
+            <a:r>
+              <a:rPr lang="de-DE" sz="1200" dirty="0">
+                <a:cs typeface="Arial" panose="020B0604020202020204" pitchFamily="34" charset="0"/>
+              </a:rPr>
+              <a:t> Backlog für die Geschäftsführung (GF), der durch diese abgesegnet werden kann. </a:t>
+            </a:r>
+          </a:p>
+        </p:txBody>
+      </p:sp>
+      <p:sp>
+        <p:nvSpPr>
+          <p:cNvPr id="9" name="Textfeld 8">
+            <a:extLst>
+              <a:ext uri="{FF2B5EF4-FFF2-40B4-BE49-F238E27FC236}">
+                <a16:creationId xmlns:a16="http://schemas.microsoft.com/office/drawing/2014/main" id="{8C48F152-17E7-95B0-0BB8-3156B54258EB}"/>
+              </a:ext>
+            </a:extLst>
+          </p:cNvPr>
+          <p:cNvSpPr txBox="1"/>
+          <p:nvPr/>
+        </p:nvSpPr>
+        <p:spPr>
+          <a:xfrm>
+            <a:off x="2618321" y="3203543"/>
+            <a:ext cx="1538444" cy="1384995"/>
+          </a:xfrm>
+          <a:prstGeom prst="rect">
+            <a:avLst/>
+          </a:prstGeom>
+          <a:noFill/>
+        </p:spPr>
+        <p:txBody>
+          <a:bodyPr wrap="square" rtlCol="0">
+            <a:spAutoFit/>
+          </a:bodyPr>
+          <a:lstStyle/>
+          <a:p>
+            <a:r>
+              <a:rPr lang="de-DE" sz="1200" dirty="0">
+                <a:cs typeface="Arial" panose="020B0604020202020204" pitchFamily="34" charset="0"/>
+              </a:rPr>
+              <a:t>Ersteinschätzung des Projektablaufs, wie viele Phasen, Verbindlichkeiten, Kosten, etc. Soll dienen, um die GF ins Bild zu setzen. </a:t>
+            </a:r>
+          </a:p>
+        </p:txBody>
+      </p:sp>
+      <p:sp>
+        <p:nvSpPr>
+          <p:cNvPr id="10" name="Textfeld 9">
+            <a:extLst>
+              <a:ext uri="{FF2B5EF4-FFF2-40B4-BE49-F238E27FC236}">
+                <a16:creationId xmlns:a16="http://schemas.microsoft.com/office/drawing/2014/main" id="{8B8B3C04-5D3D-6249-9DD3-04EBCD67BBFC}"/>
+              </a:ext>
+            </a:extLst>
+          </p:cNvPr>
+          <p:cNvSpPr txBox="1"/>
+          <p:nvPr/>
+        </p:nvSpPr>
+        <p:spPr>
+          <a:xfrm>
+            <a:off x="4271139" y="3198662"/>
+            <a:ext cx="1541357" cy="1384995"/>
+          </a:xfrm>
+          <a:prstGeom prst="rect">
+            <a:avLst/>
+          </a:prstGeom>
+          <a:noFill/>
+        </p:spPr>
+        <p:txBody>
+          <a:bodyPr wrap="square" rtlCol="0">
+            <a:spAutoFit/>
+          </a:bodyPr>
+          <a:lstStyle/>
+          <a:p>
+            <a:r>
+              <a:rPr lang="de-DE" sz="1200" dirty="0">
+                <a:cs typeface="Arial" panose="020B0604020202020204" pitchFamily="34" charset="0"/>
+              </a:rPr>
+              <a:t>Eine erste Version der lauffähigen Software. Soll der GF dienen, eventuell am </a:t>
+            </a:r>
+            <a:r>
+              <a:rPr lang="de-DE" sz="1200" dirty="0" err="1">
+                <a:cs typeface="Arial" panose="020B0604020202020204" pitchFamily="34" charset="0"/>
+              </a:rPr>
+              <a:t>Product</a:t>
+            </a:r>
+            <a:r>
+              <a:rPr lang="de-DE" sz="1200" dirty="0">
+                <a:cs typeface="Arial" panose="020B0604020202020204" pitchFamily="34" charset="0"/>
+              </a:rPr>
+              <a:t> Backlog nochmals nachzubessern </a:t>
+            </a:r>
+          </a:p>
+        </p:txBody>
+      </p:sp>
+      <p:sp>
+        <p:nvSpPr>
+          <p:cNvPr id="11" name="Textfeld 10">
+            <a:extLst>
+              <a:ext uri="{FF2B5EF4-FFF2-40B4-BE49-F238E27FC236}">
+                <a16:creationId xmlns:a16="http://schemas.microsoft.com/office/drawing/2014/main" id="{67CDCE93-599F-E8D5-4CB6-C9DB13D37687}"/>
+              </a:ext>
+            </a:extLst>
+          </p:cNvPr>
+          <p:cNvSpPr txBox="1"/>
+          <p:nvPr/>
+        </p:nvSpPr>
+        <p:spPr>
+          <a:xfrm>
+            <a:off x="5935609" y="3203543"/>
+            <a:ext cx="1541357" cy="2862322"/>
+          </a:xfrm>
+          <a:prstGeom prst="rect">
+            <a:avLst/>
+          </a:prstGeom>
+          <a:noFill/>
+        </p:spPr>
+        <p:txBody>
+          <a:bodyPr wrap="square" rtlCol="0">
+            <a:spAutoFit/>
+          </a:bodyPr>
+          <a:lstStyle/>
+          <a:p>
+            <a:r>
+              <a:rPr lang="de-DE" sz="1200" dirty="0">
+                <a:cs typeface="Arial" panose="020B0604020202020204" pitchFamily="34" charset="0"/>
+              </a:rPr>
+              <a:t>Dokumentation der Funktionen, die innerhalb der Sprints als </a:t>
+            </a:r>
+            <a:br>
+              <a:rPr lang="de-DE" sz="1200" dirty="0">
+                <a:cs typeface="Arial" panose="020B0604020202020204" pitchFamily="34" charset="0"/>
+              </a:rPr>
+            </a:br>
+            <a:r>
+              <a:rPr lang="de-DE" sz="1200" dirty="0" err="1">
+                <a:cs typeface="Arial" panose="020B0604020202020204" pitchFamily="34" charset="0"/>
+              </a:rPr>
+              <a:t>Increments</a:t>
+            </a:r>
+            <a:r>
+              <a:rPr lang="de-DE" sz="1200" dirty="0">
+                <a:cs typeface="Arial" panose="020B0604020202020204" pitchFamily="34" charset="0"/>
+              </a:rPr>
+              <a:t> umgesetzt wurden. Dient späteren Nutzern zur Nachverfolgung und der GF zur Übersicht, welche Funktionen umgesetzt wurden/verschoben wurden. </a:t>
+            </a:r>
+          </a:p>
+        </p:txBody>
+      </p:sp>
+      <p:sp>
+        <p:nvSpPr>
+          <p:cNvPr id="12" name="Textfeld 11">
+            <a:extLst>
+              <a:ext uri="{FF2B5EF4-FFF2-40B4-BE49-F238E27FC236}">
+                <a16:creationId xmlns:a16="http://schemas.microsoft.com/office/drawing/2014/main" id="{D08E02F1-0832-BC84-3FD7-B66DFF1E97CD}"/>
+              </a:ext>
+            </a:extLst>
+          </p:cNvPr>
+          <p:cNvSpPr txBox="1"/>
+          <p:nvPr/>
+        </p:nvSpPr>
+        <p:spPr>
+          <a:xfrm>
+            <a:off x="7600079" y="3203543"/>
+            <a:ext cx="1544270" cy="1015663"/>
+          </a:xfrm>
+          <a:prstGeom prst="rect">
+            <a:avLst/>
+          </a:prstGeom>
+          <a:noFill/>
+        </p:spPr>
+        <p:txBody>
+          <a:bodyPr wrap="square" rtlCol="0">
+            <a:spAutoFit/>
+          </a:bodyPr>
+          <a:lstStyle/>
+          <a:p>
+            <a:r>
+              <a:rPr lang="de-DE" sz="1200" dirty="0"/>
+              <a:t>Auswertung der Beurteilung der Testpersonen/Fach-bereiche, damit GF die Übersicht behält. </a:t>
+            </a:r>
+            <a:endParaRPr lang="de-DE" sz="1200" dirty="0">
+              <a:latin typeface="Arial" panose="020B0604020202020204" pitchFamily="34" charset="0"/>
+              <a:cs typeface="Arial" panose="020B0604020202020204" pitchFamily="34" charset="0"/>
+            </a:endParaRPr>
+          </a:p>
+        </p:txBody>
+      </p:sp>
+      <p:sp>
+        <p:nvSpPr>
+          <p:cNvPr id="13" name="Textfeld 12">
+            <a:extLst>
+              <a:ext uri="{FF2B5EF4-FFF2-40B4-BE49-F238E27FC236}">
+                <a16:creationId xmlns:a16="http://schemas.microsoft.com/office/drawing/2014/main" id="{A8CA8BDB-F513-C5EC-9814-AA913F4E8656}"/>
+              </a:ext>
+            </a:extLst>
+          </p:cNvPr>
+          <p:cNvSpPr txBox="1"/>
+          <p:nvPr/>
+        </p:nvSpPr>
+        <p:spPr>
+          <a:xfrm>
+            <a:off x="9267462" y="3198749"/>
+            <a:ext cx="1544270" cy="1200329"/>
+          </a:xfrm>
+          <a:prstGeom prst="rect">
+            <a:avLst/>
+          </a:prstGeom>
+          <a:noFill/>
+        </p:spPr>
+        <p:txBody>
+          <a:bodyPr wrap="square" rtlCol="0">
+            <a:spAutoFit/>
+          </a:bodyPr>
+          <a:lstStyle/>
+          <a:p>
+            <a:r>
+              <a:rPr lang="de-DE" sz="1200" dirty="0"/>
+              <a:t>Paket mit Anleitungen und allen nötigen Informationen, um mit dem System live zu gehen. </a:t>
+            </a:r>
+            <a:endParaRPr lang="de-DE" sz="1200" dirty="0">
+              <a:latin typeface="Arial" panose="020B0604020202020204" pitchFamily="34" charset="0"/>
+              <a:cs typeface="Arial" panose="020B0604020202020204" pitchFamily="34" charset="0"/>
+            </a:endParaRPr>
+          </a:p>
+        </p:txBody>
+      </p:sp>
     </p:spTree>
   </p:cSld>
   <p:clrMapOvr>
     <a:masterClrMapping/>
   </p:clrMapOvr>
+  <p:timing>
+    <p:tnLst>
+      <p:par>
+        <p:cTn id="1" dur="indefinite" restart="never" nodeType="tmRoot">
+          <p:childTnLst>
+            <p:seq concurrent="1" nextAc="seek">
+              <p:cTn id="2" dur="indefinite" nodeType="mainSeq">
+                <p:childTnLst>
+                  <p:par>
+                    <p:cTn id="3" fill="hold">
+                      <p:stCondLst>
+                        <p:cond delay="indefinite"/>
+                      </p:stCondLst>
+                      <p:childTnLst>
+                        <p:par>
+                          <p:cTn id="4" fill="hold">
+                            <p:stCondLst>
+                              <p:cond delay="0"/>
+                            </p:stCondLst>
+                            <p:childTnLst>
+                              <p:par>
+                                <p:cTn id="5" presetID="1" presetClass="entr" presetSubtype="0" fill="hold" grpId="0" nodeType="clickEffect">
+                                  <p:stCondLst>
+                                    <p:cond delay="0"/>
+                                  </p:stCondLst>
+                                  <p:childTnLst>
+                                    <p:set>
+                                      <p:cBhvr>
+                                        <p:cTn id="6" dur="1" fill="hold">
+                                          <p:stCondLst>
+                                            <p:cond delay="0"/>
+                                          </p:stCondLst>
+                                        </p:cTn>
+                                        <p:tgtEl>
+                                          <p:spTgt spid="2"/>
+                                        </p:tgtEl>
+                                        <p:attrNameLst>
+                                          <p:attrName>style.visibility</p:attrName>
+                                        </p:attrNameLst>
+                                      </p:cBhvr>
+                                      <p:to>
+                                        <p:strVal val="visible"/>
+                                      </p:to>
+                                    </p:set>
+                                  </p:childTnLst>
+                                </p:cTn>
+                              </p:par>
+                              <p:par>
+                                <p:cTn id="7" presetID="1" presetClass="entr" presetSubtype="0" fill="hold" grpId="0" nodeType="withEffect">
+                                  <p:stCondLst>
+                                    <p:cond delay="0"/>
+                                  </p:stCondLst>
+                                  <p:childTnLst>
+                                    <p:set>
+                                      <p:cBhvr>
+                                        <p:cTn id="8" dur="1" fill="hold">
+                                          <p:stCondLst>
+                                            <p:cond delay="0"/>
+                                          </p:stCondLst>
+                                        </p:cTn>
+                                        <p:tgtEl>
+                                          <p:spTgt spid="8"/>
+                                        </p:tgtEl>
+                                        <p:attrNameLst>
+                                          <p:attrName>style.visibility</p:attrName>
+                                        </p:attrNameLst>
+                                      </p:cBhvr>
+                                      <p:to>
+                                        <p:strVal val="visible"/>
+                                      </p:to>
+                                    </p:set>
+                                  </p:childTnLst>
+                                </p:cTn>
+                              </p:par>
+                            </p:childTnLst>
+                          </p:cTn>
+                        </p:par>
+                      </p:childTnLst>
+                    </p:cTn>
+                  </p:par>
+                  <p:par>
+                    <p:cTn id="9" fill="hold">
+                      <p:stCondLst>
+                        <p:cond delay="indefinite"/>
+                      </p:stCondLst>
+                      <p:childTnLst>
+                        <p:par>
+                          <p:cTn id="10" fill="hold">
+                            <p:stCondLst>
+                              <p:cond delay="0"/>
+                            </p:stCondLst>
+                            <p:childTnLst>
+                              <p:par>
+                                <p:cTn id="11" presetID="1" presetClass="entr" presetSubtype="0" fill="hold" grpId="0" nodeType="clickEffect">
+                                  <p:stCondLst>
+                                    <p:cond delay="0"/>
+                                  </p:stCondLst>
+                                  <p:iterate type="lt">
+                                    <p:tmAbs val="0"/>
+                                  </p:iterate>
+                                  <p:childTnLst>
+                                    <p:set>
+                                      <p:cBhvr>
+                                        <p:cTn id="12" dur="1" fill="hold">
+                                          <p:stCondLst>
+                                            <p:cond delay="0"/>
+                                          </p:stCondLst>
+                                        </p:cTn>
+                                        <p:tgtEl>
+                                          <p:spTgt spid="3"/>
+                                        </p:tgtEl>
+                                        <p:attrNameLst>
+                                          <p:attrName>style.visibility</p:attrName>
+                                        </p:attrNameLst>
+                                      </p:cBhvr>
+                                      <p:to>
+                                        <p:strVal val="visible"/>
+                                      </p:to>
+                                    </p:set>
+                                  </p:childTnLst>
+                                </p:cTn>
+                              </p:par>
+                              <p:par>
+                                <p:cTn id="13" presetID="1" presetClass="entr" presetSubtype="0" fill="hold" grpId="0" nodeType="withEffect">
+                                  <p:stCondLst>
+                                    <p:cond delay="0"/>
+                                  </p:stCondLst>
+                                  <p:childTnLst>
+                                    <p:set>
+                                      <p:cBhvr>
+                                        <p:cTn id="14" dur="1" fill="hold">
+                                          <p:stCondLst>
+                                            <p:cond delay="0"/>
+                                          </p:stCondLst>
+                                        </p:cTn>
+                                        <p:tgtEl>
+                                          <p:spTgt spid="9"/>
+                                        </p:tgtEl>
+                                        <p:attrNameLst>
+                                          <p:attrName>style.visibility</p:attrName>
+                                        </p:attrNameLst>
+                                      </p:cBhvr>
+                                      <p:to>
+                                        <p:strVal val="visible"/>
+                                      </p:to>
+                                    </p:set>
+                                  </p:childTnLst>
+                                </p:cTn>
+                              </p:par>
+                            </p:childTnLst>
+                          </p:cTn>
+                        </p:par>
+                      </p:childTnLst>
+                    </p:cTn>
+                  </p:par>
+                  <p:par>
+                    <p:cTn id="15" fill="hold">
+                      <p:stCondLst>
+                        <p:cond delay="indefinite"/>
+                      </p:stCondLst>
+                      <p:childTnLst>
+                        <p:par>
+                          <p:cTn id="16" fill="hold">
+                            <p:stCondLst>
+                              <p:cond delay="0"/>
+                            </p:stCondLst>
+                            <p:childTnLst>
+                              <p:par>
+                                <p:cTn id="17" presetID="1" presetClass="entr" presetSubtype="0" fill="hold" grpId="0" nodeType="clickEffect">
+                                  <p:stCondLst>
+                                    <p:cond delay="0"/>
+                                  </p:stCondLst>
+                                  <p:childTnLst>
+                                    <p:set>
+                                      <p:cBhvr>
+                                        <p:cTn id="18" dur="1" fill="hold">
+                                          <p:stCondLst>
+                                            <p:cond delay="0"/>
+                                          </p:stCondLst>
+                                        </p:cTn>
+                                        <p:tgtEl>
+                                          <p:spTgt spid="4"/>
+                                        </p:tgtEl>
+                                        <p:attrNameLst>
+                                          <p:attrName>style.visibility</p:attrName>
+                                        </p:attrNameLst>
+                                      </p:cBhvr>
+                                      <p:to>
+                                        <p:strVal val="visible"/>
+                                      </p:to>
+                                    </p:set>
+                                  </p:childTnLst>
+                                </p:cTn>
+                              </p:par>
+                              <p:par>
+                                <p:cTn id="19" presetID="1" presetClass="entr" presetSubtype="0" fill="hold" grpId="0" nodeType="withEffect">
+                                  <p:stCondLst>
+                                    <p:cond delay="0"/>
+                                  </p:stCondLst>
+                                  <p:childTnLst>
+                                    <p:set>
+                                      <p:cBhvr>
+                                        <p:cTn id="20" dur="1" fill="hold">
+                                          <p:stCondLst>
+                                            <p:cond delay="0"/>
+                                          </p:stCondLst>
+                                        </p:cTn>
+                                        <p:tgtEl>
+                                          <p:spTgt spid="10"/>
+                                        </p:tgtEl>
+                                        <p:attrNameLst>
+                                          <p:attrName>style.visibility</p:attrName>
+                                        </p:attrNameLst>
+                                      </p:cBhvr>
+                                      <p:to>
+                                        <p:strVal val="visible"/>
+                                      </p:to>
+                                    </p:set>
+                                  </p:childTnLst>
+                                </p:cTn>
+                              </p:par>
+                            </p:childTnLst>
+                          </p:cTn>
+                        </p:par>
+                      </p:childTnLst>
+                    </p:cTn>
+                  </p:par>
+                  <p:par>
+                    <p:cTn id="21" fill="hold">
+                      <p:stCondLst>
+                        <p:cond delay="indefinite"/>
+                      </p:stCondLst>
+                      <p:childTnLst>
+                        <p:par>
+                          <p:cTn id="22" fill="hold">
+                            <p:stCondLst>
+                              <p:cond delay="0"/>
+                            </p:stCondLst>
+                            <p:childTnLst>
+                              <p:par>
+                                <p:cTn id="23" presetID="1" presetClass="entr" presetSubtype="0" fill="hold" grpId="0" nodeType="clickEffect">
+                                  <p:stCondLst>
+                                    <p:cond delay="0"/>
+                                  </p:stCondLst>
+                                  <p:childTnLst>
+                                    <p:set>
+                                      <p:cBhvr>
+                                        <p:cTn id="24" dur="1" fill="hold">
+                                          <p:stCondLst>
+                                            <p:cond delay="0"/>
+                                          </p:stCondLst>
+                                        </p:cTn>
+                                        <p:tgtEl>
+                                          <p:spTgt spid="5"/>
+                                        </p:tgtEl>
+                                        <p:attrNameLst>
+                                          <p:attrName>style.visibility</p:attrName>
+                                        </p:attrNameLst>
+                                      </p:cBhvr>
+                                      <p:to>
+                                        <p:strVal val="visible"/>
+                                      </p:to>
+                                    </p:set>
+                                  </p:childTnLst>
+                                </p:cTn>
+                              </p:par>
+                              <p:par>
+                                <p:cTn id="25" presetID="1" presetClass="entr" presetSubtype="0" fill="hold" grpId="0" nodeType="withEffect">
+                                  <p:stCondLst>
+                                    <p:cond delay="0"/>
+                                  </p:stCondLst>
+                                  <p:childTnLst>
+                                    <p:set>
+                                      <p:cBhvr>
+                                        <p:cTn id="26" dur="1" fill="hold">
+                                          <p:stCondLst>
+                                            <p:cond delay="0"/>
+                                          </p:stCondLst>
+                                        </p:cTn>
+                                        <p:tgtEl>
+                                          <p:spTgt spid="11"/>
+                                        </p:tgtEl>
+                                        <p:attrNameLst>
+                                          <p:attrName>style.visibility</p:attrName>
+                                        </p:attrNameLst>
+                                      </p:cBhvr>
+                                      <p:to>
+                                        <p:strVal val="visible"/>
+                                      </p:to>
+                                    </p:set>
+                                  </p:childTnLst>
+                                </p:cTn>
+                              </p:par>
+                            </p:childTnLst>
+                          </p:cTn>
+                        </p:par>
+                      </p:childTnLst>
+                    </p:cTn>
+                  </p:par>
+                  <p:par>
+                    <p:cTn id="27" fill="hold">
+                      <p:stCondLst>
+                        <p:cond delay="indefinite"/>
+                      </p:stCondLst>
+                      <p:childTnLst>
+                        <p:par>
+                          <p:cTn id="28" fill="hold">
+                            <p:stCondLst>
+                              <p:cond delay="0"/>
+                            </p:stCondLst>
+                            <p:childTnLst>
+                              <p:par>
+                                <p:cTn id="29" presetID="1" presetClass="entr" presetSubtype="0" fill="hold" grpId="0" nodeType="clickEffect">
+                                  <p:stCondLst>
+                                    <p:cond delay="0"/>
+                                  </p:stCondLst>
+                                  <p:childTnLst>
+                                    <p:set>
+                                      <p:cBhvr>
+                                        <p:cTn id="30" dur="1" fill="hold">
+                                          <p:stCondLst>
+                                            <p:cond delay="0"/>
+                                          </p:stCondLst>
+                                        </p:cTn>
+                                        <p:tgtEl>
+                                          <p:spTgt spid="6"/>
+                                        </p:tgtEl>
+                                        <p:attrNameLst>
+                                          <p:attrName>style.visibility</p:attrName>
+                                        </p:attrNameLst>
+                                      </p:cBhvr>
+                                      <p:to>
+                                        <p:strVal val="visible"/>
+                                      </p:to>
+                                    </p:set>
+                                  </p:childTnLst>
+                                </p:cTn>
+                              </p:par>
+                              <p:par>
+                                <p:cTn id="31" presetID="1" presetClass="entr" presetSubtype="0" fill="hold" grpId="0" nodeType="withEffect">
+                                  <p:stCondLst>
+                                    <p:cond delay="0"/>
+                                  </p:stCondLst>
+                                  <p:childTnLst>
+                                    <p:set>
+                                      <p:cBhvr>
+                                        <p:cTn id="32" dur="1" fill="hold">
+                                          <p:stCondLst>
+                                            <p:cond delay="0"/>
+                                          </p:stCondLst>
+                                        </p:cTn>
+                                        <p:tgtEl>
+                                          <p:spTgt spid="12"/>
+                                        </p:tgtEl>
+                                        <p:attrNameLst>
+                                          <p:attrName>style.visibility</p:attrName>
+                                        </p:attrNameLst>
+                                      </p:cBhvr>
+                                      <p:to>
+                                        <p:strVal val="visible"/>
+                                      </p:to>
+                                    </p:set>
+                                  </p:childTnLst>
+                                </p:cTn>
+                              </p:par>
+                            </p:childTnLst>
+                          </p:cTn>
+                        </p:par>
+                      </p:childTnLst>
+                    </p:cTn>
+                  </p:par>
+                  <p:par>
+                    <p:cTn id="33" fill="hold">
+                      <p:stCondLst>
+                        <p:cond delay="indefinite"/>
+                      </p:stCondLst>
+                      <p:childTnLst>
+                        <p:par>
+                          <p:cTn id="34" fill="hold">
+                            <p:stCondLst>
+                              <p:cond delay="0"/>
+                            </p:stCondLst>
+                            <p:childTnLst>
+                              <p:par>
+                                <p:cTn id="35" presetID="1" presetClass="entr" presetSubtype="0" fill="hold" grpId="0" nodeType="clickEffect">
+                                  <p:stCondLst>
+                                    <p:cond delay="0"/>
+                                  </p:stCondLst>
+                                  <p:childTnLst>
+                                    <p:set>
+                                      <p:cBhvr>
+                                        <p:cTn id="36" dur="1" fill="hold">
+                                          <p:stCondLst>
+                                            <p:cond delay="0"/>
+                                          </p:stCondLst>
+                                        </p:cTn>
+                                        <p:tgtEl>
+                                          <p:spTgt spid="7"/>
+                                        </p:tgtEl>
+                                        <p:attrNameLst>
+                                          <p:attrName>style.visibility</p:attrName>
+                                        </p:attrNameLst>
+                                      </p:cBhvr>
+                                      <p:to>
+                                        <p:strVal val="visible"/>
+                                      </p:to>
+                                    </p:set>
+                                  </p:childTnLst>
+                                </p:cTn>
+                              </p:par>
+                              <p:par>
+                                <p:cTn id="37" presetID="1" presetClass="entr" presetSubtype="0" fill="hold" grpId="0" nodeType="withEffect">
+                                  <p:stCondLst>
+                                    <p:cond delay="0"/>
+                                  </p:stCondLst>
+                                  <p:childTnLst>
+                                    <p:set>
+                                      <p:cBhvr>
+                                        <p:cTn id="38" dur="1" fill="hold">
+                                          <p:stCondLst>
+                                            <p:cond delay="0"/>
+                                          </p:stCondLst>
+                                        </p:cTn>
+                                        <p:tgtEl>
+                                          <p:spTgt spid="13"/>
+                                        </p:tgtEl>
+                                        <p:attrNameLst>
+                                          <p:attrName>style.visibility</p:attrName>
+                                        </p:attrNameLst>
+                                      </p:cBhvr>
+                                      <p:to>
+                                        <p:strVal val="visible"/>
+                                      </p:to>
+                                    </p:set>
+                                  </p:childTnLst>
+                                </p:cTn>
+                              </p:par>
+                            </p:childTnLst>
+                          </p:cTn>
+                        </p:par>
+                      </p:childTnLst>
+                    </p:cTn>
+                  </p:par>
+                  <p:par>
+                    <p:cTn id="39" fill="hold">
+                      <p:stCondLst>
+                        <p:cond delay="indefinite"/>
+                      </p:stCondLst>
+                      <p:childTnLst>
+                        <p:par>
+                          <p:cTn id="40" fill="hold">
+                            <p:stCondLst>
+                              <p:cond delay="0"/>
+                            </p:stCondLst>
+                            <p:childTnLst>
+                              <p:par>
+                                <p:cTn id="41" presetID="1" presetClass="entr" presetSubtype="0" fill="hold" grpId="1" nodeType="clickEffect">
+                                  <p:stCondLst>
+                                    <p:cond delay="0"/>
+                                  </p:stCondLst>
+                                  <p:iterate type="lt">
+                                    <p:tmAbs val="0"/>
+                                  </p:iterate>
+                                  <p:childTnLst>
+                                    <p:set>
+                                      <p:cBhvr>
+                                        <p:cTn id="42" dur="1" fill="hold">
+                                          <p:stCondLst>
+                                            <p:cond delay="0"/>
+                                          </p:stCondLst>
+                                        </p:cTn>
+                                        <p:tgtEl>
+                                          <p:spTgt spid="3"/>
+                                        </p:tgtEl>
+                                        <p:attrNameLst>
+                                          <p:attrName>style.visibility</p:attrName>
+                                        </p:attrNameLst>
+                                      </p:cBhvr>
+                                      <p:to>
+                                        <p:strVal val="visible"/>
+                                      </p:to>
+                                    </p:set>
+                                  </p:childTnLst>
+                                </p:cTn>
+                              </p:par>
+                            </p:childTnLst>
+                          </p:cTn>
+                        </p:par>
+                      </p:childTnLst>
+                    </p:cTn>
+                  </p:par>
+                </p:childTnLst>
+              </p:cTn>
+              <p:prevCondLst>
+                <p:cond evt="onPrev" delay="0">
+                  <p:tgtEl>
+                    <p:sldTgt/>
+                  </p:tgtEl>
+                </p:cond>
+              </p:prevCondLst>
+              <p:nextCondLst>
+                <p:cond evt="onNext" delay="0">
+                  <p:tgtEl>
+                    <p:sldTgt/>
+                  </p:tgtEl>
+                </p:cond>
+              </p:nextCondLst>
+            </p:seq>
+          </p:childTnLst>
+        </p:cTn>
+      </p:par>
+    </p:tnLst>
+    <p:bldLst>
+      <p:bldP spid="2" grpId="0" animBg="1"/>
+      <p:bldP spid="3" grpId="0" animBg="1"/>
+      <p:bldP spid="3" grpId="1" animBg="1"/>
+      <p:bldP spid="4" grpId="0" animBg="1"/>
+      <p:bldP spid="5" grpId="0" animBg="1"/>
+      <p:bldP spid="6" grpId="0" animBg="1"/>
+      <p:bldP spid="7" grpId="0" animBg="1"/>
+      <p:bldP spid="8" grpId="0"/>
+      <p:bldP spid="9" grpId="0"/>
+      <p:bldP spid="10" grpId="0"/>
+      <p:bldP spid="11" grpId="0"/>
+      <p:bldP spid="12" grpId="0"/>
+      <p:bldP spid="13" grpId="0"/>
+    </p:bldLst>
+  </p:timing>
 </p:sld>
 </file>
 
@@ -20474,6 +21847,1206 @@
           </a:p>
         </p:txBody>
       </p:sp>
+      <p:graphicFrame>
+        <p:nvGraphicFramePr>
+          <p:cNvPr id="6" name="Tabelle 5">
+            <a:extLst>
+              <a:ext uri="{FF2B5EF4-FFF2-40B4-BE49-F238E27FC236}">
+                <a16:creationId xmlns:a16="http://schemas.microsoft.com/office/drawing/2014/main" id="{3ABBAFF1-2777-7BEA-5AF5-B5E209B1E0F8}"/>
+              </a:ext>
+            </a:extLst>
+          </p:cNvPr>
+          <p:cNvGraphicFramePr>
+            <a:graphicFrameLocks noGrp="1"/>
+          </p:cNvGraphicFramePr>
+          <p:nvPr>
+            <p:extLst>
+              <p:ext uri="{D42A27DB-BD31-4B8C-83A1-F6EECF244321}">
+                <p14:modId xmlns:p14="http://schemas.microsoft.com/office/powerpoint/2010/main" val="1963608324"/>
+              </p:ext>
+            </p:extLst>
+          </p:nvPr>
+        </p:nvGraphicFramePr>
+        <p:xfrm>
+          <a:off x="800520" y="1828027"/>
+          <a:ext cx="10590960" cy="4115573"/>
+        </p:xfrm>
+        <a:graphic>
+          <a:graphicData uri="http://schemas.openxmlformats.org/drawingml/2006/table">
+            <a:tbl>
+              <a:tblPr firstRow="1" bandRow="1">
+                <a:tableStyleId>{5C22544A-7EE6-4342-B048-85BDC9FD1C3A}</a:tableStyleId>
+              </a:tblPr>
+              <a:tblGrid>
+                <a:gridCol w="2118192">
+                  <a:extLst>
+                    <a:ext uri="{9D8B030D-6E8A-4147-A177-3AD203B41FA5}">
+                      <a16:colId xmlns:a16="http://schemas.microsoft.com/office/drawing/2014/main" val="3712955856"/>
+                    </a:ext>
+                  </a:extLst>
+                </a:gridCol>
+                <a:gridCol w="2118192">
+                  <a:extLst>
+                    <a:ext uri="{9D8B030D-6E8A-4147-A177-3AD203B41FA5}">
+                      <a16:colId xmlns:a16="http://schemas.microsoft.com/office/drawing/2014/main" val="1148445820"/>
+                    </a:ext>
+                  </a:extLst>
+                </a:gridCol>
+                <a:gridCol w="2118192">
+                  <a:extLst>
+                    <a:ext uri="{9D8B030D-6E8A-4147-A177-3AD203B41FA5}">
+                      <a16:colId xmlns:a16="http://schemas.microsoft.com/office/drawing/2014/main" val="3380777656"/>
+                    </a:ext>
+                  </a:extLst>
+                </a:gridCol>
+                <a:gridCol w="2118192">
+                  <a:extLst>
+                    <a:ext uri="{9D8B030D-6E8A-4147-A177-3AD203B41FA5}">
+                      <a16:colId xmlns:a16="http://schemas.microsoft.com/office/drawing/2014/main" val="3360241703"/>
+                    </a:ext>
+                  </a:extLst>
+                </a:gridCol>
+                <a:gridCol w="2118192">
+                  <a:extLst>
+                    <a:ext uri="{9D8B030D-6E8A-4147-A177-3AD203B41FA5}">
+                      <a16:colId xmlns:a16="http://schemas.microsoft.com/office/drawing/2014/main" val="2323767037"/>
+                    </a:ext>
+                  </a:extLst>
+                </a:gridCol>
+              </a:tblGrid>
+              <a:tr h="414110">
+                <a:tc>
+                  <a:txBody>
+                    <a:bodyPr/>
+                    <a:lstStyle/>
+                    <a:p>
+                      <a:pPr algn="ctr">
+                        <a:buNone/>
+                      </a:pPr>
+                      <a:r>
+                        <a:rPr lang="de-DE" sz="1000" b="1" kern="100" dirty="0">
+                          <a:effectLst/>
+                          <a:latin typeface="Arial" panose="020B0604020202020204" pitchFamily="34" charset="0"/>
+                          <a:ea typeface="Noto Serif CJK SC"/>
+                          <a:cs typeface="Noto Sans Devanagari" panose="020B0502040504020204" pitchFamily="34" charset="0"/>
+                        </a:rPr>
+                        <a:t>Nummer</a:t>
+                      </a:r>
+                      <a:endParaRPr lang="de-DE" sz="1200" kern="100" dirty="0">
+                        <a:effectLst/>
+                        <a:latin typeface="Liberation Serif"/>
+                        <a:ea typeface="Noto Serif CJK SC"/>
+                        <a:cs typeface="Noto Sans Devanagari" panose="020B0502040504020204" pitchFamily="34" charset="0"/>
+                      </a:endParaRPr>
+                    </a:p>
+                  </a:txBody>
+                  <a:tcPr marL="34925" marR="34925" marT="34925" marB="34925"/>
+                </a:tc>
+                <a:tc>
+                  <a:txBody>
+                    <a:bodyPr/>
+                    <a:lstStyle/>
+                    <a:p>
+                      <a:pPr algn="ctr">
+                        <a:buNone/>
+                      </a:pPr>
+                      <a:r>
+                        <a:rPr lang="de-DE" sz="1000" b="1" kern="100">
+                          <a:effectLst/>
+                          <a:latin typeface="Arial" panose="020B0604020202020204" pitchFamily="34" charset="0"/>
+                          <a:ea typeface="Noto Serif CJK SC"/>
+                          <a:cs typeface="Noto Sans Devanagari" panose="020B0502040504020204" pitchFamily="34" charset="0"/>
+                        </a:rPr>
+                        <a:t>Meilenstein</a:t>
+                      </a:r>
+                      <a:endParaRPr lang="de-DE" sz="1200" kern="100">
+                        <a:effectLst/>
+                        <a:latin typeface="Liberation Serif"/>
+                        <a:ea typeface="Noto Serif CJK SC"/>
+                        <a:cs typeface="Noto Sans Devanagari" panose="020B0502040504020204" pitchFamily="34" charset="0"/>
+                      </a:endParaRPr>
+                    </a:p>
+                  </a:txBody>
+                  <a:tcPr marL="34925" marR="34925" marT="34925" marB="34925"/>
+                </a:tc>
+                <a:tc>
+                  <a:txBody>
+                    <a:bodyPr/>
+                    <a:lstStyle/>
+                    <a:p>
+                      <a:pPr algn="ctr">
+                        <a:buNone/>
+                      </a:pPr>
+                      <a:r>
+                        <a:rPr lang="de-DE" sz="1000" b="1" kern="100" dirty="0">
+                          <a:effectLst/>
+                          <a:latin typeface="Arial" panose="020B0604020202020204" pitchFamily="34" charset="0"/>
+                          <a:ea typeface="Noto Serif CJK SC"/>
+                          <a:cs typeface="Noto Sans Devanagari" panose="020B0502040504020204" pitchFamily="34" charset="0"/>
+                        </a:rPr>
+                        <a:t>Beschreibung</a:t>
+                      </a:r>
+                      <a:endParaRPr lang="de-DE" sz="1200" kern="100" dirty="0">
+                        <a:effectLst/>
+                        <a:latin typeface="Liberation Serif"/>
+                        <a:ea typeface="Noto Serif CJK SC"/>
+                        <a:cs typeface="Noto Sans Devanagari" panose="020B0502040504020204" pitchFamily="34" charset="0"/>
+                      </a:endParaRPr>
+                    </a:p>
+                  </a:txBody>
+                  <a:tcPr marL="34925" marR="34925" marT="34925" marB="34925"/>
+                </a:tc>
+                <a:tc>
+                  <a:txBody>
+                    <a:bodyPr/>
+                    <a:lstStyle/>
+                    <a:p>
+                      <a:pPr algn="ctr">
+                        <a:buNone/>
+                      </a:pPr>
+                      <a:r>
+                        <a:rPr lang="de-DE" sz="1000" b="1" kern="100">
+                          <a:effectLst/>
+                          <a:latin typeface="Arial" panose="020B0604020202020204" pitchFamily="34" charset="0"/>
+                          <a:ea typeface="Noto Serif CJK SC"/>
+                          <a:cs typeface="Noto Sans Devanagari" panose="020B0502040504020204" pitchFamily="34" charset="0"/>
+                        </a:rPr>
+                        <a:t>Datum</a:t>
+                      </a:r>
+                      <a:endParaRPr lang="de-DE" sz="1200" kern="100">
+                        <a:effectLst/>
+                        <a:latin typeface="Liberation Serif"/>
+                        <a:ea typeface="Noto Serif CJK SC"/>
+                        <a:cs typeface="Noto Sans Devanagari" panose="020B0502040504020204" pitchFamily="34" charset="0"/>
+                      </a:endParaRPr>
+                    </a:p>
+                  </a:txBody>
+                  <a:tcPr marL="34925" marR="34925" marT="34925" marB="34925"/>
+                </a:tc>
+                <a:tc>
+                  <a:txBody>
+                    <a:bodyPr/>
+                    <a:lstStyle/>
+                    <a:p>
+                      <a:pPr algn="ctr">
+                        <a:buNone/>
+                      </a:pPr>
+                      <a:r>
+                        <a:rPr lang="de-DE" sz="1000" b="1" kern="100" dirty="0">
+                          <a:effectLst/>
+                          <a:latin typeface="Arial" panose="020B0604020202020204" pitchFamily="34" charset="0"/>
+                          <a:ea typeface="Noto Serif CJK SC"/>
+                          <a:cs typeface="Noto Sans Devanagari" panose="020B0502040504020204" pitchFamily="34" charset="0"/>
+                        </a:rPr>
+                        <a:t>Verantwortlich</a:t>
+                      </a:r>
+                      <a:endParaRPr lang="de-DE" sz="1200" kern="100" dirty="0">
+                        <a:effectLst/>
+                        <a:latin typeface="Liberation Serif"/>
+                        <a:ea typeface="Noto Serif CJK SC"/>
+                        <a:cs typeface="Noto Sans Devanagari" panose="020B0502040504020204" pitchFamily="34" charset="0"/>
+                      </a:endParaRPr>
+                    </a:p>
+                  </a:txBody>
+                  <a:tcPr marL="34925" marR="34925" marT="34925" marB="34925"/>
+                </a:tc>
+                <a:extLst>
+                  <a:ext uri="{0D108BD9-81ED-4DB2-BD59-A6C34878D82A}">
+                    <a16:rowId xmlns:a16="http://schemas.microsoft.com/office/drawing/2014/main" val="3912703142"/>
+                  </a:ext>
+                </a:extLst>
+              </a:tr>
+              <a:tr h="418364">
+                <a:tc>
+                  <a:txBody>
+                    <a:bodyPr/>
+                    <a:lstStyle/>
+                    <a:p>
+                      <a:pPr algn="ctr">
+                        <a:buNone/>
+                      </a:pPr>
+                      <a:r>
+                        <a:rPr lang="de-DE" sz="1000" kern="100" dirty="0">
+                          <a:effectLst/>
+                          <a:latin typeface="Arial" panose="020B0604020202020204" pitchFamily="34" charset="0"/>
+                          <a:ea typeface="Noto Serif CJK SC"/>
+                          <a:cs typeface="Noto Sans Devanagari" panose="020B0502040504020204" pitchFamily="34" charset="0"/>
+                        </a:rPr>
+                        <a:t>M1</a:t>
+                      </a:r>
+                      <a:endParaRPr lang="de-DE" sz="1200" kern="100" dirty="0">
+                        <a:effectLst/>
+                        <a:latin typeface="Liberation Serif"/>
+                        <a:ea typeface="Noto Serif CJK SC"/>
+                        <a:cs typeface="Noto Sans Devanagari" panose="020B0502040504020204" pitchFamily="34" charset="0"/>
+                      </a:endParaRPr>
+                    </a:p>
+                  </a:txBody>
+                  <a:tcPr marL="34925" marR="34925" marT="34925" marB="34925"/>
+                </a:tc>
+                <a:tc>
+                  <a:txBody>
+                    <a:bodyPr/>
+                    <a:lstStyle/>
+                    <a:p>
+                      <a:pPr algn="ctr">
+                        <a:buNone/>
+                      </a:pPr>
+                      <a:r>
+                        <a:rPr lang="de-DE" sz="1000" kern="100">
+                          <a:effectLst/>
+                          <a:latin typeface="Arial" panose="020B0604020202020204" pitchFamily="34" charset="0"/>
+                          <a:ea typeface="Noto Serif CJK SC"/>
+                          <a:cs typeface="Noto Sans Devanagari" panose="020B0502040504020204" pitchFamily="34" charset="0"/>
+                        </a:rPr>
+                        <a:t>Product Backlog Refinement</a:t>
+                      </a:r>
+                      <a:endParaRPr lang="de-DE" sz="1200" kern="100">
+                        <a:effectLst/>
+                        <a:latin typeface="Liberation Serif"/>
+                        <a:ea typeface="Noto Serif CJK SC"/>
+                        <a:cs typeface="Noto Sans Devanagari" panose="020B0502040504020204" pitchFamily="34" charset="0"/>
+                      </a:endParaRPr>
+                    </a:p>
+                  </a:txBody>
+                  <a:tcPr marL="34925" marR="34925" marT="34925" marB="34925"/>
+                </a:tc>
+                <a:tc>
+                  <a:txBody>
+                    <a:bodyPr/>
+                    <a:lstStyle/>
+                    <a:p>
+                      <a:pPr algn="ctr">
+                        <a:buNone/>
+                      </a:pPr>
+                      <a:r>
+                        <a:rPr lang="de-DE" sz="1000" kern="100">
+                          <a:effectLst/>
+                          <a:latin typeface="Arial" panose="020B0604020202020204" pitchFamily="34" charset="0"/>
+                          <a:ea typeface="Noto Serif CJK SC"/>
+                          <a:cs typeface="Noto Sans Devanagari" panose="020B0502040504020204" pitchFamily="34" charset="0"/>
+                        </a:rPr>
+                        <a:t>Product Backlog vorläufig erstellt und bereit für die Review bei der GF</a:t>
+                      </a:r>
+                      <a:endParaRPr lang="de-DE" sz="1200" kern="100">
+                        <a:effectLst/>
+                        <a:latin typeface="Liberation Serif"/>
+                        <a:ea typeface="Noto Serif CJK SC"/>
+                        <a:cs typeface="Noto Sans Devanagari" panose="020B0502040504020204" pitchFamily="34" charset="0"/>
+                      </a:endParaRPr>
+                    </a:p>
+                  </a:txBody>
+                  <a:tcPr marL="34925" marR="34925" marT="34925" marB="34925"/>
+                </a:tc>
+                <a:tc>
+                  <a:txBody>
+                    <a:bodyPr/>
+                    <a:lstStyle/>
+                    <a:p>
+                      <a:pPr algn="ctr">
+                        <a:buNone/>
+                      </a:pPr>
+                      <a:r>
+                        <a:rPr lang="de-DE" sz="1000" kern="100" dirty="0">
+                          <a:effectLst/>
+                          <a:latin typeface="Arial" panose="020B0604020202020204" pitchFamily="34" charset="0"/>
+                          <a:ea typeface="Noto Serif CJK SC"/>
+                          <a:cs typeface="Noto Sans Devanagari" panose="020B0502040504020204" pitchFamily="34" charset="0"/>
+                        </a:rPr>
+                        <a:t>19.12.2024</a:t>
+                      </a:r>
+                      <a:endParaRPr lang="de-DE" sz="1200" kern="100" dirty="0">
+                        <a:effectLst/>
+                        <a:latin typeface="Liberation Serif"/>
+                        <a:ea typeface="Noto Serif CJK SC"/>
+                        <a:cs typeface="Noto Sans Devanagari" panose="020B0502040504020204" pitchFamily="34" charset="0"/>
+                      </a:endParaRPr>
+                    </a:p>
+                  </a:txBody>
+                  <a:tcPr marL="34925" marR="34925" marT="34925" marB="34925"/>
+                </a:tc>
+                <a:tc>
+                  <a:txBody>
+                    <a:bodyPr/>
+                    <a:lstStyle/>
+                    <a:p>
+                      <a:pPr>
+                        <a:buNone/>
+                      </a:pPr>
+                      <a:r>
+                        <a:rPr lang="de-DE" sz="1000" kern="100" dirty="0" err="1">
+                          <a:effectLst/>
+                          <a:latin typeface="Arial" panose="020B0604020202020204" pitchFamily="34" charset="0"/>
+                          <a:ea typeface="Noto Serif CJK SC"/>
+                          <a:cs typeface="Noto Sans Devanagari" panose="020B0502040504020204" pitchFamily="34" charset="0"/>
+                        </a:rPr>
+                        <a:t>Product</a:t>
+                      </a:r>
+                      <a:r>
+                        <a:rPr lang="de-DE" sz="1000" kern="100" dirty="0">
+                          <a:effectLst/>
+                          <a:latin typeface="Arial" panose="020B0604020202020204" pitchFamily="34" charset="0"/>
+                          <a:ea typeface="Noto Serif CJK SC"/>
+                          <a:cs typeface="Noto Sans Devanagari" panose="020B0502040504020204" pitchFamily="34" charset="0"/>
+                        </a:rPr>
+                        <a:t> </a:t>
+                      </a:r>
+                      <a:r>
+                        <a:rPr lang="de-DE" sz="1000" kern="100" dirty="0" err="1">
+                          <a:effectLst/>
+                          <a:latin typeface="Arial" panose="020B0604020202020204" pitchFamily="34" charset="0"/>
+                          <a:ea typeface="Noto Serif CJK SC"/>
+                          <a:cs typeface="Noto Sans Devanagari" panose="020B0502040504020204" pitchFamily="34" charset="0"/>
+                        </a:rPr>
+                        <a:t>Owner</a:t>
+                      </a:r>
+                      <a:endParaRPr lang="de-DE" sz="1200" kern="100" dirty="0">
+                        <a:effectLst/>
+                        <a:latin typeface="Liberation Serif"/>
+                        <a:ea typeface="Noto Serif CJK SC"/>
+                        <a:cs typeface="Noto Sans Devanagari" panose="020B0502040504020204" pitchFamily="34" charset="0"/>
+                      </a:endParaRPr>
+                    </a:p>
+                  </a:txBody>
+                  <a:tcPr marL="34925" marR="34925" marT="34925" marB="34925"/>
+                </a:tc>
+                <a:extLst>
+                  <a:ext uri="{0D108BD9-81ED-4DB2-BD59-A6C34878D82A}">
+                    <a16:rowId xmlns:a16="http://schemas.microsoft.com/office/drawing/2014/main" val="470706274"/>
+                  </a:ext>
+                </a:extLst>
+              </a:tr>
+              <a:tr h="758729">
+                <a:tc>
+                  <a:txBody>
+                    <a:bodyPr/>
+                    <a:lstStyle/>
+                    <a:p>
+                      <a:pPr algn="ctr">
+                        <a:buNone/>
+                      </a:pPr>
+                      <a:r>
+                        <a:rPr lang="de-DE" sz="1000" kern="100">
+                          <a:effectLst/>
+                          <a:latin typeface="Arial" panose="020B0604020202020204" pitchFamily="34" charset="0"/>
+                          <a:ea typeface="Noto Serif CJK SC"/>
+                          <a:cs typeface="Noto Sans Devanagari" panose="020B0502040504020204" pitchFamily="34" charset="0"/>
+                        </a:rPr>
+                        <a:t>M2</a:t>
+                      </a:r>
+                      <a:endParaRPr lang="de-DE" sz="1200" kern="100">
+                        <a:effectLst/>
+                        <a:latin typeface="Liberation Serif"/>
+                        <a:ea typeface="Noto Serif CJK SC"/>
+                        <a:cs typeface="Noto Sans Devanagari" panose="020B0502040504020204" pitchFamily="34" charset="0"/>
+                      </a:endParaRPr>
+                    </a:p>
+                  </a:txBody>
+                  <a:tcPr marL="34925" marR="34925" marT="34925" marB="34925"/>
+                </a:tc>
+                <a:tc>
+                  <a:txBody>
+                    <a:bodyPr/>
+                    <a:lstStyle/>
+                    <a:p>
+                      <a:pPr algn="ctr">
+                        <a:buNone/>
+                      </a:pPr>
+                      <a:r>
+                        <a:rPr lang="de-DE" sz="1000" kern="100">
+                          <a:effectLst/>
+                          <a:latin typeface="Arial" panose="020B0604020202020204" pitchFamily="34" charset="0"/>
+                          <a:ea typeface="Noto Serif CJK SC"/>
+                          <a:cs typeface="Noto Sans Devanagari" panose="020B0502040504020204" pitchFamily="34" charset="0"/>
+                        </a:rPr>
+                        <a:t>Initiale Sprintplanung</a:t>
+                      </a:r>
+                      <a:endParaRPr lang="de-DE" sz="1200" kern="100">
+                        <a:effectLst/>
+                        <a:latin typeface="Liberation Serif"/>
+                        <a:ea typeface="Noto Serif CJK SC"/>
+                        <a:cs typeface="Noto Sans Devanagari" panose="020B0502040504020204" pitchFamily="34" charset="0"/>
+                      </a:endParaRPr>
+                    </a:p>
+                  </a:txBody>
+                  <a:tcPr marL="34925" marR="34925" marT="34925" marB="34925"/>
+                </a:tc>
+                <a:tc>
+                  <a:txBody>
+                    <a:bodyPr/>
+                    <a:lstStyle/>
+                    <a:p>
+                      <a:pPr algn="ctr">
+                        <a:buNone/>
+                      </a:pPr>
+                      <a:r>
+                        <a:rPr lang="de-DE" sz="1000" kern="100">
+                          <a:effectLst/>
+                          <a:latin typeface="Arial" panose="020B0604020202020204" pitchFamily="34" charset="0"/>
+                          <a:ea typeface="Noto Serif CJK SC"/>
+                          <a:cs typeface="Noto Sans Devanagari" panose="020B0502040504020204" pitchFamily="34" charset="0"/>
+                        </a:rPr>
+                        <a:t>Erste Einschätzung des Projektumfangs getroffen, Sprint-Längen geplant, Ressourcen und Kostenplan erstellt</a:t>
+                      </a:r>
+                      <a:endParaRPr lang="de-DE" sz="1200" kern="100">
+                        <a:effectLst/>
+                        <a:latin typeface="Liberation Serif"/>
+                        <a:ea typeface="Noto Serif CJK SC"/>
+                        <a:cs typeface="Noto Sans Devanagari" panose="020B0502040504020204" pitchFamily="34" charset="0"/>
+                      </a:endParaRPr>
+                    </a:p>
+                  </a:txBody>
+                  <a:tcPr marL="34925" marR="34925" marT="34925" marB="34925"/>
+                </a:tc>
+                <a:tc>
+                  <a:txBody>
+                    <a:bodyPr/>
+                    <a:lstStyle/>
+                    <a:p>
+                      <a:pPr algn="ctr">
+                        <a:buNone/>
+                      </a:pPr>
+                      <a:r>
+                        <a:rPr lang="de-DE" sz="1000" kern="100" dirty="0">
+                          <a:effectLst/>
+                          <a:latin typeface="Arial" panose="020B0604020202020204" pitchFamily="34" charset="0"/>
+                          <a:ea typeface="Noto Serif CJK SC"/>
+                          <a:cs typeface="Noto Sans Devanagari" panose="020B0502040504020204" pitchFamily="34" charset="0"/>
+                        </a:rPr>
+                        <a:t>20.12.2024</a:t>
+                      </a:r>
+                      <a:endParaRPr lang="de-DE" sz="1200" kern="100" dirty="0">
+                        <a:effectLst/>
+                        <a:latin typeface="Liberation Serif"/>
+                        <a:ea typeface="Noto Serif CJK SC"/>
+                        <a:cs typeface="Noto Sans Devanagari" panose="020B0502040504020204" pitchFamily="34" charset="0"/>
+                      </a:endParaRPr>
+                    </a:p>
+                  </a:txBody>
+                  <a:tcPr marL="34925" marR="34925" marT="34925" marB="34925"/>
+                </a:tc>
+                <a:tc>
+                  <a:txBody>
+                    <a:bodyPr/>
+                    <a:lstStyle/>
+                    <a:p>
+                      <a:pPr>
+                        <a:buNone/>
+                      </a:pPr>
+                      <a:r>
+                        <a:rPr lang="de-DE" sz="1000" kern="100" dirty="0" err="1">
+                          <a:effectLst/>
+                          <a:latin typeface="Arial" panose="020B0604020202020204" pitchFamily="34" charset="0"/>
+                          <a:ea typeface="Noto Serif CJK SC"/>
+                          <a:cs typeface="Noto Sans Devanagari" panose="020B0502040504020204" pitchFamily="34" charset="0"/>
+                        </a:rPr>
+                        <a:t>Scrum</a:t>
+                      </a:r>
+                      <a:r>
+                        <a:rPr lang="de-DE" sz="1000" kern="100" dirty="0">
+                          <a:effectLst/>
+                          <a:latin typeface="Arial" panose="020B0604020202020204" pitchFamily="34" charset="0"/>
+                          <a:ea typeface="Noto Serif CJK SC"/>
+                          <a:cs typeface="Noto Sans Devanagari" panose="020B0502040504020204" pitchFamily="34" charset="0"/>
+                        </a:rPr>
+                        <a:t> Master, </a:t>
+                      </a:r>
+                      <a:r>
+                        <a:rPr lang="de-DE" sz="1000" kern="100" dirty="0" err="1">
+                          <a:effectLst/>
+                          <a:latin typeface="Arial" panose="020B0604020202020204" pitchFamily="34" charset="0"/>
+                          <a:ea typeface="Noto Serif CJK SC"/>
+                          <a:cs typeface="Noto Sans Devanagari" panose="020B0502040504020204" pitchFamily="34" charset="0"/>
+                        </a:rPr>
+                        <a:t>Product</a:t>
+                      </a:r>
+                      <a:r>
+                        <a:rPr lang="de-DE" sz="1000" kern="100" dirty="0">
+                          <a:effectLst/>
+                          <a:latin typeface="Arial" panose="020B0604020202020204" pitchFamily="34" charset="0"/>
+                          <a:ea typeface="Noto Serif CJK SC"/>
+                          <a:cs typeface="Noto Sans Devanagari" panose="020B0502040504020204" pitchFamily="34" charset="0"/>
+                        </a:rPr>
+                        <a:t> </a:t>
+                      </a:r>
+                      <a:r>
+                        <a:rPr lang="de-DE" sz="1000" kern="100" dirty="0" err="1">
+                          <a:effectLst/>
+                          <a:latin typeface="Arial" panose="020B0604020202020204" pitchFamily="34" charset="0"/>
+                          <a:ea typeface="Noto Serif CJK SC"/>
+                          <a:cs typeface="Noto Sans Devanagari" panose="020B0502040504020204" pitchFamily="34" charset="0"/>
+                        </a:rPr>
+                        <a:t>Owner</a:t>
+                      </a:r>
+                      <a:endParaRPr lang="de-DE" sz="1200" kern="100" dirty="0">
+                        <a:effectLst/>
+                        <a:latin typeface="Liberation Serif"/>
+                        <a:ea typeface="Noto Serif CJK SC"/>
+                        <a:cs typeface="Noto Sans Devanagari" panose="020B0502040504020204" pitchFamily="34" charset="0"/>
+                      </a:endParaRPr>
+                    </a:p>
+                  </a:txBody>
+                  <a:tcPr marL="34925" marR="34925" marT="34925" marB="34925"/>
+                </a:tc>
+                <a:extLst>
+                  <a:ext uri="{0D108BD9-81ED-4DB2-BD59-A6C34878D82A}">
+                    <a16:rowId xmlns:a16="http://schemas.microsoft.com/office/drawing/2014/main" val="3604696011"/>
+                  </a:ext>
+                </a:extLst>
+              </a:tr>
+              <a:tr h="588547">
+                <a:tc>
+                  <a:txBody>
+                    <a:bodyPr/>
+                    <a:lstStyle/>
+                    <a:p>
+                      <a:pPr algn="ctr">
+                        <a:buNone/>
+                      </a:pPr>
+                      <a:r>
+                        <a:rPr lang="de-DE" sz="1000" kern="100">
+                          <a:effectLst/>
+                          <a:latin typeface="Arial" panose="020B0604020202020204" pitchFamily="34" charset="0"/>
+                          <a:ea typeface="Noto Serif CJK SC"/>
+                          <a:cs typeface="Noto Sans Devanagari" panose="020B0502040504020204" pitchFamily="34" charset="0"/>
+                        </a:rPr>
+                        <a:t>M3</a:t>
+                      </a:r>
+                      <a:endParaRPr lang="de-DE" sz="1200" kern="100">
+                        <a:effectLst/>
+                        <a:latin typeface="Liberation Serif"/>
+                        <a:ea typeface="Noto Serif CJK SC"/>
+                        <a:cs typeface="Noto Sans Devanagari" panose="020B0502040504020204" pitchFamily="34" charset="0"/>
+                      </a:endParaRPr>
+                    </a:p>
+                  </a:txBody>
+                  <a:tcPr marL="34925" marR="34925" marT="34925" marB="34925"/>
+                </a:tc>
+                <a:tc>
+                  <a:txBody>
+                    <a:bodyPr/>
+                    <a:lstStyle/>
+                    <a:p>
+                      <a:pPr algn="ctr">
+                        <a:buNone/>
+                      </a:pPr>
+                      <a:r>
+                        <a:rPr lang="de-DE" sz="1000" kern="100">
+                          <a:effectLst/>
+                          <a:latin typeface="Arial" panose="020B0604020202020204" pitchFamily="34" charset="0"/>
+                          <a:ea typeface="Noto Serif CJK SC"/>
+                          <a:cs typeface="Noto Sans Devanagari" panose="020B0502040504020204" pitchFamily="34" charset="0"/>
+                        </a:rPr>
+                        <a:t>Sprint Review – Increment 1</a:t>
+                      </a:r>
+                      <a:endParaRPr lang="de-DE" sz="1200" kern="100">
+                        <a:effectLst/>
+                        <a:latin typeface="Liberation Serif"/>
+                        <a:ea typeface="Noto Serif CJK SC"/>
+                        <a:cs typeface="Noto Sans Devanagari" panose="020B0502040504020204" pitchFamily="34" charset="0"/>
+                      </a:endParaRPr>
+                    </a:p>
+                  </a:txBody>
+                  <a:tcPr marL="34925" marR="34925" marT="34925" marB="34925"/>
+                </a:tc>
+                <a:tc>
+                  <a:txBody>
+                    <a:bodyPr/>
+                    <a:lstStyle/>
+                    <a:p>
+                      <a:pPr algn="ctr">
+                        <a:buNone/>
+                      </a:pPr>
+                      <a:r>
+                        <a:rPr lang="de-DE" sz="1000" kern="100">
+                          <a:effectLst/>
+                          <a:latin typeface="Arial" panose="020B0604020202020204" pitchFamily="34" charset="0"/>
+                          <a:ea typeface="Noto Serif CJK SC"/>
+                          <a:cs typeface="Noto Sans Devanagari" panose="020B0502040504020204" pitchFamily="34" charset="0"/>
+                        </a:rPr>
+                        <a:t>Erstes funktionsfähiges Product-Increment präsentiert und von GF bewerten lassen</a:t>
+                      </a:r>
+                      <a:endParaRPr lang="de-DE" sz="1200" kern="100">
+                        <a:effectLst/>
+                        <a:latin typeface="Liberation Serif"/>
+                        <a:ea typeface="Noto Serif CJK SC"/>
+                        <a:cs typeface="Noto Sans Devanagari" panose="020B0502040504020204" pitchFamily="34" charset="0"/>
+                      </a:endParaRPr>
+                    </a:p>
+                  </a:txBody>
+                  <a:tcPr marL="34925" marR="34925" marT="34925" marB="34925"/>
+                </a:tc>
+                <a:tc>
+                  <a:txBody>
+                    <a:bodyPr/>
+                    <a:lstStyle/>
+                    <a:p>
+                      <a:pPr algn="ctr">
+                        <a:buNone/>
+                      </a:pPr>
+                      <a:r>
+                        <a:rPr lang="de-DE" sz="1000" kern="100" dirty="0">
+                          <a:effectLst/>
+                          <a:latin typeface="Arial" panose="020B0604020202020204" pitchFamily="34" charset="0"/>
+                          <a:ea typeface="Noto Serif CJK SC"/>
+                          <a:cs typeface="Noto Sans Devanagari" panose="020B0502040504020204" pitchFamily="34" charset="0"/>
+                        </a:rPr>
+                        <a:t>13.01.2025</a:t>
+                      </a:r>
+                      <a:endParaRPr lang="de-DE" sz="1200" kern="100" dirty="0">
+                        <a:effectLst/>
+                        <a:latin typeface="Liberation Serif"/>
+                        <a:ea typeface="Noto Serif CJK SC"/>
+                        <a:cs typeface="Noto Sans Devanagari" panose="020B0502040504020204" pitchFamily="34" charset="0"/>
+                      </a:endParaRPr>
+                    </a:p>
+                  </a:txBody>
+                  <a:tcPr marL="34925" marR="34925" marT="34925" marB="34925"/>
+                </a:tc>
+                <a:tc>
+                  <a:txBody>
+                    <a:bodyPr/>
+                    <a:lstStyle/>
+                    <a:p>
+                      <a:pPr>
+                        <a:buNone/>
+                      </a:pPr>
+                      <a:r>
+                        <a:rPr lang="de-DE" sz="1000" kern="100" dirty="0">
+                          <a:effectLst/>
+                          <a:latin typeface="Arial" panose="020B0604020202020204" pitchFamily="34" charset="0"/>
+                          <a:ea typeface="Noto Serif CJK SC"/>
+                          <a:cs typeface="Noto Sans Devanagari" panose="020B0502040504020204" pitchFamily="34" charset="0"/>
+                        </a:rPr>
+                        <a:t>Entwickler, </a:t>
+                      </a:r>
+                      <a:r>
+                        <a:rPr lang="de-DE" sz="1000" kern="100" dirty="0" err="1">
+                          <a:effectLst/>
+                          <a:latin typeface="Arial" panose="020B0604020202020204" pitchFamily="34" charset="0"/>
+                          <a:ea typeface="Noto Serif CJK SC"/>
+                          <a:cs typeface="Noto Sans Devanagari" panose="020B0502040504020204" pitchFamily="34" charset="0"/>
+                        </a:rPr>
+                        <a:t>Product</a:t>
+                      </a:r>
+                      <a:r>
+                        <a:rPr lang="de-DE" sz="1000" kern="100" dirty="0">
+                          <a:effectLst/>
+                          <a:latin typeface="Arial" panose="020B0604020202020204" pitchFamily="34" charset="0"/>
+                          <a:ea typeface="Noto Serif CJK SC"/>
+                          <a:cs typeface="Noto Sans Devanagari" panose="020B0502040504020204" pitchFamily="34" charset="0"/>
+                        </a:rPr>
+                        <a:t> </a:t>
+                      </a:r>
+                      <a:r>
+                        <a:rPr lang="de-DE" sz="1000" kern="100" dirty="0" err="1">
+                          <a:effectLst/>
+                          <a:latin typeface="Arial" panose="020B0604020202020204" pitchFamily="34" charset="0"/>
+                          <a:ea typeface="Noto Serif CJK SC"/>
+                          <a:cs typeface="Noto Sans Devanagari" panose="020B0502040504020204" pitchFamily="34" charset="0"/>
+                        </a:rPr>
+                        <a:t>Owner</a:t>
+                      </a:r>
+                      <a:endParaRPr lang="de-DE" sz="1200" kern="100" dirty="0">
+                        <a:effectLst/>
+                        <a:latin typeface="Liberation Serif"/>
+                        <a:ea typeface="Noto Serif CJK SC"/>
+                        <a:cs typeface="Noto Sans Devanagari" panose="020B0502040504020204" pitchFamily="34" charset="0"/>
+                      </a:endParaRPr>
+                    </a:p>
+                  </a:txBody>
+                  <a:tcPr marL="34925" marR="34925" marT="34925" marB="34925"/>
+                </a:tc>
+                <a:extLst>
+                  <a:ext uri="{0D108BD9-81ED-4DB2-BD59-A6C34878D82A}">
+                    <a16:rowId xmlns:a16="http://schemas.microsoft.com/office/drawing/2014/main" val="1150605693"/>
+                  </a:ext>
+                </a:extLst>
+              </a:tr>
+              <a:tr h="758729">
+                <a:tc>
+                  <a:txBody>
+                    <a:bodyPr/>
+                    <a:lstStyle/>
+                    <a:p>
+                      <a:pPr algn="ctr">
+                        <a:buNone/>
+                      </a:pPr>
+                      <a:r>
+                        <a:rPr lang="de-DE" sz="1000" kern="100">
+                          <a:effectLst/>
+                          <a:latin typeface="Arial" panose="020B0604020202020204" pitchFamily="34" charset="0"/>
+                          <a:ea typeface="Noto Serif CJK SC"/>
+                          <a:cs typeface="Noto Sans Devanagari" panose="020B0502040504020204" pitchFamily="34" charset="0"/>
+                        </a:rPr>
+                        <a:t>M4</a:t>
+                      </a:r>
+                      <a:endParaRPr lang="de-DE" sz="1200" kern="100">
+                        <a:effectLst/>
+                        <a:latin typeface="Liberation Serif"/>
+                        <a:ea typeface="Noto Serif CJK SC"/>
+                        <a:cs typeface="Noto Sans Devanagari" panose="020B0502040504020204" pitchFamily="34" charset="0"/>
+                      </a:endParaRPr>
+                    </a:p>
+                  </a:txBody>
+                  <a:tcPr marL="34925" marR="34925" marT="34925" marB="34925"/>
+                </a:tc>
+                <a:tc>
+                  <a:txBody>
+                    <a:bodyPr/>
+                    <a:lstStyle/>
+                    <a:p>
+                      <a:pPr algn="ctr">
+                        <a:buNone/>
+                      </a:pPr>
+                      <a:r>
+                        <a:rPr lang="de-DE" sz="1000" kern="100">
+                          <a:effectLst/>
+                          <a:latin typeface="Arial" panose="020B0604020202020204" pitchFamily="34" charset="0"/>
+                          <a:ea typeface="Noto Serif CJK SC"/>
+                          <a:cs typeface="Noto Sans Devanagari" panose="020B0502040504020204" pitchFamily="34" charset="0"/>
+                        </a:rPr>
+                        <a:t>Sprint-Review (Release Notes)</a:t>
+                      </a:r>
+                      <a:endParaRPr lang="de-DE" sz="1200" kern="100">
+                        <a:effectLst/>
+                        <a:latin typeface="Liberation Serif"/>
+                        <a:ea typeface="Noto Serif CJK SC"/>
+                        <a:cs typeface="Noto Sans Devanagari" panose="020B0502040504020204" pitchFamily="34" charset="0"/>
+                      </a:endParaRPr>
+                    </a:p>
+                  </a:txBody>
+                  <a:tcPr marL="34925" marR="34925" marT="34925" marB="34925"/>
+                </a:tc>
+                <a:tc>
+                  <a:txBody>
+                    <a:bodyPr/>
+                    <a:lstStyle/>
+                    <a:p>
+                      <a:pPr algn="ctr">
+                        <a:buNone/>
+                      </a:pPr>
+                      <a:r>
+                        <a:rPr lang="de-DE" sz="1000" kern="100">
+                          <a:effectLst/>
+                          <a:latin typeface="Arial" panose="020B0604020202020204" pitchFamily="34" charset="0"/>
+                          <a:ea typeface="Noto Serif CJK SC"/>
+                          <a:cs typeface="Noto Sans Devanagari" panose="020B0502040504020204" pitchFamily="34" charset="0"/>
+                        </a:rPr>
+                        <a:t>Zusammenfassung der entwickelten Features der ersten Sprint-Phase inklusive vollständiger Dokumentation</a:t>
+                      </a:r>
+                      <a:endParaRPr lang="de-DE" sz="1200" kern="100">
+                        <a:effectLst/>
+                        <a:latin typeface="Liberation Serif"/>
+                        <a:ea typeface="Noto Serif CJK SC"/>
+                        <a:cs typeface="Noto Sans Devanagari" panose="020B0502040504020204" pitchFamily="34" charset="0"/>
+                      </a:endParaRPr>
+                    </a:p>
+                  </a:txBody>
+                  <a:tcPr marL="34925" marR="34925" marT="34925" marB="34925"/>
+                </a:tc>
+                <a:tc>
+                  <a:txBody>
+                    <a:bodyPr/>
+                    <a:lstStyle/>
+                    <a:p>
+                      <a:pPr algn="ctr">
+                        <a:buNone/>
+                      </a:pPr>
+                      <a:r>
+                        <a:rPr lang="de-DE" sz="1000" kern="100" dirty="0">
+                          <a:effectLst/>
+                          <a:latin typeface="Arial" panose="020B0604020202020204" pitchFamily="34" charset="0"/>
+                          <a:ea typeface="Noto Serif CJK SC"/>
+                          <a:cs typeface="Noto Sans Devanagari" panose="020B0502040504020204" pitchFamily="34" charset="0"/>
+                        </a:rPr>
+                        <a:t>24.01.2025</a:t>
+                      </a:r>
+                      <a:endParaRPr lang="de-DE" sz="1200" kern="100" dirty="0">
+                        <a:effectLst/>
+                        <a:latin typeface="Liberation Serif"/>
+                        <a:ea typeface="Noto Serif CJK SC"/>
+                        <a:cs typeface="Noto Sans Devanagari" panose="020B0502040504020204" pitchFamily="34" charset="0"/>
+                      </a:endParaRPr>
+                    </a:p>
+                  </a:txBody>
+                  <a:tcPr marL="34925" marR="34925" marT="34925" marB="34925"/>
+                </a:tc>
+                <a:tc>
+                  <a:txBody>
+                    <a:bodyPr/>
+                    <a:lstStyle/>
+                    <a:p>
+                      <a:pPr>
+                        <a:buNone/>
+                      </a:pPr>
+                      <a:r>
+                        <a:rPr lang="de-DE" sz="1000" kern="100" dirty="0" err="1">
+                          <a:effectLst/>
+                          <a:latin typeface="Arial" panose="020B0604020202020204" pitchFamily="34" charset="0"/>
+                          <a:ea typeface="Noto Serif CJK SC"/>
+                          <a:cs typeface="Noto Sans Devanagari" panose="020B0502040504020204" pitchFamily="34" charset="0"/>
+                        </a:rPr>
+                        <a:t>Scrum</a:t>
+                      </a:r>
+                      <a:r>
+                        <a:rPr lang="de-DE" sz="1000" kern="100" dirty="0">
+                          <a:effectLst/>
+                          <a:latin typeface="Arial" panose="020B0604020202020204" pitchFamily="34" charset="0"/>
+                          <a:ea typeface="Noto Serif CJK SC"/>
+                          <a:cs typeface="Noto Sans Devanagari" panose="020B0502040504020204" pitchFamily="34" charset="0"/>
+                        </a:rPr>
+                        <a:t> Master</a:t>
+                      </a:r>
+                      <a:endParaRPr lang="de-DE" sz="1200" kern="100" dirty="0">
+                        <a:effectLst/>
+                        <a:latin typeface="Liberation Serif"/>
+                        <a:ea typeface="Noto Serif CJK SC"/>
+                        <a:cs typeface="Noto Sans Devanagari" panose="020B0502040504020204" pitchFamily="34" charset="0"/>
+                      </a:endParaRPr>
+                    </a:p>
+                  </a:txBody>
+                  <a:tcPr marL="34925" marR="34925" marT="34925" marB="34925"/>
+                </a:tc>
+                <a:extLst>
+                  <a:ext uri="{0D108BD9-81ED-4DB2-BD59-A6C34878D82A}">
+                    <a16:rowId xmlns:a16="http://schemas.microsoft.com/office/drawing/2014/main" val="3903979657"/>
+                  </a:ext>
+                </a:extLst>
+              </a:tr>
+              <a:tr h="588547">
+                <a:tc>
+                  <a:txBody>
+                    <a:bodyPr/>
+                    <a:lstStyle/>
+                    <a:p>
+                      <a:pPr algn="ctr">
+                        <a:buNone/>
+                      </a:pPr>
+                      <a:r>
+                        <a:rPr lang="de-DE" sz="1000" kern="100">
+                          <a:effectLst/>
+                          <a:latin typeface="Arial" panose="020B0604020202020204" pitchFamily="34" charset="0"/>
+                          <a:ea typeface="Noto Serif CJK SC"/>
+                          <a:cs typeface="Noto Sans Devanagari" panose="020B0502040504020204" pitchFamily="34" charset="0"/>
+                        </a:rPr>
+                        <a:t>M5</a:t>
+                      </a:r>
+                      <a:endParaRPr lang="de-DE" sz="1200" kern="100">
+                        <a:effectLst/>
+                        <a:latin typeface="Liberation Serif"/>
+                        <a:ea typeface="Noto Serif CJK SC"/>
+                        <a:cs typeface="Noto Sans Devanagari" panose="020B0502040504020204" pitchFamily="34" charset="0"/>
+                      </a:endParaRPr>
+                    </a:p>
+                  </a:txBody>
+                  <a:tcPr marL="34925" marR="34925" marT="34925" marB="34925"/>
+                </a:tc>
+                <a:tc>
+                  <a:txBody>
+                    <a:bodyPr/>
+                    <a:lstStyle/>
+                    <a:p>
+                      <a:pPr algn="ctr">
+                        <a:buNone/>
+                      </a:pPr>
+                      <a:r>
+                        <a:rPr lang="de-DE" sz="1000" kern="100">
+                          <a:effectLst/>
+                          <a:latin typeface="Arial" panose="020B0604020202020204" pitchFamily="34" charset="0"/>
+                          <a:ea typeface="Noto Serif CJK SC"/>
+                          <a:cs typeface="Noto Sans Devanagari" panose="020B0502040504020204" pitchFamily="34" charset="0"/>
+                        </a:rPr>
+                        <a:t>Key-User-Feedback Review</a:t>
+                      </a:r>
+                      <a:endParaRPr lang="de-DE" sz="1200" kern="100">
+                        <a:effectLst/>
+                        <a:latin typeface="Liberation Serif"/>
+                        <a:ea typeface="Noto Serif CJK SC"/>
+                        <a:cs typeface="Noto Sans Devanagari" panose="020B0502040504020204" pitchFamily="34" charset="0"/>
+                      </a:endParaRPr>
+                    </a:p>
+                  </a:txBody>
+                  <a:tcPr marL="34925" marR="34925" marT="34925" marB="34925"/>
+                </a:tc>
+                <a:tc>
+                  <a:txBody>
+                    <a:bodyPr/>
+                    <a:lstStyle/>
+                    <a:p>
+                      <a:pPr algn="ctr">
+                        <a:buNone/>
+                      </a:pPr>
+                      <a:r>
+                        <a:rPr lang="de-DE" sz="1000" kern="100">
+                          <a:effectLst/>
+                          <a:latin typeface="Arial" panose="020B0604020202020204" pitchFamily="34" charset="0"/>
+                          <a:ea typeface="Noto Serif CJK SC"/>
+                          <a:cs typeface="Noto Sans Devanagari" panose="020B0502040504020204" pitchFamily="34" charset="0"/>
+                        </a:rPr>
+                        <a:t>Bewertung der Key-User Erfahrungen aus Sprint 6 für Anpassungen am Product-Backlog</a:t>
+                      </a:r>
+                      <a:endParaRPr lang="de-DE" sz="1200" kern="100">
+                        <a:effectLst/>
+                        <a:latin typeface="Liberation Serif"/>
+                        <a:ea typeface="Noto Serif CJK SC"/>
+                        <a:cs typeface="Noto Sans Devanagari" panose="020B0502040504020204" pitchFamily="34" charset="0"/>
+                      </a:endParaRPr>
+                    </a:p>
+                  </a:txBody>
+                  <a:tcPr marL="34925" marR="34925" marT="34925" marB="34925"/>
+                </a:tc>
+                <a:tc>
+                  <a:txBody>
+                    <a:bodyPr/>
+                    <a:lstStyle/>
+                    <a:p>
+                      <a:pPr algn="ctr">
+                        <a:buNone/>
+                      </a:pPr>
+                      <a:r>
+                        <a:rPr lang="de-DE" sz="1000" kern="100" dirty="0">
+                          <a:effectLst/>
+                          <a:latin typeface="Arial" panose="020B0604020202020204" pitchFamily="34" charset="0"/>
+                          <a:ea typeface="Noto Serif CJK SC"/>
+                          <a:cs typeface="Noto Sans Devanagari" panose="020B0502040504020204" pitchFamily="34" charset="0"/>
+                        </a:rPr>
+                        <a:t>25.04.2025</a:t>
+                      </a:r>
+                      <a:endParaRPr lang="de-DE" sz="1200" kern="100" dirty="0">
+                        <a:effectLst/>
+                        <a:latin typeface="Liberation Serif"/>
+                        <a:ea typeface="Noto Serif CJK SC"/>
+                        <a:cs typeface="Noto Sans Devanagari" panose="020B0502040504020204" pitchFamily="34" charset="0"/>
+                      </a:endParaRPr>
+                    </a:p>
+                  </a:txBody>
+                  <a:tcPr marL="34925" marR="34925" marT="34925" marB="34925"/>
+                </a:tc>
+                <a:tc>
+                  <a:txBody>
+                    <a:bodyPr/>
+                    <a:lstStyle/>
+                    <a:p>
+                      <a:pPr>
+                        <a:buNone/>
+                      </a:pPr>
+                      <a:r>
+                        <a:rPr lang="de-DE" sz="1000" kern="100" dirty="0" err="1">
+                          <a:effectLst/>
+                          <a:latin typeface="Arial" panose="020B0604020202020204" pitchFamily="34" charset="0"/>
+                          <a:ea typeface="Noto Serif CJK SC"/>
+                          <a:cs typeface="Noto Sans Devanagari" panose="020B0502040504020204" pitchFamily="34" charset="0"/>
+                        </a:rPr>
+                        <a:t>Product</a:t>
+                      </a:r>
+                      <a:r>
+                        <a:rPr lang="de-DE" sz="1000" kern="100" dirty="0">
+                          <a:effectLst/>
+                          <a:latin typeface="Arial" panose="020B0604020202020204" pitchFamily="34" charset="0"/>
+                          <a:ea typeface="Noto Serif CJK SC"/>
+                          <a:cs typeface="Noto Sans Devanagari" panose="020B0502040504020204" pitchFamily="34" charset="0"/>
+                        </a:rPr>
+                        <a:t> </a:t>
+                      </a:r>
+                      <a:r>
+                        <a:rPr lang="de-DE" sz="1000" kern="100" dirty="0" err="1">
+                          <a:effectLst/>
+                          <a:latin typeface="Arial" panose="020B0604020202020204" pitchFamily="34" charset="0"/>
+                          <a:ea typeface="Noto Serif CJK SC"/>
+                          <a:cs typeface="Noto Sans Devanagari" panose="020B0502040504020204" pitchFamily="34" charset="0"/>
+                        </a:rPr>
+                        <a:t>Owner</a:t>
+                      </a:r>
+                      <a:r>
+                        <a:rPr lang="de-DE" sz="1000" kern="100" dirty="0">
+                          <a:effectLst/>
+                          <a:latin typeface="Arial" panose="020B0604020202020204" pitchFamily="34" charset="0"/>
+                          <a:ea typeface="Noto Serif CJK SC"/>
+                          <a:cs typeface="Noto Sans Devanagari" panose="020B0502040504020204" pitchFamily="34" charset="0"/>
+                        </a:rPr>
+                        <a:t>, </a:t>
+                      </a:r>
+                      <a:r>
+                        <a:rPr lang="de-DE" sz="1000" kern="100" dirty="0" err="1">
+                          <a:effectLst/>
+                          <a:latin typeface="Arial" panose="020B0604020202020204" pitchFamily="34" charset="0"/>
+                          <a:ea typeface="Noto Serif CJK SC"/>
+                          <a:cs typeface="Noto Sans Devanagari" panose="020B0502040504020204" pitchFamily="34" charset="0"/>
+                        </a:rPr>
+                        <a:t>Scrum</a:t>
+                      </a:r>
+                      <a:r>
+                        <a:rPr lang="de-DE" sz="1000" kern="100" dirty="0">
+                          <a:effectLst/>
+                          <a:latin typeface="Arial" panose="020B0604020202020204" pitchFamily="34" charset="0"/>
+                          <a:ea typeface="Noto Serif CJK SC"/>
+                          <a:cs typeface="Noto Sans Devanagari" panose="020B0502040504020204" pitchFamily="34" charset="0"/>
+                        </a:rPr>
+                        <a:t> Master</a:t>
+                      </a:r>
+                      <a:endParaRPr lang="de-DE" sz="1200" kern="100" dirty="0">
+                        <a:effectLst/>
+                        <a:latin typeface="Liberation Serif"/>
+                        <a:ea typeface="Noto Serif CJK SC"/>
+                        <a:cs typeface="Noto Sans Devanagari" panose="020B0502040504020204" pitchFamily="34" charset="0"/>
+                      </a:endParaRPr>
+                    </a:p>
+                  </a:txBody>
+                  <a:tcPr marL="34925" marR="34925" marT="34925" marB="34925"/>
+                </a:tc>
+                <a:extLst>
+                  <a:ext uri="{0D108BD9-81ED-4DB2-BD59-A6C34878D82A}">
+                    <a16:rowId xmlns:a16="http://schemas.microsoft.com/office/drawing/2014/main" val="3537522813"/>
+                  </a:ext>
+                </a:extLst>
+              </a:tr>
+              <a:tr h="588547">
+                <a:tc>
+                  <a:txBody>
+                    <a:bodyPr/>
+                    <a:lstStyle/>
+                    <a:p>
+                      <a:pPr algn="ctr">
+                        <a:buNone/>
+                      </a:pPr>
+                      <a:r>
+                        <a:rPr lang="de-DE" sz="1000" kern="100">
+                          <a:effectLst/>
+                          <a:latin typeface="Arial" panose="020B0604020202020204" pitchFamily="34" charset="0"/>
+                          <a:ea typeface="Noto Serif CJK SC"/>
+                          <a:cs typeface="Noto Sans Devanagari" panose="020B0502040504020204" pitchFamily="34" charset="0"/>
+                        </a:rPr>
+                        <a:t>M6</a:t>
+                      </a:r>
+                      <a:endParaRPr lang="de-DE" sz="1200" kern="100">
+                        <a:effectLst/>
+                        <a:latin typeface="Liberation Serif"/>
+                        <a:ea typeface="Noto Serif CJK SC"/>
+                        <a:cs typeface="Noto Sans Devanagari" panose="020B0502040504020204" pitchFamily="34" charset="0"/>
+                      </a:endParaRPr>
+                    </a:p>
+                  </a:txBody>
+                  <a:tcPr marL="34925" marR="34925" marT="34925" marB="34925"/>
+                </a:tc>
+                <a:tc>
+                  <a:txBody>
+                    <a:bodyPr/>
+                    <a:lstStyle/>
+                    <a:p>
+                      <a:pPr algn="ctr">
+                        <a:buNone/>
+                      </a:pPr>
+                      <a:r>
+                        <a:rPr lang="de-DE" sz="1000" kern="100">
+                          <a:effectLst/>
+                          <a:latin typeface="Arial" panose="020B0604020202020204" pitchFamily="34" charset="0"/>
+                          <a:ea typeface="Noto Serif CJK SC"/>
+                          <a:cs typeface="Noto Sans Devanagari" panose="020B0502040504020204" pitchFamily="34" charset="0"/>
+                        </a:rPr>
+                        <a:t>Go-Live / Product Increment</a:t>
+                      </a:r>
+                      <a:endParaRPr lang="de-DE" sz="1200" kern="100">
+                        <a:effectLst/>
+                        <a:latin typeface="Liberation Serif"/>
+                        <a:ea typeface="Noto Serif CJK SC"/>
+                        <a:cs typeface="Noto Sans Devanagari" panose="020B0502040504020204" pitchFamily="34" charset="0"/>
+                      </a:endParaRPr>
+                    </a:p>
+                  </a:txBody>
+                  <a:tcPr marL="34925" marR="34925" marT="34925" marB="34925"/>
+                </a:tc>
+                <a:tc>
+                  <a:txBody>
+                    <a:bodyPr/>
+                    <a:lstStyle/>
+                    <a:p>
+                      <a:pPr algn="ctr">
+                        <a:buNone/>
+                      </a:pPr>
+                      <a:r>
+                        <a:rPr lang="de-DE" sz="1000" kern="100">
+                          <a:effectLst/>
+                          <a:latin typeface="Arial" panose="020B0604020202020204" pitchFamily="34" charset="0"/>
+                          <a:ea typeface="Noto Serif CJK SC"/>
+                          <a:cs typeface="Noto Sans Devanagari" panose="020B0502040504020204" pitchFamily="34" charset="0"/>
+                        </a:rPr>
+                        <a:t>Lieferung des finalen Produkts mit vollständiger Dokumentation für den operativen Einsatz</a:t>
+                      </a:r>
+                      <a:endParaRPr lang="de-DE" sz="1200" kern="100">
+                        <a:effectLst/>
+                        <a:latin typeface="Liberation Serif"/>
+                        <a:ea typeface="Noto Serif CJK SC"/>
+                        <a:cs typeface="Noto Sans Devanagari" panose="020B0502040504020204" pitchFamily="34" charset="0"/>
+                      </a:endParaRPr>
+                    </a:p>
+                  </a:txBody>
+                  <a:tcPr marL="34925" marR="34925" marT="34925" marB="34925"/>
+                </a:tc>
+                <a:tc>
+                  <a:txBody>
+                    <a:bodyPr/>
+                    <a:lstStyle/>
+                    <a:p>
+                      <a:pPr algn="ctr">
+                        <a:buNone/>
+                      </a:pPr>
+                      <a:r>
+                        <a:rPr lang="de-DE" sz="1000" kern="100" dirty="0">
+                          <a:effectLst/>
+                          <a:latin typeface="Arial" panose="020B0604020202020204" pitchFamily="34" charset="0"/>
+                          <a:ea typeface="Noto Serif CJK SC"/>
+                          <a:cs typeface="Noto Sans Devanagari" panose="020B0502040504020204" pitchFamily="34" charset="0"/>
+                        </a:rPr>
+                        <a:t>offen</a:t>
+                      </a:r>
+                      <a:endParaRPr lang="de-DE" sz="1200" kern="100" dirty="0">
+                        <a:effectLst/>
+                        <a:latin typeface="Liberation Serif"/>
+                        <a:ea typeface="Noto Serif CJK SC"/>
+                        <a:cs typeface="Noto Sans Devanagari" panose="020B0502040504020204" pitchFamily="34" charset="0"/>
+                      </a:endParaRPr>
+                    </a:p>
+                  </a:txBody>
+                  <a:tcPr marL="34925" marR="34925" marT="34925" marB="34925"/>
+                </a:tc>
+                <a:tc>
+                  <a:txBody>
+                    <a:bodyPr/>
+                    <a:lstStyle/>
+                    <a:p>
+                      <a:pPr>
+                        <a:buNone/>
+                      </a:pPr>
+                      <a:r>
+                        <a:rPr lang="de-DE" sz="1000" kern="100" dirty="0">
+                          <a:effectLst/>
+                          <a:latin typeface="Arial" panose="020B0604020202020204" pitchFamily="34" charset="0"/>
+                          <a:ea typeface="Noto Serif CJK SC"/>
+                          <a:cs typeface="Noto Sans Devanagari" panose="020B0502040504020204" pitchFamily="34" charset="0"/>
+                        </a:rPr>
+                        <a:t>Entwickler</a:t>
+                      </a:r>
+                      <a:endParaRPr lang="de-DE" sz="1200" kern="100" dirty="0">
+                        <a:effectLst/>
+                        <a:latin typeface="Liberation Serif"/>
+                        <a:ea typeface="Noto Serif CJK SC"/>
+                        <a:cs typeface="Noto Sans Devanagari" panose="020B0502040504020204" pitchFamily="34" charset="0"/>
+                      </a:endParaRPr>
+                    </a:p>
+                  </a:txBody>
+                  <a:tcPr marL="34925" marR="34925" marT="34925" marB="34925"/>
+                </a:tc>
+                <a:extLst>
+                  <a:ext uri="{0D108BD9-81ED-4DB2-BD59-A6C34878D82A}">
+                    <a16:rowId xmlns:a16="http://schemas.microsoft.com/office/drawing/2014/main" val="1813010089"/>
+                  </a:ext>
+                </a:extLst>
+              </a:tr>
+            </a:tbl>
+          </a:graphicData>
+        </a:graphic>
+      </p:graphicFrame>
     </p:spTree>
   </p:cSld>
   <p:clrMapOvr>
@@ -20918,8 +23491,8 @@
         </p:nvSpPr>
         <p:spPr>
           <a:xfrm>
-            <a:off x="700560" y="1800000"/>
-            <a:ext cx="10690920" cy="4161600"/>
+            <a:off x="780644" y="1738260"/>
+            <a:ext cx="4978276" cy="4161600"/>
           </a:xfrm>
           <a:prstGeom prst="rect">
             <a:avLst/>
@@ -20948,7 +23521,7 @@
               </a:tabLst>
             </a:pPr>
             <a:r>
-              <a:rPr lang="de-DE" sz="2000" b="0" u="none" strike="noStrike">
+              <a:rPr lang="de-DE" sz="2000" b="0" u="none" strike="noStrike" dirty="0">
                 <a:solidFill>
                   <a:schemeClr val="dk1"/>
                 </a:solidFill>
@@ -20972,7 +23545,7 @@
                 <a:tab pos="0" algn="l"/>
               </a:tabLst>
             </a:pPr>
-            <a:endParaRPr lang="de-DE" sz="2000" b="0" u="none" strike="noStrike">
+            <a:endParaRPr lang="de-DE" sz="2000" b="0" u="none" strike="noStrike" dirty="0">
               <a:solidFill>
                 <a:schemeClr val="dk1"/>
               </a:solidFill>
@@ -20994,7 +23567,7 @@
                 <a:tab pos="0" algn="l"/>
               </a:tabLst>
             </a:pPr>
-            <a:endParaRPr lang="de-DE" sz="2000" b="0" u="none" strike="noStrike">
+            <a:endParaRPr lang="de-DE" sz="2000" b="0" u="none" strike="noStrike" dirty="0">
               <a:solidFill>
                 <a:schemeClr val="dk1"/>
               </a:solidFill>
@@ -21017,7 +23590,7 @@
               </a:tabLst>
             </a:pPr>
             <a:r>
-              <a:rPr lang="de-DE" sz="2000" b="0" u="none" strike="noStrike">
+              <a:rPr lang="de-DE" sz="2000" b="0" u="none" strike="noStrike" dirty="0">
                 <a:solidFill>
                   <a:schemeClr val="dk1"/>
                 </a:solidFill>
@@ -21041,7 +23614,7 @@
                 <a:tab pos="0" algn="l"/>
               </a:tabLst>
             </a:pPr>
-            <a:endParaRPr lang="de-DE" sz="2000" b="0" u="none" strike="noStrike">
+            <a:endParaRPr lang="de-DE" sz="2000" b="0" u="none" strike="noStrike" dirty="0">
               <a:solidFill>
                 <a:schemeClr val="dk1"/>
               </a:solidFill>
@@ -21064,7 +23637,7 @@
               </a:tabLst>
             </a:pPr>
             <a:r>
-              <a:rPr lang="de-DE" sz="2000" b="0" u="none" strike="noStrike">
+              <a:rPr lang="de-DE" sz="2000" b="0" u="none" strike="noStrike" dirty="0">
                 <a:solidFill>
                   <a:schemeClr val="dk1"/>
                 </a:solidFill>
@@ -21088,7 +23661,7 @@
                 <a:tab pos="0" algn="l"/>
               </a:tabLst>
             </a:pPr>
-            <a:endParaRPr lang="de-DE" sz="2000" b="0" u="none" strike="noStrike">
+            <a:endParaRPr lang="de-DE" sz="2000" b="0" u="none" strike="noStrike" dirty="0">
               <a:solidFill>
                 <a:schemeClr val="dk1"/>
               </a:solidFill>
@@ -21110,7 +23683,7 @@
                 <a:tab pos="0" algn="l"/>
               </a:tabLst>
             </a:pPr>
-            <a:endParaRPr lang="de-DE" sz="2000" b="0" u="none" strike="noStrike">
+            <a:endParaRPr lang="de-DE" sz="2000" b="0" u="none" strike="noStrike" dirty="0">
               <a:solidFill>
                 <a:schemeClr val="dk1"/>
               </a:solidFill>
@@ -21134,7 +23707,7 @@
         </p:blipFill>
         <p:spPr>
           <a:xfrm>
-            <a:off x="6480000" y="1980000"/>
+            <a:off x="5760000" y="1800000"/>
             <a:ext cx="5711040" cy="3897000"/>
           </a:xfrm>
           <a:prstGeom prst="rect">
@@ -21241,7 +23814,7 @@
         <p:spPr>
           <a:xfrm>
             <a:off x="700560" y="1800000"/>
-            <a:ext cx="10690920" cy="4161600"/>
+            <a:ext cx="5011441" cy="4161600"/>
           </a:xfrm>
           <a:prstGeom prst="rect">
             <a:avLst/>
@@ -21270,7 +23843,7 @@
               </a:tabLst>
             </a:pPr>
             <a:r>
-              <a:rPr lang="de-DE" sz="2000" b="0" u="none" strike="noStrike">
+              <a:rPr lang="de-DE" sz="2000" b="0" u="none" strike="noStrike" dirty="0">
                 <a:solidFill>
                   <a:schemeClr val="dk1"/>
                 </a:solidFill>
@@ -21294,7 +23867,7 @@
                 <a:tab pos="0" algn="l"/>
               </a:tabLst>
             </a:pPr>
-            <a:endParaRPr lang="de-DE" sz="2000" b="0" u="none" strike="noStrike">
+            <a:endParaRPr lang="de-DE" sz="2000" b="0" u="none" strike="noStrike" dirty="0">
               <a:solidFill>
                 <a:schemeClr val="dk1"/>
               </a:solidFill>
@@ -21316,7 +23889,7 @@
                 <a:tab pos="0" algn="l"/>
               </a:tabLst>
             </a:pPr>
-            <a:endParaRPr lang="de-DE" sz="2000" b="0" u="none" strike="noStrike">
+            <a:endParaRPr lang="de-DE" sz="2000" b="0" u="none" strike="noStrike" dirty="0">
               <a:solidFill>
                 <a:schemeClr val="dk1"/>
               </a:solidFill>
@@ -21339,7 +23912,7 @@
               </a:tabLst>
             </a:pPr>
             <a:r>
-              <a:rPr lang="de-DE" sz="2000" b="0" u="none" strike="noStrike">
+              <a:rPr lang="de-DE" sz="2000" b="0" u="none" strike="noStrike" dirty="0">
                 <a:solidFill>
                   <a:schemeClr val="dk1"/>
                 </a:solidFill>
@@ -21364,7 +23937,7 @@
               </a:tabLst>
             </a:pPr>
             <a:r>
-              <a:rPr lang="de-DE" sz="2000" b="0" u="none" strike="noStrike">
+              <a:rPr lang="de-DE" sz="2000" b="0" u="none" strike="noStrike" dirty="0">
                 <a:solidFill>
                   <a:schemeClr val="dk1"/>
                 </a:solidFill>
@@ -21388,7 +23961,7 @@
                 <a:tab pos="0" algn="l"/>
               </a:tabLst>
             </a:pPr>
-            <a:endParaRPr lang="de-DE" sz="2000" b="0" u="none" strike="noStrike">
+            <a:endParaRPr lang="de-DE" sz="2000" b="0" u="none" strike="noStrike" dirty="0">
               <a:solidFill>
                 <a:schemeClr val="dk1"/>
               </a:solidFill>
@@ -21411,7 +23984,7 @@
               </a:tabLst>
             </a:pPr>
             <a:r>
-              <a:rPr lang="de-DE" sz="2000" b="0" u="none" strike="noStrike">
+              <a:rPr lang="de-DE" sz="2000" b="0" u="none" strike="noStrike" dirty="0">
                 <a:solidFill>
                   <a:schemeClr val="dk1"/>
                 </a:solidFill>
@@ -21435,7 +24008,7 @@
                 <a:tab pos="0" algn="l"/>
               </a:tabLst>
             </a:pPr>
-            <a:endParaRPr lang="de-DE" sz="2000" b="0" u="none" strike="noStrike">
+            <a:endParaRPr lang="de-DE" sz="2000" b="0" u="none" strike="noStrike" dirty="0">
               <a:solidFill>
                 <a:schemeClr val="dk1"/>
               </a:solidFill>
@@ -21457,7 +24030,7 @@
                 <a:tab pos="0" algn="l"/>
               </a:tabLst>
             </a:pPr>
-            <a:endParaRPr lang="de-DE" sz="2000" b="0" u="none" strike="noStrike">
+            <a:endParaRPr lang="de-DE" sz="2000" b="0" u="none" strike="noStrike" dirty="0">
               <a:solidFill>
                 <a:schemeClr val="dk1"/>
               </a:solidFill>
@@ -21480,7 +24053,7 @@
         </p:blipFill>
         <p:spPr>
           <a:xfrm>
-            <a:off x="6480000" y="1800360"/>
+            <a:off x="5826000" y="1694035"/>
             <a:ext cx="5760000" cy="4071960"/>
           </a:xfrm>
           <a:prstGeom prst="rect">

--- a/Abgabe/Dokumentation/Präsentation.pptx
+++ b/Abgabe/Dokumentation/Präsentation.pptx
@@ -9,28 +9,26 @@
     <p:sldId id="257" r:id="rId3"/>
     <p:sldId id="258" r:id="rId4"/>
     <p:sldId id="259" r:id="rId5"/>
-    <p:sldId id="260" r:id="rId6"/>
-    <p:sldId id="261" r:id="rId7"/>
-    <p:sldId id="262" r:id="rId8"/>
-    <p:sldId id="263" r:id="rId9"/>
-    <p:sldId id="264" r:id="rId10"/>
-    <p:sldId id="265" r:id="rId11"/>
-    <p:sldId id="266" r:id="rId12"/>
-    <p:sldId id="267" r:id="rId13"/>
-    <p:sldId id="268" r:id="rId14"/>
-    <p:sldId id="269" r:id="rId15"/>
-    <p:sldId id="270" r:id="rId16"/>
-    <p:sldId id="271" r:id="rId17"/>
-    <p:sldId id="272" r:id="rId18"/>
-    <p:sldId id="273" r:id="rId19"/>
-    <p:sldId id="274" r:id="rId20"/>
-    <p:sldId id="275" r:id="rId21"/>
-    <p:sldId id="276" r:id="rId22"/>
-    <p:sldId id="277" r:id="rId23"/>
-    <p:sldId id="278" r:id="rId24"/>
-    <p:sldId id="279" r:id="rId25"/>
-    <p:sldId id="280" r:id="rId26"/>
-    <p:sldId id="281" r:id="rId27"/>
+    <p:sldId id="282" r:id="rId6"/>
+    <p:sldId id="260" r:id="rId7"/>
+    <p:sldId id="261" r:id="rId8"/>
+    <p:sldId id="262" r:id="rId9"/>
+    <p:sldId id="286" r:id="rId10"/>
+    <p:sldId id="269" r:id="rId11"/>
+    <p:sldId id="270" r:id="rId12"/>
+    <p:sldId id="271" r:id="rId13"/>
+    <p:sldId id="272" r:id="rId14"/>
+    <p:sldId id="273" r:id="rId15"/>
+    <p:sldId id="274" r:id="rId16"/>
+    <p:sldId id="283" r:id="rId17"/>
+    <p:sldId id="276" r:id="rId18"/>
+    <p:sldId id="277" r:id="rId19"/>
+    <p:sldId id="278" r:id="rId20"/>
+    <p:sldId id="284" r:id="rId21"/>
+    <p:sldId id="279" r:id="rId22"/>
+    <p:sldId id="275" r:id="rId23"/>
+    <p:sldId id="280" r:id="rId24"/>
+    <p:sldId id="281" r:id="rId25"/>
   </p:sldIdLst>
   <p:sldSz cx="12192000" cy="6858000"/>
   <p:notesSz cx="7559675" cy="10691813"/>
@@ -11527,1756 +11525,6 @@
       </p:grpSpPr>
       <p:sp>
         <p:nvSpPr>
-          <p:cNvPr id="108" name="PlaceHolder 1"/>
-          <p:cNvSpPr>
-            <a:spLocks noGrp="1"/>
-          </p:cNvSpPr>
-          <p:nvPr>
-            <p:ph type="title"/>
-          </p:nvPr>
-        </p:nvSpPr>
-        <p:spPr>
-          <a:xfrm>
-            <a:off x="700560" y="914400"/>
-            <a:ext cx="10999440" cy="1307160"/>
-          </a:xfrm>
-          <a:prstGeom prst="rect">
-            <a:avLst/>
-          </a:prstGeom>
-          <a:noFill/>
-          <a:ln w="0">
-            <a:noFill/>
-          </a:ln>
-        </p:spPr>
-        <p:txBody>
-          <a:bodyPr lIns="91440" tIns="45720" rIns="91440" bIns="45720" anchor="t">
-            <a:normAutofit/>
-          </a:bodyPr>
-          <a:lstStyle/>
-          <a:p>
-            <a:pPr indent="0" defTabSz="914400">
-              <a:lnSpc>
-                <a:spcPct val="100000"/>
-              </a:lnSpc>
-              <a:buNone/>
-            </a:pPr>
-            <a:r>
-              <a:rPr lang="de-DE" sz="4000" b="0" u="none" strike="noStrike" cap="all" spc="31">
-                <a:solidFill>
-                  <a:schemeClr val="dk1"/>
-                </a:solidFill>
-                <a:effectLst/>
-                <a:uFillTx/>
-                <a:latin typeface="Univers Condensed"/>
-              </a:rPr>
-              <a:t>2. Projektorganisation - Wireframes</a:t>
-            </a:r>
-            <a:endParaRPr lang="de-DE" sz="4000" b="0" u="none" strike="noStrike">
-              <a:solidFill>
-                <a:schemeClr val="dk1"/>
-              </a:solidFill>
-              <a:effectLst/>
-              <a:uFillTx/>
-              <a:latin typeface="Calisto MT"/>
-            </a:endParaRPr>
-          </a:p>
-        </p:txBody>
-      </p:sp>
-      <p:sp>
-        <p:nvSpPr>
-          <p:cNvPr id="109" name="PlaceHolder 2"/>
-          <p:cNvSpPr>
-            <a:spLocks noGrp="1"/>
-          </p:cNvSpPr>
-          <p:nvPr>
-            <p:ph/>
-          </p:nvPr>
-        </p:nvSpPr>
-        <p:spPr>
-          <a:xfrm>
-            <a:off x="700560" y="1800000"/>
-            <a:ext cx="5239440" cy="4161600"/>
-          </a:xfrm>
-          <a:prstGeom prst="rect">
-            <a:avLst/>
-          </a:prstGeom>
-          <a:noFill/>
-          <a:ln w="0">
-            <a:noFill/>
-          </a:ln>
-        </p:spPr>
-        <p:txBody>
-          <a:bodyPr lIns="91440" tIns="45720" rIns="91440" bIns="45720" anchor="t">
-            <a:normAutofit fontScale="85000" lnSpcReduction="19999"/>
-          </a:bodyPr>
-          <a:lstStyle/>
-          <a:p>
-            <a:pPr indent="0" defTabSz="914400">
-              <a:lnSpc>
-                <a:spcPct val="110000"/>
-              </a:lnSpc>
-              <a:spcBef>
-                <a:spcPts val="1001"/>
-              </a:spcBef>
-              <a:buNone/>
-              <a:tabLst>
-                <a:tab pos="0" algn="l"/>
-              </a:tabLst>
-            </a:pPr>
-            <a:r>
-              <a:rPr lang="de-DE" sz="2000" b="0" u="none" strike="noStrike" dirty="0">
-                <a:solidFill>
-                  <a:schemeClr val="dk1"/>
-                </a:solidFill>
-                <a:effectLst/>
-                <a:uFillTx/>
-                <a:latin typeface="Calisto MT"/>
-              </a:rPr>
-              <a:t>User Dashboard:</a:t>
-            </a:r>
-          </a:p>
-          <a:p>
-            <a:pPr indent="0" defTabSz="914400">
-              <a:lnSpc>
-                <a:spcPct val="110000"/>
-              </a:lnSpc>
-              <a:spcBef>
-                <a:spcPts val="1001"/>
-              </a:spcBef>
-              <a:buNone/>
-              <a:tabLst>
-                <a:tab pos="0" algn="l"/>
-              </a:tabLst>
-            </a:pPr>
-            <a:endParaRPr lang="de-DE" sz="2000" b="0" u="none" strike="noStrike" dirty="0">
-              <a:solidFill>
-                <a:schemeClr val="dk1"/>
-              </a:solidFill>
-              <a:effectLst/>
-              <a:uFillTx/>
-              <a:latin typeface="Calisto MT"/>
-            </a:endParaRPr>
-          </a:p>
-          <a:p>
-            <a:pPr indent="0" defTabSz="914400">
-              <a:lnSpc>
-                <a:spcPct val="110000"/>
-              </a:lnSpc>
-              <a:spcBef>
-                <a:spcPts val="1001"/>
-              </a:spcBef>
-              <a:buNone/>
-              <a:tabLst>
-                <a:tab pos="0" algn="l"/>
-              </a:tabLst>
-            </a:pPr>
-            <a:r>
-              <a:rPr lang="de-DE" sz="2000" b="0" u="none" strike="noStrike" dirty="0">
-                <a:solidFill>
-                  <a:schemeClr val="dk1"/>
-                </a:solidFill>
-                <a:effectLst/>
-                <a:uFillTx/>
-                <a:latin typeface="Calisto MT"/>
-              </a:rPr>
-              <a:t>- Zeiten Tabelle – Wochenübersicht</a:t>
-            </a:r>
-          </a:p>
-          <a:p>
-            <a:pPr indent="0" defTabSz="914400">
-              <a:lnSpc>
-                <a:spcPct val="110000"/>
-              </a:lnSpc>
-              <a:spcBef>
-                <a:spcPts val="1001"/>
-              </a:spcBef>
-              <a:buNone/>
-              <a:tabLst>
-                <a:tab pos="0" algn="l"/>
-              </a:tabLst>
-            </a:pPr>
-            <a:endParaRPr lang="de-DE" sz="2000" b="0" u="none" strike="noStrike" dirty="0">
-              <a:solidFill>
-                <a:schemeClr val="dk1"/>
-              </a:solidFill>
-              <a:effectLst/>
-              <a:uFillTx/>
-              <a:latin typeface="Calisto MT"/>
-            </a:endParaRPr>
-          </a:p>
-          <a:p>
-            <a:pPr indent="0" defTabSz="914400">
-              <a:lnSpc>
-                <a:spcPct val="110000"/>
-              </a:lnSpc>
-              <a:spcBef>
-                <a:spcPts val="1001"/>
-              </a:spcBef>
-              <a:buNone/>
-              <a:tabLst>
-                <a:tab pos="0" algn="l"/>
-              </a:tabLst>
-            </a:pPr>
-            <a:r>
-              <a:rPr lang="de-DE" sz="2000" b="0" u="none" strike="noStrike" dirty="0">
-                <a:solidFill>
-                  <a:schemeClr val="dk1"/>
-                </a:solidFill>
-                <a:effectLst/>
-                <a:uFillTx/>
-                <a:latin typeface="Calisto MT"/>
-              </a:rPr>
-              <a:t>- Wochensprünge mit „Früher“ / „Später“</a:t>
-            </a:r>
-          </a:p>
-          <a:p>
-            <a:pPr indent="0" defTabSz="914400">
-              <a:lnSpc>
-                <a:spcPct val="110000"/>
-              </a:lnSpc>
-              <a:spcBef>
-                <a:spcPts val="1001"/>
-              </a:spcBef>
-              <a:buNone/>
-              <a:tabLst>
-                <a:tab pos="0" algn="l"/>
-              </a:tabLst>
-            </a:pPr>
-            <a:endParaRPr lang="de-DE" sz="2000" b="0" u="none" strike="noStrike" dirty="0">
-              <a:solidFill>
-                <a:schemeClr val="dk1"/>
-              </a:solidFill>
-              <a:effectLst/>
-              <a:uFillTx/>
-              <a:latin typeface="Calisto MT"/>
-            </a:endParaRPr>
-          </a:p>
-          <a:p>
-            <a:pPr indent="0" defTabSz="914400">
-              <a:lnSpc>
-                <a:spcPct val="110000"/>
-              </a:lnSpc>
-              <a:spcBef>
-                <a:spcPts val="1001"/>
-              </a:spcBef>
-              <a:buNone/>
-              <a:tabLst>
-                <a:tab pos="0" algn="l"/>
-              </a:tabLst>
-            </a:pPr>
-            <a:r>
-              <a:rPr lang="de-DE" sz="2000" b="0" u="none" strike="noStrike" dirty="0">
-                <a:solidFill>
-                  <a:schemeClr val="dk1"/>
-                </a:solidFill>
-                <a:effectLst/>
-                <a:uFillTx/>
-                <a:latin typeface="Calisto MT"/>
-              </a:rPr>
-              <a:t>- Tagesauswahl</a:t>
-            </a:r>
-          </a:p>
-          <a:p>
-            <a:pPr indent="0" defTabSz="914400">
-              <a:lnSpc>
-                <a:spcPct val="110000"/>
-              </a:lnSpc>
-              <a:spcBef>
-                <a:spcPts val="1001"/>
-              </a:spcBef>
-              <a:buNone/>
-              <a:tabLst>
-                <a:tab pos="0" algn="l"/>
-              </a:tabLst>
-            </a:pPr>
-            <a:endParaRPr lang="de-DE" sz="2000" b="0" u="none" strike="noStrike" dirty="0">
-              <a:solidFill>
-                <a:schemeClr val="dk1"/>
-              </a:solidFill>
-              <a:effectLst/>
-              <a:uFillTx/>
-              <a:latin typeface="Calisto MT"/>
-            </a:endParaRPr>
-          </a:p>
-          <a:p>
-            <a:pPr indent="0" defTabSz="914400">
-              <a:lnSpc>
-                <a:spcPct val="110000"/>
-              </a:lnSpc>
-              <a:spcBef>
-                <a:spcPts val="1001"/>
-              </a:spcBef>
-              <a:buNone/>
-              <a:tabLst>
-                <a:tab pos="0" algn="l"/>
-              </a:tabLst>
-            </a:pPr>
-            <a:r>
-              <a:rPr lang="de-DE" sz="2000" b="0" u="none" strike="noStrike" dirty="0">
-                <a:solidFill>
-                  <a:schemeClr val="dk1"/>
-                </a:solidFill>
-                <a:effectLst/>
-                <a:uFillTx/>
-                <a:latin typeface="Calisto MT"/>
-              </a:rPr>
-              <a:t>- „Kommen“ / „Gehen“ Buttons</a:t>
-            </a:r>
-          </a:p>
-          <a:p>
-            <a:pPr indent="0" defTabSz="914400">
-              <a:lnSpc>
-                <a:spcPct val="110000"/>
-              </a:lnSpc>
-              <a:spcBef>
-                <a:spcPts val="1001"/>
-              </a:spcBef>
-              <a:buNone/>
-              <a:tabLst>
-                <a:tab pos="0" algn="l"/>
-              </a:tabLst>
-            </a:pPr>
-            <a:endParaRPr lang="de-DE" sz="2000" b="0" u="none" strike="noStrike" dirty="0">
-              <a:solidFill>
-                <a:schemeClr val="dk1"/>
-              </a:solidFill>
-              <a:effectLst/>
-              <a:uFillTx/>
-              <a:latin typeface="Calisto MT"/>
-            </a:endParaRPr>
-          </a:p>
-          <a:p>
-            <a:pPr indent="0" defTabSz="914400">
-              <a:lnSpc>
-                <a:spcPct val="110000"/>
-              </a:lnSpc>
-              <a:spcBef>
-                <a:spcPts val="1001"/>
-              </a:spcBef>
-              <a:buNone/>
-              <a:tabLst>
-                <a:tab pos="0" algn="l"/>
-              </a:tabLst>
-            </a:pPr>
-            <a:r>
-              <a:rPr lang="de-DE" sz="2000" b="0" u="none" strike="noStrike" dirty="0">
-                <a:solidFill>
-                  <a:schemeClr val="dk1"/>
-                </a:solidFill>
-                <a:effectLst/>
-                <a:uFillTx/>
-                <a:latin typeface="Calisto MT"/>
-              </a:rPr>
-              <a:t>- Kurzinformationen</a:t>
-            </a:r>
-          </a:p>
-          <a:p>
-            <a:pPr indent="0" defTabSz="914400">
-              <a:lnSpc>
-                <a:spcPct val="110000"/>
-              </a:lnSpc>
-              <a:spcBef>
-                <a:spcPts val="1001"/>
-              </a:spcBef>
-              <a:buNone/>
-              <a:tabLst>
-                <a:tab pos="0" algn="l"/>
-              </a:tabLst>
-            </a:pPr>
-            <a:endParaRPr lang="de-DE" sz="2000" b="0" u="none" strike="noStrike" dirty="0">
-              <a:solidFill>
-                <a:schemeClr val="dk1"/>
-              </a:solidFill>
-              <a:effectLst/>
-              <a:uFillTx/>
-              <a:latin typeface="Calisto MT"/>
-            </a:endParaRPr>
-          </a:p>
-          <a:p>
-            <a:pPr indent="0" defTabSz="914400">
-              <a:lnSpc>
-                <a:spcPct val="110000"/>
-              </a:lnSpc>
-              <a:spcBef>
-                <a:spcPts val="1001"/>
-              </a:spcBef>
-              <a:buNone/>
-              <a:tabLst>
-                <a:tab pos="0" algn="l"/>
-              </a:tabLst>
-            </a:pPr>
-            <a:endParaRPr lang="de-DE" sz="2000" b="0" u="none" strike="noStrike" dirty="0">
-              <a:solidFill>
-                <a:schemeClr val="dk1"/>
-              </a:solidFill>
-              <a:effectLst/>
-              <a:uFillTx/>
-              <a:latin typeface="Calisto MT"/>
-            </a:endParaRPr>
-          </a:p>
-        </p:txBody>
-      </p:sp>
-      <p:pic>
-        <p:nvPicPr>
-          <p:cNvPr id="110" name="Grafik 109"/>
-          <p:cNvPicPr/>
-          <p:nvPr/>
-        </p:nvPicPr>
-        <p:blipFill>
-          <a:blip r:embed="rId2"/>
-          <a:stretch/>
-        </p:blipFill>
-        <p:spPr>
-          <a:xfrm>
-            <a:off x="5940000" y="1800000"/>
-            <a:ext cx="5760000" cy="4071960"/>
-          </a:xfrm>
-          <a:prstGeom prst="rect">
-            <a:avLst/>
-          </a:prstGeom>
-          <a:noFill/>
-          <a:ln w="0">
-            <a:noFill/>
-          </a:ln>
-        </p:spPr>
-      </p:pic>
-      <p:pic>
-        <p:nvPicPr>
-          <p:cNvPr id="111" name="Grafik 110"/>
-          <p:cNvPicPr/>
-          <p:nvPr/>
-        </p:nvPicPr>
-        <p:blipFill>
-          <a:blip r:embed="rId3"/>
-          <a:stretch/>
-        </p:blipFill>
-        <p:spPr>
-          <a:xfrm>
-            <a:off x="5940000" y="1816920"/>
-            <a:ext cx="5712120" cy="4038120"/>
-          </a:xfrm>
-          <a:prstGeom prst="rect">
-            <a:avLst/>
-          </a:prstGeom>
-          <a:noFill/>
-          <a:ln w="0">
-            <a:noFill/>
-          </a:ln>
-        </p:spPr>
-      </p:pic>
-    </p:spTree>
-  </p:cSld>
-  <p:clrMapOvr>
-    <a:masterClrMapping/>
-  </p:clrMapOvr>
-  <p:timing>
-    <p:tnLst>
-      <p:par>
-        <p:cTn id="1" dur="indefinite" restart="never" nodeType="tmRoot">
-          <p:childTnLst>
-            <p:seq concurrent="1" nextAc="seek">
-              <p:cTn id="2" dur="indefinite" nodeType="mainSeq">
-                <p:childTnLst>
-                  <p:par>
-                    <p:cTn id="3" fill="hold">
-                      <p:stCondLst>
-                        <p:cond delay="indefinite"/>
-                      </p:stCondLst>
-                      <p:childTnLst>
-                        <p:par>
-                          <p:cTn id="4" fill="hold">
-                            <p:stCondLst>
-                              <p:cond delay="0"/>
-                            </p:stCondLst>
-                            <p:childTnLst>
-                              <p:par>
-                                <p:cTn id="5" presetID="9" presetClass="entr" presetSubtype="0" fill="hold" nodeType="clickEffect">
-                                  <p:stCondLst>
-                                    <p:cond delay="0"/>
-                                  </p:stCondLst>
-                                  <p:childTnLst>
-                                    <p:set>
-                                      <p:cBhvr>
-                                        <p:cTn id="6" dur="1" fill="hold">
-                                          <p:stCondLst>
-                                            <p:cond delay="0"/>
-                                          </p:stCondLst>
-                                        </p:cTn>
-                                        <p:tgtEl>
-                                          <p:spTgt spid="111"/>
-                                        </p:tgtEl>
-                                        <p:attrNameLst>
-                                          <p:attrName>style.visibility</p:attrName>
-                                        </p:attrNameLst>
-                                      </p:cBhvr>
-                                      <p:to>
-                                        <p:strVal val="visible"/>
-                                      </p:to>
-                                    </p:set>
-                                    <p:animEffect transition="in" filter="dissolve">
-                                      <p:cBhvr>
-                                        <p:cTn id="7" dur="500"/>
-                                        <p:tgtEl>
-                                          <p:spTgt spid="111"/>
-                                        </p:tgtEl>
-                                      </p:cBhvr>
-                                    </p:animEffect>
-                                  </p:childTnLst>
-                                </p:cTn>
-                              </p:par>
-                            </p:childTnLst>
-                          </p:cTn>
-                        </p:par>
-                      </p:childTnLst>
-                    </p:cTn>
-                  </p:par>
-                </p:childTnLst>
-              </p:cTn>
-              <p:prevCondLst>
-                <p:cond evt="onPrev" delay="0">
-                  <p:tgtEl>
-                    <p:sldTgt/>
-                  </p:tgtEl>
-                </p:cond>
-              </p:prevCondLst>
-              <p:nextCondLst>
-                <p:cond evt="onNext" delay="0">
-                  <p:tgtEl>
-                    <p:sldTgt/>
-                  </p:tgtEl>
-                </p:cond>
-              </p:nextCondLst>
-            </p:seq>
-          </p:childTnLst>
-        </p:cTn>
-      </p:par>
-    </p:tnLst>
-  </p:timing>
-</p:sld>
-</file>
-
-<file path=ppt/slides/slide11.xml><?xml version="1.0" encoding="utf-8"?>
-<p:sld xmlns:a="http://schemas.openxmlformats.org/drawingml/2006/main" xmlns:r="http://schemas.openxmlformats.org/officeDocument/2006/relationships" xmlns:p="http://schemas.openxmlformats.org/presentationml/2006/main">
-  <p:cSld>
-    <p:spTree>
-      <p:nvGrpSpPr>
-        <p:cNvPr id="1" name=""/>
-        <p:cNvGrpSpPr/>
-        <p:nvPr/>
-      </p:nvGrpSpPr>
-      <p:grpSpPr>
-        <a:xfrm>
-          <a:off x="0" y="0"/>
-          <a:ext cx="0" cy="0"/>
-          <a:chOff x="0" y="0"/>
-          <a:chExt cx="0" cy="0"/>
-        </a:xfrm>
-      </p:grpSpPr>
-      <p:sp>
-        <p:nvSpPr>
-          <p:cNvPr id="113" name="PlaceHolder 1"/>
-          <p:cNvSpPr>
-            <a:spLocks noGrp="1"/>
-          </p:cNvSpPr>
-          <p:nvPr>
-            <p:ph type="title"/>
-          </p:nvPr>
-        </p:nvSpPr>
-        <p:spPr>
-          <a:xfrm>
-            <a:off x="700560" y="914400"/>
-            <a:ext cx="10999440" cy="1307160"/>
-          </a:xfrm>
-          <a:prstGeom prst="rect">
-            <a:avLst/>
-          </a:prstGeom>
-          <a:noFill/>
-          <a:ln w="0">
-            <a:noFill/>
-          </a:ln>
-        </p:spPr>
-        <p:txBody>
-          <a:bodyPr lIns="91440" tIns="45720" rIns="91440" bIns="45720" anchor="t">
-            <a:normAutofit/>
-          </a:bodyPr>
-          <a:lstStyle/>
-          <a:p>
-            <a:pPr indent="0" defTabSz="914400">
-              <a:lnSpc>
-                <a:spcPct val="100000"/>
-              </a:lnSpc>
-              <a:buNone/>
-            </a:pPr>
-            <a:r>
-              <a:rPr lang="de-DE" sz="4000" b="0" u="none" strike="noStrike" cap="all" spc="31">
-                <a:solidFill>
-                  <a:schemeClr val="dk1"/>
-                </a:solidFill>
-                <a:effectLst/>
-                <a:uFillTx/>
-                <a:latin typeface="Univers Condensed"/>
-              </a:rPr>
-              <a:t>2. Projektorganisation - Wireframes</a:t>
-            </a:r>
-            <a:endParaRPr lang="de-DE" sz="4000" b="0" u="none" strike="noStrike">
-              <a:solidFill>
-                <a:schemeClr val="dk1"/>
-              </a:solidFill>
-              <a:effectLst/>
-              <a:uFillTx/>
-              <a:latin typeface="Calisto MT"/>
-            </a:endParaRPr>
-          </a:p>
-        </p:txBody>
-      </p:sp>
-      <p:sp>
-        <p:nvSpPr>
-          <p:cNvPr id="114" name="PlaceHolder 2"/>
-          <p:cNvSpPr>
-            <a:spLocks noGrp="1"/>
-          </p:cNvSpPr>
-          <p:nvPr>
-            <p:ph/>
-          </p:nvPr>
-        </p:nvSpPr>
-        <p:spPr>
-          <a:xfrm>
-            <a:off x="700560" y="1800000"/>
-            <a:ext cx="10690920" cy="4161600"/>
-          </a:xfrm>
-          <a:prstGeom prst="rect">
-            <a:avLst/>
-          </a:prstGeom>
-          <a:noFill/>
-          <a:ln w="0">
-            <a:noFill/>
-          </a:ln>
-        </p:spPr>
-        <p:txBody>
-          <a:bodyPr lIns="91440" tIns="45720" rIns="91440" bIns="45720" anchor="t">
-            <a:normAutofit/>
-          </a:bodyPr>
-          <a:lstStyle/>
-          <a:p>
-            <a:pPr indent="0" defTabSz="914400">
-              <a:lnSpc>
-                <a:spcPct val="110000"/>
-              </a:lnSpc>
-              <a:spcBef>
-                <a:spcPts val="1001"/>
-              </a:spcBef>
-              <a:buNone/>
-              <a:tabLst>
-                <a:tab pos="0" algn="l"/>
-              </a:tabLst>
-            </a:pPr>
-            <a:r>
-              <a:rPr lang="de-DE" sz="2000" b="0" u="none" strike="noStrike">
-                <a:solidFill>
-                  <a:schemeClr val="dk1"/>
-                </a:solidFill>
-                <a:effectLst/>
-                <a:uFillTx/>
-                <a:latin typeface="Calisto MT"/>
-              </a:rPr>
-              <a:t>Navigationsbar:</a:t>
-            </a:r>
-          </a:p>
-          <a:p>
-            <a:pPr indent="0" defTabSz="914400">
-              <a:lnSpc>
-                <a:spcPct val="110000"/>
-              </a:lnSpc>
-              <a:spcBef>
-                <a:spcPts val="1001"/>
-              </a:spcBef>
-              <a:buNone/>
-              <a:tabLst>
-                <a:tab pos="0" algn="l"/>
-              </a:tabLst>
-            </a:pPr>
-            <a:endParaRPr lang="de-DE" sz="2000" b="0" u="none" strike="noStrike">
-              <a:solidFill>
-                <a:schemeClr val="dk1"/>
-              </a:solidFill>
-              <a:effectLst/>
-              <a:uFillTx/>
-              <a:latin typeface="Calisto MT"/>
-            </a:endParaRPr>
-          </a:p>
-          <a:p>
-            <a:pPr indent="0" defTabSz="914400">
-              <a:lnSpc>
-                <a:spcPct val="110000"/>
-              </a:lnSpc>
-              <a:spcBef>
-                <a:spcPts val="1001"/>
-              </a:spcBef>
-              <a:buNone/>
-              <a:tabLst>
-                <a:tab pos="0" algn="l"/>
-              </a:tabLst>
-            </a:pPr>
-            <a:r>
-              <a:rPr lang="de-DE" sz="2000" b="0" u="none" strike="noStrike">
-                <a:solidFill>
-                  <a:schemeClr val="dk1"/>
-                </a:solidFill>
-                <a:effectLst/>
-                <a:uFillTx/>
-                <a:latin typeface="Calisto MT"/>
-              </a:rPr>
-              <a:t>- Begrüßung</a:t>
-            </a:r>
-          </a:p>
-          <a:p>
-            <a:pPr indent="0" defTabSz="914400">
-              <a:lnSpc>
-                <a:spcPct val="110000"/>
-              </a:lnSpc>
-              <a:spcBef>
-                <a:spcPts val="1001"/>
-              </a:spcBef>
-              <a:buNone/>
-              <a:tabLst>
-                <a:tab pos="0" algn="l"/>
-              </a:tabLst>
-            </a:pPr>
-            <a:endParaRPr lang="de-DE" sz="2000" b="0" u="none" strike="noStrike">
-              <a:solidFill>
-                <a:schemeClr val="dk1"/>
-              </a:solidFill>
-              <a:effectLst/>
-              <a:uFillTx/>
-              <a:latin typeface="Calisto MT"/>
-            </a:endParaRPr>
-          </a:p>
-          <a:p>
-            <a:pPr indent="0" defTabSz="914400">
-              <a:lnSpc>
-                <a:spcPct val="110000"/>
-              </a:lnSpc>
-              <a:spcBef>
-                <a:spcPts val="1001"/>
-              </a:spcBef>
-              <a:buNone/>
-              <a:tabLst>
-                <a:tab pos="0" algn="l"/>
-              </a:tabLst>
-            </a:pPr>
-            <a:r>
-              <a:rPr lang="de-DE" sz="2000" b="0" u="none" strike="noStrike">
-                <a:solidFill>
-                  <a:schemeClr val="dk1"/>
-                </a:solidFill>
-                <a:effectLst/>
-                <a:uFillTx/>
-                <a:latin typeface="Calisto MT"/>
-              </a:rPr>
-              <a:t>- Benachrichtigungs Button</a:t>
-            </a:r>
-          </a:p>
-          <a:p>
-            <a:pPr indent="0" defTabSz="914400">
-              <a:lnSpc>
-                <a:spcPct val="110000"/>
-              </a:lnSpc>
-              <a:spcBef>
-                <a:spcPts val="1001"/>
-              </a:spcBef>
-              <a:buNone/>
-              <a:tabLst>
-                <a:tab pos="0" algn="l"/>
-              </a:tabLst>
-            </a:pPr>
-            <a:endParaRPr lang="de-DE" sz="2000" b="0" u="none" strike="noStrike">
-              <a:solidFill>
-                <a:schemeClr val="dk1"/>
-              </a:solidFill>
-              <a:effectLst/>
-              <a:uFillTx/>
-              <a:latin typeface="Calisto MT"/>
-            </a:endParaRPr>
-          </a:p>
-          <a:p>
-            <a:pPr indent="0" defTabSz="914400">
-              <a:lnSpc>
-                <a:spcPct val="110000"/>
-              </a:lnSpc>
-              <a:spcBef>
-                <a:spcPts val="1001"/>
-              </a:spcBef>
-              <a:buNone/>
-              <a:tabLst>
-                <a:tab pos="0" algn="l"/>
-              </a:tabLst>
-            </a:pPr>
-            <a:r>
-              <a:rPr lang="de-DE" sz="2000" b="0" u="none" strike="noStrike">
-                <a:solidFill>
-                  <a:schemeClr val="dk1"/>
-                </a:solidFill>
-                <a:effectLst/>
-                <a:uFillTx/>
-                <a:latin typeface="Calisto MT"/>
-              </a:rPr>
-              <a:t>- Logout Button</a:t>
-            </a:r>
-          </a:p>
-          <a:p>
-            <a:pPr indent="0" defTabSz="914400">
-              <a:lnSpc>
-                <a:spcPct val="110000"/>
-              </a:lnSpc>
-              <a:spcBef>
-                <a:spcPts val="1001"/>
-              </a:spcBef>
-              <a:buNone/>
-              <a:tabLst>
-                <a:tab pos="0" algn="l"/>
-              </a:tabLst>
-            </a:pPr>
-            <a:endParaRPr lang="de-DE" sz="2000" b="0" u="none" strike="noStrike">
-              <a:solidFill>
-                <a:schemeClr val="dk1"/>
-              </a:solidFill>
-              <a:effectLst/>
-              <a:uFillTx/>
-              <a:latin typeface="Calisto MT"/>
-            </a:endParaRPr>
-          </a:p>
-          <a:p>
-            <a:pPr indent="0" defTabSz="914400">
-              <a:lnSpc>
-                <a:spcPct val="110000"/>
-              </a:lnSpc>
-              <a:spcBef>
-                <a:spcPts val="1001"/>
-              </a:spcBef>
-              <a:buNone/>
-              <a:tabLst>
-                <a:tab pos="0" algn="l"/>
-              </a:tabLst>
-            </a:pPr>
-            <a:r>
-              <a:rPr lang="de-DE" sz="2000" b="0" u="none" strike="noStrike">
-                <a:solidFill>
-                  <a:schemeClr val="dk1"/>
-                </a:solidFill>
-                <a:effectLst/>
-                <a:uFillTx/>
-                <a:latin typeface="Calisto MT"/>
-              </a:rPr>
-              <a:t>- Hamburger Button</a:t>
-            </a:r>
-          </a:p>
-          <a:p>
-            <a:pPr indent="0" defTabSz="914400">
-              <a:lnSpc>
-                <a:spcPct val="110000"/>
-              </a:lnSpc>
-              <a:spcBef>
-                <a:spcPts val="1001"/>
-              </a:spcBef>
-              <a:buNone/>
-              <a:tabLst>
-                <a:tab pos="0" algn="l"/>
-              </a:tabLst>
-            </a:pPr>
-            <a:endParaRPr lang="de-DE" sz="2000" b="0" u="none" strike="noStrike">
-              <a:solidFill>
-                <a:schemeClr val="dk1"/>
-              </a:solidFill>
-              <a:effectLst/>
-              <a:uFillTx/>
-              <a:latin typeface="Calisto MT"/>
-            </a:endParaRPr>
-          </a:p>
-          <a:p>
-            <a:pPr indent="0" defTabSz="914400">
-              <a:lnSpc>
-                <a:spcPct val="110000"/>
-              </a:lnSpc>
-              <a:spcBef>
-                <a:spcPts val="1001"/>
-              </a:spcBef>
-              <a:buNone/>
-              <a:tabLst>
-                <a:tab pos="0" algn="l"/>
-              </a:tabLst>
-            </a:pPr>
-            <a:endParaRPr lang="de-DE" sz="2000" b="0" u="none" strike="noStrike">
-              <a:solidFill>
-                <a:schemeClr val="dk1"/>
-              </a:solidFill>
-              <a:effectLst/>
-              <a:uFillTx/>
-              <a:latin typeface="Calisto MT"/>
-            </a:endParaRPr>
-          </a:p>
-        </p:txBody>
-      </p:sp>
-      <p:pic>
-        <p:nvPicPr>
-          <p:cNvPr id="115" name="Grafik 114"/>
-          <p:cNvPicPr/>
-          <p:nvPr/>
-        </p:nvPicPr>
-        <p:blipFill>
-          <a:blip r:embed="rId2"/>
-          <a:stretch/>
-        </p:blipFill>
-        <p:spPr>
-          <a:xfrm>
-            <a:off x="5833620" y="1800000"/>
-            <a:ext cx="5712120" cy="4038120"/>
-          </a:xfrm>
-          <a:prstGeom prst="rect">
-            <a:avLst/>
-          </a:prstGeom>
-          <a:noFill/>
-          <a:ln w="0">
-            <a:noFill/>
-          </a:ln>
-        </p:spPr>
-      </p:pic>
-    </p:spTree>
-  </p:cSld>
-  <p:clrMapOvr>
-    <a:masterClrMapping/>
-  </p:clrMapOvr>
-</p:sld>
-</file>
-
-<file path=ppt/slides/slide12.xml><?xml version="1.0" encoding="utf-8"?>
-<p:sld xmlns:a="http://schemas.openxmlformats.org/drawingml/2006/main" xmlns:r="http://schemas.openxmlformats.org/officeDocument/2006/relationships" xmlns:p="http://schemas.openxmlformats.org/presentationml/2006/main">
-  <p:cSld>
-    <p:spTree>
-      <p:nvGrpSpPr>
-        <p:cNvPr id="1" name=""/>
-        <p:cNvGrpSpPr/>
-        <p:nvPr/>
-      </p:nvGrpSpPr>
-      <p:grpSpPr>
-        <a:xfrm>
-          <a:off x="0" y="0"/>
-          <a:ext cx="0" cy="0"/>
-          <a:chOff x="0" y="0"/>
-          <a:chExt cx="0" cy="0"/>
-        </a:xfrm>
-      </p:grpSpPr>
-      <p:sp>
-        <p:nvSpPr>
-          <p:cNvPr id="116" name="PlaceHolder 1"/>
-          <p:cNvSpPr>
-            <a:spLocks noGrp="1"/>
-          </p:cNvSpPr>
-          <p:nvPr>
-            <p:ph type="title"/>
-          </p:nvPr>
-        </p:nvSpPr>
-        <p:spPr>
-          <a:xfrm>
-            <a:off x="700560" y="914400"/>
-            <a:ext cx="10999440" cy="1307160"/>
-          </a:xfrm>
-          <a:prstGeom prst="rect">
-            <a:avLst/>
-          </a:prstGeom>
-          <a:noFill/>
-          <a:ln w="0">
-            <a:noFill/>
-          </a:ln>
-        </p:spPr>
-        <p:txBody>
-          <a:bodyPr lIns="91440" tIns="45720" rIns="91440" bIns="45720" anchor="t">
-            <a:normAutofit/>
-          </a:bodyPr>
-          <a:lstStyle/>
-          <a:p>
-            <a:pPr indent="0" defTabSz="914400">
-              <a:lnSpc>
-                <a:spcPct val="100000"/>
-              </a:lnSpc>
-              <a:buNone/>
-            </a:pPr>
-            <a:r>
-              <a:rPr lang="de-DE" sz="4000" b="0" u="none" strike="noStrike" cap="all" spc="31">
-                <a:solidFill>
-                  <a:schemeClr val="dk1"/>
-                </a:solidFill>
-                <a:effectLst/>
-                <a:uFillTx/>
-                <a:latin typeface="Univers Condensed"/>
-              </a:rPr>
-              <a:t>2. Projektorganisation - Wireframes</a:t>
-            </a:r>
-            <a:endParaRPr lang="de-DE" sz="4000" b="0" u="none" strike="noStrike">
-              <a:solidFill>
-                <a:schemeClr val="dk1"/>
-              </a:solidFill>
-              <a:effectLst/>
-              <a:uFillTx/>
-              <a:latin typeface="Calisto MT"/>
-            </a:endParaRPr>
-          </a:p>
-        </p:txBody>
-      </p:sp>
-      <p:sp>
-        <p:nvSpPr>
-          <p:cNvPr id="117" name="PlaceHolder 2"/>
-          <p:cNvSpPr>
-            <a:spLocks noGrp="1"/>
-          </p:cNvSpPr>
-          <p:nvPr>
-            <p:ph/>
-          </p:nvPr>
-        </p:nvSpPr>
-        <p:spPr>
-          <a:xfrm>
-            <a:off x="700560" y="1800000"/>
-            <a:ext cx="5395440" cy="4161600"/>
-          </a:xfrm>
-          <a:prstGeom prst="rect">
-            <a:avLst/>
-          </a:prstGeom>
-          <a:noFill/>
-          <a:ln w="0">
-            <a:noFill/>
-          </a:ln>
-        </p:spPr>
-        <p:txBody>
-          <a:bodyPr lIns="91440" tIns="45720" rIns="91440" bIns="45720" anchor="t">
-            <a:normAutofit/>
-          </a:bodyPr>
-          <a:lstStyle/>
-          <a:p>
-            <a:pPr indent="0" defTabSz="914400">
-              <a:lnSpc>
-                <a:spcPct val="110000"/>
-              </a:lnSpc>
-              <a:spcBef>
-                <a:spcPts val="1001"/>
-              </a:spcBef>
-              <a:buNone/>
-              <a:tabLst>
-                <a:tab pos="0" algn="l"/>
-              </a:tabLst>
-            </a:pPr>
-            <a:r>
-              <a:rPr lang="de-DE" sz="2000" b="0" u="none" strike="noStrike" dirty="0">
-                <a:solidFill>
-                  <a:schemeClr val="dk1"/>
-                </a:solidFill>
-                <a:effectLst/>
-                <a:uFillTx/>
-                <a:latin typeface="Calisto MT"/>
-              </a:rPr>
-              <a:t>Benachrichtigungen:</a:t>
-            </a:r>
-          </a:p>
-          <a:p>
-            <a:pPr indent="0" defTabSz="914400">
-              <a:lnSpc>
-                <a:spcPct val="110000"/>
-              </a:lnSpc>
-              <a:spcBef>
-                <a:spcPts val="1001"/>
-              </a:spcBef>
-              <a:buNone/>
-              <a:tabLst>
-                <a:tab pos="0" algn="l"/>
-              </a:tabLst>
-            </a:pPr>
-            <a:endParaRPr lang="de-DE" sz="2000" b="0" u="none" strike="noStrike" dirty="0">
-              <a:solidFill>
-                <a:schemeClr val="dk1"/>
-              </a:solidFill>
-              <a:effectLst/>
-              <a:uFillTx/>
-              <a:latin typeface="Calisto MT"/>
-            </a:endParaRPr>
-          </a:p>
-          <a:p>
-            <a:pPr indent="0" defTabSz="914400">
-              <a:lnSpc>
-                <a:spcPct val="110000"/>
-              </a:lnSpc>
-              <a:spcBef>
-                <a:spcPts val="1001"/>
-              </a:spcBef>
-              <a:buNone/>
-              <a:tabLst>
-                <a:tab pos="0" algn="l"/>
-              </a:tabLst>
-            </a:pPr>
-            <a:r>
-              <a:rPr lang="de-DE" sz="2000" b="0" u="none" strike="noStrike" dirty="0">
-                <a:solidFill>
-                  <a:schemeClr val="dk1"/>
-                </a:solidFill>
-                <a:effectLst/>
-                <a:uFillTx/>
-                <a:latin typeface="Calisto MT"/>
-              </a:rPr>
-              <a:t>- Pop-up Fenster zum Scrollen</a:t>
-            </a:r>
-          </a:p>
-          <a:p>
-            <a:pPr indent="0" defTabSz="914400">
-              <a:lnSpc>
-                <a:spcPct val="110000"/>
-              </a:lnSpc>
-              <a:spcBef>
-                <a:spcPts val="1001"/>
-              </a:spcBef>
-              <a:buNone/>
-              <a:tabLst>
-                <a:tab pos="0" algn="l"/>
-              </a:tabLst>
-            </a:pPr>
-            <a:endParaRPr lang="de-DE" sz="2000" b="0" u="none" strike="noStrike" dirty="0">
-              <a:solidFill>
-                <a:schemeClr val="dk1"/>
-              </a:solidFill>
-              <a:effectLst/>
-              <a:uFillTx/>
-              <a:latin typeface="Calisto MT"/>
-            </a:endParaRPr>
-          </a:p>
-          <a:p>
-            <a:pPr indent="0" defTabSz="914400">
-              <a:lnSpc>
-                <a:spcPct val="110000"/>
-              </a:lnSpc>
-              <a:spcBef>
-                <a:spcPts val="1001"/>
-              </a:spcBef>
-              <a:buNone/>
-              <a:tabLst>
-                <a:tab pos="0" algn="l"/>
-              </a:tabLst>
-            </a:pPr>
-            <a:endParaRPr lang="de-DE" sz="2000" b="0" u="none" strike="noStrike" dirty="0">
-              <a:solidFill>
-                <a:schemeClr val="dk1"/>
-              </a:solidFill>
-              <a:effectLst/>
-              <a:uFillTx/>
-              <a:latin typeface="Calisto MT"/>
-            </a:endParaRPr>
-          </a:p>
-        </p:txBody>
-      </p:sp>
-      <p:pic>
-        <p:nvPicPr>
-          <p:cNvPr id="118" name="Grafik 117"/>
-          <p:cNvPicPr/>
-          <p:nvPr/>
-        </p:nvPicPr>
-        <p:blipFill>
-          <a:blip r:embed="rId2"/>
-          <a:stretch/>
-        </p:blipFill>
-        <p:spPr>
-          <a:xfrm>
-            <a:off x="5779320" y="1688262"/>
-            <a:ext cx="5712120" cy="4038120"/>
-          </a:xfrm>
-          <a:prstGeom prst="rect">
-            <a:avLst/>
-          </a:prstGeom>
-          <a:noFill/>
-          <a:ln w="0">
-            <a:noFill/>
-          </a:ln>
-        </p:spPr>
-      </p:pic>
-      <p:pic>
-        <p:nvPicPr>
-          <p:cNvPr id="119" name="Grafik 118"/>
-          <p:cNvPicPr/>
-          <p:nvPr/>
-        </p:nvPicPr>
-        <p:blipFill>
-          <a:blip r:embed="rId3"/>
-          <a:stretch/>
-        </p:blipFill>
-        <p:spPr>
-          <a:xfrm>
-            <a:off x="5755560" y="1688262"/>
-            <a:ext cx="5759640" cy="4071960"/>
-          </a:xfrm>
-          <a:prstGeom prst="rect">
-            <a:avLst/>
-          </a:prstGeom>
-          <a:noFill/>
-          <a:ln w="0">
-            <a:noFill/>
-          </a:ln>
-        </p:spPr>
-      </p:pic>
-    </p:spTree>
-  </p:cSld>
-  <p:clrMapOvr>
-    <a:masterClrMapping/>
-  </p:clrMapOvr>
-  <p:timing>
-    <p:tnLst>
-      <p:par>
-        <p:cTn id="1" dur="indefinite" restart="never" nodeType="tmRoot">
-          <p:childTnLst>
-            <p:seq concurrent="1" nextAc="seek">
-              <p:cTn id="2" dur="indefinite" nodeType="mainSeq">
-                <p:childTnLst>
-                  <p:par>
-                    <p:cTn id="3" fill="hold">
-                      <p:stCondLst>
-                        <p:cond delay="indefinite"/>
-                      </p:stCondLst>
-                      <p:childTnLst>
-                        <p:par>
-                          <p:cTn id="4" fill="hold">
-                            <p:stCondLst>
-                              <p:cond delay="0"/>
-                            </p:stCondLst>
-                            <p:childTnLst>
-                              <p:par>
-                                <p:cTn id="5" presetID="1" presetClass="entr" presetSubtype="0" fill="hold" nodeType="clickEffect">
-                                  <p:stCondLst>
-                                    <p:cond delay="0"/>
-                                  </p:stCondLst>
-                                  <p:childTnLst>
-                                    <p:set>
-                                      <p:cBhvr>
-                                        <p:cTn id="6" dur="1" fill="hold">
-                                          <p:stCondLst>
-                                            <p:cond delay="0"/>
-                                          </p:stCondLst>
-                                        </p:cTn>
-                                        <p:tgtEl>
-                                          <p:spTgt spid="118"/>
-                                        </p:tgtEl>
-                                        <p:attrNameLst>
-                                          <p:attrName>style.visibility</p:attrName>
-                                        </p:attrNameLst>
-                                      </p:cBhvr>
-                                      <p:to>
-                                        <p:strVal val="visible"/>
-                                      </p:to>
-                                    </p:set>
-                                  </p:childTnLst>
-                                </p:cTn>
-                              </p:par>
-                            </p:childTnLst>
-                          </p:cTn>
-                        </p:par>
-                      </p:childTnLst>
-                    </p:cTn>
-                  </p:par>
-                  <p:par>
-                    <p:cTn id="7" fill="hold">
-                      <p:stCondLst>
-                        <p:cond delay="indefinite"/>
-                      </p:stCondLst>
-                      <p:childTnLst>
-                        <p:par>
-                          <p:cTn id="8" fill="hold">
-                            <p:stCondLst>
-                              <p:cond delay="0"/>
-                            </p:stCondLst>
-                            <p:childTnLst>
-                              <p:par>
-                                <p:cTn id="9" presetID="9" presetClass="entr" presetSubtype="0" fill="hold" nodeType="clickEffect">
-                                  <p:stCondLst>
-                                    <p:cond delay="0"/>
-                                  </p:stCondLst>
-                                  <p:childTnLst>
-                                    <p:set>
-                                      <p:cBhvr>
-                                        <p:cTn id="10" dur="1" fill="hold">
-                                          <p:stCondLst>
-                                            <p:cond delay="0"/>
-                                          </p:stCondLst>
-                                        </p:cTn>
-                                        <p:tgtEl>
-                                          <p:spTgt spid="119"/>
-                                        </p:tgtEl>
-                                        <p:attrNameLst>
-                                          <p:attrName>style.visibility</p:attrName>
-                                        </p:attrNameLst>
-                                      </p:cBhvr>
-                                      <p:to>
-                                        <p:strVal val="visible"/>
-                                      </p:to>
-                                    </p:set>
-                                    <p:animEffect transition="in" filter="dissolve">
-                                      <p:cBhvr>
-                                        <p:cTn id="11" dur="500"/>
-                                        <p:tgtEl>
-                                          <p:spTgt spid="119"/>
-                                        </p:tgtEl>
-                                      </p:cBhvr>
-                                    </p:animEffect>
-                                  </p:childTnLst>
-                                </p:cTn>
-                              </p:par>
-                            </p:childTnLst>
-                          </p:cTn>
-                        </p:par>
-                      </p:childTnLst>
-                    </p:cTn>
-                  </p:par>
-                </p:childTnLst>
-              </p:cTn>
-              <p:prevCondLst>
-                <p:cond evt="onPrev" delay="0">
-                  <p:tgtEl>
-                    <p:sldTgt/>
-                  </p:tgtEl>
-                </p:cond>
-              </p:prevCondLst>
-              <p:nextCondLst>
-                <p:cond evt="onNext" delay="0">
-                  <p:tgtEl>
-                    <p:sldTgt/>
-                  </p:tgtEl>
-                </p:cond>
-              </p:nextCondLst>
-            </p:seq>
-          </p:childTnLst>
-        </p:cTn>
-      </p:par>
-    </p:tnLst>
-  </p:timing>
-</p:sld>
-</file>
-
-<file path=ppt/slides/slide13.xml><?xml version="1.0" encoding="utf-8"?>
-<p:sld xmlns:a="http://schemas.openxmlformats.org/drawingml/2006/main" xmlns:r="http://schemas.openxmlformats.org/officeDocument/2006/relationships" xmlns:p="http://schemas.openxmlformats.org/presentationml/2006/main">
-  <p:cSld>
-    <p:spTree>
-      <p:nvGrpSpPr>
-        <p:cNvPr id="1" name=""/>
-        <p:cNvGrpSpPr/>
-        <p:nvPr/>
-      </p:nvGrpSpPr>
-      <p:grpSpPr>
-        <a:xfrm>
-          <a:off x="0" y="0"/>
-          <a:ext cx="0" cy="0"/>
-          <a:chOff x="0" y="0"/>
-          <a:chExt cx="0" cy="0"/>
-        </a:xfrm>
-      </p:grpSpPr>
-      <p:sp>
-        <p:nvSpPr>
-          <p:cNvPr id="120" name="PlaceHolder 1"/>
-          <p:cNvSpPr>
-            <a:spLocks noGrp="1"/>
-          </p:cNvSpPr>
-          <p:nvPr>
-            <p:ph type="title"/>
-          </p:nvPr>
-        </p:nvSpPr>
-        <p:spPr>
-          <a:xfrm>
-            <a:off x="700560" y="914400"/>
-            <a:ext cx="10999440" cy="1307160"/>
-          </a:xfrm>
-          <a:prstGeom prst="rect">
-            <a:avLst/>
-          </a:prstGeom>
-          <a:noFill/>
-          <a:ln w="0">
-            <a:noFill/>
-          </a:ln>
-        </p:spPr>
-        <p:txBody>
-          <a:bodyPr lIns="91440" tIns="45720" rIns="91440" bIns="45720" anchor="t">
-            <a:normAutofit/>
-          </a:bodyPr>
-          <a:lstStyle/>
-          <a:p>
-            <a:pPr indent="0" defTabSz="914400">
-              <a:lnSpc>
-                <a:spcPct val="100000"/>
-              </a:lnSpc>
-              <a:buNone/>
-            </a:pPr>
-            <a:r>
-              <a:rPr lang="de-DE" sz="4000" b="0" u="none" strike="noStrike" cap="all" spc="31">
-                <a:solidFill>
-                  <a:schemeClr val="dk1"/>
-                </a:solidFill>
-                <a:effectLst/>
-                <a:uFillTx/>
-                <a:latin typeface="Univers Condensed"/>
-              </a:rPr>
-              <a:t>2. Projektorganisation - Wireframes</a:t>
-            </a:r>
-            <a:endParaRPr lang="de-DE" sz="4000" b="0" u="none" strike="noStrike">
-              <a:solidFill>
-                <a:schemeClr val="dk1"/>
-              </a:solidFill>
-              <a:effectLst/>
-              <a:uFillTx/>
-              <a:latin typeface="Calisto MT"/>
-            </a:endParaRPr>
-          </a:p>
-        </p:txBody>
-      </p:sp>
-      <p:sp>
-        <p:nvSpPr>
-          <p:cNvPr id="121" name="PlaceHolder 2"/>
-          <p:cNvSpPr>
-            <a:spLocks noGrp="1"/>
-          </p:cNvSpPr>
-          <p:nvPr>
-            <p:ph/>
-          </p:nvPr>
-        </p:nvSpPr>
-        <p:spPr>
-          <a:xfrm>
-            <a:off x="700560" y="1800000"/>
-            <a:ext cx="5395440" cy="4161600"/>
-          </a:xfrm>
-          <a:prstGeom prst="rect">
-            <a:avLst/>
-          </a:prstGeom>
-          <a:noFill/>
-          <a:ln w="0">
-            <a:noFill/>
-          </a:ln>
-        </p:spPr>
-        <p:txBody>
-          <a:bodyPr lIns="91440" tIns="45720" rIns="91440" bIns="45720" anchor="t">
-            <a:normAutofit/>
-          </a:bodyPr>
-          <a:lstStyle/>
-          <a:p>
-            <a:pPr indent="0" defTabSz="914400">
-              <a:lnSpc>
-                <a:spcPct val="110000"/>
-              </a:lnSpc>
-              <a:spcBef>
-                <a:spcPts val="1001"/>
-              </a:spcBef>
-              <a:buNone/>
-              <a:tabLst>
-                <a:tab pos="0" algn="l"/>
-              </a:tabLst>
-            </a:pPr>
-            <a:r>
-              <a:rPr lang="de-DE" sz="2000" b="0" u="none" strike="noStrike" dirty="0">
-                <a:solidFill>
-                  <a:schemeClr val="dk1"/>
-                </a:solidFill>
-                <a:effectLst/>
-                <a:uFillTx/>
-                <a:latin typeface="Calisto MT"/>
-              </a:rPr>
-              <a:t>Hamburger Menü:</a:t>
-            </a:r>
-          </a:p>
-          <a:p>
-            <a:pPr indent="0" defTabSz="914400">
-              <a:lnSpc>
-                <a:spcPct val="110000"/>
-              </a:lnSpc>
-              <a:spcBef>
-                <a:spcPts val="1001"/>
-              </a:spcBef>
-              <a:buNone/>
-              <a:tabLst>
-                <a:tab pos="0" algn="l"/>
-              </a:tabLst>
-            </a:pPr>
-            <a:endParaRPr lang="de-DE" sz="2000" b="0" u="none" strike="noStrike" dirty="0">
-              <a:solidFill>
-                <a:schemeClr val="dk1"/>
-              </a:solidFill>
-              <a:effectLst/>
-              <a:uFillTx/>
-              <a:latin typeface="Calisto MT"/>
-            </a:endParaRPr>
-          </a:p>
-          <a:p>
-            <a:pPr indent="0" defTabSz="914400">
-              <a:lnSpc>
-                <a:spcPct val="110000"/>
-              </a:lnSpc>
-              <a:spcBef>
-                <a:spcPts val="1001"/>
-              </a:spcBef>
-              <a:buNone/>
-              <a:tabLst>
-                <a:tab pos="0" algn="l"/>
-              </a:tabLst>
-            </a:pPr>
-            <a:r>
-              <a:rPr lang="de-DE" sz="2000" b="0" u="none" strike="noStrike" dirty="0">
-                <a:solidFill>
-                  <a:schemeClr val="dk1"/>
-                </a:solidFill>
-                <a:effectLst/>
-                <a:uFillTx/>
-                <a:latin typeface="Calisto MT"/>
-              </a:rPr>
-              <a:t>- Passwort änderbar</a:t>
-            </a:r>
-          </a:p>
-          <a:p>
-            <a:pPr indent="0" defTabSz="914400">
-              <a:lnSpc>
-                <a:spcPct val="110000"/>
-              </a:lnSpc>
-              <a:spcBef>
-                <a:spcPts val="1001"/>
-              </a:spcBef>
-              <a:buNone/>
-              <a:tabLst>
-                <a:tab pos="0" algn="l"/>
-              </a:tabLst>
-            </a:pPr>
-            <a:endParaRPr lang="de-DE" sz="2000" b="0" u="none" strike="noStrike" dirty="0">
-              <a:solidFill>
-                <a:schemeClr val="dk1"/>
-              </a:solidFill>
-              <a:effectLst/>
-              <a:uFillTx/>
-              <a:latin typeface="Calisto MT"/>
-            </a:endParaRPr>
-          </a:p>
-          <a:p>
-            <a:pPr indent="0" defTabSz="914400">
-              <a:lnSpc>
-                <a:spcPct val="110000"/>
-              </a:lnSpc>
-              <a:spcBef>
-                <a:spcPts val="1001"/>
-              </a:spcBef>
-              <a:buNone/>
-              <a:tabLst>
-                <a:tab pos="0" algn="l"/>
-              </a:tabLst>
-            </a:pPr>
-            <a:r>
-              <a:rPr lang="de-DE" sz="2000" b="0" u="none" strike="noStrike" dirty="0">
-                <a:solidFill>
-                  <a:schemeClr val="dk1"/>
-                </a:solidFill>
-                <a:effectLst/>
-                <a:uFillTx/>
-                <a:latin typeface="Calisto MT"/>
-              </a:rPr>
-              <a:t>- Sprachwechsel mit On/Off Button</a:t>
-            </a:r>
-          </a:p>
-          <a:p>
-            <a:pPr indent="0" defTabSz="914400">
-              <a:lnSpc>
-                <a:spcPct val="110000"/>
-              </a:lnSpc>
-              <a:spcBef>
-                <a:spcPts val="1001"/>
-              </a:spcBef>
-              <a:buNone/>
-              <a:tabLst>
-                <a:tab pos="0" algn="l"/>
-              </a:tabLst>
-            </a:pPr>
-            <a:endParaRPr lang="de-DE" sz="2000" b="0" u="none" strike="noStrike" dirty="0">
-              <a:solidFill>
-                <a:schemeClr val="dk1"/>
-              </a:solidFill>
-              <a:effectLst/>
-              <a:uFillTx/>
-              <a:latin typeface="Calisto MT"/>
-            </a:endParaRPr>
-          </a:p>
-          <a:p>
-            <a:pPr indent="0" defTabSz="914400">
-              <a:lnSpc>
-                <a:spcPct val="110000"/>
-              </a:lnSpc>
-              <a:spcBef>
-                <a:spcPts val="1001"/>
-              </a:spcBef>
-              <a:buNone/>
-              <a:tabLst>
-                <a:tab pos="0" algn="l"/>
-              </a:tabLst>
-            </a:pPr>
-            <a:endParaRPr lang="de-DE" sz="2000" b="0" u="none" strike="noStrike" dirty="0">
-              <a:solidFill>
-                <a:schemeClr val="dk1"/>
-              </a:solidFill>
-              <a:effectLst/>
-              <a:uFillTx/>
-              <a:latin typeface="Calisto MT"/>
-            </a:endParaRPr>
-          </a:p>
-        </p:txBody>
-      </p:sp>
-      <p:pic>
-        <p:nvPicPr>
-          <p:cNvPr id="122" name="Grafik 121"/>
-          <p:cNvPicPr/>
-          <p:nvPr/>
-        </p:nvPicPr>
-        <p:blipFill>
-          <a:blip r:embed="rId2"/>
-          <a:stretch/>
-        </p:blipFill>
-        <p:spPr>
-          <a:xfrm>
-            <a:off x="5833620" y="1685716"/>
-            <a:ext cx="5712120" cy="4038120"/>
-          </a:xfrm>
-          <a:prstGeom prst="rect">
-            <a:avLst/>
-          </a:prstGeom>
-          <a:noFill/>
-          <a:ln w="0">
-            <a:noFill/>
-          </a:ln>
-        </p:spPr>
-      </p:pic>
-      <p:pic>
-        <p:nvPicPr>
-          <p:cNvPr id="124" name="Grafik 123"/>
-          <p:cNvPicPr/>
-          <p:nvPr/>
-        </p:nvPicPr>
-        <p:blipFill>
-          <a:blip r:embed="rId3"/>
-          <a:stretch/>
-        </p:blipFill>
-        <p:spPr>
-          <a:xfrm>
-            <a:off x="5940360" y="1748727"/>
-            <a:ext cx="5759640" cy="4071960"/>
-          </a:xfrm>
-          <a:prstGeom prst="rect">
-            <a:avLst/>
-          </a:prstGeom>
-          <a:noFill/>
-          <a:ln w="0">
-            <a:noFill/>
-          </a:ln>
-        </p:spPr>
-      </p:pic>
-    </p:spTree>
-  </p:cSld>
-  <p:clrMapOvr>
-    <a:masterClrMapping/>
-  </p:clrMapOvr>
-  <p:timing>
-    <p:tnLst>
-      <p:par>
-        <p:cTn id="1" dur="indefinite" restart="never" nodeType="tmRoot">
-          <p:childTnLst>
-            <p:seq concurrent="1" nextAc="seek">
-              <p:cTn id="2" dur="indefinite" nodeType="mainSeq">
-                <p:childTnLst>
-                  <p:par>
-                    <p:cTn id="3" fill="hold">
-                      <p:stCondLst>
-                        <p:cond delay="indefinite"/>
-                      </p:stCondLst>
-                      <p:childTnLst>
-                        <p:par>
-                          <p:cTn id="4" fill="hold">
-                            <p:stCondLst>
-                              <p:cond delay="0"/>
-                            </p:stCondLst>
-                            <p:childTnLst>
-                              <p:par>
-                                <p:cTn id="5" presetID="9" presetClass="entr" presetSubtype="0" fill="hold" nodeType="clickEffect">
-                                  <p:stCondLst>
-                                    <p:cond delay="0"/>
-                                  </p:stCondLst>
-                                  <p:childTnLst>
-                                    <p:set>
-                                      <p:cBhvr>
-                                        <p:cTn id="6" dur="1" fill="hold">
-                                          <p:stCondLst>
-                                            <p:cond delay="0"/>
-                                          </p:stCondLst>
-                                        </p:cTn>
-                                        <p:tgtEl>
-                                          <p:spTgt spid="124"/>
-                                        </p:tgtEl>
-                                        <p:attrNameLst>
-                                          <p:attrName>style.visibility</p:attrName>
-                                        </p:attrNameLst>
-                                      </p:cBhvr>
-                                      <p:to>
-                                        <p:strVal val="visible"/>
-                                      </p:to>
-                                    </p:set>
-                                    <p:animEffect transition="in" filter="dissolve">
-                                      <p:cBhvr>
-                                        <p:cTn id="7" dur="500"/>
-                                        <p:tgtEl>
-                                          <p:spTgt spid="124"/>
-                                        </p:tgtEl>
-                                      </p:cBhvr>
-                                    </p:animEffect>
-                                  </p:childTnLst>
-                                </p:cTn>
-                              </p:par>
-                            </p:childTnLst>
-                          </p:cTn>
-                        </p:par>
-                      </p:childTnLst>
-                    </p:cTn>
-                  </p:par>
-                </p:childTnLst>
-              </p:cTn>
-              <p:prevCondLst>
-                <p:cond evt="onPrev" delay="0">
-                  <p:tgtEl>
-                    <p:sldTgt/>
-                  </p:tgtEl>
-                </p:cond>
-              </p:prevCondLst>
-              <p:nextCondLst>
-                <p:cond evt="onNext" delay="0">
-                  <p:tgtEl>
-                    <p:sldTgt/>
-                  </p:tgtEl>
-                </p:cond>
-              </p:nextCondLst>
-            </p:seq>
-          </p:childTnLst>
-        </p:cTn>
-      </p:par>
-    </p:tnLst>
-  </p:timing>
-</p:sld>
-</file>
-
-<file path=ppt/slides/slide14.xml><?xml version="1.0" encoding="utf-8"?>
-<p:sld xmlns:a="http://schemas.openxmlformats.org/drawingml/2006/main" xmlns:r="http://schemas.openxmlformats.org/officeDocument/2006/relationships" xmlns:p="http://schemas.openxmlformats.org/presentationml/2006/main">
-  <p:cSld>
-    <p:spTree>
-      <p:nvGrpSpPr>
-        <p:cNvPr id="1" name=""/>
-        <p:cNvGrpSpPr/>
-        <p:nvPr/>
-      </p:nvGrpSpPr>
-      <p:grpSpPr>
-        <a:xfrm>
-          <a:off x="0" y="0"/>
-          <a:ext cx="0" cy="0"/>
-          <a:chOff x="0" y="0"/>
-          <a:chExt cx="0" cy="0"/>
-        </a:xfrm>
-      </p:grpSpPr>
-      <p:sp>
-        <p:nvSpPr>
           <p:cNvPr id="125" name="PlaceHolder 1"/>
           <p:cNvSpPr>
             <a:spLocks noGrp="1"/>
@@ -13626,7 +11874,7 @@
 </p:sld>
 </file>
 
-<file path=ppt/slides/slide15.xml><?xml version="1.0" encoding="utf-8"?>
+<file path=ppt/slides/slide11.xml><?xml version="1.0" encoding="utf-8"?>
 <p:sld xmlns:a="http://schemas.openxmlformats.org/drawingml/2006/main" xmlns:r="http://schemas.openxmlformats.org/officeDocument/2006/relationships" xmlns:p="http://schemas.openxmlformats.org/presentationml/2006/main">
   <p:cSld>
     <p:spTree>
@@ -13925,7 +12173,7 @@
 </p:sld>
 </file>
 
-<file path=ppt/slides/slide16.xml><?xml version="1.0" encoding="utf-8"?>
+<file path=ppt/slides/slide12.xml><?xml version="1.0" encoding="utf-8"?>
 <p:sld xmlns:a="http://schemas.openxmlformats.org/drawingml/2006/main" xmlns:r="http://schemas.openxmlformats.org/officeDocument/2006/relationships" xmlns:p="http://schemas.openxmlformats.org/presentationml/2006/main">
   <p:cSld>
     <p:spTree>
@@ -14039,7 +12287,7 @@
 </p:sld>
 </file>
 
-<file path=ppt/slides/slide17.xml><?xml version="1.0" encoding="utf-8"?>
+<file path=ppt/slides/slide13.xml><?xml version="1.0" encoding="utf-8"?>
 <p:sld xmlns:a="http://schemas.openxmlformats.org/drawingml/2006/main" xmlns:r="http://schemas.openxmlformats.org/officeDocument/2006/relationships" xmlns:p="http://schemas.openxmlformats.org/presentationml/2006/main">
   <p:cSld>
     <p:spTree>
@@ -14151,7 +12399,7 @@
 </p:sld>
 </file>
 
-<file path=ppt/slides/slide18.xml><?xml version="1.0" encoding="utf-8"?>
+<file path=ppt/slides/slide14.xml><?xml version="1.0" encoding="utf-8"?>
 <p:sld xmlns:a="http://schemas.openxmlformats.org/drawingml/2006/main" xmlns:r="http://schemas.openxmlformats.org/officeDocument/2006/relationships" xmlns:p="http://schemas.openxmlformats.org/presentationml/2006/main">
   <p:cSld>
     <p:spTree>
@@ -14341,7 +12589,7 @@
 </p:sld>
 </file>
 
-<file path=ppt/slides/slide19.xml><?xml version="1.0" encoding="utf-8"?>
+<file path=ppt/slides/slide15.xml><?xml version="1.0" encoding="utf-8"?>
 <p:sld xmlns:a="http://schemas.openxmlformats.org/drawingml/2006/main" xmlns:r="http://schemas.openxmlformats.org/officeDocument/2006/relationships" xmlns:p="http://schemas.openxmlformats.org/presentationml/2006/main">
   <p:cSld>
     <p:spTree>
@@ -16647,6 +14895,1374 @@
 </p:sld>
 </file>
 
+<file path=ppt/slides/slide16.xml><?xml version="1.0" encoding="utf-8"?>
+<p:sld xmlns:a="http://schemas.openxmlformats.org/drawingml/2006/main" xmlns:r="http://schemas.openxmlformats.org/officeDocument/2006/relationships" xmlns:p="http://schemas.openxmlformats.org/presentationml/2006/main">
+  <p:cSld>
+    <p:spTree>
+      <p:nvGrpSpPr>
+        <p:cNvPr id="1" name=""/>
+        <p:cNvGrpSpPr/>
+        <p:nvPr/>
+      </p:nvGrpSpPr>
+      <p:grpSpPr>
+        <a:xfrm>
+          <a:off x="0" y="0"/>
+          <a:ext cx="0" cy="0"/>
+          <a:chOff x="0" y="0"/>
+          <a:chExt cx="0" cy="0"/>
+        </a:xfrm>
+      </p:grpSpPr>
+      <p:sp>
+        <p:nvSpPr>
+          <p:cNvPr id="2" name="Titel 1">
+            <a:extLst>
+              <a:ext uri="{FF2B5EF4-FFF2-40B4-BE49-F238E27FC236}">
+                <a16:creationId xmlns:a16="http://schemas.microsoft.com/office/drawing/2014/main" id="{92DFC69A-8E0F-C635-1FD6-226973E1D9DA}"/>
+              </a:ext>
+            </a:extLst>
+          </p:cNvPr>
+          <p:cNvSpPr>
+            <a:spLocks noGrp="1"/>
+          </p:cNvSpPr>
+          <p:nvPr>
+            <p:ph type="title"/>
+          </p:nvPr>
+        </p:nvSpPr>
+        <p:spPr/>
+        <p:txBody>
+          <a:bodyPr/>
+          <a:lstStyle/>
+          <a:p>
+            <a:r>
+              <a:rPr lang="de-DE" dirty="0"/>
+              <a:t>7. Schulungs-/Kommunikationskonzept</a:t>
+            </a:r>
+          </a:p>
+        </p:txBody>
+      </p:sp>
+    </p:spTree>
+    <p:extLst>
+      <p:ext uri="{BB962C8B-B14F-4D97-AF65-F5344CB8AC3E}">
+        <p14:creationId xmlns:p14="http://schemas.microsoft.com/office/powerpoint/2010/main" val="3642553477"/>
+      </p:ext>
+    </p:extLst>
+  </p:cSld>
+  <p:clrMapOvr>
+    <a:masterClrMapping/>
+  </p:clrMapOvr>
+</p:sld>
+</file>
+
+<file path=ppt/slides/slide17.xml><?xml version="1.0" encoding="utf-8"?>
+<p:sld xmlns:a="http://schemas.openxmlformats.org/drawingml/2006/main" xmlns:r="http://schemas.openxmlformats.org/officeDocument/2006/relationships" xmlns:p="http://schemas.openxmlformats.org/presentationml/2006/main">
+  <p:cSld>
+    <p:bg>
+      <p:bgPr>
+        <a:solidFill>
+          <a:schemeClr val="lt1"/>
+        </a:solidFill>
+        <a:effectLst/>
+      </p:bgPr>
+    </p:bg>
+    <p:spTree>
+      <p:nvGrpSpPr>
+        <p:cNvPr id="1" name=""/>
+        <p:cNvGrpSpPr/>
+        <p:nvPr/>
+      </p:nvGrpSpPr>
+      <p:grpSpPr>
+        <a:xfrm>
+          <a:off x="0" y="0"/>
+          <a:ext cx="0" cy="0"/>
+          <a:chOff x="0" y="0"/>
+          <a:chExt cx="0" cy="0"/>
+        </a:xfrm>
+      </p:grpSpPr>
+      <p:sp useBgFill="1">
+        <p:nvSpPr>
+          <p:cNvPr id="149" name="Rectangle 8">
+            <a:extLst>
+              <a:ext uri="{C183D7F6-B498-43B3-948B-1728B52AA6E4}">
+                <adec:decorative xmlns:adec="http://schemas.microsoft.com/office/drawing/2017/decorative" val="1"/>
+              </a:ext>
+            </a:extLst>
+          </p:cNvPr>
+          <p:cNvSpPr/>
+          <p:nvPr/>
+        </p:nvSpPr>
+        <p:spPr>
+          <a:xfrm>
+            <a:off x="0" y="0"/>
+            <a:ext cx="12191760" cy="6857640"/>
+          </a:xfrm>
+          <a:prstGeom prst="rect">
+            <a:avLst/>
+          </a:prstGeom>
+          <a:ln>
+            <a:noFill/>
+          </a:ln>
+        </p:spPr>
+        <p:style>
+          <a:lnRef idx="2">
+            <a:schemeClr val="accent1">
+              <a:shade val="50000"/>
+            </a:schemeClr>
+          </a:lnRef>
+          <a:fillRef idx="1">
+            <a:schemeClr val="accent1"/>
+          </a:fillRef>
+          <a:effectRef idx="0">
+            <a:schemeClr val="accent1"/>
+          </a:effectRef>
+          <a:fontRef idx="minor"/>
+        </p:style>
+        <p:txBody>
+          <a:bodyPr lIns="90000" tIns="45000" rIns="90000" bIns="45000" anchor="ctr">
+            <a:noAutofit/>
+          </a:bodyPr>
+          <a:lstStyle/>
+          <a:p>
+            <a:pPr algn="ctr" defTabSz="914400">
+              <a:lnSpc>
+                <a:spcPct val="100000"/>
+              </a:lnSpc>
+            </a:pPr>
+            <a:endParaRPr lang="en-US" sz="1800" b="0" u="none" strike="noStrike">
+              <a:solidFill>
+                <a:schemeClr val="lt1"/>
+              </a:solidFill>
+              <a:effectLst/>
+              <a:uFillTx/>
+              <a:latin typeface="Calisto MT"/>
+            </a:endParaRPr>
+          </a:p>
+        </p:txBody>
+      </p:sp>
+      <p:sp>
+        <p:nvSpPr>
+          <p:cNvPr id="150" name="PlaceHolder 1"/>
+          <p:cNvSpPr>
+            <a:spLocks noGrp="1"/>
+          </p:cNvSpPr>
+          <p:nvPr>
+            <p:ph type="title"/>
+          </p:nvPr>
+        </p:nvSpPr>
+        <p:spPr>
+          <a:xfrm>
+            <a:off x="5248800" y="914400"/>
+            <a:ext cx="6235920" cy="1307160"/>
+          </a:xfrm>
+          <a:prstGeom prst="rect">
+            <a:avLst/>
+          </a:prstGeom>
+          <a:noFill/>
+          <a:ln w="0">
+            <a:noFill/>
+          </a:ln>
+        </p:spPr>
+        <p:txBody>
+          <a:bodyPr lIns="91440" tIns="45720" rIns="91440" bIns="45720" anchor="t">
+            <a:normAutofit/>
+          </a:bodyPr>
+          <a:lstStyle/>
+          <a:p>
+            <a:pPr indent="0" defTabSz="914400">
+              <a:lnSpc>
+                <a:spcPct val="100000"/>
+              </a:lnSpc>
+              <a:buNone/>
+            </a:pPr>
+            <a:r>
+              <a:rPr lang="de-DE" sz="4000" b="0" u="none" strike="noStrike" cap="all" spc="31" dirty="0">
+                <a:solidFill>
+                  <a:schemeClr val="dk1"/>
+                </a:solidFill>
+                <a:effectLst/>
+                <a:uFillTx/>
+                <a:latin typeface="Univers Condensed"/>
+              </a:rPr>
+              <a:t>8. Live Demo</a:t>
+            </a:r>
+            <a:endParaRPr lang="de-DE" sz="4000" b="0" u="none" strike="noStrike" dirty="0">
+              <a:solidFill>
+                <a:schemeClr val="dk1"/>
+              </a:solidFill>
+              <a:effectLst/>
+              <a:uFillTx/>
+              <a:latin typeface="Calisto MT"/>
+            </a:endParaRPr>
+          </a:p>
+        </p:txBody>
+      </p:sp>
+      <p:pic>
+        <p:nvPicPr>
+          <p:cNvPr id="151" name="Picture 4" descr="Lokalisierungsflagge auf einem Stadtplan"/>
+          <p:cNvPicPr/>
+          <p:nvPr/>
+        </p:nvPicPr>
+        <p:blipFill>
+          <a:blip r:embed="rId2"/>
+          <a:srcRect l="5968" r="48641" b="-3"/>
+          <a:stretch/>
+        </p:blipFill>
+        <p:spPr>
+          <a:xfrm>
+            <a:off x="0" y="0"/>
+            <a:ext cx="4663080" cy="6857640"/>
+          </a:xfrm>
+          <a:prstGeom prst="rect">
+            <a:avLst/>
+          </a:prstGeom>
+          <a:noFill/>
+          <a:ln w="0">
+            <a:noFill/>
+          </a:ln>
+        </p:spPr>
+      </p:pic>
+      <p:cxnSp>
+        <p:nvCxnSpPr>
+          <p:cNvPr id="152" name="Straight Connector 10">
+            <a:extLst>
+              <a:ext uri="{C183D7F6-B498-43B3-948B-1728B52AA6E4}">
+                <adec:decorative xmlns:adec="http://schemas.microsoft.com/office/drawing/2017/decorative" val="1"/>
+              </a:ext>
+            </a:extLst>
+          </p:cNvPr>
+          <p:cNvCxnSpPr/>
+          <p:nvPr/>
+        </p:nvCxnSpPr>
+        <p:spPr>
+          <a:xfrm>
+            <a:off x="5346720" y="722160"/>
+            <a:ext cx="1638720" cy="360"/>
+          </a:xfrm>
+          <a:prstGeom prst="straightConnector1">
+            <a:avLst/>
+          </a:prstGeom>
+          <a:ln w="44450">
+            <a:solidFill>
+              <a:srgbClr val="000000"/>
+            </a:solidFill>
+          </a:ln>
+        </p:spPr>
+      </p:cxnSp>
+      <p:sp>
+        <p:nvSpPr>
+          <p:cNvPr id="153" name="PlaceHolder 2"/>
+          <p:cNvSpPr>
+            <a:spLocks noGrp="1"/>
+          </p:cNvSpPr>
+          <p:nvPr>
+            <p:ph/>
+          </p:nvPr>
+        </p:nvSpPr>
+        <p:spPr>
+          <a:xfrm>
+            <a:off x="5248800" y="2221920"/>
+            <a:ext cx="6235920" cy="3940560"/>
+          </a:xfrm>
+          <a:prstGeom prst="rect">
+            <a:avLst/>
+          </a:prstGeom>
+          <a:noFill/>
+          <a:ln w="0">
+            <a:noFill/>
+          </a:ln>
+        </p:spPr>
+        <p:txBody>
+          <a:bodyPr lIns="91440" tIns="45720" rIns="91440" bIns="45720" anchor="t">
+            <a:normAutofit/>
+          </a:bodyPr>
+          <a:lstStyle/>
+          <a:p>
+            <a:pPr indent="0" defTabSz="914400">
+              <a:lnSpc>
+                <a:spcPct val="110000"/>
+              </a:lnSpc>
+              <a:spcBef>
+                <a:spcPts val="1001"/>
+              </a:spcBef>
+              <a:buNone/>
+              <a:tabLst>
+                <a:tab pos="0" algn="l"/>
+              </a:tabLst>
+            </a:pPr>
+            <a:r>
+              <a:rPr lang="de-DE" sz="2000" b="0" u="none" strike="noStrike">
+                <a:solidFill>
+                  <a:schemeClr val="dk1"/>
+                </a:solidFill>
+                <a:effectLst/>
+                <a:uFillTx/>
+                <a:latin typeface="Calisto MT"/>
+              </a:rPr>
+              <a:t> </a:t>
+            </a:r>
+            <a:r>
+              <a:rPr lang="de-DE" sz="2000" b="0" u="sng" strike="noStrike">
+                <a:solidFill>
+                  <a:schemeClr val="dk1"/>
+                </a:solidFill>
+                <a:effectLst/>
+                <a:uFillTx/>
+                <a:latin typeface="Calisto MT"/>
+                <a:hlinkClick r:id="rId3"/>
+              </a:rPr>
+              <a:t>https://zeitbuchung.it-lutz.com</a:t>
+            </a:r>
+            <a:endParaRPr lang="de-DE" sz="2000" b="0" u="none" strike="noStrike">
+              <a:solidFill>
+                <a:schemeClr val="dk1"/>
+              </a:solidFill>
+              <a:effectLst/>
+              <a:uFillTx/>
+              <a:latin typeface="Calisto MT"/>
+            </a:endParaRPr>
+          </a:p>
+          <a:p>
+            <a:pPr indent="0" defTabSz="914400">
+              <a:lnSpc>
+                <a:spcPct val="110000"/>
+              </a:lnSpc>
+              <a:spcBef>
+                <a:spcPts val="1001"/>
+              </a:spcBef>
+              <a:buNone/>
+              <a:tabLst>
+                <a:tab pos="0" algn="l"/>
+              </a:tabLst>
+            </a:pPr>
+            <a:endParaRPr lang="de-DE" sz="2000" b="0" u="none" strike="noStrike">
+              <a:solidFill>
+                <a:schemeClr val="dk1"/>
+              </a:solidFill>
+              <a:effectLst/>
+              <a:uFillTx/>
+              <a:latin typeface="Calisto MT"/>
+            </a:endParaRPr>
+          </a:p>
+        </p:txBody>
+      </p:sp>
+    </p:spTree>
+  </p:cSld>
+  <p:clrMapOvr>
+    <a:masterClrMapping/>
+  </p:clrMapOvr>
+</p:sld>
+</file>
+
+<file path=ppt/slides/slide18.xml><?xml version="1.0" encoding="utf-8"?>
+<p:sld xmlns:a="http://schemas.openxmlformats.org/drawingml/2006/main" xmlns:r="http://schemas.openxmlformats.org/officeDocument/2006/relationships" xmlns:p="http://schemas.openxmlformats.org/presentationml/2006/main">
+  <p:cSld>
+    <p:bg>
+      <p:bgPr>
+        <a:solidFill>
+          <a:schemeClr val="lt1"/>
+        </a:solidFill>
+        <a:effectLst/>
+      </p:bgPr>
+    </p:bg>
+    <p:spTree>
+      <p:nvGrpSpPr>
+        <p:cNvPr id="1" name=""/>
+        <p:cNvGrpSpPr/>
+        <p:nvPr/>
+      </p:nvGrpSpPr>
+      <p:grpSpPr>
+        <a:xfrm>
+          <a:off x="0" y="0"/>
+          <a:ext cx="0" cy="0"/>
+          <a:chOff x="0" y="0"/>
+          <a:chExt cx="0" cy="0"/>
+        </a:xfrm>
+      </p:grpSpPr>
+      <p:sp useBgFill="1">
+        <p:nvSpPr>
+          <p:cNvPr id="154" name="Rectangle 2">
+            <a:extLst>
+              <a:ext uri="{C183D7F6-B498-43B3-948B-1728B52AA6E4}">
+                <adec:decorative xmlns:adec="http://schemas.microsoft.com/office/drawing/2017/decorative" val="1"/>
+              </a:ext>
+            </a:extLst>
+          </p:cNvPr>
+          <p:cNvSpPr/>
+          <p:nvPr/>
+        </p:nvSpPr>
+        <p:spPr>
+          <a:xfrm>
+            <a:off x="0" y="0"/>
+            <a:ext cx="12191760" cy="6857640"/>
+          </a:xfrm>
+          <a:prstGeom prst="rect">
+            <a:avLst/>
+          </a:prstGeom>
+          <a:ln>
+            <a:noFill/>
+          </a:ln>
+        </p:spPr>
+        <p:style>
+          <a:lnRef idx="2">
+            <a:schemeClr val="accent1">
+              <a:shade val="50000"/>
+            </a:schemeClr>
+          </a:lnRef>
+          <a:fillRef idx="1">
+            <a:schemeClr val="accent1"/>
+          </a:fillRef>
+          <a:effectRef idx="0">
+            <a:schemeClr val="accent1"/>
+          </a:effectRef>
+          <a:fontRef idx="minor"/>
+        </p:style>
+        <p:txBody>
+          <a:bodyPr lIns="90000" tIns="45000" rIns="90000" bIns="45000" anchor="ctr">
+            <a:noAutofit/>
+          </a:bodyPr>
+          <a:lstStyle/>
+          <a:p>
+            <a:endParaRPr lang="en-US" sz="1800" b="0" u="none" strike="noStrike">
+              <a:solidFill>
+                <a:schemeClr val="lt1"/>
+              </a:solidFill>
+              <a:effectLst/>
+              <a:uFillTx/>
+              <a:latin typeface="Calisto MT"/>
+            </a:endParaRPr>
+          </a:p>
+        </p:txBody>
+      </p:sp>
+      <p:sp>
+        <p:nvSpPr>
+          <p:cNvPr id="155" name="PlaceHolder 1"/>
+          <p:cNvSpPr>
+            <a:spLocks noGrp="1"/>
+          </p:cNvSpPr>
+          <p:nvPr>
+            <p:ph type="title"/>
+          </p:nvPr>
+        </p:nvSpPr>
+        <p:spPr>
+          <a:xfrm>
+            <a:off x="704160" y="555840"/>
+            <a:ext cx="9015840" cy="2390400"/>
+          </a:xfrm>
+          <a:prstGeom prst="rect">
+            <a:avLst/>
+          </a:prstGeom>
+          <a:noFill/>
+          <a:ln w="0">
+            <a:noFill/>
+          </a:ln>
+        </p:spPr>
+        <p:txBody>
+          <a:bodyPr lIns="91440" tIns="45720" rIns="91440" bIns="45720" anchor="t">
+            <a:normAutofit/>
+          </a:bodyPr>
+          <a:lstStyle/>
+          <a:p>
+            <a:pPr indent="0" defTabSz="914400">
+              <a:lnSpc>
+                <a:spcPct val="100000"/>
+              </a:lnSpc>
+              <a:buNone/>
+            </a:pPr>
+            <a:r>
+              <a:rPr lang="de-DE" sz="4000" b="0" u="none" strike="noStrike" cap="all" spc="31" dirty="0">
+                <a:solidFill>
+                  <a:schemeClr val="dk1"/>
+                </a:solidFill>
+                <a:effectLst/>
+                <a:uFillTx/>
+                <a:latin typeface="Univers Condensed"/>
+              </a:rPr>
+              <a:t>8. Live Demo – Control Panel</a:t>
+            </a:r>
+            <a:endParaRPr lang="de-DE" sz="4000" b="0" u="none" strike="noStrike" dirty="0">
+              <a:solidFill>
+                <a:schemeClr val="dk1"/>
+              </a:solidFill>
+              <a:effectLst/>
+              <a:uFillTx/>
+              <a:latin typeface="Calisto MT"/>
+            </a:endParaRPr>
+          </a:p>
+        </p:txBody>
+      </p:sp>
+      <p:sp>
+        <p:nvSpPr>
+          <p:cNvPr id="156" name="PlaceHolder 2"/>
+          <p:cNvSpPr>
+            <a:spLocks noGrp="1"/>
+          </p:cNvSpPr>
+          <p:nvPr>
+            <p:ph/>
+          </p:nvPr>
+        </p:nvSpPr>
+        <p:spPr>
+          <a:xfrm>
+            <a:off x="720000" y="1440000"/>
+            <a:ext cx="10772280" cy="4730040"/>
+          </a:xfrm>
+          <a:prstGeom prst="rect">
+            <a:avLst/>
+          </a:prstGeom>
+          <a:noFill/>
+          <a:ln w="0">
+            <a:noFill/>
+          </a:ln>
+        </p:spPr>
+        <p:txBody>
+          <a:bodyPr lIns="91440" tIns="45720" rIns="91440" bIns="45720" anchor="t">
+            <a:normAutofit/>
+          </a:bodyPr>
+          <a:lstStyle/>
+          <a:p>
+            <a:pPr marL="228600" indent="0" defTabSz="914400">
+              <a:lnSpc>
+                <a:spcPct val="110000"/>
+              </a:lnSpc>
+              <a:spcBef>
+                <a:spcPts val="1001"/>
+              </a:spcBef>
+              <a:buNone/>
+            </a:pPr>
+            <a:endParaRPr lang="de-DE" sz="2000" b="0" u="none" strike="noStrike">
+              <a:solidFill>
+                <a:schemeClr val="dk1"/>
+              </a:solidFill>
+              <a:effectLst/>
+              <a:uFillTx/>
+              <a:latin typeface="Calisto MT"/>
+            </a:endParaRPr>
+          </a:p>
+          <a:p>
+            <a:pPr marL="228600" indent="-228600" defTabSz="914400">
+              <a:lnSpc>
+                <a:spcPct val="110000"/>
+              </a:lnSpc>
+              <a:spcBef>
+                <a:spcPts val="1001"/>
+              </a:spcBef>
+              <a:buClr>
+                <a:srgbClr val="000000"/>
+              </a:buClr>
+              <a:buFont typeface="Symbol" charset="2"/>
+              <a:buChar char=""/>
+            </a:pPr>
+            <a:r>
+              <a:rPr lang="de-DE" sz="2000" b="0" u="none" strike="noStrike">
+                <a:solidFill>
+                  <a:schemeClr val="dk1"/>
+                </a:solidFill>
+                <a:effectLst/>
+                <a:uFillTx/>
+                <a:latin typeface="Calisto MT"/>
+              </a:rPr>
+              <a:t>Benutzer erstellen</a:t>
+            </a:r>
+          </a:p>
+          <a:p>
+            <a:pPr marL="228600" indent="0" defTabSz="914400">
+              <a:lnSpc>
+                <a:spcPct val="110000"/>
+              </a:lnSpc>
+              <a:spcBef>
+                <a:spcPts val="1001"/>
+              </a:spcBef>
+              <a:buNone/>
+            </a:pPr>
+            <a:r>
+              <a:rPr lang="de-DE" sz="2000" b="0" u="none" strike="noStrike">
+                <a:solidFill>
+                  <a:schemeClr val="dk1"/>
+                </a:solidFill>
+                <a:effectLst/>
+                <a:uFillTx/>
+                <a:latin typeface="Calisto MT"/>
+              </a:rPr>
+              <a:t>- Verschiedene Sprache</a:t>
+            </a:r>
+          </a:p>
+          <a:p>
+            <a:pPr marL="228600" indent="0" defTabSz="914400">
+              <a:lnSpc>
+                <a:spcPct val="110000"/>
+              </a:lnSpc>
+              <a:spcBef>
+                <a:spcPts val="1001"/>
+              </a:spcBef>
+              <a:buNone/>
+            </a:pPr>
+            <a:r>
+              <a:rPr lang="de-DE" sz="2000" b="0" u="none" strike="noStrike">
+                <a:solidFill>
+                  <a:schemeClr val="dk1"/>
+                </a:solidFill>
+                <a:effectLst/>
+                <a:uFillTx/>
+                <a:latin typeface="Calisto MT"/>
+              </a:rPr>
+              <a:t>- Jünger als 13</a:t>
+            </a:r>
+          </a:p>
+          <a:p>
+            <a:pPr marL="228600" indent="0" defTabSz="914400">
+              <a:lnSpc>
+                <a:spcPct val="110000"/>
+              </a:lnSpc>
+              <a:spcBef>
+                <a:spcPts val="1001"/>
+              </a:spcBef>
+              <a:buNone/>
+            </a:pPr>
+            <a:r>
+              <a:rPr lang="de-DE" sz="2000" b="0" u="none" strike="noStrike">
+                <a:solidFill>
+                  <a:schemeClr val="dk1"/>
+                </a:solidFill>
+                <a:effectLst/>
+                <a:uFillTx/>
+                <a:latin typeface="Calisto MT"/>
+              </a:rPr>
+              <a:t>- Älter als 13 / jünger als 18</a:t>
+            </a:r>
+          </a:p>
+          <a:p>
+            <a:pPr marL="228600" indent="0" defTabSz="914400">
+              <a:lnSpc>
+                <a:spcPct val="110000"/>
+              </a:lnSpc>
+              <a:spcBef>
+                <a:spcPts val="1001"/>
+              </a:spcBef>
+              <a:buNone/>
+            </a:pPr>
+            <a:endParaRPr lang="de-DE" sz="2000" b="0" u="none" strike="noStrike">
+              <a:solidFill>
+                <a:schemeClr val="dk1"/>
+              </a:solidFill>
+              <a:effectLst/>
+              <a:uFillTx/>
+              <a:latin typeface="Calisto MT"/>
+            </a:endParaRPr>
+          </a:p>
+          <a:p>
+            <a:pPr marL="228600" indent="-228600" defTabSz="914400">
+              <a:lnSpc>
+                <a:spcPct val="110000"/>
+              </a:lnSpc>
+              <a:spcBef>
+                <a:spcPts val="1001"/>
+              </a:spcBef>
+              <a:buClr>
+                <a:srgbClr val="000000"/>
+              </a:buClr>
+              <a:buFont typeface="Symbol" charset="2"/>
+              <a:buChar char=""/>
+            </a:pPr>
+            <a:r>
+              <a:rPr lang="de-DE" sz="2000" b="0" u="none" strike="noStrike">
+                <a:solidFill>
+                  <a:schemeClr val="dk1"/>
+                </a:solidFill>
+                <a:effectLst/>
+                <a:uFillTx/>
+                <a:latin typeface="Calisto MT"/>
+              </a:rPr>
+              <a:t>Benutzer löschen</a:t>
+            </a:r>
+          </a:p>
+          <a:p>
+            <a:pPr indent="0" defTabSz="914400">
+              <a:lnSpc>
+                <a:spcPct val="110000"/>
+              </a:lnSpc>
+              <a:spcBef>
+                <a:spcPts val="1001"/>
+              </a:spcBef>
+              <a:buNone/>
+            </a:pPr>
+            <a:endParaRPr lang="de-DE" sz="2000" b="0" u="none" strike="noStrike">
+              <a:solidFill>
+                <a:schemeClr val="dk1"/>
+              </a:solidFill>
+              <a:effectLst/>
+              <a:uFillTx/>
+              <a:latin typeface="Calisto MT"/>
+            </a:endParaRPr>
+          </a:p>
+          <a:p>
+            <a:pPr indent="0" defTabSz="914400">
+              <a:lnSpc>
+                <a:spcPct val="110000"/>
+              </a:lnSpc>
+              <a:spcBef>
+                <a:spcPts val="1001"/>
+              </a:spcBef>
+              <a:buNone/>
+            </a:pPr>
+            <a:endParaRPr lang="de-DE" sz="2000" b="0" u="none" strike="noStrike">
+              <a:solidFill>
+                <a:schemeClr val="dk1"/>
+              </a:solidFill>
+              <a:effectLst/>
+              <a:uFillTx/>
+              <a:latin typeface="Calisto MT"/>
+            </a:endParaRPr>
+          </a:p>
+          <a:p>
+            <a:pPr indent="0" defTabSz="914400">
+              <a:lnSpc>
+                <a:spcPct val="110000"/>
+              </a:lnSpc>
+              <a:spcBef>
+                <a:spcPts val="1001"/>
+              </a:spcBef>
+              <a:buNone/>
+            </a:pPr>
+            <a:endParaRPr lang="de-DE" sz="2000" b="0" u="none" strike="noStrike">
+              <a:solidFill>
+                <a:schemeClr val="dk1"/>
+              </a:solidFill>
+              <a:effectLst/>
+              <a:uFillTx/>
+              <a:latin typeface="Calisto MT"/>
+            </a:endParaRPr>
+          </a:p>
+          <a:p>
+            <a:pPr indent="0" defTabSz="914400">
+              <a:lnSpc>
+                <a:spcPct val="110000"/>
+              </a:lnSpc>
+              <a:spcBef>
+                <a:spcPts val="1001"/>
+              </a:spcBef>
+              <a:buNone/>
+            </a:pPr>
+            <a:endParaRPr lang="de-DE" sz="2000" b="0" u="none" strike="noStrike">
+              <a:solidFill>
+                <a:schemeClr val="dk1"/>
+              </a:solidFill>
+              <a:effectLst/>
+              <a:uFillTx/>
+              <a:latin typeface="Calisto MT"/>
+            </a:endParaRPr>
+          </a:p>
+        </p:txBody>
+      </p:sp>
+    </p:spTree>
+  </p:cSld>
+  <p:clrMapOvr>
+    <a:masterClrMapping/>
+  </p:clrMapOvr>
+</p:sld>
+</file>
+
+<file path=ppt/slides/slide19.xml><?xml version="1.0" encoding="utf-8"?>
+<p:sld xmlns:a="http://schemas.openxmlformats.org/drawingml/2006/main" xmlns:r="http://schemas.openxmlformats.org/officeDocument/2006/relationships" xmlns:p="http://schemas.openxmlformats.org/presentationml/2006/main">
+  <p:cSld>
+    <p:bg>
+      <p:bgPr>
+        <a:solidFill>
+          <a:schemeClr val="lt1"/>
+        </a:solidFill>
+        <a:effectLst/>
+      </p:bgPr>
+    </p:bg>
+    <p:spTree>
+      <p:nvGrpSpPr>
+        <p:cNvPr id="1" name=""/>
+        <p:cNvGrpSpPr/>
+        <p:nvPr/>
+      </p:nvGrpSpPr>
+      <p:grpSpPr>
+        <a:xfrm>
+          <a:off x="0" y="0"/>
+          <a:ext cx="0" cy="0"/>
+          <a:chOff x="0" y="0"/>
+          <a:chExt cx="0" cy="0"/>
+        </a:xfrm>
+      </p:grpSpPr>
+      <p:sp useBgFill="1">
+        <p:nvSpPr>
+          <p:cNvPr id="157" name="Rectangle 9">
+            <a:extLst>
+              <a:ext uri="{C183D7F6-B498-43B3-948B-1728B52AA6E4}">
+                <adec:decorative xmlns:adec="http://schemas.microsoft.com/office/drawing/2017/decorative" val="1"/>
+              </a:ext>
+            </a:extLst>
+          </p:cNvPr>
+          <p:cNvSpPr/>
+          <p:nvPr/>
+        </p:nvSpPr>
+        <p:spPr>
+          <a:xfrm>
+            <a:off x="0" y="0"/>
+            <a:ext cx="12191760" cy="6857640"/>
+          </a:xfrm>
+          <a:prstGeom prst="rect">
+            <a:avLst/>
+          </a:prstGeom>
+          <a:ln>
+            <a:noFill/>
+          </a:ln>
+        </p:spPr>
+        <p:style>
+          <a:lnRef idx="2">
+            <a:schemeClr val="accent1">
+              <a:shade val="50000"/>
+            </a:schemeClr>
+          </a:lnRef>
+          <a:fillRef idx="1">
+            <a:schemeClr val="accent1"/>
+          </a:fillRef>
+          <a:effectRef idx="0">
+            <a:schemeClr val="accent1"/>
+          </a:effectRef>
+          <a:fontRef idx="minor"/>
+        </p:style>
+        <p:txBody>
+          <a:bodyPr lIns="90000" tIns="45000" rIns="90000" bIns="45000" anchor="ctr">
+            <a:noAutofit/>
+          </a:bodyPr>
+          <a:lstStyle/>
+          <a:p>
+            <a:endParaRPr lang="en-US" sz="1800" b="0" u="none" strike="noStrike">
+              <a:solidFill>
+                <a:schemeClr val="lt1"/>
+              </a:solidFill>
+              <a:effectLst/>
+              <a:uFillTx/>
+              <a:latin typeface="Calisto MT"/>
+            </a:endParaRPr>
+          </a:p>
+        </p:txBody>
+      </p:sp>
+      <p:sp>
+        <p:nvSpPr>
+          <p:cNvPr id="158" name="PlaceHolder 1"/>
+          <p:cNvSpPr>
+            <a:spLocks noGrp="1"/>
+          </p:cNvSpPr>
+          <p:nvPr>
+            <p:ph type="title"/>
+          </p:nvPr>
+        </p:nvSpPr>
+        <p:spPr>
+          <a:xfrm>
+            <a:off x="704160" y="555840"/>
+            <a:ext cx="10815840" cy="2390400"/>
+          </a:xfrm>
+          <a:prstGeom prst="rect">
+            <a:avLst/>
+          </a:prstGeom>
+          <a:noFill/>
+          <a:ln w="0">
+            <a:noFill/>
+          </a:ln>
+        </p:spPr>
+        <p:txBody>
+          <a:bodyPr lIns="91440" tIns="45720" rIns="91440" bIns="45720" anchor="t">
+            <a:normAutofit/>
+          </a:bodyPr>
+          <a:lstStyle/>
+          <a:p>
+            <a:pPr indent="0" defTabSz="914400">
+              <a:lnSpc>
+                <a:spcPct val="100000"/>
+              </a:lnSpc>
+              <a:buNone/>
+            </a:pPr>
+            <a:r>
+              <a:rPr lang="de-DE" sz="4000" b="0" u="none" strike="noStrike" cap="all" spc="31" dirty="0">
+                <a:solidFill>
+                  <a:schemeClr val="dk1"/>
+                </a:solidFill>
+                <a:effectLst/>
+                <a:uFillTx/>
+                <a:latin typeface="Univers Condensed"/>
+              </a:rPr>
+              <a:t>8. Live Demo – User Dashboard</a:t>
+            </a:r>
+            <a:endParaRPr lang="de-DE" sz="4000" b="0" u="none" strike="noStrike" dirty="0">
+              <a:solidFill>
+                <a:schemeClr val="dk1"/>
+              </a:solidFill>
+              <a:effectLst/>
+              <a:uFillTx/>
+              <a:latin typeface="Calisto MT"/>
+            </a:endParaRPr>
+          </a:p>
+        </p:txBody>
+      </p:sp>
+      <p:sp>
+        <p:nvSpPr>
+          <p:cNvPr id="159" name="PlaceHolder 2"/>
+          <p:cNvSpPr>
+            <a:spLocks noGrp="1"/>
+          </p:cNvSpPr>
+          <p:nvPr>
+            <p:ph/>
+          </p:nvPr>
+        </p:nvSpPr>
+        <p:spPr>
+          <a:xfrm>
+            <a:off x="720000" y="1440000"/>
+            <a:ext cx="10772280" cy="4730040"/>
+          </a:xfrm>
+          <a:prstGeom prst="rect">
+            <a:avLst/>
+          </a:prstGeom>
+          <a:noFill/>
+          <a:ln w="0">
+            <a:noFill/>
+          </a:ln>
+        </p:spPr>
+        <p:txBody>
+          <a:bodyPr lIns="91440" tIns="45720" rIns="91440" bIns="45720" anchor="t">
+            <a:normAutofit fontScale="70000" lnSpcReduction="20000"/>
+          </a:bodyPr>
+          <a:lstStyle/>
+          <a:p>
+            <a:pPr marL="228600" indent="0" defTabSz="914400">
+              <a:lnSpc>
+                <a:spcPct val="110000"/>
+              </a:lnSpc>
+              <a:spcBef>
+                <a:spcPts val="1001"/>
+              </a:spcBef>
+              <a:buNone/>
+            </a:pPr>
+            <a:endParaRPr lang="de-DE" sz="2000" b="0" u="none" strike="noStrike">
+              <a:solidFill>
+                <a:schemeClr val="dk1"/>
+              </a:solidFill>
+              <a:effectLst/>
+              <a:uFillTx/>
+              <a:latin typeface="Calisto MT"/>
+            </a:endParaRPr>
+          </a:p>
+          <a:p>
+            <a:pPr marL="228600" indent="-228600" defTabSz="914400">
+              <a:lnSpc>
+                <a:spcPct val="110000"/>
+              </a:lnSpc>
+              <a:spcBef>
+                <a:spcPts val="1001"/>
+              </a:spcBef>
+              <a:buClr>
+                <a:srgbClr val="000000"/>
+              </a:buClr>
+              <a:buFont typeface="Symbol" charset="2"/>
+              <a:buChar char=""/>
+            </a:pPr>
+            <a:r>
+              <a:rPr lang="de-DE" sz="2000" b="0" u="none" strike="noStrike">
+                <a:solidFill>
+                  <a:schemeClr val="dk1"/>
+                </a:solidFill>
+                <a:effectLst/>
+                <a:uFillTx/>
+                <a:latin typeface="Calisto MT"/>
+              </a:rPr>
+              <a:t>Individuelles Passwort setzen</a:t>
+            </a:r>
+          </a:p>
+          <a:p>
+            <a:pPr marL="228600" indent="0" defTabSz="914400">
+              <a:lnSpc>
+                <a:spcPct val="110000"/>
+              </a:lnSpc>
+              <a:spcBef>
+                <a:spcPts val="1001"/>
+              </a:spcBef>
+              <a:buNone/>
+            </a:pPr>
+            <a:endParaRPr lang="de-DE" sz="2000" b="0" u="none" strike="noStrike">
+              <a:solidFill>
+                <a:schemeClr val="dk1"/>
+              </a:solidFill>
+              <a:effectLst/>
+              <a:uFillTx/>
+              <a:latin typeface="Calisto MT"/>
+            </a:endParaRPr>
+          </a:p>
+          <a:p>
+            <a:pPr marL="228600" indent="-228600" defTabSz="914400">
+              <a:lnSpc>
+                <a:spcPct val="110000"/>
+              </a:lnSpc>
+              <a:spcBef>
+                <a:spcPts val="1001"/>
+              </a:spcBef>
+              <a:buClr>
+                <a:srgbClr val="000000"/>
+              </a:buClr>
+              <a:buFont typeface="Symbol" charset="2"/>
+              <a:buChar char=""/>
+            </a:pPr>
+            <a:r>
+              <a:rPr lang="de-DE" sz="2000" b="0" u="none" strike="noStrike">
+                <a:solidFill>
+                  <a:schemeClr val="dk1"/>
+                </a:solidFill>
+                <a:effectLst/>
+                <a:uFillTx/>
+                <a:latin typeface="Calisto MT"/>
+              </a:rPr>
+              <a:t>Sprachwechsel</a:t>
+            </a:r>
+          </a:p>
+          <a:p>
+            <a:pPr marL="228600" indent="0" defTabSz="914400">
+              <a:lnSpc>
+                <a:spcPct val="110000"/>
+              </a:lnSpc>
+              <a:spcBef>
+                <a:spcPts val="1001"/>
+              </a:spcBef>
+              <a:buNone/>
+            </a:pPr>
+            <a:endParaRPr lang="de-DE" sz="2000" b="0" u="none" strike="noStrike">
+              <a:solidFill>
+                <a:schemeClr val="dk1"/>
+              </a:solidFill>
+              <a:effectLst/>
+              <a:uFillTx/>
+              <a:latin typeface="Calisto MT"/>
+            </a:endParaRPr>
+          </a:p>
+          <a:p>
+            <a:pPr marL="228600" indent="-228600" defTabSz="914400">
+              <a:lnSpc>
+                <a:spcPct val="110000"/>
+              </a:lnSpc>
+              <a:spcBef>
+                <a:spcPts val="1001"/>
+              </a:spcBef>
+              <a:buClr>
+                <a:srgbClr val="000000"/>
+              </a:buClr>
+              <a:buFont typeface="Symbol" charset="2"/>
+              <a:buChar char=""/>
+            </a:pPr>
+            <a:r>
+              <a:rPr lang="de-DE" sz="2000" b="0" u="none" strike="noStrike">
+                <a:solidFill>
+                  <a:schemeClr val="dk1"/>
+                </a:solidFill>
+                <a:effectLst/>
+                <a:uFillTx/>
+                <a:latin typeface="Calisto MT"/>
+              </a:rPr>
+              <a:t>Benachrichtigungen</a:t>
+            </a:r>
+          </a:p>
+          <a:p>
+            <a:pPr marL="228600" indent="0" defTabSz="914400">
+              <a:lnSpc>
+                <a:spcPct val="110000"/>
+              </a:lnSpc>
+              <a:spcBef>
+                <a:spcPts val="1001"/>
+              </a:spcBef>
+              <a:buNone/>
+            </a:pPr>
+            <a:endParaRPr lang="de-DE" sz="2000" b="0" u="none" strike="noStrike">
+              <a:solidFill>
+                <a:schemeClr val="dk1"/>
+              </a:solidFill>
+              <a:effectLst/>
+              <a:uFillTx/>
+              <a:latin typeface="Calisto MT"/>
+            </a:endParaRPr>
+          </a:p>
+          <a:p>
+            <a:pPr marL="228600" indent="-228600" defTabSz="914400">
+              <a:lnSpc>
+                <a:spcPct val="110000"/>
+              </a:lnSpc>
+              <a:spcBef>
+                <a:spcPts val="1001"/>
+              </a:spcBef>
+              <a:buClr>
+                <a:srgbClr val="000000"/>
+              </a:buClr>
+              <a:buFont typeface="Symbol" charset="2"/>
+              <a:buChar char=""/>
+            </a:pPr>
+            <a:r>
+              <a:rPr lang="de-DE" sz="2000" b="0" u="none" strike="noStrike">
+                <a:solidFill>
+                  <a:schemeClr val="dk1"/>
+                </a:solidFill>
+                <a:effectLst/>
+                <a:uFillTx/>
+                <a:latin typeface="Calisto MT"/>
+              </a:rPr>
+              <a:t>Logout</a:t>
+            </a:r>
+          </a:p>
+          <a:p>
+            <a:pPr marL="228600" indent="0" defTabSz="914400">
+              <a:lnSpc>
+                <a:spcPct val="110000"/>
+              </a:lnSpc>
+              <a:spcBef>
+                <a:spcPts val="1001"/>
+              </a:spcBef>
+              <a:buNone/>
+            </a:pPr>
+            <a:endParaRPr lang="de-DE" sz="2000" b="0" u="none" strike="noStrike">
+              <a:solidFill>
+                <a:schemeClr val="dk1"/>
+              </a:solidFill>
+              <a:effectLst/>
+              <a:uFillTx/>
+              <a:latin typeface="Calisto MT"/>
+            </a:endParaRPr>
+          </a:p>
+          <a:p>
+            <a:pPr marL="228600" indent="-228600" defTabSz="914400">
+              <a:lnSpc>
+                <a:spcPct val="110000"/>
+              </a:lnSpc>
+              <a:spcBef>
+                <a:spcPts val="1001"/>
+              </a:spcBef>
+              <a:buClr>
+                <a:srgbClr val="000000"/>
+              </a:buClr>
+              <a:buFont typeface="Symbol" charset="2"/>
+              <a:buChar char=""/>
+            </a:pPr>
+            <a:r>
+              <a:rPr lang="de-DE" sz="2000" b="0" u="none" strike="noStrike">
+                <a:solidFill>
+                  <a:schemeClr val="dk1"/>
+                </a:solidFill>
+                <a:effectLst/>
+                <a:uFillTx/>
+                <a:latin typeface="Calisto MT"/>
+              </a:rPr>
+              <a:t>Wochenübersicht</a:t>
+            </a:r>
+          </a:p>
+          <a:p>
+            <a:pPr marL="228600" indent="0" defTabSz="914400">
+              <a:lnSpc>
+                <a:spcPct val="110000"/>
+              </a:lnSpc>
+              <a:spcBef>
+                <a:spcPts val="1001"/>
+              </a:spcBef>
+              <a:buNone/>
+            </a:pPr>
+            <a:endParaRPr lang="de-DE" sz="2000" b="0" u="none" strike="noStrike">
+              <a:solidFill>
+                <a:schemeClr val="dk1"/>
+              </a:solidFill>
+              <a:effectLst/>
+              <a:uFillTx/>
+              <a:latin typeface="Calisto MT"/>
+            </a:endParaRPr>
+          </a:p>
+          <a:p>
+            <a:pPr marL="228600" indent="-228600" defTabSz="914400">
+              <a:lnSpc>
+                <a:spcPct val="110000"/>
+              </a:lnSpc>
+              <a:spcBef>
+                <a:spcPts val="1001"/>
+              </a:spcBef>
+              <a:buClr>
+                <a:srgbClr val="000000"/>
+              </a:buClr>
+              <a:buFont typeface="Symbol" charset="2"/>
+              <a:buChar char=""/>
+            </a:pPr>
+            <a:r>
+              <a:rPr lang="de-DE" sz="2000" b="0" u="none" strike="noStrike">
+                <a:solidFill>
+                  <a:schemeClr val="dk1"/>
+                </a:solidFill>
+                <a:effectLst/>
+                <a:uFillTx/>
+                <a:latin typeface="Calisto MT"/>
+              </a:rPr>
+              <a:t>Kommen/ Gehen</a:t>
+            </a:r>
+          </a:p>
+          <a:p>
+            <a:pPr marL="228600" indent="0" defTabSz="914400">
+              <a:lnSpc>
+                <a:spcPct val="110000"/>
+              </a:lnSpc>
+              <a:spcBef>
+                <a:spcPts val="1001"/>
+              </a:spcBef>
+              <a:buNone/>
+            </a:pPr>
+            <a:endParaRPr lang="de-DE" sz="2000" b="0" u="none" strike="noStrike">
+              <a:solidFill>
+                <a:schemeClr val="dk1"/>
+              </a:solidFill>
+              <a:effectLst/>
+              <a:uFillTx/>
+              <a:latin typeface="Calisto MT"/>
+            </a:endParaRPr>
+          </a:p>
+          <a:p>
+            <a:pPr marL="228600" indent="-228600" defTabSz="914400">
+              <a:lnSpc>
+                <a:spcPct val="110000"/>
+              </a:lnSpc>
+              <a:spcBef>
+                <a:spcPts val="1001"/>
+              </a:spcBef>
+              <a:buClr>
+                <a:srgbClr val="000000"/>
+              </a:buClr>
+              <a:buFont typeface="Symbol" charset="2"/>
+              <a:buChar char=""/>
+            </a:pPr>
+            <a:r>
+              <a:rPr lang="de-DE" sz="2000" b="0" u="none" strike="noStrike">
+                <a:solidFill>
+                  <a:schemeClr val="dk1"/>
+                </a:solidFill>
+                <a:effectLst/>
+                <a:uFillTx/>
+                <a:latin typeface="Calisto MT"/>
+              </a:rPr>
+              <a:t>Benutzer mit Arbeitszeit</a:t>
+            </a:r>
+          </a:p>
+          <a:p>
+            <a:pPr indent="0" defTabSz="914400">
+              <a:lnSpc>
+                <a:spcPct val="110000"/>
+              </a:lnSpc>
+              <a:spcBef>
+                <a:spcPts val="1001"/>
+              </a:spcBef>
+              <a:buNone/>
+            </a:pPr>
+            <a:endParaRPr lang="de-DE" sz="2000" b="0" u="none" strike="noStrike">
+              <a:solidFill>
+                <a:schemeClr val="dk1"/>
+              </a:solidFill>
+              <a:effectLst/>
+              <a:uFillTx/>
+              <a:latin typeface="Calisto MT"/>
+            </a:endParaRPr>
+          </a:p>
+          <a:p>
+            <a:pPr indent="0" defTabSz="914400">
+              <a:lnSpc>
+                <a:spcPct val="110000"/>
+              </a:lnSpc>
+              <a:spcBef>
+                <a:spcPts val="1001"/>
+              </a:spcBef>
+              <a:buNone/>
+            </a:pPr>
+            <a:endParaRPr lang="de-DE" sz="2000" b="0" u="none" strike="noStrike">
+              <a:solidFill>
+                <a:schemeClr val="dk1"/>
+              </a:solidFill>
+              <a:effectLst/>
+              <a:uFillTx/>
+              <a:latin typeface="Calisto MT"/>
+            </a:endParaRPr>
+          </a:p>
+          <a:p>
+            <a:pPr indent="0" defTabSz="914400">
+              <a:lnSpc>
+                <a:spcPct val="110000"/>
+              </a:lnSpc>
+              <a:spcBef>
+                <a:spcPts val="1001"/>
+              </a:spcBef>
+              <a:buNone/>
+            </a:pPr>
+            <a:endParaRPr lang="de-DE" sz="2000" b="0" u="none" strike="noStrike">
+              <a:solidFill>
+                <a:schemeClr val="dk1"/>
+              </a:solidFill>
+              <a:effectLst/>
+              <a:uFillTx/>
+              <a:latin typeface="Calisto MT"/>
+            </a:endParaRPr>
+          </a:p>
+          <a:p>
+            <a:pPr indent="0" defTabSz="914400">
+              <a:lnSpc>
+                <a:spcPct val="110000"/>
+              </a:lnSpc>
+              <a:spcBef>
+                <a:spcPts val="1001"/>
+              </a:spcBef>
+              <a:buNone/>
+            </a:pPr>
+            <a:endParaRPr lang="de-DE" sz="2000" b="0" u="none" strike="noStrike">
+              <a:solidFill>
+                <a:schemeClr val="dk1"/>
+              </a:solidFill>
+              <a:effectLst/>
+              <a:uFillTx/>
+              <a:latin typeface="Calisto MT"/>
+            </a:endParaRPr>
+          </a:p>
+          <a:p>
+            <a:pPr indent="0" defTabSz="914400">
+              <a:lnSpc>
+                <a:spcPct val="110000"/>
+              </a:lnSpc>
+              <a:spcBef>
+                <a:spcPts val="1001"/>
+              </a:spcBef>
+              <a:buNone/>
+            </a:pPr>
+            <a:endParaRPr lang="de-DE" sz="2000" b="0" u="none" strike="noStrike">
+              <a:solidFill>
+                <a:schemeClr val="dk1"/>
+              </a:solidFill>
+              <a:effectLst/>
+              <a:uFillTx/>
+              <a:latin typeface="Calisto MT"/>
+            </a:endParaRPr>
+          </a:p>
+          <a:p>
+            <a:pPr indent="0" defTabSz="914400">
+              <a:lnSpc>
+                <a:spcPct val="110000"/>
+              </a:lnSpc>
+              <a:spcBef>
+                <a:spcPts val="1001"/>
+              </a:spcBef>
+              <a:buNone/>
+            </a:pPr>
+            <a:endParaRPr lang="de-DE" sz="2000" b="0" u="none" strike="noStrike">
+              <a:solidFill>
+                <a:schemeClr val="dk1"/>
+              </a:solidFill>
+              <a:effectLst/>
+              <a:uFillTx/>
+              <a:latin typeface="Calisto MT"/>
+            </a:endParaRPr>
+          </a:p>
+        </p:txBody>
+      </p:sp>
+    </p:spTree>
+  </p:cSld>
+  <p:clrMapOvr>
+    <a:masterClrMapping/>
+  </p:clrMapOvr>
+</p:sld>
+</file>
+
 <file path=ppt/slides/slide2.xml><?xml version="1.0" encoding="utf-8"?>
 <p:sld xmlns:a="http://schemas.openxmlformats.org/drawingml/2006/main" xmlns:r="http://schemas.openxmlformats.org/officeDocument/2006/relationships" xmlns:p="http://schemas.openxmlformats.org/presentationml/2006/main">
   <p:cSld>
@@ -17132,7 +16748,7 @@
                 <a:uFillTx/>
                 <a:latin typeface="Calisto MT"/>
               </a:rPr>
-              <a:t>Aufgetretene Probleme</a:t>
+              <a:t>Live Demo</a:t>
             </a:r>
           </a:p>
           <a:p>
@@ -17158,7 +16774,7 @@
                 <a:uFillTx/>
                 <a:latin typeface="Calisto MT"/>
               </a:rPr>
-              <a:t>Live Demo</a:t>
+              <a:t>Erweiterungspotenzial</a:t>
             </a:r>
           </a:p>
           <a:p>
@@ -17176,16 +16792,22 @@
               <a:buAutoNum type="arabicPeriod"/>
             </a:pPr>
             <a:r>
-              <a:rPr lang="de-DE" sz="1500" b="0" u="none" strike="noStrike" dirty="0">
+              <a:rPr lang="de-DE" sz="1500" dirty="0">
                 <a:solidFill>
                   <a:schemeClr val="dk1"/>
                 </a:solidFill>
-                <a:effectLst/>
-                <a:uFillTx/>
                 <a:latin typeface="Calisto MT"/>
               </a:rPr>
-              <a:t>Erweiterungspotenzial</a:t>
+              <a:t>Aufgetretene Probleme</a:t>
             </a:r>
+            <a:endParaRPr lang="de-DE" sz="1500" b="0" u="none" strike="noStrike" dirty="0">
+              <a:solidFill>
+                <a:schemeClr val="dk1"/>
+              </a:solidFill>
+              <a:effectLst/>
+              <a:uFillTx/>
+              <a:latin typeface="Calisto MT"/>
+            </a:endParaRPr>
           </a:p>
           <a:p>
             <a:pPr marL="457200" indent="-457200" defTabSz="914400">
@@ -17210,7 +16832,7 @@
                 <a:uFillTx/>
                 <a:latin typeface="Calisto MT"/>
               </a:rPr>
-              <a:t>Leasons</a:t>
+              <a:t>Lessons</a:t>
             </a:r>
             <a:r>
               <a:rPr lang="de-DE" sz="1500" b="0" u="none" strike="noStrike" dirty="0">
@@ -17232,7 +16854,7 @@
                 <a:uFillTx/>
                 <a:latin typeface="Calisto MT"/>
               </a:rPr>
-              <a:t>Learnd</a:t>
+              <a:t>Learned</a:t>
             </a:r>
             <a:endParaRPr lang="de-DE" sz="1500" b="0" u="none" strike="noStrike" dirty="0">
               <a:solidFill>
@@ -17303,6 +16925,570 @@
 </file>
 
 <file path=ppt/slides/slide20.xml><?xml version="1.0" encoding="utf-8"?>
+<p:sld xmlns:a="http://schemas.openxmlformats.org/drawingml/2006/main" xmlns:r="http://schemas.openxmlformats.org/officeDocument/2006/relationships" xmlns:p="http://schemas.openxmlformats.org/presentationml/2006/main">
+  <p:cSld>
+    <p:spTree>
+      <p:nvGrpSpPr>
+        <p:cNvPr id="1" name=""/>
+        <p:cNvGrpSpPr/>
+        <p:nvPr/>
+      </p:nvGrpSpPr>
+      <p:grpSpPr>
+        <a:xfrm>
+          <a:off x="0" y="0"/>
+          <a:ext cx="0" cy="0"/>
+          <a:chOff x="0" y="0"/>
+          <a:chExt cx="0" cy="0"/>
+        </a:xfrm>
+      </p:grpSpPr>
+      <p:sp>
+        <p:nvSpPr>
+          <p:cNvPr id="2" name="Titel 1">
+            <a:extLst>
+              <a:ext uri="{FF2B5EF4-FFF2-40B4-BE49-F238E27FC236}">
+                <a16:creationId xmlns:a16="http://schemas.microsoft.com/office/drawing/2014/main" id="{B84DC59D-854A-F36C-4A96-E36DF2F75D53}"/>
+              </a:ext>
+            </a:extLst>
+          </p:cNvPr>
+          <p:cNvSpPr>
+            <a:spLocks noGrp="1"/>
+          </p:cNvSpPr>
+          <p:nvPr>
+            <p:ph type="title"/>
+          </p:nvPr>
+        </p:nvSpPr>
+        <p:spPr/>
+        <p:txBody>
+          <a:bodyPr/>
+          <a:lstStyle/>
+          <a:p>
+            <a:r>
+              <a:rPr lang="de-DE" dirty="0"/>
+              <a:t>8. Live Demo – API Calls</a:t>
+            </a:r>
+          </a:p>
+        </p:txBody>
+      </p:sp>
+      <p:sp>
+        <p:nvSpPr>
+          <p:cNvPr id="3" name="Textplatzhalter 2">
+            <a:extLst>
+              <a:ext uri="{FF2B5EF4-FFF2-40B4-BE49-F238E27FC236}">
+                <a16:creationId xmlns:a16="http://schemas.microsoft.com/office/drawing/2014/main" id="{47A78E0A-833F-F14E-51ED-844E4B23EFDB}"/>
+              </a:ext>
+            </a:extLst>
+          </p:cNvPr>
+          <p:cNvSpPr>
+            <a:spLocks noGrp="1"/>
+          </p:cNvSpPr>
+          <p:nvPr>
+            <p:ph type="body"/>
+          </p:nvPr>
+        </p:nvSpPr>
+        <p:spPr/>
+        <p:txBody>
+          <a:bodyPr/>
+          <a:lstStyle/>
+          <a:p>
+            <a:r>
+              <a:rPr lang="de-DE" dirty="0" err="1"/>
+              <a:t>getNotifications</a:t>
+            </a:r>
+            <a:r>
+              <a:rPr lang="de-DE" dirty="0"/>
+              <a:t>()</a:t>
+            </a:r>
+          </a:p>
+          <a:p>
+            <a:pPr lvl="1"/>
+            <a:r>
+              <a:rPr lang="de-DE" sz="1800" dirty="0"/>
+              <a:t>Gibt als JSON-Array alle Benachrichtigungen zurück, die der Nutzer bekommen hat</a:t>
+            </a:r>
+          </a:p>
+          <a:p>
+            <a:r>
+              <a:rPr lang="de-DE" dirty="0" err="1"/>
+              <a:t>userKommen</a:t>
+            </a:r>
+            <a:r>
+              <a:rPr lang="de-DE" dirty="0"/>
+              <a:t>() / </a:t>
+            </a:r>
+            <a:r>
+              <a:rPr lang="de-DE" dirty="0" err="1"/>
+              <a:t>userGehen</a:t>
+            </a:r>
+            <a:r>
+              <a:rPr lang="de-DE" dirty="0"/>
+              <a:t>()</a:t>
+            </a:r>
+          </a:p>
+          <a:p>
+            <a:pPr lvl="1"/>
+            <a:r>
+              <a:rPr lang="de-DE" sz="1800" dirty="0"/>
+              <a:t>Gibt einen Boolean zurück, ob der Nutzer eingeloggt wurde, oder nicht.</a:t>
+            </a:r>
+          </a:p>
+          <a:p>
+            <a:r>
+              <a:rPr lang="de-DE" dirty="0" err="1"/>
+              <a:t>validate</a:t>
+            </a:r>
+            <a:r>
+              <a:rPr lang="de-DE" dirty="0"/>
+              <a:t>()</a:t>
+            </a:r>
+          </a:p>
+          <a:p>
+            <a:pPr lvl="1"/>
+            <a:r>
+              <a:rPr lang="de-DE" sz="1800" dirty="0"/>
+              <a:t>Gibt einen Boolean zurück, ob die Nutzername/Passwort Kombination korrekt war.</a:t>
+            </a:r>
+          </a:p>
+          <a:p>
+            <a:r>
+              <a:rPr lang="de-DE" dirty="0" err="1"/>
+              <a:t>getUser</a:t>
+            </a:r>
+            <a:r>
+              <a:rPr lang="de-DE" dirty="0"/>
+              <a:t>()</a:t>
+            </a:r>
+          </a:p>
+          <a:p>
+            <a:pPr lvl="1"/>
+            <a:r>
+              <a:rPr lang="de-DE" sz="1800" dirty="0"/>
+              <a:t>Sammlung von Funktionen, die Informationen über den Nutzer zurück geben.</a:t>
+            </a:r>
+          </a:p>
+        </p:txBody>
+      </p:sp>
+    </p:spTree>
+    <p:extLst>
+      <p:ext uri="{BB962C8B-B14F-4D97-AF65-F5344CB8AC3E}">
+        <p14:creationId xmlns:p14="http://schemas.microsoft.com/office/powerpoint/2010/main" val="4194135845"/>
+      </p:ext>
+    </p:extLst>
+  </p:cSld>
+  <p:clrMapOvr>
+    <a:masterClrMapping/>
+  </p:clrMapOvr>
+</p:sld>
+</file>
+
+<file path=ppt/slides/slide21.xml><?xml version="1.0" encoding="utf-8"?>
+<p:sld xmlns:a="http://schemas.openxmlformats.org/drawingml/2006/main" xmlns:r="http://schemas.openxmlformats.org/officeDocument/2006/relationships" xmlns:p="http://schemas.openxmlformats.org/presentationml/2006/main">
+  <p:cSld>
+    <p:bg>
+      <p:bgPr>
+        <a:solidFill>
+          <a:schemeClr val="lt1"/>
+        </a:solidFill>
+        <a:effectLst/>
+      </p:bgPr>
+    </p:bg>
+    <p:spTree>
+      <p:nvGrpSpPr>
+        <p:cNvPr id="1" name=""/>
+        <p:cNvGrpSpPr/>
+        <p:nvPr/>
+      </p:nvGrpSpPr>
+      <p:grpSpPr>
+        <a:xfrm>
+          <a:off x="0" y="0"/>
+          <a:ext cx="0" cy="0"/>
+          <a:chOff x="0" y="0"/>
+          <a:chExt cx="0" cy="0"/>
+        </a:xfrm>
+      </p:grpSpPr>
+      <p:sp useBgFill="1">
+        <p:nvSpPr>
+          <p:cNvPr id="160" name="Rectangle 1">
+            <a:extLst>
+              <a:ext uri="{C183D7F6-B498-43B3-948B-1728B52AA6E4}">
+                <adec:decorative xmlns:adec="http://schemas.microsoft.com/office/drawing/2017/decorative" val="1"/>
+              </a:ext>
+            </a:extLst>
+          </p:cNvPr>
+          <p:cNvSpPr/>
+          <p:nvPr/>
+        </p:nvSpPr>
+        <p:spPr>
+          <a:xfrm>
+            <a:off x="0" y="0"/>
+            <a:ext cx="12191760" cy="6857640"/>
+          </a:xfrm>
+          <a:prstGeom prst="rect">
+            <a:avLst/>
+          </a:prstGeom>
+          <a:ln>
+            <a:noFill/>
+          </a:ln>
+        </p:spPr>
+        <p:style>
+          <a:lnRef idx="2">
+            <a:schemeClr val="accent1">
+              <a:shade val="50000"/>
+            </a:schemeClr>
+          </a:lnRef>
+          <a:fillRef idx="1">
+            <a:schemeClr val="accent1"/>
+          </a:fillRef>
+          <a:effectRef idx="0">
+            <a:schemeClr val="accent1"/>
+          </a:effectRef>
+          <a:fontRef idx="minor"/>
+        </p:style>
+        <p:txBody>
+          <a:bodyPr lIns="90000" tIns="45000" rIns="90000" bIns="45000" anchor="ctr">
+            <a:noAutofit/>
+          </a:bodyPr>
+          <a:lstStyle/>
+          <a:p>
+            <a:endParaRPr lang="en-US" sz="1800" b="0" u="none" strike="noStrike">
+              <a:solidFill>
+                <a:schemeClr val="lt1"/>
+              </a:solidFill>
+              <a:effectLst/>
+              <a:uFillTx/>
+              <a:latin typeface="Calisto MT"/>
+            </a:endParaRPr>
+          </a:p>
+        </p:txBody>
+      </p:sp>
+      <p:sp>
+        <p:nvSpPr>
+          <p:cNvPr id="161" name="PlaceHolder 1"/>
+          <p:cNvSpPr>
+            <a:spLocks noGrp="1"/>
+          </p:cNvSpPr>
+          <p:nvPr>
+            <p:ph type="title"/>
+          </p:nvPr>
+        </p:nvSpPr>
+        <p:spPr>
+          <a:xfrm>
+            <a:off x="704160" y="555840"/>
+            <a:ext cx="4218120" cy="2390400"/>
+          </a:xfrm>
+          <a:prstGeom prst="rect">
+            <a:avLst/>
+          </a:prstGeom>
+          <a:noFill/>
+          <a:ln w="0">
+            <a:noFill/>
+          </a:ln>
+        </p:spPr>
+        <p:txBody>
+          <a:bodyPr lIns="91440" tIns="45720" rIns="91440" bIns="45720" anchor="t">
+            <a:normAutofit/>
+          </a:bodyPr>
+          <a:lstStyle/>
+          <a:p>
+            <a:pPr indent="0" defTabSz="914400">
+              <a:lnSpc>
+                <a:spcPct val="100000"/>
+              </a:lnSpc>
+              <a:buNone/>
+            </a:pPr>
+            <a:r>
+              <a:rPr lang="de-DE" sz="4000" b="0" u="none" strike="noStrike" cap="all" spc="31" dirty="0">
+                <a:solidFill>
+                  <a:schemeClr val="dk1"/>
+                </a:solidFill>
+                <a:effectLst/>
+                <a:uFillTx/>
+                <a:latin typeface="Univers Condensed"/>
+              </a:rPr>
+              <a:t>9. Erweiterungspotenzial</a:t>
+            </a:r>
+            <a:endParaRPr lang="de-DE" sz="4000" b="0" u="none" strike="noStrike" dirty="0">
+              <a:solidFill>
+                <a:schemeClr val="dk1"/>
+              </a:solidFill>
+              <a:effectLst/>
+              <a:uFillTx/>
+              <a:latin typeface="Calisto MT"/>
+            </a:endParaRPr>
+          </a:p>
+        </p:txBody>
+      </p:sp>
+      <p:cxnSp>
+        <p:nvCxnSpPr>
+          <p:cNvPr id="162" name="Straight Connector 2">
+            <a:extLst>
+              <a:ext uri="{C183D7F6-B498-43B3-948B-1728B52AA6E4}">
+                <adec:decorative xmlns:adec="http://schemas.microsoft.com/office/drawing/2017/decorative" val="1"/>
+              </a:ext>
+            </a:extLst>
+          </p:cNvPr>
+          <p:cNvCxnSpPr/>
+          <p:nvPr/>
+        </p:nvCxnSpPr>
+        <p:spPr>
+          <a:xfrm flipV="1">
+            <a:off x="5254920" y="723600"/>
+            <a:ext cx="360" cy="5450040"/>
+          </a:xfrm>
+          <a:prstGeom prst="straightConnector1">
+            <a:avLst/>
+          </a:prstGeom>
+          <a:ln w="12700">
+            <a:solidFill>
+              <a:srgbClr val="000000"/>
+            </a:solidFill>
+          </a:ln>
+        </p:spPr>
+      </p:cxnSp>
+      <p:sp>
+        <p:nvSpPr>
+          <p:cNvPr id="163" name="PlaceHolder 2"/>
+          <p:cNvSpPr>
+            <a:spLocks noGrp="1"/>
+          </p:cNvSpPr>
+          <p:nvPr>
+            <p:ph/>
+          </p:nvPr>
+        </p:nvSpPr>
+        <p:spPr>
+          <a:xfrm>
+            <a:off x="5576400" y="555840"/>
+            <a:ext cx="5915880" cy="5614200"/>
+          </a:xfrm>
+          <a:prstGeom prst="rect">
+            <a:avLst/>
+          </a:prstGeom>
+          <a:noFill/>
+          <a:ln w="0">
+            <a:noFill/>
+          </a:ln>
+        </p:spPr>
+        <p:txBody>
+          <a:bodyPr lIns="91440" tIns="45720" rIns="91440" bIns="45720" anchor="t">
+            <a:normAutofit/>
+          </a:bodyPr>
+          <a:lstStyle/>
+          <a:p>
+            <a:pPr marL="228600" indent="-228600" defTabSz="914400">
+              <a:lnSpc>
+                <a:spcPct val="110000"/>
+              </a:lnSpc>
+              <a:spcBef>
+                <a:spcPts val="1001"/>
+              </a:spcBef>
+              <a:buClr>
+                <a:srgbClr val="000000"/>
+              </a:buClr>
+              <a:buFont typeface="Arial"/>
+              <a:buChar char="•"/>
+            </a:pPr>
+            <a:r>
+              <a:rPr lang="de-DE" sz="2000" b="0" u="none" strike="noStrike">
+                <a:solidFill>
+                  <a:schemeClr val="dk1"/>
+                </a:solidFill>
+                <a:effectLst/>
+                <a:uFillTx/>
+                <a:latin typeface="Calisto MT"/>
+              </a:rPr>
+              <a:t>Urlaubssystem</a:t>
+            </a:r>
+          </a:p>
+          <a:p>
+            <a:pPr marL="228600" indent="-228600" defTabSz="914400">
+              <a:lnSpc>
+                <a:spcPct val="110000"/>
+              </a:lnSpc>
+              <a:spcBef>
+                <a:spcPts val="1001"/>
+              </a:spcBef>
+              <a:buClr>
+                <a:srgbClr val="000000"/>
+              </a:buClr>
+              <a:buFont typeface="Arial"/>
+              <a:buChar char="•"/>
+            </a:pPr>
+            <a:r>
+              <a:rPr lang="de-DE" sz="2000" b="0" u="none" strike="noStrike">
+                <a:solidFill>
+                  <a:schemeClr val="dk1"/>
+                </a:solidFill>
+                <a:effectLst/>
+                <a:uFillTx/>
+                <a:latin typeface="Calisto MT"/>
+              </a:rPr>
+              <a:t>Unterscheidung ob HO oder vor-Ort</a:t>
+            </a:r>
+          </a:p>
+          <a:p>
+            <a:pPr marL="228600" indent="-228600" defTabSz="914400">
+              <a:lnSpc>
+                <a:spcPct val="110000"/>
+              </a:lnSpc>
+              <a:spcBef>
+                <a:spcPts val="1001"/>
+              </a:spcBef>
+              <a:buClr>
+                <a:srgbClr val="000000"/>
+              </a:buClr>
+              <a:buFont typeface="Arial"/>
+              <a:buChar char="•"/>
+            </a:pPr>
+            <a:r>
+              <a:rPr lang="de-DE" sz="2000" b="0" u="none" strike="noStrike">
+                <a:solidFill>
+                  <a:schemeClr val="dk1"/>
+                </a:solidFill>
+                <a:effectLst/>
+                <a:uFillTx/>
+                <a:latin typeface="Calisto MT"/>
+              </a:rPr>
+              <a:t>2FA Anmeldung</a:t>
+            </a:r>
+          </a:p>
+          <a:p>
+            <a:pPr marL="228600" indent="-228600" defTabSz="914400">
+              <a:lnSpc>
+                <a:spcPct val="110000"/>
+              </a:lnSpc>
+              <a:spcBef>
+                <a:spcPts val="1001"/>
+              </a:spcBef>
+              <a:buClr>
+                <a:srgbClr val="000000"/>
+              </a:buClr>
+              <a:buFont typeface="Arial"/>
+              <a:buChar char="•"/>
+            </a:pPr>
+            <a:r>
+              <a:rPr lang="de-DE" sz="2000" b="0" u="none" strike="noStrike">
+                <a:solidFill>
+                  <a:schemeClr val="dk1"/>
+                </a:solidFill>
+                <a:effectLst/>
+                <a:uFillTx/>
+                <a:latin typeface="Calisto MT"/>
+              </a:rPr>
+              <a:t>Implementierung einer Exportfunktion</a:t>
+            </a:r>
+          </a:p>
+          <a:p>
+            <a:pPr marL="228600" indent="-228600" defTabSz="914400">
+              <a:lnSpc>
+                <a:spcPct val="110000"/>
+              </a:lnSpc>
+              <a:spcBef>
+                <a:spcPts val="1001"/>
+              </a:spcBef>
+              <a:buClr>
+                <a:srgbClr val="000000"/>
+              </a:buClr>
+              <a:buFont typeface="Arial"/>
+              <a:buChar char="•"/>
+            </a:pPr>
+            <a:r>
+              <a:rPr lang="de-DE" sz="2000" b="0" u="none" strike="noStrike">
+                <a:solidFill>
+                  <a:schemeClr val="dk1"/>
+                </a:solidFill>
+                <a:effectLst/>
+                <a:uFillTx/>
+                <a:latin typeface="Calisto MT"/>
+              </a:rPr>
+              <a:t>Integration in ein Docker Image für die einfachere Bereitstellung</a:t>
+            </a:r>
+          </a:p>
+          <a:p>
+            <a:pPr indent="0" defTabSz="914400">
+              <a:lnSpc>
+                <a:spcPct val="110000"/>
+              </a:lnSpc>
+              <a:spcBef>
+                <a:spcPts val="1001"/>
+              </a:spcBef>
+              <a:buNone/>
+            </a:pPr>
+            <a:endParaRPr lang="de-DE" sz="2000" b="0" u="none" strike="noStrike">
+              <a:solidFill>
+                <a:schemeClr val="dk1"/>
+              </a:solidFill>
+              <a:effectLst/>
+              <a:uFillTx/>
+              <a:latin typeface="Calisto MT"/>
+            </a:endParaRPr>
+          </a:p>
+          <a:p>
+            <a:pPr indent="0" defTabSz="914400">
+              <a:lnSpc>
+                <a:spcPct val="110000"/>
+              </a:lnSpc>
+              <a:spcBef>
+                <a:spcPts val="1001"/>
+              </a:spcBef>
+              <a:buNone/>
+            </a:pPr>
+            <a:endParaRPr lang="de-DE" sz="2000" b="0" u="none" strike="noStrike">
+              <a:solidFill>
+                <a:schemeClr val="dk1"/>
+              </a:solidFill>
+              <a:effectLst/>
+              <a:uFillTx/>
+              <a:latin typeface="Calisto MT"/>
+            </a:endParaRPr>
+          </a:p>
+          <a:p>
+            <a:pPr indent="0" defTabSz="914400">
+              <a:lnSpc>
+                <a:spcPct val="110000"/>
+              </a:lnSpc>
+              <a:spcBef>
+                <a:spcPts val="1001"/>
+              </a:spcBef>
+              <a:buNone/>
+            </a:pPr>
+            <a:endParaRPr lang="de-DE" sz="2000" b="0" u="none" strike="noStrike">
+              <a:solidFill>
+                <a:schemeClr val="dk1"/>
+              </a:solidFill>
+              <a:effectLst/>
+              <a:uFillTx/>
+              <a:latin typeface="Calisto MT"/>
+            </a:endParaRPr>
+          </a:p>
+          <a:p>
+            <a:pPr indent="0" defTabSz="914400">
+              <a:lnSpc>
+                <a:spcPct val="110000"/>
+              </a:lnSpc>
+              <a:spcBef>
+                <a:spcPts val="1001"/>
+              </a:spcBef>
+              <a:buNone/>
+            </a:pPr>
+            <a:endParaRPr lang="de-DE" sz="2000" b="0" u="none" strike="noStrike">
+              <a:solidFill>
+                <a:schemeClr val="dk1"/>
+              </a:solidFill>
+              <a:effectLst/>
+              <a:uFillTx/>
+              <a:latin typeface="Calisto MT"/>
+            </a:endParaRPr>
+          </a:p>
+        </p:txBody>
+      </p:sp>
+    </p:spTree>
+  </p:cSld>
+  <p:clrMapOvr>
+    <a:masterClrMapping/>
+  </p:clrMapOvr>
+</p:sld>
+</file>
+
+<file path=ppt/slides/slide22.xml><?xml version="1.0" encoding="utf-8"?>
 <p:sld xmlns:a="http://schemas.openxmlformats.org/drawingml/2006/main" xmlns:r="http://schemas.openxmlformats.org/officeDocument/2006/relationships" xmlns:p="http://schemas.openxmlformats.org/presentationml/2006/main">
   <p:cSld>
     <p:bg>
@@ -17400,7 +17586,7 @@
         <p:spPr>
           <a:xfrm>
             <a:off x="704160" y="555840"/>
-            <a:ext cx="4218120" cy="2390400"/>
+            <a:ext cx="4417904" cy="2390400"/>
           </a:xfrm>
           <a:prstGeom prst="rect">
             <a:avLst/>
@@ -17423,15 +17609,6 @@
               <a:buNone/>
             </a:pPr>
             <a:r>
-              <a:rPr lang="de-DE" sz="4000" cap="all" spc="31" dirty="0">
-                <a:solidFill>
-                  <a:schemeClr val="dk1"/>
-                </a:solidFill>
-                <a:latin typeface="Univers Condensed"/>
-              </a:rPr>
-              <a:t>8</a:t>
-            </a:r>
-            <a:r>
               <a:rPr lang="de-DE" sz="4000" b="0" u="none" strike="noStrike" cap="all" spc="31" dirty="0">
                 <a:solidFill>
                   <a:schemeClr val="dk1"/>
@@ -17440,7 +17617,7 @@
                 <a:uFillTx/>
                 <a:latin typeface="Univers Condensed"/>
               </a:rPr>
-              <a:t>. Aufgetretene Probleme</a:t>
+              <a:t>10. Aufgetretene Probleme</a:t>
             </a:r>
             <a:endParaRPr lang="de-DE" sz="4000" b="0" u="none" strike="noStrike" dirty="0">
               <a:solidFill>
@@ -17690,1761 +17867,7 @@
 </p:sld>
 </file>
 
-<file path=ppt/slides/slide21.xml><?xml version="1.0" encoding="utf-8"?>
-<p:sld xmlns:a="http://schemas.openxmlformats.org/drawingml/2006/main" xmlns:r="http://schemas.openxmlformats.org/officeDocument/2006/relationships" xmlns:p="http://schemas.openxmlformats.org/presentationml/2006/main">
-  <p:cSld>
-    <p:bg>
-      <p:bgPr>
-        <a:solidFill>
-          <a:schemeClr val="lt1"/>
-        </a:solidFill>
-        <a:effectLst/>
-      </p:bgPr>
-    </p:bg>
-    <p:spTree>
-      <p:nvGrpSpPr>
-        <p:cNvPr id="1" name=""/>
-        <p:cNvGrpSpPr/>
-        <p:nvPr/>
-      </p:nvGrpSpPr>
-      <p:grpSpPr>
-        <a:xfrm>
-          <a:off x="0" y="0"/>
-          <a:ext cx="0" cy="0"/>
-          <a:chOff x="0" y="0"/>
-          <a:chExt cx="0" cy="0"/>
-        </a:xfrm>
-      </p:grpSpPr>
-      <p:sp useBgFill="1">
-        <p:nvSpPr>
-          <p:cNvPr id="149" name="Rectangle 8">
-            <a:extLst>
-              <a:ext uri="{C183D7F6-B498-43B3-948B-1728B52AA6E4}">
-                <adec:decorative xmlns:adec="http://schemas.microsoft.com/office/drawing/2017/decorative" val="1"/>
-              </a:ext>
-            </a:extLst>
-          </p:cNvPr>
-          <p:cNvSpPr/>
-          <p:nvPr/>
-        </p:nvSpPr>
-        <p:spPr>
-          <a:xfrm>
-            <a:off x="0" y="0"/>
-            <a:ext cx="12191760" cy="6857640"/>
-          </a:xfrm>
-          <a:prstGeom prst="rect">
-            <a:avLst/>
-          </a:prstGeom>
-          <a:ln>
-            <a:noFill/>
-          </a:ln>
-        </p:spPr>
-        <p:style>
-          <a:lnRef idx="2">
-            <a:schemeClr val="accent1">
-              <a:shade val="50000"/>
-            </a:schemeClr>
-          </a:lnRef>
-          <a:fillRef idx="1">
-            <a:schemeClr val="accent1"/>
-          </a:fillRef>
-          <a:effectRef idx="0">
-            <a:schemeClr val="accent1"/>
-          </a:effectRef>
-          <a:fontRef idx="minor"/>
-        </p:style>
-        <p:txBody>
-          <a:bodyPr lIns="90000" tIns="45000" rIns="90000" bIns="45000" anchor="ctr">
-            <a:noAutofit/>
-          </a:bodyPr>
-          <a:lstStyle/>
-          <a:p>
-            <a:pPr algn="ctr" defTabSz="914400">
-              <a:lnSpc>
-                <a:spcPct val="100000"/>
-              </a:lnSpc>
-            </a:pPr>
-            <a:endParaRPr lang="en-US" sz="1800" b="0" u="none" strike="noStrike">
-              <a:solidFill>
-                <a:schemeClr val="lt1"/>
-              </a:solidFill>
-              <a:effectLst/>
-              <a:uFillTx/>
-              <a:latin typeface="Calisto MT"/>
-            </a:endParaRPr>
-          </a:p>
-        </p:txBody>
-      </p:sp>
-      <p:sp>
-        <p:nvSpPr>
-          <p:cNvPr id="150" name="PlaceHolder 1"/>
-          <p:cNvSpPr>
-            <a:spLocks noGrp="1"/>
-          </p:cNvSpPr>
-          <p:nvPr>
-            <p:ph type="title"/>
-          </p:nvPr>
-        </p:nvSpPr>
-        <p:spPr>
-          <a:xfrm>
-            <a:off x="5248800" y="914400"/>
-            <a:ext cx="6235920" cy="1307160"/>
-          </a:xfrm>
-          <a:prstGeom prst="rect">
-            <a:avLst/>
-          </a:prstGeom>
-          <a:noFill/>
-          <a:ln w="0">
-            <a:noFill/>
-          </a:ln>
-        </p:spPr>
-        <p:txBody>
-          <a:bodyPr lIns="91440" tIns="45720" rIns="91440" bIns="45720" anchor="t">
-            <a:normAutofit/>
-          </a:bodyPr>
-          <a:lstStyle/>
-          <a:p>
-            <a:pPr indent="0" defTabSz="914400">
-              <a:lnSpc>
-                <a:spcPct val="100000"/>
-              </a:lnSpc>
-              <a:buNone/>
-            </a:pPr>
-            <a:r>
-              <a:rPr lang="de-DE" sz="4000" cap="all" spc="31" dirty="0">
-                <a:solidFill>
-                  <a:schemeClr val="dk1"/>
-                </a:solidFill>
-                <a:latin typeface="Univers Condensed"/>
-              </a:rPr>
-              <a:t>9</a:t>
-            </a:r>
-            <a:r>
-              <a:rPr lang="de-DE" sz="4000" b="0" u="none" strike="noStrike" cap="all" spc="31" dirty="0">
-                <a:solidFill>
-                  <a:schemeClr val="dk1"/>
-                </a:solidFill>
-                <a:effectLst/>
-                <a:uFillTx/>
-                <a:latin typeface="Univers Condensed"/>
-              </a:rPr>
-              <a:t>. Live Demo</a:t>
-            </a:r>
-            <a:endParaRPr lang="de-DE" sz="4000" b="0" u="none" strike="noStrike" dirty="0">
-              <a:solidFill>
-                <a:schemeClr val="dk1"/>
-              </a:solidFill>
-              <a:effectLst/>
-              <a:uFillTx/>
-              <a:latin typeface="Calisto MT"/>
-            </a:endParaRPr>
-          </a:p>
-        </p:txBody>
-      </p:sp>
-      <p:pic>
-        <p:nvPicPr>
-          <p:cNvPr id="151" name="Picture 4" descr="Lokalisierungsflagge auf einem Stadtplan"/>
-          <p:cNvPicPr/>
-          <p:nvPr/>
-        </p:nvPicPr>
-        <p:blipFill>
-          <a:blip r:embed="rId2"/>
-          <a:srcRect l="5968" r="48641" b="-3"/>
-          <a:stretch/>
-        </p:blipFill>
-        <p:spPr>
-          <a:xfrm>
-            <a:off x="0" y="0"/>
-            <a:ext cx="4663080" cy="6857640"/>
-          </a:xfrm>
-          <a:prstGeom prst="rect">
-            <a:avLst/>
-          </a:prstGeom>
-          <a:noFill/>
-          <a:ln w="0">
-            <a:noFill/>
-          </a:ln>
-        </p:spPr>
-      </p:pic>
-      <p:cxnSp>
-        <p:nvCxnSpPr>
-          <p:cNvPr id="152" name="Straight Connector 10">
-            <a:extLst>
-              <a:ext uri="{C183D7F6-B498-43B3-948B-1728B52AA6E4}">
-                <adec:decorative xmlns:adec="http://schemas.microsoft.com/office/drawing/2017/decorative" val="1"/>
-              </a:ext>
-            </a:extLst>
-          </p:cNvPr>
-          <p:cNvCxnSpPr/>
-          <p:nvPr/>
-        </p:nvCxnSpPr>
-        <p:spPr>
-          <a:xfrm>
-            <a:off x="5346720" y="722160"/>
-            <a:ext cx="1638720" cy="360"/>
-          </a:xfrm>
-          <a:prstGeom prst="straightConnector1">
-            <a:avLst/>
-          </a:prstGeom>
-          <a:ln w="44450">
-            <a:solidFill>
-              <a:srgbClr val="000000"/>
-            </a:solidFill>
-          </a:ln>
-        </p:spPr>
-      </p:cxnSp>
-      <p:sp>
-        <p:nvSpPr>
-          <p:cNvPr id="153" name="PlaceHolder 2"/>
-          <p:cNvSpPr>
-            <a:spLocks noGrp="1"/>
-          </p:cNvSpPr>
-          <p:nvPr>
-            <p:ph/>
-          </p:nvPr>
-        </p:nvSpPr>
-        <p:spPr>
-          <a:xfrm>
-            <a:off x="5248800" y="2221920"/>
-            <a:ext cx="6235920" cy="3940560"/>
-          </a:xfrm>
-          <a:prstGeom prst="rect">
-            <a:avLst/>
-          </a:prstGeom>
-          <a:noFill/>
-          <a:ln w="0">
-            <a:noFill/>
-          </a:ln>
-        </p:spPr>
-        <p:txBody>
-          <a:bodyPr lIns="91440" tIns="45720" rIns="91440" bIns="45720" anchor="t">
-            <a:normAutofit/>
-          </a:bodyPr>
-          <a:lstStyle/>
-          <a:p>
-            <a:pPr indent="0" defTabSz="914400">
-              <a:lnSpc>
-                <a:spcPct val="110000"/>
-              </a:lnSpc>
-              <a:spcBef>
-                <a:spcPts val="1001"/>
-              </a:spcBef>
-              <a:buNone/>
-              <a:tabLst>
-                <a:tab pos="0" algn="l"/>
-              </a:tabLst>
-            </a:pPr>
-            <a:r>
-              <a:rPr lang="de-DE" sz="2000" b="0" u="none" strike="noStrike">
-                <a:solidFill>
-                  <a:schemeClr val="dk1"/>
-                </a:solidFill>
-                <a:effectLst/>
-                <a:uFillTx/>
-                <a:latin typeface="Calisto MT"/>
-              </a:rPr>
-              <a:t> </a:t>
-            </a:r>
-            <a:r>
-              <a:rPr lang="de-DE" sz="2000" b="0" u="sng" strike="noStrike">
-                <a:solidFill>
-                  <a:schemeClr val="dk1"/>
-                </a:solidFill>
-                <a:effectLst/>
-                <a:uFillTx/>
-                <a:latin typeface="Calisto MT"/>
-                <a:hlinkClick r:id="rId3"/>
-              </a:rPr>
-              <a:t>https://zeitbuchung.it-lutz.com</a:t>
-            </a:r>
-            <a:endParaRPr lang="de-DE" sz="2000" b="0" u="none" strike="noStrike">
-              <a:solidFill>
-                <a:schemeClr val="dk1"/>
-              </a:solidFill>
-              <a:effectLst/>
-              <a:uFillTx/>
-              <a:latin typeface="Calisto MT"/>
-            </a:endParaRPr>
-          </a:p>
-          <a:p>
-            <a:pPr indent="0" defTabSz="914400">
-              <a:lnSpc>
-                <a:spcPct val="110000"/>
-              </a:lnSpc>
-              <a:spcBef>
-                <a:spcPts val="1001"/>
-              </a:spcBef>
-              <a:buNone/>
-              <a:tabLst>
-                <a:tab pos="0" algn="l"/>
-              </a:tabLst>
-            </a:pPr>
-            <a:endParaRPr lang="de-DE" sz="2000" b="0" u="none" strike="noStrike">
-              <a:solidFill>
-                <a:schemeClr val="dk1"/>
-              </a:solidFill>
-              <a:effectLst/>
-              <a:uFillTx/>
-              <a:latin typeface="Calisto MT"/>
-            </a:endParaRPr>
-          </a:p>
-        </p:txBody>
-      </p:sp>
-    </p:spTree>
-  </p:cSld>
-  <p:clrMapOvr>
-    <a:masterClrMapping/>
-  </p:clrMapOvr>
-</p:sld>
-</file>
-
-<file path=ppt/slides/slide22.xml><?xml version="1.0" encoding="utf-8"?>
-<p:sld xmlns:a="http://schemas.openxmlformats.org/drawingml/2006/main" xmlns:r="http://schemas.openxmlformats.org/officeDocument/2006/relationships" xmlns:p="http://schemas.openxmlformats.org/presentationml/2006/main">
-  <p:cSld>
-    <p:bg>
-      <p:bgPr>
-        <a:solidFill>
-          <a:schemeClr val="lt1"/>
-        </a:solidFill>
-        <a:effectLst/>
-      </p:bgPr>
-    </p:bg>
-    <p:spTree>
-      <p:nvGrpSpPr>
-        <p:cNvPr id="1" name=""/>
-        <p:cNvGrpSpPr/>
-        <p:nvPr/>
-      </p:nvGrpSpPr>
-      <p:grpSpPr>
-        <a:xfrm>
-          <a:off x="0" y="0"/>
-          <a:ext cx="0" cy="0"/>
-          <a:chOff x="0" y="0"/>
-          <a:chExt cx="0" cy="0"/>
-        </a:xfrm>
-      </p:grpSpPr>
-      <p:sp useBgFill="1">
-        <p:nvSpPr>
-          <p:cNvPr id="154" name="Rectangle 2">
-            <a:extLst>
-              <a:ext uri="{C183D7F6-B498-43B3-948B-1728B52AA6E4}">
-                <adec:decorative xmlns:adec="http://schemas.microsoft.com/office/drawing/2017/decorative" val="1"/>
-              </a:ext>
-            </a:extLst>
-          </p:cNvPr>
-          <p:cNvSpPr/>
-          <p:nvPr/>
-        </p:nvSpPr>
-        <p:spPr>
-          <a:xfrm>
-            <a:off x="0" y="0"/>
-            <a:ext cx="12191760" cy="6857640"/>
-          </a:xfrm>
-          <a:prstGeom prst="rect">
-            <a:avLst/>
-          </a:prstGeom>
-          <a:ln>
-            <a:noFill/>
-          </a:ln>
-        </p:spPr>
-        <p:style>
-          <a:lnRef idx="2">
-            <a:schemeClr val="accent1">
-              <a:shade val="50000"/>
-            </a:schemeClr>
-          </a:lnRef>
-          <a:fillRef idx="1">
-            <a:schemeClr val="accent1"/>
-          </a:fillRef>
-          <a:effectRef idx="0">
-            <a:schemeClr val="accent1"/>
-          </a:effectRef>
-          <a:fontRef idx="minor"/>
-        </p:style>
-        <p:txBody>
-          <a:bodyPr lIns="90000" tIns="45000" rIns="90000" bIns="45000" anchor="ctr">
-            <a:noAutofit/>
-          </a:bodyPr>
-          <a:lstStyle/>
-          <a:p>
-            <a:endParaRPr lang="en-US" sz="1800" b="0" u="none" strike="noStrike">
-              <a:solidFill>
-                <a:schemeClr val="lt1"/>
-              </a:solidFill>
-              <a:effectLst/>
-              <a:uFillTx/>
-              <a:latin typeface="Calisto MT"/>
-            </a:endParaRPr>
-          </a:p>
-        </p:txBody>
-      </p:sp>
-      <p:sp>
-        <p:nvSpPr>
-          <p:cNvPr id="155" name="PlaceHolder 1"/>
-          <p:cNvSpPr>
-            <a:spLocks noGrp="1"/>
-          </p:cNvSpPr>
-          <p:nvPr>
-            <p:ph type="title"/>
-          </p:nvPr>
-        </p:nvSpPr>
-        <p:spPr>
-          <a:xfrm>
-            <a:off x="704160" y="555840"/>
-            <a:ext cx="9015840" cy="2390400"/>
-          </a:xfrm>
-          <a:prstGeom prst="rect">
-            <a:avLst/>
-          </a:prstGeom>
-          <a:noFill/>
-          <a:ln w="0">
-            <a:noFill/>
-          </a:ln>
-        </p:spPr>
-        <p:txBody>
-          <a:bodyPr lIns="91440" tIns="45720" rIns="91440" bIns="45720" anchor="t">
-            <a:normAutofit/>
-          </a:bodyPr>
-          <a:lstStyle/>
-          <a:p>
-            <a:pPr indent="0" defTabSz="914400">
-              <a:lnSpc>
-                <a:spcPct val="100000"/>
-              </a:lnSpc>
-              <a:buNone/>
-            </a:pPr>
-            <a:r>
-              <a:rPr lang="de-DE" sz="4000" cap="all" spc="31" dirty="0">
-                <a:solidFill>
-                  <a:schemeClr val="dk1"/>
-                </a:solidFill>
-                <a:latin typeface="Univers Condensed"/>
-              </a:rPr>
-              <a:t>9</a:t>
-            </a:r>
-            <a:r>
-              <a:rPr lang="de-DE" sz="4000" b="0" u="none" strike="noStrike" cap="all" spc="31" dirty="0">
-                <a:solidFill>
-                  <a:schemeClr val="dk1"/>
-                </a:solidFill>
-                <a:effectLst/>
-                <a:uFillTx/>
-                <a:latin typeface="Univers Condensed"/>
-              </a:rPr>
-              <a:t>. Live Demo – Control Panel</a:t>
-            </a:r>
-            <a:endParaRPr lang="de-DE" sz="4000" b="0" u="none" strike="noStrike" dirty="0">
-              <a:solidFill>
-                <a:schemeClr val="dk1"/>
-              </a:solidFill>
-              <a:effectLst/>
-              <a:uFillTx/>
-              <a:latin typeface="Calisto MT"/>
-            </a:endParaRPr>
-          </a:p>
-        </p:txBody>
-      </p:sp>
-      <p:sp>
-        <p:nvSpPr>
-          <p:cNvPr id="156" name="PlaceHolder 2"/>
-          <p:cNvSpPr>
-            <a:spLocks noGrp="1"/>
-          </p:cNvSpPr>
-          <p:nvPr>
-            <p:ph/>
-          </p:nvPr>
-        </p:nvSpPr>
-        <p:spPr>
-          <a:xfrm>
-            <a:off x="720000" y="1440000"/>
-            <a:ext cx="10772280" cy="4730040"/>
-          </a:xfrm>
-          <a:prstGeom prst="rect">
-            <a:avLst/>
-          </a:prstGeom>
-          <a:noFill/>
-          <a:ln w="0">
-            <a:noFill/>
-          </a:ln>
-        </p:spPr>
-        <p:txBody>
-          <a:bodyPr lIns="91440" tIns="45720" rIns="91440" bIns="45720" anchor="t">
-            <a:normAutofit/>
-          </a:bodyPr>
-          <a:lstStyle/>
-          <a:p>
-            <a:pPr marL="228600" indent="0" defTabSz="914400">
-              <a:lnSpc>
-                <a:spcPct val="110000"/>
-              </a:lnSpc>
-              <a:spcBef>
-                <a:spcPts val="1001"/>
-              </a:spcBef>
-              <a:buNone/>
-            </a:pPr>
-            <a:endParaRPr lang="de-DE" sz="2000" b="0" u="none" strike="noStrike">
-              <a:solidFill>
-                <a:schemeClr val="dk1"/>
-              </a:solidFill>
-              <a:effectLst/>
-              <a:uFillTx/>
-              <a:latin typeface="Calisto MT"/>
-            </a:endParaRPr>
-          </a:p>
-          <a:p>
-            <a:pPr marL="228600" indent="-228600" defTabSz="914400">
-              <a:lnSpc>
-                <a:spcPct val="110000"/>
-              </a:lnSpc>
-              <a:spcBef>
-                <a:spcPts val="1001"/>
-              </a:spcBef>
-              <a:buClr>
-                <a:srgbClr val="000000"/>
-              </a:buClr>
-              <a:buFont typeface="Symbol" charset="2"/>
-              <a:buChar char=""/>
-            </a:pPr>
-            <a:r>
-              <a:rPr lang="de-DE" sz="2000" b="0" u="none" strike="noStrike">
-                <a:solidFill>
-                  <a:schemeClr val="dk1"/>
-                </a:solidFill>
-                <a:effectLst/>
-                <a:uFillTx/>
-                <a:latin typeface="Calisto MT"/>
-              </a:rPr>
-              <a:t>Benutzer erstellen</a:t>
-            </a:r>
-          </a:p>
-          <a:p>
-            <a:pPr marL="228600" indent="0" defTabSz="914400">
-              <a:lnSpc>
-                <a:spcPct val="110000"/>
-              </a:lnSpc>
-              <a:spcBef>
-                <a:spcPts val="1001"/>
-              </a:spcBef>
-              <a:buNone/>
-            </a:pPr>
-            <a:r>
-              <a:rPr lang="de-DE" sz="2000" b="0" u="none" strike="noStrike">
-                <a:solidFill>
-                  <a:schemeClr val="dk1"/>
-                </a:solidFill>
-                <a:effectLst/>
-                <a:uFillTx/>
-                <a:latin typeface="Calisto MT"/>
-              </a:rPr>
-              <a:t>- Verschiedene Sprache</a:t>
-            </a:r>
-          </a:p>
-          <a:p>
-            <a:pPr marL="228600" indent="0" defTabSz="914400">
-              <a:lnSpc>
-                <a:spcPct val="110000"/>
-              </a:lnSpc>
-              <a:spcBef>
-                <a:spcPts val="1001"/>
-              </a:spcBef>
-              <a:buNone/>
-            </a:pPr>
-            <a:r>
-              <a:rPr lang="de-DE" sz="2000" b="0" u="none" strike="noStrike">
-                <a:solidFill>
-                  <a:schemeClr val="dk1"/>
-                </a:solidFill>
-                <a:effectLst/>
-                <a:uFillTx/>
-                <a:latin typeface="Calisto MT"/>
-              </a:rPr>
-              <a:t>- Jünger als 13</a:t>
-            </a:r>
-          </a:p>
-          <a:p>
-            <a:pPr marL="228600" indent="0" defTabSz="914400">
-              <a:lnSpc>
-                <a:spcPct val="110000"/>
-              </a:lnSpc>
-              <a:spcBef>
-                <a:spcPts val="1001"/>
-              </a:spcBef>
-              <a:buNone/>
-            </a:pPr>
-            <a:r>
-              <a:rPr lang="de-DE" sz="2000" b="0" u="none" strike="noStrike">
-                <a:solidFill>
-                  <a:schemeClr val="dk1"/>
-                </a:solidFill>
-                <a:effectLst/>
-                <a:uFillTx/>
-                <a:latin typeface="Calisto MT"/>
-              </a:rPr>
-              <a:t>- Älter als 13 / jünger als 18</a:t>
-            </a:r>
-          </a:p>
-          <a:p>
-            <a:pPr marL="228600" indent="0" defTabSz="914400">
-              <a:lnSpc>
-                <a:spcPct val="110000"/>
-              </a:lnSpc>
-              <a:spcBef>
-                <a:spcPts val="1001"/>
-              </a:spcBef>
-              <a:buNone/>
-            </a:pPr>
-            <a:endParaRPr lang="de-DE" sz="2000" b="0" u="none" strike="noStrike">
-              <a:solidFill>
-                <a:schemeClr val="dk1"/>
-              </a:solidFill>
-              <a:effectLst/>
-              <a:uFillTx/>
-              <a:latin typeface="Calisto MT"/>
-            </a:endParaRPr>
-          </a:p>
-          <a:p>
-            <a:pPr marL="228600" indent="-228600" defTabSz="914400">
-              <a:lnSpc>
-                <a:spcPct val="110000"/>
-              </a:lnSpc>
-              <a:spcBef>
-                <a:spcPts val="1001"/>
-              </a:spcBef>
-              <a:buClr>
-                <a:srgbClr val="000000"/>
-              </a:buClr>
-              <a:buFont typeface="Symbol" charset="2"/>
-              <a:buChar char=""/>
-            </a:pPr>
-            <a:r>
-              <a:rPr lang="de-DE" sz="2000" b="0" u="none" strike="noStrike">
-                <a:solidFill>
-                  <a:schemeClr val="dk1"/>
-                </a:solidFill>
-                <a:effectLst/>
-                <a:uFillTx/>
-                <a:latin typeface="Calisto MT"/>
-              </a:rPr>
-              <a:t>Benutzer löschen</a:t>
-            </a:r>
-          </a:p>
-          <a:p>
-            <a:pPr indent="0" defTabSz="914400">
-              <a:lnSpc>
-                <a:spcPct val="110000"/>
-              </a:lnSpc>
-              <a:spcBef>
-                <a:spcPts val="1001"/>
-              </a:spcBef>
-              <a:buNone/>
-            </a:pPr>
-            <a:endParaRPr lang="de-DE" sz="2000" b="0" u="none" strike="noStrike">
-              <a:solidFill>
-                <a:schemeClr val="dk1"/>
-              </a:solidFill>
-              <a:effectLst/>
-              <a:uFillTx/>
-              <a:latin typeface="Calisto MT"/>
-            </a:endParaRPr>
-          </a:p>
-          <a:p>
-            <a:pPr indent="0" defTabSz="914400">
-              <a:lnSpc>
-                <a:spcPct val="110000"/>
-              </a:lnSpc>
-              <a:spcBef>
-                <a:spcPts val="1001"/>
-              </a:spcBef>
-              <a:buNone/>
-            </a:pPr>
-            <a:endParaRPr lang="de-DE" sz="2000" b="0" u="none" strike="noStrike">
-              <a:solidFill>
-                <a:schemeClr val="dk1"/>
-              </a:solidFill>
-              <a:effectLst/>
-              <a:uFillTx/>
-              <a:latin typeface="Calisto MT"/>
-            </a:endParaRPr>
-          </a:p>
-          <a:p>
-            <a:pPr indent="0" defTabSz="914400">
-              <a:lnSpc>
-                <a:spcPct val="110000"/>
-              </a:lnSpc>
-              <a:spcBef>
-                <a:spcPts val="1001"/>
-              </a:spcBef>
-              <a:buNone/>
-            </a:pPr>
-            <a:endParaRPr lang="de-DE" sz="2000" b="0" u="none" strike="noStrike">
-              <a:solidFill>
-                <a:schemeClr val="dk1"/>
-              </a:solidFill>
-              <a:effectLst/>
-              <a:uFillTx/>
-              <a:latin typeface="Calisto MT"/>
-            </a:endParaRPr>
-          </a:p>
-          <a:p>
-            <a:pPr indent="0" defTabSz="914400">
-              <a:lnSpc>
-                <a:spcPct val="110000"/>
-              </a:lnSpc>
-              <a:spcBef>
-                <a:spcPts val="1001"/>
-              </a:spcBef>
-              <a:buNone/>
-            </a:pPr>
-            <a:endParaRPr lang="de-DE" sz="2000" b="0" u="none" strike="noStrike">
-              <a:solidFill>
-                <a:schemeClr val="dk1"/>
-              </a:solidFill>
-              <a:effectLst/>
-              <a:uFillTx/>
-              <a:latin typeface="Calisto MT"/>
-            </a:endParaRPr>
-          </a:p>
-        </p:txBody>
-      </p:sp>
-    </p:spTree>
-  </p:cSld>
-  <p:clrMapOvr>
-    <a:masterClrMapping/>
-  </p:clrMapOvr>
-</p:sld>
-</file>
-
 <file path=ppt/slides/slide23.xml><?xml version="1.0" encoding="utf-8"?>
-<p:sld xmlns:a="http://schemas.openxmlformats.org/drawingml/2006/main" xmlns:r="http://schemas.openxmlformats.org/officeDocument/2006/relationships" xmlns:p="http://schemas.openxmlformats.org/presentationml/2006/main">
-  <p:cSld>
-    <p:bg>
-      <p:bgPr>
-        <a:solidFill>
-          <a:schemeClr val="lt1"/>
-        </a:solidFill>
-        <a:effectLst/>
-      </p:bgPr>
-    </p:bg>
-    <p:spTree>
-      <p:nvGrpSpPr>
-        <p:cNvPr id="1" name=""/>
-        <p:cNvGrpSpPr/>
-        <p:nvPr/>
-      </p:nvGrpSpPr>
-      <p:grpSpPr>
-        <a:xfrm>
-          <a:off x="0" y="0"/>
-          <a:ext cx="0" cy="0"/>
-          <a:chOff x="0" y="0"/>
-          <a:chExt cx="0" cy="0"/>
-        </a:xfrm>
-      </p:grpSpPr>
-      <p:sp useBgFill="1">
-        <p:nvSpPr>
-          <p:cNvPr id="157" name="Rectangle 9">
-            <a:extLst>
-              <a:ext uri="{C183D7F6-B498-43B3-948B-1728B52AA6E4}">
-                <adec:decorative xmlns:adec="http://schemas.microsoft.com/office/drawing/2017/decorative" val="1"/>
-              </a:ext>
-            </a:extLst>
-          </p:cNvPr>
-          <p:cNvSpPr/>
-          <p:nvPr/>
-        </p:nvSpPr>
-        <p:spPr>
-          <a:xfrm>
-            <a:off x="0" y="0"/>
-            <a:ext cx="12191760" cy="6857640"/>
-          </a:xfrm>
-          <a:prstGeom prst="rect">
-            <a:avLst/>
-          </a:prstGeom>
-          <a:ln>
-            <a:noFill/>
-          </a:ln>
-        </p:spPr>
-        <p:style>
-          <a:lnRef idx="2">
-            <a:schemeClr val="accent1">
-              <a:shade val="50000"/>
-            </a:schemeClr>
-          </a:lnRef>
-          <a:fillRef idx="1">
-            <a:schemeClr val="accent1"/>
-          </a:fillRef>
-          <a:effectRef idx="0">
-            <a:schemeClr val="accent1"/>
-          </a:effectRef>
-          <a:fontRef idx="minor"/>
-        </p:style>
-        <p:txBody>
-          <a:bodyPr lIns="90000" tIns="45000" rIns="90000" bIns="45000" anchor="ctr">
-            <a:noAutofit/>
-          </a:bodyPr>
-          <a:lstStyle/>
-          <a:p>
-            <a:endParaRPr lang="en-US" sz="1800" b="0" u="none" strike="noStrike">
-              <a:solidFill>
-                <a:schemeClr val="lt1"/>
-              </a:solidFill>
-              <a:effectLst/>
-              <a:uFillTx/>
-              <a:latin typeface="Calisto MT"/>
-            </a:endParaRPr>
-          </a:p>
-        </p:txBody>
-      </p:sp>
-      <p:sp>
-        <p:nvSpPr>
-          <p:cNvPr id="158" name="PlaceHolder 1"/>
-          <p:cNvSpPr>
-            <a:spLocks noGrp="1"/>
-          </p:cNvSpPr>
-          <p:nvPr>
-            <p:ph type="title"/>
-          </p:nvPr>
-        </p:nvSpPr>
-        <p:spPr>
-          <a:xfrm>
-            <a:off x="704160" y="555840"/>
-            <a:ext cx="10815840" cy="2390400"/>
-          </a:xfrm>
-          <a:prstGeom prst="rect">
-            <a:avLst/>
-          </a:prstGeom>
-          <a:noFill/>
-          <a:ln w="0">
-            <a:noFill/>
-          </a:ln>
-        </p:spPr>
-        <p:txBody>
-          <a:bodyPr lIns="91440" tIns="45720" rIns="91440" bIns="45720" anchor="t">
-            <a:normAutofit/>
-          </a:bodyPr>
-          <a:lstStyle/>
-          <a:p>
-            <a:pPr indent="0" defTabSz="914400">
-              <a:lnSpc>
-                <a:spcPct val="100000"/>
-              </a:lnSpc>
-              <a:buNone/>
-            </a:pPr>
-            <a:r>
-              <a:rPr lang="de-DE" sz="4000" cap="all" spc="31" dirty="0">
-                <a:solidFill>
-                  <a:schemeClr val="dk1"/>
-                </a:solidFill>
-                <a:latin typeface="Univers Condensed"/>
-              </a:rPr>
-              <a:t>9</a:t>
-            </a:r>
-            <a:r>
-              <a:rPr lang="de-DE" sz="4000" b="0" u="none" strike="noStrike" cap="all" spc="31" dirty="0">
-                <a:solidFill>
-                  <a:schemeClr val="dk1"/>
-                </a:solidFill>
-                <a:effectLst/>
-                <a:uFillTx/>
-                <a:latin typeface="Univers Condensed"/>
-              </a:rPr>
-              <a:t>. Live Demo – User Dashboard</a:t>
-            </a:r>
-            <a:endParaRPr lang="de-DE" sz="4000" b="0" u="none" strike="noStrike" dirty="0">
-              <a:solidFill>
-                <a:schemeClr val="dk1"/>
-              </a:solidFill>
-              <a:effectLst/>
-              <a:uFillTx/>
-              <a:latin typeface="Calisto MT"/>
-            </a:endParaRPr>
-          </a:p>
-        </p:txBody>
-      </p:sp>
-      <p:sp>
-        <p:nvSpPr>
-          <p:cNvPr id="159" name="PlaceHolder 2"/>
-          <p:cNvSpPr>
-            <a:spLocks noGrp="1"/>
-          </p:cNvSpPr>
-          <p:nvPr>
-            <p:ph/>
-          </p:nvPr>
-        </p:nvSpPr>
-        <p:spPr>
-          <a:xfrm>
-            <a:off x="720000" y="1440000"/>
-            <a:ext cx="10772280" cy="4730040"/>
-          </a:xfrm>
-          <a:prstGeom prst="rect">
-            <a:avLst/>
-          </a:prstGeom>
-          <a:noFill/>
-          <a:ln w="0">
-            <a:noFill/>
-          </a:ln>
-        </p:spPr>
-        <p:txBody>
-          <a:bodyPr lIns="91440" tIns="45720" rIns="91440" bIns="45720" anchor="t">
-            <a:normAutofit fontScale="70000" lnSpcReduction="20000"/>
-          </a:bodyPr>
-          <a:lstStyle/>
-          <a:p>
-            <a:pPr marL="228600" indent="0" defTabSz="914400">
-              <a:lnSpc>
-                <a:spcPct val="110000"/>
-              </a:lnSpc>
-              <a:spcBef>
-                <a:spcPts val="1001"/>
-              </a:spcBef>
-              <a:buNone/>
-            </a:pPr>
-            <a:endParaRPr lang="de-DE" sz="2000" b="0" u="none" strike="noStrike">
-              <a:solidFill>
-                <a:schemeClr val="dk1"/>
-              </a:solidFill>
-              <a:effectLst/>
-              <a:uFillTx/>
-              <a:latin typeface="Calisto MT"/>
-            </a:endParaRPr>
-          </a:p>
-          <a:p>
-            <a:pPr marL="228600" indent="-228600" defTabSz="914400">
-              <a:lnSpc>
-                <a:spcPct val="110000"/>
-              </a:lnSpc>
-              <a:spcBef>
-                <a:spcPts val="1001"/>
-              </a:spcBef>
-              <a:buClr>
-                <a:srgbClr val="000000"/>
-              </a:buClr>
-              <a:buFont typeface="Symbol" charset="2"/>
-              <a:buChar char=""/>
-            </a:pPr>
-            <a:r>
-              <a:rPr lang="de-DE" sz="2000" b="0" u="none" strike="noStrike">
-                <a:solidFill>
-                  <a:schemeClr val="dk1"/>
-                </a:solidFill>
-                <a:effectLst/>
-                <a:uFillTx/>
-                <a:latin typeface="Calisto MT"/>
-              </a:rPr>
-              <a:t>Individuelles Passwort setzen</a:t>
-            </a:r>
-          </a:p>
-          <a:p>
-            <a:pPr marL="228600" indent="0" defTabSz="914400">
-              <a:lnSpc>
-                <a:spcPct val="110000"/>
-              </a:lnSpc>
-              <a:spcBef>
-                <a:spcPts val="1001"/>
-              </a:spcBef>
-              <a:buNone/>
-            </a:pPr>
-            <a:endParaRPr lang="de-DE" sz="2000" b="0" u="none" strike="noStrike">
-              <a:solidFill>
-                <a:schemeClr val="dk1"/>
-              </a:solidFill>
-              <a:effectLst/>
-              <a:uFillTx/>
-              <a:latin typeface="Calisto MT"/>
-            </a:endParaRPr>
-          </a:p>
-          <a:p>
-            <a:pPr marL="228600" indent="-228600" defTabSz="914400">
-              <a:lnSpc>
-                <a:spcPct val="110000"/>
-              </a:lnSpc>
-              <a:spcBef>
-                <a:spcPts val="1001"/>
-              </a:spcBef>
-              <a:buClr>
-                <a:srgbClr val="000000"/>
-              </a:buClr>
-              <a:buFont typeface="Symbol" charset="2"/>
-              <a:buChar char=""/>
-            </a:pPr>
-            <a:r>
-              <a:rPr lang="de-DE" sz="2000" b="0" u="none" strike="noStrike">
-                <a:solidFill>
-                  <a:schemeClr val="dk1"/>
-                </a:solidFill>
-                <a:effectLst/>
-                <a:uFillTx/>
-                <a:latin typeface="Calisto MT"/>
-              </a:rPr>
-              <a:t>Sprachwechsel</a:t>
-            </a:r>
-          </a:p>
-          <a:p>
-            <a:pPr marL="228600" indent="0" defTabSz="914400">
-              <a:lnSpc>
-                <a:spcPct val="110000"/>
-              </a:lnSpc>
-              <a:spcBef>
-                <a:spcPts val="1001"/>
-              </a:spcBef>
-              <a:buNone/>
-            </a:pPr>
-            <a:endParaRPr lang="de-DE" sz="2000" b="0" u="none" strike="noStrike">
-              <a:solidFill>
-                <a:schemeClr val="dk1"/>
-              </a:solidFill>
-              <a:effectLst/>
-              <a:uFillTx/>
-              <a:latin typeface="Calisto MT"/>
-            </a:endParaRPr>
-          </a:p>
-          <a:p>
-            <a:pPr marL="228600" indent="-228600" defTabSz="914400">
-              <a:lnSpc>
-                <a:spcPct val="110000"/>
-              </a:lnSpc>
-              <a:spcBef>
-                <a:spcPts val="1001"/>
-              </a:spcBef>
-              <a:buClr>
-                <a:srgbClr val="000000"/>
-              </a:buClr>
-              <a:buFont typeface="Symbol" charset="2"/>
-              <a:buChar char=""/>
-            </a:pPr>
-            <a:r>
-              <a:rPr lang="de-DE" sz="2000" b="0" u="none" strike="noStrike">
-                <a:solidFill>
-                  <a:schemeClr val="dk1"/>
-                </a:solidFill>
-                <a:effectLst/>
-                <a:uFillTx/>
-                <a:latin typeface="Calisto MT"/>
-              </a:rPr>
-              <a:t>Benachrichtigungen</a:t>
-            </a:r>
-          </a:p>
-          <a:p>
-            <a:pPr marL="228600" indent="0" defTabSz="914400">
-              <a:lnSpc>
-                <a:spcPct val="110000"/>
-              </a:lnSpc>
-              <a:spcBef>
-                <a:spcPts val="1001"/>
-              </a:spcBef>
-              <a:buNone/>
-            </a:pPr>
-            <a:endParaRPr lang="de-DE" sz="2000" b="0" u="none" strike="noStrike">
-              <a:solidFill>
-                <a:schemeClr val="dk1"/>
-              </a:solidFill>
-              <a:effectLst/>
-              <a:uFillTx/>
-              <a:latin typeface="Calisto MT"/>
-            </a:endParaRPr>
-          </a:p>
-          <a:p>
-            <a:pPr marL="228600" indent="-228600" defTabSz="914400">
-              <a:lnSpc>
-                <a:spcPct val="110000"/>
-              </a:lnSpc>
-              <a:spcBef>
-                <a:spcPts val="1001"/>
-              </a:spcBef>
-              <a:buClr>
-                <a:srgbClr val="000000"/>
-              </a:buClr>
-              <a:buFont typeface="Symbol" charset="2"/>
-              <a:buChar char=""/>
-            </a:pPr>
-            <a:r>
-              <a:rPr lang="de-DE" sz="2000" b="0" u="none" strike="noStrike">
-                <a:solidFill>
-                  <a:schemeClr val="dk1"/>
-                </a:solidFill>
-                <a:effectLst/>
-                <a:uFillTx/>
-                <a:latin typeface="Calisto MT"/>
-              </a:rPr>
-              <a:t>Logout</a:t>
-            </a:r>
-          </a:p>
-          <a:p>
-            <a:pPr marL="228600" indent="0" defTabSz="914400">
-              <a:lnSpc>
-                <a:spcPct val="110000"/>
-              </a:lnSpc>
-              <a:spcBef>
-                <a:spcPts val="1001"/>
-              </a:spcBef>
-              <a:buNone/>
-            </a:pPr>
-            <a:endParaRPr lang="de-DE" sz="2000" b="0" u="none" strike="noStrike">
-              <a:solidFill>
-                <a:schemeClr val="dk1"/>
-              </a:solidFill>
-              <a:effectLst/>
-              <a:uFillTx/>
-              <a:latin typeface="Calisto MT"/>
-            </a:endParaRPr>
-          </a:p>
-          <a:p>
-            <a:pPr marL="228600" indent="-228600" defTabSz="914400">
-              <a:lnSpc>
-                <a:spcPct val="110000"/>
-              </a:lnSpc>
-              <a:spcBef>
-                <a:spcPts val="1001"/>
-              </a:spcBef>
-              <a:buClr>
-                <a:srgbClr val="000000"/>
-              </a:buClr>
-              <a:buFont typeface="Symbol" charset="2"/>
-              <a:buChar char=""/>
-            </a:pPr>
-            <a:r>
-              <a:rPr lang="de-DE" sz="2000" b="0" u="none" strike="noStrike">
-                <a:solidFill>
-                  <a:schemeClr val="dk1"/>
-                </a:solidFill>
-                <a:effectLst/>
-                <a:uFillTx/>
-                <a:latin typeface="Calisto MT"/>
-              </a:rPr>
-              <a:t>Wochenübersicht</a:t>
-            </a:r>
-          </a:p>
-          <a:p>
-            <a:pPr marL="228600" indent="0" defTabSz="914400">
-              <a:lnSpc>
-                <a:spcPct val="110000"/>
-              </a:lnSpc>
-              <a:spcBef>
-                <a:spcPts val="1001"/>
-              </a:spcBef>
-              <a:buNone/>
-            </a:pPr>
-            <a:endParaRPr lang="de-DE" sz="2000" b="0" u="none" strike="noStrike">
-              <a:solidFill>
-                <a:schemeClr val="dk1"/>
-              </a:solidFill>
-              <a:effectLst/>
-              <a:uFillTx/>
-              <a:latin typeface="Calisto MT"/>
-            </a:endParaRPr>
-          </a:p>
-          <a:p>
-            <a:pPr marL="228600" indent="-228600" defTabSz="914400">
-              <a:lnSpc>
-                <a:spcPct val="110000"/>
-              </a:lnSpc>
-              <a:spcBef>
-                <a:spcPts val="1001"/>
-              </a:spcBef>
-              <a:buClr>
-                <a:srgbClr val="000000"/>
-              </a:buClr>
-              <a:buFont typeface="Symbol" charset="2"/>
-              <a:buChar char=""/>
-            </a:pPr>
-            <a:r>
-              <a:rPr lang="de-DE" sz="2000" b="0" u="none" strike="noStrike">
-                <a:solidFill>
-                  <a:schemeClr val="dk1"/>
-                </a:solidFill>
-                <a:effectLst/>
-                <a:uFillTx/>
-                <a:latin typeface="Calisto MT"/>
-              </a:rPr>
-              <a:t>Kommen/ Gehen</a:t>
-            </a:r>
-          </a:p>
-          <a:p>
-            <a:pPr marL="228600" indent="0" defTabSz="914400">
-              <a:lnSpc>
-                <a:spcPct val="110000"/>
-              </a:lnSpc>
-              <a:spcBef>
-                <a:spcPts val="1001"/>
-              </a:spcBef>
-              <a:buNone/>
-            </a:pPr>
-            <a:endParaRPr lang="de-DE" sz="2000" b="0" u="none" strike="noStrike">
-              <a:solidFill>
-                <a:schemeClr val="dk1"/>
-              </a:solidFill>
-              <a:effectLst/>
-              <a:uFillTx/>
-              <a:latin typeface="Calisto MT"/>
-            </a:endParaRPr>
-          </a:p>
-          <a:p>
-            <a:pPr marL="228600" indent="-228600" defTabSz="914400">
-              <a:lnSpc>
-                <a:spcPct val="110000"/>
-              </a:lnSpc>
-              <a:spcBef>
-                <a:spcPts val="1001"/>
-              </a:spcBef>
-              <a:buClr>
-                <a:srgbClr val="000000"/>
-              </a:buClr>
-              <a:buFont typeface="Symbol" charset="2"/>
-              <a:buChar char=""/>
-            </a:pPr>
-            <a:r>
-              <a:rPr lang="de-DE" sz="2000" b="0" u="none" strike="noStrike">
-                <a:solidFill>
-                  <a:schemeClr val="dk1"/>
-                </a:solidFill>
-                <a:effectLst/>
-                <a:uFillTx/>
-                <a:latin typeface="Calisto MT"/>
-              </a:rPr>
-              <a:t>Benutzer mit Arbeitszeit</a:t>
-            </a:r>
-          </a:p>
-          <a:p>
-            <a:pPr indent="0" defTabSz="914400">
-              <a:lnSpc>
-                <a:spcPct val="110000"/>
-              </a:lnSpc>
-              <a:spcBef>
-                <a:spcPts val="1001"/>
-              </a:spcBef>
-              <a:buNone/>
-            </a:pPr>
-            <a:endParaRPr lang="de-DE" sz="2000" b="0" u="none" strike="noStrike">
-              <a:solidFill>
-                <a:schemeClr val="dk1"/>
-              </a:solidFill>
-              <a:effectLst/>
-              <a:uFillTx/>
-              <a:latin typeface="Calisto MT"/>
-            </a:endParaRPr>
-          </a:p>
-          <a:p>
-            <a:pPr indent="0" defTabSz="914400">
-              <a:lnSpc>
-                <a:spcPct val="110000"/>
-              </a:lnSpc>
-              <a:spcBef>
-                <a:spcPts val="1001"/>
-              </a:spcBef>
-              <a:buNone/>
-            </a:pPr>
-            <a:endParaRPr lang="de-DE" sz="2000" b="0" u="none" strike="noStrike">
-              <a:solidFill>
-                <a:schemeClr val="dk1"/>
-              </a:solidFill>
-              <a:effectLst/>
-              <a:uFillTx/>
-              <a:latin typeface="Calisto MT"/>
-            </a:endParaRPr>
-          </a:p>
-          <a:p>
-            <a:pPr indent="0" defTabSz="914400">
-              <a:lnSpc>
-                <a:spcPct val="110000"/>
-              </a:lnSpc>
-              <a:spcBef>
-                <a:spcPts val="1001"/>
-              </a:spcBef>
-              <a:buNone/>
-            </a:pPr>
-            <a:endParaRPr lang="de-DE" sz="2000" b="0" u="none" strike="noStrike">
-              <a:solidFill>
-                <a:schemeClr val="dk1"/>
-              </a:solidFill>
-              <a:effectLst/>
-              <a:uFillTx/>
-              <a:latin typeface="Calisto MT"/>
-            </a:endParaRPr>
-          </a:p>
-          <a:p>
-            <a:pPr indent="0" defTabSz="914400">
-              <a:lnSpc>
-                <a:spcPct val="110000"/>
-              </a:lnSpc>
-              <a:spcBef>
-                <a:spcPts val="1001"/>
-              </a:spcBef>
-              <a:buNone/>
-            </a:pPr>
-            <a:endParaRPr lang="de-DE" sz="2000" b="0" u="none" strike="noStrike">
-              <a:solidFill>
-                <a:schemeClr val="dk1"/>
-              </a:solidFill>
-              <a:effectLst/>
-              <a:uFillTx/>
-              <a:latin typeface="Calisto MT"/>
-            </a:endParaRPr>
-          </a:p>
-          <a:p>
-            <a:pPr indent="0" defTabSz="914400">
-              <a:lnSpc>
-                <a:spcPct val="110000"/>
-              </a:lnSpc>
-              <a:spcBef>
-                <a:spcPts val="1001"/>
-              </a:spcBef>
-              <a:buNone/>
-            </a:pPr>
-            <a:endParaRPr lang="de-DE" sz="2000" b="0" u="none" strike="noStrike">
-              <a:solidFill>
-                <a:schemeClr val="dk1"/>
-              </a:solidFill>
-              <a:effectLst/>
-              <a:uFillTx/>
-              <a:latin typeface="Calisto MT"/>
-            </a:endParaRPr>
-          </a:p>
-          <a:p>
-            <a:pPr indent="0" defTabSz="914400">
-              <a:lnSpc>
-                <a:spcPct val="110000"/>
-              </a:lnSpc>
-              <a:spcBef>
-                <a:spcPts val="1001"/>
-              </a:spcBef>
-              <a:buNone/>
-            </a:pPr>
-            <a:endParaRPr lang="de-DE" sz="2000" b="0" u="none" strike="noStrike">
-              <a:solidFill>
-                <a:schemeClr val="dk1"/>
-              </a:solidFill>
-              <a:effectLst/>
-              <a:uFillTx/>
-              <a:latin typeface="Calisto MT"/>
-            </a:endParaRPr>
-          </a:p>
-        </p:txBody>
-      </p:sp>
-    </p:spTree>
-  </p:cSld>
-  <p:clrMapOvr>
-    <a:masterClrMapping/>
-  </p:clrMapOvr>
-</p:sld>
-</file>
-
-<file path=ppt/slides/slide24.xml><?xml version="1.0" encoding="utf-8"?>
-<p:sld xmlns:a="http://schemas.openxmlformats.org/drawingml/2006/main" xmlns:r="http://schemas.openxmlformats.org/officeDocument/2006/relationships" xmlns:p="http://schemas.openxmlformats.org/presentationml/2006/main">
-  <p:cSld>
-    <p:bg>
-      <p:bgPr>
-        <a:solidFill>
-          <a:schemeClr val="lt1"/>
-        </a:solidFill>
-        <a:effectLst/>
-      </p:bgPr>
-    </p:bg>
-    <p:spTree>
-      <p:nvGrpSpPr>
-        <p:cNvPr id="1" name=""/>
-        <p:cNvGrpSpPr/>
-        <p:nvPr/>
-      </p:nvGrpSpPr>
-      <p:grpSpPr>
-        <a:xfrm>
-          <a:off x="0" y="0"/>
-          <a:ext cx="0" cy="0"/>
-          <a:chOff x="0" y="0"/>
-          <a:chExt cx="0" cy="0"/>
-        </a:xfrm>
-      </p:grpSpPr>
-      <p:sp useBgFill="1">
-        <p:nvSpPr>
-          <p:cNvPr id="160" name="Rectangle 1">
-            <a:extLst>
-              <a:ext uri="{C183D7F6-B498-43B3-948B-1728B52AA6E4}">
-                <adec:decorative xmlns:adec="http://schemas.microsoft.com/office/drawing/2017/decorative" val="1"/>
-              </a:ext>
-            </a:extLst>
-          </p:cNvPr>
-          <p:cNvSpPr/>
-          <p:nvPr/>
-        </p:nvSpPr>
-        <p:spPr>
-          <a:xfrm>
-            <a:off x="0" y="0"/>
-            <a:ext cx="12191760" cy="6857640"/>
-          </a:xfrm>
-          <a:prstGeom prst="rect">
-            <a:avLst/>
-          </a:prstGeom>
-          <a:ln>
-            <a:noFill/>
-          </a:ln>
-        </p:spPr>
-        <p:style>
-          <a:lnRef idx="2">
-            <a:schemeClr val="accent1">
-              <a:shade val="50000"/>
-            </a:schemeClr>
-          </a:lnRef>
-          <a:fillRef idx="1">
-            <a:schemeClr val="accent1"/>
-          </a:fillRef>
-          <a:effectRef idx="0">
-            <a:schemeClr val="accent1"/>
-          </a:effectRef>
-          <a:fontRef idx="minor"/>
-        </p:style>
-        <p:txBody>
-          <a:bodyPr lIns="90000" tIns="45000" rIns="90000" bIns="45000" anchor="ctr">
-            <a:noAutofit/>
-          </a:bodyPr>
-          <a:lstStyle/>
-          <a:p>
-            <a:endParaRPr lang="en-US" sz="1800" b="0" u="none" strike="noStrike">
-              <a:solidFill>
-                <a:schemeClr val="lt1"/>
-              </a:solidFill>
-              <a:effectLst/>
-              <a:uFillTx/>
-              <a:latin typeface="Calisto MT"/>
-            </a:endParaRPr>
-          </a:p>
-        </p:txBody>
-      </p:sp>
-      <p:sp>
-        <p:nvSpPr>
-          <p:cNvPr id="161" name="PlaceHolder 1"/>
-          <p:cNvSpPr>
-            <a:spLocks noGrp="1"/>
-          </p:cNvSpPr>
-          <p:nvPr>
-            <p:ph type="title"/>
-          </p:nvPr>
-        </p:nvSpPr>
-        <p:spPr>
-          <a:xfrm>
-            <a:off x="704160" y="555840"/>
-            <a:ext cx="4218120" cy="2390400"/>
-          </a:xfrm>
-          <a:prstGeom prst="rect">
-            <a:avLst/>
-          </a:prstGeom>
-          <a:noFill/>
-          <a:ln w="0">
-            <a:noFill/>
-          </a:ln>
-        </p:spPr>
-        <p:txBody>
-          <a:bodyPr lIns="91440" tIns="45720" rIns="91440" bIns="45720" anchor="t">
-            <a:normAutofit/>
-          </a:bodyPr>
-          <a:lstStyle/>
-          <a:p>
-            <a:pPr indent="0" defTabSz="914400">
-              <a:lnSpc>
-                <a:spcPct val="100000"/>
-              </a:lnSpc>
-              <a:buNone/>
-            </a:pPr>
-            <a:r>
-              <a:rPr lang="de-DE" sz="4000" cap="all" spc="31" dirty="0">
-                <a:solidFill>
-                  <a:schemeClr val="dk1"/>
-                </a:solidFill>
-                <a:latin typeface="Univers Condensed"/>
-              </a:rPr>
-              <a:t>10</a:t>
-            </a:r>
-            <a:r>
-              <a:rPr lang="de-DE" sz="4000" b="0" u="none" strike="noStrike" cap="all" spc="31" dirty="0">
-                <a:solidFill>
-                  <a:schemeClr val="dk1"/>
-                </a:solidFill>
-                <a:effectLst/>
-                <a:uFillTx/>
-                <a:latin typeface="Univers Condensed"/>
-              </a:rPr>
-              <a:t>. Erweiterungspotenzial</a:t>
-            </a:r>
-            <a:endParaRPr lang="de-DE" sz="4000" b="0" u="none" strike="noStrike" dirty="0">
-              <a:solidFill>
-                <a:schemeClr val="dk1"/>
-              </a:solidFill>
-              <a:effectLst/>
-              <a:uFillTx/>
-              <a:latin typeface="Calisto MT"/>
-            </a:endParaRPr>
-          </a:p>
-        </p:txBody>
-      </p:sp>
-      <p:cxnSp>
-        <p:nvCxnSpPr>
-          <p:cNvPr id="162" name="Straight Connector 2">
-            <a:extLst>
-              <a:ext uri="{C183D7F6-B498-43B3-948B-1728B52AA6E4}">
-                <adec:decorative xmlns:adec="http://schemas.microsoft.com/office/drawing/2017/decorative" val="1"/>
-              </a:ext>
-            </a:extLst>
-          </p:cNvPr>
-          <p:cNvCxnSpPr/>
-          <p:nvPr/>
-        </p:nvCxnSpPr>
-        <p:spPr>
-          <a:xfrm flipV="1">
-            <a:off x="5254920" y="723600"/>
-            <a:ext cx="360" cy="5450040"/>
-          </a:xfrm>
-          <a:prstGeom prst="straightConnector1">
-            <a:avLst/>
-          </a:prstGeom>
-          <a:ln w="12700">
-            <a:solidFill>
-              <a:srgbClr val="000000"/>
-            </a:solidFill>
-          </a:ln>
-        </p:spPr>
-      </p:cxnSp>
-      <p:sp>
-        <p:nvSpPr>
-          <p:cNvPr id="163" name="PlaceHolder 2"/>
-          <p:cNvSpPr>
-            <a:spLocks noGrp="1"/>
-          </p:cNvSpPr>
-          <p:nvPr>
-            <p:ph/>
-          </p:nvPr>
-        </p:nvSpPr>
-        <p:spPr>
-          <a:xfrm>
-            <a:off x="5576400" y="555840"/>
-            <a:ext cx="5915880" cy="5614200"/>
-          </a:xfrm>
-          <a:prstGeom prst="rect">
-            <a:avLst/>
-          </a:prstGeom>
-          <a:noFill/>
-          <a:ln w="0">
-            <a:noFill/>
-          </a:ln>
-        </p:spPr>
-        <p:txBody>
-          <a:bodyPr lIns="91440" tIns="45720" rIns="91440" bIns="45720" anchor="t">
-            <a:normAutofit/>
-          </a:bodyPr>
-          <a:lstStyle/>
-          <a:p>
-            <a:pPr marL="228600" indent="-228600" defTabSz="914400">
-              <a:lnSpc>
-                <a:spcPct val="110000"/>
-              </a:lnSpc>
-              <a:spcBef>
-                <a:spcPts val="1001"/>
-              </a:spcBef>
-              <a:buClr>
-                <a:srgbClr val="000000"/>
-              </a:buClr>
-              <a:buFont typeface="Arial"/>
-              <a:buChar char="•"/>
-            </a:pPr>
-            <a:r>
-              <a:rPr lang="de-DE" sz="2000" b="0" u="none" strike="noStrike">
-                <a:solidFill>
-                  <a:schemeClr val="dk1"/>
-                </a:solidFill>
-                <a:effectLst/>
-                <a:uFillTx/>
-                <a:latin typeface="Calisto MT"/>
-              </a:rPr>
-              <a:t>Urlaubssystem</a:t>
-            </a:r>
-          </a:p>
-          <a:p>
-            <a:pPr marL="228600" indent="-228600" defTabSz="914400">
-              <a:lnSpc>
-                <a:spcPct val="110000"/>
-              </a:lnSpc>
-              <a:spcBef>
-                <a:spcPts val="1001"/>
-              </a:spcBef>
-              <a:buClr>
-                <a:srgbClr val="000000"/>
-              </a:buClr>
-              <a:buFont typeface="Arial"/>
-              <a:buChar char="•"/>
-            </a:pPr>
-            <a:r>
-              <a:rPr lang="de-DE" sz="2000" b="0" u="none" strike="noStrike">
-                <a:solidFill>
-                  <a:schemeClr val="dk1"/>
-                </a:solidFill>
-                <a:effectLst/>
-                <a:uFillTx/>
-                <a:latin typeface="Calisto MT"/>
-              </a:rPr>
-              <a:t>Unterscheidung ob HO oder vor-Ort</a:t>
-            </a:r>
-          </a:p>
-          <a:p>
-            <a:pPr marL="228600" indent="-228600" defTabSz="914400">
-              <a:lnSpc>
-                <a:spcPct val="110000"/>
-              </a:lnSpc>
-              <a:spcBef>
-                <a:spcPts val="1001"/>
-              </a:spcBef>
-              <a:buClr>
-                <a:srgbClr val="000000"/>
-              </a:buClr>
-              <a:buFont typeface="Arial"/>
-              <a:buChar char="•"/>
-            </a:pPr>
-            <a:r>
-              <a:rPr lang="de-DE" sz="2000" b="0" u="none" strike="noStrike">
-                <a:solidFill>
-                  <a:schemeClr val="dk1"/>
-                </a:solidFill>
-                <a:effectLst/>
-                <a:uFillTx/>
-                <a:latin typeface="Calisto MT"/>
-              </a:rPr>
-              <a:t>2FA Anmeldung</a:t>
-            </a:r>
-          </a:p>
-          <a:p>
-            <a:pPr marL="228600" indent="-228600" defTabSz="914400">
-              <a:lnSpc>
-                <a:spcPct val="110000"/>
-              </a:lnSpc>
-              <a:spcBef>
-                <a:spcPts val="1001"/>
-              </a:spcBef>
-              <a:buClr>
-                <a:srgbClr val="000000"/>
-              </a:buClr>
-              <a:buFont typeface="Arial"/>
-              <a:buChar char="•"/>
-            </a:pPr>
-            <a:r>
-              <a:rPr lang="de-DE" sz="2000" b="0" u="none" strike="noStrike">
-                <a:solidFill>
-                  <a:schemeClr val="dk1"/>
-                </a:solidFill>
-                <a:effectLst/>
-                <a:uFillTx/>
-                <a:latin typeface="Calisto MT"/>
-              </a:rPr>
-              <a:t>Implementierung einer Exportfunktion</a:t>
-            </a:r>
-          </a:p>
-          <a:p>
-            <a:pPr marL="228600" indent="-228600" defTabSz="914400">
-              <a:lnSpc>
-                <a:spcPct val="110000"/>
-              </a:lnSpc>
-              <a:spcBef>
-                <a:spcPts val="1001"/>
-              </a:spcBef>
-              <a:buClr>
-                <a:srgbClr val="000000"/>
-              </a:buClr>
-              <a:buFont typeface="Arial"/>
-              <a:buChar char="•"/>
-            </a:pPr>
-            <a:r>
-              <a:rPr lang="de-DE" sz="2000" b="0" u="none" strike="noStrike">
-                <a:solidFill>
-                  <a:schemeClr val="dk1"/>
-                </a:solidFill>
-                <a:effectLst/>
-                <a:uFillTx/>
-                <a:latin typeface="Calisto MT"/>
-              </a:rPr>
-              <a:t>Integration in ein Docker Image für die einfachere Bereitstellung</a:t>
-            </a:r>
-          </a:p>
-          <a:p>
-            <a:pPr indent="0" defTabSz="914400">
-              <a:lnSpc>
-                <a:spcPct val="110000"/>
-              </a:lnSpc>
-              <a:spcBef>
-                <a:spcPts val="1001"/>
-              </a:spcBef>
-              <a:buNone/>
-            </a:pPr>
-            <a:endParaRPr lang="de-DE" sz="2000" b="0" u="none" strike="noStrike">
-              <a:solidFill>
-                <a:schemeClr val="dk1"/>
-              </a:solidFill>
-              <a:effectLst/>
-              <a:uFillTx/>
-              <a:latin typeface="Calisto MT"/>
-            </a:endParaRPr>
-          </a:p>
-          <a:p>
-            <a:pPr indent="0" defTabSz="914400">
-              <a:lnSpc>
-                <a:spcPct val="110000"/>
-              </a:lnSpc>
-              <a:spcBef>
-                <a:spcPts val="1001"/>
-              </a:spcBef>
-              <a:buNone/>
-            </a:pPr>
-            <a:endParaRPr lang="de-DE" sz="2000" b="0" u="none" strike="noStrike">
-              <a:solidFill>
-                <a:schemeClr val="dk1"/>
-              </a:solidFill>
-              <a:effectLst/>
-              <a:uFillTx/>
-              <a:latin typeface="Calisto MT"/>
-            </a:endParaRPr>
-          </a:p>
-          <a:p>
-            <a:pPr indent="0" defTabSz="914400">
-              <a:lnSpc>
-                <a:spcPct val="110000"/>
-              </a:lnSpc>
-              <a:spcBef>
-                <a:spcPts val="1001"/>
-              </a:spcBef>
-              <a:buNone/>
-            </a:pPr>
-            <a:endParaRPr lang="de-DE" sz="2000" b="0" u="none" strike="noStrike">
-              <a:solidFill>
-                <a:schemeClr val="dk1"/>
-              </a:solidFill>
-              <a:effectLst/>
-              <a:uFillTx/>
-              <a:latin typeface="Calisto MT"/>
-            </a:endParaRPr>
-          </a:p>
-          <a:p>
-            <a:pPr indent="0" defTabSz="914400">
-              <a:lnSpc>
-                <a:spcPct val="110000"/>
-              </a:lnSpc>
-              <a:spcBef>
-                <a:spcPts val="1001"/>
-              </a:spcBef>
-              <a:buNone/>
-            </a:pPr>
-            <a:endParaRPr lang="de-DE" sz="2000" b="0" u="none" strike="noStrike">
-              <a:solidFill>
-                <a:schemeClr val="dk1"/>
-              </a:solidFill>
-              <a:effectLst/>
-              <a:uFillTx/>
-              <a:latin typeface="Calisto MT"/>
-            </a:endParaRPr>
-          </a:p>
-        </p:txBody>
-      </p:sp>
-    </p:spTree>
-  </p:cSld>
-  <p:clrMapOvr>
-    <a:masterClrMapping/>
-  </p:clrMapOvr>
-</p:sld>
-</file>
-
-<file path=ppt/slides/slide25.xml><?xml version="1.0" encoding="utf-8"?>
 <p:sld xmlns:a="http://schemas.openxmlformats.org/drawingml/2006/main" xmlns:r="http://schemas.openxmlformats.org/officeDocument/2006/relationships" xmlns:p="http://schemas.openxmlformats.org/presentationml/2006/main">
   <p:cSld>
     <p:bg>
@@ -19741,7 +18164,7 @@
 </p:sld>
 </file>
 
-<file path=ppt/slides/slide26.xml><?xml version="1.0" encoding="utf-8"?>
+<file path=ppt/slides/slide24.xml><?xml version="1.0" encoding="utf-8"?>
 <p:sld xmlns:a="http://schemas.openxmlformats.org/drawingml/2006/main" xmlns:r="http://schemas.openxmlformats.org/officeDocument/2006/relationships" xmlns:p="http://schemas.openxmlformats.org/presentationml/2006/main">
   <p:cSld>
     <p:bg>
@@ -20541,6 +18964,210 @@
 </file>
 
 <file path=ppt/slides/slide5.xml><?xml version="1.0" encoding="utf-8"?>
+<p:sld xmlns:a="http://schemas.openxmlformats.org/drawingml/2006/main" xmlns:r="http://schemas.openxmlformats.org/officeDocument/2006/relationships" xmlns:p="http://schemas.openxmlformats.org/presentationml/2006/main">
+  <p:cSld>
+    <p:spTree>
+      <p:nvGrpSpPr>
+        <p:cNvPr id="1" name=""/>
+        <p:cNvGrpSpPr/>
+        <p:nvPr/>
+      </p:nvGrpSpPr>
+      <p:grpSpPr>
+        <a:xfrm>
+          <a:off x="0" y="0"/>
+          <a:ext cx="0" cy="0"/>
+          <a:chOff x="0" y="0"/>
+          <a:chExt cx="0" cy="0"/>
+        </a:xfrm>
+      </p:grpSpPr>
+      <p:pic>
+        <p:nvPicPr>
+          <p:cNvPr id="4" name="Grafik 3">
+            <a:extLst>
+              <a:ext uri="{FF2B5EF4-FFF2-40B4-BE49-F238E27FC236}">
+                <a16:creationId xmlns:a16="http://schemas.microsoft.com/office/drawing/2014/main" id="{439AC6DB-CEBB-8DBC-643A-5D0C743BDD81}"/>
+              </a:ext>
+            </a:extLst>
+          </p:cNvPr>
+          <p:cNvPicPr>
+            <a:picLocks noChangeAspect="1"/>
+          </p:cNvPicPr>
+          <p:nvPr/>
+        </p:nvPicPr>
+        <p:blipFill>
+          <a:blip r:embed="rId2"/>
+          <a:stretch>
+            <a:fillRect/>
+          </a:stretch>
+        </p:blipFill>
+        <p:spPr>
+          <a:xfrm>
+            <a:off x="437324" y="1411586"/>
+            <a:ext cx="6186055" cy="4698269"/>
+          </a:xfrm>
+          <a:prstGeom prst="rect">
+            <a:avLst/>
+          </a:prstGeom>
+        </p:spPr>
+      </p:pic>
+      <p:sp>
+        <p:nvSpPr>
+          <p:cNvPr id="2" name="Titel 1">
+            <a:extLst>
+              <a:ext uri="{FF2B5EF4-FFF2-40B4-BE49-F238E27FC236}">
+                <a16:creationId xmlns:a16="http://schemas.microsoft.com/office/drawing/2014/main" id="{4F1C90F9-F5C5-2DB6-3BC6-471385CB3A7A}"/>
+              </a:ext>
+            </a:extLst>
+          </p:cNvPr>
+          <p:cNvSpPr>
+            <a:spLocks noGrp="1"/>
+          </p:cNvSpPr>
+          <p:nvPr>
+            <p:ph type="title"/>
+          </p:nvPr>
+        </p:nvSpPr>
+        <p:spPr/>
+        <p:txBody>
+          <a:bodyPr/>
+          <a:lstStyle/>
+          <a:p>
+            <a:r>
+              <a:rPr lang="de-DE" dirty="0"/>
+              <a:t>Projektorganisation – Vorgehensmodell</a:t>
+            </a:r>
+          </a:p>
+        </p:txBody>
+      </p:sp>
+      <p:sp>
+        <p:nvSpPr>
+          <p:cNvPr id="9" name="Textfeld 8">
+            <a:extLst>
+              <a:ext uri="{FF2B5EF4-FFF2-40B4-BE49-F238E27FC236}">
+                <a16:creationId xmlns:a16="http://schemas.microsoft.com/office/drawing/2014/main" id="{6E59F1B3-D430-405C-5DD8-25B4ECA677AB}"/>
+              </a:ext>
+            </a:extLst>
+          </p:cNvPr>
+          <p:cNvSpPr txBox="1"/>
+          <p:nvPr/>
+        </p:nvSpPr>
+        <p:spPr>
+          <a:xfrm>
+            <a:off x="6623379" y="2702670"/>
+            <a:ext cx="4885150" cy="1200329"/>
+          </a:xfrm>
+          <a:prstGeom prst="rect">
+            <a:avLst/>
+          </a:prstGeom>
+          <a:noFill/>
+        </p:spPr>
+        <p:txBody>
+          <a:bodyPr wrap="square" rtlCol="0">
+            <a:spAutoFit/>
+          </a:bodyPr>
+          <a:lstStyle/>
+          <a:p>
+            <a:r>
+              <a:rPr lang="de-DE" dirty="0"/>
+              <a:t>Da die Anforderungen, bis auf die gegebenen, unklar waren und der Lösungsansatz ebenfalls unklar, haben wir uns für ein agiles Modell entschieden.</a:t>
+            </a:r>
+          </a:p>
+        </p:txBody>
+      </p:sp>
+      <p:sp>
+        <p:nvSpPr>
+          <p:cNvPr id="10" name="Textfeld 9">
+            <a:extLst>
+              <a:ext uri="{FF2B5EF4-FFF2-40B4-BE49-F238E27FC236}">
+                <a16:creationId xmlns:a16="http://schemas.microsoft.com/office/drawing/2014/main" id="{8D02748C-06A4-49BC-74F7-4BC342647816}"/>
+              </a:ext>
+            </a:extLst>
+          </p:cNvPr>
+          <p:cNvSpPr txBox="1"/>
+          <p:nvPr/>
+        </p:nvSpPr>
+        <p:spPr>
+          <a:xfrm>
+            <a:off x="6726477" y="4384110"/>
+            <a:ext cx="4527217" cy="369332"/>
+          </a:xfrm>
+          <a:prstGeom prst="rect">
+            <a:avLst/>
+          </a:prstGeom>
+          <a:noFill/>
+        </p:spPr>
+        <p:txBody>
+          <a:bodyPr wrap="square" rtlCol="0">
+            <a:spAutoFit/>
+          </a:bodyPr>
+          <a:lstStyle/>
+          <a:p>
+            <a:r>
+              <a:rPr lang="de-DE" dirty="0"/>
+              <a:t>Gewähltes agiles Modell: </a:t>
+            </a:r>
+            <a:r>
+              <a:rPr lang="de-DE" b="1" dirty="0" err="1"/>
+              <a:t>Scrum</a:t>
+            </a:r>
+            <a:endParaRPr lang="de-DE" b="1" dirty="0"/>
+          </a:p>
+        </p:txBody>
+      </p:sp>
+      <p:sp>
+        <p:nvSpPr>
+          <p:cNvPr id="11" name="Textfeld 10">
+            <a:extLst>
+              <a:ext uri="{FF2B5EF4-FFF2-40B4-BE49-F238E27FC236}">
+                <a16:creationId xmlns:a16="http://schemas.microsoft.com/office/drawing/2014/main" id="{DF975C72-F99D-896A-73FC-D56305F31ECE}"/>
+              </a:ext>
+            </a:extLst>
+          </p:cNvPr>
+          <p:cNvSpPr txBox="1"/>
+          <p:nvPr/>
+        </p:nvSpPr>
+        <p:spPr>
+          <a:xfrm>
+            <a:off x="851770" y="6275540"/>
+            <a:ext cx="9895562" cy="215444"/>
+          </a:xfrm>
+          <a:prstGeom prst="rect">
+            <a:avLst/>
+          </a:prstGeom>
+          <a:noFill/>
+        </p:spPr>
+        <p:txBody>
+          <a:bodyPr wrap="square" rtlCol="0">
+            <a:spAutoFit/>
+          </a:bodyPr>
+          <a:lstStyle/>
+          <a:p>
+            <a:r>
+              <a:rPr lang="de-DE" sz="800" dirty="0">
+                <a:solidFill>
+                  <a:schemeClr val="bg1">
+                    <a:lumMod val="50000"/>
+                  </a:schemeClr>
+                </a:solidFill>
+              </a:rPr>
+              <a:t>Quelle: Projektmanagement – Foliensatz 1, S. 19</a:t>
+            </a:r>
+          </a:p>
+        </p:txBody>
+      </p:sp>
+    </p:spTree>
+    <p:extLst>
+      <p:ext uri="{BB962C8B-B14F-4D97-AF65-F5344CB8AC3E}">
+        <p14:creationId xmlns:p14="http://schemas.microsoft.com/office/powerpoint/2010/main" val="1901274798"/>
+      </p:ext>
+    </p:extLst>
+  </p:cSld>
+  <p:clrMapOvr>
+    <a:masterClrMapping/>
+  </p:clrMapOvr>
+</p:sld>
+</file>
+
+<file path=ppt/slides/slide6.xml><?xml version="1.0" encoding="utf-8"?>
 <p:sld xmlns:a="http://schemas.openxmlformats.org/drawingml/2006/main" xmlns:r="http://schemas.openxmlformats.org/officeDocument/2006/relationships" xmlns:p="http://schemas.openxmlformats.org/presentationml/2006/main">
   <p:cSld>
     <p:spTree>
@@ -21773,7 +20400,7 @@
 </p:sld>
 </file>
 
-<file path=ppt/slides/slide6.xml><?xml version="1.0" encoding="utf-8"?>
+<file path=ppt/slides/slide7.xml><?xml version="1.0" encoding="utf-8"?>
 <p:sld xmlns:a="http://schemas.openxmlformats.org/drawingml/2006/main" xmlns:r="http://schemas.openxmlformats.org/officeDocument/2006/relationships" xmlns:p="http://schemas.openxmlformats.org/presentationml/2006/main">
   <p:cSld>
     <p:spTree>
@@ -23055,7 +21682,7 @@
 </p:sld>
 </file>
 
-<file path=ppt/slides/slide7.xml><?xml version="1.0" encoding="utf-8"?>
+<file path=ppt/slides/slide8.xml><?xml version="1.0" encoding="utf-8"?>
 <p:sld xmlns:a="http://schemas.openxmlformats.org/drawingml/2006/main" xmlns:r="http://schemas.openxmlformats.org/officeDocument/2006/relationships" xmlns:p="http://schemas.openxmlformats.org/presentationml/2006/main">
   <p:cSld>
     <p:spTree>
@@ -23141,8 +21768,8 @@
         </p:nvSpPr>
         <p:spPr>
           <a:xfrm>
-            <a:off x="700560" y="1800000"/>
-            <a:ext cx="10690920" cy="4161600"/>
+            <a:off x="700560" y="2221560"/>
+            <a:ext cx="10690920" cy="3740040"/>
           </a:xfrm>
           <a:prstGeom prst="rect">
             <a:avLst/>
@@ -23158,7 +21785,7 @@
           </a:bodyPr>
           <a:lstStyle/>
           <a:p>
-            <a:pPr indent="0" defTabSz="914400">
+            <a:pPr indent="0" algn="ctr" defTabSz="914400">
               <a:lnSpc>
                 <a:spcPct val="110000"/>
               </a:lnSpc>
@@ -23171,7 +21798,7 @@
               </a:tabLst>
             </a:pPr>
             <a:r>
-              <a:rPr lang="de-DE" sz="2000" b="0" u="none" strike="noStrike">
+              <a:rPr lang="de-DE" sz="2600" b="1" u="none" strike="noStrike" dirty="0">
                 <a:solidFill>
                   <a:schemeClr val="dk1"/>
                 </a:solidFill>
@@ -23179,7 +21806,7 @@
                 <a:uFillTx/>
                 <a:latin typeface="Calisto MT"/>
               </a:rPr>
-              <a:t>Überlegungen:</a:t>
+              <a:t>Überlegungen</a:t>
             </a:r>
           </a:p>
           <a:p>
@@ -23195,7 +21822,7 @@
                 <a:tab pos="0" algn="l"/>
               </a:tabLst>
             </a:pPr>
-            <a:endParaRPr lang="de-DE" sz="2000" b="0" u="none" strike="noStrike">
+            <a:endParaRPr lang="de-DE" sz="2000" b="0" u="none" strike="noStrike" dirty="0">
               <a:solidFill>
                 <a:schemeClr val="dk1"/>
               </a:solidFill>
@@ -23205,20 +21832,21 @@
             </a:endParaRPr>
           </a:p>
           <a:p>
-            <a:pPr indent="0" defTabSz="914400">
+            <a:pPr marL="342900" indent="-342900" defTabSz="914400">
               <a:lnSpc>
                 <a:spcPct val="110000"/>
               </a:lnSpc>
               <a:spcBef>
                 <a:spcPts val="1001"/>
               </a:spcBef>
-              <a:buNone/>
+              <a:buFont typeface="Arial" panose="020B0604020202020204" pitchFamily="34" charset="0"/>
+              <a:buChar char="•"/>
               <a:tabLst>
                 <a:tab pos="0" algn="l"/>
               </a:tabLst>
             </a:pPr>
             <a:r>
-              <a:rPr lang="de-DE" sz="2000" b="0" u="none" strike="noStrike">
+              <a:rPr lang="de-DE" sz="2000" b="0" u="none" strike="noStrike" dirty="0">
                 <a:solidFill>
                   <a:schemeClr val="dk1"/>
                 </a:solidFill>
@@ -23226,46 +21854,25 @@
                 <a:uFillTx/>
                 <a:latin typeface="Calisto MT"/>
               </a:rPr>
-              <a:t>- Übersichtlich</a:t>
+              <a:t>Übersichtlich</a:t>
             </a:r>
           </a:p>
           <a:p>
-            <a:pPr indent="0" defTabSz="914400">
+            <a:pPr marL="342900" indent="-342900" defTabSz="914400">
               <a:lnSpc>
                 <a:spcPct val="110000"/>
               </a:lnSpc>
               <a:spcBef>
                 <a:spcPts val="1001"/>
               </a:spcBef>
-              <a:buNone/>
+              <a:buFont typeface="Arial" panose="020B0604020202020204" pitchFamily="34" charset="0"/>
+              <a:buChar char="•"/>
               <a:tabLst>
                 <a:tab pos="0" algn="l"/>
               </a:tabLst>
             </a:pPr>
-            <a:endParaRPr lang="de-DE" sz="2000" b="0" u="none" strike="noStrike">
-              <a:solidFill>
-                <a:schemeClr val="dk1"/>
-              </a:solidFill>
-              <a:effectLst/>
-              <a:uFillTx/>
-              <a:latin typeface="Calisto MT"/>
-            </a:endParaRPr>
-          </a:p>
-          <a:p>
-            <a:pPr indent="0" defTabSz="914400">
-              <a:lnSpc>
-                <a:spcPct val="110000"/>
-              </a:lnSpc>
-              <a:spcBef>
-                <a:spcPts val="1001"/>
-              </a:spcBef>
-              <a:buNone/>
-              <a:tabLst>
-                <a:tab pos="0" algn="l"/>
-              </a:tabLst>
-            </a:pPr>
             <a:r>
-              <a:rPr lang="de-DE" sz="2000" b="0" u="none" strike="noStrike">
+              <a:rPr lang="de-DE" sz="2000" b="0" u="none" strike="noStrike" dirty="0">
                 <a:solidFill>
                   <a:schemeClr val="dk1"/>
                 </a:solidFill>
@@ -23273,46 +21880,25 @@
                 <a:uFillTx/>
                 <a:latin typeface="Calisto MT"/>
               </a:rPr>
-              <a:t>- Einfach zu Bedienen</a:t>
+              <a:t>Einfach zu Bedienen</a:t>
             </a:r>
           </a:p>
           <a:p>
-            <a:pPr indent="0" defTabSz="914400">
+            <a:pPr marL="342900" indent="-342900" defTabSz="914400">
               <a:lnSpc>
                 <a:spcPct val="110000"/>
               </a:lnSpc>
               <a:spcBef>
                 <a:spcPts val="1001"/>
               </a:spcBef>
-              <a:buNone/>
+              <a:buFont typeface="Arial" panose="020B0604020202020204" pitchFamily="34" charset="0"/>
+              <a:buChar char="•"/>
               <a:tabLst>
                 <a:tab pos="0" algn="l"/>
               </a:tabLst>
             </a:pPr>
-            <a:endParaRPr lang="de-DE" sz="2000" b="0" u="none" strike="noStrike">
-              <a:solidFill>
-                <a:schemeClr val="dk1"/>
-              </a:solidFill>
-              <a:effectLst/>
-              <a:uFillTx/>
-              <a:latin typeface="Calisto MT"/>
-            </a:endParaRPr>
-          </a:p>
-          <a:p>
-            <a:pPr indent="0" defTabSz="914400">
-              <a:lnSpc>
-                <a:spcPct val="110000"/>
-              </a:lnSpc>
-              <a:spcBef>
-                <a:spcPts val="1001"/>
-              </a:spcBef>
-              <a:buNone/>
-              <a:tabLst>
-                <a:tab pos="0" algn="l"/>
-              </a:tabLst>
-            </a:pPr>
             <a:r>
-              <a:rPr lang="de-DE" sz="2000" b="0" u="none" strike="noStrike">
+              <a:rPr lang="de-DE" sz="2000" b="0" u="none" strike="noStrike" dirty="0">
                 <a:solidFill>
                   <a:schemeClr val="dk1"/>
                 </a:solidFill>
@@ -23320,24 +21906,25 @@
                 <a:uFillTx/>
                 <a:latin typeface="Calisto MT"/>
               </a:rPr>
-              <a:t>- Wichtigste Funktionen leicht erreichbar – Logout und Benachrichtigungen</a:t>
+              <a:t>Wichtigste Funktionen leicht erreichbar – Logout und Benachrichtigungen</a:t>
             </a:r>
           </a:p>
           <a:p>
-            <a:pPr indent="0" defTabSz="914400">
+            <a:pPr marL="342900" indent="-342900" defTabSz="914400">
               <a:lnSpc>
                 <a:spcPct val="110000"/>
               </a:lnSpc>
               <a:spcBef>
                 <a:spcPts val="1001"/>
               </a:spcBef>
-              <a:buNone/>
+              <a:buFont typeface="Arial" panose="020B0604020202020204" pitchFamily="34" charset="0"/>
+              <a:buChar char="•"/>
               <a:tabLst>
                 <a:tab pos="0" algn="l"/>
               </a:tabLst>
             </a:pPr>
             <a:r>
-              <a:rPr lang="de-DE" sz="2000" b="0" u="none" strike="noStrike">
+              <a:rPr lang="de-DE" sz="2000" b="0" u="none" strike="noStrike" dirty="0">
                 <a:solidFill>
                   <a:schemeClr val="dk1"/>
                 </a:solidFill>
@@ -23345,46 +21932,25 @@
                 <a:uFillTx/>
                 <a:latin typeface="Calisto MT"/>
               </a:rPr>
-              <a:t>  sowie die Zeitübersicht und Kommen/ Gehen Buttons</a:t>
+              <a:t>sowie die Zeitübersicht und Kommen/ Gehen Buttons</a:t>
             </a:r>
           </a:p>
           <a:p>
-            <a:pPr indent="0" defTabSz="914400">
+            <a:pPr marL="342900" indent="-342900" defTabSz="914400">
               <a:lnSpc>
                 <a:spcPct val="110000"/>
               </a:lnSpc>
               <a:spcBef>
                 <a:spcPts val="1001"/>
               </a:spcBef>
-              <a:buNone/>
+              <a:buFont typeface="Arial" panose="020B0604020202020204" pitchFamily="34" charset="0"/>
+              <a:buChar char="•"/>
               <a:tabLst>
                 <a:tab pos="0" algn="l"/>
               </a:tabLst>
             </a:pPr>
-            <a:endParaRPr lang="de-DE" sz="2000" b="0" u="none" strike="noStrike">
-              <a:solidFill>
-                <a:schemeClr val="dk1"/>
-              </a:solidFill>
-              <a:effectLst/>
-              <a:uFillTx/>
-              <a:latin typeface="Calisto MT"/>
-            </a:endParaRPr>
-          </a:p>
-          <a:p>
-            <a:pPr indent="0" defTabSz="914400">
-              <a:lnSpc>
-                <a:spcPct val="110000"/>
-              </a:lnSpc>
-              <a:spcBef>
-                <a:spcPts val="1001"/>
-              </a:spcBef>
-              <a:buNone/>
-              <a:tabLst>
-                <a:tab pos="0" algn="l"/>
-              </a:tabLst>
-            </a:pPr>
             <a:r>
-              <a:rPr lang="de-DE" sz="2000" b="0" u="none" strike="noStrike">
+              <a:rPr lang="de-DE" sz="2000" b="0" u="none" strike="noStrike" dirty="0">
                 <a:solidFill>
                   <a:schemeClr val="dk1"/>
                 </a:solidFill>
@@ -23392,7 +21958,7 @@
                 <a:uFillTx/>
                 <a:latin typeface="Calisto MT"/>
               </a:rPr>
-              <a:t>- Hamburger Menü für Spracheinstellungen und Passwortänderung</a:t>
+              <a:t>Hamburger Menü für Spracheinstellungen und Passwortänderung</a:t>
             </a:r>
           </a:p>
         </p:txBody>
@@ -23405,12 +21971,18 @@
 </p:sld>
 </file>
 
-<file path=ppt/slides/slide8.xml><?xml version="1.0" encoding="utf-8"?>
+<file path=ppt/slides/slide9.xml><?xml version="1.0" encoding="utf-8"?>
 <p:sld xmlns:a="http://schemas.openxmlformats.org/drawingml/2006/main" xmlns:r="http://schemas.openxmlformats.org/officeDocument/2006/relationships" xmlns:p="http://schemas.openxmlformats.org/presentationml/2006/main">
   <p:cSld>
     <p:spTree>
       <p:nvGrpSpPr>
-        <p:cNvPr id="1" name=""/>
+        <p:cNvPr id="1" name="">
+          <a:extLst>
+            <a:ext uri="{FF2B5EF4-FFF2-40B4-BE49-F238E27FC236}">
+              <a16:creationId xmlns:a16="http://schemas.microsoft.com/office/drawing/2014/main" id="{2E204368-4EEA-BFF2-5E01-7AF01049572F}"/>
+            </a:ext>
+          </a:extLst>
+        </p:cNvPr>
         <p:cNvGrpSpPr/>
         <p:nvPr/>
       </p:nvGrpSpPr>
@@ -23422,9 +21994,196 @@
           <a:chExt cx="0" cy="0"/>
         </a:xfrm>
       </p:grpSpPr>
+      <p:pic>
+        <p:nvPicPr>
+          <p:cNvPr id="104" name="Grafik 103">
+            <a:extLst>
+              <a:ext uri="{FF2B5EF4-FFF2-40B4-BE49-F238E27FC236}">
+                <a16:creationId xmlns:a16="http://schemas.microsoft.com/office/drawing/2014/main" id="{04C86AA6-B18D-2338-629A-86F54A987B3F}"/>
+              </a:ext>
+            </a:extLst>
+          </p:cNvPr>
+          <p:cNvPicPr/>
+          <p:nvPr/>
+        </p:nvPicPr>
+        <p:blipFill>
+          <a:blip r:embed="rId2"/>
+          <a:srcRect l="124" t="4413" r="847"/>
+          <a:stretch/>
+        </p:blipFill>
+        <p:spPr>
+          <a:xfrm>
+            <a:off x="5760540" y="1800000"/>
+            <a:ext cx="5711040" cy="3897000"/>
+          </a:xfrm>
+          <a:prstGeom prst="rect">
+            <a:avLst/>
+          </a:prstGeom>
+          <a:noFill/>
+          <a:ln w="0">
+            <a:noFill/>
+          </a:ln>
+        </p:spPr>
+      </p:pic>
+      <p:pic>
+        <p:nvPicPr>
+          <p:cNvPr id="3" name="Grafik 2">
+            <a:extLst>
+              <a:ext uri="{FF2B5EF4-FFF2-40B4-BE49-F238E27FC236}">
+                <a16:creationId xmlns:a16="http://schemas.microsoft.com/office/drawing/2014/main" id="{668D3170-F0A0-E5CF-0000-3F263985B2AC}"/>
+              </a:ext>
+            </a:extLst>
+          </p:cNvPr>
+          <p:cNvPicPr/>
+          <p:nvPr/>
+        </p:nvPicPr>
+        <p:blipFill>
+          <a:blip r:embed="rId3"/>
+          <a:stretch/>
+        </p:blipFill>
+        <p:spPr>
+          <a:xfrm>
+            <a:off x="5760000" y="1800000"/>
+            <a:ext cx="5760000" cy="4071960"/>
+          </a:xfrm>
+          <a:prstGeom prst="rect">
+            <a:avLst/>
+          </a:prstGeom>
+          <a:noFill/>
+          <a:ln w="0">
+            <a:noFill/>
+          </a:ln>
+        </p:spPr>
+      </p:pic>
+      <p:pic>
+        <p:nvPicPr>
+          <p:cNvPr id="5" name="Grafik 4">
+            <a:extLst>
+              <a:ext uri="{FF2B5EF4-FFF2-40B4-BE49-F238E27FC236}">
+                <a16:creationId xmlns:a16="http://schemas.microsoft.com/office/drawing/2014/main" id="{DF2492FE-ADA7-EDA9-0D26-AA69DDC5E2B2}"/>
+              </a:ext>
+            </a:extLst>
+          </p:cNvPr>
+          <p:cNvPicPr/>
+          <p:nvPr/>
+        </p:nvPicPr>
+        <p:blipFill>
+          <a:blip r:embed="rId4"/>
+          <a:stretch/>
+        </p:blipFill>
+        <p:spPr>
+          <a:xfrm>
+            <a:off x="5760000" y="1800000"/>
+            <a:ext cx="5712120" cy="4038120"/>
+          </a:xfrm>
+          <a:prstGeom prst="rect">
+            <a:avLst/>
+          </a:prstGeom>
+          <a:noFill/>
+          <a:ln w="0">
+            <a:noFill/>
+          </a:ln>
+        </p:spPr>
+      </p:pic>
+      <p:pic>
+        <p:nvPicPr>
+          <p:cNvPr id="7" name="Grafik 6">
+            <a:extLst>
+              <a:ext uri="{FF2B5EF4-FFF2-40B4-BE49-F238E27FC236}">
+                <a16:creationId xmlns:a16="http://schemas.microsoft.com/office/drawing/2014/main" id="{0EFDBF9A-BF5D-071F-6B93-1E0EC33489AE}"/>
+              </a:ext>
+            </a:extLst>
+          </p:cNvPr>
+          <p:cNvPicPr/>
+          <p:nvPr/>
+        </p:nvPicPr>
+        <p:blipFill>
+          <a:blip r:embed="rId5"/>
+          <a:stretch/>
+        </p:blipFill>
+        <p:spPr>
+          <a:xfrm>
+            <a:off x="5760000" y="1800000"/>
+            <a:ext cx="5712120" cy="4038120"/>
+          </a:xfrm>
+          <a:prstGeom prst="rect">
+            <a:avLst/>
+          </a:prstGeom>
+          <a:noFill/>
+          <a:ln w="0">
+            <a:noFill/>
+          </a:ln>
+        </p:spPr>
+      </p:pic>
+      <p:pic>
+        <p:nvPicPr>
+          <p:cNvPr id="9" name="Grafik 8">
+            <a:extLst>
+              <a:ext uri="{FF2B5EF4-FFF2-40B4-BE49-F238E27FC236}">
+                <a16:creationId xmlns:a16="http://schemas.microsoft.com/office/drawing/2014/main" id="{D4A3E3B4-6357-4B1C-CE8C-77FC27D26B34}"/>
+              </a:ext>
+            </a:extLst>
+          </p:cNvPr>
+          <p:cNvPicPr/>
+          <p:nvPr/>
+        </p:nvPicPr>
+        <p:blipFill>
+          <a:blip r:embed="rId6"/>
+          <a:stretch/>
+        </p:blipFill>
+        <p:spPr>
+          <a:xfrm>
+            <a:off x="5760000" y="1800000"/>
+            <a:ext cx="5759640" cy="4071960"/>
+          </a:xfrm>
+          <a:prstGeom prst="rect">
+            <a:avLst/>
+          </a:prstGeom>
+          <a:noFill/>
+          <a:ln w="0">
+            <a:noFill/>
+          </a:ln>
+        </p:spPr>
+      </p:pic>
+      <p:pic>
+        <p:nvPicPr>
+          <p:cNvPr id="13" name="Grafik 12">
+            <a:extLst>
+              <a:ext uri="{FF2B5EF4-FFF2-40B4-BE49-F238E27FC236}">
+                <a16:creationId xmlns:a16="http://schemas.microsoft.com/office/drawing/2014/main" id="{46BCE7C9-3456-ED5B-3200-55B31BC72E0F}"/>
+              </a:ext>
+            </a:extLst>
+          </p:cNvPr>
+          <p:cNvPicPr/>
+          <p:nvPr/>
+        </p:nvPicPr>
+        <p:blipFill>
+          <a:blip r:embed="rId7"/>
+          <a:stretch/>
+        </p:blipFill>
+        <p:spPr>
+          <a:xfrm>
+            <a:off x="5760000" y="1800000"/>
+            <a:ext cx="5759640" cy="4071960"/>
+          </a:xfrm>
+          <a:prstGeom prst="rect">
+            <a:avLst/>
+          </a:prstGeom>
+          <a:noFill/>
+          <a:ln w="0">
+            <a:noFill/>
+          </a:ln>
+        </p:spPr>
+      </p:pic>
       <p:sp>
         <p:nvSpPr>
-          <p:cNvPr id="102" name="PlaceHolder 1"/>
+          <p:cNvPr id="102" name="PlaceHolder 1">
+            <a:extLst>
+              <a:ext uri="{FF2B5EF4-FFF2-40B4-BE49-F238E27FC236}">
+                <a16:creationId xmlns:a16="http://schemas.microsoft.com/office/drawing/2014/main" id="{D34D1FBD-0A53-0962-36F0-9E5F21819121}"/>
+              </a:ext>
+            </a:extLst>
+          </p:cNvPr>
           <p:cNvSpPr>
             <a:spLocks noGrp="1"/>
           </p:cNvSpPr>
@@ -23458,7 +22217,7 @@
               <a:buNone/>
             </a:pPr>
             <a:r>
-              <a:rPr lang="de-DE" sz="4000" b="0" u="none" strike="noStrike" cap="all" spc="31">
+              <a:rPr lang="de-DE" sz="4000" b="0" u="none" strike="noStrike" cap="all" spc="31" dirty="0">
                 <a:solidFill>
                   <a:schemeClr val="dk1"/>
                 </a:solidFill>
@@ -23468,7 +22227,7 @@
               </a:rPr>
               <a:t>2. Projektorganisation - Wireframes</a:t>
             </a:r>
-            <a:endParaRPr lang="de-DE" sz="4000" b="0" u="none" strike="noStrike">
+            <a:endParaRPr lang="de-DE" sz="4000" b="0" u="none" strike="noStrike" dirty="0">
               <a:solidFill>
                 <a:schemeClr val="dk1"/>
               </a:solidFill>
@@ -23481,7 +22240,13 @@
       </p:sp>
       <p:sp>
         <p:nvSpPr>
-          <p:cNvPr id="103" name="PlaceHolder 2"/>
+          <p:cNvPr id="103" name="PlaceHolder 2">
+            <a:extLst>
+              <a:ext uri="{FF2B5EF4-FFF2-40B4-BE49-F238E27FC236}">
+                <a16:creationId xmlns:a16="http://schemas.microsoft.com/office/drawing/2014/main" id="{866FAB49-C5C7-3A3E-F720-16FCF2A06AAF}"/>
+              </a:ext>
+            </a:extLst>
+          </p:cNvPr>
           <p:cNvSpPr>
             <a:spLocks noGrp="1"/>
           </p:cNvSpPr>
@@ -23694,122 +22459,19 @@
           </a:p>
         </p:txBody>
       </p:sp>
-      <p:pic>
-        <p:nvPicPr>
-          <p:cNvPr id="104" name="Grafik 103"/>
-          <p:cNvPicPr/>
-          <p:nvPr/>
-        </p:nvPicPr>
-        <p:blipFill>
-          <a:blip r:embed="rId2"/>
-          <a:srcRect l="124" t="4413" r="847"/>
-          <a:stretch/>
-        </p:blipFill>
-        <p:spPr>
-          <a:xfrm>
-            <a:off x="5760000" y="1800000"/>
-            <a:ext cx="5711040" cy="3897000"/>
-          </a:xfrm>
-          <a:prstGeom prst="rect">
-            <a:avLst/>
-          </a:prstGeom>
-          <a:noFill/>
-          <a:ln w="0">
-            <a:noFill/>
-          </a:ln>
-        </p:spPr>
-      </p:pic>
-    </p:spTree>
-  </p:cSld>
-  <p:clrMapOvr>
-    <a:masterClrMapping/>
-  </p:clrMapOvr>
-</p:sld>
-</file>
-
-<file path=ppt/slides/slide9.xml><?xml version="1.0" encoding="utf-8"?>
-<p:sld xmlns:a="http://schemas.openxmlformats.org/drawingml/2006/main" xmlns:r="http://schemas.openxmlformats.org/officeDocument/2006/relationships" xmlns:p="http://schemas.openxmlformats.org/presentationml/2006/main">
-  <p:cSld>
-    <p:spTree>
-      <p:nvGrpSpPr>
-        <p:cNvPr id="1" name=""/>
-        <p:cNvGrpSpPr/>
-        <p:nvPr/>
-      </p:nvGrpSpPr>
-      <p:grpSpPr>
-        <a:xfrm>
-          <a:off x="0" y="0"/>
-          <a:ext cx="0" cy="0"/>
-          <a:chOff x="0" y="0"/>
-          <a:chExt cx="0" cy="0"/>
-        </a:xfrm>
-      </p:grpSpPr>
       <p:sp>
         <p:nvSpPr>
-          <p:cNvPr id="105" name="PlaceHolder 1"/>
-          <p:cNvSpPr>
-            <a:spLocks noGrp="1"/>
+          <p:cNvPr id="2" name="PlaceHolder 2">
+            <a:extLst>
+              <a:ext uri="{FF2B5EF4-FFF2-40B4-BE49-F238E27FC236}">
+                <a16:creationId xmlns:a16="http://schemas.microsoft.com/office/drawing/2014/main" id="{4BEA2B6E-5BD0-0F4B-8D02-A7E9DC09BD4D}"/>
+              </a:ext>
+            </a:extLst>
+          </p:cNvPr>
+          <p:cNvSpPr txBox="1">
+            <a:spLocks/>
           </p:cNvSpPr>
-          <p:nvPr>
-            <p:ph type="title"/>
-          </p:nvPr>
-        </p:nvSpPr>
-        <p:spPr>
-          <a:xfrm>
-            <a:off x="700560" y="914400"/>
-            <a:ext cx="10999440" cy="1307160"/>
-          </a:xfrm>
-          <a:prstGeom prst="rect">
-            <a:avLst/>
-          </a:prstGeom>
-          <a:noFill/>
-          <a:ln w="0">
-            <a:noFill/>
-          </a:ln>
-        </p:spPr>
-        <p:txBody>
-          <a:bodyPr lIns="91440" tIns="45720" rIns="91440" bIns="45720" anchor="t">
-            <a:normAutofit/>
-          </a:bodyPr>
-          <a:lstStyle/>
-          <a:p>
-            <a:pPr indent="0" defTabSz="914400">
-              <a:lnSpc>
-                <a:spcPct val="100000"/>
-              </a:lnSpc>
-              <a:buNone/>
-            </a:pPr>
-            <a:r>
-              <a:rPr lang="de-DE" sz="4000" b="0" u="none" strike="noStrike" cap="all" spc="31">
-                <a:solidFill>
-                  <a:schemeClr val="dk1"/>
-                </a:solidFill>
-                <a:effectLst/>
-                <a:uFillTx/>
-                <a:latin typeface="Univers Condensed"/>
-              </a:rPr>
-              <a:t>2. Projektorganisation - Wireframes</a:t>
-            </a:r>
-            <a:endParaRPr lang="de-DE" sz="4000" b="0" u="none" strike="noStrike">
-              <a:solidFill>
-                <a:schemeClr val="dk1"/>
-              </a:solidFill>
-              <a:effectLst/>
-              <a:uFillTx/>
-              <a:latin typeface="Calisto MT"/>
-            </a:endParaRPr>
-          </a:p>
-        </p:txBody>
-      </p:sp>
-      <p:sp>
-        <p:nvSpPr>
-          <p:cNvPr id="106" name="PlaceHolder 2"/>
-          <p:cNvSpPr>
-            <a:spLocks noGrp="1"/>
-          </p:cNvSpPr>
-          <p:nvPr>
-            <p:ph/>
-          </p:nvPr>
+          <p:nvPr/>
         </p:nvSpPr>
         <p:spPr>
           <a:xfrm>
@@ -23828,233 +22490,228 @@
           <a:bodyPr lIns="91440" tIns="45720" rIns="91440" bIns="45720" anchor="t">
             <a:normAutofit/>
           </a:bodyPr>
-          <a:lstStyle/>
-          <a:p>
-            <a:pPr indent="0" defTabSz="914400">
+          <a:lstStyle>
+            <a:lvl1pPr algn="l" defTabSz="914400" rtl="0" eaLnBrk="1" latinLnBrk="0" hangingPunct="1">
+              <a:lnSpc>
+                <a:spcPct val="90000"/>
+              </a:lnSpc>
+              <a:spcBef>
+                <a:spcPct val="0"/>
+              </a:spcBef>
+              <a:buNone/>
+              <a:defRPr sz="4400" kern="1200">
+                <a:solidFill>
+                  <a:schemeClr val="tx1"/>
+                </a:solidFill>
+                <a:latin typeface="+mj-lt"/>
+                <a:ea typeface="+mj-ea"/>
+                <a:cs typeface="+mj-cs"/>
+              </a:defRPr>
+            </a:lvl1pPr>
+          </a:lstStyle>
+          <a:p>
+            <a:pPr>
               <a:lnSpc>
                 <a:spcPct val="110000"/>
               </a:lnSpc>
               <a:spcBef>
                 <a:spcPts val="1001"/>
               </a:spcBef>
-              <a:buNone/>
               <a:tabLst>
                 <a:tab pos="0" algn="l"/>
               </a:tabLst>
             </a:pPr>
             <a:r>
-              <a:rPr lang="de-DE" sz="2000" b="0" u="none" strike="noStrike" dirty="0">
+              <a:rPr lang="de-DE" sz="2000">
                 <a:solidFill>
                   <a:schemeClr val="dk1"/>
                 </a:solidFill>
-                <a:effectLst/>
-                <a:uFillTx/>
                 <a:latin typeface="Calisto MT"/>
               </a:rPr>
               <a:t>Initiales Passwort:</a:t>
             </a:r>
           </a:p>
           <a:p>
-            <a:pPr indent="0" defTabSz="914400">
+            <a:pPr>
               <a:lnSpc>
                 <a:spcPct val="110000"/>
               </a:lnSpc>
               <a:spcBef>
                 <a:spcPts val="1001"/>
               </a:spcBef>
-              <a:buNone/>
               <a:tabLst>
                 <a:tab pos="0" algn="l"/>
               </a:tabLst>
             </a:pPr>
-            <a:endParaRPr lang="de-DE" sz="2000" b="0" u="none" strike="noStrike" dirty="0">
+            <a:endParaRPr lang="de-DE" sz="2000">
               <a:solidFill>
                 <a:schemeClr val="dk1"/>
               </a:solidFill>
-              <a:effectLst/>
-              <a:uFillTx/>
               <a:latin typeface="Calisto MT"/>
             </a:endParaRPr>
           </a:p>
           <a:p>
-            <a:pPr indent="0" defTabSz="914400">
+            <a:pPr>
               <a:lnSpc>
                 <a:spcPct val="110000"/>
               </a:lnSpc>
               <a:spcBef>
                 <a:spcPts val="1001"/>
               </a:spcBef>
-              <a:buNone/>
               <a:tabLst>
                 <a:tab pos="0" algn="l"/>
               </a:tabLst>
             </a:pPr>
-            <a:endParaRPr lang="de-DE" sz="2000" b="0" u="none" strike="noStrike" dirty="0">
+            <a:endParaRPr lang="de-DE" sz="2000">
               <a:solidFill>
                 <a:schemeClr val="dk1"/>
               </a:solidFill>
-              <a:effectLst/>
-              <a:uFillTx/>
               <a:latin typeface="Calisto MT"/>
             </a:endParaRPr>
           </a:p>
           <a:p>
-            <a:pPr indent="0" defTabSz="914400">
+            <a:pPr>
               <a:lnSpc>
                 <a:spcPct val="110000"/>
               </a:lnSpc>
               <a:spcBef>
                 <a:spcPts val="1001"/>
               </a:spcBef>
-              <a:buNone/>
               <a:tabLst>
                 <a:tab pos="0" algn="l"/>
               </a:tabLst>
             </a:pPr>
             <a:r>
-              <a:rPr lang="de-DE" sz="2000" b="0" u="none" strike="noStrike" dirty="0">
+              <a:rPr lang="de-DE" sz="2000">
                 <a:solidFill>
                   <a:schemeClr val="dk1"/>
                 </a:solidFill>
-                <a:effectLst/>
-                <a:uFillTx/>
                 <a:latin typeface="Calisto MT"/>
               </a:rPr>
               <a:t>- Erster Login fordert Benutzerdefiniertes </a:t>
             </a:r>
           </a:p>
           <a:p>
-            <a:pPr indent="0" defTabSz="914400">
+            <a:pPr>
               <a:lnSpc>
                 <a:spcPct val="110000"/>
               </a:lnSpc>
               <a:spcBef>
                 <a:spcPts val="1001"/>
               </a:spcBef>
-              <a:buNone/>
               <a:tabLst>
                 <a:tab pos="0" algn="l"/>
               </a:tabLst>
             </a:pPr>
             <a:r>
-              <a:rPr lang="de-DE" sz="2000" b="0" u="none" strike="noStrike" dirty="0">
+              <a:rPr lang="de-DE" sz="2000">
                 <a:solidFill>
                   <a:schemeClr val="dk1"/>
                 </a:solidFill>
-                <a:effectLst/>
-                <a:uFillTx/>
                 <a:latin typeface="Calisto MT"/>
               </a:rPr>
               <a:t>  Passwort</a:t>
             </a:r>
           </a:p>
           <a:p>
-            <a:pPr indent="0" defTabSz="914400">
+            <a:pPr>
               <a:lnSpc>
                 <a:spcPct val="110000"/>
               </a:lnSpc>
               <a:spcBef>
                 <a:spcPts val="1001"/>
               </a:spcBef>
-              <a:buNone/>
               <a:tabLst>
                 <a:tab pos="0" algn="l"/>
               </a:tabLst>
             </a:pPr>
-            <a:endParaRPr lang="de-DE" sz="2000" b="0" u="none" strike="noStrike" dirty="0">
+            <a:endParaRPr lang="de-DE" sz="2000">
               <a:solidFill>
                 <a:schemeClr val="dk1"/>
               </a:solidFill>
-              <a:effectLst/>
-              <a:uFillTx/>
               <a:latin typeface="Calisto MT"/>
             </a:endParaRPr>
           </a:p>
           <a:p>
-            <a:pPr indent="0" defTabSz="914400">
+            <a:pPr>
               <a:lnSpc>
                 <a:spcPct val="110000"/>
               </a:lnSpc>
               <a:spcBef>
                 <a:spcPts val="1001"/>
               </a:spcBef>
-              <a:buNone/>
               <a:tabLst>
                 <a:tab pos="0" algn="l"/>
               </a:tabLst>
             </a:pPr>
             <a:r>
-              <a:rPr lang="de-DE" sz="2000" b="0" u="none" strike="noStrike" dirty="0">
+              <a:rPr lang="de-DE" sz="2000">
                 <a:solidFill>
                   <a:schemeClr val="dk1"/>
                 </a:solidFill>
-                <a:effectLst/>
-                <a:uFillTx/>
                 <a:latin typeface="Calisto MT"/>
               </a:rPr>
               <a:t>- Ebenfalls eine Fehleranzeige integriert</a:t>
             </a:r>
           </a:p>
           <a:p>
-            <a:pPr indent="0" defTabSz="914400">
+            <a:pPr>
               <a:lnSpc>
                 <a:spcPct val="110000"/>
               </a:lnSpc>
               <a:spcBef>
                 <a:spcPts val="1001"/>
               </a:spcBef>
-              <a:buNone/>
               <a:tabLst>
                 <a:tab pos="0" algn="l"/>
               </a:tabLst>
             </a:pPr>
-            <a:endParaRPr lang="de-DE" sz="2000" b="0" u="none" strike="noStrike" dirty="0">
+            <a:endParaRPr lang="de-DE" sz="2000">
               <a:solidFill>
                 <a:schemeClr val="dk1"/>
               </a:solidFill>
-              <a:effectLst/>
-              <a:uFillTx/>
               <a:latin typeface="Calisto MT"/>
             </a:endParaRPr>
           </a:p>
           <a:p>
-            <a:pPr indent="0" defTabSz="914400">
+            <a:pPr>
               <a:lnSpc>
                 <a:spcPct val="110000"/>
               </a:lnSpc>
               <a:spcBef>
                 <a:spcPts val="1001"/>
               </a:spcBef>
-              <a:buNone/>
               <a:tabLst>
                 <a:tab pos="0" algn="l"/>
               </a:tabLst>
             </a:pPr>
-            <a:endParaRPr lang="de-DE" sz="2000" b="0" u="none" strike="noStrike" dirty="0">
+            <a:endParaRPr lang="de-DE" sz="2000" dirty="0">
               <a:solidFill>
                 <a:schemeClr val="dk1"/>
               </a:solidFill>
-              <a:effectLst/>
-              <a:uFillTx/>
               <a:latin typeface="Calisto MT"/>
             </a:endParaRPr>
           </a:p>
         </p:txBody>
       </p:sp>
-      <p:pic>
-        <p:nvPicPr>
-          <p:cNvPr id="107" name="Grafik 106"/>
-          <p:cNvPicPr/>
+      <p:sp>
+        <p:nvSpPr>
+          <p:cNvPr id="4" name="PlaceHolder 2">
+            <a:extLst>
+              <a:ext uri="{FF2B5EF4-FFF2-40B4-BE49-F238E27FC236}">
+                <a16:creationId xmlns:a16="http://schemas.microsoft.com/office/drawing/2014/main" id="{9CCD9F01-C42C-FF2E-A81E-6CF880871346}"/>
+              </a:ext>
+            </a:extLst>
+          </p:cNvPr>
+          <p:cNvSpPr txBox="1">
+            <a:spLocks/>
+          </p:cNvSpPr>
           <p:nvPr/>
-        </p:nvPicPr>
-        <p:blipFill>
-          <a:blip r:embed="rId2"/>
-          <a:stretch/>
-        </p:blipFill>
+        </p:nvSpPr>
         <p:spPr>
           <a:xfrm>
-            <a:off x="5826000" y="1694035"/>
-            <a:ext cx="5760000" cy="4071960"/>
+            <a:off x="700560" y="1800000"/>
+            <a:ext cx="5239440" cy="4161600"/>
           </a:xfrm>
           <a:prstGeom prst="rect">
             <a:avLst/>
@@ -24064,12 +22721,1685 @@
             <a:noFill/>
           </a:ln>
         </p:spPr>
-      </p:pic>
+        <p:txBody>
+          <a:bodyPr lIns="91440" tIns="45720" rIns="91440" bIns="45720" anchor="t">
+            <a:normAutofit fontScale="85000" lnSpcReduction="19999"/>
+          </a:bodyPr>
+          <a:lstStyle>
+            <a:lvl1pPr algn="l" defTabSz="914400" rtl="0" eaLnBrk="1" latinLnBrk="0" hangingPunct="1">
+              <a:lnSpc>
+                <a:spcPct val="90000"/>
+              </a:lnSpc>
+              <a:spcBef>
+                <a:spcPct val="0"/>
+              </a:spcBef>
+              <a:buNone/>
+              <a:defRPr sz="4400" kern="1200">
+                <a:solidFill>
+                  <a:schemeClr val="tx1"/>
+                </a:solidFill>
+                <a:latin typeface="+mj-lt"/>
+                <a:ea typeface="+mj-ea"/>
+                <a:cs typeface="+mj-cs"/>
+              </a:defRPr>
+            </a:lvl1pPr>
+          </a:lstStyle>
+          <a:p>
+            <a:pPr>
+              <a:lnSpc>
+                <a:spcPct val="110000"/>
+              </a:lnSpc>
+              <a:spcBef>
+                <a:spcPts val="1001"/>
+              </a:spcBef>
+              <a:tabLst>
+                <a:tab pos="0" algn="l"/>
+              </a:tabLst>
+            </a:pPr>
+            <a:r>
+              <a:rPr lang="de-DE" sz="2000">
+                <a:solidFill>
+                  <a:schemeClr val="dk1"/>
+                </a:solidFill>
+                <a:latin typeface="Calisto MT"/>
+              </a:rPr>
+              <a:t>User Dashboard:</a:t>
+            </a:r>
+          </a:p>
+          <a:p>
+            <a:pPr>
+              <a:lnSpc>
+                <a:spcPct val="110000"/>
+              </a:lnSpc>
+              <a:spcBef>
+                <a:spcPts val="1001"/>
+              </a:spcBef>
+              <a:tabLst>
+                <a:tab pos="0" algn="l"/>
+              </a:tabLst>
+            </a:pPr>
+            <a:endParaRPr lang="de-DE" sz="2000">
+              <a:solidFill>
+                <a:schemeClr val="dk1"/>
+              </a:solidFill>
+              <a:latin typeface="Calisto MT"/>
+            </a:endParaRPr>
+          </a:p>
+          <a:p>
+            <a:pPr>
+              <a:lnSpc>
+                <a:spcPct val="110000"/>
+              </a:lnSpc>
+              <a:spcBef>
+                <a:spcPts val="1001"/>
+              </a:spcBef>
+              <a:tabLst>
+                <a:tab pos="0" algn="l"/>
+              </a:tabLst>
+            </a:pPr>
+            <a:r>
+              <a:rPr lang="de-DE" sz="2000">
+                <a:solidFill>
+                  <a:schemeClr val="dk1"/>
+                </a:solidFill>
+                <a:latin typeface="Calisto MT"/>
+              </a:rPr>
+              <a:t>- Zeiten Tabelle – Wochenübersicht</a:t>
+            </a:r>
+          </a:p>
+          <a:p>
+            <a:pPr>
+              <a:lnSpc>
+                <a:spcPct val="110000"/>
+              </a:lnSpc>
+              <a:spcBef>
+                <a:spcPts val="1001"/>
+              </a:spcBef>
+              <a:tabLst>
+                <a:tab pos="0" algn="l"/>
+              </a:tabLst>
+            </a:pPr>
+            <a:endParaRPr lang="de-DE" sz="2000">
+              <a:solidFill>
+                <a:schemeClr val="dk1"/>
+              </a:solidFill>
+              <a:latin typeface="Calisto MT"/>
+            </a:endParaRPr>
+          </a:p>
+          <a:p>
+            <a:pPr>
+              <a:lnSpc>
+                <a:spcPct val="110000"/>
+              </a:lnSpc>
+              <a:spcBef>
+                <a:spcPts val="1001"/>
+              </a:spcBef>
+              <a:tabLst>
+                <a:tab pos="0" algn="l"/>
+              </a:tabLst>
+            </a:pPr>
+            <a:r>
+              <a:rPr lang="de-DE" sz="2000">
+                <a:solidFill>
+                  <a:schemeClr val="dk1"/>
+                </a:solidFill>
+                <a:latin typeface="Calisto MT"/>
+              </a:rPr>
+              <a:t>- Wochensprünge mit „Früher“ / „Später“</a:t>
+            </a:r>
+          </a:p>
+          <a:p>
+            <a:pPr>
+              <a:lnSpc>
+                <a:spcPct val="110000"/>
+              </a:lnSpc>
+              <a:spcBef>
+                <a:spcPts val="1001"/>
+              </a:spcBef>
+              <a:tabLst>
+                <a:tab pos="0" algn="l"/>
+              </a:tabLst>
+            </a:pPr>
+            <a:endParaRPr lang="de-DE" sz="2000">
+              <a:solidFill>
+                <a:schemeClr val="dk1"/>
+              </a:solidFill>
+              <a:latin typeface="Calisto MT"/>
+            </a:endParaRPr>
+          </a:p>
+          <a:p>
+            <a:pPr>
+              <a:lnSpc>
+                <a:spcPct val="110000"/>
+              </a:lnSpc>
+              <a:spcBef>
+                <a:spcPts val="1001"/>
+              </a:spcBef>
+              <a:tabLst>
+                <a:tab pos="0" algn="l"/>
+              </a:tabLst>
+            </a:pPr>
+            <a:r>
+              <a:rPr lang="de-DE" sz="2000">
+                <a:solidFill>
+                  <a:schemeClr val="dk1"/>
+                </a:solidFill>
+                <a:latin typeface="Calisto MT"/>
+              </a:rPr>
+              <a:t>- Tagesauswahl</a:t>
+            </a:r>
+          </a:p>
+          <a:p>
+            <a:pPr>
+              <a:lnSpc>
+                <a:spcPct val="110000"/>
+              </a:lnSpc>
+              <a:spcBef>
+                <a:spcPts val="1001"/>
+              </a:spcBef>
+              <a:tabLst>
+                <a:tab pos="0" algn="l"/>
+              </a:tabLst>
+            </a:pPr>
+            <a:endParaRPr lang="de-DE" sz="2000">
+              <a:solidFill>
+                <a:schemeClr val="dk1"/>
+              </a:solidFill>
+              <a:latin typeface="Calisto MT"/>
+            </a:endParaRPr>
+          </a:p>
+          <a:p>
+            <a:pPr>
+              <a:lnSpc>
+                <a:spcPct val="110000"/>
+              </a:lnSpc>
+              <a:spcBef>
+                <a:spcPts val="1001"/>
+              </a:spcBef>
+              <a:tabLst>
+                <a:tab pos="0" algn="l"/>
+              </a:tabLst>
+            </a:pPr>
+            <a:r>
+              <a:rPr lang="de-DE" sz="2000">
+                <a:solidFill>
+                  <a:schemeClr val="dk1"/>
+                </a:solidFill>
+                <a:latin typeface="Calisto MT"/>
+              </a:rPr>
+              <a:t>- „Kommen“ / „Gehen“ Buttons</a:t>
+            </a:r>
+          </a:p>
+          <a:p>
+            <a:pPr>
+              <a:lnSpc>
+                <a:spcPct val="110000"/>
+              </a:lnSpc>
+              <a:spcBef>
+                <a:spcPts val="1001"/>
+              </a:spcBef>
+              <a:tabLst>
+                <a:tab pos="0" algn="l"/>
+              </a:tabLst>
+            </a:pPr>
+            <a:endParaRPr lang="de-DE" sz="2000">
+              <a:solidFill>
+                <a:schemeClr val="dk1"/>
+              </a:solidFill>
+              <a:latin typeface="Calisto MT"/>
+            </a:endParaRPr>
+          </a:p>
+          <a:p>
+            <a:pPr>
+              <a:lnSpc>
+                <a:spcPct val="110000"/>
+              </a:lnSpc>
+              <a:spcBef>
+                <a:spcPts val="1001"/>
+              </a:spcBef>
+              <a:tabLst>
+                <a:tab pos="0" algn="l"/>
+              </a:tabLst>
+            </a:pPr>
+            <a:r>
+              <a:rPr lang="de-DE" sz="2000">
+                <a:solidFill>
+                  <a:schemeClr val="dk1"/>
+                </a:solidFill>
+                <a:latin typeface="Calisto MT"/>
+              </a:rPr>
+              <a:t>- Kurzinformationen</a:t>
+            </a:r>
+          </a:p>
+          <a:p>
+            <a:pPr>
+              <a:lnSpc>
+                <a:spcPct val="110000"/>
+              </a:lnSpc>
+              <a:spcBef>
+                <a:spcPts val="1001"/>
+              </a:spcBef>
+              <a:tabLst>
+                <a:tab pos="0" algn="l"/>
+              </a:tabLst>
+            </a:pPr>
+            <a:endParaRPr lang="de-DE" sz="2000">
+              <a:solidFill>
+                <a:schemeClr val="dk1"/>
+              </a:solidFill>
+              <a:latin typeface="Calisto MT"/>
+            </a:endParaRPr>
+          </a:p>
+          <a:p>
+            <a:pPr>
+              <a:lnSpc>
+                <a:spcPct val="110000"/>
+              </a:lnSpc>
+              <a:spcBef>
+                <a:spcPts val="1001"/>
+              </a:spcBef>
+              <a:tabLst>
+                <a:tab pos="0" algn="l"/>
+              </a:tabLst>
+            </a:pPr>
+            <a:endParaRPr lang="de-DE" sz="2000" dirty="0">
+              <a:solidFill>
+                <a:schemeClr val="dk1"/>
+              </a:solidFill>
+              <a:latin typeface="Calisto MT"/>
+            </a:endParaRPr>
+          </a:p>
+        </p:txBody>
+      </p:sp>
+      <p:sp>
+        <p:nvSpPr>
+          <p:cNvPr id="6" name="PlaceHolder 2">
+            <a:extLst>
+              <a:ext uri="{FF2B5EF4-FFF2-40B4-BE49-F238E27FC236}">
+                <a16:creationId xmlns:a16="http://schemas.microsoft.com/office/drawing/2014/main" id="{279A3E0A-5446-FE29-221A-A15B3D42B090}"/>
+              </a:ext>
+            </a:extLst>
+          </p:cNvPr>
+          <p:cNvSpPr txBox="1">
+            <a:spLocks/>
+          </p:cNvSpPr>
+          <p:nvPr/>
+        </p:nvSpPr>
+        <p:spPr>
+          <a:xfrm>
+            <a:off x="700560" y="1800000"/>
+            <a:ext cx="5239440" cy="4161600"/>
+          </a:xfrm>
+          <a:prstGeom prst="rect">
+            <a:avLst/>
+          </a:prstGeom>
+          <a:noFill/>
+          <a:ln w="0">
+            <a:noFill/>
+          </a:ln>
+        </p:spPr>
+        <p:txBody>
+          <a:bodyPr lIns="91440" tIns="45720" rIns="91440" bIns="45720" anchor="t">
+            <a:normAutofit/>
+          </a:bodyPr>
+          <a:lstStyle>
+            <a:lvl1pPr algn="l" defTabSz="914400" rtl="0" eaLnBrk="1" latinLnBrk="0" hangingPunct="1">
+              <a:lnSpc>
+                <a:spcPct val="90000"/>
+              </a:lnSpc>
+              <a:spcBef>
+                <a:spcPct val="0"/>
+              </a:spcBef>
+              <a:buNone/>
+              <a:defRPr sz="4400" kern="1200">
+                <a:solidFill>
+                  <a:schemeClr val="tx1"/>
+                </a:solidFill>
+                <a:latin typeface="+mj-lt"/>
+                <a:ea typeface="+mj-ea"/>
+                <a:cs typeface="+mj-cs"/>
+              </a:defRPr>
+            </a:lvl1pPr>
+          </a:lstStyle>
+          <a:p>
+            <a:pPr>
+              <a:lnSpc>
+                <a:spcPct val="110000"/>
+              </a:lnSpc>
+              <a:spcBef>
+                <a:spcPts val="1001"/>
+              </a:spcBef>
+              <a:tabLst>
+                <a:tab pos="0" algn="l"/>
+              </a:tabLst>
+            </a:pPr>
+            <a:r>
+              <a:rPr lang="de-DE" sz="2000">
+                <a:solidFill>
+                  <a:schemeClr val="dk1"/>
+                </a:solidFill>
+                <a:latin typeface="Calisto MT"/>
+              </a:rPr>
+              <a:t>Navigationsbar:</a:t>
+            </a:r>
+          </a:p>
+          <a:p>
+            <a:pPr>
+              <a:lnSpc>
+                <a:spcPct val="110000"/>
+              </a:lnSpc>
+              <a:spcBef>
+                <a:spcPts val="1001"/>
+              </a:spcBef>
+              <a:tabLst>
+                <a:tab pos="0" algn="l"/>
+              </a:tabLst>
+            </a:pPr>
+            <a:endParaRPr lang="de-DE" sz="2000">
+              <a:solidFill>
+                <a:schemeClr val="dk1"/>
+              </a:solidFill>
+              <a:latin typeface="Calisto MT"/>
+            </a:endParaRPr>
+          </a:p>
+          <a:p>
+            <a:pPr>
+              <a:lnSpc>
+                <a:spcPct val="110000"/>
+              </a:lnSpc>
+              <a:spcBef>
+                <a:spcPts val="1001"/>
+              </a:spcBef>
+              <a:tabLst>
+                <a:tab pos="0" algn="l"/>
+              </a:tabLst>
+            </a:pPr>
+            <a:r>
+              <a:rPr lang="de-DE" sz="2000">
+                <a:solidFill>
+                  <a:schemeClr val="dk1"/>
+                </a:solidFill>
+                <a:latin typeface="Calisto MT"/>
+              </a:rPr>
+              <a:t>- Begrüßung</a:t>
+            </a:r>
+          </a:p>
+          <a:p>
+            <a:pPr>
+              <a:lnSpc>
+                <a:spcPct val="110000"/>
+              </a:lnSpc>
+              <a:spcBef>
+                <a:spcPts val="1001"/>
+              </a:spcBef>
+              <a:tabLst>
+                <a:tab pos="0" algn="l"/>
+              </a:tabLst>
+            </a:pPr>
+            <a:endParaRPr lang="de-DE" sz="2000">
+              <a:solidFill>
+                <a:schemeClr val="dk1"/>
+              </a:solidFill>
+              <a:latin typeface="Calisto MT"/>
+            </a:endParaRPr>
+          </a:p>
+          <a:p>
+            <a:pPr>
+              <a:lnSpc>
+                <a:spcPct val="110000"/>
+              </a:lnSpc>
+              <a:spcBef>
+                <a:spcPts val="1001"/>
+              </a:spcBef>
+              <a:tabLst>
+                <a:tab pos="0" algn="l"/>
+              </a:tabLst>
+            </a:pPr>
+            <a:r>
+              <a:rPr lang="de-DE" sz="2000">
+                <a:solidFill>
+                  <a:schemeClr val="dk1"/>
+                </a:solidFill>
+                <a:latin typeface="Calisto MT"/>
+              </a:rPr>
+              <a:t>- Benachrichtigungs Button</a:t>
+            </a:r>
+          </a:p>
+          <a:p>
+            <a:pPr>
+              <a:lnSpc>
+                <a:spcPct val="110000"/>
+              </a:lnSpc>
+              <a:spcBef>
+                <a:spcPts val="1001"/>
+              </a:spcBef>
+              <a:tabLst>
+                <a:tab pos="0" algn="l"/>
+              </a:tabLst>
+            </a:pPr>
+            <a:endParaRPr lang="de-DE" sz="2000">
+              <a:solidFill>
+                <a:schemeClr val="dk1"/>
+              </a:solidFill>
+              <a:latin typeface="Calisto MT"/>
+            </a:endParaRPr>
+          </a:p>
+          <a:p>
+            <a:pPr>
+              <a:lnSpc>
+                <a:spcPct val="110000"/>
+              </a:lnSpc>
+              <a:spcBef>
+                <a:spcPts val="1001"/>
+              </a:spcBef>
+              <a:tabLst>
+                <a:tab pos="0" algn="l"/>
+              </a:tabLst>
+            </a:pPr>
+            <a:r>
+              <a:rPr lang="de-DE" sz="2000">
+                <a:solidFill>
+                  <a:schemeClr val="dk1"/>
+                </a:solidFill>
+                <a:latin typeface="Calisto MT"/>
+              </a:rPr>
+              <a:t>- Logout Button</a:t>
+            </a:r>
+          </a:p>
+          <a:p>
+            <a:pPr>
+              <a:lnSpc>
+                <a:spcPct val="110000"/>
+              </a:lnSpc>
+              <a:spcBef>
+                <a:spcPts val="1001"/>
+              </a:spcBef>
+              <a:tabLst>
+                <a:tab pos="0" algn="l"/>
+              </a:tabLst>
+            </a:pPr>
+            <a:endParaRPr lang="de-DE" sz="2000">
+              <a:solidFill>
+                <a:schemeClr val="dk1"/>
+              </a:solidFill>
+              <a:latin typeface="Calisto MT"/>
+            </a:endParaRPr>
+          </a:p>
+          <a:p>
+            <a:pPr>
+              <a:lnSpc>
+                <a:spcPct val="110000"/>
+              </a:lnSpc>
+              <a:spcBef>
+                <a:spcPts val="1001"/>
+              </a:spcBef>
+              <a:tabLst>
+                <a:tab pos="0" algn="l"/>
+              </a:tabLst>
+            </a:pPr>
+            <a:r>
+              <a:rPr lang="de-DE" sz="2000">
+                <a:solidFill>
+                  <a:schemeClr val="dk1"/>
+                </a:solidFill>
+                <a:latin typeface="Calisto MT"/>
+              </a:rPr>
+              <a:t>- Hamburger Button</a:t>
+            </a:r>
+          </a:p>
+          <a:p>
+            <a:pPr>
+              <a:lnSpc>
+                <a:spcPct val="110000"/>
+              </a:lnSpc>
+              <a:spcBef>
+                <a:spcPts val="1001"/>
+              </a:spcBef>
+              <a:tabLst>
+                <a:tab pos="0" algn="l"/>
+              </a:tabLst>
+            </a:pPr>
+            <a:endParaRPr lang="de-DE" sz="2000">
+              <a:solidFill>
+                <a:schemeClr val="dk1"/>
+              </a:solidFill>
+              <a:latin typeface="Calisto MT"/>
+            </a:endParaRPr>
+          </a:p>
+          <a:p>
+            <a:pPr>
+              <a:lnSpc>
+                <a:spcPct val="110000"/>
+              </a:lnSpc>
+              <a:spcBef>
+                <a:spcPts val="1001"/>
+              </a:spcBef>
+              <a:tabLst>
+                <a:tab pos="0" algn="l"/>
+              </a:tabLst>
+            </a:pPr>
+            <a:endParaRPr lang="de-DE" sz="2000" dirty="0">
+              <a:solidFill>
+                <a:schemeClr val="dk1"/>
+              </a:solidFill>
+              <a:latin typeface="Calisto MT"/>
+            </a:endParaRPr>
+          </a:p>
+        </p:txBody>
+      </p:sp>
+      <p:sp>
+        <p:nvSpPr>
+          <p:cNvPr id="8" name="PlaceHolder 2">
+            <a:extLst>
+              <a:ext uri="{FF2B5EF4-FFF2-40B4-BE49-F238E27FC236}">
+                <a16:creationId xmlns:a16="http://schemas.microsoft.com/office/drawing/2014/main" id="{481147F8-637A-3DBE-5A20-79AD5D3F2F87}"/>
+              </a:ext>
+            </a:extLst>
+          </p:cNvPr>
+          <p:cNvSpPr txBox="1">
+            <a:spLocks/>
+          </p:cNvSpPr>
+          <p:nvPr/>
+        </p:nvSpPr>
+        <p:spPr>
+          <a:xfrm>
+            <a:off x="700560" y="1800000"/>
+            <a:ext cx="5395440" cy="4161600"/>
+          </a:xfrm>
+          <a:prstGeom prst="rect">
+            <a:avLst/>
+          </a:prstGeom>
+          <a:noFill/>
+          <a:ln w="0">
+            <a:noFill/>
+          </a:ln>
+        </p:spPr>
+        <p:txBody>
+          <a:bodyPr lIns="91440" tIns="45720" rIns="91440" bIns="45720" anchor="t">
+            <a:normAutofit/>
+          </a:bodyPr>
+          <a:lstStyle>
+            <a:lvl1pPr algn="l" defTabSz="914400" rtl="0" eaLnBrk="1" latinLnBrk="0" hangingPunct="1">
+              <a:lnSpc>
+                <a:spcPct val="90000"/>
+              </a:lnSpc>
+              <a:spcBef>
+                <a:spcPct val="0"/>
+              </a:spcBef>
+              <a:buNone/>
+              <a:defRPr sz="4400" kern="1200">
+                <a:solidFill>
+                  <a:schemeClr val="tx1"/>
+                </a:solidFill>
+                <a:latin typeface="+mj-lt"/>
+                <a:ea typeface="+mj-ea"/>
+                <a:cs typeface="+mj-cs"/>
+              </a:defRPr>
+            </a:lvl1pPr>
+          </a:lstStyle>
+          <a:p>
+            <a:pPr>
+              <a:lnSpc>
+                <a:spcPct val="110000"/>
+              </a:lnSpc>
+              <a:spcBef>
+                <a:spcPts val="1001"/>
+              </a:spcBef>
+              <a:tabLst>
+                <a:tab pos="0" algn="l"/>
+              </a:tabLst>
+            </a:pPr>
+            <a:r>
+              <a:rPr lang="de-DE" sz="2000">
+                <a:solidFill>
+                  <a:schemeClr val="dk1"/>
+                </a:solidFill>
+                <a:latin typeface="Calisto MT"/>
+              </a:rPr>
+              <a:t>Benachrichtigungen:</a:t>
+            </a:r>
+          </a:p>
+          <a:p>
+            <a:pPr>
+              <a:lnSpc>
+                <a:spcPct val="110000"/>
+              </a:lnSpc>
+              <a:spcBef>
+                <a:spcPts val="1001"/>
+              </a:spcBef>
+              <a:tabLst>
+                <a:tab pos="0" algn="l"/>
+              </a:tabLst>
+            </a:pPr>
+            <a:endParaRPr lang="de-DE" sz="2000">
+              <a:solidFill>
+                <a:schemeClr val="dk1"/>
+              </a:solidFill>
+              <a:latin typeface="Calisto MT"/>
+            </a:endParaRPr>
+          </a:p>
+          <a:p>
+            <a:pPr>
+              <a:lnSpc>
+                <a:spcPct val="110000"/>
+              </a:lnSpc>
+              <a:spcBef>
+                <a:spcPts val="1001"/>
+              </a:spcBef>
+              <a:tabLst>
+                <a:tab pos="0" algn="l"/>
+              </a:tabLst>
+            </a:pPr>
+            <a:r>
+              <a:rPr lang="de-DE" sz="2000">
+                <a:solidFill>
+                  <a:schemeClr val="dk1"/>
+                </a:solidFill>
+                <a:latin typeface="Calisto MT"/>
+              </a:rPr>
+              <a:t>- Pop-up Fenster zum Scrollen</a:t>
+            </a:r>
+          </a:p>
+          <a:p>
+            <a:pPr>
+              <a:lnSpc>
+                <a:spcPct val="110000"/>
+              </a:lnSpc>
+              <a:spcBef>
+                <a:spcPts val="1001"/>
+              </a:spcBef>
+              <a:tabLst>
+                <a:tab pos="0" algn="l"/>
+              </a:tabLst>
+            </a:pPr>
+            <a:endParaRPr lang="de-DE" sz="2000">
+              <a:solidFill>
+                <a:schemeClr val="dk1"/>
+              </a:solidFill>
+              <a:latin typeface="Calisto MT"/>
+            </a:endParaRPr>
+          </a:p>
+          <a:p>
+            <a:pPr>
+              <a:lnSpc>
+                <a:spcPct val="110000"/>
+              </a:lnSpc>
+              <a:spcBef>
+                <a:spcPts val="1001"/>
+              </a:spcBef>
+              <a:tabLst>
+                <a:tab pos="0" algn="l"/>
+              </a:tabLst>
+            </a:pPr>
+            <a:endParaRPr lang="de-DE" sz="2000" dirty="0">
+              <a:solidFill>
+                <a:schemeClr val="dk1"/>
+              </a:solidFill>
+              <a:latin typeface="Calisto MT"/>
+            </a:endParaRPr>
+          </a:p>
+        </p:txBody>
+      </p:sp>
+      <p:sp>
+        <p:nvSpPr>
+          <p:cNvPr id="12" name="PlaceHolder 2">
+            <a:extLst>
+              <a:ext uri="{FF2B5EF4-FFF2-40B4-BE49-F238E27FC236}">
+                <a16:creationId xmlns:a16="http://schemas.microsoft.com/office/drawing/2014/main" id="{6C380532-4E7C-9104-4BEB-6E2F7A1FA09F}"/>
+              </a:ext>
+            </a:extLst>
+          </p:cNvPr>
+          <p:cNvSpPr txBox="1">
+            <a:spLocks/>
+          </p:cNvSpPr>
+          <p:nvPr/>
+        </p:nvSpPr>
+        <p:spPr>
+          <a:xfrm>
+            <a:off x="700560" y="1800000"/>
+            <a:ext cx="5395440" cy="4161600"/>
+          </a:xfrm>
+          <a:prstGeom prst="rect">
+            <a:avLst/>
+          </a:prstGeom>
+          <a:noFill/>
+          <a:ln w="0">
+            <a:noFill/>
+          </a:ln>
+        </p:spPr>
+        <p:txBody>
+          <a:bodyPr lIns="91440" tIns="45720" rIns="91440" bIns="45720" anchor="t">
+            <a:normAutofit/>
+          </a:bodyPr>
+          <a:lstStyle>
+            <a:lvl1pPr algn="l" defTabSz="914400" rtl="0" eaLnBrk="1" latinLnBrk="0" hangingPunct="1">
+              <a:lnSpc>
+                <a:spcPct val="90000"/>
+              </a:lnSpc>
+              <a:spcBef>
+                <a:spcPct val="0"/>
+              </a:spcBef>
+              <a:buNone/>
+              <a:defRPr sz="4400" kern="1200">
+                <a:solidFill>
+                  <a:schemeClr val="tx1"/>
+                </a:solidFill>
+                <a:latin typeface="+mj-lt"/>
+                <a:ea typeface="+mj-ea"/>
+                <a:cs typeface="+mj-cs"/>
+              </a:defRPr>
+            </a:lvl1pPr>
+          </a:lstStyle>
+          <a:p>
+            <a:pPr>
+              <a:lnSpc>
+                <a:spcPct val="110000"/>
+              </a:lnSpc>
+              <a:spcBef>
+                <a:spcPts val="1001"/>
+              </a:spcBef>
+              <a:tabLst>
+                <a:tab pos="0" algn="l"/>
+              </a:tabLst>
+            </a:pPr>
+            <a:r>
+              <a:rPr lang="de-DE" sz="2000">
+                <a:solidFill>
+                  <a:schemeClr val="dk1"/>
+                </a:solidFill>
+                <a:latin typeface="Calisto MT"/>
+              </a:rPr>
+              <a:t>Hamburger Menü:</a:t>
+            </a:r>
+          </a:p>
+          <a:p>
+            <a:pPr>
+              <a:lnSpc>
+                <a:spcPct val="110000"/>
+              </a:lnSpc>
+              <a:spcBef>
+                <a:spcPts val="1001"/>
+              </a:spcBef>
+              <a:tabLst>
+                <a:tab pos="0" algn="l"/>
+              </a:tabLst>
+            </a:pPr>
+            <a:endParaRPr lang="de-DE" sz="2000">
+              <a:solidFill>
+                <a:schemeClr val="dk1"/>
+              </a:solidFill>
+              <a:latin typeface="Calisto MT"/>
+            </a:endParaRPr>
+          </a:p>
+          <a:p>
+            <a:pPr>
+              <a:lnSpc>
+                <a:spcPct val="110000"/>
+              </a:lnSpc>
+              <a:spcBef>
+                <a:spcPts val="1001"/>
+              </a:spcBef>
+              <a:tabLst>
+                <a:tab pos="0" algn="l"/>
+              </a:tabLst>
+            </a:pPr>
+            <a:r>
+              <a:rPr lang="de-DE" sz="2000">
+                <a:solidFill>
+                  <a:schemeClr val="dk1"/>
+                </a:solidFill>
+                <a:latin typeface="Calisto MT"/>
+              </a:rPr>
+              <a:t>- Passwort änderbar</a:t>
+            </a:r>
+          </a:p>
+          <a:p>
+            <a:pPr>
+              <a:lnSpc>
+                <a:spcPct val="110000"/>
+              </a:lnSpc>
+              <a:spcBef>
+                <a:spcPts val="1001"/>
+              </a:spcBef>
+              <a:tabLst>
+                <a:tab pos="0" algn="l"/>
+              </a:tabLst>
+            </a:pPr>
+            <a:endParaRPr lang="de-DE" sz="2000">
+              <a:solidFill>
+                <a:schemeClr val="dk1"/>
+              </a:solidFill>
+              <a:latin typeface="Calisto MT"/>
+            </a:endParaRPr>
+          </a:p>
+          <a:p>
+            <a:pPr>
+              <a:lnSpc>
+                <a:spcPct val="110000"/>
+              </a:lnSpc>
+              <a:spcBef>
+                <a:spcPts val="1001"/>
+              </a:spcBef>
+              <a:tabLst>
+                <a:tab pos="0" algn="l"/>
+              </a:tabLst>
+            </a:pPr>
+            <a:r>
+              <a:rPr lang="de-DE" sz="2000">
+                <a:solidFill>
+                  <a:schemeClr val="dk1"/>
+                </a:solidFill>
+                <a:latin typeface="Calisto MT"/>
+              </a:rPr>
+              <a:t>- Sprachwechsel mit On/Off Button</a:t>
+            </a:r>
+          </a:p>
+          <a:p>
+            <a:pPr>
+              <a:lnSpc>
+                <a:spcPct val="110000"/>
+              </a:lnSpc>
+              <a:spcBef>
+                <a:spcPts val="1001"/>
+              </a:spcBef>
+              <a:tabLst>
+                <a:tab pos="0" algn="l"/>
+              </a:tabLst>
+            </a:pPr>
+            <a:endParaRPr lang="de-DE" sz="2000">
+              <a:solidFill>
+                <a:schemeClr val="dk1"/>
+              </a:solidFill>
+              <a:latin typeface="Calisto MT"/>
+            </a:endParaRPr>
+          </a:p>
+          <a:p>
+            <a:pPr>
+              <a:lnSpc>
+                <a:spcPct val="110000"/>
+              </a:lnSpc>
+              <a:spcBef>
+                <a:spcPts val="1001"/>
+              </a:spcBef>
+              <a:tabLst>
+                <a:tab pos="0" algn="l"/>
+              </a:tabLst>
+            </a:pPr>
+            <a:endParaRPr lang="de-DE" sz="2000" dirty="0">
+              <a:solidFill>
+                <a:schemeClr val="dk1"/>
+              </a:solidFill>
+              <a:latin typeface="Calisto MT"/>
+            </a:endParaRPr>
+          </a:p>
+        </p:txBody>
+      </p:sp>
+      <p:sp>
+        <p:nvSpPr>
+          <p:cNvPr id="14" name="Textfeld 13">
+            <a:extLst>
+              <a:ext uri="{FF2B5EF4-FFF2-40B4-BE49-F238E27FC236}">
+                <a16:creationId xmlns:a16="http://schemas.microsoft.com/office/drawing/2014/main" id="{6009AD51-3CAD-2A5E-8D0C-590143EC6C98}"/>
+              </a:ext>
+            </a:extLst>
+          </p:cNvPr>
+          <p:cNvSpPr txBox="1"/>
+          <p:nvPr/>
+        </p:nvSpPr>
+        <p:spPr>
+          <a:xfrm>
+            <a:off x="11454063" y="-1828800"/>
+            <a:ext cx="184731" cy="369332"/>
+          </a:xfrm>
+          <a:prstGeom prst="rect">
+            <a:avLst/>
+          </a:prstGeom>
+          <a:noFill/>
+        </p:spPr>
+        <p:txBody>
+          <a:bodyPr wrap="none" rtlCol="0">
+            <a:spAutoFit/>
+          </a:bodyPr>
+          <a:lstStyle/>
+          <a:p>
+            <a:endParaRPr lang="de-DE" dirty="0"/>
+          </a:p>
+        </p:txBody>
+      </p:sp>
     </p:spTree>
+    <p:extLst>
+      <p:ext uri="{BB962C8B-B14F-4D97-AF65-F5344CB8AC3E}">
+        <p14:creationId xmlns:p14="http://schemas.microsoft.com/office/powerpoint/2010/main" val="1424716114"/>
+      </p:ext>
+    </p:extLst>
   </p:cSld>
   <p:clrMapOvr>
     <a:masterClrMapping/>
   </p:clrMapOvr>
+  <p:timing>
+    <p:tnLst>
+      <p:par>
+        <p:cTn id="1" dur="indefinite" restart="never" nodeType="tmRoot">
+          <p:childTnLst>
+            <p:seq concurrent="1" nextAc="seek">
+              <p:cTn id="2" dur="indefinite" nodeType="mainSeq">
+                <p:childTnLst>
+                  <p:par>
+                    <p:cTn id="3" fill="hold">
+                      <p:stCondLst>
+                        <p:cond delay="indefinite"/>
+                      </p:stCondLst>
+                      <p:childTnLst>
+                        <p:par>
+                          <p:cTn id="4" fill="hold">
+                            <p:stCondLst>
+                              <p:cond delay="0"/>
+                            </p:stCondLst>
+                            <p:childTnLst>
+                              <p:par>
+                                <p:cTn id="5" presetID="1" presetClass="entr" presetSubtype="0" fill="hold" grpId="0" nodeType="clickEffect">
+                                  <p:stCondLst>
+                                    <p:cond delay="0"/>
+                                  </p:stCondLst>
+                                  <p:childTnLst>
+                                    <p:set>
+                                      <p:cBhvr>
+                                        <p:cTn id="6" dur="1" fill="hold">
+                                          <p:stCondLst>
+                                            <p:cond delay="0"/>
+                                          </p:stCondLst>
+                                        </p:cTn>
+                                        <p:tgtEl>
+                                          <p:spTgt spid="103">
+                                            <p:txEl>
+                                              <p:pRg st="0" end="0"/>
+                                            </p:txEl>
+                                          </p:spTgt>
+                                        </p:tgtEl>
+                                        <p:attrNameLst>
+                                          <p:attrName>style.visibility</p:attrName>
+                                        </p:attrNameLst>
+                                      </p:cBhvr>
+                                      <p:to>
+                                        <p:strVal val="visible"/>
+                                      </p:to>
+                                    </p:set>
+                                  </p:childTnLst>
+                                  <p:subTnLst>
+                                    <p:set>
+                                      <p:cBhvr override="childStyle">
+                                        <p:cTn dur="1" fill="hold" display="0" masterRel="nextClick" afterEffect="1"/>
+                                        <p:tgtEl>
+                                          <p:spTgt spid="103">
+                                            <p:txEl>
+                                              <p:pRg st="0" end="0"/>
+                                            </p:txEl>
+                                          </p:spTgt>
+                                        </p:tgtEl>
+                                        <p:attrNameLst>
+                                          <p:attrName>style.visibility</p:attrName>
+                                        </p:attrNameLst>
+                                      </p:cBhvr>
+                                      <p:to>
+                                        <p:strVal val="hidden"/>
+                                      </p:to>
+                                    </p:set>
+                                  </p:subTnLst>
+                                </p:cTn>
+                              </p:par>
+                              <p:par>
+                                <p:cTn id="7" presetID="1" presetClass="entr" presetSubtype="0" fill="hold" grpId="0" nodeType="withEffect">
+                                  <p:stCondLst>
+                                    <p:cond delay="0"/>
+                                  </p:stCondLst>
+                                  <p:childTnLst>
+                                    <p:set>
+                                      <p:cBhvr>
+                                        <p:cTn id="8" dur="1" fill="hold">
+                                          <p:stCondLst>
+                                            <p:cond delay="0"/>
+                                          </p:stCondLst>
+                                        </p:cTn>
+                                        <p:tgtEl>
+                                          <p:spTgt spid="103">
+                                            <p:txEl>
+                                              <p:pRg st="3" end="3"/>
+                                            </p:txEl>
+                                          </p:spTgt>
+                                        </p:tgtEl>
+                                        <p:attrNameLst>
+                                          <p:attrName>style.visibility</p:attrName>
+                                        </p:attrNameLst>
+                                      </p:cBhvr>
+                                      <p:to>
+                                        <p:strVal val="visible"/>
+                                      </p:to>
+                                    </p:set>
+                                  </p:childTnLst>
+                                  <p:subTnLst>
+                                    <p:set>
+                                      <p:cBhvr override="childStyle">
+                                        <p:cTn dur="1" fill="hold" display="0" masterRel="nextClick" afterEffect="1"/>
+                                        <p:tgtEl>
+                                          <p:spTgt spid="103">
+                                            <p:txEl>
+                                              <p:pRg st="3" end="3"/>
+                                            </p:txEl>
+                                          </p:spTgt>
+                                        </p:tgtEl>
+                                        <p:attrNameLst>
+                                          <p:attrName>style.visibility</p:attrName>
+                                        </p:attrNameLst>
+                                      </p:cBhvr>
+                                      <p:to>
+                                        <p:strVal val="hidden"/>
+                                      </p:to>
+                                    </p:set>
+                                  </p:subTnLst>
+                                </p:cTn>
+                              </p:par>
+                              <p:par>
+                                <p:cTn id="9" presetID="1" presetClass="entr" presetSubtype="0" fill="hold" grpId="0" nodeType="withEffect">
+                                  <p:stCondLst>
+                                    <p:cond delay="0"/>
+                                  </p:stCondLst>
+                                  <p:childTnLst>
+                                    <p:set>
+                                      <p:cBhvr>
+                                        <p:cTn id="10" dur="1" fill="hold">
+                                          <p:stCondLst>
+                                            <p:cond delay="0"/>
+                                          </p:stCondLst>
+                                        </p:cTn>
+                                        <p:tgtEl>
+                                          <p:spTgt spid="103">
+                                            <p:txEl>
+                                              <p:pRg st="5" end="5"/>
+                                            </p:txEl>
+                                          </p:spTgt>
+                                        </p:tgtEl>
+                                        <p:attrNameLst>
+                                          <p:attrName>style.visibility</p:attrName>
+                                        </p:attrNameLst>
+                                      </p:cBhvr>
+                                      <p:to>
+                                        <p:strVal val="visible"/>
+                                      </p:to>
+                                    </p:set>
+                                  </p:childTnLst>
+                                  <p:subTnLst>
+                                    <p:set>
+                                      <p:cBhvr override="childStyle">
+                                        <p:cTn dur="1" fill="hold" display="0" masterRel="nextClick" afterEffect="1"/>
+                                        <p:tgtEl>
+                                          <p:spTgt spid="103">
+                                            <p:txEl>
+                                              <p:pRg st="5" end="5"/>
+                                            </p:txEl>
+                                          </p:spTgt>
+                                        </p:tgtEl>
+                                        <p:attrNameLst>
+                                          <p:attrName>style.visibility</p:attrName>
+                                        </p:attrNameLst>
+                                      </p:cBhvr>
+                                      <p:to>
+                                        <p:strVal val="hidden"/>
+                                      </p:to>
+                                    </p:set>
+                                  </p:subTnLst>
+                                </p:cTn>
+                              </p:par>
+                              <p:par>
+                                <p:cTn id="11" presetID="1" presetClass="entr" presetSubtype="0" fill="hold" nodeType="withEffect">
+                                  <p:stCondLst>
+                                    <p:cond delay="0"/>
+                                  </p:stCondLst>
+                                  <p:childTnLst>
+                                    <p:set>
+                                      <p:cBhvr>
+                                        <p:cTn id="12" dur="1" fill="hold">
+                                          <p:stCondLst>
+                                            <p:cond delay="0"/>
+                                          </p:stCondLst>
+                                        </p:cTn>
+                                        <p:tgtEl>
+                                          <p:spTgt spid="104"/>
+                                        </p:tgtEl>
+                                        <p:attrNameLst>
+                                          <p:attrName>style.visibility</p:attrName>
+                                        </p:attrNameLst>
+                                      </p:cBhvr>
+                                      <p:to>
+                                        <p:strVal val="visible"/>
+                                      </p:to>
+                                    </p:set>
+                                  </p:childTnLst>
+                                </p:cTn>
+                              </p:par>
+                            </p:childTnLst>
+                          </p:cTn>
+                        </p:par>
+                      </p:childTnLst>
+                    </p:cTn>
+                  </p:par>
+                  <p:par>
+                    <p:cTn id="13" fill="hold">
+                      <p:stCondLst>
+                        <p:cond delay="indefinite"/>
+                      </p:stCondLst>
+                      <p:childTnLst>
+                        <p:par>
+                          <p:cTn id="14" fill="hold">
+                            <p:stCondLst>
+                              <p:cond delay="0"/>
+                            </p:stCondLst>
+                            <p:childTnLst>
+                              <p:par>
+                                <p:cTn id="15" presetID="1" presetClass="entr" presetSubtype="0" fill="hold" grpId="0" nodeType="clickEffect">
+                                  <p:stCondLst>
+                                    <p:cond delay="0"/>
+                                  </p:stCondLst>
+                                  <p:childTnLst>
+                                    <p:set>
+                                      <p:cBhvr>
+                                        <p:cTn id="16" dur="1" fill="hold">
+                                          <p:stCondLst>
+                                            <p:cond delay="0"/>
+                                          </p:stCondLst>
+                                        </p:cTn>
+                                        <p:tgtEl>
+                                          <p:spTgt spid="2"/>
+                                        </p:tgtEl>
+                                        <p:attrNameLst>
+                                          <p:attrName>style.visibility</p:attrName>
+                                        </p:attrNameLst>
+                                      </p:cBhvr>
+                                      <p:to>
+                                        <p:strVal val="visible"/>
+                                      </p:to>
+                                    </p:set>
+                                  </p:childTnLst>
+                                  <p:subTnLst>
+                                    <p:set>
+                                      <p:cBhvr override="childStyle">
+                                        <p:cTn dur="1" fill="hold" display="0" masterRel="nextClick" afterEffect="1"/>
+                                        <p:tgtEl>
+                                          <p:spTgt spid="2"/>
+                                        </p:tgtEl>
+                                        <p:attrNameLst>
+                                          <p:attrName>style.visibility</p:attrName>
+                                        </p:attrNameLst>
+                                      </p:cBhvr>
+                                      <p:to>
+                                        <p:strVal val="hidden"/>
+                                      </p:to>
+                                    </p:set>
+                                  </p:subTnLst>
+                                </p:cTn>
+                              </p:par>
+                              <p:par>
+                                <p:cTn id="17" presetID="9" presetClass="entr" presetSubtype="0" fill="hold" nodeType="withEffect">
+                                  <p:stCondLst>
+                                    <p:cond delay="0"/>
+                                  </p:stCondLst>
+                                  <p:childTnLst>
+                                    <p:set>
+                                      <p:cBhvr>
+                                        <p:cTn id="18" dur="1" fill="hold">
+                                          <p:stCondLst>
+                                            <p:cond delay="0"/>
+                                          </p:stCondLst>
+                                        </p:cTn>
+                                        <p:tgtEl>
+                                          <p:spTgt spid="3"/>
+                                        </p:tgtEl>
+                                        <p:attrNameLst>
+                                          <p:attrName>style.visibility</p:attrName>
+                                        </p:attrNameLst>
+                                      </p:cBhvr>
+                                      <p:to>
+                                        <p:strVal val="visible"/>
+                                      </p:to>
+                                    </p:set>
+                                    <p:animEffect transition="in" filter="dissolve">
+                                      <p:cBhvr>
+                                        <p:cTn id="19" dur="1000"/>
+                                        <p:tgtEl>
+                                          <p:spTgt spid="3"/>
+                                        </p:tgtEl>
+                                      </p:cBhvr>
+                                    </p:animEffect>
+                                  </p:childTnLst>
+                                </p:cTn>
+                              </p:par>
+                            </p:childTnLst>
+                          </p:cTn>
+                        </p:par>
+                      </p:childTnLst>
+                    </p:cTn>
+                  </p:par>
+                  <p:par>
+                    <p:cTn id="20" fill="hold">
+                      <p:stCondLst>
+                        <p:cond delay="indefinite"/>
+                      </p:stCondLst>
+                      <p:childTnLst>
+                        <p:par>
+                          <p:cTn id="21" fill="hold">
+                            <p:stCondLst>
+                              <p:cond delay="0"/>
+                            </p:stCondLst>
+                            <p:childTnLst>
+                              <p:par>
+                                <p:cTn id="22" presetID="1" presetClass="entr" presetSubtype="0" fill="hold" grpId="0" nodeType="clickEffect">
+                                  <p:stCondLst>
+                                    <p:cond delay="0"/>
+                                  </p:stCondLst>
+                                  <p:childTnLst>
+                                    <p:set>
+                                      <p:cBhvr>
+                                        <p:cTn id="23" dur="1" fill="hold">
+                                          <p:stCondLst>
+                                            <p:cond delay="0"/>
+                                          </p:stCondLst>
+                                        </p:cTn>
+                                        <p:tgtEl>
+                                          <p:spTgt spid="4"/>
+                                        </p:tgtEl>
+                                        <p:attrNameLst>
+                                          <p:attrName>style.visibility</p:attrName>
+                                        </p:attrNameLst>
+                                      </p:cBhvr>
+                                      <p:to>
+                                        <p:strVal val="visible"/>
+                                      </p:to>
+                                    </p:set>
+                                  </p:childTnLst>
+                                  <p:subTnLst>
+                                    <p:set>
+                                      <p:cBhvr override="childStyle">
+                                        <p:cTn dur="1" fill="hold" display="0" masterRel="nextClick" afterEffect="1"/>
+                                        <p:tgtEl>
+                                          <p:spTgt spid="4"/>
+                                        </p:tgtEl>
+                                        <p:attrNameLst>
+                                          <p:attrName>style.visibility</p:attrName>
+                                        </p:attrNameLst>
+                                      </p:cBhvr>
+                                      <p:to>
+                                        <p:strVal val="hidden"/>
+                                      </p:to>
+                                    </p:set>
+                                  </p:subTnLst>
+                                </p:cTn>
+                              </p:par>
+                              <p:par>
+                                <p:cTn id="24" presetID="9" presetClass="entr" presetSubtype="0" fill="hold" nodeType="withEffect">
+                                  <p:stCondLst>
+                                    <p:cond delay="0"/>
+                                  </p:stCondLst>
+                                  <p:childTnLst>
+                                    <p:set>
+                                      <p:cBhvr>
+                                        <p:cTn id="25" dur="1" fill="hold">
+                                          <p:stCondLst>
+                                            <p:cond delay="0"/>
+                                          </p:stCondLst>
+                                        </p:cTn>
+                                        <p:tgtEl>
+                                          <p:spTgt spid="5"/>
+                                        </p:tgtEl>
+                                        <p:attrNameLst>
+                                          <p:attrName>style.visibility</p:attrName>
+                                        </p:attrNameLst>
+                                      </p:cBhvr>
+                                      <p:to>
+                                        <p:strVal val="visible"/>
+                                      </p:to>
+                                    </p:set>
+                                    <p:animEffect transition="in" filter="dissolve">
+                                      <p:cBhvr>
+                                        <p:cTn id="26" dur="1000"/>
+                                        <p:tgtEl>
+                                          <p:spTgt spid="5"/>
+                                        </p:tgtEl>
+                                      </p:cBhvr>
+                                    </p:animEffect>
+                                  </p:childTnLst>
+                                </p:cTn>
+                              </p:par>
+                            </p:childTnLst>
+                          </p:cTn>
+                        </p:par>
+                      </p:childTnLst>
+                    </p:cTn>
+                  </p:par>
+                  <p:par>
+                    <p:cTn id="27" fill="hold">
+                      <p:stCondLst>
+                        <p:cond delay="indefinite"/>
+                      </p:stCondLst>
+                      <p:childTnLst>
+                        <p:par>
+                          <p:cTn id="28" fill="hold">
+                            <p:stCondLst>
+                              <p:cond delay="0"/>
+                            </p:stCondLst>
+                            <p:childTnLst>
+                              <p:par>
+                                <p:cTn id="29" presetID="1" presetClass="entr" presetSubtype="0" fill="hold" grpId="0" nodeType="clickEffect">
+                                  <p:stCondLst>
+                                    <p:cond delay="0"/>
+                                  </p:stCondLst>
+                                  <p:childTnLst>
+                                    <p:set>
+                                      <p:cBhvr>
+                                        <p:cTn id="30" dur="1" fill="hold">
+                                          <p:stCondLst>
+                                            <p:cond delay="0"/>
+                                          </p:stCondLst>
+                                        </p:cTn>
+                                        <p:tgtEl>
+                                          <p:spTgt spid="6"/>
+                                        </p:tgtEl>
+                                        <p:attrNameLst>
+                                          <p:attrName>style.visibility</p:attrName>
+                                        </p:attrNameLst>
+                                      </p:cBhvr>
+                                      <p:to>
+                                        <p:strVal val="visible"/>
+                                      </p:to>
+                                    </p:set>
+                                  </p:childTnLst>
+                                  <p:subTnLst>
+                                    <p:set>
+                                      <p:cBhvr override="childStyle">
+                                        <p:cTn dur="1" fill="hold" display="0" masterRel="nextClick" afterEffect="1"/>
+                                        <p:tgtEl>
+                                          <p:spTgt spid="6"/>
+                                        </p:tgtEl>
+                                        <p:attrNameLst>
+                                          <p:attrName>style.visibility</p:attrName>
+                                        </p:attrNameLst>
+                                      </p:cBhvr>
+                                      <p:to>
+                                        <p:strVal val="hidden"/>
+                                      </p:to>
+                                    </p:set>
+                                  </p:subTnLst>
+                                </p:cTn>
+                              </p:par>
+                              <p:par>
+                                <p:cTn id="31" presetID="9" presetClass="entr" presetSubtype="0" fill="hold" nodeType="withEffect">
+                                  <p:stCondLst>
+                                    <p:cond delay="0"/>
+                                  </p:stCondLst>
+                                  <p:childTnLst>
+                                    <p:set>
+                                      <p:cBhvr>
+                                        <p:cTn id="32" dur="1" fill="hold">
+                                          <p:stCondLst>
+                                            <p:cond delay="0"/>
+                                          </p:stCondLst>
+                                        </p:cTn>
+                                        <p:tgtEl>
+                                          <p:spTgt spid="7"/>
+                                        </p:tgtEl>
+                                        <p:attrNameLst>
+                                          <p:attrName>style.visibility</p:attrName>
+                                        </p:attrNameLst>
+                                      </p:cBhvr>
+                                      <p:to>
+                                        <p:strVal val="visible"/>
+                                      </p:to>
+                                    </p:set>
+                                    <p:animEffect transition="in" filter="dissolve">
+                                      <p:cBhvr>
+                                        <p:cTn id="33" dur="1000"/>
+                                        <p:tgtEl>
+                                          <p:spTgt spid="7"/>
+                                        </p:tgtEl>
+                                      </p:cBhvr>
+                                    </p:animEffect>
+                                  </p:childTnLst>
+                                </p:cTn>
+                              </p:par>
+                            </p:childTnLst>
+                          </p:cTn>
+                        </p:par>
+                      </p:childTnLst>
+                    </p:cTn>
+                  </p:par>
+                  <p:par>
+                    <p:cTn id="34" fill="hold">
+                      <p:stCondLst>
+                        <p:cond delay="indefinite"/>
+                      </p:stCondLst>
+                      <p:childTnLst>
+                        <p:par>
+                          <p:cTn id="35" fill="hold">
+                            <p:stCondLst>
+                              <p:cond delay="0"/>
+                            </p:stCondLst>
+                            <p:childTnLst>
+                              <p:par>
+                                <p:cTn id="36" presetID="1" presetClass="entr" presetSubtype="0" fill="hold" grpId="0" nodeType="clickEffect">
+                                  <p:stCondLst>
+                                    <p:cond delay="0"/>
+                                  </p:stCondLst>
+                                  <p:childTnLst>
+                                    <p:set>
+                                      <p:cBhvr>
+                                        <p:cTn id="37" dur="1" fill="hold">
+                                          <p:stCondLst>
+                                            <p:cond delay="0"/>
+                                          </p:stCondLst>
+                                        </p:cTn>
+                                        <p:tgtEl>
+                                          <p:spTgt spid="8"/>
+                                        </p:tgtEl>
+                                        <p:attrNameLst>
+                                          <p:attrName>style.visibility</p:attrName>
+                                        </p:attrNameLst>
+                                      </p:cBhvr>
+                                      <p:to>
+                                        <p:strVal val="visible"/>
+                                      </p:to>
+                                    </p:set>
+                                  </p:childTnLst>
+                                  <p:subTnLst>
+                                    <p:set>
+                                      <p:cBhvr override="childStyle">
+                                        <p:cTn dur="1" fill="hold" display="0" masterRel="nextClick" afterEffect="1"/>
+                                        <p:tgtEl>
+                                          <p:spTgt spid="8"/>
+                                        </p:tgtEl>
+                                        <p:attrNameLst>
+                                          <p:attrName>style.visibility</p:attrName>
+                                        </p:attrNameLst>
+                                      </p:cBhvr>
+                                      <p:to>
+                                        <p:strVal val="hidden"/>
+                                      </p:to>
+                                    </p:set>
+                                  </p:subTnLst>
+                                </p:cTn>
+                              </p:par>
+                              <p:par>
+                                <p:cTn id="38" presetID="9" presetClass="entr" presetSubtype="0" fill="hold" nodeType="withEffect">
+                                  <p:stCondLst>
+                                    <p:cond delay="0"/>
+                                  </p:stCondLst>
+                                  <p:childTnLst>
+                                    <p:set>
+                                      <p:cBhvr>
+                                        <p:cTn id="39" dur="1" fill="hold">
+                                          <p:stCondLst>
+                                            <p:cond delay="0"/>
+                                          </p:stCondLst>
+                                        </p:cTn>
+                                        <p:tgtEl>
+                                          <p:spTgt spid="9"/>
+                                        </p:tgtEl>
+                                        <p:attrNameLst>
+                                          <p:attrName>style.visibility</p:attrName>
+                                        </p:attrNameLst>
+                                      </p:cBhvr>
+                                      <p:to>
+                                        <p:strVal val="visible"/>
+                                      </p:to>
+                                    </p:set>
+                                    <p:animEffect transition="in" filter="dissolve">
+                                      <p:cBhvr>
+                                        <p:cTn id="40" dur="1000"/>
+                                        <p:tgtEl>
+                                          <p:spTgt spid="9"/>
+                                        </p:tgtEl>
+                                      </p:cBhvr>
+                                    </p:animEffect>
+                                  </p:childTnLst>
+                                </p:cTn>
+                              </p:par>
+                            </p:childTnLst>
+                          </p:cTn>
+                        </p:par>
+                      </p:childTnLst>
+                    </p:cTn>
+                  </p:par>
+                  <p:par>
+                    <p:cTn id="41" fill="hold">
+                      <p:stCondLst>
+                        <p:cond delay="indefinite"/>
+                      </p:stCondLst>
+                      <p:childTnLst>
+                        <p:par>
+                          <p:cTn id="42" fill="hold">
+                            <p:stCondLst>
+                              <p:cond delay="0"/>
+                            </p:stCondLst>
+                            <p:childTnLst>
+                              <p:par>
+                                <p:cTn id="43" presetID="9" presetClass="entr" presetSubtype="0" fill="hold" grpId="0" nodeType="clickEffect">
+                                  <p:stCondLst>
+                                    <p:cond delay="0"/>
+                                  </p:stCondLst>
+                                  <p:childTnLst>
+                                    <p:set>
+                                      <p:cBhvr>
+                                        <p:cTn id="44" dur="1" fill="hold">
+                                          <p:stCondLst>
+                                            <p:cond delay="0"/>
+                                          </p:stCondLst>
+                                        </p:cTn>
+                                        <p:tgtEl>
+                                          <p:spTgt spid="12"/>
+                                        </p:tgtEl>
+                                        <p:attrNameLst>
+                                          <p:attrName>style.visibility</p:attrName>
+                                        </p:attrNameLst>
+                                      </p:cBhvr>
+                                      <p:to>
+                                        <p:strVal val="visible"/>
+                                      </p:to>
+                                    </p:set>
+                                    <p:animEffect transition="in" filter="dissolve">
+                                      <p:cBhvr>
+                                        <p:cTn id="45" dur="500"/>
+                                        <p:tgtEl>
+                                          <p:spTgt spid="12"/>
+                                        </p:tgtEl>
+                                      </p:cBhvr>
+                                    </p:animEffect>
+                                  </p:childTnLst>
+                                  <p:subTnLst>
+                                    <p:set>
+                                      <p:cBhvr override="childStyle">
+                                        <p:cTn dur="1" fill="hold" display="0" masterRel="nextClick" afterEffect="1"/>
+                                        <p:tgtEl>
+                                          <p:spTgt spid="12"/>
+                                        </p:tgtEl>
+                                        <p:attrNameLst>
+                                          <p:attrName>style.visibility</p:attrName>
+                                        </p:attrNameLst>
+                                      </p:cBhvr>
+                                      <p:to>
+                                        <p:strVal val="hidden"/>
+                                      </p:to>
+                                    </p:set>
+                                  </p:subTnLst>
+                                </p:cTn>
+                              </p:par>
+                              <p:par>
+                                <p:cTn id="46" presetID="9" presetClass="entr" presetSubtype="0" fill="hold" nodeType="withEffect">
+                                  <p:stCondLst>
+                                    <p:cond delay="0"/>
+                                  </p:stCondLst>
+                                  <p:childTnLst>
+                                    <p:set>
+                                      <p:cBhvr>
+                                        <p:cTn id="47" dur="1" fill="hold">
+                                          <p:stCondLst>
+                                            <p:cond delay="0"/>
+                                          </p:stCondLst>
+                                        </p:cTn>
+                                        <p:tgtEl>
+                                          <p:spTgt spid="13"/>
+                                        </p:tgtEl>
+                                        <p:attrNameLst>
+                                          <p:attrName>style.visibility</p:attrName>
+                                        </p:attrNameLst>
+                                      </p:cBhvr>
+                                      <p:to>
+                                        <p:strVal val="visible"/>
+                                      </p:to>
+                                    </p:set>
+                                    <p:animEffect transition="in" filter="dissolve">
+                                      <p:cBhvr>
+                                        <p:cTn id="48" dur="500"/>
+                                        <p:tgtEl>
+                                          <p:spTgt spid="13"/>
+                                        </p:tgtEl>
+                                      </p:cBhvr>
+                                    </p:animEffect>
+                                  </p:childTnLst>
+                                </p:cTn>
+                              </p:par>
+                            </p:childTnLst>
+                          </p:cTn>
+                        </p:par>
+                      </p:childTnLst>
+                    </p:cTn>
+                  </p:par>
+                </p:childTnLst>
+              </p:cTn>
+              <p:prevCondLst>
+                <p:cond evt="onPrev" delay="0">
+                  <p:tgtEl>
+                    <p:sldTgt/>
+                  </p:tgtEl>
+                </p:cond>
+              </p:prevCondLst>
+              <p:nextCondLst>
+                <p:cond evt="onNext" delay="0">
+                  <p:tgtEl>
+                    <p:sldTgt/>
+                  </p:tgtEl>
+                </p:cond>
+              </p:nextCondLst>
+            </p:seq>
+          </p:childTnLst>
+        </p:cTn>
+      </p:par>
+    </p:tnLst>
+    <p:bldLst>
+      <p:bldP spid="103" grpId="0" build="allAtOnce"/>
+      <p:bldP spid="2" grpId="0"/>
+      <p:bldP spid="4" grpId="0"/>
+      <p:bldP spid="6" grpId="0"/>
+      <p:bldP spid="8" grpId="0"/>
+      <p:bldP spid="12" grpId="0"/>
+    </p:bldLst>
+  </p:timing>
 </p:sld>
 </file>
 

--- a/Abgabe/Dokumentation/Präsentation.pptx
+++ b/Abgabe/Dokumentation/Präsentation.pptx
@@ -21,14 +21,15 @@
     <p:sldId id="273" r:id="rId15"/>
     <p:sldId id="274" r:id="rId16"/>
     <p:sldId id="283" r:id="rId17"/>
-    <p:sldId id="276" r:id="rId18"/>
-    <p:sldId id="277" r:id="rId19"/>
-    <p:sldId id="278" r:id="rId20"/>
-    <p:sldId id="284" r:id="rId21"/>
-    <p:sldId id="279" r:id="rId22"/>
-    <p:sldId id="275" r:id="rId23"/>
-    <p:sldId id="280" r:id="rId24"/>
-    <p:sldId id="281" r:id="rId25"/>
+    <p:sldId id="287" r:id="rId18"/>
+    <p:sldId id="276" r:id="rId19"/>
+    <p:sldId id="277" r:id="rId20"/>
+    <p:sldId id="278" r:id="rId21"/>
+    <p:sldId id="284" r:id="rId22"/>
+    <p:sldId id="279" r:id="rId23"/>
+    <p:sldId id="275" r:id="rId24"/>
+    <p:sldId id="280" r:id="rId25"/>
+    <p:sldId id="281" r:id="rId26"/>
   </p:sldIdLst>
   <p:sldSz cx="12192000" cy="6858000"/>
   <p:notesSz cx="7559675" cy="10691813"/>
@@ -14940,6 +14941,1290 @@
           </a:p>
         </p:txBody>
       </p:sp>
+      <p:graphicFrame>
+        <p:nvGraphicFramePr>
+          <p:cNvPr id="6" name="Tabelle 5">
+            <a:extLst>
+              <a:ext uri="{FF2B5EF4-FFF2-40B4-BE49-F238E27FC236}">
+                <a16:creationId xmlns:a16="http://schemas.microsoft.com/office/drawing/2014/main" id="{41F8A205-8853-9C90-FA6C-DB8D3E517E3E}"/>
+              </a:ext>
+            </a:extLst>
+          </p:cNvPr>
+          <p:cNvGraphicFramePr>
+            <a:graphicFrameLocks noGrp="1"/>
+          </p:cNvGraphicFramePr>
+          <p:nvPr>
+            <p:extLst>
+              <p:ext uri="{D42A27DB-BD31-4B8C-83A1-F6EECF244321}">
+                <p14:modId xmlns:p14="http://schemas.microsoft.com/office/powerpoint/2010/main" val="1152101363"/>
+              </p:ext>
+            </p:extLst>
+          </p:nvPr>
+        </p:nvGraphicFramePr>
+        <p:xfrm>
+          <a:off x="800520" y="1696453"/>
+          <a:ext cx="10590960" cy="4247147"/>
+        </p:xfrm>
+        <a:graphic>
+          <a:graphicData uri="http://schemas.openxmlformats.org/drawingml/2006/table">
+            <a:tbl>
+              <a:tblPr firstRow="1" bandRow="1">
+                <a:tableStyleId>{5C22544A-7EE6-4342-B048-85BDC9FD1C3A}</a:tableStyleId>
+              </a:tblPr>
+              <a:tblGrid>
+                <a:gridCol w="2118192">
+                  <a:extLst>
+                    <a:ext uri="{9D8B030D-6E8A-4147-A177-3AD203B41FA5}">
+                      <a16:colId xmlns:a16="http://schemas.microsoft.com/office/drawing/2014/main" val="3376875387"/>
+                    </a:ext>
+                  </a:extLst>
+                </a:gridCol>
+                <a:gridCol w="2118192">
+                  <a:extLst>
+                    <a:ext uri="{9D8B030D-6E8A-4147-A177-3AD203B41FA5}">
+                      <a16:colId xmlns:a16="http://schemas.microsoft.com/office/drawing/2014/main" val="805869292"/>
+                    </a:ext>
+                  </a:extLst>
+                </a:gridCol>
+                <a:gridCol w="2118192">
+                  <a:extLst>
+                    <a:ext uri="{9D8B030D-6E8A-4147-A177-3AD203B41FA5}">
+                      <a16:colId xmlns:a16="http://schemas.microsoft.com/office/drawing/2014/main" val="2207912060"/>
+                    </a:ext>
+                  </a:extLst>
+                </a:gridCol>
+                <a:gridCol w="2118192">
+                  <a:extLst>
+                    <a:ext uri="{9D8B030D-6E8A-4147-A177-3AD203B41FA5}">
+                      <a16:colId xmlns:a16="http://schemas.microsoft.com/office/drawing/2014/main" val="2071083249"/>
+                    </a:ext>
+                  </a:extLst>
+                </a:gridCol>
+                <a:gridCol w="2118192">
+                  <a:extLst>
+                    <a:ext uri="{9D8B030D-6E8A-4147-A177-3AD203B41FA5}">
+                      <a16:colId xmlns:a16="http://schemas.microsoft.com/office/drawing/2014/main" val="114430656"/>
+                    </a:ext>
+                  </a:extLst>
+                </a:gridCol>
+              </a:tblGrid>
+              <a:tr h="440909">
+                <a:tc>
+                  <a:txBody>
+                    <a:bodyPr/>
+                    <a:lstStyle/>
+                    <a:p>
+                      <a:pPr>
+                        <a:lnSpc>
+                          <a:spcPct val="150000"/>
+                        </a:lnSpc>
+                        <a:spcAft>
+                          <a:spcPts val="600"/>
+                        </a:spcAft>
+                        <a:buNone/>
+                      </a:pPr>
+                      <a:r>
+                        <a:rPr lang="de-DE" sz="1000" b="1" kern="100" dirty="0">
+                          <a:effectLst/>
+                          <a:latin typeface="Arial" panose="020B0604020202020204" pitchFamily="34" charset="0"/>
+                          <a:ea typeface="Noto Serif CJK SC"/>
+                          <a:cs typeface="Arial" panose="020B0604020202020204" pitchFamily="34" charset="0"/>
+                        </a:rPr>
+                        <a:t>Stakeholder</a:t>
+                      </a:r>
+                      <a:endParaRPr lang="de-DE" sz="1200" kern="100" dirty="0">
+                        <a:effectLst/>
+                        <a:latin typeface="Arial" panose="020B0604020202020204" pitchFamily="34" charset="0"/>
+                        <a:ea typeface="Noto Serif CJK SC"/>
+                        <a:cs typeface="Noto Sans Devanagari" panose="020B0502040504020204" pitchFamily="34" charset="0"/>
+                      </a:endParaRPr>
+                    </a:p>
+                  </a:txBody>
+                  <a:tcPr marL="68580" marR="68580" marT="0" marB="0"/>
+                </a:tc>
+                <a:tc>
+                  <a:txBody>
+                    <a:bodyPr/>
+                    <a:lstStyle/>
+                    <a:p>
+                      <a:pPr>
+                        <a:lnSpc>
+                          <a:spcPct val="150000"/>
+                        </a:lnSpc>
+                        <a:spcAft>
+                          <a:spcPts val="600"/>
+                        </a:spcAft>
+                        <a:buNone/>
+                      </a:pPr>
+                      <a:r>
+                        <a:rPr lang="de-DE" sz="1000" b="1" kern="100">
+                          <a:effectLst/>
+                          <a:latin typeface="Arial" panose="020B0604020202020204" pitchFamily="34" charset="0"/>
+                          <a:ea typeface="Noto Serif CJK SC"/>
+                          <a:cs typeface="Arial" panose="020B0604020202020204" pitchFamily="34" charset="0"/>
+                        </a:rPr>
+                        <a:t>Was wird kommuniziert?</a:t>
+                      </a:r>
+                      <a:endParaRPr lang="de-DE" sz="1200" kern="100">
+                        <a:effectLst/>
+                        <a:latin typeface="Arial" panose="020B0604020202020204" pitchFamily="34" charset="0"/>
+                        <a:ea typeface="Noto Serif CJK SC"/>
+                        <a:cs typeface="Noto Sans Devanagari" panose="020B0502040504020204" pitchFamily="34" charset="0"/>
+                      </a:endParaRPr>
+                    </a:p>
+                  </a:txBody>
+                  <a:tcPr marL="68580" marR="68580" marT="0" marB="0"/>
+                </a:tc>
+                <a:tc>
+                  <a:txBody>
+                    <a:bodyPr/>
+                    <a:lstStyle/>
+                    <a:p>
+                      <a:pPr>
+                        <a:lnSpc>
+                          <a:spcPct val="150000"/>
+                        </a:lnSpc>
+                        <a:spcAft>
+                          <a:spcPts val="600"/>
+                        </a:spcAft>
+                        <a:buNone/>
+                      </a:pPr>
+                      <a:r>
+                        <a:rPr lang="de-DE" sz="1000" b="1" kern="100">
+                          <a:effectLst/>
+                          <a:latin typeface="Arial" panose="020B0604020202020204" pitchFamily="34" charset="0"/>
+                          <a:ea typeface="Noto Serif CJK SC"/>
+                          <a:cs typeface="Arial" panose="020B0604020202020204" pitchFamily="34" charset="0"/>
+                        </a:rPr>
+                        <a:t>Häufigkeit</a:t>
+                      </a:r>
+                      <a:endParaRPr lang="de-DE" sz="1200" kern="100">
+                        <a:effectLst/>
+                        <a:latin typeface="Arial" panose="020B0604020202020204" pitchFamily="34" charset="0"/>
+                        <a:ea typeface="Noto Serif CJK SC"/>
+                        <a:cs typeface="Noto Sans Devanagari" panose="020B0502040504020204" pitchFamily="34" charset="0"/>
+                      </a:endParaRPr>
+                    </a:p>
+                  </a:txBody>
+                  <a:tcPr marL="68580" marR="68580" marT="0" marB="0"/>
+                </a:tc>
+                <a:tc>
+                  <a:txBody>
+                    <a:bodyPr/>
+                    <a:lstStyle/>
+                    <a:p>
+                      <a:pPr>
+                        <a:lnSpc>
+                          <a:spcPct val="150000"/>
+                        </a:lnSpc>
+                        <a:spcAft>
+                          <a:spcPts val="600"/>
+                        </a:spcAft>
+                        <a:buNone/>
+                      </a:pPr>
+                      <a:r>
+                        <a:rPr lang="de-DE" sz="1000" b="1" kern="100">
+                          <a:effectLst/>
+                          <a:latin typeface="Arial" panose="020B0604020202020204" pitchFamily="34" charset="0"/>
+                          <a:ea typeface="Noto Serif CJK SC"/>
+                          <a:cs typeface="Arial" panose="020B0604020202020204" pitchFamily="34" charset="0"/>
+                        </a:rPr>
+                        <a:t>Wie wird kommuniziert?</a:t>
+                      </a:r>
+                      <a:endParaRPr lang="de-DE" sz="1200" kern="100">
+                        <a:effectLst/>
+                        <a:latin typeface="Arial" panose="020B0604020202020204" pitchFamily="34" charset="0"/>
+                        <a:ea typeface="Noto Serif CJK SC"/>
+                        <a:cs typeface="Noto Sans Devanagari" panose="020B0502040504020204" pitchFamily="34" charset="0"/>
+                      </a:endParaRPr>
+                    </a:p>
+                  </a:txBody>
+                  <a:tcPr marL="68580" marR="68580" marT="0" marB="0"/>
+                </a:tc>
+                <a:tc>
+                  <a:txBody>
+                    <a:bodyPr/>
+                    <a:lstStyle/>
+                    <a:p>
+                      <a:pPr>
+                        <a:lnSpc>
+                          <a:spcPct val="150000"/>
+                        </a:lnSpc>
+                        <a:spcAft>
+                          <a:spcPts val="600"/>
+                        </a:spcAft>
+                        <a:buNone/>
+                      </a:pPr>
+                      <a:r>
+                        <a:rPr lang="de-DE" sz="1000" b="1" kern="100">
+                          <a:effectLst/>
+                          <a:latin typeface="Arial" panose="020B0604020202020204" pitchFamily="34" charset="0"/>
+                          <a:ea typeface="Noto Serif CJK SC"/>
+                          <a:cs typeface="Arial" panose="020B0604020202020204" pitchFamily="34" charset="0"/>
+                        </a:rPr>
+                        <a:t>Verantwortlicher</a:t>
+                      </a:r>
+                      <a:endParaRPr lang="de-DE" sz="1200" kern="100">
+                        <a:effectLst/>
+                        <a:latin typeface="Arial" panose="020B0604020202020204" pitchFamily="34" charset="0"/>
+                        <a:ea typeface="Noto Serif CJK SC"/>
+                        <a:cs typeface="Noto Sans Devanagari" panose="020B0502040504020204" pitchFamily="34" charset="0"/>
+                      </a:endParaRPr>
+                    </a:p>
+                  </a:txBody>
+                  <a:tcPr marL="68580" marR="68580" marT="0" marB="0"/>
+                </a:tc>
+                <a:extLst>
+                  <a:ext uri="{0D108BD9-81ED-4DB2-BD59-A6C34878D82A}">
+                    <a16:rowId xmlns:a16="http://schemas.microsoft.com/office/drawing/2014/main" val="42477676"/>
+                  </a:ext>
+                </a:extLst>
+              </a:tr>
+              <a:tr h="1053576">
+                <a:tc>
+                  <a:txBody>
+                    <a:bodyPr/>
+                    <a:lstStyle/>
+                    <a:p>
+                      <a:pPr>
+                        <a:lnSpc>
+                          <a:spcPct val="150000"/>
+                        </a:lnSpc>
+                        <a:spcAft>
+                          <a:spcPts val="600"/>
+                        </a:spcAft>
+                        <a:buNone/>
+                      </a:pPr>
+                      <a:r>
+                        <a:rPr lang="de-DE" sz="1000" kern="100">
+                          <a:effectLst/>
+                          <a:latin typeface="Arial" panose="020B0604020202020204" pitchFamily="34" charset="0"/>
+                          <a:ea typeface="Noto Serif CJK SC"/>
+                          <a:cs typeface="Arial" panose="020B0604020202020204" pitchFamily="34" charset="0"/>
+                        </a:rPr>
+                        <a:t>Geschäftsführung</a:t>
+                      </a:r>
+                      <a:endParaRPr lang="de-DE" sz="1200" kern="100">
+                        <a:effectLst/>
+                        <a:latin typeface="Arial" panose="020B0604020202020204" pitchFamily="34" charset="0"/>
+                        <a:ea typeface="Noto Serif CJK SC"/>
+                        <a:cs typeface="Noto Sans Devanagari" panose="020B0502040504020204" pitchFamily="34" charset="0"/>
+                      </a:endParaRPr>
+                    </a:p>
+                  </a:txBody>
+                  <a:tcPr marL="68580" marR="68580" marT="0" marB="0"/>
+                </a:tc>
+                <a:tc>
+                  <a:txBody>
+                    <a:bodyPr/>
+                    <a:lstStyle/>
+                    <a:p>
+                      <a:pPr>
+                        <a:lnSpc>
+                          <a:spcPct val="150000"/>
+                        </a:lnSpc>
+                        <a:spcAft>
+                          <a:spcPts val="600"/>
+                        </a:spcAft>
+                        <a:buNone/>
+                      </a:pPr>
+                      <a:r>
+                        <a:rPr lang="de-DE" sz="1000" kern="100">
+                          <a:effectLst/>
+                          <a:latin typeface="Arial" panose="020B0604020202020204" pitchFamily="34" charset="0"/>
+                          <a:ea typeface="Noto Serif CJK SC"/>
+                          <a:cs typeface="Arial" panose="020B0604020202020204" pitchFamily="34" charset="0"/>
+                        </a:rPr>
+                        <a:t>Ergebnisse Sprints, Wichtige Entscheidungen, Dokumenationen, Zeitplanänderungen, Product-Backlog Änderungen</a:t>
+                      </a:r>
+                      <a:endParaRPr lang="de-DE" sz="1200" kern="100">
+                        <a:effectLst/>
+                        <a:latin typeface="Arial" panose="020B0604020202020204" pitchFamily="34" charset="0"/>
+                        <a:ea typeface="Noto Serif CJK SC"/>
+                        <a:cs typeface="Noto Sans Devanagari" panose="020B0502040504020204" pitchFamily="34" charset="0"/>
+                      </a:endParaRPr>
+                    </a:p>
+                  </a:txBody>
+                  <a:tcPr marL="68580" marR="68580" marT="0" marB="0"/>
+                </a:tc>
+                <a:tc>
+                  <a:txBody>
+                    <a:bodyPr/>
+                    <a:lstStyle/>
+                    <a:p>
+                      <a:pPr>
+                        <a:lnSpc>
+                          <a:spcPct val="150000"/>
+                        </a:lnSpc>
+                        <a:spcAft>
+                          <a:spcPts val="600"/>
+                        </a:spcAft>
+                        <a:buNone/>
+                      </a:pPr>
+                      <a:r>
+                        <a:rPr lang="de-DE" sz="1000" kern="100" dirty="0">
+                          <a:effectLst/>
+                          <a:latin typeface="Arial" panose="020B0604020202020204" pitchFamily="34" charset="0"/>
+                          <a:ea typeface="Noto Serif CJK SC"/>
+                          <a:cs typeface="Arial" panose="020B0604020202020204" pitchFamily="34" charset="0"/>
+                        </a:rPr>
+                        <a:t>2x wöchentlich</a:t>
+                      </a:r>
+                      <a:endParaRPr lang="de-DE" sz="1200" kern="100" dirty="0">
+                        <a:effectLst/>
+                        <a:latin typeface="Arial" panose="020B0604020202020204" pitchFamily="34" charset="0"/>
+                        <a:ea typeface="Noto Serif CJK SC"/>
+                        <a:cs typeface="Noto Sans Devanagari" panose="020B0502040504020204" pitchFamily="34" charset="0"/>
+                      </a:endParaRPr>
+                    </a:p>
+                  </a:txBody>
+                  <a:tcPr marL="68580" marR="68580" marT="0" marB="0"/>
+                </a:tc>
+                <a:tc>
+                  <a:txBody>
+                    <a:bodyPr/>
+                    <a:lstStyle/>
+                    <a:p>
+                      <a:pPr>
+                        <a:lnSpc>
+                          <a:spcPct val="150000"/>
+                        </a:lnSpc>
+                        <a:spcAft>
+                          <a:spcPts val="600"/>
+                        </a:spcAft>
+                        <a:buNone/>
+                      </a:pPr>
+                      <a:r>
+                        <a:rPr lang="de-DE" sz="1000" kern="100">
+                          <a:effectLst/>
+                          <a:latin typeface="Arial" panose="020B0604020202020204" pitchFamily="34" charset="0"/>
+                          <a:ea typeface="Noto Serif CJK SC"/>
+                          <a:cs typeface="Arial" panose="020B0604020202020204" pitchFamily="34" charset="0"/>
+                        </a:rPr>
+                        <a:t>Per Meeting und Mail</a:t>
+                      </a:r>
+                      <a:endParaRPr lang="de-DE" sz="1200" kern="100">
+                        <a:effectLst/>
+                        <a:latin typeface="Arial" panose="020B0604020202020204" pitchFamily="34" charset="0"/>
+                        <a:ea typeface="Noto Serif CJK SC"/>
+                        <a:cs typeface="Noto Sans Devanagari" panose="020B0502040504020204" pitchFamily="34" charset="0"/>
+                      </a:endParaRPr>
+                    </a:p>
+                  </a:txBody>
+                  <a:tcPr marL="68580" marR="68580" marT="0" marB="0"/>
+                </a:tc>
+                <a:tc>
+                  <a:txBody>
+                    <a:bodyPr/>
+                    <a:lstStyle/>
+                    <a:p>
+                      <a:pPr>
+                        <a:lnSpc>
+                          <a:spcPct val="150000"/>
+                        </a:lnSpc>
+                        <a:spcAft>
+                          <a:spcPts val="600"/>
+                        </a:spcAft>
+                        <a:buNone/>
+                      </a:pPr>
+                      <a:r>
+                        <a:rPr lang="de-DE" sz="1000" kern="100">
+                          <a:effectLst/>
+                          <a:latin typeface="Arial" panose="020B0604020202020204" pitchFamily="34" charset="0"/>
+                          <a:ea typeface="Noto Serif CJK SC"/>
+                          <a:cs typeface="Arial" panose="020B0604020202020204" pitchFamily="34" charset="0"/>
+                        </a:rPr>
+                        <a:t>Scrum Master und Product Owner</a:t>
+                      </a:r>
+                      <a:endParaRPr lang="de-DE" sz="1200" kern="100">
+                        <a:effectLst/>
+                        <a:latin typeface="Arial" panose="020B0604020202020204" pitchFamily="34" charset="0"/>
+                        <a:ea typeface="Noto Serif CJK SC"/>
+                        <a:cs typeface="Noto Sans Devanagari" panose="020B0502040504020204" pitchFamily="34" charset="0"/>
+                      </a:endParaRPr>
+                    </a:p>
+                  </a:txBody>
+                  <a:tcPr marL="68580" marR="68580" marT="0" marB="0"/>
+                </a:tc>
+                <a:extLst>
+                  <a:ext uri="{0D108BD9-81ED-4DB2-BD59-A6C34878D82A}">
+                    <a16:rowId xmlns:a16="http://schemas.microsoft.com/office/drawing/2014/main" val="1203026942"/>
+                  </a:ext>
+                </a:extLst>
+              </a:tr>
+              <a:tr h="509990">
+                <a:tc>
+                  <a:txBody>
+                    <a:bodyPr/>
+                    <a:lstStyle/>
+                    <a:p>
+                      <a:pPr>
+                        <a:lnSpc>
+                          <a:spcPct val="150000"/>
+                        </a:lnSpc>
+                        <a:spcAft>
+                          <a:spcPts val="600"/>
+                        </a:spcAft>
+                        <a:buNone/>
+                      </a:pPr>
+                      <a:r>
+                        <a:rPr lang="de-DE" sz="1000" kern="100">
+                          <a:effectLst/>
+                          <a:latin typeface="Arial" panose="020B0604020202020204" pitchFamily="34" charset="0"/>
+                          <a:ea typeface="Noto Serif CJK SC"/>
+                          <a:cs typeface="Arial" panose="020B0604020202020204" pitchFamily="34" charset="0"/>
+                        </a:rPr>
+                        <a:t>HR-Abteilung</a:t>
+                      </a:r>
+                      <a:endParaRPr lang="de-DE" sz="1200" kern="100">
+                        <a:effectLst/>
+                        <a:latin typeface="Arial" panose="020B0604020202020204" pitchFamily="34" charset="0"/>
+                        <a:ea typeface="Noto Serif CJK SC"/>
+                        <a:cs typeface="Noto Sans Devanagari" panose="020B0502040504020204" pitchFamily="34" charset="0"/>
+                      </a:endParaRPr>
+                    </a:p>
+                  </a:txBody>
+                  <a:tcPr marL="68580" marR="68580" marT="0" marB="0"/>
+                </a:tc>
+                <a:tc>
+                  <a:txBody>
+                    <a:bodyPr/>
+                    <a:lstStyle/>
+                    <a:p>
+                      <a:pPr>
+                        <a:lnSpc>
+                          <a:spcPct val="150000"/>
+                        </a:lnSpc>
+                        <a:spcAft>
+                          <a:spcPts val="600"/>
+                        </a:spcAft>
+                        <a:buNone/>
+                      </a:pPr>
+                      <a:r>
+                        <a:rPr lang="de-DE" sz="1000" kern="100">
+                          <a:effectLst/>
+                          <a:latin typeface="Arial" panose="020B0604020202020204" pitchFamily="34" charset="0"/>
+                          <a:ea typeface="Noto Serif CJK SC"/>
+                          <a:cs typeface="Arial" panose="020B0604020202020204" pitchFamily="34" charset="0"/>
+                        </a:rPr>
+                        <a:t>Stand der Software, potenzielle Änderungen am Product Backlog</a:t>
+                      </a:r>
+                      <a:endParaRPr lang="de-DE" sz="1200" kern="100">
+                        <a:effectLst/>
+                        <a:latin typeface="Arial" panose="020B0604020202020204" pitchFamily="34" charset="0"/>
+                        <a:ea typeface="Noto Serif CJK SC"/>
+                        <a:cs typeface="Noto Sans Devanagari" panose="020B0502040504020204" pitchFamily="34" charset="0"/>
+                      </a:endParaRPr>
+                    </a:p>
+                  </a:txBody>
+                  <a:tcPr marL="68580" marR="68580" marT="0" marB="0"/>
+                </a:tc>
+                <a:tc>
+                  <a:txBody>
+                    <a:bodyPr/>
+                    <a:lstStyle/>
+                    <a:p>
+                      <a:pPr>
+                        <a:lnSpc>
+                          <a:spcPct val="150000"/>
+                        </a:lnSpc>
+                        <a:spcAft>
+                          <a:spcPts val="600"/>
+                        </a:spcAft>
+                        <a:buNone/>
+                      </a:pPr>
+                      <a:r>
+                        <a:rPr lang="de-DE" sz="1000" kern="100">
+                          <a:effectLst/>
+                          <a:latin typeface="Arial" panose="020B0604020202020204" pitchFamily="34" charset="0"/>
+                          <a:ea typeface="Noto Serif CJK SC"/>
+                          <a:cs typeface="Arial" panose="020B0604020202020204" pitchFamily="34" charset="0"/>
+                        </a:rPr>
+                        <a:t>1x alle zwei Wochen</a:t>
+                      </a:r>
+                      <a:endParaRPr lang="de-DE" sz="1200" kern="100">
+                        <a:effectLst/>
+                        <a:latin typeface="Arial" panose="020B0604020202020204" pitchFamily="34" charset="0"/>
+                        <a:ea typeface="Noto Serif CJK SC"/>
+                        <a:cs typeface="Noto Sans Devanagari" panose="020B0502040504020204" pitchFamily="34" charset="0"/>
+                      </a:endParaRPr>
+                    </a:p>
+                  </a:txBody>
+                  <a:tcPr marL="68580" marR="68580" marT="0" marB="0"/>
+                </a:tc>
+                <a:tc>
+                  <a:txBody>
+                    <a:bodyPr/>
+                    <a:lstStyle/>
+                    <a:p>
+                      <a:pPr>
+                        <a:lnSpc>
+                          <a:spcPct val="150000"/>
+                        </a:lnSpc>
+                        <a:spcAft>
+                          <a:spcPts val="600"/>
+                        </a:spcAft>
+                        <a:buNone/>
+                      </a:pPr>
+                      <a:r>
+                        <a:rPr lang="de-DE" sz="1000" kern="100">
+                          <a:effectLst/>
+                          <a:latin typeface="Arial" panose="020B0604020202020204" pitchFamily="34" charset="0"/>
+                          <a:ea typeface="Noto Serif CJK SC"/>
+                          <a:cs typeface="Arial" panose="020B0604020202020204" pitchFamily="34" charset="0"/>
+                        </a:rPr>
+                        <a:t>Per Meeting</a:t>
+                      </a:r>
+                      <a:endParaRPr lang="de-DE" sz="1200" kern="100">
+                        <a:effectLst/>
+                        <a:latin typeface="Arial" panose="020B0604020202020204" pitchFamily="34" charset="0"/>
+                        <a:ea typeface="Noto Serif CJK SC"/>
+                        <a:cs typeface="Noto Sans Devanagari" panose="020B0502040504020204" pitchFamily="34" charset="0"/>
+                      </a:endParaRPr>
+                    </a:p>
+                  </a:txBody>
+                  <a:tcPr marL="68580" marR="68580" marT="0" marB="0"/>
+                </a:tc>
+                <a:tc>
+                  <a:txBody>
+                    <a:bodyPr/>
+                    <a:lstStyle/>
+                    <a:p>
+                      <a:pPr>
+                        <a:lnSpc>
+                          <a:spcPct val="150000"/>
+                        </a:lnSpc>
+                        <a:spcAft>
+                          <a:spcPts val="600"/>
+                        </a:spcAft>
+                        <a:buNone/>
+                      </a:pPr>
+                      <a:r>
+                        <a:rPr lang="de-DE" sz="1000" kern="100">
+                          <a:effectLst/>
+                          <a:latin typeface="Arial" panose="020B0604020202020204" pitchFamily="34" charset="0"/>
+                          <a:ea typeface="Noto Serif CJK SC"/>
+                          <a:cs typeface="Arial" panose="020B0604020202020204" pitchFamily="34" charset="0"/>
+                        </a:rPr>
+                        <a:t>Scrum Master und Product Owner</a:t>
+                      </a:r>
+                      <a:endParaRPr lang="de-DE" sz="1200" kern="100">
+                        <a:effectLst/>
+                        <a:latin typeface="Arial" panose="020B0604020202020204" pitchFamily="34" charset="0"/>
+                        <a:ea typeface="Noto Serif CJK SC"/>
+                        <a:cs typeface="Noto Sans Devanagari" panose="020B0502040504020204" pitchFamily="34" charset="0"/>
+                      </a:endParaRPr>
+                    </a:p>
+                  </a:txBody>
+                  <a:tcPr marL="68580" marR="68580" marT="0" marB="0"/>
+                </a:tc>
+                <a:extLst>
+                  <a:ext uri="{0D108BD9-81ED-4DB2-BD59-A6C34878D82A}">
+                    <a16:rowId xmlns:a16="http://schemas.microsoft.com/office/drawing/2014/main" val="3531154469"/>
+                  </a:ext>
+                </a:extLst>
+              </a:tr>
+              <a:tr h="509990">
+                <a:tc>
+                  <a:txBody>
+                    <a:bodyPr/>
+                    <a:lstStyle/>
+                    <a:p>
+                      <a:pPr>
+                        <a:lnSpc>
+                          <a:spcPct val="150000"/>
+                        </a:lnSpc>
+                        <a:spcAft>
+                          <a:spcPts val="600"/>
+                        </a:spcAft>
+                        <a:buNone/>
+                      </a:pPr>
+                      <a:r>
+                        <a:rPr lang="de-DE" sz="1000" kern="100">
+                          <a:effectLst/>
+                          <a:latin typeface="Arial" panose="020B0604020202020204" pitchFamily="34" charset="0"/>
+                          <a:ea typeface="Noto Serif CJK SC"/>
+                          <a:cs typeface="Arial" panose="020B0604020202020204" pitchFamily="34" charset="0"/>
+                        </a:rPr>
+                        <a:t>IT-Infrastruktur</a:t>
+                      </a:r>
+                      <a:endParaRPr lang="de-DE" sz="1200" kern="100">
+                        <a:effectLst/>
+                        <a:latin typeface="Arial" panose="020B0604020202020204" pitchFamily="34" charset="0"/>
+                        <a:ea typeface="Noto Serif CJK SC"/>
+                        <a:cs typeface="Noto Sans Devanagari" panose="020B0502040504020204" pitchFamily="34" charset="0"/>
+                      </a:endParaRPr>
+                    </a:p>
+                  </a:txBody>
+                  <a:tcPr marL="68580" marR="68580" marT="0" marB="0"/>
+                </a:tc>
+                <a:tc>
+                  <a:txBody>
+                    <a:bodyPr/>
+                    <a:lstStyle/>
+                    <a:p>
+                      <a:pPr>
+                        <a:lnSpc>
+                          <a:spcPct val="150000"/>
+                        </a:lnSpc>
+                        <a:spcAft>
+                          <a:spcPts val="600"/>
+                        </a:spcAft>
+                        <a:buNone/>
+                      </a:pPr>
+                      <a:r>
+                        <a:rPr lang="de-DE" sz="1000" kern="100">
+                          <a:effectLst/>
+                          <a:latin typeface="Arial" panose="020B0604020202020204" pitchFamily="34" charset="0"/>
+                          <a:ea typeface="Noto Serif CJK SC"/>
+                          <a:cs typeface="Arial" panose="020B0604020202020204" pitchFamily="34" charset="0"/>
+                        </a:rPr>
+                        <a:t>Geänderte Software-Anforderungen</a:t>
+                      </a:r>
+                      <a:endParaRPr lang="de-DE" sz="1200" kern="100">
+                        <a:effectLst/>
+                        <a:latin typeface="Arial" panose="020B0604020202020204" pitchFamily="34" charset="0"/>
+                        <a:ea typeface="Noto Serif CJK SC"/>
+                        <a:cs typeface="Noto Sans Devanagari" panose="020B0502040504020204" pitchFamily="34" charset="0"/>
+                      </a:endParaRPr>
+                    </a:p>
+                  </a:txBody>
+                  <a:tcPr marL="68580" marR="68580" marT="0" marB="0"/>
+                </a:tc>
+                <a:tc>
+                  <a:txBody>
+                    <a:bodyPr/>
+                    <a:lstStyle/>
+                    <a:p>
+                      <a:pPr>
+                        <a:lnSpc>
+                          <a:spcPct val="150000"/>
+                        </a:lnSpc>
+                        <a:spcAft>
+                          <a:spcPts val="600"/>
+                        </a:spcAft>
+                        <a:buNone/>
+                      </a:pPr>
+                      <a:r>
+                        <a:rPr lang="de-DE" sz="1000" kern="100">
+                          <a:effectLst/>
+                          <a:latin typeface="Arial" panose="020B0604020202020204" pitchFamily="34" charset="0"/>
+                          <a:ea typeface="Noto Serif CJK SC"/>
+                          <a:cs typeface="Arial" panose="020B0604020202020204" pitchFamily="34" charset="0"/>
+                        </a:rPr>
+                        <a:t>1x monatlich</a:t>
+                      </a:r>
+                      <a:endParaRPr lang="de-DE" sz="1200" kern="100">
+                        <a:effectLst/>
+                        <a:latin typeface="Arial" panose="020B0604020202020204" pitchFamily="34" charset="0"/>
+                        <a:ea typeface="Noto Serif CJK SC"/>
+                        <a:cs typeface="Noto Sans Devanagari" panose="020B0502040504020204" pitchFamily="34" charset="0"/>
+                      </a:endParaRPr>
+                    </a:p>
+                  </a:txBody>
+                  <a:tcPr marL="68580" marR="68580" marT="0" marB="0"/>
+                </a:tc>
+                <a:tc>
+                  <a:txBody>
+                    <a:bodyPr/>
+                    <a:lstStyle/>
+                    <a:p>
+                      <a:pPr>
+                        <a:lnSpc>
+                          <a:spcPct val="150000"/>
+                        </a:lnSpc>
+                        <a:spcAft>
+                          <a:spcPts val="600"/>
+                        </a:spcAft>
+                        <a:buNone/>
+                      </a:pPr>
+                      <a:r>
+                        <a:rPr lang="de-DE" sz="1000" kern="100">
+                          <a:effectLst/>
+                          <a:latin typeface="Arial" panose="020B0604020202020204" pitchFamily="34" charset="0"/>
+                          <a:ea typeface="Noto Serif CJK SC"/>
+                          <a:cs typeface="Arial" panose="020B0604020202020204" pitchFamily="34" charset="0"/>
+                        </a:rPr>
+                        <a:t>Per Mail</a:t>
+                      </a:r>
+                      <a:endParaRPr lang="de-DE" sz="1200" kern="100">
+                        <a:effectLst/>
+                        <a:latin typeface="Arial" panose="020B0604020202020204" pitchFamily="34" charset="0"/>
+                        <a:ea typeface="Noto Serif CJK SC"/>
+                        <a:cs typeface="Noto Sans Devanagari" panose="020B0502040504020204" pitchFamily="34" charset="0"/>
+                      </a:endParaRPr>
+                    </a:p>
+                  </a:txBody>
+                  <a:tcPr marL="68580" marR="68580" marT="0" marB="0"/>
+                </a:tc>
+                <a:tc>
+                  <a:txBody>
+                    <a:bodyPr/>
+                    <a:lstStyle/>
+                    <a:p>
+                      <a:pPr>
+                        <a:lnSpc>
+                          <a:spcPct val="150000"/>
+                        </a:lnSpc>
+                        <a:spcAft>
+                          <a:spcPts val="600"/>
+                        </a:spcAft>
+                        <a:buNone/>
+                      </a:pPr>
+                      <a:r>
+                        <a:rPr lang="de-DE" sz="1000" kern="100">
+                          <a:effectLst/>
+                          <a:latin typeface="Arial" panose="020B0604020202020204" pitchFamily="34" charset="0"/>
+                          <a:ea typeface="Noto Serif CJK SC"/>
+                          <a:cs typeface="Arial" panose="020B0604020202020204" pitchFamily="34" charset="0"/>
+                        </a:rPr>
+                        <a:t>Scrum Master und Entwickler</a:t>
+                      </a:r>
+                      <a:endParaRPr lang="de-DE" sz="1200" kern="100">
+                        <a:effectLst/>
+                        <a:latin typeface="Arial" panose="020B0604020202020204" pitchFamily="34" charset="0"/>
+                        <a:ea typeface="Noto Serif CJK SC"/>
+                        <a:cs typeface="Noto Sans Devanagari" panose="020B0502040504020204" pitchFamily="34" charset="0"/>
+                      </a:endParaRPr>
+                    </a:p>
+                  </a:txBody>
+                  <a:tcPr marL="68580" marR="68580" marT="0" marB="0"/>
+                </a:tc>
+                <a:extLst>
+                  <a:ext uri="{0D108BD9-81ED-4DB2-BD59-A6C34878D82A}">
+                    <a16:rowId xmlns:a16="http://schemas.microsoft.com/office/drawing/2014/main" val="753838855"/>
+                  </a:ext>
+                </a:extLst>
+              </a:tr>
+              <a:tr h="781783">
+                <a:tc>
+                  <a:txBody>
+                    <a:bodyPr/>
+                    <a:lstStyle/>
+                    <a:p>
+                      <a:pPr>
+                        <a:lnSpc>
+                          <a:spcPct val="150000"/>
+                        </a:lnSpc>
+                        <a:spcAft>
+                          <a:spcPts val="600"/>
+                        </a:spcAft>
+                        <a:buNone/>
+                      </a:pPr>
+                      <a:r>
+                        <a:rPr lang="de-DE" sz="1000" kern="100">
+                          <a:effectLst/>
+                          <a:latin typeface="Arial" panose="020B0604020202020204" pitchFamily="34" charset="0"/>
+                          <a:ea typeface="Noto Serif CJK SC"/>
+                          <a:cs typeface="Arial" panose="020B0604020202020204" pitchFamily="34" charset="0"/>
+                        </a:rPr>
+                        <a:t>IT-Entwickler</a:t>
+                      </a:r>
+                      <a:endParaRPr lang="de-DE" sz="1200" kern="100">
+                        <a:effectLst/>
+                        <a:latin typeface="Arial" panose="020B0604020202020204" pitchFamily="34" charset="0"/>
+                        <a:ea typeface="Noto Serif CJK SC"/>
+                        <a:cs typeface="Noto Sans Devanagari" panose="020B0502040504020204" pitchFamily="34" charset="0"/>
+                      </a:endParaRPr>
+                    </a:p>
+                  </a:txBody>
+                  <a:tcPr marL="68580" marR="68580" marT="0" marB="0"/>
+                </a:tc>
+                <a:tc>
+                  <a:txBody>
+                    <a:bodyPr/>
+                    <a:lstStyle/>
+                    <a:p>
+                      <a:pPr>
+                        <a:lnSpc>
+                          <a:spcPct val="150000"/>
+                        </a:lnSpc>
+                        <a:spcAft>
+                          <a:spcPts val="600"/>
+                        </a:spcAft>
+                        <a:buNone/>
+                      </a:pPr>
+                      <a:r>
+                        <a:rPr lang="de-DE" sz="1000" kern="100">
+                          <a:effectLst/>
+                          <a:latin typeface="Arial" panose="020B0604020202020204" pitchFamily="34" charset="0"/>
+                          <a:ea typeface="Noto Serif CJK SC"/>
+                          <a:cs typeface="Arial" panose="020B0604020202020204" pitchFamily="34" charset="0"/>
+                        </a:rPr>
+                        <a:t>Änderungen an der API, wesentliche Änderungen am Source Code</a:t>
+                      </a:r>
+                      <a:endParaRPr lang="de-DE" sz="1200" kern="100">
+                        <a:effectLst/>
+                        <a:latin typeface="Arial" panose="020B0604020202020204" pitchFamily="34" charset="0"/>
+                        <a:ea typeface="Noto Serif CJK SC"/>
+                        <a:cs typeface="Noto Sans Devanagari" panose="020B0502040504020204" pitchFamily="34" charset="0"/>
+                      </a:endParaRPr>
+                    </a:p>
+                  </a:txBody>
+                  <a:tcPr marL="68580" marR="68580" marT="0" marB="0"/>
+                </a:tc>
+                <a:tc>
+                  <a:txBody>
+                    <a:bodyPr/>
+                    <a:lstStyle/>
+                    <a:p>
+                      <a:pPr>
+                        <a:lnSpc>
+                          <a:spcPct val="150000"/>
+                        </a:lnSpc>
+                        <a:spcAft>
+                          <a:spcPts val="600"/>
+                        </a:spcAft>
+                        <a:buNone/>
+                      </a:pPr>
+                      <a:r>
+                        <a:rPr lang="de-DE" sz="1000" kern="100">
+                          <a:effectLst/>
+                          <a:latin typeface="Arial" panose="020B0604020202020204" pitchFamily="34" charset="0"/>
+                          <a:ea typeface="Noto Serif CJK SC"/>
+                          <a:cs typeface="Arial" panose="020B0604020202020204" pitchFamily="34" charset="0"/>
+                        </a:rPr>
+                        <a:t>1x monatlich</a:t>
+                      </a:r>
+                      <a:endParaRPr lang="de-DE" sz="1200" kern="100">
+                        <a:effectLst/>
+                        <a:latin typeface="Arial" panose="020B0604020202020204" pitchFamily="34" charset="0"/>
+                        <a:ea typeface="Noto Serif CJK SC"/>
+                        <a:cs typeface="Noto Sans Devanagari" panose="020B0502040504020204" pitchFamily="34" charset="0"/>
+                      </a:endParaRPr>
+                    </a:p>
+                  </a:txBody>
+                  <a:tcPr marL="68580" marR="68580" marT="0" marB="0"/>
+                </a:tc>
+                <a:tc>
+                  <a:txBody>
+                    <a:bodyPr/>
+                    <a:lstStyle/>
+                    <a:p>
+                      <a:pPr>
+                        <a:lnSpc>
+                          <a:spcPct val="150000"/>
+                        </a:lnSpc>
+                        <a:spcAft>
+                          <a:spcPts val="600"/>
+                        </a:spcAft>
+                        <a:buNone/>
+                      </a:pPr>
+                      <a:r>
+                        <a:rPr lang="de-DE" sz="1000" kern="100">
+                          <a:effectLst/>
+                          <a:latin typeface="Arial" panose="020B0604020202020204" pitchFamily="34" charset="0"/>
+                          <a:ea typeface="Noto Serif CJK SC"/>
+                          <a:cs typeface="Arial" panose="020B0604020202020204" pitchFamily="34" charset="0"/>
+                        </a:rPr>
+                        <a:t>Per Meeting und Mail</a:t>
+                      </a:r>
+                      <a:endParaRPr lang="de-DE" sz="1200" kern="100">
+                        <a:effectLst/>
+                        <a:latin typeface="Arial" panose="020B0604020202020204" pitchFamily="34" charset="0"/>
+                        <a:ea typeface="Noto Serif CJK SC"/>
+                        <a:cs typeface="Noto Sans Devanagari" panose="020B0502040504020204" pitchFamily="34" charset="0"/>
+                      </a:endParaRPr>
+                    </a:p>
+                  </a:txBody>
+                  <a:tcPr marL="68580" marR="68580" marT="0" marB="0"/>
+                </a:tc>
+                <a:tc>
+                  <a:txBody>
+                    <a:bodyPr/>
+                    <a:lstStyle/>
+                    <a:p>
+                      <a:pPr>
+                        <a:lnSpc>
+                          <a:spcPct val="150000"/>
+                        </a:lnSpc>
+                        <a:spcAft>
+                          <a:spcPts val="600"/>
+                        </a:spcAft>
+                        <a:buNone/>
+                      </a:pPr>
+                      <a:r>
+                        <a:rPr lang="de-DE" sz="1000" kern="100">
+                          <a:effectLst/>
+                          <a:latin typeface="Arial" panose="020B0604020202020204" pitchFamily="34" charset="0"/>
+                          <a:ea typeface="Noto Serif CJK SC"/>
+                          <a:cs typeface="Arial" panose="020B0604020202020204" pitchFamily="34" charset="0"/>
+                        </a:rPr>
+                        <a:t>Entwickler</a:t>
+                      </a:r>
+                      <a:endParaRPr lang="de-DE" sz="1200" kern="100">
+                        <a:effectLst/>
+                        <a:latin typeface="Arial" panose="020B0604020202020204" pitchFamily="34" charset="0"/>
+                        <a:ea typeface="Noto Serif CJK SC"/>
+                        <a:cs typeface="Noto Sans Devanagari" panose="020B0502040504020204" pitchFamily="34" charset="0"/>
+                      </a:endParaRPr>
+                    </a:p>
+                  </a:txBody>
+                  <a:tcPr marL="68580" marR="68580" marT="0" marB="0"/>
+                </a:tc>
+                <a:extLst>
+                  <a:ext uri="{0D108BD9-81ED-4DB2-BD59-A6C34878D82A}">
+                    <a16:rowId xmlns:a16="http://schemas.microsoft.com/office/drawing/2014/main" val="1484960447"/>
+                  </a:ext>
+                </a:extLst>
+              </a:tr>
+              <a:tr h="440909">
+                <a:tc>
+                  <a:txBody>
+                    <a:bodyPr/>
+                    <a:lstStyle/>
+                    <a:p>
+                      <a:pPr>
+                        <a:lnSpc>
+                          <a:spcPct val="150000"/>
+                        </a:lnSpc>
+                        <a:spcAft>
+                          <a:spcPts val="600"/>
+                        </a:spcAft>
+                        <a:buNone/>
+                      </a:pPr>
+                      <a:r>
+                        <a:rPr lang="de-DE" sz="1000" kern="100">
+                          <a:effectLst/>
+                          <a:latin typeface="Arial" panose="020B0604020202020204" pitchFamily="34" charset="0"/>
+                          <a:ea typeface="Noto Serif CJK SC"/>
+                          <a:cs typeface="Arial" panose="020B0604020202020204" pitchFamily="34" charset="0"/>
+                        </a:rPr>
+                        <a:t>IT-Security</a:t>
+                      </a:r>
+                      <a:endParaRPr lang="de-DE" sz="1200" kern="100">
+                        <a:effectLst/>
+                        <a:latin typeface="Arial" panose="020B0604020202020204" pitchFamily="34" charset="0"/>
+                        <a:ea typeface="Noto Serif CJK SC"/>
+                        <a:cs typeface="Noto Sans Devanagari" panose="020B0502040504020204" pitchFamily="34" charset="0"/>
+                      </a:endParaRPr>
+                    </a:p>
+                  </a:txBody>
+                  <a:tcPr marL="68580" marR="68580" marT="0" marB="0"/>
+                </a:tc>
+                <a:tc>
+                  <a:txBody>
+                    <a:bodyPr/>
+                    <a:lstStyle/>
+                    <a:p>
+                      <a:pPr>
+                        <a:lnSpc>
+                          <a:spcPct val="150000"/>
+                        </a:lnSpc>
+                        <a:spcAft>
+                          <a:spcPts val="600"/>
+                        </a:spcAft>
+                        <a:buNone/>
+                      </a:pPr>
+                      <a:r>
+                        <a:rPr lang="de-DE" sz="1000" kern="100">
+                          <a:effectLst/>
+                          <a:latin typeface="Arial" panose="020B0604020202020204" pitchFamily="34" charset="0"/>
+                          <a:ea typeface="Noto Serif CJK SC"/>
+                          <a:cs typeface="Arial" panose="020B0604020202020204" pitchFamily="34" charset="0"/>
+                        </a:rPr>
+                        <a:t>Stand der Sicherheit im Projekt</a:t>
+                      </a:r>
+                      <a:endParaRPr lang="de-DE" sz="1200" kern="100">
+                        <a:effectLst/>
+                        <a:latin typeface="Arial" panose="020B0604020202020204" pitchFamily="34" charset="0"/>
+                        <a:ea typeface="Noto Serif CJK SC"/>
+                        <a:cs typeface="Noto Sans Devanagari" panose="020B0502040504020204" pitchFamily="34" charset="0"/>
+                      </a:endParaRPr>
+                    </a:p>
+                  </a:txBody>
+                  <a:tcPr marL="68580" marR="68580" marT="0" marB="0"/>
+                </a:tc>
+                <a:tc>
+                  <a:txBody>
+                    <a:bodyPr/>
+                    <a:lstStyle/>
+                    <a:p>
+                      <a:pPr>
+                        <a:lnSpc>
+                          <a:spcPct val="150000"/>
+                        </a:lnSpc>
+                        <a:spcAft>
+                          <a:spcPts val="600"/>
+                        </a:spcAft>
+                        <a:buNone/>
+                      </a:pPr>
+                      <a:r>
+                        <a:rPr lang="de-DE" sz="1000" kern="100">
+                          <a:effectLst/>
+                          <a:latin typeface="Arial" panose="020B0604020202020204" pitchFamily="34" charset="0"/>
+                          <a:ea typeface="Noto Serif CJK SC"/>
+                          <a:cs typeface="Arial" panose="020B0604020202020204" pitchFamily="34" charset="0"/>
+                        </a:rPr>
+                        <a:t>1x monatlich</a:t>
+                      </a:r>
+                      <a:endParaRPr lang="de-DE" sz="1200" kern="100">
+                        <a:effectLst/>
+                        <a:latin typeface="Arial" panose="020B0604020202020204" pitchFamily="34" charset="0"/>
+                        <a:ea typeface="Noto Serif CJK SC"/>
+                        <a:cs typeface="Noto Sans Devanagari" panose="020B0502040504020204" pitchFamily="34" charset="0"/>
+                      </a:endParaRPr>
+                    </a:p>
+                  </a:txBody>
+                  <a:tcPr marL="68580" marR="68580" marT="0" marB="0"/>
+                </a:tc>
+                <a:tc>
+                  <a:txBody>
+                    <a:bodyPr/>
+                    <a:lstStyle/>
+                    <a:p>
+                      <a:pPr>
+                        <a:lnSpc>
+                          <a:spcPct val="150000"/>
+                        </a:lnSpc>
+                        <a:spcAft>
+                          <a:spcPts val="600"/>
+                        </a:spcAft>
+                        <a:buNone/>
+                      </a:pPr>
+                      <a:r>
+                        <a:rPr lang="de-DE" sz="1000" kern="100">
+                          <a:effectLst/>
+                          <a:latin typeface="Arial" panose="020B0604020202020204" pitchFamily="34" charset="0"/>
+                          <a:ea typeface="Noto Serif CJK SC"/>
+                          <a:cs typeface="Arial" panose="020B0604020202020204" pitchFamily="34" charset="0"/>
+                        </a:rPr>
+                        <a:t>Per Mail</a:t>
+                      </a:r>
+                      <a:endParaRPr lang="de-DE" sz="1200" kern="100">
+                        <a:effectLst/>
+                        <a:latin typeface="Arial" panose="020B0604020202020204" pitchFamily="34" charset="0"/>
+                        <a:ea typeface="Noto Serif CJK SC"/>
+                        <a:cs typeface="Noto Sans Devanagari" panose="020B0502040504020204" pitchFamily="34" charset="0"/>
+                      </a:endParaRPr>
+                    </a:p>
+                  </a:txBody>
+                  <a:tcPr marL="68580" marR="68580" marT="0" marB="0"/>
+                </a:tc>
+                <a:tc>
+                  <a:txBody>
+                    <a:bodyPr/>
+                    <a:lstStyle/>
+                    <a:p>
+                      <a:pPr>
+                        <a:lnSpc>
+                          <a:spcPct val="150000"/>
+                        </a:lnSpc>
+                        <a:spcAft>
+                          <a:spcPts val="600"/>
+                        </a:spcAft>
+                        <a:buNone/>
+                      </a:pPr>
+                      <a:r>
+                        <a:rPr lang="de-DE" sz="1000" kern="100">
+                          <a:effectLst/>
+                          <a:latin typeface="Arial" panose="020B0604020202020204" pitchFamily="34" charset="0"/>
+                          <a:ea typeface="Noto Serif CJK SC"/>
+                          <a:cs typeface="Arial" panose="020B0604020202020204" pitchFamily="34" charset="0"/>
+                        </a:rPr>
+                        <a:t>Scrum-Master</a:t>
+                      </a:r>
+                      <a:endParaRPr lang="de-DE" sz="1200" kern="100">
+                        <a:effectLst/>
+                        <a:latin typeface="Arial" panose="020B0604020202020204" pitchFamily="34" charset="0"/>
+                        <a:ea typeface="Noto Serif CJK SC"/>
+                        <a:cs typeface="Noto Sans Devanagari" panose="020B0502040504020204" pitchFamily="34" charset="0"/>
+                      </a:endParaRPr>
+                    </a:p>
+                  </a:txBody>
+                  <a:tcPr marL="68580" marR="68580" marT="0" marB="0"/>
+                </a:tc>
+                <a:extLst>
+                  <a:ext uri="{0D108BD9-81ED-4DB2-BD59-A6C34878D82A}">
+                    <a16:rowId xmlns:a16="http://schemas.microsoft.com/office/drawing/2014/main" val="2423498187"/>
+                  </a:ext>
+                </a:extLst>
+              </a:tr>
+              <a:tr h="509990">
+                <a:tc>
+                  <a:txBody>
+                    <a:bodyPr/>
+                    <a:lstStyle/>
+                    <a:p>
+                      <a:pPr>
+                        <a:lnSpc>
+                          <a:spcPct val="150000"/>
+                        </a:lnSpc>
+                        <a:spcAft>
+                          <a:spcPts val="600"/>
+                        </a:spcAft>
+                        <a:buNone/>
+                      </a:pPr>
+                      <a:r>
+                        <a:rPr lang="de-DE" sz="1000" kern="100">
+                          <a:effectLst/>
+                          <a:latin typeface="Arial" panose="020B0604020202020204" pitchFamily="34" charset="0"/>
+                          <a:ea typeface="Noto Serif CJK SC"/>
+                          <a:cs typeface="Arial" panose="020B0604020202020204" pitchFamily="34" charset="0"/>
+                        </a:rPr>
+                        <a:t>Mitarbeiter</a:t>
+                      </a:r>
+                      <a:endParaRPr lang="de-DE" sz="1200" kern="100">
+                        <a:effectLst/>
+                        <a:latin typeface="Arial" panose="020B0604020202020204" pitchFamily="34" charset="0"/>
+                        <a:ea typeface="Noto Serif CJK SC"/>
+                        <a:cs typeface="Noto Sans Devanagari" panose="020B0502040504020204" pitchFamily="34" charset="0"/>
+                      </a:endParaRPr>
+                    </a:p>
+                  </a:txBody>
+                  <a:tcPr marL="68580" marR="68580" marT="0" marB="0"/>
+                </a:tc>
+                <a:tc>
+                  <a:txBody>
+                    <a:bodyPr/>
+                    <a:lstStyle/>
+                    <a:p>
+                      <a:pPr>
+                        <a:lnSpc>
+                          <a:spcPct val="150000"/>
+                        </a:lnSpc>
+                        <a:spcAft>
+                          <a:spcPts val="600"/>
+                        </a:spcAft>
+                        <a:buNone/>
+                      </a:pPr>
+                      <a:r>
+                        <a:rPr lang="de-DE" sz="1000" kern="100">
+                          <a:effectLst/>
+                          <a:latin typeface="Arial" panose="020B0604020202020204" pitchFamily="34" charset="0"/>
+                          <a:ea typeface="Noto Serif CJK SC"/>
+                          <a:cs typeface="Arial" panose="020B0604020202020204" pitchFamily="34" charset="0"/>
+                        </a:rPr>
+                        <a:t>Newsletter über den aktuellen Stand der Software</a:t>
+                      </a:r>
+                      <a:endParaRPr lang="de-DE" sz="1200" kern="100">
+                        <a:effectLst/>
+                        <a:latin typeface="Arial" panose="020B0604020202020204" pitchFamily="34" charset="0"/>
+                        <a:ea typeface="Noto Serif CJK SC"/>
+                        <a:cs typeface="Noto Sans Devanagari" panose="020B0502040504020204" pitchFamily="34" charset="0"/>
+                      </a:endParaRPr>
+                    </a:p>
+                  </a:txBody>
+                  <a:tcPr marL="68580" marR="68580" marT="0" marB="0"/>
+                </a:tc>
+                <a:tc>
+                  <a:txBody>
+                    <a:bodyPr/>
+                    <a:lstStyle/>
+                    <a:p>
+                      <a:pPr>
+                        <a:lnSpc>
+                          <a:spcPct val="150000"/>
+                        </a:lnSpc>
+                        <a:spcAft>
+                          <a:spcPts val="600"/>
+                        </a:spcAft>
+                        <a:buNone/>
+                      </a:pPr>
+                      <a:r>
+                        <a:rPr lang="de-DE" sz="1000" kern="100">
+                          <a:effectLst/>
+                          <a:latin typeface="Arial" panose="020B0604020202020204" pitchFamily="34" charset="0"/>
+                          <a:ea typeface="Noto Serif CJK SC"/>
+                          <a:cs typeface="Arial" panose="020B0604020202020204" pitchFamily="34" charset="0"/>
+                        </a:rPr>
+                        <a:t>1x monatlich</a:t>
+                      </a:r>
+                      <a:endParaRPr lang="de-DE" sz="1200" kern="100">
+                        <a:effectLst/>
+                        <a:latin typeface="Arial" panose="020B0604020202020204" pitchFamily="34" charset="0"/>
+                        <a:ea typeface="Noto Serif CJK SC"/>
+                        <a:cs typeface="Noto Sans Devanagari" panose="020B0502040504020204" pitchFamily="34" charset="0"/>
+                      </a:endParaRPr>
+                    </a:p>
+                  </a:txBody>
+                  <a:tcPr marL="68580" marR="68580" marT="0" marB="0"/>
+                </a:tc>
+                <a:tc>
+                  <a:txBody>
+                    <a:bodyPr/>
+                    <a:lstStyle/>
+                    <a:p>
+                      <a:pPr>
+                        <a:lnSpc>
+                          <a:spcPct val="150000"/>
+                        </a:lnSpc>
+                        <a:spcAft>
+                          <a:spcPts val="600"/>
+                        </a:spcAft>
+                        <a:buNone/>
+                      </a:pPr>
+                      <a:r>
+                        <a:rPr lang="de-DE" sz="1000" kern="100">
+                          <a:effectLst/>
+                          <a:latin typeface="Arial" panose="020B0604020202020204" pitchFamily="34" charset="0"/>
+                          <a:ea typeface="Noto Serif CJK SC"/>
+                          <a:cs typeface="Arial" panose="020B0604020202020204" pitchFamily="34" charset="0"/>
+                        </a:rPr>
+                        <a:t>Per Mail</a:t>
+                      </a:r>
+                      <a:endParaRPr lang="de-DE" sz="1200" kern="100">
+                        <a:effectLst/>
+                        <a:latin typeface="Arial" panose="020B0604020202020204" pitchFamily="34" charset="0"/>
+                        <a:ea typeface="Noto Serif CJK SC"/>
+                        <a:cs typeface="Noto Sans Devanagari" panose="020B0502040504020204" pitchFamily="34" charset="0"/>
+                      </a:endParaRPr>
+                    </a:p>
+                  </a:txBody>
+                  <a:tcPr marL="68580" marR="68580" marT="0" marB="0"/>
+                </a:tc>
+                <a:tc>
+                  <a:txBody>
+                    <a:bodyPr/>
+                    <a:lstStyle/>
+                    <a:p>
+                      <a:pPr>
+                        <a:lnSpc>
+                          <a:spcPct val="150000"/>
+                        </a:lnSpc>
+                        <a:spcAft>
+                          <a:spcPts val="600"/>
+                        </a:spcAft>
+                        <a:buNone/>
+                      </a:pPr>
+                      <a:r>
+                        <a:rPr lang="de-DE" sz="1000" kern="100" dirty="0">
+                          <a:effectLst/>
+                          <a:latin typeface="Arial" panose="020B0604020202020204" pitchFamily="34" charset="0"/>
+                          <a:ea typeface="Noto Serif CJK SC"/>
+                          <a:cs typeface="Arial" panose="020B0604020202020204" pitchFamily="34" charset="0"/>
+                        </a:rPr>
+                        <a:t>Product-</a:t>
+                      </a:r>
+                      <a:r>
+                        <a:rPr lang="de-DE" sz="1000" kern="100" dirty="0" err="1">
+                          <a:effectLst/>
+                          <a:latin typeface="Arial" panose="020B0604020202020204" pitchFamily="34" charset="0"/>
+                          <a:ea typeface="Noto Serif CJK SC"/>
+                          <a:cs typeface="Arial" panose="020B0604020202020204" pitchFamily="34" charset="0"/>
+                        </a:rPr>
+                        <a:t>Owner</a:t>
+                      </a:r>
+                      <a:endParaRPr lang="de-DE" sz="1200" kern="100" dirty="0">
+                        <a:effectLst/>
+                        <a:latin typeface="Arial" panose="020B0604020202020204" pitchFamily="34" charset="0"/>
+                        <a:ea typeface="Noto Serif CJK SC"/>
+                        <a:cs typeface="Noto Sans Devanagari" panose="020B0502040504020204" pitchFamily="34" charset="0"/>
+                      </a:endParaRPr>
+                    </a:p>
+                  </a:txBody>
+                  <a:tcPr marL="68580" marR="68580" marT="0" marB="0"/>
+                </a:tc>
+                <a:extLst>
+                  <a:ext uri="{0D108BD9-81ED-4DB2-BD59-A6C34878D82A}">
+                    <a16:rowId xmlns:a16="http://schemas.microsoft.com/office/drawing/2014/main" val="3465001880"/>
+                  </a:ext>
+                </a:extLst>
+              </a:tr>
+            </a:tbl>
+          </a:graphicData>
+        </a:graphic>
+      </p:graphicFrame>
     </p:spTree>
     <p:extLst>
       <p:ext uri="{BB962C8B-B14F-4D97-AF65-F5344CB8AC3E}">
@@ -14954,6 +16239,1350 @@
 </file>
 
 <file path=ppt/slides/slide17.xml><?xml version="1.0" encoding="utf-8"?>
+<p:sld xmlns:a="http://schemas.openxmlformats.org/drawingml/2006/main" xmlns:r="http://schemas.openxmlformats.org/officeDocument/2006/relationships" xmlns:p="http://schemas.openxmlformats.org/presentationml/2006/main">
+  <p:cSld>
+    <p:spTree>
+      <p:nvGrpSpPr>
+        <p:cNvPr id="1" name=""/>
+        <p:cNvGrpSpPr/>
+        <p:nvPr/>
+      </p:nvGrpSpPr>
+      <p:grpSpPr>
+        <a:xfrm>
+          <a:off x="0" y="0"/>
+          <a:ext cx="0" cy="0"/>
+          <a:chOff x="0" y="0"/>
+          <a:chExt cx="0" cy="0"/>
+        </a:xfrm>
+      </p:grpSpPr>
+      <p:sp>
+        <p:nvSpPr>
+          <p:cNvPr id="2" name="Titel 1">
+            <a:extLst>
+              <a:ext uri="{FF2B5EF4-FFF2-40B4-BE49-F238E27FC236}">
+                <a16:creationId xmlns:a16="http://schemas.microsoft.com/office/drawing/2014/main" id="{FD596FAE-D141-C376-8325-F6B0C6A09327}"/>
+              </a:ext>
+            </a:extLst>
+          </p:cNvPr>
+          <p:cNvSpPr>
+            <a:spLocks noGrp="1"/>
+          </p:cNvSpPr>
+          <p:nvPr>
+            <p:ph type="title"/>
+          </p:nvPr>
+        </p:nvSpPr>
+        <p:spPr/>
+        <p:txBody>
+          <a:bodyPr/>
+          <a:lstStyle/>
+          <a:p>
+            <a:r>
+              <a:rPr lang="de-DE" dirty="0"/>
+              <a:t>7. Schulungs-/Kommunikationskonzept</a:t>
+            </a:r>
+          </a:p>
+        </p:txBody>
+      </p:sp>
+      <p:graphicFrame>
+        <p:nvGraphicFramePr>
+          <p:cNvPr id="4" name="Tabelle 3">
+            <a:extLst>
+              <a:ext uri="{FF2B5EF4-FFF2-40B4-BE49-F238E27FC236}">
+                <a16:creationId xmlns:a16="http://schemas.microsoft.com/office/drawing/2014/main" id="{3338957F-6A22-4B9E-239A-FD34E3C88EC3}"/>
+              </a:ext>
+            </a:extLst>
+          </p:cNvPr>
+          <p:cNvGraphicFramePr>
+            <a:graphicFrameLocks noGrp="1"/>
+          </p:cNvGraphicFramePr>
+          <p:nvPr>
+            <p:extLst>
+              <p:ext uri="{D42A27DB-BD31-4B8C-83A1-F6EECF244321}">
+                <p14:modId xmlns:p14="http://schemas.microsoft.com/office/powerpoint/2010/main" val="3333871572"/>
+              </p:ext>
+            </p:extLst>
+          </p:nvPr>
+        </p:nvGraphicFramePr>
+        <p:xfrm>
+          <a:off x="5073012" y="1759557"/>
+          <a:ext cx="5973260" cy="4184043"/>
+        </p:xfrm>
+        <a:graphic>
+          <a:graphicData uri="http://schemas.openxmlformats.org/drawingml/2006/table">
+            <a:tbl>
+              <a:tblPr firstRow="1" bandRow="1">
+                <a:tableStyleId>{5C22544A-7EE6-4342-B048-85BDC9FD1C3A}</a:tableStyleId>
+              </a:tblPr>
+              <a:tblGrid>
+                <a:gridCol w="1194652">
+                  <a:extLst>
+                    <a:ext uri="{9D8B030D-6E8A-4147-A177-3AD203B41FA5}">
+                      <a16:colId xmlns:a16="http://schemas.microsoft.com/office/drawing/2014/main" val="4150272577"/>
+                    </a:ext>
+                  </a:extLst>
+                </a:gridCol>
+                <a:gridCol w="1194652">
+                  <a:extLst>
+                    <a:ext uri="{9D8B030D-6E8A-4147-A177-3AD203B41FA5}">
+                      <a16:colId xmlns:a16="http://schemas.microsoft.com/office/drawing/2014/main" val="2813175776"/>
+                    </a:ext>
+                  </a:extLst>
+                </a:gridCol>
+                <a:gridCol w="1194652">
+                  <a:extLst>
+                    <a:ext uri="{9D8B030D-6E8A-4147-A177-3AD203B41FA5}">
+                      <a16:colId xmlns:a16="http://schemas.microsoft.com/office/drawing/2014/main" val="1246378773"/>
+                    </a:ext>
+                  </a:extLst>
+                </a:gridCol>
+                <a:gridCol w="1194652">
+                  <a:extLst>
+                    <a:ext uri="{9D8B030D-6E8A-4147-A177-3AD203B41FA5}">
+                      <a16:colId xmlns:a16="http://schemas.microsoft.com/office/drawing/2014/main" val="4002699303"/>
+                    </a:ext>
+                  </a:extLst>
+                </a:gridCol>
+                <a:gridCol w="1194652">
+                  <a:extLst>
+                    <a:ext uri="{9D8B030D-6E8A-4147-A177-3AD203B41FA5}">
+                      <a16:colId xmlns:a16="http://schemas.microsoft.com/office/drawing/2014/main" val="2296457708"/>
+                    </a:ext>
+                  </a:extLst>
+                </a:gridCol>
+              </a:tblGrid>
+              <a:tr h="511402">
+                <a:tc>
+                  <a:txBody>
+                    <a:bodyPr/>
+                    <a:lstStyle/>
+                    <a:p>
+                      <a:pPr>
+                        <a:lnSpc>
+                          <a:spcPct val="115000"/>
+                        </a:lnSpc>
+                        <a:spcAft>
+                          <a:spcPts val="700"/>
+                        </a:spcAft>
+                        <a:buNone/>
+                      </a:pPr>
+                      <a:r>
+                        <a:rPr lang="de-DE" sz="1000" b="1" kern="100" dirty="0">
+                          <a:effectLst/>
+                          <a:latin typeface="Arial" panose="020B0604020202020204" pitchFamily="34" charset="0"/>
+                          <a:ea typeface="Noto Serif CJK SC"/>
+                          <a:cs typeface="Arial" panose="020B0604020202020204" pitchFamily="34" charset="0"/>
+                        </a:rPr>
+                        <a:t>Stakeholder</a:t>
+                      </a:r>
+                      <a:endParaRPr lang="de-DE" sz="1200" kern="100" dirty="0">
+                        <a:effectLst/>
+                        <a:latin typeface="Arial" panose="020B0604020202020204" pitchFamily="34" charset="0"/>
+                        <a:ea typeface="Noto Serif CJK SC"/>
+                        <a:cs typeface="Noto Sans Devanagari" panose="020B0502040504020204" pitchFamily="34" charset="0"/>
+                      </a:endParaRPr>
+                    </a:p>
+                  </a:txBody>
+                  <a:tcPr marL="68580" marR="68580" marT="0" marB="0"/>
+                </a:tc>
+                <a:tc>
+                  <a:txBody>
+                    <a:bodyPr/>
+                    <a:lstStyle/>
+                    <a:p>
+                      <a:pPr>
+                        <a:lnSpc>
+                          <a:spcPct val="115000"/>
+                        </a:lnSpc>
+                        <a:spcAft>
+                          <a:spcPts val="700"/>
+                        </a:spcAft>
+                        <a:buNone/>
+                      </a:pPr>
+                      <a:r>
+                        <a:rPr lang="de-DE" sz="1000" b="1" kern="100">
+                          <a:effectLst/>
+                          <a:latin typeface="Arial" panose="020B0604020202020204" pitchFamily="34" charset="0"/>
+                          <a:ea typeface="Noto Serif CJK SC"/>
+                          <a:cs typeface="Arial" panose="020B0604020202020204" pitchFamily="34" charset="0"/>
+                        </a:rPr>
+                        <a:t>Art der Schulung</a:t>
+                      </a:r>
+                      <a:endParaRPr lang="de-DE" sz="1200" kern="100">
+                        <a:effectLst/>
+                        <a:latin typeface="Arial" panose="020B0604020202020204" pitchFamily="34" charset="0"/>
+                        <a:ea typeface="Noto Serif CJK SC"/>
+                        <a:cs typeface="Noto Sans Devanagari" panose="020B0502040504020204" pitchFamily="34" charset="0"/>
+                      </a:endParaRPr>
+                    </a:p>
+                  </a:txBody>
+                  <a:tcPr marL="68580" marR="68580" marT="0" marB="0"/>
+                </a:tc>
+                <a:tc>
+                  <a:txBody>
+                    <a:bodyPr/>
+                    <a:lstStyle/>
+                    <a:p>
+                      <a:pPr>
+                        <a:lnSpc>
+                          <a:spcPct val="115000"/>
+                        </a:lnSpc>
+                        <a:spcAft>
+                          <a:spcPts val="700"/>
+                        </a:spcAft>
+                        <a:buNone/>
+                      </a:pPr>
+                      <a:r>
+                        <a:rPr lang="de-DE" sz="1000" b="1" kern="100">
+                          <a:effectLst/>
+                          <a:latin typeface="Arial" panose="020B0604020202020204" pitchFamily="34" charset="0"/>
+                          <a:ea typeface="Noto Serif CJK SC"/>
+                          <a:cs typeface="Arial" panose="020B0604020202020204" pitchFamily="34" charset="0"/>
+                        </a:rPr>
+                        <a:t>Inhalt der Schulung</a:t>
+                      </a:r>
+                      <a:endParaRPr lang="de-DE" sz="1200" kern="100">
+                        <a:effectLst/>
+                        <a:latin typeface="Arial" panose="020B0604020202020204" pitchFamily="34" charset="0"/>
+                        <a:ea typeface="Noto Serif CJK SC"/>
+                        <a:cs typeface="Noto Sans Devanagari" panose="020B0502040504020204" pitchFamily="34" charset="0"/>
+                      </a:endParaRPr>
+                    </a:p>
+                  </a:txBody>
+                  <a:tcPr marL="68580" marR="68580" marT="0" marB="0"/>
+                </a:tc>
+                <a:tc>
+                  <a:txBody>
+                    <a:bodyPr/>
+                    <a:lstStyle/>
+                    <a:p>
+                      <a:pPr>
+                        <a:lnSpc>
+                          <a:spcPct val="115000"/>
+                        </a:lnSpc>
+                        <a:spcAft>
+                          <a:spcPts val="700"/>
+                        </a:spcAft>
+                        <a:buNone/>
+                      </a:pPr>
+                      <a:r>
+                        <a:rPr lang="de-DE" sz="1000" b="1" kern="100">
+                          <a:effectLst/>
+                          <a:latin typeface="Arial" panose="020B0604020202020204" pitchFamily="34" charset="0"/>
+                          <a:ea typeface="Noto Serif CJK SC"/>
+                          <a:cs typeface="Arial" panose="020B0604020202020204" pitchFamily="34" charset="0"/>
+                        </a:rPr>
+                        <a:t>Häufigkeit</a:t>
+                      </a:r>
+                      <a:endParaRPr lang="de-DE" sz="1200" kern="100">
+                        <a:effectLst/>
+                        <a:latin typeface="Arial" panose="020B0604020202020204" pitchFamily="34" charset="0"/>
+                        <a:ea typeface="Noto Serif CJK SC"/>
+                        <a:cs typeface="Noto Sans Devanagari" panose="020B0502040504020204" pitchFamily="34" charset="0"/>
+                      </a:endParaRPr>
+                    </a:p>
+                  </a:txBody>
+                  <a:tcPr marL="68580" marR="68580" marT="0" marB="0"/>
+                </a:tc>
+                <a:tc>
+                  <a:txBody>
+                    <a:bodyPr/>
+                    <a:lstStyle/>
+                    <a:p>
+                      <a:pPr>
+                        <a:lnSpc>
+                          <a:spcPct val="115000"/>
+                        </a:lnSpc>
+                        <a:spcAft>
+                          <a:spcPts val="700"/>
+                        </a:spcAft>
+                        <a:buNone/>
+                      </a:pPr>
+                      <a:r>
+                        <a:rPr lang="de-DE" sz="1000" b="1" kern="100">
+                          <a:effectLst/>
+                          <a:latin typeface="Arial" panose="020B0604020202020204" pitchFamily="34" charset="0"/>
+                          <a:ea typeface="Noto Serif CJK SC"/>
+                          <a:cs typeface="Arial" panose="020B0604020202020204" pitchFamily="34" charset="0"/>
+                        </a:rPr>
+                        <a:t>Verantwortlich</a:t>
+                      </a:r>
+                      <a:endParaRPr lang="de-DE" sz="1200" kern="100">
+                        <a:effectLst/>
+                        <a:latin typeface="Arial" panose="020B0604020202020204" pitchFamily="34" charset="0"/>
+                        <a:ea typeface="Noto Serif CJK SC"/>
+                        <a:cs typeface="Noto Sans Devanagari" panose="020B0502040504020204" pitchFamily="34" charset="0"/>
+                      </a:endParaRPr>
+                    </a:p>
+                  </a:txBody>
+                  <a:tcPr marL="68580" marR="68580" marT="0" marB="0"/>
+                </a:tc>
+                <a:extLst>
+                  <a:ext uri="{0D108BD9-81ED-4DB2-BD59-A6C34878D82A}">
+                    <a16:rowId xmlns:a16="http://schemas.microsoft.com/office/drawing/2014/main" val="2592816854"/>
+                  </a:ext>
+                </a:extLst>
+              </a:tr>
+              <a:tr h="1191375">
+                <a:tc>
+                  <a:txBody>
+                    <a:bodyPr/>
+                    <a:lstStyle/>
+                    <a:p>
+                      <a:pPr>
+                        <a:lnSpc>
+                          <a:spcPct val="115000"/>
+                        </a:lnSpc>
+                        <a:spcAft>
+                          <a:spcPts val="700"/>
+                        </a:spcAft>
+                        <a:buNone/>
+                      </a:pPr>
+                      <a:r>
+                        <a:rPr lang="de-DE" sz="1000" kern="100">
+                          <a:effectLst/>
+                          <a:latin typeface="Arial" panose="020B0604020202020204" pitchFamily="34" charset="0"/>
+                          <a:ea typeface="Noto Serif CJK SC"/>
+                          <a:cs typeface="Arial" panose="020B0604020202020204" pitchFamily="34" charset="0"/>
+                        </a:rPr>
+                        <a:t>IT-Software Entwickler</a:t>
+                      </a:r>
+                      <a:endParaRPr lang="de-DE" sz="1200" kern="100">
+                        <a:effectLst/>
+                        <a:latin typeface="Arial" panose="020B0604020202020204" pitchFamily="34" charset="0"/>
+                        <a:ea typeface="Noto Serif CJK SC"/>
+                        <a:cs typeface="Noto Sans Devanagari" panose="020B0502040504020204" pitchFamily="34" charset="0"/>
+                      </a:endParaRPr>
+                    </a:p>
+                  </a:txBody>
+                  <a:tcPr marL="68580" marR="68580" marT="0" marB="0"/>
+                </a:tc>
+                <a:tc>
+                  <a:txBody>
+                    <a:bodyPr/>
+                    <a:lstStyle/>
+                    <a:p>
+                      <a:pPr>
+                        <a:lnSpc>
+                          <a:spcPct val="115000"/>
+                        </a:lnSpc>
+                        <a:spcAft>
+                          <a:spcPts val="700"/>
+                        </a:spcAft>
+                        <a:buNone/>
+                      </a:pPr>
+                      <a:r>
+                        <a:rPr lang="de-DE" sz="1000" kern="100" dirty="0">
+                          <a:effectLst/>
+                          <a:latin typeface="Arial" panose="020B0604020202020204" pitchFamily="34" charset="0"/>
+                          <a:ea typeface="Noto Serif CJK SC"/>
+                          <a:cs typeface="Arial" panose="020B0604020202020204" pitchFamily="34" charset="0"/>
+                        </a:rPr>
+                        <a:t>Präsentation, Demo</a:t>
+                      </a:r>
+                      <a:endParaRPr lang="de-DE" sz="1200" kern="100" dirty="0">
+                        <a:effectLst/>
+                        <a:latin typeface="Arial" panose="020B0604020202020204" pitchFamily="34" charset="0"/>
+                        <a:ea typeface="Noto Serif CJK SC"/>
+                        <a:cs typeface="Noto Sans Devanagari" panose="020B0502040504020204" pitchFamily="34" charset="0"/>
+                      </a:endParaRPr>
+                    </a:p>
+                  </a:txBody>
+                  <a:tcPr marL="68580" marR="68580" marT="0" marB="0"/>
+                </a:tc>
+                <a:tc>
+                  <a:txBody>
+                    <a:bodyPr/>
+                    <a:lstStyle/>
+                    <a:p>
+                      <a:pPr>
+                        <a:lnSpc>
+                          <a:spcPct val="115000"/>
+                        </a:lnSpc>
+                        <a:spcAft>
+                          <a:spcPts val="700"/>
+                        </a:spcAft>
+                        <a:buNone/>
+                      </a:pPr>
+                      <a:r>
+                        <a:rPr lang="de-DE" sz="1000" kern="100" dirty="0">
+                          <a:effectLst/>
+                          <a:latin typeface="Arial" panose="020B0604020202020204" pitchFamily="34" charset="0"/>
+                          <a:ea typeface="Noto Serif CJK SC"/>
+                          <a:cs typeface="Arial" panose="020B0604020202020204" pitchFamily="34" charset="0"/>
+                        </a:rPr>
+                        <a:t>API und Source Code</a:t>
+                      </a:r>
+                      <a:endParaRPr lang="de-DE" sz="1200" kern="100" dirty="0">
+                        <a:effectLst/>
+                        <a:latin typeface="Arial" panose="020B0604020202020204" pitchFamily="34" charset="0"/>
+                        <a:ea typeface="Noto Serif CJK SC"/>
+                        <a:cs typeface="Noto Sans Devanagari" panose="020B0502040504020204" pitchFamily="34" charset="0"/>
+                      </a:endParaRPr>
+                    </a:p>
+                  </a:txBody>
+                  <a:tcPr marL="68580" marR="68580" marT="0" marB="0"/>
+                </a:tc>
+                <a:tc>
+                  <a:txBody>
+                    <a:bodyPr/>
+                    <a:lstStyle/>
+                    <a:p>
+                      <a:pPr>
+                        <a:lnSpc>
+                          <a:spcPct val="115000"/>
+                        </a:lnSpc>
+                        <a:spcAft>
+                          <a:spcPts val="700"/>
+                        </a:spcAft>
+                        <a:buNone/>
+                      </a:pPr>
+                      <a:r>
+                        <a:rPr lang="de-DE" sz="1000" kern="100">
+                          <a:effectLst/>
+                          <a:latin typeface="Arial" panose="020B0604020202020204" pitchFamily="34" charset="0"/>
+                          <a:ea typeface="Noto Serif CJK SC"/>
+                          <a:cs typeface="Arial" panose="020B0604020202020204" pitchFamily="34" charset="0"/>
+                        </a:rPr>
+                        <a:t>1x bei Release,</a:t>
+                      </a:r>
+                      <a:endParaRPr lang="de-DE" sz="1200" kern="100">
+                        <a:effectLst/>
+                        <a:latin typeface="Arial" panose="020B0604020202020204" pitchFamily="34" charset="0"/>
+                        <a:ea typeface="Noto Serif CJK SC"/>
+                        <a:cs typeface="Noto Sans Devanagari" panose="020B0502040504020204" pitchFamily="34" charset="0"/>
+                      </a:endParaRPr>
+                    </a:p>
+                    <a:p>
+                      <a:pPr>
+                        <a:lnSpc>
+                          <a:spcPct val="115000"/>
+                        </a:lnSpc>
+                        <a:spcAft>
+                          <a:spcPts val="700"/>
+                        </a:spcAft>
+                        <a:buNone/>
+                      </a:pPr>
+                      <a:r>
+                        <a:rPr lang="de-DE" sz="1000" kern="100">
+                          <a:effectLst/>
+                          <a:latin typeface="Arial" panose="020B0604020202020204" pitchFamily="34" charset="0"/>
+                          <a:ea typeface="Noto Serif CJK SC"/>
+                          <a:cs typeface="Arial" panose="020B0604020202020204" pitchFamily="34" charset="0"/>
+                        </a:rPr>
+                        <a:t>1x jährlich für neue Software-Entwickler</a:t>
+                      </a:r>
+                      <a:endParaRPr lang="de-DE" sz="1200" kern="100">
+                        <a:effectLst/>
+                        <a:latin typeface="Arial" panose="020B0604020202020204" pitchFamily="34" charset="0"/>
+                        <a:ea typeface="Noto Serif CJK SC"/>
+                        <a:cs typeface="Noto Sans Devanagari" panose="020B0502040504020204" pitchFamily="34" charset="0"/>
+                      </a:endParaRPr>
+                    </a:p>
+                  </a:txBody>
+                  <a:tcPr marL="68580" marR="68580" marT="0" marB="0"/>
+                </a:tc>
+                <a:tc>
+                  <a:txBody>
+                    <a:bodyPr/>
+                    <a:lstStyle/>
+                    <a:p>
+                      <a:pPr>
+                        <a:lnSpc>
+                          <a:spcPct val="115000"/>
+                        </a:lnSpc>
+                        <a:spcAft>
+                          <a:spcPts val="700"/>
+                        </a:spcAft>
+                        <a:buNone/>
+                      </a:pPr>
+                      <a:r>
+                        <a:rPr lang="de-DE" sz="1000" kern="100">
+                          <a:effectLst/>
+                          <a:latin typeface="Arial" panose="020B0604020202020204" pitchFamily="34" charset="0"/>
+                          <a:ea typeface="Noto Serif CJK SC"/>
+                          <a:cs typeface="Arial" panose="020B0604020202020204" pitchFamily="34" charset="0"/>
+                        </a:rPr>
+                        <a:t>Bei Release: Entwickler</a:t>
+                      </a:r>
+                      <a:endParaRPr lang="de-DE" sz="1200" kern="100">
+                        <a:effectLst/>
+                        <a:latin typeface="Arial" panose="020B0604020202020204" pitchFamily="34" charset="0"/>
+                        <a:ea typeface="Noto Serif CJK SC"/>
+                        <a:cs typeface="Noto Sans Devanagari" panose="020B0502040504020204" pitchFamily="34" charset="0"/>
+                      </a:endParaRPr>
+                    </a:p>
+                    <a:p>
+                      <a:pPr>
+                        <a:lnSpc>
+                          <a:spcPct val="115000"/>
+                        </a:lnSpc>
+                        <a:spcAft>
+                          <a:spcPts val="700"/>
+                        </a:spcAft>
+                        <a:buNone/>
+                      </a:pPr>
+                      <a:r>
+                        <a:rPr lang="de-DE" sz="1000" kern="100">
+                          <a:effectLst/>
+                          <a:latin typeface="Arial" panose="020B0604020202020204" pitchFamily="34" charset="0"/>
+                          <a:ea typeface="Noto Serif CJK SC"/>
+                          <a:cs typeface="Arial" panose="020B0604020202020204" pitchFamily="34" charset="0"/>
+                        </a:rPr>
+                        <a:t>Nach Release: </a:t>
+                      </a:r>
+                      <a:endParaRPr lang="de-DE" sz="1200" kern="100">
+                        <a:effectLst/>
+                        <a:latin typeface="Arial" panose="020B0604020202020204" pitchFamily="34" charset="0"/>
+                        <a:ea typeface="Noto Serif CJK SC"/>
+                        <a:cs typeface="Noto Sans Devanagari" panose="020B0502040504020204" pitchFamily="34" charset="0"/>
+                      </a:endParaRPr>
+                    </a:p>
+                    <a:p>
+                      <a:pPr>
+                        <a:lnSpc>
+                          <a:spcPct val="115000"/>
+                        </a:lnSpc>
+                        <a:spcAft>
+                          <a:spcPts val="700"/>
+                        </a:spcAft>
+                        <a:buNone/>
+                      </a:pPr>
+                      <a:r>
+                        <a:rPr lang="de-DE" sz="1000" kern="100">
+                          <a:effectLst/>
+                          <a:latin typeface="Arial" panose="020B0604020202020204" pitchFamily="34" charset="0"/>
+                          <a:ea typeface="Noto Serif CJK SC"/>
+                          <a:cs typeface="Arial" panose="020B0604020202020204" pitchFamily="34" charset="0"/>
+                        </a:rPr>
+                        <a:t>Product Owner</a:t>
+                      </a:r>
+                      <a:endParaRPr lang="de-DE" sz="1200" kern="100">
+                        <a:effectLst/>
+                        <a:latin typeface="Arial" panose="020B0604020202020204" pitchFamily="34" charset="0"/>
+                        <a:ea typeface="Noto Serif CJK SC"/>
+                        <a:cs typeface="Noto Sans Devanagari" panose="020B0502040504020204" pitchFamily="34" charset="0"/>
+                      </a:endParaRPr>
+                    </a:p>
+                  </a:txBody>
+                  <a:tcPr marL="68580" marR="68580" marT="0" marB="0"/>
+                </a:tc>
+                <a:extLst>
+                  <a:ext uri="{0D108BD9-81ED-4DB2-BD59-A6C34878D82A}">
+                    <a16:rowId xmlns:a16="http://schemas.microsoft.com/office/drawing/2014/main" val="2499973432"/>
+                  </a:ext>
+                </a:extLst>
+              </a:tr>
+              <a:tr h="1191375">
+                <a:tc>
+                  <a:txBody>
+                    <a:bodyPr/>
+                    <a:lstStyle/>
+                    <a:p>
+                      <a:pPr>
+                        <a:lnSpc>
+                          <a:spcPct val="115000"/>
+                        </a:lnSpc>
+                        <a:spcAft>
+                          <a:spcPts val="700"/>
+                        </a:spcAft>
+                        <a:buNone/>
+                      </a:pPr>
+                      <a:r>
+                        <a:rPr lang="de-DE" sz="1000" kern="100">
+                          <a:effectLst/>
+                          <a:latin typeface="Arial" panose="020B0604020202020204" pitchFamily="34" charset="0"/>
+                          <a:ea typeface="Noto Serif CJK SC"/>
+                          <a:cs typeface="Arial" panose="020B0604020202020204" pitchFamily="34" charset="0"/>
+                        </a:rPr>
+                        <a:t>IT-Infrastruktur</a:t>
+                      </a:r>
+                      <a:endParaRPr lang="de-DE" sz="1200" kern="100">
+                        <a:effectLst/>
+                        <a:latin typeface="Arial" panose="020B0604020202020204" pitchFamily="34" charset="0"/>
+                        <a:ea typeface="Noto Serif CJK SC"/>
+                        <a:cs typeface="Noto Sans Devanagari" panose="020B0502040504020204" pitchFamily="34" charset="0"/>
+                      </a:endParaRPr>
+                    </a:p>
+                  </a:txBody>
+                  <a:tcPr marL="68580" marR="68580" marT="0" marB="0"/>
+                </a:tc>
+                <a:tc>
+                  <a:txBody>
+                    <a:bodyPr/>
+                    <a:lstStyle/>
+                    <a:p>
+                      <a:pPr>
+                        <a:lnSpc>
+                          <a:spcPct val="115000"/>
+                        </a:lnSpc>
+                        <a:spcAft>
+                          <a:spcPts val="700"/>
+                        </a:spcAft>
+                        <a:buNone/>
+                      </a:pPr>
+                      <a:r>
+                        <a:rPr lang="de-DE" sz="1000" kern="100">
+                          <a:effectLst/>
+                          <a:latin typeface="Arial" panose="020B0604020202020204" pitchFamily="34" charset="0"/>
+                          <a:ea typeface="Noto Serif CJK SC"/>
+                          <a:cs typeface="Arial" panose="020B0604020202020204" pitchFamily="34" charset="0"/>
+                        </a:rPr>
+                        <a:t>Schulung vor Ort</a:t>
+                      </a:r>
+                      <a:endParaRPr lang="de-DE" sz="1200" kern="100">
+                        <a:effectLst/>
+                        <a:latin typeface="Arial" panose="020B0604020202020204" pitchFamily="34" charset="0"/>
+                        <a:ea typeface="Noto Serif CJK SC"/>
+                        <a:cs typeface="Noto Sans Devanagari" panose="020B0502040504020204" pitchFamily="34" charset="0"/>
+                      </a:endParaRPr>
+                    </a:p>
+                  </a:txBody>
+                  <a:tcPr marL="68580" marR="68580" marT="0" marB="0"/>
+                </a:tc>
+                <a:tc>
+                  <a:txBody>
+                    <a:bodyPr/>
+                    <a:lstStyle/>
+                    <a:p>
+                      <a:pPr>
+                        <a:lnSpc>
+                          <a:spcPct val="115000"/>
+                        </a:lnSpc>
+                        <a:spcAft>
+                          <a:spcPts val="700"/>
+                        </a:spcAft>
+                        <a:buNone/>
+                      </a:pPr>
+                      <a:r>
+                        <a:rPr lang="de-DE" sz="1000" kern="100" dirty="0">
+                          <a:effectLst/>
+                          <a:latin typeface="Arial" panose="020B0604020202020204" pitchFamily="34" charset="0"/>
+                          <a:ea typeface="Noto Serif CJK SC"/>
+                          <a:cs typeface="Arial" panose="020B0604020202020204" pitchFamily="34" charset="0"/>
+                        </a:rPr>
+                        <a:t>Hardware und API</a:t>
+                      </a:r>
+                      <a:endParaRPr lang="de-DE" sz="1200" kern="100" dirty="0">
+                        <a:effectLst/>
+                        <a:latin typeface="Arial" panose="020B0604020202020204" pitchFamily="34" charset="0"/>
+                        <a:ea typeface="Noto Serif CJK SC"/>
+                        <a:cs typeface="Noto Sans Devanagari" panose="020B0502040504020204" pitchFamily="34" charset="0"/>
+                      </a:endParaRPr>
+                    </a:p>
+                  </a:txBody>
+                  <a:tcPr marL="68580" marR="68580" marT="0" marB="0"/>
+                </a:tc>
+                <a:tc>
+                  <a:txBody>
+                    <a:bodyPr/>
+                    <a:lstStyle/>
+                    <a:p>
+                      <a:pPr>
+                        <a:lnSpc>
+                          <a:spcPct val="115000"/>
+                        </a:lnSpc>
+                        <a:spcAft>
+                          <a:spcPts val="700"/>
+                        </a:spcAft>
+                        <a:buNone/>
+                      </a:pPr>
+                      <a:r>
+                        <a:rPr lang="de-DE" sz="1000" kern="100">
+                          <a:effectLst/>
+                          <a:latin typeface="Arial" panose="020B0604020202020204" pitchFamily="34" charset="0"/>
+                          <a:ea typeface="Noto Serif CJK SC"/>
+                          <a:cs typeface="Arial" panose="020B0604020202020204" pitchFamily="34" charset="0"/>
+                        </a:rPr>
+                        <a:t>1x vor Release</a:t>
+                      </a:r>
+                      <a:endParaRPr lang="de-DE" sz="1200" kern="100">
+                        <a:effectLst/>
+                        <a:latin typeface="Arial" panose="020B0604020202020204" pitchFamily="34" charset="0"/>
+                        <a:ea typeface="Noto Serif CJK SC"/>
+                        <a:cs typeface="Noto Sans Devanagari" panose="020B0502040504020204" pitchFamily="34" charset="0"/>
+                      </a:endParaRPr>
+                    </a:p>
+                    <a:p>
+                      <a:pPr>
+                        <a:lnSpc>
+                          <a:spcPct val="115000"/>
+                        </a:lnSpc>
+                        <a:spcAft>
+                          <a:spcPts val="700"/>
+                        </a:spcAft>
+                        <a:buNone/>
+                      </a:pPr>
+                      <a:r>
+                        <a:rPr lang="de-DE" sz="1000" kern="100">
+                          <a:effectLst/>
+                          <a:latin typeface="Arial" panose="020B0604020202020204" pitchFamily="34" charset="0"/>
+                          <a:ea typeface="Noto Serif CJK SC"/>
+                          <a:cs typeface="Arial" panose="020B0604020202020204" pitchFamily="34" charset="0"/>
+                        </a:rPr>
+                        <a:t>1x jährlich nach Release</a:t>
+                      </a:r>
+                      <a:endParaRPr lang="de-DE" sz="1200" kern="100">
+                        <a:effectLst/>
+                        <a:latin typeface="Arial" panose="020B0604020202020204" pitchFamily="34" charset="0"/>
+                        <a:ea typeface="Noto Serif CJK SC"/>
+                        <a:cs typeface="Noto Sans Devanagari" panose="020B0502040504020204" pitchFamily="34" charset="0"/>
+                      </a:endParaRPr>
+                    </a:p>
+                  </a:txBody>
+                  <a:tcPr marL="68580" marR="68580" marT="0" marB="0"/>
+                </a:tc>
+                <a:tc>
+                  <a:txBody>
+                    <a:bodyPr/>
+                    <a:lstStyle/>
+                    <a:p>
+                      <a:pPr>
+                        <a:lnSpc>
+                          <a:spcPct val="115000"/>
+                        </a:lnSpc>
+                        <a:spcAft>
+                          <a:spcPts val="700"/>
+                        </a:spcAft>
+                        <a:buNone/>
+                      </a:pPr>
+                      <a:r>
+                        <a:rPr lang="de-DE" sz="1000" kern="100">
+                          <a:effectLst/>
+                          <a:latin typeface="Arial" panose="020B0604020202020204" pitchFamily="34" charset="0"/>
+                          <a:ea typeface="Noto Serif CJK SC"/>
+                          <a:cs typeface="Arial" panose="020B0604020202020204" pitchFamily="34" charset="0"/>
+                        </a:rPr>
+                        <a:t>Vor Release: Entwickler</a:t>
+                      </a:r>
+                      <a:endParaRPr lang="de-DE" sz="1200" kern="100">
+                        <a:effectLst/>
+                        <a:latin typeface="Arial" panose="020B0604020202020204" pitchFamily="34" charset="0"/>
+                        <a:ea typeface="Noto Serif CJK SC"/>
+                        <a:cs typeface="Noto Sans Devanagari" panose="020B0502040504020204" pitchFamily="34" charset="0"/>
+                      </a:endParaRPr>
+                    </a:p>
+                    <a:p>
+                      <a:pPr>
+                        <a:lnSpc>
+                          <a:spcPct val="115000"/>
+                        </a:lnSpc>
+                        <a:spcAft>
+                          <a:spcPts val="700"/>
+                        </a:spcAft>
+                        <a:buNone/>
+                      </a:pPr>
+                      <a:r>
+                        <a:rPr lang="de-DE" sz="1000" kern="100">
+                          <a:effectLst/>
+                          <a:latin typeface="Arial" panose="020B0604020202020204" pitchFamily="34" charset="0"/>
+                          <a:ea typeface="Noto Serif CJK SC"/>
+                          <a:cs typeface="Arial" panose="020B0604020202020204" pitchFamily="34" charset="0"/>
+                        </a:rPr>
+                        <a:t>Nach Release:</a:t>
+                      </a:r>
+                      <a:endParaRPr lang="de-DE" sz="1200" kern="100">
+                        <a:effectLst/>
+                        <a:latin typeface="Arial" panose="020B0604020202020204" pitchFamily="34" charset="0"/>
+                        <a:ea typeface="Noto Serif CJK SC"/>
+                        <a:cs typeface="Noto Sans Devanagari" panose="020B0502040504020204" pitchFamily="34" charset="0"/>
+                      </a:endParaRPr>
+                    </a:p>
+                    <a:p>
+                      <a:pPr>
+                        <a:lnSpc>
+                          <a:spcPct val="115000"/>
+                        </a:lnSpc>
+                        <a:spcAft>
+                          <a:spcPts val="700"/>
+                        </a:spcAft>
+                        <a:buNone/>
+                      </a:pPr>
+                      <a:r>
+                        <a:rPr lang="de-DE" sz="1000" kern="100">
+                          <a:effectLst/>
+                          <a:latin typeface="Arial" panose="020B0604020202020204" pitchFamily="34" charset="0"/>
+                          <a:ea typeface="Noto Serif CJK SC"/>
+                          <a:cs typeface="Arial" panose="020B0604020202020204" pitchFamily="34" charset="0"/>
+                        </a:rPr>
+                        <a:t>Product Owner</a:t>
+                      </a:r>
+                      <a:endParaRPr lang="de-DE" sz="1200" kern="100">
+                        <a:effectLst/>
+                        <a:latin typeface="Arial" panose="020B0604020202020204" pitchFamily="34" charset="0"/>
+                        <a:ea typeface="Noto Serif CJK SC"/>
+                        <a:cs typeface="Noto Sans Devanagari" panose="020B0502040504020204" pitchFamily="34" charset="0"/>
+                      </a:endParaRPr>
+                    </a:p>
+                  </a:txBody>
+                  <a:tcPr marL="68580" marR="68580" marT="0" marB="0"/>
+                </a:tc>
+                <a:extLst>
+                  <a:ext uri="{0D108BD9-81ED-4DB2-BD59-A6C34878D82A}">
+                    <a16:rowId xmlns:a16="http://schemas.microsoft.com/office/drawing/2014/main" val="4123259550"/>
+                  </a:ext>
+                </a:extLst>
+              </a:tr>
+              <a:tr h="585399">
+                <a:tc>
+                  <a:txBody>
+                    <a:bodyPr/>
+                    <a:lstStyle/>
+                    <a:p>
+                      <a:pPr>
+                        <a:lnSpc>
+                          <a:spcPct val="115000"/>
+                        </a:lnSpc>
+                        <a:spcAft>
+                          <a:spcPts val="700"/>
+                        </a:spcAft>
+                        <a:buNone/>
+                      </a:pPr>
+                      <a:r>
+                        <a:rPr lang="de-DE" sz="1000" kern="100">
+                          <a:effectLst/>
+                          <a:latin typeface="Arial" panose="020B0604020202020204" pitchFamily="34" charset="0"/>
+                          <a:ea typeface="Noto Serif CJK SC"/>
+                          <a:cs typeface="Arial" panose="020B0604020202020204" pitchFamily="34" charset="0"/>
+                        </a:rPr>
+                        <a:t>HR-Abteilung</a:t>
+                      </a:r>
+                      <a:endParaRPr lang="de-DE" sz="1200" kern="100">
+                        <a:effectLst/>
+                        <a:latin typeface="Arial" panose="020B0604020202020204" pitchFamily="34" charset="0"/>
+                        <a:ea typeface="Noto Serif CJK SC"/>
+                        <a:cs typeface="Noto Sans Devanagari" panose="020B0502040504020204" pitchFamily="34" charset="0"/>
+                      </a:endParaRPr>
+                    </a:p>
+                  </a:txBody>
+                  <a:tcPr marL="68580" marR="68580" marT="0" marB="0"/>
+                </a:tc>
+                <a:tc>
+                  <a:txBody>
+                    <a:bodyPr/>
+                    <a:lstStyle/>
+                    <a:p>
+                      <a:pPr>
+                        <a:lnSpc>
+                          <a:spcPct val="115000"/>
+                        </a:lnSpc>
+                        <a:spcAft>
+                          <a:spcPts val="700"/>
+                        </a:spcAft>
+                        <a:buNone/>
+                      </a:pPr>
+                      <a:r>
+                        <a:rPr lang="de-DE" sz="1000" kern="100">
+                          <a:effectLst/>
+                          <a:latin typeface="Arial" panose="020B0604020202020204" pitchFamily="34" charset="0"/>
+                          <a:ea typeface="Noto Serif CJK SC"/>
+                          <a:cs typeface="Arial" panose="020B0604020202020204" pitchFamily="34" charset="0"/>
+                        </a:rPr>
+                        <a:t>Präsentation</a:t>
+                      </a:r>
+                      <a:endParaRPr lang="de-DE" sz="1200" kern="100">
+                        <a:effectLst/>
+                        <a:latin typeface="Arial" panose="020B0604020202020204" pitchFamily="34" charset="0"/>
+                        <a:ea typeface="Noto Serif CJK SC"/>
+                        <a:cs typeface="Noto Sans Devanagari" panose="020B0502040504020204" pitchFamily="34" charset="0"/>
+                      </a:endParaRPr>
+                    </a:p>
+                  </a:txBody>
+                  <a:tcPr marL="68580" marR="68580" marT="0" marB="0"/>
+                </a:tc>
+                <a:tc>
+                  <a:txBody>
+                    <a:bodyPr/>
+                    <a:lstStyle/>
+                    <a:p>
+                      <a:pPr>
+                        <a:lnSpc>
+                          <a:spcPct val="115000"/>
+                        </a:lnSpc>
+                        <a:spcAft>
+                          <a:spcPts val="700"/>
+                        </a:spcAft>
+                        <a:buNone/>
+                      </a:pPr>
+                      <a:r>
+                        <a:rPr lang="de-DE" sz="1000" kern="100" dirty="0">
+                          <a:effectLst/>
+                          <a:latin typeface="Arial" panose="020B0604020202020204" pitchFamily="34" charset="0"/>
+                          <a:ea typeface="Noto Serif CJK SC"/>
+                          <a:cs typeface="Arial" panose="020B0604020202020204" pitchFamily="34" charset="0"/>
+                        </a:rPr>
+                        <a:t>Control-Panel</a:t>
+                      </a:r>
+                      <a:endParaRPr lang="de-DE" sz="1200" kern="100" dirty="0">
+                        <a:effectLst/>
+                        <a:latin typeface="Arial" panose="020B0604020202020204" pitchFamily="34" charset="0"/>
+                        <a:ea typeface="Noto Serif CJK SC"/>
+                        <a:cs typeface="Noto Sans Devanagari" panose="020B0502040504020204" pitchFamily="34" charset="0"/>
+                      </a:endParaRPr>
+                    </a:p>
+                  </a:txBody>
+                  <a:tcPr marL="68580" marR="68580" marT="0" marB="0"/>
+                </a:tc>
+                <a:tc>
+                  <a:txBody>
+                    <a:bodyPr/>
+                    <a:lstStyle/>
+                    <a:p>
+                      <a:pPr>
+                        <a:lnSpc>
+                          <a:spcPct val="115000"/>
+                        </a:lnSpc>
+                        <a:spcAft>
+                          <a:spcPts val="700"/>
+                        </a:spcAft>
+                        <a:buNone/>
+                      </a:pPr>
+                      <a:r>
+                        <a:rPr lang="de-DE" sz="1000" kern="100">
+                          <a:effectLst/>
+                          <a:latin typeface="Arial" panose="020B0604020202020204" pitchFamily="34" charset="0"/>
+                          <a:ea typeface="Noto Serif CJK SC"/>
+                          <a:cs typeface="Arial" panose="020B0604020202020204" pitchFamily="34" charset="0"/>
+                        </a:rPr>
+                        <a:t>2x vor Release</a:t>
+                      </a:r>
+                      <a:endParaRPr lang="de-DE" sz="1200" kern="100">
+                        <a:effectLst/>
+                        <a:latin typeface="Arial" panose="020B0604020202020204" pitchFamily="34" charset="0"/>
+                        <a:ea typeface="Noto Serif CJK SC"/>
+                        <a:cs typeface="Noto Sans Devanagari" panose="020B0502040504020204" pitchFamily="34" charset="0"/>
+                      </a:endParaRPr>
+                    </a:p>
+                    <a:p>
+                      <a:pPr>
+                        <a:lnSpc>
+                          <a:spcPct val="115000"/>
+                        </a:lnSpc>
+                        <a:spcAft>
+                          <a:spcPts val="700"/>
+                        </a:spcAft>
+                        <a:buNone/>
+                      </a:pPr>
+                      <a:r>
+                        <a:rPr lang="de-DE" sz="1000" kern="100">
+                          <a:effectLst/>
+                          <a:latin typeface="Arial" panose="020B0604020202020204" pitchFamily="34" charset="0"/>
+                          <a:ea typeface="Noto Serif CJK SC"/>
+                          <a:cs typeface="Arial" panose="020B0604020202020204" pitchFamily="34" charset="0"/>
+                        </a:rPr>
+                        <a:t>1x im Quartal</a:t>
+                      </a:r>
+                      <a:endParaRPr lang="de-DE" sz="1200" kern="100">
+                        <a:effectLst/>
+                        <a:latin typeface="Arial" panose="020B0604020202020204" pitchFamily="34" charset="0"/>
+                        <a:ea typeface="Noto Serif CJK SC"/>
+                        <a:cs typeface="Noto Sans Devanagari" panose="020B0502040504020204" pitchFamily="34" charset="0"/>
+                      </a:endParaRPr>
+                    </a:p>
+                  </a:txBody>
+                  <a:tcPr marL="68580" marR="68580" marT="0" marB="0"/>
+                </a:tc>
+                <a:tc>
+                  <a:txBody>
+                    <a:bodyPr/>
+                    <a:lstStyle/>
+                    <a:p>
+                      <a:pPr>
+                        <a:lnSpc>
+                          <a:spcPct val="115000"/>
+                        </a:lnSpc>
+                        <a:spcAft>
+                          <a:spcPts val="700"/>
+                        </a:spcAft>
+                        <a:buNone/>
+                      </a:pPr>
+                      <a:r>
+                        <a:rPr lang="de-DE" sz="1000" kern="100">
+                          <a:effectLst/>
+                          <a:latin typeface="Arial" panose="020B0604020202020204" pitchFamily="34" charset="0"/>
+                          <a:ea typeface="Noto Serif CJK SC"/>
+                          <a:cs typeface="Arial" panose="020B0604020202020204" pitchFamily="34" charset="0"/>
+                        </a:rPr>
+                        <a:t>Product Owner / Scrum Master</a:t>
+                      </a:r>
+                      <a:endParaRPr lang="de-DE" sz="1200" kern="100">
+                        <a:effectLst/>
+                        <a:latin typeface="Arial" panose="020B0604020202020204" pitchFamily="34" charset="0"/>
+                        <a:ea typeface="Noto Serif CJK SC"/>
+                        <a:cs typeface="Noto Sans Devanagari" panose="020B0502040504020204" pitchFamily="34" charset="0"/>
+                      </a:endParaRPr>
+                    </a:p>
+                  </a:txBody>
+                  <a:tcPr marL="68580" marR="68580" marT="0" marB="0"/>
+                </a:tc>
+                <a:extLst>
+                  <a:ext uri="{0D108BD9-81ED-4DB2-BD59-A6C34878D82A}">
+                    <a16:rowId xmlns:a16="http://schemas.microsoft.com/office/drawing/2014/main" val="126354763"/>
+                  </a:ext>
+                </a:extLst>
+              </a:tr>
+              <a:tr h="704492">
+                <a:tc>
+                  <a:txBody>
+                    <a:bodyPr/>
+                    <a:lstStyle/>
+                    <a:p>
+                      <a:pPr>
+                        <a:lnSpc>
+                          <a:spcPct val="115000"/>
+                        </a:lnSpc>
+                        <a:spcAft>
+                          <a:spcPts val="700"/>
+                        </a:spcAft>
+                        <a:buNone/>
+                      </a:pPr>
+                      <a:r>
+                        <a:rPr lang="de-DE" sz="1000" kern="100">
+                          <a:effectLst/>
+                          <a:latin typeface="Arial" panose="020B0604020202020204" pitchFamily="34" charset="0"/>
+                          <a:ea typeface="Noto Serif CJK SC"/>
+                          <a:cs typeface="Arial" panose="020B0604020202020204" pitchFamily="34" charset="0"/>
+                        </a:rPr>
+                        <a:t>Geschäftsführung</a:t>
+                      </a:r>
+                      <a:endParaRPr lang="de-DE" sz="1200" kern="100">
+                        <a:effectLst/>
+                        <a:latin typeface="Arial" panose="020B0604020202020204" pitchFamily="34" charset="0"/>
+                        <a:ea typeface="Noto Serif CJK SC"/>
+                        <a:cs typeface="Noto Sans Devanagari" panose="020B0502040504020204" pitchFamily="34" charset="0"/>
+                      </a:endParaRPr>
+                    </a:p>
+                  </a:txBody>
+                  <a:tcPr marL="68580" marR="68580" marT="0" marB="0"/>
+                </a:tc>
+                <a:tc>
+                  <a:txBody>
+                    <a:bodyPr/>
+                    <a:lstStyle/>
+                    <a:p>
+                      <a:pPr>
+                        <a:lnSpc>
+                          <a:spcPct val="115000"/>
+                        </a:lnSpc>
+                        <a:spcAft>
+                          <a:spcPts val="700"/>
+                        </a:spcAft>
+                        <a:buNone/>
+                      </a:pPr>
+                      <a:r>
+                        <a:rPr lang="de-DE" sz="1000" kern="100">
+                          <a:effectLst/>
+                          <a:latin typeface="Arial" panose="020B0604020202020204" pitchFamily="34" charset="0"/>
+                          <a:ea typeface="Noto Serif CJK SC"/>
+                          <a:cs typeface="Arial" panose="020B0604020202020204" pitchFamily="34" charset="0"/>
+                        </a:rPr>
+                        <a:t>Präsentation vor Ort</a:t>
+                      </a:r>
+                      <a:endParaRPr lang="de-DE" sz="1200" kern="100">
+                        <a:effectLst/>
+                        <a:latin typeface="Arial" panose="020B0604020202020204" pitchFamily="34" charset="0"/>
+                        <a:ea typeface="Noto Serif CJK SC"/>
+                        <a:cs typeface="Noto Sans Devanagari" panose="020B0502040504020204" pitchFamily="34" charset="0"/>
+                      </a:endParaRPr>
+                    </a:p>
+                  </a:txBody>
+                  <a:tcPr marL="68580" marR="68580" marT="0" marB="0"/>
+                </a:tc>
+                <a:tc>
+                  <a:txBody>
+                    <a:bodyPr/>
+                    <a:lstStyle/>
+                    <a:p>
+                      <a:pPr>
+                        <a:lnSpc>
+                          <a:spcPct val="115000"/>
+                        </a:lnSpc>
+                        <a:spcAft>
+                          <a:spcPts val="700"/>
+                        </a:spcAft>
+                        <a:buNone/>
+                      </a:pPr>
+                      <a:r>
+                        <a:rPr lang="de-DE" sz="1000" kern="100" dirty="0">
+                          <a:effectLst/>
+                          <a:latin typeface="Arial" panose="020B0604020202020204" pitchFamily="34" charset="0"/>
+                          <a:ea typeface="Noto Serif CJK SC"/>
+                          <a:cs typeface="Arial" panose="020B0604020202020204" pitchFamily="34" charset="0"/>
+                        </a:rPr>
+                        <a:t>Control-Panel, Source Code, API</a:t>
+                      </a:r>
+                      <a:endParaRPr lang="de-DE" sz="1200" kern="100" dirty="0">
+                        <a:effectLst/>
+                        <a:latin typeface="Arial" panose="020B0604020202020204" pitchFamily="34" charset="0"/>
+                        <a:ea typeface="Noto Serif CJK SC"/>
+                        <a:cs typeface="Noto Sans Devanagari" panose="020B0502040504020204" pitchFamily="34" charset="0"/>
+                      </a:endParaRPr>
+                    </a:p>
+                  </a:txBody>
+                  <a:tcPr marL="68580" marR="68580" marT="0" marB="0"/>
+                </a:tc>
+                <a:tc>
+                  <a:txBody>
+                    <a:bodyPr/>
+                    <a:lstStyle/>
+                    <a:p>
+                      <a:pPr>
+                        <a:lnSpc>
+                          <a:spcPct val="115000"/>
+                        </a:lnSpc>
+                        <a:spcAft>
+                          <a:spcPts val="700"/>
+                        </a:spcAft>
+                        <a:buNone/>
+                      </a:pPr>
+                      <a:r>
+                        <a:rPr lang="de-DE" sz="1000" kern="100">
+                          <a:effectLst/>
+                          <a:latin typeface="Arial" panose="020B0604020202020204" pitchFamily="34" charset="0"/>
+                          <a:ea typeface="Noto Serif CJK SC"/>
+                          <a:cs typeface="Arial" panose="020B0604020202020204" pitchFamily="34" charset="0"/>
+                        </a:rPr>
+                        <a:t>1x vor Release</a:t>
+                      </a:r>
+                      <a:endParaRPr lang="de-DE" sz="1200" kern="100">
+                        <a:effectLst/>
+                        <a:latin typeface="Arial" panose="020B0604020202020204" pitchFamily="34" charset="0"/>
+                        <a:ea typeface="Noto Serif CJK SC"/>
+                        <a:cs typeface="Noto Sans Devanagari" panose="020B0502040504020204" pitchFamily="34" charset="0"/>
+                      </a:endParaRPr>
+                    </a:p>
+                    <a:p>
+                      <a:pPr>
+                        <a:lnSpc>
+                          <a:spcPct val="115000"/>
+                        </a:lnSpc>
+                        <a:spcAft>
+                          <a:spcPts val="700"/>
+                        </a:spcAft>
+                        <a:buNone/>
+                      </a:pPr>
+                      <a:r>
+                        <a:rPr lang="de-DE" sz="1000" kern="100">
+                          <a:effectLst/>
+                          <a:latin typeface="Arial" panose="020B0604020202020204" pitchFamily="34" charset="0"/>
+                          <a:ea typeface="Noto Serif CJK SC"/>
+                          <a:cs typeface="Arial" panose="020B0604020202020204" pitchFamily="34" charset="0"/>
+                        </a:rPr>
+                        <a:t>Nach Bedarf</a:t>
+                      </a:r>
+                      <a:endParaRPr lang="de-DE" sz="1200" kern="100">
+                        <a:effectLst/>
+                        <a:latin typeface="Arial" panose="020B0604020202020204" pitchFamily="34" charset="0"/>
+                        <a:ea typeface="Noto Serif CJK SC"/>
+                        <a:cs typeface="Noto Sans Devanagari" panose="020B0502040504020204" pitchFamily="34" charset="0"/>
+                      </a:endParaRPr>
+                    </a:p>
+                  </a:txBody>
+                  <a:tcPr marL="68580" marR="68580" marT="0" marB="0"/>
+                </a:tc>
+                <a:tc>
+                  <a:txBody>
+                    <a:bodyPr/>
+                    <a:lstStyle/>
+                    <a:p>
+                      <a:pPr>
+                        <a:lnSpc>
+                          <a:spcPct val="115000"/>
+                        </a:lnSpc>
+                        <a:spcAft>
+                          <a:spcPts val="700"/>
+                        </a:spcAft>
+                        <a:buNone/>
+                      </a:pPr>
+                      <a:r>
+                        <a:rPr lang="de-DE" sz="1000" kern="100" dirty="0" err="1">
+                          <a:effectLst/>
+                          <a:latin typeface="Arial" panose="020B0604020202020204" pitchFamily="34" charset="0"/>
+                          <a:ea typeface="Noto Serif CJK SC"/>
+                          <a:cs typeface="Arial" panose="020B0604020202020204" pitchFamily="34" charset="0"/>
+                        </a:rPr>
+                        <a:t>Product</a:t>
+                      </a:r>
+                      <a:r>
+                        <a:rPr lang="de-DE" sz="1000" kern="100" dirty="0">
+                          <a:effectLst/>
+                          <a:latin typeface="Arial" panose="020B0604020202020204" pitchFamily="34" charset="0"/>
+                          <a:ea typeface="Noto Serif CJK SC"/>
+                          <a:cs typeface="Arial" panose="020B0604020202020204" pitchFamily="34" charset="0"/>
+                        </a:rPr>
+                        <a:t> </a:t>
+                      </a:r>
+                      <a:r>
+                        <a:rPr lang="de-DE" sz="1000" kern="100" dirty="0" err="1">
+                          <a:effectLst/>
+                          <a:latin typeface="Arial" panose="020B0604020202020204" pitchFamily="34" charset="0"/>
+                          <a:ea typeface="Noto Serif CJK SC"/>
+                          <a:cs typeface="Arial" panose="020B0604020202020204" pitchFamily="34" charset="0"/>
+                        </a:rPr>
+                        <a:t>Owner</a:t>
+                      </a:r>
+                      <a:r>
+                        <a:rPr lang="de-DE" sz="1000" kern="100" dirty="0">
+                          <a:effectLst/>
+                          <a:latin typeface="Arial" panose="020B0604020202020204" pitchFamily="34" charset="0"/>
+                          <a:ea typeface="Noto Serif CJK SC"/>
+                          <a:cs typeface="Arial" panose="020B0604020202020204" pitchFamily="34" charset="0"/>
+                        </a:rPr>
+                        <a:t>, </a:t>
+                      </a:r>
+                      <a:r>
+                        <a:rPr lang="de-DE" sz="1000" kern="100" dirty="0" err="1">
+                          <a:effectLst/>
+                          <a:latin typeface="Arial" panose="020B0604020202020204" pitchFamily="34" charset="0"/>
+                          <a:ea typeface="Noto Serif CJK SC"/>
+                          <a:cs typeface="Arial" panose="020B0604020202020204" pitchFamily="34" charset="0"/>
+                        </a:rPr>
+                        <a:t>Scrum</a:t>
+                      </a:r>
+                      <a:r>
+                        <a:rPr lang="de-DE" sz="1000" kern="100" dirty="0">
+                          <a:effectLst/>
+                          <a:latin typeface="Arial" panose="020B0604020202020204" pitchFamily="34" charset="0"/>
+                          <a:ea typeface="Noto Serif CJK SC"/>
+                          <a:cs typeface="Arial" panose="020B0604020202020204" pitchFamily="34" charset="0"/>
+                        </a:rPr>
+                        <a:t> Master, Entwickler</a:t>
+                      </a:r>
+                      <a:endParaRPr lang="de-DE" sz="1200" kern="100" dirty="0">
+                        <a:effectLst/>
+                        <a:latin typeface="Arial" panose="020B0604020202020204" pitchFamily="34" charset="0"/>
+                        <a:ea typeface="Noto Serif CJK SC"/>
+                        <a:cs typeface="Noto Sans Devanagari" panose="020B0502040504020204" pitchFamily="34" charset="0"/>
+                      </a:endParaRPr>
+                    </a:p>
+                  </a:txBody>
+                  <a:tcPr marL="68580" marR="68580" marT="0" marB="0"/>
+                </a:tc>
+                <a:extLst>
+                  <a:ext uri="{0D108BD9-81ED-4DB2-BD59-A6C34878D82A}">
+                    <a16:rowId xmlns:a16="http://schemas.microsoft.com/office/drawing/2014/main" val="465764768"/>
+                  </a:ext>
+                </a:extLst>
+              </a:tr>
+            </a:tbl>
+          </a:graphicData>
+        </a:graphic>
+      </p:graphicFrame>
+      <p:sp>
+        <p:nvSpPr>
+          <p:cNvPr id="5" name="Textfeld 4">
+            <a:extLst>
+              <a:ext uri="{FF2B5EF4-FFF2-40B4-BE49-F238E27FC236}">
+                <a16:creationId xmlns:a16="http://schemas.microsoft.com/office/drawing/2014/main" id="{8B3F9813-857E-B452-4887-5FB468DBF3EC}"/>
+              </a:ext>
+            </a:extLst>
+          </p:cNvPr>
+          <p:cNvSpPr txBox="1"/>
+          <p:nvPr/>
+        </p:nvSpPr>
+        <p:spPr>
+          <a:xfrm>
+            <a:off x="1374328" y="2512750"/>
+            <a:ext cx="2625975" cy="2677656"/>
+          </a:xfrm>
+          <a:prstGeom prst="rect">
+            <a:avLst/>
+          </a:prstGeom>
+          <a:noFill/>
+        </p:spPr>
+        <p:txBody>
+          <a:bodyPr wrap="none" rtlCol="0">
+            <a:spAutoFit/>
+          </a:bodyPr>
+          <a:lstStyle/>
+          <a:p>
+            <a:r>
+              <a:rPr lang="de-DE" sz="2400" b="1" dirty="0"/>
+              <a:t>Grundschulung:</a:t>
+            </a:r>
+          </a:p>
+          <a:p>
+            <a:endParaRPr lang="de-DE" dirty="0"/>
+          </a:p>
+          <a:p>
+            <a:pPr marL="285750" indent="-285750">
+              <a:lnSpc>
+                <a:spcPct val="150000"/>
+              </a:lnSpc>
+              <a:buFont typeface="Arial" panose="020B0604020202020204" pitchFamily="34" charset="0"/>
+              <a:buChar char="•"/>
+            </a:pPr>
+            <a:r>
+              <a:rPr lang="de-DE" dirty="0"/>
+              <a:t>Ändern der Sprache</a:t>
+            </a:r>
+          </a:p>
+          <a:p>
+            <a:pPr marL="285750" indent="-285750">
+              <a:lnSpc>
+                <a:spcPct val="150000"/>
+              </a:lnSpc>
+              <a:buFont typeface="Arial" panose="020B0604020202020204" pitchFamily="34" charset="0"/>
+              <a:buChar char="•"/>
+            </a:pPr>
+            <a:r>
+              <a:rPr lang="de-DE" dirty="0"/>
+              <a:t>Ändern des Passworts</a:t>
+            </a:r>
+          </a:p>
+          <a:p>
+            <a:pPr marL="285750" indent="-285750">
+              <a:lnSpc>
+                <a:spcPct val="150000"/>
+              </a:lnSpc>
+              <a:buFont typeface="Arial" panose="020B0604020202020204" pitchFamily="34" charset="0"/>
+              <a:buChar char="•"/>
+            </a:pPr>
+            <a:r>
+              <a:rPr lang="de-DE" dirty="0"/>
+              <a:t>First </a:t>
+            </a:r>
+            <a:r>
+              <a:rPr lang="de-DE" dirty="0" err="1"/>
+              <a:t>Steps</a:t>
+            </a:r>
+            <a:endParaRPr lang="de-DE" dirty="0"/>
+          </a:p>
+          <a:p>
+            <a:pPr marL="285750" indent="-285750">
+              <a:lnSpc>
+                <a:spcPct val="150000"/>
+              </a:lnSpc>
+              <a:buFont typeface="Arial" panose="020B0604020202020204" pitchFamily="34" charset="0"/>
+              <a:buChar char="•"/>
+            </a:pPr>
+            <a:r>
+              <a:rPr lang="de-DE" dirty="0"/>
+              <a:t>Funktionen</a:t>
+            </a:r>
+          </a:p>
+          <a:p>
+            <a:pPr marL="285750" indent="-285750">
+              <a:buFont typeface="Arial" panose="020B0604020202020204" pitchFamily="34" charset="0"/>
+              <a:buChar char="•"/>
+            </a:pPr>
+            <a:endParaRPr lang="de-DE" dirty="0"/>
+          </a:p>
+        </p:txBody>
+      </p:sp>
+    </p:spTree>
+    <p:extLst>
+      <p:ext uri="{BB962C8B-B14F-4D97-AF65-F5344CB8AC3E}">
+        <p14:creationId xmlns:p14="http://schemas.microsoft.com/office/powerpoint/2010/main" val="647762184"/>
+      </p:ext>
+    </p:extLst>
+  </p:cSld>
+  <p:clrMapOvr>
+    <a:masterClrMapping/>
+  </p:clrMapOvr>
+</p:sld>
+</file>
+
+<file path=ppt/slides/slide18.xml><?xml version="1.0" encoding="utf-8"?>
 <p:sld xmlns:a="http://schemas.openxmlformats.org/drawingml/2006/main" xmlns:r="http://schemas.openxmlformats.org/officeDocument/2006/relationships" xmlns:p="http://schemas.openxmlformats.org/presentationml/2006/main">
   <p:cSld>
     <p:bg>
@@ -15252,7 +17881,7 @@
 </p:sld>
 </file>
 
-<file path=ppt/slides/slide18.xml><?xml version="1.0" encoding="utf-8"?>
+<file path=ppt/slides/slide19.xml><?xml version="1.0" encoding="utf-8"?>
 <p:sld xmlns:a="http://schemas.openxmlformats.org/drawingml/2006/main" xmlns:r="http://schemas.openxmlformats.org/officeDocument/2006/relationships" xmlns:p="http://schemas.openxmlformats.org/presentationml/2006/main">
   <p:cSld>
     <p:bg>
@@ -15572,610 +18201,6 @@
               </a:rPr>
               <a:t>Benutzer löschen</a:t>
             </a:r>
-          </a:p>
-          <a:p>
-            <a:pPr indent="0" defTabSz="914400">
-              <a:lnSpc>
-                <a:spcPct val="110000"/>
-              </a:lnSpc>
-              <a:spcBef>
-                <a:spcPts val="1001"/>
-              </a:spcBef>
-              <a:buNone/>
-            </a:pPr>
-            <a:endParaRPr lang="de-DE" sz="2000" b="0" u="none" strike="noStrike">
-              <a:solidFill>
-                <a:schemeClr val="dk1"/>
-              </a:solidFill>
-              <a:effectLst/>
-              <a:uFillTx/>
-              <a:latin typeface="Calisto MT"/>
-            </a:endParaRPr>
-          </a:p>
-          <a:p>
-            <a:pPr indent="0" defTabSz="914400">
-              <a:lnSpc>
-                <a:spcPct val="110000"/>
-              </a:lnSpc>
-              <a:spcBef>
-                <a:spcPts val="1001"/>
-              </a:spcBef>
-              <a:buNone/>
-            </a:pPr>
-            <a:endParaRPr lang="de-DE" sz="2000" b="0" u="none" strike="noStrike">
-              <a:solidFill>
-                <a:schemeClr val="dk1"/>
-              </a:solidFill>
-              <a:effectLst/>
-              <a:uFillTx/>
-              <a:latin typeface="Calisto MT"/>
-            </a:endParaRPr>
-          </a:p>
-          <a:p>
-            <a:pPr indent="0" defTabSz="914400">
-              <a:lnSpc>
-                <a:spcPct val="110000"/>
-              </a:lnSpc>
-              <a:spcBef>
-                <a:spcPts val="1001"/>
-              </a:spcBef>
-              <a:buNone/>
-            </a:pPr>
-            <a:endParaRPr lang="de-DE" sz="2000" b="0" u="none" strike="noStrike">
-              <a:solidFill>
-                <a:schemeClr val="dk1"/>
-              </a:solidFill>
-              <a:effectLst/>
-              <a:uFillTx/>
-              <a:latin typeface="Calisto MT"/>
-            </a:endParaRPr>
-          </a:p>
-          <a:p>
-            <a:pPr indent="0" defTabSz="914400">
-              <a:lnSpc>
-                <a:spcPct val="110000"/>
-              </a:lnSpc>
-              <a:spcBef>
-                <a:spcPts val="1001"/>
-              </a:spcBef>
-              <a:buNone/>
-            </a:pPr>
-            <a:endParaRPr lang="de-DE" sz="2000" b="0" u="none" strike="noStrike">
-              <a:solidFill>
-                <a:schemeClr val="dk1"/>
-              </a:solidFill>
-              <a:effectLst/>
-              <a:uFillTx/>
-              <a:latin typeface="Calisto MT"/>
-            </a:endParaRPr>
-          </a:p>
-        </p:txBody>
-      </p:sp>
-    </p:spTree>
-  </p:cSld>
-  <p:clrMapOvr>
-    <a:masterClrMapping/>
-  </p:clrMapOvr>
-</p:sld>
-</file>
-
-<file path=ppt/slides/slide19.xml><?xml version="1.0" encoding="utf-8"?>
-<p:sld xmlns:a="http://schemas.openxmlformats.org/drawingml/2006/main" xmlns:r="http://schemas.openxmlformats.org/officeDocument/2006/relationships" xmlns:p="http://schemas.openxmlformats.org/presentationml/2006/main">
-  <p:cSld>
-    <p:bg>
-      <p:bgPr>
-        <a:solidFill>
-          <a:schemeClr val="lt1"/>
-        </a:solidFill>
-        <a:effectLst/>
-      </p:bgPr>
-    </p:bg>
-    <p:spTree>
-      <p:nvGrpSpPr>
-        <p:cNvPr id="1" name=""/>
-        <p:cNvGrpSpPr/>
-        <p:nvPr/>
-      </p:nvGrpSpPr>
-      <p:grpSpPr>
-        <a:xfrm>
-          <a:off x="0" y="0"/>
-          <a:ext cx="0" cy="0"/>
-          <a:chOff x="0" y="0"/>
-          <a:chExt cx="0" cy="0"/>
-        </a:xfrm>
-      </p:grpSpPr>
-      <p:sp useBgFill="1">
-        <p:nvSpPr>
-          <p:cNvPr id="157" name="Rectangle 9">
-            <a:extLst>
-              <a:ext uri="{C183D7F6-B498-43B3-948B-1728B52AA6E4}">
-                <adec:decorative xmlns:adec="http://schemas.microsoft.com/office/drawing/2017/decorative" val="1"/>
-              </a:ext>
-            </a:extLst>
-          </p:cNvPr>
-          <p:cNvSpPr/>
-          <p:nvPr/>
-        </p:nvSpPr>
-        <p:spPr>
-          <a:xfrm>
-            <a:off x="0" y="0"/>
-            <a:ext cx="12191760" cy="6857640"/>
-          </a:xfrm>
-          <a:prstGeom prst="rect">
-            <a:avLst/>
-          </a:prstGeom>
-          <a:ln>
-            <a:noFill/>
-          </a:ln>
-        </p:spPr>
-        <p:style>
-          <a:lnRef idx="2">
-            <a:schemeClr val="accent1">
-              <a:shade val="50000"/>
-            </a:schemeClr>
-          </a:lnRef>
-          <a:fillRef idx="1">
-            <a:schemeClr val="accent1"/>
-          </a:fillRef>
-          <a:effectRef idx="0">
-            <a:schemeClr val="accent1"/>
-          </a:effectRef>
-          <a:fontRef idx="minor"/>
-        </p:style>
-        <p:txBody>
-          <a:bodyPr lIns="90000" tIns="45000" rIns="90000" bIns="45000" anchor="ctr">
-            <a:noAutofit/>
-          </a:bodyPr>
-          <a:lstStyle/>
-          <a:p>
-            <a:endParaRPr lang="en-US" sz="1800" b="0" u="none" strike="noStrike">
-              <a:solidFill>
-                <a:schemeClr val="lt1"/>
-              </a:solidFill>
-              <a:effectLst/>
-              <a:uFillTx/>
-              <a:latin typeface="Calisto MT"/>
-            </a:endParaRPr>
-          </a:p>
-        </p:txBody>
-      </p:sp>
-      <p:sp>
-        <p:nvSpPr>
-          <p:cNvPr id="158" name="PlaceHolder 1"/>
-          <p:cNvSpPr>
-            <a:spLocks noGrp="1"/>
-          </p:cNvSpPr>
-          <p:nvPr>
-            <p:ph type="title"/>
-          </p:nvPr>
-        </p:nvSpPr>
-        <p:spPr>
-          <a:xfrm>
-            <a:off x="704160" y="555840"/>
-            <a:ext cx="10815840" cy="2390400"/>
-          </a:xfrm>
-          <a:prstGeom prst="rect">
-            <a:avLst/>
-          </a:prstGeom>
-          <a:noFill/>
-          <a:ln w="0">
-            <a:noFill/>
-          </a:ln>
-        </p:spPr>
-        <p:txBody>
-          <a:bodyPr lIns="91440" tIns="45720" rIns="91440" bIns="45720" anchor="t">
-            <a:normAutofit/>
-          </a:bodyPr>
-          <a:lstStyle/>
-          <a:p>
-            <a:pPr indent="0" defTabSz="914400">
-              <a:lnSpc>
-                <a:spcPct val="100000"/>
-              </a:lnSpc>
-              <a:buNone/>
-            </a:pPr>
-            <a:r>
-              <a:rPr lang="de-DE" sz="4000" b="0" u="none" strike="noStrike" cap="all" spc="31" dirty="0">
-                <a:solidFill>
-                  <a:schemeClr val="dk1"/>
-                </a:solidFill>
-                <a:effectLst/>
-                <a:uFillTx/>
-                <a:latin typeface="Univers Condensed"/>
-              </a:rPr>
-              <a:t>8. Live Demo – User Dashboard</a:t>
-            </a:r>
-            <a:endParaRPr lang="de-DE" sz="4000" b="0" u="none" strike="noStrike" dirty="0">
-              <a:solidFill>
-                <a:schemeClr val="dk1"/>
-              </a:solidFill>
-              <a:effectLst/>
-              <a:uFillTx/>
-              <a:latin typeface="Calisto MT"/>
-            </a:endParaRPr>
-          </a:p>
-        </p:txBody>
-      </p:sp>
-      <p:sp>
-        <p:nvSpPr>
-          <p:cNvPr id="159" name="PlaceHolder 2"/>
-          <p:cNvSpPr>
-            <a:spLocks noGrp="1"/>
-          </p:cNvSpPr>
-          <p:nvPr>
-            <p:ph/>
-          </p:nvPr>
-        </p:nvSpPr>
-        <p:spPr>
-          <a:xfrm>
-            <a:off x="720000" y="1440000"/>
-            <a:ext cx="10772280" cy="4730040"/>
-          </a:xfrm>
-          <a:prstGeom prst="rect">
-            <a:avLst/>
-          </a:prstGeom>
-          <a:noFill/>
-          <a:ln w="0">
-            <a:noFill/>
-          </a:ln>
-        </p:spPr>
-        <p:txBody>
-          <a:bodyPr lIns="91440" tIns="45720" rIns="91440" bIns="45720" anchor="t">
-            <a:normAutofit fontScale="70000" lnSpcReduction="20000"/>
-          </a:bodyPr>
-          <a:lstStyle/>
-          <a:p>
-            <a:pPr marL="228600" indent="0" defTabSz="914400">
-              <a:lnSpc>
-                <a:spcPct val="110000"/>
-              </a:lnSpc>
-              <a:spcBef>
-                <a:spcPts val="1001"/>
-              </a:spcBef>
-              <a:buNone/>
-            </a:pPr>
-            <a:endParaRPr lang="de-DE" sz="2000" b="0" u="none" strike="noStrike">
-              <a:solidFill>
-                <a:schemeClr val="dk1"/>
-              </a:solidFill>
-              <a:effectLst/>
-              <a:uFillTx/>
-              <a:latin typeface="Calisto MT"/>
-            </a:endParaRPr>
-          </a:p>
-          <a:p>
-            <a:pPr marL="228600" indent="-228600" defTabSz="914400">
-              <a:lnSpc>
-                <a:spcPct val="110000"/>
-              </a:lnSpc>
-              <a:spcBef>
-                <a:spcPts val="1001"/>
-              </a:spcBef>
-              <a:buClr>
-                <a:srgbClr val="000000"/>
-              </a:buClr>
-              <a:buFont typeface="Symbol" charset="2"/>
-              <a:buChar char=""/>
-            </a:pPr>
-            <a:r>
-              <a:rPr lang="de-DE" sz="2000" b="0" u="none" strike="noStrike">
-                <a:solidFill>
-                  <a:schemeClr val="dk1"/>
-                </a:solidFill>
-                <a:effectLst/>
-                <a:uFillTx/>
-                <a:latin typeface="Calisto MT"/>
-              </a:rPr>
-              <a:t>Individuelles Passwort setzen</a:t>
-            </a:r>
-          </a:p>
-          <a:p>
-            <a:pPr marL="228600" indent="0" defTabSz="914400">
-              <a:lnSpc>
-                <a:spcPct val="110000"/>
-              </a:lnSpc>
-              <a:spcBef>
-                <a:spcPts val="1001"/>
-              </a:spcBef>
-              <a:buNone/>
-            </a:pPr>
-            <a:endParaRPr lang="de-DE" sz="2000" b="0" u="none" strike="noStrike">
-              <a:solidFill>
-                <a:schemeClr val="dk1"/>
-              </a:solidFill>
-              <a:effectLst/>
-              <a:uFillTx/>
-              <a:latin typeface="Calisto MT"/>
-            </a:endParaRPr>
-          </a:p>
-          <a:p>
-            <a:pPr marL="228600" indent="-228600" defTabSz="914400">
-              <a:lnSpc>
-                <a:spcPct val="110000"/>
-              </a:lnSpc>
-              <a:spcBef>
-                <a:spcPts val="1001"/>
-              </a:spcBef>
-              <a:buClr>
-                <a:srgbClr val="000000"/>
-              </a:buClr>
-              <a:buFont typeface="Symbol" charset="2"/>
-              <a:buChar char=""/>
-            </a:pPr>
-            <a:r>
-              <a:rPr lang="de-DE" sz="2000" b="0" u="none" strike="noStrike">
-                <a:solidFill>
-                  <a:schemeClr val="dk1"/>
-                </a:solidFill>
-                <a:effectLst/>
-                <a:uFillTx/>
-                <a:latin typeface="Calisto MT"/>
-              </a:rPr>
-              <a:t>Sprachwechsel</a:t>
-            </a:r>
-          </a:p>
-          <a:p>
-            <a:pPr marL="228600" indent="0" defTabSz="914400">
-              <a:lnSpc>
-                <a:spcPct val="110000"/>
-              </a:lnSpc>
-              <a:spcBef>
-                <a:spcPts val="1001"/>
-              </a:spcBef>
-              <a:buNone/>
-            </a:pPr>
-            <a:endParaRPr lang="de-DE" sz="2000" b="0" u="none" strike="noStrike">
-              <a:solidFill>
-                <a:schemeClr val="dk1"/>
-              </a:solidFill>
-              <a:effectLst/>
-              <a:uFillTx/>
-              <a:latin typeface="Calisto MT"/>
-            </a:endParaRPr>
-          </a:p>
-          <a:p>
-            <a:pPr marL="228600" indent="-228600" defTabSz="914400">
-              <a:lnSpc>
-                <a:spcPct val="110000"/>
-              </a:lnSpc>
-              <a:spcBef>
-                <a:spcPts val="1001"/>
-              </a:spcBef>
-              <a:buClr>
-                <a:srgbClr val="000000"/>
-              </a:buClr>
-              <a:buFont typeface="Symbol" charset="2"/>
-              <a:buChar char=""/>
-            </a:pPr>
-            <a:r>
-              <a:rPr lang="de-DE" sz="2000" b="0" u="none" strike="noStrike">
-                <a:solidFill>
-                  <a:schemeClr val="dk1"/>
-                </a:solidFill>
-                <a:effectLst/>
-                <a:uFillTx/>
-                <a:latin typeface="Calisto MT"/>
-              </a:rPr>
-              <a:t>Benachrichtigungen</a:t>
-            </a:r>
-          </a:p>
-          <a:p>
-            <a:pPr marL="228600" indent="0" defTabSz="914400">
-              <a:lnSpc>
-                <a:spcPct val="110000"/>
-              </a:lnSpc>
-              <a:spcBef>
-                <a:spcPts val="1001"/>
-              </a:spcBef>
-              <a:buNone/>
-            </a:pPr>
-            <a:endParaRPr lang="de-DE" sz="2000" b="0" u="none" strike="noStrike">
-              <a:solidFill>
-                <a:schemeClr val="dk1"/>
-              </a:solidFill>
-              <a:effectLst/>
-              <a:uFillTx/>
-              <a:latin typeface="Calisto MT"/>
-            </a:endParaRPr>
-          </a:p>
-          <a:p>
-            <a:pPr marL="228600" indent="-228600" defTabSz="914400">
-              <a:lnSpc>
-                <a:spcPct val="110000"/>
-              </a:lnSpc>
-              <a:spcBef>
-                <a:spcPts val="1001"/>
-              </a:spcBef>
-              <a:buClr>
-                <a:srgbClr val="000000"/>
-              </a:buClr>
-              <a:buFont typeface="Symbol" charset="2"/>
-              <a:buChar char=""/>
-            </a:pPr>
-            <a:r>
-              <a:rPr lang="de-DE" sz="2000" b="0" u="none" strike="noStrike">
-                <a:solidFill>
-                  <a:schemeClr val="dk1"/>
-                </a:solidFill>
-                <a:effectLst/>
-                <a:uFillTx/>
-                <a:latin typeface="Calisto MT"/>
-              </a:rPr>
-              <a:t>Logout</a:t>
-            </a:r>
-          </a:p>
-          <a:p>
-            <a:pPr marL="228600" indent="0" defTabSz="914400">
-              <a:lnSpc>
-                <a:spcPct val="110000"/>
-              </a:lnSpc>
-              <a:spcBef>
-                <a:spcPts val="1001"/>
-              </a:spcBef>
-              <a:buNone/>
-            </a:pPr>
-            <a:endParaRPr lang="de-DE" sz="2000" b="0" u="none" strike="noStrike">
-              <a:solidFill>
-                <a:schemeClr val="dk1"/>
-              </a:solidFill>
-              <a:effectLst/>
-              <a:uFillTx/>
-              <a:latin typeface="Calisto MT"/>
-            </a:endParaRPr>
-          </a:p>
-          <a:p>
-            <a:pPr marL="228600" indent="-228600" defTabSz="914400">
-              <a:lnSpc>
-                <a:spcPct val="110000"/>
-              </a:lnSpc>
-              <a:spcBef>
-                <a:spcPts val="1001"/>
-              </a:spcBef>
-              <a:buClr>
-                <a:srgbClr val="000000"/>
-              </a:buClr>
-              <a:buFont typeface="Symbol" charset="2"/>
-              <a:buChar char=""/>
-            </a:pPr>
-            <a:r>
-              <a:rPr lang="de-DE" sz="2000" b="0" u="none" strike="noStrike">
-                <a:solidFill>
-                  <a:schemeClr val="dk1"/>
-                </a:solidFill>
-                <a:effectLst/>
-                <a:uFillTx/>
-                <a:latin typeface="Calisto MT"/>
-              </a:rPr>
-              <a:t>Wochenübersicht</a:t>
-            </a:r>
-          </a:p>
-          <a:p>
-            <a:pPr marL="228600" indent="0" defTabSz="914400">
-              <a:lnSpc>
-                <a:spcPct val="110000"/>
-              </a:lnSpc>
-              <a:spcBef>
-                <a:spcPts val="1001"/>
-              </a:spcBef>
-              <a:buNone/>
-            </a:pPr>
-            <a:endParaRPr lang="de-DE" sz="2000" b="0" u="none" strike="noStrike">
-              <a:solidFill>
-                <a:schemeClr val="dk1"/>
-              </a:solidFill>
-              <a:effectLst/>
-              <a:uFillTx/>
-              <a:latin typeface="Calisto MT"/>
-            </a:endParaRPr>
-          </a:p>
-          <a:p>
-            <a:pPr marL="228600" indent="-228600" defTabSz="914400">
-              <a:lnSpc>
-                <a:spcPct val="110000"/>
-              </a:lnSpc>
-              <a:spcBef>
-                <a:spcPts val="1001"/>
-              </a:spcBef>
-              <a:buClr>
-                <a:srgbClr val="000000"/>
-              </a:buClr>
-              <a:buFont typeface="Symbol" charset="2"/>
-              <a:buChar char=""/>
-            </a:pPr>
-            <a:r>
-              <a:rPr lang="de-DE" sz="2000" b="0" u="none" strike="noStrike">
-                <a:solidFill>
-                  <a:schemeClr val="dk1"/>
-                </a:solidFill>
-                <a:effectLst/>
-                <a:uFillTx/>
-                <a:latin typeface="Calisto MT"/>
-              </a:rPr>
-              <a:t>Kommen/ Gehen</a:t>
-            </a:r>
-          </a:p>
-          <a:p>
-            <a:pPr marL="228600" indent="0" defTabSz="914400">
-              <a:lnSpc>
-                <a:spcPct val="110000"/>
-              </a:lnSpc>
-              <a:spcBef>
-                <a:spcPts val="1001"/>
-              </a:spcBef>
-              <a:buNone/>
-            </a:pPr>
-            <a:endParaRPr lang="de-DE" sz="2000" b="0" u="none" strike="noStrike">
-              <a:solidFill>
-                <a:schemeClr val="dk1"/>
-              </a:solidFill>
-              <a:effectLst/>
-              <a:uFillTx/>
-              <a:latin typeface="Calisto MT"/>
-            </a:endParaRPr>
-          </a:p>
-          <a:p>
-            <a:pPr marL="228600" indent="-228600" defTabSz="914400">
-              <a:lnSpc>
-                <a:spcPct val="110000"/>
-              </a:lnSpc>
-              <a:spcBef>
-                <a:spcPts val="1001"/>
-              </a:spcBef>
-              <a:buClr>
-                <a:srgbClr val="000000"/>
-              </a:buClr>
-              <a:buFont typeface="Symbol" charset="2"/>
-              <a:buChar char=""/>
-            </a:pPr>
-            <a:r>
-              <a:rPr lang="de-DE" sz="2000" b="0" u="none" strike="noStrike">
-                <a:solidFill>
-                  <a:schemeClr val="dk1"/>
-                </a:solidFill>
-                <a:effectLst/>
-                <a:uFillTx/>
-                <a:latin typeface="Calisto MT"/>
-              </a:rPr>
-              <a:t>Benutzer mit Arbeitszeit</a:t>
-            </a:r>
-          </a:p>
-          <a:p>
-            <a:pPr indent="0" defTabSz="914400">
-              <a:lnSpc>
-                <a:spcPct val="110000"/>
-              </a:lnSpc>
-              <a:spcBef>
-                <a:spcPts val="1001"/>
-              </a:spcBef>
-              <a:buNone/>
-            </a:pPr>
-            <a:endParaRPr lang="de-DE" sz="2000" b="0" u="none" strike="noStrike">
-              <a:solidFill>
-                <a:schemeClr val="dk1"/>
-              </a:solidFill>
-              <a:effectLst/>
-              <a:uFillTx/>
-              <a:latin typeface="Calisto MT"/>
-            </a:endParaRPr>
-          </a:p>
-          <a:p>
-            <a:pPr indent="0" defTabSz="914400">
-              <a:lnSpc>
-                <a:spcPct val="110000"/>
-              </a:lnSpc>
-              <a:spcBef>
-                <a:spcPts val="1001"/>
-              </a:spcBef>
-              <a:buNone/>
-            </a:pPr>
-            <a:endParaRPr lang="de-DE" sz="2000" b="0" u="none" strike="noStrike">
-              <a:solidFill>
-                <a:schemeClr val="dk1"/>
-              </a:solidFill>
-              <a:effectLst/>
-              <a:uFillTx/>
-              <a:latin typeface="Calisto MT"/>
-            </a:endParaRPr>
           </a:p>
           <a:p>
             <a:pPr indent="0" defTabSz="914400">
@@ -16927,6 +18952,610 @@
 <file path=ppt/slides/slide20.xml><?xml version="1.0" encoding="utf-8"?>
 <p:sld xmlns:a="http://schemas.openxmlformats.org/drawingml/2006/main" xmlns:r="http://schemas.openxmlformats.org/officeDocument/2006/relationships" xmlns:p="http://schemas.openxmlformats.org/presentationml/2006/main">
   <p:cSld>
+    <p:bg>
+      <p:bgPr>
+        <a:solidFill>
+          <a:schemeClr val="lt1"/>
+        </a:solidFill>
+        <a:effectLst/>
+      </p:bgPr>
+    </p:bg>
+    <p:spTree>
+      <p:nvGrpSpPr>
+        <p:cNvPr id="1" name=""/>
+        <p:cNvGrpSpPr/>
+        <p:nvPr/>
+      </p:nvGrpSpPr>
+      <p:grpSpPr>
+        <a:xfrm>
+          <a:off x="0" y="0"/>
+          <a:ext cx="0" cy="0"/>
+          <a:chOff x="0" y="0"/>
+          <a:chExt cx="0" cy="0"/>
+        </a:xfrm>
+      </p:grpSpPr>
+      <p:sp useBgFill="1">
+        <p:nvSpPr>
+          <p:cNvPr id="157" name="Rectangle 9">
+            <a:extLst>
+              <a:ext uri="{C183D7F6-B498-43B3-948B-1728B52AA6E4}">
+                <adec:decorative xmlns:adec="http://schemas.microsoft.com/office/drawing/2017/decorative" val="1"/>
+              </a:ext>
+            </a:extLst>
+          </p:cNvPr>
+          <p:cNvSpPr/>
+          <p:nvPr/>
+        </p:nvSpPr>
+        <p:spPr>
+          <a:xfrm>
+            <a:off x="0" y="0"/>
+            <a:ext cx="12191760" cy="6857640"/>
+          </a:xfrm>
+          <a:prstGeom prst="rect">
+            <a:avLst/>
+          </a:prstGeom>
+          <a:ln>
+            <a:noFill/>
+          </a:ln>
+        </p:spPr>
+        <p:style>
+          <a:lnRef idx="2">
+            <a:schemeClr val="accent1">
+              <a:shade val="50000"/>
+            </a:schemeClr>
+          </a:lnRef>
+          <a:fillRef idx="1">
+            <a:schemeClr val="accent1"/>
+          </a:fillRef>
+          <a:effectRef idx="0">
+            <a:schemeClr val="accent1"/>
+          </a:effectRef>
+          <a:fontRef idx="minor"/>
+        </p:style>
+        <p:txBody>
+          <a:bodyPr lIns="90000" tIns="45000" rIns="90000" bIns="45000" anchor="ctr">
+            <a:noAutofit/>
+          </a:bodyPr>
+          <a:lstStyle/>
+          <a:p>
+            <a:endParaRPr lang="en-US" sz="1800" b="0" u="none" strike="noStrike">
+              <a:solidFill>
+                <a:schemeClr val="lt1"/>
+              </a:solidFill>
+              <a:effectLst/>
+              <a:uFillTx/>
+              <a:latin typeface="Calisto MT"/>
+            </a:endParaRPr>
+          </a:p>
+        </p:txBody>
+      </p:sp>
+      <p:sp>
+        <p:nvSpPr>
+          <p:cNvPr id="158" name="PlaceHolder 1"/>
+          <p:cNvSpPr>
+            <a:spLocks noGrp="1"/>
+          </p:cNvSpPr>
+          <p:nvPr>
+            <p:ph type="title"/>
+          </p:nvPr>
+        </p:nvSpPr>
+        <p:spPr>
+          <a:xfrm>
+            <a:off x="704160" y="555840"/>
+            <a:ext cx="10815840" cy="2390400"/>
+          </a:xfrm>
+          <a:prstGeom prst="rect">
+            <a:avLst/>
+          </a:prstGeom>
+          <a:noFill/>
+          <a:ln w="0">
+            <a:noFill/>
+          </a:ln>
+        </p:spPr>
+        <p:txBody>
+          <a:bodyPr lIns="91440" tIns="45720" rIns="91440" bIns="45720" anchor="t">
+            <a:normAutofit/>
+          </a:bodyPr>
+          <a:lstStyle/>
+          <a:p>
+            <a:pPr indent="0" defTabSz="914400">
+              <a:lnSpc>
+                <a:spcPct val="100000"/>
+              </a:lnSpc>
+              <a:buNone/>
+            </a:pPr>
+            <a:r>
+              <a:rPr lang="de-DE" sz="4000" b="0" u="none" strike="noStrike" cap="all" spc="31" dirty="0">
+                <a:solidFill>
+                  <a:schemeClr val="dk1"/>
+                </a:solidFill>
+                <a:effectLst/>
+                <a:uFillTx/>
+                <a:latin typeface="Univers Condensed"/>
+              </a:rPr>
+              <a:t>8. Live Demo – User Dashboard</a:t>
+            </a:r>
+            <a:endParaRPr lang="de-DE" sz="4000" b="0" u="none" strike="noStrike" dirty="0">
+              <a:solidFill>
+                <a:schemeClr val="dk1"/>
+              </a:solidFill>
+              <a:effectLst/>
+              <a:uFillTx/>
+              <a:latin typeface="Calisto MT"/>
+            </a:endParaRPr>
+          </a:p>
+        </p:txBody>
+      </p:sp>
+      <p:sp>
+        <p:nvSpPr>
+          <p:cNvPr id="159" name="PlaceHolder 2"/>
+          <p:cNvSpPr>
+            <a:spLocks noGrp="1"/>
+          </p:cNvSpPr>
+          <p:nvPr>
+            <p:ph/>
+          </p:nvPr>
+        </p:nvSpPr>
+        <p:spPr>
+          <a:xfrm>
+            <a:off x="720000" y="1440000"/>
+            <a:ext cx="10772280" cy="4730040"/>
+          </a:xfrm>
+          <a:prstGeom prst="rect">
+            <a:avLst/>
+          </a:prstGeom>
+          <a:noFill/>
+          <a:ln w="0">
+            <a:noFill/>
+          </a:ln>
+        </p:spPr>
+        <p:txBody>
+          <a:bodyPr lIns="91440" tIns="45720" rIns="91440" bIns="45720" anchor="t">
+            <a:normAutofit fontScale="70000" lnSpcReduction="20000"/>
+          </a:bodyPr>
+          <a:lstStyle/>
+          <a:p>
+            <a:pPr marL="228600" indent="0" defTabSz="914400">
+              <a:lnSpc>
+                <a:spcPct val="110000"/>
+              </a:lnSpc>
+              <a:spcBef>
+                <a:spcPts val="1001"/>
+              </a:spcBef>
+              <a:buNone/>
+            </a:pPr>
+            <a:endParaRPr lang="de-DE" sz="2000" b="0" u="none" strike="noStrike">
+              <a:solidFill>
+                <a:schemeClr val="dk1"/>
+              </a:solidFill>
+              <a:effectLst/>
+              <a:uFillTx/>
+              <a:latin typeface="Calisto MT"/>
+            </a:endParaRPr>
+          </a:p>
+          <a:p>
+            <a:pPr marL="228600" indent="-228600" defTabSz="914400">
+              <a:lnSpc>
+                <a:spcPct val="110000"/>
+              </a:lnSpc>
+              <a:spcBef>
+                <a:spcPts val="1001"/>
+              </a:spcBef>
+              <a:buClr>
+                <a:srgbClr val="000000"/>
+              </a:buClr>
+              <a:buFont typeface="Symbol" charset="2"/>
+              <a:buChar char=""/>
+            </a:pPr>
+            <a:r>
+              <a:rPr lang="de-DE" sz="2000" b="0" u="none" strike="noStrike">
+                <a:solidFill>
+                  <a:schemeClr val="dk1"/>
+                </a:solidFill>
+                <a:effectLst/>
+                <a:uFillTx/>
+                <a:latin typeface="Calisto MT"/>
+              </a:rPr>
+              <a:t>Individuelles Passwort setzen</a:t>
+            </a:r>
+          </a:p>
+          <a:p>
+            <a:pPr marL="228600" indent="0" defTabSz="914400">
+              <a:lnSpc>
+                <a:spcPct val="110000"/>
+              </a:lnSpc>
+              <a:spcBef>
+                <a:spcPts val="1001"/>
+              </a:spcBef>
+              <a:buNone/>
+            </a:pPr>
+            <a:endParaRPr lang="de-DE" sz="2000" b="0" u="none" strike="noStrike">
+              <a:solidFill>
+                <a:schemeClr val="dk1"/>
+              </a:solidFill>
+              <a:effectLst/>
+              <a:uFillTx/>
+              <a:latin typeface="Calisto MT"/>
+            </a:endParaRPr>
+          </a:p>
+          <a:p>
+            <a:pPr marL="228600" indent="-228600" defTabSz="914400">
+              <a:lnSpc>
+                <a:spcPct val="110000"/>
+              </a:lnSpc>
+              <a:spcBef>
+                <a:spcPts val="1001"/>
+              </a:spcBef>
+              <a:buClr>
+                <a:srgbClr val="000000"/>
+              </a:buClr>
+              <a:buFont typeface="Symbol" charset="2"/>
+              <a:buChar char=""/>
+            </a:pPr>
+            <a:r>
+              <a:rPr lang="de-DE" sz="2000" b="0" u="none" strike="noStrike">
+                <a:solidFill>
+                  <a:schemeClr val="dk1"/>
+                </a:solidFill>
+                <a:effectLst/>
+                <a:uFillTx/>
+                <a:latin typeface="Calisto MT"/>
+              </a:rPr>
+              <a:t>Sprachwechsel</a:t>
+            </a:r>
+          </a:p>
+          <a:p>
+            <a:pPr marL="228600" indent="0" defTabSz="914400">
+              <a:lnSpc>
+                <a:spcPct val="110000"/>
+              </a:lnSpc>
+              <a:spcBef>
+                <a:spcPts val="1001"/>
+              </a:spcBef>
+              <a:buNone/>
+            </a:pPr>
+            <a:endParaRPr lang="de-DE" sz="2000" b="0" u="none" strike="noStrike">
+              <a:solidFill>
+                <a:schemeClr val="dk1"/>
+              </a:solidFill>
+              <a:effectLst/>
+              <a:uFillTx/>
+              <a:latin typeface="Calisto MT"/>
+            </a:endParaRPr>
+          </a:p>
+          <a:p>
+            <a:pPr marL="228600" indent="-228600" defTabSz="914400">
+              <a:lnSpc>
+                <a:spcPct val="110000"/>
+              </a:lnSpc>
+              <a:spcBef>
+                <a:spcPts val="1001"/>
+              </a:spcBef>
+              <a:buClr>
+                <a:srgbClr val="000000"/>
+              </a:buClr>
+              <a:buFont typeface="Symbol" charset="2"/>
+              <a:buChar char=""/>
+            </a:pPr>
+            <a:r>
+              <a:rPr lang="de-DE" sz="2000" b="0" u="none" strike="noStrike">
+                <a:solidFill>
+                  <a:schemeClr val="dk1"/>
+                </a:solidFill>
+                <a:effectLst/>
+                <a:uFillTx/>
+                <a:latin typeface="Calisto MT"/>
+              </a:rPr>
+              <a:t>Benachrichtigungen</a:t>
+            </a:r>
+          </a:p>
+          <a:p>
+            <a:pPr marL="228600" indent="0" defTabSz="914400">
+              <a:lnSpc>
+                <a:spcPct val="110000"/>
+              </a:lnSpc>
+              <a:spcBef>
+                <a:spcPts val="1001"/>
+              </a:spcBef>
+              <a:buNone/>
+            </a:pPr>
+            <a:endParaRPr lang="de-DE" sz="2000" b="0" u="none" strike="noStrike">
+              <a:solidFill>
+                <a:schemeClr val="dk1"/>
+              </a:solidFill>
+              <a:effectLst/>
+              <a:uFillTx/>
+              <a:latin typeface="Calisto MT"/>
+            </a:endParaRPr>
+          </a:p>
+          <a:p>
+            <a:pPr marL="228600" indent="-228600" defTabSz="914400">
+              <a:lnSpc>
+                <a:spcPct val="110000"/>
+              </a:lnSpc>
+              <a:spcBef>
+                <a:spcPts val="1001"/>
+              </a:spcBef>
+              <a:buClr>
+                <a:srgbClr val="000000"/>
+              </a:buClr>
+              <a:buFont typeface="Symbol" charset="2"/>
+              <a:buChar char=""/>
+            </a:pPr>
+            <a:r>
+              <a:rPr lang="de-DE" sz="2000" b="0" u="none" strike="noStrike">
+                <a:solidFill>
+                  <a:schemeClr val="dk1"/>
+                </a:solidFill>
+                <a:effectLst/>
+                <a:uFillTx/>
+                <a:latin typeface="Calisto MT"/>
+              </a:rPr>
+              <a:t>Logout</a:t>
+            </a:r>
+          </a:p>
+          <a:p>
+            <a:pPr marL="228600" indent="0" defTabSz="914400">
+              <a:lnSpc>
+                <a:spcPct val="110000"/>
+              </a:lnSpc>
+              <a:spcBef>
+                <a:spcPts val="1001"/>
+              </a:spcBef>
+              <a:buNone/>
+            </a:pPr>
+            <a:endParaRPr lang="de-DE" sz="2000" b="0" u="none" strike="noStrike">
+              <a:solidFill>
+                <a:schemeClr val="dk1"/>
+              </a:solidFill>
+              <a:effectLst/>
+              <a:uFillTx/>
+              <a:latin typeface="Calisto MT"/>
+            </a:endParaRPr>
+          </a:p>
+          <a:p>
+            <a:pPr marL="228600" indent="-228600" defTabSz="914400">
+              <a:lnSpc>
+                <a:spcPct val="110000"/>
+              </a:lnSpc>
+              <a:spcBef>
+                <a:spcPts val="1001"/>
+              </a:spcBef>
+              <a:buClr>
+                <a:srgbClr val="000000"/>
+              </a:buClr>
+              <a:buFont typeface="Symbol" charset="2"/>
+              <a:buChar char=""/>
+            </a:pPr>
+            <a:r>
+              <a:rPr lang="de-DE" sz="2000" b="0" u="none" strike="noStrike">
+                <a:solidFill>
+                  <a:schemeClr val="dk1"/>
+                </a:solidFill>
+                <a:effectLst/>
+                <a:uFillTx/>
+                <a:latin typeface="Calisto MT"/>
+              </a:rPr>
+              <a:t>Wochenübersicht</a:t>
+            </a:r>
+          </a:p>
+          <a:p>
+            <a:pPr marL="228600" indent="0" defTabSz="914400">
+              <a:lnSpc>
+                <a:spcPct val="110000"/>
+              </a:lnSpc>
+              <a:spcBef>
+                <a:spcPts val="1001"/>
+              </a:spcBef>
+              <a:buNone/>
+            </a:pPr>
+            <a:endParaRPr lang="de-DE" sz="2000" b="0" u="none" strike="noStrike">
+              <a:solidFill>
+                <a:schemeClr val="dk1"/>
+              </a:solidFill>
+              <a:effectLst/>
+              <a:uFillTx/>
+              <a:latin typeface="Calisto MT"/>
+            </a:endParaRPr>
+          </a:p>
+          <a:p>
+            <a:pPr marL="228600" indent="-228600" defTabSz="914400">
+              <a:lnSpc>
+                <a:spcPct val="110000"/>
+              </a:lnSpc>
+              <a:spcBef>
+                <a:spcPts val="1001"/>
+              </a:spcBef>
+              <a:buClr>
+                <a:srgbClr val="000000"/>
+              </a:buClr>
+              <a:buFont typeface="Symbol" charset="2"/>
+              <a:buChar char=""/>
+            </a:pPr>
+            <a:r>
+              <a:rPr lang="de-DE" sz="2000" b="0" u="none" strike="noStrike">
+                <a:solidFill>
+                  <a:schemeClr val="dk1"/>
+                </a:solidFill>
+                <a:effectLst/>
+                <a:uFillTx/>
+                <a:latin typeface="Calisto MT"/>
+              </a:rPr>
+              <a:t>Kommen/ Gehen</a:t>
+            </a:r>
+          </a:p>
+          <a:p>
+            <a:pPr marL="228600" indent="0" defTabSz="914400">
+              <a:lnSpc>
+                <a:spcPct val="110000"/>
+              </a:lnSpc>
+              <a:spcBef>
+                <a:spcPts val="1001"/>
+              </a:spcBef>
+              <a:buNone/>
+            </a:pPr>
+            <a:endParaRPr lang="de-DE" sz="2000" b="0" u="none" strike="noStrike">
+              <a:solidFill>
+                <a:schemeClr val="dk1"/>
+              </a:solidFill>
+              <a:effectLst/>
+              <a:uFillTx/>
+              <a:latin typeface="Calisto MT"/>
+            </a:endParaRPr>
+          </a:p>
+          <a:p>
+            <a:pPr marL="228600" indent="-228600" defTabSz="914400">
+              <a:lnSpc>
+                <a:spcPct val="110000"/>
+              </a:lnSpc>
+              <a:spcBef>
+                <a:spcPts val="1001"/>
+              </a:spcBef>
+              <a:buClr>
+                <a:srgbClr val="000000"/>
+              </a:buClr>
+              <a:buFont typeface="Symbol" charset="2"/>
+              <a:buChar char=""/>
+            </a:pPr>
+            <a:r>
+              <a:rPr lang="de-DE" sz="2000" b="0" u="none" strike="noStrike">
+                <a:solidFill>
+                  <a:schemeClr val="dk1"/>
+                </a:solidFill>
+                <a:effectLst/>
+                <a:uFillTx/>
+                <a:latin typeface="Calisto MT"/>
+              </a:rPr>
+              <a:t>Benutzer mit Arbeitszeit</a:t>
+            </a:r>
+          </a:p>
+          <a:p>
+            <a:pPr indent="0" defTabSz="914400">
+              <a:lnSpc>
+                <a:spcPct val="110000"/>
+              </a:lnSpc>
+              <a:spcBef>
+                <a:spcPts val="1001"/>
+              </a:spcBef>
+              <a:buNone/>
+            </a:pPr>
+            <a:endParaRPr lang="de-DE" sz="2000" b="0" u="none" strike="noStrike">
+              <a:solidFill>
+                <a:schemeClr val="dk1"/>
+              </a:solidFill>
+              <a:effectLst/>
+              <a:uFillTx/>
+              <a:latin typeface="Calisto MT"/>
+            </a:endParaRPr>
+          </a:p>
+          <a:p>
+            <a:pPr indent="0" defTabSz="914400">
+              <a:lnSpc>
+                <a:spcPct val="110000"/>
+              </a:lnSpc>
+              <a:spcBef>
+                <a:spcPts val="1001"/>
+              </a:spcBef>
+              <a:buNone/>
+            </a:pPr>
+            <a:endParaRPr lang="de-DE" sz="2000" b="0" u="none" strike="noStrike">
+              <a:solidFill>
+                <a:schemeClr val="dk1"/>
+              </a:solidFill>
+              <a:effectLst/>
+              <a:uFillTx/>
+              <a:latin typeface="Calisto MT"/>
+            </a:endParaRPr>
+          </a:p>
+          <a:p>
+            <a:pPr indent="0" defTabSz="914400">
+              <a:lnSpc>
+                <a:spcPct val="110000"/>
+              </a:lnSpc>
+              <a:spcBef>
+                <a:spcPts val="1001"/>
+              </a:spcBef>
+              <a:buNone/>
+            </a:pPr>
+            <a:endParaRPr lang="de-DE" sz="2000" b="0" u="none" strike="noStrike">
+              <a:solidFill>
+                <a:schemeClr val="dk1"/>
+              </a:solidFill>
+              <a:effectLst/>
+              <a:uFillTx/>
+              <a:latin typeface="Calisto MT"/>
+            </a:endParaRPr>
+          </a:p>
+          <a:p>
+            <a:pPr indent="0" defTabSz="914400">
+              <a:lnSpc>
+                <a:spcPct val="110000"/>
+              </a:lnSpc>
+              <a:spcBef>
+                <a:spcPts val="1001"/>
+              </a:spcBef>
+              <a:buNone/>
+            </a:pPr>
+            <a:endParaRPr lang="de-DE" sz="2000" b="0" u="none" strike="noStrike">
+              <a:solidFill>
+                <a:schemeClr val="dk1"/>
+              </a:solidFill>
+              <a:effectLst/>
+              <a:uFillTx/>
+              <a:latin typeface="Calisto MT"/>
+            </a:endParaRPr>
+          </a:p>
+          <a:p>
+            <a:pPr indent="0" defTabSz="914400">
+              <a:lnSpc>
+                <a:spcPct val="110000"/>
+              </a:lnSpc>
+              <a:spcBef>
+                <a:spcPts val="1001"/>
+              </a:spcBef>
+              <a:buNone/>
+            </a:pPr>
+            <a:endParaRPr lang="de-DE" sz="2000" b="0" u="none" strike="noStrike">
+              <a:solidFill>
+                <a:schemeClr val="dk1"/>
+              </a:solidFill>
+              <a:effectLst/>
+              <a:uFillTx/>
+              <a:latin typeface="Calisto MT"/>
+            </a:endParaRPr>
+          </a:p>
+          <a:p>
+            <a:pPr indent="0" defTabSz="914400">
+              <a:lnSpc>
+                <a:spcPct val="110000"/>
+              </a:lnSpc>
+              <a:spcBef>
+                <a:spcPts val="1001"/>
+              </a:spcBef>
+              <a:buNone/>
+            </a:pPr>
+            <a:endParaRPr lang="de-DE" sz="2000" b="0" u="none" strike="noStrike">
+              <a:solidFill>
+                <a:schemeClr val="dk1"/>
+              </a:solidFill>
+              <a:effectLst/>
+              <a:uFillTx/>
+              <a:latin typeface="Calisto MT"/>
+            </a:endParaRPr>
+          </a:p>
+        </p:txBody>
+      </p:sp>
+    </p:spTree>
+  </p:cSld>
+  <p:clrMapOvr>
+    <a:masterClrMapping/>
+  </p:clrMapOvr>
+</p:sld>
+</file>
+
+<file path=ppt/slides/slide21.xml><?xml version="1.0" encoding="utf-8"?>
+<p:sld xmlns:a="http://schemas.openxmlformats.org/drawingml/2006/main" xmlns:r="http://schemas.openxmlformats.org/officeDocument/2006/relationships" xmlns:p="http://schemas.openxmlformats.org/presentationml/2006/main">
+  <p:cSld>
     <p:spTree>
       <p:nvGrpSpPr>
         <p:cNvPr id="1" name=""/>
@@ -17080,7 +19709,7 @@
 </p:sld>
 </file>
 
-<file path=ppt/slides/slide21.xml><?xml version="1.0" encoding="utf-8"?>
+<file path=ppt/slides/slide22.xml><?xml version="1.0" encoding="utf-8"?>
 <p:sld xmlns:a="http://schemas.openxmlformats.org/drawingml/2006/main" xmlns:r="http://schemas.openxmlformats.org/officeDocument/2006/relationships" xmlns:p="http://schemas.openxmlformats.org/presentationml/2006/main">
   <p:cSld>
     <p:bg>
@@ -17488,7 +20117,7 @@
 </p:sld>
 </file>
 
-<file path=ppt/slides/slide22.xml><?xml version="1.0" encoding="utf-8"?>
+<file path=ppt/slides/slide23.xml><?xml version="1.0" encoding="utf-8"?>
 <p:sld xmlns:a="http://schemas.openxmlformats.org/drawingml/2006/main" xmlns:r="http://schemas.openxmlformats.org/officeDocument/2006/relationships" xmlns:p="http://schemas.openxmlformats.org/presentationml/2006/main">
   <p:cSld>
     <p:bg>
@@ -17867,7 +20496,7 @@
 </p:sld>
 </file>
 
-<file path=ppt/slides/slide23.xml><?xml version="1.0" encoding="utf-8"?>
+<file path=ppt/slides/slide24.xml><?xml version="1.0" encoding="utf-8"?>
 <p:sld xmlns:a="http://schemas.openxmlformats.org/drawingml/2006/main" xmlns:r="http://schemas.openxmlformats.org/officeDocument/2006/relationships" xmlns:p="http://schemas.openxmlformats.org/presentationml/2006/main">
   <p:cSld>
     <p:bg>
@@ -18164,7 +20793,7 @@
 </p:sld>
 </file>
 
-<file path=ppt/slides/slide24.xml><?xml version="1.0" encoding="utf-8"?>
+<file path=ppt/slides/slide25.xml><?xml version="1.0" encoding="utf-8"?>
 <p:sld xmlns:a="http://schemas.openxmlformats.org/drawingml/2006/main" xmlns:r="http://schemas.openxmlformats.org/officeDocument/2006/relationships" xmlns:p="http://schemas.openxmlformats.org/presentationml/2006/main">
   <p:cSld>
     <p:bg>
@@ -23634,38 +26263,6 @@
           </a:p>
         </p:txBody>
       </p:sp>
-      <p:sp>
-        <p:nvSpPr>
-          <p:cNvPr id="14" name="Textfeld 13">
-            <a:extLst>
-              <a:ext uri="{FF2B5EF4-FFF2-40B4-BE49-F238E27FC236}">
-                <a16:creationId xmlns:a16="http://schemas.microsoft.com/office/drawing/2014/main" id="{6009AD51-3CAD-2A5E-8D0C-590143EC6C98}"/>
-              </a:ext>
-            </a:extLst>
-          </p:cNvPr>
-          <p:cNvSpPr txBox="1"/>
-          <p:nvPr/>
-        </p:nvSpPr>
-        <p:spPr>
-          <a:xfrm>
-            <a:off x="11454063" y="-1828800"/>
-            <a:ext cx="184731" cy="369332"/>
-          </a:xfrm>
-          <a:prstGeom prst="rect">
-            <a:avLst/>
-          </a:prstGeom>
-          <a:noFill/>
-        </p:spPr>
-        <p:txBody>
-          <a:bodyPr wrap="none" rtlCol="0">
-            <a:spAutoFit/>
-          </a:bodyPr>
-          <a:lstStyle/>
-          <a:p>
-            <a:endParaRPr lang="de-DE" dirty="0"/>
-          </a:p>
-        </p:txBody>
-      </p:sp>
     </p:spTree>
     <p:extLst>
       <p:ext uri="{BB962C8B-B14F-4D97-AF65-F5344CB8AC3E}">

--- a/Abgabe/Dokumentation/Präsentation.pptx
+++ b/Abgabe/Dokumentation/Präsentation.pptx
@@ -12,12 +12,12 @@
     <p:sldId id="282" r:id="rId6"/>
     <p:sldId id="260" r:id="rId7"/>
     <p:sldId id="261" r:id="rId8"/>
-    <p:sldId id="262" r:id="rId9"/>
-    <p:sldId id="286" r:id="rId10"/>
-    <p:sldId id="269" r:id="rId11"/>
-    <p:sldId id="270" r:id="rId12"/>
-    <p:sldId id="271" r:id="rId13"/>
-    <p:sldId id="272" r:id="rId14"/>
+    <p:sldId id="270" r:id="rId9"/>
+    <p:sldId id="271" r:id="rId10"/>
+    <p:sldId id="272" r:id="rId11"/>
+    <p:sldId id="262" r:id="rId12"/>
+    <p:sldId id="286" r:id="rId13"/>
+    <p:sldId id="269" r:id="rId14"/>
     <p:sldId id="273" r:id="rId15"/>
     <p:sldId id="274" r:id="rId16"/>
     <p:sldId id="283" r:id="rId17"/>
@@ -11526,7 +11526,7 @@
       </p:grpSpPr>
       <p:sp>
         <p:nvSpPr>
-          <p:cNvPr id="125" name="PlaceHolder 1"/>
+          <p:cNvPr id="137" name="PlaceHolder 1"/>
           <p:cNvSpPr>
             <a:spLocks noGrp="1"/>
           </p:cNvSpPr>
@@ -11537,7 +11537,7 @@
         <p:spPr>
           <a:xfrm>
             <a:off x="700560" y="914400"/>
-            <a:ext cx="10999440" cy="1307160"/>
+            <a:ext cx="10690920" cy="1307160"/>
           </a:xfrm>
           <a:prstGeom prst="rect">
             <a:avLst/>
@@ -11568,7 +11568,7 @@
                 <a:uFillTx/>
                 <a:latin typeface="Univers Condensed"/>
               </a:rPr>
-              <a:t>2. Projektorganisation - Wireframes</a:t>
+              <a:t>4. Zeitplanung und Budgetanalyse</a:t>
             </a:r>
             <a:endParaRPr lang="de-DE" sz="4000" b="0" u="none" strike="noStrike">
               <a:solidFill>
@@ -11581,282 +11581,26 @@
           </a:p>
         </p:txBody>
       </p:sp>
-      <p:sp>
-        <p:nvSpPr>
-          <p:cNvPr id="126" name="PlaceHolder 2"/>
-          <p:cNvSpPr>
-            <a:spLocks noGrp="1"/>
-          </p:cNvSpPr>
-          <p:nvPr>
-            <p:ph/>
-          </p:nvPr>
-        </p:nvSpPr>
-        <p:spPr>
-          <a:xfrm>
-            <a:off x="700560" y="1800000"/>
-            <a:ext cx="10690920" cy="4161600"/>
-          </a:xfrm>
-          <a:prstGeom prst="rect">
-            <a:avLst/>
-          </a:prstGeom>
-          <a:noFill/>
-          <a:ln w="0">
-            <a:noFill/>
-          </a:ln>
-        </p:spPr>
-        <p:txBody>
-          <a:bodyPr lIns="91440" tIns="45720" rIns="91440" bIns="45720" anchor="t">
-            <a:normAutofit/>
-          </a:bodyPr>
-          <a:lstStyle/>
-          <a:p>
-            <a:pPr indent="0" defTabSz="914400">
-              <a:lnSpc>
-                <a:spcPct val="110000"/>
-              </a:lnSpc>
-              <a:spcBef>
-                <a:spcPts val="1001"/>
-              </a:spcBef>
-              <a:buNone/>
-              <a:tabLst>
-                <a:tab pos="0" algn="l"/>
-              </a:tabLst>
-            </a:pPr>
-            <a:r>
-              <a:rPr lang="de-DE" sz="2000" b="0" u="none" strike="noStrike">
-                <a:solidFill>
-                  <a:schemeClr val="dk1"/>
-                </a:solidFill>
-                <a:effectLst/>
-                <a:uFillTx/>
-                <a:latin typeface="Calisto MT"/>
-              </a:rPr>
-              <a:t>Control-Panel:</a:t>
-            </a:r>
-          </a:p>
-          <a:p>
-            <a:pPr indent="0" defTabSz="914400">
-              <a:lnSpc>
-                <a:spcPct val="110000"/>
-              </a:lnSpc>
-              <a:spcBef>
-                <a:spcPts val="1001"/>
-              </a:spcBef>
-              <a:buNone/>
-              <a:tabLst>
-                <a:tab pos="0" algn="l"/>
-              </a:tabLst>
-            </a:pPr>
-            <a:endParaRPr lang="de-DE" sz="2000" b="0" u="none" strike="noStrike">
-              <a:solidFill>
-                <a:schemeClr val="dk1"/>
-              </a:solidFill>
-              <a:effectLst/>
-              <a:uFillTx/>
-              <a:latin typeface="Calisto MT"/>
-            </a:endParaRPr>
-          </a:p>
-          <a:p>
-            <a:pPr indent="0" defTabSz="914400">
-              <a:lnSpc>
-                <a:spcPct val="110000"/>
-              </a:lnSpc>
-              <a:spcBef>
-                <a:spcPts val="1001"/>
-              </a:spcBef>
-              <a:buNone/>
-              <a:tabLst>
-                <a:tab pos="0" algn="l"/>
-              </a:tabLst>
-            </a:pPr>
-            <a:r>
-              <a:rPr lang="de-DE" sz="2000" b="0" u="none" strike="noStrike">
-                <a:solidFill>
-                  <a:schemeClr val="dk1"/>
-                </a:solidFill>
-                <a:effectLst/>
-                <a:uFillTx/>
-                <a:latin typeface="Calisto MT"/>
-              </a:rPr>
-              <a:t>- Navigationsbar gleich</a:t>
-            </a:r>
-          </a:p>
-          <a:p>
-            <a:pPr indent="0" defTabSz="914400">
-              <a:lnSpc>
-                <a:spcPct val="110000"/>
-              </a:lnSpc>
-              <a:spcBef>
-                <a:spcPts val="1001"/>
-              </a:spcBef>
-              <a:buNone/>
-              <a:tabLst>
-                <a:tab pos="0" algn="l"/>
-              </a:tabLst>
-            </a:pPr>
-            <a:endParaRPr lang="de-DE" sz="2000" b="0" u="none" strike="noStrike">
-              <a:solidFill>
-                <a:schemeClr val="dk1"/>
-              </a:solidFill>
-              <a:effectLst/>
-              <a:uFillTx/>
-              <a:latin typeface="Calisto MT"/>
-            </a:endParaRPr>
-          </a:p>
-          <a:p>
-            <a:pPr indent="0" defTabSz="914400">
-              <a:lnSpc>
-                <a:spcPct val="110000"/>
-              </a:lnSpc>
-              <a:spcBef>
-                <a:spcPts val="1001"/>
-              </a:spcBef>
-              <a:buNone/>
-              <a:tabLst>
-                <a:tab pos="0" algn="l"/>
-              </a:tabLst>
-            </a:pPr>
-            <a:r>
-              <a:rPr lang="de-DE" sz="2000" b="0" u="none" strike="noStrike">
-                <a:solidFill>
-                  <a:schemeClr val="dk1"/>
-                </a:solidFill>
-                <a:effectLst/>
-                <a:uFillTx/>
-                <a:latin typeface="Calisto MT"/>
-              </a:rPr>
-              <a:t>- Übersicht erstellter Benutzer</a:t>
-            </a:r>
-          </a:p>
-          <a:p>
-            <a:pPr indent="0" defTabSz="914400">
-              <a:lnSpc>
-                <a:spcPct val="110000"/>
-              </a:lnSpc>
-              <a:spcBef>
-                <a:spcPts val="1001"/>
-              </a:spcBef>
-              <a:buNone/>
-              <a:tabLst>
-                <a:tab pos="0" algn="l"/>
-              </a:tabLst>
-            </a:pPr>
-            <a:endParaRPr lang="de-DE" sz="2000" b="0" u="none" strike="noStrike">
-              <a:solidFill>
-                <a:schemeClr val="dk1"/>
-              </a:solidFill>
-              <a:effectLst/>
-              <a:uFillTx/>
-              <a:latin typeface="Calisto MT"/>
-            </a:endParaRPr>
-          </a:p>
-          <a:p>
-            <a:pPr indent="0" defTabSz="914400">
-              <a:lnSpc>
-                <a:spcPct val="110000"/>
-              </a:lnSpc>
-              <a:spcBef>
-                <a:spcPts val="1001"/>
-              </a:spcBef>
-              <a:buNone/>
-              <a:tabLst>
-                <a:tab pos="0" algn="l"/>
-              </a:tabLst>
-            </a:pPr>
-            <a:r>
-              <a:rPr lang="de-DE" sz="2000" b="0" u="none" strike="noStrike">
-                <a:solidFill>
-                  <a:schemeClr val="dk1"/>
-                </a:solidFill>
-                <a:effectLst/>
-                <a:uFillTx/>
-                <a:latin typeface="Calisto MT"/>
-              </a:rPr>
-              <a:t>- Hinzufügen und Löschen der Nutzer</a:t>
-            </a:r>
-          </a:p>
-          <a:p>
-            <a:pPr indent="0" defTabSz="914400">
-              <a:lnSpc>
-                <a:spcPct val="110000"/>
-              </a:lnSpc>
-              <a:spcBef>
-                <a:spcPts val="1001"/>
-              </a:spcBef>
-              <a:buNone/>
-              <a:tabLst>
-                <a:tab pos="0" algn="l"/>
-              </a:tabLst>
-            </a:pPr>
-            <a:endParaRPr lang="de-DE" sz="2000" b="0" u="none" strike="noStrike">
-              <a:solidFill>
-                <a:schemeClr val="dk1"/>
-              </a:solidFill>
-              <a:effectLst/>
-              <a:uFillTx/>
-              <a:latin typeface="Calisto MT"/>
-            </a:endParaRPr>
-          </a:p>
-          <a:p>
-            <a:pPr indent="0" defTabSz="914400">
-              <a:lnSpc>
-                <a:spcPct val="110000"/>
-              </a:lnSpc>
-              <a:spcBef>
-                <a:spcPts val="1001"/>
-              </a:spcBef>
-              <a:buNone/>
-              <a:tabLst>
-                <a:tab pos="0" algn="l"/>
-              </a:tabLst>
-            </a:pPr>
-            <a:endParaRPr lang="de-DE" sz="2000" b="0" u="none" strike="noStrike">
-              <a:solidFill>
-                <a:schemeClr val="dk1"/>
-              </a:solidFill>
-              <a:effectLst/>
-              <a:uFillTx/>
-              <a:latin typeface="Calisto MT"/>
-            </a:endParaRPr>
-          </a:p>
-          <a:p>
-            <a:pPr indent="0" defTabSz="914400">
-              <a:lnSpc>
-                <a:spcPct val="110000"/>
-              </a:lnSpc>
-              <a:spcBef>
-                <a:spcPts val="1001"/>
-              </a:spcBef>
-              <a:buNone/>
-              <a:tabLst>
-                <a:tab pos="0" algn="l"/>
-              </a:tabLst>
-            </a:pPr>
-            <a:endParaRPr lang="de-DE" sz="2000" b="0" u="none" strike="noStrike">
-              <a:solidFill>
-                <a:schemeClr val="dk1"/>
-              </a:solidFill>
-              <a:effectLst/>
-              <a:uFillTx/>
-              <a:latin typeface="Calisto MT"/>
-            </a:endParaRPr>
-          </a:p>
-        </p:txBody>
-      </p:sp>
       <p:pic>
         <p:nvPicPr>
-          <p:cNvPr id="130" name="Grafik 129"/>
+          <p:cNvPr id="138" name="Grafik 11"/>
           <p:cNvPicPr/>
           <p:nvPr/>
         </p:nvPicPr>
         <p:blipFill>
-          <a:blip r:embed="rId2"/>
+          <a:blip r:embed="rId2">
+            <a:extLst>
+              <a:ext uri="{96DAC541-7B7A-43D3-8B79-37D633B846F1}">
+                <asvg:svgBlip xmlns:asvg="http://schemas.microsoft.com/office/drawing/2016/SVG/main" r:embed="rId3"/>
+              </a:ext>
+            </a:extLst>
+          </a:blip>
           <a:stretch/>
         </p:blipFill>
         <p:spPr>
           <a:xfrm>
-            <a:off x="5731440" y="1800000"/>
-            <a:ext cx="5760000" cy="4071960"/>
+            <a:off x="393840" y="2968560"/>
+            <a:ext cx="11632320" cy="4146120"/>
           </a:xfrm>
           <a:prstGeom prst="rect">
             <a:avLst/>
@@ -11894,7 +11638,7 @@
       </p:grpSpPr>
       <p:sp>
         <p:nvSpPr>
-          <p:cNvPr id="131" name="PlaceHolder 1"/>
+          <p:cNvPr id="100" name="PlaceHolder 1"/>
           <p:cNvSpPr>
             <a:spLocks noGrp="1"/>
           </p:cNvSpPr>
@@ -11905,7 +11649,7 @@
         <p:spPr>
           <a:xfrm>
             <a:off x="700560" y="914400"/>
-            <a:ext cx="10690920" cy="1307160"/>
+            <a:ext cx="10999440" cy="1307160"/>
           </a:xfrm>
           <a:prstGeom prst="rect">
             <a:avLst/>
@@ -11917,7 +11661,7 @@
         </p:spPr>
         <p:txBody>
           <a:bodyPr lIns="91440" tIns="45720" rIns="91440" bIns="45720" anchor="t">
-            <a:normAutofit fontScale="90000"/>
+            <a:normAutofit/>
           </a:bodyPr>
           <a:lstStyle/>
           <a:p>
@@ -11928,7 +11672,16 @@
               <a:buNone/>
             </a:pPr>
             <a:r>
-              <a:rPr lang="de-DE" sz="4000" b="0" u="none" strike="noStrike" cap="all" spc="31">
+              <a:rPr lang="de-DE" sz="4000" cap="all" spc="31" dirty="0">
+                <a:solidFill>
+                  <a:schemeClr val="dk1"/>
+                </a:solidFill>
+                <a:latin typeface="Univers Condensed"/>
+              </a:rPr>
+              <a:t>5</a:t>
+            </a:r>
+            <a:r>
+              <a:rPr lang="de-DE" sz="4000" b="0" u="none" strike="noStrike" cap="all" spc="31" dirty="0">
                 <a:solidFill>
                   <a:schemeClr val="dk1"/>
                 </a:solidFill>
@@ -11936,34 +11689,9 @@
                 <a:uFillTx/>
                 <a:latin typeface="Univers Condensed"/>
               </a:rPr>
-              <a:t>3. </a:t>
+              <a:t>. Wireframes</a:t>
             </a:r>
-            <a:r>
-              <a:rPr lang="de-DE" sz="4000" b="0" u="none" strike="noStrike" cap="all" spc="31">
-                <a:solidFill>
-                  <a:srgbClr val="000000"/>
-                </a:solidFill>
-                <a:effectLst/>
-                <a:uFillTx/>
-                <a:latin typeface="Calisto MT"/>
-              </a:rPr>
-              <a:t>Anforderungsanalyse</a:t>
-            </a:r>
-            <a:br>
-              <a:rPr sz="4000"/>
-            </a:br>
-            <a:r>
-              <a:rPr lang="de-DE" sz="4000" b="0" u="none" strike="noStrike" cap="all" spc="31">
-                <a:solidFill>
-                  <a:srgbClr val="000000"/>
-                </a:solidFill>
-                <a:effectLst/>
-                <a:uFillTx/>
-                <a:latin typeface="Calisto MT"/>
-              </a:rPr>
-              <a:t>und Stakeholder</a:t>
-            </a:r>
-            <a:endParaRPr lang="de-DE" sz="4000" b="0" u="none" strike="noStrike">
+            <a:endParaRPr lang="de-DE" sz="4000" b="0" u="none" strike="noStrike" dirty="0">
               <a:solidFill>
                 <a:schemeClr val="dk1"/>
               </a:solidFill>
@@ -11974,26 +11702,20 @@
           </a:p>
         </p:txBody>
       </p:sp>
-      <p:pic>
-        <p:nvPicPr>
-          <p:cNvPr id="132" name="Grafik 6"/>
-          <p:cNvPicPr/>
-          <p:nvPr/>
-        </p:nvPicPr>
-        <p:blipFill>
-          <a:blip r:embed="rId2">
-            <a:extLst>
-              <a:ext uri="{96DAC541-7B7A-43D3-8B79-37D633B846F1}">
-                <asvg:svgBlip xmlns:asvg="http://schemas.microsoft.com/office/drawing/2016/SVG/main" r:embed="rId3"/>
-              </a:ext>
-            </a:extLst>
-          </a:blip>
-          <a:stretch/>
-        </p:blipFill>
+      <p:sp>
+        <p:nvSpPr>
+          <p:cNvPr id="101" name="PlaceHolder 2"/>
+          <p:cNvSpPr>
+            <a:spLocks noGrp="1"/>
+          </p:cNvSpPr>
+          <p:nvPr>
+            <p:ph/>
+          </p:nvPr>
+        </p:nvSpPr>
         <p:spPr>
           <a:xfrm>
-            <a:off x="7165440" y="1308600"/>
-            <a:ext cx="4634640" cy="4634640"/>
+            <a:off x="700560" y="2221560"/>
+            <a:ext cx="10690920" cy="3740040"/>
           </a:xfrm>
           <a:prstGeom prst="rect">
             <a:avLst/>
@@ -12003,56 +11725,26 @@
             <a:noFill/>
           </a:ln>
         </p:spPr>
-      </p:pic>
-      <p:sp>
-        <p:nvSpPr>
-          <p:cNvPr id="133" name="Textfeld 7"/>
-          <p:cNvSpPr/>
-          <p:nvPr/>
-        </p:nvSpPr>
-        <p:spPr>
-          <a:xfrm>
-            <a:off x="798840" y="2606760"/>
-            <a:ext cx="5475600" cy="2951640"/>
-          </a:xfrm>
-          <a:prstGeom prst="rect">
-            <a:avLst/>
-          </a:prstGeom>
-          <a:noFill/>
-          <a:ln w="0">
-            <a:noFill/>
-          </a:ln>
-        </p:spPr>
-        <p:style>
-          <a:lnRef idx="0">
-            <a:scrgbClr r="0" g="0" b="0"/>
-          </a:lnRef>
-          <a:fillRef idx="0">
-            <a:scrgbClr r="0" g="0" b="0"/>
-          </a:fillRef>
-          <a:effectRef idx="0">
-            <a:scrgbClr r="0" g="0" b="0"/>
-          </a:effectRef>
-          <a:fontRef idx="minor"/>
-        </p:style>
         <p:txBody>
-          <a:bodyPr lIns="90000" tIns="45000" rIns="90000" bIns="45000" anchor="t">
-            <a:spAutoFit/>
+          <a:bodyPr lIns="91440" tIns="45720" rIns="91440" bIns="45720" anchor="t">
+            <a:normAutofit fontScale="92500" lnSpcReduction="9999"/>
           </a:bodyPr>
           <a:lstStyle/>
           <a:p>
-            <a:pPr marL="285840" indent="-285840" defTabSz="914400">
-              <a:lnSpc>
-                <a:spcPct val="150000"/>
-              </a:lnSpc>
-              <a:buClr>
-                <a:srgbClr val="000000"/>
-              </a:buClr>
-              <a:buFont typeface="Arial"/>
-              <a:buChar char="•"/>
+            <a:pPr indent="0" algn="ctr" defTabSz="914400">
+              <a:lnSpc>
+                <a:spcPct val="110000"/>
+              </a:lnSpc>
+              <a:spcBef>
+                <a:spcPts val="1001"/>
+              </a:spcBef>
+              <a:buNone/>
+              <a:tabLst>
+                <a:tab pos="0" algn="l"/>
+              </a:tabLst>
             </a:pPr>
             <a:r>
-              <a:rPr lang="de-DE" sz="1800" b="0" u="none" strike="noStrike">
+              <a:rPr lang="de-DE" sz="2600" b="1" u="none" strike="noStrike" dirty="0">
                 <a:solidFill>
                   <a:schemeClr val="dk1"/>
                 </a:solidFill>
@@ -12060,30 +11752,47 @@
                 <a:uFillTx/>
                 <a:latin typeface="Calisto MT"/>
               </a:rPr>
-              <a:t>Product-Backlog wurde basierend auf den Stakeholdern rechts erstellt.</a:t>
+              <a:t>Überlegungen</a:t>
             </a:r>
-            <a:endParaRPr lang="de-DE" sz="1800" b="0" u="none" strike="noStrike">
+          </a:p>
+          <a:p>
+            <a:pPr indent="0" defTabSz="914400">
+              <a:lnSpc>
+                <a:spcPct val="110000"/>
+              </a:lnSpc>
+              <a:spcBef>
+                <a:spcPts val="1001"/>
+              </a:spcBef>
+              <a:buNone/>
+              <a:tabLst>
+                <a:tab pos="0" algn="l"/>
+              </a:tabLst>
+            </a:pPr>
+            <a:endParaRPr lang="de-DE" sz="2000" b="0" u="none" strike="noStrike" dirty="0">
               <a:solidFill>
-                <a:srgbClr val="000000"/>
+                <a:schemeClr val="dk1"/>
               </a:solidFill>
               <a:effectLst/>
               <a:uFillTx/>
-              <a:latin typeface="Arial"/>
+              <a:latin typeface="Calisto MT"/>
             </a:endParaRPr>
           </a:p>
           <a:p>
-            <a:pPr marL="285840" indent="-285840" defTabSz="914400">
-              <a:lnSpc>
-                <a:spcPct val="150000"/>
-              </a:lnSpc>
-              <a:buClr>
-                <a:srgbClr val="000000"/>
-              </a:buClr>
-              <a:buFont typeface="Arial"/>
+            <a:pPr marL="342900" indent="-342900" defTabSz="914400">
+              <a:lnSpc>
+                <a:spcPct val="110000"/>
+              </a:lnSpc>
+              <a:spcBef>
+                <a:spcPts val="1001"/>
+              </a:spcBef>
+              <a:buFont typeface="Arial" panose="020B0604020202020204" pitchFamily="34" charset="0"/>
               <a:buChar char="•"/>
+              <a:tabLst>
+                <a:tab pos="0" algn="l"/>
+              </a:tabLst>
             </a:pPr>
             <a:r>
-              <a:rPr lang="de-DE" sz="1800" b="0" u="none" strike="noStrike">
+              <a:rPr lang="de-DE" sz="2000" b="0" u="none" strike="noStrike" dirty="0">
                 <a:solidFill>
                   <a:schemeClr val="dk1"/>
                 </a:solidFill>
@@ -12091,30 +11800,25 @@
                 <a:uFillTx/>
                 <a:latin typeface="Calisto MT"/>
               </a:rPr>
-              <a:t>Diese wurden befragt, ihre Geschichten wurden als User Storys aufgenommen</a:t>
+              <a:t>Übersichtlich</a:t>
             </a:r>
-            <a:endParaRPr lang="de-DE" sz="1800" b="0" u="none" strike="noStrike">
-              <a:solidFill>
-                <a:srgbClr val="000000"/>
-              </a:solidFill>
-              <a:effectLst/>
-              <a:uFillTx/>
-              <a:latin typeface="Arial"/>
-            </a:endParaRPr>
-          </a:p>
-          <a:p>
-            <a:pPr marL="285840" indent="-285840" defTabSz="914400">
-              <a:lnSpc>
-                <a:spcPct val="150000"/>
-              </a:lnSpc>
-              <a:buClr>
-                <a:srgbClr val="000000"/>
-              </a:buClr>
-              <a:buFont typeface="Arial"/>
+          </a:p>
+          <a:p>
+            <a:pPr marL="342900" indent="-342900" defTabSz="914400">
+              <a:lnSpc>
+                <a:spcPct val="110000"/>
+              </a:lnSpc>
+              <a:spcBef>
+                <a:spcPts val="1001"/>
+              </a:spcBef>
+              <a:buFont typeface="Arial" panose="020B0604020202020204" pitchFamily="34" charset="0"/>
               <a:buChar char="•"/>
+              <a:tabLst>
+                <a:tab pos="0" algn="l"/>
+              </a:tabLst>
             </a:pPr>
             <a:r>
-              <a:rPr lang="de-DE" sz="1800" b="0" u="none" strike="noStrike">
+              <a:rPr lang="de-DE" sz="2000" b="0" u="none" strike="noStrike" dirty="0">
                 <a:solidFill>
                   <a:schemeClr val="dk1"/>
                 </a:solidFill>
@@ -12122,30 +11826,25 @@
                 <a:uFillTx/>
                 <a:latin typeface="Calisto MT"/>
               </a:rPr>
-              <a:t>Diese User Storys stellen die Anforderungen dar.</a:t>
+              <a:t>Einfach zu Bedienen</a:t>
             </a:r>
-            <a:endParaRPr lang="de-DE" sz="1800" b="0" u="none" strike="noStrike">
-              <a:solidFill>
-                <a:srgbClr val="000000"/>
-              </a:solidFill>
-              <a:effectLst/>
-              <a:uFillTx/>
-              <a:latin typeface="Arial"/>
-            </a:endParaRPr>
-          </a:p>
-          <a:p>
-            <a:pPr marL="285840" indent="-285840" defTabSz="914400">
-              <a:lnSpc>
-                <a:spcPct val="150000"/>
-              </a:lnSpc>
-              <a:buClr>
-                <a:srgbClr val="000000"/>
-              </a:buClr>
-              <a:buFont typeface="Arial"/>
+          </a:p>
+          <a:p>
+            <a:pPr marL="342900" indent="-342900" defTabSz="914400">
+              <a:lnSpc>
+                <a:spcPct val="110000"/>
+              </a:lnSpc>
+              <a:spcBef>
+                <a:spcPts val="1001"/>
+              </a:spcBef>
+              <a:buFont typeface="Arial" panose="020B0604020202020204" pitchFamily="34" charset="0"/>
               <a:buChar char="•"/>
+              <a:tabLst>
+                <a:tab pos="0" algn="l"/>
+              </a:tabLst>
             </a:pPr>
             <a:r>
-              <a:rPr lang="de-DE" sz="1800" b="0" u="none" strike="noStrike">
+              <a:rPr lang="de-DE" sz="2000" b="0" u="none" strike="noStrike" dirty="0">
                 <a:solidFill>
                   <a:schemeClr val="dk1"/>
                 </a:solidFill>
@@ -12153,16 +11852,60 @@
                 <a:uFillTx/>
                 <a:latin typeface="Calisto MT"/>
               </a:rPr>
-              <a:t>Zusätzlich zu den User-Storys wurden Anforderungen aus dem Auftrag entnommen.</a:t>
+              <a:t>Wichtigste Funktionen leicht erreichbar – Logout und Benachrichtigungen</a:t>
             </a:r>
-            <a:endParaRPr lang="de-DE" sz="1800" b="0" u="none" strike="noStrike">
-              <a:solidFill>
-                <a:srgbClr val="000000"/>
-              </a:solidFill>
-              <a:effectLst/>
-              <a:uFillTx/>
-              <a:latin typeface="Arial"/>
-            </a:endParaRPr>
+          </a:p>
+          <a:p>
+            <a:pPr marL="342900" indent="-342900" defTabSz="914400">
+              <a:lnSpc>
+                <a:spcPct val="110000"/>
+              </a:lnSpc>
+              <a:spcBef>
+                <a:spcPts val="1001"/>
+              </a:spcBef>
+              <a:buFont typeface="Arial" panose="020B0604020202020204" pitchFamily="34" charset="0"/>
+              <a:buChar char="•"/>
+              <a:tabLst>
+                <a:tab pos="0" algn="l"/>
+              </a:tabLst>
+            </a:pPr>
+            <a:r>
+              <a:rPr lang="de-DE" sz="2000" b="0" u="none" strike="noStrike" dirty="0">
+                <a:solidFill>
+                  <a:schemeClr val="dk1"/>
+                </a:solidFill>
+                <a:effectLst/>
+                <a:uFillTx/>
+                <a:latin typeface="Calisto MT"/>
+              </a:rPr>
+              <a:t>sowie die Zeitübersicht und Kommen/ Gehen Buttons</a:t>
+            </a:r>
+          </a:p>
+          <a:p>
+            <a:pPr marL="342900" indent="-342900" defTabSz="914400">
+              <a:lnSpc>
+                <a:spcPct val="110000"/>
+              </a:lnSpc>
+              <a:spcBef>
+                <a:spcPts val="1001"/>
+              </a:spcBef>
+              <a:buFont typeface="Arial" panose="020B0604020202020204" pitchFamily="34" charset="0"/>
+              <a:buChar char="•"/>
+              <a:tabLst>
+                <a:tab pos="0" algn="l"/>
+              </a:tabLst>
+            </a:pPr>
+            <a:r>
+              <a:rPr lang="de-DE" sz="2000" b="0" u="none" strike="noStrike" dirty="0">
+                <a:solidFill>
+                  <a:schemeClr val="dk1"/>
+                </a:solidFill>
+                <a:effectLst/>
+                <a:uFillTx/>
+                <a:latin typeface="Calisto MT"/>
+              </a:rPr>
+              <a:t>Hamburger Menü für Spracheinstellungen und Passwortänderung</a:t>
+            </a:r>
           </a:p>
         </p:txBody>
       </p:sp>
@@ -12179,7 +11922,13 @@
   <p:cSld>
     <p:spTree>
       <p:nvGrpSpPr>
-        <p:cNvPr id="1" name=""/>
+        <p:cNvPr id="1" name="">
+          <a:extLst>
+            <a:ext uri="{FF2B5EF4-FFF2-40B4-BE49-F238E27FC236}">
+              <a16:creationId xmlns:a16="http://schemas.microsoft.com/office/drawing/2014/main" id="{2E204368-4EEA-BFF2-5E01-7AF01049572F}"/>
+            </a:ext>
+          </a:extLst>
+        </p:cNvPr>
         <p:cNvGrpSpPr/>
         <p:nvPr/>
       </p:nvGrpSpPr>
@@ -12191,9 +11940,196 @@
           <a:chExt cx="0" cy="0"/>
         </a:xfrm>
       </p:grpSpPr>
+      <p:pic>
+        <p:nvPicPr>
+          <p:cNvPr id="104" name="Grafik 103">
+            <a:extLst>
+              <a:ext uri="{FF2B5EF4-FFF2-40B4-BE49-F238E27FC236}">
+                <a16:creationId xmlns:a16="http://schemas.microsoft.com/office/drawing/2014/main" id="{04C86AA6-B18D-2338-629A-86F54A987B3F}"/>
+              </a:ext>
+            </a:extLst>
+          </p:cNvPr>
+          <p:cNvPicPr/>
+          <p:nvPr/>
+        </p:nvPicPr>
+        <p:blipFill>
+          <a:blip r:embed="rId2"/>
+          <a:srcRect l="124" t="4413" r="847"/>
+          <a:stretch/>
+        </p:blipFill>
+        <p:spPr>
+          <a:xfrm>
+            <a:off x="5760540" y="1800000"/>
+            <a:ext cx="5711040" cy="3897000"/>
+          </a:xfrm>
+          <a:prstGeom prst="rect">
+            <a:avLst/>
+          </a:prstGeom>
+          <a:noFill/>
+          <a:ln w="0">
+            <a:noFill/>
+          </a:ln>
+        </p:spPr>
+      </p:pic>
+      <p:pic>
+        <p:nvPicPr>
+          <p:cNvPr id="3" name="Grafik 2">
+            <a:extLst>
+              <a:ext uri="{FF2B5EF4-FFF2-40B4-BE49-F238E27FC236}">
+                <a16:creationId xmlns:a16="http://schemas.microsoft.com/office/drawing/2014/main" id="{668D3170-F0A0-E5CF-0000-3F263985B2AC}"/>
+              </a:ext>
+            </a:extLst>
+          </p:cNvPr>
+          <p:cNvPicPr/>
+          <p:nvPr/>
+        </p:nvPicPr>
+        <p:blipFill>
+          <a:blip r:embed="rId3"/>
+          <a:stretch/>
+        </p:blipFill>
+        <p:spPr>
+          <a:xfrm>
+            <a:off x="5760000" y="1800000"/>
+            <a:ext cx="5760000" cy="4071960"/>
+          </a:xfrm>
+          <a:prstGeom prst="rect">
+            <a:avLst/>
+          </a:prstGeom>
+          <a:noFill/>
+          <a:ln w="0">
+            <a:noFill/>
+          </a:ln>
+        </p:spPr>
+      </p:pic>
+      <p:pic>
+        <p:nvPicPr>
+          <p:cNvPr id="5" name="Grafik 4">
+            <a:extLst>
+              <a:ext uri="{FF2B5EF4-FFF2-40B4-BE49-F238E27FC236}">
+                <a16:creationId xmlns:a16="http://schemas.microsoft.com/office/drawing/2014/main" id="{DF2492FE-ADA7-EDA9-0D26-AA69DDC5E2B2}"/>
+              </a:ext>
+            </a:extLst>
+          </p:cNvPr>
+          <p:cNvPicPr/>
+          <p:nvPr/>
+        </p:nvPicPr>
+        <p:blipFill>
+          <a:blip r:embed="rId4"/>
+          <a:stretch/>
+        </p:blipFill>
+        <p:spPr>
+          <a:xfrm>
+            <a:off x="5760000" y="1800000"/>
+            <a:ext cx="5712120" cy="4038120"/>
+          </a:xfrm>
+          <a:prstGeom prst="rect">
+            <a:avLst/>
+          </a:prstGeom>
+          <a:noFill/>
+          <a:ln w="0">
+            <a:noFill/>
+          </a:ln>
+        </p:spPr>
+      </p:pic>
+      <p:pic>
+        <p:nvPicPr>
+          <p:cNvPr id="7" name="Grafik 6">
+            <a:extLst>
+              <a:ext uri="{FF2B5EF4-FFF2-40B4-BE49-F238E27FC236}">
+                <a16:creationId xmlns:a16="http://schemas.microsoft.com/office/drawing/2014/main" id="{0EFDBF9A-BF5D-071F-6B93-1E0EC33489AE}"/>
+              </a:ext>
+            </a:extLst>
+          </p:cNvPr>
+          <p:cNvPicPr/>
+          <p:nvPr/>
+        </p:nvPicPr>
+        <p:blipFill>
+          <a:blip r:embed="rId5"/>
+          <a:stretch/>
+        </p:blipFill>
+        <p:spPr>
+          <a:xfrm>
+            <a:off x="5760000" y="1800000"/>
+            <a:ext cx="5712120" cy="4038120"/>
+          </a:xfrm>
+          <a:prstGeom prst="rect">
+            <a:avLst/>
+          </a:prstGeom>
+          <a:noFill/>
+          <a:ln w="0">
+            <a:noFill/>
+          </a:ln>
+        </p:spPr>
+      </p:pic>
+      <p:pic>
+        <p:nvPicPr>
+          <p:cNvPr id="9" name="Grafik 8">
+            <a:extLst>
+              <a:ext uri="{FF2B5EF4-FFF2-40B4-BE49-F238E27FC236}">
+                <a16:creationId xmlns:a16="http://schemas.microsoft.com/office/drawing/2014/main" id="{D4A3E3B4-6357-4B1C-CE8C-77FC27D26B34}"/>
+              </a:ext>
+            </a:extLst>
+          </p:cNvPr>
+          <p:cNvPicPr/>
+          <p:nvPr/>
+        </p:nvPicPr>
+        <p:blipFill>
+          <a:blip r:embed="rId6"/>
+          <a:stretch/>
+        </p:blipFill>
+        <p:spPr>
+          <a:xfrm>
+            <a:off x="5760000" y="1800000"/>
+            <a:ext cx="5759640" cy="4071960"/>
+          </a:xfrm>
+          <a:prstGeom prst="rect">
+            <a:avLst/>
+          </a:prstGeom>
+          <a:noFill/>
+          <a:ln w="0">
+            <a:noFill/>
+          </a:ln>
+        </p:spPr>
+      </p:pic>
+      <p:pic>
+        <p:nvPicPr>
+          <p:cNvPr id="13" name="Grafik 12">
+            <a:extLst>
+              <a:ext uri="{FF2B5EF4-FFF2-40B4-BE49-F238E27FC236}">
+                <a16:creationId xmlns:a16="http://schemas.microsoft.com/office/drawing/2014/main" id="{46BCE7C9-3456-ED5B-3200-55B31BC72E0F}"/>
+              </a:ext>
+            </a:extLst>
+          </p:cNvPr>
+          <p:cNvPicPr/>
+          <p:nvPr/>
+        </p:nvPicPr>
+        <p:blipFill>
+          <a:blip r:embed="rId7"/>
+          <a:stretch/>
+        </p:blipFill>
+        <p:spPr>
+          <a:xfrm>
+            <a:off x="5760000" y="1800000"/>
+            <a:ext cx="5759640" cy="4071960"/>
+          </a:xfrm>
+          <a:prstGeom prst="rect">
+            <a:avLst/>
+          </a:prstGeom>
+          <a:noFill/>
+          <a:ln w="0">
+            <a:noFill/>
+          </a:ln>
+        </p:spPr>
+      </p:pic>
       <p:sp>
         <p:nvSpPr>
-          <p:cNvPr id="134" name="PlaceHolder 1"/>
+          <p:cNvPr id="102" name="PlaceHolder 1">
+            <a:extLst>
+              <a:ext uri="{FF2B5EF4-FFF2-40B4-BE49-F238E27FC236}">
+                <a16:creationId xmlns:a16="http://schemas.microsoft.com/office/drawing/2014/main" id="{D34D1FBD-0A53-0962-36F0-9E5F21819121}"/>
+              </a:ext>
+            </a:extLst>
+          </p:cNvPr>
           <p:cNvSpPr>
             <a:spLocks noGrp="1"/>
           </p:cNvSpPr>
@@ -12204,7 +12140,7 @@
         <p:spPr>
           <a:xfrm>
             <a:off x="700560" y="914400"/>
-            <a:ext cx="10690920" cy="1307160"/>
+            <a:ext cx="10999440" cy="1307160"/>
           </a:xfrm>
           <a:prstGeom prst="rect">
             <a:avLst/>
@@ -12227,7 +12163,16 @@
               <a:buNone/>
             </a:pPr>
             <a:r>
-              <a:rPr lang="de-DE" sz="4000" b="0" u="none" strike="noStrike" cap="all" spc="31">
+              <a:rPr lang="de-DE" sz="4000" cap="all" spc="31" dirty="0">
+                <a:solidFill>
+                  <a:schemeClr val="dk1"/>
+                </a:solidFill>
+                <a:latin typeface="Univers Condensed"/>
+              </a:rPr>
+              <a:t>5</a:t>
+            </a:r>
+            <a:r>
+              <a:rPr lang="de-DE" sz="4000" b="0" u="none" strike="noStrike" cap="all" spc="31" dirty="0">
                 <a:solidFill>
                   <a:schemeClr val="dk1"/>
                 </a:solidFill>
@@ -12235,9 +12180,20 @@
                 <a:uFillTx/>
                 <a:latin typeface="Univers Condensed"/>
               </a:rPr>
-              <a:t>4. Zeitplanung und Budgetanalyse</a:t>
+              <a:t>. Wireframes – </a:t>
             </a:r>
-            <a:endParaRPr lang="de-DE" sz="4000" b="0" u="none" strike="noStrike">
+            <a:r>
+              <a:rPr lang="de-DE" sz="4000" b="0" u="none" strike="noStrike" cap="all" spc="31">
+                <a:solidFill>
+                  <a:schemeClr val="dk1"/>
+                </a:solidFill>
+                <a:effectLst/>
+                <a:uFillTx/>
+                <a:latin typeface="Univers Condensed"/>
+              </a:rPr>
+              <a:t>User Dashboard</a:t>
+            </a:r>
+            <a:endParaRPr lang="de-DE" sz="4000" b="0" u="none" strike="noStrike" dirty="0">
               <a:solidFill>
                 <a:schemeClr val="dk1"/>
               </a:solidFill>
@@ -12248,43 +12204,2136 @@
           </a:p>
         </p:txBody>
       </p:sp>
-      <p:graphicFrame>
-        <p:nvGraphicFramePr>
-          <p:cNvPr id="135" name="Diagramm 6"/>
-          <p:cNvGraphicFramePr/>
+      <p:sp>
+        <p:nvSpPr>
+          <p:cNvPr id="103" name="PlaceHolder 2">
+            <a:extLst>
+              <a:ext uri="{FF2B5EF4-FFF2-40B4-BE49-F238E27FC236}">
+                <a16:creationId xmlns:a16="http://schemas.microsoft.com/office/drawing/2014/main" id="{866FAB49-C5C7-3A3E-F720-16FCF2A06AAF}"/>
+              </a:ext>
+            </a:extLst>
+          </p:cNvPr>
+          <p:cNvSpPr>
+            <a:spLocks noGrp="1"/>
+          </p:cNvSpPr>
+          <p:nvPr>
+            <p:ph/>
+          </p:nvPr>
+        </p:nvSpPr>
+        <p:spPr>
+          <a:xfrm>
+            <a:off x="780644" y="1738260"/>
+            <a:ext cx="4978276" cy="4161600"/>
+          </a:xfrm>
+          <a:prstGeom prst="rect">
+            <a:avLst/>
+          </a:prstGeom>
+          <a:noFill/>
+          <a:ln w="0">
+            <a:noFill/>
+          </a:ln>
+        </p:spPr>
+        <p:txBody>
+          <a:bodyPr lIns="91440" tIns="45720" rIns="91440" bIns="45720" anchor="t">
+            <a:normAutofit/>
+          </a:bodyPr>
+          <a:lstStyle/>
+          <a:p>
+            <a:pPr indent="0" defTabSz="914400">
+              <a:lnSpc>
+                <a:spcPct val="110000"/>
+              </a:lnSpc>
+              <a:spcBef>
+                <a:spcPts val="1001"/>
+              </a:spcBef>
+              <a:buNone/>
+              <a:tabLst>
+                <a:tab pos="0" algn="l"/>
+              </a:tabLst>
+            </a:pPr>
+            <a:r>
+              <a:rPr lang="de-DE" sz="2000" b="0" u="none" strike="noStrike" dirty="0">
+                <a:solidFill>
+                  <a:schemeClr val="dk1"/>
+                </a:solidFill>
+                <a:effectLst/>
+                <a:uFillTx/>
+                <a:latin typeface="Calisto MT"/>
+              </a:rPr>
+              <a:t>Login:</a:t>
+            </a:r>
+          </a:p>
+          <a:p>
+            <a:pPr indent="0" defTabSz="914400">
+              <a:lnSpc>
+                <a:spcPct val="110000"/>
+              </a:lnSpc>
+              <a:spcBef>
+                <a:spcPts val="1001"/>
+              </a:spcBef>
+              <a:buNone/>
+              <a:tabLst>
+                <a:tab pos="0" algn="l"/>
+              </a:tabLst>
+            </a:pPr>
+            <a:endParaRPr lang="de-DE" sz="2000" b="0" u="none" strike="noStrike" dirty="0">
+              <a:solidFill>
+                <a:schemeClr val="dk1"/>
+              </a:solidFill>
+              <a:effectLst/>
+              <a:uFillTx/>
+              <a:latin typeface="Calisto MT"/>
+            </a:endParaRPr>
+          </a:p>
+          <a:p>
+            <a:pPr indent="0" defTabSz="914400">
+              <a:lnSpc>
+                <a:spcPct val="110000"/>
+              </a:lnSpc>
+              <a:spcBef>
+                <a:spcPts val="1001"/>
+              </a:spcBef>
+              <a:buNone/>
+              <a:tabLst>
+                <a:tab pos="0" algn="l"/>
+              </a:tabLst>
+            </a:pPr>
+            <a:endParaRPr lang="de-DE" sz="2000" b="0" u="none" strike="noStrike" dirty="0">
+              <a:solidFill>
+                <a:schemeClr val="dk1"/>
+              </a:solidFill>
+              <a:effectLst/>
+              <a:uFillTx/>
+              <a:latin typeface="Calisto MT"/>
+            </a:endParaRPr>
+          </a:p>
+          <a:p>
+            <a:pPr indent="0" defTabSz="914400">
+              <a:lnSpc>
+                <a:spcPct val="110000"/>
+              </a:lnSpc>
+              <a:spcBef>
+                <a:spcPts val="1001"/>
+              </a:spcBef>
+              <a:buNone/>
+              <a:tabLst>
+                <a:tab pos="0" algn="l"/>
+              </a:tabLst>
+            </a:pPr>
+            <a:r>
+              <a:rPr lang="de-DE" sz="2000" b="0" u="none" strike="noStrike" dirty="0">
+                <a:solidFill>
+                  <a:schemeClr val="dk1"/>
+                </a:solidFill>
+                <a:effectLst/>
+                <a:uFillTx/>
+                <a:latin typeface="Calisto MT"/>
+              </a:rPr>
+              <a:t>- Zwei Eingabefelder mit Button</a:t>
+            </a:r>
+          </a:p>
+          <a:p>
+            <a:pPr indent="0" defTabSz="914400">
+              <a:lnSpc>
+                <a:spcPct val="110000"/>
+              </a:lnSpc>
+              <a:spcBef>
+                <a:spcPts val="1001"/>
+              </a:spcBef>
+              <a:buNone/>
+              <a:tabLst>
+                <a:tab pos="0" algn="l"/>
+              </a:tabLst>
+            </a:pPr>
+            <a:endParaRPr lang="de-DE" sz="2000" b="0" u="none" strike="noStrike" dirty="0">
+              <a:solidFill>
+                <a:schemeClr val="dk1"/>
+              </a:solidFill>
+              <a:effectLst/>
+              <a:uFillTx/>
+              <a:latin typeface="Calisto MT"/>
+            </a:endParaRPr>
+          </a:p>
+          <a:p>
+            <a:pPr indent="0" defTabSz="914400">
+              <a:lnSpc>
+                <a:spcPct val="110000"/>
+              </a:lnSpc>
+              <a:spcBef>
+                <a:spcPts val="1001"/>
+              </a:spcBef>
+              <a:buNone/>
+              <a:tabLst>
+                <a:tab pos="0" algn="l"/>
+              </a:tabLst>
+            </a:pPr>
+            <a:r>
+              <a:rPr lang="de-DE" sz="2000" b="0" u="none" strike="noStrike" dirty="0">
+                <a:solidFill>
+                  <a:schemeClr val="dk1"/>
+                </a:solidFill>
+                <a:effectLst/>
+                <a:uFillTx/>
+                <a:latin typeface="Calisto MT"/>
+              </a:rPr>
+              <a:t>- Fehleranzeige für z.B. falsches Passwort</a:t>
+            </a:r>
+          </a:p>
+          <a:p>
+            <a:pPr indent="0" defTabSz="914400">
+              <a:lnSpc>
+                <a:spcPct val="110000"/>
+              </a:lnSpc>
+              <a:spcBef>
+                <a:spcPts val="1001"/>
+              </a:spcBef>
+              <a:buNone/>
+              <a:tabLst>
+                <a:tab pos="0" algn="l"/>
+              </a:tabLst>
+            </a:pPr>
+            <a:endParaRPr lang="de-DE" sz="2000" b="0" u="none" strike="noStrike" dirty="0">
+              <a:solidFill>
+                <a:schemeClr val="dk1"/>
+              </a:solidFill>
+              <a:effectLst/>
+              <a:uFillTx/>
+              <a:latin typeface="Calisto MT"/>
+            </a:endParaRPr>
+          </a:p>
+          <a:p>
+            <a:pPr indent="0" defTabSz="914400">
+              <a:lnSpc>
+                <a:spcPct val="110000"/>
+              </a:lnSpc>
+              <a:spcBef>
+                <a:spcPts val="1001"/>
+              </a:spcBef>
+              <a:buNone/>
+              <a:tabLst>
+                <a:tab pos="0" algn="l"/>
+              </a:tabLst>
+            </a:pPr>
+            <a:endParaRPr lang="de-DE" sz="2000" b="0" u="none" strike="noStrike" dirty="0">
+              <a:solidFill>
+                <a:schemeClr val="dk1"/>
+              </a:solidFill>
+              <a:effectLst/>
+              <a:uFillTx/>
+              <a:latin typeface="Calisto MT"/>
+            </a:endParaRPr>
+          </a:p>
+        </p:txBody>
+      </p:sp>
+      <p:sp>
+        <p:nvSpPr>
+          <p:cNvPr id="2" name="PlaceHolder 2">
+            <a:extLst>
+              <a:ext uri="{FF2B5EF4-FFF2-40B4-BE49-F238E27FC236}">
+                <a16:creationId xmlns:a16="http://schemas.microsoft.com/office/drawing/2014/main" id="{4BEA2B6E-5BD0-0F4B-8D02-A7E9DC09BD4D}"/>
+              </a:ext>
+            </a:extLst>
+          </p:cNvPr>
+          <p:cNvSpPr txBox="1">
+            <a:spLocks/>
+          </p:cNvSpPr>
           <p:nvPr/>
-        </p:nvGraphicFramePr>
-        <p:xfrm>
-          <a:off x="4254120" y="1737360"/>
-          <a:ext cx="7632720" cy="4383360"/>
-        </p:xfrm>
-        <a:graphic>
-          <a:graphicData uri="http://schemas.openxmlformats.org/drawingml/2006/chart">
-            <c:chart xmlns:c="http://schemas.openxmlformats.org/drawingml/2006/chart" xmlns:r="http://schemas.openxmlformats.org/officeDocument/2006/relationships" r:id="rId2"/>
-          </a:graphicData>
-        </a:graphic>
-      </p:graphicFrame>
-      <p:graphicFrame>
-        <p:nvGraphicFramePr>
-          <p:cNvPr id="136" name="Diagramm 8"/>
-          <p:cNvGraphicFramePr/>
+        </p:nvSpPr>
+        <p:spPr>
+          <a:xfrm>
+            <a:off x="700560" y="1800000"/>
+            <a:ext cx="5011441" cy="4161600"/>
+          </a:xfrm>
+          <a:prstGeom prst="rect">
+            <a:avLst/>
+          </a:prstGeom>
+          <a:noFill/>
+          <a:ln w="0">
+            <a:noFill/>
+          </a:ln>
+        </p:spPr>
+        <p:txBody>
+          <a:bodyPr lIns="91440" tIns="45720" rIns="91440" bIns="45720" anchor="t">
+            <a:normAutofit/>
+          </a:bodyPr>
+          <a:lstStyle>
+            <a:lvl1pPr algn="l" defTabSz="914400" rtl="0" eaLnBrk="1" latinLnBrk="0" hangingPunct="1">
+              <a:lnSpc>
+                <a:spcPct val="90000"/>
+              </a:lnSpc>
+              <a:spcBef>
+                <a:spcPct val="0"/>
+              </a:spcBef>
+              <a:buNone/>
+              <a:defRPr sz="4400" kern="1200">
+                <a:solidFill>
+                  <a:schemeClr val="tx1"/>
+                </a:solidFill>
+                <a:latin typeface="+mj-lt"/>
+                <a:ea typeface="+mj-ea"/>
+                <a:cs typeface="+mj-cs"/>
+              </a:defRPr>
+            </a:lvl1pPr>
+          </a:lstStyle>
+          <a:p>
+            <a:pPr>
+              <a:lnSpc>
+                <a:spcPct val="110000"/>
+              </a:lnSpc>
+              <a:spcBef>
+                <a:spcPts val="1001"/>
+              </a:spcBef>
+              <a:tabLst>
+                <a:tab pos="0" algn="l"/>
+              </a:tabLst>
+            </a:pPr>
+            <a:r>
+              <a:rPr lang="de-DE" sz="2000">
+                <a:solidFill>
+                  <a:schemeClr val="dk1"/>
+                </a:solidFill>
+                <a:latin typeface="Calisto MT"/>
+              </a:rPr>
+              <a:t>Initiales Passwort:</a:t>
+            </a:r>
+          </a:p>
+          <a:p>
+            <a:pPr>
+              <a:lnSpc>
+                <a:spcPct val="110000"/>
+              </a:lnSpc>
+              <a:spcBef>
+                <a:spcPts val="1001"/>
+              </a:spcBef>
+              <a:tabLst>
+                <a:tab pos="0" algn="l"/>
+              </a:tabLst>
+            </a:pPr>
+            <a:endParaRPr lang="de-DE" sz="2000">
+              <a:solidFill>
+                <a:schemeClr val="dk1"/>
+              </a:solidFill>
+              <a:latin typeface="Calisto MT"/>
+            </a:endParaRPr>
+          </a:p>
+          <a:p>
+            <a:pPr>
+              <a:lnSpc>
+                <a:spcPct val="110000"/>
+              </a:lnSpc>
+              <a:spcBef>
+                <a:spcPts val="1001"/>
+              </a:spcBef>
+              <a:tabLst>
+                <a:tab pos="0" algn="l"/>
+              </a:tabLst>
+            </a:pPr>
+            <a:endParaRPr lang="de-DE" sz="2000">
+              <a:solidFill>
+                <a:schemeClr val="dk1"/>
+              </a:solidFill>
+              <a:latin typeface="Calisto MT"/>
+            </a:endParaRPr>
+          </a:p>
+          <a:p>
+            <a:pPr>
+              <a:lnSpc>
+                <a:spcPct val="110000"/>
+              </a:lnSpc>
+              <a:spcBef>
+                <a:spcPts val="1001"/>
+              </a:spcBef>
+              <a:tabLst>
+                <a:tab pos="0" algn="l"/>
+              </a:tabLst>
+            </a:pPr>
+            <a:r>
+              <a:rPr lang="de-DE" sz="2000">
+                <a:solidFill>
+                  <a:schemeClr val="dk1"/>
+                </a:solidFill>
+                <a:latin typeface="Calisto MT"/>
+              </a:rPr>
+              <a:t>- Erster Login fordert Benutzerdefiniertes </a:t>
+            </a:r>
+          </a:p>
+          <a:p>
+            <a:pPr>
+              <a:lnSpc>
+                <a:spcPct val="110000"/>
+              </a:lnSpc>
+              <a:spcBef>
+                <a:spcPts val="1001"/>
+              </a:spcBef>
+              <a:tabLst>
+                <a:tab pos="0" algn="l"/>
+              </a:tabLst>
+            </a:pPr>
+            <a:r>
+              <a:rPr lang="de-DE" sz="2000">
+                <a:solidFill>
+                  <a:schemeClr val="dk1"/>
+                </a:solidFill>
+                <a:latin typeface="Calisto MT"/>
+              </a:rPr>
+              <a:t>  Passwort</a:t>
+            </a:r>
+          </a:p>
+          <a:p>
+            <a:pPr>
+              <a:lnSpc>
+                <a:spcPct val="110000"/>
+              </a:lnSpc>
+              <a:spcBef>
+                <a:spcPts val="1001"/>
+              </a:spcBef>
+              <a:tabLst>
+                <a:tab pos="0" algn="l"/>
+              </a:tabLst>
+            </a:pPr>
+            <a:endParaRPr lang="de-DE" sz="2000">
+              <a:solidFill>
+                <a:schemeClr val="dk1"/>
+              </a:solidFill>
+              <a:latin typeface="Calisto MT"/>
+            </a:endParaRPr>
+          </a:p>
+          <a:p>
+            <a:pPr>
+              <a:lnSpc>
+                <a:spcPct val="110000"/>
+              </a:lnSpc>
+              <a:spcBef>
+                <a:spcPts val="1001"/>
+              </a:spcBef>
+              <a:tabLst>
+                <a:tab pos="0" algn="l"/>
+              </a:tabLst>
+            </a:pPr>
+            <a:r>
+              <a:rPr lang="de-DE" sz="2000">
+                <a:solidFill>
+                  <a:schemeClr val="dk1"/>
+                </a:solidFill>
+                <a:latin typeface="Calisto MT"/>
+              </a:rPr>
+              <a:t>- Ebenfalls eine Fehleranzeige integriert</a:t>
+            </a:r>
+          </a:p>
+          <a:p>
+            <a:pPr>
+              <a:lnSpc>
+                <a:spcPct val="110000"/>
+              </a:lnSpc>
+              <a:spcBef>
+                <a:spcPts val="1001"/>
+              </a:spcBef>
+              <a:tabLst>
+                <a:tab pos="0" algn="l"/>
+              </a:tabLst>
+            </a:pPr>
+            <a:endParaRPr lang="de-DE" sz="2000">
+              <a:solidFill>
+                <a:schemeClr val="dk1"/>
+              </a:solidFill>
+              <a:latin typeface="Calisto MT"/>
+            </a:endParaRPr>
+          </a:p>
+          <a:p>
+            <a:pPr>
+              <a:lnSpc>
+                <a:spcPct val="110000"/>
+              </a:lnSpc>
+              <a:spcBef>
+                <a:spcPts val="1001"/>
+              </a:spcBef>
+              <a:tabLst>
+                <a:tab pos="0" algn="l"/>
+              </a:tabLst>
+            </a:pPr>
+            <a:endParaRPr lang="de-DE" sz="2000" dirty="0">
+              <a:solidFill>
+                <a:schemeClr val="dk1"/>
+              </a:solidFill>
+              <a:latin typeface="Calisto MT"/>
+            </a:endParaRPr>
+          </a:p>
+        </p:txBody>
+      </p:sp>
+      <p:sp>
+        <p:nvSpPr>
+          <p:cNvPr id="4" name="PlaceHolder 2">
+            <a:extLst>
+              <a:ext uri="{FF2B5EF4-FFF2-40B4-BE49-F238E27FC236}">
+                <a16:creationId xmlns:a16="http://schemas.microsoft.com/office/drawing/2014/main" id="{9CCD9F01-C42C-FF2E-A81E-6CF880871346}"/>
+              </a:ext>
+            </a:extLst>
+          </p:cNvPr>
+          <p:cNvSpPr txBox="1">
+            <a:spLocks/>
+          </p:cNvSpPr>
           <p:nvPr/>
-        </p:nvGraphicFramePr>
-        <p:xfrm>
-          <a:off x="-327960" y="2221920"/>
-          <a:ext cx="4860000" cy="3025440"/>
-        </p:xfrm>
-        <a:graphic>
-          <a:graphicData uri="http://schemas.openxmlformats.org/drawingml/2006/chart">
-            <c:chart xmlns:c="http://schemas.openxmlformats.org/drawingml/2006/chart" xmlns:r="http://schemas.openxmlformats.org/officeDocument/2006/relationships" r:id="rId3"/>
-          </a:graphicData>
-        </a:graphic>
-      </p:graphicFrame>
+        </p:nvSpPr>
+        <p:spPr>
+          <a:xfrm>
+            <a:off x="700560" y="1800000"/>
+            <a:ext cx="5239440" cy="4161600"/>
+          </a:xfrm>
+          <a:prstGeom prst="rect">
+            <a:avLst/>
+          </a:prstGeom>
+          <a:noFill/>
+          <a:ln w="0">
+            <a:noFill/>
+          </a:ln>
+        </p:spPr>
+        <p:txBody>
+          <a:bodyPr lIns="91440" tIns="45720" rIns="91440" bIns="45720" anchor="t">
+            <a:normAutofit fontScale="85000" lnSpcReduction="19999"/>
+          </a:bodyPr>
+          <a:lstStyle>
+            <a:lvl1pPr algn="l" defTabSz="914400" rtl="0" eaLnBrk="1" latinLnBrk="0" hangingPunct="1">
+              <a:lnSpc>
+                <a:spcPct val="90000"/>
+              </a:lnSpc>
+              <a:spcBef>
+                <a:spcPct val="0"/>
+              </a:spcBef>
+              <a:buNone/>
+              <a:defRPr sz="4400" kern="1200">
+                <a:solidFill>
+                  <a:schemeClr val="tx1"/>
+                </a:solidFill>
+                <a:latin typeface="+mj-lt"/>
+                <a:ea typeface="+mj-ea"/>
+                <a:cs typeface="+mj-cs"/>
+              </a:defRPr>
+            </a:lvl1pPr>
+          </a:lstStyle>
+          <a:p>
+            <a:pPr>
+              <a:lnSpc>
+                <a:spcPct val="110000"/>
+              </a:lnSpc>
+              <a:spcBef>
+                <a:spcPts val="1001"/>
+              </a:spcBef>
+              <a:tabLst>
+                <a:tab pos="0" algn="l"/>
+              </a:tabLst>
+            </a:pPr>
+            <a:r>
+              <a:rPr lang="de-DE" sz="2000">
+                <a:solidFill>
+                  <a:schemeClr val="dk1"/>
+                </a:solidFill>
+                <a:latin typeface="Calisto MT"/>
+              </a:rPr>
+              <a:t>User Dashboard:</a:t>
+            </a:r>
+          </a:p>
+          <a:p>
+            <a:pPr>
+              <a:lnSpc>
+                <a:spcPct val="110000"/>
+              </a:lnSpc>
+              <a:spcBef>
+                <a:spcPts val="1001"/>
+              </a:spcBef>
+              <a:tabLst>
+                <a:tab pos="0" algn="l"/>
+              </a:tabLst>
+            </a:pPr>
+            <a:endParaRPr lang="de-DE" sz="2000">
+              <a:solidFill>
+                <a:schemeClr val="dk1"/>
+              </a:solidFill>
+              <a:latin typeface="Calisto MT"/>
+            </a:endParaRPr>
+          </a:p>
+          <a:p>
+            <a:pPr>
+              <a:lnSpc>
+                <a:spcPct val="110000"/>
+              </a:lnSpc>
+              <a:spcBef>
+                <a:spcPts val="1001"/>
+              </a:spcBef>
+              <a:tabLst>
+                <a:tab pos="0" algn="l"/>
+              </a:tabLst>
+            </a:pPr>
+            <a:r>
+              <a:rPr lang="de-DE" sz="2000">
+                <a:solidFill>
+                  <a:schemeClr val="dk1"/>
+                </a:solidFill>
+                <a:latin typeface="Calisto MT"/>
+              </a:rPr>
+              <a:t>- Zeiten Tabelle – Wochenübersicht</a:t>
+            </a:r>
+          </a:p>
+          <a:p>
+            <a:pPr>
+              <a:lnSpc>
+                <a:spcPct val="110000"/>
+              </a:lnSpc>
+              <a:spcBef>
+                <a:spcPts val="1001"/>
+              </a:spcBef>
+              <a:tabLst>
+                <a:tab pos="0" algn="l"/>
+              </a:tabLst>
+            </a:pPr>
+            <a:endParaRPr lang="de-DE" sz="2000">
+              <a:solidFill>
+                <a:schemeClr val="dk1"/>
+              </a:solidFill>
+              <a:latin typeface="Calisto MT"/>
+            </a:endParaRPr>
+          </a:p>
+          <a:p>
+            <a:pPr>
+              <a:lnSpc>
+                <a:spcPct val="110000"/>
+              </a:lnSpc>
+              <a:spcBef>
+                <a:spcPts val="1001"/>
+              </a:spcBef>
+              <a:tabLst>
+                <a:tab pos="0" algn="l"/>
+              </a:tabLst>
+            </a:pPr>
+            <a:r>
+              <a:rPr lang="de-DE" sz="2000">
+                <a:solidFill>
+                  <a:schemeClr val="dk1"/>
+                </a:solidFill>
+                <a:latin typeface="Calisto MT"/>
+              </a:rPr>
+              <a:t>- Wochensprünge mit „Früher“ / „Später“</a:t>
+            </a:r>
+          </a:p>
+          <a:p>
+            <a:pPr>
+              <a:lnSpc>
+                <a:spcPct val="110000"/>
+              </a:lnSpc>
+              <a:spcBef>
+                <a:spcPts val="1001"/>
+              </a:spcBef>
+              <a:tabLst>
+                <a:tab pos="0" algn="l"/>
+              </a:tabLst>
+            </a:pPr>
+            <a:endParaRPr lang="de-DE" sz="2000">
+              <a:solidFill>
+                <a:schemeClr val="dk1"/>
+              </a:solidFill>
+              <a:latin typeface="Calisto MT"/>
+            </a:endParaRPr>
+          </a:p>
+          <a:p>
+            <a:pPr>
+              <a:lnSpc>
+                <a:spcPct val="110000"/>
+              </a:lnSpc>
+              <a:spcBef>
+                <a:spcPts val="1001"/>
+              </a:spcBef>
+              <a:tabLst>
+                <a:tab pos="0" algn="l"/>
+              </a:tabLst>
+            </a:pPr>
+            <a:r>
+              <a:rPr lang="de-DE" sz="2000">
+                <a:solidFill>
+                  <a:schemeClr val="dk1"/>
+                </a:solidFill>
+                <a:latin typeface="Calisto MT"/>
+              </a:rPr>
+              <a:t>- Tagesauswahl</a:t>
+            </a:r>
+          </a:p>
+          <a:p>
+            <a:pPr>
+              <a:lnSpc>
+                <a:spcPct val="110000"/>
+              </a:lnSpc>
+              <a:spcBef>
+                <a:spcPts val="1001"/>
+              </a:spcBef>
+              <a:tabLst>
+                <a:tab pos="0" algn="l"/>
+              </a:tabLst>
+            </a:pPr>
+            <a:endParaRPr lang="de-DE" sz="2000">
+              <a:solidFill>
+                <a:schemeClr val="dk1"/>
+              </a:solidFill>
+              <a:latin typeface="Calisto MT"/>
+            </a:endParaRPr>
+          </a:p>
+          <a:p>
+            <a:pPr>
+              <a:lnSpc>
+                <a:spcPct val="110000"/>
+              </a:lnSpc>
+              <a:spcBef>
+                <a:spcPts val="1001"/>
+              </a:spcBef>
+              <a:tabLst>
+                <a:tab pos="0" algn="l"/>
+              </a:tabLst>
+            </a:pPr>
+            <a:r>
+              <a:rPr lang="de-DE" sz="2000">
+                <a:solidFill>
+                  <a:schemeClr val="dk1"/>
+                </a:solidFill>
+                <a:latin typeface="Calisto MT"/>
+              </a:rPr>
+              <a:t>- „Kommen“ / „Gehen“ Buttons</a:t>
+            </a:r>
+          </a:p>
+          <a:p>
+            <a:pPr>
+              <a:lnSpc>
+                <a:spcPct val="110000"/>
+              </a:lnSpc>
+              <a:spcBef>
+                <a:spcPts val="1001"/>
+              </a:spcBef>
+              <a:tabLst>
+                <a:tab pos="0" algn="l"/>
+              </a:tabLst>
+            </a:pPr>
+            <a:endParaRPr lang="de-DE" sz="2000">
+              <a:solidFill>
+                <a:schemeClr val="dk1"/>
+              </a:solidFill>
+              <a:latin typeface="Calisto MT"/>
+            </a:endParaRPr>
+          </a:p>
+          <a:p>
+            <a:pPr>
+              <a:lnSpc>
+                <a:spcPct val="110000"/>
+              </a:lnSpc>
+              <a:spcBef>
+                <a:spcPts val="1001"/>
+              </a:spcBef>
+              <a:tabLst>
+                <a:tab pos="0" algn="l"/>
+              </a:tabLst>
+            </a:pPr>
+            <a:r>
+              <a:rPr lang="de-DE" sz="2000">
+                <a:solidFill>
+                  <a:schemeClr val="dk1"/>
+                </a:solidFill>
+                <a:latin typeface="Calisto MT"/>
+              </a:rPr>
+              <a:t>- Kurzinformationen</a:t>
+            </a:r>
+          </a:p>
+          <a:p>
+            <a:pPr>
+              <a:lnSpc>
+                <a:spcPct val="110000"/>
+              </a:lnSpc>
+              <a:spcBef>
+                <a:spcPts val="1001"/>
+              </a:spcBef>
+              <a:tabLst>
+                <a:tab pos="0" algn="l"/>
+              </a:tabLst>
+            </a:pPr>
+            <a:endParaRPr lang="de-DE" sz="2000">
+              <a:solidFill>
+                <a:schemeClr val="dk1"/>
+              </a:solidFill>
+              <a:latin typeface="Calisto MT"/>
+            </a:endParaRPr>
+          </a:p>
+          <a:p>
+            <a:pPr>
+              <a:lnSpc>
+                <a:spcPct val="110000"/>
+              </a:lnSpc>
+              <a:spcBef>
+                <a:spcPts val="1001"/>
+              </a:spcBef>
+              <a:tabLst>
+                <a:tab pos="0" algn="l"/>
+              </a:tabLst>
+            </a:pPr>
+            <a:endParaRPr lang="de-DE" sz="2000" dirty="0">
+              <a:solidFill>
+                <a:schemeClr val="dk1"/>
+              </a:solidFill>
+              <a:latin typeface="Calisto MT"/>
+            </a:endParaRPr>
+          </a:p>
+        </p:txBody>
+      </p:sp>
+      <p:sp>
+        <p:nvSpPr>
+          <p:cNvPr id="6" name="PlaceHolder 2">
+            <a:extLst>
+              <a:ext uri="{FF2B5EF4-FFF2-40B4-BE49-F238E27FC236}">
+                <a16:creationId xmlns:a16="http://schemas.microsoft.com/office/drawing/2014/main" id="{279A3E0A-5446-FE29-221A-A15B3D42B090}"/>
+              </a:ext>
+            </a:extLst>
+          </p:cNvPr>
+          <p:cNvSpPr txBox="1">
+            <a:spLocks/>
+          </p:cNvSpPr>
+          <p:nvPr/>
+        </p:nvSpPr>
+        <p:spPr>
+          <a:xfrm>
+            <a:off x="700560" y="1800000"/>
+            <a:ext cx="5239440" cy="4161600"/>
+          </a:xfrm>
+          <a:prstGeom prst="rect">
+            <a:avLst/>
+          </a:prstGeom>
+          <a:noFill/>
+          <a:ln w="0">
+            <a:noFill/>
+          </a:ln>
+        </p:spPr>
+        <p:txBody>
+          <a:bodyPr lIns="91440" tIns="45720" rIns="91440" bIns="45720" anchor="t">
+            <a:normAutofit/>
+          </a:bodyPr>
+          <a:lstStyle>
+            <a:lvl1pPr algn="l" defTabSz="914400" rtl="0" eaLnBrk="1" latinLnBrk="0" hangingPunct="1">
+              <a:lnSpc>
+                <a:spcPct val="90000"/>
+              </a:lnSpc>
+              <a:spcBef>
+                <a:spcPct val="0"/>
+              </a:spcBef>
+              <a:buNone/>
+              <a:defRPr sz="4400" kern="1200">
+                <a:solidFill>
+                  <a:schemeClr val="tx1"/>
+                </a:solidFill>
+                <a:latin typeface="+mj-lt"/>
+                <a:ea typeface="+mj-ea"/>
+                <a:cs typeface="+mj-cs"/>
+              </a:defRPr>
+            </a:lvl1pPr>
+          </a:lstStyle>
+          <a:p>
+            <a:pPr>
+              <a:lnSpc>
+                <a:spcPct val="110000"/>
+              </a:lnSpc>
+              <a:spcBef>
+                <a:spcPts val="1001"/>
+              </a:spcBef>
+              <a:tabLst>
+                <a:tab pos="0" algn="l"/>
+              </a:tabLst>
+            </a:pPr>
+            <a:r>
+              <a:rPr lang="de-DE" sz="2000">
+                <a:solidFill>
+                  <a:schemeClr val="dk1"/>
+                </a:solidFill>
+                <a:latin typeface="Calisto MT"/>
+              </a:rPr>
+              <a:t>Navigationsbar:</a:t>
+            </a:r>
+          </a:p>
+          <a:p>
+            <a:pPr>
+              <a:lnSpc>
+                <a:spcPct val="110000"/>
+              </a:lnSpc>
+              <a:spcBef>
+                <a:spcPts val="1001"/>
+              </a:spcBef>
+              <a:tabLst>
+                <a:tab pos="0" algn="l"/>
+              </a:tabLst>
+            </a:pPr>
+            <a:endParaRPr lang="de-DE" sz="2000">
+              <a:solidFill>
+                <a:schemeClr val="dk1"/>
+              </a:solidFill>
+              <a:latin typeface="Calisto MT"/>
+            </a:endParaRPr>
+          </a:p>
+          <a:p>
+            <a:pPr>
+              <a:lnSpc>
+                <a:spcPct val="110000"/>
+              </a:lnSpc>
+              <a:spcBef>
+                <a:spcPts val="1001"/>
+              </a:spcBef>
+              <a:tabLst>
+                <a:tab pos="0" algn="l"/>
+              </a:tabLst>
+            </a:pPr>
+            <a:r>
+              <a:rPr lang="de-DE" sz="2000">
+                <a:solidFill>
+                  <a:schemeClr val="dk1"/>
+                </a:solidFill>
+                <a:latin typeface="Calisto MT"/>
+              </a:rPr>
+              <a:t>- Begrüßung</a:t>
+            </a:r>
+          </a:p>
+          <a:p>
+            <a:pPr>
+              <a:lnSpc>
+                <a:spcPct val="110000"/>
+              </a:lnSpc>
+              <a:spcBef>
+                <a:spcPts val="1001"/>
+              </a:spcBef>
+              <a:tabLst>
+                <a:tab pos="0" algn="l"/>
+              </a:tabLst>
+            </a:pPr>
+            <a:endParaRPr lang="de-DE" sz="2000">
+              <a:solidFill>
+                <a:schemeClr val="dk1"/>
+              </a:solidFill>
+              <a:latin typeface="Calisto MT"/>
+            </a:endParaRPr>
+          </a:p>
+          <a:p>
+            <a:pPr>
+              <a:lnSpc>
+                <a:spcPct val="110000"/>
+              </a:lnSpc>
+              <a:spcBef>
+                <a:spcPts val="1001"/>
+              </a:spcBef>
+              <a:tabLst>
+                <a:tab pos="0" algn="l"/>
+              </a:tabLst>
+            </a:pPr>
+            <a:r>
+              <a:rPr lang="de-DE" sz="2000">
+                <a:solidFill>
+                  <a:schemeClr val="dk1"/>
+                </a:solidFill>
+                <a:latin typeface="Calisto MT"/>
+              </a:rPr>
+              <a:t>- Benachrichtigungs Button</a:t>
+            </a:r>
+          </a:p>
+          <a:p>
+            <a:pPr>
+              <a:lnSpc>
+                <a:spcPct val="110000"/>
+              </a:lnSpc>
+              <a:spcBef>
+                <a:spcPts val="1001"/>
+              </a:spcBef>
+              <a:tabLst>
+                <a:tab pos="0" algn="l"/>
+              </a:tabLst>
+            </a:pPr>
+            <a:endParaRPr lang="de-DE" sz="2000">
+              <a:solidFill>
+                <a:schemeClr val="dk1"/>
+              </a:solidFill>
+              <a:latin typeface="Calisto MT"/>
+            </a:endParaRPr>
+          </a:p>
+          <a:p>
+            <a:pPr>
+              <a:lnSpc>
+                <a:spcPct val="110000"/>
+              </a:lnSpc>
+              <a:spcBef>
+                <a:spcPts val="1001"/>
+              </a:spcBef>
+              <a:tabLst>
+                <a:tab pos="0" algn="l"/>
+              </a:tabLst>
+            </a:pPr>
+            <a:r>
+              <a:rPr lang="de-DE" sz="2000">
+                <a:solidFill>
+                  <a:schemeClr val="dk1"/>
+                </a:solidFill>
+                <a:latin typeface="Calisto MT"/>
+              </a:rPr>
+              <a:t>- Logout Button</a:t>
+            </a:r>
+          </a:p>
+          <a:p>
+            <a:pPr>
+              <a:lnSpc>
+                <a:spcPct val="110000"/>
+              </a:lnSpc>
+              <a:spcBef>
+                <a:spcPts val="1001"/>
+              </a:spcBef>
+              <a:tabLst>
+                <a:tab pos="0" algn="l"/>
+              </a:tabLst>
+            </a:pPr>
+            <a:endParaRPr lang="de-DE" sz="2000">
+              <a:solidFill>
+                <a:schemeClr val="dk1"/>
+              </a:solidFill>
+              <a:latin typeface="Calisto MT"/>
+            </a:endParaRPr>
+          </a:p>
+          <a:p>
+            <a:pPr>
+              <a:lnSpc>
+                <a:spcPct val="110000"/>
+              </a:lnSpc>
+              <a:spcBef>
+                <a:spcPts val="1001"/>
+              </a:spcBef>
+              <a:tabLst>
+                <a:tab pos="0" algn="l"/>
+              </a:tabLst>
+            </a:pPr>
+            <a:r>
+              <a:rPr lang="de-DE" sz="2000">
+                <a:solidFill>
+                  <a:schemeClr val="dk1"/>
+                </a:solidFill>
+                <a:latin typeface="Calisto MT"/>
+              </a:rPr>
+              <a:t>- Hamburger Button</a:t>
+            </a:r>
+          </a:p>
+          <a:p>
+            <a:pPr>
+              <a:lnSpc>
+                <a:spcPct val="110000"/>
+              </a:lnSpc>
+              <a:spcBef>
+                <a:spcPts val="1001"/>
+              </a:spcBef>
+              <a:tabLst>
+                <a:tab pos="0" algn="l"/>
+              </a:tabLst>
+            </a:pPr>
+            <a:endParaRPr lang="de-DE" sz="2000">
+              <a:solidFill>
+                <a:schemeClr val="dk1"/>
+              </a:solidFill>
+              <a:latin typeface="Calisto MT"/>
+            </a:endParaRPr>
+          </a:p>
+          <a:p>
+            <a:pPr>
+              <a:lnSpc>
+                <a:spcPct val="110000"/>
+              </a:lnSpc>
+              <a:spcBef>
+                <a:spcPts val="1001"/>
+              </a:spcBef>
+              <a:tabLst>
+                <a:tab pos="0" algn="l"/>
+              </a:tabLst>
+            </a:pPr>
+            <a:endParaRPr lang="de-DE" sz="2000" dirty="0">
+              <a:solidFill>
+                <a:schemeClr val="dk1"/>
+              </a:solidFill>
+              <a:latin typeface="Calisto MT"/>
+            </a:endParaRPr>
+          </a:p>
+        </p:txBody>
+      </p:sp>
+      <p:sp>
+        <p:nvSpPr>
+          <p:cNvPr id="8" name="PlaceHolder 2">
+            <a:extLst>
+              <a:ext uri="{FF2B5EF4-FFF2-40B4-BE49-F238E27FC236}">
+                <a16:creationId xmlns:a16="http://schemas.microsoft.com/office/drawing/2014/main" id="{481147F8-637A-3DBE-5A20-79AD5D3F2F87}"/>
+              </a:ext>
+            </a:extLst>
+          </p:cNvPr>
+          <p:cNvSpPr txBox="1">
+            <a:spLocks/>
+          </p:cNvSpPr>
+          <p:nvPr/>
+        </p:nvSpPr>
+        <p:spPr>
+          <a:xfrm>
+            <a:off x="700560" y="1800000"/>
+            <a:ext cx="5395440" cy="4161600"/>
+          </a:xfrm>
+          <a:prstGeom prst="rect">
+            <a:avLst/>
+          </a:prstGeom>
+          <a:noFill/>
+          <a:ln w="0">
+            <a:noFill/>
+          </a:ln>
+        </p:spPr>
+        <p:txBody>
+          <a:bodyPr lIns="91440" tIns="45720" rIns="91440" bIns="45720" anchor="t">
+            <a:normAutofit/>
+          </a:bodyPr>
+          <a:lstStyle>
+            <a:lvl1pPr algn="l" defTabSz="914400" rtl="0" eaLnBrk="1" latinLnBrk="0" hangingPunct="1">
+              <a:lnSpc>
+                <a:spcPct val="90000"/>
+              </a:lnSpc>
+              <a:spcBef>
+                <a:spcPct val="0"/>
+              </a:spcBef>
+              <a:buNone/>
+              <a:defRPr sz="4400" kern="1200">
+                <a:solidFill>
+                  <a:schemeClr val="tx1"/>
+                </a:solidFill>
+                <a:latin typeface="+mj-lt"/>
+                <a:ea typeface="+mj-ea"/>
+                <a:cs typeface="+mj-cs"/>
+              </a:defRPr>
+            </a:lvl1pPr>
+          </a:lstStyle>
+          <a:p>
+            <a:pPr>
+              <a:lnSpc>
+                <a:spcPct val="110000"/>
+              </a:lnSpc>
+              <a:spcBef>
+                <a:spcPts val="1001"/>
+              </a:spcBef>
+              <a:tabLst>
+                <a:tab pos="0" algn="l"/>
+              </a:tabLst>
+            </a:pPr>
+            <a:r>
+              <a:rPr lang="de-DE" sz="2000">
+                <a:solidFill>
+                  <a:schemeClr val="dk1"/>
+                </a:solidFill>
+                <a:latin typeface="Calisto MT"/>
+              </a:rPr>
+              <a:t>Benachrichtigungen:</a:t>
+            </a:r>
+          </a:p>
+          <a:p>
+            <a:pPr>
+              <a:lnSpc>
+                <a:spcPct val="110000"/>
+              </a:lnSpc>
+              <a:spcBef>
+                <a:spcPts val="1001"/>
+              </a:spcBef>
+              <a:tabLst>
+                <a:tab pos="0" algn="l"/>
+              </a:tabLst>
+            </a:pPr>
+            <a:endParaRPr lang="de-DE" sz="2000">
+              <a:solidFill>
+                <a:schemeClr val="dk1"/>
+              </a:solidFill>
+              <a:latin typeface="Calisto MT"/>
+            </a:endParaRPr>
+          </a:p>
+          <a:p>
+            <a:pPr>
+              <a:lnSpc>
+                <a:spcPct val="110000"/>
+              </a:lnSpc>
+              <a:spcBef>
+                <a:spcPts val="1001"/>
+              </a:spcBef>
+              <a:tabLst>
+                <a:tab pos="0" algn="l"/>
+              </a:tabLst>
+            </a:pPr>
+            <a:r>
+              <a:rPr lang="de-DE" sz="2000">
+                <a:solidFill>
+                  <a:schemeClr val="dk1"/>
+                </a:solidFill>
+                <a:latin typeface="Calisto MT"/>
+              </a:rPr>
+              <a:t>- Pop-up Fenster zum Scrollen</a:t>
+            </a:r>
+          </a:p>
+          <a:p>
+            <a:pPr>
+              <a:lnSpc>
+                <a:spcPct val="110000"/>
+              </a:lnSpc>
+              <a:spcBef>
+                <a:spcPts val="1001"/>
+              </a:spcBef>
+              <a:tabLst>
+                <a:tab pos="0" algn="l"/>
+              </a:tabLst>
+            </a:pPr>
+            <a:endParaRPr lang="de-DE" sz="2000">
+              <a:solidFill>
+                <a:schemeClr val="dk1"/>
+              </a:solidFill>
+              <a:latin typeface="Calisto MT"/>
+            </a:endParaRPr>
+          </a:p>
+          <a:p>
+            <a:pPr>
+              <a:lnSpc>
+                <a:spcPct val="110000"/>
+              </a:lnSpc>
+              <a:spcBef>
+                <a:spcPts val="1001"/>
+              </a:spcBef>
+              <a:tabLst>
+                <a:tab pos="0" algn="l"/>
+              </a:tabLst>
+            </a:pPr>
+            <a:endParaRPr lang="de-DE" sz="2000" dirty="0">
+              <a:solidFill>
+                <a:schemeClr val="dk1"/>
+              </a:solidFill>
+              <a:latin typeface="Calisto MT"/>
+            </a:endParaRPr>
+          </a:p>
+        </p:txBody>
+      </p:sp>
+      <p:sp>
+        <p:nvSpPr>
+          <p:cNvPr id="12" name="PlaceHolder 2">
+            <a:extLst>
+              <a:ext uri="{FF2B5EF4-FFF2-40B4-BE49-F238E27FC236}">
+                <a16:creationId xmlns:a16="http://schemas.microsoft.com/office/drawing/2014/main" id="{6C380532-4E7C-9104-4BEB-6E2F7A1FA09F}"/>
+              </a:ext>
+            </a:extLst>
+          </p:cNvPr>
+          <p:cNvSpPr txBox="1">
+            <a:spLocks/>
+          </p:cNvSpPr>
+          <p:nvPr/>
+        </p:nvSpPr>
+        <p:spPr>
+          <a:xfrm>
+            <a:off x="700560" y="1800000"/>
+            <a:ext cx="5395440" cy="4161600"/>
+          </a:xfrm>
+          <a:prstGeom prst="rect">
+            <a:avLst/>
+          </a:prstGeom>
+          <a:noFill/>
+          <a:ln w="0">
+            <a:noFill/>
+          </a:ln>
+        </p:spPr>
+        <p:txBody>
+          <a:bodyPr lIns="91440" tIns="45720" rIns="91440" bIns="45720" anchor="t">
+            <a:normAutofit/>
+          </a:bodyPr>
+          <a:lstStyle>
+            <a:lvl1pPr algn="l" defTabSz="914400" rtl="0" eaLnBrk="1" latinLnBrk="0" hangingPunct="1">
+              <a:lnSpc>
+                <a:spcPct val="90000"/>
+              </a:lnSpc>
+              <a:spcBef>
+                <a:spcPct val="0"/>
+              </a:spcBef>
+              <a:buNone/>
+              <a:defRPr sz="4400" kern="1200">
+                <a:solidFill>
+                  <a:schemeClr val="tx1"/>
+                </a:solidFill>
+                <a:latin typeface="+mj-lt"/>
+                <a:ea typeface="+mj-ea"/>
+                <a:cs typeface="+mj-cs"/>
+              </a:defRPr>
+            </a:lvl1pPr>
+          </a:lstStyle>
+          <a:p>
+            <a:pPr>
+              <a:lnSpc>
+                <a:spcPct val="110000"/>
+              </a:lnSpc>
+              <a:spcBef>
+                <a:spcPts val="1001"/>
+              </a:spcBef>
+              <a:tabLst>
+                <a:tab pos="0" algn="l"/>
+              </a:tabLst>
+            </a:pPr>
+            <a:r>
+              <a:rPr lang="de-DE" sz="2000">
+                <a:solidFill>
+                  <a:schemeClr val="dk1"/>
+                </a:solidFill>
+                <a:latin typeface="Calisto MT"/>
+              </a:rPr>
+              <a:t>Hamburger Menü:</a:t>
+            </a:r>
+          </a:p>
+          <a:p>
+            <a:pPr>
+              <a:lnSpc>
+                <a:spcPct val="110000"/>
+              </a:lnSpc>
+              <a:spcBef>
+                <a:spcPts val="1001"/>
+              </a:spcBef>
+              <a:tabLst>
+                <a:tab pos="0" algn="l"/>
+              </a:tabLst>
+            </a:pPr>
+            <a:endParaRPr lang="de-DE" sz="2000">
+              <a:solidFill>
+                <a:schemeClr val="dk1"/>
+              </a:solidFill>
+              <a:latin typeface="Calisto MT"/>
+            </a:endParaRPr>
+          </a:p>
+          <a:p>
+            <a:pPr>
+              <a:lnSpc>
+                <a:spcPct val="110000"/>
+              </a:lnSpc>
+              <a:spcBef>
+                <a:spcPts val="1001"/>
+              </a:spcBef>
+              <a:tabLst>
+                <a:tab pos="0" algn="l"/>
+              </a:tabLst>
+            </a:pPr>
+            <a:r>
+              <a:rPr lang="de-DE" sz="2000">
+                <a:solidFill>
+                  <a:schemeClr val="dk1"/>
+                </a:solidFill>
+                <a:latin typeface="Calisto MT"/>
+              </a:rPr>
+              <a:t>- Passwort änderbar</a:t>
+            </a:r>
+          </a:p>
+          <a:p>
+            <a:pPr>
+              <a:lnSpc>
+                <a:spcPct val="110000"/>
+              </a:lnSpc>
+              <a:spcBef>
+                <a:spcPts val="1001"/>
+              </a:spcBef>
+              <a:tabLst>
+                <a:tab pos="0" algn="l"/>
+              </a:tabLst>
+            </a:pPr>
+            <a:endParaRPr lang="de-DE" sz="2000">
+              <a:solidFill>
+                <a:schemeClr val="dk1"/>
+              </a:solidFill>
+              <a:latin typeface="Calisto MT"/>
+            </a:endParaRPr>
+          </a:p>
+          <a:p>
+            <a:pPr>
+              <a:lnSpc>
+                <a:spcPct val="110000"/>
+              </a:lnSpc>
+              <a:spcBef>
+                <a:spcPts val="1001"/>
+              </a:spcBef>
+              <a:tabLst>
+                <a:tab pos="0" algn="l"/>
+              </a:tabLst>
+            </a:pPr>
+            <a:r>
+              <a:rPr lang="de-DE" sz="2000">
+                <a:solidFill>
+                  <a:schemeClr val="dk1"/>
+                </a:solidFill>
+                <a:latin typeface="Calisto MT"/>
+              </a:rPr>
+              <a:t>- Sprachwechsel mit On/Off Button</a:t>
+            </a:r>
+          </a:p>
+          <a:p>
+            <a:pPr>
+              <a:lnSpc>
+                <a:spcPct val="110000"/>
+              </a:lnSpc>
+              <a:spcBef>
+                <a:spcPts val="1001"/>
+              </a:spcBef>
+              <a:tabLst>
+                <a:tab pos="0" algn="l"/>
+              </a:tabLst>
+            </a:pPr>
+            <a:endParaRPr lang="de-DE" sz="2000">
+              <a:solidFill>
+                <a:schemeClr val="dk1"/>
+              </a:solidFill>
+              <a:latin typeface="Calisto MT"/>
+            </a:endParaRPr>
+          </a:p>
+          <a:p>
+            <a:pPr>
+              <a:lnSpc>
+                <a:spcPct val="110000"/>
+              </a:lnSpc>
+              <a:spcBef>
+                <a:spcPts val="1001"/>
+              </a:spcBef>
+              <a:tabLst>
+                <a:tab pos="0" algn="l"/>
+              </a:tabLst>
+            </a:pPr>
+            <a:endParaRPr lang="de-DE" sz="2000" dirty="0">
+              <a:solidFill>
+                <a:schemeClr val="dk1"/>
+              </a:solidFill>
+              <a:latin typeface="Calisto MT"/>
+            </a:endParaRPr>
+          </a:p>
+        </p:txBody>
+      </p:sp>
     </p:spTree>
+    <p:extLst>
+      <p:ext uri="{BB962C8B-B14F-4D97-AF65-F5344CB8AC3E}">
+        <p14:creationId xmlns:p14="http://schemas.microsoft.com/office/powerpoint/2010/main" val="1424716114"/>
+      </p:ext>
+    </p:extLst>
   </p:cSld>
   <p:clrMapOvr>
     <a:masterClrMapping/>
   </p:clrMapOvr>
+  <p:timing>
+    <p:tnLst>
+      <p:par>
+        <p:cTn id="1" dur="indefinite" restart="never" nodeType="tmRoot">
+          <p:childTnLst>
+            <p:seq concurrent="1" nextAc="seek">
+              <p:cTn id="2" dur="indefinite" nodeType="mainSeq">
+                <p:childTnLst>
+                  <p:par>
+                    <p:cTn id="3" fill="hold">
+                      <p:stCondLst>
+                        <p:cond delay="indefinite"/>
+                      </p:stCondLst>
+                      <p:childTnLst>
+                        <p:par>
+                          <p:cTn id="4" fill="hold">
+                            <p:stCondLst>
+                              <p:cond delay="0"/>
+                            </p:stCondLst>
+                            <p:childTnLst>
+                              <p:par>
+                                <p:cTn id="5" presetID="1" presetClass="entr" presetSubtype="0" fill="hold" grpId="0" nodeType="clickEffect">
+                                  <p:stCondLst>
+                                    <p:cond delay="0"/>
+                                  </p:stCondLst>
+                                  <p:childTnLst>
+                                    <p:set>
+                                      <p:cBhvr>
+                                        <p:cTn id="6" dur="1" fill="hold">
+                                          <p:stCondLst>
+                                            <p:cond delay="0"/>
+                                          </p:stCondLst>
+                                        </p:cTn>
+                                        <p:tgtEl>
+                                          <p:spTgt spid="103">
+                                            <p:txEl>
+                                              <p:pRg st="0" end="0"/>
+                                            </p:txEl>
+                                          </p:spTgt>
+                                        </p:tgtEl>
+                                        <p:attrNameLst>
+                                          <p:attrName>style.visibility</p:attrName>
+                                        </p:attrNameLst>
+                                      </p:cBhvr>
+                                      <p:to>
+                                        <p:strVal val="visible"/>
+                                      </p:to>
+                                    </p:set>
+                                  </p:childTnLst>
+                                  <p:subTnLst>
+                                    <p:set>
+                                      <p:cBhvr override="childStyle">
+                                        <p:cTn dur="1" fill="hold" display="0" masterRel="nextClick" afterEffect="1"/>
+                                        <p:tgtEl>
+                                          <p:spTgt spid="103">
+                                            <p:txEl>
+                                              <p:pRg st="0" end="0"/>
+                                            </p:txEl>
+                                          </p:spTgt>
+                                        </p:tgtEl>
+                                        <p:attrNameLst>
+                                          <p:attrName>style.visibility</p:attrName>
+                                        </p:attrNameLst>
+                                      </p:cBhvr>
+                                      <p:to>
+                                        <p:strVal val="hidden"/>
+                                      </p:to>
+                                    </p:set>
+                                  </p:subTnLst>
+                                </p:cTn>
+                              </p:par>
+                              <p:par>
+                                <p:cTn id="7" presetID="1" presetClass="entr" presetSubtype="0" fill="hold" grpId="0" nodeType="withEffect">
+                                  <p:stCondLst>
+                                    <p:cond delay="0"/>
+                                  </p:stCondLst>
+                                  <p:childTnLst>
+                                    <p:set>
+                                      <p:cBhvr>
+                                        <p:cTn id="8" dur="1" fill="hold">
+                                          <p:stCondLst>
+                                            <p:cond delay="0"/>
+                                          </p:stCondLst>
+                                        </p:cTn>
+                                        <p:tgtEl>
+                                          <p:spTgt spid="103">
+                                            <p:txEl>
+                                              <p:pRg st="3" end="3"/>
+                                            </p:txEl>
+                                          </p:spTgt>
+                                        </p:tgtEl>
+                                        <p:attrNameLst>
+                                          <p:attrName>style.visibility</p:attrName>
+                                        </p:attrNameLst>
+                                      </p:cBhvr>
+                                      <p:to>
+                                        <p:strVal val="visible"/>
+                                      </p:to>
+                                    </p:set>
+                                  </p:childTnLst>
+                                  <p:subTnLst>
+                                    <p:set>
+                                      <p:cBhvr override="childStyle">
+                                        <p:cTn dur="1" fill="hold" display="0" masterRel="nextClick" afterEffect="1"/>
+                                        <p:tgtEl>
+                                          <p:spTgt spid="103">
+                                            <p:txEl>
+                                              <p:pRg st="3" end="3"/>
+                                            </p:txEl>
+                                          </p:spTgt>
+                                        </p:tgtEl>
+                                        <p:attrNameLst>
+                                          <p:attrName>style.visibility</p:attrName>
+                                        </p:attrNameLst>
+                                      </p:cBhvr>
+                                      <p:to>
+                                        <p:strVal val="hidden"/>
+                                      </p:to>
+                                    </p:set>
+                                  </p:subTnLst>
+                                </p:cTn>
+                              </p:par>
+                              <p:par>
+                                <p:cTn id="9" presetID="1" presetClass="entr" presetSubtype="0" fill="hold" grpId="0" nodeType="withEffect">
+                                  <p:stCondLst>
+                                    <p:cond delay="0"/>
+                                  </p:stCondLst>
+                                  <p:childTnLst>
+                                    <p:set>
+                                      <p:cBhvr>
+                                        <p:cTn id="10" dur="1" fill="hold">
+                                          <p:stCondLst>
+                                            <p:cond delay="0"/>
+                                          </p:stCondLst>
+                                        </p:cTn>
+                                        <p:tgtEl>
+                                          <p:spTgt spid="103">
+                                            <p:txEl>
+                                              <p:pRg st="5" end="5"/>
+                                            </p:txEl>
+                                          </p:spTgt>
+                                        </p:tgtEl>
+                                        <p:attrNameLst>
+                                          <p:attrName>style.visibility</p:attrName>
+                                        </p:attrNameLst>
+                                      </p:cBhvr>
+                                      <p:to>
+                                        <p:strVal val="visible"/>
+                                      </p:to>
+                                    </p:set>
+                                  </p:childTnLst>
+                                  <p:subTnLst>
+                                    <p:set>
+                                      <p:cBhvr override="childStyle">
+                                        <p:cTn dur="1" fill="hold" display="0" masterRel="nextClick" afterEffect="1"/>
+                                        <p:tgtEl>
+                                          <p:spTgt spid="103">
+                                            <p:txEl>
+                                              <p:pRg st="5" end="5"/>
+                                            </p:txEl>
+                                          </p:spTgt>
+                                        </p:tgtEl>
+                                        <p:attrNameLst>
+                                          <p:attrName>style.visibility</p:attrName>
+                                        </p:attrNameLst>
+                                      </p:cBhvr>
+                                      <p:to>
+                                        <p:strVal val="hidden"/>
+                                      </p:to>
+                                    </p:set>
+                                  </p:subTnLst>
+                                </p:cTn>
+                              </p:par>
+                              <p:par>
+                                <p:cTn id="11" presetID="1" presetClass="entr" presetSubtype="0" fill="hold" nodeType="withEffect">
+                                  <p:stCondLst>
+                                    <p:cond delay="0"/>
+                                  </p:stCondLst>
+                                  <p:childTnLst>
+                                    <p:set>
+                                      <p:cBhvr>
+                                        <p:cTn id="12" dur="1" fill="hold">
+                                          <p:stCondLst>
+                                            <p:cond delay="0"/>
+                                          </p:stCondLst>
+                                        </p:cTn>
+                                        <p:tgtEl>
+                                          <p:spTgt spid="104"/>
+                                        </p:tgtEl>
+                                        <p:attrNameLst>
+                                          <p:attrName>style.visibility</p:attrName>
+                                        </p:attrNameLst>
+                                      </p:cBhvr>
+                                      <p:to>
+                                        <p:strVal val="visible"/>
+                                      </p:to>
+                                    </p:set>
+                                  </p:childTnLst>
+                                </p:cTn>
+                              </p:par>
+                            </p:childTnLst>
+                          </p:cTn>
+                        </p:par>
+                      </p:childTnLst>
+                    </p:cTn>
+                  </p:par>
+                  <p:par>
+                    <p:cTn id="13" fill="hold">
+                      <p:stCondLst>
+                        <p:cond delay="indefinite"/>
+                      </p:stCondLst>
+                      <p:childTnLst>
+                        <p:par>
+                          <p:cTn id="14" fill="hold">
+                            <p:stCondLst>
+                              <p:cond delay="0"/>
+                            </p:stCondLst>
+                            <p:childTnLst>
+                              <p:par>
+                                <p:cTn id="15" presetID="1" presetClass="entr" presetSubtype="0" fill="hold" grpId="0" nodeType="clickEffect">
+                                  <p:stCondLst>
+                                    <p:cond delay="0"/>
+                                  </p:stCondLst>
+                                  <p:childTnLst>
+                                    <p:set>
+                                      <p:cBhvr>
+                                        <p:cTn id="16" dur="1" fill="hold">
+                                          <p:stCondLst>
+                                            <p:cond delay="0"/>
+                                          </p:stCondLst>
+                                        </p:cTn>
+                                        <p:tgtEl>
+                                          <p:spTgt spid="2"/>
+                                        </p:tgtEl>
+                                        <p:attrNameLst>
+                                          <p:attrName>style.visibility</p:attrName>
+                                        </p:attrNameLst>
+                                      </p:cBhvr>
+                                      <p:to>
+                                        <p:strVal val="visible"/>
+                                      </p:to>
+                                    </p:set>
+                                  </p:childTnLst>
+                                  <p:subTnLst>
+                                    <p:set>
+                                      <p:cBhvr override="childStyle">
+                                        <p:cTn dur="1" fill="hold" display="0" masterRel="nextClick" afterEffect="1"/>
+                                        <p:tgtEl>
+                                          <p:spTgt spid="2"/>
+                                        </p:tgtEl>
+                                        <p:attrNameLst>
+                                          <p:attrName>style.visibility</p:attrName>
+                                        </p:attrNameLst>
+                                      </p:cBhvr>
+                                      <p:to>
+                                        <p:strVal val="hidden"/>
+                                      </p:to>
+                                    </p:set>
+                                  </p:subTnLst>
+                                </p:cTn>
+                              </p:par>
+                              <p:par>
+                                <p:cTn id="17" presetID="9" presetClass="entr" presetSubtype="0" fill="hold" nodeType="withEffect">
+                                  <p:stCondLst>
+                                    <p:cond delay="0"/>
+                                  </p:stCondLst>
+                                  <p:childTnLst>
+                                    <p:set>
+                                      <p:cBhvr>
+                                        <p:cTn id="18" dur="1" fill="hold">
+                                          <p:stCondLst>
+                                            <p:cond delay="0"/>
+                                          </p:stCondLst>
+                                        </p:cTn>
+                                        <p:tgtEl>
+                                          <p:spTgt spid="3"/>
+                                        </p:tgtEl>
+                                        <p:attrNameLst>
+                                          <p:attrName>style.visibility</p:attrName>
+                                        </p:attrNameLst>
+                                      </p:cBhvr>
+                                      <p:to>
+                                        <p:strVal val="visible"/>
+                                      </p:to>
+                                    </p:set>
+                                    <p:animEffect transition="in" filter="dissolve">
+                                      <p:cBhvr>
+                                        <p:cTn id="19" dur="1000"/>
+                                        <p:tgtEl>
+                                          <p:spTgt spid="3"/>
+                                        </p:tgtEl>
+                                      </p:cBhvr>
+                                    </p:animEffect>
+                                  </p:childTnLst>
+                                </p:cTn>
+                              </p:par>
+                            </p:childTnLst>
+                          </p:cTn>
+                        </p:par>
+                      </p:childTnLst>
+                    </p:cTn>
+                  </p:par>
+                  <p:par>
+                    <p:cTn id="20" fill="hold">
+                      <p:stCondLst>
+                        <p:cond delay="indefinite"/>
+                      </p:stCondLst>
+                      <p:childTnLst>
+                        <p:par>
+                          <p:cTn id="21" fill="hold">
+                            <p:stCondLst>
+                              <p:cond delay="0"/>
+                            </p:stCondLst>
+                            <p:childTnLst>
+                              <p:par>
+                                <p:cTn id="22" presetID="1" presetClass="entr" presetSubtype="0" fill="hold" grpId="0" nodeType="clickEffect">
+                                  <p:stCondLst>
+                                    <p:cond delay="0"/>
+                                  </p:stCondLst>
+                                  <p:childTnLst>
+                                    <p:set>
+                                      <p:cBhvr>
+                                        <p:cTn id="23" dur="1" fill="hold">
+                                          <p:stCondLst>
+                                            <p:cond delay="0"/>
+                                          </p:stCondLst>
+                                        </p:cTn>
+                                        <p:tgtEl>
+                                          <p:spTgt spid="4"/>
+                                        </p:tgtEl>
+                                        <p:attrNameLst>
+                                          <p:attrName>style.visibility</p:attrName>
+                                        </p:attrNameLst>
+                                      </p:cBhvr>
+                                      <p:to>
+                                        <p:strVal val="visible"/>
+                                      </p:to>
+                                    </p:set>
+                                  </p:childTnLst>
+                                  <p:subTnLst>
+                                    <p:set>
+                                      <p:cBhvr override="childStyle">
+                                        <p:cTn dur="1" fill="hold" display="0" masterRel="nextClick" afterEffect="1"/>
+                                        <p:tgtEl>
+                                          <p:spTgt spid="4"/>
+                                        </p:tgtEl>
+                                        <p:attrNameLst>
+                                          <p:attrName>style.visibility</p:attrName>
+                                        </p:attrNameLst>
+                                      </p:cBhvr>
+                                      <p:to>
+                                        <p:strVal val="hidden"/>
+                                      </p:to>
+                                    </p:set>
+                                  </p:subTnLst>
+                                </p:cTn>
+                              </p:par>
+                              <p:par>
+                                <p:cTn id="24" presetID="9" presetClass="entr" presetSubtype="0" fill="hold" nodeType="withEffect">
+                                  <p:stCondLst>
+                                    <p:cond delay="0"/>
+                                  </p:stCondLst>
+                                  <p:childTnLst>
+                                    <p:set>
+                                      <p:cBhvr>
+                                        <p:cTn id="25" dur="1" fill="hold">
+                                          <p:stCondLst>
+                                            <p:cond delay="0"/>
+                                          </p:stCondLst>
+                                        </p:cTn>
+                                        <p:tgtEl>
+                                          <p:spTgt spid="5"/>
+                                        </p:tgtEl>
+                                        <p:attrNameLst>
+                                          <p:attrName>style.visibility</p:attrName>
+                                        </p:attrNameLst>
+                                      </p:cBhvr>
+                                      <p:to>
+                                        <p:strVal val="visible"/>
+                                      </p:to>
+                                    </p:set>
+                                    <p:animEffect transition="in" filter="dissolve">
+                                      <p:cBhvr>
+                                        <p:cTn id="26" dur="1000"/>
+                                        <p:tgtEl>
+                                          <p:spTgt spid="5"/>
+                                        </p:tgtEl>
+                                      </p:cBhvr>
+                                    </p:animEffect>
+                                  </p:childTnLst>
+                                </p:cTn>
+                              </p:par>
+                            </p:childTnLst>
+                          </p:cTn>
+                        </p:par>
+                      </p:childTnLst>
+                    </p:cTn>
+                  </p:par>
+                  <p:par>
+                    <p:cTn id="27" fill="hold">
+                      <p:stCondLst>
+                        <p:cond delay="indefinite"/>
+                      </p:stCondLst>
+                      <p:childTnLst>
+                        <p:par>
+                          <p:cTn id="28" fill="hold">
+                            <p:stCondLst>
+                              <p:cond delay="0"/>
+                            </p:stCondLst>
+                            <p:childTnLst>
+                              <p:par>
+                                <p:cTn id="29" presetID="1" presetClass="entr" presetSubtype="0" fill="hold" grpId="0" nodeType="clickEffect">
+                                  <p:stCondLst>
+                                    <p:cond delay="0"/>
+                                  </p:stCondLst>
+                                  <p:childTnLst>
+                                    <p:set>
+                                      <p:cBhvr>
+                                        <p:cTn id="30" dur="1" fill="hold">
+                                          <p:stCondLst>
+                                            <p:cond delay="0"/>
+                                          </p:stCondLst>
+                                        </p:cTn>
+                                        <p:tgtEl>
+                                          <p:spTgt spid="6"/>
+                                        </p:tgtEl>
+                                        <p:attrNameLst>
+                                          <p:attrName>style.visibility</p:attrName>
+                                        </p:attrNameLst>
+                                      </p:cBhvr>
+                                      <p:to>
+                                        <p:strVal val="visible"/>
+                                      </p:to>
+                                    </p:set>
+                                  </p:childTnLst>
+                                  <p:subTnLst>
+                                    <p:set>
+                                      <p:cBhvr override="childStyle">
+                                        <p:cTn dur="1" fill="hold" display="0" masterRel="nextClick" afterEffect="1"/>
+                                        <p:tgtEl>
+                                          <p:spTgt spid="6"/>
+                                        </p:tgtEl>
+                                        <p:attrNameLst>
+                                          <p:attrName>style.visibility</p:attrName>
+                                        </p:attrNameLst>
+                                      </p:cBhvr>
+                                      <p:to>
+                                        <p:strVal val="hidden"/>
+                                      </p:to>
+                                    </p:set>
+                                  </p:subTnLst>
+                                </p:cTn>
+                              </p:par>
+                              <p:par>
+                                <p:cTn id="31" presetID="9" presetClass="entr" presetSubtype="0" fill="hold" nodeType="withEffect">
+                                  <p:stCondLst>
+                                    <p:cond delay="0"/>
+                                  </p:stCondLst>
+                                  <p:childTnLst>
+                                    <p:set>
+                                      <p:cBhvr>
+                                        <p:cTn id="32" dur="1" fill="hold">
+                                          <p:stCondLst>
+                                            <p:cond delay="0"/>
+                                          </p:stCondLst>
+                                        </p:cTn>
+                                        <p:tgtEl>
+                                          <p:spTgt spid="7"/>
+                                        </p:tgtEl>
+                                        <p:attrNameLst>
+                                          <p:attrName>style.visibility</p:attrName>
+                                        </p:attrNameLst>
+                                      </p:cBhvr>
+                                      <p:to>
+                                        <p:strVal val="visible"/>
+                                      </p:to>
+                                    </p:set>
+                                    <p:animEffect transition="in" filter="dissolve">
+                                      <p:cBhvr>
+                                        <p:cTn id="33" dur="1000"/>
+                                        <p:tgtEl>
+                                          <p:spTgt spid="7"/>
+                                        </p:tgtEl>
+                                      </p:cBhvr>
+                                    </p:animEffect>
+                                  </p:childTnLst>
+                                </p:cTn>
+                              </p:par>
+                            </p:childTnLst>
+                          </p:cTn>
+                        </p:par>
+                      </p:childTnLst>
+                    </p:cTn>
+                  </p:par>
+                  <p:par>
+                    <p:cTn id="34" fill="hold">
+                      <p:stCondLst>
+                        <p:cond delay="indefinite"/>
+                      </p:stCondLst>
+                      <p:childTnLst>
+                        <p:par>
+                          <p:cTn id="35" fill="hold">
+                            <p:stCondLst>
+                              <p:cond delay="0"/>
+                            </p:stCondLst>
+                            <p:childTnLst>
+                              <p:par>
+                                <p:cTn id="36" presetID="1" presetClass="entr" presetSubtype="0" fill="hold" grpId="0" nodeType="clickEffect">
+                                  <p:stCondLst>
+                                    <p:cond delay="0"/>
+                                  </p:stCondLst>
+                                  <p:childTnLst>
+                                    <p:set>
+                                      <p:cBhvr>
+                                        <p:cTn id="37" dur="1" fill="hold">
+                                          <p:stCondLst>
+                                            <p:cond delay="0"/>
+                                          </p:stCondLst>
+                                        </p:cTn>
+                                        <p:tgtEl>
+                                          <p:spTgt spid="8"/>
+                                        </p:tgtEl>
+                                        <p:attrNameLst>
+                                          <p:attrName>style.visibility</p:attrName>
+                                        </p:attrNameLst>
+                                      </p:cBhvr>
+                                      <p:to>
+                                        <p:strVal val="visible"/>
+                                      </p:to>
+                                    </p:set>
+                                  </p:childTnLst>
+                                  <p:subTnLst>
+                                    <p:set>
+                                      <p:cBhvr override="childStyle">
+                                        <p:cTn dur="1" fill="hold" display="0" masterRel="nextClick" afterEffect="1"/>
+                                        <p:tgtEl>
+                                          <p:spTgt spid="8"/>
+                                        </p:tgtEl>
+                                        <p:attrNameLst>
+                                          <p:attrName>style.visibility</p:attrName>
+                                        </p:attrNameLst>
+                                      </p:cBhvr>
+                                      <p:to>
+                                        <p:strVal val="hidden"/>
+                                      </p:to>
+                                    </p:set>
+                                  </p:subTnLst>
+                                </p:cTn>
+                              </p:par>
+                              <p:par>
+                                <p:cTn id="38" presetID="9" presetClass="entr" presetSubtype="0" fill="hold" nodeType="withEffect">
+                                  <p:stCondLst>
+                                    <p:cond delay="0"/>
+                                  </p:stCondLst>
+                                  <p:childTnLst>
+                                    <p:set>
+                                      <p:cBhvr>
+                                        <p:cTn id="39" dur="1" fill="hold">
+                                          <p:stCondLst>
+                                            <p:cond delay="0"/>
+                                          </p:stCondLst>
+                                        </p:cTn>
+                                        <p:tgtEl>
+                                          <p:spTgt spid="9"/>
+                                        </p:tgtEl>
+                                        <p:attrNameLst>
+                                          <p:attrName>style.visibility</p:attrName>
+                                        </p:attrNameLst>
+                                      </p:cBhvr>
+                                      <p:to>
+                                        <p:strVal val="visible"/>
+                                      </p:to>
+                                    </p:set>
+                                    <p:animEffect transition="in" filter="dissolve">
+                                      <p:cBhvr>
+                                        <p:cTn id="40" dur="1000"/>
+                                        <p:tgtEl>
+                                          <p:spTgt spid="9"/>
+                                        </p:tgtEl>
+                                      </p:cBhvr>
+                                    </p:animEffect>
+                                  </p:childTnLst>
+                                </p:cTn>
+                              </p:par>
+                            </p:childTnLst>
+                          </p:cTn>
+                        </p:par>
+                      </p:childTnLst>
+                    </p:cTn>
+                  </p:par>
+                  <p:par>
+                    <p:cTn id="41" fill="hold">
+                      <p:stCondLst>
+                        <p:cond delay="indefinite"/>
+                      </p:stCondLst>
+                      <p:childTnLst>
+                        <p:par>
+                          <p:cTn id="42" fill="hold">
+                            <p:stCondLst>
+                              <p:cond delay="0"/>
+                            </p:stCondLst>
+                            <p:childTnLst>
+                              <p:par>
+                                <p:cTn id="43" presetID="9" presetClass="entr" presetSubtype="0" fill="hold" grpId="0" nodeType="clickEffect">
+                                  <p:stCondLst>
+                                    <p:cond delay="0"/>
+                                  </p:stCondLst>
+                                  <p:childTnLst>
+                                    <p:set>
+                                      <p:cBhvr>
+                                        <p:cTn id="44" dur="1" fill="hold">
+                                          <p:stCondLst>
+                                            <p:cond delay="0"/>
+                                          </p:stCondLst>
+                                        </p:cTn>
+                                        <p:tgtEl>
+                                          <p:spTgt spid="12"/>
+                                        </p:tgtEl>
+                                        <p:attrNameLst>
+                                          <p:attrName>style.visibility</p:attrName>
+                                        </p:attrNameLst>
+                                      </p:cBhvr>
+                                      <p:to>
+                                        <p:strVal val="visible"/>
+                                      </p:to>
+                                    </p:set>
+                                    <p:animEffect transition="in" filter="dissolve">
+                                      <p:cBhvr>
+                                        <p:cTn id="45" dur="500"/>
+                                        <p:tgtEl>
+                                          <p:spTgt spid="12"/>
+                                        </p:tgtEl>
+                                      </p:cBhvr>
+                                    </p:animEffect>
+                                  </p:childTnLst>
+                                  <p:subTnLst>
+                                    <p:set>
+                                      <p:cBhvr override="childStyle">
+                                        <p:cTn dur="1" fill="hold" display="0" masterRel="nextClick" afterEffect="1"/>
+                                        <p:tgtEl>
+                                          <p:spTgt spid="12"/>
+                                        </p:tgtEl>
+                                        <p:attrNameLst>
+                                          <p:attrName>style.visibility</p:attrName>
+                                        </p:attrNameLst>
+                                      </p:cBhvr>
+                                      <p:to>
+                                        <p:strVal val="hidden"/>
+                                      </p:to>
+                                    </p:set>
+                                  </p:subTnLst>
+                                </p:cTn>
+                              </p:par>
+                              <p:par>
+                                <p:cTn id="46" presetID="9" presetClass="entr" presetSubtype="0" fill="hold" nodeType="withEffect">
+                                  <p:stCondLst>
+                                    <p:cond delay="0"/>
+                                  </p:stCondLst>
+                                  <p:childTnLst>
+                                    <p:set>
+                                      <p:cBhvr>
+                                        <p:cTn id="47" dur="1" fill="hold">
+                                          <p:stCondLst>
+                                            <p:cond delay="0"/>
+                                          </p:stCondLst>
+                                        </p:cTn>
+                                        <p:tgtEl>
+                                          <p:spTgt spid="13"/>
+                                        </p:tgtEl>
+                                        <p:attrNameLst>
+                                          <p:attrName>style.visibility</p:attrName>
+                                        </p:attrNameLst>
+                                      </p:cBhvr>
+                                      <p:to>
+                                        <p:strVal val="visible"/>
+                                      </p:to>
+                                    </p:set>
+                                    <p:animEffect transition="in" filter="dissolve">
+                                      <p:cBhvr>
+                                        <p:cTn id="48" dur="500"/>
+                                        <p:tgtEl>
+                                          <p:spTgt spid="13"/>
+                                        </p:tgtEl>
+                                      </p:cBhvr>
+                                    </p:animEffect>
+                                  </p:childTnLst>
+                                </p:cTn>
+                              </p:par>
+                            </p:childTnLst>
+                          </p:cTn>
+                        </p:par>
+                      </p:childTnLst>
+                    </p:cTn>
+                  </p:par>
+                </p:childTnLst>
+              </p:cTn>
+              <p:prevCondLst>
+                <p:cond evt="onPrev" delay="0">
+                  <p:tgtEl>
+                    <p:sldTgt/>
+                  </p:tgtEl>
+                </p:cond>
+              </p:prevCondLst>
+              <p:nextCondLst>
+                <p:cond evt="onNext" delay="0">
+                  <p:tgtEl>
+                    <p:sldTgt/>
+                  </p:tgtEl>
+                </p:cond>
+              </p:nextCondLst>
+            </p:seq>
+          </p:childTnLst>
+        </p:cTn>
+      </p:par>
+    </p:tnLst>
+    <p:bldLst>
+      <p:bldP spid="103" grpId="0" build="allAtOnce"/>
+      <p:bldP spid="2" grpId="0"/>
+      <p:bldP spid="4" grpId="0"/>
+      <p:bldP spid="6" grpId="0"/>
+      <p:bldP spid="8" grpId="0"/>
+      <p:bldP spid="12" grpId="0"/>
+    </p:bldLst>
+  </p:timing>
 </p:sld>
 </file>
 
@@ -12307,7 +14356,7 @@
       </p:grpSpPr>
       <p:sp>
         <p:nvSpPr>
-          <p:cNvPr id="137" name="PlaceHolder 1"/>
+          <p:cNvPr id="125" name="PlaceHolder 1"/>
           <p:cNvSpPr>
             <a:spLocks noGrp="1"/>
           </p:cNvSpPr>
@@ -12318,7 +14367,7 @@
         <p:spPr>
           <a:xfrm>
             <a:off x="700560" y="914400"/>
-            <a:ext cx="10690920" cy="1307160"/>
+            <a:ext cx="10999440" cy="1307160"/>
           </a:xfrm>
           <a:prstGeom prst="rect">
             <a:avLst/>
@@ -12341,7 +14390,16 @@
               <a:buNone/>
             </a:pPr>
             <a:r>
-              <a:rPr lang="de-DE" sz="4000" b="0" u="none" strike="noStrike" cap="all" spc="31">
+              <a:rPr lang="de-DE" sz="4000" cap="all" spc="31" dirty="0">
+                <a:solidFill>
+                  <a:schemeClr val="dk1"/>
+                </a:solidFill>
+                <a:latin typeface="Univers Condensed"/>
+              </a:rPr>
+              <a:t>5</a:t>
+            </a:r>
+            <a:r>
+              <a:rPr lang="de-DE" sz="4000" b="0" u="none" strike="noStrike" cap="all" spc="31" dirty="0">
                 <a:solidFill>
                   <a:schemeClr val="dk1"/>
                 </a:solidFill>
@@ -12349,9 +14407,9 @@
                 <a:uFillTx/>
                 <a:latin typeface="Univers Condensed"/>
               </a:rPr>
-              <a:t>4. Zeitplanung und Budgetanalyse</a:t>
+              <a:t>. Wireframes – Control Panel</a:t>
             </a:r>
-            <a:endParaRPr lang="de-DE" sz="4000" b="0" u="none" strike="noStrike">
+            <a:endParaRPr lang="de-DE" sz="4000" b="0" u="none" strike="noStrike" dirty="0">
               <a:solidFill>
                 <a:schemeClr val="dk1"/>
               </a:solidFill>
@@ -12362,26 +14420,282 @@
           </a:p>
         </p:txBody>
       </p:sp>
+      <p:sp>
+        <p:nvSpPr>
+          <p:cNvPr id="126" name="PlaceHolder 2"/>
+          <p:cNvSpPr>
+            <a:spLocks noGrp="1"/>
+          </p:cNvSpPr>
+          <p:nvPr>
+            <p:ph/>
+          </p:nvPr>
+        </p:nvSpPr>
+        <p:spPr>
+          <a:xfrm>
+            <a:off x="700560" y="1800000"/>
+            <a:ext cx="10690920" cy="4161600"/>
+          </a:xfrm>
+          <a:prstGeom prst="rect">
+            <a:avLst/>
+          </a:prstGeom>
+          <a:noFill/>
+          <a:ln w="0">
+            <a:noFill/>
+          </a:ln>
+        </p:spPr>
+        <p:txBody>
+          <a:bodyPr lIns="91440" tIns="45720" rIns="91440" bIns="45720" anchor="t">
+            <a:normAutofit/>
+          </a:bodyPr>
+          <a:lstStyle/>
+          <a:p>
+            <a:pPr indent="0" defTabSz="914400">
+              <a:lnSpc>
+                <a:spcPct val="110000"/>
+              </a:lnSpc>
+              <a:spcBef>
+                <a:spcPts val="1001"/>
+              </a:spcBef>
+              <a:buNone/>
+              <a:tabLst>
+                <a:tab pos="0" algn="l"/>
+              </a:tabLst>
+            </a:pPr>
+            <a:r>
+              <a:rPr lang="de-DE" sz="2000" b="0" u="none" strike="noStrike">
+                <a:solidFill>
+                  <a:schemeClr val="dk1"/>
+                </a:solidFill>
+                <a:effectLst/>
+                <a:uFillTx/>
+                <a:latin typeface="Calisto MT"/>
+              </a:rPr>
+              <a:t>Control-Panel:</a:t>
+            </a:r>
+          </a:p>
+          <a:p>
+            <a:pPr indent="0" defTabSz="914400">
+              <a:lnSpc>
+                <a:spcPct val="110000"/>
+              </a:lnSpc>
+              <a:spcBef>
+                <a:spcPts val="1001"/>
+              </a:spcBef>
+              <a:buNone/>
+              <a:tabLst>
+                <a:tab pos="0" algn="l"/>
+              </a:tabLst>
+            </a:pPr>
+            <a:endParaRPr lang="de-DE" sz="2000" b="0" u="none" strike="noStrike">
+              <a:solidFill>
+                <a:schemeClr val="dk1"/>
+              </a:solidFill>
+              <a:effectLst/>
+              <a:uFillTx/>
+              <a:latin typeface="Calisto MT"/>
+            </a:endParaRPr>
+          </a:p>
+          <a:p>
+            <a:pPr indent="0" defTabSz="914400">
+              <a:lnSpc>
+                <a:spcPct val="110000"/>
+              </a:lnSpc>
+              <a:spcBef>
+                <a:spcPts val="1001"/>
+              </a:spcBef>
+              <a:buNone/>
+              <a:tabLst>
+                <a:tab pos="0" algn="l"/>
+              </a:tabLst>
+            </a:pPr>
+            <a:r>
+              <a:rPr lang="de-DE" sz="2000" b="0" u="none" strike="noStrike">
+                <a:solidFill>
+                  <a:schemeClr val="dk1"/>
+                </a:solidFill>
+                <a:effectLst/>
+                <a:uFillTx/>
+                <a:latin typeface="Calisto MT"/>
+              </a:rPr>
+              <a:t>- Navigationsbar gleich</a:t>
+            </a:r>
+          </a:p>
+          <a:p>
+            <a:pPr indent="0" defTabSz="914400">
+              <a:lnSpc>
+                <a:spcPct val="110000"/>
+              </a:lnSpc>
+              <a:spcBef>
+                <a:spcPts val="1001"/>
+              </a:spcBef>
+              <a:buNone/>
+              <a:tabLst>
+                <a:tab pos="0" algn="l"/>
+              </a:tabLst>
+            </a:pPr>
+            <a:endParaRPr lang="de-DE" sz="2000" b="0" u="none" strike="noStrike">
+              <a:solidFill>
+                <a:schemeClr val="dk1"/>
+              </a:solidFill>
+              <a:effectLst/>
+              <a:uFillTx/>
+              <a:latin typeface="Calisto MT"/>
+            </a:endParaRPr>
+          </a:p>
+          <a:p>
+            <a:pPr indent="0" defTabSz="914400">
+              <a:lnSpc>
+                <a:spcPct val="110000"/>
+              </a:lnSpc>
+              <a:spcBef>
+                <a:spcPts val="1001"/>
+              </a:spcBef>
+              <a:buNone/>
+              <a:tabLst>
+                <a:tab pos="0" algn="l"/>
+              </a:tabLst>
+            </a:pPr>
+            <a:r>
+              <a:rPr lang="de-DE" sz="2000" b="0" u="none" strike="noStrike">
+                <a:solidFill>
+                  <a:schemeClr val="dk1"/>
+                </a:solidFill>
+                <a:effectLst/>
+                <a:uFillTx/>
+                <a:latin typeface="Calisto MT"/>
+              </a:rPr>
+              <a:t>- Übersicht erstellter Benutzer</a:t>
+            </a:r>
+          </a:p>
+          <a:p>
+            <a:pPr indent="0" defTabSz="914400">
+              <a:lnSpc>
+                <a:spcPct val="110000"/>
+              </a:lnSpc>
+              <a:spcBef>
+                <a:spcPts val="1001"/>
+              </a:spcBef>
+              <a:buNone/>
+              <a:tabLst>
+                <a:tab pos="0" algn="l"/>
+              </a:tabLst>
+            </a:pPr>
+            <a:endParaRPr lang="de-DE" sz="2000" b="0" u="none" strike="noStrike">
+              <a:solidFill>
+                <a:schemeClr val="dk1"/>
+              </a:solidFill>
+              <a:effectLst/>
+              <a:uFillTx/>
+              <a:latin typeface="Calisto MT"/>
+            </a:endParaRPr>
+          </a:p>
+          <a:p>
+            <a:pPr indent="0" defTabSz="914400">
+              <a:lnSpc>
+                <a:spcPct val="110000"/>
+              </a:lnSpc>
+              <a:spcBef>
+                <a:spcPts val="1001"/>
+              </a:spcBef>
+              <a:buNone/>
+              <a:tabLst>
+                <a:tab pos="0" algn="l"/>
+              </a:tabLst>
+            </a:pPr>
+            <a:r>
+              <a:rPr lang="de-DE" sz="2000" b="0" u="none" strike="noStrike">
+                <a:solidFill>
+                  <a:schemeClr val="dk1"/>
+                </a:solidFill>
+                <a:effectLst/>
+                <a:uFillTx/>
+                <a:latin typeface="Calisto MT"/>
+              </a:rPr>
+              <a:t>- Hinzufügen und Löschen der Nutzer</a:t>
+            </a:r>
+          </a:p>
+          <a:p>
+            <a:pPr indent="0" defTabSz="914400">
+              <a:lnSpc>
+                <a:spcPct val="110000"/>
+              </a:lnSpc>
+              <a:spcBef>
+                <a:spcPts val="1001"/>
+              </a:spcBef>
+              <a:buNone/>
+              <a:tabLst>
+                <a:tab pos="0" algn="l"/>
+              </a:tabLst>
+            </a:pPr>
+            <a:endParaRPr lang="de-DE" sz="2000" b="0" u="none" strike="noStrike">
+              <a:solidFill>
+                <a:schemeClr val="dk1"/>
+              </a:solidFill>
+              <a:effectLst/>
+              <a:uFillTx/>
+              <a:latin typeface="Calisto MT"/>
+            </a:endParaRPr>
+          </a:p>
+          <a:p>
+            <a:pPr indent="0" defTabSz="914400">
+              <a:lnSpc>
+                <a:spcPct val="110000"/>
+              </a:lnSpc>
+              <a:spcBef>
+                <a:spcPts val="1001"/>
+              </a:spcBef>
+              <a:buNone/>
+              <a:tabLst>
+                <a:tab pos="0" algn="l"/>
+              </a:tabLst>
+            </a:pPr>
+            <a:endParaRPr lang="de-DE" sz="2000" b="0" u="none" strike="noStrike">
+              <a:solidFill>
+                <a:schemeClr val="dk1"/>
+              </a:solidFill>
+              <a:effectLst/>
+              <a:uFillTx/>
+              <a:latin typeface="Calisto MT"/>
+            </a:endParaRPr>
+          </a:p>
+          <a:p>
+            <a:pPr indent="0" defTabSz="914400">
+              <a:lnSpc>
+                <a:spcPct val="110000"/>
+              </a:lnSpc>
+              <a:spcBef>
+                <a:spcPts val="1001"/>
+              </a:spcBef>
+              <a:buNone/>
+              <a:tabLst>
+                <a:tab pos="0" algn="l"/>
+              </a:tabLst>
+            </a:pPr>
+            <a:endParaRPr lang="de-DE" sz="2000" b="0" u="none" strike="noStrike">
+              <a:solidFill>
+                <a:schemeClr val="dk1"/>
+              </a:solidFill>
+              <a:effectLst/>
+              <a:uFillTx/>
+              <a:latin typeface="Calisto MT"/>
+            </a:endParaRPr>
+          </a:p>
+        </p:txBody>
+      </p:sp>
       <p:pic>
         <p:nvPicPr>
-          <p:cNvPr id="138" name="Grafik 11"/>
+          <p:cNvPr id="130" name="Grafik 129"/>
           <p:cNvPicPr/>
           <p:nvPr/>
         </p:nvPicPr>
         <p:blipFill>
-          <a:blip r:embed="rId2">
-            <a:extLst>
-              <a:ext uri="{96DAC541-7B7A-43D3-8B79-37D633B846F1}">
-                <asvg:svgBlip xmlns:asvg="http://schemas.microsoft.com/office/drawing/2016/SVG/main" r:embed="rId3"/>
-              </a:ext>
-            </a:extLst>
-          </a:blip>
+          <a:blip r:embed="rId2"/>
           <a:stretch/>
         </p:blipFill>
         <p:spPr>
           <a:xfrm>
-            <a:off x="393840" y="2968560"/>
-            <a:ext cx="11632320" cy="4146120"/>
+            <a:off x="5731440" y="1800000"/>
+            <a:ext cx="5760000" cy="4071960"/>
           </a:xfrm>
           <a:prstGeom prst="rect">
             <a:avLst/>
@@ -12453,7 +14767,16 @@
               <a:buNone/>
             </a:pPr>
             <a:r>
-              <a:rPr lang="de-DE" sz="4000" b="0" u="none" strike="noStrike" cap="all" spc="31">
+              <a:rPr lang="de-DE" sz="4000" cap="all" spc="31" dirty="0">
+                <a:solidFill>
+                  <a:schemeClr val="dk1"/>
+                </a:solidFill>
+                <a:latin typeface="Univers Condensed"/>
+              </a:rPr>
+              <a:t>6</a:t>
+            </a:r>
+            <a:r>
+              <a:rPr lang="de-DE" sz="4000" b="0" u="none" strike="noStrike" cap="all" spc="31" dirty="0">
                 <a:solidFill>
                   <a:schemeClr val="dk1"/>
                 </a:solidFill>
@@ -12461,9 +14784,9 @@
                 <a:uFillTx/>
                 <a:latin typeface="Univers Condensed"/>
               </a:rPr>
-              <a:t>5. Qualitätssicherung</a:t>
+              <a:t>. Qualitätssicherung</a:t>
             </a:r>
-            <a:endParaRPr lang="de-DE" sz="4000" b="0" u="none" strike="noStrike">
+            <a:endParaRPr lang="de-DE" sz="4000" b="0" u="none" strike="noStrike" dirty="0">
               <a:solidFill>
                 <a:schemeClr val="dk1"/>
               </a:solidFill>
@@ -12517,7 +14840,7 @@
               <a:buChar char="•"/>
             </a:pPr>
             <a:r>
-              <a:rPr lang="de-DE" sz="2000" b="0" u="none" strike="noStrike">
+              <a:rPr lang="de-DE" sz="2000" b="0" u="none" strike="noStrike" dirty="0">
                 <a:solidFill>
                   <a:schemeClr val="dk1"/>
                 </a:solidFill>
@@ -12543,7 +14866,7 @@
               <a:buChar char="•"/>
             </a:pPr>
             <a:r>
-              <a:rPr lang="de-DE" sz="1800" b="0" u="none" strike="noStrike">
+              <a:rPr lang="de-DE" sz="1800" b="0" u="none" strike="noStrike" dirty="0">
                 <a:solidFill>
                   <a:schemeClr val="dk1"/>
                 </a:solidFill>
@@ -12569,7 +14892,7 @@
               <a:buChar char="•"/>
             </a:pPr>
             <a:r>
-              <a:rPr lang="de-DE" sz="2000" b="0" u="none" strike="noStrike">
+              <a:rPr lang="de-DE" sz="2000" b="0" u="none" strike="noStrike" dirty="0">
                 <a:solidFill>
                   <a:schemeClr val="dk1"/>
                 </a:solidFill>
@@ -12579,6 +14902,47 @@
               </a:rPr>
               <a:t>Code Tests</a:t>
             </a:r>
+          </a:p>
+          <a:p>
+            <a:pPr marL="228600" indent="-228600" defTabSz="914400">
+              <a:lnSpc>
+                <a:spcPct val="110000"/>
+              </a:lnSpc>
+              <a:spcBef>
+                <a:spcPts val="1001"/>
+              </a:spcBef>
+              <a:buClr>
+                <a:srgbClr val="000000"/>
+              </a:buClr>
+              <a:buFont typeface="Arial"/>
+              <a:buChar char="•"/>
+            </a:pPr>
+            <a:r>
+              <a:rPr lang="de-DE" sz="2000" dirty="0">
+                <a:solidFill>
+                  <a:schemeClr val="dk1"/>
+                </a:solidFill>
+                <a:latin typeface="Calisto MT"/>
+              </a:rPr>
+              <a:t>Arbeit mit </a:t>
+            </a:r>
+            <a:r>
+              <a:rPr lang="de-DE" sz="2000" dirty="0" err="1">
+                <a:solidFill>
+                  <a:schemeClr val="dk1"/>
+                </a:solidFill>
+                <a:latin typeface="Calisto MT"/>
+              </a:rPr>
+              <a:t>Trello</a:t>
+            </a:r>
+            <a:endParaRPr lang="de-DE" sz="2000" b="0" u="none" strike="noStrike" dirty="0">
+              <a:solidFill>
+                <a:schemeClr val="dk1"/>
+              </a:solidFill>
+              <a:effectLst/>
+              <a:uFillTx/>
+              <a:latin typeface="Calisto MT"/>
+            </a:endParaRPr>
           </a:p>
         </p:txBody>
       </p:sp>
@@ -12667,7 +15031,16 @@
               <a:buNone/>
             </a:pPr>
             <a:r>
-              <a:rPr lang="de-DE" sz="4000" b="0" u="none" strike="noStrike" cap="all" spc="31">
+              <a:rPr lang="de-DE" sz="4000" cap="all" spc="31" dirty="0">
+                <a:solidFill>
+                  <a:schemeClr val="dk1"/>
+                </a:solidFill>
+                <a:latin typeface="Univers Condensed"/>
+              </a:rPr>
+              <a:t>7</a:t>
+            </a:r>
+            <a:r>
+              <a:rPr lang="de-DE" sz="4000" b="0" u="none" strike="noStrike" cap="all" spc="31" dirty="0">
                 <a:solidFill>
                   <a:schemeClr val="dk1"/>
                 </a:solidFill>
@@ -12675,9 +15048,9 @@
                 <a:uFillTx/>
                 <a:latin typeface="Univers Condensed"/>
               </a:rPr>
-              <a:t>6. Risikomanagement</a:t>
+              <a:t>. Risikomanagement</a:t>
             </a:r>
-            <a:endParaRPr lang="de-DE" sz="4000" b="0" u="none" strike="noStrike">
+            <a:endParaRPr lang="de-DE" sz="4000" b="0" u="none" strike="noStrike" dirty="0">
               <a:solidFill>
                 <a:schemeClr val="dk1"/>
               </a:solidFill>
@@ -14936,7 +17309,7 @@
           <a:p>
             <a:r>
               <a:rPr lang="de-DE" dirty="0"/>
-              <a:t>7. Schulungs-/Kommunikationskonzept</a:t>
+              <a:t>8. Schulungs-/Kommunikationskonzept</a:t>
             </a:r>
           </a:p>
         </p:txBody>
@@ -16278,7 +18651,7 @@
           <a:p>
             <a:r>
               <a:rPr lang="de-DE" dirty="0"/>
-              <a:t>7. Schulungs-/Kommunikationskonzept</a:t>
+              <a:t>8. Schulungs-/Kommunikationskonzept</a:t>
             </a:r>
           </a:p>
         </p:txBody>
@@ -17703,6 +20076,15 @@
               <a:buNone/>
             </a:pPr>
             <a:r>
+              <a:rPr lang="de-DE" sz="4000" cap="all" spc="31" dirty="0">
+                <a:solidFill>
+                  <a:schemeClr val="dk1"/>
+                </a:solidFill>
+                <a:latin typeface="Univers Condensed"/>
+              </a:rPr>
+              <a:t>9</a:t>
+            </a:r>
+            <a:r>
               <a:rPr lang="de-DE" sz="4000" b="0" u="none" strike="noStrike" cap="all" spc="31" dirty="0">
                 <a:solidFill>
                   <a:schemeClr val="dk1"/>
@@ -17711,7 +20093,7 @@
                 <a:uFillTx/>
                 <a:latin typeface="Univers Condensed"/>
               </a:rPr>
-              <a:t>8. Live Demo</a:t>
+              <a:t>. Live Demo</a:t>
             </a:r>
             <a:endParaRPr lang="de-DE" sz="4000" b="0" u="none" strike="noStrike" dirty="0">
               <a:solidFill>
@@ -17997,6 +20379,15 @@
               <a:buNone/>
             </a:pPr>
             <a:r>
+              <a:rPr lang="de-DE" sz="4000" cap="all" spc="31" dirty="0">
+                <a:solidFill>
+                  <a:schemeClr val="dk1"/>
+                </a:solidFill>
+                <a:latin typeface="Univers Condensed"/>
+              </a:rPr>
+              <a:t>9</a:t>
+            </a:r>
+            <a:r>
               <a:rPr lang="de-DE" sz="4000" b="0" u="none" strike="noStrike" cap="all" spc="31" dirty="0">
                 <a:solidFill>
                   <a:schemeClr val="dk1"/>
@@ -18005,7 +20396,7 @@
                 <a:uFillTx/>
                 <a:latin typeface="Univers Condensed"/>
               </a:rPr>
-              <a:t>8. Live Demo – Control Panel</a:t>
+              <a:t>. Live Demo – Control Panel</a:t>
             </a:r>
             <a:endParaRPr lang="de-DE" sz="4000" b="0" u="none" strike="noStrike" dirty="0">
               <a:solidFill>
@@ -18589,32 +20980,6 @@
             </a:r>
           </a:p>
           <a:p>
-            <a:pPr marL="914400" lvl="1" indent="-457200" defTabSz="914400">
-              <a:lnSpc>
-                <a:spcPct val="100000"/>
-              </a:lnSpc>
-              <a:spcBef>
-                <a:spcPts val="499"/>
-              </a:spcBef>
-              <a:buClr>
-                <a:srgbClr val="000000"/>
-              </a:buClr>
-              <a:buFont typeface="Univers Condensed"/>
-              <a:buAutoNum type="arabicPeriod"/>
-            </a:pPr>
-            <a:r>
-              <a:rPr lang="de-DE" sz="1500" b="0" u="none" strike="noStrike" dirty="0">
-                <a:solidFill>
-                  <a:schemeClr val="dk1"/>
-                </a:solidFill>
-                <a:effectLst/>
-                <a:uFillTx/>
-                <a:latin typeface="Calisto MT"/>
-              </a:rPr>
-              <a:t>Wireframes</a:t>
-            </a:r>
-          </a:p>
-          <a:p>
             <a:pPr marL="457200" indent="-457200" defTabSz="914400">
               <a:lnSpc>
                 <a:spcPct val="100000"/>
@@ -18665,6 +21030,38 @@
               </a:rPr>
               <a:t>Zeitplanung und Budgetanalyse</a:t>
             </a:r>
+          </a:p>
+          <a:p>
+            <a:pPr marL="457200" indent="-457200" defTabSz="914400">
+              <a:lnSpc>
+                <a:spcPct val="100000"/>
+              </a:lnSpc>
+              <a:spcBef>
+                <a:spcPts val="1001"/>
+              </a:spcBef>
+              <a:buClr>
+                <a:srgbClr val="000000"/>
+              </a:buClr>
+              <a:buFont typeface="Univers Condensed"/>
+              <a:buAutoNum type="arabicPeriod"/>
+            </a:pPr>
+            <a:r>
+              <a:rPr lang="de-DE" sz="1500" dirty="0">
+                <a:solidFill>
+                  <a:schemeClr val="dk1"/>
+                </a:solidFill>
+                <a:latin typeface="Calisto MT"/>
+              </a:rPr>
+              <a:t>Wireframes</a:t>
+            </a:r>
+            <a:endParaRPr lang="de-DE" sz="1500" b="0" u="none" strike="noStrike" dirty="0">
+              <a:solidFill>
+                <a:schemeClr val="dk1"/>
+              </a:solidFill>
+              <a:effectLst/>
+              <a:uFillTx/>
+              <a:latin typeface="Calisto MT"/>
+            </a:endParaRPr>
           </a:p>
           <a:p>
             <a:pPr marL="457200" indent="-457200" defTabSz="914400">
@@ -19065,6 +21462,15 @@
               <a:buNone/>
             </a:pPr>
             <a:r>
+              <a:rPr lang="de-DE" sz="4000" cap="all" spc="31" dirty="0">
+                <a:solidFill>
+                  <a:schemeClr val="dk1"/>
+                </a:solidFill>
+                <a:latin typeface="Univers Condensed"/>
+              </a:rPr>
+              <a:t>9</a:t>
+            </a:r>
+            <a:r>
               <a:rPr lang="de-DE" sz="4000" b="0" u="none" strike="noStrike" cap="all" spc="31" dirty="0">
                 <a:solidFill>
                   <a:schemeClr val="dk1"/>
@@ -19073,7 +21479,7 @@
                 <a:uFillTx/>
                 <a:latin typeface="Univers Condensed"/>
               </a:rPr>
-              <a:t>8. Live Demo – User Dashboard</a:t>
+              <a:t>. Live Demo – User Dashboard</a:t>
             </a:r>
             <a:endParaRPr lang="de-DE" sz="4000" b="0" u="none" strike="noStrike" dirty="0">
               <a:solidFill>
@@ -19593,7 +21999,7 @@
           <a:p>
             <a:r>
               <a:rPr lang="de-DE" dirty="0"/>
-              <a:t>8. Live Demo – API Calls</a:t>
+              <a:t>9. Live Demo – API Calls</a:t>
             </a:r>
           </a:p>
         </p:txBody>
@@ -19825,6 +22231,15 @@
               <a:buNone/>
             </a:pPr>
             <a:r>
+              <a:rPr lang="de-DE" sz="4000" cap="all" spc="31" dirty="0">
+                <a:solidFill>
+                  <a:schemeClr val="dk1"/>
+                </a:solidFill>
+                <a:latin typeface="Univers Condensed"/>
+              </a:rPr>
+              <a:t>10</a:t>
+            </a:r>
+            <a:r>
               <a:rPr lang="de-DE" sz="4000" b="0" u="none" strike="noStrike" cap="all" spc="31" dirty="0">
                 <a:solidFill>
                   <a:schemeClr val="dk1"/>
@@ -19833,7 +22248,7 @@
                 <a:uFillTx/>
                 <a:latin typeface="Univers Condensed"/>
               </a:rPr>
-              <a:t>9. Erweiterungspotenzial</a:t>
+              <a:t>. Erweiterungspotenzial</a:t>
             </a:r>
             <a:endParaRPr lang="de-DE" sz="4000" b="0" u="none" strike="noStrike" dirty="0">
               <a:solidFill>
@@ -20246,7 +22661,27 @@
                 <a:uFillTx/>
                 <a:latin typeface="Univers Condensed"/>
               </a:rPr>
-              <a:t>10. Aufgetretene Probleme</a:t>
+              <a:t>1</a:t>
+            </a:r>
+            <a:r>
+              <a:rPr lang="de-DE" sz="4000" cap="all" spc="31" dirty="0">
+                <a:solidFill>
+                  <a:schemeClr val="dk1"/>
+                </a:solidFill>
+                <a:latin typeface="Univers Condensed"/>
+              </a:rPr>
+              <a:t>1</a:t>
+            </a:r>
+            <a:r>
+              <a:rPr lang="de-DE" sz="4000" b="0" u="none" strike="noStrike" cap="all" spc="31" dirty="0">
+                <a:solidFill>
+                  <a:schemeClr val="dk1"/>
+                </a:solidFill>
+                <a:effectLst/>
+                <a:uFillTx/>
+                <a:latin typeface="Univers Condensed"/>
+              </a:rPr>
+              <a:t>. Aufgetretene Probleme</a:t>
             </a:r>
             <a:endParaRPr lang="de-DE" sz="4000" b="0" u="none" strike="noStrike" dirty="0">
               <a:solidFill>
@@ -20690,7 +23125,7 @@
                 <a:uFillTx/>
                 <a:latin typeface="Univers Condensed"/>
               </a:rPr>
-              <a:t>11. </a:t>
+              <a:t>12. </a:t>
             </a:r>
             <a:r>
               <a:rPr lang="de-DE" sz="4000" b="0" u="none" strike="noStrike" cap="all" spc="31" dirty="0" err="1">
@@ -21662,7 +24097,7 @@
           <a:p>
             <a:r>
               <a:rPr lang="de-DE" dirty="0"/>
-              <a:t>Projektorganisation – Vorgehensmodell</a:t>
+              <a:t>2. Projektorganisation – Vorgehensmodell</a:t>
             </a:r>
           </a:p>
         </p:txBody>
@@ -24330,7 +26765,7 @@
       </p:grpSpPr>
       <p:sp>
         <p:nvSpPr>
-          <p:cNvPr id="100" name="PlaceHolder 1"/>
+          <p:cNvPr id="131" name="PlaceHolder 1"/>
           <p:cNvSpPr>
             <a:spLocks noGrp="1"/>
           </p:cNvSpPr>
@@ -24341,7 +26776,7 @@
         <p:spPr>
           <a:xfrm>
             <a:off x="700560" y="914400"/>
-            <a:ext cx="10999440" cy="1307160"/>
+            <a:ext cx="10690920" cy="1307160"/>
           </a:xfrm>
           <a:prstGeom prst="rect">
             <a:avLst/>
@@ -24353,7 +26788,7 @@
         </p:spPr>
         <p:txBody>
           <a:bodyPr lIns="91440" tIns="45720" rIns="91440" bIns="45720" anchor="t">
-            <a:normAutofit/>
+            <a:normAutofit fontScale="90000"/>
           </a:bodyPr>
           <a:lstStyle/>
           <a:p>
@@ -24364,7 +26799,7 @@
               <a:buNone/>
             </a:pPr>
             <a:r>
-              <a:rPr lang="de-DE" sz="4000" b="0" u="none" strike="noStrike" cap="all" spc="31">
+              <a:rPr lang="de-DE" sz="4000" b="0" u="none" strike="noStrike" cap="all" spc="31" dirty="0">
                 <a:solidFill>
                   <a:schemeClr val="dk1"/>
                 </a:solidFill>
@@ -24372,33 +26807,61 @@
                 <a:uFillTx/>
                 <a:latin typeface="Univers Condensed"/>
               </a:rPr>
-              <a:t>2. Projektorganisation - Wireframes</a:t>
+              <a:t>3. </a:t>
             </a:r>
-            <a:endParaRPr lang="de-DE" sz="4000" b="0" u="none" strike="noStrike">
+            <a:r>
+              <a:rPr lang="de-DE" b="0" u="none" strike="noStrike" cap="all" spc="31" dirty="0">
+                <a:solidFill>
+                  <a:srgbClr val="000000"/>
+                </a:solidFill>
+                <a:effectLst/>
+                <a:uFillTx/>
+              </a:rPr>
+              <a:t>Anforderungsanalyse</a:t>
+            </a:r>
+            <a:br>
+              <a:rPr dirty="0"/>
+            </a:br>
+            <a:r>
+              <a:rPr lang="de-DE" b="0" u="none" strike="noStrike" cap="all" spc="31" dirty="0">
+                <a:solidFill>
+                  <a:srgbClr val="000000"/>
+                </a:solidFill>
+                <a:effectLst/>
+                <a:uFillTx/>
+              </a:rPr>
+              <a:t>und Stakeholder</a:t>
+            </a:r>
+            <a:endParaRPr lang="de-DE" b="0" u="none" strike="noStrike" dirty="0">
               <a:solidFill>
                 <a:schemeClr val="dk1"/>
               </a:solidFill>
               <a:effectLst/>
               <a:uFillTx/>
-              <a:latin typeface="Calisto MT"/>
             </a:endParaRPr>
           </a:p>
         </p:txBody>
       </p:sp>
-      <p:sp>
-        <p:nvSpPr>
-          <p:cNvPr id="101" name="PlaceHolder 2"/>
-          <p:cNvSpPr>
-            <a:spLocks noGrp="1"/>
-          </p:cNvSpPr>
-          <p:nvPr>
-            <p:ph/>
-          </p:nvPr>
-        </p:nvSpPr>
+      <p:pic>
+        <p:nvPicPr>
+          <p:cNvPr id="132" name="Grafik 6"/>
+          <p:cNvPicPr/>
+          <p:nvPr/>
+        </p:nvPicPr>
+        <p:blipFill>
+          <a:blip r:embed="rId2">
+            <a:extLst>
+              <a:ext uri="{96DAC541-7B7A-43D3-8B79-37D633B846F1}">
+                <asvg:svgBlip xmlns:asvg="http://schemas.microsoft.com/office/drawing/2016/SVG/main" r:embed="rId3"/>
+              </a:ext>
+            </a:extLst>
+          </a:blip>
+          <a:stretch/>
+        </p:blipFill>
         <p:spPr>
           <a:xfrm>
-            <a:off x="700560" y="2221560"/>
-            <a:ext cx="10690920" cy="3740040"/>
+            <a:off x="7165440" y="1308600"/>
+            <a:ext cx="4634640" cy="4634640"/>
           </a:xfrm>
           <a:prstGeom prst="rect">
             <a:avLst/>
@@ -24408,26 +26871,56 @@
             <a:noFill/>
           </a:ln>
         </p:spPr>
+      </p:pic>
+      <p:sp>
+        <p:nvSpPr>
+          <p:cNvPr id="133" name="Textfeld 7"/>
+          <p:cNvSpPr/>
+          <p:nvPr/>
+        </p:nvSpPr>
+        <p:spPr>
+          <a:xfrm>
+            <a:off x="798840" y="2606760"/>
+            <a:ext cx="5475600" cy="2951640"/>
+          </a:xfrm>
+          <a:prstGeom prst="rect">
+            <a:avLst/>
+          </a:prstGeom>
+          <a:noFill/>
+          <a:ln w="0">
+            <a:noFill/>
+          </a:ln>
+        </p:spPr>
+        <p:style>
+          <a:lnRef idx="0">
+            <a:scrgbClr r="0" g="0" b="0"/>
+          </a:lnRef>
+          <a:fillRef idx="0">
+            <a:scrgbClr r="0" g="0" b="0"/>
+          </a:fillRef>
+          <a:effectRef idx="0">
+            <a:scrgbClr r="0" g="0" b="0"/>
+          </a:effectRef>
+          <a:fontRef idx="minor"/>
+        </p:style>
         <p:txBody>
-          <a:bodyPr lIns="91440" tIns="45720" rIns="91440" bIns="45720" anchor="t">
-            <a:normAutofit fontScale="92500" lnSpcReduction="9999"/>
+          <a:bodyPr lIns="90000" tIns="45000" rIns="90000" bIns="45000" anchor="t">
+            <a:spAutoFit/>
           </a:bodyPr>
           <a:lstStyle/>
           <a:p>
-            <a:pPr indent="0" algn="ctr" defTabSz="914400">
-              <a:lnSpc>
-                <a:spcPct val="110000"/>
-              </a:lnSpc>
-              <a:spcBef>
-                <a:spcPts val="1001"/>
-              </a:spcBef>
-              <a:buNone/>
-              <a:tabLst>
-                <a:tab pos="0" algn="l"/>
-              </a:tabLst>
+            <a:pPr marL="285840" indent="-285840" defTabSz="914400">
+              <a:lnSpc>
+                <a:spcPct val="150000"/>
+              </a:lnSpc>
+              <a:buClr>
+                <a:srgbClr val="000000"/>
+              </a:buClr>
+              <a:buFont typeface="Arial"/>
+              <a:buChar char="•"/>
             </a:pPr>
             <a:r>
-              <a:rPr lang="de-DE" sz="2600" b="1" u="none" strike="noStrike" dirty="0">
+              <a:rPr lang="de-DE" sz="1800" b="0" u="none" strike="noStrike">
                 <a:solidFill>
                   <a:schemeClr val="dk1"/>
                 </a:solidFill>
@@ -24435,47 +26928,30 @@
                 <a:uFillTx/>
                 <a:latin typeface="Calisto MT"/>
               </a:rPr>
-              <a:t>Überlegungen</a:t>
+              <a:t>Product-Backlog wurde basierend auf den Stakeholdern rechts erstellt.</a:t>
             </a:r>
-          </a:p>
-          <a:p>
-            <a:pPr indent="0" defTabSz="914400">
-              <a:lnSpc>
-                <a:spcPct val="110000"/>
-              </a:lnSpc>
-              <a:spcBef>
-                <a:spcPts val="1001"/>
-              </a:spcBef>
-              <a:buNone/>
-              <a:tabLst>
-                <a:tab pos="0" algn="l"/>
-              </a:tabLst>
-            </a:pPr>
-            <a:endParaRPr lang="de-DE" sz="2000" b="0" u="none" strike="noStrike" dirty="0">
+            <a:endParaRPr lang="de-DE" sz="1800" b="0" u="none" strike="noStrike">
               <a:solidFill>
-                <a:schemeClr val="dk1"/>
+                <a:srgbClr val="000000"/>
               </a:solidFill>
               <a:effectLst/>
               <a:uFillTx/>
-              <a:latin typeface="Calisto MT"/>
+              <a:latin typeface="Arial"/>
             </a:endParaRPr>
           </a:p>
           <a:p>
-            <a:pPr marL="342900" indent="-342900" defTabSz="914400">
-              <a:lnSpc>
-                <a:spcPct val="110000"/>
-              </a:lnSpc>
-              <a:spcBef>
-                <a:spcPts val="1001"/>
-              </a:spcBef>
-              <a:buFont typeface="Arial" panose="020B0604020202020204" pitchFamily="34" charset="0"/>
+            <a:pPr marL="285840" indent="-285840" defTabSz="914400">
+              <a:lnSpc>
+                <a:spcPct val="150000"/>
+              </a:lnSpc>
+              <a:buClr>
+                <a:srgbClr val="000000"/>
+              </a:buClr>
+              <a:buFont typeface="Arial"/>
               <a:buChar char="•"/>
-              <a:tabLst>
-                <a:tab pos="0" algn="l"/>
-              </a:tabLst>
             </a:pPr>
             <a:r>
-              <a:rPr lang="de-DE" sz="2000" b="0" u="none" strike="noStrike" dirty="0">
+              <a:rPr lang="de-DE" sz="1800" b="0" u="none" strike="noStrike">
                 <a:solidFill>
                   <a:schemeClr val="dk1"/>
                 </a:solidFill>
@@ -24483,25 +26959,30 @@
                 <a:uFillTx/>
                 <a:latin typeface="Calisto MT"/>
               </a:rPr>
-              <a:t>Übersichtlich</a:t>
+              <a:t>Diese wurden befragt, ihre Geschichten wurden als User Storys aufgenommen</a:t>
             </a:r>
-          </a:p>
-          <a:p>
-            <a:pPr marL="342900" indent="-342900" defTabSz="914400">
-              <a:lnSpc>
-                <a:spcPct val="110000"/>
-              </a:lnSpc>
-              <a:spcBef>
-                <a:spcPts val="1001"/>
-              </a:spcBef>
-              <a:buFont typeface="Arial" panose="020B0604020202020204" pitchFamily="34" charset="0"/>
+            <a:endParaRPr lang="de-DE" sz="1800" b="0" u="none" strike="noStrike">
+              <a:solidFill>
+                <a:srgbClr val="000000"/>
+              </a:solidFill>
+              <a:effectLst/>
+              <a:uFillTx/>
+              <a:latin typeface="Arial"/>
+            </a:endParaRPr>
+          </a:p>
+          <a:p>
+            <a:pPr marL="285840" indent="-285840" defTabSz="914400">
+              <a:lnSpc>
+                <a:spcPct val="150000"/>
+              </a:lnSpc>
+              <a:buClr>
+                <a:srgbClr val="000000"/>
+              </a:buClr>
+              <a:buFont typeface="Arial"/>
               <a:buChar char="•"/>
-              <a:tabLst>
-                <a:tab pos="0" algn="l"/>
-              </a:tabLst>
             </a:pPr>
             <a:r>
-              <a:rPr lang="de-DE" sz="2000" b="0" u="none" strike="noStrike" dirty="0">
+              <a:rPr lang="de-DE" sz="1800" b="0" u="none" strike="noStrike">
                 <a:solidFill>
                   <a:schemeClr val="dk1"/>
                 </a:solidFill>
@@ -24509,25 +26990,30 @@
                 <a:uFillTx/>
                 <a:latin typeface="Calisto MT"/>
               </a:rPr>
-              <a:t>Einfach zu Bedienen</a:t>
+              <a:t>Diese User Storys stellen die Anforderungen dar.</a:t>
             </a:r>
-          </a:p>
-          <a:p>
-            <a:pPr marL="342900" indent="-342900" defTabSz="914400">
-              <a:lnSpc>
-                <a:spcPct val="110000"/>
-              </a:lnSpc>
-              <a:spcBef>
-                <a:spcPts val="1001"/>
-              </a:spcBef>
-              <a:buFont typeface="Arial" panose="020B0604020202020204" pitchFamily="34" charset="0"/>
+            <a:endParaRPr lang="de-DE" sz="1800" b="0" u="none" strike="noStrike">
+              <a:solidFill>
+                <a:srgbClr val="000000"/>
+              </a:solidFill>
+              <a:effectLst/>
+              <a:uFillTx/>
+              <a:latin typeface="Arial"/>
+            </a:endParaRPr>
+          </a:p>
+          <a:p>
+            <a:pPr marL="285840" indent="-285840" defTabSz="914400">
+              <a:lnSpc>
+                <a:spcPct val="150000"/>
+              </a:lnSpc>
+              <a:buClr>
+                <a:srgbClr val="000000"/>
+              </a:buClr>
+              <a:buFont typeface="Arial"/>
               <a:buChar char="•"/>
-              <a:tabLst>
-                <a:tab pos="0" algn="l"/>
-              </a:tabLst>
             </a:pPr>
             <a:r>
-              <a:rPr lang="de-DE" sz="2000" b="0" u="none" strike="noStrike" dirty="0">
+              <a:rPr lang="de-DE" sz="1800" b="0" u="none" strike="noStrike">
                 <a:solidFill>
                   <a:schemeClr val="dk1"/>
                 </a:solidFill>
@@ -24535,60 +27021,16 @@
                 <a:uFillTx/>
                 <a:latin typeface="Calisto MT"/>
               </a:rPr>
-              <a:t>Wichtigste Funktionen leicht erreichbar – Logout und Benachrichtigungen</a:t>
+              <a:t>Zusätzlich zu den User-Storys wurden Anforderungen aus dem Auftrag entnommen.</a:t>
             </a:r>
-          </a:p>
-          <a:p>
-            <a:pPr marL="342900" indent="-342900" defTabSz="914400">
-              <a:lnSpc>
-                <a:spcPct val="110000"/>
-              </a:lnSpc>
-              <a:spcBef>
-                <a:spcPts val="1001"/>
-              </a:spcBef>
-              <a:buFont typeface="Arial" panose="020B0604020202020204" pitchFamily="34" charset="0"/>
-              <a:buChar char="•"/>
-              <a:tabLst>
-                <a:tab pos="0" algn="l"/>
-              </a:tabLst>
-            </a:pPr>
-            <a:r>
-              <a:rPr lang="de-DE" sz="2000" b="0" u="none" strike="noStrike" dirty="0">
-                <a:solidFill>
-                  <a:schemeClr val="dk1"/>
-                </a:solidFill>
-                <a:effectLst/>
-                <a:uFillTx/>
-                <a:latin typeface="Calisto MT"/>
-              </a:rPr>
-              <a:t>sowie die Zeitübersicht und Kommen/ Gehen Buttons</a:t>
-            </a:r>
-          </a:p>
-          <a:p>
-            <a:pPr marL="342900" indent="-342900" defTabSz="914400">
-              <a:lnSpc>
-                <a:spcPct val="110000"/>
-              </a:lnSpc>
-              <a:spcBef>
-                <a:spcPts val="1001"/>
-              </a:spcBef>
-              <a:buFont typeface="Arial" panose="020B0604020202020204" pitchFamily="34" charset="0"/>
-              <a:buChar char="•"/>
-              <a:tabLst>
-                <a:tab pos="0" algn="l"/>
-              </a:tabLst>
-            </a:pPr>
-            <a:r>
-              <a:rPr lang="de-DE" sz="2000" b="0" u="none" strike="noStrike" dirty="0">
-                <a:solidFill>
-                  <a:schemeClr val="dk1"/>
-                </a:solidFill>
-                <a:effectLst/>
-                <a:uFillTx/>
-                <a:latin typeface="Calisto MT"/>
-              </a:rPr>
-              <a:t>Hamburger Menü für Spracheinstellungen und Passwortänderung</a:t>
-            </a:r>
+            <a:endParaRPr lang="de-DE" sz="1800" b="0" u="none" strike="noStrike">
+              <a:solidFill>
+                <a:srgbClr val="000000"/>
+              </a:solidFill>
+              <a:effectLst/>
+              <a:uFillTx/>
+              <a:latin typeface="Arial"/>
+            </a:endParaRPr>
           </a:p>
         </p:txBody>
       </p:sp>
@@ -24605,13 +27047,7 @@
   <p:cSld>
     <p:spTree>
       <p:nvGrpSpPr>
-        <p:cNvPr id="1" name="">
-          <a:extLst>
-            <a:ext uri="{FF2B5EF4-FFF2-40B4-BE49-F238E27FC236}">
-              <a16:creationId xmlns:a16="http://schemas.microsoft.com/office/drawing/2014/main" id="{2E204368-4EEA-BFF2-5E01-7AF01049572F}"/>
-            </a:ext>
-          </a:extLst>
-        </p:cNvPr>
+        <p:cNvPr id="1" name=""/>
         <p:cNvGrpSpPr/>
         <p:nvPr/>
       </p:nvGrpSpPr>
@@ -24623,196 +27059,9 @@
           <a:chExt cx="0" cy="0"/>
         </a:xfrm>
       </p:grpSpPr>
-      <p:pic>
-        <p:nvPicPr>
-          <p:cNvPr id="104" name="Grafik 103">
-            <a:extLst>
-              <a:ext uri="{FF2B5EF4-FFF2-40B4-BE49-F238E27FC236}">
-                <a16:creationId xmlns:a16="http://schemas.microsoft.com/office/drawing/2014/main" id="{04C86AA6-B18D-2338-629A-86F54A987B3F}"/>
-              </a:ext>
-            </a:extLst>
-          </p:cNvPr>
-          <p:cNvPicPr/>
-          <p:nvPr/>
-        </p:nvPicPr>
-        <p:blipFill>
-          <a:blip r:embed="rId2"/>
-          <a:srcRect l="124" t="4413" r="847"/>
-          <a:stretch/>
-        </p:blipFill>
-        <p:spPr>
-          <a:xfrm>
-            <a:off x="5760540" y="1800000"/>
-            <a:ext cx="5711040" cy="3897000"/>
-          </a:xfrm>
-          <a:prstGeom prst="rect">
-            <a:avLst/>
-          </a:prstGeom>
-          <a:noFill/>
-          <a:ln w="0">
-            <a:noFill/>
-          </a:ln>
-        </p:spPr>
-      </p:pic>
-      <p:pic>
-        <p:nvPicPr>
-          <p:cNvPr id="3" name="Grafik 2">
-            <a:extLst>
-              <a:ext uri="{FF2B5EF4-FFF2-40B4-BE49-F238E27FC236}">
-                <a16:creationId xmlns:a16="http://schemas.microsoft.com/office/drawing/2014/main" id="{668D3170-F0A0-E5CF-0000-3F263985B2AC}"/>
-              </a:ext>
-            </a:extLst>
-          </p:cNvPr>
-          <p:cNvPicPr/>
-          <p:nvPr/>
-        </p:nvPicPr>
-        <p:blipFill>
-          <a:blip r:embed="rId3"/>
-          <a:stretch/>
-        </p:blipFill>
-        <p:spPr>
-          <a:xfrm>
-            <a:off x="5760000" y="1800000"/>
-            <a:ext cx="5760000" cy="4071960"/>
-          </a:xfrm>
-          <a:prstGeom prst="rect">
-            <a:avLst/>
-          </a:prstGeom>
-          <a:noFill/>
-          <a:ln w="0">
-            <a:noFill/>
-          </a:ln>
-        </p:spPr>
-      </p:pic>
-      <p:pic>
-        <p:nvPicPr>
-          <p:cNvPr id="5" name="Grafik 4">
-            <a:extLst>
-              <a:ext uri="{FF2B5EF4-FFF2-40B4-BE49-F238E27FC236}">
-                <a16:creationId xmlns:a16="http://schemas.microsoft.com/office/drawing/2014/main" id="{DF2492FE-ADA7-EDA9-0D26-AA69DDC5E2B2}"/>
-              </a:ext>
-            </a:extLst>
-          </p:cNvPr>
-          <p:cNvPicPr/>
-          <p:nvPr/>
-        </p:nvPicPr>
-        <p:blipFill>
-          <a:blip r:embed="rId4"/>
-          <a:stretch/>
-        </p:blipFill>
-        <p:spPr>
-          <a:xfrm>
-            <a:off x="5760000" y="1800000"/>
-            <a:ext cx="5712120" cy="4038120"/>
-          </a:xfrm>
-          <a:prstGeom prst="rect">
-            <a:avLst/>
-          </a:prstGeom>
-          <a:noFill/>
-          <a:ln w="0">
-            <a:noFill/>
-          </a:ln>
-        </p:spPr>
-      </p:pic>
-      <p:pic>
-        <p:nvPicPr>
-          <p:cNvPr id="7" name="Grafik 6">
-            <a:extLst>
-              <a:ext uri="{FF2B5EF4-FFF2-40B4-BE49-F238E27FC236}">
-                <a16:creationId xmlns:a16="http://schemas.microsoft.com/office/drawing/2014/main" id="{0EFDBF9A-BF5D-071F-6B93-1E0EC33489AE}"/>
-              </a:ext>
-            </a:extLst>
-          </p:cNvPr>
-          <p:cNvPicPr/>
-          <p:nvPr/>
-        </p:nvPicPr>
-        <p:blipFill>
-          <a:blip r:embed="rId5"/>
-          <a:stretch/>
-        </p:blipFill>
-        <p:spPr>
-          <a:xfrm>
-            <a:off x="5760000" y="1800000"/>
-            <a:ext cx="5712120" cy="4038120"/>
-          </a:xfrm>
-          <a:prstGeom prst="rect">
-            <a:avLst/>
-          </a:prstGeom>
-          <a:noFill/>
-          <a:ln w="0">
-            <a:noFill/>
-          </a:ln>
-        </p:spPr>
-      </p:pic>
-      <p:pic>
-        <p:nvPicPr>
-          <p:cNvPr id="9" name="Grafik 8">
-            <a:extLst>
-              <a:ext uri="{FF2B5EF4-FFF2-40B4-BE49-F238E27FC236}">
-                <a16:creationId xmlns:a16="http://schemas.microsoft.com/office/drawing/2014/main" id="{D4A3E3B4-6357-4B1C-CE8C-77FC27D26B34}"/>
-              </a:ext>
-            </a:extLst>
-          </p:cNvPr>
-          <p:cNvPicPr/>
-          <p:nvPr/>
-        </p:nvPicPr>
-        <p:blipFill>
-          <a:blip r:embed="rId6"/>
-          <a:stretch/>
-        </p:blipFill>
-        <p:spPr>
-          <a:xfrm>
-            <a:off x="5760000" y="1800000"/>
-            <a:ext cx="5759640" cy="4071960"/>
-          </a:xfrm>
-          <a:prstGeom prst="rect">
-            <a:avLst/>
-          </a:prstGeom>
-          <a:noFill/>
-          <a:ln w="0">
-            <a:noFill/>
-          </a:ln>
-        </p:spPr>
-      </p:pic>
-      <p:pic>
-        <p:nvPicPr>
-          <p:cNvPr id="13" name="Grafik 12">
-            <a:extLst>
-              <a:ext uri="{FF2B5EF4-FFF2-40B4-BE49-F238E27FC236}">
-                <a16:creationId xmlns:a16="http://schemas.microsoft.com/office/drawing/2014/main" id="{46BCE7C9-3456-ED5B-3200-55B31BC72E0F}"/>
-              </a:ext>
-            </a:extLst>
-          </p:cNvPr>
-          <p:cNvPicPr/>
-          <p:nvPr/>
-        </p:nvPicPr>
-        <p:blipFill>
-          <a:blip r:embed="rId7"/>
-          <a:stretch/>
-        </p:blipFill>
-        <p:spPr>
-          <a:xfrm>
-            <a:off x="5760000" y="1800000"/>
-            <a:ext cx="5759640" cy="4071960"/>
-          </a:xfrm>
-          <a:prstGeom prst="rect">
-            <a:avLst/>
-          </a:prstGeom>
-          <a:noFill/>
-          <a:ln w="0">
-            <a:noFill/>
-          </a:ln>
-        </p:spPr>
-      </p:pic>
       <p:sp>
         <p:nvSpPr>
-          <p:cNvPr id="102" name="PlaceHolder 1">
-            <a:extLst>
-              <a:ext uri="{FF2B5EF4-FFF2-40B4-BE49-F238E27FC236}">
-                <a16:creationId xmlns:a16="http://schemas.microsoft.com/office/drawing/2014/main" id="{D34D1FBD-0A53-0962-36F0-9E5F21819121}"/>
-              </a:ext>
-            </a:extLst>
-          </p:cNvPr>
+          <p:cNvPr id="134" name="PlaceHolder 1"/>
           <p:cNvSpPr>
             <a:spLocks noGrp="1"/>
           </p:cNvSpPr>
@@ -24823,7 +27072,7 @@
         <p:spPr>
           <a:xfrm>
             <a:off x="700560" y="914400"/>
-            <a:ext cx="10999440" cy="1307160"/>
+            <a:ext cx="10690920" cy="1307160"/>
           </a:xfrm>
           <a:prstGeom prst="rect">
             <a:avLst/>
@@ -24854,7 +27103,7 @@
                 <a:uFillTx/>
                 <a:latin typeface="Univers Condensed"/>
               </a:rPr>
-              <a:t>2. Projektorganisation - Wireframes</a:t>
+              <a:t>4. Zeitplanung und Budgetanalyse</a:t>
             </a:r>
             <a:endParaRPr lang="de-DE" sz="4000" b="0" u="none" strike="noStrike" dirty="0">
               <a:solidFill>
@@ -24867,2136 +27116,43 @@
           </a:p>
         </p:txBody>
       </p:sp>
-      <p:sp>
-        <p:nvSpPr>
-          <p:cNvPr id="103" name="PlaceHolder 2">
-            <a:extLst>
-              <a:ext uri="{FF2B5EF4-FFF2-40B4-BE49-F238E27FC236}">
-                <a16:creationId xmlns:a16="http://schemas.microsoft.com/office/drawing/2014/main" id="{866FAB49-C5C7-3A3E-F720-16FCF2A06AAF}"/>
-              </a:ext>
-            </a:extLst>
-          </p:cNvPr>
-          <p:cNvSpPr>
-            <a:spLocks noGrp="1"/>
-          </p:cNvSpPr>
-          <p:nvPr>
-            <p:ph/>
-          </p:nvPr>
-        </p:nvSpPr>
-        <p:spPr>
-          <a:xfrm>
-            <a:off x="780644" y="1738260"/>
-            <a:ext cx="4978276" cy="4161600"/>
-          </a:xfrm>
-          <a:prstGeom prst="rect">
-            <a:avLst/>
-          </a:prstGeom>
-          <a:noFill/>
-          <a:ln w="0">
-            <a:noFill/>
-          </a:ln>
-        </p:spPr>
-        <p:txBody>
-          <a:bodyPr lIns="91440" tIns="45720" rIns="91440" bIns="45720" anchor="t">
-            <a:normAutofit/>
-          </a:bodyPr>
-          <a:lstStyle/>
-          <a:p>
-            <a:pPr indent="0" defTabSz="914400">
-              <a:lnSpc>
-                <a:spcPct val="110000"/>
-              </a:lnSpc>
-              <a:spcBef>
-                <a:spcPts val="1001"/>
-              </a:spcBef>
-              <a:buNone/>
-              <a:tabLst>
-                <a:tab pos="0" algn="l"/>
-              </a:tabLst>
-            </a:pPr>
-            <a:r>
-              <a:rPr lang="de-DE" sz="2000" b="0" u="none" strike="noStrike" dirty="0">
-                <a:solidFill>
-                  <a:schemeClr val="dk1"/>
-                </a:solidFill>
-                <a:effectLst/>
-                <a:uFillTx/>
-                <a:latin typeface="Calisto MT"/>
-              </a:rPr>
-              <a:t>Login:</a:t>
-            </a:r>
-          </a:p>
-          <a:p>
-            <a:pPr indent="0" defTabSz="914400">
-              <a:lnSpc>
-                <a:spcPct val="110000"/>
-              </a:lnSpc>
-              <a:spcBef>
-                <a:spcPts val="1001"/>
-              </a:spcBef>
-              <a:buNone/>
-              <a:tabLst>
-                <a:tab pos="0" algn="l"/>
-              </a:tabLst>
-            </a:pPr>
-            <a:endParaRPr lang="de-DE" sz="2000" b="0" u="none" strike="noStrike" dirty="0">
-              <a:solidFill>
-                <a:schemeClr val="dk1"/>
-              </a:solidFill>
-              <a:effectLst/>
-              <a:uFillTx/>
-              <a:latin typeface="Calisto MT"/>
-            </a:endParaRPr>
-          </a:p>
-          <a:p>
-            <a:pPr indent="0" defTabSz="914400">
-              <a:lnSpc>
-                <a:spcPct val="110000"/>
-              </a:lnSpc>
-              <a:spcBef>
-                <a:spcPts val="1001"/>
-              </a:spcBef>
-              <a:buNone/>
-              <a:tabLst>
-                <a:tab pos="0" algn="l"/>
-              </a:tabLst>
-            </a:pPr>
-            <a:endParaRPr lang="de-DE" sz="2000" b="0" u="none" strike="noStrike" dirty="0">
-              <a:solidFill>
-                <a:schemeClr val="dk1"/>
-              </a:solidFill>
-              <a:effectLst/>
-              <a:uFillTx/>
-              <a:latin typeface="Calisto MT"/>
-            </a:endParaRPr>
-          </a:p>
-          <a:p>
-            <a:pPr indent="0" defTabSz="914400">
-              <a:lnSpc>
-                <a:spcPct val="110000"/>
-              </a:lnSpc>
-              <a:spcBef>
-                <a:spcPts val="1001"/>
-              </a:spcBef>
-              <a:buNone/>
-              <a:tabLst>
-                <a:tab pos="0" algn="l"/>
-              </a:tabLst>
-            </a:pPr>
-            <a:r>
-              <a:rPr lang="de-DE" sz="2000" b="0" u="none" strike="noStrike" dirty="0">
-                <a:solidFill>
-                  <a:schemeClr val="dk1"/>
-                </a:solidFill>
-                <a:effectLst/>
-                <a:uFillTx/>
-                <a:latin typeface="Calisto MT"/>
-              </a:rPr>
-              <a:t>- Zwei Eingabefelder mit Button</a:t>
-            </a:r>
-          </a:p>
-          <a:p>
-            <a:pPr indent="0" defTabSz="914400">
-              <a:lnSpc>
-                <a:spcPct val="110000"/>
-              </a:lnSpc>
-              <a:spcBef>
-                <a:spcPts val="1001"/>
-              </a:spcBef>
-              <a:buNone/>
-              <a:tabLst>
-                <a:tab pos="0" algn="l"/>
-              </a:tabLst>
-            </a:pPr>
-            <a:endParaRPr lang="de-DE" sz="2000" b="0" u="none" strike="noStrike" dirty="0">
-              <a:solidFill>
-                <a:schemeClr val="dk1"/>
-              </a:solidFill>
-              <a:effectLst/>
-              <a:uFillTx/>
-              <a:latin typeface="Calisto MT"/>
-            </a:endParaRPr>
-          </a:p>
-          <a:p>
-            <a:pPr indent="0" defTabSz="914400">
-              <a:lnSpc>
-                <a:spcPct val="110000"/>
-              </a:lnSpc>
-              <a:spcBef>
-                <a:spcPts val="1001"/>
-              </a:spcBef>
-              <a:buNone/>
-              <a:tabLst>
-                <a:tab pos="0" algn="l"/>
-              </a:tabLst>
-            </a:pPr>
-            <a:r>
-              <a:rPr lang="de-DE" sz="2000" b="0" u="none" strike="noStrike" dirty="0">
-                <a:solidFill>
-                  <a:schemeClr val="dk1"/>
-                </a:solidFill>
-                <a:effectLst/>
-                <a:uFillTx/>
-                <a:latin typeface="Calisto MT"/>
-              </a:rPr>
-              <a:t>- Fehleranzeige für z.B. falsches Passwort</a:t>
-            </a:r>
-          </a:p>
-          <a:p>
-            <a:pPr indent="0" defTabSz="914400">
-              <a:lnSpc>
-                <a:spcPct val="110000"/>
-              </a:lnSpc>
-              <a:spcBef>
-                <a:spcPts val="1001"/>
-              </a:spcBef>
-              <a:buNone/>
-              <a:tabLst>
-                <a:tab pos="0" algn="l"/>
-              </a:tabLst>
-            </a:pPr>
-            <a:endParaRPr lang="de-DE" sz="2000" b="0" u="none" strike="noStrike" dirty="0">
-              <a:solidFill>
-                <a:schemeClr val="dk1"/>
-              </a:solidFill>
-              <a:effectLst/>
-              <a:uFillTx/>
-              <a:latin typeface="Calisto MT"/>
-            </a:endParaRPr>
-          </a:p>
-          <a:p>
-            <a:pPr indent="0" defTabSz="914400">
-              <a:lnSpc>
-                <a:spcPct val="110000"/>
-              </a:lnSpc>
-              <a:spcBef>
-                <a:spcPts val="1001"/>
-              </a:spcBef>
-              <a:buNone/>
-              <a:tabLst>
-                <a:tab pos="0" algn="l"/>
-              </a:tabLst>
-            </a:pPr>
-            <a:endParaRPr lang="de-DE" sz="2000" b="0" u="none" strike="noStrike" dirty="0">
-              <a:solidFill>
-                <a:schemeClr val="dk1"/>
-              </a:solidFill>
-              <a:effectLst/>
-              <a:uFillTx/>
-              <a:latin typeface="Calisto MT"/>
-            </a:endParaRPr>
-          </a:p>
-        </p:txBody>
-      </p:sp>
-      <p:sp>
-        <p:nvSpPr>
-          <p:cNvPr id="2" name="PlaceHolder 2">
-            <a:extLst>
-              <a:ext uri="{FF2B5EF4-FFF2-40B4-BE49-F238E27FC236}">
-                <a16:creationId xmlns:a16="http://schemas.microsoft.com/office/drawing/2014/main" id="{4BEA2B6E-5BD0-0F4B-8D02-A7E9DC09BD4D}"/>
-              </a:ext>
-            </a:extLst>
-          </p:cNvPr>
-          <p:cNvSpPr txBox="1">
-            <a:spLocks/>
-          </p:cNvSpPr>
+      <p:graphicFrame>
+        <p:nvGraphicFramePr>
+          <p:cNvPr id="135" name="Diagramm 6"/>
+          <p:cNvGraphicFramePr/>
           <p:nvPr/>
-        </p:nvSpPr>
-        <p:spPr>
-          <a:xfrm>
-            <a:off x="700560" y="1800000"/>
-            <a:ext cx="5011441" cy="4161600"/>
-          </a:xfrm>
-          <a:prstGeom prst="rect">
-            <a:avLst/>
-          </a:prstGeom>
-          <a:noFill/>
-          <a:ln w="0">
-            <a:noFill/>
-          </a:ln>
-        </p:spPr>
-        <p:txBody>
-          <a:bodyPr lIns="91440" tIns="45720" rIns="91440" bIns="45720" anchor="t">
-            <a:normAutofit/>
-          </a:bodyPr>
-          <a:lstStyle>
-            <a:lvl1pPr algn="l" defTabSz="914400" rtl="0" eaLnBrk="1" latinLnBrk="0" hangingPunct="1">
-              <a:lnSpc>
-                <a:spcPct val="90000"/>
-              </a:lnSpc>
-              <a:spcBef>
-                <a:spcPct val="0"/>
-              </a:spcBef>
-              <a:buNone/>
-              <a:defRPr sz="4400" kern="1200">
-                <a:solidFill>
-                  <a:schemeClr val="tx1"/>
-                </a:solidFill>
-                <a:latin typeface="+mj-lt"/>
-                <a:ea typeface="+mj-ea"/>
-                <a:cs typeface="+mj-cs"/>
-              </a:defRPr>
-            </a:lvl1pPr>
-          </a:lstStyle>
-          <a:p>
-            <a:pPr>
-              <a:lnSpc>
-                <a:spcPct val="110000"/>
-              </a:lnSpc>
-              <a:spcBef>
-                <a:spcPts val="1001"/>
-              </a:spcBef>
-              <a:tabLst>
-                <a:tab pos="0" algn="l"/>
-              </a:tabLst>
-            </a:pPr>
-            <a:r>
-              <a:rPr lang="de-DE" sz="2000">
-                <a:solidFill>
-                  <a:schemeClr val="dk1"/>
-                </a:solidFill>
-                <a:latin typeface="Calisto MT"/>
-              </a:rPr>
-              <a:t>Initiales Passwort:</a:t>
-            </a:r>
-          </a:p>
-          <a:p>
-            <a:pPr>
-              <a:lnSpc>
-                <a:spcPct val="110000"/>
-              </a:lnSpc>
-              <a:spcBef>
-                <a:spcPts val="1001"/>
-              </a:spcBef>
-              <a:tabLst>
-                <a:tab pos="0" algn="l"/>
-              </a:tabLst>
-            </a:pPr>
-            <a:endParaRPr lang="de-DE" sz="2000">
-              <a:solidFill>
-                <a:schemeClr val="dk1"/>
-              </a:solidFill>
-              <a:latin typeface="Calisto MT"/>
-            </a:endParaRPr>
-          </a:p>
-          <a:p>
-            <a:pPr>
-              <a:lnSpc>
-                <a:spcPct val="110000"/>
-              </a:lnSpc>
-              <a:spcBef>
-                <a:spcPts val="1001"/>
-              </a:spcBef>
-              <a:tabLst>
-                <a:tab pos="0" algn="l"/>
-              </a:tabLst>
-            </a:pPr>
-            <a:endParaRPr lang="de-DE" sz="2000">
-              <a:solidFill>
-                <a:schemeClr val="dk1"/>
-              </a:solidFill>
-              <a:latin typeface="Calisto MT"/>
-            </a:endParaRPr>
-          </a:p>
-          <a:p>
-            <a:pPr>
-              <a:lnSpc>
-                <a:spcPct val="110000"/>
-              </a:lnSpc>
-              <a:spcBef>
-                <a:spcPts val="1001"/>
-              </a:spcBef>
-              <a:tabLst>
-                <a:tab pos="0" algn="l"/>
-              </a:tabLst>
-            </a:pPr>
-            <a:r>
-              <a:rPr lang="de-DE" sz="2000">
-                <a:solidFill>
-                  <a:schemeClr val="dk1"/>
-                </a:solidFill>
-                <a:latin typeface="Calisto MT"/>
-              </a:rPr>
-              <a:t>- Erster Login fordert Benutzerdefiniertes </a:t>
-            </a:r>
-          </a:p>
-          <a:p>
-            <a:pPr>
-              <a:lnSpc>
-                <a:spcPct val="110000"/>
-              </a:lnSpc>
-              <a:spcBef>
-                <a:spcPts val="1001"/>
-              </a:spcBef>
-              <a:tabLst>
-                <a:tab pos="0" algn="l"/>
-              </a:tabLst>
-            </a:pPr>
-            <a:r>
-              <a:rPr lang="de-DE" sz="2000">
-                <a:solidFill>
-                  <a:schemeClr val="dk1"/>
-                </a:solidFill>
-                <a:latin typeface="Calisto MT"/>
-              </a:rPr>
-              <a:t>  Passwort</a:t>
-            </a:r>
-          </a:p>
-          <a:p>
-            <a:pPr>
-              <a:lnSpc>
-                <a:spcPct val="110000"/>
-              </a:lnSpc>
-              <a:spcBef>
-                <a:spcPts val="1001"/>
-              </a:spcBef>
-              <a:tabLst>
-                <a:tab pos="0" algn="l"/>
-              </a:tabLst>
-            </a:pPr>
-            <a:endParaRPr lang="de-DE" sz="2000">
-              <a:solidFill>
-                <a:schemeClr val="dk1"/>
-              </a:solidFill>
-              <a:latin typeface="Calisto MT"/>
-            </a:endParaRPr>
-          </a:p>
-          <a:p>
-            <a:pPr>
-              <a:lnSpc>
-                <a:spcPct val="110000"/>
-              </a:lnSpc>
-              <a:spcBef>
-                <a:spcPts val="1001"/>
-              </a:spcBef>
-              <a:tabLst>
-                <a:tab pos="0" algn="l"/>
-              </a:tabLst>
-            </a:pPr>
-            <a:r>
-              <a:rPr lang="de-DE" sz="2000">
-                <a:solidFill>
-                  <a:schemeClr val="dk1"/>
-                </a:solidFill>
-                <a:latin typeface="Calisto MT"/>
-              </a:rPr>
-              <a:t>- Ebenfalls eine Fehleranzeige integriert</a:t>
-            </a:r>
-          </a:p>
-          <a:p>
-            <a:pPr>
-              <a:lnSpc>
-                <a:spcPct val="110000"/>
-              </a:lnSpc>
-              <a:spcBef>
-                <a:spcPts val="1001"/>
-              </a:spcBef>
-              <a:tabLst>
-                <a:tab pos="0" algn="l"/>
-              </a:tabLst>
-            </a:pPr>
-            <a:endParaRPr lang="de-DE" sz="2000">
-              <a:solidFill>
-                <a:schemeClr val="dk1"/>
-              </a:solidFill>
-              <a:latin typeface="Calisto MT"/>
-            </a:endParaRPr>
-          </a:p>
-          <a:p>
-            <a:pPr>
-              <a:lnSpc>
-                <a:spcPct val="110000"/>
-              </a:lnSpc>
-              <a:spcBef>
-                <a:spcPts val="1001"/>
-              </a:spcBef>
-              <a:tabLst>
-                <a:tab pos="0" algn="l"/>
-              </a:tabLst>
-            </a:pPr>
-            <a:endParaRPr lang="de-DE" sz="2000" dirty="0">
-              <a:solidFill>
-                <a:schemeClr val="dk1"/>
-              </a:solidFill>
-              <a:latin typeface="Calisto MT"/>
-            </a:endParaRPr>
-          </a:p>
-        </p:txBody>
-      </p:sp>
-      <p:sp>
-        <p:nvSpPr>
-          <p:cNvPr id="4" name="PlaceHolder 2">
-            <a:extLst>
-              <a:ext uri="{FF2B5EF4-FFF2-40B4-BE49-F238E27FC236}">
-                <a16:creationId xmlns:a16="http://schemas.microsoft.com/office/drawing/2014/main" id="{9CCD9F01-C42C-FF2E-A81E-6CF880871346}"/>
-              </a:ext>
-            </a:extLst>
-          </p:cNvPr>
-          <p:cNvSpPr txBox="1">
-            <a:spLocks/>
-          </p:cNvSpPr>
+        </p:nvGraphicFramePr>
+        <p:xfrm>
+          <a:off x="4254120" y="1737360"/>
+          <a:ext cx="7632720" cy="4383360"/>
+        </p:xfrm>
+        <a:graphic>
+          <a:graphicData uri="http://schemas.openxmlformats.org/drawingml/2006/chart">
+            <c:chart xmlns:c="http://schemas.openxmlformats.org/drawingml/2006/chart" xmlns:r="http://schemas.openxmlformats.org/officeDocument/2006/relationships" r:id="rId2"/>
+          </a:graphicData>
+        </a:graphic>
+      </p:graphicFrame>
+      <p:graphicFrame>
+        <p:nvGraphicFramePr>
+          <p:cNvPr id="136" name="Diagramm 8"/>
+          <p:cNvGraphicFramePr/>
           <p:nvPr/>
-        </p:nvSpPr>
-        <p:spPr>
-          <a:xfrm>
-            <a:off x="700560" y="1800000"/>
-            <a:ext cx="5239440" cy="4161600"/>
-          </a:xfrm>
-          <a:prstGeom prst="rect">
-            <a:avLst/>
-          </a:prstGeom>
-          <a:noFill/>
-          <a:ln w="0">
-            <a:noFill/>
-          </a:ln>
-        </p:spPr>
-        <p:txBody>
-          <a:bodyPr lIns="91440" tIns="45720" rIns="91440" bIns="45720" anchor="t">
-            <a:normAutofit fontScale="85000" lnSpcReduction="19999"/>
-          </a:bodyPr>
-          <a:lstStyle>
-            <a:lvl1pPr algn="l" defTabSz="914400" rtl="0" eaLnBrk="1" latinLnBrk="0" hangingPunct="1">
-              <a:lnSpc>
-                <a:spcPct val="90000"/>
-              </a:lnSpc>
-              <a:spcBef>
-                <a:spcPct val="0"/>
-              </a:spcBef>
-              <a:buNone/>
-              <a:defRPr sz="4400" kern="1200">
-                <a:solidFill>
-                  <a:schemeClr val="tx1"/>
-                </a:solidFill>
-                <a:latin typeface="+mj-lt"/>
-                <a:ea typeface="+mj-ea"/>
-                <a:cs typeface="+mj-cs"/>
-              </a:defRPr>
-            </a:lvl1pPr>
-          </a:lstStyle>
-          <a:p>
-            <a:pPr>
-              <a:lnSpc>
-                <a:spcPct val="110000"/>
-              </a:lnSpc>
-              <a:spcBef>
-                <a:spcPts val="1001"/>
-              </a:spcBef>
-              <a:tabLst>
-                <a:tab pos="0" algn="l"/>
-              </a:tabLst>
-            </a:pPr>
-            <a:r>
-              <a:rPr lang="de-DE" sz="2000">
-                <a:solidFill>
-                  <a:schemeClr val="dk1"/>
-                </a:solidFill>
-                <a:latin typeface="Calisto MT"/>
-              </a:rPr>
-              <a:t>User Dashboard:</a:t>
-            </a:r>
-          </a:p>
-          <a:p>
-            <a:pPr>
-              <a:lnSpc>
-                <a:spcPct val="110000"/>
-              </a:lnSpc>
-              <a:spcBef>
-                <a:spcPts val="1001"/>
-              </a:spcBef>
-              <a:tabLst>
-                <a:tab pos="0" algn="l"/>
-              </a:tabLst>
-            </a:pPr>
-            <a:endParaRPr lang="de-DE" sz="2000">
-              <a:solidFill>
-                <a:schemeClr val="dk1"/>
-              </a:solidFill>
-              <a:latin typeface="Calisto MT"/>
-            </a:endParaRPr>
-          </a:p>
-          <a:p>
-            <a:pPr>
-              <a:lnSpc>
-                <a:spcPct val="110000"/>
-              </a:lnSpc>
-              <a:spcBef>
-                <a:spcPts val="1001"/>
-              </a:spcBef>
-              <a:tabLst>
-                <a:tab pos="0" algn="l"/>
-              </a:tabLst>
-            </a:pPr>
-            <a:r>
-              <a:rPr lang="de-DE" sz="2000">
-                <a:solidFill>
-                  <a:schemeClr val="dk1"/>
-                </a:solidFill>
-                <a:latin typeface="Calisto MT"/>
-              </a:rPr>
-              <a:t>- Zeiten Tabelle – Wochenübersicht</a:t>
-            </a:r>
-          </a:p>
-          <a:p>
-            <a:pPr>
-              <a:lnSpc>
-                <a:spcPct val="110000"/>
-              </a:lnSpc>
-              <a:spcBef>
-                <a:spcPts val="1001"/>
-              </a:spcBef>
-              <a:tabLst>
-                <a:tab pos="0" algn="l"/>
-              </a:tabLst>
-            </a:pPr>
-            <a:endParaRPr lang="de-DE" sz="2000">
-              <a:solidFill>
-                <a:schemeClr val="dk1"/>
-              </a:solidFill>
-              <a:latin typeface="Calisto MT"/>
-            </a:endParaRPr>
-          </a:p>
-          <a:p>
-            <a:pPr>
-              <a:lnSpc>
-                <a:spcPct val="110000"/>
-              </a:lnSpc>
-              <a:spcBef>
-                <a:spcPts val="1001"/>
-              </a:spcBef>
-              <a:tabLst>
-                <a:tab pos="0" algn="l"/>
-              </a:tabLst>
-            </a:pPr>
-            <a:r>
-              <a:rPr lang="de-DE" sz="2000">
-                <a:solidFill>
-                  <a:schemeClr val="dk1"/>
-                </a:solidFill>
-                <a:latin typeface="Calisto MT"/>
-              </a:rPr>
-              <a:t>- Wochensprünge mit „Früher“ / „Später“</a:t>
-            </a:r>
-          </a:p>
-          <a:p>
-            <a:pPr>
-              <a:lnSpc>
-                <a:spcPct val="110000"/>
-              </a:lnSpc>
-              <a:spcBef>
-                <a:spcPts val="1001"/>
-              </a:spcBef>
-              <a:tabLst>
-                <a:tab pos="0" algn="l"/>
-              </a:tabLst>
-            </a:pPr>
-            <a:endParaRPr lang="de-DE" sz="2000">
-              <a:solidFill>
-                <a:schemeClr val="dk1"/>
-              </a:solidFill>
-              <a:latin typeface="Calisto MT"/>
-            </a:endParaRPr>
-          </a:p>
-          <a:p>
-            <a:pPr>
-              <a:lnSpc>
-                <a:spcPct val="110000"/>
-              </a:lnSpc>
-              <a:spcBef>
-                <a:spcPts val="1001"/>
-              </a:spcBef>
-              <a:tabLst>
-                <a:tab pos="0" algn="l"/>
-              </a:tabLst>
-            </a:pPr>
-            <a:r>
-              <a:rPr lang="de-DE" sz="2000">
-                <a:solidFill>
-                  <a:schemeClr val="dk1"/>
-                </a:solidFill>
-                <a:latin typeface="Calisto MT"/>
-              </a:rPr>
-              <a:t>- Tagesauswahl</a:t>
-            </a:r>
-          </a:p>
-          <a:p>
-            <a:pPr>
-              <a:lnSpc>
-                <a:spcPct val="110000"/>
-              </a:lnSpc>
-              <a:spcBef>
-                <a:spcPts val="1001"/>
-              </a:spcBef>
-              <a:tabLst>
-                <a:tab pos="0" algn="l"/>
-              </a:tabLst>
-            </a:pPr>
-            <a:endParaRPr lang="de-DE" sz="2000">
-              <a:solidFill>
-                <a:schemeClr val="dk1"/>
-              </a:solidFill>
-              <a:latin typeface="Calisto MT"/>
-            </a:endParaRPr>
-          </a:p>
-          <a:p>
-            <a:pPr>
-              <a:lnSpc>
-                <a:spcPct val="110000"/>
-              </a:lnSpc>
-              <a:spcBef>
-                <a:spcPts val="1001"/>
-              </a:spcBef>
-              <a:tabLst>
-                <a:tab pos="0" algn="l"/>
-              </a:tabLst>
-            </a:pPr>
-            <a:r>
-              <a:rPr lang="de-DE" sz="2000">
-                <a:solidFill>
-                  <a:schemeClr val="dk1"/>
-                </a:solidFill>
-                <a:latin typeface="Calisto MT"/>
-              </a:rPr>
-              <a:t>- „Kommen“ / „Gehen“ Buttons</a:t>
-            </a:r>
-          </a:p>
-          <a:p>
-            <a:pPr>
-              <a:lnSpc>
-                <a:spcPct val="110000"/>
-              </a:lnSpc>
-              <a:spcBef>
-                <a:spcPts val="1001"/>
-              </a:spcBef>
-              <a:tabLst>
-                <a:tab pos="0" algn="l"/>
-              </a:tabLst>
-            </a:pPr>
-            <a:endParaRPr lang="de-DE" sz="2000">
-              <a:solidFill>
-                <a:schemeClr val="dk1"/>
-              </a:solidFill>
-              <a:latin typeface="Calisto MT"/>
-            </a:endParaRPr>
-          </a:p>
-          <a:p>
-            <a:pPr>
-              <a:lnSpc>
-                <a:spcPct val="110000"/>
-              </a:lnSpc>
-              <a:spcBef>
-                <a:spcPts val="1001"/>
-              </a:spcBef>
-              <a:tabLst>
-                <a:tab pos="0" algn="l"/>
-              </a:tabLst>
-            </a:pPr>
-            <a:r>
-              <a:rPr lang="de-DE" sz="2000">
-                <a:solidFill>
-                  <a:schemeClr val="dk1"/>
-                </a:solidFill>
-                <a:latin typeface="Calisto MT"/>
-              </a:rPr>
-              <a:t>- Kurzinformationen</a:t>
-            </a:r>
-          </a:p>
-          <a:p>
-            <a:pPr>
-              <a:lnSpc>
-                <a:spcPct val="110000"/>
-              </a:lnSpc>
-              <a:spcBef>
-                <a:spcPts val="1001"/>
-              </a:spcBef>
-              <a:tabLst>
-                <a:tab pos="0" algn="l"/>
-              </a:tabLst>
-            </a:pPr>
-            <a:endParaRPr lang="de-DE" sz="2000">
-              <a:solidFill>
-                <a:schemeClr val="dk1"/>
-              </a:solidFill>
-              <a:latin typeface="Calisto MT"/>
-            </a:endParaRPr>
-          </a:p>
-          <a:p>
-            <a:pPr>
-              <a:lnSpc>
-                <a:spcPct val="110000"/>
-              </a:lnSpc>
-              <a:spcBef>
-                <a:spcPts val="1001"/>
-              </a:spcBef>
-              <a:tabLst>
-                <a:tab pos="0" algn="l"/>
-              </a:tabLst>
-            </a:pPr>
-            <a:endParaRPr lang="de-DE" sz="2000" dirty="0">
-              <a:solidFill>
-                <a:schemeClr val="dk1"/>
-              </a:solidFill>
-              <a:latin typeface="Calisto MT"/>
-            </a:endParaRPr>
-          </a:p>
-        </p:txBody>
-      </p:sp>
-      <p:sp>
-        <p:nvSpPr>
-          <p:cNvPr id="6" name="PlaceHolder 2">
-            <a:extLst>
-              <a:ext uri="{FF2B5EF4-FFF2-40B4-BE49-F238E27FC236}">
-                <a16:creationId xmlns:a16="http://schemas.microsoft.com/office/drawing/2014/main" id="{279A3E0A-5446-FE29-221A-A15B3D42B090}"/>
-              </a:ext>
-            </a:extLst>
-          </p:cNvPr>
-          <p:cNvSpPr txBox="1">
-            <a:spLocks/>
-          </p:cNvSpPr>
-          <p:nvPr/>
-        </p:nvSpPr>
-        <p:spPr>
-          <a:xfrm>
-            <a:off x="700560" y="1800000"/>
-            <a:ext cx="5239440" cy="4161600"/>
-          </a:xfrm>
-          <a:prstGeom prst="rect">
-            <a:avLst/>
-          </a:prstGeom>
-          <a:noFill/>
-          <a:ln w="0">
-            <a:noFill/>
-          </a:ln>
-        </p:spPr>
-        <p:txBody>
-          <a:bodyPr lIns="91440" tIns="45720" rIns="91440" bIns="45720" anchor="t">
-            <a:normAutofit/>
-          </a:bodyPr>
-          <a:lstStyle>
-            <a:lvl1pPr algn="l" defTabSz="914400" rtl="0" eaLnBrk="1" latinLnBrk="0" hangingPunct="1">
-              <a:lnSpc>
-                <a:spcPct val="90000"/>
-              </a:lnSpc>
-              <a:spcBef>
-                <a:spcPct val="0"/>
-              </a:spcBef>
-              <a:buNone/>
-              <a:defRPr sz="4400" kern="1200">
-                <a:solidFill>
-                  <a:schemeClr val="tx1"/>
-                </a:solidFill>
-                <a:latin typeface="+mj-lt"/>
-                <a:ea typeface="+mj-ea"/>
-                <a:cs typeface="+mj-cs"/>
-              </a:defRPr>
-            </a:lvl1pPr>
-          </a:lstStyle>
-          <a:p>
-            <a:pPr>
-              <a:lnSpc>
-                <a:spcPct val="110000"/>
-              </a:lnSpc>
-              <a:spcBef>
-                <a:spcPts val="1001"/>
-              </a:spcBef>
-              <a:tabLst>
-                <a:tab pos="0" algn="l"/>
-              </a:tabLst>
-            </a:pPr>
-            <a:r>
-              <a:rPr lang="de-DE" sz="2000">
-                <a:solidFill>
-                  <a:schemeClr val="dk1"/>
-                </a:solidFill>
-                <a:latin typeface="Calisto MT"/>
-              </a:rPr>
-              <a:t>Navigationsbar:</a:t>
-            </a:r>
-          </a:p>
-          <a:p>
-            <a:pPr>
-              <a:lnSpc>
-                <a:spcPct val="110000"/>
-              </a:lnSpc>
-              <a:spcBef>
-                <a:spcPts val="1001"/>
-              </a:spcBef>
-              <a:tabLst>
-                <a:tab pos="0" algn="l"/>
-              </a:tabLst>
-            </a:pPr>
-            <a:endParaRPr lang="de-DE" sz="2000">
-              <a:solidFill>
-                <a:schemeClr val="dk1"/>
-              </a:solidFill>
-              <a:latin typeface="Calisto MT"/>
-            </a:endParaRPr>
-          </a:p>
-          <a:p>
-            <a:pPr>
-              <a:lnSpc>
-                <a:spcPct val="110000"/>
-              </a:lnSpc>
-              <a:spcBef>
-                <a:spcPts val="1001"/>
-              </a:spcBef>
-              <a:tabLst>
-                <a:tab pos="0" algn="l"/>
-              </a:tabLst>
-            </a:pPr>
-            <a:r>
-              <a:rPr lang="de-DE" sz="2000">
-                <a:solidFill>
-                  <a:schemeClr val="dk1"/>
-                </a:solidFill>
-                <a:latin typeface="Calisto MT"/>
-              </a:rPr>
-              <a:t>- Begrüßung</a:t>
-            </a:r>
-          </a:p>
-          <a:p>
-            <a:pPr>
-              <a:lnSpc>
-                <a:spcPct val="110000"/>
-              </a:lnSpc>
-              <a:spcBef>
-                <a:spcPts val="1001"/>
-              </a:spcBef>
-              <a:tabLst>
-                <a:tab pos="0" algn="l"/>
-              </a:tabLst>
-            </a:pPr>
-            <a:endParaRPr lang="de-DE" sz="2000">
-              <a:solidFill>
-                <a:schemeClr val="dk1"/>
-              </a:solidFill>
-              <a:latin typeface="Calisto MT"/>
-            </a:endParaRPr>
-          </a:p>
-          <a:p>
-            <a:pPr>
-              <a:lnSpc>
-                <a:spcPct val="110000"/>
-              </a:lnSpc>
-              <a:spcBef>
-                <a:spcPts val="1001"/>
-              </a:spcBef>
-              <a:tabLst>
-                <a:tab pos="0" algn="l"/>
-              </a:tabLst>
-            </a:pPr>
-            <a:r>
-              <a:rPr lang="de-DE" sz="2000">
-                <a:solidFill>
-                  <a:schemeClr val="dk1"/>
-                </a:solidFill>
-                <a:latin typeface="Calisto MT"/>
-              </a:rPr>
-              <a:t>- Benachrichtigungs Button</a:t>
-            </a:r>
-          </a:p>
-          <a:p>
-            <a:pPr>
-              <a:lnSpc>
-                <a:spcPct val="110000"/>
-              </a:lnSpc>
-              <a:spcBef>
-                <a:spcPts val="1001"/>
-              </a:spcBef>
-              <a:tabLst>
-                <a:tab pos="0" algn="l"/>
-              </a:tabLst>
-            </a:pPr>
-            <a:endParaRPr lang="de-DE" sz="2000">
-              <a:solidFill>
-                <a:schemeClr val="dk1"/>
-              </a:solidFill>
-              <a:latin typeface="Calisto MT"/>
-            </a:endParaRPr>
-          </a:p>
-          <a:p>
-            <a:pPr>
-              <a:lnSpc>
-                <a:spcPct val="110000"/>
-              </a:lnSpc>
-              <a:spcBef>
-                <a:spcPts val="1001"/>
-              </a:spcBef>
-              <a:tabLst>
-                <a:tab pos="0" algn="l"/>
-              </a:tabLst>
-            </a:pPr>
-            <a:r>
-              <a:rPr lang="de-DE" sz="2000">
-                <a:solidFill>
-                  <a:schemeClr val="dk1"/>
-                </a:solidFill>
-                <a:latin typeface="Calisto MT"/>
-              </a:rPr>
-              <a:t>- Logout Button</a:t>
-            </a:r>
-          </a:p>
-          <a:p>
-            <a:pPr>
-              <a:lnSpc>
-                <a:spcPct val="110000"/>
-              </a:lnSpc>
-              <a:spcBef>
-                <a:spcPts val="1001"/>
-              </a:spcBef>
-              <a:tabLst>
-                <a:tab pos="0" algn="l"/>
-              </a:tabLst>
-            </a:pPr>
-            <a:endParaRPr lang="de-DE" sz="2000">
-              <a:solidFill>
-                <a:schemeClr val="dk1"/>
-              </a:solidFill>
-              <a:latin typeface="Calisto MT"/>
-            </a:endParaRPr>
-          </a:p>
-          <a:p>
-            <a:pPr>
-              <a:lnSpc>
-                <a:spcPct val="110000"/>
-              </a:lnSpc>
-              <a:spcBef>
-                <a:spcPts val="1001"/>
-              </a:spcBef>
-              <a:tabLst>
-                <a:tab pos="0" algn="l"/>
-              </a:tabLst>
-            </a:pPr>
-            <a:r>
-              <a:rPr lang="de-DE" sz="2000">
-                <a:solidFill>
-                  <a:schemeClr val="dk1"/>
-                </a:solidFill>
-                <a:latin typeface="Calisto MT"/>
-              </a:rPr>
-              <a:t>- Hamburger Button</a:t>
-            </a:r>
-          </a:p>
-          <a:p>
-            <a:pPr>
-              <a:lnSpc>
-                <a:spcPct val="110000"/>
-              </a:lnSpc>
-              <a:spcBef>
-                <a:spcPts val="1001"/>
-              </a:spcBef>
-              <a:tabLst>
-                <a:tab pos="0" algn="l"/>
-              </a:tabLst>
-            </a:pPr>
-            <a:endParaRPr lang="de-DE" sz="2000">
-              <a:solidFill>
-                <a:schemeClr val="dk1"/>
-              </a:solidFill>
-              <a:latin typeface="Calisto MT"/>
-            </a:endParaRPr>
-          </a:p>
-          <a:p>
-            <a:pPr>
-              <a:lnSpc>
-                <a:spcPct val="110000"/>
-              </a:lnSpc>
-              <a:spcBef>
-                <a:spcPts val="1001"/>
-              </a:spcBef>
-              <a:tabLst>
-                <a:tab pos="0" algn="l"/>
-              </a:tabLst>
-            </a:pPr>
-            <a:endParaRPr lang="de-DE" sz="2000" dirty="0">
-              <a:solidFill>
-                <a:schemeClr val="dk1"/>
-              </a:solidFill>
-              <a:latin typeface="Calisto MT"/>
-            </a:endParaRPr>
-          </a:p>
-        </p:txBody>
-      </p:sp>
-      <p:sp>
-        <p:nvSpPr>
-          <p:cNvPr id="8" name="PlaceHolder 2">
-            <a:extLst>
-              <a:ext uri="{FF2B5EF4-FFF2-40B4-BE49-F238E27FC236}">
-                <a16:creationId xmlns:a16="http://schemas.microsoft.com/office/drawing/2014/main" id="{481147F8-637A-3DBE-5A20-79AD5D3F2F87}"/>
-              </a:ext>
-            </a:extLst>
-          </p:cNvPr>
-          <p:cNvSpPr txBox="1">
-            <a:spLocks/>
-          </p:cNvSpPr>
-          <p:nvPr/>
-        </p:nvSpPr>
-        <p:spPr>
-          <a:xfrm>
-            <a:off x="700560" y="1800000"/>
-            <a:ext cx="5395440" cy="4161600"/>
-          </a:xfrm>
-          <a:prstGeom prst="rect">
-            <a:avLst/>
-          </a:prstGeom>
-          <a:noFill/>
-          <a:ln w="0">
-            <a:noFill/>
-          </a:ln>
-        </p:spPr>
-        <p:txBody>
-          <a:bodyPr lIns="91440" tIns="45720" rIns="91440" bIns="45720" anchor="t">
-            <a:normAutofit/>
-          </a:bodyPr>
-          <a:lstStyle>
-            <a:lvl1pPr algn="l" defTabSz="914400" rtl="0" eaLnBrk="1" latinLnBrk="0" hangingPunct="1">
-              <a:lnSpc>
-                <a:spcPct val="90000"/>
-              </a:lnSpc>
-              <a:spcBef>
-                <a:spcPct val="0"/>
-              </a:spcBef>
-              <a:buNone/>
-              <a:defRPr sz="4400" kern="1200">
-                <a:solidFill>
-                  <a:schemeClr val="tx1"/>
-                </a:solidFill>
-                <a:latin typeface="+mj-lt"/>
-                <a:ea typeface="+mj-ea"/>
-                <a:cs typeface="+mj-cs"/>
-              </a:defRPr>
-            </a:lvl1pPr>
-          </a:lstStyle>
-          <a:p>
-            <a:pPr>
-              <a:lnSpc>
-                <a:spcPct val="110000"/>
-              </a:lnSpc>
-              <a:spcBef>
-                <a:spcPts val="1001"/>
-              </a:spcBef>
-              <a:tabLst>
-                <a:tab pos="0" algn="l"/>
-              </a:tabLst>
-            </a:pPr>
-            <a:r>
-              <a:rPr lang="de-DE" sz="2000">
-                <a:solidFill>
-                  <a:schemeClr val="dk1"/>
-                </a:solidFill>
-                <a:latin typeface="Calisto MT"/>
-              </a:rPr>
-              <a:t>Benachrichtigungen:</a:t>
-            </a:r>
-          </a:p>
-          <a:p>
-            <a:pPr>
-              <a:lnSpc>
-                <a:spcPct val="110000"/>
-              </a:lnSpc>
-              <a:spcBef>
-                <a:spcPts val="1001"/>
-              </a:spcBef>
-              <a:tabLst>
-                <a:tab pos="0" algn="l"/>
-              </a:tabLst>
-            </a:pPr>
-            <a:endParaRPr lang="de-DE" sz="2000">
-              <a:solidFill>
-                <a:schemeClr val="dk1"/>
-              </a:solidFill>
-              <a:latin typeface="Calisto MT"/>
-            </a:endParaRPr>
-          </a:p>
-          <a:p>
-            <a:pPr>
-              <a:lnSpc>
-                <a:spcPct val="110000"/>
-              </a:lnSpc>
-              <a:spcBef>
-                <a:spcPts val="1001"/>
-              </a:spcBef>
-              <a:tabLst>
-                <a:tab pos="0" algn="l"/>
-              </a:tabLst>
-            </a:pPr>
-            <a:r>
-              <a:rPr lang="de-DE" sz="2000">
-                <a:solidFill>
-                  <a:schemeClr val="dk1"/>
-                </a:solidFill>
-                <a:latin typeface="Calisto MT"/>
-              </a:rPr>
-              <a:t>- Pop-up Fenster zum Scrollen</a:t>
-            </a:r>
-          </a:p>
-          <a:p>
-            <a:pPr>
-              <a:lnSpc>
-                <a:spcPct val="110000"/>
-              </a:lnSpc>
-              <a:spcBef>
-                <a:spcPts val="1001"/>
-              </a:spcBef>
-              <a:tabLst>
-                <a:tab pos="0" algn="l"/>
-              </a:tabLst>
-            </a:pPr>
-            <a:endParaRPr lang="de-DE" sz="2000">
-              <a:solidFill>
-                <a:schemeClr val="dk1"/>
-              </a:solidFill>
-              <a:latin typeface="Calisto MT"/>
-            </a:endParaRPr>
-          </a:p>
-          <a:p>
-            <a:pPr>
-              <a:lnSpc>
-                <a:spcPct val="110000"/>
-              </a:lnSpc>
-              <a:spcBef>
-                <a:spcPts val="1001"/>
-              </a:spcBef>
-              <a:tabLst>
-                <a:tab pos="0" algn="l"/>
-              </a:tabLst>
-            </a:pPr>
-            <a:endParaRPr lang="de-DE" sz="2000" dirty="0">
-              <a:solidFill>
-                <a:schemeClr val="dk1"/>
-              </a:solidFill>
-              <a:latin typeface="Calisto MT"/>
-            </a:endParaRPr>
-          </a:p>
-        </p:txBody>
-      </p:sp>
-      <p:sp>
-        <p:nvSpPr>
-          <p:cNvPr id="12" name="PlaceHolder 2">
-            <a:extLst>
-              <a:ext uri="{FF2B5EF4-FFF2-40B4-BE49-F238E27FC236}">
-                <a16:creationId xmlns:a16="http://schemas.microsoft.com/office/drawing/2014/main" id="{6C380532-4E7C-9104-4BEB-6E2F7A1FA09F}"/>
-              </a:ext>
-            </a:extLst>
-          </p:cNvPr>
-          <p:cNvSpPr txBox="1">
-            <a:spLocks/>
-          </p:cNvSpPr>
-          <p:nvPr/>
-        </p:nvSpPr>
-        <p:spPr>
-          <a:xfrm>
-            <a:off x="700560" y="1800000"/>
-            <a:ext cx="5395440" cy="4161600"/>
-          </a:xfrm>
-          <a:prstGeom prst="rect">
-            <a:avLst/>
-          </a:prstGeom>
-          <a:noFill/>
-          <a:ln w="0">
-            <a:noFill/>
-          </a:ln>
-        </p:spPr>
-        <p:txBody>
-          <a:bodyPr lIns="91440" tIns="45720" rIns="91440" bIns="45720" anchor="t">
-            <a:normAutofit/>
-          </a:bodyPr>
-          <a:lstStyle>
-            <a:lvl1pPr algn="l" defTabSz="914400" rtl="0" eaLnBrk="1" latinLnBrk="0" hangingPunct="1">
-              <a:lnSpc>
-                <a:spcPct val="90000"/>
-              </a:lnSpc>
-              <a:spcBef>
-                <a:spcPct val="0"/>
-              </a:spcBef>
-              <a:buNone/>
-              <a:defRPr sz="4400" kern="1200">
-                <a:solidFill>
-                  <a:schemeClr val="tx1"/>
-                </a:solidFill>
-                <a:latin typeface="+mj-lt"/>
-                <a:ea typeface="+mj-ea"/>
-                <a:cs typeface="+mj-cs"/>
-              </a:defRPr>
-            </a:lvl1pPr>
-          </a:lstStyle>
-          <a:p>
-            <a:pPr>
-              <a:lnSpc>
-                <a:spcPct val="110000"/>
-              </a:lnSpc>
-              <a:spcBef>
-                <a:spcPts val="1001"/>
-              </a:spcBef>
-              <a:tabLst>
-                <a:tab pos="0" algn="l"/>
-              </a:tabLst>
-            </a:pPr>
-            <a:r>
-              <a:rPr lang="de-DE" sz="2000">
-                <a:solidFill>
-                  <a:schemeClr val="dk1"/>
-                </a:solidFill>
-                <a:latin typeface="Calisto MT"/>
-              </a:rPr>
-              <a:t>Hamburger Menü:</a:t>
-            </a:r>
-          </a:p>
-          <a:p>
-            <a:pPr>
-              <a:lnSpc>
-                <a:spcPct val="110000"/>
-              </a:lnSpc>
-              <a:spcBef>
-                <a:spcPts val="1001"/>
-              </a:spcBef>
-              <a:tabLst>
-                <a:tab pos="0" algn="l"/>
-              </a:tabLst>
-            </a:pPr>
-            <a:endParaRPr lang="de-DE" sz="2000">
-              <a:solidFill>
-                <a:schemeClr val="dk1"/>
-              </a:solidFill>
-              <a:latin typeface="Calisto MT"/>
-            </a:endParaRPr>
-          </a:p>
-          <a:p>
-            <a:pPr>
-              <a:lnSpc>
-                <a:spcPct val="110000"/>
-              </a:lnSpc>
-              <a:spcBef>
-                <a:spcPts val="1001"/>
-              </a:spcBef>
-              <a:tabLst>
-                <a:tab pos="0" algn="l"/>
-              </a:tabLst>
-            </a:pPr>
-            <a:r>
-              <a:rPr lang="de-DE" sz="2000">
-                <a:solidFill>
-                  <a:schemeClr val="dk1"/>
-                </a:solidFill>
-                <a:latin typeface="Calisto MT"/>
-              </a:rPr>
-              <a:t>- Passwort änderbar</a:t>
-            </a:r>
-          </a:p>
-          <a:p>
-            <a:pPr>
-              <a:lnSpc>
-                <a:spcPct val="110000"/>
-              </a:lnSpc>
-              <a:spcBef>
-                <a:spcPts val="1001"/>
-              </a:spcBef>
-              <a:tabLst>
-                <a:tab pos="0" algn="l"/>
-              </a:tabLst>
-            </a:pPr>
-            <a:endParaRPr lang="de-DE" sz="2000">
-              <a:solidFill>
-                <a:schemeClr val="dk1"/>
-              </a:solidFill>
-              <a:latin typeface="Calisto MT"/>
-            </a:endParaRPr>
-          </a:p>
-          <a:p>
-            <a:pPr>
-              <a:lnSpc>
-                <a:spcPct val="110000"/>
-              </a:lnSpc>
-              <a:spcBef>
-                <a:spcPts val="1001"/>
-              </a:spcBef>
-              <a:tabLst>
-                <a:tab pos="0" algn="l"/>
-              </a:tabLst>
-            </a:pPr>
-            <a:r>
-              <a:rPr lang="de-DE" sz="2000">
-                <a:solidFill>
-                  <a:schemeClr val="dk1"/>
-                </a:solidFill>
-                <a:latin typeface="Calisto MT"/>
-              </a:rPr>
-              <a:t>- Sprachwechsel mit On/Off Button</a:t>
-            </a:r>
-          </a:p>
-          <a:p>
-            <a:pPr>
-              <a:lnSpc>
-                <a:spcPct val="110000"/>
-              </a:lnSpc>
-              <a:spcBef>
-                <a:spcPts val="1001"/>
-              </a:spcBef>
-              <a:tabLst>
-                <a:tab pos="0" algn="l"/>
-              </a:tabLst>
-            </a:pPr>
-            <a:endParaRPr lang="de-DE" sz="2000">
-              <a:solidFill>
-                <a:schemeClr val="dk1"/>
-              </a:solidFill>
-              <a:latin typeface="Calisto MT"/>
-            </a:endParaRPr>
-          </a:p>
-          <a:p>
-            <a:pPr>
-              <a:lnSpc>
-                <a:spcPct val="110000"/>
-              </a:lnSpc>
-              <a:spcBef>
-                <a:spcPts val="1001"/>
-              </a:spcBef>
-              <a:tabLst>
-                <a:tab pos="0" algn="l"/>
-              </a:tabLst>
-            </a:pPr>
-            <a:endParaRPr lang="de-DE" sz="2000" dirty="0">
-              <a:solidFill>
-                <a:schemeClr val="dk1"/>
-              </a:solidFill>
-              <a:latin typeface="Calisto MT"/>
-            </a:endParaRPr>
-          </a:p>
-        </p:txBody>
-      </p:sp>
+        </p:nvGraphicFramePr>
+        <p:xfrm>
+          <a:off x="-327960" y="2221920"/>
+          <a:ext cx="4860000" cy="3025440"/>
+        </p:xfrm>
+        <a:graphic>
+          <a:graphicData uri="http://schemas.openxmlformats.org/drawingml/2006/chart">
+            <c:chart xmlns:c="http://schemas.openxmlformats.org/drawingml/2006/chart" xmlns:r="http://schemas.openxmlformats.org/officeDocument/2006/relationships" r:id="rId3"/>
+          </a:graphicData>
+        </a:graphic>
+      </p:graphicFrame>
     </p:spTree>
-    <p:extLst>
-      <p:ext uri="{BB962C8B-B14F-4D97-AF65-F5344CB8AC3E}">
-        <p14:creationId xmlns:p14="http://schemas.microsoft.com/office/powerpoint/2010/main" val="1424716114"/>
-      </p:ext>
-    </p:extLst>
   </p:cSld>
   <p:clrMapOvr>
     <a:masterClrMapping/>
   </p:clrMapOvr>
-  <p:timing>
-    <p:tnLst>
-      <p:par>
-        <p:cTn id="1" dur="indefinite" restart="never" nodeType="tmRoot">
-          <p:childTnLst>
-            <p:seq concurrent="1" nextAc="seek">
-              <p:cTn id="2" dur="indefinite" nodeType="mainSeq">
-                <p:childTnLst>
-                  <p:par>
-                    <p:cTn id="3" fill="hold">
-                      <p:stCondLst>
-                        <p:cond delay="indefinite"/>
-                      </p:stCondLst>
-                      <p:childTnLst>
-                        <p:par>
-                          <p:cTn id="4" fill="hold">
-                            <p:stCondLst>
-                              <p:cond delay="0"/>
-                            </p:stCondLst>
-                            <p:childTnLst>
-                              <p:par>
-                                <p:cTn id="5" presetID="1" presetClass="entr" presetSubtype="0" fill="hold" grpId="0" nodeType="clickEffect">
-                                  <p:stCondLst>
-                                    <p:cond delay="0"/>
-                                  </p:stCondLst>
-                                  <p:childTnLst>
-                                    <p:set>
-                                      <p:cBhvr>
-                                        <p:cTn id="6" dur="1" fill="hold">
-                                          <p:stCondLst>
-                                            <p:cond delay="0"/>
-                                          </p:stCondLst>
-                                        </p:cTn>
-                                        <p:tgtEl>
-                                          <p:spTgt spid="103">
-                                            <p:txEl>
-                                              <p:pRg st="0" end="0"/>
-                                            </p:txEl>
-                                          </p:spTgt>
-                                        </p:tgtEl>
-                                        <p:attrNameLst>
-                                          <p:attrName>style.visibility</p:attrName>
-                                        </p:attrNameLst>
-                                      </p:cBhvr>
-                                      <p:to>
-                                        <p:strVal val="visible"/>
-                                      </p:to>
-                                    </p:set>
-                                  </p:childTnLst>
-                                  <p:subTnLst>
-                                    <p:set>
-                                      <p:cBhvr override="childStyle">
-                                        <p:cTn dur="1" fill="hold" display="0" masterRel="nextClick" afterEffect="1"/>
-                                        <p:tgtEl>
-                                          <p:spTgt spid="103">
-                                            <p:txEl>
-                                              <p:pRg st="0" end="0"/>
-                                            </p:txEl>
-                                          </p:spTgt>
-                                        </p:tgtEl>
-                                        <p:attrNameLst>
-                                          <p:attrName>style.visibility</p:attrName>
-                                        </p:attrNameLst>
-                                      </p:cBhvr>
-                                      <p:to>
-                                        <p:strVal val="hidden"/>
-                                      </p:to>
-                                    </p:set>
-                                  </p:subTnLst>
-                                </p:cTn>
-                              </p:par>
-                              <p:par>
-                                <p:cTn id="7" presetID="1" presetClass="entr" presetSubtype="0" fill="hold" grpId="0" nodeType="withEffect">
-                                  <p:stCondLst>
-                                    <p:cond delay="0"/>
-                                  </p:stCondLst>
-                                  <p:childTnLst>
-                                    <p:set>
-                                      <p:cBhvr>
-                                        <p:cTn id="8" dur="1" fill="hold">
-                                          <p:stCondLst>
-                                            <p:cond delay="0"/>
-                                          </p:stCondLst>
-                                        </p:cTn>
-                                        <p:tgtEl>
-                                          <p:spTgt spid="103">
-                                            <p:txEl>
-                                              <p:pRg st="3" end="3"/>
-                                            </p:txEl>
-                                          </p:spTgt>
-                                        </p:tgtEl>
-                                        <p:attrNameLst>
-                                          <p:attrName>style.visibility</p:attrName>
-                                        </p:attrNameLst>
-                                      </p:cBhvr>
-                                      <p:to>
-                                        <p:strVal val="visible"/>
-                                      </p:to>
-                                    </p:set>
-                                  </p:childTnLst>
-                                  <p:subTnLst>
-                                    <p:set>
-                                      <p:cBhvr override="childStyle">
-                                        <p:cTn dur="1" fill="hold" display="0" masterRel="nextClick" afterEffect="1"/>
-                                        <p:tgtEl>
-                                          <p:spTgt spid="103">
-                                            <p:txEl>
-                                              <p:pRg st="3" end="3"/>
-                                            </p:txEl>
-                                          </p:spTgt>
-                                        </p:tgtEl>
-                                        <p:attrNameLst>
-                                          <p:attrName>style.visibility</p:attrName>
-                                        </p:attrNameLst>
-                                      </p:cBhvr>
-                                      <p:to>
-                                        <p:strVal val="hidden"/>
-                                      </p:to>
-                                    </p:set>
-                                  </p:subTnLst>
-                                </p:cTn>
-                              </p:par>
-                              <p:par>
-                                <p:cTn id="9" presetID="1" presetClass="entr" presetSubtype="0" fill="hold" grpId="0" nodeType="withEffect">
-                                  <p:stCondLst>
-                                    <p:cond delay="0"/>
-                                  </p:stCondLst>
-                                  <p:childTnLst>
-                                    <p:set>
-                                      <p:cBhvr>
-                                        <p:cTn id="10" dur="1" fill="hold">
-                                          <p:stCondLst>
-                                            <p:cond delay="0"/>
-                                          </p:stCondLst>
-                                        </p:cTn>
-                                        <p:tgtEl>
-                                          <p:spTgt spid="103">
-                                            <p:txEl>
-                                              <p:pRg st="5" end="5"/>
-                                            </p:txEl>
-                                          </p:spTgt>
-                                        </p:tgtEl>
-                                        <p:attrNameLst>
-                                          <p:attrName>style.visibility</p:attrName>
-                                        </p:attrNameLst>
-                                      </p:cBhvr>
-                                      <p:to>
-                                        <p:strVal val="visible"/>
-                                      </p:to>
-                                    </p:set>
-                                  </p:childTnLst>
-                                  <p:subTnLst>
-                                    <p:set>
-                                      <p:cBhvr override="childStyle">
-                                        <p:cTn dur="1" fill="hold" display="0" masterRel="nextClick" afterEffect="1"/>
-                                        <p:tgtEl>
-                                          <p:spTgt spid="103">
-                                            <p:txEl>
-                                              <p:pRg st="5" end="5"/>
-                                            </p:txEl>
-                                          </p:spTgt>
-                                        </p:tgtEl>
-                                        <p:attrNameLst>
-                                          <p:attrName>style.visibility</p:attrName>
-                                        </p:attrNameLst>
-                                      </p:cBhvr>
-                                      <p:to>
-                                        <p:strVal val="hidden"/>
-                                      </p:to>
-                                    </p:set>
-                                  </p:subTnLst>
-                                </p:cTn>
-                              </p:par>
-                              <p:par>
-                                <p:cTn id="11" presetID="1" presetClass="entr" presetSubtype="0" fill="hold" nodeType="withEffect">
-                                  <p:stCondLst>
-                                    <p:cond delay="0"/>
-                                  </p:stCondLst>
-                                  <p:childTnLst>
-                                    <p:set>
-                                      <p:cBhvr>
-                                        <p:cTn id="12" dur="1" fill="hold">
-                                          <p:stCondLst>
-                                            <p:cond delay="0"/>
-                                          </p:stCondLst>
-                                        </p:cTn>
-                                        <p:tgtEl>
-                                          <p:spTgt spid="104"/>
-                                        </p:tgtEl>
-                                        <p:attrNameLst>
-                                          <p:attrName>style.visibility</p:attrName>
-                                        </p:attrNameLst>
-                                      </p:cBhvr>
-                                      <p:to>
-                                        <p:strVal val="visible"/>
-                                      </p:to>
-                                    </p:set>
-                                  </p:childTnLst>
-                                </p:cTn>
-                              </p:par>
-                            </p:childTnLst>
-                          </p:cTn>
-                        </p:par>
-                      </p:childTnLst>
-                    </p:cTn>
-                  </p:par>
-                  <p:par>
-                    <p:cTn id="13" fill="hold">
-                      <p:stCondLst>
-                        <p:cond delay="indefinite"/>
-                      </p:stCondLst>
-                      <p:childTnLst>
-                        <p:par>
-                          <p:cTn id="14" fill="hold">
-                            <p:stCondLst>
-                              <p:cond delay="0"/>
-                            </p:stCondLst>
-                            <p:childTnLst>
-                              <p:par>
-                                <p:cTn id="15" presetID="1" presetClass="entr" presetSubtype="0" fill="hold" grpId="0" nodeType="clickEffect">
-                                  <p:stCondLst>
-                                    <p:cond delay="0"/>
-                                  </p:stCondLst>
-                                  <p:childTnLst>
-                                    <p:set>
-                                      <p:cBhvr>
-                                        <p:cTn id="16" dur="1" fill="hold">
-                                          <p:stCondLst>
-                                            <p:cond delay="0"/>
-                                          </p:stCondLst>
-                                        </p:cTn>
-                                        <p:tgtEl>
-                                          <p:spTgt spid="2"/>
-                                        </p:tgtEl>
-                                        <p:attrNameLst>
-                                          <p:attrName>style.visibility</p:attrName>
-                                        </p:attrNameLst>
-                                      </p:cBhvr>
-                                      <p:to>
-                                        <p:strVal val="visible"/>
-                                      </p:to>
-                                    </p:set>
-                                  </p:childTnLst>
-                                  <p:subTnLst>
-                                    <p:set>
-                                      <p:cBhvr override="childStyle">
-                                        <p:cTn dur="1" fill="hold" display="0" masterRel="nextClick" afterEffect="1"/>
-                                        <p:tgtEl>
-                                          <p:spTgt spid="2"/>
-                                        </p:tgtEl>
-                                        <p:attrNameLst>
-                                          <p:attrName>style.visibility</p:attrName>
-                                        </p:attrNameLst>
-                                      </p:cBhvr>
-                                      <p:to>
-                                        <p:strVal val="hidden"/>
-                                      </p:to>
-                                    </p:set>
-                                  </p:subTnLst>
-                                </p:cTn>
-                              </p:par>
-                              <p:par>
-                                <p:cTn id="17" presetID="9" presetClass="entr" presetSubtype="0" fill="hold" nodeType="withEffect">
-                                  <p:stCondLst>
-                                    <p:cond delay="0"/>
-                                  </p:stCondLst>
-                                  <p:childTnLst>
-                                    <p:set>
-                                      <p:cBhvr>
-                                        <p:cTn id="18" dur="1" fill="hold">
-                                          <p:stCondLst>
-                                            <p:cond delay="0"/>
-                                          </p:stCondLst>
-                                        </p:cTn>
-                                        <p:tgtEl>
-                                          <p:spTgt spid="3"/>
-                                        </p:tgtEl>
-                                        <p:attrNameLst>
-                                          <p:attrName>style.visibility</p:attrName>
-                                        </p:attrNameLst>
-                                      </p:cBhvr>
-                                      <p:to>
-                                        <p:strVal val="visible"/>
-                                      </p:to>
-                                    </p:set>
-                                    <p:animEffect transition="in" filter="dissolve">
-                                      <p:cBhvr>
-                                        <p:cTn id="19" dur="1000"/>
-                                        <p:tgtEl>
-                                          <p:spTgt spid="3"/>
-                                        </p:tgtEl>
-                                      </p:cBhvr>
-                                    </p:animEffect>
-                                  </p:childTnLst>
-                                </p:cTn>
-                              </p:par>
-                            </p:childTnLst>
-                          </p:cTn>
-                        </p:par>
-                      </p:childTnLst>
-                    </p:cTn>
-                  </p:par>
-                  <p:par>
-                    <p:cTn id="20" fill="hold">
-                      <p:stCondLst>
-                        <p:cond delay="indefinite"/>
-                      </p:stCondLst>
-                      <p:childTnLst>
-                        <p:par>
-                          <p:cTn id="21" fill="hold">
-                            <p:stCondLst>
-                              <p:cond delay="0"/>
-                            </p:stCondLst>
-                            <p:childTnLst>
-                              <p:par>
-                                <p:cTn id="22" presetID="1" presetClass="entr" presetSubtype="0" fill="hold" grpId="0" nodeType="clickEffect">
-                                  <p:stCondLst>
-                                    <p:cond delay="0"/>
-                                  </p:stCondLst>
-                                  <p:childTnLst>
-                                    <p:set>
-                                      <p:cBhvr>
-                                        <p:cTn id="23" dur="1" fill="hold">
-                                          <p:stCondLst>
-                                            <p:cond delay="0"/>
-                                          </p:stCondLst>
-                                        </p:cTn>
-                                        <p:tgtEl>
-                                          <p:spTgt spid="4"/>
-                                        </p:tgtEl>
-                                        <p:attrNameLst>
-                                          <p:attrName>style.visibility</p:attrName>
-                                        </p:attrNameLst>
-                                      </p:cBhvr>
-                                      <p:to>
-                                        <p:strVal val="visible"/>
-                                      </p:to>
-                                    </p:set>
-                                  </p:childTnLst>
-                                  <p:subTnLst>
-                                    <p:set>
-                                      <p:cBhvr override="childStyle">
-                                        <p:cTn dur="1" fill="hold" display="0" masterRel="nextClick" afterEffect="1"/>
-                                        <p:tgtEl>
-                                          <p:spTgt spid="4"/>
-                                        </p:tgtEl>
-                                        <p:attrNameLst>
-                                          <p:attrName>style.visibility</p:attrName>
-                                        </p:attrNameLst>
-                                      </p:cBhvr>
-                                      <p:to>
-                                        <p:strVal val="hidden"/>
-                                      </p:to>
-                                    </p:set>
-                                  </p:subTnLst>
-                                </p:cTn>
-                              </p:par>
-                              <p:par>
-                                <p:cTn id="24" presetID="9" presetClass="entr" presetSubtype="0" fill="hold" nodeType="withEffect">
-                                  <p:stCondLst>
-                                    <p:cond delay="0"/>
-                                  </p:stCondLst>
-                                  <p:childTnLst>
-                                    <p:set>
-                                      <p:cBhvr>
-                                        <p:cTn id="25" dur="1" fill="hold">
-                                          <p:stCondLst>
-                                            <p:cond delay="0"/>
-                                          </p:stCondLst>
-                                        </p:cTn>
-                                        <p:tgtEl>
-                                          <p:spTgt spid="5"/>
-                                        </p:tgtEl>
-                                        <p:attrNameLst>
-                                          <p:attrName>style.visibility</p:attrName>
-                                        </p:attrNameLst>
-                                      </p:cBhvr>
-                                      <p:to>
-                                        <p:strVal val="visible"/>
-                                      </p:to>
-                                    </p:set>
-                                    <p:animEffect transition="in" filter="dissolve">
-                                      <p:cBhvr>
-                                        <p:cTn id="26" dur="1000"/>
-                                        <p:tgtEl>
-                                          <p:spTgt spid="5"/>
-                                        </p:tgtEl>
-                                      </p:cBhvr>
-                                    </p:animEffect>
-                                  </p:childTnLst>
-                                </p:cTn>
-                              </p:par>
-                            </p:childTnLst>
-                          </p:cTn>
-                        </p:par>
-                      </p:childTnLst>
-                    </p:cTn>
-                  </p:par>
-                  <p:par>
-                    <p:cTn id="27" fill="hold">
-                      <p:stCondLst>
-                        <p:cond delay="indefinite"/>
-                      </p:stCondLst>
-                      <p:childTnLst>
-                        <p:par>
-                          <p:cTn id="28" fill="hold">
-                            <p:stCondLst>
-                              <p:cond delay="0"/>
-                            </p:stCondLst>
-                            <p:childTnLst>
-                              <p:par>
-                                <p:cTn id="29" presetID="1" presetClass="entr" presetSubtype="0" fill="hold" grpId="0" nodeType="clickEffect">
-                                  <p:stCondLst>
-                                    <p:cond delay="0"/>
-                                  </p:stCondLst>
-                                  <p:childTnLst>
-                                    <p:set>
-                                      <p:cBhvr>
-                                        <p:cTn id="30" dur="1" fill="hold">
-                                          <p:stCondLst>
-                                            <p:cond delay="0"/>
-                                          </p:stCondLst>
-                                        </p:cTn>
-                                        <p:tgtEl>
-                                          <p:spTgt spid="6"/>
-                                        </p:tgtEl>
-                                        <p:attrNameLst>
-                                          <p:attrName>style.visibility</p:attrName>
-                                        </p:attrNameLst>
-                                      </p:cBhvr>
-                                      <p:to>
-                                        <p:strVal val="visible"/>
-                                      </p:to>
-                                    </p:set>
-                                  </p:childTnLst>
-                                  <p:subTnLst>
-                                    <p:set>
-                                      <p:cBhvr override="childStyle">
-                                        <p:cTn dur="1" fill="hold" display="0" masterRel="nextClick" afterEffect="1"/>
-                                        <p:tgtEl>
-                                          <p:spTgt spid="6"/>
-                                        </p:tgtEl>
-                                        <p:attrNameLst>
-                                          <p:attrName>style.visibility</p:attrName>
-                                        </p:attrNameLst>
-                                      </p:cBhvr>
-                                      <p:to>
-                                        <p:strVal val="hidden"/>
-                                      </p:to>
-                                    </p:set>
-                                  </p:subTnLst>
-                                </p:cTn>
-                              </p:par>
-                              <p:par>
-                                <p:cTn id="31" presetID="9" presetClass="entr" presetSubtype="0" fill="hold" nodeType="withEffect">
-                                  <p:stCondLst>
-                                    <p:cond delay="0"/>
-                                  </p:stCondLst>
-                                  <p:childTnLst>
-                                    <p:set>
-                                      <p:cBhvr>
-                                        <p:cTn id="32" dur="1" fill="hold">
-                                          <p:stCondLst>
-                                            <p:cond delay="0"/>
-                                          </p:stCondLst>
-                                        </p:cTn>
-                                        <p:tgtEl>
-                                          <p:spTgt spid="7"/>
-                                        </p:tgtEl>
-                                        <p:attrNameLst>
-                                          <p:attrName>style.visibility</p:attrName>
-                                        </p:attrNameLst>
-                                      </p:cBhvr>
-                                      <p:to>
-                                        <p:strVal val="visible"/>
-                                      </p:to>
-                                    </p:set>
-                                    <p:animEffect transition="in" filter="dissolve">
-                                      <p:cBhvr>
-                                        <p:cTn id="33" dur="1000"/>
-                                        <p:tgtEl>
-                                          <p:spTgt spid="7"/>
-                                        </p:tgtEl>
-                                      </p:cBhvr>
-                                    </p:animEffect>
-                                  </p:childTnLst>
-                                </p:cTn>
-                              </p:par>
-                            </p:childTnLst>
-                          </p:cTn>
-                        </p:par>
-                      </p:childTnLst>
-                    </p:cTn>
-                  </p:par>
-                  <p:par>
-                    <p:cTn id="34" fill="hold">
-                      <p:stCondLst>
-                        <p:cond delay="indefinite"/>
-                      </p:stCondLst>
-                      <p:childTnLst>
-                        <p:par>
-                          <p:cTn id="35" fill="hold">
-                            <p:stCondLst>
-                              <p:cond delay="0"/>
-                            </p:stCondLst>
-                            <p:childTnLst>
-                              <p:par>
-                                <p:cTn id="36" presetID="1" presetClass="entr" presetSubtype="0" fill="hold" grpId="0" nodeType="clickEffect">
-                                  <p:stCondLst>
-                                    <p:cond delay="0"/>
-                                  </p:stCondLst>
-                                  <p:childTnLst>
-                                    <p:set>
-                                      <p:cBhvr>
-                                        <p:cTn id="37" dur="1" fill="hold">
-                                          <p:stCondLst>
-                                            <p:cond delay="0"/>
-                                          </p:stCondLst>
-                                        </p:cTn>
-                                        <p:tgtEl>
-                                          <p:spTgt spid="8"/>
-                                        </p:tgtEl>
-                                        <p:attrNameLst>
-                                          <p:attrName>style.visibility</p:attrName>
-                                        </p:attrNameLst>
-                                      </p:cBhvr>
-                                      <p:to>
-                                        <p:strVal val="visible"/>
-                                      </p:to>
-                                    </p:set>
-                                  </p:childTnLst>
-                                  <p:subTnLst>
-                                    <p:set>
-                                      <p:cBhvr override="childStyle">
-                                        <p:cTn dur="1" fill="hold" display="0" masterRel="nextClick" afterEffect="1"/>
-                                        <p:tgtEl>
-                                          <p:spTgt spid="8"/>
-                                        </p:tgtEl>
-                                        <p:attrNameLst>
-                                          <p:attrName>style.visibility</p:attrName>
-                                        </p:attrNameLst>
-                                      </p:cBhvr>
-                                      <p:to>
-                                        <p:strVal val="hidden"/>
-                                      </p:to>
-                                    </p:set>
-                                  </p:subTnLst>
-                                </p:cTn>
-                              </p:par>
-                              <p:par>
-                                <p:cTn id="38" presetID="9" presetClass="entr" presetSubtype="0" fill="hold" nodeType="withEffect">
-                                  <p:stCondLst>
-                                    <p:cond delay="0"/>
-                                  </p:stCondLst>
-                                  <p:childTnLst>
-                                    <p:set>
-                                      <p:cBhvr>
-                                        <p:cTn id="39" dur="1" fill="hold">
-                                          <p:stCondLst>
-                                            <p:cond delay="0"/>
-                                          </p:stCondLst>
-                                        </p:cTn>
-                                        <p:tgtEl>
-                                          <p:spTgt spid="9"/>
-                                        </p:tgtEl>
-                                        <p:attrNameLst>
-                                          <p:attrName>style.visibility</p:attrName>
-                                        </p:attrNameLst>
-                                      </p:cBhvr>
-                                      <p:to>
-                                        <p:strVal val="visible"/>
-                                      </p:to>
-                                    </p:set>
-                                    <p:animEffect transition="in" filter="dissolve">
-                                      <p:cBhvr>
-                                        <p:cTn id="40" dur="1000"/>
-                                        <p:tgtEl>
-                                          <p:spTgt spid="9"/>
-                                        </p:tgtEl>
-                                      </p:cBhvr>
-                                    </p:animEffect>
-                                  </p:childTnLst>
-                                </p:cTn>
-                              </p:par>
-                            </p:childTnLst>
-                          </p:cTn>
-                        </p:par>
-                      </p:childTnLst>
-                    </p:cTn>
-                  </p:par>
-                  <p:par>
-                    <p:cTn id="41" fill="hold">
-                      <p:stCondLst>
-                        <p:cond delay="indefinite"/>
-                      </p:stCondLst>
-                      <p:childTnLst>
-                        <p:par>
-                          <p:cTn id="42" fill="hold">
-                            <p:stCondLst>
-                              <p:cond delay="0"/>
-                            </p:stCondLst>
-                            <p:childTnLst>
-                              <p:par>
-                                <p:cTn id="43" presetID="9" presetClass="entr" presetSubtype="0" fill="hold" grpId="0" nodeType="clickEffect">
-                                  <p:stCondLst>
-                                    <p:cond delay="0"/>
-                                  </p:stCondLst>
-                                  <p:childTnLst>
-                                    <p:set>
-                                      <p:cBhvr>
-                                        <p:cTn id="44" dur="1" fill="hold">
-                                          <p:stCondLst>
-                                            <p:cond delay="0"/>
-                                          </p:stCondLst>
-                                        </p:cTn>
-                                        <p:tgtEl>
-                                          <p:spTgt spid="12"/>
-                                        </p:tgtEl>
-                                        <p:attrNameLst>
-                                          <p:attrName>style.visibility</p:attrName>
-                                        </p:attrNameLst>
-                                      </p:cBhvr>
-                                      <p:to>
-                                        <p:strVal val="visible"/>
-                                      </p:to>
-                                    </p:set>
-                                    <p:animEffect transition="in" filter="dissolve">
-                                      <p:cBhvr>
-                                        <p:cTn id="45" dur="500"/>
-                                        <p:tgtEl>
-                                          <p:spTgt spid="12"/>
-                                        </p:tgtEl>
-                                      </p:cBhvr>
-                                    </p:animEffect>
-                                  </p:childTnLst>
-                                  <p:subTnLst>
-                                    <p:set>
-                                      <p:cBhvr override="childStyle">
-                                        <p:cTn dur="1" fill="hold" display="0" masterRel="nextClick" afterEffect="1"/>
-                                        <p:tgtEl>
-                                          <p:spTgt spid="12"/>
-                                        </p:tgtEl>
-                                        <p:attrNameLst>
-                                          <p:attrName>style.visibility</p:attrName>
-                                        </p:attrNameLst>
-                                      </p:cBhvr>
-                                      <p:to>
-                                        <p:strVal val="hidden"/>
-                                      </p:to>
-                                    </p:set>
-                                  </p:subTnLst>
-                                </p:cTn>
-                              </p:par>
-                              <p:par>
-                                <p:cTn id="46" presetID="9" presetClass="entr" presetSubtype="0" fill="hold" nodeType="withEffect">
-                                  <p:stCondLst>
-                                    <p:cond delay="0"/>
-                                  </p:stCondLst>
-                                  <p:childTnLst>
-                                    <p:set>
-                                      <p:cBhvr>
-                                        <p:cTn id="47" dur="1" fill="hold">
-                                          <p:stCondLst>
-                                            <p:cond delay="0"/>
-                                          </p:stCondLst>
-                                        </p:cTn>
-                                        <p:tgtEl>
-                                          <p:spTgt spid="13"/>
-                                        </p:tgtEl>
-                                        <p:attrNameLst>
-                                          <p:attrName>style.visibility</p:attrName>
-                                        </p:attrNameLst>
-                                      </p:cBhvr>
-                                      <p:to>
-                                        <p:strVal val="visible"/>
-                                      </p:to>
-                                    </p:set>
-                                    <p:animEffect transition="in" filter="dissolve">
-                                      <p:cBhvr>
-                                        <p:cTn id="48" dur="500"/>
-                                        <p:tgtEl>
-                                          <p:spTgt spid="13"/>
-                                        </p:tgtEl>
-                                      </p:cBhvr>
-                                    </p:animEffect>
-                                  </p:childTnLst>
-                                </p:cTn>
-                              </p:par>
-                            </p:childTnLst>
-                          </p:cTn>
-                        </p:par>
-                      </p:childTnLst>
-                    </p:cTn>
-                  </p:par>
-                </p:childTnLst>
-              </p:cTn>
-              <p:prevCondLst>
-                <p:cond evt="onPrev" delay="0">
-                  <p:tgtEl>
-                    <p:sldTgt/>
-                  </p:tgtEl>
-                </p:cond>
-              </p:prevCondLst>
-              <p:nextCondLst>
-                <p:cond evt="onNext" delay="0">
-                  <p:tgtEl>
-                    <p:sldTgt/>
-                  </p:tgtEl>
-                </p:cond>
-              </p:nextCondLst>
-            </p:seq>
-          </p:childTnLst>
-        </p:cTn>
-      </p:par>
-    </p:tnLst>
-    <p:bldLst>
-      <p:bldP spid="103" grpId="0" build="allAtOnce"/>
-      <p:bldP spid="2" grpId="0"/>
-      <p:bldP spid="4" grpId="0"/>
-      <p:bldP spid="6" grpId="0"/>
-      <p:bldP spid="8" grpId="0"/>
-      <p:bldP spid="12" grpId="0"/>
-    </p:bldLst>
-  </p:timing>
 </p:sld>
 </file>
 

--- a/Abgabe/Dokumentation/Präsentation.pptx
+++ b/Abgabe/Dokumentation/Präsentation.pptx
@@ -13,23 +13,24 @@
     <p:sldId id="260" r:id="rId7"/>
     <p:sldId id="261" r:id="rId8"/>
     <p:sldId id="270" r:id="rId9"/>
-    <p:sldId id="271" r:id="rId10"/>
-    <p:sldId id="272" r:id="rId11"/>
-    <p:sldId id="262" r:id="rId12"/>
-    <p:sldId id="286" r:id="rId13"/>
-    <p:sldId id="269" r:id="rId14"/>
-    <p:sldId id="273" r:id="rId15"/>
-    <p:sldId id="274" r:id="rId16"/>
-    <p:sldId id="283" r:id="rId17"/>
-    <p:sldId id="287" r:id="rId18"/>
-    <p:sldId id="276" r:id="rId19"/>
-    <p:sldId id="277" r:id="rId20"/>
-    <p:sldId id="278" r:id="rId21"/>
-    <p:sldId id="284" r:id="rId22"/>
-    <p:sldId id="279" r:id="rId23"/>
-    <p:sldId id="275" r:id="rId24"/>
-    <p:sldId id="280" r:id="rId25"/>
-    <p:sldId id="281" r:id="rId26"/>
+    <p:sldId id="288" r:id="rId10"/>
+    <p:sldId id="271" r:id="rId11"/>
+    <p:sldId id="272" r:id="rId12"/>
+    <p:sldId id="262" r:id="rId13"/>
+    <p:sldId id="286" r:id="rId14"/>
+    <p:sldId id="269" r:id="rId15"/>
+    <p:sldId id="273" r:id="rId16"/>
+    <p:sldId id="274" r:id="rId17"/>
+    <p:sldId id="283" r:id="rId18"/>
+    <p:sldId id="287" r:id="rId19"/>
+    <p:sldId id="276" r:id="rId20"/>
+    <p:sldId id="277" r:id="rId21"/>
+    <p:sldId id="278" r:id="rId22"/>
+    <p:sldId id="284" r:id="rId23"/>
+    <p:sldId id="279" r:id="rId24"/>
+    <p:sldId id="275" r:id="rId25"/>
+    <p:sldId id="280" r:id="rId26"/>
+    <p:sldId id="281" r:id="rId27"/>
   </p:sldIdLst>
   <p:sldSz cx="12192000" cy="6858000"/>
   <p:notesSz cx="7559675" cy="10691813"/>
@@ -11526,6 +11527,120 @@
       </p:grpSpPr>
       <p:sp>
         <p:nvSpPr>
+          <p:cNvPr id="134" name="PlaceHolder 1"/>
+          <p:cNvSpPr>
+            <a:spLocks noGrp="1"/>
+          </p:cNvSpPr>
+          <p:nvPr>
+            <p:ph type="title"/>
+          </p:nvPr>
+        </p:nvSpPr>
+        <p:spPr>
+          <a:xfrm>
+            <a:off x="700560" y="914400"/>
+            <a:ext cx="10690920" cy="1307160"/>
+          </a:xfrm>
+          <a:prstGeom prst="rect">
+            <a:avLst/>
+          </a:prstGeom>
+          <a:noFill/>
+          <a:ln w="0">
+            <a:noFill/>
+          </a:ln>
+        </p:spPr>
+        <p:txBody>
+          <a:bodyPr lIns="91440" tIns="45720" rIns="91440" bIns="45720" anchor="t">
+            <a:normAutofit/>
+          </a:bodyPr>
+          <a:lstStyle/>
+          <a:p>
+            <a:pPr indent="0" defTabSz="914400">
+              <a:lnSpc>
+                <a:spcPct val="100000"/>
+              </a:lnSpc>
+              <a:buNone/>
+            </a:pPr>
+            <a:r>
+              <a:rPr lang="de-DE" sz="4000" b="0" u="none" strike="noStrike" cap="all" spc="31" dirty="0">
+                <a:solidFill>
+                  <a:schemeClr val="dk1"/>
+                </a:solidFill>
+                <a:effectLst/>
+                <a:uFillTx/>
+                <a:latin typeface="Univers Condensed"/>
+              </a:rPr>
+              <a:t>4. Zeitplanung und Budgetanalyse</a:t>
+            </a:r>
+            <a:endParaRPr lang="de-DE" sz="4000" b="0" u="none" strike="noStrike" dirty="0">
+              <a:solidFill>
+                <a:schemeClr val="dk1"/>
+              </a:solidFill>
+              <a:effectLst/>
+              <a:uFillTx/>
+              <a:latin typeface="Calisto MT"/>
+            </a:endParaRPr>
+          </a:p>
+        </p:txBody>
+      </p:sp>
+      <p:graphicFrame>
+        <p:nvGraphicFramePr>
+          <p:cNvPr id="135" name="Diagramm 6"/>
+          <p:cNvGraphicFramePr/>
+          <p:nvPr/>
+        </p:nvGraphicFramePr>
+        <p:xfrm>
+          <a:off x="4254120" y="1737360"/>
+          <a:ext cx="7632720" cy="4383360"/>
+        </p:xfrm>
+        <a:graphic>
+          <a:graphicData uri="http://schemas.openxmlformats.org/drawingml/2006/chart">
+            <c:chart xmlns:c="http://schemas.openxmlformats.org/drawingml/2006/chart" xmlns:r="http://schemas.openxmlformats.org/officeDocument/2006/relationships" r:id="rId2"/>
+          </a:graphicData>
+        </a:graphic>
+      </p:graphicFrame>
+      <p:graphicFrame>
+        <p:nvGraphicFramePr>
+          <p:cNvPr id="136" name="Diagramm 8"/>
+          <p:cNvGraphicFramePr/>
+          <p:nvPr/>
+        </p:nvGraphicFramePr>
+        <p:xfrm>
+          <a:off x="-327960" y="2221920"/>
+          <a:ext cx="4860000" cy="3025440"/>
+        </p:xfrm>
+        <a:graphic>
+          <a:graphicData uri="http://schemas.openxmlformats.org/drawingml/2006/chart">
+            <c:chart xmlns:c="http://schemas.openxmlformats.org/drawingml/2006/chart" xmlns:r="http://schemas.openxmlformats.org/officeDocument/2006/relationships" r:id="rId3"/>
+          </a:graphicData>
+        </a:graphic>
+      </p:graphicFrame>
+    </p:spTree>
+  </p:cSld>
+  <p:clrMapOvr>
+    <a:masterClrMapping/>
+  </p:clrMapOvr>
+</p:sld>
+</file>
+
+<file path=ppt/slides/slide11.xml><?xml version="1.0" encoding="utf-8"?>
+<p:sld xmlns:a="http://schemas.openxmlformats.org/drawingml/2006/main" xmlns:r="http://schemas.openxmlformats.org/officeDocument/2006/relationships" xmlns:p="http://schemas.openxmlformats.org/presentationml/2006/main">
+  <p:cSld>
+    <p:spTree>
+      <p:nvGrpSpPr>
+        <p:cNvPr id="1" name=""/>
+        <p:cNvGrpSpPr/>
+        <p:nvPr/>
+      </p:nvGrpSpPr>
+      <p:grpSpPr>
+        <a:xfrm>
+          <a:off x="0" y="0"/>
+          <a:ext cx="0" cy="0"/>
+          <a:chOff x="0" y="0"/>
+          <a:chExt cx="0" cy="0"/>
+        </a:xfrm>
+      </p:grpSpPr>
+      <p:sp>
+        <p:nvSpPr>
           <p:cNvPr id="137" name="PlaceHolder 1"/>
           <p:cNvSpPr>
             <a:spLocks noGrp="1"/>
@@ -11619,7 +11734,7 @@
 </p:sld>
 </file>
 
-<file path=ppt/slides/slide11.xml><?xml version="1.0" encoding="utf-8"?>
+<file path=ppt/slides/slide12.xml><?xml version="1.0" encoding="utf-8"?>
 <p:sld xmlns:a="http://schemas.openxmlformats.org/drawingml/2006/main" xmlns:r="http://schemas.openxmlformats.org/officeDocument/2006/relationships" xmlns:p="http://schemas.openxmlformats.org/presentationml/2006/main">
   <p:cSld>
     <p:spTree>
@@ -11917,7 +12032,7 @@
 </p:sld>
 </file>
 
-<file path=ppt/slides/slide12.xml><?xml version="1.0" encoding="utf-8"?>
+<file path=ppt/slides/slide13.xml><?xml version="1.0" encoding="utf-8"?>
 <p:sld xmlns:a="http://schemas.openxmlformats.org/drawingml/2006/main" xmlns:r="http://schemas.openxmlformats.org/officeDocument/2006/relationships" xmlns:p="http://schemas.openxmlformats.org/presentationml/2006/main">
   <p:cSld>
     <p:spTree>
@@ -12180,18 +12295,7 @@
                 <a:uFillTx/>
                 <a:latin typeface="Univers Condensed"/>
               </a:rPr>
-              <a:t>. Wireframes – </a:t>
-            </a:r>
-            <a:r>
-              <a:rPr lang="de-DE" sz="4000" b="0" u="none" strike="noStrike" cap="all" spc="31">
-                <a:solidFill>
-                  <a:schemeClr val="dk1"/>
-                </a:solidFill>
-                <a:effectLst/>
-                <a:uFillTx/>
-                <a:latin typeface="Univers Condensed"/>
-              </a:rPr>
-              <a:t>User Dashboard</a:t>
+              <a:t>. Wireframes – User Dashboard</a:t>
             </a:r>
             <a:endParaRPr lang="de-DE" sz="4000" b="0" u="none" strike="noStrike" dirty="0">
               <a:solidFill>
@@ -14245,22 +14349,6 @@
                                       </p:cBhvr>
                                     </p:animEffect>
                                   </p:childTnLst>
-                                  <p:subTnLst>
-                                    <p:set>
-                                      <p:cBhvr override="childStyle">
-                                        <p:cTn dur="1" fill="hold" display="0" masterRel="nextClick" afterEffect="1"/>
-                                        <p:tgtEl>
-                                          <p:spTgt spid="12"/>
-                                        </p:tgtEl>
-                                        <p:attrNameLst>
-                                          <p:attrName>style.visibility</p:attrName>
-                                        </p:attrNameLst>
-                                      </p:cBhvr>
-                                      <p:to>
-                                        <p:strVal val="hidden"/>
-                                      </p:to>
-                                    </p:set>
-                                  </p:subTnLst>
                                 </p:cTn>
                               </p:par>
                               <p:par>
@@ -14337,7 +14425,7 @@
 </p:sld>
 </file>
 
-<file path=ppt/slides/slide13.xml><?xml version="1.0" encoding="utf-8"?>
+<file path=ppt/slides/slide14.xml><?xml version="1.0" encoding="utf-8"?>
 <p:sld xmlns:a="http://schemas.openxmlformats.org/drawingml/2006/main" xmlns:r="http://schemas.openxmlformats.org/officeDocument/2006/relationships" xmlns:p="http://schemas.openxmlformats.org/presentationml/2006/main">
   <p:cSld>
     <p:spTree>
@@ -14714,7 +14802,7 @@
 </p:sld>
 </file>
 
-<file path=ppt/slides/slide14.xml><?xml version="1.0" encoding="utf-8"?>
+<file path=ppt/slides/slide15.xml><?xml version="1.0" encoding="utf-8"?>
 <p:sld xmlns:a="http://schemas.openxmlformats.org/drawingml/2006/main" xmlns:r="http://schemas.openxmlformats.org/officeDocument/2006/relationships" xmlns:p="http://schemas.openxmlformats.org/presentationml/2006/main">
   <p:cSld>
     <p:spTree>
@@ -14954,7 +15042,7 @@
 </p:sld>
 </file>
 
-<file path=ppt/slides/slide15.xml><?xml version="1.0" encoding="utf-8"?>
+<file path=ppt/slides/slide16.xml><?xml version="1.0" encoding="utf-8"?>
 <p:sld xmlns:a="http://schemas.openxmlformats.org/drawingml/2006/main" xmlns:r="http://schemas.openxmlformats.org/officeDocument/2006/relationships" xmlns:p="http://schemas.openxmlformats.org/presentationml/2006/main">
   <p:cSld>
     <p:spTree>
@@ -17269,7 +17357,7 @@
 </p:sld>
 </file>
 
-<file path=ppt/slides/slide16.xml><?xml version="1.0" encoding="utf-8"?>
+<file path=ppt/slides/slide17.xml><?xml version="1.0" encoding="utf-8"?>
 <p:sld xmlns:a="http://schemas.openxmlformats.org/drawingml/2006/main" xmlns:r="http://schemas.openxmlformats.org/officeDocument/2006/relationships" xmlns:p="http://schemas.openxmlformats.org/presentationml/2006/main">
   <p:cSld>
     <p:spTree>
@@ -18611,7 +18699,7 @@
 </p:sld>
 </file>
 
-<file path=ppt/slides/slide17.xml><?xml version="1.0" encoding="utf-8"?>
+<file path=ppt/slides/slide18.xml><?xml version="1.0" encoding="utf-8"?>
 <p:sld xmlns:a="http://schemas.openxmlformats.org/drawingml/2006/main" xmlns:r="http://schemas.openxmlformats.org/officeDocument/2006/relationships" xmlns:p="http://schemas.openxmlformats.org/presentationml/2006/main">
   <p:cSld>
     <p:spTree>
@@ -19955,7 +20043,7 @@
 </p:sld>
 </file>
 
-<file path=ppt/slides/slide18.xml><?xml version="1.0" encoding="utf-8"?>
+<file path=ppt/slides/slide19.xml><?xml version="1.0" encoding="utf-8"?>
 <p:sld xmlns:a="http://schemas.openxmlformats.org/drawingml/2006/main" xmlns:r="http://schemas.openxmlformats.org/officeDocument/2006/relationships" xmlns:p="http://schemas.openxmlformats.org/presentationml/2006/main">
   <p:cSld>
     <p:bg>
@@ -20263,422 +20351,6 @@
 </p:sld>
 </file>
 
-<file path=ppt/slides/slide19.xml><?xml version="1.0" encoding="utf-8"?>
-<p:sld xmlns:a="http://schemas.openxmlformats.org/drawingml/2006/main" xmlns:r="http://schemas.openxmlformats.org/officeDocument/2006/relationships" xmlns:p="http://schemas.openxmlformats.org/presentationml/2006/main">
-  <p:cSld>
-    <p:bg>
-      <p:bgPr>
-        <a:solidFill>
-          <a:schemeClr val="lt1"/>
-        </a:solidFill>
-        <a:effectLst/>
-      </p:bgPr>
-    </p:bg>
-    <p:spTree>
-      <p:nvGrpSpPr>
-        <p:cNvPr id="1" name=""/>
-        <p:cNvGrpSpPr/>
-        <p:nvPr/>
-      </p:nvGrpSpPr>
-      <p:grpSpPr>
-        <a:xfrm>
-          <a:off x="0" y="0"/>
-          <a:ext cx="0" cy="0"/>
-          <a:chOff x="0" y="0"/>
-          <a:chExt cx="0" cy="0"/>
-        </a:xfrm>
-      </p:grpSpPr>
-      <p:sp useBgFill="1">
-        <p:nvSpPr>
-          <p:cNvPr id="154" name="Rectangle 2">
-            <a:extLst>
-              <a:ext uri="{C183D7F6-B498-43B3-948B-1728B52AA6E4}">
-                <adec:decorative xmlns:adec="http://schemas.microsoft.com/office/drawing/2017/decorative" val="1"/>
-              </a:ext>
-            </a:extLst>
-          </p:cNvPr>
-          <p:cNvSpPr/>
-          <p:nvPr/>
-        </p:nvSpPr>
-        <p:spPr>
-          <a:xfrm>
-            <a:off x="0" y="0"/>
-            <a:ext cx="12191760" cy="6857640"/>
-          </a:xfrm>
-          <a:prstGeom prst="rect">
-            <a:avLst/>
-          </a:prstGeom>
-          <a:ln>
-            <a:noFill/>
-          </a:ln>
-        </p:spPr>
-        <p:style>
-          <a:lnRef idx="2">
-            <a:schemeClr val="accent1">
-              <a:shade val="50000"/>
-            </a:schemeClr>
-          </a:lnRef>
-          <a:fillRef idx="1">
-            <a:schemeClr val="accent1"/>
-          </a:fillRef>
-          <a:effectRef idx="0">
-            <a:schemeClr val="accent1"/>
-          </a:effectRef>
-          <a:fontRef idx="minor"/>
-        </p:style>
-        <p:txBody>
-          <a:bodyPr lIns="90000" tIns="45000" rIns="90000" bIns="45000" anchor="ctr">
-            <a:noAutofit/>
-          </a:bodyPr>
-          <a:lstStyle/>
-          <a:p>
-            <a:endParaRPr lang="en-US" sz="1800" b="0" u="none" strike="noStrike">
-              <a:solidFill>
-                <a:schemeClr val="lt1"/>
-              </a:solidFill>
-              <a:effectLst/>
-              <a:uFillTx/>
-              <a:latin typeface="Calisto MT"/>
-            </a:endParaRPr>
-          </a:p>
-        </p:txBody>
-      </p:sp>
-      <p:sp>
-        <p:nvSpPr>
-          <p:cNvPr id="155" name="PlaceHolder 1"/>
-          <p:cNvSpPr>
-            <a:spLocks noGrp="1"/>
-          </p:cNvSpPr>
-          <p:nvPr>
-            <p:ph type="title"/>
-          </p:nvPr>
-        </p:nvSpPr>
-        <p:spPr>
-          <a:xfrm>
-            <a:off x="704160" y="555840"/>
-            <a:ext cx="9015840" cy="2390400"/>
-          </a:xfrm>
-          <a:prstGeom prst="rect">
-            <a:avLst/>
-          </a:prstGeom>
-          <a:noFill/>
-          <a:ln w="0">
-            <a:noFill/>
-          </a:ln>
-        </p:spPr>
-        <p:txBody>
-          <a:bodyPr lIns="91440" tIns="45720" rIns="91440" bIns="45720" anchor="t">
-            <a:normAutofit/>
-          </a:bodyPr>
-          <a:lstStyle/>
-          <a:p>
-            <a:pPr indent="0" defTabSz="914400">
-              <a:lnSpc>
-                <a:spcPct val="100000"/>
-              </a:lnSpc>
-              <a:buNone/>
-            </a:pPr>
-            <a:r>
-              <a:rPr lang="de-DE" sz="4000" cap="all" spc="31" dirty="0">
-                <a:solidFill>
-                  <a:schemeClr val="dk1"/>
-                </a:solidFill>
-                <a:latin typeface="Univers Condensed"/>
-              </a:rPr>
-              <a:t>9</a:t>
-            </a:r>
-            <a:r>
-              <a:rPr lang="de-DE" sz="4000" b="0" u="none" strike="noStrike" cap="all" spc="31" dirty="0">
-                <a:solidFill>
-                  <a:schemeClr val="dk1"/>
-                </a:solidFill>
-                <a:effectLst/>
-                <a:uFillTx/>
-                <a:latin typeface="Univers Condensed"/>
-              </a:rPr>
-              <a:t>. Live Demo – Control Panel</a:t>
-            </a:r>
-            <a:endParaRPr lang="de-DE" sz="4000" b="0" u="none" strike="noStrike" dirty="0">
-              <a:solidFill>
-                <a:schemeClr val="dk1"/>
-              </a:solidFill>
-              <a:effectLst/>
-              <a:uFillTx/>
-              <a:latin typeface="Calisto MT"/>
-            </a:endParaRPr>
-          </a:p>
-        </p:txBody>
-      </p:sp>
-      <p:sp>
-        <p:nvSpPr>
-          <p:cNvPr id="156" name="PlaceHolder 2"/>
-          <p:cNvSpPr>
-            <a:spLocks noGrp="1"/>
-          </p:cNvSpPr>
-          <p:nvPr>
-            <p:ph/>
-          </p:nvPr>
-        </p:nvSpPr>
-        <p:spPr>
-          <a:xfrm>
-            <a:off x="720000" y="1440000"/>
-            <a:ext cx="10772280" cy="4730040"/>
-          </a:xfrm>
-          <a:prstGeom prst="rect">
-            <a:avLst/>
-          </a:prstGeom>
-          <a:noFill/>
-          <a:ln w="0">
-            <a:noFill/>
-          </a:ln>
-        </p:spPr>
-        <p:txBody>
-          <a:bodyPr lIns="91440" tIns="45720" rIns="91440" bIns="45720" anchor="t">
-            <a:normAutofit/>
-          </a:bodyPr>
-          <a:lstStyle/>
-          <a:p>
-            <a:pPr marL="228600" indent="0" defTabSz="914400">
-              <a:lnSpc>
-                <a:spcPct val="110000"/>
-              </a:lnSpc>
-              <a:spcBef>
-                <a:spcPts val="1001"/>
-              </a:spcBef>
-              <a:buNone/>
-            </a:pPr>
-            <a:endParaRPr lang="de-DE" sz="2000" b="0" u="none" strike="noStrike">
-              <a:solidFill>
-                <a:schemeClr val="dk1"/>
-              </a:solidFill>
-              <a:effectLst/>
-              <a:uFillTx/>
-              <a:latin typeface="Calisto MT"/>
-            </a:endParaRPr>
-          </a:p>
-          <a:p>
-            <a:pPr marL="228600" indent="-228600" defTabSz="914400">
-              <a:lnSpc>
-                <a:spcPct val="110000"/>
-              </a:lnSpc>
-              <a:spcBef>
-                <a:spcPts val="1001"/>
-              </a:spcBef>
-              <a:buClr>
-                <a:srgbClr val="000000"/>
-              </a:buClr>
-              <a:buFont typeface="Symbol" charset="2"/>
-              <a:buChar char=""/>
-            </a:pPr>
-            <a:r>
-              <a:rPr lang="de-DE" sz="2000" b="0" u="none" strike="noStrike">
-                <a:solidFill>
-                  <a:schemeClr val="dk1"/>
-                </a:solidFill>
-                <a:effectLst/>
-                <a:uFillTx/>
-                <a:latin typeface="Calisto MT"/>
-              </a:rPr>
-              <a:t>Benutzer erstellen</a:t>
-            </a:r>
-          </a:p>
-          <a:p>
-            <a:pPr marL="228600" indent="0" defTabSz="914400">
-              <a:lnSpc>
-                <a:spcPct val="110000"/>
-              </a:lnSpc>
-              <a:spcBef>
-                <a:spcPts val="1001"/>
-              </a:spcBef>
-              <a:buNone/>
-            </a:pPr>
-            <a:r>
-              <a:rPr lang="de-DE" sz="2000" b="0" u="none" strike="noStrike">
-                <a:solidFill>
-                  <a:schemeClr val="dk1"/>
-                </a:solidFill>
-                <a:effectLst/>
-                <a:uFillTx/>
-                <a:latin typeface="Calisto MT"/>
-              </a:rPr>
-              <a:t>- Verschiedene Sprache</a:t>
-            </a:r>
-          </a:p>
-          <a:p>
-            <a:pPr marL="228600" indent="0" defTabSz="914400">
-              <a:lnSpc>
-                <a:spcPct val="110000"/>
-              </a:lnSpc>
-              <a:spcBef>
-                <a:spcPts val="1001"/>
-              </a:spcBef>
-              <a:buNone/>
-            </a:pPr>
-            <a:r>
-              <a:rPr lang="de-DE" sz="2000" b="0" u="none" strike="noStrike">
-                <a:solidFill>
-                  <a:schemeClr val="dk1"/>
-                </a:solidFill>
-                <a:effectLst/>
-                <a:uFillTx/>
-                <a:latin typeface="Calisto MT"/>
-              </a:rPr>
-              <a:t>- Jünger als 13</a:t>
-            </a:r>
-          </a:p>
-          <a:p>
-            <a:pPr marL="228600" indent="0" defTabSz="914400">
-              <a:lnSpc>
-                <a:spcPct val="110000"/>
-              </a:lnSpc>
-              <a:spcBef>
-                <a:spcPts val="1001"/>
-              </a:spcBef>
-              <a:buNone/>
-            </a:pPr>
-            <a:r>
-              <a:rPr lang="de-DE" sz="2000" b="0" u="none" strike="noStrike">
-                <a:solidFill>
-                  <a:schemeClr val="dk1"/>
-                </a:solidFill>
-                <a:effectLst/>
-                <a:uFillTx/>
-                <a:latin typeface="Calisto MT"/>
-              </a:rPr>
-              <a:t>- Älter als 13 / jünger als 18</a:t>
-            </a:r>
-          </a:p>
-          <a:p>
-            <a:pPr marL="228600" indent="0" defTabSz="914400">
-              <a:lnSpc>
-                <a:spcPct val="110000"/>
-              </a:lnSpc>
-              <a:spcBef>
-                <a:spcPts val="1001"/>
-              </a:spcBef>
-              <a:buNone/>
-            </a:pPr>
-            <a:endParaRPr lang="de-DE" sz="2000" b="0" u="none" strike="noStrike">
-              <a:solidFill>
-                <a:schemeClr val="dk1"/>
-              </a:solidFill>
-              <a:effectLst/>
-              <a:uFillTx/>
-              <a:latin typeface="Calisto MT"/>
-            </a:endParaRPr>
-          </a:p>
-          <a:p>
-            <a:pPr marL="228600" indent="-228600" defTabSz="914400">
-              <a:lnSpc>
-                <a:spcPct val="110000"/>
-              </a:lnSpc>
-              <a:spcBef>
-                <a:spcPts val="1001"/>
-              </a:spcBef>
-              <a:buClr>
-                <a:srgbClr val="000000"/>
-              </a:buClr>
-              <a:buFont typeface="Symbol" charset="2"/>
-              <a:buChar char=""/>
-            </a:pPr>
-            <a:r>
-              <a:rPr lang="de-DE" sz="2000" b="0" u="none" strike="noStrike">
-                <a:solidFill>
-                  <a:schemeClr val="dk1"/>
-                </a:solidFill>
-                <a:effectLst/>
-                <a:uFillTx/>
-                <a:latin typeface="Calisto MT"/>
-              </a:rPr>
-              <a:t>Benutzer löschen</a:t>
-            </a:r>
-          </a:p>
-          <a:p>
-            <a:pPr indent="0" defTabSz="914400">
-              <a:lnSpc>
-                <a:spcPct val="110000"/>
-              </a:lnSpc>
-              <a:spcBef>
-                <a:spcPts val="1001"/>
-              </a:spcBef>
-              <a:buNone/>
-            </a:pPr>
-            <a:endParaRPr lang="de-DE" sz="2000" b="0" u="none" strike="noStrike">
-              <a:solidFill>
-                <a:schemeClr val="dk1"/>
-              </a:solidFill>
-              <a:effectLst/>
-              <a:uFillTx/>
-              <a:latin typeface="Calisto MT"/>
-            </a:endParaRPr>
-          </a:p>
-          <a:p>
-            <a:pPr indent="0" defTabSz="914400">
-              <a:lnSpc>
-                <a:spcPct val="110000"/>
-              </a:lnSpc>
-              <a:spcBef>
-                <a:spcPts val="1001"/>
-              </a:spcBef>
-              <a:buNone/>
-            </a:pPr>
-            <a:endParaRPr lang="de-DE" sz="2000" b="0" u="none" strike="noStrike">
-              <a:solidFill>
-                <a:schemeClr val="dk1"/>
-              </a:solidFill>
-              <a:effectLst/>
-              <a:uFillTx/>
-              <a:latin typeface="Calisto MT"/>
-            </a:endParaRPr>
-          </a:p>
-          <a:p>
-            <a:pPr indent="0" defTabSz="914400">
-              <a:lnSpc>
-                <a:spcPct val="110000"/>
-              </a:lnSpc>
-              <a:spcBef>
-                <a:spcPts val="1001"/>
-              </a:spcBef>
-              <a:buNone/>
-            </a:pPr>
-            <a:endParaRPr lang="de-DE" sz="2000" b="0" u="none" strike="noStrike">
-              <a:solidFill>
-                <a:schemeClr val="dk1"/>
-              </a:solidFill>
-              <a:effectLst/>
-              <a:uFillTx/>
-              <a:latin typeface="Calisto MT"/>
-            </a:endParaRPr>
-          </a:p>
-          <a:p>
-            <a:pPr indent="0" defTabSz="914400">
-              <a:lnSpc>
-                <a:spcPct val="110000"/>
-              </a:lnSpc>
-              <a:spcBef>
-                <a:spcPts val="1001"/>
-              </a:spcBef>
-              <a:buNone/>
-            </a:pPr>
-            <a:endParaRPr lang="de-DE" sz="2000" b="0" u="none" strike="noStrike">
-              <a:solidFill>
-                <a:schemeClr val="dk1"/>
-              </a:solidFill>
-              <a:effectLst/>
-              <a:uFillTx/>
-              <a:latin typeface="Calisto MT"/>
-            </a:endParaRPr>
-          </a:p>
-        </p:txBody>
-      </p:sp>
-    </p:spTree>
-  </p:cSld>
-  <p:clrMapOvr>
-    <a:masterClrMapping/>
-  </p:clrMapOvr>
-</p:sld>
-</file>
-
 <file path=ppt/slides/slide2.xml><?xml version="1.0" encoding="utf-8"?>
 <p:sld xmlns:a="http://schemas.openxmlformats.org/drawingml/2006/main" xmlns:r="http://schemas.openxmlformats.org/officeDocument/2006/relationships" xmlns:p="http://schemas.openxmlformats.org/presentationml/2006/main">
   <p:cSld>
@@ -21373,6 +21045,422 @@
       </p:grpSpPr>
       <p:sp useBgFill="1">
         <p:nvSpPr>
+          <p:cNvPr id="154" name="Rectangle 2">
+            <a:extLst>
+              <a:ext uri="{C183D7F6-B498-43B3-948B-1728B52AA6E4}">
+                <adec:decorative xmlns:adec="http://schemas.microsoft.com/office/drawing/2017/decorative" val="1"/>
+              </a:ext>
+            </a:extLst>
+          </p:cNvPr>
+          <p:cNvSpPr/>
+          <p:nvPr/>
+        </p:nvSpPr>
+        <p:spPr>
+          <a:xfrm>
+            <a:off x="0" y="0"/>
+            <a:ext cx="12191760" cy="6857640"/>
+          </a:xfrm>
+          <a:prstGeom prst="rect">
+            <a:avLst/>
+          </a:prstGeom>
+          <a:ln>
+            <a:noFill/>
+          </a:ln>
+        </p:spPr>
+        <p:style>
+          <a:lnRef idx="2">
+            <a:schemeClr val="accent1">
+              <a:shade val="50000"/>
+            </a:schemeClr>
+          </a:lnRef>
+          <a:fillRef idx="1">
+            <a:schemeClr val="accent1"/>
+          </a:fillRef>
+          <a:effectRef idx="0">
+            <a:schemeClr val="accent1"/>
+          </a:effectRef>
+          <a:fontRef idx="minor"/>
+        </p:style>
+        <p:txBody>
+          <a:bodyPr lIns="90000" tIns="45000" rIns="90000" bIns="45000" anchor="ctr">
+            <a:noAutofit/>
+          </a:bodyPr>
+          <a:lstStyle/>
+          <a:p>
+            <a:endParaRPr lang="en-US" sz="1800" b="0" u="none" strike="noStrike">
+              <a:solidFill>
+                <a:schemeClr val="lt1"/>
+              </a:solidFill>
+              <a:effectLst/>
+              <a:uFillTx/>
+              <a:latin typeface="Calisto MT"/>
+            </a:endParaRPr>
+          </a:p>
+        </p:txBody>
+      </p:sp>
+      <p:sp>
+        <p:nvSpPr>
+          <p:cNvPr id="155" name="PlaceHolder 1"/>
+          <p:cNvSpPr>
+            <a:spLocks noGrp="1"/>
+          </p:cNvSpPr>
+          <p:nvPr>
+            <p:ph type="title"/>
+          </p:nvPr>
+        </p:nvSpPr>
+        <p:spPr>
+          <a:xfrm>
+            <a:off x="704160" y="555840"/>
+            <a:ext cx="9015840" cy="2390400"/>
+          </a:xfrm>
+          <a:prstGeom prst="rect">
+            <a:avLst/>
+          </a:prstGeom>
+          <a:noFill/>
+          <a:ln w="0">
+            <a:noFill/>
+          </a:ln>
+        </p:spPr>
+        <p:txBody>
+          <a:bodyPr lIns="91440" tIns="45720" rIns="91440" bIns="45720" anchor="t">
+            <a:normAutofit/>
+          </a:bodyPr>
+          <a:lstStyle/>
+          <a:p>
+            <a:pPr indent="0" defTabSz="914400">
+              <a:lnSpc>
+                <a:spcPct val="100000"/>
+              </a:lnSpc>
+              <a:buNone/>
+            </a:pPr>
+            <a:r>
+              <a:rPr lang="de-DE" sz="4000" cap="all" spc="31" dirty="0">
+                <a:solidFill>
+                  <a:schemeClr val="dk1"/>
+                </a:solidFill>
+                <a:latin typeface="Univers Condensed"/>
+              </a:rPr>
+              <a:t>9</a:t>
+            </a:r>
+            <a:r>
+              <a:rPr lang="de-DE" sz="4000" b="0" u="none" strike="noStrike" cap="all" spc="31" dirty="0">
+                <a:solidFill>
+                  <a:schemeClr val="dk1"/>
+                </a:solidFill>
+                <a:effectLst/>
+                <a:uFillTx/>
+                <a:latin typeface="Univers Condensed"/>
+              </a:rPr>
+              <a:t>. Live Demo – Control Panel</a:t>
+            </a:r>
+            <a:endParaRPr lang="de-DE" sz="4000" b="0" u="none" strike="noStrike" dirty="0">
+              <a:solidFill>
+                <a:schemeClr val="dk1"/>
+              </a:solidFill>
+              <a:effectLst/>
+              <a:uFillTx/>
+              <a:latin typeface="Calisto MT"/>
+            </a:endParaRPr>
+          </a:p>
+        </p:txBody>
+      </p:sp>
+      <p:sp>
+        <p:nvSpPr>
+          <p:cNvPr id="156" name="PlaceHolder 2"/>
+          <p:cNvSpPr>
+            <a:spLocks noGrp="1"/>
+          </p:cNvSpPr>
+          <p:nvPr>
+            <p:ph/>
+          </p:nvPr>
+        </p:nvSpPr>
+        <p:spPr>
+          <a:xfrm>
+            <a:off x="720000" y="1440000"/>
+            <a:ext cx="10772280" cy="4730040"/>
+          </a:xfrm>
+          <a:prstGeom prst="rect">
+            <a:avLst/>
+          </a:prstGeom>
+          <a:noFill/>
+          <a:ln w="0">
+            <a:noFill/>
+          </a:ln>
+        </p:spPr>
+        <p:txBody>
+          <a:bodyPr lIns="91440" tIns="45720" rIns="91440" bIns="45720" anchor="t">
+            <a:normAutofit/>
+          </a:bodyPr>
+          <a:lstStyle/>
+          <a:p>
+            <a:pPr marL="228600" indent="0" defTabSz="914400">
+              <a:lnSpc>
+                <a:spcPct val="110000"/>
+              </a:lnSpc>
+              <a:spcBef>
+                <a:spcPts val="1001"/>
+              </a:spcBef>
+              <a:buNone/>
+            </a:pPr>
+            <a:endParaRPr lang="de-DE" sz="2000" b="0" u="none" strike="noStrike">
+              <a:solidFill>
+                <a:schemeClr val="dk1"/>
+              </a:solidFill>
+              <a:effectLst/>
+              <a:uFillTx/>
+              <a:latin typeface="Calisto MT"/>
+            </a:endParaRPr>
+          </a:p>
+          <a:p>
+            <a:pPr marL="228600" indent="-228600" defTabSz="914400">
+              <a:lnSpc>
+                <a:spcPct val="110000"/>
+              </a:lnSpc>
+              <a:spcBef>
+                <a:spcPts val="1001"/>
+              </a:spcBef>
+              <a:buClr>
+                <a:srgbClr val="000000"/>
+              </a:buClr>
+              <a:buFont typeface="Symbol" charset="2"/>
+              <a:buChar char=""/>
+            </a:pPr>
+            <a:r>
+              <a:rPr lang="de-DE" sz="2000" b="0" u="none" strike="noStrike">
+                <a:solidFill>
+                  <a:schemeClr val="dk1"/>
+                </a:solidFill>
+                <a:effectLst/>
+                <a:uFillTx/>
+                <a:latin typeface="Calisto MT"/>
+              </a:rPr>
+              <a:t>Benutzer erstellen</a:t>
+            </a:r>
+          </a:p>
+          <a:p>
+            <a:pPr marL="228600" indent="0" defTabSz="914400">
+              <a:lnSpc>
+                <a:spcPct val="110000"/>
+              </a:lnSpc>
+              <a:spcBef>
+                <a:spcPts val="1001"/>
+              </a:spcBef>
+              <a:buNone/>
+            </a:pPr>
+            <a:r>
+              <a:rPr lang="de-DE" sz="2000" b="0" u="none" strike="noStrike">
+                <a:solidFill>
+                  <a:schemeClr val="dk1"/>
+                </a:solidFill>
+                <a:effectLst/>
+                <a:uFillTx/>
+                <a:latin typeface="Calisto MT"/>
+              </a:rPr>
+              <a:t>- Verschiedene Sprache</a:t>
+            </a:r>
+          </a:p>
+          <a:p>
+            <a:pPr marL="228600" indent="0" defTabSz="914400">
+              <a:lnSpc>
+                <a:spcPct val="110000"/>
+              </a:lnSpc>
+              <a:spcBef>
+                <a:spcPts val="1001"/>
+              </a:spcBef>
+              <a:buNone/>
+            </a:pPr>
+            <a:r>
+              <a:rPr lang="de-DE" sz="2000" b="0" u="none" strike="noStrike">
+                <a:solidFill>
+                  <a:schemeClr val="dk1"/>
+                </a:solidFill>
+                <a:effectLst/>
+                <a:uFillTx/>
+                <a:latin typeface="Calisto MT"/>
+              </a:rPr>
+              <a:t>- Jünger als 13</a:t>
+            </a:r>
+          </a:p>
+          <a:p>
+            <a:pPr marL="228600" indent="0" defTabSz="914400">
+              <a:lnSpc>
+                <a:spcPct val="110000"/>
+              </a:lnSpc>
+              <a:spcBef>
+                <a:spcPts val="1001"/>
+              </a:spcBef>
+              <a:buNone/>
+            </a:pPr>
+            <a:r>
+              <a:rPr lang="de-DE" sz="2000" b="0" u="none" strike="noStrike">
+                <a:solidFill>
+                  <a:schemeClr val="dk1"/>
+                </a:solidFill>
+                <a:effectLst/>
+                <a:uFillTx/>
+                <a:latin typeface="Calisto MT"/>
+              </a:rPr>
+              <a:t>- Älter als 13 / jünger als 18</a:t>
+            </a:r>
+          </a:p>
+          <a:p>
+            <a:pPr marL="228600" indent="0" defTabSz="914400">
+              <a:lnSpc>
+                <a:spcPct val="110000"/>
+              </a:lnSpc>
+              <a:spcBef>
+                <a:spcPts val="1001"/>
+              </a:spcBef>
+              <a:buNone/>
+            </a:pPr>
+            <a:endParaRPr lang="de-DE" sz="2000" b="0" u="none" strike="noStrike">
+              <a:solidFill>
+                <a:schemeClr val="dk1"/>
+              </a:solidFill>
+              <a:effectLst/>
+              <a:uFillTx/>
+              <a:latin typeface="Calisto MT"/>
+            </a:endParaRPr>
+          </a:p>
+          <a:p>
+            <a:pPr marL="228600" indent="-228600" defTabSz="914400">
+              <a:lnSpc>
+                <a:spcPct val="110000"/>
+              </a:lnSpc>
+              <a:spcBef>
+                <a:spcPts val="1001"/>
+              </a:spcBef>
+              <a:buClr>
+                <a:srgbClr val="000000"/>
+              </a:buClr>
+              <a:buFont typeface="Symbol" charset="2"/>
+              <a:buChar char=""/>
+            </a:pPr>
+            <a:r>
+              <a:rPr lang="de-DE" sz="2000" b="0" u="none" strike="noStrike">
+                <a:solidFill>
+                  <a:schemeClr val="dk1"/>
+                </a:solidFill>
+                <a:effectLst/>
+                <a:uFillTx/>
+                <a:latin typeface="Calisto MT"/>
+              </a:rPr>
+              <a:t>Benutzer löschen</a:t>
+            </a:r>
+          </a:p>
+          <a:p>
+            <a:pPr indent="0" defTabSz="914400">
+              <a:lnSpc>
+                <a:spcPct val="110000"/>
+              </a:lnSpc>
+              <a:spcBef>
+                <a:spcPts val="1001"/>
+              </a:spcBef>
+              <a:buNone/>
+            </a:pPr>
+            <a:endParaRPr lang="de-DE" sz="2000" b="0" u="none" strike="noStrike">
+              <a:solidFill>
+                <a:schemeClr val="dk1"/>
+              </a:solidFill>
+              <a:effectLst/>
+              <a:uFillTx/>
+              <a:latin typeface="Calisto MT"/>
+            </a:endParaRPr>
+          </a:p>
+          <a:p>
+            <a:pPr indent="0" defTabSz="914400">
+              <a:lnSpc>
+                <a:spcPct val="110000"/>
+              </a:lnSpc>
+              <a:spcBef>
+                <a:spcPts val="1001"/>
+              </a:spcBef>
+              <a:buNone/>
+            </a:pPr>
+            <a:endParaRPr lang="de-DE" sz="2000" b="0" u="none" strike="noStrike">
+              <a:solidFill>
+                <a:schemeClr val="dk1"/>
+              </a:solidFill>
+              <a:effectLst/>
+              <a:uFillTx/>
+              <a:latin typeface="Calisto MT"/>
+            </a:endParaRPr>
+          </a:p>
+          <a:p>
+            <a:pPr indent="0" defTabSz="914400">
+              <a:lnSpc>
+                <a:spcPct val="110000"/>
+              </a:lnSpc>
+              <a:spcBef>
+                <a:spcPts val="1001"/>
+              </a:spcBef>
+              <a:buNone/>
+            </a:pPr>
+            <a:endParaRPr lang="de-DE" sz="2000" b="0" u="none" strike="noStrike">
+              <a:solidFill>
+                <a:schemeClr val="dk1"/>
+              </a:solidFill>
+              <a:effectLst/>
+              <a:uFillTx/>
+              <a:latin typeface="Calisto MT"/>
+            </a:endParaRPr>
+          </a:p>
+          <a:p>
+            <a:pPr indent="0" defTabSz="914400">
+              <a:lnSpc>
+                <a:spcPct val="110000"/>
+              </a:lnSpc>
+              <a:spcBef>
+                <a:spcPts val="1001"/>
+              </a:spcBef>
+              <a:buNone/>
+            </a:pPr>
+            <a:endParaRPr lang="de-DE" sz="2000" b="0" u="none" strike="noStrike">
+              <a:solidFill>
+                <a:schemeClr val="dk1"/>
+              </a:solidFill>
+              <a:effectLst/>
+              <a:uFillTx/>
+              <a:latin typeface="Calisto MT"/>
+            </a:endParaRPr>
+          </a:p>
+        </p:txBody>
+      </p:sp>
+    </p:spTree>
+  </p:cSld>
+  <p:clrMapOvr>
+    <a:masterClrMapping/>
+  </p:clrMapOvr>
+</p:sld>
+</file>
+
+<file path=ppt/slides/slide21.xml><?xml version="1.0" encoding="utf-8"?>
+<p:sld xmlns:a="http://schemas.openxmlformats.org/drawingml/2006/main" xmlns:r="http://schemas.openxmlformats.org/officeDocument/2006/relationships" xmlns:p="http://schemas.openxmlformats.org/presentationml/2006/main">
+  <p:cSld>
+    <p:bg>
+      <p:bgPr>
+        <a:solidFill>
+          <a:schemeClr val="lt1"/>
+        </a:solidFill>
+        <a:effectLst/>
+      </p:bgPr>
+    </p:bg>
+    <p:spTree>
+      <p:nvGrpSpPr>
+        <p:cNvPr id="1" name=""/>
+        <p:cNvGrpSpPr/>
+        <p:nvPr/>
+      </p:nvGrpSpPr>
+      <p:grpSpPr>
+        <a:xfrm>
+          <a:off x="0" y="0"/>
+          <a:ext cx="0" cy="0"/>
+          <a:chOff x="0" y="0"/>
+          <a:chExt cx="0" cy="0"/>
+        </a:xfrm>
+      </p:grpSpPr>
+      <p:sp useBgFill="1">
+        <p:nvSpPr>
           <p:cNvPr id="157" name="Rectangle 9">
             <a:extLst>
               <a:ext uri="{C183D7F6-B498-43B3-948B-1728B52AA6E4}">
@@ -21959,7 +22047,7 @@
 </p:sld>
 </file>
 
-<file path=ppt/slides/slide21.xml><?xml version="1.0" encoding="utf-8"?>
+<file path=ppt/slides/slide22.xml><?xml version="1.0" encoding="utf-8"?>
 <p:sld xmlns:a="http://schemas.openxmlformats.org/drawingml/2006/main" xmlns:r="http://schemas.openxmlformats.org/officeDocument/2006/relationships" xmlns:p="http://schemas.openxmlformats.org/presentationml/2006/main">
   <p:cSld>
     <p:spTree>
@@ -22115,7 +22203,7 @@
 </p:sld>
 </file>
 
-<file path=ppt/slides/slide22.xml><?xml version="1.0" encoding="utf-8"?>
+<file path=ppt/slides/slide23.xml><?xml version="1.0" encoding="utf-8"?>
 <p:sld xmlns:a="http://schemas.openxmlformats.org/drawingml/2006/main" xmlns:r="http://schemas.openxmlformats.org/officeDocument/2006/relationships" xmlns:p="http://schemas.openxmlformats.org/presentationml/2006/main">
   <p:cSld>
     <p:bg>
@@ -22532,7 +22620,7 @@
 </p:sld>
 </file>
 
-<file path=ppt/slides/slide23.xml><?xml version="1.0" encoding="utf-8"?>
+<file path=ppt/slides/slide24.xml><?xml version="1.0" encoding="utf-8"?>
 <p:sld xmlns:a="http://schemas.openxmlformats.org/drawingml/2006/main" xmlns:r="http://schemas.openxmlformats.org/officeDocument/2006/relationships" xmlns:p="http://schemas.openxmlformats.org/presentationml/2006/main">
   <p:cSld>
     <p:bg>
@@ -22931,7 +23019,7 @@
 </p:sld>
 </file>
 
-<file path=ppt/slides/slide24.xml><?xml version="1.0" encoding="utf-8"?>
+<file path=ppt/slides/slide25.xml><?xml version="1.0" encoding="utf-8"?>
 <p:sld xmlns:a="http://schemas.openxmlformats.org/drawingml/2006/main" xmlns:r="http://schemas.openxmlformats.org/officeDocument/2006/relationships" xmlns:p="http://schemas.openxmlformats.org/presentationml/2006/main">
   <p:cSld>
     <p:bg>
@@ -23228,7 +23316,7 @@
 </p:sld>
 </file>
 
-<file path=ppt/slides/slide25.xml><?xml version="1.0" encoding="utf-8"?>
+<file path=ppt/slides/slide26.xml><?xml version="1.0" encoding="utf-8"?>
 <p:sld xmlns:a="http://schemas.openxmlformats.org/drawingml/2006/main" xmlns:r="http://schemas.openxmlformats.org/officeDocument/2006/relationships" xmlns:p="http://schemas.openxmlformats.org/presentationml/2006/main">
   <p:cSld>
     <p:bg>
@@ -27061,7 +27149,13 @@
       </p:grpSpPr>
       <p:sp>
         <p:nvSpPr>
-          <p:cNvPr id="134" name="PlaceHolder 1"/>
+          <p:cNvPr id="2" name="Titel 1">
+            <a:extLst>
+              <a:ext uri="{FF2B5EF4-FFF2-40B4-BE49-F238E27FC236}">
+                <a16:creationId xmlns:a16="http://schemas.microsoft.com/office/drawing/2014/main" id="{5676A1F0-06D2-D34D-F730-80C010184074}"/>
+              </a:ext>
+            </a:extLst>
+          </p:cNvPr>
           <p:cNvSpPr>
             <a:spLocks noGrp="1"/>
           </p:cNvSpPr>
@@ -27069,86 +27163,217 @@
             <p:ph type="title"/>
           </p:nvPr>
         </p:nvSpPr>
-        <p:spPr>
-          <a:xfrm>
-            <a:off x="700560" y="914400"/>
-            <a:ext cx="10690920" cy="1307160"/>
-          </a:xfrm>
-          <a:prstGeom prst="rect">
-            <a:avLst/>
-          </a:prstGeom>
-          <a:noFill/>
-          <a:ln w="0">
-            <a:noFill/>
-          </a:ln>
-        </p:spPr>
+        <p:spPr/>
         <p:txBody>
-          <a:bodyPr lIns="91440" tIns="45720" rIns="91440" bIns="45720" anchor="t">
-            <a:normAutofit/>
-          </a:bodyPr>
+          <a:bodyPr/>
           <a:lstStyle/>
           <a:p>
-            <a:pPr indent="0" defTabSz="914400">
-              <a:lnSpc>
-                <a:spcPct val="100000"/>
-              </a:lnSpc>
-              <a:buNone/>
-            </a:pPr>
-            <a:r>
-              <a:rPr lang="de-DE" sz="4000" b="0" u="none" strike="noStrike" cap="all" spc="31" dirty="0">
+            <a:r>
+              <a:rPr lang="de-DE" sz="4000" cap="all" spc="31" dirty="0">
                 <a:solidFill>
                   <a:schemeClr val="dk1"/>
                 </a:solidFill>
-                <a:effectLst/>
-                <a:uFillTx/>
-                <a:latin typeface="Univers Condensed"/>
               </a:rPr>
-              <a:t>4. Zeitplanung und Budgetanalyse</a:t>
-            </a:r>
-            <a:endParaRPr lang="de-DE" sz="4000" b="0" u="none" strike="noStrike" dirty="0">
-              <a:solidFill>
-                <a:schemeClr val="dk1"/>
-              </a:solidFill>
-              <a:effectLst/>
-              <a:uFillTx/>
-              <a:latin typeface="Calisto MT"/>
-            </a:endParaRPr>
+              <a:t>3. </a:t>
+            </a:r>
+            <a:r>
+              <a:rPr lang="de-DE" cap="all" spc="31" dirty="0">
+                <a:solidFill>
+                  <a:srgbClr val="000000"/>
+                </a:solidFill>
+              </a:rPr>
+              <a:t>Anforderungsanalyse</a:t>
+            </a:r>
+            <a:br>
+              <a:rPr lang="de-DE" dirty="0"/>
+            </a:br>
+            <a:r>
+              <a:rPr lang="de-DE" cap="all" spc="31" dirty="0">
+                <a:solidFill>
+                  <a:srgbClr val="000000"/>
+                </a:solidFill>
+              </a:rPr>
+              <a:t>und Stakeholder</a:t>
+            </a:r>
+            <a:endParaRPr lang="de-DE" dirty="0"/>
           </a:p>
         </p:txBody>
       </p:sp>
-      <p:graphicFrame>
-        <p:nvGraphicFramePr>
-          <p:cNvPr id="135" name="Diagramm 6"/>
-          <p:cNvGraphicFramePr/>
-          <p:nvPr/>
-        </p:nvGraphicFramePr>
-        <p:xfrm>
-          <a:off x="4254120" y="1737360"/>
-          <a:ext cx="7632720" cy="4383360"/>
-        </p:xfrm>
-        <a:graphic>
-          <a:graphicData uri="http://schemas.openxmlformats.org/drawingml/2006/chart">
-            <c:chart xmlns:c="http://schemas.openxmlformats.org/drawingml/2006/chart" xmlns:r="http://schemas.openxmlformats.org/officeDocument/2006/relationships" r:id="rId2"/>
-          </a:graphicData>
-        </a:graphic>
-      </p:graphicFrame>
-      <p:graphicFrame>
-        <p:nvGraphicFramePr>
-          <p:cNvPr id="136" name="Diagramm 8"/>
-          <p:cNvGraphicFramePr/>
-          <p:nvPr/>
-        </p:nvGraphicFramePr>
-        <p:xfrm>
-          <a:off x="-327960" y="2221920"/>
-          <a:ext cx="4860000" cy="3025440"/>
-        </p:xfrm>
-        <a:graphic>
-          <a:graphicData uri="http://schemas.openxmlformats.org/drawingml/2006/chart">
-            <c:chart xmlns:c="http://schemas.openxmlformats.org/drawingml/2006/chart" xmlns:r="http://schemas.openxmlformats.org/officeDocument/2006/relationships" r:id="rId3"/>
-          </a:graphicData>
-        </a:graphic>
-      </p:graphicFrame>
+      <p:sp>
+        <p:nvSpPr>
+          <p:cNvPr id="3" name="Textplatzhalter 2">
+            <a:extLst>
+              <a:ext uri="{FF2B5EF4-FFF2-40B4-BE49-F238E27FC236}">
+                <a16:creationId xmlns:a16="http://schemas.microsoft.com/office/drawing/2014/main" id="{0037BA5E-13C2-2C2D-70D2-6E64DBC256CB}"/>
+              </a:ext>
+            </a:extLst>
+          </p:cNvPr>
+          <p:cNvSpPr>
+            <a:spLocks noGrp="1"/>
+          </p:cNvSpPr>
+          <p:nvPr>
+            <p:ph type="body"/>
+          </p:nvPr>
+        </p:nvSpPr>
+        <p:spPr/>
+        <p:txBody>
+          <a:bodyPr/>
+          <a:lstStyle/>
+          <a:p>
+            <a:r>
+              <a:rPr lang="de-DE" sz="1100" b="1" dirty="0"/>
+              <a:t>Ich bin Teil der Software-Entwicklung. Für mich bietet die Zeiterfassung viele Möglichkeiten, unsere bereits bestehende Software zu verbessern.</a:t>
+            </a:r>
+          </a:p>
+          <a:p>
+            <a:pPr lvl="1"/>
+            <a:r>
+              <a:rPr lang="de-DE" sz="1100" dirty="0"/>
+              <a:t>Es muss sichergestellt werden, dass eine API mit verschiedenen Funktionen zur Verfügung steht.</a:t>
+            </a:r>
+          </a:p>
+          <a:p>
+            <a:pPr lvl="1"/>
+            <a:r>
+              <a:rPr lang="de-DE" sz="1100" dirty="0"/>
+              <a:t>Es muss sichergestellt werden, dass der Code zur Wartung/Veränderung gut lesbar ist.</a:t>
+            </a:r>
+          </a:p>
+          <a:p>
+            <a:pPr lvl="1"/>
+            <a:r>
+              <a:rPr lang="de-DE" sz="1100" dirty="0"/>
+              <a:t>Es muss ein Tool zur Versionsverwaltung verwendet werden.</a:t>
+            </a:r>
+          </a:p>
+          <a:p>
+            <a:pPr lvl="1"/>
+            <a:r>
+              <a:rPr lang="de-DE" sz="1100" dirty="0"/>
+              <a:t>Als Software-Entwickler wünsche ich mir, dass ich mit Hilfe der API das Zeiterfassungssystem steuern kann. </a:t>
+            </a:r>
+            <a:r>
+              <a:rPr lang="de-DE" sz="1100" b="1" dirty="0"/>
+              <a:t>(13)</a:t>
+            </a:r>
+            <a:endParaRPr lang="de-DE" sz="1100" dirty="0"/>
+          </a:p>
+          <a:p>
+            <a:pPr lvl="2"/>
+            <a:r>
+              <a:rPr lang="de-DE" sz="1100" i="1" dirty="0"/>
+              <a:t>Es muss eine Möglichkeit geben, per API einen Mitarbeiter einzustempeln.</a:t>
+            </a:r>
+          </a:p>
+          <a:p>
+            <a:pPr lvl="2"/>
+            <a:r>
+              <a:rPr lang="de-DE" sz="1100" i="1" dirty="0"/>
+              <a:t>Es muss eine Möglichkeit geben, per API einen Mitarbeiter auszustempeln.</a:t>
+            </a:r>
+          </a:p>
+          <a:p>
+            <a:pPr lvl="2"/>
+            <a:r>
+              <a:rPr lang="de-DE" sz="1100" i="1" dirty="0"/>
+              <a:t>Es muss eine Möglichkeit geben, per API die Nachrichten abzurufen (Kommen, Gehen)</a:t>
+            </a:r>
+          </a:p>
+          <a:p>
+            <a:pPr lvl="2"/>
+            <a:r>
+              <a:rPr lang="de-DE" sz="1100" i="1" dirty="0"/>
+              <a:t>Es muss eine Möglichkeit geben, per API die </a:t>
+            </a:r>
+            <a:r>
+              <a:rPr lang="de-DE" sz="1100" i="1" dirty="0" err="1"/>
+              <a:t>NutzerID</a:t>
+            </a:r>
+            <a:r>
+              <a:rPr lang="de-DE" sz="1100" i="1" dirty="0"/>
+              <a:t> abzurufen</a:t>
+            </a:r>
+          </a:p>
+          <a:p>
+            <a:pPr lvl="2"/>
+            <a:r>
+              <a:rPr lang="de-DE" sz="1100" i="1" dirty="0"/>
+              <a:t>Es muss eine Möglichkeit geben, Nutzer über die API anzulegen und zu löschen.</a:t>
+            </a:r>
+          </a:p>
+          <a:p>
+            <a:pPr lvl="1"/>
+            <a:r>
+              <a:rPr lang="de-DE" sz="1100" dirty="0"/>
+              <a:t>Als Software-Entwickler wünsche ich mir, dass der Source-Code klar verständlich ist, um in Zukunft das System weiter entwickeln zu können. </a:t>
+            </a:r>
+            <a:r>
+              <a:rPr lang="de-DE" sz="1100" b="1" dirty="0"/>
+              <a:t>(8)</a:t>
+            </a:r>
+            <a:endParaRPr lang="de-DE" sz="1100" dirty="0"/>
+          </a:p>
+          <a:p>
+            <a:pPr lvl="2"/>
+            <a:r>
+              <a:rPr lang="de-DE" sz="1100" i="1" dirty="0"/>
+              <a:t>Es muss eine vollständige technische Dokumentation der Anwendung geben, die alle Funktionen umfasst.</a:t>
+            </a:r>
+          </a:p>
+          <a:p>
+            <a:pPr lvl="2"/>
+            <a:r>
+              <a:rPr lang="de-DE" sz="1100" i="1" dirty="0"/>
+              <a:t>Es benötigt einen klar strukturierten Source-Code für das bessere Verständnis</a:t>
+            </a:r>
+          </a:p>
+          <a:p>
+            <a:pPr lvl="2"/>
+            <a:r>
+              <a:rPr lang="de-DE" sz="1100" i="1" dirty="0"/>
+              <a:t>Es sollten Kommentare an den wichtigen Stellen im Source-Code vorhanden sein.</a:t>
+            </a:r>
+          </a:p>
+          <a:p>
+            <a:pPr lvl="1"/>
+            <a:r>
+              <a:rPr lang="de-DE" sz="1100" dirty="0"/>
+              <a:t>Als Software-Entwickler ist es wichtig, dass ich bei der Entwicklung im Zweifel auf vorherige Versionen zugreifen kann. </a:t>
+            </a:r>
+            <a:r>
+              <a:rPr lang="de-DE" sz="1100" b="1" dirty="0"/>
+              <a:t>(3)</a:t>
+            </a:r>
+            <a:endParaRPr lang="de-DE" sz="1100" dirty="0"/>
+          </a:p>
+          <a:p>
+            <a:pPr lvl="2"/>
+            <a:r>
+              <a:rPr lang="de-DE" sz="1100" i="1" dirty="0"/>
+              <a:t>Es muss ein System geben, dass jede Änderung zur Nachverfolgung bereitstellt.</a:t>
+            </a:r>
+          </a:p>
+          <a:p>
+            <a:pPr lvl="2"/>
+            <a:r>
+              <a:rPr lang="de-DE" sz="1100" i="1" dirty="0"/>
+              <a:t>Hierzu wurde GIT ausgewählt, dass die Versionierung ermöglicht.</a:t>
+            </a:r>
+          </a:p>
+          <a:p>
+            <a:pPr marL="0" indent="0">
+              <a:buNone/>
+            </a:pPr>
+            <a:endParaRPr lang="de-DE" sz="1200" dirty="0"/>
+          </a:p>
+        </p:txBody>
+      </p:sp>
     </p:spTree>
+    <p:extLst>
+      <p:ext uri="{BB962C8B-B14F-4D97-AF65-F5344CB8AC3E}">
+        <p14:creationId xmlns:p14="http://schemas.microsoft.com/office/powerpoint/2010/main" val="192684856"/>
+      </p:ext>
+    </p:extLst>
   </p:cSld>
   <p:clrMapOvr>
     <a:masterClrMapping/>

--- a/Abgabe/Dokumentation/Präsentation.pptx
+++ b/Abgabe/Dokumentation/Präsentation.pptx
@@ -27378,6 +27378,869 @@
   <p:clrMapOvr>
     <a:masterClrMapping/>
   </p:clrMapOvr>
+  <p:timing>
+    <p:tnLst>
+      <p:par>
+        <p:cTn id="1" dur="indefinite" restart="never" nodeType="tmRoot">
+          <p:childTnLst>
+            <p:seq concurrent="1" nextAc="seek">
+              <p:cTn id="2" dur="indefinite" nodeType="mainSeq">
+                <p:childTnLst>
+                  <p:par>
+                    <p:cTn id="3" fill="hold">
+                      <p:stCondLst>
+                        <p:cond delay="indefinite"/>
+                      </p:stCondLst>
+                      <p:childTnLst>
+                        <p:par>
+                          <p:cTn id="4" fill="hold">
+                            <p:stCondLst>
+                              <p:cond delay="0"/>
+                            </p:stCondLst>
+                            <p:childTnLst>
+                              <p:par>
+                                <p:cTn id="5" presetID="1" presetClass="entr" presetSubtype="0" fill="hold" nodeType="clickEffect">
+                                  <p:stCondLst>
+                                    <p:cond delay="0"/>
+                                  </p:stCondLst>
+                                  <p:childTnLst>
+                                    <p:set>
+                                      <p:cBhvr>
+                                        <p:cTn id="6" dur="1" fill="hold">
+                                          <p:stCondLst>
+                                            <p:cond delay="0"/>
+                                          </p:stCondLst>
+                                        </p:cTn>
+                                        <p:tgtEl>
+                                          <p:spTgt spid="3">
+                                            <p:txEl>
+                                              <p:pRg st="0" end="0"/>
+                                            </p:txEl>
+                                          </p:spTgt>
+                                        </p:tgtEl>
+                                        <p:attrNameLst>
+                                          <p:attrName>style.visibility</p:attrName>
+                                        </p:attrNameLst>
+                                      </p:cBhvr>
+                                      <p:to>
+                                        <p:strVal val="visible"/>
+                                      </p:to>
+                                    </p:set>
+                                  </p:childTnLst>
+                                </p:cTn>
+                              </p:par>
+                            </p:childTnLst>
+                          </p:cTn>
+                        </p:par>
+                      </p:childTnLst>
+                    </p:cTn>
+                  </p:par>
+                  <p:par>
+                    <p:cTn id="7" fill="hold">
+                      <p:stCondLst>
+                        <p:cond delay="indefinite"/>
+                      </p:stCondLst>
+                      <p:childTnLst>
+                        <p:par>
+                          <p:cTn id="8" fill="hold">
+                            <p:stCondLst>
+                              <p:cond delay="0"/>
+                            </p:stCondLst>
+                            <p:childTnLst>
+                              <p:par>
+                                <p:cTn id="9" presetID="1" presetClass="entr" presetSubtype="0" fill="hold" nodeType="clickEffect">
+                                  <p:stCondLst>
+                                    <p:cond delay="0"/>
+                                  </p:stCondLst>
+                                  <p:childTnLst>
+                                    <p:set>
+                                      <p:cBhvr>
+                                        <p:cTn id="10" dur="1" fill="hold">
+                                          <p:stCondLst>
+                                            <p:cond delay="0"/>
+                                          </p:stCondLst>
+                                        </p:cTn>
+                                        <p:tgtEl>
+                                          <p:spTgt spid="3">
+                                            <p:txEl>
+                                              <p:pRg st="1" end="1"/>
+                                            </p:txEl>
+                                          </p:spTgt>
+                                        </p:tgtEl>
+                                        <p:attrNameLst>
+                                          <p:attrName>style.visibility</p:attrName>
+                                        </p:attrNameLst>
+                                      </p:cBhvr>
+                                      <p:to>
+                                        <p:strVal val="visible"/>
+                                      </p:to>
+                                    </p:set>
+                                  </p:childTnLst>
+                                </p:cTn>
+                              </p:par>
+                            </p:childTnLst>
+                          </p:cTn>
+                        </p:par>
+                      </p:childTnLst>
+                    </p:cTn>
+                  </p:par>
+                  <p:par>
+                    <p:cTn id="11" fill="hold">
+                      <p:stCondLst>
+                        <p:cond delay="indefinite"/>
+                      </p:stCondLst>
+                      <p:childTnLst>
+                        <p:par>
+                          <p:cTn id="12" fill="hold">
+                            <p:stCondLst>
+                              <p:cond delay="0"/>
+                            </p:stCondLst>
+                            <p:childTnLst>
+                              <p:par>
+                                <p:cTn id="13" presetID="1" presetClass="entr" presetSubtype="0" fill="hold" nodeType="clickEffect">
+                                  <p:stCondLst>
+                                    <p:cond delay="0"/>
+                                  </p:stCondLst>
+                                  <p:childTnLst>
+                                    <p:set>
+                                      <p:cBhvr>
+                                        <p:cTn id="14" dur="1" fill="hold">
+                                          <p:stCondLst>
+                                            <p:cond delay="0"/>
+                                          </p:stCondLst>
+                                        </p:cTn>
+                                        <p:tgtEl>
+                                          <p:spTgt spid="3">
+                                            <p:txEl>
+                                              <p:pRg st="2" end="2"/>
+                                            </p:txEl>
+                                          </p:spTgt>
+                                        </p:tgtEl>
+                                        <p:attrNameLst>
+                                          <p:attrName>style.visibility</p:attrName>
+                                        </p:attrNameLst>
+                                      </p:cBhvr>
+                                      <p:to>
+                                        <p:strVal val="visible"/>
+                                      </p:to>
+                                    </p:set>
+                                  </p:childTnLst>
+                                </p:cTn>
+                              </p:par>
+                            </p:childTnLst>
+                          </p:cTn>
+                        </p:par>
+                      </p:childTnLst>
+                    </p:cTn>
+                  </p:par>
+                  <p:par>
+                    <p:cTn id="15" fill="hold">
+                      <p:stCondLst>
+                        <p:cond delay="indefinite"/>
+                      </p:stCondLst>
+                      <p:childTnLst>
+                        <p:par>
+                          <p:cTn id="16" fill="hold">
+                            <p:stCondLst>
+                              <p:cond delay="0"/>
+                            </p:stCondLst>
+                            <p:childTnLst>
+                              <p:par>
+                                <p:cTn id="17" presetID="1" presetClass="entr" presetSubtype="0" fill="hold" nodeType="clickEffect">
+                                  <p:stCondLst>
+                                    <p:cond delay="0"/>
+                                  </p:stCondLst>
+                                  <p:childTnLst>
+                                    <p:set>
+                                      <p:cBhvr>
+                                        <p:cTn id="18" dur="1" fill="hold">
+                                          <p:stCondLst>
+                                            <p:cond delay="0"/>
+                                          </p:stCondLst>
+                                        </p:cTn>
+                                        <p:tgtEl>
+                                          <p:spTgt spid="3">
+                                            <p:txEl>
+                                              <p:pRg st="3" end="3"/>
+                                            </p:txEl>
+                                          </p:spTgt>
+                                        </p:tgtEl>
+                                        <p:attrNameLst>
+                                          <p:attrName>style.visibility</p:attrName>
+                                        </p:attrNameLst>
+                                      </p:cBhvr>
+                                      <p:to>
+                                        <p:strVal val="visible"/>
+                                      </p:to>
+                                    </p:set>
+                                  </p:childTnLst>
+                                </p:cTn>
+                              </p:par>
+                            </p:childTnLst>
+                          </p:cTn>
+                        </p:par>
+                      </p:childTnLst>
+                    </p:cTn>
+                  </p:par>
+                  <p:par>
+                    <p:cTn id="19" fill="hold">
+                      <p:stCondLst>
+                        <p:cond delay="indefinite"/>
+                      </p:stCondLst>
+                      <p:childTnLst>
+                        <p:par>
+                          <p:cTn id="20" fill="hold">
+                            <p:stCondLst>
+                              <p:cond delay="0"/>
+                            </p:stCondLst>
+                            <p:childTnLst>
+                              <p:par>
+                                <p:cTn id="21" presetID="1" presetClass="entr" presetSubtype="0" fill="hold" nodeType="clickEffect">
+                                  <p:stCondLst>
+                                    <p:cond delay="0"/>
+                                  </p:stCondLst>
+                                  <p:childTnLst>
+                                    <p:set>
+                                      <p:cBhvr>
+                                        <p:cTn id="22" dur="1" fill="hold">
+                                          <p:stCondLst>
+                                            <p:cond delay="0"/>
+                                          </p:stCondLst>
+                                        </p:cTn>
+                                        <p:tgtEl>
+                                          <p:spTgt spid="3">
+                                            <p:txEl>
+                                              <p:pRg st="4" end="4"/>
+                                            </p:txEl>
+                                          </p:spTgt>
+                                        </p:tgtEl>
+                                        <p:attrNameLst>
+                                          <p:attrName>style.visibility</p:attrName>
+                                        </p:attrNameLst>
+                                      </p:cBhvr>
+                                      <p:to>
+                                        <p:strVal val="visible"/>
+                                      </p:to>
+                                    </p:set>
+                                  </p:childTnLst>
+                                </p:cTn>
+                              </p:par>
+                            </p:childTnLst>
+                          </p:cTn>
+                        </p:par>
+                      </p:childTnLst>
+                    </p:cTn>
+                  </p:par>
+                  <p:par>
+                    <p:cTn id="23" fill="hold">
+                      <p:stCondLst>
+                        <p:cond delay="indefinite"/>
+                      </p:stCondLst>
+                      <p:childTnLst>
+                        <p:par>
+                          <p:cTn id="24" fill="hold">
+                            <p:stCondLst>
+                              <p:cond delay="0"/>
+                            </p:stCondLst>
+                            <p:childTnLst>
+                              <p:par>
+                                <p:cTn id="25" presetID="1" presetClass="entr" presetSubtype="0" fill="hold" nodeType="clickEffect">
+                                  <p:stCondLst>
+                                    <p:cond delay="0"/>
+                                  </p:stCondLst>
+                                  <p:childTnLst>
+                                    <p:set>
+                                      <p:cBhvr>
+                                        <p:cTn id="26" dur="1" fill="hold">
+                                          <p:stCondLst>
+                                            <p:cond delay="0"/>
+                                          </p:stCondLst>
+                                        </p:cTn>
+                                        <p:tgtEl>
+                                          <p:spTgt spid="3">
+                                            <p:txEl>
+                                              <p:pRg st="5" end="5"/>
+                                            </p:txEl>
+                                          </p:spTgt>
+                                        </p:tgtEl>
+                                        <p:attrNameLst>
+                                          <p:attrName>style.visibility</p:attrName>
+                                        </p:attrNameLst>
+                                      </p:cBhvr>
+                                      <p:to>
+                                        <p:strVal val="visible"/>
+                                      </p:to>
+                                    </p:set>
+                                  </p:childTnLst>
+                                </p:cTn>
+                              </p:par>
+                            </p:childTnLst>
+                          </p:cTn>
+                        </p:par>
+                      </p:childTnLst>
+                    </p:cTn>
+                  </p:par>
+                  <p:par>
+                    <p:cTn id="27" fill="hold">
+                      <p:stCondLst>
+                        <p:cond delay="indefinite"/>
+                      </p:stCondLst>
+                      <p:childTnLst>
+                        <p:par>
+                          <p:cTn id="28" fill="hold">
+                            <p:stCondLst>
+                              <p:cond delay="0"/>
+                            </p:stCondLst>
+                            <p:childTnLst>
+                              <p:par>
+                                <p:cTn id="29" presetID="1" presetClass="entr" presetSubtype="0" fill="hold" nodeType="clickEffect">
+                                  <p:stCondLst>
+                                    <p:cond delay="0"/>
+                                  </p:stCondLst>
+                                  <p:childTnLst>
+                                    <p:set>
+                                      <p:cBhvr>
+                                        <p:cTn id="30" dur="1" fill="hold">
+                                          <p:stCondLst>
+                                            <p:cond delay="0"/>
+                                          </p:stCondLst>
+                                        </p:cTn>
+                                        <p:tgtEl>
+                                          <p:spTgt spid="3">
+                                            <p:txEl>
+                                              <p:pRg st="6" end="6"/>
+                                            </p:txEl>
+                                          </p:spTgt>
+                                        </p:tgtEl>
+                                        <p:attrNameLst>
+                                          <p:attrName>style.visibility</p:attrName>
+                                        </p:attrNameLst>
+                                      </p:cBhvr>
+                                      <p:to>
+                                        <p:strVal val="visible"/>
+                                      </p:to>
+                                    </p:set>
+                                  </p:childTnLst>
+                                </p:cTn>
+                              </p:par>
+                            </p:childTnLst>
+                          </p:cTn>
+                        </p:par>
+                      </p:childTnLst>
+                    </p:cTn>
+                  </p:par>
+                  <p:par>
+                    <p:cTn id="31" fill="hold">
+                      <p:stCondLst>
+                        <p:cond delay="indefinite"/>
+                      </p:stCondLst>
+                      <p:childTnLst>
+                        <p:par>
+                          <p:cTn id="32" fill="hold">
+                            <p:stCondLst>
+                              <p:cond delay="0"/>
+                            </p:stCondLst>
+                            <p:childTnLst>
+                              <p:par>
+                                <p:cTn id="33" presetID="1" presetClass="entr" presetSubtype="0" fill="hold" nodeType="clickEffect">
+                                  <p:stCondLst>
+                                    <p:cond delay="0"/>
+                                  </p:stCondLst>
+                                  <p:childTnLst>
+                                    <p:set>
+                                      <p:cBhvr>
+                                        <p:cTn id="34" dur="1" fill="hold">
+                                          <p:stCondLst>
+                                            <p:cond delay="0"/>
+                                          </p:stCondLst>
+                                        </p:cTn>
+                                        <p:tgtEl>
+                                          <p:spTgt spid="3">
+                                            <p:txEl>
+                                              <p:pRg st="7" end="7"/>
+                                            </p:txEl>
+                                          </p:spTgt>
+                                        </p:tgtEl>
+                                        <p:attrNameLst>
+                                          <p:attrName>style.visibility</p:attrName>
+                                        </p:attrNameLst>
+                                      </p:cBhvr>
+                                      <p:to>
+                                        <p:strVal val="visible"/>
+                                      </p:to>
+                                    </p:set>
+                                  </p:childTnLst>
+                                </p:cTn>
+                              </p:par>
+                            </p:childTnLst>
+                          </p:cTn>
+                        </p:par>
+                      </p:childTnLst>
+                    </p:cTn>
+                  </p:par>
+                  <p:par>
+                    <p:cTn id="35" fill="hold">
+                      <p:stCondLst>
+                        <p:cond delay="indefinite"/>
+                      </p:stCondLst>
+                      <p:childTnLst>
+                        <p:par>
+                          <p:cTn id="36" fill="hold">
+                            <p:stCondLst>
+                              <p:cond delay="0"/>
+                            </p:stCondLst>
+                            <p:childTnLst>
+                              <p:par>
+                                <p:cTn id="37" presetID="1" presetClass="entr" presetSubtype="0" fill="hold" nodeType="clickEffect">
+                                  <p:stCondLst>
+                                    <p:cond delay="0"/>
+                                  </p:stCondLst>
+                                  <p:childTnLst>
+                                    <p:set>
+                                      <p:cBhvr>
+                                        <p:cTn id="38" dur="1" fill="hold">
+                                          <p:stCondLst>
+                                            <p:cond delay="0"/>
+                                          </p:stCondLst>
+                                        </p:cTn>
+                                        <p:tgtEl>
+                                          <p:spTgt spid="3">
+                                            <p:txEl>
+                                              <p:pRg st="8" end="8"/>
+                                            </p:txEl>
+                                          </p:spTgt>
+                                        </p:tgtEl>
+                                        <p:attrNameLst>
+                                          <p:attrName>style.visibility</p:attrName>
+                                        </p:attrNameLst>
+                                      </p:cBhvr>
+                                      <p:to>
+                                        <p:strVal val="visible"/>
+                                      </p:to>
+                                    </p:set>
+                                  </p:childTnLst>
+                                </p:cTn>
+                              </p:par>
+                            </p:childTnLst>
+                          </p:cTn>
+                        </p:par>
+                      </p:childTnLst>
+                    </p:cTn>
+                  </p:par>
+                  <p:par>
+                    <p:cTn id="39" fill="hold">
+                      <p:stCondLst>
+                        <p:cond delay="indefinite"/>
+                      </p:stCondLst>
+                      <p:childTnLst>
+                        <p:par>
+                          <p:cTn id="40" fill="hold">
+                            <p:stCondLst>
+                              <p:cond delay="0"/>
+                            </p:stCondLst>
+                            <p:childTnLst>
+                              <p:par>
+                                <p:cTn id="41" presetID="1" presetClass="entr" presetSubtype="0" fill="hold" nodeType="clickEffect">
+                                  <p:stCondLst>
+                                    <p:cond delay="0"/>
+                                  </p:stCondLst>
+                                  <p:childTnLst>
+                                    <p:set>
+                                      <p:cBhvr>
+                                        <p:cTn id="42" dur="1" fill="hold">
+                                          <p:stCondLst>
+                                            <p:cond delay="0"/>
+                                          </p:stCondLst>
+                                        </p:cTn>
+                                        <p:tgtEl>
+                                          <p:spTgt spid="3">
+                                            <p:txEl>
+                                              <p:pRg st="9" end="9"/>
+                                            </p:txEl>
+                                          </p:spTgt>
+                                        </p:tgtEl>
+                                        <p:attrNameLst>
+                                          <p:attrName>style.visibility</p:attrName>
+                                        </p:attrNameLst>
+                                      </p:cBhvr>
+                                      <p:to>
+                                        <p:strVal val="visible"/>
+                                      </p:to>
+                                    </p:set>
+                                  </p:childTnLst>
+                                </p:cTn>
+                              </p:par>
+                            </p:childTnLst>
+                          </p:cTn>
+                        </p:par>
+                      </p:childTnLst>
+                    </p:cTn>
+                  </p:par>
+                  <p:par>
+                    <p:cTn id="43" fill="hold">
+                      <p:stCondLst>
+                        <p:cond delay="indefinite"/>
+                      </p:stCondLst>
+                      <p:childTnLst>
+                        <p:par>
+                          <p:cTn id="44" fill="hold">
+                            <p:stCondLst>
+                              <p:cond delay="0"/>
+                            </p:stCondLst>
+                            <p:childTnLst>
+                              <p:par>
+                                <p:cTn id="45" presetID="1" presetClass="entr" presetSubtype="0" fill="hold" nodeType="clickEffect">
+                                  <p:stCondLst>
+                                    <p:cond delay="0"/>
+                                  </p:stCondLst>
+                                  <p:childTnLst>
+                                    <p:set>
+                                      <p:cBhvr>
+                                        <p:cTn id="46" dur="1" fill="hold">
+                                          <p:stCondLst>
+                                            <p:cond delay="0"/>
+                                          </p:stCondLst>
+                                        </p:cTn>
+                                        <p:tgtEl>
+                                          <p:spTgt spid="3">
+                                            <p:txEl>
+                                              <p:pRg st="10" end="10"/>
+                                            </p:txEl>
+                                          </p:spTgt>
+                                        </p:tgtEl>
+                                        <p:attrNameLst>
+                                          <p:attrName>style.visibility</p:attrName>
+                                        </p:attrNameLst>
+                                      </p:cBhvr>
+                                      <p:to>
+                                        <p:strVal val="visible"/>
+                                      </p:to>
+                                    </p:set>
+                                  </p:childTnLst>
+                                </p:cTn>
+                              </p:par>
+                            </p:childTnLst>
+                          </p:cTn>
+                        </p:par>
+                      </p:childTnLst>
+                    </p:cTn>
+                  </p:par>
+                  <p:par>
+                    <p:cTn id="47" fill="hold">
+                      <p:stCondLst>
+                        <p:cond delay="indefinite"/>
+                      </p:stCondLst>
+                      <p:childTnLst>
+                        <p:par>
+                          <p:cTn id="48" fill="hold">
+                            <p:stCondLst>
+                              <p:cond delay="0"/>
+                            </p:stCondLst>
+                            <p:childTnLst>
+                              <p:par>
+                                <p:cTn id="49" presetID="1" presetClass="entr" presetSubtype="0" fill="hold" nodeType="clickEffect">
+                                  <p:stCondLst>
+                                    <p:cond delay="0"/>
+                                  </p:stCondLst>
+                                  <p:childTnLst>
+                                    <p:set>
+                                      <p:cBhvr>
+                                        <p:cTn id="50" dur="1" fill="hold">
+                                          <p:stCondLst>
+                                            <p:cond delay="0"/>
+                                          </p:stCondLst>
+                                        </p:cTn>
+                                        <p:tgtEl>
+                                          <p:spTgt spid="3">
+                                            <p:txEl>
+                                              <p:pRg st="11" end="11"/>
+                                            </p:txEl>
+                                          </p:spTgt>
+                                        </p:tgtEl>
+                                        <p:attrNameLst>
+                                          <p:attrName>style.visibility</p:attrName>
+                                        </p:attrNameLst>
+                                      </p:cBhvr>
+                                      <p:to>
+                                        <p:strVal val="visible"/>
+                                      </p:to>
+                                    </p:set>
+                                  </p:childTnLst>
+                                </p:cTn>
+                              </p:par>
+                            </p:childTnLst>
+                          </p:cTn>
+                        </p:par>
+                      </p:childTnLst>
+                    </p:cTn>
+                  </p:par>
+                  <p:par>
+                    <p:cTn id="51" fill="hold">
+                      <p:stCondLst>
+                        <p:cond delay="indefinite"/>
+                      </p:stCondLst>
+                      <p:childTnLst>
+                        <p:par>
+                          <p:cTn id="52" fill="hold">
+                            <p:stCondLst>
+                              <p:cond delay="0"/>
+                            </p:stCondLst>
+                            <p:childTnLst>
+                              <p:par>
+                                <p:cTn id="53" presetID="1" presetClass="entr" presetSubtype="0" fill="hold" nodeType="clickEffect">
+                                  <p:stCondLst>
+                                    <p:cond delay="0"/>
+                                  </p:stCondLst>
+                                  <p:childTnLst>
+                                    <p:set>
+                                      <p:cBhvr>
+                                        <p:cTn id="54" dur="1" fill="hold">
+                                          <p:stCondLst>
+                                            <p:cond delay="0"/>
+                                          </p:stCondLst>
+                                        </p:cTn>
+                                        <p:tgtEl>
+                                          <p:spTgt spid="3">
+                                            <p:txEl>
+                                              <p:pRg st="12" end="12"/>
+                                            </p:txEl>
+                                          </p:spTgt>
+                                        </p:tgtEl>
+                                        <p:attrNameLst>
+                                          <p:attrName>style.visibility</p:attrName>
+                                        </p:attrNameLst>
+                                      </p:cBhvr>
+                                      <p:to>
+                                        <p:strVal val="visible"/>
+                                      </p:to>
+                                    </p:set>
+                                  </p:childTnLst>
+                                </p:cTn>
+                              </p:par>
+                            </p:childTnLst>
+                          </p:cTn>
+                        </p:par>
+                      </p:childTnLst>
+                    </p:cTn>
+                  </p:par>
+                  <p:par>
+                    <p:cTn id="55" fill="hold">
+                      <p:stCondLst>
+                        <p:cond delay="indefinite"/>
+                      </p:stCondLst>
+                      <p:childTnLst>
+                        <p:par>
+                          <p:cTn id="56" fill="hold">
+                            <p:stCondLst>
+                              <p:cond delay="0"/>
+                            </p:stCondLst>
+                            <p:childTnLst>
+                              <p:par>
+                                <p:cTn id="57" presetID="1" presetClass="entr" presetSubtype="0" fill="hold" nodeType="clickEffect">
+                                  <p:stCondLst>
+                                    <p:cond delay="0"/>
+                                  </p:stCondLst>
+                                  <p:childTnLst>
+                                    <p:set>
+                                      <p:cBhvr>
+                                        <p:cTn id="58" dur="1" fill="hold">
+                                          <p:stCondLst>
+                                            <p:cond delay="0"/>
+                                          </p:stCondLst>
+                                        </p:cTn>
+                                        <p:tgtEl>
+                                          <p:spTgt spid="3">
+                                            <p:txEl>
+                                              <p:pRg st="13" end="13"/>
+                                            </p:txEl>
+                                          </p:spTgt>
+                                        </p:tgtEl>
+                                        <p:attrNameLst>
+                                          <p:attrName>style.visibility</p:attrName>
+                                        </p:attrNameLst>
+                                      </p:cBhvr>
+                                      <p:to>
+                                        <p:strVal val="visible"/>
+                                      </p:to>
+                                    </p:set>
+                                  </p:childTnLst>
+                                </p:cTn>
+                              </p:par>
+                            </p:childTnLst>
+                          </p:cTn>
+                        </p:par>
+                      </p:childTnLst>
+                    </p:cTn>
+                  </p:par>
+                  <p:par>
+                    <p:cTn id="59" fill="hold">
+                      <p:stCondLst>
+                        <p:cond delay="indefinite"/>
+                      </p:stCondLst>
+                      <p:childTnLst>
+                        <p:par>
+                          <p:cTn id="60" fill="hold">
+                            <p:stCondLst>
+                              <p:cond delay="0"/>
+                            </p:stCondLst>
+                            <p:childTnLst>
+                              <p:par>
+                                <p:cTn id="61" presetID="1" presetClass="entr" presetSubtype="0" fill="hold" nodeType="clickEffect">
+                                  <p:stCondLst>
+                                    <p:cond delay="0"/>
+                                  </p:stCondLst>
+                                  <p:childTnLst>
+                                    <p:set>
+                                      <p:cBhvr>
+                                        <p:cTn id="62" dur="1" fill="hold">
+                                          <p:stCondLst>
+                                            <p:cond delay="0"/>
+                                          </p:stCondLst>
+                                        </p:cTn>
+                                        <p:tgtEl>
+                                          <p:spTgt spid="3">
+                                            <p:txEl>
+                                              <p:pRg st="14" end="14"/>
+                                            </p:txEl>
+                                          </p:spTgt>
+                                        </p:tgtEl>
+                                        <p:attrNameLst>
+                                          <p:attrName>style.visibility</p:attrName>
+                                        </p:attrNameLst>
+                                      </p:cBhvr>
+                                      <p:to>
+                                        <p:strVal val="visible"/>
+                                      </p:to>
+                                    </p:set>
+                                  </p:childTnLst>
+                                </p:cTn>
+                              </p:par>
+                            </p:childTnLst>
+                          </p:cTn>
+                        </p:par>
+                      </p:childTnLst>
+                    </p:cTn>
+                  </p:par>
+                  <p:par>
+                    <p:cTn id="63" fill="hold">
+                      <p:stCondLst>
+                        <p:cond delay="indefinite"/>
+                      </p:stCondLst>
+                      <p:childTnLst>
+                        <p:par>
+                          <p:cTn id="64" fill="hold">
+                            <p:stCondLst>
+                              <p:cond delay="0"/>
+                            </p:stCondLst>
+                            <p:childTnLst>
+                              <p:par>
+                                <p:cTn id="65" presetID="1" presetClass="entr" presetSubtype="0" fill="hold" nodeType="clickEffect">
+                                  <p:stCondLst>
+                                    <p:cond delay="0"/>
+                                  </p:stCondLst>
+                                  <p:childTnLst>
+                                    <p:set>
+                                      <p:cBhvr>
+                                        <p:cTn id="66" dur="1" fill="hold">
+                                          <p:stCondLst>
+                                            <p:cond delay="0"/>
+                                          </p:stCondLst>
+                                        </p:cTn>
+                                        <p:tgtEl>
+                                          <p:spTgt spid="3">
+                                            <p:txEl>
+                                              <p:pRg st="15" end="15"/>
+                                            </p:txEl>
+                                          </p:spTgt>
+                                        </p:tgtEl>
+                                        <p:attrNameLst>
+                                          <p:attrName>style.visibility</p:attrName>
+                                        </p:attrNameLst>
+                                      </p:cBhvr>
+                                      <p:to>
+                                        <p:strVal val="visible"/>
+                                      </p:to>
+                                    </p:set>
+                                  </p:childTnLst>
+                                </p:cTn>
+                              </p:par>
+                            </p:childTnLst>
+                          </p:cTn>
+                        </p:par>
+                      </p:childTnLst>
+                    </p:cTn>
+                  </p:par>
+                  <p:par>
+                    <p:cTn id="67" fill="hold">
+                      <p:stCondLst>
+                        <p:cond delay="indefinite"/>
+                      </p:stCondLst>
+                      <p:childTnLst>
+                        <p:par>
+                          <p:cTn id="68" fill="hold">
+                            <p:stCondLst>
+                              <p:cond delay="0"/>
+                            </p:stCondLst>
+                            <p:childTnLst>
+                              <p:par>
+                                <p:cTn id="69" presetID="1" presetClass="entr" presetSubtype="0" fill="hold" nodeType="clickEffect">
+                                  <p:stCondLst>
+                                    <p:cond delay="0"/>
+                                  </p:stCondLst>
+                                  <p:childTnLst>
+                                    <p:set>
+                                      <p:cBhvr>
+                                        <p:cTn id="70" dur="1" fill="hold">
+                                          <p:stCondLst>
+                                            <p:cond delay="0"/>
+                                          </p:stCondLst>
+                                        </p:cTn>
+                                        <p:tgtEl>
+                                          <p:spTgt spid="3">
+                                            <p:txEl>
+                                              <p:pRg st="16" end="16"/>
+                                            </p:txEl>
+                                          </p:spTgt>
+                                        </p:tgtEl>
+                                        <p:attrNameLst>
+                                          <p:attrName>style.visibility</p:attrName>
+                                        </p:attrNameLst>
+                                      </p:cBhvr>
+                                      <p:to>
+                                        <p:strVal val="visible"/>
+                                      </p:to>
+                                    </p:set>
+                                  </p:childTnLst>
+                                </p:cTn>
+                              </p:par>
+                            </p:childTnLst>
+                          </p:cTn>
+                        </p:par>
+                      </p:childTnLst>
+                    </p:cTn>
+                  </p:par>
+                </p:childTnLst>
+              </p:cTn>
+              <p:prevCondLst>
+                <p:cond evt="onPrev" delay="0">
+                  <p:tgtEl>
+                    <p:sldTgt/>
+                  </p:tgtEl>
+                </p:cond>
+              </p:prevCondLst>
+              <p:nextCondLst>
+                <p:cond evt="onNext" delay="0">
+                  <p:tgtEl>
+                    <p:sldTgt/>
+                  </p:tgtEl>
+                </p:cond>
+              </p:nextCondLst>
+            </p:seq>
+          </p:childTnLst>
+        </p:cTn>
+      </p:par>
+    </p:tnLst>
+  </p:timing>
 </p:sld>
 </file>
 

--- a/Abgabe/Dokumentation/Präsentation.pptx
+++ b/Abgabe/Dokumentation/Präsentation.pptx
@@ -13,24 +13,30 @@
     <p:sldId id="260" r:id="rId7"/>
     <p:sldId id="261" r:id="rId8"/>
     <p:sldId id="270" r:id="rId9"/>
-    <p:sldId id="288" r:id="rId10"/>
+    <p:sldId id="273" r:id="rId10"/>
     <p:sldId id="271" r:id="rId11"/>
     <p:sldId id="272" r:id="rId12"/>
     <p:sldId id="262" r:id="rId13"/>
     <p:sldId id="286" r:id="rId14"/>
-    <p:sldId id="269" r:id="rId15"/>
-    <p:sldId id="273" r:id="rId16"/>
-    <p:sldId id="274" r:id="rId17"/>
-    <p:sldId id="283" r:id="rId18"/>
-    <p:sldId id="287" r:id="rId19"/>
-    <p:sldId id="276" r:id="rId20"/>
-    <p:sldId id="277" r:id="rId21"/>
-    <p:sldId id="278" r:id="rId22"/>
-    <p:sldId id="284" r:id="rId23"/>
-    <p:sldId id="279" r:id="rId24"/>
-    <p:sldId id="275" r:id="rId25"/>
-    <p:sldId id="280" r:id="rId26"/>
-    <p:sldId id="281" r:id="rId27"/>
+    <p:sldId id="294" r:id="rId15"/>
+    <p:sldId id="296" r:id="rId16"/>
+    <p:sldId id="298" r:id="rId17"/>
+    <p:sldId id="297" r:id="rId18"/>
+    <p:sldId id="295" r:id="rId19"/>
+    <p:sldId id="293" r:id="rId20"/>
+    <p:sldId id="269" r:id="rId21"/>
+    <p:sldId id="289" r:id="rId22"/>
+    <p:sldId id="274" r:id="rId23"/>
+    <p:sldId id="283" r:id="rId24"/>
+    <p:sldId id="287" r:id="rId25"/>
+    <p:sldId id="276" r:id="rId26"/>
+    <p:sldId id="301" r:id="rId27"/>
+    <p:sldId id="302" r:id="rId28"/>
+    <p:sldId id="304" r:id="rId29"/>
+    <p:sldId id="279" r:id="rId30"/>
+    <p:sldId id="275" r:id="rId31"/>
+    <p:sldId id="280" r:id="rId32"/>
+    <p:sldId id="281" r:id="rId33"/>
   </p:sldIdLst>
   <p:sldSz cx="12192000" cy="6858000"/>
   <p:notesSz cx="7559675" cy="10691813"/>
@@ -129,6 +135,11 @@
       </a:defRPr>
     </a:lvl9pPr>
   </p:defaultTextStyle>
+  <p:extLst>
+    <p:ext uri="{EFAFB233-063F-42B5-8137-9DF3F51BA10A}">
+      <p15:sldGuideLst xmlns:p15="http://schemas.microsoft.com/office/powerpoint/2012/main"/>
+    </p:ext>
+  </p:extLst>
 </p:presentation>
 </file>
 
@@ -1451,6 +1462,7 @@
               <c:showPercent val="1"/>
               <c:showBubbleSize val="1"/>
               <c:extLst>
+                <c:ext xmlns:c15="http://schemas.microsoft.com/office/drawing/2012/chart" uri="{CE6537A1-D6FC-4f65-9D91-7224C49458BB}"/>
                 <c:ext xmlns:c16="http://schemas.microsoft.com/office/drawing/2014/chart" uri="{C3380CC4-5D6E-409C-BE32-E72D297353CC}">
                   <c16:uniqueId val="{00000001-6D28-4342-90B6-7F559B24671C}"/>
                 </c:ext>
@@ -1483,6 +1495,7 @@
               <c:showPercent val="1"/>
               <c:showBubbleSize val="1"/>
               <c:extLst>
+                <c:ext xmlns:c15="http://schemas.microsoft.com/office/drawing/2012/chart" uri="{CE6537A1-D6FC-4f65-9D91-7224C49458BB}"/>
                 <c:ext xmlns:c16="http://schemas.microsoft.com/office/drawing/2014/chart" uri="{C3380CC4-5D6E-409C-BE32-E72D297353CC}">
                   <c16:uniqueId val="{00000003-6D28-4342-90B6-7F559B24671C}"/>
                 </c:ext>
@@ -1515,6 +1528,7 @@
               <c:showPercent val="1"/>
               <c:showBubbleSize val="1"/>
               <c:extLst>
+                <c:ext xmlns:c15="http://schemas.microsoft.com/office/drawing/2012/chart" uri="{CE6537A1-D6FC-4f65-9D91-7224C49458BB}"/>
                 <c:ext xmlns:c16="http://schemas.microsoft.com/office/drawing/2014/chart" uri="{C3380CC4-5D6E-409C-BE32-E72D297353CC}">
                   <c16:uniqueId val="{00000005-6D28-4342-90B6-7F559B24671C}"/>
                 </c:ext>
@@ -1547,6 +1561,7 @@
               <c:showPercent val="1"/>
               <c:showBubbleSize val="1"/>
               <c:extLst>
+                <c:ext xmlns:c15="http://schemas.microsoft.com/office/drawing/2012/chart" uri="{CE6537A1-D6FC-4f65-9D91-7224C49458BB}"/>
                 <c:ext xmlns:c16="http://schemas.microsoft.com/office/drawing/2014/chart" uri="{C3380CC4-5D6E-409C-BE32-E72D297353CC}">
                   <c16:uniqueId val="{00000007-6D28-4342-90B6-7F559B24671C}"/>
                 </c:ext>
@@ -1579,6 +1594,7 @@
               <c:showPercent val="1"/>
               <c:showBubbleSize val="1"/>
               <c:extLst>
+                <c:ext xmlns:c15="http://schemas.microsoft.com/office/drawing/2012/chart" uri="{CE6537A1-D6FC-4f65-9D91-7224C49458BB}"/>
                 <c:ext xmlns:c16="http://schemas.microsoft.com/office/drawing/2014/chart" uri="{C3380CC4-5D6E-409C-BE32-E72D297353CC}">
                   <c16:uniqueId val="{00000009-6D28-4342-90B6-7F559B24671C}"/>
                 </c:ext>
@@ -1611,6 +1627,7 @@
               <c:showPercent val="1"/>
               <c:showBubbleSize val="1"/>
               <c:extLst>
+                <c:ext xmlns:c15="http://schemas.microsoft.com/office/drawing/2012/chart" uri="{CE6537A1-D6FC-4f65-9D91-7224C49458BB}"/>
                 <c:ext xmlns:c16="http://schemas.microsoft.com/office/drawing/2014/chart" uri="{C3380CC4-5D6E-409C-BE32-E72D297353CC}">
                   <c16:uniqueId val="{0000000B-6D28-4342-90B6-7F559B24671C}"/>
                 </c:ext>
@@ -1643,6 +1660,7 @@
               <c:showPercent val="1"/>
               <c:showBubbleSize val="1"/>
               <c:extLst>
+                <c:ext xmlns:c15="http://schemas.microsoft.com/office/drawing/2012/chart" uri="{CE6537A1-D6FC-4f65-9D91-7224C49458BB}"/>
                 <c:ext xmlns:c16="http://schemas.microsoft.com/office/drawing/2014/chart" uri="{C3380CC4-5D6E-409C-BE32-E72D297353CC}">
                   <c16:uniqueId val="{0000000D-6D28-4342-90B6-7F559B24671C}"/>
                 </c:ext>
@@ -1675,6 +1693,7 @@
               <c:showPercent val="1"/>
               <c:showBubbleSize val="1"/>
               <c:extLst>
+                <c:ext xmlns:c15="http://schemas.microsoft.com/office/drawing/2012/chart" uri="{CE6537A1-D6FC-4f65-9D91-7224C49458BB}"/>
                 <c:ext xmlns:c16="http://schemas.microsoft.com/office/drawing/2014/chart" uri="{C3380CC4-5D6E-409C-BE32-E72D297353CC}">
                   <c16:uniqueId val="{0000000F-6D28-4342-90B6-7F559B24671C}"/>
                 </c:ext>
@@ -1707,6 +1726,7 @@
               <c:showPercent val="1"/>
               <c:showBubbleSize val="1"/>
               <c:extLst>
+                <c:ext xmlns:c15="http://schemas.microsoft.com/office/drawing/2012/chart" uri="{CE6537A1-D6FC-4f65-9D91-7224C49458BB}"/>
                 <c:ext xmlns:c16="http://schemas.microsoft.com/office/drawing/2014/chart" uri="{C3380CC4-5D6E-409C-BE32-E72D297353CC}">
                   <c16:uniqueId val="{00000011-6D28-4342-90B6-7F559B24671C}"/>
                 </c:ext>
@@ -1739,6 +1759,7 @@
               <c:showPercent val="1"/>
               <c:showBubbleSize val="1"/>
               <c:extLst>
+                <c:ext xmlns:c15="http://schemas.microsoft.com/office/drawing/2012/chart" uri="{CE6537A1-D6FC-4f65-9D91-7224C49458BB}"/>
                 <c:ext xmlns:c16="http://schemas.microsoft.com/office/drawing/2014/chart" uri="{C3380CC4-5D6E-409C-BE32-E72D297353CC}">
                   <c16:uniqueId val="{00000013-6D28-4342-90B6-7F559B24671C}"/>
                 </c:ext>
@@ -12033,7 +12054,7 @@
 </file>
 
 <file path=ppt/slides/slide13.xml><?xml version="1.0" encoding="utf-8"?>
-<p:sld xmlns:a="http://schemas.openxmlformats.org/drawingml/2006/main" xmlns:r="http://schemas.openxmlformats.org/officeDocument/2006/relationships" xmlns:p="http://schemas.openxmlformats.org/presentationml/2006/main">
+<p:sld xmlns:a="http://schemas.openxmlformats.org/drawingml/2006/main" xmlns:r="http://schemas.openxmlformats.org/officeDocument/2006/relationships" xmlns:p="http://schemas.openxmlformats.org/presentationml/2006/main" show="0">
   <p:cSld>
     <p:spTree>
       <p:nvGrpSpPr>
@@ -14430,6 +14451,2931 @@
   <p:cSld>
     <p:spTree>
       <p:nvGrpSpPr>
+        <p:cNvPr id="1" name="">
+          <a:extLst>
+            <a:ext uri="{FF2B5EF4-FFF2-40B4-BE49-F238E27FC236}">
+              <a16:creationId xmlns:a16="http://schemas.microsoft.com/office/drawing/2014/main" id="{2E204368-4EEA-BFF2-5E01-7AF01049572F}"/>
+            </a:ext>
+          </a:extLst>
+        </p:cNvPr>
+        <p:cNvGrpSpPr/>
+        <p:nvPr/>
+      </p:nvGrpSpPr>
+      <p:grpSpPr>
+        <a:xfrm>
+          <a:off x="0" y="0"/>
+          <a:ext cx="0" cy="0"/>
+          <a:chOff x="0" y="0"/>
+          <a:chExt cx="0" cy="0"/>
+        </a:xfrm>
+      </p:grpSpPr>
+      <p:pic>
+        <p:nvPicPr>
+          <p:cNvPr id="104" name="Grafik 103">
+            <a:extLst>
+              <a:ext uri="{FF2B5EF4-FFF2-40B4-BE49-F238E27FC236}">
+                <a16:creationId xmlns:a16="http://schemas.microsoft.com/office/drawing/2014/main" id="{04C86AA6-B18D-2338-629A-86F54A987B3F}"/>
+              </a:ext>
+            </a:extLst>
+          </p:cNvPr>
+          <p:cNvPicPr/>
+          <p:nvPr/>
+        </p:nvPicPr>
+        <p:blipFill>
+          <a:blip r:embed="rId2"/>
+          <a:srcRect l="124" t="4413" r="847"/>
+          <a:stretch/>
+        </p:blipFill>
+        <p:spPr>
+          <a:xfrm>
+            <a:off x="5760540" y="1800000"/>
+            <a:ext cx="5711040" cy="3897000"/>
+          </a:xfrm>
+          <a:prstGeom prst="rect">
+            <a:avLst/>
+          </a:prstGeom>
+          <a:noFill/>
+          <a:ln w="0">
+            <a:noFill/>
+          </a:ln>
+        </p:spPr>
+      </p:pic>
+      <p:sp>
+        <p:nvSpPr>
+          <p:cNvPr id="102" name="PlaceHolder 1">
+            <a:extLst>
+              <a:ext uri="{FF2B5EF4-FFF2-40B4-BE49-F238E27FC236}">
+                <a16:creationId xmlns:a16="http://schemas.microsoft.com/office/drawing/2014/main" id="{D34D1FBD-0A53-0962-36F0-9E5F21819121}"/>
+              </a:ext>
+            </a:extLst>
+          </p:cNvPr>
+          <p:cNvSpPr>
+            <a:spLocks noGrp="1"/>
+          </p:cNvSpPr>
+          <p:nvPr>
+            <p:ph type="title"/>
+          </p:nvPr>
+        </p:nvSpPr>
+        <p:spPr>
+          <a:xfrm>
+            <a:off x="700560" y="914400"/>
+            <a:ext cx="10999440" cy="1307160"/>
+          </a:xfrm>
+          <a:prstGeom prst="rect">
+            <a:avLst/>
+          </a:prstGeom>
+          <a:noFill/>
+          <a:ln w="0">
+            <a:noFill/>
+          </a:ln>
+        </p:spPr>
+        <p:txBody>
+          <a:bodyPr lIns="91440" tIns="45720" rIns="91440" bIns="45720" anchor="t">
+            <a:normAutofit/>
+          </a:bodyPr>
+          <a:lstStyle/>
+          <a:p>
+            <a:pPr indent="0" defTabSz="914400">
+              <a:lnSpc>
+                <a:spcPct val="100000"/>
+              </a:lnSpc>
+              <a:buNone/>
+            </a:pPr>
+            <a:r>
+              <a:rPr lang="de-DE" sz="4000" cap="all" spc="31" dirty="0">
+                <a:solidFill>
+                  <a:schemeClr val="dk1"/>
+                </a:solidFill>
+                <a:latin typeface="Univers Condensed"/>
+              </a:rPr>
+              <a:t>5</a:t>
+            </a:r>
+            <a:r>
+              <a:rPr lang="de-DE" sz="4000" b="0" u="none" strike="noStrike" cap="all" spc="31" dirty="0">
+                <a:solidFill>
+                  <a:schemeClr val="dk1"/>
+                </a:solidFill>
+                <a:effectLst/>
+                <a:uFillTx/>
+                <a:latin typeface="Univers Condensed"/>
+              </a:rPr>
+              <a:t>. Wireframes – User Dashboard</a:t>
+            </a:r>
+            <a:endParaRPr lang="de-DE" sz="4000" b="0" u="none" strike="noStrike" dirty="0">
+              <a:solidFill>
+                <a:schemeClr val="dk1"/>
+              </a:solidFill>
+              <a:effectLst/>
+              <a:uFillTx/>
+              <a:latin typeface="Calisto MT"/>
+            </a:endParaRPr>
+          </a:p>
+        </p:txBody>
+      </p:sp>
+      <p:sp>
+        <p:nvSpPr>
+          <p:cNvPr id="103" name="PlaceHolder 2">
+            <a:extLst>
+              <a:ext uri="{FF2B5EF4-FFF2-40B4-BE49-F238E27FC236}">
+                <a16:creationId xmlns:a16="http://schemas.microsoft.com/office/drawing/2014/main" id="{866FAB49-C5C7-3A3E-F720-16FCF2A06AAF}"/>
+              </a:ext>
+            </a:extLst>
+          </p:cNvPr>
+          <p:cNvSpPr>
+            <a:spLocks noGrp="1"/>
+          </p:cNvSpPr>
+          <p:nvPr>
+            <p:ph/>
+          </p:nvPr>
+        </p:nvSpPr>
+        <p:spPr>
+          <a:xfrm>
+            <a:off x="780644" y="1738260"/>
+            <a:ext cx="4978276" cy="4161600"/>
+          </a:xfrm>
+          <a:prstGeom prst="rect">
+            <a:avLst/>
+          </a:prstGeom>
+          <a:noFill/>
+          <a:ln w="0">
+            <a:noFill/>
+          </a:ln>
+        </p:spPr>
+        <p:txBody>
+          <a:bodyPr lIns="91440" tIns="45720" rIns="91440" bIns="45720" anchor="t">
+            <a:normAutofit/>
+          </a:bodyPr>
+          <a:lstStyle/>
+          <a:p>
+            <a:pPr indent="0" defTabSz="914400">
+              <a:lnSpc>
+                <a:spcPct val="110000"/>
+              </a:lnSpc>
+              <a:spcBef>
+                <a:spcPts val="1001"/>
+              </a:spcBef>
+              <a:buNone/>
+              <a:tabLst>
+                <a:tab pos="0" algn="l"/>
+              </a:tabLst>
+            </a:pPr>
+            <a:r>
+              <a:rPr lang="de-DE" sz="2000" b="0" u="none" strike="noStrike" dirty="0">
+                <a:solidFill>
+                  <a:schemeClr val="dk1"/>
+                </a:solidFill>
+                <a:effectLst/>
+                <a:uFillTx/>
+                <a:latin typeface="Calisto MT"/>
+              </a:rPr>
+              <a:t>Login:</a:t>
+            </a:r>
+          </a:p>
+          <a:p>
+            <a:pPr indent="0" defTabSz="914400">
+              <a:lnSpc>
+                <a:spcPct val="110000"/>
+              </a:lnSpc>
+              <a:spcBef>
+                <a:spcPts val="1001"/>
+              </a:spcBef>
+              <a:buNone/>
+              <a:tabLst>
+                <a:tab pos="0" algn="l"/>
+              </a:tabLst>
+            </a:pPr>
+            <a:endParaRPr lang="de-DE" sz="2000" b="0" u="none" strike="noStrike" dirty="0">
+              <a:solidFill>
+                <a:schemeClr val="dk1"/>
+              </a:solidFill>
+              <a:effectLst/>
+              <a:uFillTx/>
+              <a:latin typeface="Calisto MT"/>
+            </a:endParaRPr>
+          </a:p>
+          <a:p>
+            <a:pPr indent="0" defTabSz="914400">
+              <a:lnSpc>
+                <a:spcPct val="110000"/>
+              </a:lnSpc>
+              <a:spcBef>
+                <a:spcPts val="1001"/>
+              </a:spcBef>
+              <a:buNone/>
+              <a:tabLst>
+                <a:tab pos="0" algn="l"/>
+              </a:tabLst>
+            </a:pPr>
+            <a:endParaRPr lang="de-DE" sz="2000" b="0" u="none" strike="noStrike" dirty="0">
+              <a:solidFill>
+                <a:schemeClr val="dk1"/>
+              </a:solidFill>
+              <a:effectLst/>
+              <a:uFillTx/>
+              <a:latin typeface="Calisto MT"/>
+            </a:endParaRPr>
+          </a:p>
+          <a:p>
+            <a:pPr indent="0" defTabSz="914400">
+              <a:lnSpc>
+                <a:spcPct val="110000"/>
+              </a:lnSpc>
+              <a:spcBef>
+                <a:spcPts val="1001"/>
+              </a:spcBef>
+              <a:buNone/>
+              <a:tabLst>
+                <a:tab pos="0" algn="l"/>
+              </a:tabLst>
+            </a:pPr>
+            <a:r>
+              <a:rPr lang="de-DE" sz="2000" b="0" u="none" strike="noStrike" dirty="0">
+                <a:solidFill>
+                  <a:schemeClr val="dk1"/>
+                </a:solidFill>
+                <a:effectLst/>
+                <a:uFillTx/>
+                <a:latin typeface="Calisto MT"/>
+              </a:rPr>
+              <a:t>- Zwei Eingabefelder mit Button</a:t>
+            </a:r>
+          </a:p>
+          <a:p>
+            <a:pPr indent="0" defTabSz="914400">
+              <a:lnSpc>
+                <a:spcPct val="110000"/>
+              </a:lnSpc>
+              <a:spcBef>
+                <a:spcPts val="1001"/>
+              </a:spcBef>
+              <a:buNone/>
+              <a:tabLst>
+                <a:tab pos="0" algn="l"/>
+              </a:tabLst>
+            </a:pPr>
+            <a:endParaRPr lang="de-DE" sz="2000" b="0" u="none" strike="noStrike" dirty="0">
+              <a:solidFill>
+                <a:schemeClr val="dk1"/>
+              </a:solidFill>
+              <a:effectLst/>
+              <a:uFillTx/>
+              <a:latin typeface="Calisto MT"/>
+            </a:endParaRPr>
+          </a:p>
+          <a:p>
+            <a:pPr indent="0" defTabSz="914400">
+              <a:lnSpc>
+                <a:spcPct val="110000"/>
+              </a:lnSpc>
+              <a:spcBef>
+                <a:spcPts val="1001"/>
+              </a:spcBef>
+              <a:buNone/>
+              <a:tabLst>
+                <a:tab pos="0" algn="l"/>
+              </a:tabLst>
+            </a:pPr>
+            <a:r>
+              <a:rPr lang="de-DE" sz="2000" b="0" u="none" strike="noStrike" dirty="0">
+                <a:solidFill>
+                  <a:schemeClr val="dk1"/>
+                </a:solidFill>
+                <a:effectLst/>
+                <a:uFillTx/>
+                <a:latin typeface="Calisto MT"/>
+              </a:rPr>
+              <a:t>- Fehleranzeige für z.B. falsches Passwort</a:t>
+            </a:r>
+          </a:p>
+          <a:p>
+            <a:pPr indent="0" defTabSz="914400">
+              <a:lnSpc>
+                <a:spcPct val="110000"/>
+              </a:lnSpc>
+              <a:spcBef>
+                <a:spcPts val="1001"/>
+              </a:spcBef>
+              <a:buNone/>
+              <a:tabLst>
+                <a:tab pos="0" algn="l"/>
+              </a:tabLst>
+            </a:pPr>
+            <a:endParaRPr lang="de-DE" sz="2000" b="0" u="none" strike="noStrike" dirty="0">
+              <a:solidFill>
+                <a:schemeClr val="dk1"/>
+              </a:solidFill>
+              <a:effectLst/>
+              <a:uFillTx/>
+              <a:latin typeface="Calisto MT"/>
+            </a:endParaRPr>
+          </a:p>
+          <a:p>
+            <a:pPr indent="0" defTabSz="914400">
+              <a:lnSpc>
+                <a:spcPct val="110000"/>
+              </a:lnSpc>
+              <a:spcBef>
+                <a:spcPts val="1001"/>
+              </a:spcBef>
+              <a:buNone/>
+              <a:tabLst>
+                <a:tab pos="0" algn="l"/>
+              </a:tabLst>
+            </a:pPr>
+            <a:endParaRPr lang="de-DE" sz="2000" b="0" u="none" strike="noStrike" dirty="0">
+              <a:solidFill>
+                <a:schemeClr val="dk1"/>
+              </a:solidFill>
+              <a:effectLst/>
+              <a:uFillTx/>
+              <a:latin typeface="Calisto MT"/>
+            </a:endParaRPr>
+          </a:p>
+        </p:txBody>
+      </p:sp>
+    </p:spTree>
+    <p:extLst>
+      <p:ext uri="{BB962C8B-B14F-4D97-AF65-F5344CB8AC3E}">
+        <p14:creationId xmlns:p14="http://schemas.microsoft.com/office/powerpoint/2010/main" val="1699556434"/>
+      </p:ext>
+    </p:extLst>
+  </p:cSld>
+  <p:clrMapOvr>
+    <a:masterClrMapping/>
+  </p:clrMapOvr>
+</p:sld>
+</file>
+
+<file path=ppt/slides/slide15.xml><?xml version="1.0" encoding="utf-8"?>
+<p:sld xmlns:a="http://schemas.openxmlformats.org/drawingml/2006/main" xmlns:r="http://schemas.openxmlformats.org/officeDocument/2006/relationships" xmlns:p="http://schemas.openxmlformats.org/presentationml/2006/main">
+  <p:cSld>
+    <p:spTree>
+      <p:nvGrpSpPr>
+        <p:cNvPr id="1" name="">
+          <a:extLst>
+            <a:ext uri="{FF2B5EF4-FFF2-40B4-BE49-F238E27FC236}">
+              <a16:creationId xmlns:a16="http://schemas.microsoft.com/office/drawing/2014/main" id="{2E204368-4EEA-BFF2-5E01-7AF01049572F}"/>
+            </a:ext>
+          </a:extLst>
+        </p:cNvPr>
+        <p:cNvGrpSpPr/>
+        <p:nvPr/>
+      </p:nvGrpSpPr>
+      <p:grpSpPr>
+        <a:xfrm>
+          <a:off x="0" y="0"/>
+          <a:ext cx="0" cy="0"/>
+          <a:chOff x="0" y="0"/>
+          <a:chExt cx="0" cy="0"/>
+        </a:xfrm>
+      </p:grpSpPr>
+      <p:sp>
+        <p:nvSpPr>
+          <p:cNvPr id="102" name="PlaceHolder 1">
+            <a:extLst>
+              <a:ext uri="{FF2B5EF4-FFF2-40B4-BE49-F238E27FC236}">
+                <a16:creationId xmlns:a16="http://schemas.microsoft.com/office/drawing/2014/main" id="{D34D1FBD-0A53-0962-36F0-9E5F21819121}"/>
+              </a:ext>
+            </a:extLst>
+          </p:cNvPr>
+          <p:cNvSpPr>
+            <a:spLocks noGrp="1"/>
+          </p:cNvSpPr>
+          <p:nvPr>
+            <p:ph type="title"/>
+          </p:nvPr>
+        </p:nvSpPr>
+        <p:spPr>
+          <a:xfrm>
+            <a:off x="700560" y="914400"/>
+            <a:ext cx="10999440" cy="1307160"/>
+          </a:xfrm>
+          <a:prstGeom prst="rect">
+            <a:avLst/>
+          </a:prstGeom>
+          <a:noFill/>
+          <a:ln w="0">
+            <a:noFill/>
+          </a:ln>
+        </p:spPr>
+        <p:txBody>
+          <a:bodyPr lIns="91440" tIns="45720" rIns="91440" bIns="45720" anchor="t">
+            <a:normAutofit/>
+          </a:bodyPr>
+          <a:lstStyle/>
+          <a:p>
+            <a:pPr indent="0" defTabSz="914400">
+              <a:lnSpc>
+                <a:spcPct val="100000"/>
+              </a:lnSpc>
+              <a:buNone/>
+            </a:pPr>
+            <a:r>
+              <a:rPr lang="de-DE" sz="4000" cap="all" spc="31" dirty="0">
+                <a:solidFill>
+                  <a:schemeClr val="dk1"/>
+                </a:solidFill>
+                <a:latin typeface="Univers Condensed"/>
+              </a:rPr>
+              <a:t>5</a:t>
+            </a:r>
+            <a:r>
+              <a:rPr lang="de-DE" sz="4000" b="0" u="none" strike="noStrike" cap="all" spc="31" dirty="0">
+                <a:solidFill>
+                  <a:schemeClr val="dk1"/>
+                </a:solidFill>
+                <a:effectLst/>
+                <a:uFillTx/>
+                <a:latin typeface="Univers Condensed"/>
+              </a:rPr>
+              <a:t>. Wireframes – User Dashboard</a:t>
+            </a:r>
+            <a:endParaRPr lang="de-DE" sz="4000" b="0" u="none" strike="noStrike" dirty="0">
+              <a:solidFill>
+                <a:schemeClr val="dk1"/>
+              </a:solidFill>
+              <a:effectLst/>
+              <a:uFillTx/>
+              <a:latin typeface="Calisto MT"/>
+            </a:endParaRPr>
+          </a:p>
+        </p:txBody>
+      </p:sp>
+      <p:pic>
+        <p:nvPicPr>
+          <p:cNvPr id="3" name="Grafik 2">
+            <a:extLst>
+              <a:ext uri="{FF2B5EF4-FFF2-40B4-BE49-F238E27FC236}">
+                <a16:creationId xmlns:a16="http://schemas.microsoft.com/office/drawing/2014/main" id="{668D3170-F0A0-E5CF-0000-3F263985B2AC}"/>
+              </a:ext>
+            </a:extLst>
+          </p:cNvPr>
+          <p:cNvPicPr/>
+          <p:nvPr/>
+        </p:nvPicPr>
+        <p:blipFill>
+          <a:blip r:embed="rId2"/>
+          <a:stretch/>
+        </p:blipFill>
+        <p:spPr>
+          <a:xfrm>
+            <a:off x="5760000" y="1800000"/>
+            <a:ext cx="5760000" cy="4071960"/>
+          </a:xfrm>
+          <a:prstGeom prst="rect">
+            <a:avLst/>
+          </a:prstGeom>
+          <a:noFill/>
+          <a:ln w="0">
+            <a:noFill/>
+          </a:ln>
+        </p:spPr>
+      </p:pic>
+      <p:sp>
+        <p:nvSpPr>
+          <p:cNvPr id="2" name="PlaceHolder 2">
+            <a:extLst>
+              <a:ext uri="{FF2B5EF4-FFF2-40B4-BE49-F238E27FC236}">
+                <a16:creationId xmlns:a16="http://schemas.microsoft.com/office/drawing/2014/main" id="{4BEA2B6E-5BD0-0F4B-8D02-A7E9DC09BD4D}"/>
+              </a:ext>
+            </a:extLst>
+          </p:cNvPr>
+          <p:cNvSpPr txBox="1">
+            <a:spLocks/>
+          </p:cNvSpPr>
+          <p:nvPr/>
+        </p:nvSpPr>
+        <p:spPr>
+          <a:xfrm>
+            <a:off x="700560" y="1800000"/>
+            <a:ext cx="5011441" cy="4161600"/>
+          </a:xfrm>
+          <a:prstGeom prst="rect">
+            <a:avLst/>
+          </a:prstGeom>
+          <a:noFill/>
+          <a:ln w="0">
+            <a:noFill/>
+          </a:ln>
+        </p:spPr>
+        <p:txBody>
+          <a:bodyPr lIns="91440" tIns="45720" rIns="91440" bIns="45720" anchor="t">
+            <a:normAutofit/>
+          </a:bodyPr>
+          <a:lstStyle>
+            <a:lvl1pPr algn="l" defTabSz="914400" rtl="0" eaLnBrk="1" latinLnBrk="0" hangingPunct="1">
+              <a:lnSpc>
+                <a:spcPct val="90000"/>
+              </a:lnSpc>
+              <a:spcBef>
+                <a:spcPct val="0"/>
+              </a:spcBef>
+              <a:buNone/>
+              <a:defRPr sz="4400" kern="1200">
+                <a:solidFill>
+                  <a:schemeClr val="tx1"/>
+                </a:solidFill>
+                <a:latin typeface="+mj-lt"/>
+                <a:ea typeface="+mj-ea"/>
+                <a:cs typeface="+mj-cs"/>
+              </a:defRPr>
+            </a:lvl1pPr>
+          </a:lstStyle>
+          <a:p>
+            <a:pPr>
+              <a:lnSpc>
+                <a:spcPct val="110000"/>
+              </a:lnSpc>
+              <a:spcBef>
+                <a:spcPts val="1001"/>
+              </a:spcBef>
+              <a:tabLst>
+                <a:tab pos="0" algn="l"/>
+              </a:tabLst>
+            </a:pPr>
+            <a:r>
+              <a:rPr lang="de-DE" sz="2000" dirty="0">
+                <a:solidFill>
+                  <a:schemeClr val="dk1"/>
+                </a:solidFill>
+                <a:latin typeface="Calisto MT"/>
+              </a:rPr>
+              <a:t>Initiales Passwort:</a:t>
+            </a:r>
+          </a:p>
+          <a:p>
+            <a:pPr>
+              <a:lnSpc>
+                <a:spcPct val="110000"/>
+              </a:lnSpc>
+              <a:spcBef>
+                <a:spcPts val="1001"/>
+              </a:spcBef>
+              <a:tabLst>
+                <a:tab pos="0" algn="l"/>
+              </a:tabLst>
+            </a:pPr>
+            <a:endParaRPr lang="de-DE" sz="2000" dirty="0">
+              <a:solidFill>
+                <a:schemeClr val="dk1"/>
+              </a:solidFill>
+              <a:latin typeface="Calisto MT"/>
+            </a:endParaRPr>
+          </a:p>
+          <a:p>
+            <a:pPr>
+              <a:lnSpc>
+                <a:spcPct val="110000"/>
+              </a:lnSpc>
+              <a:spcBef>
+                <a:spcPts val="1001"/>
+              </a:spcBef>
+              <a:tabLst>
+                <a:tab pos="0" algn="l"/>
+              </a:tabLst>
+            </a:pPr>
+            <a:endParaRPr lang="de-DE" sz="2000" dirty="0">
+              <a:solidFill>
+                <a:schemeClr val="dk1"/>
+              </a:solidFill>
+              <a:latin typeface="Calisto MT"/>
+            </a:endParaRPr>
+          </a:p>
+          <a:p>
+            <a:pPr>
+              <a:lnSpc>
+                <a:spcPct val="110000"/>
+              </a:lnSpc>
+              <a:spcBef>
+                <a:spcPts val="1001"/>
+              </a:spcBef>
+              <a:tabLst>
+                <a:tab pos="0" algn="l"/>
+              </a:tabLst>
+            </a:pPr>
+            <a:r>
+              <a:rPr lang="de-DE" sz="2000" dirty="0">
+                <a:solidFill>
+                  <a:schemeClr val="dk1"/>
+                </a:solidFill>
+                <a:latin typeface="Calisto MT"/>
+              </a:rPr>
+              <a:t>- Erster Login fordert Benutzerdefiniertes </a:t>
+            </a:r>
+          </a:p>
+          <a:p>
+            <a:pPr>
+              <a:lnSpc>
+                <a:spcPct val="110000"/>
+              </a:lnSpc>
+              <a:spcBef>
+                <a:spcPts val="1001"/>
+              </a:spcBef>
+              <a:tabLst>
+                <a:tab pos="0" algn="l"/>
+              </a:tabLst>
+            </a:pPr>
+            <a:r>
+              <a:rPr lang="de-DE" sz="2000" dirty="0">
+                <a:solidFill>
+                  <a:schemeClr val="dk1"/>
+                </a:solidFill>
+                <a:latin typeface="Calisto MT"/>
+              </a:rPr>
+              <a:t>  Passwort</a:t>
+            </a:r>
+          </a:p>
+          <a:p>
+            <a:pPr>
+              <a:lnSpc>
+                <a:spcPct val="110000"/>
+              </a:lnSpc>
+              <a:spcBef>
+                <a:spcPts val="1001"/>
+              </a:spcBef>
+              <a:tabLst>
+                <a:tab pos="0" algn="l"/>
+              </a:tabLst>
+            </a:pPr>
+            <a:endParaRPr lang="de-DE" sz="2000" dirty="0">
+              <a:solidFill>
+                <a:schemeClr val="dk1"/>
+              </a:solidFill>
+              <a:latin typeface="Calisto MT"/>
+            </a:endParaRPr>
+          </a:p>
+          <a:p>
+            <a:pPr>
+              <a:lnSpc>
+                <a:spcPct val="110000"/>
+              </a:lnSpc>
+              <a:spcBef>
+                <a:spcPts val="1001"/>
+              </a:spcBef>
+              <a:tabLst>
+                <a:tab pos="0" algn="l"/>
+              </a:tabLst>
+            </a:pPr>
+            <a:r>
+              <a:rPr lang="de-DE" sz="2000" dirty="0">
+                <a:solidFill>
+                  <a:schemeClr val="dk1"/>
+                </a:solidFill>
+                <a:latin typeface="Calisto MT"/>
+              </a:rPr>
+              <a:t>- Ebenfalls eine Fehleranzeige integriert</a:t>
+            </a:r>
+          </a:p>
+          <a:p>
+            <a:pPr>
+              <a:lnSpc>
+                <a:spcPct val="110000"/>
+              </a:lnSpc>
+              <a:spcBef>
+                <a:spcPts val="1001"/>
+              </a:spcBef>
+              <a:tabLst>
+                <a:tab pos="0" algn="l"/>
+              </a:tabLst>
+            </a:pPr>
+            <a:endParaRPr lang="de-DE" sz="2000" dirty="0">
+              <a:solidFill>
+                <a:schemeClr val="dk1"/>
+              </a:solidFill>
+              <a:latin typeface="Calisto MT"/>
+            </a:endParaRPr>
+          </a:p>
+          <a:p>
+            <a:pPr>
+              <a:lnSpc>
+                <a:spcPct val="110000"/>
+              </a:lnSpc>
+              <a:spcBef>
+                <a:spcPts val="1001"/>
+              </a:spcBef>
+              <a:tabLst>
+                <a:tab pos="0" algn="l"/>
+              </a:tabLst>
+            </a:pPr>
+            <a:endParaRPr lang="de-DE" sz="2000" dirty="0">
+              <a:solidFill>
+                <a:schemeClr val="dk1"/>
+              </a:solidFill>
+              <a:latin typeface="Calisto MT"/>
+            </a:endParaRPr>
+          </a:p>
+        </p:txBody>
+      </p:sp>
+    </p:spTree>
+    <p:extLst>
+      <p:ext uri="{BB962C8B-B14F-4D97-AF65-F5344CB8AC3E}">
+        <p14:creationId xmlns:p14="http://schemas.microsoft.com/office/powerpoint/2010/main" val="3154015183"/>
+      </p:ext>
+    </p:extLst>
+  </p:cSld>
+  <p:clrMapOvr>
+    <a:masterClrMapping/>
+  </p:clrMapOvr>
+  <p:transition spd="med">
+    <p:pull/>
+  </p:transition>
+</p:sld>
+</file>
+
+<file path=ppt/slides/slide16.xml><?xml version="1.0" encoding="utf-8"?>
+<p:sld xmlns:a="http://schemas.openxmlformats.org/drawingml/2006/main" xmlns:r="http://schemas.openxmlformats.org/officeDocument/2006/relationships" xmlns:p="http://schemas.openxmlformats.org/presentationml/2006/main">
+  <p:cSld>
+    <p:spTree>
+      <p:nvGrpSpPr>
+        <p:cNvPr id="1" name="">
+          <a:extLst>
+            <a:ext uri="{FF2B5EF4-FFF2-40B4-BE49-F238E27FC236}">
+              <a16:creationId xmlns:a16="http://schemas.microsoft.com/office/drawing/2014/main" id="{2E204368-4EEA-BFF2-5E01-7AF01049572F}"/>
+            </a:ext>
+          </a:extLst>
+        </p:cNvPr>
+        <p:cNvGrpSpPr/>
+        <p:nvPr/>
+      </p:nvGrpSpPr>
+      <p:grpSpPr>
+        <a:xfrm>
+          <a:off x="0" y="0"/>
+          <a:ext cx="0" cy="0"/>
+          <a:chOff x="0" y="0"/>
+          <a:chExt cx="0" cy="0"/>
+        </a:xfrm>
+      </p:grpSpPr>
+      <p:sp>
+        <p:nvSpPr>
+          <p:cNvPr id="102" name="PlaceHolder 1">
+            <a:extLst>
+              <a:ext uri="{FF2B5EF4-FFF2-40B4-BE49-F238E27FC236}">
+                <a16:creationId xmlns:a16="http://schemas.microsoft.com/office/drawing/2014/main" id="{D34D1FBD-0A53-0962-36F0-9E5F21819121}"/>
+              </a:ext>
+            </a:extLst>
+          </p:cNvPr>
+          <p:cNvSpPr>
+            <a:spLocks noGrp="1"/>
+          </p:cNvSpPr>
+          <p:nvPr>
+            <p:ph type="title"/>
+          </p:nvPr>
+        </p:nvSpPr>
+        <p:spPr>
+          <a:xfrm>
+            <a:off x="700560" y="914400"/>
+            <a:ext cx="10999440" cy="1307160"/>
+          </a:xfrm>
+          <a:prstGeom prst="rect">
+            <a:avLst/>
+          </a:prstGeom>
+          <a:noFill/>
+          <a:ln w="0">
+            <a:noFill/>
+          </a:ln>
+        </p:spPr>
+        <p:txBody>
+          <a:bodyPr lIns="91440" tIns="45720" rIns="91440" bIns="45720" anchor="t">
+            <a:normAutofit/>
+          </a:bodyPr>
+          <a:lstStyle/>
+          <a:p>
+            <a:pPr indent="0" defTabSz="914400">
+              <a:lnSpc>
+                <a:spcPct val="100000"/>
+              </a:lnSpc>
+              <a:buNone/>
+            </a:pPr>
+            <a:r>
+              <a:rPr lang="de-DE" sz="4000" cap="all" spc="31" dirty="0">
+                <a:solidFill>
+                  <a:schemeClr val="dk1"/>
+                </a:solidFill>
+                <a:latin typeface="Univers Condensed"/>
+              </a:rPr>
+              <a:t>5</a:t>
+            </a:r>
+            <a:r>
+              <a:rPr lang="de-DE" sz="4000" b="0" u="none" strike="noStrike" cap="all" spc="31" dirty="0">
+                <a:solidFill>
+                  <a:schemeClr val="dk1"/>
+                </a:solidFill>
+                <a:effectLst/>
+                <a:uFillTx/>
+                <a:latin typeface="Univers Condensed"/>
+              </a:rPr>
+              <a:t>. Wireframes – User Dashboard</a:t>
+            </a:r>
+            <a:endParaRPr lang="de-DE" sz="4000" b="0" u="none" strike="noStrike" dirty="0">
+              <a:solidFill>
+                <a:schemeClr val="dk1"/>
+              </a:solidFill>
+              <a:effectLst/>
+              <a:uFillTx/>
+              <a:latin typeface="Calisto MT"/>
+            </a:endParaRPr>
+          </a:p>
+        </p:txBody>
+      </p:sp>
+      <p:sp>
+        <p:nvSpPr>
+          <p:cNvPr id="4" name="PlaceHolder 2">
+            <a:extLst>
+              <a:ext uri="{FF2B5EF4-FFF2-40B4-BE49-F238E27FC236}">
+                <a16:creationId xmlns:a16="http://schemas.microsoft.com/office/drawing/2014/main" id="{9CCD9F01-C42C-FF2E-A81E-6CF880871346}"/>
+              </a:ext>
+            </a:extLst>
+          </p:cNvPr>
+          <p:cNvSpPr txBox="1">
+            <a:spLocks/>
+          </p:cNvSpPr>
+          <p:nvPr/>
+        </p:nvSpPr>
+        <p:spPr>
+          <a:xfrm>
+            <a:off x="700560" y="1800000"/>
+            <a:ext cx="5239440" cy="4161600"/>
+          </a:xfrm>
+          <a:prstGeom prst="rect">
+            <a:avLst/>
+          </a:prstGeom>
+          <a:noFill/>
+          <a:ln w="0">
+            <a:noFill/>
+          </a:ln>
+        </p:spPr>
+        <p:txBody>
+          <a:bodyPr lIns="91440" tIns="45720" rIns="91440" bIns="45720" anchor="t">
+            <a:normAutofit fontScale="85000" lnSpcReduction="19999"/>
+          </a:bodyPr>
+          <a:lstStyle>
+            <a:lvl1pPr algn="l" defTabSz="914400" rtl="0" eaLnBrk="1" latinLnBrk="0" hangingPunct="1">
+              <a:lnSpc>
+                <a:spcPct val="90000"/>
+              </a:lnSpc>
+              <a:spcBef>
+                <a:spcPct val="0"/>
+              </a:spcBef>
+              <a:buNone/>
+              <a:defRPr sz="4400" kern="1200">
+                <a:solidFill>
+                  <a:schemeClr val="tx1"/>
+                </a:solidFill>
+                <a:latin typeface="+mj-lt"/>
+                <a:ea typeface="+mj-ea"/>
+                <a:cs typeface="+mj-cs"/>
+              </a:defRPr>
+            </a:lvl1pPr>
+          </a:lstStyle>
+          <a:p>
+            <a:pPr>
+              <a:lnSpc>
+                <a:spcPct val="110000"/>
+              </a:lnSpc>
+              <a:spcBef>
+                <a:spcPts val="1001"/>
+              </a:spcBef>
+              <a:tabLst>
+                <a:tab pos="0" algn="l"/>
+              </a:tabLst>
+            </a:pPr>
+            <a:r>
+              <a:rPr lang="de-DE" sz="2000" dirty="0">
+                <a:solidFill>
+                  <a:schemeClr val="dk1"/>
+                </a:solidFill>
+                <a:latin typeface="Calisto MT"/>
+              </a:rPr>
+              <a:t>User Dashboard:</a:t>
+            </a:r>
+          </a:p>
+          <a:p>
+            <a:pPr>
+              <a:lnSpc>
+                <a:spcPct val="110000"/>
+              </a:lnSpc>
+              <a:spcBef>
+                <a:spcPts val="1001"/>
+              </a:spcBef>
+              <a:tabLst>
+                <a:tab pos="0" algn="l"/>
+              </a:tabLst>
+            </a:pPr>
+            <a:endParaRPr lang="de-DE" sz="2000" dirty="0">
+              <a:solidFill>
+                <a:schemeClr val="dk1"/>
+              </a:solidFill>
+              <a:latin typeface="Calisto MT"/>
+            </a:endParaRPr>
+          </a:p>
+          <a:p>
+            <a:pPr>
+              <a:lnSpc>
+                <a:spcPct val="110000"/>
+              </a:lnSpc>
+              <a:spcBef>
+                <a:spcPts val="1001"/>
+              </a:spcBef>
+              <a:tabLst>
+                <a:tab pos="0" algn="l"/>
+              </a:tabLst>
+            </a:pPr>
+            <a:r>
+              <a:rPr lang="de-DE" sz="2000" dirty="0">
+                <a:solidFill>
+                  <a:schemeClr val="dk1"/>
+                </a:solidFill>
+                <a:latin typeface="Calisto MT"/>
+              </a:rPr>
+              <a:t>- Zeiten Tabelle – Wochenübersicht</a:t>
+            </a:r>
+          </a:p>
+          <a:p>
+            <a:pPr>
+              <a:lnSpc>
+                <a:spcPct val="110000"/>
+              </a:lnSpc>
+              <a:spcBef>
+                <a:spcPts val="1001"/>
+              </a:spcBef>
+              <a:tabLst>
+                <a:tab pos="0" algn="l"/>
+              </a:tabLst>
+            </a:pPr>
+            <a:endParaRPr lang="de-DE" sz="2000" dirty="0">
+              <a:solidFill>
+                <a:schemeClr val="dk1"/>
+              </a:solidFill>
+              <a:latin typeface="Calisto MT"/>
+            </a:endParaRPr>
+          </a:p>
+          <a:p>
+            <a:pPr>
+              <a:lnSpc>
+                <a:spcPct val="110000"/>
+              </a:lnSpc>
+              <a:spcBef>
+                <a:spcPts val="1001"/>
+              </a:spcBef>
+              <a:tabLst>
+                <a:tab pos="0" algn="l"/>
+              </a:tabLst>
+            </a:pPr>
+            <a:r>
+              <a:rPr lang="de-DE" sz="2000" dirty="0">
+                <a:solidFill>
+                  <a:schemeClr val="dk1"/>
+                </a:solidFill>
+                <a:latin typeface="Calisto MT"/>
+              </a:rPr>
+              <a:t>- Wochensprünge mit „Früher“ / „Später“</a:t>
+            </a:r>
+          </a:p>
+          <a:p>
+            <a:pPr>
+              <a:lnSpc>
+                <a:spcPct val="110000"/>
+              </a:lnSpc>
+              <a:spcBef>
+                <a:spcPts val="1001"/>
+              </a:spcBef>
+              <a:tabLst>
+                <a:tab pos="0" algn="l"/>
+              </a:tabLst>
+            </a:pPr>
+            <a:endParaRPr lang="de-DE" sz="2000" dirty="0">
+              <a:solidFill>
+                <a:schemeClr val="dk1"/>
+              </a:solidFill>
+              <a:latin typeface="Calisto MT"/>
+            </a:endParaRPr>
+          </a:p>
+          <a:p>
+            <a:pPr>
+              <a:lnSpc>
+                <a:spcPct val="110000"/>
+              </a:lnSpc>
+              <a:spcBef>
+                <a:spcPts val="1001"/>
+              </a:spcBef>
+              <a:tabLst>
+                <a:tab pos="0" algn="l"/>
+              </a:tabLst>
+            </a:pPr>
+            <a:r>
+              <a:rPr lang="de-DE" sz="2000" dirty="0">
+                <a:solidFill>
+                  <a:schemeClr val="dk1"/>
+                </a:solidFill>
+                <a:latin typeface="Calisto MT"/>
+              </a:rPr>
+              <a:t>- Tagesauswahl</a:t>
+            </a:r>
+          </a:p>
+          <a:p>
+            <a:pPr>
+              <a:lnSpc>
+                <a:spcPct val="110000"/>
+              </a:lnSpc>
+              <a:spcBef>
+                <a:spcPts val="1001"/>
+              </a:spcBef>
+              <a:tabLst>
+                <a:tab pos="0" algn="l"/>
+              </a:tabLst>
+            </a:pPr>
+            <a:endParaRPr lang="de-DE" sz="2000" dirty="0">
+              <a:solidFill>
+                <a:schemeClr val="dk1"/>
+              </a:solidFill>
+              <a:latin typeface="Calisto MT"/>
+            </a:endParaRPr>
+          </a:p>
+          <a:p>
+            <a:pPr>
+              <a:lnSpc>
+                <a:spcPct val="110000"/>
+              </a:lnSpc>
+              <a:spcBef>
+                <a:spcPts val="1001"/>
+              </a:spcBef>
+              <a:tabLst>
+                <a:tab pos="0" algn="l"/>
+              </a:tabLst>
+            </a:pPr>
+            <a:r>
+              <a:rPr lang="de-DE" sz="2000" dirty="0">
+                <a:solidFill>
+                  <a:schemeClr val="dk1"/>
+                </a:solidFill>
+                <a:latin typeface="Calisto MT"/>
+              </a:rPr>
+              <a:t>- „Kommen“ / „Gehen“ Buttons</a:t>
+            </a:r>
+          </a:p>
+          <a:p>
+            <a:pPr>
+              <a:lnSpc>
+                <a:spcPct val="110000"/>
+              </a:lnSpc>
+              <a:spcBef>
+                <a:spcPts val="1001"/>
+              </a:spcBef>
+              <a:tabLst>
+                <a:tab pos="0" algn="l"/>
+              </a:tabLst>
+            </a:pPr>
+            <a:endParaRPr lang="de-DE" sz="2000" dirty="0">
+              <a:solidFill>
+                <a:schemeClr val="dk1"/>
+              </a:solidFill>
+              <a:latin typeface="Calisto MT"/>
+            </a:endParaRPr>
+          </a:p>
+          <a:p>
+            <a:pPr>
+              <a:lnSpc>
+                <a:spcPct val="110000"/>
+              </a:lnSpc>
+              <a:spcBef>
+                <a:spcPts val="1001"/>
+              </a:spcBef>
+              <a:tabLst>
+                <a:tab pos="0" algn="l"/>
+              </a:tabLst>
+            </a:pPr>
+            <a:r>
+              <a:rPr lang="de-DE" sz="2000" dirty="0">
+                <a:solidFill>
+                  <a:schemeClr val="dk1"/>
+                </a:solidFill>
+                <a:latin typeface="Calisto MT"/>
+              </a:rPr>
+              <a:t>- Kurzinformationen</a:t>
+            </a:r>
+          </a:p>
+          <a:p>
+            <a:pPr>
+              <a:lnSpc>
+                <a:spcPct val="110000"/>
+              </a:lnSpc>
+              <a:spcBef>
+                <a:spcPts val="1001"/>
+              </a:spcBef>
+              <a:tabLst>
+                <a:tab pos="0" algn="l"/>
+              </a:tabLst>
+            </a:pPr>
+            <a:endParaRPr lang="de-DE" sz="2000" dirty="0">
+              <a:solidFill>
+                <a:schemeClr val="dk1"/>
+              </a:solidFill>
+              <a:latin typeface="Calisto MT"/>
+            </a:endParaRPr>
+          </a:p>
+          <a:p>
+            <a:pPr>
+              <a:lnSpc>
+                <a:spcPct val="110000"/>
+              </a:lnSpc>
+              <a:spcBef>
+                <a:spcPts val="1001"/>
+              </a:spcBef>
+              <a:tabLst>
+                <a:tab pos="0" algn="l"/>
+              </a:tabLst>
+            </a:pPr>
+            <a:endParaRPr lang="de-DE" sz="2000" dirty="0">
+              <a:solidFill>
+                <a:schemeClr val="dk1"/>
+              </a:solidFill>
+              <a:latin typeface="Calisto MT"/>
+            </a:endParaRPr>
+          </a:p>
+        </p:txBody>
+      </p:sp>
+      <p:pic>
+        <p:nvPicPr>
+          <p:cNvPr id="2" name="Grafik 1">
+            <a:extLst>
+              <a:ext uri="{FF2B5EF4-FFF2-40B4-BE49-F238E27FC236}">
+                <a16:creationId xmlns:a16="http://schemas.microsoft.com/office/drawing/2014/main" id="{BB5A1CC9-EFC1-5CC5-6A88-881824F70437}"/>
+              </a:ext>
+            </a:extLst>
+          </p:cNvPr>
+          <p:cNvPicPr/>
+          <p:nvPr/>
+        </p:nvPicPr>
+        <p:blipFill>
+          <a:blip r:embed="rId2"/>
+          <a:stretch/>
+        </p:blipFill>
+        <p:spPr>
+          <a:xfrm>
+            <a:off x="5760000" y="1800000"/>
+            <a:ext cx="5712120" cy="4038120"/>
+          </a:xfrm>
+          <a:prstGeom prst="rect">
+            <a:avLst/>
+          </a:prstGeom>
+          <a:noFill/>
+          <a:ln w="0">
+            <a:noFill/>
+          </a:ln>
+        </p:spPr>
+      </p:pic>
+    </p:spTree>
+    <p:extLst>
+      <p:ext uri="{BB962C8B-B14F-4D97-AF65-F5344CB8AC3E}">
+        <p14:creationId xmlns:p14="http://schemas.microsoft.com/office/powerpoint/2010/main" val="705918419"/>
+      </p:ext>
+    </p:extLst>
+  </p:cSld>
+  <p:clrMapOvr>
+    <a:masterClrMapping/>
+  </p:clrMapOvr>
+  <p:transition spd="med">
+    <p:pull/>
+  </p:transition>
+</p:sld>
+</file>
+
+<file path=ppt/slides/slide17.xml><?xml version="1.0" encoding="utf-8"?>
+<p:sld xmlns:a="http://schemas.openxmlformats.org/drawingml/2006/main" xmlns:r="http://schemas.openxmlformats.org/officeDocument/2006/relationships" xmlns:p="http://schemas.openxmlformats.org/presentationml/2006/main">
+  <p:cSld>
+    <p:spTree>
+      <p:nvGrpSpPr>
+        <p:cNvPr id="1" name="">
+          <a:extLst>
+            <a:ext uri="{FF2B5EF4-FFF2-40B4-BE49-F238E27FC236}">
+              <a16:creationId xmlns:a16="http://schemas.microsoft.com/office/drawing/2014/main" id="{2E204368-4EEA-BFF2-5E01-7AF01049572F}"/>
+            </a:ext>
+          </a:extLst>
+        </p:cNvPr>
+        <p:cNvGrpSpPr/>
+        <p:nvPr/>
+      </p:nvGrpSpPr>
+      <p:grpSpPr>
+        <a:xfrm>
+          <a:off x="0" y="0"/>
+          <a:ext cx="0" cy="0"/>
+          <a:chOff x="0" y="0"/>
+          <a:chExt cx="0" cy="0"/>
+        </a:xfrm>
+      </p:grpSpPr>
+      <p:sp>
+        <p:nvSpPr>
+          <p:cNvPr id="102" name="PlaceHolder 1">
+            <a:extLst>
+              <a:ext uri="{FF2B5EF4-FFF2-40B4-BE49-F238E27FC236}">
+                <a16:creationId xmlns:a16="http://schemas.microsoft.com/office/drawing/2014/main" id="{D34D1FBD-0A53-0962-36F0-9E5F21819121}"/>
+              </a:ext>
+            </a:extLst>
+          </p:cNvPr>
+          <p:cNvSpPr>
+            <a:spLocks noGrp="1"/>
+          </p:cNvSpPr>
+          <p:nvPr>
+            <p:ph type="title"/>
+          </p:nvPr>
+        </p:nvSpPr>
+        <p:spPr>
+          <a:xfrm>
+            <a:off x="700560" y="914400"/>
+            <a:ext cx="10999440" cy="1307160"/>
+          </a:xfrm>
+          <a:prstGeom prst="rect">
+            <a:avLst/>
+          </a:prstGeom>
+          <a:noFill/>
+          <a:ln w="0">
+            <a:noFill/>
+          </a:ln>
+        </p:spPr>
+        <p:txBody>
+          <a:bodyPr lIns="91440" tIns="45720" rIns="91440" bIns="45720" anchor="t">
+            <a:normAutofit/>
+          </a:bodyPr>
+          <a:lstStyle/>
+          <a:p>
+            <a:pPr indent="0" defTabSz="914400">
+              <a:lnSpc>
+                <a:spcPct val="100000"/>
+              </a:lnSpc>
+              <a:buNone/>
+            </a:pPr>
+            <a:r>
+              <a:rPr lang="de-DE" sz="4000" cap="all" spc="31" dirty="0">
+                <a:solidFill>
+                  <a:schemeClr val="dk1"/>
+                </a:solidFill>
+                <a:latin typeface="Univers Condensed"/>
+              </a:rPr>
+              <a:t>5</a:t>
+            </a:r>
+            <a:r>
+              <a:rPr lang="de-DE" sz="4000" b="0" u="none" strike="noStrike" cap="all" spc="31" dirty="0">
+                <a:solidFill>
+                  <a:schemeClr val="dk1"/>
+                </a:solidFill>
+                <a:effectLst/>
+                <a:uFillTx/>
+                <a:latin typeface="Univers Condensed"/>
+              </a:rPr>
+              <a:t>. Wireframes – User Dashboard</a:t>
+            </a:r>
+            <a:endParaRPr lang="de-DE" sz="4000" b="0" u="none" strike="noStrike" dirty="0">
+              <a:solidFill>
+                <a:schemeClr val="dk1"/>
+              </a:solidFill>
+              <a:effectLst/>
+              <a:uFillTx/>
+              <a:latin typeface="Calisto MT"/>
+            </a:endParaRPr>
+          </a:p>
+        </p:txBody>
+      </p:sp>
+      <p:sp>
+        <p:nvSpPr>
+          <p:cNvPr id="6" name="PlaceHolder 2">
+            <a:extLst>
+              <a:ext uri="{FF2B5EF4-FFF2-40B4-BE49-F238E27FC236}">
+                <a16:creationId xmlns:a16="http://schemas.microsoft.com/office/drawing/2014/main" id="{279A3E0A-5446-FE29-221A-A15B3D42B090}"/>
+              </a:ext>
+            </a:extLst>
+          </p:cNvPr>
+          <p:cNvSpPr txBox="1">
+            <a:spLocks/>
+          </p:cNvSpPr>
+          <p:nvPr/>
+        </p:nvSpPr>
+        <p:spPr>
+          <a:xfrm>
+            <a:off x="700560" y="1800000"/>
+            <a:ext cx="5239440" cy="4161600"/>
+          </a:xfrm>
+          <a:prstGeom prst="rect">
+            <a:avLst/>
+          </a:prstGeom>
+          <a:noFill/>
+          <a:ln w="0">
+            <a:noFill/>
+          </a:ln>
+        </p:spPr>
+        <p:txBody>
+          <a:bodyPr lIns="91440" tIns="45720" rIns="91440" bIns="45720" anchor="t">
+            <a:normAutofit/>
+          </a:bodyPr>
+          <a:lstStyle>
+            <a:lvl1pPr algn="l" defTabSz="914400" rtl="0" eaLnBrk="1" latinLnBrk="0" hangingPunct="1">
+              <a:lnSpc>
+                <a:spcPct val="90000"/>
+              </a:lnSpc>
+              <a:spcBef>
+                <a:spcPct val="0"/>
+              </a:spcBef>
+              <a:buNone/>
+              <a:defRPr sz="4400" kern="1200">
+                <a:solidFill>
+                  <a:schemeClr val="tx1"/>
+                </a:solidFill>
+                <a:latin typeface="+mj-lt"/>
+                <a:ea typeface="+mj-ea"/>
+                <a:cs typeface="+mj-cs"/>
+              </a:defRPr>
+            </a:lvl1pPr>
+          </a:lstStyle>
+          <a:p>
+            <a:pPr>
+              <a:lnSpc>
+                <a:spcPct val="110000"/>
+              </a:lnSpc>
+              <a:spcBef>
+                <a:spcPts val="1001"/>
+              </a:spcBef>
+              <a:tabLst>
+                <a:tab pos="0" algn="l"/>
+              </a:tabLst>
+            </a:pPr>
+            <a:r>
+              <a:rPr lang="de-DE" sz="2000" dirty="0">
+                <a:solidFill>
+                  <a:schemeClr val="dk1"/>
+                </a:solidFill>
+                <a:latin typeface="Calisto MT"/>
+              </a:rPr>
+              <a:t>Navigationsbar:</a:t>
+            </a:r>
+          </a:p>
+          <a:p>
+            <a:pPr>
+              <a:lnSpc>
+                <a:spcPct val="110000"/>
+              </a:lnSpc>
+              <a:spcBef>
+                <a:spcPts val="1001"/>
+              </a:spcBef>
+              <a:tabLst>
+                <a:tab pos="0" algn="l"/>
+              </a:tabLst>
+            </a:pPr>
+            <a:endParaRPr lang="de-DE" sz="2000" dirty="0">
+              <a:solidFill>
+                <a:schemeClr val="dk1"/>
+              </a:solidFill>
+              <a:latin typeface="Calisto MT"/>
+            </a:endParaRPr>
+          </a:p>
+          <a:p>
+            <a:pPr>
+              <a:lnSpc>
+                <a:spcPct val="110000"/>
+              </a:lnSpc>
+              <a:spcBef>
+                <a:spcPts val="1001"/>
+              </a:spcBef>
+              <a:tabLst>
+                <a:tab pos="0" algn="l"/>
+              </a:tabLst>
+            </a:pPr>
+            <a:r>
+              <a:rPr lang="de-DE" sz="2000" dirty="0">
+                <a:solidFill>
+                  <a:schemeClr val="dk1"/>
+                </a:solidFill>
+                <a:latin typeface="Calisto MT"/>
+              </a:rPr>
+              <a:t>- Begrüßung</a:t>
+            </a:r>
+          </a:p>
+          <a:p>
+            <a:pPr>
+              <a:lnSpc>
+                <a:spcPct val="110000"/>
+              </a:lnSpc>
+              <a:spcBef>
+                <a:spcPts val="1001"/>
+              </a:spcBef>
+              <a:tabLst>
+                <a:tab pos="0" algn="l"/>
+              </a:tabLst>
+            </a:pPr>
+            <a:endParaRPr lang="de-DE" sz="2000" dirty="0">
+              <a:solidFill>
+                <a:schemeClr val="dk1"/>
+              </a:solidFill>
+              <a:latin typeface="Calisto MT"/>
+            </a:endParaRPr>
+          </a:p>
+          <a:p>
+            <a:pPr>
+              <a:lnSpc>
+                <a:spcPct val="110000"/>
+              </a:lnSpc>
+              <a:spcBef>
+                <a:spcPts val="1001"/>
+              </a:spcBef>
+              <a:tabLst>
+                <a:tab pos="0" algn="l"/>
+              </a:tabLst>
+            </a:pPr>
+            <a:r>
+              <a:rPr lang="de-DE" sz="2000" dirty="0">
+                <a:solidFill>
+                  <a:schemeClr val="dk1"/>
+                </a:solidFill>
+                <a:latin typeface="Calisto MT"/>
+              </a:rPr>
+              <a:t>- </a:t>
+            </a:r>
+            <a:r>
+              <a:rPr lang="de-DE" sz="2000" dirty="0" err="1">
+                <a:solidFill>
+                  <a:schemeClr val="dk1"/>
+                </a:solidFill>
+                <a:latin typeface="Calisto MT"/>
+              </a:rPr>
+              <a:t>Benachrichtigungs</a:t>
+            </a:r>
+            <a:r>
+              <a:rPr lang="de-DE" sz="2000" dirty="0">
+                <a:solidFill>
+                  <a:schemeClr val="dk1"/>
+                </a:solidFill>
+                <a:latin typeface="Calisto MT"/>
+              </a:rPr>
+              <a:t> Button</a:t>
+            </a:r>
+          </a:p>
+          <a:p>
+            <a:pPr>
+              <a:lnSpc>
+                <a:spcPct val="110000"/>
+              </a:lnSpc>
+              <a:spcBef>
+                <a:spcPts val="1001"/>
+              </a:spcBef>
+              <a:tabLst>
+                <a:tab pos="0" algn="l"/>
+              </a:tabLst>
+            </a:pPr>
+            <a:endParaRPr lang="de-DE" sz="2000" dirty="0">
+              <a:solidFill>
+                <a:schemeClr val="dk1"/>
+              </a:solidFill>
+              <a:latin typeface="Calisto MT"/>
+            </a:endParaRPr>
+          </a:p>
+          <a:p>
+            <a:pPr>
+              <a:lnSpc>
+                <a:spcPct val="110000"/>
+              </a:lnSpc>
+              <a:spcBef>
+                <a:spcPts val="1001"/>
+              </a:spcBef>
+              <a:tabLst>
+                <a:tab pos="0" algn="l"/>
+              </a:tabLst>
+            </a:pPr>
+            <a:r>
+              <a:rPr lang="de-DE" sz="2000" dirty="0">
+                <a:solidFill>
+                  <a:schemeClr val="dk1"/>
+                </a:solidFill>
+                <a:latin typeface="Calisto MT"/>
+              </a:rPr>
+              <a:t>- Logout Button</a:t>
+            </a:r>
+          </a:p>
+          <a:p>
+            <a:pPr>
+              <a:lnSpc>
+                <a:spcPct val="110000"/>
+              </a:lnSpc>
+              <a:spcBef>
+                <a:spcPts val="1001"/>
+              </a:spcBef>
+              <a:tabLst>
+                <a:tab pos="0" algn="l"/>
+              </a:tabLst>
+            </a:pPr>
+            <a:endParaRPr lang="de-DE" sz="2000" dirty="0">
+              <a:solidFill>
+                <a:schemeClr val="dk1"/>
+              </a:solidFill>
+              <a:latin typeface="Calisto MT"/>
+            </a:endParaRPr>
+          </a:p>
+          <a:p>
+            <a:pPr>
+              <a:lnSpc>
+                <a:spcPct val="110000"/>
+              </a:lnSpc>
+              <a:spcBef>
+                <a:spcPts val="1001"/>
+              </a:spcBef>
+              <a:tabLst>
+                <a:tab pos="0" algn="l"/>
+              </a:tabLst>
+            </a:pPr>
+            <a:r>
+              <a:rPr lang="de-DE" sz="2000" dirty="0">
+                <a:solidFill>
+                  <a:schemeClr val="dk1"/>
+                </a:solidFill>
+                <a:latin typeface="Calisto MT"/>
+              </a:rPr>
+              <a:t>- Hamburger Button</a:t>
+            </a:r>
+          </a:p>
+          <a:p>
+            <a:pPr>
+              <a:lnSpc>
+                <a:spcPct val="110000"/>
+              </a:lnSpc>
+              <a:spcBef>
+                <a:spcPts val="1001"/>
+              </a:spcBef>
+              <a:tabLst>
+                <a:tab pos="0" algn="l"/>
+              </a:tabLst>
+            </a:pPr>
+            <a:endParaRPr lang="de-DE" sz="2000" dirty="0">
+              <a:solidFill>
+                <a:schemeClr val="dk1"/>
+              </a:solidFill>
+              <a:latin typeface="Calisto MT"/>
+            </a:endParaRPr>
+          </a:p>
+          <a:p>
+            <a:pPr>
+              <a:lnSpc>
+                <a:spcPct val="110000"/>
+              </a:lnSpc>
+              <a:spcBef>
+                <a:spcPts val="1001"/>
+              </a:spcBef>
+              <a:tabLst>
+                <a:tab pos="0" algn="l"/>
+              </a:tabLst>
+            </a:pPr>
+            <a:endParaRPr lang="de-DE" sz="2000" dirty="0">
+              <a:solidFill>
+                <a:schemeClr val="dk1"/>
+              </a:solidFill>
+              <a:latin typeface="Calisto MT"/>
+            </a:endParaRPr>
+          </a:p>
+        </p:txBody>
+      </p:sp>
+      <p:pic>
+        <p:nvPicPr>
+          <p:cNvPr id="7" name="Grafik 6">
+            <a:extLst>
+              <a:ext uri="{FF2B5EF4-FFF2-40B4-BE49-F238E27FC236}">
+                <a16:creationId xmlns:a16="http://schemas.microsoft.com/office/drawing/2014/main" id="{0EFDBF9A-BF5D-071F-6B93-1E0EC33489AE}"/>
+              </a:ext>
+            </a:extLst>
+          </p:cNvPr>
+          <p:cNvPicPr/>
+          <p:nvPr/>
+        </p:nvPicPr>
+        <p:blipFill>
+          <a:blip r:embed="rId2"/>
+          <a:stretch/>
+        </p:blipFill>
+        <p:spPr>
+          <a:xfrm>
+            <a:off x="5760000" y="1800000"/>
+            <a:ext cx="5712120" cy="4038120"/>
+          </a:xfrm>
+          <a:prstGeom prst="rect">
+            <a:avLst/>
+          </a:prstGeom>
+          <a:noFill/>
+          <a:ln w="0">
+            <a:noFill/>
+          </a:ln>
+        </p:spPr>
+      </p:pic>
+    </p:spTree>
+    <p:extLst>
+      <p:ext uri="{BB962C8B-B14F-4D97-AF65-F5344CB8AC3E}">
+        <p14:creationId xmlns:p14="http://schemas.microsoft.com/office/powerpoint/2010/main" val="3355521714"/>
+      </p:ext>
+    </p:extLst>
+  </p:cSld>
+  <p:clrMapOvr>
+    <a:masterClrMapping/>
+  </p:clrMapOvr>
+  <p:transition spd="med">
+    <p:pull/>
+  </p:transition>
+</p:sld>
+</file>
+
+<file path=ppt/slides/slide18.xml><?xml version="1.0" encoding="utf-8"?>
+<p:sld xmlns:a="http://schemas.openxmlformats.org/drawingml/2006/main" xmlns:r="http://schemas.openxmlformats.org/officeDocument/2006/relationships" xmlns:p="http://schemas.openxmlformats.org/presentationml/2006/main">
+  <p:cSld>
+    <p:spTree>
+      <p:nvGrpSpPr>
+        <p:cNvPr id="1" name="">
+          <a:extLst>
+            <a:ext uri="{FF2B5EF4-FFF2-40B4-BE49-F238E27FC236}">
+              <a16:creationId xmlns:a16="http://schemas.microsoft.com/office/drawing/2014/main" id="{2E204368-4EEA-BFF2-5E01-7AF01049572F}"/>
+            </a:ext>
+          </a:extLst>
+        </p:cNvPr>
+        <p:cNvGrpSpPr/>
+        <p:nvPr/>
+      </p:nvGrpSpPr>
+      <p:grpSpPr>
+        <a:xfrm>
+          <a:off x="0" y="0"/>
+          <a:ext cx="0" cy="0"/>
+          <a:chOff x="0" y="0"/>
+          <a:chExt cx="0" cy="0"/>
+        </a:xfrm>
+      </p:grpSpPr>
+      <p:sp>
+        <p:nvSpPr>
+          <p:cNvPr id="102" name="PlaceHolder 1">
+            <a:extLst>
+              <a:ext uri="{FF2B5EF4-FFF2-40B4-BE49-F238E27FC236}">
+                <a16:creationId xmlns:a16="http://schemas.microsoft.com/office/drawing/2014/main" id="{D34D1FBD-0A53-0962-36F0-9E5F21819121}"/>
+              </a:ext>
+            </a:extLst>
+          </p:cNvPr>
+          <p:cNvSpPr>
+            <a:spLocks noGrp="1"/>
+          </p:cNvSpPr>
+          <p:nvPr>
+            <p:ph type="title"/>
+          </p:nvPr>
+        </p:nvSpPr>
+        <p:spPr>
+          <a:xfrm>
+            <a:off x="700560" y="914400"/>
+            <a:ext cx="10999440" cy="1307160"/>
+          </a:xfrm>
+          <a:prstGeom prst="rect">
+            <a:avLst/>
+          </a:prstGeom>
+          <a:noFill/>
+          <a:ln w="0">
+            <a:noFill/>
+          </a:ln>
+        </p:spPr>
+        <p:txBody>
+          <a:bodyPr lIns="91440" tIns="45720" rIns="91440" bIns="45720" anchor="t">
+            <a:normAutofit/>
+          </a:bodyPr>
+          <a:lstStyle/>
+          <a:p>
+            <a:pPr indent="0" defTabSz="914400">
+              <a:lnSpc>
+                <a:spcPct val="100000"/>
+              </a:lnSpc>
+              <a:buNone/>
+            </a:pPr>
+            <a:r>
+              <a:rPr lang="de-DE" sz="4000" cap="all" spc="31" dirty="0">
+                <a:solidFill>
+                  <a:schemeClr val="dk1"/>
+                </a:solidFill>
+                <a:latin typeface="Univers Condensed"/>
+              </a:rPr>
+              <a:t>5</a:t>
+            </a:r>
+            <a:r>
+              <a:rPr lang="de-DE" sz="4000" b="0" u="none" strike="noStrike" cap="all" spc="31" dirty="0">
+                <a:solidFill>
+                  <a:schemeClr val="dk1"/>
+                </a:solidFill>
+                <a:effectLst/>
+                <a:uFillTx/>
+                <a:latin typeface="Univers Condensed"/>
+              </a:rPr>
+              <a:t>. Wireframes – User Dashboard</a:t>
+            </a:r>
+            <a:endParaRPr lang="de-DE" sz="4000" b="0" u="none" strike="noStrike" dirty="0">
+              <a:solidFill>
+                <a:schemeClr val="dk1"/>
+              </a:solidFill>
+              <a:effectLst/>
+              <a:uFillTx/>
+              <a:latin typeface="Calisto MT"/>
+            </a:endParaRPr>
+          </a:p>
+        </p:txBody>
+      </p:sp>
+      <p:sp>
+        <p:nvSpPr>
+          <p:cNvPr id="8" name="PlaceHolder 2">
+            <a:extLst>
+              <a:ext uri="{FF2B5EF4-FFF2-40B4-BE49-F238E27FC236}">
+                <a16:creationId xmlns:a16="http://schemas.microsoft.com/office/drawing/2014/main" id="{481147F8-637A-3DBE-5A20-79AD5D3F2F87}"/>
+              </a:ext>
+            </a:extLst>
+          </p:cNvPr>
+          <p:cNvSpPr txBox="1">
+            <a:spLocks/>
+          </p:cNvSpPr>
+          <p:nvPr/>
+        </p:nvSpPr>
+        <p:spPr>
+          <a:xfrm>
+            <a:off x="700560" y="1800000"/>
+            <a:ext cx="5395440" cy="4161600"/>
+          </a:xfrm>
+          <a:prstGeom prst="rect">
+            <a:avLst/>
+          </a:prstGeom>
+          <a:noFill/>
+          <a:ln w="0">
+            <a:noFill/>
+          </a:ln>
+        </p:spPr>
+        <p:txBody>
+          <a:bodyPr lIns="91440" tIns="45720" rIns="91440" bIns="45720" anchor="t">
+            <a:normAutofit/>
+          </a:bodyPr>
+          <a:lstStyle>
+            <a:lvl1pPr algn="l" defTabSz="914400" rtl="0" eaLnBrk="1" latinLnBrk="0" hangingPunct="1">
+              <a:lnSpc>
+                <a:spcPct val="90000"/>
+              </a:lnSpc>
+              <a:spcBef>
+                <a:spcPct val="0"/>
+              </a:spcBef>
+              <a:buNone/>
+              <a:defRPr sz="4400" kern="1200">
+                <a:solidFill>
+                  <a:schemeClr val="tx1"/>
+                </a:solidFill>
+                <a:latin typeface="+mj-lt"/>
+                <a:ea typeface="+mj-ea"/>
+                <a:cs typeface="+mj-cs"/>
+              </a:defRPr>
+            </a:lvl1pPr>
+          </a:lstStyle>
+          <a:p>
+            <a:pPr>
+              <a:lnSpc>
+                <a:spcPct val="110000"/>
+              </a:lnSpc>
+              <a:spcBef>
+                <a:spcPts val="1001"/>
+              </a:spcBef>
+              <a:tabLst>
+                <a:tab pos="0" algn="l"/>
+              </a:tabLst>
+            </a:pPr>
+            <a:r>
+              <a:rPr lang="de-DE" sz="2000" dirty="0">
+                <a:solidFill>
+                  <a:schemeClr val="dk1"/>
+                </a:solidFill>
+                <a:latin typeface="Calisto MT"/>
+              </a:rPr>
+              <a:t>Benachrichtigungen:</a:t>
+            </a:r>
+          </a:p>
+          <a:p>
+            <a:pPr>
+              <a:lnSpc>
+                <a:spcPct val="110000"/>
+              </a:lnSpc>
+              <a:spcBef>
+                <a:spcPts val="1001"/>
+              </a:spcBef>
+              <a:tabLst>
+                <a:tab pos="0" algn="l"/>
+              </a:tabLst>
+            </a:pPr>
+            <a:endParaRPr lang="de-DE" sz="2000" dirty="0">
+              <a:solidFill>
+                <a:schemeClr val="dk1"/>
+              </a:solidFill>
+              <a:latin typeface="Calisto MT"/>
+            </a:endParaRPr>
+          </a:p>
+          <a:p>
+            <a:pPr>
+              <a:lnSpc>
+                <a:spcPct val="110000"/>
+              </a:lnSpc>
+              <a:spcBef>
+                <a:spcPts val="1001"/>
+              </a:spcBef>
+              <a:tabLst>
+                <a:tab pos="0" algn="l"/>
+              </a:tabLst>
+            </a:pPr>
+            <a:r>
+              <a:rPr lang="de-DE" sz="2000" dirty="0">
+                <a:solidFill>
+                  <a:schemeClr val="dk1"/>
+                </a:solidFill>
+                <a:latin typeface="Calisto MT"/>
+              </a:rPr>
+              <a:t>- Pop-up Fenster zum Scrollen</a:t>
+            </a:r>
+          </a:p>
+          <a:p>
+            <a:pPr>
+              <a:lnSpc>
+                <a:spcPct val="110000"/>
+              </a:lnSpc>
+              <a:spcBef>
+                <a:spcPts val="1001"/>
+              </a:spcBef>
+              <a:tabLst>
+                <a:tab pos="0" algn="l"/>
+              </a:tabLst>
+            </a:pPr>
+            <a:endParaRPr lang="de-DE" sz="2000" dirty="0">
+              <a:solidFill>
+                <a:schemeClr val="dk1"/>
+              </a:solidFill>
+              <a:latin typeface="Calisto MT"/>
+            </a:endParaRPr>
+          </a:p>
+          <a:p>
+            <a:pPr>
+              <a:lnSpc>
+                <a:spcPct val="110000"/>
+              </a:lnSpc>
+              <a:spcBef>
+                <a:spcPts val="1001"/>
+              </a:spcBef>
+              <a:tabLst>
+                <a:tab pos="0" algn="l"/>
+              </a:tabLst>
+            </a:pPr>
+            <a:endParaRPr lang="de-DE" sz="2000" dirty="0">
+              <a:solidFill>
+                <a:schemeClr val="dk1"/>
+              </a:solidFill>
+              <a:latin typeface="Calisto MT"/>
+            </a:endParaRPr>
+          </a:p>
+        </p:txBody>
+      </p:sp>
+      <p:pic>
+        <p:nvPicPr>
+          <p:cNvPr id="9" name="Grafik 8">
+            <a:extLst>
+              <a:ext uri="{FF2B5EF4-FFF2-40B4-BE49-F238E27FC236}">
+                <a16:creationId xmlns:a16="http://schemas.microsoft.com/office/drawing/2014/main" id="{D4A3E3B4-6357-4B1C-CE8C-77FC27D26B34}"/>
+              </a:ext>
+            </a:extLst>
+          </p:cNvPr>
+          <p:cNvPicPr/>
+          <p:nvPr/>
+        </p:nvPicPr>
+        <p:blipFill>
+          <a:blip r:embed="rId2"/>
+          <a:stretch/>
+        </p:blipFill>
+        <p:spPr>
+          <a:xfrm>
+            <a:off x="5760000" y="1800000"/>
+            <a:ext cx="5759640" cy="4071960"/>
+          </a:xfrm>
+          <a:prstGeom prst="rect">
+            <a:avLst/>
+          </a:prstGeom>
+          <a:noFill/>
+          <a:ln w="0">
+            <a:noFill/>
+          </a:ln>
+        </p:spPr>
+      </p:pic>
+    </p:spTree>
+    <p:extLst>
+      <p:ext uri="{BB962C8B-B14F-4D97-AF65-F5344CB8AC3E}">
+        <p14:creationId xmlns:p14="http://schemas.microsoft.com/office/powerpoint/2010/main" val="2012000732"/>
+      </p:ext>
+    </p:extLst>
+  </p:cSld>
+  <p:clrMapOvr>
+    <a:masterClrMapping/>
+  </p:clrMapOvr>
+  <p:transition spd="med">
+    <p:pull/>
+  </p:transition>
+</p:sld>
+</file>
+
+<file path=ppt/slides/slide19.xml><?xml version="1.0" encoding="utf-8"?>
+<p:sld xmlns:a="http://schemas.openxmlformats.org/drawingml/2006/main" xmlns:r="http://schemas.openxmlformats.org/officeDocument/2006/relationships" xmlns:p="http://schemas.openxmlformats.org/presentationml/2006/main">
+  <p:cSld>
+    <p:spTree>
+      <p:nvGrpSpPr>
+        <p:cNvPr id="1" name="">
+          <a:extLst>
+            <a:ext uri="{FF2B5EF4-FFF2-40B4-BE49-F238E27FC236}">
+              <a16:creationId xmlns:a16="http://schemas.microsoft.com/office/drawing/2014/main" id="{2E204368-4EEA-BFF2-5E01-7AF01049572F}"/>
+            </a:ext>
+          </a:extLst>
+        </p:cNvPr>
+        <p:cNvGrpSpPr/>
+        <p:nvPr/>
+      </p:nvGrpSpPr>
+      <p:grpSpPr>
+        <a:xfrm>
+          <a:off x="0" y="0"/>
+          <a:ext cx="0" cy="0"/>
+          <a:chOff x="0" y="0"/>
+          <a:chExt cx="0" cy="0"/>
+        </a:xfrm>
+      </p:grpSpPr>
+      <p:sp>
+        <p:nvSpPr>
+          <p:cNvPr id="102" name="PlaceHolder 1">
+            <a:extLst>
+              <a:ext uri="{FF2B5EF4-FFF2-40B4-BE49-F238E27FC236}">
+                <a16:creationId xmlns:a16="http://schemas.microsoft.com/office/drawing/2014/main" id="{D34D1FBD-0A53-0962-36F0-9E5F21819121}"/>
+              </a:ext>
+            </a:extLst>
+          </p:cNvPr>
+          <p:cNvSpPr>
+            <a:spLocks noGrp="1"/>
+          </p:cNvSpPr>
+          <p:nvPr>
+            <p:ph type="title"/>
+          </p:nvPr>
+        </p:nvSpPr>
+        <p:spPr>
+          <a:xfrm>
+            <a:off x="700560" y="914400"/>
+            <a:ext cx="10999440" cy="1307160"/>
+          </a:xfrm>
+          <a:prstGeom prst="rect">
+            <a:avLst/>
+          </a:prstGeom>
+          <a:noFill/>
+          <a:ln w="0">
+            <a:noFill/>
+          </a:ln>
+        </p:spPr>
+        <p:txBody>
+          <a:bodyPr lIns="91440" tIns="45720" rIns="91440" bIns="45720" anchor="t">
+            <a:normAutofit/>
+          </a:bodyPr>
+          <a:lstStyle/>
+          <a:p>
+            <a:pPr indent="0" defTabSz="914400">
+              <a:lnSpc>
+                <a:spcPct val="100000"/>
+              </a:lnSpc>
+              <a:buNone/>
+            </a:pPr>
+            <a:r>
+              <a:rPr lang="de-DE" sz="4000" cap="all" spc="31" dirty="0">
+                <a:solidFill>
+                  <a:schemeClr val="dk1"/>
+                </a:solidFill>
+                <a:latin typeface="Univers Condensed"/>
+              </a:rPr>
+              <a:t>5</a:t>
+            </a:r>
+            <a:r>
+              <a:rPr lang="de-DE" sz="4000" b="0" u="none" strike="noStrike" cap="all" spc="31" dirty="0">
+                <a:solidFill>
+                  <a:schemeClr val="dk1"/>
+                </a:solidFill>
+                <a:effectLst/>
+                <a:uFillTx/>
+                <a:latin typeface="Univers Condensed"/>
+              </a:rPr>
+              <a:t>. Wireframes – User Dashboard</a:t>
+            </a:r>
+            <a:endParaRPr lang="de-DE" sz="4000" b="0" u="none" strike="noStrike" dirty="0">
+              <a:solidFill>
+                <a:schemeClr val="dk1"/>
+              </a:solidFill>
+              <a:effectLst/>
+              <a:uFillTx/>
+              <a:latin typeface="Calisto MT"/>
+            </a:endParaRPr>
+          </a:p>
+        </p:txBody>
+      </p:sp>
+      <p:sp>
+        <p:nvSpPr>
+          <p:cNvPr id="2" name="PlaceHolder 2">
+            <a:extLst>
+              <a:ext uri="{FF2B5EF4-FFF2-40B4-BE49-F238E27FC236}">
+                <a16:creationId xmlns:a16="http://schemas.microsoft.com/office/drawing/2014/main" id="{E39C083C-51AA-2CFE-465C-C0A364BA1CF7}"/>
+              </a:ext>
+            </a:extLst>
+          </p:cNvPr>
+          <p:cNvSpPr txBox="1">
+            <a:spLocks/>
+          </p:cNvSpPr>
+          <p:nvPr/>
+        </p:nvSpPr>
+        <p:spPr>
+          <a:xfrm>
+            <a:off x="700560" y="1800000"/>
+            <a:ext cx="5395440" cy="4161600"/>
+          </a:xfrm>
+          <a:prstGeom prst="rect">
+            <a:avLst/>
+          </a:prstGeom>
+          <a:noFill/>
+          <a:ln w="0">
+            <a:noFill/>
+          </a:ln>
+        </p:spPr>
+        <p:txBody>
+          <a:bodyPr lIns="91440" tIns="45720" rIns="91440" bIns="45720" anchor="t">
+            <a:normAutofit/>
+          </a:bodyPr>
+          <a:lstStyle>
+            <a:lvl1pPr algn="l" defTabSz="914400" rtl="0" eaLnBrk="1" latinLnBrk="0" hangingPunct="1">
+              <a:lnSpc>
+                <a:spcPct val="90000"/>
+              </a:lnSpc>
+              <a:spcBef>
+                <a:spcPct val="0"/>
+              </a:spcBef>
+              <a:buNone/>
+              <a:defRPr sz="4400" kern="1200">
+                <a:solidFill>
+                  <a:schemeClr val="tx1"/>
+                </a:solidFill>
+                <a:latin typeface="+mj-lt"/>
+                <a:ea typeface="+mj-ea"/>
+                <a:cs typeface="+mj-cs"/>
+              </a:defRPr>
+            </a:lvl1pPr>
+          </a:lstStyle>
+          <a:p>
+            <a:pPr>
+              <a:lnSpc>
+                <a:spcPct val="110000"/>
+              </a:lnSpc>
+              <a:spcBef>
+                <a:spcPts val="1001"/>
+              </a:spcBef>
+              <a:tabLst>
+                <a:tab pos="0" algn="l"/>
+              </a:tabLst>
+            </a:pPr>
+            <a:r>
+              <a:rPr lang="de-DE" sz="2000" dirty="0">
+                <a:solidFill>
+                  <a:schemeClr val="dk1"/>
+                </a:solidFill>
+                <a:latin typeface="Calisto MT"/>
+              </a:rPr>
+              <a:t>Hamburger Menü:</a:t>
+            </a:r>
+          </a:p>
+          <a:p>
+            <a:pPr>
+              <a:lnSpc>
+                <a:spcPct val="110000"/>
+              </a:lnSpc>
+              <a:spcBef>
+                <a:spcPts val="1001"/>
+              </a:spcBef>
+              <a:tabLst>
+                <a:tab pos="0" algn="l"/>
+              </a:tabLst>
+            </a:pPr>
+            <a:endParaRPr lang="de-DE" sz="2000" dirty="0">
+              <a:solidFill>
+                <a:schemeClr val="dk1"/>
+              </a:solidFill>
+              <a:latin typeface="Calisto MT"/>
+            </a:endParaRPr>
+          </a:p>
+          <a:p>
+            <a:pPr>
+              <a:lnSpc>
+                <a:spcPct val="110000"/>
+              </a:lnSpc>
+              <a:spcBef>
+                <a:spcPts val="1001"/>
+              </a:spcBef>
+              <a:tabLst>
+                <a:tab pos="0" algn="l"/>
+              </a:tabLst>
+            </a:pPr>
+            <a:r>
+              <a:rPr lang="de-DE" sz="2000" dirty="0">
+                <a:solidFill>
+                  <a:schemeClr val="dk1"/>
+                </a:solidFill>
+                <a:latin typeface="Calisto MT"/>
+              </a:rPr>
+              <a:t>- Passwort änderbar</a:t>
+            </a:r>
+          </a:p>
+          <a:p>
+            <a:pPr>
+              <a:lnSpc>
+                <a:spcPct val="110000"/>
+              </a:lnSpc>
+              <a:spcBef>
+                <a:spcPts val="1001"/>
+              </a:spcBef>
+              <a:tabLst>
+                <a:tab pos="0" algn="l"/>
+              </a:tabLst>
+            </a:pPr>
+            <a:endParaRPr lang="de-DE" sz="2000" dirty="0">
+              <a:solidFill>
+                <a:schemeClr val="dk1"/>
+              </a:solidFill>
+              <a:latin typeface="Calisto MT"/>
+            </a:endParaRPr>
+          </a:p>
+          <a:p>
+            <a:pPr>
+              <a:lnSpc>
+                <a:spcPct val="110000"/>
+              </a:lnSpc>
+              <a:spcBef>
+                <a:spcPts val="1001"/>
+              </a:spcBef>
+              <a:tabLst>
+                <a:tab pos="0" algn="l"/>
+              </a:tabLst>
+            </a:pPr>
+            <a:r>
+              <a:rPr lang="de-DE" sz="2000" dirty="0">
+                <a:solidFill>
+                  <a:schemeClr val="dk1"/>
+                </a:solidFill>
+                <a:latin typeface="Calisto MT"/>
+              </a:rPr>
+              <a:t>- Sprachwechsel mit On/Off Button</a:t>
+            </a:r>
+          </a:p>
+          <a:p>
+            <a:pPr>
+              <a:lnSpc>
+                <a:spcPct val="110000"/>
+              </a:lnSpc>
+              <a:spcBef>
+                <a:spcPts val="1001"/>
+              </a:spcBef>
+              <a:tabLst>
+                <a:tab pos="0" algn="l"/>
+              </a:tabLst>
+            </a:pPr>
+            <a:endParaRPr lang="de-DE" sz="2000" dirty="0">
+              <a:solidFill>
+                <a:schemeClr val="dk1"/>
+              </a:solidFill>
+              <a:latin typeface="Calisto MT"/>
+            </a:endParaRPr>
+          </a:p>
+          <a:p>
+            <a:pPr>
+              <a:lnSpc>
+                <a:spcPct val="110000"/>
+              </a:lnSpc>
+              <a:spcBef>
+                <a:spcPts val="1001"/>
+              </a:spcBef>
+              <a:tabLst>
+                <a:tab pos="0" algn="l"/>
+              </a:tabLst>
+            </a:pPr>
+            <a:endParaRPr lang="de-DE" sz="2000" dirty="0">
+              <a:solidFill>
+                <a:schemeClr val="dk1"/>
+              </a:solidFill>
+              <a:latin typeface="Calisto MT"/>
+            </a:endParaRPr>
+          </a:p>
+        </p:txBody>
+      </p:sp>
+      <p:pic>
+        <p:nvPicPr>
+          <p:cNvPr id="13" name="Grafik 12">
+            <a:extLst>
+              <a:ext uri="{FF2B5EF4-FFF2-40B4-BE49-F238E27FC236}">
+                <a16:creationId xmlns:a16="http://schemas.microsoft.com/office/drawing/2014/main" id="{46BCE7C9-3456-ED5B-3200-55B31BC72E0F}"/>
+              </a:ext>
+            </a:extLst>
+          </p:cNvPr>
+          <p:cNvPicPr/>
+          <p:nvPr/>
+        </p:nvPicPr>
+        <p:blipFill>
+          <a:blip r:embed="rId2"/>
+          <a:stretch/>
+        </p:blipFill>
+        <p:spPr>
+          <a:xfrm>
+            <a:off x="5760000" y="1800000"/>
+            <a:ext cx="5759640" cy="4071960"/>
+          </a:xfrm>
+          <a:prstGeom prst="rect">
+            <a:avLst/>
+          </a:prstGeom>
+          <a:noFill/>
+          <a:ln w="0">
+            <a:noFill/>
+          </a:ln>
+        </p:spPr>
+      </p:pic>
+    </p:spTree>
+    <p:extLst>
+      <p:ext uri="{BB962C8B-B14F-4D97-AF65-F5344CB8AC3E}">
+        <p14:creationId xmlns:p14="http://schemas.microsoft.com/office/powerpoint/2010/main" val="1458216108"/>
+      </p:ext>
+    </p:extLst>
+  </p:cSld>
+  <p:clrMapOvr>
+    <a:masterClrMapping/>
+  </p:clrMapOvr>
+  <p:transition spd="med">
+    <p:pull/>
+  </p:transition>
+</p:sld>
+</file>
+
+<file path=ppt/slides/slide2.xml><?xml version="1.0" encoding="utf-8"?>
+<p:sld xmlns:a="http://schemas.openxmlformats.org/drawingml/2006/main" xmlns:r="http://schemas.openxmlformats.org/officeDocument/2006/relationships" xmlns:p="http://schemas.openxmlformats.org/presentationml/2006/main">
+  <p:cSld>
+    <p:bg>
+      <p:bgPr>
+        <a:solidFill>
+          <a:schemeClr val="lt1"/>
+        </a:solidFill>
+        <a:effectLst/>
+      </p:bgPr>
+    </p:bg>
+    <p:spTree>
+      <p:nvGrpSpPr>
+        <p:cNvPr id="1" name=""/>
+        <p:cNvGrpSpPr/>
+        <p:nvPr/>
+      </p:nvGrpSpPr>
+      <p:grpSpPr>
+        <a:xfrm>
+          <a:off x="0" y="0"/>
+          <a:ext cx="0" cy="0"/>
+          <a:chOff x="0" y="0"/>
+          <a:chExt cx="0" cy="0"/>
+        </a:xfrm>
+      </p:grpSpPr>
+      <p:sp useBgFill="1">
+        <p:nvSpPr>
+          <p:cNvPr id="86" name="Rectangle 7">
+            <a:extLst>
+              <a:ext uri="{C183D7F6-B498-43B3-948B-1728B52AA6E4}">
+                <adec:decorative xmlns:adec="http://schemas.microsoft.com/office/drawing/2017/decorative" val="1"/>
+              </a:ext>
+            </a:extLst>
+          </p:cNvPr>
+          <p:cNvSpPr/>
+          <p:nvPr/>
+        </p:nvSpPr>
+        <p:spPr>
+          <a:xfrm>
+            <a:off x="0" y="0"/>
+            <a:ext cx="12191760" cy="6857640"/>
+          </a:xfrm>
+          <a:prstGeom prst="rect">
+            <a:avLst/>
+          </a:prstGeom>
+          <a:ln>
+            <a:noFill/>
+          </a:ln>
+        </p:spPr>
+        <p:style>
+          <a:lnRef idx="2">
+            <a:schemeClr val="accent1">
+              <a:shade val="50000"/>
+            </a:schemeClr>
+          </a:lnRef>
+          <a:fillRef idx="1">
+            <a:schemeClr val="accent1"/>
+          </a:fillRef>
+          <a:effectRef idx="0">
+            <a:schemeClr val="accent1"/>
+          </a:effectRef>
+          <a:fontRef idx="minor"/>
+        </p:style>
+        <p:txBody>
+          <a:bodyPr lIns="90000" tIns="45000" rIns="90000" bIns="45000" anchor="ctr">
+            <a:noAutofit/>
+          </a:bodyPr>
+          <a:lstStyle/>
+          <a:p>
+            <a:pPr algn="ctr" defTabSz="914400">
+              <a:lnSpc>
+                <a:spcPct val="100000"/>
+              </a:lnSpc>
+            </a:pPr>
+            <a:endParaRPr lang="en-US" sz="1800" b="0" u="none" strike="noStrike">
+              <a:solidFill>
+                <a:schemeClr val="lt1"/>
+              </a:solidFill>
+              <a:effectLst/>
+              <a:uFillTx/>
+              <a:latin typeface="Calisto MT"/>
+            </a:endParaRPr>
+          </a:p>
+        </p:txBody>
+      </p:sp>
+      <p:sp>
+        <p:nvSpPr>
+          <p:cNvPr id="87" name="PlaceHolder 1"/>
+          <p:cNvSpPr>
+            <a:spLocks noGrp="1"/>
+          </p:cNvSpPr>
+          <p:nvPr>
+            <p:ph type="title"/>
+          </p:nvPr>
+        </p:nvSpPr>
+        <p:spPr>
+          <a:xfrm>
+            <a:off x="704160" y="559080"/>
+            <a:ext cx="3306240" cy="5255640"/>
+          </a:xfrm>
+          <a:prstGeom prst="rect">
+            <a:avLst/>
+          </a:prstGeom>
+          <a:noFill/>
+          <a:ln w="0">
+            <a:noFill/>
+          </a:ln>
+        </p:spPr>
+        <p:txBody>
+          <a:bodyPr lIns="91440" tIns="45720" rIns="91440" bIns="45720" anchor="t">
+            <a:normAutofit/>
+          </a:bodyPr>
+          <a:lstStyle/>
+          <a:p>
+            <a:pPr indent="0" defTabSz="914400">
+              <a:lnSpc>
+                <a:spcPct val="100000"/>
+              </a:lnSpc>
+              <a:buNone/>
+            </a:pPr>
+            <a:r>
+              <a:rPr lang="de-DE" sz="3600" b="0" u="none" strike="noStrike" cap="all" spc="31">
+                <a:solidFill>
+                  <a:schemeClr val="dk1"/>
+                </a:solidFill>
+                <a:effectLst/>
+                <a:uFillTx/>
+                <a:latin typeface="Univers Condensed"/>
+              </a:rPr>
+              <a:t>Gliederung</a:t>
+            </a:r>
+            <a:endParaRPr lang="de-DE" sz="3600" b="0" u="none" strike="noStrike">
+              <a:solidFill>
+                <a:schemeClr val="dk1"/>
+              </a:solidFill>
+              <a:effectLst/>
+              <a:uFillTx/>
+              <a:latin typeface="Calisto MT"/>
+            </a:endParaRPr>
+          </a:p>
+        </p:txBody>
+      </p:sp>
+      <p:sp>
+        <p:nvSpPr>
+          <p:cNvPr id="88" name="PlaceHolder 2"/>
+          <p:cNvSpPr>
+            <a:spLocks noGrp="1"/>
+          </p:cNvSpPr>
+          <p:nvPr>
+            <p:ph/>
+          </p:nvPr>
+        </p:nvSpPr>
+        <p:spPr>
+          <a:xfrm>
+            <a:off x="4642920" y="622080"/>
+            <a:ext cx="6844680" cy="5639400"/>
+          </a:xfrm>
+          <a:prstGeom prst="rect">
+            <a:avLst/>
+          </a:prstGeom>
+          <a:noFill/>
+          <a:ln w="0">
+            <a:noFill/>
+          </a:ln>
+        </p:spPr>
+        <p:txBody>
+          <a:bodyPr lIns="91440" tIns="45720" rIns="91440" bIns="45720" anchor="t">
+            <a:normAutofit/>
+          </a:bodyPr>
+          <a:lstStyle/>
+          <a:p>
+            <a:pPr marL="457200" indent="-457200" defTabSz="914400">
+              <a:lnSpc>
+                <a:spcPct val="100000"/>
+              </a:lnSpc>
+              <a:spcBef>
+                <a:spcPts val="1001"/>
+              </a:spcBef>
+              <a:buClr>
+                <a:srgbClr val="000000"/>
+              </a:buClr>
+              <a:buFont typeface="Univers Condensed"/>
+              <a:buAutoNum type="arabicPeriod"/>
+            </a:pPr>
+            <a:r>
+              <a:rPr lang="de-DE" sz="1500" b="0" u="none" strike="noStrike" dirty="0">
+                <a:solidFill>
+                  <a:schemeClr val="dk1"/>
+                </a:solidFill>
+                <a:effectLst/>
+                <a:uFillTx/>
+                <a:latin typeface="Calisto MT"/>
+              </a:rPr>
+              <a:t>Verwendete Tools</a:t>
+            </a:r>
+          </a:p>
+          <a:p>
+            <a:pPr marL="457200" indent="-457200" defTabSz="914400">
+              <a:lnSpc>
+                <a:spcPct val="100000"/>
+              </a:lnSpc>
+              <a:spcBef>
+                <a:spcPts val="1001"/>
+              </a:spcBef>
+              <a:buClr>
+                <a:srgbClr val="000000"/>
+              </a:buClr>
+              <a:buFont typeface="Univers Condensed"/>
+              <a:buAutoNum type="arabicPeriod"/>
+            </a:pPr>
+            <a:r>
+              <a:rPr lang="de-DE" sz="1500" b="0" u="none" strike="noStrike" dirty="0">
+                <a:solidFill>
+                  <a:schemeClr val="dk1"/>
+                </a:solidFill>
+                <a:effectLst/>
+                <a:uFillTx/>
+                <a:latin typeface="Calisto MT"/>
+              </a:rPr>
+              <a:t>Projektorganisation</a:t>
+            </a:r>
+          </a:p>
+          <a:p>
+            <a:pPr marL="914400" lvl="1" indent="-457200" defTabSz="914400">
+              <a:lnSpc>
+                <a:spcPct val="100000"/>
+              </a:lnSpc>
+              <a:spcBef>
+                <a:spcPts val="499"/>
+              </a:spcBef>
+              <a:buClr>
+                <a:srgbClr val="000000"/>
+              </a:buClr>
+              <a:buFont typeface="Univers Condensed"/>
+              <a:buAutoNum type="arabicPeriod"/>
+            </a:pPr>
+            <a:r>
+              <a:rPr lang="de-DE" sz="1500" b="0" u="none" strike="noStrike" dirty="0">
+                <a:solidFill>
+                  <a:schemeClr val="dk1"/>
+                </a:solidFill>
+                <a:effectLst/>
+                <a:uFillTx/>
+                <a:latin typeface="Calisto MT"/>
+              </a:rPr>
+              <a:t>Teamaufteilung</a:t>
+            </a:r>
+          </a:p>
+          <a:p>
+            <a:pPr marL="914400" lvl="1" indent="-457200" defTabSz="914400">
+              <a:lnSpc>
+                <a:spcPct val="100000"/>
+              </a:lnSpc>
+              <a:spcBef>
+                <a:spcPts val="499"/>
+              </a:spcBef>
+              <a:buClr>
+                <a:srgbClr val="000000"/>
+              </a:buClr>
+              <a:buFont typeface="Univers Condensed"/>
+              <a:buAutoNum type="arabicPeriod"/>
+            </a:pPr>
+            <a:r>
+              <a:rPr lang="de-DE" sz="1500" b="0" u="none" strike="noStrike" dirty="0">
+                <a:solidFill>
+                  <a:schemeClr val="dk1"/>
+                </a:solidFill>
+                <a:effectLst/>
+                <a:uFillTx/>
+                <a:latin typeface="Calisto MT"/>
+              </a:rPr>
+              <a:t>Vorgehensmodell</a:t>
+            </a:r>
+          </a:p>
+          <a:p>
+            <a:pPr marL="914400" lvl="1" indent="-457200" defTabSz="914400">
+              <a:lnSpc>
+                <a:spcPct val="100000"/>
+              </a:lnSpc>
+              <a:spcBef>
+                <a:spcPts val="499"/>
+              </a:spcBef>
+              <a:buClr>
+                <a:srgbClr val="000000"/>
+              </a:buClr>
+              <a:buFont typeface="Univers Condensed"/>
+              <a:buAutoNum type="arabicPeriod"/>
+            </a:pPr>
+            <a:r>
+              <a:rPr lang="de-DE" sz="1500" b="0" u="none" strike="noStrike" dirty="0">
+                <a:solidFill>
+                  <a:schemeClr val="dk1"/>
+                </a:solidFill>
+                <a:effectLst/>
+                <a:uFillTx/>
+                <a:latin typeface="Calisto MT"/>
+              </a:rPr>
+              <a:t>Liefergegenstände und Meilensteine</a:t>
+            </a:r>
+          </a:p>
+          <a:p>
+            <a:pPr marL="457200" indent="-457200" defTabSz="914400">
+              <a:lnSpc>
+                <a:spcPct val="100000"/>
+              </a:lnSpc>
+              <a:spcBef>
+                <a:spcPts val="1001"/>
+              </a:spcBef>
+              <a:buClr>
+                <a:srgbClr val="000000"/>
+              </a:buClr>
+              <a:buFont typeface="Univers Condensed"/>
+              <a:buAutoNum type="arabicPeriod"/>
+            </a:pPr>
+            <a:r>
+              <a:rPr lang="de-DE" sz="1500" b="0" u="none" strike="noStrike" dirty="0">
+                <a:solidFill>
+                  <a:schemeClr val="dk1"/>
+                </a:solidFill>
+                <a:effectLst/>
+                <a:uFillTx/>
+                <a:latin typeface="Calisto MT"/>
+              </a:rPr>
+              <a:t>Anforderungsanalyse und Stakeholder</a:t>
+            </a:r>
+          </a:p>
+          <a:p>
+            <a:pPr marL="457200" indent="-457200" defTabSz="914400">
+              <a:lnSpc>
+                <a:spcPct val="100000"/>
+              </a:lnSpc>
+              <a:spcBef>
+                <a:spcPts val="1001"/>
+              </a:spcBef>
+              <a:buClr>
+                <a:srgbClr val="000000"/>
+              </a:buClr>
+              <a:buFont typeface="Univers Condensed"/>
+              <a:buAutoNum type="arabicPeriod"/>
+            </a:pPr>
+            <a:r>
+              <a:rPr lang="de-DE" sz="1500" b="0" u="none" strike="noStrike" dirty="0">
+                <a:solidFill>
+                  <a:schemeClr val="dk1"/>
+                </a:solidFill>
+                <a:effectLst/>
+                <a:uFillTx/>
+                <a:latin typeface="Calisto MT"/>
+              </a:rPr>
+              <a:t>Zeitplanung und Budgetanalyse</a:t>
+            </a:r>
+          </a:p>
+          <a:p>
+            <a:pPr marL="457200" indent="-457200" defTabSz="914400">
+              <a:lnSpc>
+                <a:spcPct val="100000"/>
+              </a:lnSpc>
+              <a:spcBef>
+                <a:spcPts val="1001"/>
+              </a:spcBef>
+              <a:buClr>
+                <a:srgbClr val="000000"/>
+              </a:buClr>
+              <a:buFont typeface="Univers Condensed"/>
+              <a:buAutoNum type="arabicPeriod"/>
+            </a:pPr>
+            <a:r>
+              <a:rPr lang="de-DE" sz="1500" dirty="0">
+                <a:solidFill>
+                  <a:schemeClr val="dk1"/>
+                </a:solidFill>
+                <a:latin typeface="Calisto MT"/>
+              </a:rPr>
+              <a:t>Wireframes</a:t>
+            </a:r>
+            <a:endParaRPr lang="de-DE" sz="1500" b="0" u="none" strike="noStrike" dirty="0">
+              <a:solidFill>
+                <a:schemeClr val="dk1"/>
+              </a:solidFill>
+              <a:effectLst/>
+              <a:uFillTx/>
+              <a:latin typeface="Calisto MT"/>
+            </a:endParaRPr>
+          </a:p>
+          <a:p>
+            <a:pPr marL="457200" indent="-457200" defTabSz="914400">
+              <a:lnSpc>
+                <a:spcPct val="100000"/>
+              </a:lnSpc>
+              <a:spcBef>
+                <a:spcPts val="1001"/>
+              </a:spcBef>
+              <a:buClr>
+                <a:srgbClr val="000000"/>
+              </a:buClr>
+              <a:buFont typeface="Univers Condensed"/>
+              <a:buAutoNum type="arabicPeriod"/>
+            </a:pPr>
+            <a:r>
+              <a:rPr lang="de-DE" sz="1500" b="0" u="none" strike="noStrike" dirty="0">
+                <a:solidFill>
+                  <a:schemeClr val="dk1"/>
+                </a:solidFill>
+                <a:effectLst/>
+                <a:uFillTx/>
+                <a:latin typeface="Calisto MT"/>
+              </a:rPr>
+              <a:t>Qualitätssicherung</a:t>
+            </a:r>
+          </a:p>
+          <a:p>
+            <a:pPr marL="457200" indent="-457200" defTabSz="914400">
+              <a:lnSpc>
+                <a:spcPct val="100000"/>
+              </a:lnSpc>
+              <a:spcBef>
+                <a:spcPts val="1001"/>
+              </a:spcBef>
+              <a:buClr>
+                <a:srgbClr val="000000"/>
+              </a:buClr>
+              <a:buFont typeface="Univers Condensed"/>
+              <a:buAutoNum type="arabicPeriod"/>
+            </a:pPr>
+            <a:r>
+              <a:rPr lang="de-DE" sz="1500" b="0" u="none" strike="noStrike" dirty="0">
+                <a:solidFill>
+                  <a:schemeClr val="dk1"/>
+                </a:solidFill>
+                <a:effectLst/>
+                <a:uFillTx/>
+                <a:latin typeface="Calisto MT"/>
+              </a:rPr>
+              <a:t>Risikomanagement</a:t>
+            </a:r>
+          </a:p>
+          <a:p>
+            <a:pPr marL="457200" indent="-457200" defTabSz="914400">
+              <a:lnSpc>
+                <a:spcPct val="100000"/>
+              </a:lnSpc>
+              <a:spcBef>
+                <a:spcPts val="1001"/>
+              </a:spcBef>
+              <a:buClr>
+                <a:srgbClr val="000000"/>
+              </a:buClr>
+              <a:buFont typeface="Univers Condensed"/>
+              <a:buAutoNum type="arabicPeriod"/>
+            </a:pPr>
+            <a:r>
+              <a:rPr lang="de-DE" sz="1500" dirty="0">
+                <a:solidFill>
+                  <a:schemeClr val="dk1"/>
+                </a:solidFill>
+                <a:latin typeface="Calisto MT"/>
+              </a:rPr>
+              <a:t>Kommunikations-/Schulungskonzept</a:t>
+            </a:r>
+            <a:endParaRPr lang="de-DE" sz="1500" b="0" u="none" strike="noStrike" dirty="0">
+              <a:solidFill>
+                <a:schemeClr val="dk1"/>
+              </a:solidFill>
+              <a:effectLst/>
+              <a:uFillTx/>
+              <a:latin typeface="Calisto MT"/>
+            </a:endParaRPr>
+          </a:p>
+          <a:p>
+            <a:pPr marL="457200" indent="-457200" defTabSz="914400">
+              <a:lnSpc>
+                <a:spcPct val="100000"/>
+              </a:lnSpc>
+              <a:spcBef>
+                <a:spcPts val="1001"/>
+              </a:spcBef>
+              <a:buClr>
+                <a:srgbClr val="000000"/>
+              </a:buClr>
+              <a:buFont typeface="Univers Condensed"/>
+              <a:buAutoNum type="arabicPeriod"/>
+            </a:pPr>
+            <a:r>
+              <a:rPr lang="de-DE" sz="1500" b="0" u="none" strike="noStrike" dirty="0">
+                <a:solidFill>
+                  <a:schemeClr val="dk1"/>
+                </a:solidFill>
+                <a:effectLst/>
+                <a:uFillTx/>
+                <a:latin typeface="Calisto MT"/>
+              </a:rPr>
+              <a:t>Live Demo</a:t>
+            </a:r>
+          </a:p>
+          <a:p>
+            <a:pPr marL="457200" indent="-457200" defTabSz="914400">
+              <a:lnSpc>
+                <a:spcPct val="100000"/>
+              </a:lnSpc>
+              <a:spcBef>
+                <a:spcPts val="1001"/>
+              </a:spcBef>
+              <a:buClr>
+                <a:srgbClr val="000000"/>
+              </a:buClr>
+              <a:buFont typeface="Univers Condensed"/>
+              <a:buAutoNum type="arabicPeriod"/>
+            </a:pPr>
+            <a:r>
+              <a:rPr lang="de-DE" sz="1500" b="0" u="none" strike="noStrike" dirty="0">
+                <a:solidFill>
+                  <a:schemeClr val="dk1"/>
+                </a:solidFill>
+                <a:effectLst/>
+                <a:uFillTx/>
+                <a:latin typeface="Calisto MT"/>
+              </a:rPr>
+              <a:t>Erweiterungspotenzial</a:t>
+            </a:r>
+          </a:p>
+          <a:p>
+            <a:pPr marL="457200" indent="-457200" defTabSz="914400">
+              <a:lnSpc>
+                <a:spcPct val="100000"/>
+              </a:lnSpc>
+              <a:spcBef>
+                <a:spcPts val="1001"/>
+              </a:spcBef>
+              <a:buClr>
+                <a:srgbClr val="000000"/>
+              </a:buClr>
+              <a:buFont typeface="Univers Condensed"/>
+              <a:buAutoNum type="arabicPeriod"/>
+            </a:pPr>
+            <a:r>
+              <a:rPr lang="de-DE" sz="1500" dirty="0">
+                <a:solidFill>
+                  <a:schemeClr val="dk1"/>
+                </a:solidFill>
+                <a:latin typeface="Calisto MT"/>
+              </a:rPr>
+              <a:t>Aufgetretene Probleme</a:t>
+            </a:r>
+            <a:endParaRPr lang="de-DE" sz="1500" b="0" u="none" strike="noStrike" dirty="0">
+              <a:solidFill>
+                <a:schemeClr val="dk1"/>
+              </a:solidFill>
+              <a:effectLst/>
+              <a:uFillTx/>
+              <a:latin typeface="Calisto MT"/>
+            </a:endParaRPr>
+          </a:p>
+          <a:p>
+            <a:pPr marL="457200" indent="-457200" defTabSz="914400">
+              <a:lnSpc>
+                <a:spcPct val="100000"/>
+              </a:lnSpc>
+              <a:spcBef>
+                <a:spcPts val="1001"/>
+              </a:spcBef>
+              <a:buClr>
+                <a:srgbClr val="000000"/>
+              </a:buClr>
+              <a:buFont typeface="Univers Condensed"/>
+              <a:buAutoNum type="arabicPeriod"/>
+            </a:pPr>
+            <a:r>
+              <a:rPr lang="de-DE" sz="1500" b="0" u="none" strike="noStrike" dirty="0" err="1">
+                <a:solidFill>
+                  <a:schemeClr val="dk1"/>
+                </a:solidFill>
+                <a:effectLst/>
+                <a:uFillTx/>
+                <a:latin typeface="Calisto MT"/>
+              </a:rPr>
+              <a:t>Lessons</a:t>
+            </a:r>
+            <a:r>
+              <a:rPr lang="de-DE" sz="1500" b="0" u="none" strike="noStrike" dirty="0">
+                <a:solidFill>
+                  <a:schemeClr val="dk1"/>
+                </a:solidFill>
+                <a:effectLst/>
+                <a:uFillTx/>
+                <a:latin typeface="Calisto MT"/>
+              </a:rPr>
+              <a:t> </a:t>
+            </a:r>
+            <a:r>
+              <a:rPr lang="de-DE" sz="1500" b="0" u="none" strike="noStrike" dirty="0" err="1">
+                <a:solidFill>
+                  <a:schemeClr val="dk1"/>
+                </a:solidFill>
+                <a:effectLst/>
+                <a:uFillTx/>
+                <a:latin typeface="Calisto MT"/>
+              </a:rPr>
+              <a:t>Learned</a:t>
+            </a:r>
+            <a:endParaRPr lang="de-DE" sz="1500" b="0" u="none" strike="noStrike" dirty="0">
+              <a:solidFill>
+                <a:schemeClr val="dk1"/>
+              </a:solidFill>
+              <a:effectLst/>
+              <a:uFillTx/>
+              <a:latin typeface="Calisto MT"/>
+            </a:endParaRPr>
+          </a:p>
+          <a:p>
+            <a:pPr indent="0" defTabSz="914400">
+              <a:lnSpc>
+                <a:spcPct val="100000"/>
+              </a:lnSpc>
+              <a:spcBef>
+                <a:spcPts val="1001"/>
+              </a:spcBef>
+              <a:buNone/>
+              <a:tabLst>
+                <a:tab pos="0" algn="l"/>
+              </a:tabLst>
+            </a:pPr>
+            <a:endParaRPr lang="de-DE" sz="1500" b="0" u="none" strike="noStrike" dirty="0">
+              <a:solidFill>
+                <a:schemeClr val="dk1"/>
+              </a:solidFill>
+              <a:effectLst/>
+              <a:uFillTx/>
+              <a:latin typeface="Calisto MT"/>
+            </a:endParaRPr>
+          </a:p>
+        </p:txBody>
+      </p:sp>
+      <p:cxnSp>
+        <p:nvCxnSpPr>
+          <p:cNvPr id="89" name="Straight Connector 9">
+            <a:extLst>
+              <a:ext uri="{C183D7F6-B498-43B3-948B-1728B52AA6E4}">
+                <adec:decorative xmlns:adec="http://schemas.microsoft.com/office/drawing/2017/decorative" val="1"/>
+              </a:ext>
+            </a:extLst>
+          </p:cNvPr>
+          <p:cNvCxnSpPr/>
+          <p:nvPr/>
+        </p:nvCxnSpPr>
+        <p:spPr>
+          <a:xfrm flipV="1">
+            <a:off x="4223520" y="723600"/>
+            <a:ext cx="16200" cy="5450400"/>
+          </a:xfrm>
+          <a:prstGeom prst="straightConnector1">
+            <a:avLst/>
+          </a:prstGeom>
+          <a:ln w="12700">
+            <a:solidFill>
+              <a:srgbClr val="000000"/>
+            </a:solidFill>
+          </a:ln>
+        </p:spPr>
+      </p:cxnSp>
+    </p:spTree>
+  </p:cSld>
+  <p:clrMapOvr>
+    <a:masterClrMapping/>
+  </p:clrMapOvr>
+</p:sld>
+</file>
+
+<file path=ppt/slides/slide20.xml><?xml version="1.0" encoding="utf-8"?>
+<p:sld xmlns:a="http://schemas.openxmlformats.org/drawingml/2006/main" xmlns:r="http://schemas.openxmlformats.org/officeDocument/2006/relationships" xmlns:p="http://schemas.openxmlformats.org/presentationml/2006/main">
+  <p:cSld>
+    <p:spTree>
+      <p:nvGrpSpPr>
         <p:cNvPr id="1" name=""/>
         <p:cNvGrpSpPr/>
         <p:nvPr/>
@@ -14799,10 +17745,13 @@
   <p:clrMapOvr>
     <a:masterClrMapping/>
   </p:clrMapOvr>
+  <p:transition spd="med">
+    <p:pull/>
+  </p:transition>
 </p:sld>
 </file>
 
-<file path=ppt/slides/slide15.xml><?xml version="1.0" encoding="utf-8"?>
+<file path=ppt/slides/slide21.xml><?xml version="1.0" encoding="utf-8"?>
 <p:sld xmlns:a="http://schemas.openxmlformats.org/drawingml/2006/main" xmlns:r="http://schemas.openxmlformats.org/officeDocument/2006/relationships" xmlns:p="http://schemas.openxmlformats.org/presentationml/2006/main">
   <p:cSld>
     <p:spTree>
@@ -15012,7 +17961,7 @@
                 </a:solidFill>
                 <a:latin typeface="Calisto MT"/>
               </a:rPr>
-              <a:t>Arbeit mit </a:t>
+              <a:t>Angefangen mit Jira, Wechsel zu </a:t>
             </a:r>
             <a:r>
               <a:rPr lang="de-DE" sz="2000" dirty="0" err="1">
@@ -15032,9 +17981,55 @@
               <a:latin typeface="Calisto MT"/>
             </a:endParaRPr>
           </a:p>
+          <a:p>
+            <a:pPr marL="228600" indent="-228600" defTabSz="914400">
+              <a:lnSpc>
+                <a:spcPct val="110000"/>
+              </a:lnSpc>
+              <a:spcBef>
+                <a:spcPts val="1001"/>
+              </a:spcBef>
+              <a:buClr>
+                <a:srgbClr val="000000"/>
+              </a:buClr>
+              <a:buFont typeface="Arial"/>
+              <a:buChar char="•"/>
+            </a:pPr>
+            <a:r>
+              <a:rPr lang="de-DE" sz="2000" dirty="0">
+                <a:solidFill>
+                  <a:schemeClr val="dk1"/>
+                </a:solidFill>
+                <a:latin typeface="Calisto MT"/>
+              </a:rPr>
+              <a:t>Arbeit mit </a:t>
+            </a:r>
+            <a:r>
+              <a:rPr lang="de-DE" sz="2000" dirty="0" err="1">
+                <a:solidFill>
+                  <a:schemeClr val="dk1"/>
+                </a:solidFill>
+                <a:latin typeface="Calisto MT"/>
+              </a:rPr>
+              <a:t>Trello</a:t>
+            </a:r>
+            <a:endParaRPr lang="de-DE" sz="2000" b="0" u="none" strike="noStrike" dirty="0">
+              <a:solidFill>
+                <a:schemeClr val="dk1"/>
+              </a:solidFill>
+              <a:effectLst/>
+              <a:uFillTx/>
+              <a:latin typeface="Calisto MT"/>
+            </a:endParaRPr>
+          </a:p>
         </p:txBody>
       </p:sp>
     </p:spTree>
+    <p:extLst>
+      <p:ext uri="{BB962C8B-B14F-4D97-AF65-F5344CB8AC3E}">
+        <p14:creationId xmlns:p14="http://schemas.microsoft.com/office/powerpoint/2010/main" val="1538636028"/>
+      </p:ext>
+    </p:extLst>
   </p:cSld>
   <p:clrMapOvr>
     <a:masterClrMapping/>
@@ -15042,7 +18037,7 @@
 </p:sld>
 </file>
 
-<file path=ppt/slides/slide16.xml><?xml version="1.0" encoding="utf-8"?>
+<file path=ppt/slides/slide22.xml><?xml version="1.0" encoding="utf-8"?>
 <p:sld xmlns:a="http://schemas.openxmlformats.org/drawingml/2006/main" xmlns:r="http://schemas.openxmlformats.org/officeDocument/2006/relationships" xmlns:p="http://schemas.openxmlformats.org/presentationml/2006/main">
   <p:cSld>
     <p:spTree>
@@ -17357,7 +20352,7 @@
 </p:sld>
 </file>
 
-<file path=ppt/slides/slide17.xml><?xml version="1.0" encoding="utf-8"?>
+<file path=ppt/slides/slide23.xml><?xml version="1.0" encoding="utf-8"?>
 <p:sld xmlns:a="http://schemas.openxmlformats.org/drawingml/2006/main" xmlns:r="http://schemas.openxmlformats.org/officeDocument/2006/relationships" xmlns:p="http://schemas.openxmlformats.org/presentationml/2006/main">
   <p:cSld>
     <p:spTree>
@@ -18699,7 +21694,7 @@
 </p:sld>
 </file>
 
-<file path=ppt/slides/slide18.xml><?xml version="1.0" encoding="utf-8"?>
+<file path=ppt/slides/slide24.xml><?xml version="1.0" encoding="utf-8"?>
 <p:sld xmlns:a="http://schemas.openxmlformats.org/drawingml/2006/main" xmlns:r="http://schemas.openxmlformats.org/officeDocument/2006/relationships" xmlns:p="http://schemas.openxmlformats.org/presentationml/2006/main">
   <p:cSld>
     <p:spTree>
@@ -20043,7 +23038,7 @@
 </p:sld>
 </file>
 
-<file path=ppt/slides/slide19.xml><?xml version="1.0" encoding="utf-8"?>
+<file path=ppt/slides/slide25.xml><?xml version="1.0" encoding="utf-8"?>
 <p:sld xmlns:a="http://schemas.openxmlformats.org/drawingml/2006/main" xmlns:r="http://schemas.openxmlformats.org/officeDocument/2006/relationships" xmlns:p="http://schemas.openxmlformats.org/presentationml/2006/main">
   <p:cSld>
     <p:bg>
@@ -20351,1703 +23346,7 @@
 </p:sld>
 </file>
 
-<file path=ppt/slides/slide2.xml><?xml version="1.0" encoding="utf-8"?>
-<p:sld xmlns:a="http://schemas.openxmlformats.org/drawingml/2006/main" xmlns:r="http://schemas.openxmlformats.org/officeDocument/2006/relationships" xmlns:p="http://schemas.openxmlformats.org/presentationml/2006/main">
-  <p:cSld>
-    <p:bg>
-      <p:bgPr>
-        <a:solidFill>
-          <a:schemeClr val="lt1"/>
-        </a:solidFill>
-        <a:effectLst/>
-      </p:bgPr>
-    </p:bg>
-    <p:spTree>
-      <p:nvGrpSpPr>
-        <p:cNvPr id="1" name=""/>
-        <p:cNvGrpSpPr/>
-        <p:nvPr/>
-      </p:nvGrpSpPr>
-      <p:grpSpPr>
-        <a:xfrm>
-          <a:off x="0" y="0"/>
-          <a:ext cx="0" cy="0"/>
-          <a:chOff x="0" y="0"/>
-          <a:chExt cx="0" cy="0"/>
-        </a:xfrm>
-      </p:grpSpPr>
-      <p:sp useBgFill="1">
-        <p:nvSpPr>
-          <p:cNvPr id="86" name="Rectangle 7">
-            <a:extLst>
-              <a:ext uri="{C183D7F6-B498-43B3-948B-1728B52AA6E4}">
-                <adec:decorative xmlns:adec="http://schemas.microsoft.com/office/drawing/2017/decorative" val="1"/>
-              </a:ext>
-            </a:extLst>
-          </p:cNvPr>
-          <p:cNvSpPr/>
-          <p:nvPr/>
-        </p:nvSpPr>
-        <p:spPr>
-          <a:xfrm>
-            <a:off x="0" y="0"/>
-            <a:ext cx="12191760" cy="6857640"/>
-          </a:xfrm>
-          <a:prstGeom prst="rect">
-            <a:avLst/>
-          </a:prstGeom>
-          <a:ln>
-            <a:noFill/>
-          </a:ln>
-        </p:spPr>
-        <p:style>
-          <a:lnRef idx="2">
-            <a:schemeClr val="accent1">
-              <a:shade val="50000"/>
-            </a:schemeClr>
-          </a:lnRef>
-          <a:fillRef idx="1">
-            <a:schemeClr val="accent1"/>
-          </a:fillRef>
-          <a:effectRef idx="0">
-            <a:schemeClr val="accent1"/>
-          </a:effectRef>
-          <a:fontRef idx="minor"/>
-        </p:style>
-        <p:txBody>
-          <a:bodyPr lIns="90000" tIns="45000" rIns="90000" bIns="45000" anchor="ctr">
-            <a:noAutofit/>
-          </a:bodyPr>
-          <a:lstStyle/>
-          <a:p>
-            <a:pPr algn="ctr" defTabSz="914400">
-              <a:lnSpc>
-                <a:spcPct val="100000"/>
-              </a:lnSpc>
-            </a:pPr>
-            <a:endParaRPr lang="en-US" sz="1800" b="0" u="none" strike="noStrike">
-              <a:solidFill>
-                <a:schemeClr val="lt1"/>
-              </a:solidFill>
-              <a:effectLst/>
-              <a:uFillTx/>
-              <a:latin typeface="Calisto MT"/>
-            </a:endParaRPr>
-          </a:p>
-        </p:txBody>
-      </p:sp>
-      <p:sp>
-        <p:nvSpPr>
-          <p:cNvPr id="87" name="PlaceHolder 1"/>
-          <p:cNvSpPr>
-            <a:spLocks noGrp="1"/>
-          </p:cNvSpPr>
-          <p:nvPr>
-            <p:ph type="title"/>
-          </p:nvPr>
-        </p:nvSpPr>
-        <p:spPr>
-          <a:xfrm>
-            <a:off x="704160" y="559080"/>
-            <a:ext cx="3306240" cy="5255640"/>
-          </a:xfrm>
-          <a:prstGeom prst="rect">
-            <a:avLst/>
-          </a:prstGeom>
-          <a:noFill/>
-          <a:ln w="0">
-            <a:noFill/>
-          </a:ln>
-        </p:spPr>
-        <p:txBody>
-          <a:bodyPr lIns="91440" tIns="45720" rIns="91440" bIns="45720" anchor="t">
-            <a:normAutofit/>
-          </a:bodyPr>
-          <a:lstStyle/>
-          <a:p>
-            <a:pPr indent="0" defTabSz="914400">
-              <a:lnSpc>
-                <a:spcPct val="100000"/>
-              </a:lnSpc>
-              <a:buNone/>
-            </a:pPr>
-            <a:r>
-              <a:rPr lang="de-DE" sz="3600" b="0" u="none" strike="noStrike" cap="all" spc="31">
-                <a:solidFill>
-                  <a:schemeClr val="dk1"/>
-                </a:solidFill>
-                <a:effectLst/>
-                <a:uFillTx/>
-                <a:latin typeface="Univers Condensed"/>
-              </a:rPr>
-              <a:t>Gliederung</a:t>
-            </a:r>
-            <a:endParaRPr lang="de-DE" sz="3600" b="0" u="none" strike="noStrike">
-              <a:solidFill>
-                <a:schemeClr val="dk1"/>
-              </a:solidFill>
-              <a:effectLst/>
-              <a:uFillTx/>
-              <a:latin typeface="Calisto MT"/>
-            </a:endParaRPr>
-          </a:p>
-        </p:txBody>
-      </p:sp>
-      <p:sp>
-        <p:nvSpPr>
-          <p:cNvPr id="88" name="PlaceHolder 2"/>
-          <p:cNvSpPr>
-            <a:spLocks noGrp="1"/>
-          </p:cNvSpPr>
-          <p:nvPr>
-            <p:ph/>
-          </p:nvPr>
-        </p:nvSpPr>
-        <p:spPr>
-          <a:xfrm>
-            <a:off x="4642920" y="622080"/>
-            <a:ext cx="6844680" cy="5639400"/>
-          </a:xfrm>
-          <a:prstGeom prst="rect">
-            <a:avLst/>
-          </a:prstGeom>
-          <a:noFill/>
-          <a:ln w="0">
-            <a:noFill/>
-          </a:ln>
-        </p:spPr>
-        <p:txBody>
-          <a:bodyPr lIns="91440" tIns="45720" rIns="91440" bIns="45720" anchor="t">
-            <a:normAutofit/>
-          </a:bodyPr>
-          <a:lstStyle/>
-          <a:p>
-            <a:pPr marL="457200" indent="-457200" defTabSz="914400">
-              <a:lnSpc>
-                <a:spcPct val="100000"/>
-              </a:lnSpc>
-              <a:spcBef>
-                <a:spcPts val="1001"/>
-              </a:spcBef>
-              <a:buClr>
-                <a:srgbClr val="000000"/>
-              </a:buClr>
-              <a:buFont typeface="Univers Condensed"/>
-              <a:buAutoNum type="arabicPeriod"/>
-            </a:pPr>
-            <a:r>
-              <a:rPr lang="de-DE" sz="1500" b="0" u="none" strike="noStrike" dirty="0">
-                <a:solidFill>
-                  <a:schemeClr val="dk1"/>
-                </a:solidFill>
-                <a:effectLst/>
-                <a:uFillTx/>
-                <a:latin typeface="Calisto MT"/>
-              </a:rPr>
-              <a:t>Verwendete Tools</a:t>
-            </a:r>
-          </a:p>
-          <a:p>
-            <a:pPr marL="457200" indent="-457200" defTabSz="914400">
-              <a:lnSpc>
-                <a:spcPct val="100000"/>
-              </a:lnSpc>
-              <a:spcBef>
-                <a:spcPts val="1001"/>
-              </a:spcBef>
-              <a:buClr>
-                <a:srgbClr val="000000"/>
-              </a:buClr>
-              <a:buFont typeface="Univers Condensed"/>
-              <a:buAutoNum type="arabicPeriod"/>
-            </a:pPr>
-            <a:r>
-              <a:rPr lang="de-DE" sz="1500" b="0" u="none" strike="noStrike" dirty="0">
-                <a:solidFill>
-                  <a:schemeClr val="dk1"/>
-                </a:solidFill>
-                <a:effectLst/>
-                <a:uFillTx/>
-                <a:latin typeface="Calisto MT"/>
-              </a:rPr>
-              <a:t>Projektorganisation</a:t>
-            </a:r>
-          </a:p>
-          <a:p>
-            <a:pPr marL="914400" lvl="1" indent="-457200" defTabSz="914400">
-              <a:lnSpc>
-                <a:spcPct val="100000"/>
-              </a:lnSpc>
-              <a:spcBef>
-                <a:spcPts val="499"/>
-              </a:spcBef>
-              <a:buClr>
-                <a:srgbClr val="000000"/>
-              </a:buClr>
-              <a:buFont typeface="Univers Condensed"/>
-              <a:buAutoNum type="arabicPeriod"/>
-            </a:pPr>
-            <a:r>
-              <a:rPr lang="de-DE" sz="1500" b="0" u="none" strike="noStrike" dirty="0">
-                <a:solidFill>
-                  <a:schemeClr val="dk1"/>
-                </a:solidFill>
-                <a:effectLst/>
-                <a:uFillTx/>
-                <a:latin typeface="Calisto MT"/>
-              </a:rPr>
-              <a:t>Teamaufteilung</a:t>
-            </a:r>
-          </a:p>
-          <a:p>
-            <a:pPr marL="914400" lvl="1" indent="-457200" defTabSz="914400">
-              <a:lnSpc>
-                <a:spcPct val="100000"/>
-              </a:lnSpc>
-              <a:spcBef>
-                <a:spcPts val="499"/>
-              </a:spcBef>
-              <a:buClr>
-                <a:srgbClr val="000000"/>
-              </a:buClr>
-              <a:buFont typeface="Univers Condensed"/>
-              <a:buAutoNum type="arabicPeriod"/>
-            </a:pPr>
-            <a:r>
-              <a:rPr lang="de-DE" sz="1500" b="0" u="none" strike="noStrike" dirty="0">
-                <a:solidFill>
-                  <a:schemeClr val="dk1"/>
-                </a:solidFill>
-                <a:effectLst/>
-                <a:uFillTx/>
-                <a:latin typeface="Calisto MT"/>
-              </a:rPr>
-              <a:t>Vorgehensmodell</a:t>
-            </a:r>
-          </a:p>
-          <a:p>
-            <a:pPr marL="914400" lvl="1" indent="-457200" defTabSz="914400">
-              <a:lnSpc>
-                <a:spcPct val="100000"/>
-              </a:lnSpc>
-              <a:spcBef>
-                <a:spcPts val="499"/>
-              </a:spcBef>
-              <a:buClr>
-                <a:srgbClr val="000000"/>
-              </a:buClr>
-              <a:buFont typeface="Univers Condensed"/>
-              <a:buAutoNum type="arabicPeriod"/>
-            </a:pPr>
-            <a:r>
-              <a:rPr lang="de-DE" sz="1500" b="0" u="none" strike="noStrike" dirty="0">
-                <a:solidFill>
-                  <a:schemeClr val="dk1"/>
-                </a:solidFill>
-                <a:effectLst/>
-                <a:uFillTx/>
-                <a:latin typeface="Calisto MT"/>
-              </a:rPr>
-              <a:t>Liefergegenstände und Meilensteine</a:t>
-            </a:r>
-          </a:p>
-          <a:p>
-            <a:pPr marL="457200" indent="-457200" defTabSz="914400">
-              <a:lnSpc>
-                <a:spcPct val="100000"/>
-              </a:lnSpc>
-              <a:spcBef>
-                <a:spcPts val="1001"/>
-              </a:spcBef>
-              <a:buClr>
-                <a:srgbClr val="000000"/>
-              </a:buClr>
-              <a:buFont typeface="Univers Condensed"/>
-              <a:buAutoNum type="arabicPeriod"/>
-            </a:pPr>
-            <a:r>
-              <a:rPr lang="de-DE" sz="1500" b="0" u="none" strike="noStrike" dirty="0">
-                <a:solidFill>
-                  <a:schemeClr val="dk1"/>
-                </a:solidFill>
-                <a:effectLst/>
-                <a:uFillTx/>
-                <a:latin typeface="Calisto MT"/>
-              </a:rPr>
-              <a:t>Anforderungsanalyse und Stakeholder</a:t>
-            </a:r>
-          </a:p>
-          <a:p>
-            <a:pPr marL="457200" indent="-457200" defTabSz="914400">
-              <a:lnSpc>
-                <a:spcPct val="100000"/>
-              </a:lnSpc>
-              <a:spcBef>
-                <a:spcPts val="1001"/>
-              </a:spcBef>
-              <a:buClr>
-                <a:srgbClr val="000000"/>
-              </a:buClr>
-              <a:buFont typeface="Univers Condensed"/>
-              <a:buAutoNum type="arabicPeriod"/>
-            </a:pPr>
-            <a:r>
-              <a:rPr lang="de-DE" sz="1500" b="0" u="none" strike="noStrike" dirty="0">
-                <a:solidFill>
-                  <a:schemeClr val="dk1"/>
-                </a:solidFill>
-                <a:effectLst/>
-                <a:uFillTx/>
-                <a:latin typeface="Calisto MT"/>
-              </a:rPr>
-              <a:t>Zeitplanung und Budgetanalyse</a:t>
-            </a:r>
-          </a:p>
-          <a:p>
-            <a:pPr marL="457200" indent="-457200" defTabSz="914400">
-              <a:lnSpc>
-                <a:spcPct val="100000"/>
-              </a:lnSpc>
-              <a:spcBef>
-                <a:spcPts val="1001"/>
-              </a:spcBef>
-              <a:buClr>
-                <a:srgbClr val="000000"/>
-              </a:buClr>
-              <a:buFont typeface="Univers Condensed"/>
-              <a:buAutoNum type="arabicPeriod"/>
-            </a:pPr>
-            <a:r>
-              <a:rPr lang="de-DE" sz="1500" dirty="0">
-                <a:solidFill>
-                  <a:schemeClr val="dk1"/>
-                </a:solidFill>
-                <a:latin typeface="Calisto MT"/>
-              </a:rPr>
-              <a:t>Wireframes</a:t>
-            </a:r>
-            <a:endParaRPr lang="de-DE" sz="1500" b="0" u="none" strike="noStrike" dirty="0">
-              <a:solidFill>
-                <a:schemeClr val="dk1"/>
-              </a:solidFill>
-              <a:effectLst/>
-              <a:uFillTx/>
-              <a:latin typeface="Calisto MT"/>
-            </a:endParaRPr>
-          </a:p>
-          <a:p>
-            <a:pPr marL="457200" indent="-457200" defTabSz="914400">
-              <a:lnSpc>
-                <a:spcPct val="100000"/>
-              </a:lnSpc>
-              <a:spcBef>
-                <a:spcPts val="1001"/>
-              </a:spcBef>
-              <a:buClr>
-                <a:srgbClr val="000000"/>
-              </a:buClr>
-              <a:buFont typeface="Univers Condensed"/>
-              <a:buAutoNum type="arabicPeriod"/>
-            </a:pPr>
-            <a:r>
-              <a:rPr lang="de-DE" sz="1500" b="0" u="none" strike="noStrike" dirty="0">
-                <a:solidFill>
-                  <a:schemeClr val="dk1"/>
-                </a:solidFill>
-                <a:effectLst/>
-                <a:uFillTx/>
-                <a:latin typeface="Calisto MT"/>
-              </a:rPr>
-              <a:t>Qualitätssicherung</a:t>
-            </a:r>
-          </a:p>
-          <a:p>
-            <a:pPr marL="457200" indent="-457200" defTabSz="914400">
-              <a:lnSpc>
-                <a:spcPct val="100000"/>
-              </a:lnSpc>
-              <a:spcBef>
-                <a:spcPts val="1001"/>
-              </a:spcBef>
-              <a:buClr>
-                <a:srgbClr val="000000"/>
-              </a:buClr>
-              <a:buFont typeface="Univers Condensed"/>
-              <a:buAutoNum type="arabicPeriod"/>
-            </a:pPr>
-            <a:r>
-              <a:rPr lang="de-DE" sz="1500" b="0" u="none" strike="noStrike" dirty="0">
-                <a:solidFill>
-                  <a:schemeClr val="dk1"/>
-                </a:solidFill>
-                <a:effectLst/>
-                <a:uFillTx/>
-                <a:latin typeface="Calisto MT"/>
-              </a:rPr>
-              <a:t>Risikomanagement</a:t>
-            </a:r>
-          </a:p>
-          <a:p>
-            <a:pPr marL="457200" indent="-457200" defTabSz="914400">
-              <a:lnSpc>
-                <a:spcPct val="100000"/>
-              </a:lnSpc>
-              <a:spcBef>
-                <a:spcPts val="1001"/>
-              </a:spcBef>
-              <a:buClr>
-                <a:srgbClr val="000000"/>
-              </a:buClr>
-              <a:buFont typeface="Univers Condensed"/>
-              <a:buAutoNum type="arabicPeriod"/>
-            </a:pPr>
-            <a:r>
-              <a:rPr lang="de-DE" sz="1500" dirty="0">
-                <a:solidFill>
-                  <a:schemeClr val="dk1"/>
-                </a:solidFill>
-                <a:latin typeface="Calisto MT"/>
-              </a:rPr>
-              <a:t>Kommunikations-/Schulungskonzept</a:t>
-            </a:r>
-            <a:endParaRPr lang="de-DE" sz="1500" b="0" u="none" strike="noStrike" dirty="0">
-              <a:solidFill>
-                <a:schemeClr val="dk1"/>
-              </a:solidFill>
-              <a:effectLst/>
-              <a:uFillTx/>
-              <a:latin typeface="Calisto MT"/>
-            </a:endParaRPr>
-          </a:p>
-          <a:p>
-            <a:pPr marL="457200" indent="-457200" defTabSz="914400">
-              <a:lnSpc>
-                <a:spcPct val="100000"/>
-              </a:lnSpc>
-              <a:spcBef>
-                <a:spcPts val="1001"/>
-              </a:spcBef>
-              <a:buClr>
-                <a:srgbClr val="000000"/>
-              </a:buClr>
-              <a:buFont typeface="Univers Condensed"/>
-              <a:buAutoNum type="arabicPeriod"/>
-            </a:pPr>
-            <a:r>
-              <a:rPr lang="de-DE" sz="1500" b="0" u="none" strike="noStrike" dirty="0">
-                <a:solidFill>
-                  <a:schemeClr val="dk1"/>
-                </a:solidFill>
-                <a:effectLst/>
-                <a:uFillTx/>
-                <a:latin typeface="Calisto MT"/>
-              </a:rPr>
-              <a:t>Live Demo</a:t>
-            </a:r>
-          </a:p>
-          <a:p>
-            <a:pPr marL="457200" indent="-457200" defTabSz="914400">
-              <a:lnSpc>
-                <a:spcPct val="100000"/>
-              </a:lnSpc>
-              <a:spcBef>
-                <a:spcPts val="1001"/>
-              </a:spcBef>
-              <a:buClr>
-                <a:srgbClr val="000000"/>
-              </a:buClr>
-              <a:buFont typeface="Univers Condensed"/>
-              <a:buAutoNum type="arabicPeriod"/>
-            </a:pPr>
-            <a:r>
-              <a:rPr lang="de-DE" sz="1500" b="0" u="none" strike="noStrike" dirty="0">
-                <a:solidFill>
-                  <a:schemeClr val="dk1"/>
-                </a:solidFill>
-                <a:effectLst/>
-                <a:uFillTx/>
-                <a:latin typeface="Calisto MT"/>
-              </a:rPr>
-              <a:t>Erweiterungspotenzial</a:t>
-            </a:r>
-          </a:p>
-          <a:p>
-            <a:pPr marL="457200" indent="-457200" defTabSz="914400">
-              <a:lnSpc>
-                <a:spcPct val="100000"/>
-              </a:lnSpc>
-              <a:spcBef>
-                <a:spcPts val="1001"/>
-              </a:spcBef>
-              <a:buClr>
-                <a:srgbClr val="000000"/>
-              </a:buClr>
-              <a:buFont typeface="Univers Condensed"/>
-              <a:buAutoNum type="arabicPeriod"/>
-            </a:pPr>
-            <a:r>
-              <a:rPr lang="de-DE" sz="1500" dirty="0">
-                <a:solidFill>
-                  <a:schemeClr val="dk1"/>
-                </a:solidFill>
-                <a:latin typeface="Calisto MT"/>
-              </a:rPr>
-              <a:t>Aufgetretene Probleme</a:t>
-            </a:r>
-            <a:endParaRPr lang="de-DE" sz="1500" b="0" u="none" strike="noStrike" dirty="0">
-              <a:solidFill>
-                <a:schemeClr val="dk1"/>
-              </a:solidFill>
-              <a:effectLst/>
-              <a:uFillTx/>
-              <a:latin typeface="Calisto MT"/>
-            </a:endParaRPr>
-          </a:p>
-          <a:p>
-            <a:pPr marL="457200" indent="-457200" defTabSz="914400">
-              <a:lnSpc>
-                <a:spcPct val="100000"/>
-              </a:lnSpc>
-              <a:spcBef>
-                <a:spcPts val="1001"/>
-              </a:spcBef>
-              <a:buClr>
-                <a:srgbClr val="000000"/>
-              </a:buClr>
-              <a:buFont typeface="Univers Condensed"/>
-              <a:buAutoNum type="arabicPeriod"/>
-            </a:pPr>
-            <a:r>
-              <a:rPr lang="de-DE" sz="1500" b="0" u="none" strike="noStrike" dirty="0" err="1">
-                <a:solidFill>
-                  <a:schemeClr val="dk1"/>
-                </a:solidFill>
-                <a:effectLst/>
-                <a:uFillTx/>
-                <a:latin typeface="Calisto MT"/>
-              </a:rPr>
-              <a:t>Lessons</a:t>
-            </a:r>
-            <a:r>
-              <a:rPr lang="de-DE" sz="1500" b="0" u="none" strike="noStrike" dirty="0">
-                <a:solidFill>
-                  <a:schemeClr val="dk1"/>
-                </a:solidFill>
-                <a:effectLst/>
-                <a:uFillTx/>
-                <a:latin typeface="Calisto MT"/>
-              </a:rPr>
-              <a:t> </a:t>
-            </a:r>
-            <a:r>
-              <a:rPr lang="de-DE" sz="1500" b="0" u="none" strike="noStrike" dirty="0" err="1">
-                <a:solidFill>
-                  <a:schemeClr val="dk1"/>
-                </a:solidFill>
-                <a:effectLst/>
-                <a:uFillTx/>
-                <a:latin typeface="Calisto MT"/>
-              </a:rPr>
-              <a:t>Learned</a:t>
-            </a:r>
-            <a:endParaRPr lang="de-DE" sz="1500" b="0" u="none" strike="noStrike" dirty="0">
-              <a:solidFill>
-                <a:schemeClr val="dk1"/>
-              </a:solidFill>
-              <a:effectLst/>
-              <a:uFillTx/>
-              <a:latin typeface="Calisto MT"/>
-            </a:endParaRPr>
-          </a:p>
-          <a:p>
-            <a:pPr indent="0" defTabSz="914400">
-              <a:lnSpc>
-                <a:spcPct val="100000"/>
-              </a:lnSpc>
-              <a:spcBef>
-                <a:spcPts val="1001"/>
-              </a:spcBef>
-              <a:buNone/>
-              <a:tabLst>
-                <a:tab pos="0" algn="l"/>
-              </a:tabLst>
-            </a:pPr>
-            <a:endParaRPr lang="de-DE" sz="1500" b="0" u="none" strike="noStrike" dirty="0">
-              <a:solidFill>
-                <a:schemeClr val="dk1"/>
-              </a:solidFill>
-              <a:effectLst/>
-              <a:uFillTx/>
-              <a:latin typeface="Calisto MT"/>
-            </a:endParaRPr>
-          </a:p>
-        </p:txBody>
-      </p:sp>
-      <p:cxnSp>
-        <p:nvCxnSpPr>
-          <p:cNvPr id="89" name="Straight Connector 9">
-            <a:extLst>
-              <a:ext uri="{C183D7F6-B498-43B3-948B-1728B52AA6E4}">
-                <adec:decorative xmlns:adec="http://schemas.microsoft.com/office/drawing/2017/decorative" val="1"/>
-              </a:ext>
-            </a:extLst>
-          </p:cNvPr>
-          <p:cNvCxnSpPr/>
-          <p:nvPr/>
-        </p:nvCxnSpPr>
-        <p:spPr>
-          <a:xfrm flipV="1">
-            <a:off x="4223520" y="723600"/>
-            <a:ext cx="16200" cy="5450400"/>
-          </a:xfrm>
-          <a:prstGeom prst="straightConnector1">
-            <a:avLst/>
-          </a:prstGeom>
-          <a:ln w="12700">
-            <a:solidFill>
-              <a:srgbClr val="000000"/>
-            </a:solidFill>
-          </a:ln>
-        </p:spPr>
-      </p:cxnSp>
-    </p:spTree>
-  </p:cSld>
-  <p:clrMapOvr>
-    <a:masterClrMapping/>
-  </p:clrMapOvr>
-</p:sld>
-</file>
-
-<file path=ppt/slides/slide20.xml><?xml version="1.0" encoding="utf-8"?>
-<p:sld xmlns:a="http://schemas.openxmlformats.org/drawingml/2006/main" xmlns:r="http://schemas.openxmlformats.org/officeDocument/2006/relationships" xmlns:p="http://schemas.openxmlformats.org/presentationml/2006/main">
-  <p:cSld>
-    <p:bg>
-      <p:bgPr>
-        <a:solidFill>
-          <a:schemeClr val="lt1"/>
-        </a:solidFill>
-        <a:effectLst/>
-      </p:bgPr>
-    </p:bg>
-    <p:spTree>
-      <p:nvGrpSpPr>
-        <p:cNvPr id="1" name=""/>
-        <p:cNvGrpSpPr/>
-        <p:nvPr/>
-      </p:nvGrpSpPr>
-      <p:grpSpPr>
-        <a:xfrm>
-          <a:off x="0" y="0"/>
-          <a:ext cx="0" cy="0"/>
-          <a:chOff x="0" y="0"/>
-          <a:chExt cx="0" cy="0"/>
-        </a:xfrm>
-      </p:grpSpPr>
-      <p:sp useBgFill="1">
-        <p:nvSpPr>
-          <p:cNvPr id="154" name="Rectangle 2">
-            <a:extLst>
-              <a:ext uri="{C183D7F6-B498-43B3-948B-1728B52AA6E4}">
-                <adec:decorative xmlns:adec="http://schemas.microsoft.com/office/drawing/2017/decorative" val="1"/>
-              </a:ext>
-            </a:extLst>
-          </p:cNvPr>
-          <p:cNvSpPr/>
-          <p:nvPr/>
-        </p:nvSpPr>
-        <p:spPr>
-          <a:xfrm>
-            <a:off x="0" y="0"/>
-            <a:ext cx="12191760" cy="6857640"/>
-          </a:xfrm>
-          <a:prstGeom prst="rect">
-            <a:avLst/>
-          </a:prstGeom>
-          <a:ln>
-            <a:noFill/>
-          </a:ln>
-        </p:spPr>
-        <p:style>
-          <a:lnRef idx="2">
-            <a:schemeClr val="accent1">
-              <a:shade val="50000"/>
-            </a:schemeClr>
-          </a:lnRef>
-          <a:fillRef idx="1">
-            <a:schemeClr val="accent1"/>
-          </a:fillRef>
-          <a:effectRef idx="0">
-            <a:schemeClr val="accent1"/>
-          </a:effectRef>
-          <a:fontRef idx="minor"/>
-        </p:style>
-        <p:txBody>
-          <a:bodyPr lIns="90000" tIns="45000" rIns="90000" bIns="45000" anchor="ctr">
-            <a:noAutofit/>
-          </a:bodyPr>
-          <a:lstStyle/>
-          <a:p>
-            <a:endParaRPr lang="en-US" sz="1800" b="0" u="none" strike="noStrike">
-              <a:solidFill>
-                <a:schemeClr val="lt1"/>
-              </a:solidFill>
-              <a:effectLst/>
-              <a:uFillTx/>
-              <a:latin typeface="Calisto MT"/>
-            </a:endParaRPr>
-          </a:p>
-        </p:txBody>
-      </p:sp>
-      <p:sp>
-        <p:nvSpPr>
-          <p:cNvPr id="155" name="PlaceHolder 1"/>
-          <p:cNvSpPr>
-            <a:spLocks noGrp="1"/>
-          </p:cNvSpPr>
-          <p:nvPr>
-            <p:ph type="title"/>
-          </p:nvPr>
-        </p:nvSpPr>
-        <p:spPr>
-          <a:xfrm>
-            <a:off x="704160" y="555840"/>
-            <a:ext cx="9015840" cy="2390400"/>
-          </a:xfrm>
-          <a:prstGeom prst="rect">
-            <a:avLst/>
-          </a:prstGeom>
-          <a:noFill/>
-          <a:ln w="0">
-            <a:noFill/>
-          </a:ln>
-        </p:spPr>
-        <p:txBody>
-          <a:bodyPr lIns="91440" tIns="45720" rIns="91440" bIns="45720" anchor="t">
-            <a:normAutofit/>
-          </a:bodyPr>
-          <a:lstStyle/>
-          <a:p>
-            <a:pPr indent="0" defTabSz="914400">
-              <a:lnSpc>
-                <a:spcPct val="100000"/>
-              </a:lnSpc>
-              <a:buNone/>
-            </a:pPr>
-            <a:r>
-              <a:rPr lang="de-DE" sz="4000" cap="all" spc="31" dirty="0">
-                <a:solidFill>
-                  <a:schemeClr val="dk1"/>
-                </a:solidFill>
-                <a:latin typeface="Univers Condensed"/>
-              </a:rPr>
-              <a:t>9</a:t>
-            </a:r>
-            <a:r>
-              <a:rPr lang="de-DE" sz="4000" b="0" u="none" strike="noStrike" cap="all" spc="31" dirty="0">
-                <a:solidFill>
-                  <a:schemeClr val="dk1"/>
-                </a:solidFill>
-                <a:effectLst/>
-                <a:uFillTx/>
-                <a:latin typeface="Univers Condensed"/>
-              </a:rPr>
-              <a:t>. Live Demo – Control Panel</a:t>
-            </a:r>
-            <a:endParaRPr lang="de-DE" sz="4000" b="0" u="none" strike="noStrike" dirty="0">
-              <a:solidFill>
-                <a:schemeClr val="dk1"/>
-              </a:solidFill>
-              <a:effectLst/>
-              <a:uFillTx/>
-              <a:latin typeface="Calisto MT"/>
-            </a:endParaRPr>
-          </a:p>
-        </p:txBody>
-      </p:sp>
-      <p:sp>
-        <p:nvSpPr>
-          <p:cNvPr id="156" name="PlaceHolder 2"/>
-          <p:cNvSpPr>
-            <a:spLocks noGrp="1"/>
-          </p:cNvSpPr>
-          <p:nvPr>
-            <p:ph/>
-          </p:nvPr>
-        </p:nvSpPr>
-        <p:spPr>
-          <a:xfrm>
-            <a:off x="720000" y="1440000"/>
-            <a:ext cx="10772280" cy="4730040"/>
-          </a:xfrm>
-          <a:prstGeom prst="rect">
-            <a:avLst/>
-          </a:prstGeom>
-          <a:noFill/>
-          <a:ln w="0">
-            <a:noFill/>
-          </a:ln>
-        </p:spPr>
-        <p:txBody>
-          <a:bodyPr lIns="91440" tIns="45720" rIns="91440" bIns="45720" anchor="t">
-            <a:normAutofit/>
-          </a:bodyPr>
-          <a:lstStyle/>
-          <a:p>
-            <a:pPr marL="228600" indent="0" defTabSz="914400">
-              <a:lnSpc>
-                <a:spcPct val="110000"/>
-              </a:lnSpc>
-              <a:spcBef>
-                <a:spcPts val="1001"/>
-              </a:spcBef>
-              <a:buNone/>
-            </a:pPr>
-            <a:endParaRPr lang="de-DE" sz="2000" b="0" u="none" strike="noStrike">
-              <a:solidFill>
-                <a:schemeClr val="dk1"/>
-              </a:solidFill>
-              <a:effectLst/>
-              <a:uFillTx/>
-              <a:latin typeface="Calisto MT"/>
-            </a:endParaRPr>
-          </a:p>
-          <a:p>
-            <a:pPr marL="228600" indent="-228600" defTabSz="914400">
-              <a:lnSpc>
-                <a:spcPct val="110000"/>
-              </a:lnSpc>
-              <a:spcBef>
-                <a:spcPts val="1001"/>
-              </a:spcBef>
-              <a:buClr>
-                <a:srgbClr val="000000"/>
-              </a:buClr>
-              <a:buFont typeface="Symbol" charset="2"/>
-              <a:buChar char=""/>
-            </a:pPr>
-            <a:r>
-              <a:rPr lang="de-DE" sz="2000" b="0" u="none" strike="noStrike">
-                <a:solidFill>
-                  <a:schemeClr val="dk1"/>
-                </a:solidFill>
-                <a:effectLst/>
-                <a:uFillTx/>
-                <a:latin typeface="Calisto MT"/>
-              </a:rPr>
-              <a:t>Benutzer erstellen</a:t>
-            </a:r>
-          </a:p>
-          <a:p>
-            <a:pPr marL="228600" indent="0" defTabSz="914400">
-              <a:lnSpc>
-                <a:spcPct val="110000"/>
-              </a:lnSpc>
-              <a:spcBef>
-                <a:spcPts val="1001"/>
-              </a:spcBef>
-              <a:buNone/>
-            </a:pPr>
-            <a:r>
-              <a:rPr lang="de-DE" sz="2000" b="0" u="none" strike="noStrike">
-                <a:solidFill>
-                  <a:schemeClr val="dk1"/>
-                </a:solidFill>
-                <a:effectLst/>
-                <a:uFillTx/>
-                <a:latin typeface="Calisto MT"/>
-              </a:rPr>
-              <a:t>- Verschiedene Sprache</a:t>
-            </a:r>
-          </a:p>
-          <a:p>
-            <a:pPr marL="228600" indent="0" defTabSz="914400">
-              <a:lnSpc>
-                <a:spcPct val="110000"/>
-              </a:lnSpc>
-              <a:spcBef>
-                <a:spcPts val="1001"/>
-              </a:spcBef>
-              <a:buNone/>
-            </a:pPr>
-            <a:r>
-              <a:rPr lang="de-DE" sz="2000" b="0" u="none" strike="noStrike">
-                <a:solidFill>
-                  <a:schemeClr val="dk1"/>
-                </a:solidFill>
-                <a:effectLst/>
-                <a:uFillTx/>
-                <a:latin typeface="Calisto MT"/>
-              </a:rPr>
-              <a:t>- Jünger als 13</a:t>
-            </a:r>
-          </a:p>
-          <a:p>
-            <a:pPr marL="228600" indent="0" defTabSz="914400">
-              <a:lnSpc>
-                <a:spcPct val="110000"/>
-              </a:lnSpc>
-              <a:spcBef>
-                <a:spcPts val="1001"/>
-              </a:spcBef>
-              <a:buNone/>
-            </a:pPr>
-            <a:r>
-              <a:rPr lang="de-DE" sz="2000" b="0" u="none" strike="noStrike">
-                <a:solidFill>
-                  <a:schemeClr val="dk1"/>
-                </a:solidFill>
-                <a:effectLst/>
-                <a:uFillTx/>
-                <a:latin typeface="Calisto MT"/>
-              </a:rPr>
-              <a:t>- Älter als 13 / jünger als 18</a:t>
-            </a:r>
-          </a:p>
-          <a:p>
-            <a:pPr marL="228600" indent="0" defTabSz="914400">
-              <a:lnSpc>
-                <a:spcPct val="110000"/>
-              </a:lnSpc>
-              <a:spcBef>
-                <a:spcPts val="1001"/>
-              </a:spcBef>
-              <a:buNone/>
-            </a:pPr>
-            <a:endParaRPr lang="de-DE" sz="2000" b="0" u="none" strike="noStrike">
-              <a:solidFill>
-                <a:schemeClr val="dk1"/>
-              </a:solidFill>
-              <a:effectLst/>
-              <a:uFillTx/>
-              <a:latin typeface="Calisto MT"/>
-            </a:endParaRPr>
-          </a:p>
-          <a:p>
-            <a:pPr marL="228600" indent="-228600" defTabSz="914400">
-              <a:lnSpc>
-                <a:spcPct val="110000"/>
-              </a:lnSpc>
-              <a:spcBef>
-                <a:spcPts val="1001"/>
-              </a:spcBef>
-              <a:buClr>
-                <a:srgbClr val="000000"/>
-              </a:buClr>
-              <a:buFont typeface="Symbol" charset="2"/>
-              <a:buChar char=""/>
-            </a:pPr>
-            <a:r>
-              <a:rPr lang="de-DE" sz="2000" b="0" u="none" strike="noStrike">
-                <a:solidFill>
-                  <a:schemeClr val="dk1"/>
-                </a:solidFill>
-                <a:effectLst/>
-                <a:uFillTx/>
-                <a:latin typeface="Calisto MT"/>
-              </a:rPr>
-              <a:t>Benutzer löschen</a:t>
-            </a:r>
-          </a:p>
-          <a:p>
-            <a:pPr indent="0" defTabSz="914400">
-              <a:lnSpc>
-                <a:spcPct val="110000"/>
-              </a:lnSpc>
-              <a:spcBef>
-                <a:spcPts val="1001"/>
-              </a:spcBef>
-              <a:buNone/>
-            </a:pPr>
-            <a:endParaRPr lang="de-DE" sz="2000" b="0" u="none" strike="noStrike">
-              <a:solidFill>
-                <a:schemeClr val="dk1"/>
-              </a:solidFill>
-              <a:effectLst/>
-              <a:uFillTx/>
-              <a:latin typeface="Calisto MT"/>
-            </a:endParaRPr>
-          </a:p>
-          <a:p>
-            <a:pPr indent="0" defTabSz="914400">
-              <a:lnSpc>
-                <a:spcPct val="110000"/>
-              </a:lnSpc>
-              <a:spcBef>
-                <a:spcPts val="1001"/>
-              </a:spcBef>
-              <a:buNone/>
-            </a:pPr>
-            <a:endParaRPr lang="de-DE" sz="2000" b="0" u="none" strike="noStrike">
-              <a:solidFill>
-                <a:schemeClr val="dk1"/>
-              </a:solidFill>
-              <a:effectLst/>
-              <a:uFillTx/>
-              <a:latin typeface="Calisto MT"/>
-            </a:endParaRPr>
-          </a:p>
-          <a:p>
-            <a:pPr indent="0" defTabSz="914400">
-              <a:lnSpc>
-                <a:spcPct val="110000"/>
-              </a:lnSpc>
-              <a:spcBef>
-                <a:spcPts val="1001"/>
-              </a:spcBef>
-              <a:buNone/>
-            </a:pPr>
-            <a:endParaRPr lang="de-DE" sz="2000" b="0" u="none" strike="noStrike">
-              <a:solidFill>
-                <a:schemeClr val="dk1"/>
-              </a:solidFill>
-              <a:effectLst/>
-              <a:uFillTx/>
-              <a:latin typeface="Calisto MT"/>
-            </a:endParaRPr>
-          </a:p>
-          <a:p>
-            <a:pPr indent="0" defTabSz="914400">
-              <a:lnSpc>
-                <a:spcPct val="110000"/>
-              </a:lnSpc>
-              <a:spcBef>
-                <a:spcPts val="1001"/>
-              </a:spcBef>
-              <a:buNone/>
-            </a:pPr>
-            <a:endParaRPr lang="de-DE" sz="2000" b="0" u="none" strike="noStrike">
-              <a:solidFill>
-                <a:schemeClr val="dk1"/>
-              </a:solidFill>
-              <a:effectLst/>
-              <a:uFillTx/>
-              <a:latin typeface="Calisto MT"/>
-            </a:endParaRPr>
-          </a:p>
-        </p:txBody>
-      </p:sp>
-    </p:spTree>
-  </p:cSld>
-  <p:clrMapOvr>
-    <a:masterClrMapping/>
-  </p:clrMapOvr>
-</p:sld>
-</file>
-
-<file path=ppt/slides/slide21.xml><?xml version="1.0" encoding="utf-8"?>
-<p:sld xmlns:a="http://schemas.openxmlformats.org/drawingml/2006/main" xmlns:r="http://schemas.openxmlformats.org/officeDocument/2006/relationships" xmlns:p="http://schemas.openxmlformats.org/presentationml/2006/main">
-  <p:cSld>
-    <p:bg>
-      <p:bgPr>
-        <a:solidFill>
-          <a:schemeClr val="lt1"/>
-        </a:solidFill>
-        <a:effectLst/>
-      </p:bgPr>
-    </p:bg>
-    <p:spTree>
-      <p:nvGrpSpPr>
-        <p:cNvPr id="1" name=""/>
-        <p:cNvGrpSpPr/>
-        <p:nvPr/>
-      </p:nvGrpSpPr>
-      <p:grpSpPr>
-        <a:xfrm>
-          <a:off x="0" y="0"/>
-          <a:ext cx="0" cy="0"/>
-          <a:chOff x="0" y="0"/>
-          <a:chExt cx="0" cy="0"/>
-        </a:xfrm>
-      </p:grpSpPr>
-      <p:sp useBgFill="1">
-        <p:nvSpPr>
-          <p:cNvPr id="157" name="Rectangle 9">
-            <a:extLst>
-              <a:ext uri="{C183D7F6-B498-43B3-948B-1728B52AA6E4}">
-                <adec:decorative xmlns:adec="http://schemas.microsoft.com/office/drawing/2017/decorative" val="1"/>
-              </a:ext>
-            </a:extLst>
-          </p:cNvPr>
-          <p:cNvSpPr/>
-          <p:nvPr/>
-        </p:nvSpPr>
-        <p:spPr>
-          <a:xfrm>
-            <a:off x="0" y="0"/>
-            <a:ext cx="12191760" cy="6857640"/>
-          </a:xfrm>
-          <a:prstGeom prst="rect">
-            <a:avLst/>
-          </a:prstGeom>
-          <a:ln>
-            <a:noFill/>
-          </a:ln>
-        </p:spPr>
-        <p:style>
-          <a:lnRef idx="2">
-            <a:schemeClr val="accent1">
-              <a:shade val="50000"/>
-            </a:schemeClr>
-          </a:lnRef>
-          <a:fillRef idx="1">
-            <a:schemeClr val="accent1"/>
-          </a:fillRef>
-          <a:effectRef idx="0">
-            <a:schemeClr val="accent1"/>
-          </a:effectRef>
-          <a:fontRef idx="minor"/>
-        </p:style>
-        <p:txBody>
-          <a:bodyPr lIns="90000" tIns="45000" rIns="90000" bIns="45000" anchor="ctr">
-            <a:noAutofit/>
-          </a:bodyPr>
-          <a:lstStyle/>
-          <a:p>
-            <a:endParaRPr lang="en-US" sz="1800" b="0" u="none" strike="noStrike">
-              <a:solidFill>
-                <a:schemeClr val="lt1"/>
-              </a:solidFill>
-              <a:effectLst/>
-              <a:uFillTx/>
-              <a:latin typeface="Calisto MT"/>
-            </a:endParaRPr>
-          </a:p>
-        </p:txBody>
-      </p:sp>
-      <p:sp>
-        <p:nvSpPr>
-          <p:cNvPr id="158" name="PlaceHolder 1"/>
-          <p:cNvSpPr>
-            <a:spLocks noGrp="1"/>
-          </p:cNvSpPr>
-          <p:nvPr>
-            <p:ph type="title"/>
-          </p:nvPr>
-        </p:nvSpPr>
-        <p:spPr>
-          <a:xfrm>
-            <a:off x="704160" y="555840"/>
-            <a:ext cx="10815840" cy="2390400"/>
-          </a:xfrm>
-          <a:prstGeom prst="rect">
-            <a:avLst/>
-          </a:prstGeom>
-          <a:noFill/>
-          <a:ln w="0">
-            <a:noFill/>
-          </a:ln>
-        </p:spPr>
-        <p:txBody>
-          <a:bodyPr lIns="91440" tIns="45720" rIns="91440" bIns="45720" anchor="t">
-            <a:normAutofit/>
-          </a:bodyPr>
-          <a:lstStyle/>
-          <a:p>
-            <a:pPr indent="0" defTabSz="914400">
-              <a:lnSpc>
-                <a:spcPct val="100000"/>
-              </a:lnSpc>
-              <a:buNone/>
-            </a:pPr>
-            <a:r>
-              <a:rPr lang="de-DE" sz="4000" cap="all" spc="31" dirty="0">
-                <a:solidFill>
-                  <a:schemeClr val="dk1"/>
-                </a:solidFill>
-                <a:latin typeface="Univers Condensed"/>
-              </a:rPr>
-              <a:t>9</a:t>
-            </a:r>
-            <a:r>
-              <a:rPr lang="de-DE" sz="4000" b="0" u="none" strike="noStrike" cap="all" spc="31" dirty="0">
-                <a:solidFill>
-                  <a:schemeClr val="dk1"/>
-                </a:solidFill>
-                <a:effectLst/>
-                <a:uFillTx/>
-                <a:latin typeface="Univers Condensed"/>
-              </a:rPr>
-              <a:t>. Live Demo – User Dashboard</a:t>
-            </a:r>
-            <a:endParaRPr lang="de-DE" sz="4000" b="0" u="none" strike="noStrike" dirty="0">
-              <a:solidFill>
-                <a:schemeClr val="dk1"/>
-              </a:solidFill>
-              <a:effectLst/>
-              <a:uFillTx/>
-              <a:latin typeface="Calisto MT"/>
-            </a:endParaRPr>
-          </a:p>
-        </p:txBody>
-      </p:sp>
-      <p:sp>
-        <p:nvSpPr>
-          <p:cNvPr id="159" name="PlaceHolder 2"/>
-          <p:cNvSpPr>
-            <a:spLocks noGrp="1"/>
-          </p:cNvSpPr>
-          <p:nvPr>
-            <p:ph/>
-          </p:nvPr>
-        </p:nvSpPr>
-        <p:spPr>
-          <a:xfrm>
-            <a:off x="720000" y="1440000"/>
-            <a:ext cx="10772280" cy="4730040"/>
-          </a:xfrm>
-          <a:prstGeom prst="rect">
-            <a:avLst/>
-          </a:prstGeom>
-          <a:noFill/>
-          <a:ln w="0">
-            <a:noFill/>
-          </a:ln>
-        </p:spPr>
-        <p:txBody>
-          <a:bodyPr lIns="91440" tIns="45720" rIns="91440" bIns="45720" anchor="t">
-            <a:normAutofit fontScale="70000" lnSpcReduction="20000"/>
-          </a:bodyPr>
-          <a:lstStyle/>
-          <a:p>
-            <a:pPr marL="228600" indent="0" defTabSz="914400">
-              <a:lnSpc>
-                <a:spcPct val="110000"/>
-              </a:lnSpc>
-              <a:spcBef>
-                <a:spcPts val="1001"/>
-              </a:spcBef>
-              <a:buNone/>
-            </a:pPr>
-            <a:endParaRPr lang="de-DE" sz="2000" b="0" u="none" strike="noStrike">
-              <a:solidFill>
-                <a:schemeClr val="dk1"/>
-              </a:solidFill>
-              <a:effectLst/>
-              <a:uFillTx/>
-              <a:latin typeface="Calisto MT"/>
-            </a:endParaRPr>
-          </a:p>
-          <a:p>
-            <a:pPr marL="228600" indent="-228600" defTabSz="914400">
-              <a:lnSpc>
-                <a:spcPct val="110000"/>
-              </a:lnSpc>
-              <a:spcBef>
-                <a:spcPts val="1001"/>
-              </a:spcBef>
-              <a:buClr>
-                <a:srgbClr val="000000"/>
-              </a:buClr>
-              <a:buFont typeface="Symbol" charset="2"/>
-              <a:buChar char=""/>
-            </a:pPr>
-            <a:r>
-              <a:rPr lang="de-DE" sz="2000" b="0" u="none" strike="noStrike">
-                <a:solidFill>
-                  <a:schemeClr val="dk1"/>
-                </a:solidFill>
-                <a:effectLst/>
-                <a:uFillTx/>
-                <a:latin typeface="Calisto MT"/>
-              </a:rPr>
-              <a:t>Individuelles Passwort setzen</a:t>
-            </a:r>
-          </a:p>
-          <a:p>
-            <a:pPr marL="228600" indent="0" defTabSz="914400">
-              <a:lnSpc>
-                <a:spcPct val="110000"/>
-              </a:lnSpc>
-              <a:spcBef>
-                <a:spcPts val="1001"/>
-              </a:spcBef>
-              <a:buNone/>
-            </a:pPr>
-            <a:endParaRPr lang="de-DE" sz="2000" b="0" u="none" strike="noStrike">
-              <a:solidFill>
-                <a:schemeClr val="dk1"/>
-              </a:solidFill>
-              <a:effectLst/>
-              <a:uFillTx/>
-              <a:latin typeface="Calisto MT"/>
-            </a:endParaRPr>
-          </a:p>
-          <a:p>
-            <a:pPr marL="228600" indent="-228600" defTabSz="914400">
-              <a:lnSpc>
-                <a:spcPct val="110000"/>
-              </a:lnSpc>
-              <a:spcBef>
-                <a:spcPts val="1001"/>
-              </a:spcBef>
-              <a:buClr>
-                <a:srgbClr val="000000"/>
-              </a:buClr>
-              <a:buFont typeface="Symbol" charset="2"/>
-              <a:buChar char=""/>
-            </a:pPr>
-            <a:r>
-              <a:rPr lang="de-DE" sz="2000" b="0" u="none" strike="noStrike">
-                <a:solidFill>
-                  <a:schemeClr val="dk1"/>
-                </a:solidFill>
-                <a:effectLst/>
-                <a:uFillTx/>
-                <a:latin typeface="Calisto MT"/>
-              </a:rPr>
-              <a:t>Sprachwechsel</a:t>
-            </a:r>
-          </a:p>
-          <a:p>
-            <a:pPr marL="228600" indent="0" defTabSz="914400">
-              <a:lnSpc>
-                <a:spcPct val="110000"/>
-              </a:lnSpc>
-              <a:spcBef>
-                <a:spcPts val="1001"/>
-              </a:spcBef>
-              <a:buNone/>
-            </a:pPr>
-            <a:endParaRPr lang="de-DE" sz="2000" b="0" u="none" strike="noStrike">
-              <a:solidFill>
-                <a:schemeClr val="dk1"/>
-              </a:solidFill>
-              <a:effectLst/>
-              <a:uFillTx/>
-              <a:latin typeface="Calisto MT"/>
-            </a:endParaRPr>
-          </a:p>
-          <a:p>
-            <a:pPr marL="228600" indent="-228600" defTabSz="914400">
-              <a:lnSpc>
-                <a:spcPct val="110000"/>
-              </a:lnSpc>
-              <a:spcBef>
-                <a:spcPts val="1001"/>
-              </a:spcBef>
-              <a:buClr>
-                <a:srgbClr val="000000"/>
-              </a:buClr>
-              <a:buFont typeface="Symbol" charset="2"/>
-              <a:buChar char=""/>
-            </a:pPr>
-            <a:r>
-              <a:rPr lang="de-DE" sz="2000" b="0" u="none" strike="noStrike">
-                <a:solidFill>
-                  <a:schemeClr val="dk1"/>
-                </a:solidFill>
-                <a:effectLst/>
-                <a:uFillTx/>
-                <a:latin typeface="Calisto MT"/>
-              </a:rPr>
-              <a:t>Benachrichtigungen</a:t>
-            </a:r>
-          </a:p>
-          <a:p>
-            <a:pPr marL="228600" indent="0" defTabSz="914400">
-              <a:lnSpc>
-                <a:spcPct val="110000"/>
-              </a:lnSpc>
-              <a:spcBef>
-                <a:spcPts val="1001"/>
-              </a:spcBef>
-              <a:buNone/>
-            </a:pPr>
-            <a:endParaRPr lang="de-DE" sz="2000" b="0" u="none" strike="noStrike">
-              <a:solidFill>
-                <a:schemeClr val="dk1"/>
-              </a:solidFill>
-              <a:effectLst/>
-              <a:uFillTx/>
-              <a:latin typeface="Calisto MT"/>
-            </a:endParaRPr>
-          </a:p>
-          <a:p>
-            <a:pPr marL="228600" indent="-228600" defTabSz="914400">
-              <a:lnSpc>
-                <a:spcPct val="110000"/>
-              </a:lnSpc>
-              <a:spcBef>
-                <a:spcPts val="1001"/>
-              </a:spcBef>
-              <a:buClr>
-                <a:srgbClr val="000000"/>
-              </a:buClr>
-              <a:buFont typeface="Symbol" charset="2"/>
-              <a:buChar char=""/>
-            </a:pPr>
-            <a:r>
-              <a:rPr lang="de-DE" sz="2000" b="0" u="none" strike="noStrike">
-                <a:solidFill>
-                  <a:schemeClr val="dk1"/>
-                </a:solidFill>
-                <a:effectLst/>
-                <a:uFillTx/>
-                <a:latin typeface="Calisto MT"/>
-              </a:rPr>
-              <a:t>Logout</a:t>
-            </a:r>
-          </a:p>
-          <a:p>
-            <a:pPr marL="228600" indent="0" defTabSz="914400">
-              <a:lnSpc>
-                <a:spcPct val="110000"/>
-              </a:lnSpc>
-              <a:spcBef>
-                <a:spcPts val="1001"/>
-              </a:spcBef>
-              <a:buNone/>
-            </a:pPr>
-            <a:endParaRPr lang="de-DE" sz="2000" b="0" u="none" strike="noStrike">
-              <a:solidFill>
-                <a:schemeClr val="dk1"/>
-              </a:solidFill>
-              <a:effectLst/>
-              <a:uFillTx/>
-              <a:latin typeface="Calisto MT"/>
-            </a:endParaRPr>
-          </a:p>
-          <a:p>
-            <a:pPr marL="228600" indent="-228600" defTabSz="914400">
-              <a:lnSpc>
-                <a:spcPct val="110000"/>
-              </a:lnSpc>
-              <a:spcBef>
-                <a:spcPts val="1001"/>
-              </a:spcBef>
-              <a:buClr>
-                <a:srgbClr val="000000"/>
-              </a:buClr>
-              <a:buFont typeface="Symbol" charset="2"/>
-              <a:buChar char=""/>
-            </a:pPr>
-            <a:r>
-              <a:rPr lang="de-DE" sz="2000" b="0" u="none" strike="noStrike">
-                <a:solidFill>
-                  <a:schemeClr val="dk1"/>
-                </a:solidFill>
-                <a:effectLst/>
-                <a:uFillTx/>
-                <a:latin typeface="Calisto MT"/>
-              </a:rPr>
-              <a:t>Wochenübersicht</a:t>
-            </a:r>
-          </a:p>
-          <a:p>
-            <a:pPr marL="228600" indent="0" defTabSz="914400">
-              <a:lnSpc>
-                <a:spcPct val="110000"/>
-              </a:lnSpc>
-              <a:spcBef>
-                <a:spcPts val="1001"/>
-              </a:spcBef>
-              <a:buNone/>
-            </a:pPr>
-            <a:endParaRPr lang="de-DE" sz="2000" b="0" u="none" strike="noStrike">
-              <a:solidFill>
-                <a:schemeClr val="dk1"/>
-              </a:solidFill>
-              <a:effectLst/>
-              <a:uFillTx/>
-              <a:latin typeface="Calisto MT"/>
-            </a:endParaRPr>
-          </a:p>
-          <a:p>
-            <a:pPr marL="228600" indent="-228600" defTabSz="914400">
-              <a:lnSpc>
-                <a:spcPct val="110000"/>
-              </a:lnSpc>
-              <a:spcBef>
-                <a:spcPts val="1001"/>
-              </a:spcBef>
-              <a:buClr>
-                <a:srgbClr val="000000"/>
-              </a:buClr>
-              <a:buFont typeface="Symbol" charset="2"/>
-              <a:buChar char=""/>
-            </a:pPr>
-            <a:r>
-              <a:rPr lang="de-DE" sz="2000" b="0" u="none" strike="noStrike">
-                <a:solidFill>
-                  <a:schemeClr val="dk1"/>
-                </a:solidFill>
-                <a:effectLst/>
-                <a:uFillTx/>
-                <a:latin typeface="Calisto MT"/>
-              </a:rPr>
-              <a:t>Kommen/ Gehen</a:t>
-            </a:r>
-          </a:p>
-          <a:p>
-            <a:pPr marL="228600" indent="0" defTabSz="914400">
-              <a:lnSpc>
-                <a:spcPct val="110000"/>
-              </a:lnSpc>
-              <a:spcBef>
-                <a:spcPts val="1001"/>
-              </a:spcBef>
-              <a:buNone/>
-            </a:pPr>
-            <a:endParaRPr lang="de-DE" sz="2000" b="0" u="none" strike="noStrike">
-              <a:solidFill>
-                <a:schemeClr val="dk1"/>
-              </a:solidFill>
-              <a:effectLst/>
-              <a:uFillTx/>
-              <a:latin typeface="Calisto MT"/>
-            </a:endParaRPr>
-          </a:p>
-          <a:p>
-            <a:pPr marL="228600" indent="-228600" defTabSz="914400">
-              <a:lnSpc>
-                <a:spcPct val="110000"/>
-              </a:lnSpc>
-              <a:spcBef>
-                <a:spcPts val="1001"/>
-              </a:spcBef>
-              <a:buClr>
-                <a:srgbClr val="000000"/>
-              </a:buClr>
-              <a:buFont typeface="Symbol" charset="2"/>
-              <a:buChar char=""/>
-            </a:pPr>
-            <a:r>
-              <a:rPr lang="de-DE" sz="2000" b="0" u="none" strike="noStrike">
-                <a:solidFill>
-                  <a:schemeClr val="dk1"/>
-                </a:solidFill>
-                <a:effectLst/>
-                <a:uFillTx/>
-                <a:latin typeface="Calisto MT"/>
-              </a:rPr>
-              <a:t>Benutzer mit Arbeitszeit</a:t>
-            </a:r>
-          </a:p>
-          <a:p>
-            <a:pPr indent="0" defTabSz="914400">
-              <a:lnSpc>
-                <a:spcPct val="110000"/>
-              </a:lnSpc>
-              <a:spcBef>
-                <a:spcPts val="1001"/>
-              </a:spcBef>
-              <a:buNone/>
-            </a:pPr>
-            <a:endParaRPr lang="de-DE" sz="2000" b="0" u="none" strike="noStrike">
-              <a:solidFill>
-                <a:schemeClr val="dk1"/>
-              </a:solidFill>
-              <a:effectLst/>
-              <a:uFillTx/>
-              <a:latin typeface="Calisto MT"/>
-            </a:endParaRPr>
-          </a:p>
-          <a:p>
-            <a:pPr indent="0" defTabSz="914400">
-              <a:lnSpc>
-                <a:spcPct val="110000"/>
-              </a:lnSpc>
-              <a:spcBef>
-                <a:spcPts val="1001"/>
-              </a:spcBef>
-              <a:buNone/>
-            </a:pPr>
-            <a:endParaRPr lang="de-DE" sz="2000" b="0" u="none" strike="noStrike">
-              <a:solidFill>
-                <a:schemeClr val="dk1"/>
-              </a:solidFill>
-              <a:effectLst/>
-              <a:uFillTx/>
-              <a:latin typeface="Calisto MT"/>
-            </a:endParaRPr>
-          </a:p>
-          <a:p>
-            <a:pPr indent="0" defTabSz="914400">
-              <a:lnSpc>
-                <a:spcPct val="110000"/>
-              </a:lnSpc>
-              <a:spcBef>
-                <a:spcPts val="1001"/>
-              </a:spcBef>
-              <a:buNone/>
-            </a:pPr>
-            <a:endParaRPr lang="de-DE" sz="2000" b="0" u="none" strike="noStrike">
-              <a:solidFill>
-                <a:schemeClr val="dk1"/>
-              </a:solidFill>
-              <a:effectLst/>
-              <a:uFillTx/>
-              <a:latin typeface="Calisto MT"/>
-            </a:endParaRPr>
-          </a:p>
-          <a:p>
-            <a:pPr indent="0" defTabSz="914400">
-              <a:lnSpc>
-                <a:spcPct val="110000"/>
-              </a:lnSpc>
-              <a:spcBef>
-                <a:spcPts val="1001"/>
-              </a:spcBef>
-              <a:buNone/>
-            </a:pPr>
-            <a:endParaRPr lang="de-DE" sz="2000" b="0" u="none" strike="noStrike">
-              <a:solidFill>
-                <a:schemeClr val="dk1"/>
-              </a:solidFill>
-              <a:effectLst/>
-              <a:uFillTx/>
-              <a:latin typeface="Calisto MT"/>
-            </a:endParaRPr>
-          </a:p>
-          <a:p>
-            <a:pPr indent="0" defTabSz="914400">
-              <a:lnSpc>
-                <a:spcPct val="110000"/>
-              </a:lnSpc>
-              <a:spcBef>
-                <a:spcPts val="1001"/>
-              </a:spcBef>
-              <a:buNone/>
-            </a:pPr>
-            <a:endParaRPr lang="de-DE" sz="2000" b="0" u="none" strike="noStrike">
-              <a:solidFill>
-                <a:schemeClr val="dk1"/>
-              </a:solidFill>
-              <a:effectLst/>
-              <a:uFillTx/>
-              <a:latin typeface="Calisto MT"/>
-            </a:endParaRPr>
-          </a:p>
-          <a:p>
-            <a:pPr indent="0" defTabSz="914400">
-              <a:lnSpc>
-                <a:spcPct val="110000"/>
-              </a:lnSpc>
-              <a:spcBef>
-                <a:spcPts val="1001"/>
-              </a:spcBef>
-              <a:buNone/>
-            </a:pPr>
-            <a:endParaRPr lang="de-DE" sz="2000" b="0" u="none" strike="noStrike">
-              <a:solidFill>
-                <a:schemeClr val="dk1"/>
-              </a:solidFill>
-              <a:effectLst/>
-              <a:uFillTx/>
-              <a:latin typeface="Calisto MT"/>
-            </a:endParaRPr>
-          </a:p>
-        </p:txBody>
-      </p:sp>
-    </p:spTree>
-  </p:cSld>
-  <p:clrMapOvr>
-    <a:masterClrMapping/>
-  </p:clrMapOvr>
-</p:sld>
-</file>
-
-<file path=ppt/slides/slide22.xml><?xml version="1.0" encoding="utf-8"?>
+<file path=ppt/slides/slide26.xml><?xml version="1.0" encoding="utf-8"?>
 <p:sld xmlns:a="http://schemas.openxmlformats.org/drawingml/2006/main" xmlns:r="http://schemas.openxmlformats.org/officeDocument/2006/relationships" xmlns:p="http://schemas.openxmlformats.org/presentationml/2006/main">
   <p:cSld>
     <p:spTree>
@@ -22069,7 +23368,7 @@
           <p:cNvPr id="2" name="Titel 1">
             <a:extLst>
               <a:ext uri="{FF2B5EF4-FFF2-40B4-BE49-F238E27FC236}">
-                <a16:creationId xmlns:a16="http://schemas.microsoft.com/office/drawing/2014/main" id="{B84DC59D-854A-F36C-4A96-E36DF2F75D53}"/>
+                <a16:creationId xmlns:a16="http://schemas.microsoft.com/office/drawing/2014/main" id="{FD596FAE-D141-C376-8325-F6B0C6A09327}"/>
               </a:ext>
             </a:extLst>
           </p:cNvPr>
@@ -22086,106 +23385,214 @@
           <a:lstStyle/>
           <a:p>
             <a:r>
-              <a:rPr lang="de-DE" dirty="0"/>
-              <a:t>9. Live Demo – API Calls</a:t>
-            </a:r>
+              <a:rPr lang="de-DE" sz="4400" cap="all" spc="31" dirty="0">
+                <a:solidFill>
+                  <a:schemeClr val="dk1"/>
+                </a:solidFill>
+                <a:latin typeface="Univers Condensed"/>
+              </a:rPr>
+              <a:t>9</a:t>
+            </a:r>
+            <a:r>
+              <a:rPr lang="de-DE" sz="4400" b="0" u="none" strike="noStrike" cap="all" spc="31" dirty="0">
+                <a:solidFill>
+                  <a:schemeClr val="dk1"/>
+                </a:solidFill>
+                <a:effectLst/>
+                <a:uFillTx/>
+                <a:latin typeface="Univers Condensed"/>
+              </a:rPr>
+              <a:t>. Live Demo – Control Panel</a:t>
+            </a:r>
+            <a:endParaRPr lang="de-DE" dirty="0"/>
           </a:p>
         </p:txBody>
       </p:sp>
       <p:sp>
         <p:nvSpPr>
-          <p:cNvPr id="3" name="Textplatzhalter 2">
+          <p:cNvPr id="6" name="PlaceHolder 2">
             <a:extLst>
               <a:ext uri="{FF2B5EF4-FFF2-40B4-BE49-F238E27FC236}">
-                <a16:creationId xmlns:a16="http://schemas.microsoft.com/office/drawing/2014/main" id="{47A78E0A-833F-F14E-51ED-844E4B23EFDB}"/>
+                <a16:creationId xmlns:a16="http://schemas.microsoft.com/office/drawing/2014/main" id="{17F801BE-E2C6-0ED1-D1E5-6D60141ADF1D}"/>
               </a:ext>
             </a:extLst>
           </p:cNvPr>
-          <p:cNvSpPr>
-            <a:spLocks noGrp="1"/>
+          <p:cNvSpPr txBox="1">
+            <a:spLocks/>
           </p:cNvSpPr>
-          <p:nvPr>
-            <p:ph type="body"/>
-          </p:nvPr>
+          <p:nvPr/>
         </p:nvSpPr>
-        <p:spPr/>
+        <p:spPr>
+          <a:xfrm>
+            <a:off x="700560" y="2221920"/>
+            <a:ext cx="10690920" cy="3739680"/>
+          </a:xfrm>
+          <a:prstGeom prst="rect">
+            <a:avLst/>
+          </a:prstGeom>
+          <a:noFill/>
+          <a:ln w="0">
+            <a:noFill/>
+          </a:ln>
+        </p:spPr>
         <p:txBody>
-          <a:bodyPr/>
-          <a:lstStyle/>
-          <a:p>
-            <a:r>
-              <a:rPr lang="de-DE" dirty="0" err="1"/>
-              <a:t>getNotifications</a:t>
-            </a:r>
-            <a:r>
-              <a:rPr lang="de-DE" dirty="0"/>
-              <a:t>()</a:t>
-            </a:r>
-          </a:p>
-          <a:p>
-            <a:pPr lvl="1"/>
-            <a:r>
-              <a:rPr lang="de-DE" sz="1800" dirty="0"/>
-              <a:t>Gibt als JSON-Array alle Benachrichtigungen zurück, die der Nutzer bekommen hat</a:t>
-            </a:r>
-          </a:p>
-          <a:p>
-            <a:r>
-              <a:rPr lang="de-DE" dirty="0" err="1"/>
-              <a:t>userKommen</a:t>
-            </a:r>
-            <a:r>
-              <a:rPr lang="de-DE" dirty="0"/>
-              <a:t>() / </a:t>
-            </a:r>
-            <a:r>
-              <a:rPr lang="de-DE" dirty="0" err="1"/>
-              <a:t>userGehen</a:t>
-            </a:r>
-            <a:r>
-              <a:rPr lang="de-DE" dirty="0"/>
-              <a:t>()</a:t>
-            </a:r>
-          </a:p>
-          <a:p>
-            <a:pPr lvl="1"/>
-            <a:r>
-              <a:rPr lang="de-DE" sz="1800" dirty="0"/>
-              <a:t>Gibt einen Boolean zurück, ob der Nutzer eingeloggt wurde, oder nicht.</a:t>
-            </a:r>
-          </a:p>
-          <a:p>
-            <a:r>
-              <a:rPr lang="de-DE" dirty="0" err="1"/>
-              <a:t>validate</a:t>
-            </a:r>
-            <a:r>
-              <a:rPr lang="de-DE" dirty="0"/>
-              <a:t>()</a:t>
-            </a:r>
-          </a:p>
-          <a:p>
-            <a:pPr lvl="1"/>
-            <a:r>
-              <a:rPr lang="de-DE" sz="1800" dirty="0"/>
-              <a:t>Gibt einen Boolean zurück, ob die Nutzername/Passwort Kombination korrekt war.</a:t>
-            </a:r>
-          </a:p>
-          <a:p>
-            <a:r>
-              <a:rPr lang="de-DE" dirty="0" err="1"/>
-              <a:t>getUser</a:t>
-            </a:r>
-            <a:r>
-              <a:rPr lang="de-DE" dirty="0"/>
-              <a:t>()</a:t>
-            </a:r>
-          </a:p>
-          <a:p>
-            <a:pPr lvl="1"/>
-            <a:r>
-              <a:rPr lang="de-DE" sz="1800" dirty="0"/>
-              <a:t>Sammlung von Funktionen, die Informationen über den Nutzer zurück geben.</a:t>
+          <a:bodyPr lIns="91440" tIns="45720" rIns="91440" bIns="45720" anchor="t">
+            <a:normAutofit/>
+          </a:bodyPr>
+          <a:lstStyle>
+            <a:lvl1pPr algn="l" defTabSz="914400" rtl="0" eaLnBrk="1" latinLnBrk="0" hangingPunct="1">
+              <a:lnSpc>
+                <a:spcPct val="90000"/>
+              </a:lnSpc>
+              <a:spcBef>
+                <a:spcPct val="0"/>
+              </a:spcBef>
+              <a:buNone/>
+              <a:defRPr sz="4400" kern="1200">
+                <a:solidFill>
+                  <a:schemeClr val="tx1"/>
+                </a:solidFill>
+                <a:latin typeface="+mj-lt"/>
+                <a:ea typeface="+mj-ea"/>
+                <a:cs typeface="+mj-cs"/>
+              </a:defRPr>
+            </a:lvl1pPr>
+          </a:lstStyle>
+          <a:p>
+            <a:pPr marL="228600" indent="-228600" defTabSz="914400">
+              <a:lnSpc>
+                <a:spcPct val="110000"/>
+              </a:lnSpc>
+              <a:spcBef>
+                <a:spcPts val="1001"/>
+              </a:spcBef>
+              <a:buClr>
+                <a:srgbClr val="000000"/>
+              </a:buClr>
+              <a:buFont typeface="Symbol" charset="2"/>
+              <a:buChar char=""/>
+            </a:pPr>
+            <a:r>
+              <a:rPr lang="de-DE" sz="2000" b="0" u="none" strike="noStrike" dirty="0">
+                <a:solidFill>
+                  <a:schemeClr val="dk1"/>
+                </a:solidFill>
+                <a:effectLst/>
+                <a:uFillTx/>
+                <a:latin typeface="Calisto MT"/>
+              </a:rPr>
+              <a:t>Benutzer erstellen</a:t>
+            </a:r>
+          </a:p>
+          <a:p>
+            <a:pPr marL="228600" indent="0" defTabSz="914400">
+              <a:lnSpc>
+                <a:spcPct val="110000"/>
+              </a:lnSpc>
+              <a:spcBef>
+                <a:spcPts val="1001"/>
+              </a:spcBef>
+              <a:buNone/>
+            </a:pPr>
+            <a:r>
+              <a:rPr lang="de-DE" sz="2000" b="0" u="none" strike="noStrike" dirty="0">
+                <a:solidFill>
+                  <a:schemeClr val="dk1"/>
+                </a:solidFill>
+                <a:effectLst/>
+                <a:uFillTx/>
+                <a:latin typeface="Calisto MT"/>
+              </a:rPr>
+              <a:t>- Verschiedene Sprache</a:t>
+            </a:r>
+          </a:p>
+          <a:p>
+            <a:pPr marL="228600" indent="0" defTabSz="914400">
+              <a:lnSpc>
+                <a:spcPct val="110000"/>
+              </a:lnSpc>
+              <a:spcBef>
+                <a:spcPts val="1001"/>
+              </a:spcBef>
+              <a:buNone/>
+            </a:pPr>
+            <a:r>
+              <a:rPr lang="de-DE" sz="2000" b="0" u="none" strike="noStrike" dirty="0">
+                <a:solidFill>
+                  <a:schemeClr val="dk1"/>
+                </a:solidFill>
+                <a:effectLst/>
+                <a:uFillTx/>
+                <a:latin typeface="Calisto MT"/>
+              </a:rPr>
+              <a:t>- Jünger als 13</a:t>
+            </a:r>
+          </a:p>
+          <a:p>
+            <a:pPr marL="228600" indent="0" defTabSz="914400">
+              <a:lnSpc>
+                <a:spcPct val="110000"/>
+              </a:lnSpc>
+              <a:spcBef>
+                <a:spcPts val="1001"/>
+              </a:spcBef>
+              <a:buNone/>
+            </a:pPr>
+            <a:r>
+              <a:rPr lang="de-DE" sz="2000" b="0" u="none" strike="noStrike" dirty="0">
+                <a:solidFill>
+                  <a:schemeClr val="dk1"/>
+                </a:solidFill>
+                <a:effectLst/>
+                <a:uFillTx/>
+                <a:latin typeface="Calisto MT"/>
+              </a:rPr>
+              <a:t>- Älter als 13 / jünger als 18</a:t>
+            </a:r>
+          </a:p>
+          <a:p>
+            <a:pPr marL="228600" indent="0" defTabSz="914400">
+              <a:lnSpc>
+                <a:spcPct val="110000"/>
+              </a:lnSpc>
+              <a:spcBef>
+                <a:spcPts val="1001"/>
+              </a:spcBef>
+              <a:buNone/>
+            </a:pPr>
+            <a:endParaRPr lang="de-DE" sz="2000" b="0" u="none" strike="noStrike" dirty="0">
+              <a:solidFill>
+                <a:schemeClr val="dk1"/>
+              </a:solidFill>
+              <a:effectLst/>
+              <a:uFillTx/>
+              <a:latin typeface="Calisto MT"/>
+            </a:endParaRPr>
+          </a:p>
+          <a:p>
+            <a:pPr marL="228600" indent="-228600" defTabSz="914400">
+              <a:lnSpc>
+                <a:spcPct val="110000"/>
+              </a:lnSpc>
+              <a:spcBef>
+                <a:spcPts val="1001"/>
+              </a:spcBef>
+              <a:buClr>
+                <a:srgbClr val="000000"/>
+              </a:buClr>
+              <a:buFont typeface="Symbol" charset="2"/>
+              <a:buChar char=""/>
+            </a:pPr>
+            <a:r>
+              <a:rPr lang="de-DE" sz="2000" b="0" u="none" strike="noStrike" dirty="0">
+                <a:solidFill>
+                  <a:schemeClr val="dk1"/>
+                </a:solidFill>
+                <a:effectLst/>
+                <a:uFillTx/>
+                <a:latin typeface="Calisto MT"/>
+              </a:rPr>
+              <a:t>Benutzer löschen</a:t>
             </a:r>
           </a:p>
         </p:txBody>
@@ -22193,7 +23600,7 @@
     </p:spTree>
     <p:extLst>
       <p:ext uri="{BB962C8B-B14F-4D97-AF65-F5344CB8AC3E}">
-        <p14:creationId xmlns:p14="http://schemas.microsoft.com/office/powerpoint/2010/main" val="4194135845"/>
+        <p14:creationId xmlns:p14="http://schemas.microsoft.com/office/powerpoint/2010/main" val="1829405298"/>
       </p:ext>
     </p:extLst>
   </p:cSld>
@@ -22203,7 +23610,799 @@
 </p:sld>
 </file>
 
-<file path=ppt/slides/slide23.xml><?xml version="1.0" encoding="utf-8"?>
+<file path=ppt/slides/slide27.xml><?xml version="1.0" encoding="utf-8"?>
+<p:sld xmlns:a="http://schemas.openxmlformats.org/drawingml/2006/main" xmlns:r="http://schemas.openxmlformats.org/officeDocument/2006/relationships" xmlns:p="http://schemas.openxmlformats.org/presentationml/2006/main">
+  <p:cSld>
+    <p:spTree>
+      <p:nvGrpSpPr>
+        <p:cNvPr id="1" name=""/>
+        <p:cNvGrpSpPr/>
+        <p:nvPr/>
+      </p:nvGrpSpPr>
+      <p:grpSpPr>
+        <a:xfrm>
+          <a:off x="0" y="0"/>
+          <a:ext cx="0" cy="0"/>
+          <a:chOff x="0" y="0"/>
+          <a:chExt cx="0" cy="0"/>
+        </a:xfrm>
+      </p:grpSpPr>
+      <p:sp>
+        <p:nvSpPr>
+          <p:cNvPr id="2" name="Titel 1">
+            <a:extLst>
+              <a:ext uri="{FF2B5EF4-FFF2-40B4-BE49-F238E27FC236}">
+                <a16:creationId xmlns:a16="http://schemas.microsoft.com/office/drawing/2014/main" id="{FD596FAE-D141-C376-8325-F6B0C6A09327}"/>
+              </a:ext>
+            </a:extLst>
+          </p:cNvPr>
+          <p:cNvSpPr>
+            <a:spLocks noGrp="1"/>
+          </p:cNvSpPr>
+          <p:nvPr>
+            <p:ph type="title"/>
+          </p:nvPr>
+        </p:nvSpPr>
+        <p:spPr/>
+        <p:txBody>
+          <a:bodyPr/>
+          <a:lstStyle/>
+          <a:p>
+            <a:r>
+              <a:rPr lang="de-DE" sz="4400" cap="all" spc="31" dirty="0">
+                <a:solidFill>
+                  <a:schemeClr val="dk1"/>
+                </a:solidFill>
+                <a:latin typeface="Univers Condensed"/>
+              </a:rPr>
+              <a:t>9</a:t>
+            </a:r>
+            <a:r>
+              <a:rPr lang="de-DE" sz="4400" b="0" u="none" strike="noStrike" cap="all" spc="31" dirty="0">
+                <a:solidFill>
+                  <a:schemeClr val="dk1"/>
+                </a:solidFill>
+                <a:effectLst/>
+                <a:uFillTx/>
+                <a:latin typeface="Univers Condensed"/>
+              </a:rPr>
+              <a:t>. Live Demo – User Dashboard</a:t>
+            </a:r>
+            <a:endParaRPr lang="de-DE" dirty="0"/>
+          </a:p>
+        </p:txBody>
+      </p:sp>
+      <p:sp>
+        <p:nvSpPr>
+          <p:cNvPr id="3" name="PlaceHolder 2">
+            <a:extLst>
+              <a:ext uri="{FF2B5EF4-FFF2-40B4-BE49-F238E27FC236}">
+                <a16:creationId xmlns:a16="http://schemas.microsoft.com/office/drawing/2014/main" id="{684C32F8-C686-FBFD-7DD5-7E1B5C1DAE58}"/>
+              </a:ext>
+            </a:extLst>
+          </p:cNvPr>
+          <p:cNvSpPr txBox="1">
+            <a:spLocks/>
+          </p:cNvSpPr>
+          <p:nvPr/>
+        </p:nvSpPr>
+        <p:spPr>
+          <a:xfrm>
+            <a:off x="700560" y="2221920"/>
+            <a:ext cx="10690920" cy="3739680"/>
+          </a:xfrm>
+          <a:prstGeom prst="rect">
+            <a:avLst/>
+          </a:prstGeom>
+          <a:noFill/>
+          <a:ln w="0">
+            <a:noFill/>
+          </a:ln>
+        </p:spPr>
+        <p:txBody>
+          <a:bodyPr lIns="91440" tIns="45720" rIns="91440" bIns="45720" anchor="t">
+            <a:normAutofit/>
+          </a:bodyPr>
+          <a:lstStyle>
+            <a:lvl1pPr algn="l" defTabSz="914400" rtl="0" eaLnBrk="1" latinLnBrk="0" hangingPunct="1">
+              <a:lnSpc>
+                <a:spcPct val="90000"/>
+              </a:lnSpc>
+              <a:spcBef>
+                <a:spcPct val="0"/>
+              </a:spcBef>
+              <a:buNone/>
+              <a:defRPr sz="4400" kern="1200">
+                <a:solidFill>
+                  <a:schemeClr val="tx1"/>
+                </a:solidFill>
+                <a:latin typeface="+mj-lt"/>
+                <a:ea typeface="+mj-ea"/>
+                <a:cs typeface="+mj-cs"/>
+              </a:defRPr>
+            </a:lvl1pPr>
+          </a:lstStyle>
+          <a:p>
+            <a:pPr marL="228600" indent="-228600" algn="l" rtl="0" eaLnBrk="1" latinLnBrk="0" hangingPunct="1">
+              <a:lnSpc>
+                <a:spcPct val="110000"/>
+              </a:lnSpc>
+              <a:spcBef>
+                <a:spcPts val="1001"/>
+              </a:spcBef>
+              <a:spcAft>
+                <a:spcPts val="0"/>
+              </a:spcAft>
+              <a:buClr>
+                <a:srgbClr val="000000"/>
+              </a:buClr>
+              <a:buSzPts val="1400"/>
+              <a:buFont typeface="Symbol" panose="05050102010706020507" pitchFamily="18" charset="2"/>
+              <a:buChar char="·"/>
+            </a:pPr>
+            <a:r>
+              <a:rPr lang="de-DE" sz="1800" b="0" kern="1200" dirty="0">
+                <a:solidFill>
+                  <a:srgbClr val="000000"/>
+                </a:solidFill>
+                <a:effectLst/>
+                <a:latin typeface="Calisto MT" panose="02040603050505030304" pitchFamily="18" charset="0"/>
+                <a:ea typeface="+mj-ea"/>
+                <a:cs typeface="+mj-cs"/>
+              </a:rPr>
+              <a:t>Individuelles Passwort setzen</a:t>
+            </a:r>
+            <a:endParaRPr lang="de-DE" sz="1800" dirty="0"/>
+          </a:p>
+          <a:p>
+            <a:pPr marL="228600" indent="-228600" algn="l" rtl="0" eaLnBrk="1" latinLnBrk="0" hangingPunct="1">
+              <a:lnSpc>
+                <a:spcPct val="110000"/>
+              </a:lnSpc>
+              <a:spcBef>
+                <a:spcPts val="1001"/>
+              </a:spcBef>
+              <a:spcAft>
+                <a:spcPts val="0"/>
+              </a:spcAft>
+              <a:buClr>
+                <a:srgbClr val="000000"/>
+              </a:buClr>
+              <a:buSzPts val="1400"/>
+              <a:buFont typeface="Symbol" panose="05050102010706020507" pitchFamily="18" charset="2"/>
+              <a:buChar char="·"/>
+            </a:pPr>
+            <a:r>
+              <a:rPr lang="de-DE" sz="1800" b="0" kern="1200" dirty="0">
+                <a:solidFill>
+                  <a:srgbClr val="000000"/>
+                </a:solidFill>
+                <a:effectLst/>
+                <a:latin typeface="Calisto MT" panose="02040603050505030304" pitchFamily="18" charset="0"/>
+                <a:ea typeface="+mj-ea"/>
+                <a:cs typeface="+mj-cs"/>
+              </a:rPr>
+              <a:t>Sprachwechsel</a:t>
+            </a:r>
+            <a:endParaRPr lang="de-DE" sz="1000" dirty="0"/>
+          </a:p>
+          <a:p>
+            <a:pPr marL="228600" indent="-228600" algn="l" rtl="0" eaLnBrk="1" latinLnBrk="0" hangingPunct="1">
+              <a:lnSpc>
+                <a:spcPct val="110000"/>
+              </a:lnSpc>
+              <a:spcBef>
+                <a:spcPts val="1001"/>
+              </a:spcBef>
+              <a:spcAft>
+                <a:spcPts val="0"/>
+              </a:spcAft>
+              <a:buClr>
+                <a:srgbClr val="000000"/>
+              </a:buClr>
+              <a:buSzPts val="1400"/>
+              <a:buFont typeface="Symbol" panose="05050102010706020507" pitchFamily="18" charset="2"/>
+              <a:buChar char="·"/>
+            </a:pPr>
+            <a:r>
+              <a:rPr lang="de-DE" sz="1800" b="0" kern="1200" dirty="0">
+                <a:solidFill>
+                  <a:srgbClr val="000000"/>
+                </a:solidFill>
+                <a:effectLst/>
+                <a:latin typeface="Calisto MT" panose="02040603050505030304" pitchFamily="18" charset="0"/>
+                <a:ea typeface="+mj-ea"/>
+                <a:cs typeface="+mj-cs"/>
+              </a:rPr>
+              <a:t>Benachrichtigungen</a:t>
+            </a:r>
+            <a:endParaRPr lang="de-DE" sz="1000" dirty="0"/>
+          </a:p>
+          <a:p>
+            <a:pPr marL="228600" indent="-228600" algn="l" rtl="0" eaLnBrk="1" latinLnBrk="0" hangingPunct="1">
+              <a:lnSpc>
+                <a:spcPct val="110000"/>
+              </a:lnSpc>
+              <a:spcBef>
+                <a:spcPts val="1001"/>
+              </a:spcBef>
+              <a:spcAft>
+                <a:spcPts val="0"/>
+              </a:spcAft>
+              <a:buClr>
+                <a:srgbClr val="000000"/>
+              </a:buClr>
+              <a:buSzPts val="1400"/>
+              <a:buFont typeface="Symbol" panose="05050102010706020507" pitchFamily="18" charset="2"/>
+              <a:buChar char="·"/>
+            </a:pPr>
+            <a:r>
+              <a:rPr lang="de-DE" sz="1800" b="0" kern="1200" dirty="0">
+                <a:solidFill>
+                  <a:srgbClr val="000000"/>
+                </a:solidFill>
+                <a:effectLst/>
+                <a:latin typeface="Calisto MT" panose="02040603050505030304" pitchFamily="18" charset="0"/>
+                <a:ea typeface="+mj-ea"/>
+                <a:cs typeface="+mj-cs"/>
+              </a:rPr>
+              <a:t>Logout</a:t>
+            </a:r>
+            <a:endParaRPr lang="de-DE" sz="1000" dirty="0"/>
+          </a:p>
+          <a:p>
+            <a:pPr marL="228600" indent="-228600" algn="l" rtl="0" eaLnBrk="1" latinLnBrk="0" hangingPunct="1">
+              <a:lnSpc>
+                <a:spcPct val="110000"/>
+              </a:lnSpc>
+              <a:spcBef>
+                <a:spcPts val="1001"/>
+              </a:spcBef>
+              <a:spcAft>
+                <a:spcPts val="0"/>
+              </a:spcAft>
+              <a:buClr>
+                <a:srgbClr val="000000"/>
+              </a:buClr>
+              <a:buSzPts val="1400"/>
+              <a:buFont typeface="Symbol" panose="05050102010706020507" pitchFamily="18" charset="2"/>
+              <a:buChar char="·"/>
+            </a:pPr>
+            <a:r>
+              <a:rPr lang="de-DE" sz="1800" b="0" kern="1200" dirty="0">
+                <a:solidFill>
+                  <a:srgbClr val="000000"/>
+                </a:solidFill>
+                <a:effectLst/>
+                <a:latin typeface="Calisto MT" panose="02040603050505030304" pitchFamily="18" charset="0"/>
+                <a:ea typeface="+mj-ea"/>
+                <a:cs typeface="+mj-cs"/>
+              </a:rPr>
+              <a:t>Wochenübersicht</a:t>
+            </a:r>
+            <a:endParaRPr lang="de-DE" sz="1000" dirty="0"/>
+          </a:p>
+          <a:p>
+            <a:pPr marL="228600" indent="-228600" algn="l" rtl="0" eaLnBrk="1" latinLnBrk="0" hangingPunct="1">
+              <a:lnSpc>
+                <a:spcPct val="110000"/>
+              </a:lnSpc>
+              <a:spcBef>
+                <a:spcPts val="1001"/>
+              </a:spcBef>
+              <a:spcAft>
+                <a:spcPts val="0"/>
+              </a:spcAft>
+              <a:buClr>
+                <a:srgbClr val="000000"/>
+              </a:buClr>
+              <a:buSzPts val="1400"/>
+              <a:buFont typeface="Symbol" panose="05050102010706020507" pitchFamily="18" charset="2"/>
+              <a:buChar char="·"/>
+            </a:pPr>
+            <a:r>
+              <a:rPr lang="de-DE" sz="1800" b="0" kern="1200" dirty="0">
+                <a:solidFill>
+                  <a:srgbClr val="000000"/>
+                </a:solidFill>
+                <a:effectLst/>
+                <a:latin typeface="Calisto MT" panose="02040603050505030304" pitchFamily="18" charset="0"/>
+                <a:ea typeface="+mj-ea"/>
+                <a:cs typeface="+mj-cs"/>
+              </a:rPr>
+              <a:t>Kommen/ Gehen</a:t>
+            </a:r>
+            <a:endParaRPr lang="de-DE" sz="1000" dirty="0"/>
+          </a:p>
+          <a:p>
+            <a:pPr marL="228600" indent="-228600" algn="l" rtl="0" eaLnBrk="1" latinLnBrk="0" hangingPunct="1">
+              <a:lnSpc>
+                <a:spcPct val="110000"/>
+              </a:lnSpc>
+              <a:spcBef>
+                <a:spcPts val="1001"/>
+              </a:spcBef>
+              <a:spcAft>
+                <a:spcPts val="0"/>
+              </a:spcAft>
+              <a:buClr>
+                <a:srgbClr val="000000"/>
+              </a:buClr>
+              <a:buSzPts val="1400"/>
+              <a:buFont typeface="Symbol" panose="05050102010706020507" pitchFamily="18" charset="2"/>
+              <a:buChar char="·"/>
+            </a:pPr>
+            <a:r>
+              <a:rPr lang="de-DE" sz="1800" b="0" kern="1200" dirty="0">
+                <a:solidFill>
+                  <a:srgbClr val="000000"/>
+                </a:solidFill>
+                <a:effectLst/>
+                <a:latin typeface="Calisto MT" panose="02040603050505030304" pitchFamily="18" charset="0"/>
+                <a:ea typeface="+mj-ea"/>
+                <a:cs typeface="+mj-cs"/>
+              </a:rPr>
+              <a:t>Benutzer mit Arbeitszeit</a:t>
+            </a:r>
+            <a:endParaRPr lang="de-DE" sz="1000" dirty="0">
+              <a:effectLst/>
+            </a:endParaRPr>
+          </a:p>
+        </p:txBody>
+      </p:sp>
+    </p:spTree>
+    <p:extLst>
+      <p:ext uri="{BB962C8B-B14F-4D97-AF65-F5344CB8AC3E}">
+        <p14:creationId xmlns:p14="http://schemas.microsoft.com/office/powerpoint/2010/main" val="1643118408"/>
+      </p:ext>
+    </p:extLst>
+  </p:cSld>
+  <p:clrMapOvr>
+    <a:masterClrMapping/>
+  </p:clrMapOvr>
+</p:sld>
+</file>
+
+<file path=ppt/slides/slide28.xml><?xml version="1.0" encoding="utf-8"?>
+<p:sld xmlns:a="http://schemas.openxmlformats.org/drawingml/2006/main" xmlns:r="http://schemas.openxmlformats.org/officeDocument/2006/relationships" xmlns:p="http://schemas.openxmlformats.org/presentationml/2006/main">
+  <p:cSld>
+    <p:spTree>
+      <p:nvGrpSpPr>
+        <p:cNvPr id="1" name=""/>
+        <p:cNvGrpSpPr/>
+        <p:nvPr/>
+      </p:nvGrpSpPr>
+      <p:grpSpPr>
+        <a:xfrm>
+          <a:off x="0" y="0"/>
+          <a:ext cx="0" cy="0"/>
+          <a:chOff x="0" y="0"/>
+          <a:chExt cx="0" cy="0"/>
+        </a:xfrm>
+      </p:grpSpPr>
+      <p:sp>
+        <p:nvSpPr>
+          <p:cNvPr id="2" name="Titel 1">
+            <a:extLst>
+              <a:ext uri="{FF2B5EF4-FFF2-40B4-BE49-F238E27FC236}">
+                <a16:creationId xmlns:a16="http://schemas.microsoft.com/office/drawing/2014/main" id="{FD596FAE-D141-C376-8325-F6B0C6A09327}"/>
+              </a:ext>
+            </a:extLst>
+          </p:cNvPr>
+          <p:cNvSpPr>
+            <a:spLocks noGrp="1"/>
+          </p:cNvSpPr>
+          <p:nvPr>
+            <p:ph type="title"/>
+          </p:nvPr>
+        </p:nvSpPr>
+        <p:spPr/>
+        <p:txBody>
+          <a:bodyPr/>
+          <a:lstStyle/>
+          <a:p>
+            <a:r>
+              <a:rPr lang="de-DE" sz="4400" cap="all" spc="31" dirty="0">
+                <a:solidFill>
+                  <a:schemeClr val="dk1"/>
+                </a:solidFill>
+                <a:latin typeface="Univers Condensed"/>
+              </a:rPr>
+              <a:t>9</a:t>
+            </a:r>
+            <a:r>
+              <a:rPr lang="de-DE" sz="4400" b="0" u="none" strike="noStrike" cap="all" spc="31" dirty="0">
+                <a:solidFill>
+                  <a:schemeClr val="dk1"/>
+                </a:solidFill>
+                <a:effectLst/>
+                <a:uFillTx/>
+                <a:latin typeface="Univers Condensed"/>
+              </a:rPr>
+              <a:t>. Live Demo – API-Calls</a:t>
+            </a:r>
+            <a:endParaRPr lang="de-DE" dirty="0"/>
+          </a:p>
+        </p:txBody>
+      </p:sp>
+      <p:sp>
+        <p:nvSpPr>
+          <p:cNvPr id="3" name="PlaceHolder 2">
+            <a:extLst>
+              <a:ext uri="{FF2B5EF4-FFF2-40B4-BE49-F238E27FC236}">
+                <a16:creationId xmlns:a16="http://schemas.microsoft.com/office/drawing/2014/main" id="{684C32F8-C686-FBFD-7DD5-7E1B5C1DAE58}"/>
+              </a:ext>
+            </a:extLst>
+          </p:cNvPr>
+          <p:cNvSpPr txBox="1">
+            <a:spLocks/>
+          </p:cNvSpPr>
+          <p:nvPr/>
+        </p:nvSpPr>
+        <p:spPr>
+          <a:xfrm>
+            <a:off x="700560" y="2221920"/>
+            <a:ext cx="10690920" cy="3739680"/>
+          </a:xfrm>
+          <a:prstGeom prst="rect">
+            <a:avLst/>
+          </a:prstGeom>
+          <a:noFill/>
+          <a:ln w="0">
+            <a:noFill/>
+          </a:ln>
+        </p:spPr>
+        <p:txBody>
+          <a:bodyPr lIns="91440" tIns="45720" rIns="91440" bIns="45720" anchor="t">
+            <a:normAutofit/>
+          </a:bodyPr>
+          <a:lstStyle>
+            <a:lvl1pPr algn="l" defTabSz="914400" rtl="0" eaLnBrk="1" latinLnBrk="0" hangingPunct="1">
+              <a:lnSpc>
+                <a:spcPct val="90000"/>
+              </a:lnSpc>
+              <a:spcBef>
+                <a:spcPct val="0"/>
+              </a:spcBef>
+              <a:buNone/>
+              <a:defRPr sz="4400" kern="1200">
+                <a:solidFill>
+                  <a:schemeClr val="tx1"/>
+                </a:solidFill>
+                <a:latin typeface="+mj-lt"/>
+                <a:ea typeface="+mj-ea"/>
+                <a:cs typeface="+mj-cs"/>
+              </a:defRPr>
+            </a:lvl1pPr>
+          </a:lstStyle>
+          <a:p>
+            <a:pPr algn="l" rtl="0" eaLnBrk="1" latinLnBrk="0" hangingPunct="1">
+              <a:lnSpc>
+                <a:spcPct val="110000"/>
+              </a:lnSpc>
+              <a:spcBef>
+                <a:spcPts val="1001"/>
+              </a:spcBef>
+              <a:spcAft>
+                <a:spcPts val="0"/>
+              </a:spcAft>
+              <a:buClr>
+                <a:srgbClr val="000000"/>
+              </a:buClr>
+              <a:buSzPts val="1400"/>
+            </a:pPr>
+            <a:r>
+              <a:rPr lang="de-DE" sz="1800" b="0" kern="1200" dirty="0" err="1">
+                <a:solidFill>
+                  <a:srgbClr val="000000"/>
+                </a:solidFill>
+                <a:effectLst/>
+                <a:latin typeface="Calisto MT" panose="02040603050505030304" pitchFamily="18" charset="0"/>
+                <a:ea typeface="+mj-ea"/>
+                <a:cs typeface="+mj-cs"/>
+              </a:rPr>
+              <a:t>getNotifications</a:t>
+            </a:r>
+            <a:r>
+              <a:rPr lang="de-DE" sz="1800" b="0" kern="1200" dirty="0">
+                <a:solidFill>
+                  <a:srgbClr val="000000"/>
+                </a:solidFill>
+                <a:effectLst/>
+                <a:latin typeface="Calisto MT" panose="02040603050505030304" pitchFamily="18" charset="0"/>
+                <a:ea typeface="+mj-ea"/>
+                <a:cs typeface="+mj-cs"/>
+              </a:rPr>
+              <a:t>()</a:t>
+            </a:r>
+          </a:p>
+          <a:p>
+            <a:pPr marL="228600" indent="-228600" algn="l" rtl="0" eaLnBrk="1" latinLnBrk="0" hangingPunct="1">
+              <a:lnSpc>
+                <a:spcPct val="110000"/>
+              </a:lnSpc>
+              <a:spcBef>
+                <a:spcPts val="1001"/>
+              </a:spcBef>
+              <a:spcAft>
+                <a:spcPts val="0"/>
+              </a:spcAft>
+              <a:buClr>
+                <a:srgbClr val="000000"/>
+              </a:buClr>
+              <a:buSzPts val="1400"/>
+              <a:buFont typeface="Symbol" panose="05050102010706020507" pitchFamily="18" charset="2"/>
+              <a:buChar char="·"/>
+            </a:pPr>
+            <a:r>
+              <a:rPr lang="de-DE" sz="1800" b="0" kern="1200" dirty="0">
+                <a:solidFill>
+                  <a:srgbClr val="000000"/>
+                </a:solidFill>
+                <a:effectLst/>
+                <a:latin typeface="Calisto MT" panose="02040603050505030304" pitchFamily="18" charset="0"/>
+                <a:ea typeface="+mj-ea"/>
+                <a:cs typeface="+mj-cs"/>
+              </a:rPr>
+              <a:t>Gibt als JSON-Array alle Benachrichtigungen zurück, die der Nutzer bekommen hat</a:t>
+            </a:r>
+          </a:p>
+          <a:p>
+            <a:pPr algn="l" rtl="0" eaLnBrk="1" latinLnBrk="0" hangingPunct="1">
+              <a:lnSpc>
+                <a:spcPct val="110000"/>
+              </a:lnSpc>
+              <a:spcBef>
+                <a:spcPts val="1001"/>
+              </a:spcBef>
+              <a:spcAft>
+                <a:spcPts val="0"/>
+              </a:spcAft>
+              <a:buClr>
+                <a:srgbClr val="000000"/>
+              </a:buClr>
+              <a:buSzPts val="1400"/>
+            </a:pPr>
+            <a:r>
+              <a:rPr lang="de-DE" sz="1800" b="0" kern="1200" dirty="0" err="1">
+                <a:solidFill>
+                  <a:srgbClr val="000000"/>
+                </a:solidFill>
+                <a:effectLst/>
+                <a:latin typeface="Calisto MT" panose="02040603050505030304" pitchFamily="18" charset="0"/>
+                <a:ea typeface="+mj-ea"/>
+                <a:cs typeface="+mj-cs"/>
+              </a:rPr>
+              <a:t>userKommen</a:t>
+            </a:r>
+            <a:r>
+              <a:rPr lang="de-DE" sz="1800" b="0" kern="1200" dirty="0">
+                <a:solidFill>
+                  <a:srgbClr val="000000"/>
+                </a:solidFill>
+                <a:effectLst/>
+                <a:latin typeface="Calisto MT" panose="02040603050505030304" pitchFamily="18" charset="0"/>
+                <a:ea typeface="+mj-ea"/>
+                <a:cs typeface="+mj-cs"/>
+              </a:rPr>
+              <a:t>() / </a:t>
+            </a:r>
+            <a:r>
+              <a:rPr lang="de-DE" sz="1800" b="0" kern="1200" dirty="0" err="1">
+                <a:solidFill>
+                  <a:srgbClr val="000000"/>
+                </a:solidFill>
+                <a:effectLst/>
+                <a:latin typeface="Calisto MT" panose="02040603050505030304" pitchFamily="18" charset="0"/>
+                <a:ea typeface="+mj-ea"/>
+                <a:cs typeface="+mj-cs"/>
+              </a:rPr>
+              <a:t>userGehen</a:t>
+            </a:r>
+            <a:r>
+              <a:rPr lang="de-DE" sz="1800" b="0" kern="1200" dirty="0">
+                <a:solidFill>
+                  <a:srgbClr val="000000"/>
+                </a:solidFill>
+                <a:effectLst/>
+                <a:latin typeface="Calisto MT" panose="02040603050505030304" pitchFamily="18" charset="0"/>
+                <a:ea typeface="+mj-ea"/>
+                <a:cs typeface="+mj-cs"/>
+              </a:rPr>
+              <a:t>()</a:t>
+            </a:r>
+          </a:p>
+          <a:p>
+            <a:pPr marL="228600" indent="-228600" algn="l" rtl="0" eaLnBrk="1" latinLnBrk="0" hangingPunct="1">
+              <a:lnSpc>
+                <a:spcPct val="110000"/>
+              </a:lnSpc>
+              <a:spcBef>
+                <a:spcPts val="1001"/>
+              </a:spcBef>
+              <a:spcAft>
+                <a:spcPts val="0"/>
+              </a:spcAft>
+              <a:buClr>
+                <a:srgbClr val="000000"/>
+              </a:buClr>
+              <a:buSzPts val="1400"/>
+              <a:buFont typeface="Symbol" panose="05050102010706020507" pitchFamily="18" charset="2"/>
+              <a:buChar char="·"/>
+            </a:pPr>
+            <a:r>
+              <a:rPr lang="de-DE" sz="1800" b="0" kern="1200" dirty="0">
+                <a:solidFill>
+                  <a:srgbClr val="000000"/>
+                </a:solidFill>
+                <a:effectLst/>
+                <a:latin typeface="Calisto MT" panose="02040603050505030304" pitchFamily="18" charset="0"/>
+                <a:ea typeface="+mj-ea"/>
+                <a:cs typeface="+mj-cs"/>
+              </a:rPr>
+              <a:t>Gibt einen Boolean zurück, ob der Nutzer eingeloggt wurde, oder nicht.</a:t>
+            </a:r>
+          </a:p>
+          <a:p>
+            <a:pPr algn="l" rtl="0" eaLnBrk="1" latinLnBrk="0" hangingPunct="1">
+              <a:lnSpc>
+                <a:spcPct val="110000"/>
+              </a:lnSpc>
+              <a:spcBef>
+                <a:spcPts val="1001"/>
+              </a:spcBef>
+              <a:spcAft>
+                <a:spcPts val="0"/>
+              </a:spcAft>
+              <a:buClr>
+                <a:srgbClr val="000000"/>
+              </a:buClr>
+              <a:buSzPts val="1400"/>
+            </a:pPr>
+            <a:r>
+              <a:rPr lang="de-DE" sz="1800" b="0" kern="1200" dirty="0" err="1">
+                <a:solidFill>
+                  <a:srgbClr val="000000"/>
+                </a:solidFill>
+                <a:effectLst/>
+                <a:latin typeface="Calisto MT" panose="02040603050505030304" pitchFamily="18" charset="0"/>
+                <a:ea typeface="+mj-ea"/>
+                <a:cs typeface="+mj-cs"/>
+              </a:rPr>
+              <a:t>validate</a:t>
+            </a:r>
+            <a:r>
+              <a:rPr lang="de-DE" sz="1800" b="0" kern="1200" dirty="0">
+                <a:solidFill>
+                  <a:srgbClr val="000000"/>
+                </a:solidFill>
+                <a:effectLst/>
+                <a:latin typeface="Calisto MT" panose="02040603050505030304" pitchFamily="18" charset="0"/>
+                <a:ea typeface="+mj-ea"/>
+                <a:cs typeface="+mj-cs"/>
+              </a:rPr>
+              <a:t>()</a:t>
+            </a:r>
+          </a:p>
+          <a:p>
+            <a:pPr marL="228600" indent="-228600" algn="l" rtl="0" eaLnBrk="1" latinLnBrk="0" hangingPunct="1">
+              <a:lnSpc>
+                <a:spcPct val="110000"/>
+              </a:lnSpc>
+              <a:spcBef>
+                <a:spcPts val="1001"/>
+              </a:spcBef>
+              <a:spcAft>
+                <a:spcPts val="0"/>
+              </a:spcAft>
+              <a:buClr>
+                <a:srgbClr val="000000"/>
+              </a:buClr>
+              <a:buSzPts val="1400"/>
+              <a:buFont typeface="Symbol" panose="05050102010706020507" pitchFamily="18" charset="2"/>
+              <a:buChar char="·"/>
+            </a:pPr>
+            <a:r>
+              <a:rPr lang="de-DE" sz="1800" b="0" kern="1200" dirty="0">
+                <a:solidFill>
+                  <a:srgbClr val="000000"/>
+                </a:solidFill>
+                <a:effectLst/>
+                <a:latin typeface="Calisto MT" panose="02040603050505030304" pitchFamily="18" charset="0"/>
+                <a:ea typeface="+mj-ea"/>
+                <a:cs typeface="+mj-cs"/>
+              </a:rPr>
+              <a:t>Gibt einen Boolean zurück, ob die Nutzername/Passwort Kombination korrekt war.</a:t>
+            </a:r>
+          </a:p>
+          <a:p>
+            <a:pPr algn="l" rtl="0" eaLnBrk="1" latinLnBrk="0" hangingPunct="1">
+              <a:lnSpc>
+                <a:spcPct val="110000"/>
+              </a:lnSpc>
+              <a:spcBef>
+                <a:spcPts val="1001"/>
+              </a:spcBef>
+              <a:spcAft>
+                <a:spcPts val="0"/>
+              </a:spcAft>
+              <a:buClr>
+                <a:srgbClr val="000000"/>
+              </a:buClr>
+              <a:buSzPts val="1400"/>
+            </a:pPr>
+            <a:r>
+              <a:rPr lang="de-DE" sz="1800" b="0" kern="1200" dirty="0" err="1">
+                <a:solidFill>
+                  <a:srgbClr val="000000"/>
+                </a:solidFill>
+                <a:effectLst/>
+                <a:latin typeface="Calisto MT" panose="02040603050505030304" pitchFamily="18" charset="0"/>
+                <a:ea typeface="+mj-ea"/>
+                <a:cs typeface="+mj-cs"/>
+              </a:rPr>
+              <a:t>getUser</a:t>
+            </a:r>
+            <a:r>
+              <a:rPr lang="de-DE" sz="1800" b="0" kern="1200" dirty="0">
+                <a:solidFill>
+                  <a:srgbClr val="000000"/>
+                </a:solidFill>
+                <a:effectLst/>
+                <a:latin typeface="Calisto MT" panose="02040603050505030304" pitchFamily="18" charset="0"/>
+                <a:ea typeface="+mj-ea"/>
+                <a:cs typeface="+mj-cs"/>
+              </a:rPr>
+              <a:t>()</a:t>
+            </a:r>
+          </a:p>
+          <a:p>
+            <a:pPr marL="228600" indent="-228600" algn="l" rtl="0" eaLnBrk="1" latinLnBrk="0" hangingPunct="1">
+              <a:lnSpc>
+                <a:spcPct val="110000"/>
+              </a:lnSpc>
+              <a:spcBef>
+                <a:spcPts val="1001"/>
+              </a:spcBef>
+              <a:spcAft>
+                <a:spcPts val="0"/>
+              </a:spcAft>
+              <a:buClr>
+                <a:srgbClr val="000000"/>
+              </a:buClr>
+              <a:buSzPts val="1400"/>
+              <a:buFont typeface="Symbol" panose="05050102010706020507" pitchFamily="18" charset="2"/>
+              <a:buChar char="·"/>
+            </a:pPr>
+            <a:r>
+              <a:rPr lang="de-DE" sz="1800" b="0" kern="1200" dirty="0">
+                <a:solidFill>
+                  <a:srgbClr val="000000"/>
+                </a:solidFill>
+                <a:effectLst/>
+                <a:latin typeface="Calisto MT" panose="02040603050505030304" pitchFamily="18" charset="0"/>
+                <a:ea typeface="+mj-ea"/>
+                <a:cs typeface="+mj-cs"/>
+              </a:rPr>
+              <a:t>Sammlung von Funktionen, die Informationen über den Nutzer zurück geben.</a:t>
+            </a:r>
+          </a:p>
+        </p:txBody>
+      </p:sp>
+    </p:spTree>
+    <p:extLst>
+      <p:ext uri="{BB962C8B-B14F-4D97-AF65-F5344CB8AC3E}">
+        <p14:creationId xmlns:p14="http://schemas.microsoft.com/office/powerpoint/2010/main" val="2394856594"/>
+      </p:ext>
+    </p:extLst>
+  </p:cSld>
+  <p:clrMapOvr>
+    <a:masterClrMapping/>
+  </p:clrMapOvr>
+</p:sld>
+</file>
+
+<file path=ppt/slides/slide29.xml><?xml version="1.0" encoding="utf-8"?>
 <p:sld xmlns:a="http://schemas.openxmlformats.org/drawingml/2006/main" xmlns:r="http://schemas.openxmlformats.org/officeDocument/2006/relationships" xmlns:p="http://schemas.openxmlformats.org/presentationml/2006/main">
   <p:cSld>
     <p:bg>
@@ -22620,7 +24819,430 @@
 </p:sld>
 </file>
 
-<file path=ppt/slides/slide24.xml><?xml version="1.0" encoding="utf-8"?>
+<file path=ppt/slides/slide3.xml><?xml version="1.0" encoding="utf-8"?>
+<p:sld xmlns:a="http://schemas.openxmlformats.org/drawingml/2006/main" xmlns:r="http://schemas.openxmlformats.org/officeDocument/2006/relationships" xmlns:p="http://schemas.openxmlformats.org/presentationml/2006/main">
+  <p:cSld>
+    <p:spTree>
+      <p:nvGrpSpPr>
+        <p:cNvPr id="1" name=""/>
+        <p:cNvGrpSpPr/>
+        <p:nvPr/>
+      </p:nvGrpSpPr>
+      <p:grpSpPr>
+        <a:xfrm>
+          <a:off x="0" y="0"/>
+          <a:ext cx="0" cy="0"/>
+          <a:chOff x="0" y="0"/>
+          <a:chExt cx="0" cy="0"/>
+        </a:xfrm>
+      </p:grpSpPr>
+      <p:sp>
+        <p:nvSpPr>
+          <p:cNvPr id="90" name="PlaceHolder 1"/>
+          <p:cNvSpPr>
+            <a:spLocks noGrp="1"/>
+          </p:cNvSpPr>
+          <p:nvPr>
+            <p:ph type="title"/>
+          </p:nvPr>
+        </p:nvSpPr>
+        <p:spPr>
+          <a:xfrm>
+            <a:off x="700560" y="914400"/>
+            <a:ext cx="10690920" cy="1307160"/>
+          </a:xfrm>
+          <a:prstGeom prst="rect">
+            <a:avLst/>
+          </a:prstGeom>
+          <a:noFill/>
+          <a:ln w="0">
+            <a:noFill/>
+          </a:ln>
+        </p:spPr>
+        <p:txBody>
+          <a:bodyPr lIns="91440" tIns="45720" rIns="91440" bIns="45720" anchor="t">
+            <a:normAutofit/>
+          </a:bodyPr>
+          <a:lstStyle/>
+          <a:p>
+            <a:pPr indent="0" defTabSz="914400">
+              <a:lnSpc>
+                <a:spcPct val="100000"/>
+              </a:lnSpc>
+              <a:buNone/>
+            </a:pPr>
+            <a:r>
+              <a:rPr lang="de-DE" sz="4000" b="0" u="none" strike="noStrike" cap="all" spc="31" dirty="0">
+                <a:solidFill>
+                  <a:schemeClr val="dk1"/>
+                </a:solidFill>
+                <a:effectLst/>
+                <a:uFillTx/>
+                <a:latin typeface="Univers Condensed"/>
+              </a:rPr>
+              <a:t>1. Verwendete Tools</a:t>
+            </a:r>
+            <a:endParaRPr lang="de-DE" sz="4000" b="0" u="none" strike="noStrike" dirty="0">
+              <a:solidFill>
+                <a:schemeClr val="dk1"/>
+              </a:solidFill>
+              <a:effectLst/>
+              <a:uFillTx/>
+              <a:latin typeface="Calisto MT"/>
+            </a:endParaRPr>
+          </a:p>
+        </p:txBody>
+      </p:sp>
+      <p:sp>
+        <p:nvSpPr>
+          <p:cNvPr id="91" name="PlaceHolder 2"/>
+          <p:cNvSpPr>
+            <a:spLocks noGrp="1"/>
+          </p:cNvSpPr>
+          <p:nvPr>
+            <p:ph/>
+          </p:nvPr>
+        </p:nvSpPr>
+        <p:spPr>
+          <a:xfrm>
+            <a:off x="700560" y="2221920"/>
+            <a:ext cx="10690920" cy="3739680"/>
+          </a:xfrm>
+          <a:prstGeom prst="rect">
+            <a:avLst/>
+          </a:prstGeom>
+          <a:noFill/>
+          <a:ln w="0">
+            <a:noFill/>
+          </a:ln>
+        </p:spPr>
+        <p:txBody>
+          <a:bodyPr lIns="91440" tIns="45720" rIns="91440" bIns="45720" anchor="t">
+            <a:normAutofit fontScale="92500" lnSpcReduction="19999"/>
+          </a:bodyPr>
+          <a:lstStyle/>
+          <a:p>
+            <a:pPr marL="228600" indent="-228600" defTabSz="914400">
+              <a:lnSpc>
+                <a:spcPct val="110000"/>
+              </a:lnSpc>
+              <a:spcBef>
+                <a:spcPts val="1001"/>
+              </a:spcBef>
+              <a:buClr>
+                <a:srgbClr val="000000"/>
+              </a:buClr>
+              <a:buFont typeface="Arial"/>
+              <a:buChar char="•"/>
+            </a:pPr>
+            <a:r>
+              <a:rPr lang="de-DE" sz="2000" b="0" u="none" strike="noStrike">
+                <a:solidFill>
+                  <a:schemeClr val="dk1"/>
+                </a:solidFill>
+                <a:effectLst/>
+                <a:uFillTx/>
+                <a:latin typeface="Calisto MT"/>
+              </a:rPr>
+              <a:t>VisualStudio Code</a:t>
+            </a:r>
+          </a:p>
+          <a:p>
+            <a:pPr marL="685800" lvl="1" indent="-228600" defTabSz="914400">
+              <a:lnSpc>
+                <a:spcPct val="110000"/>
+              </a:lnSpc>
+              <a:spcBef>
+                <a:spcPts val="499"/>
+              </a:spcBef>
+              <a:buClr>
+                <a:srgbClr val="000000"/>
+              </a:buClr>
+              <a:buFont typeface="Arial"/>
+              <a:buChar char="•"/>
+            </a:pPr>
+            <a:r>
+              <a:rPr lang="de-DE" sz="1800" b="0" u="none" strike="noStrike">
+                <a:solidFill>
+                  <a:schemeClr val="dk1"/>
+                </a:solidFill>
+                <a:effectLst/>
+                <a:uFillTx/>
+                <a:latin typeface="Calisto MT"/>
+              </a:rPr>
+              <a:t>Bootstap</a:t>
+            </a:r>
+          </a:p>
+          <a:p>
+            <a:pPr marL="1143000" lvl="2" indent="-228600" defTabSz="914400">
+              <a:lnSpc>
+                <a:spcPct val="110000"/>
+              </a:lnSpc>
+              <a:spcBef>
+                <a:spcPts val="499"/>
+              </a:spcBef>
+              <a:buClr>
+                <a:srgbClr val="000000"/>
+              </a:buClr>
+              <a:buFont typeface="Arial"/>
+              <a:buChar char="•"/>
+            </a:pPr>
+            <a:r>
+              <a:rPr lang="de-DE" sz="1600" b="0" u="none" strike="noStrike">
+                <a:solidFill>
+                  <a:schemeClr val="dk1"/>
+                </a:solidFill>
+                <a:effectLst/>
+                <a:uFillTx/>
+                <a:latin typeface="Calisto MT"/>
+              </a:rPr>
+              <a:t>HTML</a:t>
+            </a:r>
+          </a:p>
+          <a:p>
+            <a:pPr marL="1143000" lvl="2" indent="-228600" defTabSz="914400">
+              <a:lnSpc>
+                <a:spcPct val="110000"/>
+              </a:lnSpc>
+              <a:spcBef>
+                <a:spcPts val="499"/>
+              </a:spcBef>
+              <a:buClr>
+                <a:srgbClr val="000000"/>
+              </a:buClr>
+              <a:buFont typeface="Arial"/>
+              <a:buChar char="•"/>
+            </a:pPr>
+            <a:r>
+              <a:rPr lang="de-DE" sz="1600" b="0" u="none" strike="noStrike">
+                <a:solidFill>
+                  <a:schemeClr val="dk1"/>
+                </a:solidFill>
+                <a:effectLst/>
+                <a:uFillTx/>
+                <a:latin typeface="Calisto MT"/>
+              </a:rPr>
+              <a:t>CSS</a:t>
+            </a:r>
+          </a:p>
+          <a:p>
+            <a:pPr marL="1143000" lvl="2" indent="-228600" defTabSz="914400">
+              <a:lnSpc>
+                <a:spcPct val="110000"/>
+              </a:lnSpc>
+              <a:spcBef>
+                <a:spcPts val="499"/>
+              </a:spcBef>
+              <a:buClr>
+                <a:srgbClr val="000000"/>
+              </a:buClr>
+              <a:buFont typeface="Arial"/>
+              <a:buChar char="•"/>
+            </a:pPr>
+            <a:r>
+              <a:rPr lang="de-DE" sz="1600" b="0" u="none" strike="noStrike">
+                <a:solidFill>
+                  <a:schemeClr val="dk1"/>
+                </a:solidFill>
+                <a:effectLst/>
+                <a:uFillTx/>
+                <a:latin typeface="Calisto MT"/>
+              </a:rPr>
+              <a:t>JavaScript</a:t>
+            </a:r>
+          </a:p>
+          <a:p>
+            <a:pPr marL="1143000" lvl="2" indent="-228600" defTabSz="914400">
+              <a:lnSpc>
+                <a:spcPct val="110000"/>
+              </a:lnSpc>
+              <a:spcBef>
+                <a:spcPts val="499"/>
+              </a:spcBef>
+              <a:buClr>
+                <a:srgbClr val="000000"/>
+              </a:buClr>
+              <a:buFont typeface="Arial"/>
+              <a:buChar char="•"/>
+            </a:pPr>
+            <a:r>
+              <a:rPr lang="de-DE" sz="1600" b="0" u="none" strike="noStrike">
+                <a:solidFill>
+                  <a:schemeClr val="dk1"/>
+                </a:solidFill>
+                <a:effectLst/>
+                <a:uFillTx/>
+                <a:latin typeface="Calisto MT"/>
+              </a:rPr>
+              <a:t>PHP</a:t>
+            </a:r>
+          </a:p>
+          <a:p>
+            <a:pPr marL="685800" lvl="1" indent="-228600" defTabSz="914400">
+              <a:lnSpc>
+                <a:spcPct val="110000"/>
+              </a:lnSpc>
+              <a:spcBef>
+                <a:spcPts val="499"/>
+              </a:spcBef>
+              <a:buClr>
+                <a:srgbClr val="000000"/>
+              </a:buClr>
+              <a:buFont typeface="Arial"/>
+              <a:buChar char="•"/>
+            </a:pPr>
+            <a:r>
+              <a:rPr lang="de-DE" sz="1800" b="0" u="none" strike="noStrike">
+                <a:solidFill>
+                  <a:schemeClr val="dk1"/>
+                </a:solidFill>
+                <a:effectLst/>
+                <a:uFillTx/>
+                <a:latin typeface="Calisto MT"/>
+              </a:rPr>
+              <a:t>Python</a:t>
+            </a:r>
+          </a:p>
+          <a:p>
+            <a:pPr marL="685800" lvl="1" indent="-228600" defTabSz="914400">
+              <a:lnSpc>
+                <a:spcPct val="110000"/>
+              </a:lnSpc>
+              <a:spcBef>
+                <a:spcPts val="499"/>
+              </a:spcBef>
+              <a:buClr>
+                <a:srgbClr val="000000"/>
+              </a:buClr>
+              <a:buFont typeface="Arial"/>
+              <a:buChar char="•"/>
+            </a:pPr>
+            <a:r>
+              <a:rPr lang="de-DE" sz="1800" b="0" u="none" strike="noStrike">
+                <a:solidFill>
+                  <a:schemeClr val="dk1"/>
+                </a:solidFill>
+                <a:effectLst/>
+                <a:uFillTx/>
+                <a:latin typeface="Calisto MT"/>
+              </a:rPr>
+              <a:t>MariaDB</a:t>
+            </a:r>
+          </a:p>
+          <a:p>
+            <a:pPr marL="228600" indent="-228600" defTabSz="914400">
+              <a:lnSpc>
+                <a:spcPct val="110000"/>
+              </a:lnSpc>
+              <a:spcBef>
+                <a:spcPts val="1001"/>
+              </a:spcBef>
+              <a:buClr>
+                <a:srgbClr val="000000"/>
+              </a:buClr>
+              <a:buFont typeface="Arial"/>
+              <a:buChar char="•"/>
+            </a:pPr>
+            <a:r>
+              <a:rPr lang="de-DE" sz="2000" b="0" u="none" strike="noStrike">
+                <a:solidFill>
+                  <a:schemeClr val="dk1"/>
+                </a:solidFill>
+                <a:effectLst/>
+                <a:uFillTx/>
+                <a:latin typeface="Calisto MT"/>
+              </a:rPr>
+              <a:t>GitHub</a:t>
+            </a:r>
+          </a:p>
+          <a:p>
+            <a:pPr marL="228600" indent="-228600" defTabSz="914400">
+              <a:lnSpc>
+                <a:spcPct val="110000"/>
+              </a:lnSpc>
+              <a:spcBef>
+                <a:spcPts val="1001"/>
+              </a:spcBef>
+              <a:buClr>
+                <a:srgbClr val="000000"/>
+              </a:buClr>
+              <a:buFont typeface="Arial"/>
+              <a:buChar char="•"/>
+            </a:pPr>
+            <a:r>
+              <a:rPr lang="de-DE" sz="2000" b="0" u="none" strike="noStrike">
+                <a:solidFill>
+                  <a:schemeClr val="dk1"/>
+                </a:solidFill>
+                <a:effectLst/>
+                <a:uFillTx/>
+                <a:latin typeface="Calisto MT"/>
+              </a:rPr>
+              <a:t>VPS von @Fabian</a:t>
+            </a:r>
+          </a:p>
+          <a:p>
+            <a:pPr marL="228600" indent="-228600" defTabSz="914400">
+              <a:lnSpc>
+                <a:spcPct val="110000"/>
+              </a:lnSpc>
+              <a:spcBef>
+                <a:spcPts val="1001"/>
+              </a:spcBef>
+              <a:buClr>
+                <a:srgbClr val="000000"/>
+              </a:buClr>
+              <a:buFont typeface="Arial"/>
+              <a:buChar char="•"/>
+            </a:pPr>
+            <a:r>
+              <a:rPr lang="de-DE" sz="2000" b="0" u="none" strike="noStrike">
+                <a:solidFill>
+                  <a:schemeClr val="dk1"/>
+                </a:solidFill>
+                <a:effectLst/>
+                <a:uFillTx/>
+                <a:latin typeface="Calisto MT"/>
+              </a:rPr>
+              <a:t>Jira / Trello</a:t>
+            </a:r>
+          </a:p>
+        </p:txBody>
+      </p:sp>
+      <p:pic>
+        <p:nvPicPr>
+          <p:cNvPr id="92" name="Picture 4" descr="Computerskript auf einem Bildschirm"/>
+          <p:cNvPicPr/>
+          <p:nvPr/>
+        </p:nvPicPr>
+        <p:blipFill>
+          <a:blip r:embed="rId2"/>
+          <a:srcRect r="6208" b="3"/>
+          <a:stretch/>
+        </p:blipFill>
+        <p:spPr>
+          <a:xfrm>
+            <a:off x="6095880" y="2104560"/>
+            <a:ext cx="3721320" cy="2648160"/>
+          </a:xfrm>
+          <a:prstGeom prst="rect">
+            <a:avLst/>
+          </a:prstGeom>
+          <a:noFill/>
+          <a:ln w="0">
+            <a:noFill/>
+          </a:ln>
+        </p:spPr>
+      </p:pic>
+    </p:spTree>
+  </p:cSld>
+  <p:clrMapOvr>
+    <a:masterClrMapping/>
+  </p:clrMapOvr>
+</p:sld>
+</file>
+
+<file path=ppt/slides/slide30.xml><?xml version="1.0" encoding="utf-8"?>
 <p:sld xmlns:a="http://schemas.openxmlformats.org/drawingml/2006/main" xmlns:r="http://schemas.openxmlformats.org/officeDocument/2006/relationships" xmlns:p="http://schemas.openxmlformats.org/presentationml/2006/main">
   <p:cSld>
     <p:bg>
@@ -23019,7 +25641,7 @@
 </p:sld>
 </file>
 
-<file path=ppt/slides/slide25.xml><?xml version="1.0" encoding="utf-8"?>
+<file path=ppt/slides/slide31.xml><?xml version="1.0" encoding="utf-8"?>
 <p:sld xmlns:a="http://schemas.openxmlformats.org/drawingml/2006/main" xmlns:r="http://schemas.openxmlformats.org/officeDocument/2006/relationships" xmlns:p="http://schemas.openxmlformats.org/presentationml/2006/main">
   <p:cSld>
     <p:bg>
@@ -23316,7 +25938,7 @@
 </p:sld>
 </file>
 
-<file path=ppt/slides/slide26.xml><?xml version="1.0" encoding="utf-8"?>
+<file path=ppt/slides/slide32.xml><?xml version="1.0" encoding="utf-8"?>
 <p:sld xmlns:a="http://schemas.openxmlformats.org/drawingml/2006/main" xmlns:r="http://schemas.openxmlformats.org/officeDocument/2006/relationships" xmlns:p="http://schemas.openxmlformats.org/presentationml/2006/main">
   <p:cSld>
     <p:bg>
@@ -23566,429 +26188,6 @@
           </a:ln>
         </p:spPr>
       </p:cxnSp>
-    </p:spTree>
-  </p:cSld>
-  <p:clrMapOvr>
-    <a:masterClrMapping/>
-  </p:clrMapOvr>
-</p:sld>
-</file>
-
-<file path=ppt/slides/slide3.xml><?xml version="1.0" encoding="utf-8"?>
-<p:sld xmlns:a="http://schemas.openxmlformats.org/drawingml/2006/main" xmlns:r="http://schemas.openxmlformats.org/officeDocument/2006/relationships" xmlns:p="http://schemas.openxmlformats.org/presentationml/2006/main">
-  <p:cSld>
-    <p:spTree>
-      <p:nvGrpSpPr>
-        <p:cNvPr id="1" name=""/>
-        <p:cNvGrpSpPr/>
-        <p:nvPr/>
-      </p:nvGrpSpPr>
-      <p:grpSpPr>
-        <a:xfrm>
-          <a:off x="0" y="0"/>
-          <a:ext cx="0" cy="0"/>
-          <a:chOff x="0" y="0"/>
-          <a:chExt cx="0" cy="0"/>
-        </a:xfrm>
-      </p:grpSpPr>
-      <p:sp>
-        <p:nvSpPr>
-          <p:cNvPr id="90" name="PlaceHolder 1"/>
-          <p:cNvSpPr>
-            <a:spLocks noGrp="1"/>
-          </p:cNvSpPr>
-          <p:nvPr>
-            <p:ph type="title"/>
-          </p:nvPr>
-        </p:nvSpPr>
-        <p:spPr>
-          <a:xfrm>
-            <a:off x="700560" y="914400"/>
-            <a:ext cx="10690920" cy="1307160"/>
-          </a:xfrm>
-          <a:prstGeom prst="rect">
-            <a:avLst/>
-          </a:prstGeom>
-          <a:noFill/>
-          <a:ln w="0">
-            <a:noFill/>
-          </a:ln>
-        </p:spPr>
-        <p:txBody>
-          <a:bodyPr lIns="91440" tIns="45720" rIns="91440" bIns="45720" anchor="t">
-            <a:normAutofit/>
-          </a:bodyPr>
-          <a:lstStyle/>
-          <a:p>
-            <a:pPr indent="0" defTabSz="914400">
-              <a:lnSpc>
-                <a:spcPct val="100000"/>
-              </a:lnSpc>
-              <a:buNone/>
-            </a:pPr>
-            <a:r>
-              <a:rPr lang="de-DE" sz="4000" b="0" u="none" strike="noStrike" cap="all" spc="31">
-                <a:solidFill>
-                  <a:schemeClr val="dk1"/>
-                </a:solidFill>
-                <a:effectLst/>
-                <a:uFillTx/>
-                <a:latin typeface="Univers Condensed"/>
-              </a:rPr>
-              <a:t>1. Verwendete Tools</a:t>
-            </a:r>
-            <a:endParaRPr lang="de-DE" sz="4000" b="0" u="none" strike="noStrike">
-              <a:solidFill>
-                <a:schemeClr val="dk1"/>
-              </a:solidFill>
-              <a:effectLst/>
-              <a:uFillTx/>
-              <a:latin typeface="Calisto MT"/>
-            </a:endParaRPr>
-          </a:p>
-        </p:txBody>
-      </p:sp>
-      <p:sp>
-        <p:nvSpPr>
-          <p:cNvPr id="91" name="PlaceHolder 2"/>
-          <p:cNvSpPr>
-            <a:spLocks noGrp="1"/>
-          </p:cNvSpPr>
-          <p:nvPr>
-            <p:ph/>
-          </p:nvPr>
-        </p:nvSpPr>
-        <p:spPr>
-          <a:xfrm>
-            <a:off x="700560" y="2221920"/>
-            <a:ext cx="10690920" cy="3739680"/>
-          </a:xfrm>
-          <a:prstGeom prst="rect">
-            <a:avLst/>
-          </a:prstGeom>
-          <a:noFill/>
-          <a:ln w="0">
-            <a:noFill/>
-          </a:ln>
-        </p:spPr>
-        <p:txBody>
-          <a:bodyPr lIns="91440" tIns="45720" rIns="91440" bIns="45720" anchor="t">
-            <a:normAutofit fontScale="92500" lnSpcReduction="19999"/>
-          </a:bodyPr>
-          <a:lstStyle/>
-          <a:p>
-            <a:pPr marL="228600" indent="-228600" defTabSz="914400">
-              <a:lnSpc>
-                <a:spcPct val="110000"/>
-              </a:lnSpc>
-              <a:spcBef>
-                <a:spcPts val="1001"/>
-              </a:spcBef>
-              <a:buClr>
-                <a:srgbClr val="000000"/>
-              </a:buClr>
-              <a:buFont typeface="Arial"/>
-              <a:buChar char="•"/>
-            </a:pPr>
-            <a:r>
-              <a:rPr lang="de-DE" sz="2000" b="0" u="none" strike="noStrike">
-                <a:solidFill>
-                  <a:schemeClr val="dk1"/>
-                </a:solidFill>
-                <a:effectLst/>
-                <a:uFillTx/>
-                <a:latin typeface="Calisto MT"/>
-              </a:rPr>
-              <a:t>VisualStudio Code</a:t>
-            </a:r>
-          </a:p>
-          <a:p>
-            <a:pPr marL="685800" lvl="1" indent="-228600" defTabSz="914400">
-              <a:lnSpc>
-                <a:spcPct val="110000"/>
-              </a:lnSpc>
-              <a:spcBef>
-                <a:spcPts val="499"/>
-              </a:spcBef>
-              <a:buClr>
-                <a:srgbClr val="000000"/>
-              </a:buClr>
-              <a:buFont typeface="Arial"/>
-              <a:buChar char="•"/>
-            </a:pPr>
-            <a:r>
-              <a:rPr lang="de-DE" sz="1800" b="0" u="none" strike="noStrike">
-                <a:solidFill>
-                  <a:schemeClr val="dk1"/>
-                </a:solidFill>
-                <a:effectLst/>
-                <a:uFillTx/>
-                <a:latin typeface="Calisto MT"/>
-              </a:rPr>
-              <a:t>Bootstap</a:t>
-            </a:r>
-          </a:p>
-          <a:p>
-            <a:pPr marL="1143000" lvl="2" indent="-228600" defTabSz="914400">
-              <a:lnSpc>
-                <a:spcPct val="110000"/>
-              </a:lnSpc>
-              <a:spcBef>
-                <a:spcPts val="499"/>
-              </a:spcBef>
-              <a:buClr>
-                <a:srgbClr val="000000"/>
-              </a:buClr>
-              <a:buFont typeface="Arial"/>
-              <a:buChar char="•"/>
-            </a:pPr>
-            <a:r>
-              <a:rPr lang="de-DE" sz="1600" b="0" u="none" strike="noStrike">
-                <a:solidFill>
-                  <a:schemeClr val="dk1"/>
-                </a:solidFill>
-                <a:effectLst/>
-                <a:uFillTx/>
-                <a:latin typeface="Calisto MT"/>
-              </a:rPr>
-              <a:t>HTML</a:t>
-            </a:r>
-          </a:p>
-          <a:p>
-            <a:pPr marL="1143000" lvl="2" indent="-228600" defTabSz="914400">
-              <a:lnSpc>
-                <a:spcPct val="110000"/>
-              </a:lnSpc>
-              <a:spcBef>
-                <a:spcPts val="499"/>
-              </a:spcBef>
-              <a:buClr>
-                <a:srgbClr val="000000"/>
-              </a:buClr>
-              <a:buFont typeface="Arial"/>
-              <a:buChar char="•"/>
-            </a:pPr>
-            <a:r>
-              <a:rPr lang="de-DE" sz="1600" b="0" u="none" strike="noStrike">
-                <a:solidFill>
-                  <a:schemeClr val="dk1"/>
-                </a:solidFill>
-                <a:effectLst/>
-                <a:uFillTx/>
-                <a:latin typeface="Calisto MT"/>
-              </a:rPr>
-              <a:t>CSS</a:t>
-            </a:r>
-          </a:p>
-          <a:p>
-            <a:pPr marL="1143000" lvl="2" indent="-228600" defTabSz="914400">
-              <a:lnSpc>
-                <a:spcPct val="110000"/>
-              </a:lnSpc>
-              <a:spcBef>
-                <a:spcPts val="499"/>
-              </a:spcBef>
-              <a:buClr>
-                <a:srgbClr val="000000"/>
-              </a:buClr>
-              <a:buFont typeface="Arial"/>
-              <a:buChar char="•"/>
-            </a:pPr>
-            <a:r>
-              <a:rPr lang="de-DE" sz="1600" b="0" u="none" strike="noStrike">
-                <a:solidFill>
-                  <a:schemeClr val="dk1"/>
-                </a:solidFill>
-                <a:effectLst/>
-                <a:uFillTx/>
-                <a:latin typeface="Calisto MT"/>
-              </a:rPr>
-              <a:t>JavaScript</a:t>
-            </a:r>
-          </a:p>
-          <a:p>
-            <a:pPr marL="1143000" lvl="2" indent="-228600" defTabSz="914400">
-              <a:lnSpc>
-                <a:spcPct val="110000"/>
-              </a:lnSpc>
-              <a:spcBef>
-                <a:spcPts val="499"/>
-              </a:spcBef>
-              <a:buClr>
-                <a:srgbClr val="000000"/>
-              </a:buClr>
-              <a:buFont typeface="Arial"/>
-              <a:buChar char="•"/>
-            </a:pPr>
-            <a:r>
-              <a:rPr lang="de-DE" sz="1600" b="0" u="none" strike="noStrike">
-                <a:solidFill>
-                  <a:schemeClr val="dk1"/>
-                </a:solidFill>
-                <a:effectLst/>
-                <a:uFillTx/>
-                <a:latin typeface="Calisto MT"/>
-              </a:rPr>
-              <a:t>PHP</a:t>
-            </a:r>
-          </a:p>
-          <a:p>
-            <a:pPr marL="685800" lvl="1" indent="-228600" defTabSz="914400">
-              <a:lnSpc>
-                <a:spcPct val="110000"/>
-              </a:lnSpc>
-              <a:spcBef>
-                <a:spcPts val="499"/>
-              </a:spcBef>
-              <a:buClr>
-                <a:srgbClr val="000000"/>
-              </a:buClr>
-              <a:buFont typeface="Arial"/>
-              <a:buChar char="•"/>
-            </a:pPr>
-            <a:r>
-              <a:rPr lang="de-DE" sz="1800" b="0" u="none" strike="noStrike">
-                <a:solidFill>
-                  <a:schemeClr val="dk1"/>
-                </a:solidFill>
-                <a:effectLst/>
-                <a:uFillTx/>
-                <a:latin typeface="Calisto MT"/>
-              </a:rPr>
-              <a:t>Python</a:t>
-            </a:r>
-          </a:p>
-          <a:p>
-            <a:pPr marL="685800" lvl="1" indent="-228600" defTabSz="914400">
-              <a:lnSpc>
-                <a:spcPct val="110000"/>
-              </a:lnSpc>
-              <a:spcBef>
-                <a:spcPts val="499"/>
-              </a:spcBef>
-              <a:buClr>
-                <a:srgbClr val="000000"/>
-              </a:buClr>
-              <a:buFont typeface="Arial"/>
-              <a:buChar char="•"/>
-            </a:pPr>
-            <a:r>
-              <a:rPr lang="de-DE" sz="1800" b="0" u="none" strike="noStrike">
-                <a:solidFill>
-                  <a:schemeClr val="dk1"/>
-                </a:solidFill>
-                <a:effectLst/>
-                <a:uFillTx/>
-                <a:latin typeface="Calisto MT"/>
-              </a:rPr>
-              <a:t>MariaDB</a:t>
-            </a:r>
-          </a:p>
-          <a:p>
-            <a:pPr marL="228600" indent="-228600" defTabSz="914400">
-              <a:lnSpc>
-                <a:spcPct val="110000"/>
-              </a:lnSpc>
-              <a:spcBef>
-                <a:spcPts val="1001"/>
-              </a:spcBef>
-              <a:buClr>
-                <a:srgbClr val="000000"/>
-              </a:buClr>
-              <a:buFont typeface="Arial"/>
-              <a:buChar char="•"/>
-            </a:pPr>
-            <a:r>
-              <a:rPr lang="de-DE" sz="2000" b="0" u="none" strike="noStrike">
-                <a:solidFill>
-                  <a:schemeClr val="dk1"/>
-                </a:solidFill>
-                <a:effectLst/>
-                <a:uFillTx/>
-                <a:latin typeface="Calisto MT"/>
-              </a:rPr>
-              <a:t>GitHub</a:t>
-            </a:r>
-          </a:p>
-          <a:p>
-            <a:pPr marL="228600" indent="-228600" defTabSz="914400">
-              <a:lnSpc>
-                <a:spcPct val="110000"/>
-              </a:lnSpc>
-              <a:spcBef>
-                <a:spcPts val="1001"/>
-              </a:spcBef>
-              <a:buClr>
-                <a:srgbClr val="000000"/>
-              </a:buClr>
-              <a:buFont typeface="Arial"/>
-              <a:buChar char="•"/>
-            </a:pPr>
-            <a:r>
-              <a:rPr lang="de-DE" sz="2000" b="0" u="none" strike="noStrike">
-                <a:solidFill>
-                  <a:schemeClr val="dk1"/>
-                </a:solidFill>
-                <a:effectLst/>
-                <a:uFillTx/>
-                <a:latin typeface="Calisto MT"/>
-              </a:rPr>
-              <a:t>VPS von @Fabian</a:t>
-            </a:r>
-          </a:p>
-          <a:p>
-            <a:pPr marL="228600" indent="-228600" defTabSz="914400">
-              <a:lnSpc>
-                <a:spcPct val="110000"/>
-              </a:lnSpc>
-              <a:spcBef>
-                <a:spcPts val="1001"/>
-              </a:spcBef>
-              <a:buClr>
-                <a:srgbClr val="000000"/>
-              </a:buClr>
-              <a:buFont typeface="Arial"/>
-              <a:buChar char="•"/>
-            </a:pPr>
-            <a:r>
-              <a:rPr lang="de-DE" sz="2000" b="0" u="none" strike="noStrike">
-                <a:solidFill>
-                  <a:schemeClr val="dk1"/>
-                </a:solidFill>
-                <a:effectLst/>
-                <a:uFillTx/>
-                <a:latin typeface="Calisto MT"/>
-              </a:rPr>
-              <a:t>Jira / Trello</a:t>
-            </a:r>
-          </a:p>
-        </p:txBody>
-      </p:sp>
-      <p:pic>
-        <p:nvPicPr>
-          <p:cNvPr id="92" name="Picture 4" descr="Computerskript auf einem Bildschirm"/>
-          <p:cNvPicPr/>
-          <p:nvPr/>
-        </p:nvPicPr>
-        <p:blipFill>
-          <a:blip r:embed="rId2"/>
-          <a:srcRect r="6208" b="3"/>
-          <a:stretch/>
-        </p:blipFill>
-        <p:spPr>
-          <a:xfrm>
-            <a:off x="6095880" y="2104560"/>
-            <a:ext cx="3721320" cy="2648160"/>
-          </a:xfrm>
-          <a:prstGeom prst="rect">
-            <a:avLst/>
-          </a:prstGeom>
-          <a:noFill/>
-          <a:ln w="0">
-            <a:noFill/>
-          </a:ln>
-        </p:spPr>
-      </p:pic>
     </p:spTree>
   </p:cSld>
   <p:clrMapOvr>
@@ -27008,7 +29207,7 @@
               <a:buChar char="•"/>
             </a:pPr>
             <a:r>
-              <a:rPr lang="de-DE" sz="1800" b="0" u="none" strike="noStrike">
+              <a:rPr lang="de-DE" sz="1800" b="0" u="none" strike="noStrike" dirty="0">
                 <a:solidFill>
                   <a:schemeClr val="dk1"/>
                 </a:solidFill>
@@ -27018,7 +29217,7 @@
               </a:rPr>
               <a:t>Product-Backlog wurde basierend auf den Stakeholdern rechts erstellt.</a:t>
             </a:r>
-            <a:endParaRPr lang="de-DE" sz="1800" b="0" u="none" strike="noStrike">
+            <a:endParaRPr lang="de-DE" sz="1800" b="0" u="none" strike="noStrike" dirty="0">
               <a:solidFill>
                 <a:srgbClr val="000000"/>
               </a:solidFill>
@@ -27039,7 +29238,7 @@
               <a:buChar char="•"/>
             </a:pPr>
             <a:r>
-              <a:rPr lang="de-DE" sz="1800" b="0" u="none" strike="noStrike">
+              <a:rPr lang="de-DE" sz="1800" b="0" u="none" strike="noStrike" dirty="0">
                 <a:solidFill>
                   <a:schemeClr val="dk1"/>
                 </a:solidFill>
@@ -27049,7 +29248,7 @@
               </a:rPr>
               <a:t>Diese wurden befragt, ihre Geschichten wurden als User Storys aufgenommen</a:t>
             </a:r>
-            <a:endParaRPr lang="de-DE" sz="1800" b="0" u="none" strike="noStrike">
+            <a:endParaRPr lang="de-DE" sz="1800" b="0" u="none" strike="noStrike" dirty="0">
               <a:solidFill>
                 <a:srgbClr val="000000"/>
               </a:solidFill>
@@ -27070,7 +29269,7 @@
               <a:buChar char="•"/>
             </a:pPr>
             <a:r>
-              <a:rPr lang="de-DE" sz="1800" b="0" u="none" strike="noStrike">
+              <a:rPr lang="de-DE" sz="1800" b="0" u="none" strike="noStrike" dirty="0">
                 <a:solidFill>
                   <a:schemeClr val="dk1"/>
                 </a:solidFill>
@@ -27080,7 +29279,7 @@
               </a:rPr>
               <a:t>Diese User Storys stellen die Anforderungen dar.</a:t>
             </a:r>
-            <a:endParaRPr lang="de-DE" sz="1800" b="0" u="none" strike="noStrike">
+            <a:endParaRPr lang="de-DE" sz="1800" b="0" u="none" strike="noStrike" dirty="0">
               <a:solidFill>
                 <a:srgbClr val="000000"/>
               </a:solidFill>
@@ -27101,7 +29300,7 @@
               <a:buChar char="•"/>
             </a:pPr>
             <a:r>
-              <a:rPr lang="de-DE" sz="1800" b="0" u="none" strike="noStrike">
+              <a:rPr lang="de-DE" sz="1800" b="0" u="none" strike="noStrike" dirty="0">
                 <a:solidFill>
                   <a:schemeClr val="dk1"/>
                 </a:solidFill>
@@ -27111,7 +29310,7 @@
               </a:rPr>
               <a:t>Zusätzlich zu den User-Storys wurden Anforderungen aus dem Auftrag entnommen.</a:t>
             </a:r>
-            <a:endParaRPr lang="de-DE" sz="1800" b="0" u="none" strike="noStrike">
+            <a:endParaRPr lang="de-DE" sz="1800" b="0" u="none" strike="noStrike" dirty="0">
               <a:solidFill>
                 <a:srgbClr val="000000"/>
               </a:solidFill>
@@ -27149,13 +29348,7 @@
       </p:grpSpPr>
       <p:sp>
         <p:nvSpPr>
-          <p:cNvPr id="2" name="Titel 1">
-            <a:extLst>
-              <a:ext uri="{FF2B5EF4-FFF2-40B4-BE49-F238E27FC236}">
-                <a16:creationId xmlns:a16="http://schemas.microsoft.com/office/drawing/2014/main" id="{5676A1F0-06D2-D34D-F730-80C010184074}"/>
-              </a:ext>
-            </a:extLst>
-          </p:cNvPr>
+          <p:cNvPr id="139" name="PlaceHolder 1"/>
           <p:cNvSpPr>
             <a:spLocks noGrp="1"/>
           </p:cNvSpPr>
@@ -27163,13 +29356,33 @@
             <p:ph type="title"/>
           </p:nvPr>
         </p:nvSpPr>
-        <p:spPr/>
+        <p:spPr>
+          <a:xfrm>
+            <a:off x="700560" y="914400"/>
+            <a:ext cx="10690920" cy="1307160"/>
+          </a:xfrm>
+          <a:prstGeom prst="rect">
+            <a:avLst/>
+          </a:prstGeom>
+          <a:noFill/>
+          <a:ln w="0">
+            <a:noFill/>
+          </a:ln>
+        </p:spPr>
         <p:txBody>
-          <a:bodyPr/>
+          <a:bodyPr lIns="91440" tIns="45720" rIns="91440" bIns="45720" anchor="t">
+            <a:normAutofit fontScale="90000"/>
+          </a:bodyPr>
           <a:lstStyle/>
           <a:p>
-            <a:r>
-              <a:rPr lang="de-DE" sz="4000" cap="all" spc="31" dirty="0">
+            <a:pPr indent="0" defTabSz="914400">
+              <a:lnSpc>
+                <a:spcPct val="100000"/>
+              </a:lnSpc>
+              <a:buNone/>
+            </a:pPr>
+            <a:r>
+              <a:rPr lang="de-DE" sz="3600" cap="all" spc="31" dirty="0">
                 <a:solidFill>
                   <a:schemeClr val="dk1"/>
                 </a:solidFill>
@@ -27177,7 +29390,7 @@
               <a:t>3. </a:t>
             </a:r>
             <a:r>
-              <a:rPr lang="de-DE" cap="all" spc="31" dirty="0">
+              <a:rPr lang="de-DE" sz="4000" cap="all" spc="31" dirty="0">
                 <a:solidFill>
                   <a:srgbClr val="000000"/>
                 </a:solidFill>
@@ -27185,39 +29398,54 @@
               <a:t>Anforderungsanalyse</a:t>
             </a:r>
             <a:br>
-              <a:rPr lang="de-DE" dirty="0"/>
+              <a:rPr lang="de-DE" sz="4000" dirty="0"/>
             </a:br>
             <a:r>
-              <a:rPr lang="de-DE" cap="all" spc="31" dirty="0">
+              <a:rPr lang="de-DE" sz="4000" cap="all" spc="31" dirty="0">
                 <a:solidFill>
                   <a:srgbClr val="000000"/>
                 </a:solidFill>
               </a:rPr>
               <a:t>und Stakeholder</a:t>
             </a:r>
-            <a:endParaRPr lang="de-DE" dirty="0"/>
+            <a:endParaRPr lang="de-DE" sz="4000" b="0" u="none" strike="noStrike" dirty="0">
+              <a:solidFill>
+                <a:schemeClr val="dk1"/>
+              </a:solidFill>
+              <a:effectLst/>
+              <a:uFillTx/>
+              <a:latin typeface="Calisto MT"/>
+            </a:endParaRPr>
           </a:p>
         </p:txBody>
       </p:sp>
       <p:sp>
         <p:nvSpPr>
-          <p:cNvPr id="3" name="Textplatzhalter 2">
-            <a:extLst>
-              <a:ext uri="{FF2B5EF4-FFF2-40B4-BE49-F238E27FC236}">
-                <a16:creationId xmlns:a16="http://schemas.microsoft.com/office/drawing/2014/main" id="{0037BA5E-13C2-2C2D-70D2-6E64DBC256CB}"/>
-              </a:ext>
-            </a:extLst>
-          </p:cNvPr>
+          <p:cNvPr id="140" name="PlaceHolder 2"/>
           <p:cNvSpPr>
             <a:spLocks noGrp="1"/>
           </p:cNvSpPr>
           <p:nvPr>
-            <p:ph type="body"/>
+            <p:ph/>
           </p:nvPr>
         </p:nvSpPr>
-        <p:spPr/>
+        <p:spPr>
+          <a:xfrm>
+            <a:off x="700560" y="2221920"/>
+            <a:ext cx="10690920" cy="3739680"/>
+          </a:xfrm>
+          <a:prstGeom prst="rect">
+            <a:avLst/>
+          </a:prstGeom>
+          <a:noFill/>
+          <a:ln w="0">
+            <a:noFill/>
+          </a:ln>
+        </p:spPr>
         <p:txBody>
-          <a:bodyPr/>
+          <a:bodyPr lIns="91440" tIns="45720" rIns="91440" bIns="45720" anchor="t">
+            <a:normAutofit/>
+          </a:bodyPr>
           <a:lstStyle/>
           <a:p>
             <a:r>
@@ -27359,21 +29587,10 @@
               <a:rPr lang="de-DE" sz="1100" i="1" dirty="0"/>
               <a:t>Hierzu wurde GIT ausgewählt, dass die Versionierung ermöglicht.</a:t>
             </a:r>
-          </a:p>
-          <a:p>
-            <a:pPr marL="0" indent="0">
-              <a:buNone/>
-            </a:pPr>
-            <a:endParaRPr lang="de-DE" sz="1200" dirty="0"/>
           </a:p>
         </p:txBody>
       </p:sp>
     </p:spTree>
-    <p:extLst>
-      <p:ext uri="{BB962C8B-B14F-4D97-AF65-F5344CB8AC3E}">
-        <p14:creationId xmlns:p14="http://schemas.microsoft.com/office/powerpoint/2010/main" val="192684856"/>
-      </p:ext>
-    </p:extLst>
   </p:cSld>
   <p:clrMapOvr>
     <a:masterClrMapping/>
@@ -27412,7 +29629,7 @@
                                           </p:stCondLst>
                                         </p:cTn>
                                         <p:tgtEl>
-                                          <p:spTgt spid="3">
+                                          <p:spTgt spid="140">
                                             <p:txEl>
                                               <p:pRg st="0" end="0"/>
                                             </p:txEl>
@@ -27461,7 +29678,7 @@
                                           </p:stCondLst>
                                         </p:cTn>
                                         <p:tgtEl>
-                                          <p:spTgt spid="3">
+                                          <p:spTgt spid="140">
                                             <p:txEl>
                                               <p:pRg st="1" end="1"/>
                                             </p:txEl>
@@ -27510,7 +29727,7 @@
                                           </p:stCondLst>
                                         </p:cTn>
                                         <p:tgtEl>
-                                          <p:spTgt spid="3">
+                                          <p:spTgt spid="140">
                                             <p:txEl>
                                               <p:pRg st="2" end="2"/>
                                             </p:txEl>
@@ -27559,7 +29776,7 @@
                                           </p:stCondLst>
                                         </p:cTn>
                                         <p:tgtEl>
-                                          <p:spTgt spid="3">
+                                          <p:spTgt spid="140">
                                             <p:txEl>
                                               <p:pRg st="3" end="3"/>
                                             </p:txEl>
@@ -27608,7 +29825,7 @@
                                           </p:stCondLst>
                                         </p:cTn>
                                         <p:tgtEl>
-                                          <p:spTgt spid="3">
+                                          <p:spTgt spid="140">
                                             <p:txEl>
                                               <p:pRg st="4" end="4"/>
                                             </p:txEl>
@@ -27657,7 +29874,7 @@
                                           </p:stCondLst>
                                         </p:cTn>
                                         <p:tgtEl>
-                                          <p:spTgt spid="3">
+                                          <p:spTgt spid="140">
                                             <p:txEl>
                                               <p:pRg st="5" end="5"/>
                                             </p:txEl>
@@ -27706,7 +29923,7 @@
                                           </p:stCondLst>
                                         </p:cTn>
                                         <p:tgtEl>
-                                          <p:spTgt spid="3">
+                                          <p:spTgt spid="140">
                                             <p:txEl>
                                               <p:pRg st="6" end="6"/>
                                             </p:txEl>
@@ -27755,7 +29972,7 @@
                                           </p:stCondLst>
                                         </p:cTn>
                                         <p:tgtEl>
-                                          <p:spTgt spid="3">
+                                          <p:spTgt spid="140">
                                             <p:txEl>
                                               <p:pRg st="7" end="7"/>
                                             </p:txEl>
@@ -27804,7 +30021,7 @@
                                           </p:stCondLst>
                                         </p:cTn>
                                         <p:tgtEl>
-                                          <p:spTgt spid="3">
+                                          <p:spTgt spid="140">
                                             <p:txEl>
                                               <p:pRg st="8" end="8"/>
                                             </p:txEl>
@@ -27853,7 +30070,7 @@
                                           </p:stCondLst>
                                         </p:cTn>
                                         <p:tgtEl>
-                                          <p:spTgt spid="3">
+                                          <p:spTgt spid="140">
                                             <p:txEl>
                                               <p:pRg st="9" end="9"/>
                                             </p:txEl>
@@ -27902,7 +30119,7 @@
                                           </p:stCondLst>
                                         </p:cTn>
                                         <p:tgtEl>
-                                          <p:spTgt spid="3">
+                                          <p:spTgt spid="140">
                                             <p:txEl>
                                               <p:pRg st="10" end="10"/>
                                             </p:txEl>
@@ -27951,7 +30168,7 @@
                                           </p:stCondLst>
                                         </p:cTn>
                                         <p:tgtEl>
-                                          <p:spTgt spid="3">
+                                          <p:spTgt spid="140">
                                             <p:txEl>
                                               <p:pRg st="11" end="11"/>
                                             </p:txEl>
@@ -28000,7 +30217,7 @@
                                           </p:stCondLst>
                                         </p:cTn>
                                         <p:tgtEl>
-                                          <p:spTgt spid="3">
+                                          <p:spTgt spid="140">
                                             <p:txEl>
                                               <p:pRg st="12" end="12"/>
                                             </p:txEl>
@@ -28049,7 +30266,7 @@
                                           </p:stCondLst>
                                         </p:cTn>
                                         <p:tgtEl>
-                                          <p:spTgt spid="3">
+                                          <p:spTgt spid="140">
                                             <p:txEl>
                                               <p:pRg st="13" end="13"/>
                                             </p:txEl>
@@ -28098,7 +30315,7 @@
                                           </p:stCondLst>
                                         </p:cTn>
                                         <p:tgtEl>
-                                          <p:spTgt spid="3">
+                                          <p:spTgt spid="140">
                                             <p:txEl>
                                               <p:pRg st="14" end="14"/>
                                             </p:txEl>
@@ -28147,7 +30364,7 @@
                                           </p:stCondLst>
                                         </p:cTn>
                                         <p:tgtEl>
-                                          <p:spTgt spid="3">
+                                          <p:spTgt spid="140">
                                             <p:txEl>
                                               <p:pRg st="15" end="15"/>
                                             </p:txEl>
@@ -28196,7 +30413,7 @@
                                           </p:stCondLst>
                                         </p:cTn>
                                         <p:tgtEl>
-                                          <p:spTgt spid="3">
+                                          <p:spTgt spid="140">
                                             <p:txEl>
                                               <p:pRg st="16" end="16"/>
                                             </p:txEl>

--- a/Abgabe/Dokumentation/Präsentation.pptx
+++ b/Abgabe/Dokumentation/Präsentation.pptx
@@ -4,6 +4,9 @@
   <p:sldMasterIdLst>
     <p:sldMasterId id="2147483648" r:id="rId1"/>
   </p:sldMasterIdLst>
+  <p:notesMasterIdLst>
+    <p:notesMasterId r:id="rId34"/>
+  </p:notesMasterIdLst>
   <p:sldIdLst>
     <p:sldId id="256" r:id="rId2"/>
     <p:sldId id="257" r:id="rId3"/>
@@ -2711,7 +2714,7 @@
 <dgm:dataModel xmlns:dgm="http://schemas.openxmlformats.org/drawingml/2006/diagram" xmlns:a="http://schemas.openxmlformats.org/drawingml/2006/main">
   <dgm:ptLst>
     <dgm:pt modelId="{BBE3F9C8-0D14-4932-BE94-A7F13B009F25}" type="doc">
-      <dgm:prSet loTypeId="urn:microsoft.com/office/officeart/2005/8/layout/hierarchy1" loCatId="hierarchy" qsTypeId="urn:microsoft.com/office/officeart/2005/8/quickstyle/simple1" qsCatId="simple" csTypeId="urn:microsoft.com/office/officeart/2005/8/colors/colorful5" csCatId="colorful"/>
+      <dgm:prSet loTypeId="urn:microsoft.com/office/officeart/2005/8/layout/hierarchy1" loCatId="hierarchy" qsTypeId="urn:microsoft.com/office/officeart/2005/8/quickstyle/simple1" qsCatId="simple" csTypeId="urn:microsoft.com/office/officeart/2005/8/colors/colorful5" csCatId="colorful" phldr="1"/>
       <dgm:spPr/>
       <dgm:t>
         <a:bodyPr/>
@@ -2729,10 +2732,14 @@
         <a:lstStyle/>
         <a:p>
           <a:r>
-            <a:rPr lang="de-DE"/>
-            <a:t>Scrum eher ungeeignet</a:t>
+            <a:rPr lang="de-DE" dirty="0" err="1"/>
+            <a:t>Scrum</a:t>
           </a:r>
-          <a:endParaRPr lang="en-US"/>
+          <a:r>
+            <a:rPr lang="de-DE" dirty="0"/>
+            <a:t> hier eher ungeeignet</a:t>
+          </a:r>
+          <a:endParaRPr lang="en-US" dirty="0"/>
         </a:p>
       </dgm:t>
     </dgm:pt>
@@ -2945,7 +2952,7 @@
   <dgm:whole/>
   <dgm:extLst>
     <a:ext uri="http://schemas.microsoft.com/office/drawing/2008/diagram">
-      <dsp:dataModelExt xmlns:dsp="http://schemas.microsoft.com/office/drawing/2008/diagram" relId="rId6" minVer="http://schemas.openxmlformats.org/drawingml/2006/diagram"/>
+      <dsp:dataModelExt xmlns:dsp="http://schemas.microsoft.com/office/drawing/2008/diagram" relId="rId7" minVer="http://schemas.openxmlformats.org/drawingml/2006/diagram"/>
     </a:ext>
   </dgm:extLst>
 </dgm:dataModel>
@@ -3064,10 +3071,14 @@
             <a:buNone/>
           </a:pPr>
           <a:r>
-            <a:rPr lang="de-DE" sz="2000" kern="1200"/>
-            <a:t>Scrum eher ungeeignet</a:t>
+            <a:rPr lang="de-DE" sz="2000" kern="1200" dirty="0" err="1"/>
+            <a:t>Scrum</a:t>
           </a:r>
-          <a:endParaRPr lang="en-US" sz="2000" kern="1200"/>
+          <a:r>
+            <a:rPr lang="de-DE" sz="2000" kern="1200" dirty="0"/>
+            <a:t> hier eher ungeeignet</a:t>
+          </a:r>
+          <a:endParaRPr lang="en-US" sz="2000" kern="1200" dirty="0"/>
         </a:p>
       </dsp:txBody>
       <dsp:txXfrm>
@@ -4908,6 +4919,534 @@
 </dgm:styleDef>
 </file>
 
+<file path=ppt/notesMasters/notesMaster1.xml><?xml version="1.0" encoding="utf-8"?>
+<p:notesMaster xmlns:a="http://schemas.openxmlformats.org/drawingml/2006/main" xmlns:r="http://schemas.openxmlformats.org/officeDocument/2006/relationships" xmlns:p="http://schemas.openxmlformats.org/presentationml/2006/main">
+  <p:cSld>
+    <p:bg>
+      <p:bgRef idx="1001">
+        <a:schemeClr val="bg1"/>
+      </p:bgRef>
+    </p:bg>
+    <p:spTree>
+      <p:nvGrpSpPr>
+        <p:cNvPr id="1" name=""/>
+        <p:cNvGrpSpPr/>
+        <p:nvPr/>
+      </p:nvGrpSpPr>
+      <p:grpSpPr>
+        <a:xfrm>
+          <a:off x="0" y="0"/>
+          <a:ext cx="0" cy="0"/>
+          <a:chOff x="0" y="0"/>
+          <a:chExt cx="0" cy="0"/>
+        </a:xfrm>
+      </p:grpSpPr>
+      <p:sp>
+        <p:nvSpPr>
+          <p:cNvPr id="2" name="Kopfzeilenplatzhalter 1"/>
+          <p:cNvSpPr>
+            <a:spLocks noGrp="1"/>
+          </p:cNvSpPr>
+          <p:nvPr>
+            <p:ph type="hdr" sz="quarter"/>
+          </p:nvPr>
+        </p:nvSpPr>
+        <p:spPr>
+          <a:xfrm>
+            <a:off x="0" y="0"/>
+            <a:ext cx="3276600" cy="536575"/>
+          </a:xfrm>
+          <a:prstGeom prst="rect">
+            <a:avLst/>
+          </a:prstGeom>
+        </p:spPr>
+        <p:txBody>
+          <a:bodyPr vert="horz" lIns="91440" tIns="45720" rIns="91440" bIns="45720" rtlCol="0"/>
+          <a:lstStyle>
+            <a:lvl1pPr algn="l">
+              <a:defRPr sz="1200"/>
+            </a:lvl1pPr>
+          </a:lstStyle>
+          <a:p>
+            <a:endParaRPr lang="de-DE"/>
+          </a:p>
+        </p:txBody>
+      </p:sp>
+      <p:sp>
+        <p:nvSpPr>
+          <p:cNvPr id="3" name="Datumsplatzhalter 2"/>
+          <p:cNvSpPr>
+            <a:spLocks noGrp="1"/>
+          </p:cNvSpPr>
+          <p:nvPr>
+            <p:ph type="dt" idx="1"/>
+          </p:nvPr>
+        </p:nvSpPr>
+        <p:spPr>
+          <a:xfrm>
+            <a:off x="4281488" y="0"/>
+            <a:ext cx="3276600" cy="536575"/>
+          </a:xfrm>
+          <a:prstGeom prst="rect">
+            <a:avLst/>
+          </a:prstGeom>
+        </p:spPr>
+        <p:txBody>
+          <a:bodyPr vert="horz" lIns="91440" tIns="45720" rIns="91440" bIns="45720" rtlCol="0"/>
+          <a:lstStyle>
+            <a:lvl1pPr algn="r">
+              <a:defRPr sz="1200"/>
+            </a:lvl1pPr>
+          </a:lstStyle>
+          <a:p>
+            <a:fld id="{2E5B66CC-DEBD-4864-A178-797B0E54C0D4}" type="datetimeFigureOut">
+              <a:rPr lang="de-DE" smtClean="0"/>
+              <a:t>11.06.2025</a:t>
+            </a:fld>
+            <a:endParaRPr lang="de-DE"/>
+          </a:p>
+        </p:txBody>
+      </p:sp>
+      <p:sp>
+        <p:nvSpPr>
+          <p:cNvPr id="4" name="Folienbildplatzhalter 3"/>
+          <p:cNvSpPr>
+            <a:spLocks noGrp="1" noRot="1" noChangeAspect="1"/>
+          </p:cNvSpPr>
+          <p:nvPr>
+            <p:ph type="sldImg" idx="2"/>
+          </p:nvPr>
+        </p:nvSpPr>
+        <p:spPr>
+          <a:xfrm>
+            <a:off x="573088" y="1336675"/>
+            <a:ext cx="6413500" cy="3608388"/>
+          </a:xfrm>
+          <a:prstGeom prst="rect">
+            <a:avLst/>
+          </a:prstGeom>
+          <a:noFill/>
+          <a:ln w="12700">
+            <a:solidFill>
+              <a:prstClr val="black"/>
+            </a:solidFill>
+          </a:ln>
+        </p:spPr>
+        <p:txBody>
+          <a:bodyPr vert="horz" lIns="91440" tIns="45720" rIns="91440" bIns="45720" rtlCol="0" anchor="ctr"/>
+          <a:lstStyle/>
+          <a:p>
+            <a:endParaRPr lang="de-DE"/>
+          </a:p>
+        </p:txBody>
+      </p:sp>
+      <p:sp>
+        <p:nvSpPr>
+          <p:cNvPr id="5" name="Notizenplatzhalter 4"/>
+          <p:cNvSpPr>
+            <a:spLocks noGrp="1"/>
+          </p:cNvSpPr>
+          <p:nvPr>
+            <p:ph type="body" sz="quarter" idx="3"/>
+          </p:nvPr>
+        </p:nvSpPr>
+        <p:spPr>
+          <a:xfrm>
+            <a:off x="755650" y="5145088"/>
+            <a:ext cx="6048375" cy="4210050"/>
+          </a:xfrm>
+          <a:prstGeom prst="rect">
+            <a:avLst/>
+          </a:prstGeom>
+        </p:spPr>
+        <p:txBody>
+          <a:bodyPr vert="horz" lIns="91440" tIns="45720" rIns="91440" bIns="45720" rtlCol="0"/>
+          <a:lstStyle/>
+          <a:p>
+            <a:pPr lvl="0"/>
+            <a:r>
+              <a:rPr lang="de-DE"/>
+              <a:t>Mastertextformat bearbeiten</a:t>
+            </a:r>
+          </a:p>
+          <a:p>
+            <a:pPr lvl="1"/>
+            <a:r>
+              <a:rPr lang="de-DE"/>
+              <a:t>Zweite Ebene</a:t>
+            </a:r>
+          </a:p>
+          <a:p>
+            <a:pPr lvl="2"/>
+            <a:r>
+              <a:rPr lang="de-DE"/>
+              <a:t>Dritte Ebene</a:t>
+            </a:r>
+          </a:p>
+          <a:p>
+            <a:pPr lvl="3"/>
+            <a:r>
+              <a:rPr lang="de-DE"/>
+              <a:t>Vierte Ebene</a:t>
+            </a:r>
+          </a:p>
+          <a:p>
+            <a:pPr lvl="4"/>
+            <a:r>
+              <a:rPr lang="de-DE"/>
+              <a:t>Fünfte Ebene</a:t>
+            </a:r>
+          </a:p>
+        </p:txBody>
+      </p:sp>
+      <p:sp>
+        <p:nvSpPr>
+          <p:cNvPr id="6" name="Fußzeilenplatzhalter 5"/>
+          <p:cNvSpPr>
+            <a:spLocks noGrp="1"/>
+          </p:cNvSpPr>
+          <p:nvPr>
+            <p:ph type="ftr" sz="quarter" idx="4"/>
+          </p:nvPr>
+        </p:nvSpPr>
+        <p:spPr>
+          <a:xfrm>
+            <a:off x="0" y="10155238"/>
+            <a:ext cx="3276600" cy="536575"/>
+          </a:xfrm>
+          <a:prstGeom prst="rect">
+            <a:avLst/>
+          </a:prstGeom>
+        </p:spPr>
+        <p:txBody>
+          <a:bodyPr vert="horz" lIns="91440" tIns="45720" rIns="91440" bIns="45720" rtlCol="0" anchor="b"/>
+          <a:lstStyle>
+            <a:lvl1pPr algn="l">
+              <a:defRPr sz="1200"/>
+            </a:lvl1pPr>
+          </a:lstStyle>
+          <a:p>
+            <a:endParaRPr lang="de-DE"/>
+          </a:p>
+        </p:txBody>
+      </p:sp>
+      <p:sp>
+        <p:nvSpPr>
+          <p:cNvPr id="7" name="Foliennummernplatzhalter 6"/>
+          <p:cNvSpPr>
+            <a:spLocks noGrp="1"/>
+          </p:cNvSpPr>
+          <p:nvPr>
+            <p:ph type="sldNum" sz="quarter" idx="5"/>
+          </p:nvPr>
+        </p:nvSpPr>
+        <p:spPr>
+          <a:xfrm>
+            <a:off x="4281488" y="10155238"/>
+            <a:ext cx="3276600" cy="536575"/>
+          </a:xfrm>
+          <a:prstGeom prst="rect">
+            <a:avLst/>
+          </a:prstGeom>
+        </p:spPr>
+        <p:txBody>
+          <a:bodyPr vert="horz" lIns="91440" tIns="45720" rIns="91440" bIns="45720" rtlCol="0" anchor="b"/>
+          <a:lstStyle>
+            <a:lvl1pPr algn="r">
+              <a:defRPr sz="1200"/>
+            </a:lvl1pPr>
+          </a:lstStyle>
+          <a:p>
+            <a:fld id="{E4C9DD25-300E-4456-A785-4AC273582C9A}" type="slidenum">
+              <a:rPr lang="de-DE" smtClean="0"/>
+              <a:t>‹Nr.›</a:t>
+            </a:fld>
+            <a:endParaRPr lang="de-DE"/>
+          </a:p>
+        </p:txBody>
+      </p:sp>
+    </p:spTree>
+    <p:extLst>
+      <p:ext uri="{BB962C8B-B14F-4D97-AF65-F5344CB8AC3E}">
+        <p14:creationId xmlns:p14="http://schemas.microsoft.com/office/powerpoint/2010/main" val="200637834"/>
+      </p:ext>
+    </p:extLst>
+  </p:cSld>
+  <p:clrMap bg1="lt1" tx1="dk1" bg2="lt2" tx2="dk2" accent1="accent1" accent2="accent2" accent3="accent3" accent4="accent4" accent5="accent5" accent6="accent6" hlink="hlink" folHlink="folHlink"/>
+  <p:notesStyle>
+    <a:lvl1pPr marL="0" algn="l" defTabSz="914400" rtl="0" eaLnBrk="1" latinLnBrk="0" hangingPunct="1">
+      <a:defRPr sz="1200" kern="1200">
+        <a:solidFill>
+          <a:schemeClr val="tx1"/>
+        </a:solidFill>
+        <a:latin typeface="+mn-lt"/>
+        <a:ea typeface="+mn-ea"/>
+        <a:cs typeface="+mn-cs"/>
+      </a:defRPr>
+    </a:lvl1pPr>
+    <a:lvl2pPr marL="457200" algn="l" defTabSz="914400" rtl="0" eaLnBrk="1" latinLnBrk="0" hangingPunct="1">
+      <a:defRPr sz="1200" kern="1200">
+        <a:solidFill>
+          <a:schemeClr val="tx1"/>
+        </a:solidFill>
+        <a:latin typeface="+mn-lt"/>
+        <a:ea typeface="+mn-ea"/>
+        <a:cs typeface="+mn-cs"/>
+      </a:defRPr>
+    </a:lvl2pPr>
+    <a:lvl3pPr marL="914400" algn="l" defTabSz="914400" rtl="0" eaLnBrk="1" latinLnBrk="0" hangingPunct="1">
+      <a:defRPr sz="1200" kern="1200">
+        <a:solidFill>
+          <a:schemeClr val="tx1"/>
+        </a:solidFill>
+        <a:latin typeface="+mn-lt"/>
+        <a:ea typeface="+mn-ea"/>
+        <a:cs typeface="+mn-cs"/>
+      </a:defRPr>
+    </a:lvl3pPr>
+    <a:lvl4pPr marL="1371600" algn="l" defTabSz="914400" rtl="0" eaLnBrk="1" latinLnBrk="0" hangingPunct="1">
+      <a:defRPr sz="1200" kern="1200">
+        <a:solidFill>
+          <a:schemeClr val="tx1"/>
+        </a:solidFill>
+        <a:latin typeface="+mn-lt"/>
+        <a:ea typeface="+mn-ea"/>
+        <a:cs typeface="+mn-cs"/>
+      </a:defRPr>
+    </a:lvl4pPr>
+    <a:lvl5pPr marL="1828800" algn="l" defTabSz="914400" rtl="0" eaLnBrk="1" latinLnBrk="0" hangingPunct="1">
+      <a:defRPr sz="1200" kern="1200">
+        <a:solidFill>
+          <a:schemeClr val="tx1"/>
+        </a:solidFill>
+        <a:latin typeface="+mn-lt"/>
+        <a:ea typeface="+mn-ea"/>
+        <a:cs typeface="+mn-cs"/>
+      </a:defRPr>
+    </a:lvl5pPr>
+    <a:lvl6pPr marL="2286000" algn="l" defTabSz="914400" rtl="0" eaLnBrk="1" latinLnBrk="0" hangingPunct="1">
+      <a:defRPr sz="1200" kern="1200">
+        <a:solidFill>
+          <a:schemeClr val="tx1"/>
+        </a:solidFill>
+        <a:latin typeface="+mn-lt"/>
+        <a:ea typeface="+mn-ea"/>
+        <a:cs typeface="+mn-cs"/>
+      </a:defRPr>
+    </a:lvl6pPr>
+    <a:lvl7pPr marL="2743200" algn="l" defTabSz="914400" rtl="0" eaLnBrk="1" latinLnBrk="0" hangingPunct="1">
+      <a:defRPr sz="1200" kern="1200">
+        <a:solidFill>
+          <a:schemeClr val="tx1"/>
+        </a:solidFill>
+        <a:latin typeface="+mn-lt"/>
+        <a:ea typeface="+mn-ea"/>
+        <a:cs typeface="+mn-cs"/>
+      </a:defRPr>
+    </a:lvl7pPr>
+    <a:lvl8pPr marL="3200400" algn="l" defTabSz="914400" rtl="0" eaLnBrk="1" latinLnBrk="0" hangingPunct="1">
+      <a:defRPr sz="1200" kern="1200">
+        <a:solidFill>
+          <a:schemeClr val="tx1"/>
+        </a:solidFill>
+        <a:latin typeface="+mn-lt"/>
+        <a:ea typeface="+mn-ea"/>
+        <a:cs typeface="+mn-cs"/>
+      </a:defRPr>
+    </a:lvl8pPr>
+    <a:lvl9pPr marL="3657600" algn="l" defTabSz="914400" rtl="0" eaLnBrk="1" latinLnBrk="0" hangingPunct="1">
+      <a:defRPr sz="1200" kern="1200">
+        <a:solidFill>
+          <a:schemeClr val="tx1"/>
+        </a:solidFill>
+        <a:latin typeface="+mn-lt"/>
+        <a:ea typeface="+mn-ea"/>
+        <a:cs typeface="+mn-cs"/>
+      </a:defRPr>
+    </a:lvl9pPr>
+  </p:notesStyle>
+</p:notesMaster>
+</file>
+
+<file path=ppt/notesSlides/notesSlide1.xml><?xml version="1.0" encoding="utf-8"?>
+<p:notes xmlns:a="http://schemas.openxmlformats.org/drawingml/2006/main" xmlns:r="http://schemas.openxmlformats.org/officeDocument/2006/relationships" xmlns:p="http://schemas.openxmlformats.org/presentationml/2006/main">
+  <p:cSld>
+    <p:spTree>
+      <p:nvGrpSpPr>
+        <p:cNvPr id="1" name=""/>
+        <p:cNvGrpSpPr/>
+        <p:nvPr/>
+      </p:nvGrpSpPr>
+      <p:grpSpPr>
+        <a:xfrm>
+          <a:off x="0" y="0"/>
+          <a:ext cx="0" cy="0"/>
+          <a:chOff x="0" y="0"/>
+          <a:chExt cx="0" cy="0"/>
+        </a:xfrm>
+      </p:grpSpPr>
+      <p:sp>
+        <p:nvSpPr>
+          <p:cNvPr id="2" name="Folienbildplatzhalter 1"/>
+          <p:cNvSpPr>
+            <a:spLocks noGrp="1" noRot="1" noChangeAspect="1"/>
+          </p:cNvSpPr>
+          <p:nvPr>
+            <p:ph type="sldImg"/>
+          </p:nvPr>
+        </p:nvSpPr>
+        <p:spPr/>
+      </p:sp>
+      <p:sp>
+        <p:nvSpPr>
+          <p:cNvPr id="3" name="Notizenplatzhalter 2"/>
+          <p:cNvSpPr>
+            <a:spLocks noGrp="1"/>
+          </p:cNvSpPr>
+          <p:nvPr>
+            <p:ph type="body" idx="1"/>
+          </p:nvPr>
+        </p:nvSpPr>
+        <p:spPr/>
+        <p:txBody>
+          <a:bodyPr/>
+          <a:lstStyle/>
+          <a:p>
+            <a:r>
+              <a:rPr lang="de-DE" dirty="0"/>
+              <a:t>Wichtig, da hiermit sichergestellt wird, das kein </a:t>
+            </a:r>
+            <a:r>
+              <a:rPr lang="de-DE" dirty="0" err="1"/>
+              <a:t>mist</a:t>
+            </a:r>
+            <a:r>
+              <a:rPr lang="de-DE" dirty="0"/>
+              <a:t> im Projekt enthalten ist.</a:t>
+            </a:r>
+          </a:p>
+        </p:txBody>
+      </p:sp>
+      <p:sp>
+        <p:nvSpPr>
+          <p:cNvPr id="4" name="Foliennummernplatzhalter 3"/>
+          <p:cNvSpPr>
+            <a:spLocks noGrp="1"/>
+          </p:cNvSpPr>
+          <p:nvPr>
+            <p:ph type="sldNum" sz="quarter" idx="5"/>
+          </p:nvPr>
+        </p:nvSpPr>
+        <p:spPr/>
+        <p:txBody>
+          <a:bodyPr/>
+          <a:lstStyle/>
+          <a:p>
+            <a:fld id="{E4C9DD25-300E-4456-A785-4AC273582C9A}" type="slidenum">
+              <a:rPr lang="de-DE" smtClean="0"/>
+              <a:t>21</a:t>
+            </a:fld>
+            <a:endParaRPr lang="de-DE"/>
+          </a:p>
+        </p:txBody>
+      </p:sp>
+    </p:spTree>
+    <p:extLst>
+      <p:ext uri="{BB962C8B-B14F-4D97-AF65-F5344CB8AC3E}">
+        <p14:creationId xmlns:p14="http://schemas.microsoft.com/office/powerpoint/2010/main" val="2849754699"/>
+      </p:ext>
+    </p:extLst>
+  </p:cSld>
+  <p:clrMapOvr>
+    <a:masterClrMapping/>
+  </p:clrMapOvr>
+</p:notes>
+</file>
+
+<file path=ppt/notesSlides/notesSlide2.xml><?xml version="1.0" encoding="utf-8"?>
+<p:notes xmlns:a="http://schemas.openxmlformats.org/drawingml/2006/main" xmlns:r="http://schemas.openxmlformats.org/officeDocument/2006/relationships" xmlns:p="http://schemas.openxmlformats.org/presentationml/2006/main">
+  <p:cSld>
+    <p:spTree>
+      <p:nvGrpSpPr>
+        <p:cNvPr id="1" name=""/>
+        <p:cNvGrpSpPr/>
+        <p:nvPr/>
+      </p:nvGrpSpPr>
+      <p:grpSpPr>
+        <a:xfrm>
+          <a:off x="0" y="0"/>
+          <a:ext cx="0" cy="0"/>
+          <a:chOff x="0" y="0"/>
+          <a:chExt cx="0" cy="0"/>
+        </a:xfrm>
+      </p:grpSpPr>
+      <p:sp>
+        <p:nvSpPr>
+          <p:cNvPr id="2" name="Folienbildplatzhalter 1"/>
+          <p:cNvSpPr>
+            <a:spLocks noGrp="1" noRot="1" noChangeAspect="1"/>
+          </p:cNvSpPr>
+          <p:nvPr>
+            <p:ph type="sldImg"/>
+          </p:nvPr>
+        </p:nvSpPr>
+        <p:spPr/>
+      </p:sp>
+      <p:sp>
+        <p:nvSpPr>
+          <p:cNvPr id="3" name="Notizenplatzhalter 2"/>
+          <p:cNvSpPr>
+            <a:spLocks noGrp="1"/>
+          </p:cNvSpPr>
+          <p:nvPr>
+            <p:ph type="body" idx="1"/>
+          </p:nvPr>
+        </p:nvSpPr>
+        <p:spPr/>
+        <p:txBody>
+          <a:bodyPr/>
+          <a:lstStyle/>
+          <a:p>
+            <a:endParaRPr lang="de-DE" dirty="0"/>
+          </a:p>
+        </p:txBody>
+      </p:sp>
+      <p:sp>
+        <p:nvSpPr>
+          <p:cNvPr id="4" name="Foliennummernplatzhalter 3"/>
+          <p:cNvSpPr>
+            <a:spLocks noGrp="1"/>
+          </p:cNvSpPr>
+          <p:nvPr>
+            <p:ph type="sldNum" sz="quarter" idx="5"/>
+          </p:nvPr>
+        </p:nvSpPr>
+        <p:spPr/>
+        <p:txBody>
+          <a:bodyPr/>
+          <a:lstStyle/>
+          <a:p>
+            <a:fld id="{E4C9DD25-300E-4456-A785-4AC273582C9A}" type="slidenum">
+              <a:rPr lang="de-DE" smtClean="0"/>
+              <a:t>31</a:t>
+            </a:fld>
+            <a:endParaRPr lang="de-DE"/>
+          </a:p>
+        </p:txBody>
+      </p:sp>
+    </p:spTree>
+    <p:extLst>
+      <p:ext uri="{BB962C8B-B14F-4D97-AF65-F5344CB8AC3E}">
+        <p14:creationId xmlns:p14="http://schemas.microsoft.com/office/powerpoint/2010/main" val="287950621"/>
+      </p:ext>
+    </p:extLst>
+  </p:cSld>
+  <p:clrMapOvr>
+    <a:masterClrMapping/>
+  </p:clrMapOvr>
+</p:notes>
+</file>
+
 <file path=ppt/slideLayouts/slideLayout1.xml><?xml version="1.0" encoding="utf-8"?>
 <p:sldLayout xmlns:a="http://schemas.openxmlformats.org/drawingml/2006/main" xmlns:r="http://schemas.openxmlformats.org/officeDocument/2006/relationships" xmlns:p="http://schemas.openxmlformats.org/presentationml/2006/main" type="title" preserve="1">
   <p:cSld name="Title Slide">
@@ -17915,7 +18454,7 @@
             </a:r>
           </a:p>
           <a:p>
-            <a:pPr marL="228600" indent="-228600" defTabSz="914400">
+            <a:pPr marL="228600" lvl="1" indent="-228600">
               <a:lnSpc>
                 <a:spcPct val="110000"/>
               </a:lnSpc>
@@ -17928,17 +18467,14 @@
               <a:buFont typeface="Arial"/>
               <a:buChar char="•"/>
             </a:pPr>
-            <a:r>
-              <a:rPr lang="de-DE" sz="2000" b="0" u="none" strike="noStrike" dirty="0">
-                <a:solidFill>
-                  <a:schemeClr val="dk1"/>
-                </a:solidFill>
-                <a:effectLst/>
-                <a:uFillTx/>
-                <a:latin typeface="Calisto MT"/>
-              </a:rPr>
-              <a:t>Code Tests</a:t>
-            </a:r>
+            <a:endParaRPr lang="de-DE" sz="100" b="0" u="none" strike="noStrike" dirty="0">
+              <a:solidFill>
+                <a:schemeClr val="dk1"/>
+              </a:solidFill>
+              <a:effectLst/>
+              <a:uFillTx/>
+              <a:latin typeface="Calisto MT"/>
+            </a:endParaRPr>
           </a:p>
           <a:p>
             <a:pPr marL="228600" indent="-228600" defTabSz="914400">
@@ -17955,24 +18491,67 @@
               <a:buChar char="•"/>
             </a:pPr>
             <a:r>
-              <a:rPr lang="de-DE" sz="2000" dirty="0">
+              <a:rPr lang="de-DE" sz="2000" b="0" u="none" strike="noStrike" dirty="0">
                 <a:solidFill>
                   <a:schemeClr val="dk1"/>
                 </a:solidFill>
+                <a:effectLst/>
+                <a:uFillTx/>
                 <a:latin typeface="Calisto MT"/>
               </a:rPr>
-              <a:t>Angefangen mit Jira, Wechsel zu </a:t>
-            </a:r>
-            <a:r>
-              <a:rPr lang="de-DE" sz="2000" dirty="0" err="1">
+              <a:t>Code Tests</a:t>
+            </a:r>
+          </a:p>
+          <a:p>
+            <a:pPr marL="685800" lvl="1" indent="-228600" defTabSz="914400">
+              <a:lnSpc>
+                <a:spcPct val="110000"/>
+              </a:lnSpc>
+              <a:spcBef>
+                <a:spcPts val="499"/>
+              </a:spcBef>
+              <a:buClr>
+                <a:srgbClr val="000000"/>
+              </a:buClr>
+              <a:buFont typeface="Arial"/>
+              <a:buChar char="•"/>
+            </a:pPr>
+            <a:r>
+              <a:rPr lang="de-DE" sz="1800" b="0" u="none" strike="noStrike" dirty="0">
                 <a:solidFill>
                   <a:schemeClr val="dk1"/>
                 </a:solidFill>
+                <a:effectLst/>
+                <a:uFillTx/>
                 <a:latin typeface="Calisto MT"/>
               </a:rPr>
-              <a:t>Trello</a:t>
-            </a:r>
-            <a:endParaRPr lang="de-DE" sz="2000" b="0" u="none" strike="noStrike" dirty="0">
+              <a:t>In diesem Projekt händisch</a:t>
+            </a:r>
+          </a:p>
+          <a:p>
+            <a:pPr marL="685800" lvl="1" indent="-228600" defTabSz="914400">
+              <a:lnSpc>
+                <a:spcPct val="110000"/>
+              </a:lnSpc>
+              <a:spcBef>
+                <a:spcPts val="499"/>
+              </a:spcBef>
+              <a:buClr>
+                <a:srgbClr val="000000"/>
+              </a:buClr>
+              <a:buFont typeface="Arial"/>
+              <a:buChar char="•"/>
+            </a:pPr>
+            <a:r>
+              <a:rPr lang="de-DE" dirty="0">
+                <a:solidFill>
+                  <a:schemeClr val="dk1"/>
+                </a:solidFill>
+                <a:latin typeface="Calisto MT"/>
+              </a:rPr>
+              <a:t>In produktiv Umgebungen oftmals auch automatisiert mit sogenannten Unit Test</a:t>
+            </a:r>
+            <a:endParaRPr lang="de-DE" sz="100" b="0" u="none" strike="noStrike" dirty="0">
               <a:solidFill>
                 <a:schemeClr val="dk1"/>
               </a:solidFill>
@@ -17982,7 +18561,7 @@
             </a:endParaRPr>
           </a:p>
           <a:p>
-            <a:pPr marL="228600" indent="-228600" defTabSz="914400">
+            <a:pPr marL="228600" lvl="1" indent="-228600">
               <a:lnSpc>
                 <a:spcPct val="110000"/>
               </a:lnSpc>
@@ -17995,6 +18574,29 @@
               <a:buFont typeface="Arial"/>
               <a:buChar char="•"/>
             </a:pPr>
+            <a:endParaRPr lang="de-DE" sz="100" b="0" u="none" strike="noStrike" dirty="0">
+              <a:solidFill>
+                <a:schemeClr val="dk1"/>
+              </a:solidFill>
+              <a:effectLst/>
+              <a:uFillTx/>
+              <a:latin typeface="Calisto MT"/>
+            </a:endParaRPr>
+          </a:p>
+          <a:p>
+            <a:pPr marL="228600" indent="-228600" defTabSz="914400">
+              <a:lnSpc>
+                <a:spcPct val="110000"/>
+              </a:lnSpc>
+              <a:spcBef>
+                <a:spcPts val="1001"/>
+              </a:spcBef>
+              <a:buClr>
+                <a:srgbClr val="000000"/>
+              </a:buClr>
+              <a:buFont typeface="Arial"/>
+              <a:buChar char="•"/>
+            </a:pPr>
             <a:r>
               <a:rPr lang="de-DE" sz="2000" dirty="0">
                 <a:solidFill>
@@ -18002,16 +18604,50 @@
                 </a:solidFill>
                 <a:latin typeface="Calisto MT"/>
               </a:rPr>
-              <a:t>Arbeit mit </a:t>
-            </a:r>
-            <a:r>
-              <a:rPr lang="de-DE" sz="2000" dirty="0" err="1">
+              <a:t>Tracking der Aufgaben jeder einzelnen Person</a:t>
+            </a:r>
+          </a:p>
+          <a:p>
+            <a:pPr marL="685800" lvl="1" indent="-228600">
+              <a:lnSpc>
+                <a:spcPct val="110000"/>
+              </a:lnSpc>
+              <a:spcBef>
+                <a:spcPts val="499"/>
+              </a:spcBef>
+              <a:buClr>
+                <a:srgbClr val="000000"/>
+              </a:buClr>
+              <a:buFont typeface="Arial"/>
+              <a:buChar char="•"/>
+            </a:pPr>
+            <a:r>
+              <a:rPr lang="de-DE" sz="1800" dirty="0">
                 <a:solidFill>
                   <a:schemeClr val="dk1"/>
                 </a:solidFill>
                 <a:latin typeface="Calisto MT"/>
               </a:rPr>
+              <a:t>Angefangen mit Jira, Wechsel zu </a:t>
+            </a:r>
+            <a:r>
+              <a:rPr lang="de-DE" sz="1800" dirty="0" err="1">
+                <a:solidFill>
+                  <a:schemeClr val="dk1"/>
+                </a:solidFill>
+                <a:latin typeface="Calisto MT"/>
+                <a:hlinkClick r:id="rId3"/>
+              </a:rPr>
               <a:t>Trello</a:t>
+            </a:r>
+            <a:r>
+              <a:rPr lang="de-DE" sz="1800" dirty="0">
+                <a:solidFill>
+                  <a:schemeClr val="dk1"/>
+                </a:solidFill>
+                <a:latin typeface="Calisto MT"/>
+              </a:rPr>
+              <a:t> </a:t>
             </a:r>
             <a:endParaRPr lang="de-DE" sz="2000" b="0" u="none" strike="noStrike" dirty="0">
               <a:solidFill>
@@ -20023,7 +20659,7 @@
                         </a:lnSpc>
                       </a:pPr>
                       <a:r>
-                        <a:rPr lang="de-DE" sz="1200" b="0" u="none" strike="noStrike">
+                        <a:rPr lang="de-DE" sz="1200" b="0" u="none" strike="noStrike" dirty="0">
                           <a:solidFill>
                             <a:srgbClr val="000000"/>
                           </a:solidFill>
@@ -20033,7 +20669,7 @@
                         </a:rPr>
                         <a:t>Finanzielle Mittel</a:t>
                       </a:r>
-                      <a:endParaRPr lang="de-DE" sz="1200" b="0" u="none" strike="noStrike">
+                      <a:endParaRPr lang="de-DE" sz="1200" b="0" u="none" strike="noStrike" dirty="0">
                         <a:solidFill>
                           <a:srgbClr val="000000"/>
                         </a:solidFill>
@@ -20282,7 +20918,7 @@
                         </a:lnSpc>
                       </a:pPr>
                       <a:r>
-                        <a:rPr lang="de-DE" sz="1400" b="0" u="none" strike="noStrike">
+                        <a:rPr lang="de-DE" sz="1400" b="0" u="none" strike="noStrike" dirty="0">
                           <a:solidFill>
                             <a:schemeClr val="dk1"/>
                           </a:solidFill>
@@ -20292,7 +20928,7 @@
                         </a:rPr>
                         <a:t>Verzögerung</a:t>
                       </a:r>
-                      <a:endParaRPr lang="de-DE" sz="1400" b="0" u="none" strike="noStrike">
+                      <a:endParaRPr lang="de-DE" sz="1400" b="0" u="none" strike="noStrike" dirty="0">
                         <a:solidFill>
                           <a:srgbClr val="000000"/>
                         </a:solidFill>
@@ -25915,7 +26551,7 @@
           <p:nvPr>
             <p:extLst>
               <p:ext uri="{D42A27DB-BD31-4B8C-83A1-F6EECF244321}">
-                <p14:modId xmlns:p14="http://schemas.microsoft.com/office/powerpoint/2010/main" val="1673376322"/>
+                <p14:modId xmlns:p14="http://schemas.microsoft.com/office/powerpoint/2010/main" val="803855953"/>
               </p:ext>
             </p:extLst>
           </p:nvPr>
@@ -25926,7 +26562,7 @@
         </p:xfrm>
         <a:graphic>
           <a:graphicData uri="http://schemas.openxmlformats.org/drawingml/2006/diagram">
-            <dgm:relIds xmlns:dgm="http://schemas.openxmlformats.org/drawingml/2006/diagram" xmlns:r="http://schemas.openxmlformats.org/officeDocument/2006/relationships" r:dm="rId2" r:lo="rId3" r:qs="rId4" r:cs="rId5"/>
+            <dgm:relIds xmlns:dgm="http://schemas.openxmlformats.org/drawingml/2006/diagram" xmlns:r="http://schemas.openxmlformats.org/officeDocument/2006/relationships" r:dm="rId3" r:lo="rId4" r:qs="rId5" r:cs="rId6"/>
           </a:graphicData>
         </a:graphic>
       </p:graphicFrame>
@@ -30633,4 +31269,319 @@
   <a:objectDefaults/>
   <a:extraClrSchemeLst/>
 </a:theme>
+</file>
+
+<file path=ppt/theme/theme2.xml><?xml version="1.0" encoding="utf-8"?>
+<a:theme xmlns:a="http://schemas.openxmlformats.org/drawingml/2006/main" name="Office">
+  <a:themeElements>
+    <a:clrScheme name="Office">
+      <a:dk1>
+        <a:sysClr val="windowText" lastClr="000000"/>
+      </a:dk1>
+      <a:lt1>
+        <a:sysClr val="window" lastClr="FFFFFF"/>
+      </a:lt1>
+      <a:dk2>
+        <a:srgbClr val="0E2841"/>
+      </a:dk2>
+      <a:lt2>
+        <a:srgbClr val="E8E8E8"/>
+      </a:lt2>
+      <a:accent1>
+        <a:srgbClr val="156082"/>
+      </a:accent1>
+      <a:accent2>
+        <a:srgbClr val="E97132"/>
+      </a:accent2>
+      <a:accent3>
+        <a:srgbClr val="196B24"/>
+      </a:accent3>
+      <a:accent4>
+        <a:srgbClr val="0F9ED5"/>
+      </a:accent4>
+      <a:accent5>
+        <a:srgbClr val="A02B93"/>
+      </a:accent5>
+      <a:accent6>
+        <a:srgbClr val="4EA72E"/>
+      </a:accent6>
+      <a:hlink>
+        <a:srgbClr val="467886"/>
+      </a:hlink>
+      <a:folHlink>
+        <a:srgbClr val="96607D"/>
+      </a:folHlink>
+    </a:clrScheme>
+    <a:fontScheme name="Office">
+      <a:majorFont>
+        <a:latin typeface="Aptos Display" panose="02110004020202020204"/>
+        <a:ea typeface=""/>
+        <a:cs typeface=""/>
+        <a:font script="Jpan" typeface="游ゴシック Light"/>
+        <a:font script="Hang" typeface="맑은 고딕"/>
+        <a:font script="Hans" typeface="等线 Light"/>
+        <a:font script="Hant" typeface="新細明體"/>
+        <a:font script="Arab" typeface="Times New Roman"/>
+        <a:font script="Hebr" typeface="Times New Roman"/>
+        <a:font script="Thai" typeface="Angsana New"/>
+        <a:font script="Ethi" typeface="Nyala"/>
+        <a:font script="Beng" typeface="Vrinda"/>
+        <a:font script="Gujr" typeface="Shruti"/>
+        <a:font script="Khmr" typeface="MoolBoran"/>
+        <a:font script="Knda" typeface="Tunga"/>
+        <a:font script="Guru" typeface="Raavi"/>
+        <a:font script="Cans" typeface="Euphemia"/>
+        <a:font script="Cher" typeface="Plantagenet Cherokee"/>
+        <a:font script="Yiii" typeface="Microsoft Yi Baiti"/>
+        <a:font script="Tibt" typeface="Microsoft Himalaya"/>
+        <a:font script="Thaa" typeface="MV Boli"/>
+        <a:font script="Deva" typeface="Mangal"/>
+        <a:font script="Telu" typeface="Gautami"/>
+        <a:font script="Taml" typeface="Latha"/>
+        <a:font script="Syrc" typeface="Estrangelo Edessa"/>
+        <a:font script="Orya" typeface="Kalinga"/>
+        <a:font script="Mlym" typeface="Kartika"/>
+        <a:font script="Laoo" typeface="DokChampa"/>
+        <a:font script="Sinh" typeface="Iskoola Pota"/>
+        <a:font script="Mong" typeface="Mongolian Baiti"/>
+        <a:font script="Viet" typeface="Times New Roman"/>
+        <a:font script="Uigh" typeface="Microsoft Uighur"/>
+        <a:font script="Geor" typeface="Sylfaen"/>
+        <a:font script="Armn" typeface="Arial"/>
+        <a:font script="Bugi" typeface="Leelawadee UI"/>
+        <a:font script="Bopo" typeface="Microsoft JhengHei"/>
+        <a:font script="Java" typeface="Javanese Text"/>
+        <a:font script="Lisu" typeface="Segoe UI"/>
+        <a:font script="Mymr" typeface="Myanmar Text"/>
+        <a:font script="Nkoo" typeface="Ebrima"/>
+        <a:font script="Olck" typeface="Nirmala UI"/>
+        <a:font script="Osma" typeface="Ebrima"/>
+        <a:font script="Phag" typeface="Phagspa"/>
+        <a:font script="Syrn" typeface="Estrangelo Edessa"/>
+        <a:font script="Syrj" typeface="Estrangelo Edessa"/>
+        <a:font script="Syre" typeface="Estrangelo Edessa"/>
+        <a:font script="Sora" typeface="Nirmala UI"/>
+        <a:font script="Tale" typeface="Microsoft Tai Le"/>
+        <a:font script="Talu" typeface="Microsoft New Tai Lue"/>
+        <a:font script="Tfng" typeface="Ebrima"/>
+      </a:majorFont>
+      <a:minorFont>
+        <a:latin typeface="Aptos" panose="02110004020202020204"/>
+        <a:ea typeface=""/>
+        <a:cs typeface=""/>
+        <a:font script="Jpan" typeface="游ゴシック"/>
+        <a:font script="Hang" typeface="맑은 고딕"/>
+        <a:font script="Hans" typeface="等线"/>
+        <a:font script="Hant" typeface="新細明體"/>
+        <a:font script="Arab" typeface="Arial"/>
+        <a:font script="Hebr" typeface="Arial"/>
+        <a:font script="Thai" typeface="Cordia New"/>
+        <a:font script="Ethi" typeface="Nyala"/>
+        <a:font script="Beng" typeface="Vrinda"/>
+        <a:font script="Gujr" typeface="Shruti"/>
+        <a:font script="Khmr" typeface="DaunPenh"/>
+        <a:font script="Knda" typeface="Tunga"/>
+        <a:font script="Guru" typeface="Raavi"/>
+        <a:font script="Cans" typeface="Euphemia"/>
+        <a:font script="Cher" typeface="Plantagenet Cherokee"/>
+        <a:font script="Yiii" typeface="Microsoft Yi Baiti"/>
+        <a:font script="Tibt" typeface="Microsoft Himalaya"/>
+        <a:font script="Thaa" typeface="MV Boli"/>
+        <a:font script="Deva" typeface="Mangal"/>
+        <a:font script="Telu" typeface="Gautami"/>
+        <a:font script="Taml" typeface="Latha"/>
+        <a:font script="Syrc" typeface="Estrangelo Edessa"/>
+        <a:font script="Orya" typeface="Kalinga"/>
+        <a:font script="Mlym" typeface="Kartika"/>
+        <a:font script="Laoo" typeface="DokChampa"/>
+        <a:font script="Sinh" typeface="Iskoola Pota"/>
+        <a:font script="Mong" typeface="Mongolian Baiti"/>
+        <a:font script="Viet" typeface="Arial"/>
+        <a:font script="Uigh" typeface="Microsoft Uighur"/>
+        <a:font script="Geor" typeface="Sylfaen"/>
+        <a:font script="Armn" typeface="Arial"/>
+        <a:font script="Bugi" typeface="Leelawadee UI"/>
+        <a:font script="Bopo" typeface="Microsoft JhengHei"/>
+        <a:font script="Java" typeface="Javanese Text"/>
+        <a:font script="Lisu" typeface="Segoe UI"/>
+        <a:font script="Mymr" typeface="Myanmar Text"/>
+        <a:font script="Nkoo" typeface="Ebrima"/>
+        <a:font script="Olck" typeface="Nirmala UI"/>
+        <a:font script="Osma" typeface="Ebrima"/>
+        <a:font script="Phag" typeface="Phagspa"/>
+        <a:font script="Syrn" typeface="Estrangelo Edessa"/>
+        <a:font script="Syrj" typeface="Estrangelo Edessa"/>
+        <a:font script="Syre" typeface="Estrangelo Edessa"/>
+        <a:font script="Sora" typeface="Nirmala UI"/>
+        <a:font script="Tale" typeface="Microsoft Tai Le"/>
+        <a:font script="Talu" typeface="Microsoft New Tai Lue"/>
+        <a:font script="Tfng" typeface="Ebrima"/>
+      </a:minorFont>
+    </a:fontScheme>
+    <a:fmtScheme name="Office">
+      <a:fillStyleLst>
+        <a:solidFill>
+          <a:schemeClr val="phClr"/>
+        </a:solidFill>
+        <a:gradFill rotWithShape="1">
+          <a:gsLst>
+            <a:gs pos="0">
+              <a:schemeClr val="phClr">
+                <a:lumMod val="110000"/>
+                <a:satMod val="105000"/>
+                <a:tint val="67000"/>
+              </a:schemeClr>
+            </a:gs>
+            <a:gs pos="50000">
+              <a:schemeClr val="phClr">
+                <a:lumMod val="105000"/>
+                <a:satMod val="103000"/>
+                <a:tint val="73000"/>
+              </a:schemeClr>
+            </a:gs>
+            <a:gs pos="100000">
+              <a:schemeClr val="phClr">
+                <a:lumMod val="105000"/>
+                <a:satMod val="109000"/>
+                <a:tint val="81000"/>
+              </a:schemeClr>
+            </a:gs>
+          </a:gsLst>
+          <a:lin ang="5400000" scaled="0"/>
+        </a:gradFill>
+        <a:gradFill rotWithShape="1">
+          <a:gsLst>
+            <a:gs pos="0">
+              <a:schemeClr val="phClr">
+                <a:satMod val="103000"/>
+                <a:lumMod val="102000"/>
+                <a:tint val="94000"/>
+              </a:schemeClr>
+            </a:gs>
+            <a:gs pos="50000">
+              <a:schemeClr val="phClr">
+                <a:satMod val="110000"/>
+                <a:lumMod val="100000"/>
+                <a:shade val="100000"/>
+              </a:schemeClr>
+            </a:gs>
+            <a:gs pos="100000">
+              <a:schemeClr val="phClr">
+                <a:lumMod val="99000"/>
+                <a:satMod val="120000"/>
+                <a:shade val="78000"/>
+              </a:schemeClr>
+            </a:gs>
+          </a:gsLst>
+          <a:lin ang="5400000" scaled="0"/>
+        </a:gradFill>
+      </a:fillStyleLst>
+      <a:lnStyleLst>
+        <a:ln w="12700" cap="flat" cmpd="sng" algn="ctr">
+          <a:solidFill>
+            <a:schemeClr val="phClr"/>
+          </a:solidFill>
+          <a:prstDash val="solid"/>
+          <a:miter lim="800000"/>
+        </a:ln>
+        <a:ln w="19050" cap="flat" cmpd="sng" algn="ctr">
+          <a:solidFill>
+            <a:schemeClr val="phClr"/>
+          </a:solidFill>
+          <a:prstDash val="solid"/>
+          <a:miter lim="800000"/>
+        </a:ln>
+        <a:ln w="25400" cap="flat" cmpd="sng" algn="ctr">
+          <a:solidFill>
+            <a:schemeClr val="phClr"/>
+          </a:solidFill>
+          <a:prstDash val="solid"/>
+          <a:miter lim="800000"/>
+        </a:ln>
+      </a:lnStyleLst>
+      <a:effectStyleLst>
+        <a:effectStyle>
+          <a:effectLst/>
+        </a:effectStyle>
+        <a:effectStyle>
+          <a:effectLst/>
+        </a:effectStyle>
+        <a:effectStyle>
+          <a:effectLst>
+            <a:outerShdw blurRad="57150" dist="19050" dir="5400000" algn="ctr" rotWithShape="0">
+              <a:srgbClr val="000000">
+                <a:alpha val="63000"/>
+              </a:srgbClr>
+            </a:outerShdw>
+          </a:effectLst>
+        </a:effectStyle>
+      </a:effectStyleLst>
+      <a:bgFillStyleLst>
+        <a:solidFill>
+          <a:schemeClr val="phClr"/>
+        </a:solidFill>
+        <a:solidFill>
+          <a:schemeClr val="phClr">
+            <a:tint val="95000"/>
+            <a:satMod val="170000"/>
+          </a:schemeClr>
+        </a:solidFill>
+        <a:gradFill rotWithShape="1">
+          <a:gsLst>
+            <a:gs pos="0">
+              <a:schemeClr val="phClr">
+                <a:tint val="93000"/>
+                <a:satMod val="150000"/>
+                <a:shade val="98000"/>
+                <a:lumMod val="102000"/>
+              </a:schemeClr>
+            </a:gs>
+            <a:gs pos="50000">
+              <a:schemeClr val="phClr">
+                <a:tint val="98000"/>
+                <a:satMod val="130000"/>
+                <a:shade val="90000"/>
+                <a:lumMod val="103000"/>
+              </a:schemeClr>
+            </a:gs>
+            <a:gs pos="100000">
+              <a:schemeClr val="phClr">
+                <a:shade val="63000"/>
+                <a:satMod val="120000"/>
+              </a:schemeClr>
+            </a:gs>
+          </a:gsLst>
+          <a:lin ang="5400000" scaled="0"/>
+        </a:gradFill>
+      </a:bgFillStyleLst>
+    </a:fmtScheme>
+  </a:themeElements>
+  <a:objectDefaults>
+    <a:lnDef>
+      <a:spPr/>
+      <a:bodyPr/>
+      <a:lstStyle/>
+      <a:style>
+        <a:lnRef idx="2">
+          <a:schemeClr val="accent1"/>
+        </a:lnRef>
+        <a:fillRef idx="0">
+          <a:schemeClr val="accent1"/>
+        </a:fillRef>
+        <a:effectRef idx="1">
+          <a:schemeClr val="accent1"/>
+        </a:effectRef>
+        <a:fontRef idx="minor">
+          <a:schemeClr val="tx1"/>
+        </a:fontRef>
+      </a:style>
+    </a:lnDef>
+  </a:objectDefaults>
+  <a:extraClrSchemeLst/>
+  <a:extLst>
+    <a:ext uri="{05A4C25C-085E-4340-85A3-A5531E510DB2}">
+      <thm15:themeFamily xmlns:thm15="http://schemas.microsoft.com/office/thememl/2012/main" name="Office Theme" id="{2E142A2C-CD16-42D6-873A-C26D2A0506FA}" vid="{1BDDFF52-6CD6-40A5-AB3C-68EB2F1E4D0A}"/>
+    </a:ext>
+  </a:extLst>
+</a:theme>
 </file>
--- a/Abgabe/Dokumentation/Präsentation.pptx
+++ b/Abgabe/Dokumentation/Präsentation.pptx
@@ -5001,7 +5001,7 @@
           <a:p>
             <a:fld id="{2E5B66CC-DEBD-4864-A178-797B0E54C0D4}" type="datetimeFigureOut">
               <a:rPr lang="de-DE" smtClean="0"/>
-              <a:t>11.06.2025</a:t>
+              <a:t>12.06.2025</a:t>
             </a:fld>
             <a:endParaRPr lang="de-DE"/>
           </a:p>
@@ -15098,7 +15098,7 @@
                 <a:uFillTx/>
                 <a:latin typeface="Univers Condensed"/>
               </a:rPr>
-              <a:t>. Wireframes – User Dashboard</a:t>
+              <a:t>. Wireframes - Login</a:t>
             </a:r>
             <a:endParaRPr lang="de-DE" sz="4000" b="0" u="none" strike="noStrike" dirty="0">
               <a:solidFill>
@@ -15427,7 +15427,7 @@
                 <a:uFillTx/>
                 <a:latin typeface="Univers Condensed"/>
               </a:rPr>
-              <a:t>. Wireframes – User Dashboard</a:t>
+              <a:t>. Wireframes – Initiales Passwort</a:t>
             </a:r>
             <a:endParaRPr lang="de-DE" sz="4000" b="0" u="none" strike="noStrike" dirty="0">
               <a:solidFill>
@@ -15803,7 +15803,7 @@
                 <a:uFillTx/>
                 <a:latin typeface="Univers Condensed"/>
               </a:rPr>
-              <a:t>. Wireframes – User Dashboard</a:t>
+              <a:t>. Wireframes - User Dashboard</a:t>
             </a:r>
             <a:endParaRPr lang="de-DE" sz="4000" b="0" u="none" strike="noStrike" dirty="0">
               <a:solidFill>
@@ -16261,7 +16261,7 @@
                 <a:uFillTx/>
                 <a:latin typeface="Univers Condensed"/>
               </a:rPr>
-              <a:t>. Wireframes – User Dashboard</a:t>
+              <a:t>. Wireframes – Navigationsbar</a:t>
             </a:r>
             <a:endParaRPr lang="de-DE" sz="4000" b="0" u="none" strike="noStrike" dirty="0">
               <a:solidFill>
@@ -16696,7 +16696,7 @@
                 <a:uFillTx/>
                 <a:latin typeface="Univers Condensed"/>
               </a:rPr>
-              <a:t>. Wireframes – User Dashboard</a:t>
+              <a:t>. Wireframes – Benachrichtigungen</a:t>
             </a:r>
             <a:endParaRPr lang="de-DE" sz="4000" b="0" u="none" strike="noStrike" dirty="0">
               <a:solidFill>
@@ -16990,7 +16990,7 @@
                 <a:uFillTx/>
                 <a:latin typeface="Univers Condensed"/>
               </a:rPr>
-              <a:t>. Wireframes – User Dashboard</a:t>
+              <a:t>. Wireframes – Hamburger Menü</a:t>
             </a:r>
             <a:endParaRPr lang="de-DE" sz="4000" b="0" u="none" strike="noStrike" dirty="0">
               <a:solidFill>
@@ -23919,7 +23919,7 @@
               </a:tabLst>
             </a:pPr>
             <a:r>
-              <a:rPr lang="de-DE" sz="2000" b="0" u="none" strike="noStrike">
+              <a:rPr lang="de-DE" sz="2000" b="0" u="none" strike="noStrike" dirty="0">
                 <a:solidFill>
                   <a:schemeClr val="dk1"/>
                 </a:solidFill>
@@ -23930,7 +23930,7 @@
               <a:t> </a:t>
             </a:r>
             <a:r>
-              <a:rPr lang="de-DE" sz="2000" b="0" u="sng" strike="noStrike">
+              <a:rPr lang="de-DE" sz="2000" b="0" u="sng" strike="noStrike" dirty="0">
                 <a:solidFill>
                   <a:schemeClr val="dk1"/>
                 </a:solidFill>
@@ -23939,9 +23939,9 @@
                 <a:latin typeface="Calisto MT"/>
                 <a:hlinkClick r:id="rId3"/>
               </a:rPr>
-              <a:t>https://zeitbuchung.it-lutz.com</a:t>
-            </a:r>
-            <a:endParaRPr lang="de-DE" sz="2000" b="0" u="none" strike="noStrike">
+              <a:t>Unsere Webseite</a:t>
+            </a:r>
+            <a:endParaRPr lang="de-DE" sz="2000" b="0" u="none" strike="noStrike" dirty="0">
               <a:solidFill>
                 <a:schemeClr val="dk1"/>
               </a:solidFill>
@@ -23963,7 +23963,7 @@
                 <a:tab pos="0" algn="l"/>
               </a:tabLst>
             </a:pPr>
-            <a:endParaRPr lang="de-DE" sz="2000" b="0" u="none" strike="noStrike">
+            <a:endParaRPr lang="de-DE" sz="2000" b="0" u="none" strike="noStrike" dirty="0">
               <a:solidFill>
                 <a:schemeClr val="dk1"/>
               </a:solidFill>

--- a/Abgabe/Dokumentation/Präsentation.pptx
+++ b/Abgabe/Dokumentation/Präsentation.pptx
@@ -5,41 +5,42 @@
     <p:sldMasterId id="2147483648" r:id="rId1"/>
   </p:sldMasterIdLst>
   <p:notesMasterIdLst>
-    <p:notesMasterId r:id="rId34"/>
+    <p:notesMasterId r:id="rId35"/>
   </p:notesMasterIdLst>
   <p:sldIdLst>
     <p:sldId id="256" r:id="rId2"/>
     <p:sldId id="257" r:id="rId3"/>
-    <p:sldId id="258" r:id="rId4"/>
-    <p:sldId id="259" r:id="rId5"/>
+    <p:sldId id="305" r:id="rId4"/>
+    <p:sldId id="258" r:id="rId5"/>
     <p:sldId id="282" r:id="rId6"/>
-    <p:sldId id="260" r:id="rId7"/>
-    <p:sldId id="261" r:id="rId8"/>
-    <p:sldId id="270" r:id="rId9"/>
-    <p:sldId id="273" r:id="rId10"/>
-    <p:sldId id="271" r:id="rId11"/>
-    <p:sldId id="272" r:id="rId12"/>
-    <p:sldId id="262" r:id="rId13"/>
-    <p:sldId id="286" r:id="rId14"/>
-    <p:sldId id="294" r:id="rId15"/>
-    <p:sldId id="296" r:id="rId16"/>
-    <p:sldId id="298" r:id="rId17"/>
-    <p:sldId id="297" r:id="rId18"/>
-    <p:sldId id="295" r:id="rId19"/>
-    <p:sldId id="293" r:id="rId20"/>
-    <p:sldId id="269" r:id="rId21"/>
-    <p:sldId id="289" r:id="rId22"/>
-    <p:sldId id="274" r:id="rId23"/>
-    <p:sldId id="283" r:id="rId24"/>
-    <p:sldId id="287" r:id="rId25"/>
-    <p:sldId id="276" r:id="rId26"/>
-    <p:sldId id="301" r:id="rId27"/>
-    <p:sldId id="302" r:id="rId28"/>
-    <p:sldId id="304" r:id="rId29"/>
-    <p:sldId id="279" r:id="rId30"/>
-    <p:sldId id="275" r:id="rId31"/>
-    <p:sldId id="280" r:id="rId32"/>
-    <p:sldId id="281" r:id="rId33"/>
+    <p:sldId id="259" r:id="rId7"/>
+    <p:sldId id="260" r:id="rId8"/>
+    <p:sldId id="261" r:id="rId9"/>
+    <p:sldId id="270" r:id="rId10"/>
+    <p:sldId id="273" r:id="rId11"/>
+    <p:sldId id="271" r:id="rId12"/>
+    <p:sldId id="272" r:id="rId13"/>
+    <p:sldId id="262" r:id="rId14"/>
+    <p:sldId id="286" r:id="rId15"/>
+    <p:sldId id="294" r:id="rId16"/>
+    <p:sldId id="296" r:id="rId17"/>
+    <p:sldId id="298" r:id="rId18"/>
+    <p:sldId id="297" r:id="rId19"/>
+    <p:sldId id="295" r:id="rId20"/>
+    <p:sldId id="293" r:id="rId21"/>
+    <p:sldId id="269" r:id="rId22"/>
+    <p:sldId id="289" r:id="rId23"/>
+    <p:sldId id="274" r:id="rId24"/>
+    <p:sldId id="283" r:id="rId25"/>
+    <p:sldId id="287" r:id="rId26"/>
+    <p:sldId id="276" r:id="rId27"/>
+    <p:sldId id="301" r:id="rId28"/>
+    <p:sldId id="302" r:id="rId29"/>
+    <p:sldId id="304" r:id="rId30"/>
+    <p:sldId id="279" r:id="rId31"/>
+    <p:sldId id="275" r:id="rId32"/>
+    <p:sldId id="280" r:id="rId33"/>
+    <p:sldId id="281" r:id="rId34"/>
   </p:sldIdLst>
   <p:sldSz cx="12192000" cy="6858000"/>
   <p:notesSz cx="7559675" cy="10691813"/>
@@ -5001,7 +5002,7 @@
           <a:p>
             <a:fld id="{2E5B66CC-DEBD-4864-A178-797B0E54C0D4}" type="datetimeFigureOut">
               <a:rPr lang="de-DE" smtClean="0"/>
-              <a:t>12.06.2025</a:t>
+              <a:t>12.06.25</a:t>
             </a:fld>
             <a:endParaRPr lang="de-DE"/>
           </a:p>
@@ -5344,7 +5345,7 @@
           <a:p>
             <a:fld id="{E4C9DD25-300E-4456-A785-4AC273582C9A}" type="slidenum">
               <a:rPr lang="de-DE" smtClean="0"/>
-              <a:t>21</a:t>
+              <a:t>22</a:t>
             </a:fld>
             <a:endParaRPr lang="de-DE"/>
           </a:p>
@@ -5428,7 +5429,7 @@
           <a:p>
             <a:fld id="{E4C9DD25-300E-4456-A785-4AC273582C9A}" type="slidenum">
               <a:rPr lang="de-DE" smtClean="0"/>
-              <a:t>31</a:t>
+              <a:t>32</a:t>
             </a:fld>
             <a:endParaRPr lang="de-DE"/>
           </a:p>
@@ -12087,6 +12088,917 @@
       </p:grpSpPr>
       <p:sp>
         <p:nvSpPr>
+          <p:cNvPr id="139" name="PlaceHolder 1"/>
+          <p:cNvSpPr>
+            <a:spLocks noGrp="1"/>
+          </p:cNvSpPr>
+          <p:nvPr>
+            <p:ph type="title"/>
+          </p:nvPr>
+        </p:nvSpPr>
+        <p:spPr>
+          <a:xfrm>
+            <a:off x="700560" y="914400"/>
+            <a:ext cx="10690920" cy="1307160"/>
+          </a:xfrm>
+          <a:prstGeom prst="rect">
+            <a:avLst/>
+          </a:prstGeom>
+          <a:noFill/>
+          <a:ln w="0">
+            <a:noFill/>
+          </a:ln>
+        </p:spPr>
+        <p:txBody>
+          <a:bodyPr lIns="91440" tIns="45720" rIns="91440" bIns="45720" anchor="t">
+            <a:normAutofit fontScale="90000"/>
+          </a:bodyPr>
+          <a:lstStyle/>
+          <a:p>
+            <a:pPr indent="0" defTabSz="914400">
+              <a:lnSpc>
+                <a:spcPct val="100000"/>
+              </a:lnSpc>
+              <a:buNone/>
+            </a:pPr>
+            <a:r>
+              <a:rPr lang="de-DE" sz="3600" cap="all" spc="31" dirty="0">
+                <a:solidFill>
+                  <a:schemeClr val="dk1"/>
+                </a:solidFill>
+              </a:rPr>
+              <a:t>3. </a:t>
+            </a:r>
+            <a:r>
+              <a:rPr lang="de-DE" sz="4000" cap="all" spc="31" dirty="0">
+                <a:solidFill>
+                  <a:srgbClr val="000000"/>
+                </a:solidFill>
+              </a:rPr>
+              <a:t>Anforderungsanalyse</a:t>
+            </a:r>
+            <a:br>
+              <a:rPr lang="de-DE" sz="4000" dirty="0"/>
+            </a:br>
+            <a:r>
+              <a:rPr lang="de-DE" sz="4000" cap="all" spc="31" dirty="0">
+                <a:solidFill>
+                  <a:srgbClr val="000000"/>
+                </a:solidFill>
+              </a:rPr>
+              <a:t>und Stakeholder</a:t>
+            </a:r>
+            <a:endParaRPr lang="de-DE" sz="4000" b="0" u="none" strike="noStrike" dirty="0">
+              <a:solidFill>
+                <a:schemeClr val="dk1"/>
+              </a:solidFill>
+              <a:effectLst/>
+              <a:uFillTx/>
+              <a:latin typeface="Calisto MT"/>
+            </a:endParaRPr>
+          </a:p>
+        </p:txBody>
+      </p:sp>
+      <p:sp>
+        <p:nvSpPr>
+          <p:cNvPr id="140" name="PlaceHolder 2"/>
+          <p:cNvSpPr>
+            <a:spLocks noGrp="1"/>
+          </p:cNvSpPr>
+          <p:nvPr>
+            <p:ph/>
+          </p:nvPr>
+        </p:nvSpPr>
+        <p:spPr>
+          <a:xfrm>
+            <a:off x="700560" y="2221920"/>
+            <a:ext cx="10690920" cy="3739680"/>
+          </a:xfrm>
+          <a:prstGeom prst="rect">
+            <a:avLst/>
+          </a:prstGeom>
+          <a:noFill/>
+          <a:ln w="0">
+            <a:noFill/>
+          </a:ln>
+        </p:spPr>
+        <p:txBody>
+          <a:bodyPr lIns="91440" tIns="45720" rIns="91440" bIns="45720" anchor="t">
+            <a:normAutofit/>
+          </a:bodyPr>
+          <a:lstStyle/>
+          <a:p>
+            <a:r>
+              <a:rPr lang="de-DE" sz="1100" b="1" dirty="0"/>
+              <a:t>Ich bin Teil der Software-Entwicklung. Für mich bietet die Zeiterfassung viele Möglichkeiten, unsere bereits bestehende Software zu verbessern.</a:t>
+            </a:r>
+          </a:p>
+          <a:p>
+            <a:pPr marL="171450" lvl="1" indent="-171450">
+              <a:buFont typeface="Arial" panose="020B0604020202020204" pitchFamily="34" charset="0"/>
+              <a:buChar char="•"/>
+            </a:pPr>
+            <a:r>
+              <a:rPr lang="de-DE" sz="1100" dirty="0"/>
+              <a:t>Es muss sichergestellt werden, dass eine API mit verschiedenen Funktionen zur Verfügung steht.</a:t>
+            </a:r>
+          </a:p>
+          <a:p>
+            <a:pPr marL="171450" lvl="1" indent="-171450">
+              <a:buFont typeface="Arial" panose="020B0604020202020204" pitchFamily="34" charset="0"/>
+              <a:buChar char="•"/>
+            </a:pPr>
+            <a:r>
+              <a:rPr lang="de-DE" sz="1100" dirty="0"/>
+              <a:t>Es muss sichergestellt werden, dass der Code zur Wartung/Veränderung gut lesbar ist.</a:t>
+            </a:r>
+          </a:p>
+          <a:p>
+            <a:pPr marL="171450" lvl="1" indent="-171450">
+              <a:buFont typeface="Arial" panose="020B0604020202020204" pitchFamily="34" charset="0"/>
+              <a:buChar char="•"/>
+            </a:pPr>
+            <a:r>
+              <a:rPr lang="de-DE" sz="1100" dirty="0"/>
+              <a:t>Es muss ein Tool zur Versionsverwaltung verwendet werden.</a:t>
+            </a:r>
+          </a:p>
+          <a:p>
+            <a:pPr lvl="1"/>
+            <a:endParaRPr lang="de-DE" sz="1100" dirty="0"/>
+          </a:p>
+          <a:p>
+            <a:pPr lvl="1"/>
+            <a:r>
+              <a:rPr lang="de-DE" sz="1100" dirty="0"/>
+              <a:t>Als Software-Entwickler wünsche ich mir, dass ich mit Hilfe der API das Zeiterfassungssystem steuern kann. </a:t>
+            </a:r>
+            <a:r>
+              <a:rPr lang="de-DE" sz="1100" b="1" dirty="0"/>
+              <a:t>(13)</a:t>
+            </a:r>
+            <a:endParaRPr lang="de-DE" sz="1100" dirty="0"/>
+          </a:p>
+          <a:p>
+            <a:pPr marL="171450" lvl="2" indent="-171450">
+              <a:buFont typeface="Arial" panose="020B0604020202020204" pitchFamily="34" charset="0"/>
+              <a:buChar char="•"/>
+            </a:pPr>
+            <a:r>
+              <a:rPr lang="de-DE" sz="1100" i="1" dirty="0"/>
+              <a:t>Es muss eine Möglichkeit geben, per API einen Mitarbeiter einzustempeln.</a:t>
+            </a:r>
+          </a:p>
+          <a:p>
+            <a:pPr marL="171450" lvl="2" indent="-171450">
+              <a:buFont typeface="Arial" panose="020B0604020202020204" pitchFamily="34" charset="0"/>
+              <a:buChar char="•"/>
+            </a:pPr>
+            <a:r>
+              <a:rPr lang="de-DE" sz="1100" i="1" dirty="0"/>
+              <a:t>Es muss eine Möglichkeit geben, per API einen Mitarbeiter auszustempeln.</a:t>
+            </a:r>
+          </a:p>
+          <a:p>
+            <a:pPr marL="171450" lvl="2" indent="-171450">
+              <a:buFont typeface="Arial" panose="020B0604020202020204" pitchFamily="34" charset="0"/>
+              <a:buChar char="•"/>
+            </a:pPr>
+            <a:r>
+              <a:rPr lang="de-DE" sz="1100" i="1" dirty="0"/>
+              <a:t>Es muss eine Möglichkeit geben, per API die Nachrichten abzurufen (Kommen, Gehen)</a:t>
+            </a:r>
+          </a:p>
+          <a:p>
+            <a:pPr marL="171450" lvl="2" indent="-171450">
+              <a:buFont typeface="Arial" panose="020B0604020202020204" pitchFamily="34" charset="0"/>
+              <a:buChar char="•"/>
+            </a:pPr>
+            <a:r>
+              <a:rPr lang="de-DE" sz="1100" i="1" dirty="0"/>
+              <a:t>Es muss eine Möglichkeit geben, per API die </a:t>
+            </a:r>
+            <a:r>
+              <a:rPr lang="de-DE" sz="1100" i="1" dirty="0" err="1"/>
+              <a:t>NutzerID</a:t>
+            </a:r>
+            <a:r>
+              <a:rPr lang="de-DE" sz="1100" i="1" dirty="0"/>
+              <a:t> abzurufen</a:t>
+            </a:r>
+          </a:p>
+          <a:p>
+            <a:pPr marL="171450" lvl="2" indent="-171450">
+              <a:buFont typeface="Arial" panose="020B0604020202020204" pitchFamily="34" charset="0"/>
+              <a:buChar char="•"/>
+            </a:pPr>
+            <a:r>
+              <a:rPr lang="de-DE" sz="1100" i="1" dirty="0"/>
+              <a:t>Es muss eine Möglichkeit geben, Nutzer über die API anzulegen und zu löschen.</a:t>
+            </a:r>
+          </a:p>
+          <a:p>
+            <a:pPr marL="171450" lvl="2" indent="-171450">
+              <a:buFont typeface="Arial" panose="020B0604020202020204" pitchFamily="34" charset="0"/>
+              <a:buChar char="•"/>
+            </a:pPr>
+            <a:endParaRPr lang="de-DE" sz="1100" i="1" dirty="0"/>
+          </a:p>
+          <a:p>
+            <a:pPr lvl="1"/>
+            <a:r>
+              <a:rPr lang="de-DE" sz="1100" dirty="0"/>
+              <a:t>Als Software-Entwickler wünsche ich mir, dass der Source-Code klar verständlich ist, um in Zukunft das System weiter entwickeln zu können. </a:t>
+            </a:r>
+            <a:r>
+              <a:rPr lang="de-DE" sz="1100" b="1" dirty="0"/>
+              <a:t>(8)</a:t>
+            </a:r>
+            <a:endParaRPr lang="de-DE" sz="1100" dirty="0"/>
+          </a:p>
+          <a:p>
+            <a:pPr marL="171450" lvl="2" indent="-171450">
+              <a:buFont typeface="Arial" panose="020B0604020202020204" pitchFamily="34" charset="0"/>
+              <a:buChar char="•"/>
+            </a:pPr>
+            <a:r>
+              <a:rPr lang="de-DE" sz="1100" i="1" dirty="0"/>
+              <a:t>Es muss eine vollständige technische Dokumentation der Anwendung geben, die alle Funktionen umfasst.</a:t>
+            </a:r>
+          </a:p>
+          <a:p>
+            <a:pPr marL="171450" lvl="2" indent="-171450">
+              <a:buFont typeface="Arial" panose="020B0604020202020204" pitchFamily="34" charset="0"/>
+              <a:buChar char="•"/>
+            </a:pPr>
+            <a:r>
+              <a:rPr lang="de-DE" sz="1100" i="1" dirty="0"/>
+              <a:t>Es benötigt einen klar strukturierten Source-Code für das bessere Verständnis</a:t>
+            </a:r>
+          </a:p>
+          <a:p>
+            <a:pPr marL="171450" lvl="2" indent="-171450">
+              <a:buFont typeface="Arial" panose="020B0604020202020204" pitchFamily="34" charset="0"/>
+              <a:buChar char="•"/>
+            </a:pPr>
+            <a:r>
+              <a:rPr lang="de-DE" sz="1100" i="1" dirty="0"/>
+              <a:t>Es sollten Kommentare an den wichtigen Stellen im Source-Code vorhanden sein.</a:t>
+            </a:r>
+          </a:p>
+          <a:p>
+            <a:pPr lvl="2"/>
+            <a:endParaRPr lang="de-DE" sz="1100" i="1" dirty="0"/>
+          </a:p>
+          <a:p>
+            <a:pPr lvl="1"/>
+            <a:r>
+              <a:rPr lang="de-DE" sz="1100" dirty="0"/>
+              <a:t>Als Software-Entwickler ist es wichtig, dass ich bei der Entwicklung im Zweifel auf vorherige Versionen zugreifen kann. </a:t>
+            </a:r>
+            <a:r>
+              <a:rPr lang="de-DE" sz="1100" b="1" dirty="0"/>
+              <a:t>(3)</a:t>
+            </a:r>
+            <a:endParaRPr lang="de-DE" sz="1100" dirty="0"/>
+          </a:p>
+          <a:p>
+            <a:pPr marL="171450" lvl="2" indent="-171450">
+              <a:buFont typeface="Arial" panose="020B0604020202020204" pitchFamily="34" charset="0"/>
+              <a:buChar char="•"/>
+            </a:pPr>
+            <a:r>
+              <a:rPr lang="de-DE" sz="1100" i="1" dirty="0"/>
+              <a:t>Es muss ein System geben, dass jede Änderung zur Nachverfolgung bereitstellt</a:t>
+            </a:r>
+          </a:p>
+        </p:txBody>
+      </p:sp>
+    </p:spTree>
+  </p:cSld>
+  <p:clrMapOvr>
+    <a:masterClrMapping/>
+  </p:clrMapOvr>
+  <p:timing>
+    <p:tnLst>
+      <p:par>
+        <p:cTn id="1" dur="indefinite" restart="never" nodeType="tmRoot">
+          <p:childTnLst>
+            <p:seq concurrent="1" nextAc="seek">
+              <p:cTn id="2" dur="indefinite" nodeType="mainSeq">
+                <p:childTnLst>
+                  <p:par>
+                    <p:cTn id="3" fill="hold">
+                      <p:stCondLst>
+                        <p:cond delay="indefinite"/>
+                      </p:stCondLst>
+                      <p:childTnLst>
+                        <p:par>
+                          <p:cTn id="4" fill="hold">
+                            <p:stCondLst>
+                              <p:cond delay="0"/>
+                            </p:stCondLst>
+                            <p:childTnLst>
+                              <p:par>
+                                <p:cTn id="5" presetID="1" presetClass="entr" presetSubtype="0" fill="hold" nodeType="clickEffect">
+                                  <p:stCondLst>
+                                    <p:cond delay="0"/>
+                                  </p:stCondLst>
+                                  <p:childTnLst>
+                                    <p:set>
+                                      <p:cBhvr>
+                                        <p:cTn id="6" dur="1" fill="hold">
+                                          <p:stCondLst>
+                                            <p:cond delay="0"/>
+                                          </p:stCondLst>
+                                        </p:cTn>
+                                        <p:tgtEl>
+                                          <p:spTgt spid="140">
+                                            <p:txEl>
+                                              <p:pRg st="0" end="0"/>
+                                            </p:txEl>
+                                          </p:spTgt>
+                                        </p:tgtEl>
+                                        <p:attrNameLst>
+                                          <p:attrName>style.visibility</p:attrName>
+                                        </p:attrNameLst>
+                                      </p:cBhvr>
+                                      <p:to>
+                                        <p:strVal val="visible"/>
+                                      </p:to>
+                                    </p:set>
+                                  </p:childTnLst>
+                                </p:cTn>
+                              </p:par>
+                              <p:par>
+                                <p:cTn id="7" presetID="1" presetClass="entr" presetSubtype="0" fill="hold" nodeType="withEffect">
+                                  <p:stCondLst>
+                                    <p:cond delay="0"/>
+                                  </p:stCondLst>
+                                  <p:childTnLst>
+                                    <p:set>
+                                      <p:cBhvr>
+                                        <p:cTn id="8" dur="1" fill="hold">
+                                          <p:stCondLst>
+                                            <p:cond delay="0"/>
+                                          </p:stCondLst>
+                                        </p:cTn>
+                                        <p:tgtEl>
+                                          <p:spTgt spid="140">
+                                            <p:txEl>
+                                              <p:pRg st="1" end="1"/>
+                                            </p:txEl>
+                                          </p:spTgt>
+                                        </p:tgtEl>
+                                        <p:attrNameLst>
+                                          <p:attrName>style.visibility</p:attrName>
+                                        </p:attrNameLst>
+                                      </p:cBhvr>
+                                      <p:to>
+                                        <p:strVal val="visible"/>
+                                      </p:to>
+                                    </p:set>
+                                  </p:childTnLst>
+                                </p:cTn>
+                              </p:par>
+                              <p:par>
+                                <p:cTn id="9" presetID="1" presetClass="entr" presetSubtype="0" fill="hold" nodeType="withEffect">
+                                  <p:stCondLst>
+                                    <p:cond delay="0"/>
+                                  </p:stCondLst>
+                                  <p:childTnLst>
+                                    <p:set>
+                                      <p:cBhvr>
+                                        <p:cTn id="10" dur="1" fill="hold">
+                                          <p:stCondLst>
+                                            <p:cond delay="0"/>
+                                          </p:stCondLst>
+                                        </p:cTn>
+                                        <p:tgtEl>
+                                          <p:spTgt spid="140">
+                                            <p:txEl>
+                                              <p:pRg st="2" end="2"/>
+                                            </p:txEl>
+                                          </p:spTgt>
+                                        </p:tgtEl>
+                                        <p:attrNameLst>
+                                          <p:attrName>style.visibility</p:attrName>
+                                        </p:attrNameLst>
+                                      </p:cBhvr>
+                                      <p:to>
+                                        <p:strVal val="visible"/>
+                                      </p:to>
+                                    </p:set>
+                                  </p:childTnLst>
+                                </p:cTn>
+                              </p:par>
+                              <p:par>
+                                <p:cTn id="11" presetID="1" presetClass="entr" presetSubtype="0" fill="hold" nodeType="withEffect">
+                                  <p:stCondLst>
+                                    <p:cond delay="0"/>
+                                  </p:stCondLst>
+                                  <p:childTnLst>
+                                    <p:set>
+                                      <p:cBhvr>
+                                        <p:cTn id="12" dur="1" fill="hold">
+                                          <p:stCondLst>
+                                            <p:cond delay="0"/>
+                                          </p:stCondLst>
+                                        </p:cTn>
+                                        <p:tgtEl>
+                                          <p:spTgt spid="140">
+                                            <p:txEl>
+                                              <p:pRg st="3" end="3"/>
+                                            </p:txEl>
+                                          </p:spTgt>
+                                        </p:tgtEl>
+                                        <p:attrNameLst>
+                                          <p:attrName>style.visibility</p:attrName>
+                                        </p:attrNameLst>
+                                      </p:cBhvr>
+                                      <p:to>
+                                        <p:strVal val="visible"/>
+                                      </p:to>
+                                    </p:set>
+                                  </p:childTnLst>
+                                </p:cTn>
+                              </p:par>
+                            </p:childTnLst>
+                          </p:cTn>
+                        </p:par>
+                      </p:childTnLst>
+                    </p:cTn>
+                  </p:par>
+                  <p:par>
+                    <p:cTn id="13" fill="hold">
+                      <p:stCondLst>
+                        <p:cond delay="indefinite"/>
+                      </p:stCondLst>
+                      <p:childTnLst>
+                        <p:par>
+                          <p:cTn id="14" fill="hold">
+                            <p:stCondLst>
+                              <p:cond delay="0"/>
+                            </p:stCondLst>
+                            <p:childTnLst>
+                              <p:par>
+                                <p:cTn id="15" presetID="1" presetClass="entr" presetSubtype="0" fill="hold" nodeType="clickEffect">
+                                  <p:stCondLst>
+                                    <p:cond delay="0"/>
+                                  </p:stCondLst>
+                                  <p:childTnLst>
+                                    <p:set>
+                                      <p:cBhvr>
+                                        <p:cTn id="16" dur="1" fill="hold">
+                                          <p:stCondLst>
+                                            <p:cond delay="0"/>
+                                          </p:stCondLst>
+                                        </p:cTn>
+                                        <p:tgtEl>
+                                          <p:spTgt spid="140">
+                                            <p:txEl>
+                                              <p:pRg st="5" end="5"/>
+                                            </p:txEl>
+                                          </p:spTgt>
+                                        </p:tgtEl>
+                                        <p:attrNameLst>
+                                          <p:attrName>style.visibility</p:attrName>
+                                        </p:attrNameLst>
+                                      </p:cBhvr>
+                                      <p:to>
+                                        <p:strVal val="visible"/>
+                                      </p:to>
+                                    </p:set>
+                                  </p:childTnLst>
+                                </p:cTn>
+                              </p:par>
+                              <p:par>
+                                <p:cTn id="17" presetID="1" presetClass="entr" presetSubtype="0" fill="hold" nodeType="withEffect">
+                                  <p:stCondLst>
+                                    <p:cond delay="0"/>
+                                  </p:stCondLst>
+                                  <p:childTnLst>
+                                    <p:set>
+                                      <p:cBhvr>
+                                        <p:cTn id="18" dur="1" fill="hold">
+                                          <p:stCondLst>
+                                            <p:cond delay="0"/>
+                                          </p:stCondLst>
+                                        </p:cTn>
+                                        <p:tgtEl>
+                                          <p:spTgt spid="140">
+                                            <p:txEl>
+                                              <p:pRg st="6" end="6"/>
+                                            </p:txEl>
+                                          </p:spTgt>
+                                        </p:tgtEl>
+                                        <p:attrNameLst>
+                                          <p:attrName>style.visibility</p:attrName>
+                                        </p:attrNameLst>
+                                      </p:cBhvr>
+                                      <p:to>
+                                        <p:strVal val="visible"/>
+                                      </p:to>
+                                    </p:set>
+                                  </p:childTnLst>
+                                </p:cTn>
+                              </p:par>
+                              <p:par>
+                                <p:cTn id="19" presetID="1" presetClass="entr" presetSubtype="0" fill="hold" nodeType="withEffect">
+                                  <p:stCondLst>
+                                    <p:cond delay="0"/>
+                                  </p:stCondLst>
+                                  <p:childTnLst>
+                                    <p:set>
+                                      <p:cBhvr>
+                                        <p:cTn id="20" dur="1" fill="hold">
+                                          <p:stCondLst>
+                                            <p:cond delay="0"/>
+                                          </p:stCondLst>
+                                        </p:cTn>
+                                        <p:tgtEl>
+                                          <p:spTgt spid="140">
+                                            <p:txEl>
+                                              <p:pRg st="7" end="7"/>
+                                            </p:txEl>
+                                          </p:spTgt>
+                                        </p:tgtEl>
+                                        <p:attrNameLst>
+                                          <p:attrName>style.visibility</p:attrName>
+                                        </p:attrNameLst>
+                                      </p:cBhvr>
+                                      <p:to>
+                                        <p:strVal val="visible"/>
+                                      </p:to>
+                                    </p:set>
+                                  </p:childTnLst>
+                                </p:cTn>
+                              </p:par>
+                              <p:par>
+                                <p:cTn id="21" presetID="1" presetClass="entr" presetSubtype="0" fill="hold" nodeType="withEffect">
+                                  <p:stCondLst>
+                                    <p:cond delay="0"/>
+                                  </p:stCondLst>
+                                  <p:childTnLst>
+                                    <p:set>
+                                      <p:cBhvr>
+                                        <p:cTn id="22" dur="1" fill="hold">
+                                          <p:stCondLst>
+                                            <p:cond delay="0"/>
+                                          </p:stCondLst>
+                                        </p:cTn>
+                                        <p:tgtEl>
+                                          <p:spTgt spid="140">
+                                            <p:txEl>
+                                              <p:pRg st="8" end="8"/>
+                                            </p:txEl>
+                                          </p:spTgt>
+                                        </p:tgtEl>
+                                        <p:attrNameLst>
+                                          <p:attrName>style.visibility</p:attrName>
+                                        </p:attrNameLst>
+                                      </p:cBhvr>
+                                      <p:to>
+                                        <p:strVal val="visible"/>
+                                      </p:to>
+                                    </p:set>
+                                  </p:childTnLst>
+                                </p:cTn>
+                              </p:par>
+                              <p:par>
+                                <p:cTn id="23" presetID="1" presetClass="entr" presetSubtype="0" fill="hold" nodeType="withEffect">
+                                  <p:stCondLst>
+                                    <p:cond delay="0"/>
+                                  </p:stCondLst>
+                                  <p:childTnLst>
+                                    <p:set>
+                                      <p:cBhvr>
+                                        <p:cTn id="24" dur="1" fill="hold">
+                                          <p:stCondLst>
+                                            <p:cond delay="0"/>
+                                          </p:stCondLst>
+                                        </p:cTn>
+                                        <p:tgtEl>
+                                          <p:spTgt spid="140">
+                                            <p:txEl>
+                                              <p:pRg st="9" end="9"/>
+                                            </p:txEl>
+                                          </p:spTgt>
+                                        </p:tgtEl>
+                                        <p:attrNameLst>
+                                          <p:attrName>style.visibility</p:attrName>
+                                        </p:attrNameLst>
+                                      </p:cBhvr>
+                                      <p:to>
+                                        <p:strVal val="visible"/>
+                                      </p:to>
+                                    </p:set>
+                                  </p:childTnLst>
+                                </p:cTn>
+                              </p:par>
+                              <p:par>
+                                <p:cTn id="25" presetID="1" presetClass="entr" presetSubtype="0" fill="hold" nodeType="withEffect">
+                                  <p:stCondLst>
+                                    <p:cond delay="0"/>
+                                  </p:stCondLst>
+                                  <p:childTnLst>
+                                    <p:set>
+                                      <p:cBhvr>
+                                        <p:cTn id="26" dur="1" fill="hold">
+                                          <p:stCondLst>
+                                            <p:cond delay="0"/>
+                                          </p:stCondLst>
+                                        </p:cTn>
+                                        <p:tgtEl>
+                                          <p:spTgt spid="140">
+                                            <p:txEl>
+                                              <p:pRg st="10" end="10"/>
+                                            </p:txEl>
+                                          </p:spTgt>
+                                        </p:tgtEl>
+                                        <p:attrNameLst>
+                                          <p:attrName>style.visibility</p:attrName>
+                                        </p:attrNameLst>
+                                      </p:cBhvr>
+                                      <p:to>
+                                        <p:strVal val="visible"/>
+                                      </p:to>
+                                    </p:set>
+                                  </p:childTnLst>
+                                </p:cTn>
+                              </p:par>
+                            </p:childTnLst>
+                          </p:cTn>
+                        </p:par>
+                      </p:childTnLst>
+                    </p:cTn>
+                  </p:par>
+                  <p:par>
+                    <p:cTn id="27" fill="hold">
+                      <p:stCondLst>
+                        <p:cond delay="indefinite"/>
+                      </p:stCondLst>
+                      <p:childTnLst>
+                        <p:par>
+                          <p:cTn id="28" fill="hold">
+                            <p:stCondLst>
+                              <p:cond delay="0"/>
+                            </p:stCondLst>
+                            <p:childTnLst>
+                              <p:par>
+                                <p:cTn id="29" presetID="1" presetClass="entr" presetSubtype="0" fill="hold" nodeType="clickEffect">
+                                  <p:stCondLst>
+                                    <p:cond delay="0"/>
+                                  </p:stCondLst>
+                                  <p:childTnLst>
+                                    <p:set>
+                                      <p:cBhvr>
+                                        <p:cTn id="30" dur="1" fill="hold">
+                                          <p:stCondLst>
+                                            <p:cond delay="0"/>
+                                          </p:stCondLst>
+                                        </p:cTn>
+                                        <p:tgtEl>
+                                          <p:spTgt spid="140">
+                                            <p:txEl>
+                                              <p:pRg st="12" end="12"/>
+                                            </p:txEl>
+                                          </p:spTgt>
+                                        </p:tgtEl>
+                                        <p:attrNameLst>
+                                          <p:attrName>style.visibility</p:attrName>
+                                        </p:attrNameLst>
+                                      </p:cBhvr>
+                                      <p:to>
+                                        <p:strVal val="visible"/>
+                                      </p:to>
+                                    </p:set>
+                                  </p:childTnLst>
+                                </p:cTn>
+                              </p:par>
+                              <p:par>
+                                <p:cTn id="31" presetID="1" presetClass="entr" presetSubtype="0" fill="hold" nodeType="withEffect">
+                                  <p:stCondLst>
+                                    <p:cond delay="0"/>
+                                  </p:stCondLst>
+                                  <p:childTnLst>
+                                    <p:set>
+                                      <p:cBhvr>
+                                        <p:cTn id="32" dur="1" fill="hold">
+                                          <p:stCondLst>
+                                            <p:cond delay="0"/>
+                                          </p:stCondLst>
+                                        </p:cTn>
+                                        <p:tgtEl>
+                                          <p:spTgt spid="140">
+                                            <p:txEl>
+                                              <p:pRg st="13" end="13"/>
+                                            </p:txEl>
+                                          </p:spTgt>
+                                        </p:tgtEl>
+                                        <p:attrNameLst>
+                                          <p:attrName>style.visibility</p:attrName>
+                                        </p:attrNameLst>
+                                      </p:cBhvr>
+                                      <p:to>
+                                        <p:strVal val="visible"/>
+                                      </p:to>
+                                    </p:set>
+                                  </p:childTnLst>
+                                </p:cTn>
+                              </p:par>
+                              <p:par>
+                                <p:cTn id="33" presetID="1" presetClass="entr" presetSubtype="0" fill="hold" nodeType="withEffect">
+                                  <p:stCondLst>
+                                    <p:cond delay="0"/>
+                                  </p:stCondLst>
+                                  <p:childTnLst>
+                                    <p:set>
+                                      <p:cBhvr>
+                                        <p:cTn id="34" dur="1" fill="hold">
+                                          <p:stCondLst>
+                                            <p:cond delay="0"/>
+                                          </p:stCondLst>
+                                        </p:cTn>
+                                        <p:tgtEl>
+                                          <p:spTgt spid="140">
+                                            <p:txEl>
+                                              <p:pRg st="14" end="14"/>
+                                            </p:txEl>
+                                          </p:spTgt>
+                                        </p:tgtEl>
+                                        <p:attrNameLst>
+                                          <p:attrName>style.visibility</p:attrName>
+                                        </p:attrNameLst>
+                                      </p:cBhvr>
+                                      <p:to>
+                                        <p:strVal val="visible"/>
+                                      </p:to>
+                                    </p:set>
+                                  </p:childTnLst>
+                                </p:cTn>
+                              </p:par>
+                              <p:par>
+                                <p:cTn id="35" presetID="1" presetClass="entr" presetSubtype="0" fill="hold" nodeType="withEffect">
+                                  <p:stCondLst>
+                                    <p:cond delay="0"/>
+                                  </p:stCondLst>
+                                  <p:childTnLst>
+                                    <p:set>
+                                      <p:cBhvr>
+                                        <p:cTn id="36" dur="1" fill="hold">
+                                          <p:stCondLst>
+                                            <p:cond delay="0"/>
+                                          </p:stCondLst>
+                                        </p:cTn>
+                                        <p:tgtEl>
+                                          <p:spTgt spid="140">
+                                            <p:txEl>
+                                              <p:pRg st="15" end="15"/>
+                                            </p:txEl>
+                                          </p:spTgt>
+                                        </p:tgtEl>
+                                        <p:attrNameLst>
+                                          <p:attrName>style.visibility</p:attrName>
+                                        </p:attrNameLst>
+                                      </p:cBhvr>
+                                      <p:to>
+                                        <p:strVal val="visible"/>
+                                      </p:to>
+                                    </p:set>
+                                  </p:childTnLst>
+                                </p:cTn>
+                              </p:par>
+                            </p:childTnLst>
+                          </p:cTn>
+                        </p:par>
+                      </p:childTnLst>
+                    </p:cTn>
+                  </p:par>
+                  <p:par>
+                    <p:cTn id="37" fill="hold">
+                      <p:stCondLst>
+                        <p:cond delay="indefinite"/>
+                      </p:stCondLst>
+                      <p:childTnLst>
+                        <p:par>
+                          <p:cTn id="38" fill="hold">
+                            <p:stCondLst>
+                              <p:cond delay="0"/>
+                            </p:stCondLst>
+                            <p:childTnLst>
+                              <p:par>
+                                <p:cTn id="39" presetID="1" presetClass="entr" presetSubtype="0" fill="hold" nodeType="clickEffect">
+                                  <p:stCondLst>
+                                    <p:cond delay="0"/>
+                                  </p:stCondLst>
+                                  <p:childTnLst>
+                                    <p:set>
+                                      <p:cBhvr>
+                                        <p:cTn id="40" dur="1" fill="hold">
+                                          <p:stCondLst>
+                                            <p:cond delay="0"/>
+                                          </p:stCondLst>
+                                        </p:cTn>
+                                        <p:tgtEl>
+                                          <p:spTgt spid="140">
+                                            <p:txEl>
+                                              <p:pRg st="17" end="17"/>
+                                            </p:txEl>
+                                          </p:spTgt>
+                                        </p:tgtEl>
+                                        <p:attrNameLst>
+                                          <p:attrName>style.visibility</p:attrName>
+                                        </p:attrNameLst>
+                                      </p:cBhvr>
+                                      <p:to>
+                                        <p:strVal val="visible"/>
+                                      </p:to>
+                                    </p:set>
+                                  </p:childTnLst>
+                                </p:cTn>
+                              </p:par>
+                              <p:par>
+                                <p:cTn id="41" presetID="1" presetClass="entr" presetSubtype="0" fill="hold" nodeType="withEffect">
+                                  <p:stCondLst>
+                                    <p:cond delay="0"/>
+                                  </p:stCondLst>
+                                  <p:childTnLst>
+                                    <p:set>
+                                      <p:cBhvr>
+                                        <p:cTn id="42" dur="1" fill="hold">
+                                          <p:stCondLst>
+                                            <p:cond delay="0"/>
+                                          </p:stCondLst>
+                                        </p:cTn>
+                                        <p:tgtEl>
+                                          <p:spTgt spid="140">
+                                            <p:txEl>
+                                              <p:pRg st="18" end="18"/>
+                                            </p:txEl>
+                                          </p:spTgt>
+                                        </p:tgtEl>
+                                        <p:attrNameLst>
+                                          <p:attrName>style.visibility</p:attrName>
+                                        </p:attrNameLst>
+                                      </p:cBhvr>
+                                      <p:to>
+                                        <p:strVal val="visible"/>
+                                      </p:to>
+                                    </p:set>
+                                  </p:childTnLst>
+                                </p:cTn>
+                              </p:par>
+                            </p:childTnLst>
+                          </p:cTn>
+                        </p:par>
+                      </p:childTnLst>
+                    </p:cTn>
+                  </p:par>
+                </p:childTnLst>
+              </p:cTn>
+              <p:prevCondLst>
+                <p:cond evt="onPrev" delay="0">
+                  <p:tgtEl>
+                    <p:sldTgt/>
+                  </p:tgtEl>
+                </p:cond>
+              </p:prevCondLst>
+              <p:nextCondLst>
+                <p:cond evt="onNext" delay="0">
+                  <p:tgtEl>
+                    <p:sldTgt/>
+                  </p:tgtEl>
+                </p:cond>
+              </p:nextCondLst>
+            </p:seq>
+          </p:childTnLst>
+        </p:cTn>
+      </p:par>
+    </p:tnLst>
+  </p:timing>
+</p:sld>
+</file>
+
+<file path=ppt/slides/slide11.xml><?xml version="1.0" encoding="utf-8"?>
+<p:sld xmlns:a="http://schemas.openxmlformats.org/drawingml/2006/main" xmlns:r="http://schemas.openxmlformats.org/officeDocument/2006/relationships" xmlns:p="http://schemas.openxmlformats.org/presentationml/2006/main">
+  <p:cSld>
+    <p:spTree>
+      <p:nvGrpSpPr>
+        <p:cNvPr id="1" name=""/>
+        <p:cNvGrpSpPr/>
+        <p:nvPr/>
+      </p:nvGrpSpPr>
+      <p:grpSpPr>
+        <a:xfrm>
+          <a:off x="0" y="0"/>
+          <a:ext cx="0" cy="0"/>
+          <a:chOff x="0" y="0"/>
+          <a:chExt cx="0" cy="0"/>
+        </a:xfrm>
+      </p:grpSpPr>
+      <p:sp>
+        <p:nvSpPr>
           <p:cNvPr id="134" name="PlaceHolder 1"/>
           <p:cNvSpPr>
             <a:spLocks noGrp="1"/>
@@ -12182,7 +13094,7 @@
 </p:sld>
 </file>
 
-<file path=ppt/slides/slide11.xml><?xml version="1.0" encoding="utf-8"?>
+<file path=ppt/slides/slide12.xml><?xml version="1.0" encoding="utf-8"?>
 <p:sld xmlns:a="http://schemas.openxmlformats.org/drawingml/2006/main" xmlns:r="http://schemas.openxmlformats.org/officeDocument/2006/relationships" xmlns:p="http://schemas.openxmlformats.org/presentationml/2006/main">
   <p:cSld>
     <p:spTree>
@@ -12294,7 +13206,7 @@
 </p:sld>
 </file>
 
-<file path=ppt/slides/slide12.xml><?xml version="1.0" encoding="utf-8"?>
+<file path=ppt/slides/slide13.xml><?xml version="1.0" encoding="utf-8"?>
 <p:sld xmlns:a="http://schemas.openxmlformats.org/drawingml/2006/main" xmlns:r="http://schemas.openxmlformats.org/officeDocument/2006/relationships" xmlns:p="http://schemas.openxmlformats.org/presentationml/2006/main">
   <p:cSld>
     <p:spTree>
@@ -12592,7 +13504,7 @@
 </p:sld>
 </file>
 
-<file path=ppt/slides/slide13.xml><?xml version="1.0" encoding="utf-8"?>
+<file path=ppt/slides/slide14.xml><?xml version="1.0" encoding="utf-8"?>
 <p:sld xmlns:a="http://schemas.openxmlformats.org/drawingml/2006/main" xmlns:r="http://schemas.openxmlformats.org/officeDocument/2006/relationships" xmlns:p="http://schemas.openxmlformats.org/presentationml/2006/main" show="0">
   <p:cSld>
     <p:spTree>
@@ -14985,7 +15897,7 @@
 </p:sld>
 </file>
 
-<file path=ppt/slides/slide14.xml><?xml version="1.0" encoding="utf-8"?>
+<file path=ppt/slides/slide15.xml><?xml version="1.0" encoding="utf-8"?>
 <p:sld xmlns:a="http://schemas.openxmlformats.org/drawingml/2006/main" xmlns:r="http://schemas.openxmlformats.org/officeDocument/2006/relationships" xmlns:p="http://schemas.openxmlformats.org/presentationml/2006/main">
   <p:cSld>
     <p:spTree>
@@ -15345,7 +16257,7 @@
 </p:sld>
 </file>
 
-<file path=ppt/slides/slide15.xml><?xml version="1.0" encoding="utf-8"?>
+<file path=ppt/slides/slide16.xml><?xml version="1.0" encoding="utf-8"?>
 <p:sld xmlns:a="http://schemas.openxmlformats.org/drawingml/2006/main" xmlns:r="http://schemas.openxmlformats.org/officeDocument/2006/relationships" xmlns:p="http://schemas.openxmlformats.org/presentationml/2006/main">
   <p:cSld>
     <p:spTree>
@@ -15709,464 +16621,6 @@
     <p:extLst>
       <p:ext uri="{BB962C8B-B14F-4D97-AF65-F5344CB8AC3E}">
         <p14:creationId xmlns:p14="http://schemas.microsoft.com/office/powerpoint/2010/main" val="3154015183"/>
-      </p:ext>
-    </p:extLst>
-  </p:cSld>
-  <p:clrMapOvr>
-    <a:masterClrMapping/>
-  </p:clrMapOvr>
-  <p:transition spd="med">
-    <p:pull/>
-  </p:transition>
-</p:sld>
-</file>
-
-<file path=ppt/slides/slide16.xml><?xml version="1.0" encoding="utf-8"?>
-<p:sld xmlns:a="http://schemas.openxmlformats.org/drawingml/2006/main" xmlns:r="http://schemas.openxmlformats.org/officeDocument/2006/relationships" xmlns:p="http://schemas.openxmlformats.org/presentationml/2006/main">
-  <p:cSld>
-    <p:spTree>
-      <p:nvGrpSpPr>
-        <p:cNvPr id="1" name="">
-          <a:extLst>
-            <a:ext uri="{FF2B5EF4-FFF2-40B4-BE49-F238E27FC236}">
-              <a16:creationId xmlns:a16="http://schemas.microsoft.com/office/drawing/2014/main" id="{2E204368-4EEA-BFF2-5E01-7AF01049572F}"/>
-            </a:ext>
-          </a:extLst>
-        </p:cNvPr>
-        <p:cNvGrpSpPr/>
-        <p:nvPr/>
-      </p:nvGrpSpPr>
-      <p:grpSpPr>
-        <a:xfrm>
-          <a:off x="0" y="0"/>
-          <a:ext cx="0" cy="0"/>
-          <a:chOff x="0" y="0"/>
-          <a:chExt cx="0" cy="0"/>
-        </a:xfrm>
-      </p:grpSpPr>
-      <p:sp>
-        <p:nvSpPr>
-          <p:cNvPr id="102" name="PlaceHolder 1">
-            <a:extLst>
-              <a:ext uri="{FF2B5EF4-FFF2-40B4-BE49-F238E27FC236}">
-                <a16:creationId xmlns:a16="http://schemas.microsoft.com/office/drawing/2014/main" id="{D34D1FBD-0A53-0962-36F0-9E5F21819121}"/>
-              </a:ext>
-            </a:extLst>
-          </p:cNvPr>
-          <p:cNvSpPr>
-            <a:spLocks noGrp="1"/>
-          </p:cNvSpPr>
-          <p:nvPr>
-            <p:ph type="title"/>
-          </p:nvPr>
-        </p:nvSpPr>
-        <p:spPr>
-          <a:xfrm>
-            <a:off x="700560" y="914400"/>
-            <a:ext cx="10999440" cy="1307160"/>
-          </a:xfrm>
-          <a:prstGeom prst="rect">
-            <a:avLst/>
-          </a:prstGeom>
-          <a:noFill/>
-          <a:ln w="0">
-            <a:noFill/>
-          </a:ln>
-        </p:spPr>
-        <p:txBody>
-          <a:bodyPr lIns="91440" tIns="45720" rIns="91440" bIns="45720" anchor="t">
-            <a:normAutofit/>
-          </a:bodyPr>
-          <a:lstStyle/>
-          <a:p>
-            <a:pPr indent="0" defTabSz="914400">
-              <a:lnSpc>
-                <a:spcPct val="100000"/>
-              </a:lnSpc>
-              <a:buNone/>
-            </a:pPr>
-            <a:r>
-              <a:rPr lang="de-DE" sz="4000" cap="all" spc="31" dirty="0">
-                <a:solidFill>
-                  <a:schemeClr val="dk1"/>
-                </a:solidFill>
-                <a:latin typeface="Univers Condensed"/>
-              </a:rPr>
-              <a:t>5</a:t>
-            </a:r>
-            <a:r>
-              <a:rPr lang="de-DE" sz="4000" b="0" u="none" strike="noStrike" cap="all" spc="31" dirty="0">
-                <a:solidFill>
-                  <a:schemeClr val="dk1"/>
-                </a:solidFill>
-                <a:effectLst/>
-                <a:uFillTx/>
-                <a:latin typeface="Univers Condensed"/>
-              </a:rPr>
-              <a:t>. Wireframes - User Dashboard</a:t>
-            </a:r>
-            <a:endParaRPr lang="de-DE" sz="4000" b="0" u="none" strike="noStrike" dirty="0">
-              <a:solidFill>
-                <a:schemeClr val="dk1"/>
-              </a:solidFill>
-              <a:effectLst/>
-              <a:uFillTx/>
-              <a:latin typeface="Calisto MT"/>
-            </a:endParaRPr>
-          </a:p>
-        </p:txBody>
-      </p:sp>
-      <p:sp>
-        <p:nvSpPr>
-          <p:cNvPr id="4" name="PlaceHolder 2">
-            <a:extLst>
-              <a:ext uri="{FF2B5EF4-FFF2-40B4-BE49-F238E27FC236}">
-                <a16:creationId xmlns:a16="http://schemas.microsoft.com/office/drawing/2014/main" id="{9CCD9F01-C42C-FF2E-A81E-6CF880871346}"/>
-              </a:ext>
-            </a:extLst>
-          </p:cNvPr>
-          <p:cNvSpPr txBox="1">
-            <a:spLocks/>
-          </p:cNvSpPr>
-          <p:nvPr/>
-        </p:nvSpPr>
-        <p:spPr>
-          <a:xfrm>
-            <a:off x="700560" y="1800000"/>
-            <a:ext cx="5239440" cy="4161600"/>
-          </a:xfrm>
-          <a:prstGeom prst="rect">
-            <a:avLst/>
-          </a:prstGeom>
-          <a:noFill/>
-          <a:ln w="0">
-            <a:noFill/>
-          </a:ln>
-        </p:spPr>
-        <p:txBody>
-          <a:bodyPr lIns="91440" tIns="45720" rIns="91440" bIns="45720" anchor="t">
-            <a:normAutofit fontScale="85000" lnSpcReduction="19999"/>
-          </a:bodyPr>
-          <a:lstStyle>
-            <a:lvl1pPr algn="l" defTabSz="914400" rtl="0" eaLnBrk="1" latinLnBrk="0" hangingPunct="1">
-              <a:lnSpc>
-                <a:spcPct val="90000"/>
-              </a:lnSpc>
-              <a:spcBef>
-                <a:spcPct val="0"/>
-              </a:spcBef>
-              <a:buNone/>
-              <a:defRPr sz="4400" kern="1200">
-                <a:solidFill>
-                  <a:schemeClr val="tx1"/>
-                </a:solidFill>
-                <a:latin typeface="+mj-lt"/>
-                <a:ea typeface="+mj-ea"/>
-                <a:cs typeface="+mj-cs"/>
-              </a:defRPr>
-            </a:lvl1pPr>
-          </a:lstStyle>
-          <a:p>
-            <a:pPr>
-              <a:lnSpc>
-                <a:spcPct val="110000"/>
-              </a:lnSpc>
-              <a:spcBef>
-                <a:spcPts val="1001"/>
-              </a:spcBef>
-              <a:tabLst>
-                <a:tab pos="0" algn="l"/>
-              </a:tabLst>
-            </a:pPr>
-            <a:r>
-              <a:rPr lang="de-DE" sz="2000" dirty="0">
-                <a:solidFill>
-                  <a:schemeClr val="dk1"/>
-                </a:solidFill>
-                <a:latin typeface="Calisto MT"/>
-              </a:rPr>
-              <a:t>User Dashboard:</a:t>
-            </a:r>
-          </a:p>
-          <a:p>
-            <a:pPr>
-              <a:lnSpc>
-                <a:spcPct val="110000"/>
-              </a:lnSpc>
-              <a:spcBef>
-                <a:spcPts val="1001"/>
-              </a:spcBef>
-              <a:tabLst>
-                <a:tab pos="0" algn="l"/>
-              </a:tabLst>
-            </a:pPr>
-            <a:endParaRPr lang="de-DE" sz="2000" dirty="0">
-              <a:solidFill>
-                <a:schemeClr val="dk1"/>
-              </a:solidFill>
-              <a:latin typeface="Calisto MT"/>
-            </a:endParaRPr>
-          </a:p>
-          <a:p>
-            <a:pPr>
-              <a:lnSpc>
-                <a:spcPct val="110000"/>
-              </a:lnSpc>
-              <a:spcBef>
-                <a:spcPts val="1001"/>
-              </a:spcBef>
-              <a:tabLst>
-                <a:tab pos="0" algn="l"/>
-              </a:tabLst>
-            </a:pPr>
-            <a:r>
-              <a:rPr lang="de-DE" sz="2000" dirty="0">
-                <a:solidFill>
-                  <a:schemeClr val="dk1"/>
-                </a:solidFill>
-                <a:latin typeface="Calisto MT"/>
-              </a:rPr>
-              <a:t>- Zeiten Tabelle – Wochenübersicht</a:t>
-            </a:r>
-          </a:p>
-          <a:p>
-            <a:pPr>
-              <a:lnSpc>
-                <a:spcPct val="110000"/>
-              </a:lnSpc>
-              <a:spcBef>
-                <a:spcPts val="1001"/>
-              </a:spcBef>
-              <a:tabLst>
-                <a:tab pos="0" algn="l"/>
-              </a:tabLst>
-            </a:pPr>
-            <a:endParaRPr lang="de-DE" sz="2000" dirty="0">
-              <a:solidFill>
-                <a:schemeClr val="dk1"/>
-              </a:solidFill>
-              <a:latin typeface="Calisto MT"/>
-            </a:endParaRPr>
-          </a:p>
-          <a:p>
-            <a:pPr>
-              <a:lnSpc>
-                <a:spcPct val="110000"/>
-              </a:lnSpc>
-              <a:spcBef>
-                <a:spcPts val="1001"/>
-              </a:spcBef>
-              <a:tabLst>
-                <a:tab pos="0" algn="l"/>
-              </a:tabLst>
-            </a:pPr>
-            <a:r>
-              <a:rPr lang="de-DE" sz="2000" dirty="0">
-                <a:solidFill>
-                  <a:schemeClr val="dk1"/>
-                </a:solidFill>
-                <a:latin typeface="Calisto MT"/>
-              </a:rPr>
-              <a:t>- Wochensprünge mit „Früher“ / „Später“</a:t>
-            </a:r>
-          </a:p>
-          <a:p>
-            <a:pPr>
-              <a:lnSpc>
-                <a:spcPct val="110000"/>
-              </a:lnSpc>
-              <a:spcBef>
-                <a:spcPts val="1001"/>
-              </a:spcBef>
-              <a:tabLst>
-                <a:tab pos="0" algn="l"/>
-              </a:tabLst>
-            </a:pPr>
-            <a:endParaRPr lang="de-DE" sz="2000" dirty="0">
-              <a:solidFill>
-                <a:schemeClr val="dk1"/>
-              </a:solidFill>
-              <a:latin typeface="Calisto MT"/>
-            </a:endParaRPr>
-          </a:p>
-          <a:p>
-            <a:pPr>
-              <a:lnSpc>
-                <a:spcPct val="110000"/>
-              </a:lnSpc>
-              <a:spcBef>
-                <a:spcPts val="1001"/>
-              </a:spcBef>
-              <a:tabLst>
-                <a:tab pos="0" algn="l"/>
-              </a:tabLst>
-            </a:pPr>
-            <a:r>
-              <a:rPr lang="de-DE" sz="2000" dirty="0">
-                <a:solidFill>
-                  <a:schemeClr val="dk1"/>
-                </a:solidFill>
-                <a:latin typeface="Calisto MT"/>
-              </a:rPr>
-              <a:t>- Tagesauswahl</a:t>
-            </a:r>
-          </a:p>
-          <a:p>
-            <a:pPr>
-              <a:lnSpc>
-                <a:spcPct val="110000"/>
-              </a:lnSpc>
-              <a:spcBef>
-                <a:spcPts val="1001"/>
-              </a:spcBef>
-              <a:tabLst>
-                <a:tab pos="0" algn="l"/>
-              </a:tabLst>
-            </a:pPr>
-            <a:endParaRPr lang="de-DE" sz="2000" dirty="0">
-              <a:solidFill>
-                <a:schemeClr val="dk1"/>
-              </a:solidFill>
-              <a:latin typeface="Calisto MT"/>
-            </a:endParaRPr>
-          </a:p>
-          <a:p>
-            <a:pPr>
-              <a:lnSpc>
-                <a:spcPct val="110000"/>
-              </a:lnSpc>
-              <a:spcBef>
-                <a:spcPts val="1001"/>
-              </a:spcBef>
-              <a:tabLst>
-                <a:tab pos="0" algn="l"/>
-              </a:tabLst>
-            </a:pPr>
-            <a:r>
-              <a:rPr lang="de-DE" sz="2000" dirty="0">
-                <a:solidFill>
-                  <a:schemeClr val="dk1"/>
-                </a:solidFill>
-                <a:latin typeface="Calisto MT"/>
-              </a:rPr>
-              <a:t>- „Kommen“ / „Gehen“ Buttons</a:t>
-            </a:r>
-          </a:p>
-          <a:p>
-            <a:pPr>
-              <a:lnSpc>
-                <a:spcPct val="110000"/>
-              </a:lnSpc>
-              <a:spcBef>
-                <a:spcPts val="1001"/>
-              </a:spcBef>
-              <a:tabLst>
-                <a:tab pos="0" algn="l"/>
-              </a:tabLst>
-            </a:pPr>
-            <a:endParaRPr lang="de-DE" sz="2000" dirty="0">
-              <a:solidFill>
-                <a:schemeClr val="dk1"/>
-              </a:solidFill>
-              <a:latin typeface="Calisto MT"/>
-            </a:endParaRPr>
-          </a:p>
-          <a:p>
-            <a:pPr>
-              <a:lnSpc>
-                <a:spcPct val="110000"/>
-              </a:lnSpc>
-              <a:spcBef>
-                <a:spcPts val="1001"/>
-              </a:spcBef>
-              <a:tabLst>
-                <a:tab pos="0" algn="l"/>
-              </a:tabLst>
-            </a:pPr>
-            <a:r>
-              <a:rPr lang="de-DE" sz="2000" dirty="0">
-                <a:solidFill>
-                  <a:schemeClr val="dk1"/>
-                </a:solidFill>
-                <a:latin typeface="Calisto MT"/>
-              </a:rPr>
-              <a:t>- Kurzinformationen</a:t>
-            </a:r>
-          </a:p>
-          <a:p>
-            <a:pPr>
-              <a:lnSpc>
-                <a:spcPct val="110000"/>
-              </a:lnSpc>
-              <a:spcBef>
-                <a:spcPts val="1001"/>
-              </a:spcBef>
-              <a:tabLst>
-                <a:tab pos="0" algn="l"/>
-              </a:tabLst>
-            </a:pPr>
-            <a:endParaRPr lang="de-DE" sz="2000" dirty="0">
-              <a:solidFill>
-                <a:schemeClr val="dk1"/>
-              </a:solidFill>
-              <a:latin typeface="Calisto MT"/>
-            </a:endParaRPr>
-          </a:p>
-          <a:p>
-            <a:pPr>
-              <a:lnSpc>
-                <a:spcPct val="110000"/>
-              </a:lnSpc>
-              <a:spcBef>
-                <a:spcPts val="1001"/>
-              </a:spcBef>
-              <a:tabLst>
-                <a:tab pos="0" algn="l"/>
-              </a:tabLst>
-            </a:pPr>
-            <a:endParaRPr lang="de-DE" sz="2000" dirty="0">
-              <a:solidFill>
-                <a:schemeClr val="dk1"/>
-              </a:solidFill>
-              <a:latin typeface="Calisto MT"/>
-            </a:endParaRPr>
-          </a:p>
-        </p:txBody>
-      </p:sp>
-      <p:pic>
-        <p:nvPicPr>
-          <p:cNvPr id="2" name="Grafik 1">
-            <a:extLst>
-              <a:ext uri="{FF2B5EF4-FFF2-40B4-BE49-F238E27FC236}">
-                <a16:creationId xmlns:a16="http://schemas.microsoft.com/office/drawing/2014/main" id="{BB5A1CC9-EFC1-5CC5-6A88-881824F70437}"/>
-              </a:ext>
-            </a:extLst>
-          </p:cNvPr>
-          <p:cNvPicPr/>
-          <p:nvPr/>
-        </p:nvPicPr>
-        <p:blipFill>
-          <a:blip r:embed="rId2"/>
-          <a:stretch/>
-        </p:blipFill>
-        <p:spPr>
-          <a:xfrm>
-            <a:off x="5760000" y="1800000"/>
-            <a:ext cx="5712120" cy="4038120"/>
-          </a:xfrm>
-          <a:prstGeom prst="rect">
-            <a:avLst/>
-          </a:prstGeom>
-          <a:noFill/>
-          <a:ln w="0">
-            <a:noFill/>
-          </a:ln>
-        </p:spPr>
-      </p:pic>
-    </p:spTree>
-    <p:extLst>
-      <p:ext uri="{BB962C8B-B14F-4D97-AF65-F5344CB8AC3E}">
-        <p14:creationId xmlns:p14="http://schemas.microsoft.com/office/powerpoint/2010/main" val="705918419"/>
       </p:ext>
     </p:extLst>
   </p:cSld>
@@ -16261,7 +16715,7 @@
                 <a:uFillTx/>
                 <a:latin typeface="Univers Condensed"/>
               </a:rPr>
-              <a:t>. Wireframes – Navigationsbar</a:t>
+              <a:t>. Wireframes - User Dashboard</a:t>
             </a:r>
             <a:endParaRPr lang="de-DE" sz="4000" b="0" u="none" strike="noStrike" dirty="0">
               <a:solidFill>
@@ -16276,10 +16730,10 @@
       </p:sp>
       <p:sp>
         <p:nvSpPr>
-          <p:cNvPr id="6" name="PlaceHolder 2">
+          <p:cNvPr id="4" name="PlaceHolder 2">
             <a:extLst>
               <a:ext uri="{FF2B5EF4-FFF2-40B4-BE49-F238E27FC236}">
-                <a16:creationId xmlns:a16="http://schemas.microsoft.com/office/drawing/2014/main" id="{279A3E0A-5446-FE29-221A-A15B3D42B090}"/>
+                <a16:creationId xmlns:a16="http://schemas.microsoft.com/office/drawing/2014/main" id="{9CCD9F01-C42C-FF2E-A81E-6CF880871346}"/>
               </a:ext>
             </a:extLst>
           </p:cNvPr>
@@ -16303,7 +16757,7 @@
         </p:spPr>
         <p:txBody>
           <a:bodyPr lIns="91440" tIns="45720" rIns="91440" bIns="45720" anchor="t">
-            <a:normAutofit/>
+            <a:normAutofit fontScale="85000" lnSpcReduction="19999"/>
           </a:bodyPr>
           <a:lstStyle>
             <a:lvl1pPr algn="l" defTabSz="914400" rtl="0" eaLnBrk="1" latinLnBrk="0" hangingPunct="1">
@@ -16343,7 +16797,7 @@
                 </a:solidFill>
                 <a:latin typeface="Calisto MT"/>
               </a:rPr>
-              <a:t>Navigationsbar:</a:t>
+              <a:t>User Dashboard:</a:t>
             </a:r>
           </a:p>
           <a:p>
@@ -16384,7 +16838,7 @@
                 </a:solidFill>
                 <a:latin typeface="Calisto MT"/>
               </a:rPr>
-              <a:t>- Begrüßung</a:t>
+              <a:t>- Zeiten Tabelle – Wochenübersicht</a:t>
             </a:r>
           </a:p>
           <a:p>
@@ -16425,25 +16879,7 @@
                 </a:solidFill>
                 <a:latin typeface="Calisto MT"/>
               </a:rPr>
-              <a:t>- </a:t>
-            </a:r>
-            <a:r>
-              <a:rPr lang="de-DE" sz="2000" dirty="0" err="1">
-                <a:solidFill>
-                  <a:schemeClr val="dk1"/>
-                </a:solidFill>
-                <a:latin typeface="Calisto MT"/>
-              </a:rPr>
-              <a:t>Benachrichtigungs</a:t>
-            </a:r>
-            <a:r>
-              <a:rPr lang="de-DE" sz="2000" dirty="0">
-                <a:solidFill>
-                  <a:schemeClr val="dk1"/>
-                </a:solidFill>
-                <a:latin typeface="Calisto MT"/>
-              </a:rPr>
-              <a:t> Button</a:t>
+              <a:t>- Wochensprünge mit „Früher“ / „Später“</a:t>
             </a:r>
           </a:p>
           <a:p>
@@ -16484,7 +16920,7 @@
                 </a:solidFill>
                 <a:latin typeface="Calisto MT"/>
               </a:rPr>
-              <a:t>- Logout Button</a:t>
+              <a:t>- Tagesauswahl</a:t>
             </a:r>
           </a:p>
           <a:p>
@@ -16525,7 +16961,7 @@
                 </a:solidFill>
                 <a:latin typeface="Calisto MT"/>
               </a:rPr>
-              <a:t>- Hamburger Button</a:t>
+              <a:t>- „Kommen“ / „Gehen“ Buttons</a:t>
             </a:r>
           </a:p>
           <a:p>
@@ -16559,6 +16995,28 @@
                 <a:tab pos="0" algn="l"/>
               </a:tabLst>
             </a:pPr>
+            <a:r>
+              <a:rPr lang="de-DE" sz="2000" dirty="0">
+                <a:solidFill>
+                  <a:schemeClr val="dk1"/>
+                </a:solidFill>
+                <a:latin typeface="Calisto MT"/>
+              </a:rPr>
+              <a:t>- Kurzinformationen</a:t>
+            </a:r>
+          </a:p>
+          <a:p>
+            <a:pPr>
+              <a:lnSpc>
+                <a:spcPct val="110000"/>
+              </a:lnSpc>
+              <a:spcBef>
+                <a:spcPts val="1001"/>
+              </a:spcBef>
+              <a:tabLst>
+                <a:tab pos="0" algn="l"/>
+              </a:tabLst>
+            </a:pPr>
             <a:endParaRPr lang="de-DE" sz="2000" dirty="0">
               <a:solidFill>
                 <a:schemeClr val="dk1"/>
@@ -16566,14 +17024,33 @@
               <a:latin typeface="Calisto MT"/>
             </a:endParaRPr>
           </a:p>
+          <a:p>
+            <a:pPr>
+              <a:lnSpc>
+                <a:spcPct val="110000"/>
+              </a:lnSpc>
+              <a:spcBef>
+                <a:spcPts val="1001"/>
+              </a:spcBef>
+              <a:tabLst>
+                <a:tab pos="0" algn="l"/>
+              </a:tabLst>
+            </a:pPr>
+            <a:endParaRPr lang="de-DE" sz="2000" dirty="0">
+              <a:solidFill>
+                <a:schemeClr val="dk1"/>
+              </a:solidFill>
+              <a:latin typeface="Calisto MT"/>
+            </a:endParaRPr>
+          </a:p>
         </p:txBody>
       </p:sp>
       <p:pic>
         <p:nvPicPr>
-          <p:cNvPr id="7" name="Grafik 6">
+          <p:cNvPr id="2" name="Grafik 1">
             <a:extLst>
               <a:ext uri="{FF2B5EF4-FFF2-40B4-BE49-F238E27FC236}">
-                <a16:creationId xmlns:a16="http://schemas.microsoft.com/office/drawing/2014/main" id="{0EFDBF9A-BF5D-071F-6B93-1E0EC33489AE}"/>
+                <a16:creationId xmlns:a16="http://schemas.microsoft.com/office/drawing/2014/main" id="{BB5A1CC9-EFC1-5CC5-6A88-881824F70437}"/>
               </a:ext>
             </a:extLst>
           </p:cNvPr>
@@ -16601,7 +17078,7 @@
     </p:spTree>
     <p:extLst>
       <p:ext uri="{BB962C8B-B14F-4D97-AF65-F5344CB8AC3E}">
-        <p14:creationId xmlns:p14="http://schemas.microsoft.com/office/powerpoint/2010/main" val="3355521714"/>
+        <p14:creationId xmlns:p14="http://schemas.microsoft.com/office/powerpoint/2010/main" val="705918419"/>
       </p:ext>
     </p:extLst>
   </p:cSld>
@@ -16696,7 +17173,7 @@
                 <a:uFillTx/>
                 <a:latin typeface="Univers Condensed"/>
               </a:rPr>
-              <a:t>. Wireframes – Benachrichtigungen</a:t>
+              <a:t>. Wireframes – Navigationsbar</a:t>
             </a:r>
             <a:endParaRPr lang="de-DE" sz="4000" b="0" u="none" strike="noStrike" dirty="0">
               <a:solidFill>
@@ -16711,10 +17188,10 @@
       </p:sp>
       <p:sp>
         <p:nvSpPr>
-          <p:cNvPr id="8" name="PlaceHolder 2">
+          <p:cNvPr id="6" name="PlaceHolder 2">
             <a:extLst>
               <a:ext uri="{FF2B5EF4-FFF2-40B4-BE49-F238E27FC236}">
-                <a16:creationId xmlns:a16="http://schemas.microsoft.com/office/drawing/2014/main" id="{481147F8-637A-3DBE-5A20-79AD5D3F2F87}"/>
+                <a16:creationId xmlns:a16="http://schemas.microsoft.com/office/drawing/2014/main" id="{279A3E0A-5446-FE29-221A-A15B3D42B090}"/>
               </a:ext>
             </a:extLst>
           </p:cNvPr>
@@ -16726,7 +17203,7 @@
         <p:spPr>
           <a:xfrm>
             <a:off x="700560" y="1800000"/>
-            <a:ext cx="5395440" cy="4161600"/>
+            <a:ext cx="5239440" cy="4161600"/>
           </a:xfrm>
           <a:prstGeom prst="rect">
             <a:avLst/>
@@ -16778,7 +17255,7 @@
                 </a:solidFill>
                 <a:latin typeface="Calisto MT"/>
               </a:rPr>
-              <a:t>Benachrichtigungen:</a:t>
+              <a:t>Navigationsbar:</a:t>
             </a:r>
           </a:p>
           <a:p>
@@ -16819,7 +17296,7 @@
                 </a:solidFill>
                 <a:latin typeface="Calisto MT"/>
               </a:rPr>
-              <a:t>- Pop-up Fenster zum Scrollen</a:t>
+              <a:t>- Begrüßung</a:t>
             </a:r>
           </a:p>
           <a:p>
@@ -16853,6 +17330,46 @@
                 <a:tab pos="0" algn="l"/>
               </a:tabLst>
             </a:pPr>
+            <a:r>
+              <a:rPr lang="de-DE" sz="2000" dirty="0">
+                <a:solidFill>
+                  <a:schemeClr val="dk1"/>
+                </a:solidFill>
+                <a:latin typeface="Calisto MT"/>
+              </a:rPr>
+              <a:t>- </a:t>
+            </a:r>
+            <a:r>
+              <a:rPr lang="de-DE" sz="2000" dirty="0" err="1">
+                <a:solidFill>
+                  <a:schemeClr val="dk1"/>
+                </a:solidFill>
+                <a:latin typeface="Calisto MT"/>
+              </a:rPr>
+              <a:t>Benachrichtigungs</a:t>
+            </a:r>
+            <a:r>
+              <a:rPr lang="de-DE" sz="2000" dirty="0">
+                <a:solidFill>
+                  <a:schemeClr val="dk1"/>
+                </a:solidFill>
+                <a:latin typeface="Calisto MT"/>
+              </a:rPr>
+              <a:t> Button</a:t>
+            </a:r>
+          </a:p>
+          <a:p>
+            <a:pPr>
+              <a:lnSpc>
+                <a:spcPct val="110000"/>
+              </a:lnSpc>
+              <a:spcBef>
+                <a:spcPts val="1001"/>
+              </a:spcBef>
+              <a:tabLst>
+                <a:tab pos="0" algn="l"/>
+              </a:tabLst>
+            </a:pPr>
             <a:endParaRPr lang="de-DE" sz="2000" dirty="0">
               <a:solidFill>
                 <a:schemeClr val="dk1"/>
@@ -16860,14 +17377,115 @@
               <a:latin typeface="Calisto MT"/>
             </a:endParaRPr>
           </a:p>
+          <a:p>
+            <a:pPr>
+              <a:lnSpc>
+                <a:spcPct val="110000"/>
+              </a:lnSpc>
+              <a:spcBef>
+                <a:spcPts val="1001"/>
+              </a:spcBef>
+              <a:tabLst>
+                <a:tab pos="0" algn="l"/>
+              </a:tabLst>
+            </a:pPr>
+            <a:r>
+              <a:rPr lang="de-DE" sz="2000" dirty="0">
+                <a:solidFill>
+                  <a:schemeClr val="dk1"/>
+                </a:solidFill>
+                <a:latin typeface="Calisto MT"/>
+              </a:rPr>
+              <a:t>- Logout Button</a:t>
+            </a:r>
+          </a:p>
+          <a:p>
+            <a:pPr>
+              <a:lnSpc>
+                <a:spcPct val="110000"/>
+              </a:lnSpc>
+              <a:spcBef>
+                <a:spcPts val="1001"/>
+              </a:spcBef>
+              <a:tabLst>
+                <a:tab pos="0" algn="l"/>
+              </a:tabLst>
+            </a:pPr>
+            <a:endParaRPr lang="de-DE" sz="2000" dirty="0">
+              <a:solidFill>
+                <a:schemeClr val="dk1"/>
+              </a:solidFill>
+              <a:latin typeface="Calisto MT"/>
+            </a:endParaRPr>
+          </a:p>
+          <a:p>
+            <a:pPr>
+              <a:lnSpc>
+                <a:spcPct val="110000"/>
+              </a:lnSpc>
+              <a:spcBef>
+                <a:spcPts val="1001"/>
+              </a:spcBef>
+              <a:tabLst>
+                <a:tab pos="0" algn="l"/>
+              </a:tabLst>
+            </a:pPr>
+            <a:r>
+              <a:rPr lang="de-DE" sz="2000" dirty="0">
+                <a:solidFill>
+                  <a:schemeClr val="dk1"/>
+                </a:solidFill>
+                <a:latin typeface="Calisto MT"/>
+              </a:rPr>
+              <a:t>- Hamburger Button</a:t>
+            </a:r>
+          </a:p>
+          <a:p>
+            <a:pPr>
+              <a:lnSpc>
+                <a:spcPct val="110000"/>
+              </a:lnSpc>
+              <a:spcBef>
+                <a:spcPts val="1001"/>
+              </a:spcBef>
+              <a:tabLst>
+                <a:tab pos="0" algn="l"/>
+              </a:tabLst>
+            </a:pPr>
+            <a:endParaRPr lang="de-DE" sz="2000" dirty="0">
+              <a:solidFill>
+                <a:schemeClr val="dk1"/>
+              </a:solidFill>
+              <a:latin typeface="Calisto MT"/>
+            </a:endParaRPr>
+          </a:p>
+          <a:p>
+            <a:pPr>
+              <a:lnSpc>
+                <a:spcPct val="110000"/>
+              </a:lnSpc>
+              <a:spcBef>
+                <a:spcPts val="1001"/>
+              </a:spcBef>
+              <a:tabLst>
+                <a:tab pos="0" algn="l"/>
+              </a:tabLst>
+            </a:pPr>
+            <a:endParaRPr lang="de-DE" sz="2000" dirty="0">
+              <a:solidFill>
+                <a:schemeClr val="dk1"/>
+              </a:solidFill>
+              <a:latin typeface="Calisto MT"/>
+            </a:endParaRPr>
+          </a:p>
         </p:txBody>
       </p:sp>
       <p:pic>
         <p:nvPicPr>
-          <p:cNvPr id="9" name="Grafik 8">
+          <p:cNvPr id="7" name="Grafik 6">
             <a:extLst>
               <a:ext uri="{FF2B5EF4-FFF2-40B4-BE49-F238E27FC236}">
-                <a16:creationId xmlns:a16="http://schemas.microsoft.com/office/drawing/2014/main" id="{D4A3E3B4-6357-4B1C-CE8C-77FC27D26B34}"/>
+                <a16:creationId xmlns:a16="http://schemas.microsoft.com/office/drawing/2014/main" id="{0EFDBF9A-BF5D-071F-6B93-1E0EC33489AE}"/>
               </a:ext>
             </a:extLst>
           </p:cNvPr>
@@ -16881,7 +17499,7 @@
         <p:spPr>
           <a:xfrm>
             <a:off x="5760000" y="1800000"/>
-            <a:ext cx="5759640" cy="4071960"/>
+            <a:ext cx="5712120" cy="4038120"/>
           </a:xfrm>
           <a:prstGeom prst="rect">
             <a:avLst/>
@@ -16895,7 +17513,7 @@
     </p:spTree>
     <p:extLst>
       <p:ext uri="{BB962C8B-B14F-4D97-AF65-F5344CB8AC3E}">
-        <p14:creationId xmlns:p14="http://schemas.microsoft.com/office/powerpoint/2010/main" val="2012000732"/>
+        <p14:creationId xmlns:p14="http://schemas.microsoft.com/office/powerpoint/2010/main" val="3355521714"/>
       </p:ext>
     </p:extLst>
   </p:cSld>
@@ -16990,7 +17608,7 @@
                 <a:uFillTx/>
                 <a:latin typeface="Univers Condensed"/>
               </a:rPr>
-              <a:t>. Wireframes – Hamburger Menü</a:t>
+              <a:t>. Wireframes – Benachrichtigungen</a:t>
             </a:r>
             <a:endParaRPr lang="de-DE" sz="4000" b="0" u="none" strike="noStrike" dirty="0">
               <a:solidFill>
@@ -17005,10 +17623,10 @@
       </p:sp>
       <p:sp>
         <p:nvSpPr>
-          <p:cNvPr id="2" name="PlaceHolder 2">
+          <p:cNvPr id="8" name="PlaceHolder 2">
             <a:extLst>
               <a:ext uri="{FF2B5EF4-FFF2-40B4-BE49-F238E27FC236}">
-                <a16:creationId xmlns:a16="http://schemas.microsoft.com/office/drawing/2014/main" id="{E39C083C-51AA-2CFE-465C-C0A364BA1CF7}"/>
+                <a16:creationId xmlns:a16="http://schemas.microsoft.com/office/drawing/2014/main" id="{481147F8-637A-3DBE-5A20-79AD5D3F2F87}"/>
               </a:ext>
             </a:extLst>
           </p:cNvPr>
@@ -17072,7 +17690,7 @@
                 </a:solidFill>
                 <a:latin typeface="Calisto MT"/>
               </a:rPr>
-              <a:t>Hamburger Menü:</a:t>
+              <a:t>Benachrichtigungen:</a:t>
             </a:r>
           </a:p>
           <a:p>
@@ -17113,7 +17731,7 @@
                 </a:solidFill>
                 <a:latin typeface="Calisto MT"/>
               </a:rPr>
-              <a:t>- Passwort änderbar</a:t>
+              <a:t>- Pop-up Fenster zum Scrollen</a:t>
             </a:r>
           </a:p>
           <a:p>
@@ -17147,28 +17765,6 @@
                 <a:tab pos="0" algn="l"/>
               </a:tabLst>
             </a:pPr>
-            <a:r>
-              <a:rPr lang="de-DE" sz="2000" dirty="0">
-                <a:solidFill>
-                  <a:schemeClr val="dk1"/>
-                </a:solidFill>
-                <a:latin typeface="Calisto MT"/>
-              </a:rPr>
-              <a:t>- Sprachwechsel mit On/Off Button</a:t>
-            </a:r>
-          </a:p>
-          <a:p>
-            <a:pPr>
-              <a:lnSpc>
-                <a:spcPct val="110000"/>
-              </a:lnSpc>
-              <a:spcBef>
-                <a:spcPts val="1001"/>
-              </a:spcBef>
-              <a:tabLst>
-                <a:tab pos="0" algn="l"/>
-              </a:tabLst>
-            </a:pPr>
             <a:endParaRPr lang="de-DE" sz="2000" dirty="0">
               <a:solidFill>
                 <a:schemeClr val="dk1"/>
@@ -17176,33 +17772,14 @@
               <a:latin typeface="Calisto MT"/>
             </a:endParaRPr>
           </a:p>
-          <a:p>
-            <a:pPr>
-              <a:lnSpc>
-                <a:spcPct val="110000"/>
-              </a:lnSpc>
-              <a:spcBef>
-                <a:spcPts val="1001"/>
-              </a:spcBef>
-              <a:tabLst>
-                <a:tab pos="0" algn="l"/>
-              </a:tabLst>
-            </a:pPr>
-            <a:endParaRPr lang="de-DE" sz="2000" dirty="0">
-              <a:solidFill>
-                <a:schemeClr val="dk1"/>
-              </a:solidFill>
-              <a:latin typeface="Calisto MT"/>
-            </a:endParaRPr>
-          </a:p>
         </p:txBody>
       </p:sp>
       <p:pic>
         <p:nvPicPr>
-          <p:cNvPr id="13" name="Grafik 12">
+          <p:cNvPr id="9" name="Grafik 8">
             <a:extLst>
               <a:ext uri="{FF2B5EF4-FFF2-40B4-BE49-F238E27FC236}">
-                <a16:creationId xmlns:a16="http://schemas.microsoft.com/office/drawing/2014/main" id="{46BCE7C9-3456-ED5B-3200-55B31BC72E0F}"/>
+                <a16:creationId xmlns:a16="http://schemas.microsoft.com/office/drawing/2014/main" id="{D4A3E3B4-6357-4B1C-CE8C-77FC27D26B34}"/>
               </a:ext>
             </a:extLst>
           </p:cNvPr>
@@ -17230,7 +17807,7 @@
     </p:spTree>
     <p:extLst>
       <p:ext uri="{BB962C8B-B14F-4D97-AF65-F5344CB8AC3E}">
-        <p14:creationId xmlns:p14="http://schemas.microsoft.com/office/powerpoint/2010/main" val="1458216108"/>
+        <p14:creationId xmlns:p14="http://schemas.microsoft.com/office/powerpoint/2010/main" val="2012000732"/>
       </p:ext>
     </p:extLst>
   </p:cSld>
@@ -17488,7 +18065,7 @@
                 <a:uFillTx/>
                 <a:latin typeface="Calisto MT"/>
               </a:rPr>
-              <a:t>Teamaufteilung</a:t>
+              <a:t>Vorgehensmodell</a:t>
             </a:r>
           </a:p>
           <a:p>
@@ -17514,7 +18091,7 @@
                 <a:uFillTx/>
                 <a:latin typeface="Calisto MT"/>
               </a:rPr>
-              <a:t>Vorgehensmodell</a:t>
+              <a:t>Teamaufteilung</a:t>
             </a:r>
           </a:p>
           <a:p>
@@ -17911,6 +18488,341 @@
 </file>
 
 <file path=ppt/slides/slide20.xml><?xml version="1.0" encoding="utf-8"?>
+<p:sld xmlns:a="http://schemas.openxmlformats.org/drawingml/2006/main" xmlns:r="http://schemas.openxmlformats.org/officeDocument/2006/relationships" xmlns:p="http://schemas.openxmlformats.org/presentationml/2006/main">
+  <p:cSld>
+    <p:spTree>
+      <p:nvGrpSpPr>
+        <p:cNvPr id="1" name="">
+          <a:extLst>
+            <a:ext uri="{FF2B5EF4-FFF2-40B4-BE49-F238E27FC236}">
+              <a16:creationId xmlns:a16="http://schemas.microsoft.com/office/drawing/2014/main" id="{2E204368-4EEA-BFF2-5E01-7AF01049572F}"/>
+            </a:ext>
+          </a:extLst>
+        </p:cNvPr>
+        <p:cNvGrpSpPr/>
+        <p:nvPr/>
+      </p:nvGrpSpPr>
+      <p:grpSpPr>
+        <a:xfrm>
+          <a:off x="0" y="0"/>
+          <a:ext cx="0" cy="0"/>
+          <a:chOff x="0" y="0"/>
+          <a:chExt cx="0" cy="0"/>
+        </a:xfrm>
+      </p:grpSpPr>
+      <p:sp>
+        <p:nvSpPr>
+          <p:cNvPr id="102" name="PlaceHolder 1">
+            <a:extLst>
+              <a:ext uri="{FF2B5EF4-FFF2-40B4-BE49-F238E27FC236}">
+                <a16:creationId xmlns:a16="http://schemas.microsoft.com/office/drawing/2014/main" id="{D34D1FBD-0A53-0962-36F0-9E5F21819121}"/>
+              </a:ext>
+            </a:extLst>
+          </p:cNvPr>
+          <p:cNvSpPr>
+            <a:spLocks noGrp="1"/>
+          </p:cNvSpPr>
+          <p:nvPr>
+            <p:ph type="title"/>
+          </p:nvPr>
+        </p:nvSpPr>
+        <p:spPr>
+          <a:xfrm>
+            <a:off x="700560" y="914400"/>
+            <a:ext cx="10999440" cy="1307160"/>
+          </a:xfrm>
+          <a:prstGeom prst="rect">
+            <a:avLst/>
+          </a:prstGeom>
+          <a:noFill/>
+          <a:ln w="0">
+            <a:noFill/>
+          </a:ln>
+        </p:spPr>
+        <p:txBody>
+          <a:bodyPr lIns="91440" tIns="45720" rIns="91440" bIns="45720" anchor="t">
+            <a:normAutofit/>
+          </a:bodyPr>
+          <a:lstStyle/>
+          <a:p>
+            <a:pPr indent="0" defTabSz="914400">
+              <a:lnSpc>
+                <a:spcPct val="100000"/>
+              </a:lnSpc>
+              <a:buNone/>
+            </a:pPr>
+            <a:r>
+              <a:rPr lang="de-DE" sz="4000" cap="all" spc="31" dirty="0">
+                <a:solidFill>
+                  <a:schemeClr val="dk1"/>
+                </a:solidFill>
+                <a:latin typeface="Univers Condensed"/>
+              </a:rPr>
+              <a:t>5</a:t>
+            </a:r>
+            <a:r>
+              <a:rPr lang="de-DE" sz="4000" b="0" u="none" strike="noStrike" cap="all" spc="31" dirty="0">
+                <a:solidFill>
+                  <a:schemeClr val="dk1"/>
+                </a:solidFill>
+                <a:effectLst/>
+                <a:uFillTx/>
+                <a:latin typeface="Univers Condensed"/>
+              </a:rPr>
+              <a:t>. Wireframes – Hamburger Menü</a:t>
+            </a:r>
+            <a:endParaRPr lang="de-DE" sz="4000" b="0" u="none" strike="noStrike" dirty="0">
+              <a:solidFill>
+                <a:schemeClr val="dk1"/>
+              </a:solidFill>
+              <a:effectLst/>
+              <a:uFillTx/>
+              <a:latin typeface="Calisto MT"/>
+            </a:endParaRPr>
+          </a:p>
+        </p:txBody>
+      </p:sp>
+      <p:sp>
+        <p:nvSpPr>
+          <p:cNvPr id="2" name="PlaceHolder 2">
+            <a:extLst>
+              <a:ext uri="{FF2B5EF4-FFF2-40B4-BE49-F238E27FC236}">
+                <a16:creationId xmlns:a16="http://schemas.microsoft.com/office/drawing/2014/main" id="{E39C083C-51AA-2CFE-465C-C0A364BA1CF7}"/>
+              </a:ext>
+            </a:extLst>
+          </p:cNvPr>
+          <p:cNvSpPr txBox="1">
+            <a:spLocks/>
+          </p:cNvSpPr>
+          <p:nvPr/>
+        </p:nvSpPr>
+        <p:spPr>
+          <a:xfrm>
+            <a:off x="700560" y="1800000"/>
+            <a:ext cx="5395440" cy="4161600"/>
+          </a:xfrm>
+          <a:prstGeom prst="rect">
+            <a:avLst/>
+          </a:prstGeom>
+          <a:noFill/>
+          <a:ln w="0">
+            <a:noFill/>
+          </a:ln>
+        </p:spPr>
+        <p:txBody>
+          <a:bodyPr lIns="91440" tIns="45720" rIns="91440" bIns="45720" anchor="t">
+            <a:normAutofit/>
+          </a:bodyPr>
+          <a:lstStyle>
+            <a:lvl1pPr algn="l" defTabSz="914400" rtl="0" eaLnBrk="1" latinLnBrk="0" hangingPunct="1">
+              <a:lnSpc>
+                <a:spcPct val="90000"/>
+              </a:lnSpc>
+              <a:spcBef>
+                <a:spcPct val="0"/>
+              </a:spcBef>
+              <a:buNone/>
+              <a:defRPr sz="4400" kern="1200">
+                <a:solidFill>
+                  <a:schemeClr val="tx1"/>
+                </a:solidFill>
+                <a:latin typeface="+mj-lt"/>
+                <a:ea typeface="+mj-ea"/>
+                <a:cs typeface="+mj-cs"/>
+              </a:defRPr>
+            </a:lvl1pPr>
+          </a:lstStyle>
+          <a:p>
+            <a:pPr>
+              <a:lnSpc>
+                <a:spcPct val="110000"/>
+              </a:lnSpc>
+              <a:spcBef>
+                <a:spcPts val="1001"/>
+              </a:spcBef>
+              <a:tabLst>
+                <a:tab pos="0" algn="l"/>
+              </a:tabLst>
+            </a:pPr>
+            <a:r>
+              <a:rPr lang="de-DE" sz="2000" dirty="0">
+                <a:solidFill>
+                  <a:schemeClr val="dk1"/>
+                </a:solidFill>
+                <a:latin typeface="Calisto MT"/>
+              </a:rPr>
+              <a:t>Hamburger Menü:</a:t>
+            </a:r>
+          </a:p>
+          <a:p>
+            <a:pPr>
+              <a:lnSpc>
+                <a:spcPct val="110000"/>
+              </a:lnSpc>
+              <a:spcBef>
+                <a:spcPts val="1001"/>
+              </a:spcBef>
+              <a:tabLst>
+                <a:tab pos="0" algn="l"/>
+              </a:tabLst>
+            </a:pPr>
+            <a:endParaRPr lang="de-DE" sz="2000" dirty="0">
+              <a:solidFill>
+                <a:schemeClr val="dk1"/>
+              </a:solidFill>
+              <a:latin typeface="Calisto MT"/>
+            </a:endParaRPr>
+          </a:p>
+          <a:p>
+            <a:pPr>
+              <a:lnSpc>
+                <a:spcPct val="110000"/>
+              </a:lnSpc>
+              <a:spcBef>
+                <a:spcPts val="1001"/>
+              </a:spcBef>
+              <a:tabLst>
+                <a:tab pos="0" algn="l"/>
+              </a:tabLst>
+            </a:pPr>
+            <a:r>
+              <a:rPr lang="de-DE" sz="2000" dirty="0">
+                <a:solidFill>
+                  <a:schemeClr val="dk1"/>
+                </a:solidFill>
+                <a:latin typeface="Calisto MT"/>
+              </a:rPr>
+              <a:t>- Passwort änderbar</a:t>
+            </a:r>
+          </a:p>
+          <a:p>
+            <a:pPr>
+              <a:lnSpc>
+                <a:spcPct val="110000"/>
+              </a:lnSpc>
+              <a:spcBef>
+                <a:spcPts val="1001"/>
+              </a:spcBef>
+              <a:tabLst>
+                <a:tab pos="0" algn="l"/>
+              </a:tabLst>
+            </a:pPr>
+            <a:endParaRPr lang="de-DE" sz="2000" dirty="0">
+              <a:solidFill>
+                <a:schemeClr val="dk1"/>
+              </a:solidFill>
+              <a:latin typeface="Calisto MT"/>
+            </a:endParaRPr>
+          </a:p>
+          <a:p>
+            <a:pPr>
+              <a:lnSpc>
+                <a:spcPct val="110000"/>
+              </a:lnSpc>
+              <a:spcBef>
+                <a:spcPts val="1001"/>
+              </a:spcBef>
+              <a:tabLst>
+                <a:tab pos="0" algn="l"/>
+              </a:tabLst>
+            </a:pPr>
+            <a:r>
+              <a:rPr lang="de-DE" sz="2000" dirty="0">
+                <a:solidFill>
+                  <a:schemeClr val="dk1"/>
+                </a:solidFill>
+                <a:latin typeface="Calisto MT"/>
+              </a:rPr>
+              <a:t>- Sprachwechsel mit On/Off Button</a:t>
+            </a:r>
+          </a:p>
+          <a:p>
+            <a:pPr>
+              <a:lnSpc>
+                <a:spcPct val="110000"/>
+              </a:lnSpc>
+              <a:spcBef>
+                <a:spcPts val="1001"/>
+              </a:spcBef>
+              <a:tabLst>
+                <a:tab pos="0" algn="l"/>
+              </a:tabLst>
+            </a:pPr>
+            <a:endParaRPr lang="de-DE" sz="2000" dirty="0">
+              <a:solidFill>
+                <a:schemeClr val="dk1"/>
+              </a:solidFill>
+              <a:latin typeface="Calisto MT"/>
+            </a:endParaRPr>
+          </a:p>
+          <a:p>
+            <a:pPr>
+              <a:lnSpc>
+                <a:spcPct val="110000"/>
+              </a:lnSpc>
+              <a:spcBef>
+                <a:spcPts val="1001"/>
+              </a:spcBef>
+              <a:tabLst>
+                <a:tab pos="0" algn="l"/>
+              </a:tabLst>
+            </a:pPr>
+            <a:endParaRPr lang="de-DE" sz="2000" dirty="0">
+              <a:solidFill>
+                <a:schemeClr val="dk1"/>
+              </a:solidFill>
+              <a:latin typeface="Calisto MT"/>
+            </a:endParaRPr>
+          </a:p>
+        </p:txBody>
+      </p:sp>
+      <p:pic>
+        <p:nvPicPr>
+          <p:cNvPr id="13" name="Grafik 12">
+            <a:extLst>
+              <a:ext uri="{FF2B5EF4-FFF2-40B4-BE49-F238E27FC236}">
+                <a16:creationId xmlns:a16="http://schemas.microsoft.com/office/drawing/2014/main" id="{46BCE7C9-3456-ED5B-3200-55B31BC72E0F}"/>
+              </a:ext>
+            </a:extLst>
+          </p:cNvPr>
+          <p:cNvPicPr/>
+          <p:nvPr/>
+        </p:nvPicPr>
+        <p:blipFill>
+          <a:blip r:embed="rId2"/>
+          <a:stretch/>
+        </p:blipFill>
+        <p:spPr>
+          <a:xfrm>
+            <a:off x="5760000" y="1800000"/>
+            <a:ext cx="5759640" cy="4071960"/>
+          </a:xfrm>
+          <a:prstGeom prst="rect">
+            <a:avLst/>
+          </a:prstGeom>
+          <a:noFill/>
+          <a:ln w="0">
+            <a:noFill/>
+          </a:ln>
+        </p:spPr>
+      </p:pic>
+    </p:spTree>
+    <p:extLst>
+      <p:ext uri="{BB962C8B-B14F-4D97-AF65-F5344CB8AC3E}">
+        <p14:creationId xmlns:p14="http://schemas.microsoft.com/office/powerpoint/2010/main" val="1458216108"/>
+      </p:ext>
+    </p:extLst>
+  </p:cSld>
+  <p:clrMapOvr>
+    <a:masterClrMapping/>
+  </p:clrMapOvr>
+  <p:transition spd="med">
+    <p:pull/>
+  </p:transition>
+</p:sld>
+</file>
+
+<file path=ppt/slides/slide21.xml><?xml version="1.0" encoding="utf-8"?>
 <p:sld xmlns:a="http://schemas.openxmlformats.org/drawingml/2006/main" xmlns:r="http://schemas.openxmlformats.org/officeDocument/2006/relationships" xmlns:p="http://schemas.openxmlformats.org/presentationml/2006/main">
   <p:cSld>
     <p:spTree>
@@ -18290,7 +19202,7 @@
 </p:sld>
 </file>
 
-<file path=ppt/slides/slide21.xml><?xml version="1.0" encoding="utf-8"?>
+<file path=ppt/slides/slide22.xml><?xml version="1.0" encoding="utf-8"?>
 <p:sld xmlns:a="http://schemas.openxmlformats.org/drawingml/2006/main" xmlns:r="http://schemas.openxmlformats.org/officeDocument/2006/relationships" xmlns:p="http://schemas.openxmlformats.org/presentationml/2006/main">
   <p:cSld>
     <p:spTree>
@@ -18673,7 +19585,7 @@
 </p:sld>
 </file>
 
-<file path=ppt/slides/slide22.xml><?xml version="1.0" encoding="utf-8"?>
+<file path=ppt/slides/slide23.xml><?xml version="1.0" encoding="utf-8"?>
 <p:sld xmlns:a="http://schemas.openxmlformats.org/drawingml/2006/main" xmlns:r="http://schemas.openxmlformats.org/officeDocument/2006/relationships" xmlns:p="http://schemas.openxmlformats.org/presentationml/2006/main">
   <p:cSld>
     <p:spTree>
@@ -20988,7 +21900,7 @@
 </p:sld>
 </file>
 
-<file path=ppt/slides/slide23.xml><?xml version="1.0" encoding="utf-8"?>
+<file path=ppt/slides/slide24.xml><?xml version="1.0" encoding="utf-8"?>
 <p:sld xmlns:a="http://schemas.openxmlformats.org/drawingml/2006/main" xmlns:r="http://schemas.openxmlformats.org/officeDocument/2006/relationships" xmlns:p="http://schemas.openxmlformats.org/presentationml/2006/main">
   <p:cSld>
     <p:spTree>
@@ -22330,7 +23242,7 @@
 </p:sld>
 </file>
 
-<file path=ppt/slides/slide24.xml><?xml version="1.0" encoding="utf-8"?>
+<file path=ppt/slides/slide25.xml><?xml version="1.0" encoding="utf-8"?>
 <p:sld xmlns:a="http://schemas.openxmlformats.org/drawingml/2006/main" xmlns:r="http://schemas.openxmlformats.org/officeDocument/2006/relationships" xmlns:p="http://schemas.openxmlformats.org/presentationml/2006/main">
   <p:cSld>
     <p:spTree>
@@ -23674,7 +24586,7 @@
 </p:sld>
 </file>
 
-<file path=ppt/slides/slide25.xml><?xml version="1.0" encoding="utf-8"?>
+<file path=ppt/slides/slide26.xml><?xml version="1.0" encoding="utf-8"?>
 <p:sld xmlns:a="http://schemas.openxmlformats.org/drawingml/2006/main" xmlns:r="http://schemas.openxmlformats.org/officeDocument/2006/relationships" xmlns:p="http://schemas.openxmlformats.org/presentationml/2006/main">
   <p:cSld>
     <p:bg>
@@ -23982,270 +24894,6 @@
 </p:sld>
 </file>
 
-<file path=ppt/slides/slide26.xml><?xml version="1.0" encoding="utf-8"?>
-<p:sld xmlns:a="http://schemas.openxmlformats.org/drawingml/2006/main" xmlns:r="http://schemas.openxmlformats.org/officeDocument/2006/relationships" xmlns:p="http://schemas.openxmlformats.org/presentationml/2006/main">
-  <p:cSld>
-    <p:spTree>
-      <p:nvGrpSpPr>
-        <p:cNvPr id="1" name=""/>
-        <p:cNvGrpSpPr/>
-        <p:nvPr/>
-      </p:nvGrpSpPr>
-      <p:grpSpPr>
-        <a:xfrm>
-          <a:off x="0" y="0"/>
-          <a:ext cx="0" cy="0"/>
-          <a:chOff x="0" y="0"/>
-          <a:chExt cx="0" cy="0"/>
-        </a:xfrm>
-      </p:grpSpPr>
-      <p:sp>
-        <p:nvSpPr>
-          <p:cNvPr id="2" name="Titel 1">
-            <a:extLst>
-              <a:ext uri="{FF2B5EF4-FFF2-40B4-BE49-F238E27FC236}">
-                <a16:creationId xmlns:a16="http://schemas.microsoft.com/office/drawing/2014/main" id="{FD596FAE-D141-C376-8325-F6B0C6A09327}"/>
-              </a:ext>
-            </a:extLst>
-          </p:cNvPr>
-          <p:cNvSpPr>
-            <a:spLocks noGrp="1"/>
-          </p:cNvSpPr>
-          <p:nvPr>
-            <p:ph type="title"/>
-          </p:nvPr>
-        </p:nvSpPr>
-        <p:spPr/>
-        <p:txBody>
-          <a:bodyPr/>
-          <a:lstStyle/>
-          <a:p>
-            <a:r>
-              <a:rPr lang="de-DE" sz="4400" cap="all" spc="31" dirty="0">
-                <a:solidFill>
-                  <a:schemeClr val="dk1"/>
-                </a:solidFill>
-                <a:latin typeface="Univers Condensed"/>
-              </a:rPr>
-              <a:t>9</a:t>
-            </a:r>
-            <a:r>
-              <a:rPr lang="de-DE" sz="4400" b="0" u="none" strike="noStrike" cap="all" spc="31" dirty="0">
-                <a:solidFill>
-                  <a:schemeClr val="dk1"/>
-                </a:solidFill>
-                <a:effectLst/>
-                <a:uFillTx/>
-                <a:latin typeface="Univers Condensed"/>
-              </a:rPr>
-              <a:t>. Live Demo – Control Panel</a:t>
-            </a:r>
-            <a:endParaRPr lang="de-DE" dirty="0"/>
-          </a:p>
-        </p:txBody>
-      </p:sp>
-      <p:sp>
-        <p:nvSpPr>
-          <p:cNvPr id="6" name="PlaceHolder 2">
-            <a:extLst>
-              <a:ext uri="{FF2B5EF4-FFF2-40B4-BE49-F238E27FC236}">
-                <a16:creationId xmlns:a16="http://schemas.microsoft.com/office/drawing/2014/main" id="{17F801BE-E2C6-0ED1-D1E5-6D60141ADF1D}"/>
-              </a:ext>
-            </a:extLst>
-          </p:cNvPr>
-          <p:cNvSpPr txBox="1">
-            <a:spLocks/>
-          </p:cNvSpPr>
-          <p:nvPr/>
-        </p:nvSpPr>
-        <p:spPr>
-          <a:xfrm>
-            <a:off x="700560" y="2221920"/>
-            <a:ext cx="10690920" cy="3739680"/>
-          </a:xfrm>
-          <a:prstGeom prst="rect">
-            <a:avLst/>
-          </a:prstGeom>
-          <a:noFill/>
-          <a:ln w="0">
-            <a:noFill/>
-          </a:ln>
-        </p:spPr>
-        <p:txBody>
-          <a:bodyPr lIns="91440" tIns="45720" rIns="91440" bIns="45720" anchor="t">
-            <a:normAutofit/>
-          </a:bodyPr>
-          <a:lstStyle>
-            <a:lvl1pPr algn="l" defTabSz="914400" rtl="0" eaLnBrk="1" latinLnBrk="0" hangingPunct="1">
-              <a:lnSpc>
-                <a:spcPct val="90000"/>
-              </a:lnSpc>
-              <a:spcBef>
-                <a:spcPct val="0"/>
-              </a:spcBef>
-              <a:buNone/>
-              <a:defRPr sz="4400" kern="1200">
-                <a:solidFill>
-                  <a:schemeClr val="tx1"/>
-                </a:solidFill>
-                <a:latin typeface="+mj-lt"/>
-                <a:ea typeface="+mj-ea"/>
-                <a:cs typeface="+mj-cs"/>
-              </a:defRPr>
-            </a:lvl1pPr>
-          </a:lstStyle>
-          <a:p>
-            <a:pPr marL="228600" indent="-228600" defTabSz="914400">
-              <a:lnSpc>
-                <a:spcPct val="110000"/>
-              </a:lnSpc>
-              <a:spcBef>
-                <a:spcPts val="1001"/>
-              </a:spcBef>
-              <a:buClr>
-                <a:srgbClr val="000000"/>
-              </a:buClr>
-              <a:buFont typeface="Symbol" charset="2"/>
-              <a:buChar char=""/>
-            </a:pPr>
-            <a:r>
-              <a:rPr lang="de-DE" sz="2000" b="0" u="none" strike="noStrike" dirty="0">
-                <a:solidFill>
-                  <a:schemeClr val="dk1"/>
-                </a:solidFill>
-                <a:effectLst/>
-                <a:uFillTx/>
-                <a:latin typeface="Calisto MT"/>
-              </a:rPr>
-              <a:t>Benutzer erstellen</a:t>
-            </a:r>
-          </a:p>
-          <a:p>
-            <a:pPr marL="228600" indent="0" defTabSz="914400">
-              <a:lnSpc>
-                <a:spcPct val="110000"/>
-              </a:lnSpc>
-              <a:spcBef>
-                <a:spcPts val="1001"/>
-              </a:spcBef>
-              <a:buNone/>
-            </a:pPr>
-            <a:r>
-              <a:rPr lang="de-DE" sz="2000" b="0" u="none" strike="noStrike" dirty="0">
-                <a:solidFill>
-                  <a:schemeClr val="dk1"/>
-                </a:solidFill>
-                <a:effectLst/>
-                <a:uFillTx/>
-                <a:latin typeface="Calisto MT"/>
-              </a:rPr>
-              <a:t>- Verschiedene Sprache</a:t>
-            </a:r>
-          </a:p>
-          <a:p>
-            <a:pPr marL="228600" indent="0" defTabSz="914400">
-              <a:lnSpc>
-                <a:spcPct val="110000"/>
-              </a:lnSpc>
-              <a:spcBef>
-                <a:spcPts val="1001"/>
-              </a:spcBef>
-              <a:buNone/>
-            </a:pPr>
-            <a:r>
-              <a:rPr lang="de-DE" sz="2000" b="0" u="none" strike="noStrike" dirty="0">
-                <a:solidFill>
-                  <a:schemeClr val="dk1"/>
-                </a:solidFill>
-                <a:effectLst/>
-                <a:uFillTx/>
-                <a:latin typeface="Calisto MT"/>
-              </a:rPr>
-              <a:t>- Jünger als 13</a:t>
-            </a:r>
-          </a:p>
-          <a:p>
-            <a:pPr marL="228600" indent="0" defTabSz="914400">
-              <a:lnSpc>
-                <a:spcPct val="110000"/>
-              </a:lnSpc>
-              <a:spcBef>
-                <a:spcPts val="1001"/>
-              </a:spcBef>
-              <a:buNone/>
-            </a:pPr>
-            <a:r>
-              <a:rPr lang="de-DE" sz="2000" b="0" u="none" strike="noStrike" dirty="0">
-                <a:solidFill>
-                  <a:schemeClr val="dk1"/>
-                </a:solidFill>
-                <a:effectLst/>
-                <a:uFillTx/>
-                <a:latin typeface="Calisto MT"/>
-              </a:rPr>
-              <a:t>- Älter als 13 / jünger als 18</a:t>
-            </a:r>
-          </a:p>
-          <a:p>
-            <a:pPr marL="228600" indent="0" defTabSz="914400">
-              <a:lnSpc>
-                <a:spcPct val="110000"/>
-              </a:lnSpc>
-              <a:spcBef>
-                <a:spcPts val="1001"/>
-              </a:spcBef>
-              <a:buNone/>
-            </a:pPr>
-            <a:endParaRPr lang="de-DE" sz="2000" b="0" u="none" strike="noStrike" dirty="0">
-              <a:solidFill>
-                <a:schemeClr val="dk1"/>
-              </a:solidFill>
-              <a:effectLst/>
-              <a:uFillTx/>
-              <a:latin typeface="Calisto MT"/>
-            </a:endParaRPr>
-          </a:p>
-          <a:p>
-            <a:pPr marL="228600" indent="-228600" defTabSz="914400">
-              <a:lnSpc>
-                <a:spcPct val="110000"/>
-              </a:lnSpc>
-              <a:spcBef>
-                <a:spcPts val="1001"/>
-              </a:spcBef>
-              <a:buClr>
-                <a:srgbClr val="000000"/>
-              </a:buClr>
-              <a:buFont typeface="Symbol" charset="2"/>
-              <a:buChar char=""/>
-            </a:pPr>
-            <a:r>
-              <a:rPr lang="de-DE" sz="2000" b="0" u="none" strike="noStrike" dirty="0">
-                <a:solidFill>
-                  <a:schemeClr val="dk1"/>
-                </a:solidFill>
-                <a:effectLst/>
-                <a:uFillTx/>
-                <a:latin typeface="Calisto MT"/>
-              </a:rPr>
-              <a:t>Benutzer löschen</a:t>
-            </a:r>
-          </a:p>
-        </p:txBody>
-      </p:sp>
-    </p:spTree>
-    <p:extLst>
-      <p:ext uri="{BB962C8B-B14F-4D97-AF65-F5344CB8AC3E}">
-        <p14:creationId xmlns:p14="http://schemas.microsoft.com/office/powerpoint/2010/main" val="1829405298"/>
-      </p:ext>
-    </p:extLst>
-  </p:cSld>
-  <p:clrMapOvr>
-    <a:masterClrMapping/>
-  </p:clrMapOvr>
-</p:sld>
-</file>
-
 <file path=ppt/slides/slide27.xml><?xml version="1.0" encoding="utf-8"?>
 <p:sld xmlns:a="http://schemas.openxmlformats.org/drawingml/2006/main" xmlns:r="http://schemas.openxmlformats.org/officeDocument/2006/relationships" xmlns:p="http://schemas.openxmlformats.org/presentationml/2006/main">
   <p:cSld>
@@ -24302,7 +24950,7 @@
                 <a:uFillTx/>
                 <a:latin typeface="Univers Condensed"/>
               </a:rPr>
-              <a:t>. Live Demo – User Dashboard</a:t>
+              <a:t>. Live Demo – Control Panel</a:t>
             </a:r>
             <a:endParaRPr lang="de-DE" dirty="0"/>
           </a:p>
@@ -24310,10 +24958,10 @@
       </p:sp>
       <p:sp>
         <p:nvSpPr>
-          <p:cNvPr id="3" name="PlaceHolder 2">
+          <p:cNvPr id="6" name="PlaceHolder 2">
             <a:extLst>
               <a:ext uri="{FF2B5EF4-FFF2-40B4-BE49-F238E27FC236}">
-                <a16:creationId xmlns:a16="http://schemas.microsoft.com/office/drawing/2014/main" id="{684C32F8-C686-FBFD-7DD5-7E1B5C1DAE58}"/>
+                <a16:creationId xmlns:a16="http://schemas.microsoft.com/office/drawing/2014/main" id="{17F801BE-E2C6-0ED1-D1E5-6D60141ADF1D}"/>
               </a:ext>
             </a:extLst>
           </p:cNvPr>
@@ -24359,237 +25007,148 @@
             </a:lvl1pPr>
           </a:lstStyle>
           <a:p>
-            <a:pPr marL="228600" indent="-228600" algn="l" rtl="0" eaLnBrk="1" latinLnBrk="0" hangingPunct="1">
+            <a:pPr marL="228600" indent="-228600" defTabSz="914400">
               <a:lnSpc>
                 <a:spcPct val="110000"/>
               </a:lnSpc>
               <a:spcBef>
                 <a:spcPts val="1001"/>
               </a:spcBef>
-              <a:spcAft>
-                <a:spcPts val="0"/>
-              </a:spcAft>
               <a:buClr>
                 <a:srgbClr val="000000"/>
               </a:buClr>
-              <a:buSzPts val="1400"/>
-              <a:buFont typeface="Symbol" panose="05050102010706020507" pitchFamily="18" charset="2"/>
-              <a:buChar char="·"/>
-            </a:pPr>
-            <a:r>
-              <a:rPr lang="de-DE" sz="1800" b="0" kern="1200" dirty="0">
-                <a:solidFill>
-                  <a:srgbClr val="000000"/>
+              <a:buFont typeface="Symbol" charset="2"/>
+              <a:buChar char=""/>
+            </a:pPr>
+            <a:r>
+              <a:rPr lang="de-DE" sz="2000" b="0" u="none" strike="noStrike" dirty="0">
+                <a:solidFill>
+                  <a:schemeClr val="dk1"/>
                 </a:solidFill>
                 <a:effectLst/>
-                <a:latin typeface="Calisto MT" panose="02040603050505030304" pitchFamily="18" charset="0"/>
-                <a:ea typeface="+mj-ea"/>
-                <a:cs typeface="+mj-cs"/>
+                <a:uFillTx/>
+                <a:latin typeface="Calisto MT"/>
               </a:rPr>
-              <a:t>Individuelles Passwort setzen</a:t>
-            </a:r>
-            <a:endParaRPr lang="de-DE" sz="1800" dirty="0"/>
-          </a:p>
-          <a:p>
-            <a:pPr marL="228600" indent="-228600" algn="l" rtl="0" eaLnBrk="1" latinLnBrk="0" hangingPunct="1">
+              <a:t>Benutzer erstellen</a:t>
+            </a:r>
+          </a:p>
+          <a:p>
+            <a:pPr marL="228600" indent="0" defTabSz="914400">
               <a:lnSpc>
                 <a:spcPct val="110000"/>
               </a:lnSpc>
               <a:spcBef>
                 <a:spcPts val="1001"/>
               </a:spcBef>
-              <a:spcAft>
-                <a:spcPts val="0"/>
-              </a:spcAft>
+              <a:buNone/>
+            </a:pPr>
+            <a:r>
+              <a:rPr lang="de-DE" sz="2000" b="0" u="none" strike="noStrike" dirty="0">
+                <a:solidFill>
+                  <a:schemeClr val="dk1"/>
+                </a:solidFill>
+                <a:effectLst/>
+                <a:uFillTx/>
+                <a:latin typeface="Calisto MT"/>
+              </a:rPr>
+              <a:t>- Verschiedene Sprache</a:t>
+            </a:r>
+          </a:p>
+          <a:p>
+            <a:pPr marL="228600" indent="0" defTabSz="914400">
+              <a:lnSpc>
+                <a:spcPct val="110000"/>
+              </a:lnSpc>
+              <a:spcBef>
+                <a:spcPts val="1001"/>
+              </a:spcBef>
+              <a:buNone/>
+            </a:pPr>
+            <a:r>
+              <a:rPr lang="de-DE" sz="2000" b="0" u="none" strike="noStrike" dirty="0">
+                <a:solidFill>
+                  <a:schemeClr val="dk1"/>
+                </a:solidFill>
+                <a:effectLst/>
+                <a:uFillTx/>
+                <a:latin typeface="Calisto MT"/>
+              </a:rPr>
+              <a:t>- Jünger als 13</a:t>
+            </a:r>
+          </a:p>
+          <a:p>
+            <a:pPr marL="228600" indent="0" defTabSz="914400">
+              <a:lnSpc>
+                <a:spcPct val="110000"/>
+              </a:lnSpc>
+              <a:spcBef>
+                <a:spcPts val="1001"/>
+              </a:spcBef>
+              <a:buNone/>
+            </a:pPr>
+            <a:r>
+              <a:rPr lang="de-DE" sz="2000" b="0" u="none" strike="noStrike" dirty="0">
+                <a:solidFill>
+                  <a:schemeClr val="dk1"/>
+                </a:solidFill>
+                <a:effectLst/>
+                <a:uFillTx/>
+                <a:latin typeface="Calisto MT"/>
+              </a:rPr>
+              <a:t>- Älter als 13 / jünger als 18</a:t>
+            </a:r>
+          </a:p>
+          <a:p>
+            <a:pPr marL="228600" indent="0" defTabSz="914400">
+              <a:lnSpc>
+                <a:spcPct val="110000"/>
+              </a:lnSpc>
+              <a:spcBef>
+                <a:spcPts val="1001"/>
+              </a:spcBef>
+              <a:buNone/>
+            </a:pPr>
+            <a:endParaRPr lang="de-DE" sz="2000" b="0" u="none" strike="noStrike" dirty="0">
+              <a:solidFill>
+                <a:schemeClr val="dk1"/>
+              </a:solidFill>
+              <a:effectLst/>
+              <a:uFillTx/>
+              <a:latin typeface="Calisto MT"/>
+            </a:endParaRPr>
+          </a:p>
+          <a:p>
+            <a:pPr marL="228600" indent="-228600" defTabSz="914400">
+              <a:lnSpc>
+                <a:spcPct val="110000"/>
+              </a:lnSpc>
+              <a:spcBef>
+                <a:spcPts val="1001"/>
+              </a:spcBef>
               <a:buClr>
                 <a:srgbClr val="000000"/>
               </a:buClr>
-              <a:buSzPts val="1400"/>
-              <a:buFont typeface="Symbol" panose="05050102010706020507" pitchFamily="18" charset="2"/>
-              <a:buChar char="·"/>
-            </a:pPr>
-            <a:r>
-              <a:rPr lang="de-DE" sz="1800" b="0" kern="1200" dirty="0">
-                <a:solidFill>
-                  <a:srgbClr val="000000"/>
+              <a:buFont typeface="Symbol" charset="2"/>
+              <a:buChar char=""/>
+            </a:pPr>
+            <a:r>
+              <a:rPr lang="de-DE" sz="2000" b="0" u="none" strike="noStrike" dirty="0">
+                <a:solidFill>
+                  <a:schemeClr val="dk1"/>
                 </a:solidFill>
                 <a:effectLst/>
-                <a:latin typeface="Calisto MT" panose="02040603050505030304" pitchFamily="18" charset="0"/>
-                <a:ea typeface="+mj-ea"/>
-                <a:cs typeface="+mj-cs"/>
+                <a:uFillTx/>
+                <a:latin typeface="Calisto MT"/>
               </a:rPr>
-              <a:t>Sprachwechsel</a:t>
-            </a:r>
-            <a:endParaRPr lang="de-DE" sz="1000" dirty="0"/>
-          </a:p>
-          <a:p>
-            <a:pPr marL="228600" indent="-228600" algn="l" rtl="0" eaLnBrk="1" latinLnBrk="0" hangingPunct="1">
-              <a:lnSpc>
-                <a:spcPct val="110000"/>
-              </a:lnSpc>
-              <a:spcBef>
-                <a:spcPts val="1001"/>
-              </a:spcBef>
-              <a:spcAft>
-                <a:spcPts val="0"/>
-              </a:spcAft>
-              <a:buClr>
-                <a:srgbClr val="000000"/>
-              </a:buClr>
-              <a:buSzPts val="1400"/>
-              <a:buFont typeface="Symbol" panose="05050102010706020507" pitchFamily="18" charset="2"/>
-              <a:buChar char="·"/>
-            </a:pPr>
-            <a:r>
-              <a:rPr lang="de-DE" sz="1800" b="0" kern="1200" dirty="0">
-                <a:solidFill>
-                  <a:srgbClr val="000000"/>
-                </a:solidFill>
-                <a:effectLst/>
-                <a:latin typeface="Calisto MT" panose="02040603050505030304" pitchFamily="18" charset="0"/>
-                <a:ea typeface="+mj-ea"/>
-                <a:cs typeface="+mj-cs"/>
-              </a:rPr>
-              <a:t>Benachrichtigungen</a:t>
-            </a:r>
-            <a:endParaRPr lang="de-DE" sz="1000" dirty="0"/>
-          </a:p>
-          <a:p>
-            <a:pPr marL="228600" indent="-228600" algn="l" rtl="0" eaLnBrk="1" latinLnBrk="0" hangingPunct="1">
-              <a:lnSpc>
-                <a:spcPct val="110000"/>
-              </a:lnSpc>
-              <a:spcBef>
-                <a:spcPts val="1001"/>
-              </a:spcBef>
-              <a:spcAft>
-                <a:spcPts val="0"/>
-              </a:spcAft>
-              <a:buClr>
-                <a:srgbClr val="000000"/>
-              </a:buClr>
-              <a:buSzPts val="1400"/>
-              <a:buFont typeface="Symbol" panose="05050102010706020507" pitchFamily="18" charset="2"/>
-              <a:buChar char="·"/>
-            </a:pPr>
-            <a:r>
-              <a:rPr lang="de-DE" sz="1800" b="0" kern="1200" dirty="0">
-                <a:solidFill>
-                  <a:srgbClr val="000000"/>
-                </a:solidFill>
-                <a:effectLst/>
-                <a:latin typeface="Calisto MT" panose="02040603050505030304" pitchFamily="18" charset="0"/>
-                <a:ea typeface="+mj-ea"/>
-                <a:cs typeface="+mj-cs"/>
-              </a:rPr>
-              <a:t>Logout</a:t>
-            </a:r>
-            <a:endParaRPr lang="de-DE" sz="1000" dirty="0"/>
-          </a:p>
-          <a:p>
-            <a:pPr marL="228600" indent="-228600" algn="l" rtl="0" eaLnBrk="1" latinLnBrk="0" hangingPunct="1">
-              <a:lnSpc>
-                <a:spcPct val="110000"/>
-              </a:lnSpc>
-              <a:spcBef>
-                <a:spcPts val="1001"/>
-              </a:spcBef>
-              <a:spcAft>
-                <a:spcPts val="0"/>
-              </a:spcAft>
-              <a:buClr>
-                <a:srgbClr val="000000"/>
-              </a:buClr>
-              <a:buSzPts val="1400"/>
-              <a:buFont typeface="Symbol" panose="05050102010706020507" pitchFamily="18" charset="2"/>
-              <a:buChar char="·"/>
-            </a:pPr>
-            <a:r>
-              <a:rPr lang="de-DE" sz="1800" b="0" kern="1200" dirty="0">
-                <a:solidFill>
-                  <a:srgbClr val="000000"/>
-                </a:solidFill>
-                <a:effectLst/>
-                <a:latin typeface="Calisto MT" panose="02040603050505030304" pitchFamily="18" charset="0"/>
-                <a:ea typeface="+mj-ea"/>
-                <a:cs typeface="+mj-cs"/>
-              </a:rPr>
-              <a:t>Wochenübersicht</a:t>
-            </a:r>
-            <a:endParaRPr lang="de-DE" sz="1000" dirty="0"/>
-          </a:p>
-          <a:p>
-            <a:pPr marL="228600" indent="-228600" algn="l" rtl="0" eaLnBrk="1" latinLnBrk="0" hangingPunct="1">
-              <a:lnSpc>
-                <a:spcPct val="110000"/>
-              </a:lnSpc>
-              <a:spcBef>
-                <a:spcPts val="1001"/>
-              </a:spcBef>
-              <a:spcAft>
-                <a:spcPts val="0"/>
-              </a:spcAft>
-              <a:buClr>
-                <a:srgbClr val="000000"/>
-              </a:buClr>
-              <a:buSzPts val="1400"/>
-              <a:buFont typeface="Symbol" panose="05050102010706020507" pitchFamily="18" charset="2"/>
-              <a:buChar char="·"/>
-            </a:pPr>
-            <a:r>
-              <a:rPr lang="de-DE" sz="1800" b="0" kern="1200" dirty="0">
-                <a:solidFill>
-                  <a:srgbClr val="000000"/>
-                </a:solidFill>
-                <a:effectLst/>
-                <a:latin typeface="Calisto MT" panose="02040603050505030304" pitchFamily="18" charset="0"/>
-                <a:ea typeface="+mj-ea"/>
-                <a:cs typeface="+mj-cs"/>
-              </a:rPr>
-              <a:t>Kommen/ Gehen</a:t>
-            </a:r>
-            <a:endParaRPr lang="de-DE" sz="1000" dirty="0"/>
-          </a:p>
-          <a:p>
-            <a:pPr marL="228600" indent="-228600" algn="l" rtl="0" eaLnBrk="1" latinLnBrk="0" hangingPunct="1">
-              <a:lnSpc>
-                <a:spcPct val="110000"/>
-              </a:lnSpc>
-              <a:spcBef>
-                <a:spcPts val="1001"/>
-              </a:spcBef>
-              <a:spcAft>
-                <a:spcPts val="0"/>
-              </a:spcAft>
-              <a:buClr>
-                <a:srgbClr val="000000"/>
-              </a:buClr>
-              <a:buSzPts val="1400"/>
-              <a:buFont typeface="Symbol" panose="05050102010706020507" pitchFamily="18" charset="2"/>
-              <a:buChar char="·"/>
-            </a:pPr>
-            <a:r>
-              <a:rPr lang="de-DE" sz="1800" b="0" kern="1200" dirty="0">
-                <a:solidFill>
-                  <a:srgbClr val="000000"/>
-                </a:solidFill>
-                <a:effectLst/>
-                <a:latin typeface="Calisto MT" panose="02040603050505030304" pitchFamily="18" charset="0"/>
-                <a:ea typeface="+mj-ea"/>
-                <a:cs typeface="+mj-cs"/>
-              </a:rPr>
-              <a:t>Benutzer mit Arbeitszeit</a:t>
-            </a:r>
-            <a:endParaRPr lang="de-DE" sz="1000" dirty="0">
-              <a:effectLst/>
-            </a:endParaRPr>
+              <a:t>Benutzer löschen</a:t>
+            </a:r>
           </a:p>
         </p:txBody>
       </p:sp>
     </p:spTree>
     <p:extLst>
       <p:ext uri="{BB962C8B-B14F-4D97-AF65-F5344CB8AC3E}">
-        <p14:creationId xmlns:p14="http://schemas.microsoft.com/office/powerpoint/2010/main" val="1643118408"/>
+        <p14:creationId xmlns:p14="http://schemas.microsoft.com/office/powerpoint/2010/main" val="1829405298"/>
       </p:ext>
     </p:extLst>
   </p:cSld>
@@ -24655,7 +25214,7 @@
                 <a:uFillTx/>
                 <a:latin typeface="Univers Condensed"/>
               </a:rPr>
-              <a:t>. Live Demo – API-Calls</a:t>
+              <a:t>. Live Demo – User Dashboard</a:t>
             </a:r>
             <a:endParaRPr lang="de-DE" dirty="0"/>
           </a:p>
@@ -24712,6 +25271,359 @@
             </a:lvl1pPr>
           </a:lstStyle>
           <a:p>
+            <a:pPr marL="228600" indent="-228600" algn="l" rtl="0" eaLnBrk="1" latinLnBrk="0" hangingPunct="1">
+              <a:lnSpc>
+                <a:spcPct val="110000"/>
+              </a:lnSpc>
+              <a:spcBef>
+                <a:spcPts val="1001"/>
+              </a:spcBef>
+              <a:spcAft>
+                <a:spcPts val="0"/>
+              </a:spcAft>
+              <a:buClr>
+                <a:srgbClr val="000000"/>
+              </a:buClr>
+              <a:buSzPts val="1400"/>
+              <a:buFont typeface="Symbol" panose="05050102010706020507" pitchFamily="18" charset="2"/>
+              <a:buChar char="·"/>
+            </a:pPr>
+            <a:r>
+              <a:rPr lang="de-DE" sz="1800" b="0" kern="1200" dirty="0">
+                <a:solidFill>
+                  <a:srgbClr val="000000"/>
+                </a:solidFill>
+                <a:effectLst/>
+                <a:latin typeface="Calisto MT" panose="02040603050505030304" pitchFamily="18" charset="0"/>
+                <a:ea typeface="+mj-ea"/>
+                <a:cs typeface="+mj-cs"/>
+              </a:rPr>
+              <a:t>Individuelles Passwort setzen</a:t>
+            </a:r>
+            <a:endParaRPr lang="de-DE" sz="1800" dirty="0"/>
+          </a:p>
+          <a:p>
+            <a:pPr marL="228600" indent="-228600" algn="l" rtl="0" eaLnBrk="1" latinLnBrk="0" hangingPunct="1">
+              <a:lnSpc>
+                <a:spcPct val="110000"/>
+              </a:lnSpc>
+              <a:spcBef>
+                <a:spcPts val="1001"/>
+              </a:spcBef>
+              <a:spcAft>
+                <a:spcPts val="0"/>
+              </a:spcAft>
+              <a:buClr>
+                <a:srgbClr val="000000"/>
+              </a:buClr>
+              <a:buSzPts val="1400"/>
+              <a:buFont typeface="Symbol" panose="05050102010706020507" pitchFamily="18" charset="2"/>
+              <a:buChar char="·"/>
+            </a:pPr>
+            <a:r>
+              <a:rPr lang="de-DE" sz="1800" b="0" kern="1200" dirty="0">
+                <a:solidFill>
+                  <a:srgbClr val="000000"/>
+                </a:solidFill>
+                <a:effectLst/>
+                <a:latin typeface="Calisto MT" panose="02040603050505030304" pitchFamily="18" charset="0"/>
+                <a:ea typeface="+mj-ea"/>
+                <a:cs typeface="+mj-cs"/>
+              </a:rPr>
+              <a:t>Sprachwechsel</a:t>
+            </a:r>
+            <a:endParaRPr lang="de-DE" sz="1000" dirty="0"/>
+          </a:p>
+          <a:p>
+            <a:pPr marL="228600" indent="-228600" algn="l" rtl="0" eaLnBrk="1" latinLnBrk="0" hangingPunct="1">
+              <a:lnSpc>
+                <a:spcPct val="110000"/>
+              </a:lnSpc>
+              <a:spcBef>
+                <a:spcPts val="1001"/>
+              </a:spcBef>
+              <a:spcAft>
+                <a:spcPts val="0"/>
+              </a:spcAft>
+              <a:buClr>
+                <a:srgbClr val="000000"/>
+              </a:buClr>
+              <a:buSzPts val="1400"/>
+              <a:buFont typeface="Symbol" panose="05050102010706020507" pitchFamily="18" charset="2"/>
+              <a:buChar char="·"/>
+            </a:pPr>
+            <a:r>
+              <a:rPr lang="de-DE" sz="1800" b="0" kern="1200" dirty="0">
+                <a:solidFill>
+                  <a:srgbClr val="000000"/>
+                </a:solidFill>
+                <a:effectLst/>
+                <a:latin typeface="Calisto MT" panose="02040603050505030304" pitchFamily="18" charset="0"/>
+                <a:ea typeface="+mj-ea"/>
+                <a:cs typeface="+mj-cs"/>
+              </a:rPr>
+              <a:t>Benachrichtigungen</a:t>
+            </a:r>
+            <a:endParaRPr lang="de-DE" sz="1000" dirty="0"/>
+          </a:p>
+          <a:p>
+            <a:pPr marL="228600" indent="-228600" algn="l" rtl="0" eaLnBrk="1" latinLnBrk="0" hangingPunct="1">
+              <a:lnSpc>
+                <a:spcPct val="110000"/>
+              </a:lnSpc>
+              <a:spcBef>
+                <a:spcPts val="1001"/>
+              </a:spcBef>
+              <a:spcAft>
+                <a:spcPts val="0"/>
+              </a:spcAft>
+              <a:buClr>
+                <a:srgbClr val="000000"/>
+              </a:buClr>
+              <a:buSzPts val="1400"/>
+              <a:buFont typeface="Symbol" panose="05050102010706020507" pitchFamily="18" charset="2"/>
+              <a:buChar char="·"/>
+            </a:pPr>
+            <a:r>
+              <a:rPr lang="de-DE" sz="1800" b="0" kern="1200" dirty="0">
+                <a:solidFill>
+                  <a:srgbClr val="000000"/>
+                </a:solidFill>
+                <a:effectLst/>
+                <a:latin typeface="Calisto MT" panose="02040603050505030304" pitchFamily="18" charset="0"/>
+                <a:ea typeface="+mj-ea"/>
+                <a:cs typeface="+mj-cs"/>
+              </a:rPr>
+              <a:t>Logout</a:t>
+            </a:r>
+            <a:endParaRPr lang="de-DE" sz="1000" dirty="0"/>
+          </a:p>
+          <a:p>
+            <a:pPr marL="228600" indent="-228600" algn="l" rtl="0" eaLnBrk="1" latinLnBrk="0" hangingPunct="1">
+              <a:lnSpc>
+                <a:spcPct val="110000"/>
+              </a:lnSpc>
+              <a:spcBef>
+                <a:spcPts val="1001"/>
+              </a:spcBef>
+              <a:spcAft>
+                <a:spcPts val="0"/>
+              </a:spcAft>
+              <a:buClr>
+                <a:srgbClr val="000000"/>
+              </a:buClr>
+              <a:buSzPts val="1400"/>
+              <a:buFont typeface="Symbol" panose="05050102010706020507" pitchFamily="18" charset="2"/>
+              <a:buChar char="·"/>
+            </a:pPr>
+            <a:r>
+              <a:rPr lang="de-DE" sz="1800" b="0" kern="1200" dirty="0">
+                <a:solidFill>
+                  <a:srgbClr val="000000"/>
+                </a:solidFill>
+                <a:effectLst/>
+                <a:latin typeface="Calisto MT" panose="02040603050505030304" pitchFamily="18" charset="0"/>
+                <a:ea typeface="+mj-ea"/>
+                <a:cs typeface="+mj-cs"/>
+              </a:rPr>
+              <a:t>Wochenübersicht</a:t>
+            </a:r>
+            <a:endParaRPr lang="de-DE" sz="1000" dirty="0"/>
+          </a:p>
+          <a:p>
+            <a:pPr marL="228600" indent="-228600" algn="l" rtl="0" eaLnBrk="1" latinLnBrk="0" hangingPunct="1">
+              <a:lnSpc>
+                <a:spcPct val="110000"/>
+              </a:lnSpc>
+              <a:spcBef>
+                <a:spcPts val="1001"/>
+              </a:spcBef>
+              <a:spcAft>
+                <a:spcPts val="0"/>
+              </a:spcAft>
+              <a:buClr>
+                <a:srgbClr val="000000"/>
+              </a:buClr>
+              <a:buSzPts val="1400"/>
+              <a:buFont typeface="Symbol" panose="05050102010706020507" pitchFamily="18" charset="2"/>
+              <a:buChar char="·"/>
+            </a:pPr>
+            <a:r>
+              <a:rPr lang="de-DE" sz="1800" b="0" kern="1200" dirty="0">
+                <a:solidFill>
+                  <a:srgbClr val="000000"/>
+                </a:solidFill>
+                <a:effectLst/>
+                <a:latin typeface="Calisto MT" panose="02040603050505030304" pitchFamily="18" charset="0"/>
+                <a:ea typeface="+mj-ea"/>
+                <a:cs typeface="+mj-cs"/>
+              </a:rPr>
+              <a:t>Kommen/ Gehen</a:t>
+            </a:r>
+            <a:endParaRPr lang="de-DE" sz="1000" dirty="0"/>
+          </a:p>
+          <a:p>
+            <a:pPr marL="228600" indent="-228600" algn="l" rtl="0" eaLnBrk="1" latinLnBrk="0" hangingPunct="1">
+              <a:lnSpc>
+                <a:spcPct val="110000"/>
+              </a:lnSpc>
+              <a:spcBef>
+                <a:spcPts val="1001"/>
+              </a:spcBef>
+              <a:spcAft>
+                <a:spcPts val="0"/>
+              </a:spcAft>
+              <a:buClr>
+                <a:srgbClr val="000000"/>
+              </a:buClr>
+              <a:buSzPts val="1400"/>
+              <a:buFont typeface="Symbol" panose="05050102010706020507" pitchFamily="18" charset="2"/>
+              <a:buChar char="·"/>
+            </a:pPr>
+            <a:r>
+              <a:rPr lang="de-DE" sz="1800" b="0" kern="1200" dirty="0">
+                <a:solidFill>
+                  <a:srgbClr val="000000"/>
+                </a:solidFill>
+                <a:effectLst/>
+                <a:latin typeface="Calisto MT" panose="02040603050505030304" pitchFamily="18" charset="0"/>
+                <a:ea typeface="+mj-ea"/>
+                <a:cs typeface="+mj-cs"/>
+              </a:rPr>
+              <a:t>Benutzer mit Arbeitszeit</a:t>
+            </a:r>
+            <a:endParaRPr lang="de-DE" sz="1000" dirty="0">
+              <a:effectLst/>
+            </a:endParaRPr>
+          </a:p>
+        </p:txBody>
+      </p:sp>
+    </p:spTree>
+    <p:extLst>
+      <p:ext uri="{BB962C8B-B14F-4D97-AF65-F5344CB8AC3E}">
+        <p14:creationId xmlns:p14="http://schemas.microsoft.com/office/powerpoint/2010/main" val="1643118408"/>
+      </p:ext>
+    </p:extLst>
+  </p:cSld>
+  <p:clrMapOvr>
+    <a:masterClrMapping/>
+  </p:clrMapOvr>
+</p:sld>
+</file>
+
+<file path=ppt/slides/slide29.xml><?xml version="1.0" encoding="utf-8"?>
+<p:sld xmlns:a="http://schemas.openxmlformats.org/drawingml/2006/main" xmlns:r="http://schemas.openxmlformats.org/officeDocument/2006/relationships" xmlns:p="http://schemas.openxmlformats.org/presentationml/2006/main">
+  <p:cSld>
+    <p:spTree>
+      <p:nvGrpSpPr>
+        <p:cNvPr id="1" name=""/>
+        <p:cNvGrpSpPr/>
+        <p:nvPr/>
+      </p:nvGrpSpPr>
+      <p:grpSpPr>
+        <a:xfrm>
+          <a:off x="0" y="0"/>
+          <a:ext cx="0" cy="0"/>
+          <a:chOff x="0" y="0"/>
+          <a:chExt cx="0" cy="0"/>
+        </a:xfrm>
+      </p:grpSpPr>
+      <p:sp>
+        <p:nvSpPr>
+          <p:cNvPr id="2" name="Titel 1">
+            <a:extLst>
+              <a:ext uri="{FF2B5EF4-FFF2-40B4-BE49-F238E27FC236}">
+                <a16:creationId xmlns:a16="http://schemas.microsoft.com/office/drawing/2014/main" id="{FD596FAE-D141-C376-8325-F6B0C6A09327}"/>
+              </a:ext>
+            </a:extLst>
+          </p:cNvPr>
+          <p:cNvSpPr>
+            <a:spLocks noGrp="1"/>
+          </p:cNvSpPr>
+          <p:nvPr>
+            <p:ph type="title"/>
+          </p:nvPr>
+        </p:nvSpPr>
+        <p:spPr/>
+        <p:txBody>
+          <a:bodyPr/>
+          <a:lstStyle/>
+          <a:p>
+            <a:r>
+              <a:rPr lang="de-DE" sz="4400" cap="all" spc="31" dirty="0">
+                <a:solidFill>
+                  <a:schemeClr val="dk1"/>
+                </a:solidFill>
+                <a:latin typeface="Univers Condensed"/>
+              </a:rPr>
+              <a:t>9</a:t>
+            </a:r>
+            <a:r>
+              <a:rPr lang="de-DE" sz="4400" b="0" u="none" strike="noStrike" cap="all" spc="31" dirty="0">
+                <a:solidFill>
+                  <a:schemeClr val="dk1"/>
+                </a:solidFill>
+                <a:effectLst/>
+                <a:uFillTx/>
+                <a:latin typeface="Univers Condensed"/>
+              </a:rPr>
+              <a:t>. Live Demo – API-Calls</a:t>
+            </a:r>
+            <a:endParaRPr lang="de-DE" dirty="0"/>
+          </a:p>
+        </p:txBody>
+      </p:sp>
+      <p:sp>
+        <p:nvSpPr>
+          <p:cNvPr id="3" name="PlaceHolder 2">
+            <a:extLst>
+              <a:ext uri="{FF2B5EF4-FFF2-40B4-BE49-F238E27FC236}">
+                <a16:creationId xmlns:a16="http://schemas.microsoft.com/office/drawing/2014/main" id="{684C32F8-C686-FBFD-7DD5-7E1B5C1DAE58}"/>
+              </a:ext>
+            </a:extLst>
+          </p:cNvPr>
+          <p:cNvSpPr txBox="1">
+            <a:spLocks/>
+          </p:cNvSpPr>
+          <p:nvPr/>
+        </p:nvSpPr>
+        <p:spPr>
+          <a:xfrm>
+            <a:off x="700560" y="2221920"/>
+            <a:ext cx="10690920" cy="3739680"/>
+          </a:xfrm>
+          <a:prstGeom prst="rect">
+            <a:avLst/>
+          </a:prstGeom>
+          <a:noFill/>
+          <a:ln w="0">
+            <a:noFill/>
+          </a:ln>
+        </p:spPr>
+        <p:txBody>
+          <a:bodyPr lIns="91440" tIns="45720" rIns="91440" bIns="45720" anchor="t">
+            <a:normAutofit/>
+          </a:bodyPr>
+          <a:lstStyle>
+            <a:lvl1pPr algn="l" defTabSz="914400" rtl="0" eaLnBrk="1" latinLnBrk="0" hangingPunct="1">
+              <a:lnSpc>
+                <a:spcPct val="90000"/>
+              </a:lnSpc>
+              <a:spcBef>
+                <a:spcPct val="0"/>
+              </a:spcBef>
+              <a:buNone/>
+              <a:defRPr sz="4400" kern="1200">
+                <a:solidFill>
+                  <a:schemeClr val="tx1"/>
+                </a:solidFill>
+                <a:latin typeface="+mj-lt"/>
+                <a:ea typeface="+mj-ea"/>
+                <a:cs typeface="+mj-cs"/>
+              </a:defRPr>
+            </a:lvl1pPr>
+          </a:lstStyle>
+          <a:p>
             <a:pPr algn="l" rtl="0" eaLnBrk="1" latinLnBrk="0" hangingPunct="1">
               <a:lnSpc>
                 <a:spcPct val="110000"/>
@@ -25038,7 +25950,103 @@
 </p:sld>
 </file>
 
-<file path=ppt/slides/slide29.xml><?xml version="1.0" encoding="utf-8"?>
+<file path=ppt/slides/slide3.xml><?xml version="1.0" encoding="utf-8"?>
+<p:sld xmlns:a="http://schemas.openxmlformats.org/drawingml/2006/main" xmlns:r="http://schemas.openxmlformats.org/officeDocument/2006/relationships" xmlns:p="http://schemas.openxmlformats.org/presentationml/2006/main">
+  <p:cSld>
+    <p:spTree>
+      <p:nvGrpSpPr>
+        <p:cNvPr id="1" name=""/>
+        <p:cNvGrpSpPr/>
+        <p:nvPr/>
+      </p:nvGrpSpPr>
+      <p:grpSpPr>
+        <a:xfrm>
+          <a:off x="0" y="0"/>
+          <a:ext cx="0" cy="0"/>
+          <a:chOff x="0" y="0"/>
+          <a:chExt cx="0" cy="0"/>
+        </a:xfrm>
+      </p:grpSpPr>
+      <p:sp>
+        <p:nvSpPr>
+          <p:cNvPr id="2" name="Titel 1">
+            <a:extLst>
+              <a:ext uri="{FF2B5EF4-FFF2-40B4-BE49-F238E27FC236}">
+                <a16:creationId xmlns:a16="http://schemas.microsoft.com/office/drawing/2014/main" id="{654A3F32-F54C-67B7-E8E5-D64FCE0F6D3E}"/>
+              </a:ext>
+            </a:extLst>
+          </p:cNvPr>
+          <p:cNvSpPr>
+            <a:spLocks noGrp="1"/>
+          </p:cNvSpPr>
+          <p:nvPr>
+            <p:ph type="title"/>
+          </p:nvPr>
+        </p:nvSpPr>
+        <p:spPr>
+          <a:xfrm>
+            <a:off x="750540" y="2775420"/>
+            <a:ext cx="10690920" cy="1307160"/>
+          </a:xfrm>
+        </p:spPr>
+        <p:txBody>
+          <a:bodyPr anchor="ctr"/>
+          <a:lstStyle/>
+          <a:p>
+            <a:pPr algn="ctr"/>
+            <a:r>
+              <a:rPr lang="de-DE" b="1" dirty="0"/>
+              <a:t>Die BBQ GmbH..</a:t>
+            </a:r>
+          </a:p>
+        </p:txBody>
+      </p:sp>
+      <p:sp>
+        <p:nvSpPr>
+          <p:cNvPr id="4" name="Textfeld 3">
+            <a:extLst>
+              <a:ext uri="{FF2B5EF4-FFF2-40B4-BE49-F238E27FC236}">
+                <a16:creationId xmlns:a16="http://schemas.microsoft.com/office/drawing/2014/main" id="{51A9B4BE-1393-F4A6-57F3-0660068EDB85}"/>
+              </a:ext>
+            </a:extLst>
+          </p:cNvPr>
+          <p:cNvSpPr txBox="1"/>
+          <p:nvPr/>
+        </p:nvSpPr>
+        <p:spPr>
+          <a:xfrm>
+            <a:off x="7800109" y="3463636"/>
+            <a:ext cx="184731" cy="369332"/>
+          </a:xfrm>
+          <a:prstGeom prst="rect">
+            <a:avLst/>
+          </a:prstGeom>
+          <a:noFill/>
+        </p:spPr>
+        <p:txBody>
+          <a:bodyPr wrap="none" rtlCol="0">
+            <a:spAutoFit/>
+          </a:bodyPr>
+          <a:lstStyle/>
+          <a:p>
+            <a:endParaRPr lang="de-DE" dirty="0"/>
+          </a:p>
+        </p:txBody>
+      </p:sp>
+    </p:spTree>
+    <p:extLst>
+      <p:ext uri="{BB962C8B-B14F-4D97-AF65-F5344CB8AC3E}">
+        <p14:creationId xmlns:p14="http://schemas.microsoft.com/office/powerpoint/2010/main" val="3721106448"/>
+      </p:ext>
+    </p:extLst>
+  </p:cSld>
+  <p:clrMapOvr>
+    <a:masterClrMapping/>
+  </p:clrMapOvr>
+</p:sld>
+</file>
+
+<file path=ppt/slides/slide30.xml><?xml version="1.0" encoding="utf-8"?>
 <p:sld xmlns:a="http://schemas.openxmlformats.org/drawingml/2006/main" xmlns:r="http://schemas.openxmlformats.org/officeDocument/2006/relationships" xmlns:p="http://schemas.openxmlformats.org/presentationml/2006/main">
   <p:cSld>
     <p:bg>
@@ -25455,430 +26463,7 @@
 </p:sld>
 </file>
 
-<file path=ppt/slides/slide3.xml><?xml version="1.0" encoding="utf-8"?>
-<p:sld xmlns:a="http://schemas.openxmlformats.org/drawingml/2006/main" xmlns:r="http://schemas.openxmlformats.org/officeDocument/2006/relationships" xmlns:p="http://schemas.openxmlformats.org/presentationml/2006/main">
-  <p:cSld>
-    <p:spTree>
-      <p:nvGrpSpPr>
-        <p:cNvPr id="1" name=""/>
-        <p:cNvGrpSpPr/>
-        <p:nvPr/>
-      </p:nvGrpSpPr>
-      <p:grpSpPr>
-        <a:xfrm>
-          <a:off x="0" y="0"/>
-          <a:ext cx="0" cy="0"/>
-          <a:chOff x="0" y="0"/>
-          <a:chExt cx="0" cy="0"/>
-        </a:xfrm>
-      </p:grpSpPr>
-      <p:sp>
-        <p:nvSpPr>
-          <p:cNvPr id="90" name="PlaceHolder 1"/>
-          <p:cNvSpPr>
-            <a:spLocks noGrp="1"/>
-          </p:cNvSpPr>
-          <p:nvPr>
-            <p:ph type="title"/>
-          </p:nvPr>
-        </p:nvSpPr>
-        <p:spPr>
-          <a:xfrm>
-            <a:off x="700560" y="914400"/>
-            <a:ext cx="10690920" cy="1307160"/>
-          </a:xfrm>
-          <a:prstGeom prst="rect">
-            <a:avLst/>
-          </a:prstGeom>
-          <a:noFill/>
-          <a:ln w="0">
-            <a:noFill/>
-          </a:ln>
-        </p:spPr>
-        <p:txBody>
-          <a:bodyPr lIns="91440" tIns="45720" rIns="91440" bIns="45720" anchor="t">
-            <a:normAutofit/>
-          </a:bodyPr>
-          <a:lstStyle/>
-          <a:p>
-            <a:pPr indent="0" defTabSz="914400">
-              <a:lnSpc>
-                <a:spcPct val="100000"/>
-              </a:lnSpc>
-              <a:buNone/>
-            </a:pPr>
-            <a:r>
-              <a:rPr lang="de-DE" sz="4000" b="0" u="none" strike="noStrike" cap="all" spc="31" dirty="0">
-                <a:solidFill>
-                  <a:schemeClr val="dk1"/>
-                </a:solidFill>
-                <a:effectLst/>
-                <a:uFillTx/>
-                <a:latin typeface="Univers Condensed"/>
-              </a:rPr>
-              <a:t>1. Verwendete Tools</a:t>
-            </a:r>
-            <a:endParaRPr lang="de-DE" sz="4000" b="0" u="none" strike="noStrike" dirty="0">
-              <a:solidFill>
-                <a:schemeClr val="dk1"/>
-              </a:solidFill>
-              <a:effectLst/>
-              <a:uFillTx/>
-              <a:latin typeface="Calisto MT"/>
-            </a:endParaRPr>
-          </a:p>
-        </p:txBody>
-      </p:sp>
-      <p:sp>
-        <p:nvSpPr>
-          <p:cNvPr id="91" name="PlaceHolder 2"/>
-          <p:cNvSpPr>
-            <a:spLocks noGrp="1"/>
-          </p:cNvSpPr>
-          <p:nvPr>
-            <p:ph/>
-          </p:nvPr>
-        </p:nvSpPr>
-        <p:spPr>
-          <a:xfrm>
-            <a:off x="700560" y="2221920"/>
-            <a:ext cx="10690920" cy="3739680"/>
-          </a:xfrm>
-          <a:prstGeom prst="rect">
-            <a:avLst/>
-          </a:prstGeom>
-          <a:noFill/>
-          <a:ln w="0">
-            <a:noFill/>
-          </a:ln>
-        </p:spPr>
-        <p:txBody>
-          <a:bodyPr lIns="91440" tIns="45720" rIns="91440" bIns="45720" anchor="t">
-            <a:normAutofit fontScale="92500" lnSpcReduction="19999"/>
-          </a:bodyPr>
-          <a:lstStyle/>
-          <a:p>
-            <a:pPr marL="228600" indent="-228600" defTabSz="914400">
-              <a:lnSpc>
-                <a:spcPct val="110000"/>
-              </a:lnSpc>
-              <a:spcBef>
-                <a:spcPts val="1001"/>
-              </a:spcBef>
-              <a:buClr>
-                <a:srgbClr val="000000"/>
-              </a:buClr>
-              <a:buFont typeface="Arial"/>
-              <a:buChar char="•"/>
-            </a:pPr>
-            <a:r>
-              <a:rPr lang="de-DE" sz="2000" b="0" u="none" strike="noStrike">
-                <a:solidFill>
-                  <a:schemeClr val="dk1"/>
-                </a:solidFill>
-                <a:effectLst/>
-                <a:uFillTx/>
-                <a:latin typeface="Calisto MT"/>
-              </a:rPr>
-              <a:t>VisualStudio Code</a:t>
-            </a:r>
-          </a:p>
-          <a:p>
-            <a:pPr marL="685800" lvl="1" indent="-228600" defTabSz="914400">
-              <a:lnSpc>
-                <a:spcPct val="110000"/>
-              </a:lnSpc>
-              <a:spcBef>
-                <a:spcPts val="499"/>
-              </a:spcBef>
-              <a:buClr>
-                <a:srgbClr val="000000"/>
-              </a:buClr>
-              <a:buFont typeface="Arial"/>
-              <a:buChar char="•"/>
-            </a:pPr>
-            <a:r>
-              <a:rPr lang="de-DE" sz="1800" b="0" u="none" strike="noStrike">
-                <a:solidFill>
-                  <a:schemeClr val="dk1"/>
-                </a:solidFill>
-                <a:effectLst/>
-                <a:uFillTx/>
-                <a:latin typeface="Calisto MT"/>
-              </a:rPr>
-              <a:t>Bootstap</a:t>
-            </a:r>
-          </a:p>
-          <a:p>
-            <a:pPr marL="1143000" lvl="2" indent="-228600" defTabSz="914400">
-              <a:lnSpc>
-                <a:spcPct val="110000"/>
-              </a:lnSpc>
-              <a:spcBef>
-                <a:spcPts val="499"/>
-              </a:spcBef>
-              <a:buClr>
-                <a:srgbClr val="000000"/>
-              </a:buClr>
-              <a:buFont typeface="Arial"/>
-              <a:buChar char="•"/>
-            </a:pPr>
-            <a:r>
-              <a:rPr lang="de-DE" sz="1600" b="0" u="none" strike="noStrike">
-                <a:solidFill>
-                  <a:schemeClr val="dk1"/>
-                </a:solidFill>
-                <a:effectLst/>
-                <a:uFillTx/>
-                <a:latin typeface="Calisto MT"/>
-              </a:rPr>
-              <a:t>HTML</a:t>
-            </a:r>
-          </a:p>
-          <a:p>
-            <a:pPr marL="1143000" lvl="2" indent="-228600" defTabSz="914400">
-              <a:lnSpc>
-                <a:spcPct val="110000"/>
-              </a:lnSpc>
-              <a:spcBef>
-                <a:spcPts val="499"/>
-              </a:spcBef>
-              <a:buClr>
-                <a:srgbClr val="000000"/>
-              </a:buClr>
-              <a:buFont typeface="Arial"/>
-              <a:buChar char="•"/>
-            </a:pPr>
-            <a:r>
-              <a:rPr lang="de-DE" sz="1600" b="0" u="none" strike="noStrike">
-                <a:solidFill>
-                  <a:schemeClr val="dk1"/>
-                </a:solidFill>
-                <a:effectLst/>
-                <a:uFillTx/>
-                <a:latin typeface="Calisto MT"/>
-              </a:rPr>
-              <a:t>CSS</a:t>
-            </a:r>
-          </a:p>
-          <a:p>
-            <a:pPr marL="1143000" lvl="2" indent="-228600" defTabSz="914400">
-              <a:lnSpc>
-                <a:spcPct val="110000"/>
-              </a:lnSpc>
-              <a:spcBef>
-                <a:spcPts val="499"/>
-              </a:spcBef>
-              <a:buClr>
-                <a:srgbClr val="000000"/>
-              </a:buClr>
-              <a:buFont typeface="Arial"/>
-              <a:buChar char="•"/>
-            </a:pPr>
-            <a:r>
-              <a:rPr lang="de-DE" sz="1600" b="0" u="none" strike="noStrike">
-                <a:solidFill>
-                  <a:schemeClr val="dk1"/>
-                </a:solidFill>
-                <a:effectLst/>
-                <a:uFillTx/>
-                <a:latin typeface="Calisto MT"/>
-              </a:rPr>
-              <a:t>JavaScript</a:t>
-            </a:r>
-          </a:p>
-          <a:p>
-            <a:pPr marL="1143000" lvl="2" indent="-228600" defTabSz="914400">
-              <a:lnSpc>
-                <a:spcPct val="110000"/>
-              </a:lnSpc>
-              <a:spcBef>
-                <a:spcPts val="499"/>
-              </a:spcBef>
-              <a:buClr>
-                <a:srgbClr val="000000"/>
-              </a:buClr>
-              <a:buFont typeface="Arial"/>
-              <a:buChar char="•"/>
-            </a:pPr>
-            <a:r>
-              <a:rPr lang="de-DE" sz="1600" b="0" u="none" strike="noStrike">
-                <a:solidFill>
-                  <a:schemeClr val="dk1"/>
-                </a:solidFill>
-                <a:effectLst/>
-                <a:uFillTx/>
-                <a:latin typeface="Calisto MT"/>
-              </a:rPr>
-              <a:t>PHP</a:t>
-            </a:r>
-          </a:p>
-          <a:p>
-            <a:pPr marL="685800" lvl="1" indent="-228600" defTabSz="914400">
-              <a:lnSpc>
-                <a:spcPct val="110000"/>
-              </a:lnSpc>
-              <a:spcBef>
-                <a:spcPts val="499"/>
-              </a:spcBef>
-              <a:buClr>
-                <a:srgbClr val="000000"/>
-              </a:buClr>
-              <a:buFont typeface="Arial"/>
-              <a:buChar char="•"/>
-            </a:pPr>
-            <a:r>
-              <a:rPr lang="de-DE" sz="1800" b="0" u="none" strike="noStrike">
-                <a:solidFill>
-                  <a:schemeClr val="dk1"/>
-                </a:solidFill>
-                <a:effectLst/>
-                <a:uFillTx/>
-                <a:latin typeface="Calisto MT"/>
-              </a:rPr>
-              <a:t>Python</a:t>
-            </a:r>
-          </a:p>
-          <a:p>
-            <a:pPr marL="685800" lvl="1" indent="-228600" defTabSz="914400">
-              <a:lnSpc>
-                <a:spcPct val="110000"/>
-              </a:lnSpc>
-              <a:spcBef>
-                <a:spcPts val="499"/>
-              </a:spcBef>
-              <a:buClr>
-                <a:srgbClr val="000000"/>
-              </a:buClr>
-              <a:buFont typeface="Arial"/>
-              <a:buChar char="•"/>
-            </a:pPr>
-            <a:r>
-              <a:rPr lang="de-DE" sz="1800" b="0" u="none" strike="noStrike">
-                <a:solidFill>
-                  <a:schemeClr val="dk1"/>
-                </a:solidFill>
-                <a:effectLst/>
-                <a:uFillTx/>
-                <a:latin typeface="Calisto MT"/>
-              </a:rPr>
-              <a:t>MariaDB</a:t>
-            </a:r>
-          </a:p>
-          <a:p>
-            <a:pPr marL="228600" indent="-228600" defTabSz="914400">
-              <a:lnSpc>
-                <a:spcPct val="110000"/>
-              </a:lnSpc>
-              <a:spcBef>
-                <a:spcPts val="1001"/>
-              </a:spcBef>
-              <a:buClr>
-                <a:srgbClr val="000000"/>
-              </a:buClr>
-              <a:buFont typeface="Arial"/>
-              <a:buChar char="•"/>
-            </a:pPr>
-            <a:r>
-              <a:rPr lang="de-DE" sz="2000" b="0" u="none" strike="noStrike">
-                <a:solidFill>
-                  <a:schemeClr val="dk1"/>
-                </a:solidFill>
-                <a:effectLst/>
-                <a:uFillTx/>
-                <a:latin typeface="Calisto MT"/>
-              </a:rPr>
-              <a:t>GitHub</a:t>
-            </a:r>
-          </a:p>
-          <a:p>
-            <a:pPr marL="228600" indent="-228600" defTabSz="914400">
-              <a:lnSpc>
-                <a:spcPct val="110000"/>
-              </a:lnSpc>
-              <a:spcBef>
-                <a:spcPts val="1001"/>
-              </a:spcBef>
-              <a:buClr>
-                <a:srgbClr val="000000"/>
-              </a:buClr>
-              <a:buFont typeface="Arial"/>
-              <a:buChar char="•"/>
-            </a:pPr>
-            <a:r>
-              <a:rPr lang="de-DE" sz="2000" b="0" u="none" strike="noStrike">
-                <a:solidFill>
-                  <a:schemeClr val="dk1"/>
-                </a:solidFill>
-                <a:effectLst/>
-                <a:uFillTx/>
-                <a:latin typeface="Calisto MT"/>
-              </a:rPr>
-              <a:t>VPS von @Fabian</a:t>
-            </a:r>
-          </a:p>
-          <a:p>
-            <a:pPr marL="228600" indent="-228600" defTabSz="914400">
-              <a:lnSpc>
-                <a:spcPct val="110000"/>
-              </a:lnSpc>
-              <a:spcBef>
-                <a:spcPts val="1001"/>
-              </a:spcBef>
-              <a:buClr>
-                <a:srgbClr val="000000"/>
-              </a:buClr>
-              <a:buFont typeface="Arial"/>
-              <a:buChar char="•"/>
-            </a:pPr>
-            <a:r>
-              <a:rPr lang="de-DE" sz="2000" b="0" u="none" strike="noStrike">
-                <a:solidFill>
-                  <a:schemeClr val="dk1"/>
-                </a:solidFill>
-                <a:effectLst/>
-                <a:uFillTx/>
-                <a:latin typeface="Calisto MT"/>
-              </a:rPr>
-              <a:t>Jira / Trello</a:t>
-            </a:r>
-          </a:p>
-        </p:txBody>
-      </p:sp>
-      <p:pic>
-        <p:nvPicPr>
-          <p:cNvPr id="92" name="Picture 4" descr="Computerskript auf einem Bildschirm"/>
-          <p:cNvPicPr/>
-          <p:nvPr/>
-        </p:nvPicPr>
-        <p:blipFill>
-          <a:blip r:embed="rId2"/>
-          <a:srcRect r="6208" b="3"/>
-          <a:stretch/>
-        </p:blipFill>
-        <p:spPr>
-          <a:xfrm>
-            <a:off x="6095880" y="2104560"/>
-            <a:ext cx="3721320" cy="2648160"/>
-          </a:xfrm>
-          <a:prstGeom prst="rect">
-            <a:avLst/>
-          </a:prstGeom>
-          <a:noFill/>
-          <a:ln w="0">
-            <a:noFill/>
-          </a:ln>
-        </p:spPr>
-      </p:pic>
-    </p:spTree>
-  </p:cSld>
-  <p:clrMapOvr>
-    <a:masterClrMapping/>
-  </p:clrMapOvr>
-</p:sld>
-</file>
-
-<file path=ppt/slides/slide30.xml><?xml version="1.0" encoding="utf-8"?>
+<file path=ppt/slides/slide31.xml><?xml version="1.0" encoding="utf-8"?>
 <p:sld xmlns:a="http://schemas.openxmlformats.org/drawingml/2006/main" xmlns:r="http://schemas.openxmlformats.org/officeDocument/2006/relationships" xmlns:p="http://schemas.openxmlformats.org/presentationml/2006/main">
   <p:cSld>
     <p:bg>
@@ -26277,7 +26862,7 @@
 </p:sld>
 </file>
 
-<file path=ppt/slides/slide31.xml><?xml version="1.0" encoding="utf-8"?>
+<file path=ppt/slides/slide32.xml><?xml version="1.0" encoding="utf-8"?>
 <p:sld xmlns:a="http://schemas.openxmlformats.org/drawingml/2006/main" xmlns:r="http://schemas.openxmlformats.org/officeDocument/2006/relationships" xmlns:p="http://schemas.openxmlformats.org/presentationml/2006/main">
   <p:cSld>
     <p:bg>
@@ -26574,7 +27159,7 @@
 </p:sld>
 </file>
 
-<file path=ppt/slides/slide32.xml><?xml version="1.0" encoding="utf-8"?>
+<file path=ppt/slides/slide33.xml><?xml version="1.0" encoding="utf-8"?>
 <p:sld xmlns:a="http://schemas.openxmlformats.org/drawingml/2006/main" xmlns:r="http://schemas.openxmlformats.org/officeDocument/2006/relationships" xmlns:p="http://schemas.openxmlformats.org/presentationml/2006/main">
   <p:cSld>
     <p:bg>
@@ -26851,7 +27436,7 @@
       </p:grpSpPr>
       <p:sp>
         <p:nvSpPr>
-          <p:cNvPr id="93" name="PlaceHolder 1"/>
+          <p:cNvPr id="90" name="PlaceHolder 1"/>
           <p:cNvSpPr>
             <a:spLocks noGrp="1"/>
           </p:cNvSpPr>
@@ -26893,7 +27478,7 @@
                 <a:uFillTx/>
                 <a:latin typeface="Univers Condensed"/>
               </a:rPr>
-              <a:t>2. Projektorganisation - Teamaufteilung</a:t>
+              <a:t>1. Verwendete Tools</a:t>
             </a:r>
             <a:endParaRPr lang="de-DE" sz="4000" b="0" u="none" strike="noStrike" dirty="0">
               <a:solidFill>
@@ -26906,40 +27491,345 @@
           </a:p>
         </p:txBody>
       </p:sp>
-      <p:pic>
-        <p:nvPicPr>
-          <p:cNvPr id="7" name="Grafik 6">
-            <a:extLst>
-              <a:ext uri="{FF2B5EF4-FFF2-40B4-BE49-F238E27FC236}">
-                <a16:creationId xmlns:a16="http://schemas.microsoft.com/office/drawing/2014/main" id="{89B468C8-D31E-96C9-1538-0429724E13C2}"/>
-              </a:ext>
-            </a:extLst>
-          </p:cNvPr>
-          <p:cNvPicPr>
-            <a:picLocks noChangeAspect="1"/>
-          </p:cNvPicPr>
-          <p:nvPr/>
-        </p:nvPicPr>
-        <p:blipFill>
-          <a:blip r:embed="rId2">
-            <a:extLst>
-              <a:ext uri="{96DAC541-7B7A-43D3-8B79-37D633B846F1}">
-                <asvg:svgBlip xmlns:asvg="http://schemas.microsoft.com/office/drawing/2016/SVG/main" r:embed="rId3"/>
-              </a:ext>
-            </a:extLst>
-          </a:blip>
-          <a:stretch>
-            <a:fillRect/>
-          </a:stretch>
-        </p:blipFill>
+      <p:sp>
+        <p:nvSpPr>
+          <p:cNvPr id="91" name="PlaceHolder 2"/>
+          <p:cNvSpPr>
+            <a:spLocks noGrp="1"/>
+          </p:cNvSpPr>
+          <p:nvPr>
+            <p:ph/>
+          </p:nvPr>
+        </p:nvSpPr>
         <p:spPr>
           <a:xfrm>
-            <a:off x="1142767" y="1783168"/>
-            <a:ext cx="9906466" cy="4062764"/>
+            <a:off x="700560" y="2221920"/>
+            <a:ext cx="10690920" cy="3739680"/>
           </a:xfrm>
           <a:prstGeom prst="rect">
             <a:avLst/>
           </a:prstGeom>
+          <a:noFill/>
+          <a:ln w="0">
+            <a:noFill/>
+          </a:ln>
+        </p:spPr>
+        <p:txBody>
+          <a:bodyPr lIns="91440" tIns="45720" rIns="91440" bIns="45720" anchor="t">
+            <a:normAutofit fontScale="92500" lnSpcReduction="19999"/>
+          </a:bodyPr>
+          <a:lstStyle/>
+          <a:p>
+            <a:pPr marL="228600" indent="-228600" defTabSz="914400">
+              <a:lnSpc>
+                <a:spcPct val="110000"/>
+              </a:lnSpc>
+              <a:spcBef>
+                <a:spcPts val="1001"/>
+              </a:spcBef>
+              <a:buClr>
+                <a:srgbClr val="000000"/>
+              </a:buClr>
+              <a:buFont typeface="Arial"/>
+              <a:buChar char="•"/>
+            </a:pPr>
+            <a:r>
+              <a:rPr lang="de-DE" sz="2000" b="0" u="none" strike="noStrike">
+                <a:solidFill>
+                  <a:schemeClr val="dk1"/>
+                </a:solidFill>
+                <a:effectLst/>
+                <a:uFillTx/>
+                <a:latin typeface="Calisto MT"/>
+              </a:rPr>
+              <a:t>VisualStudio Code</a:t>
+            </a:r>
+          </a:p>
+          <a:p>
+            <a:pPr marL="685800" lvl="1" indent="-228600" defTabSz="914400">
+              <a:lnSpc>
+                <a:spcPct val="110000"/>
+              </a:lnSpc>
+              <a:spcBef>
+                <a:spcPts val="499"/>
+              </a:spcBef>
+              <a:buClr>
+                <a:srgbClr val="000000"/>
+              </a:buClr>
+              <a:buFont typeface="Arial"/>
+              <a:buChar char="•"/>
+            </a:pPr>
+            <a:r>
+              <a:rPr lang="de-DE" sz="1800" b="0" u="none" strike="noStrike">
+                <a:solidFill>
+                  <a:schemeClr val="dk1"/>
+                </a:solidFill>
+                <a:effectLst/>
+                <a:uFillTx/>
+                <a:latin typeface="Calisto MT"/>
+              </a:rPr>
+              <a:t>Bootstap</a:t>
+            </a:r>
+          </a:p>
+          <a:p>
+            <a:pPr marL="1143000" lvl="2" indent="-228600" defTabSz="914400">
+              <a:lnSpc>
+                <a:spcPct val="110000"/>
+              </a:lnSpc>
+              <a:spcBef>
+                <a:spcPts val="499"/>
+              </a:spcBef>
+              <a:buClr>
+                <a:srgbClr val="000000"/>
+              </a:buClr>
+              <a:buFont typeface="Arial"/>
+              <a:buChar char="•"/>
+            </a:pPr>
+            <a:r>
+              <a:rPr lang="de-DE" sz="1600" b="0" u="none" strike="noStrike">
+                <a:solidFill>
+                  <a:schemeClr val="dk1"/>
+                </a:solidFill>
+                <a:effectLst/>
+                <a:uFillTx/>
+                <a:latin typeface="Calisto MT"/>
+              </a:rPr>
+              <a:t>HTML</a:t>
+            </a:r>
+          </a:p>
+          <a:p>
+            <a:pPr marL="1143000" lvl="2" indent="-228600" defTabSz="914400">
+              <a:lnSpc>
+                <a:spcPct val="110000"/>
+              </a:lnSpc>
+              <a:spcBef>
+                <a:spcPts val="499"/>
+              </a:spcBef>
+              <a:buClr>
+                <a:srgbClr val="000000"/>
+              </a:buClr>
+              <a:buFont typeface="Arial"/>
+              <a:buChar char="•"/>
+            </a:pPr>
+            <a:r>
+              <a:rPr lang="de-DE" sz="1600" b="0" u="none" strike="noStrike">
+                <a:solidFill>
+                  <a:schemeClr val="dk1"/>
+                </a:solidFill>
+                <a:effectLst/>
+                <a:uFillTx/>
+                <a:latin typeface="Calisto MT"/>
+              </a:rPr>
+              <a:t>CSS</a:t>
+            </a:r>
+          </a:p>
+          <a:p>
+            <a:pPr marL="1143000" lvl="2" indent="-228600" defTabSz="914400">
+              <a:lnSpc>
+                <a:spcPct val="110000"/>
+              </a:lnSpc>
+              <a:spcBef>
+                <a:spcPts val="499"/>
+              </a:spcBef>
+              <a:buClr>
+                <a:srgbClr val="000000"/>
+              </a:buClr>
+              <a:buFont typeface="Arial"/>
+              <a:buChar char="•"/>
+            </a:pPr>
+            <a:r>
+              <a:rPr lang="de-DE" sz="1600" b="0" u="none" strike="noStrike">
+                <a:solidFill>
+                  <a:schemeClr val="dk1"/>
+                </a:solidFill>
+                <a:effectLst/>
+                <a:uFillTx/>
+                <a:latin typeface="Calisto MT"/>
+              </a:rPr>
+              <a:t>JavaScript</a:t>
+            </a:r>
+          </a:p>
+          <a:p>
+            <a:pPr marL="1143000" lvl="2" indent="-228600" defTabSz="914400">
+              <a:lnSpc>
+                <a:spcPct val="110000"/>
+              </a:lnSpc>
+              <a:spcBef>
+                <a:spcPts val="499"/>
+              </a:spcBef>
+              <a:buClr>
+                <a:srgbClr val="000000"/>
+              </a:buClr>
+              <a:buFont typeface="Arial"/>
+              <a:buChar char="•"/>
+            </a:pPr>
+            <a:r>
+              <a:rPr lang="de-DE" sz="1600" b="0" u="none" strike="noStrike">
+                <a:solidFill>
+                  <a:schemeClr val="dk1"/>
+                </a:solidFill>
+                <a:effectLst/>
+                <a:uFillTx/>
+                <a:latin typeface="Calisto MT"/>
+              </a:rPr>
+              <a:t>PHP</a:t>
+            </a:r>
+          </a:p>
+          <a:p>
+            <a:pPr marL="685800" lvl="1" indent="-228600" defTabSz="914400">
+              <a:lnSpc>
+                <a:spcPct val="110000"/>
+              </a:lnSpc>
+              <a:spcBef>
+                <a:spcPts val="499"/>
+              </a:spcBef>
+              <a:buClr>
+                <a:srgbClr val="000000"/>
+              </a:buClr>
+              <a:buFont typeface="Arial"/>
+              <a:buChar char="•"/>
+            </a:pPr>
+            <a:r>
+              <a:rPr lang="de-DE" sz="1800" b="0" u="none" strike="noStrike">
+                <a:solidFill>
+                  <a:schemeClr val="dk1"/>
+                </a:solidFill>
+                <a:effectLst/>
+                <a:uFillTx/>
+                <a:latin typeface="Calisto MT"/>
+              </a:rPr>
+              <a:t>Python</a:t>
+            </a:r>
+          </a:p>
+          <a:p>
+            <a:pPr marL="685800" lvl="1" indent="-228600" defTabSz="914400">
+              <a:lnSpc>
+                <a:spcPct val="110000"/>
+              </a:lnSpc>
+              <a:spcBef>
+                <a:spcPts val="499"/>
+              </a:spcBef>
+              <a:buClr>
+                <a:srgbClr val="000000"/>
+              </a:buClr>
+              <a:buFont typeface="Arial"/>
+              <a:buChar char="•"/>
+            </a:pPr>
+            <a:r>
+              <a:rPr lang="de-DE" sz="1800" b="0" u="none" strike="noStrike">
+                <a:solidFill>
+                  <a:schemeClr val="dk1"/>
+                </a:solidFill>
+                <a:effectLst/>
+                <a:uFillTx/>
+                <a:latin typeface="Calisto MT"/>
+              </a:rPr>
+              <a:t>MariaDB</a:t>
+            </a:r>
+          </a:p>
+          <a:p>
+            <a:pPr marL="228600" indent="-228600" defTabSz="914400">
+              <a:lnSpc>
+                <a:spcPct val="110000"/>
+              </a:lnSpc>
+              <a:spcBef>
+                <a:spcPts val="1001"/>
+              </a:spcBef>
+              <a:buClr>
+                <a:srgbClr val="000000"/>
+              </a:buClr>
+              <a:buFont typeface="Arial"/>
+              <a:buChar char="•"/>
+            </a:pPr>
+            <a:r>
+              <a:rPr lang="de-DE" sz="2000" b="0" u="none" strike="noStrike">
+                <a:solidFill>
+                  <a:schemeClr val="dk1"/>
+                </a:solidFill>
+                <a:effectLst/>
+                <a:uFillTx/>
+                <a:latin typeface="Calisto MT"/>
+              </a:rPr>
+              <a:t>GitHub</a:t>
+            </a:r>
+          </a:p>
+          <a:p>
+            <a:pPr marL="228600" indent="-228600" defTabSz="914400">
+              <a:lnSpc>
+                <a:spcPct val="110000"/>
+              </a:lnSpc>
+              <a:spcBef>
+                <a:spcPts val="1001"/>
+              </a:spcBef>
+              <a:buClr>
+                <a:srgbClr val="000000"/>
+              </a:buClr>
+              <a:buFont typeface="Arial"/>
+              <a:buChar char="•"/>
+            </a:pPr>
+            <a:r>
+              <a:rPr lang="de-DE" sz="2000" b="0" u="none" strike="noStrike">
+                <a:solidFill>
+                  <a:schemeClr val="dk1"/>
+                </a:solidFill>
+                <a:effectLst/>
+                <a:uFillTx/>
+                <a:latin typeface="Calisto MT"/>
+              </a:rPr>
+              <a:t>VPS von @Fabian</a:t>
+            </a:r>
+          </a:p>
+          <a:p>
+            <a:pPr marL="228600" indent="-228600" defTabSz="914400">
+              <a:lnSpc>
+                <a:spcPct val="110000"/>
+              </a:lnSpc>
+              <a:spcBef>
+                <a:spcPts val="1001"/>
+              </a:spcBef>
+              <a:buClr>
+                <a:srgbClr val="000000"/>
+              </a:buClr>
+              <a:buFont typeface="Arial"/>
+              <a:buChar char="•"/>
+            </a:pPr>
+            <a:r>
+              <a:rPr lang="de-DE" sz="2000" b="0" u="none" strike="noStrike">
+                <a:solidFill>
+                  <a:schemeClr val="dk1"/>
+                </a:solidFill>
+                <a:effectLst/>
+                <a:uFillTx/>
+                <a:latin typeface="Calisto MT"/>
+              </a:rPr>
+              <a:t>Jira / Trello</a:t>
+            </a:r>
+          </a:p>
+        </p:txBody>
+      </p:sp>
+      <p:pic>
+        <p:nvPicPr>
+          <p:cNvPr id="92" name="Picture 4" descr="Computerskript auf einem Bildschirm"/>
+          <p:cNvPicPr/>
+          <p:nvPr/>
+        </p:nvPicPr>
+        <p:blipFill>
+          <a:blip r:embed="rId2"/>
+          <a:srcRect r="6208" b="3"/>
+          <a:stretch/>
+        </p:blipFill>
+        <p:spPr>
+          <a:xfrm>
+            <a:off x="6095880" y="2104560"/>
+            <a:ext cx="3721320" cy="2648160"/>
+          </a:xfrm>
+          <a:prstGeom prst="rect">
+            <a:avLst/>
+          </a:prstGeom>
+          <a:noFill/>
+          <a:ln w="0">
+            <a:noFill/>
+          </a:ln>
         </p:spPr>
       </p:pic>
     </p:spTree>
@@ -27155,6 +28045,124 @@
 </file>
 
 <file path=ppt/slides/slide6.xml><?xml version="1.0" encoding="utf-8"?>
+<p:sld xmlns:a="http://schemas.openxmlformats.org/drawingml/2006/main" xmlns:r="http://schemas.openxmlformats.org/officeDocument/2006/relationships" xmlns:p="http://schemas.openxmlformats.org/presentationml/2006/main">
+  <p:cSld>
+    <p:spTree>
+      <p:nvGrpSpPr>
+        <p:cNvPr id="1" name=""/>
+        <p:cNvGrpSpPr/>
+        <p:nvPr/>
+      </p:nvGrpSpPr>
+      <p:grpSpPr>
+        <a:xfrm>
+          <a:off x="0" y="0"/>
+          <a:ext cx="0" cy="0"/>
+          <a:chOff x="0" y="0"/>
+          <a:chExt cx="0" cy="0"/>
+        </a:xfrm>
+      </p:grpSpPr>
+      <p:sp>
+        <p:nvSpPr>
+          <p:cNvPr id="93" name="PlaceHolder 1"/>
+          <p:cNvSpPr>
+            <a:spLocks noGrp="1"/>
+          </p:cNvSpPr>
+          <p:nvPr>
+            <p:ph type="title"/>
+          </p:nvPr>
+        </p:nvSpPr>
+        <p:spPr>
+          <a:xfrm>
+            <a:off x="700560" y="914400"/>
+            <a:ext cx="10690920" cy="1307160"/>
+          </a:xfrm>
+          <a:prstGeom prst="rect">
+            <a:avLst/>
+          </a:prstGeom>
+          <a:noFill/>
+          <a:ln w="0">
+            <a:noFill/>
+          </a:ln>
+        </p:spPr>
+        <p:txBody>
+          <a:bodyPr lIns="91440" tIns="45720" rIns="91440" bIns="45720" anchor="t">
+            <a:normAutofit/>
+          </a:bodyPr>
+          <a:lstStyle/>
+          <a:p>
+            <a:pPr indent="0" defTabSz="914400">
+              <a:lnSpc>
+                <a:spcPct val="100000"/>
+              </a:lnSpc>
+              <a:buNone/>
+            </a:pPr>
+            <a:r>
+              <a:rPr lang="de-DE" sz="4000" b="0" u="none" strike="noStrike" cap="all" spc="31" dirty="0">
+                <a:solidFill>
+                  <a:schemeClr val="dk1"/>
+                </a:solidFill>
+                <a:effectLst/>
+                <a:uFillTx/>
+                <a:latin typeface="Univers Condensed"/>
+              </a:rPr>
+              <a:t>2. Projektorganisation - Teamaufteilung</a:t>
+            </a:r>
+            <a:endParaRPr lang="de-DE" sz="4000" b="0" u="none" strike="noStrike" dirty="0">
+              <a:solidFill>
+                <a:schemeClr val="dk1"/>
+              </a:solidFill>
+              <a:effectLst/>
+              <a:uFillTx/>
+              <a:latin typeface="Calisto MT"/>
+            </a:endParaRPr>
+          </a:p>
+        </p:txBody>
+      </p:sp>
+      <p:pic>
+        <p:nvPicPr>
+          <p:cNvPr id="7" name="Grafik 6">
+            <a:extLst>
+              <a:ext uri="{FF2B5EF4-FFF2-40B4-BE49-F238E27FC236}">
+                <a16:creationId xmlns:a16="http://schemas.microsoft.com/office/drawing/2014/main" id="{89B468C8-D31E-96C9-1538-0429724E13C2}"/>
+              </a:ext>
+            </a:extLst>
+          </p:cNvPr>
+          <p:cNvPicPr>
+            <a:picLocks noChangeAspect="1"/>
+          </p:cNvPicPr>
+          <p:nvPr/>
+        </p:nvPicPr>
+        <p:blipFill>
+          <a:blip r:embed="rId2">
+            <a:extLst>
+              <a:ext uri="{96DAC541-7B7A-43D3-8B79-37D633B846F1}">
+                <asvg:svgBlip xmlns:asvg="http://schemas.microsoft.com/office/drawing/2016/SVG/main" r:embed="rId3"/>
+              </a:ext>
+            </a:extLst>
+          </a:blip>
+          <a:stretch>
+            <a:fillRect/>
+          </a:stretch>
+        </p:blipFill>
+        <p:spPr>
+          <a:xfrm>
+            <a:off x="1142767" y="1783168"/>
+            <a:ext cx="9906466" cy="4062764"/>
+          </a:xfrm>
+          <a:prstGeom prst="rect">
+            <a:avLst/>
+          </a:prstGeom>
+        </p:spPr>
+      </p:pic>
+    </p:spTree>
+  </p:cSld>
+  <p:clrMapOvr>
+    <a:masterClrMapping/>
+  </p:clrMapOvr>
+</p:sld>
+</file>
+
+<file path=ppt/slides/slide7.xml><?xml version="1.0" encoding="utf-8"?>
 <p:sld xmlns:a="http://schemas.openxmlformats.org/drawingml/2006/main" xmlns:r="http://schemas.openxmlformats.org/officeDocument/2006/relationships" xmlns:p="http://schemas.openxmlformats.org/presentationml/2006/main">
   <p:cSld>
     <p:spTree>
@@ -28387,7 +29395,7 @@
 </p:sld>
 </file>
 
-<file path=ppt/slides/slide7.xml><?xml version="1.0" encoding="utf-8"?>
+<file path=ppt/slides/slide8.xml><?xml version="1.0" encoding="utf-8"?>
 <p:sld xmlns:a="http://schemas.openxmlformats.org/drawingml/2006/main" xmlns:r="http://schemas.openxmlformats.org/officeDocument/2006/relationships" xmlns:p="http://schemas.openxmlformats.org/presentationml/2006/main">
   <p:cSld>
     <p:spTree>
@@ -29669,7 +30677,7 @@
 </p:sld>
 </file>
 
-<file path=ppt/slides/slide8.xml><?xml version="1.0" encoding="utf-8"?>
+<file path=ppt/slides/slide9.xml><?xml version="1.0" encoding="utf-8"?>
 <p:sld xmlns:a="http://schemas.openxmlformats.org/drawingml/2006/main" xmlns:r="http://schemas.openxmlformats.org/officeDocument/2006/relationships" xmlns:p="http://schemas.openxmlformats.org/presentationml/2006/main">
   <p:cSld>
     <p:spTree>
@@ -29962,1138 +30970,6 @@
   <p:clrMapOvr>
     <a:masterClrMapping/>
   </p:clrMapOvr>
-</p:sld>
-</file>
-
-<file path=ppt/slides/slide9.xml><?xml version="1.0" encoding="utf-8"?>
-<p:sld xmlns:a="http://schemas.openxmlformats.org/drawingml/2006/main" xmlns:r="http://schemas.openxmlformats.org/officeDocument/2006/relationships" xmlns:p="http://schemas.openxmlformats.org/presentationml/2006/main">
-  <p:cSld>
-    <p:spTree>
-      <p:nvGrpSpPr>
-        <p:cNvPr id="1" name=""/>
-        <p:cNvGrpSpPr/>
-        <p:nvPr/>
-      </p:nvGrpSpPr>
-      <p:grpSpPr>
-        <a:xfrm>
-          <a:off x="0" y="0"/>
-          <a:ext cx="0" cy="0"/>
-          <a:chOff x="0" y="0"/>
-          <a:chExt cx="0" cy="0"/>
-        </a:xfrm>
-      </p:grpSpPr>
-      <p:sp>
-        <p:nvSpPr>
-          <p:cNvPr id="139" name="PlaceHolder 1"/>
-          <p:cNvSpPr>
-            <a:spLocks noGrp="1"/>
-          </p:cNvSpPr>
-          <p:nvPr>
-            <p:ph type="title"/>
-          </p:nvPr>
-        </p:nvSpPr>
-        <p:spPr>
-          <a:xfrm>
-            <a:off x="700560" y="914400"/>
-            <a:ext cx="10690920" cy="1307160"/>
-          </a:xfrm>
-          <a:prstGeom prst="rect">
-            <a:avLst/>
-          </a:prstGeom>
-          <a:noFill/>
-          <a:ln w="0">
-            <a:noFill/>
-          </a:ln>
-        </p:spPr>
-        <p:txBody>
-          <a:bodyPr lIns="91440" tIns="45720" rIns="91440" bIns="45720" anchor="t">
-            <a:normAutofit fontScale="90000"/>
-          </a:bodyPr>
-          <a:lstStyle/>
-          <a:p>
-            <a:pPr indent="0" defTabSz="914400">
-              <a:lnSpc>
-                <a:spcPct val="100000"/>
-              </a:lnSpc>
-              <a:buNone/>
-            </a:pPr>
-            <a:r>
-              <a:rPr lang="de-DE" sz="3600" cap="all" spc="31" dirty="0">
-                <a:solidFill>
-                  <a:schemeClr val="dk1"/>
-                </a:solidFill>
-              </a:rPr>
-              <a:t>3. </a:t>
-            </a:r>
-            <a:r>
-              <a:rPr lang="de-DE" sz="4000" cap="all" spc="31" dirty="0">
-                <a:solidFill>
-                  <a:srgbClr val="000000"/>
-                </a:solidFill>
-              </a:rPr>
-              <a:t>Anforderungsanalyse</a:t>
-            </a:r>
-            <a:br>
-              <a:rPr lang="de-DE" sz="4000" dirty="0"/>
-            </a:br>
-            <a:r>
-              <a:rPr lang="de-DE" sz="4000" cap="all" spc="31" dirty="0">
-                <a:solidFill>
-                  <a:srgbClr val="000000"/>
-                </a:solidFill>
-              </a:rPr>
-              <a:t>und Stakeholder</a:t>
-            </a:r>
-            <a:endParaRPr lang="de-DE" sz="4000" b="0" u="none" strike="noStrike" dirty="0">
-              <a:solidFill>
-                <a:schemeClr val="dk1"/>
-              </a:solidFill>
-              <a:effectLst/>
-              <a:uFillTx/>
-              <a:latin typeface="Calisto MT"/>
-            </a:endParaRPr>
-          </a:p>
-        </p:txBody>
-      </p:sp>
-      <p:sp>
-        <p:nvSpPr>
-          <p:cNvPr id="140" name="PlaceHolder 2"/>
-          <p:cNvSpPr>
-            <a:spLocks noGrp="1"/>
-          </p:cNvSpPr>
-          <p:nvPr>
-            <p:ph/>
-          </p:nvPr>
-        </p:nvSpPr>
-        <p:spPr>
-          <a:xfrm>
-            <a:off x="700560" y="2221920"/>
-            <a:ext cx="10690920" cy="3739680"/>
-          </a:xfrm>
-          <a:prstGeom prst="rect">
-            <a:avLst/>
-          </a:prstGeom>
-          <a:noFill/>
-          <a:ln w="0">
-            <a:noFill/>
-          </a:ln>
-        </p:spPr>
-        <p:txBody>
-          <a:bodyPr lIns="91440" tIns="45720" rIns="91440" bIns="45720" anchor="t">
-            <a:normAutofit/>
-          </a:bodyPr>
-          <a:lstStyle/>
-          <a:p>
-            <a:r>
-              <a:rPr lang="de-DE" sz="1100" b="1" dirty="0"/>
-              <a:t>Ich bin Teil der Software-Entwicklung. Für mich bietet die Zeiterfassung viele Möglichkeiten, unsere bereits bestehende Software zu verbessern.</a:t>
-            </a:r>
-          </a:p>
-          <a:p>
-            <a:pPr lvl="1"/>
-            <a:r>
-              <a:rPr lang="de-DE" sz="1100" dirty="0"/>
-              <a:t>Es muss sichergestellt werden, dass eine API mit verschiedenen Funktionen zur Verfügung steht.</a:t>
-            </a:r>
-          </a:p>
-          <a:p>
-            <a:pPr lvl="1"/>
-            <a:r>
-              <a:rPr lang="de-DE" sz="1100" dirty="0"/>
-              <a:t>Es muss sichergestellt werden, dass der Code zur Wartung/Veränderung gut lesbar ist.</a:t>
-            </a:r>
-          </a:p>
-          <a:p>
-            <a:pPr lvl="1"/>
-            <a:r>
-              <a:rPr lang="de-DE" sz="1100" dirty="0"/>
-              <a:t>Es muss ein Tool zur Versionsverwaltung verwendet werden.</a:t>
-            </a:r>
-          </a:p>
-          <a:p>
-            <a:pPr lvl="1"/>
-            <a:r>
-              <a:rPr lang="de-DE" sz="1100" dirty="0"/>
-              <a:t>Als Software-Entwickler wünsche ich mir, dass ich mit Hilfe der API das Zeiterfassungssystem steuern kann. </a:t>
-            </a:r>
-            <a:r>
-              <a:rPr lang="de-DE" sz="1100" b="1" dirty="0"/>
-              <a:t>(13)</a:t>
-            </a:r>
-            <a:endParaRPr lang="de-DE" sz="1100" dirty="0"/>
-          </a:p>
-          <a:p>
-            <a:pPr lvl="2"/>
-            <a:r>
-              <a:rPr lang="de-DE" sz="1100" i="1" dirty="0"/>
-              <a:t>Es muss eine Möglichkeit geben, per API einen Mitarbeiter einzustempeln.</a:t>
-            </a:r>
-          </a:p>
-          <a:p>
-            <a:pPr lvl="2"/>
-            <a:r>
-              <a:rPr lang="de-DE" sz="1100" i="1" dirty="0"/>
-              <a:t>Es muss eine Möglichkeit geben, per API einen Mitarbeiter auszustempeln.</a:t>
-            </a:r>
-          </a:p>
-          <a:p>
-            <a:pPr lvl="2"/>
-            <a:r>
-              <a:rPr lang="de-DE" sz="1100" i="1" dirty="0"/>
-              <a:t>Es muss eine Möglichkeit geben, per API die Nachrichten abzurufen (Kommen, Gehen)</a:t>
-            </a:r>
-          </a:p>
-          <a:p>
-            <a:pPr lvl="2"/>
-            <a:r>
-              <a:rPr lang="de-DE" sz="1100" i="1" dirty="0"/>
-              <a:t>Es muss eine Möglichkeit geben, per API die </a:t>
-            </a:r>
-            <a:r>
-              <a:rPr lang="de-DE" sz="1100" i="1" dirty="0" err="1"/>
-              <a:t>NutzerID</a:t>
-            </a:r>
-            <a:r>
-              <a:rPr lang="de-DE" sz="1100" i="1" dirty="0"/>
-              <a:t> abzurufen</a:t>
-            </a:r>
-          </a:p>
-          <a:p>
-            <a:pPr lvl="2"/>
-            <a:r>
-              <a:rPr lang="de-DE" sz="1100" i="1" dirty="0"/>
-              <a:t>Es muss eine Möglichkeit geben, Nutzer über die API anzulegen und zu löschen.</a:t>
-            </a:r>
-          </a:p>
-          <a:p>
-            <a:pPr lvl="1"/>
-            <a:r>
-              <a:rPr lang="de-DE" sz="1100" dirty="0"/>
-              <a:t>Als Software-Entwickler wünsche ich mir, dass der Source-Code klar verständlich ist, um in Zukunft das System weiter entwickeln zu können. </a:t>
-            </a:r>
-            <a:r>
-              <a:rPr lang="de-DE" sz="1100" b="1" dirty="0"/>
-              <a:t>(8)</a:t>
-            </a:r>
-            <a:endParaRPr lang="de-DE" sz="1100" dirty="0"/>
-          </a:p>
-          <a:p>
-            <a:pPr lvl="2"/>
-            <a:r>
-              <a:rPr lang="de-DE" sz="1100" i="1" dirty="0"/>
-              <a:t>Es muss eine vollständige technische Dokumentation der Anwendung geben, die alle Funktionen umfasst.</a:t>
-            </a:r>
-          </a:p>
-          <a:p>
-            <a:pPr lvl="2"/>
-            <a:r>
-              <a:rPr lang="de-DE" sz="1100" i="1" dirty="0"/>
-              <a:t>Es benötigt einen klar strukturierten Source-Code für das bessere Verständnis</a:t>
-            </a:r>
-          </a:p>
-          <a:p>
-            <a:pPr lvl="2"/>
-            <a:r>
-              <a:rPr lang="de-DE" sz="1100" i="1" dirty="0"/>
-              <a:t>Es sollten Kommentare an den wichtigen Stellen im Source-Code vorhanden sein.</a:t>
-            </a:r>
-          </a:p>
-          <a:p>
-            <a:pPr lvl="1"/>
-            <a:r>
-              <a:rPr lang="de-DE" sz="1100" dirty="0"/>
-              <a:t>Als Software-Entwickler ist es wichtig, dass ich bei der Entwicklung im Zweifel auf vorherige Versionen zugreifen kann. </a:t>
-            </a:r>
-            <a:r>
-              <a:rPr lang="de-DE" sz="1100" b="1" dirty="0"/>
-              <a:t>(3)</a:t>
-            </a:r>
-            <a:endParaRPr lang="de-DE" sz="1100" dirty="0"/>
-          </a:p>
-          <a:p>
-            <a:pPr lvl="2"/>
-            <a:r>
-              <a:rPr lang="de-DE" sz="1100" i="1" dirty="0"/>
-              <a:t>Es muss ein System geben, dass jede Änderung zur Nachverfolgung bereitstellt.</a:t>
-            </a:r>
-          </a:p>
-          <a:p>
-            <a:pPr lvl="2"/>
-            <a:r>
-              <a:rPr lang="de-DE" sz="1100" i="1" dirty="0"/>
-              <a:t>Hierzu wurde GIT ausgewählt, dass die Versionierung ermöglicht.</a:t>
-            </a:r>
-          </a:p>
-        </p:txBody>
-      </p:sp>
-    </p:spTree>
-  </p:cSld>
-  <p:clrMapOvr>
-    <a:masterClrMapping/>
-  </p:clrMapOvr>
-  <p:timing>
-    <p:tnLst>
-      <p:par>
-        <p:cTn id="1" dur="indefinite" restart="never" nodeType="tmRoot">
-          <p:childTnLst>
-            <p:seq concurrent="1" nextAc="seek">
-              <p:cTn id="2" dur="indefinite" nodeType="mainSeq">
-                <p:childTnLst>
-                  <p:par>
-                    <p:cTn id="3" fill="hold">
-                      <p:stCondLst>
-                        <p:cond delay="indefinite"/>
-                      </p:stCondLst>
-                      <p:childTnLst>
-                        <p:par>
-                          <p:cTn id="4" fill="hold">
-                            <p:stCondLst>
-                              <p:cond delay="0"/>
-                            </p:stCondLst>
-                            <p:childTnLst>
-                              <p:par>
-                                <p:cTn id="5" presetID="1" presetClass="entr" presetSubtype="0" fill="hold" nodeType="clickEffect">
-                                  <p:stCondLst>
-                                    <p:cond delay="0"/>
-                                  </p:stCondLst>
-                                  <p:childTnLst>
-                                    <p:set>
-                                      <p:cBhvr>
-                                        <p:cTn id="6" dur="1" fill="hold">
-                                          <p:stCondLst>
-                                            <p:cond delay="0"/>
-                                          </p:stCondLst>
-                                        </p:cTn>
-                                        <p:tgtEl>
-                                          <p:spTgt spid="140">
-                                            <p:txEl>
-                                              <p:pRg st="0" end="0"/>
-                                            </p:txEl>
-                                          </p:spTgt>
-                                        </p:tgtEl>
-                                        <p:attrNameLst>
-                                          <p:attrName>style.visibility</p:attrName>
-                                        </p:attrNameLst>
-                                      </p:cBhvr>
-                                      <p:to>
-                                        <p:strVal val="visible"/>
-                                      </p:to>
-                                    </p:set>
-                                  </p:childTnLst>
-                                </p:cTn>
-                              </p:par>
-                            </p:childTnLst>
-                          </p:cTn>
-                        </p:par>
-                      </p:childTnLst>
-                    </p:cTn>
-                  </p:par>
-                  <p:par>
-                    <p:cTn id="7" fill="hold">
-                      <p:stCondLst>
-                        <p:cond delay="indefinite"/>
-                      </p:stCondLst>
-                      <p:childTnLst>
-                        <p:par>
-                          <p:cTn id="8" fill="hold">
-                            <p:stCondLst>
-                              <p:cond delay="0"/>
-                            </p:stCondLst>
-                            <p:childTnLst>
-                              <p:par>
-                                <p:cTn id="9" presetID="1" presetClass="entr" presetSubtype="0" fill="hold" nodeType="clickEffect">
-                                  <p:stCondLst>
-                                    <p:cond delay="0"/>
-                                  </p:stCondLst>
-                                  <p:childTnLst>
-                                    <p:set>
-                                      <p:cBhvr>
-                                        <p:cTn id="10" dur="1" fill="hold">
-                                          <p:stCondLst>
-                                            <p:cond delay="0"/>
-                                          </p:stCondLst>
-                                        </p:cTn>
-                                        <p:tgtEl>
-                                          <p:spTgt spid="140">
-                                            <p:txEl>
-                                              <p:pRg st="1" end="1"/>
-                                            </p:txEl>
-                                          </p:spTgt>
-                                        </p:tgtEl>
-                                        <p:attrNameLst>
-                                          <p:attrName>style.visibility</p:attrName>
-                                        </p:attrNameLst>
-                                      </p:cBhvr>
-                                      <p:to>
-                                        <p:strVal val="visible"/>
-                                      </p:to>
-                                    </p:set>
-                                  </p:childTnLst>
-                                </p:cTn>
-                              </p:par>
-                            </p:childTnLst>
-                          </p:cTn>
-                        </p:par>
-                      </p:childTnLst>
-                    </p:cTn>
-                  </p:par>
-                  <p:par>
-                    <p:cTn id="11" fill="hold">
-                      <p:stCondLst>
-                        <p:cond delay="indefinite"/>
-                      </p:stCondLst>
-                      <p:childTnLst>
-                        <p:par>
-                          <p:cTn id="12" fill="hold">
-                            <p:stCondLst>
-                              <p:cond delay="0"/>
-                            </p:stCondLst>
-                            <p:childTnLst>
-                              <p:par>
-                                <p:cTn id="13" presetID="1" presetClass="entr" presetSubtype="0" fill="hold" nodeType="clickEffect">
-                                  <p:stCondLst>
-                                    <p:cond delay="0"/>
-                                  </p:stCondLst>
-                                  <p:childTnLst>
-                                    <p:set>
-                                      <p:cBhvr>
-                                        <p:cTn id="14" dur="1" fill="hold">
-                                          <p:stCondLst>
-                                            <p:cond delay="0"/>
-                                          </p:stCondLst>
-                                        </p:cTn>
-                                        <p:tgtEl>
-                                          <p:spTgt spid="140">
-                                            <p:txEl>
-                                              <p:pRg st="2" end="2"/>
-                                            </p:txEl>
-                                          </p:spTgt>
-                                        </p:tgtEl>
-                                        <p:attrNameLst>
-                                          <p:attrName>style.visibility</p:attrName>
-                                        </p:attrNameLst>
-                                      </p:cBhvr>
-                                      <p:to>
-                                        <p:strVal val="visible"/>
-                                      </p:to>
-                                    </p:set>
-                                  </p:childTnLst>
-                                </p:cTn>
-                              </p:par>
-                            </p:childTnLst>
-                          </p:cTn>
-                        </p:par>
-                      </p:childTnLst>
-                    </p:cTn>
-                  </p:par>
-                  <p:par>
-                    <p:cTn id="15" fill="hold">
-                      <p:stCondLst>
-                        <p:cond delay="indefinite"/>
-                      </p:stCondLst>
-                      <p:childTnLst>
-                        <p:par>
-                          <p:cTn id="16" fill="hold">
-                            <p:stCondLst>
-                              <p:cond delay="0"/>
-                            </p:stCondLst>
-                            <p:childTnLst>
-                              <p:par>
-                                <p:cTn id="17" presetID="1" presetClass="entr" presetSubtype="0" fill="hold" nodeType="clickEffect">
-                                  <p:stCondLst>
-                                    <p:cond delay="0"/>
-                                  </p:stCondLst>
-                                  <p:childTnLst>
-                                    <p:set>
-                                      <p:cBhvr>
-                                        <p:cTn id="18" dur="1" fill="hold">
-                                          <p:stCondLst>
-                                            <p:cond delay="0"/>
-                                          </p:stCondLst>
-                                        </p:cTn>
-                                        <p:tgtEl>
-                                          <p:spTgt spid="140">
-                                            <p:txEl>
-                                              <p:pRg st="3" end="3"/>
-                                            </p:txEl>
-                                          </p:spTgt>
-                                        </p:tgtEl>
-                                        <p:attrNameLst>
-                                          <p:attrName>style.visibility</p:attrName>
-                                        </p:attrNameLst>
-                                      </p:cBhvr>
-                                      <p:to>
-                                        <p:strVal val="visible"/>
-                                      </p:to>
-                                    </p:set>
-                                  </p:childTnLst>
-                                </p:cTn>
-                              </p:par>
-                            </p:childTnLst>
-                          </p:cTn>
-                        </p:par>
-                      </p:childTnLst>
-                    </p:cTn>
-                  </p:par>
-                  <p:par>
-                    <p:cTn id="19" fill="hold">
-                      <p:stCondLst>
-                        <p:cond delay="indefinite"/>
-                      </p:stCondLst>
-                      <p:childTnLst>
-                        <p:par>
-                          <p:cTn id="20" fill="hold">
-                            <p:stCondLst>
-                              <p:cond delay="0"/>
-                            </p:stCondLst>
-                            <p:childTnLst>
-                              <p:par>
-                                <p:cTn id="21" presetID="1" presetClass="entr" presetSubtype="0" fill="hold" nodeType="clickEffect">
-                                  <p:stCondLst>
-                                    <p:cond delay="0"/>
-                                  </p:stCondLst>
-                                  <p:childTnLst>
-                                    <p:set>
-                                      <p:cBhvr>
-                                        <p:cTn id="22" dur="1" fill="hold">
-                                          <p:stCondLst>
-                                            <p:cond delay="0"/>
-                                          </p:stCondLst>
-                                        </p:cTn>
-                                        <p:tgtEl>
-                                          <p:spTgt spid="140">
-                                            <p:txEl>
-                                              <p:pRg st="4" end="4"/>
-                                            </p:txEl>
-                                          </p:spTgt>
-                                        </p:tgtEl>
-                                        <p:attrNameLst>
-                                          <p:attrName>style.visibility</p:attrName>
-                                        </p:attrNameLst>
-                                      </p:cBhvr>
-                                      <p:to>
-                                        <p:strVal val="visible"/>
-                                      </p:to>
-                                    </p:set>
-                                  </p:childTnLst>
-                                </p:cTn>
-                              </p:par>
-                            </p:childTnLst>
-                          </p:cTn>
-                        </p:par>
-                      </p:childTnLst>
-                    </p:cTn>
-                  </p:par>
-                  <p:par>
-                    <p:cTn id="23" fill="hold">
-                      <p:stCondLst>
-                        <p:cond delay="indefinite"/>
-                      </p:stCondLst>
-                      <p:childTnLst>
-                        <p:par>
-                          <p:cTn id="24" fill="hold">
-                            <p:stCondLst>
-                              <p:cond delay="0"/>
-                            </p:stCondLst>
-                            <p:childTnLst>
-                              <p:par>
-                                <p:cTn id="25" presetID="1" presetClass="entr" presetSubtype="0" fill="hold" nodeType="clickEffect">
-                                  <p:stCondLst>
-                                    <p:cond delay="0"/>
-                                  </p:stCondLst>
-                                  <p:childTnLst>
-                                    <p:set>
-                                      <p:cBhvr>
-                                        <p:cTn id="26" dur="1" fill="hold">
-                                          <p:stCondLst>
-                                            <p:cond delay="0"/>
-                                          </p:stCondLst>
-                                        </p:cTn>
-                                        <p:tgtEl>
-                                          <p:spTgt spid="140">
-                                            <p:txEl>
-                                              <p:pRg st="5" end="5"/>
-                                            </p:txEl>
-                                          </p:spTgt>
-                                        </p:tgtEl>
-                                        <p:attrNameLst>
-                                          <p:attrName>style.visibility</p:attrName>
-                                        </p:attrNameLst>
-                                      </p:cBhvr>
-                                      <p:to>
-                                        <p:strVal val="visible"/>
-                                      </p:to>
-                                    </p:set>
-                                  </p:childTnLst>
-                                </p:cTn>
-                              </p:par>
-                            </p:childTnLst>
-                          </p:cTn>
-                        </p:par>
-                      </p:childTnLst>
-                    </p:cTn>
-                  </p:par>
-                  <p:par>
-                    <p:cTn id="27" fill="hold">
-                      <p:stCondLst>
-                        <p:cond delay="indefinite"/>
-                      </p:stCondLst>
-                      <p:childTnLst>
-                        <p:par>
-                          <p:cTn id="28" fill="hold">
-                            <p:stCondLst>
-                              <p:cond delay="0"/>
-                            </p:stCondLst>
-                            <p:childTnLst>
-                              <p:par>
-                                <p:cTn id="29" presetID="1" presetClass="entr" presetSubtype="0" fill="hold" nodeType="clickEffect">
-                                  <p:stCondLst>
-                                    <p:cond delay="0"/>
-                                  </p:stCondLst>
-                                  <p:childTnLst>
-                                    <p:set>
-                                      <p:cBhvr>
-                                        <p:cTn id="30" dur="1" fill="hold">
-                                          <p:stCondLst>
-                                            <p:cond delay="0"/>
-                                          </p:stCondLst>
-                                        </p:cTn>
-                                        <p:tgtEl>
-                                          <p:spTgt spid="140">
-                                            <p:txEl>
-                                              <p:pRg st="6" end="6"/>
-                                            </p:txEl>
-                                          </p:spTgt>
-                                        </p:tgtEl>
-                                        <p:attrNameLst>
-                                          <p:attrName>style.visibility</p:attrName>
-                                        </p:attrNameLst>
-                                      </p:cBhvr>
-                                      <p:to>
-                                        <p:strVal val="visible"/>
-                                      </p:to>
-                                    </p:set>
-                                  </p:childTnLst>
-                                </p:cTn>
-                              </p:par>
-                            </p:childTnLst>
-                          </p:cTn>
-                        </p:par>
-                      </p:childTnLst>
-                    </p:cTn>
-                  </p:par>
-                  <p:par>
-                    <p:cTn id="31" fill="hold">
-                      <p:stCondLst>
-                        <p:cond delay="indefinite"/>
-                      </p:stCondLst>
-                      <p:childTnLst>
-                        <p:par>
-                          <p:cTn id="32" fill="hold">
-                            <p:stCondLst>
-                              <p:cond delay="0"/>
-                            </p:stCondLst>
-                            <p:childTnLst>
-                              <p:par>
-                                <p:cTn id="33" presetID="1" presetClass="entr" presetSubtype="0" fill="hold" nodeType="clickEffect">
-                                  <p:stCondLst>
-                                    <p:cond delay="0"/>
-                                  </p:stCondLst>
-                                  <p:childTnLst>
-                                    <p:set>
-                                      <p:cBhvr>
-                                        <p:cTn id="34" dur="1" fill="hold">
-                                          <p:stCondLst>
-                                            <p:cond delay="0"/>
-                                          </p:stCondLst>
-                                        </p:cTn>
-                                        <p:tgtEl>
-                                          <p:spTgt spid="140">
-                                            <p:txEl>
-                                              <p:pRg st="7" end="7"/>
-                                            </p:txEl>
-                                          </p:spTgt>
-                                        </p:tgtEl>
-                                        <p:attrNameLst>
-                                          <p:attrName>style.visibility</p:attrName>
-                                        </p:attrNameLst>
-                                      </p:cBhvr>
-                                      <p:to>
-                                        <p:strVal val="visible"/>
-                                      </p:to>
-                                    </p:set>
-                                  </p:childTnLst>
-                                </p:cTn>
-                              </p:par>
-                            </p:childTnLst>
-                          </p:cTn>
-                        </p:par>
-                      </p:childTnLst>
-                    </p:cTn>
-                  </p:par>
-                  <p:par>
-                    <p:cTn id="35" fill="hold">
-                      <p:stCondLst>
-                        <p:cond delay="indefinite"/>
-                      </p:stCondLst>
-                      <p:childTnLst>
-                        <p:par>
-                          <p:cTn id="36" fill="hold">
-                            <p:stCondLst>
-                              <p:cond delay="0"/>
-                            </p:stCondLst>
-                            <p:childTnLst>
-                              <p:par>
-                                <p:cTn id="37" presetID="1" presetClass="entr" presetSubtype="0" fill="hold" nodeType="clickEffect">
-                                  <p:stCondLst>
-                                    <p:cond delay="0"/>
-                                  </p:stCondLst>
-                                  <p:childTnLst>
-                                    <p:set>
-                                      <p:cBhvr>
-                                        <p:cTn id="38" dur="1" fill="hold">
-                                          <p:stCondLst>
-                                            <p:cond delay="0"/>
-                                          </p:stCondLst>
-                                        </p:cTn>
-                                        <p:tgtEl>
-                                          <p:spTgt spid="140">
-                                            <p:txEl>
-                                              <p:pRg st="8" end="8"/>
-                                            </p:txEl>
-                                          </p:spTgt>
-                                        </p:tgtEl>
-                                        <p:attrNameLst>
-                                          <p:attrName>style.visibility</p:attrName>
-                                        </p:attrNameLst>
-                                      </p:cBhvr>
-                                      <p:to>
-                                        <p:strVal val="visible"/>
-                                      </p:to>
-                                    </p:set>
-                                  </p:childTnLst>
-                                </p:cTn>
-                              </p:par>
-                            </p:childTnLst>
-                          </p:cTn>
-                        </p:par>
-                      </p:childTnLst>
-                    </p:cTn>
-                  </p:par>
-                  <p:par>
-                    <p:cTn id="39" fill="hold">
-                      <p:stCondLst>
-                        <p:cond delay="indefinite"/>
-                      </p:stCondLst>
-                      <p:childTnLst>
-                        <p:par>
-                          <p:cTn id="40" fill="hold">
-                            <p:stCondLst>
-                              <p:cond delay="0"/>
-                            </p:stCondLst>
-                            <p:childTnLst>
-                              <p:par>
-                                <p:cTn id="41" presetID="1" presetClass="entr" presetSubtype="0" fill="hold" nodeType="clickEffect">
-                                  <p:stCondLst>
-                                    <p:cond delay="0"/>
-                                  </p:stCondLst>
-                                  <p:childTnLst>
-                                    <p:set>
-                                      <p:cBhvr>
-                                        <p:cTn id="42" dur="1" fill="hold">
-                                          <p:stCondLst>
-                                            <p:cond delay="0"/>
-                                          </p:stCondLst>
-                                        </p:cTn>
-                                        <p:tgtEl>
-                                          <p:spTgt spid="140">
-                                            <p:txEl>
-                                              <p:pRg st="9" end="9"/>
-                                            </p:txEl>
-                                          </p:spTgt>
-                                        </p:tgtEl>
-                                        <p:attrNameLst>
-                                          <p:attrName>style.visibility</p:attrName>
-                                        </p:attrNameLst>
-                                      </p:cBhvr>
-                                      <p:to>
-                                        <p:strVal val="visible"/>
-                                      </p:to>
-                                    </p:set>
-                                  </p:childTnLst>
-                                </p:cTn>
-                              </p:par>
-                            </p:childTnLst>
-                          </p:cTn>
-                        </p:par>
-                      </p:childTnLst>
-                    </p:cTn>
-                  </p:par>
-                  <p:par>
-                    <p:cTn id="43" fill="hold">
-                      <p:stCondLst>
-                        <p:cond delay="indefinite"/>
-                      </p:stCondLst>
-                      <p:childTnLst>
-                        <p:par>
-                          <p:cTn id="44" fill="hold">
-                            <p:stCondLst>
-                              <p:cond delay="0"/>
-                            </p:stCondLst>
-                            <p:childTnLst>
-                              <p:par>
-                                <p:cTn id="45" presetID="1" presetClass="entr" presetSubtype="0" fill="hold" nodeType="clickEffect">
-                                  <p:stCondLst>
-                                    <p:cond delay="0"/>
-                                  </p:stCondLst>
-                                  <p:childTnLst>
-                                    <p:set>
-                                      <p:cBhvr>
-                                        <p:cTn id="46" dur="1" fill="hold">
-                                          <p:stCondLst>
-                                            <p:cond delay="0"/>
-                                          </p:stCondLst>
-                                        </p:cTn>
-                                        <p:tgtEl>
-                                          <p:spTgt spid="140">
-                                            <p:txEl>
-                                              <p:pRg st="10" end="10"/>
-                                            </p:txEl>
-                                          </p:spTgt>
-                                        </p:tgtEl>
-                                        <p:attrNameLst>
-                                          <p:attrName>style.visibility</p:attrName>
-                                        </p:attrNameLst>
-                                      </p:cBhvr>
-                                      <p:to>
-                                        <p:strVal val="visible"/>
-                                      </p:to>
-                                    </p:set>
-                                  </p:childTnLst>
-                                </p:cTn>
-                              </p:par>
-                            </p:childTnLst>
-                          </p:cTn>
-                        </p:par>
-                      </p:childTnLst>
-                    </p:cTn>
-                  </p:par>
-                  <p:par>
-                    <p:cTn id="47" fill="hold">
-                      <p:stCondLst>
-                        <p:cond delay="indefinite"/>
-                      </p:stCondLst>
-                      <p:childTnLst>
-                        <p:par>
-                          <p:cTn id="48" fill="hold">
-                            <p:stCondLst>
-                              <p:cond delay="0"/>
-                            </p:stCondLst>
-                            <p:childTnLst>
-                              <p:par>
-                                <p:cTn id="49" presetID="1" presetClass="entr" presetSubtype="0" fill="hold" nodeType="clickEffect">
-                                  <p:stCondLst>
-                                    <p:cond delay="0"/>
-                                  </p:stCondLst>
-                                  <p:childTnLst>
-                                    <p:set>
-                                      <p:cBhvr>
-                                        <p:cTn id="50" dur="1" fill="hold">
-                                          <p:stCondLst>
-                                            <p:cond delay="0"/>
-                                          </p:stCondLst>
-                                        </p:cTn>
-                                        <p:tgtEl>
-                                          <p:spTgt spid="140">
-                                            <p:txEl>
-                                              <p:pRg st="11" end="11"/>
-                                            </p:txEl>
-                                          </p:spTgt>
-                                        </p:tgtEl>
-                                        <p:attrNameLst>
-                                          <p:attrName>style.visibility</p:attrName>
-                                        </p:attrNameLst>
-                                      </p:cBhvr>
-                                      <p:to>
-                                        <p:strVal val="visible"/>
-                                      </p:to>
-                                    </p:set>
-                                  </p:childTnLst>
-                                </p:cTn>
-                              </p:par>
-                            </p:childTnLst>
-                          </p:cTn>
-                        </p:par>
-                      </p:childTnLst>
-                    </p:cTn>
-                  </p:par>
-                  <p:par>
-                    <p:cTn id="51" fill="hold">
-                      <p:stCondLst>
-                        <p:cond delay="indefinite"/>
-                      </p:stCondLst>
-                      <p:childTnLst>
-                        <p:par>
-                          <p:cTn id="52" fill="hold">
-                            <p:stCondLst>
-                              <p:cond delay="0"/>
-                            </p:stCondLst>
-                            <p:childTnLst>
-                              <p:par>
-                                <p:cTn id="53" presetID="1" presetClass="entr" presetSubtype="0" fill="hold" nodeType="clickEffect">
-                                  <p:stCondLst>
-                                    <p:cond delay="0"/>
-                                  </p:stCondLst>
-                                  <p:childTnLst>
-                                    <p:set>
-                                      <p:cBhvr>
-                                        <p:cTn id="54" dur="1" fill="hold">
-                                          <p:stCondLst>
-                                            <p:cond delay="0"/>
-                                          </p:stCondLst>
-                                        </p:cTn>
-                                        <p:tgtEl>
-                                          <p:spTgt spid="140">
-                                            <p:txEl>
-                                              <p:pRg st="12" end="12"/>
-                                            </p:txEl>
-                                          </p:spTgt>
-                                        </p:tgtEl>
-                                        <p:attrNameLst>
-                                          <p:attrName>style.visibility</p:attrName>
-                                        </p:attrNameLst>
-                                      </p:cBhvr>
-                                      <p:to>
-                                        <p:strVal val="visible"/>
-                                      </p:to>
-                                    </p:set>
-                                  </p:childTnLst>
-                                </p:cTn>
-                              </p:par>
-                            </p:childTnLst>
-                          </p:cTn>
-                        </p:par>
-                      </p:childTnLst>
-                    </p:cTn>
-                  </p:par>
-                  <p:par>
-                    <p:cTn id="55" fill="hold">
-                      <p:stCondLst>
-                        <p:cond delay="indefinite"/>
-                      </p:stCondLst>
-                      <p:childTnLst>
-                        <p:par>
-                          <p:cTn id="56" fill="hold">
-                            <p:stCondLst>
-                              <p:cond delay="0"/>
-                            </p:stCondLst>
-                            <p:childTnLst>
-                              <p:par>
-                                <p:cTn id="57" presetID="1" presetClass="entr" presetSubtype="0" fill="hold" nodeType="clickEffect">
-                                  <p:stCondLst>
-                                    <p:cond delay="0"/>
-                                  </p:stCondLst>
-                                  <p:childTnLst>
-                                    <p:set>
-                                      <p:cBhvr>
-                                        <p:cTn id="58" dur="1" fill="hold">
-                                          <p:stCondLst>
-                                            <p:cond delay="0"/>
-                                          </p:stCondLst>
-                                        </p:cTn>
-                                        <p:tgtEl>
-                                          <p:spTgt spid="140">
-                                            <p:txEl>
-                                              <p:pRg st="13" end="13"/>
-                                            </p:txEl>
-                                          </p:spTgt>
-                                        </p:tgtEl>
-                                        <p:attrNameLst>
-                                          <p:attrName>style.visibility</p:attrName>
-                                        </p:attrNameLst>
-                                      </p:cBhvr>
-                                      <p:to>
-                                        <p:strVal val="visible"/>
-                                      </p:to>
-                                    </p:set>
-                                  </p:childTnLst>
-                                </p:cTn>
-                              </p:par>
-                            </p:childTnLst>
-                          </p:cTn>
-                        </p:par>
-                      </p:childTnLst>
-                    </p:cTn>
-                  </p:par>
-                  <p:par>
-                    <p:cTn id="59" fill="hold">
-                      <p:stCondLst>
-                        <p:cond delay="indefinite"/>
-                      </p:stCondLst>
-                      <p:childTnLst>
-                        <p:par>
-                          <p:cTn id="60" fill="hold">
-                            <p:stCondLst>
-                              <p:cond delay="0"/>
-                            </p:stCondLst>
-                            <p:childTnLst>
-                              <p:par>
-                                <p:cTn id="61" presetID="1" presetClass="entr" presetSubtype="0" fill="hold" nodeType="clickEffect">
-                                  <p:stCondLst>
-                                    <p:cond delay="0"/>
-                                  </p:stCondLst>
-                                  <p:childTnLst>
-                                    <p:set>
-                                      <p:cBhvr>
-                                        <p:cTn id="62" dur="1" fill="hold">
-                                          <p:stCondLst>
-                                            <p:cond delay="0"/>
-                                          </p:stCondLst>
-                                        </p:cTn>
-                                        <p:tgtEl>
-                                          <p:spTgt spid="140">
-                                            <p:txEl>
-                                              <p:pRg st="14" end="14"/>
-                                            </p:txEl>
-                                          </p:spTgt>
-                                        </p:tgtEl>
-                                        <p:attrNameLst>
-                                          <p:attrName>style.visibility</p:attrName>
-                                        </p:attrNameLst>
-                                      </p:cBhvr>
-                                      <p:to>
-                                        <p:strVal val="visible"/>
-                                      </p:to>
-                                    </p:set>
-                                  </p:childTnLst>
-                                </p:cTn>
-                              </p:par>
-                            </p:childTnLst>
-                          </p:cTn>
-                        </p:par>
-                      </p:childTnLst>
-                    </p:cTn>
-                  </p:par>
-                  <p:par>
-                    <p:cTn id="63" fill="hold">
-                      <p:stCondLst>
-                        <p:cond delay="indefinite"/>
-                      </p:stCondLst>
-                      <p:childTnLst>
-                        <p:par>
-                          <p:cTn id="64" fill="hold">
-                            <p:stCondLst>
-                              <p:cond delay="0"/>
-                            </p:stCondLst>
-                            <p:childTnLst>
-                              <p:par>
-                                <p:cTn id="65" presetID="1" presetClass="entr" presetSubtype="0" fill="hold" nodeType="clickEffect">
-                                  <p:stCondLst>
-                                    <p:cond delay="0"/>
-                                  </p:stCondLst>
-                                  <p:childTnLst>
-                                    <p:set>
-                                      <p:cBhvr>
-                                        <p:cTn id="66" dur="1" fill="hold">
-                                          <p:stCondLst>
-                                            <p:cond delay="0"/>
-                                          </p:stCondLst>
-                                        </p:cTn>
-                                        <p:tgtEl>
-                                          <p:spTgt spid="140">
-                                            <p:txEl>
-                                              <p:pRg st="15" end="15"/>
-                                            </p:txEl>
-                                          </p:spTgt>
-                                        </p:tgtEl>
-                                        <p:attrNameLst>
-                                          <p:attrName>style.visibility</p:attrName>
-                                        </p:attrNameLst>
-                                      </p:cBhvr>
-                                      <p:to>
-                                        <p:strVal val="visible"/>
-                                      </p:to>
-                                    </p:set>
-                                  </p:childTnLst>
-                                </p:cTn>
-                              </p:par>
-                            </p:childTnLst>
-                          </p:cTn>
-                        </p:par>
-                      </p:childTnLst>
-                    </p:cTn>
-                  </p:par>
-                  <p:par>
-                    <p:cTn id="67" fill="hold">
-                      <p:stCondLst>
-                        <p:cond delay="indefinite"/>
-                      </p:stCondLst>
-                      <p:childTnLst>
-                        <p:par>
-                          <p:cTn id="68" fill="hold">
-                            <p:stCondLst>
-                              <p:cond delay="0"/>
-                            </p:stCondLst>
-                            <p:childTnLst>
-                              <p:par>
-                                <p:cTn id="69" presetID="1" presetClass="entr" presetSubtype="0" fill="hold" nodeType="clickEffect">
-                                  <p:stCondLst>
-                                    <p:cond delay="0"/>
-                                  </p:stCondLst>
-                                  <p:childTnLst>
-                                    <p:set>
-                                      <p:cBhvr>
-                                        <p:cTn id="70" dur="1" fill="hold">
-                                          <p:stCondLst>
-                                            <p:cond delay="0"/>
-                                          </p:stCondLst>
-                                        </p:cTn>
-                                        <p:tgtEl>
-                                          <p:spTgt spid="140">
-                                            <p:txEl>
-                                              <p:pRg st="16" end="16"/>
-                                            </p:txEl>
-                                          </p:spTgt>
-                                        </p:tgtEl>
-                                        <p:attrNameLst>
-                                          <p:attrName>style.visibility</p:attrName>
-                                        </p:attrNameLst>
-                                      </p:cBhvr>
-                                      <p:to>
-                                        <p:strVal val="visible"/>
-                                      </p:to>
-                                    </p:set>
-                                  </p:childTnLst>
-                                </p:cTn>
-                              </p:par>
-                            </p:childTnLst>
-                          </p:cTn>
-                        </p:par>
-                      </p:childTnLst>
-                    </p:cTn>
-                  </p:par>
-                </p:childTnLst>
-              </p:cTn>
-              <p:prevCondLst>
-                <p:cond evt="onPrev" delay="0">
-                  <p:tgtEl>
-                    <p:sldTgt/>
-                  </p:tgtEl>
-                </p:cond>
-              </p:prevCondLst>
-              <p:nextCondLst>
-                <p:cond evt="onNext" delay="0">
-                  <p:tgtEl>
-                    <p:sldTgt/>
-                  </p:tgtEl>
-                </p:cond>
-              </p:nextCondLst>
-            </p:seq>
-          </p:childTnLst>
-        </p:cTn>
-      </p:par>
-    </p:tnLst>
-  </p:timing>
 </p:sld>
 </file>
 

--- a/Abgabe/Dokumentation/Präsentation.pptx
+++ b/Abgabe/Dokumentation/Präsentation.pptx
@@ -5002,7 +5002,7 @@
           <a:p>
             <a:fld id="{2E5B66CC-DEBD-4864-A178-797B0E54C0D4}" type="datetimeFigureOut">
               <a:rPr lang="de-DE" smtClean="0"/>
-              <a:t>12.06.25</a:t>
+              <a:t>13.06.2025</a:t>
             </a:fld>
             <a:endParaRPr lang="de-DE"/>
           </a:p>
@@ -5326,6 +5326,17 @@
               <a:t> im Projekt enthalten ist.</a:t>
             </a:r>
           </a:p>
+          <a:p>
+            <a:r>
+              <a:rPr lang="de-DE" dirty="0"/>
+              <a:t>Viele Integrationstest kaum komplett </a:t>
+            </a:r>
+            <a:r>
+              <a:rPr lang="de-DE" dirty="0" err="1"/>
+              <a:t>tests</a:t>
+            </a:r>
+            <a:endParaRPr lang="de-DE" dirty="0"/>
+          </a:p>
         </p:txBody>
       </p:sp>
       <p:sp>
@@ -5408,7 +5419,16 @@
           <a:bodyPr/>
           <a:lstStyle/>
           <a:p>
-            <a:endParaRPr lang="de-DE" dirty="0"/>
+            <a:r>
+              <a:rPr lang="de-DE" dirty="0"/>
+              <a:t>3 größtes Risiko</a:t>
+            </a:r>
+          </a:p>
+          <a:p>
+            <a:r>
+              <a:rPr lang="de-DE" dirty="0"/>
+              <a:t>8 geringstes Risiko</a:t>
+            </a:r>
           </a:p>
         </p:txBody>
       </p:sp>
@@ -5429,6 +5449,90 @@
           <a:p>
             <a:fld id="{E4C9DD25-300E-4456-A785-4AC273582C9A}" type="slidenum">
               <a:rPr lang="de-DE" smtClean="0"/>
+              <a:t>23</a:t>
+            </a:fld>
+            <a:endParaRPr lang="de-DE"/>
+          </a:p>
+        </p:txBody>
+      </p:sp>
+    </p:spTree>
+    <p:extLst>
+      <p:ext uri="{BB962C8B-B14F-4D97-AF65-F5344CB8AC3E}">
+        <p14:creationId xmlns:p14="http://schemas.microsoft.com/office/powerpoint/2010/main" val="4190423336"/>
+      </p:ext>
+    </p:extLst>
+  </p:cSld>
+  <p:clrMapOvr>
+    <a:masterClrMapping/>
+  </p:clrMapOvr>
+</p:notes>
+</file>
+
+<file path=ppt/notesSlides/notesSlide3.xml><?xml version="1.0" encoding="utf-8"?>
+<p:notes xmlns:a="http://schemas.openxmlformats.org/drawingml/2006/main" xmlns:r="http://schemas.openxmlformats.org/officeDocument/2006/relationships" xmlns:p="http://schemas.openxmlformats.org/presentationml/2006/main">
+  <p:cSld>
+    <p:spTree>
+      <p:nvGrpSpPr>
+        <p:cNvPr id="1" name=""/>
+        <p:cNvGrpSpPr/>
+        <p:nvPr/>
+      </p:nvGrpSpPr>
+      <p:grpSpPr>
+        <a:xfrm>
+          <a:off x="0" y="0"/>
+          <a:ext cx="0" cy="0"/>
+          <a:chOff x="0" y="0"/>
+          <a:chExt cx="0" cy="0"/>
+        </a:xfrm>
+      </p:grpSpPr>
+      <p:sp>
+        <p:nvSpPr>
+          <p:cNvPr id="2" name="Folienbildplatzhalter 1"/>
+          <p:cNvSpPr>
+            <a:spLocks noGrp="1" noRot="1" noChangeAspect="1"/>
+          </p:cNvSpPr>
+          <p:nvPr>
+            <p:ph type="sldImg"/>
+          </p:nvPr>
+        </p:nvSpPr>
+        <p:spPr/>
+      </p:sp>
+      <p:sp>
+        <p:nvSpPr>
+          <p:cNvPr id="3" name="Notizenplatzhalter 2"/>
+          <p:cNvSpPr>
+            <a:spLocks noGrp="1"/>
+          </p:cNvSpPr>
+          <p:nvPr>
+            <p:ph type="body" idx="1"/>
+          </p:nvPr>
+        </p:nvSpPr>
+        <p:spPr/>
+        <p:txBody>
+          <a:bodyPr/>
+          <a:lstStyle/>
+          <a:p>
+            <a:endParaRPr lang="de-DE" dirty="0"/>
+          </a:p>
+        </p:txBody>
+      </p:sp>
+      <p:sp>
+        <p:nvSpPr>
+          <p:cNvPr id="4" name="Foliennummernplatzhalter 3"/>
+          <p:cNvSpPr>
+            <a:spLocks noGrp="1"/>
+          </p:cNvSpPr>
+          <p:nvPr>
+            <p:ph type="sldNum" sz="quarter" idx="5"/>
+          </p:nvPr>
+        </p:nvSpPr>
+        <p:spPr/>
+        <p:txBody>
+          <a:bodyPr/>
+          <a:lstStyle/>
+          <a:p>
+            <a:fld id="{E4C9DD25-300E-4456-A785-4AC273582C9A}" type="slidenum">
+              <a:rPr lang="de-DE" smtClean="0"/>
               <a:t>32</a:t>
             </a:fld>
             <a:endParaRPr lang="de-DE"/>
@@ -5439,6 +5543,93 @@
     <p:extLst>
       <p:ext uri="{BB962C8B-B14F-4D97-AF65-F5344CB8AC3E}">
         <p14:creationId xmlns:p14="http://schemas.microsoft.com/office/powerpoint/2010/main" val="287950621"/>
+      </p:ext>
+    </p:extLst>
+  </p:cSld>
+  <p:clrMapOvr>
+    <a:masterClrMapping/>
+  </p:clrMapOvr>
+</p:notes>
+</file>
+
+<file path=ppt/notesSlides/notesSlide4.xml><?xml version="1.0" encoding="utf-8"?>
+<p:notes xmlns:a="http://schemas.openxmlformats.org/drawingml/2006/main" xmlns:r="http://schemas.openxmlformats.org/officeDocument/2006/relationships" xmlns:p="http://schemas.openxmlformats.org/presentationml/2006/main">
+  <p:cSld>
+    <p:spTree>
+      <p:nvGrpSpPr>
+        <p:cNvPr id="1" name=""/>
+        <p:cNvGrpSpPr/>
+        <p:nvPr/>
+      </p:nvGrpSpPr>
+      <p:grpSpPr>
+        <a:xfrm>
+          <a:off x="0" y="0"/>
+          <a:ext cx="0" cy="0"/>
+          <a:chOff x="0" y="0"/>
+          <a:chExt cx="0" cy="0"/>
+        </a:xfrm>
+      </p:grpSpPr>
+      <p:sp>
+        <p:nvSpPr>
+          <p:cNvPr id="2" name="Folienbildplatzhalter 1"/>
+          <p:cNvSpPr>
+            <a:spLocks noGrp="1" noRot="1" noChangeAspect="1"/>
+          </p:cNvSpPr>
+          <p:nvPr>
+            <p:ph type="sldImg"/>
+          </p:nvPr>
+        </p:nvSpPr>
+        <p:spPr/>
+      </p:sp>
+      <p:sp>
+        <p:nvSpPr>
+          <p:cNvPr id="3" name="Notizenplatzhalter 2"/>
+          <p:cNvSpPr>
+            <a:spLocks noGrp="1"/>
+          </p:cNvSpPr>
+          <p:nvPr>
+            <p:ph type="body" idx="1"/>
+          </p:nvPr>
+        </p:nvSpPr>
+        <p:spPr/>
+        <p:txBody>
+          <a:bodyPr/>
+          <a:lstStyle/>
+          <a:p>
+            <a:r>
+              <a:rPr lang="de-DE" dirty="0"/>
+              <a:t>Gibt’s Fragen</a:t>
+            </a:r>
+          </a:p>
+        </p:txBody>
+      </p:sp>
+      <p:sp>
+        <p:nvSpPr>
+          <p:cNvPr id="4" name="Foliennummernplatzhalter 3"/>
+          <p:cNvSpPr>
+            <a:spLocks noGrp="1"/>
+          </p:cNvSpPr>
+          <p:nvPr>
+            <p:ph type="sldNum" sz="quarter" idx="5"/>
+          </p:nvPr>
+        </p:nvSpPr>
+        <p:spPr/>
+        <p:txBody>
+          <a:bodyPr/>
+          <a:lstStyle/>
+          <a:p>
+            <a:fld id="{E4C9DD25-300E-4456-A785-4AC273582C9A}" type="slidenum">
+              <a:rPr lang="de-DE" smtClean="0"/>
+              <a:t>33</a:t>
+            </a:fld>
+            <a:endParaRPr lang="de-DE"/>
+          </a:p>
+        </p:txBody>
+      </p:sp>
+    </p:spTree>
+    <p:extLst>
+      <p:ext uri="{BB962C8B-B14F-4D97-AF65-F5344CB8AC3E}">
+        <p14:creationId xmlns:p14="http://schemas.microsoft.com/office/powerpoint/2010/main" val="4166417104"/>
       </p:ext>
     </p:extLst>
   </p:cSld>
@@ -19609,7 +19800,7 @@
           <p:nvPr/>
         </p:nvPicPr>
         <p:blipFill>
-          <a:blip r:embed="rId2"/>
+          <a:blip r:embed="rId3"/>
           <a:stretch/>
         </p:blipFill>
         <p:spPr>

--- a/Abgabe/Dokumentation/Präsentation.pptx
+++ b/Abgabe/Dokumentation/Präsentation.pptx
@@ -5002,7 +5002,7 @@
           <a:p>
             <a:fld id="{2E5B66CC-DEBD-4864-A178-797B0E54C0D4}" type="datetimeFigureOut">
               <a:rPr lang="de-DE" smtClean="0"/>
-              <a:t>13.06.2025</a:t>
+              <a:t>13.06.25</a:t>
             </a:fld>
             <a:endParaRPr lang="de-DE"/>
           </a:p>
@@ -13361,8 +13361,16 @@
       </p:sp>
       <p:pic>
         <p:nvPicPr>
-          <p:cNvPr id="138" name="Grafik 11"/>
-          <p:cNvPicPr/>
+          <p:cNvPr id="7" name="Grafik 6">
+            <a:extLst>
+              <a:ext uri="{FF2B5EF4-FFF2-40B4-BE49-F238E27FC236}">
+                <a16:creationId xmlns:a16="http://schemas.microsoft.com/office/drawing/2014/main" id="{6740005F-D4AA-7617-B6DF-6E7D28F0842D}"/>
+              </a:ext>
+            </a:extLst>
+          </p:cNvPr>
+          <p:cNvPicPr>
+            <a:picLocks noChangeAspect="1"/>
+          </p:cNvPicPr>
           <p:nvPr/>
         </p:nvPicPr>
         <p:blipFill>
@@ -13373,20 +13381,18 @@
               </a:ext>
             </a:extLst>
           </a:blip>
-          <a:stretch/>
+          <a:stretch>
+            <a:fillRect/>
+          </a:stretch>
         </p:blipFill>
         <p:spPr>
           <a:xfrm>
-            <a:off x="393840" y="2968560"/>
-            <a:ext cx="11632320" cy="4146120"/>
+            <a:off x="700559" y="2938272"/>
+            <a:ext cx="10692265" cy="3811274"/>
           </a:xfrm>
           <a:prstGeom prst="rect">
             <a:avLst/>
           </a:prstGeom>
-          <a:noFill/>
-          <a:ln w="0">
-            <a:noFill/>
-          </a:ln>
         </p:spPr>
       </p:pic>
     </p:spTree>

--- a/Abgabe/Dokumentation/Präsentation.pptx
+++ b/Abgabe/Dokumentation/Präsentation.pptx
@@ -150,7 +150,7 @@
 <file path=ppt/charts/chart1.xml><?xml version="1.0" encoding="utf-8"?>
 <c:chartSpace xmlns:c="http://schemas.openxmlformats.org/drawingml/2006/chart" xmlns:a="http://schemas.openxmlformats.org/drawingml/2006/main" xmlns:r="http://schemas.openxmlformats.org/officeDocument/2006/relationships" xmlns:c16r2="http://schemas.microsoft.com/office/drawing/2015/06/chart">
   <c:date1904 val="1"/>
-  <c:lang val="de-DE"/>
+  <c:lang val="en-GB"/>
   <c:roundedCorners val="0"/>
   <c:style val="2"/>
   <c:chart>
@@ -1207,7 +1207,7 @@
 <file path=ppt/charts/chart2.xml><?xml version="1.0" encoding="utf-8"?>
 <c:chartSpace xmlns:c="http://schemas.openxmlformats.org/drawingml/2006/chart" xmlns:a="http://schemas.openxmlformats.org/drawingml/2006/main" xmlns:r="http://schemas.openxmlformats.org/officeDocument/2006/relationships" xmlns:c16r2="http://schemas.microsoft.com/office/drawing/2015/06/chart">
   <c:date1904 val="1"/>
-  <c:lang val="de-DE"/>
+  <c:lang val="en-GB"/>
   <c:roundedCorners val="0"/>
   <c:style val="2"/>
   <c:chart>
@@ -5002,7 +5002,7 @@
           <a:p>
             <a:fld id="{2E5B66CC-DEBD-4864-A178-797B0E54C0D4}" type="datetimeFigureOut">
               <a:rPr lang="de-DE" smtClean="0"/>
-              <a:t>13.06.25</a:t>
+              <a:t>13.06.2025</a:t>
             </a:fld>
             <a:endParaRPr lang="de-DE"/>
           </a:p>
@@ -5160,7 +5160,7 @@
           <a:p>
             <a:fld id="{E4C9DD25-300E-4456-A785-4AC273582C9A}" type="slidenum">
               <a:rPr lang="de-DE" smtClean="0"/>
-              <a:t>‹Nr.›</a:t>
+              <a:t>‹#›</a:t>
             </a:fld>
             <a:endParaRPr lang="de-DE"/>
           </a:p>
@@ -5337,6 +5337,24 @@
             </a:r>
             <a:endParaRPr lang="de-DE" dirty="0"/>
           </a:p>
+          <a:p>
+            <a:r>
+              <a:rPr lang="de-DE"/>
+              <a:t>API Tests mit Postmann</a:t>
+            </a:r>
+            <a:endParaRPr lang="de-DE" dirty="0"/>
+          </a:p>
+          <a:p>
+            <a:r>
+              <a:rPr lang="de-DE" dirty="0"/>
+              <a:t>Regelmäßige RÜ mit BBQ </a:t>
+            </a:r>
+            <a:r>
+              <a:rPr lang="de-DE" dirty="0" err="1"/>
+              <a:t>Gmbh</a:t>
+            </a:r>
+            <a:endParaRPr lang="de-DE" dirty="0"/>
+          </a:p>
         </p:txBody>
       </p:sp>
       <p:sp>
@@ -5421,13 +5439,30 @@
           <a:p>
             <a:r>
               <a:rPr lang="de-DE" dirty="0"/>
-              <a:t>3 größtes Risiko</a:t>
-            </a:r>
+              <a:t>3 größtes Risiko Budget da </a:t>
+            </a:r>
+            <a:r>
+              <a:rPr lang="de-DE" dirty="0" err="1"/>
+              <a:t>Scrum</a:t>
+            </a:r>
+            <a:endParaRPr lang="de-DE" dirty="0"/>
           </a:p>
           <a:p>
             <a:r>
               <a:rPr lang="de-DE" dirty="0"/>
-              <a:t>8 geringstes Risiko</a:t>
+              <a:t>8 geringstes Risiko#</a:t>
+            </a:r>
+          </a:p>
+          <a:p>
+            <a:r>
+              <a:rPr lang="de-DE" dirty="0"/>
+              <a:t>Mittlere: 2Krankheit 4Entwicklungszeit, 6Bugs 10 geänderte Anforderungen</a:t>
+            </a:r>
+          </a:p>
+          <a:p>
+            <a:r>
+              <a:rPr lang="de-DE" dirty="0"/>
+              <a:t>Als nächstes Fabian</a:t>
             </a:r>
           </a:p>
         </p:txBody>
@@ -5952,7 +5987,7 @@
                 <a:uFillTx/>
                 <a:latin typeface="Calisto MT"/>
               </a:rPr>
-              <a:t>‹Nr.›</a:t>
+              <a:t>‹#›</a:t>
             </a:fld>
             <a:endParaRPr lang="de-DE" sz="1800" b="0" u="none" strike="noStrike">
               <a:solidFill>
@@ -6768,7 +6803,7 @@
                 <a:uFillTx/>
                 <a:latin typeface="Calisto MT"/>
               </a:rPr>
-              <a:t>‹Nr.›</a:t>
+              <a:t>‹#›</a:t>
             </a:fld>
             <a:endParaRPr lang="de-DE" sz="1800" b="0" u="none" strike="noStrike">
               <a:solidFill>
@@ -7225,7 +7260,7 @@
                 <a:uFillTx/>
                 <a:latin typeface="Calisto MT"/>
               </a:rPr>
-              <a:t>‹Nr.›</a:t>
+              <a:t>‹#›</a:t>
             </a:fld>
             <a:endParaRPr lang="de-DE" sz="1800" b="0" u="none" strike="noStrike">
               <a:solidFill>
@@ -7759,7 +7794,7 @@
                 <a:uFillTx/>
                 <a:latin typeface="Calisto MT"/>
               </a:rPr>
-              <a:t>‹Nr.›</a:t>
+              <a:t>‹#›</a:t>
             </a:fld>
             <a:endParaRPr lang="de-DE" sz="1800" b="0" u="none" strike="noStrike">
               <a:solidFill>
@@ -8293,7 +8328,7 @@
                 <a:uFillTx/>
                 <a:latin typeface="Calisto MT"/>
               </a:rPr>
-              <a:t>‹Nr.›</a:t>
+              <a:t>‹#›</a:t>
             </a:fld>
             <a:endParaRPr lang="de-DE" sz="1800" b="0" u="none" strike="noStrike">
               <a:solidFill>
@@ -8827,7 +8862,7 @@
                 <a:uFillTx/>
                 <a:latin typeface="Calisto MT"/>
               </a:rPr>
-              <a:t>‹Nr.›</a:t>
+              <a:t>‹#›</a:t>
             </a:fld>
             <a:endParaRPr lang="de-DE" sz="1800" b="0" u="none" strike="noStrike">
               <a:solidFill>
@@ -9226,7 +9261,7 @@
                 <a:uFillTx/>
                 <a:latin typeface="Calisto MT"/>
               </a:rPr>
-              <a:t>‹Nr.›</a:t>
+              <a:t>‹#›</a:t>
             </a:fld>
             <a:endParaRPr lang="de-DE" sz="1800" b="0" u="none" strike="noStrike">
               <a:solidFill>
@@ -9960,7 +9995,7 @@
                 <a:uFillTx/>
                 <a:latin typeface="Calisto MT"/>
               </a:rPr>
-              <a:t>‹Nr.›</a:t>
+              <a:t>‹#›</a:t>
             </a:fld>
             <a:endParaRPr lang="de-DE" sz="1800" b="0" u="none" strike="noStrike">
               <a:solidFill>
@@ -10820,7 +10855,7 @@
                 <a:uFillTx/>
                 <a:latin typeface="Calisto MT"/>
               </a:rPr>
-              <a:t>‹Nr.›</a:t>
+              <a:t>‹#›</a:t>
             </a:fld>
             <a:endParaRPr lang="de-DE" sz="1800" b="0" u="none" strike="noStrike">
               <a:solidFill>
@@ -11154,7 +11189,7 @@
                 <a:uFillTx/>
                 <a:latin typeface="Calisto MT"/>
               </a:rPr>
-              <a:t>‹Nr.›</a:t>
+              <a:t>‹#›</a:t>
             </a:fld>
             <a:endParaRPr lang="de-DE" sz="1800" b="0" u="none" strike="noStrike">
               <a:solidFill>
@@ -11431,7 +11466,7 @@
                 <a:uFillTx/>
                 <a:latin typeface="Calisto MT"/>
               </a:rPr>
-              <a:t>‹Nr.›</a:t>
+              <a:t>‹#›</a:t>
             </a:fld>
             <a:endParaRPr lang="de-DE" sz="1800" b="0" u="none" strike="noStrike">
               <a:solidFill>
